--- a/figs/figures.pptx
+++ b/figs/figures.pptx
@@ -104,6 +104,11 @@
       </a:defRPr>
     </a:lvl9pPr>
   </p:defaultTextStyle>
+  <p:extLst>
+    <p:ext uri="{EFAFB233-063F-42B5-8137-9DF3F51BA10A}">
+      <p15:sldGuideLst xmlns:p15="http://schemas.microsoft.com/office/powerpoint/2012/main"/>
+    </p:ext>
+  </p:extLst>
 </p:presentation>
 </file>
 
@@ -3959,14 +3964,14 @@
       </p:sp>
       <p:sp>
         <p:nvSpPr>
-          <p:cNvPr id="35" name="Rectangle 34"/>
+          <p:cNvPr id="36" name="Rectangle 35"/>
           <p:cNvSpPr/>
           <p:nvPr/>
         </p:nvSpPr>
         <p:spPr>
           <a:xfrm>
-            <a:off x="7577601" y="7254229"/>
-            <a:ext cx="856325" cy="369332"/>
+            <a:off x="7323077" y="7204830"/>
+            <a:ext cx="1365374" cy="369332"/>
           </a:xfrm>
           <a:prstGeom prst="rect">
             <a:avLst/>
@@ -3980,7 +3985,11 @@
           <a:p>
             <a:r>
               <a:rPr lang="en-US" dirty="0" smtClean="0"/>
-              <a:t>Output</a:t>
+              <a:t>Output </a:t>
+            </a:r>
+            <a:r>
+              <a:rPr lang="en-US" dirty="0" smtClean="0"/>
+              <a:t>layer</a:t>
             </a:r>
             <a:endParaRPr lang="en-US" dirty="0"/>
           </a:p>

--- a/figs/figures.pptx
+++ b/figs/figures.pptx
@@ -6,8 +6,9 @@
   </p:sldMasterIdLst>
   <p:sldIdLst>
     <p:sldId id="256" r:id="rId2"/>
-    <p:sldId id="259" r:id="rId3"/>
-    <p:sldId id="258" r:id="rId4"/>
+    <p:sldId id="260" r:id="rId3"/>
+    <p:sldId id="259" r:id="rId4"/>
+    <p:sldId id="258" r:id="rId5"/>
   </p:sldIdLst>
   <p:sldSz cx="12192000" cy="13679488"/>
   <p:notesSz cx="6858000" cy="9144000"/>
@@ -245,7 +246,7 @@
           <a:p>
             <a:fld id="{9323A0C5-6B5E-4B9A-9575-FF0D04DA84EC}" type="datetimeFigureOut">
               <a:rPr lang="en-US" smtClean="0"/>
-              <a:t>1/11/2019</a:t>
+              <a:t>1/16/2019</a:t>
             </a:fld>
             <a:endParaRPr lang="en-US"/>
           </a:p>
@@ -415,7 +416,7 @@
           <a:p>
             <a:fld id="{9323A0C5-6B5E-4B9A-9575-FF0D04DA84EC}" type="datetimeFigureOut">
               <a:rPr lang="en-US" smtClean="0"/>
-              <a:t>1/11/2019</a:t>
+              <a:t>1/16/2019</a:t>
             </a:fld>
             <a:endParaRPr lang="en-US"/>
           </a:p>
@@ -595,7 +596,7 @@
           <a:p>
             <a:fld id="{9323A0C5-6B5E-4B9A-9575-FF0D04DA84EC}" type="datetimeFigureOut">
               <a:rPr lang="en-US" smtClean="0"/>
-              <a:t>1/11/2019</a:t>
+              <a:t>1/16/2019</a:t>
             </a:fld>
             <a:endParaRPr lang="en-US"/>
           </a:p>
@@ -765,7 +766,7 @@
           <a:p>
             <a:fld id="{9323A0C5-6B5E-4B9A-9575-FF0D04DA84EC}" type="datetimeFigureOut">
               <a:rPr lang="en-US" smtClean="0"/>
-              <a:t>1/11/2019</a:t>
+              <a:t>1/16/2019</a:t>
             </a:fld>
             <a:endParaRPr lang="en-US"/>
           </a:p>
@@ -1009,7 +1010,7 @@
           <a:p>
             <a:fld id="{9323A0C5-6B5E-4B9A-9575-FF0D04DA84EC}" type="datetimeFigureOut">
               <a:rPr lang="en-US" smtClean="0"/>
-              <a:t>1/11/2019</a:t>
+              <a:t>1/16/2019</a:t>
             </a:fld>
             <a:endParaRPr lang="en-US"/>
           </a:p>
@@ -1241,7 +1242,7 @@
           <a:p>
             <a:fld id="{9323A0C5-6B5E-4B9A-9575-FF0D04DA84EC}" type="datetimeFigureOut">
               <a:rPr lang="en-US" smtClean="0"/>
-              <a:t>1/11/2019</a:t>
+              <a:t>1/16/2019</a:t>
             </a:fld>
             <a:endParaRPr lang="en-US"/>
           </a:p>
@@ -1608,7 +1609,7 @@
           <a:p>
             <a:fld id="{9323A0C5-6B5E-4B9A-9575-FF0D04DA84EC}" type="datetimeFigureOut">
               <a:rPr lang="en-US" smtClean="0"/>
-              <a:t>1/11/2019</a:t>
+              <a:t>1/16/2019</a:t>
             </a:fld>
             <a:endParaRPr lang="en-US"/>
           </a:p>
@@ -1726,7 +1727,7 @@
           <a:p>
             <a:fld id="{9323A0C5-6B5E-4B9A-9575-FF0D04DA84EC}" type="datetimeFigureOut">
               <a:rPr lang="en-US" smtClean="0"/>
-              <a:t>1/11/2019</a:t>
+              <a:t>1/16/2019</a:t>
             </a:fld>
             <a:endParaRPr lang="en-US"/>
           </a:p>
@@ -1821,7 +1822,7 @@
           <a:p>
             <a:fld id="{9323A0C5-6B5E-4B9A-9575-FF0D04DA84EC}" type="datetimeFigureOut">
               <a:rPr lang="en-US" smtClean="0"/>
-              <a:t>1/11/2019</a:t>
+              <a:t>1/16/2019</a:t>
             </a:fld>
             <a:endParaRPr lang="en-US"/>
           </a:p>
@@ -2098,7 +2099,7 @@
           <a:p>
             <a:fld id="{9323A0C5-6B5E-4B9A-9575-FF0D04DA84EC}" type="datetimeFigureOut">
               <a:rPr lang="en-US" smtClean="0"/>
-              <a:t>1/11/2019</a:t>
+              <a:t>1/16/2019</a:t>
             </a:fld>
             <a:endParaRPr lang="en-US"/>
           </a:p>
@@ -2355,7 +2356,7 @@
           <a:p>
             <a:fld id="{9323A0C5-6B5E-4B9A-9575-FF0D04DA84EC}" type="datetimeFigureOut">
               <a:rPr lang="en-US" smtClean="0"/>
-              <a:t>1/11/2019</a:t>
+              <a:t>1/16/2019</a:t>
             </a:fld>
             <a:endParaRPr lang="en-US"/>
           </a:p>
@@ -2568,7 +2569,7 @@
           <a:p>
             <a:fld id="{9323A0C5-6B5E-4B9A-9575-FF0D04DA84EC}" type="datetimeFigureOut">
               <a:rPr lang="en-US" smtClean="0"/>
-              <a:t>1/11/2019</a:t>
+              <a:t>1/16/2019</a:t>
             </a:fld>
             <a:endParaRPr lang="en-US"/>
           </a:p>
@@ -4025,6 +4026,621 @@
       </p:grpSpPr>
       <p:graphicFrame>
         <p:nvGraphicFramePr>
+          <p:cNvPr id="4" name="Table 3"/>
+          <p:cNvGraphicFramePr>
+            <a:graphicFrameLocks noGrp="1"/>
+          </p:cNvGraphicFramePr>
+          <p:nvPr>
+            <p:extLst>
+              <p:ext uri="{D42A27DB-BD31-4B8C-83A1-F6EECF244321}">
+                <p14:modId xmlns:p14="http://schemas.microsoft.com/office/powerpoint/2010/main" val="2032546922"/>
+              </p:ext>
+            </p:extLst>
+          </p:nvPr>
+        </p:nvGraphicFramePr>
+        <p:xfrm>
+          <a:off x="1323340" y="5181970"/>
+          <a:ext cx="8128000" cy="457200"/>
+        </p:xfrm>
+        <a:graphic>
+          <a:graphicData uri="http://schemas.openxmlformats.org/drawingml/2006/table">
+            <a:tbl>
+              <a:tblPr firstRow="1" bandRow="1">
+                <a:tableStyleId>{5940675A-B579-460E-94D1-54222C63F5DA}</a:tableStyleId>
+              </a:tblPr>
+              <a:tblGrid>
+                <a:gridCol w="1625600">
+                  <a:extLst>
+                    <a:ext uri="{9D8B030D-6E8A-4147-A177-3AD203B41FA5}">
+                      <a16:colId xmlns:a16="http://schemas.microsoft.com/office/drawing/2014/main" val="2502840077"/>
+                    </a:ext>
+                  </a:extLst>
+                </a:gridCol>
+                <a:gridCol w="1625600">
+                  <a:extLst>
+                    <a:ext uri="{9D8B030D-6E8A-4147-A177-3AD203B41FA5}">
+                      <a16:colId xmlns:a16="http://schemas.microsoft.com/office/drawing/2014/main" val="303027480"/>
+                    </a:ext>
+                  </a:extLst>
+                </a:gridCol>
+                <a:gridCol w="1625600">
+                  <a:extLst>
+                    <a:ext uri="{9D8B030D-6E8A-4147-A177-3AD203B41FA5}">
+                      <a16:colId xmlns:a16="http://schemas.microsoft.com/office/drawing/2014/main" val="4253179346"/>
+                    </a:ext>
+                  </a:extLst>
+                </a:gridCol>
+                <a:gridCol w="1625600">
+                  <a:extLst>
+                    <a:ext uri="{9D8B030D-6E8A-4147-A177-3AD203B41FA5}">
+                      <a16:colId xmlns:a16="http://schemas.microsoft.com/office/drawing/2014/main" val="2014376195"/>
+                    </a:ext>
+                  </a:extLst>
+                </a:gridCol>
+                <a:gridCol w="1625600">
+                  <a:extLst>
+                    <a:ext uri="{9D8B030D-6E8A-4147-A177-3AD203B41FA5}">
+                      <a16:colId xmlns:a16="http://schemas.microsoft.com/office/drawing/2014/main" val="260861838"/>
+                    </a:ext>
+                  </a:extLst>
+                </a:gridCol>
+              </a:tblGrid>
+              <a:tr h="370840">
+                <a:tc>
+                  <a:txBody>
+                    <a:bodyPr/>
+                    <a:lstStyle/>
+                    <a:p>
+                      <a:pPr algn="ctr"/>
+                      <a:r>
+                        <a:rPr lang="en-US" b="1" dirty="0" smtClean="0">
+                          <a:latin typeface="Helvetica" panose="020B0604020202020204" pitchFamily="34" charset="0"/>
+                          <a:cs typeface="Helvetica" panose="020B0604020202020204" pitchFamily="34" charset="0"/>
+                        </a:rPr>
+                        <a:t>Period 1</a:t>
+                      </a:r>
+                      <a:endParaRPr lang="en-US" b="1" dirty="0">
+                        <a:latin typeface="Helvetica" panose="020B0604020202020204" pitchFamily="34" charset="0"/>
+                        <a:cs typeface="Helvetica" panose="020B0604020202020204" pitchFamily="34" charset="0"/>
+                      </a:endParaRPr>
+                    </a:p>
+                  </a:txBody>
+                  <a:tcPr anchor="ctr">
+                    <a:lnL w="12700" cap="flat" cmpd="sng" algn="ctr">
+                      <a:solidFill>
+                        <a:schemeClr val="tx1"/>
+                      </a:solidFill>
+                      <a:prstDash val="solid"/>
+                      <a:round/>
+                      <a:headEnd type="none" w="med" len="med"/>
+                      <a:tailEnd type="none" w="med" len="med"/>
+                    </a:lnL>
+                    <a:lnR w="12700" cap="flat" cmpd="sng" algn="ctr">
+                      <a:solidFill>
+                        <a:schemeClr val="tx1"/>
+                      </a:solidFill>
+                      <a:prstDash val="solid"/>
+                      <a:round/>
+                      <a:headEnd type="none" w="med" len="med"/>
+                      <a:tailEnd type="none" w="med" len="med"/>
+                    </a:lnR>
+                    <a:lnT w="12700" cap="flat" cmpd="sng" algn="ctr">
+                      <a:solidFill>
+                        <a:schemeClr val="tx1"/>
+                      </a:solidFill>
+                      <a:prstDash val="solid"/>
+                      <a:round/>
+                      <a:headEnd type="none" w="med" len="med"/>
+                      <a:tailEnd type="none" w="med" len="med"/>
+                    </a:lnT>
+                    <a:lnB w="12700" cap="flat" cmpd="sng" algn="ctr">
+                      <a:solidFill>
+                        <a:schemeClr val="tx1"/>
+                      </a:solidFill>
+                      <a:prstDash val="solid"/>
+                      <a:round/>
+                      <a:headEnd type="none" w="med" len="med"/>
+                      <a:tailEnd type="none" w="med" len="med"/>
+                    </a:lnB>
+                  </a:tcPr>
+                </a:tc>
+                <a:tc>
+                  <a:txBody>
+                    <a:bodyPr/>
+                    <a:lstStyle/>
+                    <a:p>
+                      <a:pPr marL="0" marR="0" lvl="0" indent="0" algn="ctr" defTabSz="1219170" rtl="0" eaLnBrk="1" fontAlgn="auto" latinLnBrk="0" hangingPunct="1">
+                        <a:lnSpc>
+                          <a:spcPct val="100000"/>
+                        </a:lnSpc>
+                        <a:spcBef>
+                          <a:spcPts val="0"/>
+                        </a:spcBef>
+                        <a:spcAft>
+                          <a:spcPts val="0"/>
+                        </a:spcAft>
+                        <a:buClrTx/>
+                        <a:buSzTx/>
+                        <a:buFontTx/>
+                        <a:buNone/>
+                        <a:tabLst/>
+                        <a:defRPr/>
+                      </a:pPr>
+                      <a:r>
+                        <a:rPr lang="en-US" b="1" dirty="0" smtClean="0">
+                          <a:latin typeface="Helvetica" panose="020B0604020202020204" pitchFamily="34" charset="0"/>
+                          <a:cs typeface="Helvetica" panose="020B0604020202020204" pitchFamily="34" charset="0"/>
+                        </a:rPr>
+                        <a:t>Period 2</a:t>
+                      </a:r>
+                    </a:p>
+                  </a:txBody>
+                  <a:tcPr anchor="ctr">
+                    <a:lnL w="12700" cap="flat" cmpd="sng" algn="ctr">
+                      <a:solidFill>
+                        <a:schemeClr val="tx1"/>
+                      </a:solidFill>
+                      <a:prstDash val="solid"/>
+                      <a:round/>
+                      <a:headEnd type="none" w="med" len="med"/>
+                      <a:tailEnd type="none" w="med" len="med"/>
+                    </a:lnL>
+                    <a:lnR w="12700" cap="flat" cmpd="sng" algn="ctr">
+                      <a:solidFill>
+                        <a:schemeClr val="tx1"/>
+                      </a:solidFill>
+                      <a:prstDash val="solid"/>
+                      <a:round/>
+                      <a:headEnd type="none" w="med" len="med"/>
+                      <a:tailEnd type="none" w="med" len="med"/>
+                    </a:lnR>
+                    <a:lnT w="12700" cap="flat" cmpd="sng" algn="ctr">
+                      <a:solidFill>
+                        <a:schemeClr val="tx1"/>
+                      </a:solidFill>
+                      <a:prstDash val="solid"/>
+                      <a:round/>
+                      <a:headEnd type="none" w="med" len="med"/>
+                      <a:tailEnd type="none" w="med" len="med"/>
+                    </a:lnT>
+                    <a:lnB w="12700" cap="flat" cmpd="sng" algn="ctr">
+                      <a:solidFill>
+                        <a:schemeClr val="tx1"/>
+                      </a:solidFill>
+                      <a:prstDash val="solid"/>
+                      <a:round/>
+                      <a:headEnd type="none" w="med" len="med"/>
+                      <a:tailEnd type="none" w="med" len="med"/>
+                    </a:lnB>
+                  </a:tcPr>
+                </a:tc>
+                <a:tc>
+                  <a:txBody>
+                    <a:bodyPr/>
+                    <a:lstStyle/>
+                    <a:p>
+                      <a:pPr marL="0" marR="0" lvl="0" indent="0" algn="ctr" defTabSz="1219170" rtl="0" eaLnBrk="1" fontAlgn="auto" latinLnBrk="0" hangingPunct="1">
+                        <a:lnSpc>
+                          <a:spcPct val="100000"/>
+                        </a:lnSpc>
+                        <a:spcBef>
+                          <a:spcPts val="0"/>
+                        </a:spcBef>
+                        <a:spcAft>
+                          <a:spcPts val="0"/>
+                        </a:spcAft>
+                        <a:buClrTx/>
+                        <a:buSzTx/>
+                        <a:buFontTx/>
+                        <a:buNone/>
+                        <a:tabLst/>
+                        <a:defRPr/>
+                      </a:pPr>
+                      <a:r>
+                        <a:rPr lang="en-US" b="1" dirty="0" smtClean="0">
+                          <a:latin typeface="Helvetica" panose="020B0604020202020204" pitchFamily="34" charset="0"/>
+                          <a:cs typeface="Helvetica" panose="020B0604020202020204" pitchFamily="34" charset="0"/>
+                        </a:rPr>
+                        <a:t>Period 3</a:t>
+                      </a:r>
+                    </a:p>
+                  </a:txBody>
+                  <a:tcPr anchor="ctr">
+                    <a:lnL w="12700" cap="flat" cmpd="sng" algn="ctr">
+                      <a:solidFill>
+                        <a:schemeClr val="tx1"/>
+                      </a:solidFill>
+                      <a:prstDash val="solid"/>
+                      <a:round/>
+                      <a:headEnd type="none" w="med" len="med"/>
+                      <a:tailEnd type="none" w="med" len="med"/>
+                    </a:lnL>
+                    <a:lnR w="12700" cap="flat" cmpd="sng" algn="ctr">
+                      <a:solidFill>
+                        <a:schemeClr val="tx1"/>
+                      </a:solidFill>
+                      <a:prstDash val="solid"/>
+                      <a:round/>
+                      <a:headEnd type="none" w="med" len="med"/>
+                      <a:tailEnd type="none" w="med" len="med"/>
+                    </a:lnR>
+                    <a:lnT w="12700" cap="flat" cmpd="sng" algn="ctr">
+                      <a:solidFill>
+                        <a:schemeClr val="tx1"/>
+                      </a:solidFill>
+                      <a:prstDash val="solid"/>
+                      <a:round/>
+                      <a:headEnd type="none" w="med" len="med"/>
+                      <a:tailEnd type="none" w="med" len="med"/>
+                    </a:lnT>
+                    <a:lnB w="12700" cap="flat" cmpd="sng" algn="ctr">
+                      <a:solidFill>
+                        <a:schemeClr val="tx1"/>
+                      </a:solidFill>
+                      <a:prstDash val="solid"/>
+                      <a:round/>
+                      <a:headEnd type="none" w="med" len="med"/>
+                      <a:tailEnd type="none" w="med" len="med"/>
+                    </a:lnB>
+                  </a:tcPr>
+                </a:tc>
+                <a:tc>
+                  <a:txBody>
+                    <a:bodyPr/>
+                    <a:lstStyle/>
+                    <a:p>
+                      <a:pPr marL="0" marR="0" lvl="0" indent="0" algn="ctr" defTabSz="1219170" rtl="0" eaLnBrk="1" fontAlgn="auto" latinLnBrk="0" hangingPunct="1">
+                        <a:lnSpc>
+                          <a:spcPct val="100000"/>
+                        </a:lnSpc>
+                        <a:spcBef>
+                          <a:spcPts val="0"/>
+                        </a:spcBef>
+                        <a:spcAft>
+                          <a:spcPts val="0"/>
+                        </a:spcAft>
+                        <a:buClrTx/>
+                        <a:buSzTx/>
+                        <a:buFontTx/>
+                        <a:buNone/>
+                        <a:tabLst/>
+                        <a:defRPr/>
+                      </a:pPr>
+                      <a:r>
+                        <a:rPr lang="en-US" b="1" dirty="0" smtClean="0">
+                          <a:latin typeface="Helvetica" panose="020B0604020202020204" pitchFamily="34" charset="0"/>
+                          <a:cs typeface="Helvetica" panose="020B0604020202020204" pitchFamily="34" charset="0"/>
+                        </a:rPr>
+                        <a:t>Period 4</a:t>
+                      </a:r>
+                    </a:p>
+                  </a:txBody>
+                  <a:tcPr anchor="ctr">
+                    <a:lnL w="12700" cap="flat" cmpd="sng" algn="ctr">
+                      <a:solidFill>
+                        <a:schemeClr val="tx1"/>
+                      </a:solidFill>
+                      <a:prstDash val="solid"/>
+                      <a:round/>
+                      <a:headEnd type="none" w="med" len="med"/>
+                      <a:tailEnd type="none" w="med" len="med"/>
+                    </a:lnL>
+                    <a:lnR w="12700" cap="flat" cmpd="sng" algn="ctr">
+                      <a:solidFill>
+                        <a:schemeClr val="tx1"/>
+                      </a:solidFill>
+                      <a:prstDash val="solid"/>
+                      <a:round/>
+                      <a:headEnd type="none" w="med" len="med"/>
+                      <a:tailEnd type="none" w="med" len="med"/>
+                    </a:lnR>
+                    <a:lnT w="12700" cap="flat" cmpd="sng" algn="ctr">
+                      <a:solidFill>
+                        <a:schemeClr val="tx1"/>
+                      </a:solidFill>
+                      <a:prstDash val="solid"/>
+                      <a:round/>
+                      <a:headEnd type="none" w="med" len="med"/>
+                      <a:tailEnd type="none" w="med" len="med"/>
+                    </a:lnT>
+                    <a:lnB w="12700" cap="flat" cmpd="sng" algn="ctr">
+                      <a:solidFill>
+                        <a:schemeClr val="tx1"/>
+                      </a:solidFill>
+                      <a:prstDash val="solid"/>
+                      <a:round/>
+                      <a:headEnd type="none" w="med" len="med"/>
+                      <a:tailEnd type="none" w="med" len="med"/>
+                    </a:lnB>
+                  </a:tcPr>
+                </a:tc>
+                <a:tc>
+                  <a:txBody>
+                    <a:bodyPr/>
+                    <a:lstStyle/>
+                    <a:p>
+                      <a:pPr marL="0" marR="0" lvl="0" indent="0" algn="ctr" defTabSz="1219170" rtl="0" eaLnBrk="1" fontAlgn="auto" latinLnBrk="0" hangingPunct="1">
+                        <a:lnSpc>
+                          <a:spcPct val="100000"/>
+                        </a:lnSpc>
+                        <a:spcBef>
+                          <a:spcPts val="0"/>
+                        </a:spcBef>
+                        <a:spcAft>
+                          <a:spcPts val="0"/>
+                        </a:spcAft>
+                        <a:buClrTx/>
+                        <a:buSzTx/>
+                        <a:buFontTx/>
+                        <a:buNone/>
+                        <a:tabLst/>
+                        <a:defRPr/>
+                      </a:pPr>
+                      <a:r>
+                        <a:rPr lang="en-US" b="1" dirty="0" smtClean="0">
+                          <a:latin typeface="Helvetica" panose="020B0604020202020204" pitchFamily="34" charset="0"/>
+                          <a:cs typeface="Helvetica" panose="020B0604020202020204" pitchFamily="34" charset="0"/>
+                        </a:rPr>
+                        <a:t>Period 5</a:t>
+                      </a:r>
+                    </a:p>
+                  </a:txBody>
+                  <a:tcPr anchor="ctr">
+                    <a:lnL w="12700" cap="flat" cmpd="sng" algn="ctr">
+                      <a:solidFill>
+                        <a:schemeClr val="tx1"/>
+                      </a:solidFill>
+                      <a:prstDash val="solid"/>
+                      <a:round/>
+                      <a:headEnd type="none" w="med" len="med"/>
+                      <a:tailEnd type="none" w="med" len="med"/>
+                    </a:lnL>
+                    <a:lnR w="12700" cap="flat" cmpd="sng" algn="ctr">
+                      <a:solidFill>
+                        <a:schemeClr val="tx1"/>
+                      </a:solidFill>
+                      <a:prstDash val="solid"/>
+                      <a:round/>
+                      <a:headEnd type="none" w="med" len="med"/>
+                      <a:tailEnd type="none" w="med" len="med"/>
+                    </a:lnR>
+                    <a:lnT w="12700" cap="flat" cmpd="sng" algn="ctr">
+                      <a:solidFill>
+                        <a:schemeClr val="tx1"/>
+                      </a:solidFill>
+                      <a:prstDash val="solid"/>
+                      <a:round/>
+                      <a:headEnd type="none" w="med" len="med"/>
+                      <a:tailEnd type="none" w="med" len="med"/>
+                    </a:lnT>
+                    <a:lnB w="12700" cap="flat" cmpd="sng" algn="ctr">
+                      <a:solidFill>
+                        <a:schemeClr val="tx1"/>
+                      </a:solidFill>
+                      <a:prstDash val="solid"/>
+                      <a:round/>
+                      <a:headEnd type="none" w="med" len="med"/>
+                      <a:tailEnd type="none" w="med" len="med"/>
+                    </a:lnB>
+                    <a:solidFill>
+                      <a:schemeClr val="accent2">
+                        <a:lumMod val="40000"/>
+                        <a:lumOff val="60000"/>
+                      </a:schemeClr>
+                    </a:solidFill>
+                  </a:tcPr>
+                </a:tc>
+                <a:extLst>
+                  <a:ext uri="{0D108BD9-81ED-4DB2-BD59-A6C34878D82A}">
+                    <a16:rowId xmlns:a16="http://schemas.microsoft.com/office/drawing/2014/main" val="6900381"/>
+                  </a:ext>
+                </a:extLst>
+              </a:tr>
+            </a:tbl>
+          </a:graphicData>
+        </a:graphic>
+      </p:graphicFrame>
+      <p:sp>
+        <p:nvSpPr>
+          <p:cNvPr id="5" name="Rectangle 4"/>
+          <p:cNvSpPr/>
+          <p:nvPr/>
+        </p:nvSpPr>
+        <p:spPr>
+          <a:xfrm>
+            <a:off x="1152525" y="4333874"/>
+            <a:ext cx="6753225" cy="1552575"/>
+          </a:xfrm>
+          <a:prstGeom prst="rect">
+            <a:avLst/>
+          </a:prstGeom>
+          <a:noFill/>
+          <a:ln w="38100">
+            <a:solidFill>
+              <a:schemeClr val="accent1">
+                <a:lumMod val="50000"/>
+              </a:schemeClr>
+            </a:solidFill>
+            <a:prstDash val="sysDot"/>
+          </a:ln>
+        </p:spPr>
+        <p:style>
+          <a:lnRef idx="2">
+            <a:schemeClr val="accent1">
+              <a:shade val="50000"/>
+            </a:schemeClr>
+          </a:lnRef>
+          <a:fillRef idx="1">
+            <a:schemeClr val="accent1"/>
+          </a:fillRef>
+          <a:effectRef idx="0">
+            <a:schemeClr val="accent1"/>
+          </a:effectRef>
+          <a:fontRef idx="minor">
+            <a:schemeClr val="lt1"/>
+          </a:fontRef>
+        </p:style>
+        <p:txBody>
+          <a:bodyPr rtlCol="0" anchor="ctr"/>
+          <a:lstStyle/>
+          <a:p>
+            <a:r>
+              <a:rPr lang="en-US" sz="2200" dirty="0" smtClean="0">
+                <a:solidFill>
+                  <a:schemeClr val="accent1">
+                    <a:lumMod val="50000"/>
+                  </a:schemeClr>
+                </a:solidFill>
+                <a:latin typeface="Helvetica" panose="020B0604020202020204" pitchFamily="34" charset="0"/>
+                <a:cs typeface="Helvetica" panose="020B0604020202020204" pitchFamily="34" charset="0"/>
+              </a:rPr>
+              <a:t>Long-period training data</a:t>
+            </a:r>
+          </a:p>
+          <a:p>
+            <a:endParaRPr lang="en-US" sz="3200" dirty="0">
+              <a:solidFill>
+                <a:schemeClr val="accent1">
+                  <a:lumMod val="50000"/>
+                </a:schemeClr>
+              </a:solidFill>
+              <a:latin typeface="Helvetica" panose="020B0604020202020204" pitchFamily="34" charset="0"/>
+              <a:cs typeface="Helvetica" panose="020B0604020202020204" pitchFamily="34" charset="0"/>
+            </a:endParaRPr>
+          </a:p>
+          <a:p>
+            <a:endParaRPr lang="en-US" sz="3200" dirty="0">
+              <a:solidFill>
+                <a:schemeClr val="accent1">
+                  <a:lumMod val="50000"/>
+                </a:schemeClr>
+              </a:solidFill>
+              <a:latin typeface="Helvetica" panose="020B0604020202020204" pitchFamily="34" charset="0"/>
+              <a:cs typeface="Helvetica" panose="020B0604020202020204" pitchFamily="34" charset="0"/>
+            </a:endParaRPr>
+          </a:p>
+        </p:txBody>
+      </p:sp>
+      <p:sp>
+        <p:nvSpPr>
+          <p:cNvPr id="6" name="Rectangle 5"/>
+          <p:cNvSpPr/>
+          <p:nvPr/>
+        </p:nvSpPr>
+        <p:spPr>
+          <a:xfrm>
+            <a:off x="6105525" y="4410075"/>
+            <a:ext cx="1752600" cy="1395412"/>
+          </a:xfrm>
+          <a:prstGeom prst="rect">
+            <a:avLst/>
+          </a:prstGeom>
+          <a:noFill/>
+          <a:ln w="38100">
+            <a:solidFill>
+              <a:srgbClr val="C00000"/>
+            </a:solidFill>
+            <a:prstDash val="sysDot"/>
+          </a:ln>
+        </p:spPr>
+        <p:style>
+          <a:lnRef idx="2">
+            <a:schemeClr val="accent1">
+              <a:shade val="50000"/>
+            </a:schemeClr>
+          </a:lnRef>
+          <a:fillRef idx="1">
+            <a:schemeClr val="accent1"/>
+          </a:fillRef>
+          <a:effectRef idx="0">
+            <a:schemeClr val="accent1"/>
+          </a:effectRef>
+          <a:fontRef idx="minor">
+            <a:schemeClr val="lt1"/>
+          </a:fontRef>
+        </p:style>
+        <p:txBody>
+          <a:bodyPr rtlCol="0" anchor="ctr"/>
+          <a:lstStyle/>
+          <a:p>
+            <a:endParaRPr lang="en-US" sz="2400" dirty="0" smtClean="0">
+              <a:solidFill>
+                <a:schemeClr val="accent1">
+                  <a:lumMod val="50000"/>
+                </a:schemeClr>
+              </a:solidFill>
+              <a:latin typeface="Helvetica" panose="020B0604020202020204" pitchFamily="34" charset="0"/>
+              <a:cs typeface="Helvetica" panose="020B0604020202020204" pitchFamily="34" charset="0"/>
+            </a:endParaRPr>
+          </a:p>
+          <a:p>
+            <a:r>
+              <a:rPr lang="en-US" sz="2200" dirty="0" smtClean="0">
+                <a:solidFill>
+                  <a:srgbClr val="FF0000"/>
+                </a:solidFill>
+                <a:latin typeface="Helvetica" panose="020B0604020202020204" pitchFamily="34" charset="0"/>
+                <a:cs typeface="Helvetica" panose="020B0604020202020204" pitchFamily="34" charset="0"/>
+              </a:rPr>
+              <a:t>Short-period training data</a:t>
+            </a:r>
+          </a:p>
+          <a:p>
+            <a:endParaRPr lang="en-US" sz="3200" dirty="0">
+              <a:solidFill>
+                <a:schemeClr val="accent1">
+                  <a:lumMod val="50000"/>
+                </a:schemeClr>
+              </a:solidFill>
+              <a:latin typeface="Helvetica" panose="020B0604020202020204" pitchFamily="34" charset="0"/>
+              <a:cs typeface="Helvetica" panose="020B0604020202020204" pitchFamily="34" charset="0"/>
+            </a:endParaRPr>
+          </a:p>
+          <a:p>
+            <a:endParaRPr lang="en-US" sz="3200" dirty="0">
+              <a:solidFill>
+                <a:schemeClr val="accent1">
+                  <a:lumMod val="50000"/>
+                </a:schemeClr>
+              </a:solidFill>
+              <a:latin typeface="Helvetica" panose="020B0604020202020204" pitchFamily="34" charset="0"/>
+              <a:cs typeface="Helvetica" panose="020B0604020202020204" pitchFamily="34" charset="0"/>
+            </a:endParaRPr>
+          </a:p>
+        </p:txBody>
+      </p:sp>
+    </p:spTree>
+    <p:extLst>
+      <p:ext uri="{BB962C8B-B14F-4D97-AF65-F5344CB8AC3E}">
+        <p14:creationId xmlns:p14="http://schemas.microsoft.com/office/powerpoint/2010/main" val="526336146"/>
+      </p:ext>
+    </p:extLst>
+  </p:cSld>
+  <p:clrMapOvr>
+    <a:masterClrMapping/>
+  </p:clrMapOvr>
+</p:sld>
+</file>
+
+<file path=ppt/slides/slide3.xml><?xml version="1.0" encoding="utf-8"?>
+<p:sld xmlns:a="http://schemas.openxmlformats.org/drawingml/2006/main" xmlns:r="http://schemas.openxmlformats.org/officeDocument/2006/relationships" xmlns:p="http://schemas.openxmlformats.org/presentationml/2006/main">
+  <p:cSld>
+    <p:spTree>
+      <p:nvGrpSpPr>
+        <p:cNvPr id="1" name=""/>
+        <p:cNvGrpSpPr/>
+        <p:nvPr/>
+      </p:nvGrpSpPr>
+      <p:grpSpPr>
+        <a:xfrm>
+          <a:off x="0" y="0"/>
+          <a:ext cx="0" cy="0"/>
+          <a:chOff x="0" y="0"/>
+          <a:chExt cx="0" cy="0"/>
+        </a:xfrm>
+      </p:grpSpPr>
+      <p:graphicFrame>
+        <p:nvGraphicFramePr>
           <p:cNvPr id="5" name="Table 4"/>
           <p:cNvGraphicFramePr>
             <a:graphicFrameLocks noGrp="1"/>
@@ -8003,7 +8619,7 @@
 </p:sld>
 </file>
 
-<file path=ppt/slides/slide3.xml><?xml version="1.0" encoding="utf-8"?>
+<file path=ppt/slides/slide4.xml><?xml version="1.0" encoding="utf-8"?>
 <p:sld xmlns:a="http://schemas.openxmlformats.org/drawingml/2006/main" xmlns:r="http://schemas.openxmlformats.org/officeDocument/2006/relationships" xmlns:p="http://schemas.openxmlformats.org/presentationml/2006/main">
   <p:cSld>
     <p:spTree>

--- a/figs/figures.pptx
+++ b/figs/figures.pptx
@@ -2,15 +2,16 @@
 <file path=ppt/presentation.xml><?xml version="1.0" encoding="utf-8"?>
 <p:presentation xmlns:a="http://schemas.openxmlformats.org/drawingml/2006/main" xmlns:r="http://schemas.openxmlformats.org/officeDocument/2006/relationships" xmlns:p="http://schemas.openxmlformats.org/presentationml/2006/main" saveSubsetFonts="1">
   <p:sldMasterIdLst>
-    <p:sldMasterId id="2147483660" r:id="rId1"/>
+    <p:sldMasterId id="2147483672" r:id="rId1"/>
   </p:sldMasterIdLst>
   <p:sldIdLst>
     <p:sldId id="256" r:id="rId2"/>
     <p:sldId id="260" r:id="rId3"/>
-    <p:sldId id="259" r:id="rId4"/>
-    <p:sldId id="258" r:id="rId5"/>
+    <p:sldId id="261" r:id="rId4"/>
+    <p:sldId id="259" r:id="rId5"/>
+    <p:sldId id="258" r:id="rId6"/>
   </p:sldIdLst>
-  <p:sldSz cx="12192000" cy="13679488"/>
+  <p:sldSz cx="18311813" cy="13679488"/>
   <p:notesSz cx="6858000" cy="9144000"/>
   <p:defaultTextStyle>
     <a:defPPr>
@@ -144,15 +145,15 @@
         </p:nvSpPr>
         <p:spPr>
           <a:xfrm>
-            <a:off x="914400" y="2238751"/>
-            <a:ext cx="10363200" cy="4762488"/>
+            <a:off x="1373386" y="2238751"/>
+            <a:ext cx="15565041" cy="4762488"/>
           </a:xfrm>
         </p:spPr>
         <p:txBody>
           <a:bodyPr anchor="b"/>
           <a:lstStyle>
             <a:lvl1pPr algn="ctr">
-              <a:defRPr sz="8000"/>
+              <a:defRPr sz="11968"/>
             </a:lvl1pPr>
           </a:lstStyle>
           <a:p>
@@ -176,8 +177,8 @@
         </p:nvSpPr>
         <p:spPr>
           <a:xfrm>
-            <a:off x="1524000" y="7184899"/>
-            <a:ext cx="9144000" cy="3302709"/>
+            <a:off x="2288977" y="7184899"/>
+            <a:ext cx="13733860" cy="3302709"/>
           </a:xfrm>
         </p:spPr>
         <p:txBody>
@@ -185,39 +186,39 @@
           <a:lstStyle>
             <a:lvl1pPr marL="0" indent="0" algn="ctr">
               <a:buNone/>
-              <a:defRPr sz="3200"/>
+              <a:defRPr sz="4787"/>
             </a:lvl1pPr>
-            <a:lvl2pPr marL="609585" indent="0" algn="ctr">
+            <a:lvl2pPr marL="911977" indent="0" algn="ctr">
               <a:buNone/>
-              <a:defRPr sz="2667"/>
+              <a:defRPr sz="3989"/>
             </a:lvl2pPr>
-            <a:lvl3pPr marL="1219170" indent="0" algn="ctr">
+            <a:lvl3pPr marL="1823954" indent="0" algn="ctr">
               <a:buNone/>
-              <a:defRPr sz="2400"/>
+              <a:defRPr sz="3590"/>
             </a:lvl3pPr>
-            <a:lvl4pPr marL="1828754" indent="0" algn="ctr">
+            <a:lvl4pPr marL="2735931" indent="0" algn="ctr">
               <a:buNone/>
-              <a:defRPr sz="2133"/>
+              <a:defRPr sz="3192"/>
             </a:lvl4pPr>
-            <a:lvl5pPr marL="2438339" indent="0" algn="ctr">
+            <a:lvl5pPr marL="3647907" indent="0" algn="ctr">
               <a:buNone/>
-              <a:defRPr sz="2133"/>
+              <a:defRPr sz="3192"/>
             </a:lvl5pPr>
-            <a:lvl6pPr marL="3047924" indent="0" algn="ctr">
+            <a:lvl6pPr marL="4559884" indent="0" algn="ctr">
               <a:buNone/>
-              <a:defRPr sz="2133"/>
+              <a:defRPr sz="3192"/>
             </a:lvl6pPr>
-            <a:lvl7pPr marL="3657509" indent="0" algn="ctr">
+            <a:lvl7pPr marL="5471861" indent="0" algn="ctr">
               <a:buNone/>
-              <a:defRPr sz="2133"/>
+              <a:defRPr sz="3192"/>
             </a:lvl7pPr>
-            <a:lvl8pPr marL="4267093" indent="0" algn="ctr">
+            <a:lvl8pPr marL="6383838" indent="0" algn="ctr">
               <a:buNone/>
-              <a:defRPr sz="2133"/>
+              <a:defRPr sz="3192"/>
             </a:lvl8pPr>
-            <a:lvl9pPr marL="4876678" indent="0" algn="ctr">
+            <a:lvl9pPr marL="7295815" indent="0" algn="ctr">
               <a:buNone/>
-              <a:defRPr sz="2133"/>
+              <a:defRPr sz="3192"/>
             </a:lvl9pPr>
           </a:lstStyle>
           <a:p>
@@ -246,7 +247,7 @@
           <a:p>
             <a:fld id="{9323A0C5-6B5E-4B9A-9575-FF0D04DA84EC}" type="datetimeFigureOut">
               <a:rPr lang="en-US" smtClean="0"/>
-              <a:t>1/16/2019</a:t>
+              <a:t>1/18/2019</a:t>
             </a:fld>
             <a:endParaRPr lang="en-US"/>
           </a:p>
@@ -297,7 +298,7 @@
     </p:spTree>
     <p:extLst>
       <p:ext uri="{BB962C8B-B14F-4D97-AF65-F5344CB8AC3E}">
-        <p14:creationId xmlns:p14="http://schemas.microsoft.com/office/powerpoint/2010/main" val="745122592"/>
+        <p14:creationId xmlns:p14="http://schemas.microsoft.com/office/powerpoint/2010/main" val="2077800099"/>
       </p:ext>
     </p:extLst>
   </p:cSld>
@@ -416,7 +417,7 @@
           <a:p>
             <a:fld id="{9323A0C5-6B5E-4B9A-9575-FF0D04DA84EC}" type="datetimeFigureOut">
               <a:rPr lang="en-US" smtClean="0"/>
-              <a:t>1/16/2019</a:t>
+              <a:t>1/18/2019</a:t>
             </a:fld>
             <a:endParaRPr lang="en-US"/>
           </a:p>
@@ -467,7 +468,7 @@
     </p:spTree>
     <p:extLst>
       <p:ext uri="{BB962C8B-B14F-4D97-AF65-F5344CB8AC3E}">
-        <p14:creationId xmlns:p14="http://schemas.microsoft.com/office/powerpoint/2010/main" val="2908048624"/>
+        <p14:creationId xmlns:p14="http://schemas.microsoft.com/office/powerpoint/2010/main" val="354102553"/>
       </p:ext>
     </p:extLst>
   </p:cSld>
@@ -506,8 +507,8 @@
         </p:nvSpPr>
         <p:spPr>
           <a:xfrm>
-            <a:off x="8724901" y="728306"/>
-            <a:ext cx="2628900" cy="11592734"/>
+            <a:off x="13104392" y="728306"/>
+            <a:ext cx="3948485" cy="11592734"/>
           </a:xfrm>
         </p:spPr>
         <p:txBody>
@@ -534,8 +535,8 @@
         </p:nvSpPr>
         <p:spPr>
           <a:xfrm>
-            <a:off x="838201" y="728306"/>
-            <a:ext cx="7734300" cy="11592734"/>
+            <a:off x="1258938" y="728306"/>
+            <a:ext cx="11616556" cy="11592734"/>
           </a:xfrm>
         </p:spPr>
         <p:txBody>
@@ -596,7 +597,7 @@
           <a:p>
             <a:fld id="{9323A0C5-6B5E-4B9A-9575-FF0D04DA84EC}" type="datetimeFigureOut">
               <a:rPr lang="en-US" smtClean="0"/>
-              <a:t>1/16/2019</a:t>
+              <a:t>1/18/2019</a:t>
             </a:fld>
             <a:endParaRPr lang="en-US"/>
           </a:p>
@@ -647,7 +648,7 @@
     </p:spTree>
     <p:extLst>
       <p:ext uri="{BB962C8B-B14F-4D97-AF65-F5344CB8AC3E}">
-        <p14:creationId xmlns:p14="http://schemas.microsoft.com/office/powerpoint/2010/main" val="598192768"/>
+        <p14:creationId xmlns:p14="http://schemas.microsoft.com/office/powerpoint/2010/main" val="205035880"/>
       </p:ext>
     </p:extLst>
   </p:cSld>
@@ -766,7 +767,7 @@
           <a:p>
             <a:fld id="{9323A0C5-6B5E-4B9A-9575-FF0D04DA84EC}" type="datetimeFigureOut">
               <a:rPr lang="en-US" smtClean="0"/>
-              <a:t>1/16/2019</a:t>
+              <a:t>1/18/2019</a:t>
             </a:fld>
             <a:endParaRPr lang="en-US"/>
           </a:p>
@@ -817,7 +818,7 @@
     </p:spTree>
     <p:extLst>
       <p:ext uri="{BB962C8B-B14F-4D97-AF65-F5344CB8AC3E}">
-        <p14:creationId xmlns:p14="http://schemas.microsoft.com/office/powerpoint/2010/main" val="662507666"/>
+        <p14:creationId xmlns:p14="http://schemas.microsoft.com/office/powerpoint/2010/main" val="1097248006"/>
       </p:ext>
     </p:extLst>
   </p:cSld>
@@ -856,15 +857,15 @@
         </p:nvSpPr>
         <p:spPr>
           <a:xfrm>
-            <a:off x="831851" y="3410376"/>
-            <a:ext cx="10515600" cy="5690286"/>
+            <a:off x="1249401" y="3410376"/>
+            <a:ext cx="15793939" cy="5690286"/>
           </a:xfrm>
         </p:spPr>
         <p:txBody>
           <a:bodyPr anchor="b"/>
           <a:lstStyle>
             <a:lvl1pPr>
-              <a:defRPr sz="8000"/>
+              <a:defRPr sz="11968"/>
             </a:lvl1pPr>
           </a:lstStyle>
           <a:p>
@@ -888,8 +889,8 @@
         </p:nvSpPr>
         <p:spPr>
           <a:xfrm>
-            <a:off x="831851" y="9154495"/>
-            <a:ext cx="10515600" cy="2992387"/>
+            <a:off x="1249401" y="9154495"/>
+            <a:ext cx="15793939" cy="2992387"/>
           </a:xfrm>
         </p:spPr>
         <p:txBody>
@@ -897,15 +898,15 @@
           <a:lstStyle>
             <a:lvl1pPr marL="0" indent="0">
               <a:buNone/>
-              <a:defRPr sz="3200">
+              <a:defRPr sz="4787">
                 <a:solidFill>
                   <a:schemeClr val="tx1"/>
                 </a:solidFill>
               </a:defRPr>
             </a:lvl1pPr>
-            <a:lvl2pPr marL="609585" indent="0">
+            <a:lvl2pPr marL="911977" indent="0">
               <a:buNone/>
-              <a:defRPr sz="2667">
+              <a:defRPr sz="3989">
                 <a:solidFill>
                   <a:schemeClr val="tx1">
                     <a:tint val="75000"/>
@@ -913,9 +914,9 @@
                 </a:solidFill>
               </a:defRPr>
             </a:lvl2pPr>
-            <a:lvl3pPr marL="1219170" indent="0">
+            <a:lvl3pPr marL="1823954" indent="0">
               <a:buNone/>
-              <a:defRPr sz="2400">
+              <a:defRPr sz="3590">
                 <a:solidFill>
                   <a:schemeClr val="tx1">
                     <a:tint val="75000"/>
@@ -923,9 +924,9 @@
                 </a:solidFill>
               </a:defRPr>
             </a:lvl3pPr>
-            <a:lvl4pPr marL="1828754" indent="0">
+            <a:lvl4pPr marL="2735931" indent="0">
               <a:buNone/>
-              <a:defRPr sz="2133">
+              <a:defRPr sz="3192">
                 <a:solidFill>
                   <a:schemeClr val="tx1">
                     <a:tint val="75000"/>
@@ -933,9 +934,9 @@
                 </a:solidFill>
               </a:defRPr>
             </a:lvl4pPr>
-            <a:lvl5pPr marL="2438339" indent="0">
+            <a:lvl5pPr marL="3647907" indent="0">
               <a:buNone/>
-              <a:defRPr sz="2133">
+              <a:defRPr sz="3192">
                 <a:solidFill>
                   <a:schemeClr val="tx1">
                     <a:tint val="75000"/>
@@ -943,9 +944,9 @@
                 </a:solidFill>
               </a:defRPr>
             </a:lvl5pPr>
-            <a:lvl6pPr marL="3047924" indent="0">
+            <a:lvl6pPr marL="4559884" indent="0">
               <a:buNone/>
-              <a:defRPr sz="2133">
+              <a:defRPr sz="3192">
                 <a:solidFill>
                   <a:schemeClr val="tx1">
                     <a:tint val="75000"/>
@@ -953,9 +954,9 @@
                 </a:solidFill>
               </a:defRPr>
             </a:lvl6pPr>
-            <a:lvl7pPr marL="3657509" indent="0">
+            <a:lvl7pPr marL="5471861" indent="0">
               <a:buNone/>
-              <a:defRPr sz="2133">
+              <a:defRPr sz="3192">
                 <a:solidFill>
                   <a:schemeClr val="tx1">
                     <a:tint val="75000"/>
@@ -963,9 +964,9 @@
                 </a:solidFill>
               </a:defRPr>
             </a:lvl7pPr>
-            <a:lvl8pPr marL="4267093" indent="0">
+            <a:lvl8pPr marL="6383838" indent="0">
               <a:buNone/>
-              <a:defRPr sz="2133">
+              <a:defRPr sz="3192">
                 <a:solidFill>
                   <a:schemeClr val="tx1">
                     <a:tint val="75000"/>
@@ -973,9 +974,9 @@
                 </a:solidFill>
               </a:defRPr>
             </a:lvl8pPr>
-            <a:lvl9pPr marL="4876678" indent="0">
+            <a:lvl9pPr marL="7295815" indent="0">
               <a:buNone/>
-              <a:defRPr sz="2133">
+              <a:defRPr sz="3192">
                 <a:solidFill>
                   <a:schemeClr val="tx1">
                     <a:tint val="75000"/>
@@ -1010,7 +1011,7 @@
           <a:p>
             <a:fld id="{9323A0C5-6B5E-4B9A-9575-FF0D04DA84EC}" type="datetimeFigureOut">
               <a:rPr lang="en-US" smtClean="0"/>
-              <a:t>1/16/2019</a:t>
+              <a:t>1/18/2019</a:t>
             </a:fld>
             <a:endParaRPr lang="en-US"/>
           </a:p>
@@ -1061,7 +1062,7 @@
     </p:spTree>
     <p:extLst>
       <p:ext uri="{BB962C8B-B14F-4D97-AF65-F5344CB8AC3E}">
-        <p14:creationId xmlns:p14="http://schemas.microsoft.com/office/powerpoint/2010/main" val="2768305445"/>
+        <p14:creationId xmlns:p14="http://schemas.microsoft.com/office/powerpoint/2010/main" val="4268351337"/>
       </p:ext>
     </p:extLst>
   </p:cSld>
@@ -1123,8 +1124,8 @@
         </p:nvSpPr>
         <p:spPr>
           <a:xfrm>
-            <a:off x="838200" y="3641531"/>
-            <a:ext cx="5181600" cy="8679509"/>
+            <a:off x="1258937" y="3641531"/>
+            <a:ext cx="7782521" cy="8679509"/>
           </a:xfrm>
         </p:spPr>
         <p:txBody>
@@ -1180,8 +1181,8 @@
         </p:nvSpPr>
         <p:spPr>
           <a:xfrm>
-            <a:off x="6172200" y="3641531"/>
-            <a:ext cx="5181600" cy="8679509"/>
+            <a:off x="9270355" y="3641531"/>
+            <a:ext cx="7782521" cy="8679509"/>
           </a:xfrm>
         </p:spPr>
         <p:txBody>
@@ -1242,7 +1243,7 @@
           <a:p>
             <a:fld id="{9323A0C5-6B5E-4B9A-9575-FF0D04DA84EC}" type="datetimeFigureOut">
               <a:rPr lang="en-US" smtClean="0"/>
-              <a:t>1/16/2019</a:t>
+              <a:t>1/18/2019</a:t>
             </a:fld>
             <a:endParaRPr lang="en-US"/>
           </a:p>
@@ -1293,7 +1294,7 @@
     </p:spTree>
     <p:extLst>
       <p:ext uri="{BB962C8B-B14F-4D97-AF65-F5344CB8AC3E}">
-        <p14:creationId xmlns:p14="http://schemas.microsoft.com/office/powerpoint/2010/main" val="806738448"/>
+        <p14:creationId xmlns:p14="http://schemas.microsoft.com/office/powerpoint/2010/main" val="953734868"/>
       </p:ext>
     </p:extLst>
   </p:cSld>
@@ -1332,8 +1333,8 @@
         </p:nvSpPr>
         <p:spPr>
           <a:xfrm>
-            <a:off x="839788" y="728309"/>
-            <a:ext cx="10515600" cy="2644069"/>
+            <a:off x="1261322" y="728309"/>
+            <a:ext cx="15793939" cy="2644069"/>
           </a:xfrm>
         </p:spPr>
         <p:txBody>
@@ -1360,8 +1361,8 @@
         </p:nvSpPr>
         <p:spPr>
           <a:xfrm>
-            <a:off x="839789" y="3353376"/>
-            <a:ext cx="5157787" cy="1643437"/>
+            <a:off x="1261324" y="3353376"/>
+            <a:ext cx="7746754" cy="1643437"/>
           </a:xfrm>
         </p:spPr>
         <p:txBody>
@@ -1369,39 +1370,39 @@
           <a:lstStyle>
             <a:lvl1pPr marL="0" indent="0">
               <a:buNone/>
-              <a:defRPr sz="3200" b="1"/>
+              <a:defRPr sz="4787" b="1"/>
             </a:lvl1pPr>
-            <a:lvl2pPr marL="609585" indent="0">
+            <a:lvl2pPr marL="911977" indent="0">
               <a:buNone/>
-              <a:defRPr sz="2667" b="1"/>
+              <a:defRPr sz="3989" b="1"/>
             </a:lvl2pPr>
-            <a:lvl3pPr marL="1219170" indent="0">
+            <a:lvl3pPr marL="1823954" indent="0">
               <a:buNone/>
-              <a:defRPr sz="2400" b="1"/>
+              <a:defRPr sz="3590" b="1"/>
             </a:lvl3pPr>
-            <a:lvl4pPr marL="1828754" indent="0">
+            <a:lvl4pPr marL="2735931" indent="0">
               <a:buNone/>
-              <a:defRPr sz="2133" b="1"/>
+              <a:defRPr sz="3192" b="1"/>
             </a:lvl4pPr>
-            <a:lvl5pPr marL="2438339" indent="0">
+            <a:lvl5pPr marL="3647907" indent="0">
               <a:buNone/>
-              <a:defRPr sz="2133" b="1"/>
+              <a:defRPr sz="3192" b="1"/>
             </a:lvl5pPr>
-            <a:lvl6pPr marL="3047924" indent="0">
+            <a:lvl6pPr marL="4559884" indent="0">
               <a:buNone/>
-              <a:defRPr sz="2133" b="1"/>
+              <a:defRPr sz="3192" b="1"/>
             </a:lvl6pPr>
-            <a:lvl7pPr marL="3657509" indent="0">
+            <a:lvl7pPr marL="5471861" indent="0">
               <a:buNone/>
-              <a:defRPr sz="2133" b="1"/>
+              <a:defRPr sz="3192" b="1"/>
             </a:lvl7pPr>
-            <a:lvl8pPr marL="4267093" indent="0">
+            <a:lvl8pPr marL="6383838" indent="0">
               <a:buNone/>
-              <a:defRPr sz="2133" b="1"/>
+              <a:defRPr sz="3192" b="1"/>
             </a:lvl8pPr>
-            <a:lvl9pPr marL="4876678" indent="0">
+            <a:lvl9pPr marL="7295815" indent="0">
               <a:buNone/>
-              <a:defRPr sz="2133" b="1"/>
+              <a:defRPr sz="3192" b="1"/>
             </a:lvl9pPr>
           </a:lstStyle>
           <a:p>
@@ -1425,8 +1426,8 @@
         </p:nvSpPr>
         <p:spPr>
           <a:xfrm>
-            <a:off x="839789" y="4996813"/>
-            <a:ext cx="5157787" cy="7349559"/>
+            <a:off x="1261324" y="4996813"/>
+            <a:ext cx="7746754" cy="7349559"/>
           </a:xfrm>
         </p:spPr>
         <p:txBody>
@@ -1482,8 +1483,8 @@
         </p:nvSpPr>
         <p:spPr>
           <a:xfrm>
-            <a:off x="6172201" y="3353376"/>
-            <a:ext cx="5183188" cy="1643437"/>
+            <a:off x="9270356" y="3353376"/>
+            <a:ext cx="7784906" cy="1643437"/>
           </a:xfrm>
         </p:spPr>
         <p:txBody>
@@ -1491,39 +1492,39 @@
           <a:lstStyle>
             <a:lvl1pPr marL="0" indent="0">
               <a:buNone/>
-              <a:defRPr sz="3200" b="1"/>
+              <a:defRPr sz="4787" b="1"/>
             </a:lvl1pPr>
-            <a:lvl2pPr marL="609585" indent="0">
+            <a:lvl2pPr marL="911977" indent="0">
               <a:buNone/>
-              <a:defRPr sz="2667" b="1"/>
+              <a:defRPr sz="3989" b="1"/>
             </a:lvl2pPr>
-            <a:lvl3pPr marL="1219170" indent="0">
+            <a:lvl3pPr marL="1823954" indent="0">
               <a:buNone/>
-              <a:defRPr sz="2400" b="1"/>
+              <a:defRPr sz="3590" b="1"/>
             </a:lvl3pPr>
-            <a:lvl4pPr marL="1828754" indent="0">
+            <a:lvl4pPr marL="2735931" indent="0">
               <a:buNone/>
-              <a:defRPr sz="2133" b="1"/>
+              <a:defRPr sz="3192" b="1"/>
             </a:lvl4pPr>
-            <a:lvl5pPr marL="2438339" indent="0">
+            <a:lvl5pPr marL="3647907" indent="0">
               <a:buNone/>
-              <a:defRPr sz="2133" b="1"/>
+              <a:defRPr sz="3192" b="1"/>
             </a:lvl5pPr>
-            <a:lvl6pPr marL="3047924" indent="0">
+            <a:lvl6pPr marL="4559884" indent="0">
               <a:buNone/>
-              <a:defRPr sz="2133" b="1"/>
+              <a:defRPr sz="3192" b="1"/>
             </a:lvl6pPr>
-            <a:lvl7pPr marL="3657509" indent="0">
+            <a:lvl7pPr marL="5471861" indent="0">
               <a:buNone/>
-              <a:defRPr sz="2133" b="1"/>
+              <a:defRPr sz="3192" b="1"/>
             </a:lvl7pPr>
-            <a:lvl8pPr marL="4267093" indent="0">
+            <a:lvl8pPr marL="6383838" indent="0">
               <a:buNone/>
-              <a:defRPr sz="2133" b="1"/>
+              <a:defRPr sz="3192" b="1"/>
             </a:lvl8pPr>
-            <a:lvl9pPr marL="4876678" indent="0">
+            <a:lvl9pPr marL="7295815" indent="0">
               <a:buNone/>
-              <a:defRPr sz="2133" b="1"/>
+              <a:defRPr sz="3192" b="1"/>
             </a:lvl9pPr>
           </a:lstStyle>
           <a:p>
@@ -1547,8 +1548,8 @@
         </p:nvSpPr>
         <p:spPr>
           <a:xfrm>
-            <a:off x="6172201" y="4996813"/>
-            <a:ext cx="5183188" cy="7349559"/>
+            <a:off x="9270356" y="4996813"/>
+            <a:ext cx="7784906" cy="7349559"/>
           </a:xfrm>
         </p:spPr>
         <p:txBody>
@@ -1609,7 +1610,7 @@
           <a:p>
             <a:fld id="{9323A0C5-6B5E-4B9A-9575-FF0D04DA84EC}" type="datetimeFigureOut">
               <a:rPr lang="en-US" smtClean="0"/>
-              <a:t>1/16/2019</a:t>
+              <a:t>1/18/2019</a:t>
             </a:fld>
             <a:endParaRPr lang="en-US"/>
           </a:p>
@@ -1660,7 +1661,7 @@
     </p:spTree>
     <p:extLst>
       <p:ext uri="{BB962C8B-B14F-4D97-AF65-F5344CB8AC3E}">
-        <p14:creationId xmlns:p14="http://schemas.microsoft.com/office/powerpoint/2010/main" val="2565573589"/>
+        <p14:creationId xmlns:p14="http://schemas.microsoft.com/office/powerpoint/2010/main" val="1996093858"/>
       </p:ext>
     </p:extLst>
   </p:cSld>
@@ -1727,7 +1728,7 @@
           <a:p>
             <a:fld id="{9323A0C5-6B5E-4B9A-9575-FF0D04DA84EC}" type="datetimeFigureOut">
               <a:rPr lang="en-US" smtClean="0"/>
-              <a:t>1/16/2019</a:t>
+              <a:t>1/18/2019</a:t>
             </a:fld>
             <a:endParaRPr lang="en-US"/>
           </a:p>
@@ -1778,7 +1779,7 @@
     </p:spTree>
     <p:extLst>
       <p:ext uri="{BB962C8B-B14F-4D97-AF65-F5344CB8AC3E}">
-        <p14:creationId xmlns:p14="http://schemas.microsoft.com/office/powerpoint/2010/main" val="416032547"/>
+        <p14:creationId xmlns:p14="http://schemas.microsoft.com/office/powerpoint/2010/main" val="2771265127"/>
       </p:ext>
     </p:extLst>
   </p:cSld>
@@ -1822,7 +1823,7 @@
           <a:p>
             <a:fld id="{9323A0C5-6B5E-4B9A-9575-FF0D04DA84EC}" type="datetimeFigureOut">
               <a:rPr lang="en-US" smtClean="0"/>
-              <a:t>1/16/2019</a:t>
+              <a:t>1/18/2019</a:t>
             </a:fld>
             <a:endParaRPr lang="en-US"/>
           </a:p>
@@ -1873,7 +1874,7 @@
     </p:spTree>
     <p:extLst>
       <p:ext uri="{BB962C8B-B14F-4D97-AF65-F5344CB8AC3E}">
-        <p14:creationId xmlns:p14="http://schemas.microsoft.com/office/powerpoint/2010/main" val="2973986064"/>
+        <p14:creationId xmlns:p14="http://schemas.microsoft.com/office/powerpoint/2010/main" val="3451687558"/>
       </p:ext>
     </p:extLst>
   </p:cSld>
@@ -1912,15 +1913,15 @@
         </p:nvSpPr>
         <p:spPr>
           <a:xfrm>
-            <a:off x="839788" y="911966"/>
-            <a:ext cx="3932237" cy="3191881"/>
+            <a:off x="1261322" y="911966"/>
+            <a:ext cx="5906036" cy="3191881"/>
           </a:xfrm>
         </p:spPr>
         <p:txBody>
           <a:bodyPr anchor="b"/>
           <a:lstStyle>
             <a:lvl1pPr>
-              <a:defRPr sz="4267"/>
+              <a:defRPr sz="6383"/>
             </a:lvl1pPr>
           </a:lstStyle>
           <a:p>
@@ -1944,39 +1945,39 @@
         </p:nvSpPr>
         <p:spPr>
           <a:xfrm>
-            <a:off x="5183188" y="1969596"/>
-            <a:ext cx="6172200" cy="9721303"/>
+            <a:off x="7784906" y="1969596"/>
+            <a:ext cx="9270355" cy="9721303"/>
           </a:xfrm>
         </p:spPr>
         <p:txBody>
           <a:bodyPr/>
           <a:lstStyle>
             <a:lvl1pPr>
-              <a:defRPr sz="4267"/>
+              <a:defRPr sz="6383"/>
             </a:lvl1pPr>
             <a:lvl2pPr>
-              <a:defRPr sz="3733"/>
+              <a:defRPr sz="5585"/>
             </a:lvl2pPr>
             <a:lvl3pPr>
-              <a:defRPr sz="3200"/>
+              <a:defRPr sz="4787"/>
             </a:lvl3pPr>
             <a:lvl4pPr>
-              <a:defRPr sz="2667"/>
+              <a:defRPr sz="3989"/>
             </a:lvl4pPr>
             <a:lvl5pPr>
-              <a:defRPr sz="2667"/>
+              <a:defRPr sz="3989"/>
             </a:lvl5pPr>
             <a:lvl6pPr>
-              <a:defRPr sz="2667"/>
+              <a:defRPr sz="3989"/>
             </a:lvl6pPr>
             <a:lvl7pPr>
-              <a:defRPr sz="2667"/>
+              <a:defRPr sz="3989"/>
             </a:lvl7pPr>
             <a:lvl8pPr>
-              <a:defRPr sz="2667"/>
+              <a:defRPr sz="3989"/>
             </a:lvl8pPr>
             <a:lvl9pPr>
-              <a:defRPr sz="2667"/>
+              <a:defRPr sz="3989"/>
             </a:lvl9pPr>
           </a:lstStyle>
           <a:p>
@@ -2029,8 +2030,8 @@
         </p:nvSpPr>
         <p:spPr>
           <a:xfrm>
-            <a:off x="839788" y="4103846"/>
-            <a:ext cx="3932237" cy="7602883"/>
+            <a:off x="1261322" y="4103846"/>
+            <a:ext cx="5906036" cy="7602883"/>
           </a:xfrm>
         </p:spPr>
         <p:txBody>
@@ -2038,39 +2039,39 @@
           <a:lstStyle>
             <a:lvl1pPr marL="0" indent="0">
               <a:buNone/>
-              <a:defRPr sz="2133"/>
+              <a:defRPr sz="3192"/>
             </a:lvl1pPr>
-            <a:lvl2pPr marL="609585" indent="0">
+            <a:lvl2pPr marL="911977" indent="0">
               <a:buNone/>
-              <a:defRPr sz="1867"/>
+              <a:defRPr sz="2793"/>
             </a:lvl2pPr>
-            <a:lvl3pPr marL="1219170" indent="0">
+            <a:lvl3pPr marL="1823954" indent="0">
               <a:buNone/>
-              <a:defRPr sz="1600"/>
+              <a:defRPr sz="2394"/>
             </a:lvl3pPr>
-            <a:lvl4pPr marL="1828754" indent="0">
+            <a:lvl4pPr marL="2735931" indent="0">
               <a:buNone/>
-              <a:defRPr sz="1333"/>
+              <a:defRPr sz="1995"/>
             </a:lvl4pPr>
-            <a:lvl5pPr marL="2438339" indent="0">
+            <a:lvl5pPr marL="3647907" indent="0">
               <a:buNone/>
-              <a:defRPr sz="1333"/>
+              <a:defRPr sz="1995"/>
             </a:lvl5pPr>
-            <a:lvl6pPr marL="3047924" indent="0">
+            <a:lvl6pPr marL="4559884" indent="0">
               <a:buNone/>
-              <a:defRPr sz="1333"/>
+              <a:defRPr sz="1995"/>
             </a:lvl6pPr>
-            <a:lvl7pPr marL="3657509" indent="0">
+            <a:lvl7pPr marL="5471861" indent="0">
               <a:buNone/>
-              <a:defRPr sz="1333"/>
+              <a:defRPr sz="1995"/>
             </a:lvl7pPr>
-            <a:lvl8pPr marL="4267093" indent="0">
+            <a:lvl8pPr marL="6383838" indent="0">
               <a:buNone/>
-              <a:defRPr sz="1333"/>
+              <a:defRPr sz="1995"/>
             </a:lvl8pPr>
-            <a:lvl9pPr marL="4876678" indent="0">
+            <a:lvl9pPr marL="7295815" indent="0">
               <a:buNone/>
-              <a:defRPr sz="1333"/>
+              <a:defRPr sz="1995"/>
             </a:lvl9pPr>
           </a:lstStyle>
           <a:p>
@@ -2099,7 +2100,7 @@
           <a:p>
             <a:fld id="{9323A0C5-6B5E-4B9A-9575-FF0D04DA84EC}" type="datetimeFigureOut">
               <a:rPr lang="en-US" smtClean="0"/>
-              <a:t>1/16/2019</a:t>
+              <a:t>1/18/2019</a:t>
             </a:fld>
             <a:endParaRPr lang="en-US"/>
           </a:p>
@@ -2150,7 +2151,7 @@
     </p:spTree>
     <p:extLst>
       <p:ext uri="{BB962C8B-B14F-4D97-AF65-F5344CB8AC3E}">
-        <p14:creationId xmlns:p14="http://schemas.microsoft.com/office/powerpoint/2010/main" val="3838944600"/>
+        <p14:creationId xmlns:p14="http://schemas.microsoft.com/office/powerpoint/2010/main" val="1444266666"/>
       </p:ext>
     </p:extLst>
   </p:cSld>
@@ -2189,15 +2190,15 @@
         </p:nvSpPr>
         <p:spPr>
           <a:xfrm>
-            <a:off x="839788" y="911966"/>
-            <a:ext cx="3932237" cy="3191881"/>
+            <a:off x="1261322" y="911966"/>
+            <a:ext cx="5906036" cy="3191881"/>
           </a:xfrm>
         </p:spPr>
         <p:txBody>
           <a:bodyPr anchor="b"/>
           <a:lstStyle>
             <a:lvl1pPr>
-              <a:defRPr sz="4267"/>
+              <a:defRPr sz="6383"/>
             </a:lvl1pPr>
           </a:lstStyle>
           <a:p>
@@ -2221,8 +2222,8 @@
         </p:nvSpPr>
         <p:spPr>
           <a:xfrm>
-            <a:off x="5183188" y="1969596"/>
-            <a:ext cx="6172200" cy="9721303"/>
+            <a:off x="7784906" y="1969596"/>
+            <a:ext cx="9270355" cy="9721303"/>
           </a:xfrm>
         </p:spPr>
         <p:txBody>
@@ -2230,39 +2231,39 @@
           <a:lstStyle>
             <a:lvl1pPr marL="0" indent="0">
               <a:buNone/>
-              <a:defRPr sz="4267"/>
+              <a:defRPr sz="6383"/>
             </a:lvl1pPr>
-            <a:lvl2pPr marL="609585" indent="0">
+            <a:lvl2pPr marL="911977" indent="0">
               <a:buNone/>
-              <a:defRPr sz="3733"/>
+              <a:defRPr sz="5585"/>
             </a:lvl2pPr>
-            <a:lvl3pPr marL="1219170" indent="0">
+            <a:lvl3pPr marL="1823954" indent="0">
               <a:buNone/>
-              <a:defRPr sz="3200"/>
+              <a:defRPr sz="4787"/>
             </a:lvl3pPr>
-            <a:lvl4pPr marL="1828754" indent="0">
+            <a:lvl4pPr marL="2735931" indent="0">
               <a:buNone/>
-              <a:defRPr sz="2667"/>
+              <a:defRPr sz="3989"/>
             </a:lvl4pPr>
-            <a:lvl5pPr marL="2438339" indent="0">
+            <a:lvl5pPr marL="3647907" indent="0">
               <a:buNone/>
-              <a:defRPr sz="2667"/>
+              <a:defRPr sz="3989"/>
             </a:lvl5pPr>
-            <a:lvl6pPr marL="3047924" indent="0">
+            <a:lvl6pPr marL="4559884" indent="0">
               <a:buNone/>
-              <a:defRPr sz="2667"/>
+              <a:defRPr sz="3989"/>
             </a:lvl6pPr>
-            <a:lvl7pPr marL="3657509" indent="0">
+            <a:lvl7pPr marL="5471861" indent="0">
               <a:buNone/>
-              <a:defRPr sz="2667"/>
+              <a:defRPr sz="3989"/>
             </a:lvl7pPr>
-            <a:lvl8pPr marL="4267093" indent="0">
+            <a:lvl8pPr marL="6383838" indent="0">
               <a:buNone/>
-              <a:defRPr sz="2667"/>
+              <a:defRPr sz="3989"/>
             </a:lvl8pPr>
-            <a:lvl9pPr marL="4876678" indent="0">
+            <a:lvl9pPr marL="7295815" indent="0">
               <a:buNone/>
-              <a:defRPr sz="2667"/>
+              <a:defRPr sz="3989"/>
             </a:lvl9pPr>
           </a:lstStyle>
           <a:p>
@@ -2286,8 +2287,8 @@
         </p:nvSpPr>
         <p:spPr>
           <a:xfrm>
-            <a:off x="839788" y="4103846"/>
-            <a:ext cx="3932237" cy="7602883"/>
+            <a:off x="1261322" y="4103846"/>
+            <a:ext cx="5906036" cy="7602883"/>
           </a:xfrm>
         </p:spPr>
         <p:txBody>
@@ -2295,39 +2296,39 @@
           <a:lstStyle>
             <a:lvl1pPr marL="0" indent="0">
               <a:buNone/>
-              <a:defRPr sz="2133"/>
+              <a:defRPr sz="3192"/>
             </a:lvl1pPr>
-            <a:lvl2pPr marL="609585" indent="0">
+            <a:lvl2pPr marL="911977" indent="0">
               <a:buNone/>
-              <a:defRPr sz="1867"/>
+              <a:defRPr sz="2793"/>
             </a:lvl2pPr>
-            <a:lvl3pPr marL="1219170" indent="0">
+            <a:lvl3pPr marL="1823954" indent="0">
               <a:buNone/>
-              <a:defRPr sz="1600"/>
+              <a:defRPr sz="2394"/>
             </a:lvl3pPr>
-            <a:lvl4pPr marL="1828754" indent="0">
+            <a:lvl4pPr marL="2735931" indent="0">
               <a:buNone/>
-              <a:defRPr sz="1333"/>
+              <a:defRPr sz="1995"/>
             </a:lvl4pPr>
-            <a:lvl5pPr marL="2438339" indent="0">
+            <a:lvl5pPr marL="3647907" indent="0">
               <a:buNone/>
-              <a:defRPr sz="1333"/>
+              <a:defRPr sz="1995"/>
             </a:lvl5pPr>
-            <a:lvl6pPr marL="3047924" indent="0">
+            <a:lvl6pPr marL="4559884" indent="0">
               <a:buNone/>
-              <a:defRPr sz="1333"/>
+              <a:defRPr sz="1995"/>
             </a:lvl6pPr>
-            <a:lvl7pPr marL="3657509" indent="0">
+            <a:lvl7pPr marL="5471861" indent="0">
               <a:buNone/>
-              <a:defRPr sz="1333"/>
+              <a:defRPr sz="1995"/>
             </a:lvl7pPr>
-            <a:lvl8pPr marL="4267093" indent="0">
+            <a:lvl8pPr marL="6383838" indent="0">
               <a:buNone/>
-              <a:defRPr sz="1333"/>
+              <a:defRPr sz="1995"/>
             </a:lvl8pPr>
-            <a:lvl9pPr marL="4876678" indent="0">
+            <a:lvl9pPr marL="7295815" indent="0">
               <a:buNone/>
-              <a:defRPr sz="1333"/>
+              <a:defRPr sz="1995"/>
             </a:lvl9pPr>
           </a:lstStyle>
           <a:p>
@@ -2356,7 +2357,7 @@
           <a:p>
             <a:fld id="{9323A0C5-6B5E-4B9A-9575-FF0D04DA84EC}" type="datetimeFigureOut">
               <a:rPr lang="en-US" smtClean="0"/>
-              <a:t>1/16/2019</a:t>
+              <a:t>1/18/2019</a:t>
             </a:fld>
             <a:endParaRPr lang="en-US"/>
           </a:p>
@@ -2407,7 +2408,7 @@
     </p:spTree>
     <p:extLst>
       <p:ext uri="{BB962C8B-B14F-4D97-AF65-F5344CB8AC3E}">
-        <p14:creationId xmlns:p14="http://schemas.microsoft.com/office/powerpoint/2010/main" val="2587530656"/>
+        <p14:creationId xmlns:p14="http://schemas.microsoft.com/office/powerpoint/2010/main" val="1350036023"/>
       </p:ext>
     </p:extLst>
   </p:cSld>
@@ -2451,8 +2452,8 @@
         </p:nvSpPr>
         <p:spPr>
           <a:xfrm>
-            <a:off x="838200" y="728309"/>
-            <a:ext cx="10515600" cy="2644069"/>
+            <a:off x="1258937" y="728309"/>
+            <a:ext cx="15793939" cy="2644069"/>
           </a:xfrm>
           <a:prstGeom prst="rect">
             <a:avLst/>
@@ -2484,8 +2485,8 @@
         </p:nvSpPr>
         <p:spPr>
           <a:xfrm>
-            <a:off x="838200" y="3641531"/>
-            <a:ext cx="10515600" cy="8679509"/>
+            <a:off x="1258937" y="3641531"/>
+            <a:ext cx="15793939" cy="8679509"/>
           </a:xfrm>
           <a:prstGeom prst="rect">
             <a:avLst/>
@@ -2546,8 +2547,8 @@
         </p:nvSpPr>
         <p:spPr>
           <a:xfrm>
-            <a:off x="838200" y="12678862"/>
-            <a:ext cx="2743200" cy="728306"/>
+            <a:off x="1258937" y="12678862"/>
+            <a:ext cx="4120158" cy="728306"/>
           </a:xfrm>
           <a:prstGeom prst="rect">
             <a:avLst/>
@@ -2557,7 +2558,7 @@
           <a:bodyPr vert="horz" lIns="91440" tIns="45720" rIns="91440" bIns="45720" rtlCol="0" anchor="ctr"/>
           <a:lstStyle>
             <a:lvl1pPr algn="l">
-              <a:defRPr sz="1600">
+              <a:defRPr sz="2394">
                 <a:solidFill>
                   <a:schemeClr val="tx1">
                     <a:tint val="75000"/>
@@ -2569,7 +2570,7 @@
           <a:p>
             <a:fld id="{9323A0C5-6B5E-4B9A-9575-FF0D04DA84EC}" type="datetimeFigureOut">
               <a:rPr lang="en-US" smtClean="0"/>
-              <a:t>1/16/2019</a:t>
+              <a:t>1/18/2019</a:t>
             </a:fld>
             <a:endParaRPr lang="en-US"/>
           </a:p>
@@ -2587,8 +2588,8 @@
         </p:nvSpPr>
         <p:spPr>
           <a:xfrm>
-            <a:off x="4038600" y="12678862"/>
-            <a:ext cx="4114800" cy="728306"/>
+            <a:off x="6065788" y="12678862"/>
+            <a:ext cx="6180237" cy="728306"/>
           </a:xfrm>
           <a:prstGeom prst="rect">
             <a:avLst/>
@@ -2598,7 +2599,7 @@
           <a:bodyPr vert="horz" lIns="91440" tIns="45720" rIns="91440" bIns="45720" rtlCol="0" anchor="ctr"/>
           <a:lstStyle>
             <a:lvl1pPr algn="ctr">
-              <a:defRPr sz="1600">
+              <a:defRPr sz="2394">
                 <a:solidFill>
                   <a:schemeClr val="tx1">
                     <a:tint val="75000"/>
@@ -2624,8 +2625,8 @@
         </p:nvSpPr>
         <p:spPr>
           <a:xfrm>
-            <a:off x="8610600" y="12678862"/>
-            <a:ext cx="2743200" cy="728306"/>
+            <a:off x="12932718" y="12678862"/>
+            <a:ext cx="4120158" cy="728306"/>
           </a:xfrm>
           <a:prstGeom prst="rect">
             <a:avLst/>
@@ -2635,7 +2636,7 @@
           <a:bodyPr vert="horz" lIns="91440" tIns="45720" rIns="91440" bIns="45720" rtlCol="0" anchor="ctr"/>
           <a:lstStyle>
             <a:lvl1pPr algn="r">
-              <a:defRPr sz="1600">
+              <a:defRPr sz="2394">
                 <a:solidFill>
                   <a:schemeClr val="tx1">
                     <a:tint val="75000"/>
@@ -2656,27 +2657,27 @@
     </p:spTree>
     <p:extLst>
       <p:ext uri="{BB962C8B-B14F-4D97-AF65-F5344CB8AC3E}">
-        <p14:creationId xmlns:p14="http://schemas.microsoft.com/office/powerpoint/2010/main" val="258324439"/>
+        <p14:creationId xmlns:p14="http://schemas.microsoft.com/office/powerpoint/2010/main" val="3474835670"/>
       </p:ext>
     </p:extLst>
   </p:cSld>
   <p:clrMap bg1="lt1" tx1="dk1" bg2="lt2" tx2="dk2" accent1="accent1" accent2="accent2" accent3="accent3" accent4="accent4" accent5="accent5" accent6="accent6" hlink="hlink" folHlink="folHlink"/>
   <p:sldLayoutIdLst>
-    <p:sldLayoutId id="2147483661" r:id="rId1"/>
-    <p:sldLayoutId id="2147483662" r:id="rId2"/>
-    <p:sldLayoutId id="2147483663" r:id="rId3"/>
-    <p:sldLayoutId id="2147483664" r:id="rId4"/>
-    <p:sldLayoutId id="2147483665" r:id="rId5"/>
-    <p:sldLayoutId id="2147483666" r:id="rId6"/>
-    <p:sldLayoutId id="2147483667" r:id="rId7"/>
-    <p:sldLayoutId id="2147483668" r:id="rId8"/>
-    <p:sldLayoutId id="2147483669" r:id="rId9"/>
-    <p:sldLayoutId id="2147483670" r:id="rId10"/>
-    <p:sldLayoutId id="2147483671" r:id="rId11"/>
+    <p:sldLayoutId id="2147483673" r:id="rId1"/>
+    <p:sldLayoutId id="2147483674" r:id="rId2"/>
+    <p:sldLayoutId id="2147483675" r:id="rId3"/>
+    <p:sldLayoutId id="2147483676" r:id="rId4"/>
+    <p:sldLayoutId id="2147483677" r:id="rId5"/>
+    <p:sldLayoutId id="2147483678" r:id="rId6"/>
+    <p:sldLayoutId id="2147483679" r:id="rId7"/>
+    <p:sldLayoutId id="2147483680" r:id="rId8"/>
+    <p:sldLayoutId id="2147483681" r:id="rId9"/>
+    <p:sldLayoutId id="2147483682" r:id="rId10"/>
+    <p:sldLayoutId id="2147483683" r:id="rId11"/>
   </p:sldLayoutIdLst>
   <p:txStyles>
     <p:titleStyle>
-      <a:lvl1pPr algn="l" defTabSz="1219170" rtl="0" eaLnBrk="1" latinLnBrk="0" hangingPunct="1">
+      <a:lvl1pPr algn="l" defTabSz="1823954" rtl="0" eaLnBrk="1" latinLnBrk="0" hangingPunct="1">
         <a:lnSpc>
           <a:spcPct val="90000"/>
         </a:lnSpc>
@@ -2684,7 +2685,7 @@
           <a:spcPct val="0"/>
         </a:spcBef>
         <a:buNone/>
-        <a:defRPr sz="5867" kern="1200">
+        <a:defRPr sz="8777" kern="1200">
           <a:solidFill>
             <a:schemeClr val="tx1"/>
           </a:solidFill>
@@ -2695,16 +2696,16 @@
       </a:lvl1pPr>
     </p:titleStyle>
     <p:bodyStyle>
-      <a:lvl1pPr marL="304792" indent="-304792" algn="l" defTabSz="1219170" rtl="0" eaLnBrk="1" latinLnBrk="0" hangingPunct="1">
+      <a:lvl1pPr marL="455988" indent="-455988" algn="l" defTabSz="1823954" rtl="0" eaLnBrk="1" latinLnBrk="0" hangingPunct="1">
         <a:lnSpc>
           <a:spcPct val="90000"/>
         </a:lnSpc>
         <a:spcBef>
-          <a:spcPts val="1333"/>
+          <a:spcPts val="1995"/>
         </a:spcBef>
         <a:buFont typeface="Arial" panose="020B0604020202020204" pitchFamily="34" charset="0"/>
         <a:buChar char="•"/>
-        <a:defRPr sz="3733" kern="1200">
+        <a:defRPr sz="5585" kern="1200">
           <a:solidFill>
             <a:schemeClr val="tx1"/>
           </a:solidFill>
@@ -2713,16 +2714,16 @@
           <a:cs typeface="+mn-cs"/>
         </a:defRPr>
       </a:lvl1pPr>
-      <a:lvl2pPr marL="914377" indent="-304792" algn="l" defTabSz="1219170" rtl="0" eaLnBrk="1" latinLnBrk="0" hangingPunct="1">
+      <a:lvl2pPr marL="1367965" indent="-455988" algn="l" defTabSz="1823954" rtl="0" eaLnBrk="1" latinLnBrk="0" hangingPunct="1">
         <a:lnSpc>
           <a:spcPct val="90000"/>
         </a:lnSpc>
         <a:spcBef>
-          <a:spcPts val="667"/>
+          <a:spcPts val="997"/>
         </a:spcBef>
         <a:buFont typeface="Arial" panose="020B0604020202020204" pitchFamily="34" charset="0"/>
         <a:buChar char="•"/>
-        <a:defRPr sz="3200" kern="1200">
+        <a:defRPr sz="4787" kern="1200">
           <a:solidFill>
             <a:schemeClr val="tx1"/>
           </a:solidFill>
@@ -2731,16 +2732,16 @@
           <a:cs typeface="+mn-cs"/>
         </a:defRPr>
       </a:lvl2pPr>
-      <a:lvl3pPr marL="1523962" indent="-304792" algn="l" defTabSz="1219170" rtl="0" eaLnBrk="1" latinLnBrk="0" hangingPunct="1">
+      <a:lvl3pPr marL="2279942" indent="-455988" algn="l" defTabSz="1823954" rtl="0" eaLnBrk="1" latinLnBrk="0" hangingPunct="1">
         <a:lnSpc>
           <a:spcPct val="90000"/>
         </a:lnSpc>
         <a:spcBef>
-          <a:spcPts val="667"/>
+          <a:spcPts val="997"/>
         </a:spcBef>
         <a:buFont typeface="Arial" panose="020B0604020202020204" pitchFamily="34" charset="0"/>
         <a:buChar char="•"/>
-        <a:defRPr sz="2667" kern="1200">
+        <a:defRPr sz="3989" kern="1200">
           <a:solidFill>
             <a:schemeClr val="tx1"/>
           </a:solidFill>
@@ -2749,16 +2750,16 @@
           <a:cs typeface="+mn-cs"/>
         </a:defRPr>
       </a:lvl3pPr>
-      <a:lvl4pPr marL="2133547" indent="-304792" algn="l" defTabSz="1219170" rtl="0" eaLnBrk="1" latinLnBrk="0" hangingPunct="1">
+      <a:lvl4pPr marL="3191919" indent="-455988" algn="l" defTabSz="1823954" rtl="0" eaLnBrk="1" latinLnBrk="0" hangingPunct="1">
         <a:lnSpc>
           <a:spcPct val="90000"/>
         </a:lnSpc>
         <a:spcBef>
-          <a:spcPts val="667"/>
+          <a:spcPts val="997"/>
         </a:spcBef>
         <a:buFont typeface="Arial" panose="020B0604020202020204" pitchFamily="34" charset="0"/>
         <a:buChar char="•"/>
-        <a:defRPr sz="2400" kern="1200">
+        <a:defRPr sz="3590" kern="1200">
           <a:solidFill>
             <a:schemeClr val="tx1"/>
           </a:solidFill>
@@ -2767,16 +2768,16 @@
           <a:cs typeface="+mn-cs"/>
         </a:defRPr>
       </a:lvl4pPr>
-      <a:lvl5pPr marL="2743131" indent="-304792" algn="l" defTabSz="1219170" rtl="0" eaLnBrk="1" latinLnBrk="0" hangingPunct="1">
+      <a:lvl5pPr marL="4103896" indent="-455988" algn="l" defTabSz="1823954" rtl="0" eaLnBrk="1" latinLnBrk="0" hangingPunct="1">
         <a:lnSpc>
           <a:spcPct val="90000"/>
         </a:lnSpc>
         <a:spcBef>
-          <a:spcPts val="667"/>
+          <a:spcPts val="997"/>
         </a:spcBef>
         <a:buFont typeface="Arial" panose="020B0604020202020204" pitchFamily="34" charset="0"/>
         <a:buChar char="•"/>
-        <a:defRPr sz="2400" kern="1200">
+        <a:defRPr sz="3590" kern="1200">
           <a:solidFill>
             <a:schemeClr val="tx1"/>
           </a:solidFill>
@@ -2785,16 +2786,16 @@
           <a:cs typeface="+mn-cs"/>
         </a:defRPr>
       </a:lvl5pPr>
-      <a:lvl6pPr marL="3352716" indent="-304792" algn="l" defTabSz="1219170" rtl="0" eaLnBrk="1" latinLnBrk="0" hangingPunct="1">
+      <a:lvl6pPr marL="5015873" indent="-455988" algn="l" defTabSz="1823954" rtl="0" eaLnBrk="1" latinLnBrk="0" hangingPunct="1">
         <a:lnSpc>
           <a:spcPct val="90000"/>
         </a:lnSpc>
         <a:spcBef>
-          <a:spcPts val="667"/>
+          <a:spcPts val="997"/>
         </a:spcBef>
         <a:buFont typeface="Arial" panose="020B0604020202020204" pitchFamily="34" charset="0"/>
         <a:buChar char="•"/>
-        <a:defRPr sz="2400" kern="1200">
+        <a:defRPr sz="3590" kern="1200">
           <a:solidFill>
             <a:schemeClr val="tx1"/>
           </a:solidFill>
@@ -2803,16 +2804,16 @@
           <a:cs typeface="+mn-cs"/>
         </a:defRPr>
       </a:lvl6pPr>
-      <a:lvl7pPr marL="3962301" indent="-304792" algn="l" defTabSz="1219170" rtl="0" eaLnBrk="1" latinLnBrk="0" hangingPunct="1">
+      <a:lvl7pPr marL="5927849" indent="-455988" algn="l" defTabSz="1823954" rtl="0" eaLnBrk="1" latinLnBrk="0" hangingPunct="1">
         <a:lnSpc>
           <a:spcPct val="90000"/>
         </a:lnSpc>
         <a:spcBef>
-          <a:spcPts val="667"/>
+          <a:spcPts val="997"/>
         </a:spcBef>
         <a:buFont typeface="Arial" panose="020B0604020202020204" pitchFamily="34" charset="0"/>
         <a:buChar char="•"/>
-        <a:defRPr sz="2400" kern="1200">
+        <a:defRPr sz="3590" kern="1200">
           <a:solidFill>
             <a:schemeClr val="tx1"/>
           </a:solidFill>
@@ -2821,16 +2822,16 @@
           <a:cs typeface="+mn-cs"/>
         </a:defRPr>
       </a:lvl7pPr>
-      <a:lvl8pPr marL="4571886" indent="-304792" algn="l" defTabSz="1219170" rtl="0" eaLnBrk="1" latinLnBrk="0" hangingPunct="1">
+      <a:lvl8pPr marL="6839826" indent="-455988" algn="l" defTabSz="1823954" rtl="0" eaLnBrk="1" latinLnBrk="0" hangingPunct="1">
         <a:lnSpc>
           <a:spcPct val="90000"/>
         </a:lnSpc>
         <a:spcBef>
-          <a:spcPts val="667"/>
+          <a:spcPts val="997"/>
         </a:spcBef>
         <a:buFont typeface="Arial" panose="020B0604020202020204" pitchFamily="34" charset="0"/>
         <a:buChar char="•"/>
-        <a:defRPr sz="2400" kern="1200">
+        <a:defRPr sz="3590" kern="1200">
           <a:solidFill>
             <a:schemeClr val="tx1"/>
           </a:solidFill>
@@ -2839,16 +2840,16 @@
           <a:cs typeface="+mn-cs"/>
         </a:defRPr>
       </a:lvl8pPr>
-      <a:lvl9pPr marL="5181470" indent="-304792" algn="l" defTabSz="1219170" rtl="0" eaLnBrk="1" latinLnBrk="0" hangingPunct="1">
+      <a:lvl9pPr marL="7751803" indent="-455988" algn="l" defTabSz="1823954" rtl="0" eaLnBrk="1" latinLnBrk="0" hangingPunct="1">
         <a:lnSpc>
           <a:spcPct val="90000"/>
         </a:lnSpc>
         <a:spcBef>
-          <a:spcPts val="667"/>
+          <a:spcPts val="997"/>
         </a:spcBef>
         <a:buFont typeface="Arial" panose="020B0604020202020204" pitchFamily="34" charset="0"/>
         <a:buChar char="•"/>
-        <a:defRPr sz="2400" kern="1200">
+        <a:defRPr sz="3590" kern="1200">
           <a:solidFill>
             <a:schemeClr val="tx1"/>
           </a:solidFill>
@@ -2862,8 +2863,8 @@
       <a:defPPr>
         <a:defRPr lang="en-US"/>
       </a:defPPr>
-      <a:lvl1pPr marL="0" algn="l" defTabSz="1219170" rtl="0" eaLnBrk="1" latinLnBrk="0" hangingPunct="1">
-        <a:defRPr sz="2400" kern="1200">
+      <a:lvl1pPr marL="0" algn="l" defTabSz="1823954" rtl="0" eaLnBrk="1" latinLnBrk="0" hangingPunct="1">
+        <a:defRPr sz="3590" kern="1200">
           <a:solidFill>
             <a:schemeClr val="tx1"/>
           </a:solidFill>
@@ -2872,8 +2873,8 @@
           <a:cs typeface="+mn-cs"/>
         </a:defRPr>
       </a:lvl1pPr>
-      <a:lvl2pPr marL="609585" algn="l" defTabSz="1219170" rtl="0" eaLnBrk="1" latinLnBrk="0" hangingPunct="1">
-        <a:defRPr sz="2400" kern="1200">
+      <a:lvl2pPr marL="911977" algn="l" defTabSz="1823954" rtl="0" eaLnBrk="1" latinLnBrk="0" hangingPunct="1">
+        <a:defRPr sz="3590" kern="1200">
           <a:solidFill>
             <a:schemeClr val="tx1"/>
           </a:solidFill>
@@ -2882,8 +2883,8 @@
           <a:cs typeface="+mn-cs"/>
         </a:defRPr>
       </a:lvl2pPr>
-      <a:lvl3pPr marL="1219170" algn="l" defTabSz="1219170" rtl="0" eaLnBrk="1" latinLnBrk="0" hangingPunct="1">
-        <a:defRPr sz="2400" kern="1200">
+      <a:lvl3pPr marL="1823954" algn="l" defTabSz="1823954" rtl="0" eaLnBrk="1" latinLnBrk="0" hangingPunct="1">
+        <a:defRPr sz="3590" kern="1200">
           <a:solidFill>
             <a:schemeClr val="tx1"/>
           </a:solidFill>
@@ -2892,8 +2893,8 @@
           <a:cs typeface="+mn-cs"/>
         </a:defRPr>
       </a:lvl3pPr>
-      <a:lvl4pPr marL="1828754" algn="l" defTabSz="1219170" rtl="0" eaLnBrk="1" latinLnBrk="0" hangingPunct="1">
-        <a:defRPr sz="2400" kern="1200">
+      <a:lvl4pPr marL="2735931" algn="l" defTabSz="1823954" rtl="0" eaLnBrk="1" latinLnBrk="0" hangingPunct="1">
+        <a:defRPr sz="3590" kern="1200">
           <a:solidFill>
             <a:schemeClr val="tx1"/>
           </a:solidFill>
@@ -2902,8 +2903,8 @@
           <a:cs typeface="+mn-cs"/>
         </a:defRPr>
       </a:lvl4pPr>
-      <a:lvl5pPr marL="2438339" algn="l" defTabSz="1219170" rtl="0" eaLnBrk="1" latinLnBrk="0" hangingPunct="1">
-        <a:defRPr sz="2400" kern="1200">
+      <a:lvl5pPr marL="3647907" algn="l" defTabSz="1823954" rtl="0" eaLnBrk="1" latinLnBrk="0" hangingPunct="1">
+        <a:defRPr sz="3590" kern="1200">
           <a:solidFill>
             <a:schemeClr val="tx1"/>
           </a:solidFill>
@@ -2912,8 +2913,8 @@
           <a:cs typeface="+mn-cs"/>
         </a:defRPr>
       </a:lvl5pPr>
-      <a:lvl6pPr marL="3047924" algn="l" defTabSz="1219170" rtl="0" eaLnBrk="1" latinLnBrk="0" hangingPunct="1">
-        <a:defRPr sz="2400" kern="1200">
+      <a:lvl6pPr marL="4559884" algn="l" defTabSz="1823954" rtl="0" eaLnBrk="1" latinLnBrk="0" hangingPunct="1">
+        <a:defRPr sz="3590" kern="1200">
           <a:solidFill>
             <a:schemeClr val="tx1"/>
           </a:solidFill>
@@ -2922,8 +2923,8 @@
           <a:cs typeface="+mn-cs"/>
         </a:defRPr>
       </a:lvl6pPr>
-      <a:lvl7pPr marL="3657509" algn="l" defTabSz="1219170" rtl="0" eaLnBrk="1" latinLnBrk="0" hangingPunct="1">
-        <a:defRPr sz="2400" kern="1200">
+      <a:lvl7pPr marL="5471861" algn="l" defTabSz="1823954" rtl="0" eaLnBrk="1" latinLnBrk="0" hangingPunct="1">
+        <a:defRPr sz="3590" kern="1200">
           <a:solidFill>
             <a:schemeClr val="tx1"/>
           </a:solidFill>
@@ -2932,8 +2933,8 @@
           <a:cs typeface="+mn-cs"/>
         </a:defRPr>
       </a:lvl7pPr>
-      <a:lvl8pPr marL="4267093" algn="l" defTabSz="1219170" rtl="0" eaLnBrk="1" latinLnBrk="0" hangingPunct="1">
-        <a:defRPr sz="2400" kern="1200">
+      <a:lvl8pPr marL="6383838" algn="l" defTabSz="1823954" rtl="0" eaLnBrk="1" latinLnBrk="0" hangingPunct="1">
+        <a:defRPr sz="3590" kern="1200">
           <a:solidFill>
             <a:schemeClr val="tx1"/>
           </a:solidFill>
@@ -2942,8 +2943,8 @@
           <a:cs typeface="+mn-cs"/>
         </a:defRPr>
       </a:lvl8pPr>
-      <a:lvl9pPr marL="4876678" algn="l" defTabSz="1219170" rtl="0" eaLnBrk="1" latinLnBrk="0" hangingPunct="1">
-        <a:defRPr sz="2400" kern="1200">
+      <a:lvl9pPr marL="7295815" algn="l" defTabSz="1823954" rtl="0" eaLnBrk="1" latinLnBrk="0" hangingPunct="1">
+        <a:defRPr sz="3590" kern="1200">
           <a:solidFill>
             <a:schemeClr val="tx1"/>
           </a:solidFill>
@@ -2982,7 +2983,7 @@
         </p:nvSpPr>
         <p:spPr>
           <a:xfrm>
-            <a:off x="1699509" y="515144"/>
+            <a:off x="4759416" y="515144"/>
             <a:ext cx="1178351" cy="1117470"/>
           </a:xfrm>
           <a:prstGeom prst="foldedCorner">
@@ -3030,7 +3031,7 @@
         </p:nvSpPr>
         <p:spPr>
           <a:xfrm>
-            <a:off x="4065638" y="515144"/>
+            <a:off x="7125545" y="515144"/>
             <a:ext cx="2092751" cy="1117470"/>
           </a:xfrm>
           <a:prstGeom prst="flowChartMultidocument">
@@ -3076,7 +3077,7 @@
         </p:nvSpPr>
         <p:spPr>
           <a:xfrm>
-            <a:off x="1963459" y="1726881"/>
+            <a:off x="5023366" y="1726882"/>
             <a:ext cx="650449" cy="801279"/>
           </a:xfrm>
           <a:prstGeom prst="downArrow">
@@ -3119,7 +3120,7 @@
         </p:nvSpPr>
         <p:spPr>
           <a:xfrm>
-            <a:off x="4786788" y="1726881"/>
+            <a:off x="7846695" y="1726882"/>
             <a:ext cx="650449" cy="801279"/>
           </a:xfrm>
           <a:prstGeom prst="downArrow">
@@ -3162,7 +3163,7 @@
         </p:nvSpPr>
         <p:spPr>
           <a:xfrm>
-            <a:off x="1548678" y="2613150"/>
+            <a:off x="4608585" y="2613150"/>
             <a:ext cx="1480009" cy="485174"/>
           </a:xfrm>
           <a:prstGeom prst="roundRect">
@@ -3208,7 +3209,7 @@
         </p:nvSpPr>
         <p:spPr>
           <a:xfrm>
-            <a:off x="4372007" y="2613150"/>
+            <a:off x="7431914" y="2613150"/>
             <a:ext cx="1480009" cy="485174"/>
           </a:xfrm>
           <a:prstGeom prst="roundRect">
@@ -3254,7 +3255,7 @@
         </p:nvSpPr>
         <p:spPr>
           <a:xfrm>
-            <a:off x="1963459" y="3183316"/>
+            <a:off x="5023366" y="3183317"/>
             <a:ext cx="650449" cy="801279"/>
           </a:xfrm>
           <a:prstGeom prst="downArrow">
@@ -3297,7 +3298,7 @@
         </p:nvSpPr>
         <p:spPr>
           <a:xfrm>
-            <a:off x="4786788" y="3183316"/>
+            <a:off x="7846695" y="3183317"/>
             <a:ext cx="650449" cy="801279"/>
           </a:xfrm>
           <a:prstGeom prst="downArrow">
@@ -3340,7 +3341,7 @@
         </p:nvSpPr>
         <p:spPr>
           <a:xfrm>
-            <a:off x="971550" y="4069585"/>
+            <a:off x="4031457" y="4069585"/>
             <a:ext cx="2644937" cy="733868"/>
           </a:xfrm>
           <a:prstGeom prst="rect">
@@ -3386,7 +3387,7 @@
         </p:nvSpPr>
         <p:spPr>
           <a:xfrm>
-            <a:off x="3789542" y="4078860"/>
+            <a:off x="6849449" y="4078860"/>
             <a:ext cx="2644937" cy="733868"/>
           </a:xfrm>
           <a:prstGeom prst="rect">
@@ -3432,7 +3433,7 @@
         </p:nvSpPr>
         <p:spPr>
           <a:xfrm>
-            <a:off x="1963457" y="4888445"/>
+            <a:off x="5023364" y="4888446"/>
             <a:ext cx="650449" cy="801279"/>
           </a:xfrm>
           <a:prstGeom prst="downArrow">
@@ -3475,7 +3476,7 @@
         </p:nvSpPr>
         <p:spPr>
           <a:xfrm>
-            <a:off x="4786788" y="4888445"/>
+            <a:off x="7846695" y="4888446"/>
             <a:ext cx="650449" cy="801279"/>
           </a:xfrm>
           <a:prstGeom prst="downArrow">
@@ -3518,7 +3519,7 @@
         </p:nvSpPr>
         <p:spPr>
           <a:xfrm>
-            <a:off x="1010959" y="5774714"/>
+            <a:off x="4070866" y="5774714"/>
             <a:ext cx="5423519" cy="468130"/>
           </a:xfrm>
           <a:prstGeom prst="rect">
@@ -3564,7 +3565,7 @@
         </p:nvSpPr>
         <p:spPr>
           <a:xfrm>
-            <a:off x="3397494" y="6327836"/>
+            <a:off x="6457401" y="6327837"/>
             <a:ext cx="650449" cy="801279"/>
           </a:xfrm>
           <a:prstGeom prst="downArrow">
@@ -3607,7 +3608,7 @@
         </p:nvSpPr>
         <p:spPr>
           <a:xfrm>
-            <a:off x="3051058" y="7204830"/>
+            <a:off x="6110964" y="7204830"/>
             <a:ext cx="1343320" cy="468130"/>
           </a:xfrm>
           <a:prstGeom prst="rect">
@@ -3639,7 +3640,7 @@
           <a:p>
             <a:pPr algn="ctr"/>
             <a:r>
-              <a:rPr lang="en-US" sz="2000" dirty="0" smtClean="0"/>
+              <a:rPr lang="en-US" sz="2000" dirty="0"/>
               <a:t>Output</a:t>
             </a:r>
             <a:endParaRPr lang="en-US" sz="2000" dirty="0"/>
@@ -3654,7 +3655,7 @@
         </p:nvSpPr>
         <p:spPr>
           <a:xfrm>
-            <a:off x="673100" y="3508696"/>
+            <a:off x="3733006" y="3508697"/>
             <a:ext cx="6096000" cy="3158803"/>
           </a:xfrm>
           <a:prstGeom prst="rect">
@@ -3696,7 +3697,7 @@
         </p:nvSpPr>
         <p:spPr>
           <a:xfrm>
-            <a:off x="6985000" y="1447800"/>
+            <a:off x="10044907" y="1447800"/>
             <a:ext cx="192555" cy="2060896"/>
           </a:xfrm>
           <a:prstGeom prst="rightBracket">
@@ -3743,7 +3744,7 @@
         </p:nvSpPr>
         <p:spPr>
           <a:xfrm>
-            <a:off x="7408838" y="4078860"/>
+            <a:off x="10468745" y="4078861"/>
             <a:ext cx="1193853" cy="646331"/>
           </a:xfrm>
           <a:prstGeom prst="rect">
@@ -3758,7 +3759,7 @@
           <a:p>
             <a:pPr algn="ctr"/>
             <a:r>
-              <a:rPr lang="en-US" dirty="0" smtClean="0"/>
+              <a:rPr lang="en-US" dirty="0"/>
               <a:t>Feature extraction</a:t>
             </a:r>
             <a:endParaRPr lang="en-US" dirty="0"/>
@@ -3773,7 +3774,7 @@
         </p:nvSpPr>
         <p:spPr>
           <a:xfrm>
-            <a:off x="6985000" y="3644899"/>
+            <a:off x="10044907" y="3644900"/>
             <a:ext cx="192555" cy="1382843"/>
           </a:xfrm>
           <a:prstGeom prst="rightBracket">
@@ -3820,7 +3821,7 @@
         </p:nvSpPr>
         <p:spPr>
           <a:xfrm>
-            <a:off x="7408838" y="2343494"/>
+            <a:off x="10468745" y="2343494"/>
             <a:ext cx="1193853" cy="369332"/>
           </a:xfrm>
           <a:prstGeom prst="rect">
@@ -3834,7 +3835,7 @@
           <a:lstStyle/>
           <a:p>
             <a:r>
-              <a:rPr lang="en-US" dirty="0" smtClean="0"/>
+              <a:rPr lang="en-US" dirty="0"/>
               <a:t>Input layer</a:t>
             </a:r>
             <a:endParaRPr lang="en-US" dirty="0"/>
@@ -3849,7 +3850,7 @@
         </p:nvSpPr>
         <p:spPr>
           <a:xfrm>
-            <a:off x="6985000" y="5284656"/>
+            <a:off x="10044907" y="5284657"/>
             <a:ext cx="192555" cy="1382843"/>
           </a:xfrm>
           <a:prstGeom prst="rightBracket">
@@ -3896,7 +3897,7 @@
         </p:nvSpPr>
         <p:spPr>
           <a:xfrm>
-            <a:off x="7290583" y="5652911"/>
+            <a:off x="10350489" y="5652912"/>
             <a:ext cx="1430362" cy="646331"/>
           </a:xfrm>
           <a:prstGeom prst="rect">
@@ -3911,7 +3912,7 @@
           <a:p>
             <a:pPr algn="ctr"/>
             <a:r>
-              <a:rPr lang="en-US" dirty="0" smtClean="0"/>
+              <a:rPr lang="en-US" dirty="0"/>
               <a:t>Feature combination</a:t>
             </a:r>
             <a:endParaRPr lang="en-US" dirty="0"/>
@@ -3926,7 +3927,7 @@
         </p:nvSpPr>
         <p:spPr>
           <a:xfrm>
-            <a:off x="6984999" y="6924413"/>
+            <a:off x="10044906" y="6924414"/>
             <a:ext cx="192555" cy="886087"/>
           </a:xfrm>
           <a:prstGeom prst="rightBracket">
@@ -3973,7 +3974,7 @@
         </p:nvSpPr>
         <p:spPr>
           <a:xfrm>
-            <a:off x="7323077" y="7204830"/>
+            <a:off x="10382983" y="7204830"/>
             <a:ext cx="1365374" cy="369332"/>
           </a:xfrm>
           <a:prstGeom prst="rect">
@@ -3987,7 +3988,7 @@
           <a:lstStyle/>
           <a:p>
             <a:r>
-              <a:rPr lang="en-US" dirty="0" smtClean="0"/>
+              <a:rPr lang="en-US" dirty="0"/>
               <a:t>Output layer</a:t>
             </a:r>
             <a:endParaRPr lang="en-US" dirty="0"/>
@@ -4039,8 +4040,8 @@
           </p:nvPr>
         </p:nvGraphicFramePr>
         <p:xfrm>
-          <a:off x="1323340" y="5181970"/>
-          <a:ext cx="8128000" cy="457200"/>
+          <a:off x="4383246" y="5181970"/>
+          <a:ext cx="8128000" cy="1185672"/>
         </p:xfrm>
         <a:graphic>
           <a:graphicData uri="http://schemas.openxmlformats.org/drawingml/2006/table">
@@ -4448,7 +4449,7 @@
         </p:nvSpPr>
         <p:spPr>
           <a:xfrm>
-            <a:off x="1152525" y="4333874"/>
+            <a:off x="4212432" y="4333875"/>
             <a:ext cx="6753225" cy="1552575"/>
           </a:xfrm>
           <a:prstGeom prst="rect">
@@ -4485,7 +4486,7 @@
           <a:lstStyle/>
           <a:p>
             <a:r>
-              <a:rPr lang="en-US" sz="2200" dirty="0" smtClean="0">
+              <a:rPr lang="en-US" sz="2200" dirty="0">
                 <a:solidFill>
                   <a:schemeClr val="accent1">
                     <a:lumMod val="50000"/>
@@ -4529,7 +4530,7 @@
         </p:nvSpPr>
         <p:spPr>
           <a:xfrm>
-            <a:off x="6105525" y="4410075"/>
+            <a:off x="9165431" y="4410075"/>
             <a:ext cx="1752600" cy="1395412"/>
           </a:xfrm>
           <a:prstGeom prst="rect">
@@ -4563,7 +4564,7 @@
           <a:bodyPr rtlCol="0" anchor="ctr"/>
           <a:lstStyle/>
           <a:p>
-            <a:endParaRPr lang="en-US" sz="2400" dirty="0" smtClean="0">
+            <a:endParaRPr lang="en-US" sz="2400" dirty="0">
               <a:solidFill>
                 <a:schemeClr val="accent1">
                   <a:lumMod val="50000"/>
@@ -4575,7 +4576,7 @@
           </a:p>
           <a:p>
             <a:r>
-              <a:rPr lang="en-US" sz="2200" dirty="0" smtClean="0">
+              <a:rPr lang="en-US" sz="2200" dirty="0">
                 <a:solidFill>
                   <a:srgbClr val="FF0000"/>
                 </a:solidFill>
@@ -4641,6 +4642,5007 @@
       </p:grpSpPr>
       <p:graphicFrame>
         <p:nvGraphicFramePr>
+          <p:cNvPr id="26" name="Table 25"/>
+          <p:cNvGraphicFramePr>
+            <a:graphicFrameLocks noGrp="1"/>
+          </p:cNvGraphicFramePr>
+          <p:nvPr>
+            <p:extLst>
+              <p:ext uri="{D42A27DB-BD31-4B8C-83A1-F6EECF244321}">
+                <p14:modId xmlns:p14="http://schemas.microsoft.com/office/powerpoint/2010/main" val="2848869914"/>
+              </p:ext>
+            </p:extLst>
+          </p:nvPr>
+        </p:nvGraphicFramePr>
+        <p:xfrm>
+          <a:off x="7855745" y="1281750"/>
+          <a:ext cx="2160000" cy="5040000"/>
+        </p:xfrm>
+        <a:graphic>
+          <a:graphicData uri="http://schemas.openxmlformats.org/drawingml/2006/table">
+            <a:tbl>
+              <a:tblPr firstRow="1" bandRow="1">
+                <a:tableStyleId>{5940675A-B579-460E-94D1-54222C63F5DA}</a:tableStyleId>
+              </a:tblPr>
+              <a:tblGrid>
+                <a:gridCol w="720000">
+                  <a:extLst>
+                    <a:ext uri="{9D8B030D-6E8A-4147-A177-3AD203B41FA5}">
+                      <a16:colId xmlns:a16="http://schemas.microsoft.com/office/drawing/2014/main" val="2083327617"/>
+                    </a:ext>
+                  </a:extLst>
+                </a:gridCol>
+                <a:gridCol w="720000">
+                  <a:extLst>
+                    <a:ext uri="{9D8B030D-6E8A-4147-A177-3AD203B41FA5}">
+                      <a16:colId xmlns:a16="http://schemas.microsoft.com/office/drawing/2014/main" val="709160023"/>
+                    </a:ext>
+                  </a:extLst>
+                </a:gridCol>
+                <a:gridCol w="720000">
+                  <a:extLst>
+                    <a:ext uri="{9D8B030D-6E8A-4147-A177-3AD203B41FA5}">
+                      <a16:colId xmlns:a16="http://schemas.microsoft.com/office/drawing/2014/main" val="2877577952"/>
+                    </a:ext>
+                  </a:extLst>
+                </a:gridCol>
+              </a:tblGrid>
+              <a:tr h="720000">
+                <a:tc>
+                  <a:txBody>
+                    <a:bodyPr/>
+                    <a:lstStyle/>
+                    <a:p>
+                      <a:endParaRPr lang="en-US" dirty="0"/>
+                    </a:p>
+                  </a:txBody>
+                  <a:tcPr>
+                    <a:lnL w="38100" cap="flat" cmpd="sng" algn="ctr">
+                      <a:solidFill>
+                        <a:schemeClr val="accent6">
+                          <a:lumMod val="75000"/>
+                        </a:schemeClr>
+                      </a:solidFill>
+                      <a:prstDash val="solid"/>
+                      <a:round/>
+                      <a:headEnd type="none" w="med" len="med"/>
+                      <a:tailEnd type="none" w="med" len="med"/>
+                    </a:lnL>
+                    <a:lnR w="6350" cap="flat" cmpd="sng" algn="ctr">
+                      <a:solidFill>
+                        <a:schemeClr val="accent6">
+                          <a:lumMod val="75000"/>
+                        </a:schemeClr>
+                      </a:solidFill>
+                      <a:prstDash val="solid"/>
+                      <a:round/>
+                      <a:headEnd type="none" w="med" len="med"/>
+                      <a:tailEnd type="none" w="med" len="med"/>
+                    </a:lnR>
+                    <a:lnT w="38100" cap="flat" cmpd="sng" algn="ctr">
+                      <a:solidFill>
+                        <a:schemeClr val="accent6">
+                          <a:lumMod val="75000"/>
+                        </a:schemeClr>
+                      </a:solidFill>
+                      <a:prstDash val="solid"/>
+                      <a:round/>
+                      <a:headEnd type="none" w="med" len="med"/>
+                      <a:tailEnd type="none" w="med" len="med"/>
+                    </a:lnT>
+                    <a:lnB w="6350" cap="flat" cmpd="sng" algn="ctr">
+                      <a:solidFill>
+                        <a:schemeClr val="accent6">
+                          <a:lumMod val="75000"/>
+                        </a:schemeClr>
+                      </a:solidFill>
+                      <a:prstDash val="solid"/>
+                      <a:round/>
+                      <a:headEnd type="none" w="med" len="med"/>
+                      <a:tailEnd type="none" w="med" len="med"/>
+                    </a:lnB>
+                    <a:solidFill>
+                      <a:schemeClr val="bg1"/>
+                    </a:solidFill>
+                  </a:tcPr>
+                </a:tc>
+                <a:tc>
+                  <a:txBody>
+                    <a:bodyPr/>
+                    <a:lstStyle/>
+                    <a:p>
+                      <a:endParaRPr lang="en-US" dirty="0"/>
+                    </a:p>
+                  </a:txBody>
+                  <a:tcPr>
+                    <a:lnL w="6350" cap="flat" cmpd="sng" algn="ctr">
+                      <a:solidFill>
+                        <a:schemeClr val="accent6">
+                          <a:lumMod val="75000"/>
+                        </a:schemeClr>
+                      </a:solidFill>
+                      <a:prstDash val="solid"/>
+                      <a:round/>
+                      <a:headEnd type="none" w="med" len="med"/>
+                      <a:tailEnd type="none" w="med" len="med"/>
+                    </a:lnL>
+                    <a:lnR w="6350" cap="flat" cmpd="sng" algn="ctr">
+                      <a:solidFill>
+                        <a:schemeClr val="accent6">
+                          <a:lumMod val="75000"/>
+                        </a:schemeClr>
+                      </a:solidFill>
+                      <a:prstDash val="solid"/>
+                      <a:round/>
+                      <a:headEnd type="none" w="med" len="med"/>
+                      <a:tailEnd type="none" w="med" len="med"/>
+                    </a:lnR>
+                    <a:lnT w="38100" cap="flat" cmpd="sng" algn="ctr">
+                      <a:solidFill>
+                        <a:schemeClr val="accent6">
+                          <a:lumMod val="75000"/>
+                        </a:schemeClr>
+                      </a:solidFill>
+                      <a:prstDash val="solid"/>
+                      <a:round/>
+                      <a:headEnd type="none" w="med" len="med"/>
+                      <a:tailEnd type="none" w="med" len="med"/>
+                    </a:lnT>
+                    <a:lnB w="6350" cap="flat" cmpd="sng" algn="ctr">
+                      <a:solidFill>
+                        <a:schemeClr val="accent6">
+                          <a:lumMod val="75000"/>
+                        </a:schemeClr>
+                      </a:solidFill>
+                      <a:prstDash val="solid"/>
+                      <a:round/>
+                      <a:headEnd type="none" w="med" len="med"/>
+                      <a:tailEnd type="none" w="med" len="med"/>
+                    </a:lnB>
+                    <a:solidFill>
+                      <a:schemeClr val="bg1"/>
+                    </a:solidFill>
+                  </a:tcPr>
+                </a:tc>
+                <a:tc>
+                  <a:txBody>
+                    <a:bodyPr/>
+                    <a:lstStyle/>
+                    <a:p>
+                      <a:endParaRPr lang="en-US" dirty="0"/>
+                    </a:p>
+                  </a:txBody>
+                  <a:tcPr>
+                    <a:lnL w="6350" cap="flat" cmpd="sng" algn="ctr">
+                      <a:solidFill>
+                        <a:schemeClr val="accent6">
+                          <a:lumMod val="75000"/>
+                        </a:schemeClr>
+                      </a:solidFill>
+                      <a:prstDash val="solid"/>
+                      <a:round/>
+                      <a:headEnd type="none" w="med" len="med"/>
+                      <a:tailEnd type="none" w="med" len="med"/>
+                    </a:lnL>
+                    <a:lnR w="38100" cap="flat" cmpd="sng" algn="ctr">
+                      <a:solidFill>
+                        <a:schemeClr val="accent6">
+                          <a:lumMod val="75000"/>
+                        </a:schemeClr>
+                      </a:solidFill>
+                      <a:prstDash val="solid"/>
+                      <a:round/>
+                      <a:headEnd type="none" w="med" len="med"/>
+                      <a:tailEnd type="none" w="med" len="med"/>
+                    </a:lnR>
+                    <a:lnT w="38100" cap="flat" cmpd="sng" algn="ctr">
+                      <a:solidFill>
+                        <a:schemeClr val="accent6">
+                          <a:lumMod val="75000"/>
+                        </a:schemeClr>
+                      </a:solidFill>
+                      <a:prstDash val="solid"/>
+                      <a:round/>
+                      <a:headEnd type="none" w="med" len="med"/>
+                      <a:tailEnd type="none" w="med" len="med"/>
+                    </a:lnT>
+                    <a:lnB w="6350" cap="flat" cmpd="sng" algn="ctr">
+                      <a:solidFill>
+                        <a:schemeClr val="accent6">
+                          <a:lumMod val="75000"/>
+                        </a:schemeClr>
+                      </a:solidFill>
+                      <a:prstDash val="solid"/>
+                      <a:round/>
+                      <a:headEnd type="none" w="med" len="med"/>
+                      <a:tailEnd type="none" w="med" len="med"/>
+                    </a:lnB>
+                    <a:solidFill>
+                      <a:schemeClr val="bg1"/>
+                    </a:solidFill>
+                  </a:tcPr>
+                </a:tc>
+                <a:extLst>
+                  <a:ext uri="{0D108BD9-81ED-4DB2-BD59-A6C34878D82A}">
+                    <a16:rowId xmlns:a16="http://schemas.microsoft.com/office/drawing/2014/main" val="2255459210"/>
+                  </a:ext>
+                </a:extLst>
+              </a:tr>
+              <a:tr h="720000">
+                <a:tc>
+                  <a:txBody>
+                    <a:bodyPr/>
+                    <a:lstStyle/>
+                    <a:p>
+                      <a:endParaRPr lang="en-US" dirty="0"/>
+                    </a:p>
+                  </a:txBody>
+                  <a:tcPr>
+                    <a:lnL w="38100" cap="flat" cmpd="sng" algn="ctr">
+                      <a:solidFill>
+                        <a:schemeClr val="accent6">
+                          <a:lumMod val="75000"/>
+                        </a:schemeClr>
+                      </a:solidFill>
+                      <a:prstDash val="solid"/>
+                      <a:round/>
+                      <a:headEnd type="none" w="med" len="med"/>
+                      <a:tailEnd type="none" w="med" len="med"/>
+                    </a:lnL>
+                    <a:lnR w="6350" cap="flat" cmpd="sng" algn="ctr">
+                      <a:solidFill>
+                        <a:schemeClr val="accent6">
+                          <a:lumMod val="75000"/>
+                        </a:schemeClr>
+                      </a:solidFill>
+                      <a:prstDash val="solid"/>
+                      <a:round/>
+                      <a:headEnd type="none" w="med" len="med"/>
+                      <a:tailEnd type="none" w="med" len="med"/>
+                    </a:lnR>
+                    <a:lnT w="6350" cap="flat" cmpd="sng" algn="ctr">
+                      <a:solidFill>
+                        <a:schemeClr val="accent6">
+                          <a:lumMod val="75000"/>
+                        </a:schemeClr>
+                      </a:solidFill>
+                      <a:prstDash val="solid"/>
+                      <a:round/>
+                      <a:headEnd type="none" w="med" len="med"/>
+                      <a:tailEnd type="none" w="med" len="med"/>
+                    </a:lnT>
+                    <a:lnB w="6350" cap="flat" cmpd="sng" algn="ctr">
+                      <a:solidFill>
+                        <a:schemeClr val="accent6">
+                          <a:lumMod val="75000"/>
+                        </a:schemeClr>
+                      </a:solidFill>
+                      <a:prstDash val="solid"/>
+                      <a:round/>
+                      <a:headEnd type="none" w="med" len="med"/>
+                      <a:tailEnd type="none" w="med" len="med"/>
+                    </a:lnB>
+                    <a:solidFill>
+                      <a:schemeClr val="bg1"/>
+                    </a:solidFill>
+                  </a:tcPr>
+                </a:tc>
+                <a:tc>
+                  <a:txBody>
+                    <a:bodyPr/>
+                    <a:lstStyle/>
+                    <a:p>
+                      <a:endParaRPr lang="en-US" dirty="0"/>
+                    </a:p>
+                  </a:txBody>
+                  <a:tcPr>
+                    <a:lnL w="6350" cap="flat" cmpd="sng" algn="ctr">
+                      <a:solidFill>
+                        <a:schemeClr val="accent6">
+                          <a:lumMod val="75000"/>
+                        </a:schemeClr>
+                      </a:solidFill>
+                      <a:prstDash val="solid"/>
+                      <a:round/>
+                      <a:headEnd type="none" w="med" len="med"/>
+                      <a:tailEnd type="none" w="med" len="med"/>
+                    </a:lnL>
+                    <a:lnR w="6350" cap="flat" cmpd="sng" algn="ctr">
+                      <a:solidFill>
+                        <a:schemeClr val="accent6">
+                          <a:lumMod val="75000"/>
+                        </a:schemeClr>
+                      </a:solidFill>
+                      <a:prstDash val="solid"/>
+                      <a:round/>
+                      <a:headEnd type="none" w="med" len="med"/>
+                      <a:tailEnd type="none" w="med" len="med"/>
+                    </a:lnR>
+                    <a:lnT w="6350" cap="flat" cmpd="sng" algn="ctr">
+                      <a:solidFill>
+                        <a:schemeClr val="accent6">
+                          <a:lumMod val="75000"/>
+                        </a:schemeClr>
+                      </a:solidFill>
+                      <a:prstDash val="solid"/>
+                      <a:round/>
+                      <a:headEnd type="none" w="med" len="med"/>
+                      <a:tailEnd type="none" w="med" len="med"/>
+                    </a:lnT>
+                    <a:lnB w="6350" cap="flat" cmpd="sng" algn="ctr">
+                      <a:solidFill>
+                        <a:schemeClr val="accent6">
+                          <a:lumMod val="75000"/>
+                        </a:schemeClr>
+                      </a:solidFill>
+                      <a:prstDash val="solid"/>
+                      <a:round/>
+                      <a:headEnd type="none" w="med" len="med"/>
+                      <a:tailEnd type="none" w="med" len="med"/>
+                    </a:lnB>
+                    <a:solidFill>
+                      <a:schemeClr val="bg1"/>
+                    </a:solidFill>
+                  </a:tcPr>
+                </a:tc>
+                <a:tc>
+                  <a:txBody>
+                    <a:bodyPr/>
+                    <a:lstStyle/>
+                    <a:p>
+                      <a:endParaRPr lang="en-US" dirty="0"/>
+                    </a:p>
+                  </a:txBody>
+                  <a:tcPr>
+                    <a:lnL w="6350" cap="flat" cmpd="sng" algn="ctr">
+                      <a:solidFill>
+                        <a:schemeClr val="accent6">
+                          <a:lumMod val="75000"/>
+                        </a:schemeClr>
+                      </a:solidFill>
+                      <a:prstDash val="solid"/>
+                      <a:round/>
+                      <a:headEnd type="none" w="med" len="med"/>
+                      <a:tailEnd type="none" w="med" len="med"/>
+                    </a:lnL>
+                    <a:lnR w="38100" cap="flat" cmpd="sng" algn="ctr">
+                      <a:solidFill>
+                        <a:schemeClr val="accent6">
+                          <a:lumMod val="75000"/>
+                        </a:schemeClr>
+                      </a:solidFill>
+                      <a:prstDash val="solid"/>
+                      <a:round/>
+                      <a:headEnd type="none" w="med" len="med"/>
+                      <a:tailEnd type="none" w="med" len="med"/>
+                    </a:lnR>
+                    <a:lnT w="6350" cap="flat" cmpd="sng" algn="ctr">
+                      <a:solidFill>
+                        <a:schemeClr val="accent6">
+                          <a:lumMod val="75000"/>
+                        </a:schemeClr>
+                      </a:solidFill>
+                      <a:prstDash val="solid"/>
+                      <a:round/>
+                      <a:headEnd type="none" w="med" len="med"/>
+                      <a:tailEnd type="none" w="med" len="med"/>
+                    </a:lnT>
+                    <a:lnB w="6350" cap="flat" cmpd="sng" algn="ctr">
+                      <a:solidFill>
+                        <a:schemeClr val="accent6">
+                          <a:lumMod val="75000"/>
+                        </a:schemeClr>
+                      </a:solidFill>
+                      <a:prstDash val="solid"/>
+                      <a:round/>
+                      <a:headEnd type="none" w="med" len="med"/>
+                      <a:tailEnd type="none" w="med" len="med"/>
+                    </a:lnB>
+                    <a:solidFill>
+                      <a:schemeClr val="bg1"/>
+                    </a:solidFill>
+                  </a:tcPr>
+                </a:tc>
+                <a:extLst>
+                  <a:ext uri="{0D108BD9-81ED-4DB2-BD59-A6C34878D82A}">
+                    <a16:rowId xmlns:a16="http://schemas.microsoft.com/office/drawing/2014/main" val="3398140794"/>
+                  </a:ext>
+                </a:extLst>
+              </a:tr>
+              <a:tr h="720000">
+                <a:tc>
+                  <a:txBody>
+                    <a:bodyPr/>
+                    <a:lstStyle/>
+                    <a:p>
+                      <a:endParaRPr lang="en-US" dirty="0"/>
+                    </a:p>
+                  </a:txBody>
+                  <a:tcPr>
+                    <a:lnL w="38100" cap="flat" cmpd="sng" algn="ctr">
+                      <a:solidFill>
+                        <a:schemeClr val="accent6">
+                          <a:lumMod val="75000"/>
+                        </a:schemeClr>
+                      </a:solidFill>
+                      <a:prstDash val="solid"/>
+                      <a:round/>
+                      <a:headEnd type="none" w="med" len="med"/>
+                      <a:tailEnd type="none" w="med" len="med"/>
+                    </a:lnL>
+                    <a:lnR w="6350" cap="flat" cmpd="sng" algn="ctr">
+                      <a:solidFill>
+                        <a:schemeClr val="accent6">
+                          <a:lumMod val="75000"/>
+                        </a:schemeClr>
+                      </a:solidFill>
+                      <a:prstDash val="solid"/>
+                      <a:round/>
+                      <a:headEnd type="none" w="med" len="med"/>
+                      <a:tailEnd type="none" w="med" len="med"/>
+                    </a:lnR>
+                    <a:lnT w="6350" cap="flat" cmpd="sng" algn="ctr">
+                      <a:solidFill>
+                        <a:schemeClr val="accent6">
+                          <a:lumMod val="75000"/>
+                        </a:schemeClr>
+                      </a:solidFill>
+                      <a:prstDash val="solid"/>
+                      <a:round/>
+                      <a:headEnd type="none" w="med" len="med"/>
+                      <a:tailEnd type="none" w="med" len="med"/>
+                    </a:lnT>
+                    <a:lnB w="6350" cap="flat" cmpd="sng" algn="ctr">
+                      <a:solidFill>
+                        <a:schemeClr val="accent6">
+                          <a:lumMod val="75000"/>
+                        </a:schemeClr>
+                      </a:solidFill>
+                      <a:prstDash val="solid"/>
+                      <a:round/>
+                      <a:headEnd type="none" w="med" len="med"/>
+                      <a:tailEnd type="none" w="med" len="med"/>
+                    </a:lnB>
+                    <a:solidFill>
+                      <a:schemeClr val="bg1"/>
+                    </a:solidFill>
+                  </a:tcPr>
+                </a:tc>
+                <a:tc>
+                  <a:txBody>
+                    <a:bodyPr/>
+                    <a:lstStyle/>
+                    <a:p>
+                      <a:endParaRPr lang="en-US" dirty="0"/>
+                    </a:p>
+                  </a:txBody>
+                  <a:tcPr>
+                    <a:lnL w="6350" cap="flat" cmpd="sng" algn="ctr">
+                      <a:solidFill>
+                        <a:schemeClr val="accent6">
+                          <a:lumMod val="75000"/>
+                        </a:schemeClr>
+                      </a:solidFill>
+                      <a:prstDash val="solid"/>
+                      <a:round/>
+                      <a:headEnd type="none" w="med" len="med"/>
+                      <a:tailEnd type="none" w="med" len="med"/>
+                    </a:lnL>
+                    <a:lnR w="6350" cap="flat" cmpd="sng" algn="ctr">
+                      <a:solidFill>
+                        <a:schemeClr val="accent6">
+                          <a:lumMod val="75000"/>
+                        </a:schemeClr>
+                      </a:solidFill>
+                      <a:prstDash val="solid"/>
+                      <a:round/>
+                      <a:headEnd type="none" w="med" len="med"/>
+                      <a:tailEnd type="none" w="med" len="med"/>
+                    </a:lnR>
+                    <a:lnT w="6350" cap="flat" cmpd="sng" algn="ctr">
+                      <a:solidFill>
+                        <a:schemeClr val="accent6">
+                          <a:lumMod val="75000"/>
+                        </a:schemeClr>
+                      </a:solidFill>
+                      <a:prstDash val="solid"/>
+                      <a:round/>
+                      <a:headEnd type="none" w="med" len="med"/>
+                      <a:tailEnd type="none" w="med" len="med"/>
+                    </a:lnT>
+                    <a:lnB w="6350" cap="flat" cmpd="sng" algn="ctr">
+                      <a:solidFill>
+                        <a:schemeClr val="accent6">
+                          <a:lumMod val="75000"/>
+                        </a:schemeClr>
+                      </a:solidFill>
+                      <a:prstDash val="solid"/>
+                      <a:round/>
+                      <a:headEnd type="none" w="med" len="med"/>
+                      <a:tailEnd type="none" w="med" len="med"/>
+                    </a:lnB>
+                    <a:solidFill>
+                      <a:schemeClr val="bg1"/>
+                    </a:solidFill>
+                  </a:tcPr>
+                </a:tc>
+                <a:tc>
+                  <a:txBody>
+                    <a:bodyPr/>
+                    <a:lstStyle/>
+                    <a:p>
+                      <a:endParaRPr lang="en-US" dirty="0"/>
+                    </a:p>
+                  </a:txBody>
+                  <a:tcPr>
+                    <a:lnL w="6350" cap="flat" cmpd="sng" algn="ctr">
+                      <a:solidFill>
+                        <a:schemeClr val="accent6">
+                          <a:lumMod val="75000"/>
+                        </a:schemeClr>
+                      </a:solidFill>
+                      <a:prstDash val="solid"/>
+                      <a:round/>
+                      <a:headEnd type="none" w="med" len="med"/>
+                      <a:tailEnd type="none" w="med" len="med"/>
+                    </a:lnL>
+                    <a:lnR w="38100" cap="flat" cmpd="sng" algn="ctr">
+                      <a:solidFill>
+                        <a:schemeClr val="accent6">
+                          <a:lumMod val="75000"/>
+                        </a:schemeClr>
+                      </a:solidFill>
+                      <a:prstDash val="solid"/>
+                      <a:round/>
+                      <a:headEnd type="none" w="med" len="med"/>
+                      <a:tailEnd type="none" w="med" len="med"/>
+                    </a:lnR>
+                    <a:lnT w="6350" cap="flat" cmpd="sng" algn="ctr">
+                      <a:solidFill>
+                        <a:schemeClr val="accent6">
+                          <a:lumMod val="75000"/>
+                        </a:schemeClr>
+                      </a:solidFill>
+                      <a:prstDash val="solid"/>
+                      <a:round/>
+                      <a:headEnd type="none" w="med" len="med"/>
+                      <a:tailEnd type="none" w="med" len="med"/>
+                    </a:lnT>
+                    <a:lnB w="6350" cap="flat" cmpd="sng" algn="ctr">
+                      <a:solidFill>
+                        <a:schemeClr val="accent6">
+                          <a:lumMod val="75000"/>
+                        </a:schemeClr>
+                      </a:solidFill>
+                      <a:prstDash val="solid"/>
+                      <a:round/>
+                      <a:headEnd type="none" w="med" len="med"/>
+                      <a:tailEnd type="none" w="med" len="med"/>
+                    </a:lnB>
+                    <a:solidFill>
+                      <a:schemeClr val="bg1"/>
+                    </a:solidFill>
+                  </a:tcPr>
+                </a:tc>
+                <a:extLst>
+                  <a:ext uri="{0D108BD9-81ED-4DB2-BD59-A6C34878D82A}">
+                    <a16:rowId xmlns:a16="http://schemas.microsoft.com/office/drawing/2014/main" val="4004784563"/>
+                  </a:ext>
+                </a:extLst>
+              </a:tr>
+              <a:tr h="720000">
+                <a:tc>
+                  <a:txBody>
+                    <a:bodyPr/>
+                    <a:lstStyle/>
+                    <a:p>
+                      <a:endParaRPr lang="en-US"/>
+                    </a:p>
+                  </a:txBody>
+                  <a:tcPr>
+                    <a:lnL w="38100" cap="flat" cmpd="sng" algn="ctr">
+                      <a:solidFill>
+                        <a:schemeClr val="accent6">
+                          <a:lumMod val="75000"/>
+                        </a:schemeClr>
+                      </a:solidFill>
+                      <a:prstDash val="solid"/>
+                      <a:round/>
+                      <a:headEnd type="none" w="med" len="med"/>
+                      <a:tailEnd type="none" w="med" len="med"/>
+                    </a:lnL>
+                    <a:lnR w="6350" cap="flat" cmpd="sng" algn="ctr">
+                      <a:solidFill>
+                        <a:schemeClr val="accent6">
+                          <a:lumMod val="75000"/>
+                        </a:schemeClr>
+                      </a:solidFill>
+                      <a:prstDash val="solid"/>
+                      <a:round/>
+                      <a:headEnd type="none" w="med" len="med"/>
+                      <a:tailEnd type="none" w="med" len="med"/>
+                    </a:lnR>
+                    <a:lnT w="6350" cap="flat" cmpd="sng" algn="ctr">
+                      <a:solidFill>
+                        <a:schemeClr val="accent6">
+                          <a:lumMod val="75000"/>
+                        </a:schemeClr>
+                      </a:solidFill>
+                      <a:prstDash val="solid"/>
+                      <a:round/>
+                      <a:headEnd type="none" w="med" len="med"/>
+                      <a:tailEnd type="none" w="med" len="med"/>
+                    </a:lnT>
+                    <a:lnB w="6350" cap="flat" cmpd="sng" algn="ctr">
+                      <a:solidFill>
+                        <a:schemeClr val="accent6">
+                          <a:lumMod val="75000"/>
+                        </a:schemeClr>
+                      </a:solidFill>
+                      <a:prstDash val="solid"/>
+                      <a:round/>
+                      <a:headEnd type="none" w="med" len="med"/>
+                      <a:tailEnd type="none" w="med" len="med"/>
+                    </a:lnB>
+                    <a:solidFill>
+                      <a:schemeClr val="bg1"/>
+                    </a:solidFill>
+                  </a:tcPr>
+                </a:tc>
+                <a:tc>
+                  <a:txBody>
+                    <a:bodyPr/>
+                    <a:lstStyle/>
+                    <a:p>
+                      <a:endParaRPr lang="en-US" dirty="0"/>
+                    </a:p>
+                  </a:txBody>
+                  <a:tcPr>
+                    <a:lnL w="6350" cap="flat" cmpd="sng" algn="ctr">
+                      <a:solidFill>
+                        <a:schemeClr val="accent6">
+                          <a:lumMod val="75000"/>
+                        </a:schemeClr>
+                      </a:solidFill>
+                      <a:prstDash val="solid"/>
+                      <a:round/>
+                      <a:headEnd type="none" w="med" len="med"/>
+                      <a:tailEnd type="none" w="med" len="med"/>
+                    </a:lnL>
+                    <a:lnR w="6350" cap="flat" cmpd="sng" algn="ctr">
+                      <a:solidFill>
+                        <a:schemeClr val="accent6">
+                          <a:lumMod val="75000"/>
+                        </a:schemeClr>
+                      </a:solidFill>
+                      <a:prstDash val="solid"/>
+                      <a:round/>
+                      <a:headEnd type="none" w="med" len="med"/>
+                      <a:tailEnd type="none" w="med" len="med"/>
+                    </a:lnR>
+                    <a:lnT w="6350" cap="flat" cmpd="sng" algn="ctr">
+                      <a:solidFill>
+                        <a:schemeClr val="accent6">
+                          <a:lumMod val="75000"/>
+                        </a:schemeClr>
+                      </a:solidFill>
+                      <a:prstDash val="solid"/>
+                      <a:round/>
+                      <a:headEnd type="none" w="med" len="med"/>
+                      <a:tailEnd type="none" w="med" len="med"/>
+                    </a:lnT>
+                    <a:lnB w="6350" cap="flat" cmpd="sng" algn="ctr">
+                      <a:solidFill>
+                        <a:schemeClr val="accent6">
+                          <a:lumMod val="75000"/>
+                        </a:schemeClr>
+                      </a:solidFill>
+                      <a:prstDash val="solid"/>
+                      <a:round/>
+                      <a:headEnd type="none" w="med" len="med"/>
+                      <a:tailEnd type="none" w="med" len="med"/>
+                    </a:lnB>
+                    <a:solidFill>
+                      <a:schemeClr val="bg1"/>
+                    </a:solidFill>
+                  </a:tcPr>
+                </a:tc>
+                <a:tc>
+                  <a:txBody>
+                    <a:bodyPr/>
+                    <a:lstStyle/>
+                    <a:p>
+                      <a:endParaRPr lang="en-US" dirty="0"/>
+                    </a:p>
+                  </a:txBody>
+                  <a:tcPr>
+                    <a:lnL w="6350" cap="flat" cmpd="sng" algn="ctr">
+                      <a:solidFill>
+                        <a:schemeClr val="accent6">
+                          <a:lumMod val="75000"/>
+                        </a:schemeClr>
+                      </a:solidFill>
+                      <a:prstDash val="solid"/>
+                      <a:round/>
+                      <a:headEnd type="none" w="med" len="med"/>
+                      <a:tailEnd type="none" w="med" len="med"/>
+                    </a:lnL>
+                    <a:lnR w="38100" cap="flat" cmpd="sng" algn="ctr">
+                      <a:solidFill>
+                        <a:schemeClr val="accent6">
+                          <a:lumMod val="75000"/>
+                        </a:schemeClr>
+                      </a:solidFill>
+                      <a:prstDash val="solid"/>
+                      <a:round/>
+                      <a:headEnd type="none" w="med" len="med"/>
+                      <a:tailEnd type="none" w="med" len="med"/>
+                    </a:lnR>
+                    <a:lnT w="6350" cap="flat" cmpd="sng" algn="ctr">
+                      <a:solidFill>
+                        <a:schemeClr val="accent6">
+                          <a:lumMod val="75000"/>
+                        </a:schemeClr>
+                      </a:solidFill>
+                      <a:prstDash val="solid"/>
+                      <a:round/>
+                      <a:headEnd type="none" w="med" len="med"/>
+                      <a:tailEnd type="none" w="med" len="med"/>
+                    </a:lnT>
+                    <a:lnB w="6350" cap="flat" cmpd="sng" algn="ctr">
+                      <a:solidFill>
+                        <a:schemeClr val="accent6">
+                          <a:lumMod val="75000"/>
+                        </a:schemeClr>
+                      </a:solidFill>
+                      <a:prstDash val="solid"/>
+                      <a:round/>
+                      <a:headEnd type="none" w="med" len="med"/>
+                      <a:tailEnd type="none" w="med" len="med"/>
+                    </a:lnB>
+                    <a:solidFill>
+                      <a:schemeClr val="bg1"/>
+                    </a:solidFill>
+                  </a:tcPr>
+                </a:tc>
+                <a:extLst>
+                  <a:ext uri="{0D108BD9-81ED-4DB2-BD59-A6C34878D82A}">
+                    <a16:rowId xmlns:a16="http://schemas.microsoft.com/office/drawing/2014/main" val="2303633858"/>
+                  </a:ext>
+                </a:extLst>
+              </a:tr>
+              <a:tr h="720000">
+                <a:tc>
+                  <a:txBody>
+                    <a:bodyPr/>
+                    <a:lstStyle/>
+                    <a:p>
+                      <a:endParaRPr lang="en-US"/>
+                    </a:p>
+                  </a:txBody>
+                  <a:tcPr>
+                    <a:lnL w="38100" cap="flat" cmpd="sng" algn="ctr">
+                      <a:solidFill>
+                        <a:schemeClr val="accent6">
+                          <a:lumMod val="75000"/>
+                        </a:schemeClr>
+                      </a:solidFill>
+                      <a:prstDash val="solid"/>
+                      <a:round/>
+                      <a:headEnd type="none" w="med" len="med"/>
+                      <a:tailEnd type="none" w="med" len="med"/>
+                    </a:lnL>
+                    <a:lnR w="6350" cap="flat" cmpd="sng" algn="ctr">
+                      <a:solidFill>
+                        <a:schemeClr val="accent6">
+                          <a:lumMod val="75000"/>
+                        </a:schemeClr>
+                      </a:solidFill>
+                      <a:prstDash val="solid"/>
+                      <a:round/>
+                      <a:headEnd type="none" w="med" len="med"/>
+                      <a:tailEnd type="none" w="med" len="med"/>
+                    </a:lnR>
+                    <a:lnT w="6350" cap="flat" cmpd="sng" algn="ctr">
+                      <a:solidFill>
+                        <a:schemeClr val="accent6">
+                          <a:lumMod val="75000"/>
+                        </a:schemeClr>
+                      </a:solidFill>
+                      <a:prstDash val="solid"/>
+                      <a:round/>
+                      <a:headEnd type="none" w="med" len="med"/>
+                      <a:tailEnd type="none" w="med" len="med"/>
+                    </a:lnT>
+                    <a:lnB w="6350" cap="flat" cmpd="sng" algn="ctr">
+                      <a:solidFill>
+                        <a:schemeClr val="accent6">
+                          <a:lumMod val="75000"/>
+                        </a:schemeClr>
+                      </a:solidFill>
+                      <a:prstDash val="solid"/>
+                      <a:round/>
+                      <a:headEnd type="none" w="med" len="med"/>
+                      <a:tailEnd type="none" w="med" len="med"/>
+                    </a:lnB>
+                    <a:solidFill>
+                      <a:schemeClr val="bg1"/>
+                    </a:solidFill>
+                  </a:tcPr>
+                </a:tc>
+                <a:tc>
+                  <a:txBody>
+                    <a:bodyPr/>
+                    <a:lstStyle/>
+                    <a:p>
+                      <a:endParaRPr lang="en-US"/>
+                    </a:p>
+                  </a:txBody>
+                  <a:tcPr>
+                    <a:lnL w="6350" cap="flat" cmpd="sng" algn="ctr">
+                      <a:solidFill>
+                        <a:schemeClr val="accent6">
+                          <a:lumMod val="75000"/>
+                        </a:schemeClr>
+                      </a:solidFill>
+                      <a:prstDash val="solid"/>
+                      <a:round/>
+                      <a:headEnd type="none" w="med" len="med"/>
+                      <a:tailEnd type="none" w="med" len="med"/>
+                    </a:lnL>
+                    <a:lnR w="6350" cap="flat" cmpd="sng" algn="ctr">
+                      <a:solidFill>
+                        <a:schemeClr val="accent6">
+                          <a:lumMod val="75000"/>
+                        </a:schemeClr>
+                      </a:solidFill>
+                      <a:prstDash val="solid"/>
+                      <a:round/>
+                      <a:headEnd type="none" w="med" len="med"/>
+                      <a:tailEnd type="none" w="med" len="med"/>
+                    </a:lnR>
+                    <a:lnT w="6350" cap="flat" cmpd="sng" algn="ctr">
+                      <a:solidFill>
+                        <a:schemeClr val="accent6">
+                          <a:lumMod val="75000"/>
+                        </a:schemeClr>
+                      </a:solidFill>
+                      <a:prstDash val="solid"/>
+                      <a:round/>
+                      <a:headEnd type="none" w="med" len="med"/>
+                      <a:tailEnd type="none" w="med" len="med"/>
+                    </a:lnT>
+                    <a:lnB w="6350" cap="flat" cmpd="sng" algn="ctr">
+                      <a:solidFill>
+                        <a:schemeClr val="accent6">
+                          <a:lumMod val="75000"/>
+                        </a:schemeClr>
+                      </a:solidFill>
+                      <a:prstDash val="solid"/>
+                      <a:round/>
+                      <a:headEnd type="none" w="med" len="med"/>
+                      <a:tailEnd type="none" w="med" len="med"/>
+                    </a:lnB>
+                    <a:solidFill>
+                      <a:schemeClr val="bg1"/>
+                    </a:solidFill>
+                  </a:tcPr>
+                </a:tc>
+                <a:tc>
+                  <a:txBody>
+                    <a:bodyPr/>
+                    <a:lstStyle/>
+                    <a:p>
+                      <a:endParaRPr lang="en-US" dirty="0"/>
+                    </a:p>
+                  </a:txBody>
+                  <a:tcPr>
+                    <a:lnL w="6350" cap="flat" cmpd="sng" algn="ctr">
+                      <a:solidFill>
+                        <a:schemeClr val="accent6">
+                          <a:lumMod val="75000"/>
+                        </a:schemeClr>
+                      </a:solidFill>
+                      <a:prstDash val="solid"/>
+                      <a:round/>
+                      <a:headEnd type="none" w="med" len="med"/>
+                      <a:tailEnd type="none" w="med" len="med"/>
+                    </a:lnL>
+                    <a:lnR w="38100" cap="flat" cmpd="sng" algn="ctr">
+                      <a:solidFill>
+                        <a:schemeClr val="accent6">
+                          <a:lumMod val="75000"/>
+                        </a:schemeClr>
+                      </a:solidFill>
+                      <a:prstDash val="solid"/>
+                      <a:round/>
+                      <a:headEnd type="none" w="med" len="med"/>
+                      <a:tailEnd type="none" w="med" len="med"/>
+                    </a:lnR>
+                    <a:lnT w="6350" cap="flat" cmpd="sng" algn="ctr">
+                      <a:solidFill>
+                        <a:schemeClr val="accent6">
+                          <a:lumMod val="75000"/>
+                        </a:schemeClr>
+                      </a:solidFill>
+                      <a:prstDash val="solid"/>
+                      <a:round/>
+                      <a:headEnd type="none" w="med" len="med"/>
+                      <a:tailEnd type="none" w="med" len="med"/>
+                    </a:lnT>
+                    <a:lnB w="6350" cap="flat" cmpd="sng" algn="ctr">
+                      <a:solidFill>
+                        <a:schemeClr val="accent6">
+                          <a:lumMod val="75000"/>
+                        </a:schemeClr>
+                      </a:solidFill>
+                      <a:prstDash val="solid"/>
+                      <a:round/>
+                      <a:headEnd type="none" w="med" len="med"/>
+                      <a:tailEnd type="none" w="med" len="med"/>
+                    </a:lnB>
+                    <a:solidFill>
+                      <a:schemeClr val="bg1"/>
+                    </a:solidFill>
+                  </a:tcPr>
+                </a:tc>
+                <a:extLst>
+                  <a:ext uri="{0D108BD9-81ED-4DB2-BD59-A6C34878D82A}">
+                    <a16:rowId xmlns:a16="http://schemas.microsoft.com/office/drawing/2014/main" val="1339616803"/>
+                  </a:ext>
+                </a:extLst>
+              </a:tr>
+              <a:tr h="720000">
+                <a:tc>
+                  <a:txBody>
+                    <a:bodyPr/>
+                    <a:lstStyle/>
+                    <a:p>
+                      <a:endParaRPr lang="en-US"/>
+                    </a:p>
+                  </a:txBody>
+                  <a:tcPr>
+                    <a:lnL w="38100" cap="flat" cmpd="sng" algn="ctr">
+                      <a:solidFill>
+                        <a:schemeClr val="accent6">
+                          <a:lumMod val="75000"/>
+                        </a:schemeClr>
+                      </a:solidFill>
+                      <a:prstDash val="solid"/>
+                      <a:round/>
+                      <a:headEnd type="none" w="med" len="med"/>
+                      <a:tailEnd type="none" w="med" len="med"/>
+                    </a:lnL>
+                    <a:lnR w="6350" cap="flat" cmpd="sng" algn="ctr">
+                      <a:solidFill>
+                        <a:schemeClr val="accent6">
+                          <a:lumMod val="75000"/>
+                        </a:schemeClr>
+                      </a:solidFill>
+                      <a:prstDash val="solid"/>
+                      <a:round/>
+                      <a:headEnd type="none" w="med" len="med"/>
+                      <a:tailEnd type="none" w="med" len="med"/>
+                    </a:lnR>
+                    <a:lnT w="6350" cap="flat" cmpd="sng" algn="ctr">
+                      <a:solidFill>
+                        <a:schemeClr val="accent6">
+                          <a:lumMod val="75000"/>
+                        </a:schemeClr>
+                      </a:solidFill>
+                      <a:prstDash val="solid"/>
+                      <a:round/>
+                      <a:headEnd type="none" w="med" len="med"/>
+                      <a:tailEnd type="none" w="med" len="med"/>
+                    </a:lnT>
+                    <a:lnB w="6350" cap="flat" cmpd="sng" algn="ctr">
+                      <a:solidFill>
+                        <a:schemeClr val="accent6">
+                          <a:lumMod val="75000"/>
+                        </a:schemeClr>
+                      </a:solidFill>
+                      <a:prstDash val="solid"/>
+                      <a:round/>
+                      <a:headEnd type="none" w="med" len="med"/>
+                      <a:tailEnd type="none" w="med" len="med"/>
+                    </a:lnB>
+                    <a:solidFill>
+                      <a:schemeClr val="bg1"/>
+                    </a:solidFill>
+                  </a:tcPr>
+                </a:tc>
+                <a:tc>
+                  <a:txBody>
+                    <a:bodyPr/>
+                    <a:lstStyle/>
+                    <a:p>
+                      <a:endParaRPr lang="en-US"/>
+                    </a:p>
+                  </a:txBody>
+                  <a:tcPr>
+                    <a:lnL w="6350" cap="flat" cmpd="sng" algn="ctr">
+                      <a:solidFill>
+                        <a:schemeClr val="accent6">
+                          <a:lumMod val="75000"/>
+                        </a:schemeClr>
+                      </a:solidFill>
+                      <a:prstDash val="solid"/>
+                      <a:round/>
+                      <a:headEnd type="none" w="med" len="med"/>
+                      <a:tailEnd type="none" w="med" len="med"/>
+                    </a:lnL>
+                    <a:lnR w="6350" cap="flat" cmpd="sng" algn="ctr">
+                      <a:solidFill>
+                        <a:schemeClr val="accent6">
+                          <a:lumMod val="75000"/>
+                        </a:schemeClr>
+                      </a:solidFill>
+                      <a:prstDash val="solid"/>
+                      <a:round/>
+                      <a:headEnd type="none" w="med" len="med"/>
+                      <a:tailEnd type="none" w="med" len="med"/>
+                    </a:lnR>
+                    <a:lnT w="6350" cap="flat" cmpd="sng" algn="ctr">
+                      <a:solidFill>
+                        <a:schemeClr val="accent6">
+                          <a:lumMod val="75000"/>
+                        </a:schemeClr>
+                      </a:solidFill>
+                      <a:prstDash val="solid"/>
+                      <a:round/>
+                      <a:headEnd type="none" w="med" len="med"/>
+                      <a:tailEnd type="none" w="med" len="med"/>
+                    </a:lnT>
+                    <a:lnB w="6350" cap="flat" cmpd="sng" algn="ctr">
+                      <a:solidFill>
+                        <a:schemeClr val="accent6">
+                          <a:lumMod val="75000"/>
+                        </a:schemeClr>
+                      </a:solidFill>
+                      <a:prstDash val="solid"/>
+                      <a:round/>
+                      <a:headEnd type="none" w="med" len="med"/>
+                      <a:tailEnd type="none" w="med" len="med"/>
+                    </a:lnB>
+                    <a:solidFill>
+                      <a:schemeClr val="bg1"/>
+                    </a:solidFill>
+                  </a:tcPr>
+                </a:tc>
+                <a:tc>
+                  <a:txBody>
+                    <a:bodyPr/>
+                    <a:lstStyle/>
+                    <a:p>
+                      <a:endParaRPr lang="en-US" dirty="0"/>
+                    </a:p>
+                  </a:txBody>
+                  <a:tcPr>
+                    <a:lnL w="6350" cap="flat" cmpd="sng" algn="ctr">
+                      <a:solidFill>
+                        <a:schemeClr val="accent6">
+                          <a:lumMod val="75000"/>
+                        </a:schemeClr>
+                      </a:solidFill>
+                      <a:prstDash val="solid"/>
+                      <a:round/>
+                      <a:headEnd type="none" w="med" len="med"/>
+                      <a:tailEnd type="none" w="med" len="med"/>
+                    </a:lnL>
+                    <a:lnR w="38100" cap="flat" cmpd="sng" algn="ctr">
+                      <a:solidFill>
+                        <a:schemeClr val="accent6">
+                          <a:lumMod val="75000"/>
+                        </a:schemeClr>
+                      </a:solidFill>
+                      <a:prstDash val="solid"/>
+                      <a:round/>
+                      <a:headEnd type="none" w="med" len="med"/>
+                      <a:tailEnd type="none" w="med" len="med"/>
+                    </a:lnR>
+                    <a:lnT w="6350" cap="flat" cmpd="sng" algn="ctr">
+                      <a:solidFill>
+                        <a:schemeClr val="accent6">
+                          <a:lumMod val="75000"/>
+                        </a:schemeClr>
+                      </a:solidFill>
+                      <a:prstDash val="solid"/>
+                      <a:round/>
+                      <a:headEnd type="none" w="med" len="med"/>
+                      <a:tailEnd type="none" w="med" len="med"/>
+                    </a:lnT>
+                    <a:lnB w="6350" cap="flat" cmpd="sng" algn="ctr">
+                      <a:solidFill>
+                        <a:schemeClr val="accent6">
+                          <a:lumMod val="75000"/>
+                        </a:schemeClr>
+                      </a:solidFill>
+                      <a:prstDash val="solid"/>
+                      <a:round/>
+                      <a:headEnd type="none" w="med" len="med"/>
+                      <a:tailEnd type="none" w="med" len="med"/>
+                    </a:lnB>
+                    <a:solidFill>
+                      <a:schemeClr val="bg1"/>
+                    </a:solidFill>
+                  </a:tcPr>
+                </a:tc>
+                <a:extLst>
+                  <a:ext uri="{0D108BD9-81ED-4DB2-BD59-A6C34878D82A}">
+                    <a16:rowId xmlns:a16="http://schemas.microsoft.com/office/drawing/2014/main" val="2375821965"/>
+                  </a:ext>
+                </a:extLst>
+              </a:tr>
+              <a:tr h="720000">
+                <a:tc>
+                  <a:txBody>
+                    <a:bodyPr/>
+                    <a:lstStyle/>
+                    <a:p>
+                      <a:endParaRPr lang="en-US"/>
+                    </a:p>
+                  </a:txBody>
+                  <a:tcPr>
+                    <a:lnL w="38100" cap="flat" cmpd="sng" algn="ctr">
+                      <a:solidFill>
+                        <a:schemeClr val="accent6">
+                          <a:lumMod val="75000"/>
+                        </a:schemeClr>
+                      </a:solidFill>
+                      <a:prstDash val="solid"/>
+                      <a:round/>
+                      <a:headEnd type="none" w="med" len="med"/>
+                      <a:tailEnd type="none" w="med" len="med"/>
+                    </a:lnL>
+                    <a:lnR w="6350" cap="flat" cmpd="sng" algn="ctr">
+                      <a:solidFill>
+                        <a:schemeClr val="accent6">
+                          <a:lumMod val="75000"/>
+                        </a:schemeClr>
+                      </a:solidFill>
+                      <a:prstDash val="solid"/>
+                      <a:round/>
+                      <a:headEnd type="none" w="med" len="med"/>
+                      <a:tailEnd type="none" w="med" len="med"/>
+                    </a:lnR>
+                    <a:lnT w="6350" cap="flat" cmpd="sng" algn="ctr">
+                      <a:solidFill>
+                        <a:schemeClr val="accent6">
+                          <a:lumMod val="75000"/>
+                        </a:schemeClr>
+                      </a:solidFill>
+                      <a:prstDash val="solid"/>
+                      <a:round/>
+                      <a:headEnd type="none" w="med" len="med"/>
+                      <a:tailEnd type="none" w="med" len="med"/>
+                    </a:lnT>
+                    <a:lnB w="38100" cap="flat" cmpd="sng" algn="ctr">
+                      <a:solidFill>
+                        <a:schemeClr val="accent6">
+                          <a:lumMod val="75000"/>
+                        </a:schemeClr>
+                      </a:solidFill>
+                      <a:prstDash val="solid"/>
+                      <a:round/>
+                      <a:headEnd type="none" w="med" len="med"/>
+                      <a:tailEnd type="none" w="med" len="med"/>
+                    </a:lnB>
+                    <a:solidFill>
+                      <a:schemeClr val="bg1"/>
+                    </a:solidFill>
+                  </a:tcPr>
+                </a:tc>
+                <a:tc>
+                  <a:txBody>
+                    <a:bodyPr/>
+                    <a:lstStyle/>
+                    <a:p>
+                      <a:endParaRPr lang="en-US" dirty="0"/>
+                    </a:p>
+                  </a:txBody>
+                  <a:tcPr>
+                    <a:lnL w="6350" cap="flat" cmpd="sng" algn="ctr">
+                      <a:solidFill>
+                        <a:schemeClr val="accent6">
+                          <a:lumMod val="75000"/>
+                        </a:schemeClr>
+                      </a:solidFill>
+                      <a:prstDash val="solid"/>
+                      <a:round/>
+                      <a:headEnd type="none" w="med" len="med"/>
+                      <a:tailEnd type="none" w="med" len="med"/>
+                    </a:lnL>
+                    <a:lnR w="6350" cap="flat" cmpd="sng" algn="ctr">
+                      <a:solidFill>
+                        <a:schemeClr val="accent6">
+                          <a:lumMod val="75000"/>
+                        </a:schemeClr>
+                      </a:solidFill>
+                      <a:prstDash val="solid"/>
+                      <a:round/>
+                      <a:headEnd type="none" w="med" len="med"/>
+                      <a:tailEnd type="none" w="med" len="med"/>
+                    </a:lnR>
+                    <a:lnT w="6350" cap="flat" cmpd="sng" algn="ctr">
+                      <a:solidFill>
+                        <a:schemeClr val="accent6">
+                          <a:lumMod val="75000"/>
+                        </a:schemeClr>
+                      </a:solidFill>
+                      <a:prstDash val="solid"/>
+                      <a:round/>
+                      <a:headEnd type="none" w="med" len="med"/>
+                      <a:tailEnd type="none" w="med" len="med"/>
+                    </a:lnT>
+                    <a:lnB w="38100" cap="flat" cmpd="sng" algn="ctr">
+                      <a:solidFill>
+                        <a:schemeClr val="accent6">
+                          <a:lumMod val="75000"/>
+                        </a:schemeClr>
+                      </a:solidFill>
+                      <a:prstDash val="solid"/>
+                      <a:round/>
+                      <a:headEnd type="none" w="med" len="med"/>
+                      <a:tailEnd type="none" w="med" len="med"/>
+                    </a:lnB>
+                    <a:solidFill>
+                      <a:schemeClr val="bg1"/>
+                    </a:solidFill>
+                  </a:tcPr>
+                </a:tc>
+                <a:tc>
+                  <a:txBody>
+                    <a:bodyPr/>
+                    <a:lstStyle/>
+                    <a:p>
+                      <a:endParaRPr lang="en-US" dirty="0"/>
+                    </a:p>
+                  </a:txBody>
+                  <a:tcPr>
+                    <a:lnL w="6350" cap="flat" cmpd="sng" algn="ctr">
+                      <a:solidFill>
+                        <a:schemeClr val="accent6">
+                          <a:lumMod val="75000"/>
+                        </a:schemeClr>
+                      </a:solidFill>
+                      <a:prstDash val="solid"/>
+                      <a:round/>
+                      <a:headEnd type="none" w="med" len="med"/>
+                      <a:tailEnd type="none" w="med" len="med"/>
+                    </a:lnL>
+                    <a:lnR w="38100" cap="flat" cmpd="sng" algn="ctr">
+                      <a:solidFill>
+                        <a:schemeClr val="accent6">
+                          <a:lumMod val="75000"/>
+                        </a:schemeClr>
+                      </a:solidFill>
+                      <a:prstDash val="solid"/>
+                      <a:round/>
+                      <a:headEnd type="none" w="med" len="med"/>
+                      <a:tailEnd type="none" w="med" len="med"/>
+                    </a:lnR>
+                    <a:lnT w="6350" cap="flat" cmpd="sng" algn="ctr">
+                      <a:solidFill>
+                        <a:schemeClr val="accent6">
+                          <a:lumMod val="75000"/>
+                        </a:schemeClr>
+                      </a:solidFill>
+                      <a:prstDash val="solid"/>
+                      <a:round/>
+                      <a:headEnd type="none" w="med" len="med"/>
+                      <a:tailEnd type="none" w="med" len="med"/>
+                    </a:lnT>
+                    <a:lnB w="38100" cap="flat" cmpd="sng" algn="ctr">
+                      <a:solidFill>
+                        <a:schemeClr val="accent6">
+                          <a:lumMod val="75000"/>
+                        </a:schemeClr>
+                      </a:solidFill>
+                      <a:prstDash val="solid"/>
+                      <a:round/>
+                      <a:headEnd type="none" w="med" len="med"/>
+                      <a:tailEnd type="none" w="med" len="med"/>
+                    </a:lnB>
+                    <a:solidFill>
+                      <a:schemeClr val="bg1"/>
+                    </a:solidFill>
+                  </a:tcPr>
+                </a:tc>
+                <a:extLst>
+                  <a:ext uri="{0D108BD9-81ED-4DB2-BD59-A6C34878D82A}">
+                    <a16:rowId xmlns:a16="http://schemas.microsoft.com/office/drawing/2014/main" val="2367066107"/>
+                  </a:ext>
+                </a:extLst>
+              </a:tr>
+            </a:tbl>
+          </a:graphicData>
+        </a:graphic>
+      </p:graphicFrame>
+      <p:sp>
+        <p:nvSpPr>
+          <p:cNvPr id="4" name="Rectangle 3"/>
+          <p:cNvSpPr/>
+          <p:nvPr/>
+        </p:nvSpPr>
+        <p:spPr>
+          <a:xfrm>
+            <a:off x="301466" y="1562100"/>
+            <a:ext cx="4794250" cy="6057900"/>
+          </a:xfrm>
+          <a:prstGeom prst="rect">
+            <a:avLst/>
+          </a:prstGeom>
+          <a:noFill/>
+          <a:ln w="19050">
+            <a:solidFill>
+              <a:schemeClr val="tx1"/>
+            </a:solidFill>
+          </a:ln>
+        </p:spPr>
+        <p:style>
+          <a:lnRef idx="2">
+            <a:schemeClr val="accent1">
+              <a:shade val="50000"/>
+            </a:schemeClr>
+          </a:lnRef>
+          <a:fillRef idx="1">
+            <a:schemeClr val="accent1"/>
+          </a:fillRef>
+          <a:effectRef idx="0">
+            <a:schemeClr val="accent1"/>
+          </a:effectRef>
+          <a:fontRef idx="minor">
+            <a:schemeClr val="lt1"/>
+          </a:fontRef>
+        </p:style>
+        <p:txBody>
+          <a:bodyPr rot="0" spcFirstLastPara="0" vertOverflow="overflow" horzOverflow="overflow" vert="horz" wrap="square" lIns="91440" tIns="45720" rIns="91440" bIns="45720" numCol="1" spcCol="0" rtlCol="0" fromWordArt="0" anchor="ctr" anchorCtr="0" forceAA="0" compatLnSpc="1">
+            <a:prstTxWarp prst="textNoShape">
+              <a:avLst/>
+            </a:prstTxWarp>
+            <a:noAutofit/>
+          </a:bodyPr>
+          <a:lstStyle/>
+          <a:p>
+            <a:endParaRPr lang="en-US" dirty="0">
+              <a:solidFill>
+                <a:schemeClr val="tx1"/>
+              </a:solidFill>
+              <a:latin typeface="Helvetica" panose="020B0604020202020204" pitchFamily="34" charset="0"/>
+              <a:cs typeface="Helvetica" panose="020B0604020202020204" pitchFamily="34" charset="0"/>
+            </a:endParaRPr>
+          </a:p>
+          <a:p>
+            <a:endParaRPr lang="en-US" dirty="0">
+              <a:solidFill>
+                <a:schemeClr val="tx1"/>
+              </a:solidFill>
+              <a:latin typeface="Helvetica" panose="020B0604020202020204" pitchFamily="34" charset="0"/>
+              <a:cs typeface="Helvetica" panose="020B0604020202020204" pitchFamily="34" charset="0"/>
+            </a:endParaRPr>
+          </a:p>
+          <a:p>
+            <a:endParaRPr lang="en-US" dirty="0">
+              <a:solidFill>
+                <a:schemeClr val="tx1"/>
+              </a:solidFill>
+              <a:latin typeface="Helvetica" panose="020B0604020202020204" pitchFamily="34" charset="0"/>
+              <a:cs typeface="Helvetica" panose="020B0604020202020204" pitchFamily="34" charset="0"/>
+            </a:endParaRPr>
+          </a:p>
+          <a:p>
+            <a:r>
+              <a:rPr lang="en-US" dirty="0">
+                <a:solidFill>
+                  <a:schemeClr val="tx1"/>
+                </a:solidFill>
+                <a:latin typeface="Helvetica" panose="020B0604020202020204" pitchFamily="34" charset="0"/>
+                <a:cs typeface="Helvetica" panose="020B0604020202020204" pitchFamily="34" charset="0"/>
+              </a:rPr>
+              <a:t> +class </a:t>
+            </a:r>
+            <a:r>
+              <a:rPr lang="en-US" dirty="0" err="1">
+                <a:solidFill>
+                  <a:schemeClr val="tx1"/>
+                </a:solidFill>
+                <a:latin typeface="Helvetica" panose="020B0604020202020204" pitchFamily="34" charset="0"/>
+                <a:cs typeface="Helvetica" panose="020B0604020202020204" pitchFamily="34" charset="0"/>
+              </a:rPr>
+              <a:t>OVSBridge</a:t>
+            </a:r>
+            <a:r>
+              <a:rPr lang="en-US" dirty="0">
+                <a:solidFill>
+                  <a:schemeClr val="tx1"/>
+                </a:solidFill>
+                <a:latin typeface="Helvetica" panose="020B0604020202020204" pitchFamily="34" charset="0"/>
+                <a:cs typeface="Helvetica" panose="020B0604020202020204" pitchFamily="34" charset="0"/>
+              </a:rPr>
+              <a:t>(</a:t>
+            </a:r>
+            <a:r>
+              <a:rPr lang="en-US" dirty="0" err="1">
+                <a:solidFill>
+                  <a:schemeClr val="tx1"/>
+                </a:solidFill>
+                <a:latin typeface="Helvetica" panose="020B0604020202020204" pitchFamily="34" charset="0"/>
+                <a:cs typeface="Helvetica" panose="020B0604020202020204" pitchFamily="34" charset="0"/>
+              </a:rPr>
+              <a:t>BaseOVS</a:t>
+            </a:r>
+            <a:r>
+              <a:rPr lang="en-US" dirty="0">
+                <a:solidFill>
+                  <a:schemeClr val="tx1"/>
+                </a:solidFill>
+                <a:latin typeface="Helvetica" panose="020B0604020202020204" pitchFamily="34" charset="0"/>
+                <a:cs typeface="Helvetica" panose="020B0604020202020204" pitchFamily="34" charset="0"/>
+              </a:rPr>
+              <a:t>):</a:t>
+            </a:r>
+          </a:p>
+          <a:p>
+            <a:endParaRPr lang="en-US" dirty="0">
+              <a:solidFill>
+                <a:schemeClr val="tx1"/>
+              </a:solidFill>
+              <a:latin typeface="Helvetica" panose="020B0604020202020204" pitchFamily="34" charset="0"/>
+              <a:cs typeface="Helvetica" panose="020B0604020202020204" pitchFamily="34" charset="0"/>
+            </a:endParaRPr>
+          </a:p>
+          <a:p>
+            <a:r>
+              <a:rPr lang="en-US" dirty="0">
+                <a:solidFill>
+                  <a:schemeClr val="tx1"/>
+                </a:solidFill>
+                <a:latin typeface="Helvetica" panose="020B0604020202020204" pitchFamily="34" charset="0"/>
+                <a:cs typeface="Helvetica" panose="020B0604020202020204" pitchFamily="34" charset="0"/>
+              </a:rPr>
+              <a:t> +  super(</a:t>
+            </a:r>
+            <a:r>
+              <a:rPr lang="en-US" dirty="0" err="1">
+                <a:solidFill>
+                  <a:schemeClr val="tx1"/>
+                </a:solidFill>
+                <a:latin typeface="Helvetica" panose="020B0604020202020204" pitchFamily="34" charset="0"/>
+                <a:cs typeface="Helvetica" panose="020B0604020202020204" pitchFamily="34" charset="0"/>
+              </a:rPr>
+              <a:t>OVSBridge</a:t>
+            </a:r>
+            <a:r>
+              <a:rPr lang="en-US" dirty="0">
+                <a:solidFill>
+                  <a:schemeClr val="tx1"/>
+                </a:solidFill>
+                <a:latin typeface="Helvetica" panose="020B0604020202020204" pitchFamily="34" charset="0"/>
+                <a:cs typeface="Helvetica" panose="020B0604020202020204" pitchFamily="34" charset="0"/>
+              </a:rPr>
+              <a:t>, self)._</a:t>
+            </a:r>
+            <a:r>
+              <a:rPr lang="en-US" dirty="0" err="1">
+                <a:solidFill>
+                  <a:schemeClr val="tx1"/>
+                </a:solidFill>
+                <a:latin typeface="Helvetica" panose="020B0604020202020204" pitchFamily="34" charset="0"/>
+                <a:cs typeface="Helvetica" panose="020B0604020202020204" pitchFamily="34" charset="0"/>
+              </a:rPr>
+              <a:t>init</a:t>
+            </a:r>
+            <a:r>
+              <a:rPr lang="en-US" dirty="0">
+                <a:solidFill>
+                  <a:schemeClr val="tx1"/>
+                </a:solidFill>
+                <a:latin typeface="Helvetica" panose="020B0604020202020204" pitchFamily="34" charset="0"/>
+                <a:cs typeface="Helvetica" panose="020B0604020202020204" pitchFamily="34" charset="0"/>
+              </a:rPr>
+              <a:t>_(</a:t>
+            </a:r>
+            <a:r>
+              <a:rPr lang="en-US" dirty="0" err="1">
+                <a:solidFill>
+                  <a:schemeClr val="tx1"/>
+                </a:solidFill>
+                <a:latin typeface="Helvetica" panose="020B0604020202020204" pitchFamily="34" charset="0"/>
+                <a:cs typeface="Helvetica" panose="020B0604020202020204" pitchFamily="34" charset="0"/>
+              </a:rPr>
+              <a:t>root_helper</a:t>
+            </a:r>
+            <a:r>
+              <a:rPr lang="en-US" dirty="0">
+                <a:solidFill>
+                  <a:schemeClr val="tx1"/>
+                </a:solidFill>
+                <a:latin typeface="Helvetica" panose="020B0604020202020204" pitchFamily="34" charset="0"/>
+                <a:cs typeface="Helvetica" panose="020B0604020202020204" pitchFamily="34" charset="0"/>
+              </a:rPr>
+              <a:t>)</a:t>
+            </a:r>
+          </a:p>
+          <a:p>
+            <a:endParaRPr lang="en-US" dirty="0">
+              <a:solidFill>
+                <a:schemeClr val="tx1"/>
+              </a:solidFill>
+              <a:latin typeface="Helvetica" panose="020B0604020202020204" pitchFamily="34" charset="0"/>
+              <a:cs typeface="Helvetica" panose="020B0604020202020204" pitchFamily="34" charset="0"/>
+            </a:endParaRPr>
+          </a:p>
+          <a:p>
+            <a:r>
+              <a:rPr lang="en-US" dirty="0">
+                <a:solidFill>
+                  <a:schemeClr val="tx1"/>
+                </a:solidFill>
+                <a:latin typeface="Helvetica" panose="020B0604020202020204" pitchFamily="34" charset="0"/>
+                <a:cs typeface="Helvetica" panose="020B0604020202020204" pitchFamily="34" charset="0"/>
+              </a:rPr>
+              <a:t>  -  </a:t>
+            </a:r>
+            <a:r>
+              <a:rPr lang="en-US" dirty="0" err="1">
+                <a:solidFill>
+                  <a:schemeClr val="tx1"/>
+                </a:solidFill>
+                <a:latin typeface="Helvetica" panose="020B0604020202020204" pitchFamily="34" charset="0"/>
+                <a:cs typeface="Helvetica" panose="020B0604020202020204" pitchFamily="34" charset="0"/>
+              </a:rPr>
+              <a:t>self.root_helper</a:t>
+            </a:r>
+            <a:r>
+              <a:rPr lang="en-US" dirty="0">
+                <a:solidFill>
+                  <a:schemeClr val="tx1"/>
+                </a:solidFill>
+                <a:latin typeface="Helvetica" panose="020B0604020202020204" pitchFamily="34" charset="0"/>
+                <a:cs typeface="Helvetica" panose="020B0604020202020204" pitchFamily="34" charset="0"/>
+              </a:rPr>
+              <a:t> = </a:t>
+            </a:r>
+            <a:r>
+              <a:rPr lang="en-US" dirty="0" err="1">
+                <a:solidFill>
+                  <a:schemeClr val="tx1"/>
+                </a:solidFill>
+                <a:latin typeface="Helvetica" panose="020B0604020202020204" pitchFamily="34" charset="0"/>
+                <a:cs typeface="Helvetica" panose="020B0604020202020204" pitchFamily="34" charset="0"/>
+              </a:rPr>
+              <a:t>root_helper</a:t>
+            </a:r>
+            <a:endParaRPr lang="en-US" dirty="0">
+              <a:solidFill>
+                <a:schemeClr val="tx1"/>
+              </a:solidFill>
+              <a:latin typeface="Helvetica" panose="020B0604020202020204" pitchFamily="34" charset="0"/>
+              <a:cs typeface="Helvetica" panose="020B0604020202020204" pitchFamily="34" charset="0"/>
+            </a:endParaRPr>
+          </a:p>
+          <a:p>
+            <a:endParaRPr lang="en-US" dirty="0">
+              <a:solidFill>
+                <a:schemeClr val="tx1"/>
+              </a:solidFill>
+              <a:latin typeface="Helvetica" panose="020B0604020202020204" pitchFamily="34" charset="0"/>
+              <a:cs typeface="Helvetica" panose="020B0604020202020204" pitchFamily="34" charset="0"/>
+            </a:endParaRPr>
+          </a:p>
+          <a:p>
+            <a:r>
+              <a:rPr lang="en-US" dirty="0">
+                <a:solidFill>
+                  <a:schemeClr val="tx1"/>
+                </a:solidFill>
+                <a:latin typeface="Helvetica" panose="020B0604020202020204" pitchFamily="34" charset="0"/>
+                <a:cs typeface="Helvetica" panose="020B0604020202020204" pitchFamily="34" charset="0"/>
+              </a:rPr>
+              <a:t>  -  </a:t>
+            </a:r>
+            <a:r>
+              <a:rPr lang="en-US" dirty="0" err="1">
+                <a:solidFill>
+                  <a:schemeClr val="tx1"/>
+                </a:solidFill>
+                <a:latin typeface="Helvetica" panose="020B0604020202020204" pitchFamily="34" charset="0"/>
+                <a:cs typeface="Helvetica" panose="020B0604020202020204" pitchFamily="34" charset="0"/>
+              </a:rPr>
+              <a:t>def</a:t>
+            </a:r>
+            <a:r>
+              <a:rPr lang="en-US" dirty="0">
+                <a:solidFill>
+                  <a:schemeClr val="tx1"/>
+                </a:solidFill>
+                <a:latin typeface="Helvetica" panose="020B0604020202020204" pitchFamily="34" charset="0"/>
+                <a:cs typeface="Helvetica" panose="020B0604020202020204" pitchFamily="34" charset="0"/>
+              </a:rPr>
+              <a:t> </a:t>
+            </a:r>
+            <a:r>
+              <a:rPr lang="en-US" dirty="0" err="1">
+                <a:solidFill>
+                  <a:schemeClr val="tx1"/>
+                </a:solidFill>
+                <a:latin typeface="Helvetica" panose="020B0604020202020204" pitchFamily="34" charset="0"/>
+                <a:cs typeface="Helvetica" panose="020B0604020202020204" pitchFamily="34" charset="0"/>
+              </a:rPr>
+              <a:t>run_vsctl</a:t>
+            </a:r>
+            <a:r>
+              <a:rPr lang="en-US" dirty="0">
+                <a:solidFill>
+                  <a:schemeClr val="tx1"/>
+                </a:solidFill>
+                <a:latin typeface="Helvetica" panose="020B0604020202020204" pitchFamily="34" charset="0"/>
+                <a:cs typeface="Helvetica" panose="020B0604020202020204" pitchFamily="34" charset="0"/>
+              </a:rPr>
+              <a:t>(self, </a:t>
+            </a:r>
+            <a:r>
+              <a:rPr lang="en-US" dirty="0" err="1">
+                <a:solidFill>
+                  <a:schemeClr val="tx1"/>
+                </a:solidFill>
+                <a:latin typeface="Helvetica" panose="020B0604020202020204" pitchFamily="34" charset="0"/>
+                <a:cs typeface="Helvetica" panose="020B0604020202020204" pitchFamily="34" charset="0"/>
+              </a:rPr>
+              <a:t>args</a:t>
+            </a:r>
+            <a:r>
+              <a:rPr lang="en-US" dirty="0">
+                <a:solidFill>
+                  <a:schemeClr val="tx1"/>
+                </a:solidFill>
+                <a:latin typeface="Helvetica" panose="020B0604020202020204" pitchFamily="34" charset="0"/>
+                <a:cs typeface="Helvetica" panose="020B0604020202020204" pitchFamily="34" charset="0"/>
+              </a:rPr>
+              <a:t>):</a:t>
+            </a:r>
+          </a:p>
+          <a:p>
+            <a:endParaRPr lang="en-US" dirty="0">
+              <a:solidFill>
+                <a:schemeClr val="tx1"/>
+              </a:solidFill>
+              <a:latin typeface="Helvetica" panose="020B0604020202020204" pitchFamily="34" charset="0"/>
+              <a:cs typeface="Helvetica" panose="020B0604020202020204" pitchFamily="34" charset="0"/>
+            </a:endParaRPr>
+          </a:p>
+          <a:p>
+            <a:r>
+              <a:rPr lang="en-US" dirty="0">
+                <a:solidFill>
+                  <a:schemeClr val="tx1"/>
+                </a:solidFill>
+                <a:latin typeface="Helvetica" panose="020B0604020202020204" pitchFamily="34" charset="0"/>
+                <a:cs typeface="Helvetica" panose="020B0604020202020204" pitchFamily="34" charset="0"/>
+              </a:rPr>
+              <a:t>     </a:t>
+            </a:r>
+            <a:r>
+              <a:rPr lang="en-US" sz="4400" dirty="0">
+                <a:solidFill>
+                  <a:schemeClr val="tx1"/>
+                </a:solidFill>
+                <a:latin typeface="Helvetica" panose="020B0604020202020204" pitchFamily="34" charset="0"/>
+                <a:cs typeface="Helvetica" panose="020B0604020202020204" pitchFamily="34" charset="0"/>
+              </a:rPr>
+              <a:t> …</a:t>
+            </a:r>
+          </a:p>
+          <a:p>
+            <a:r>
+              <a:rPr lang="en-US" sz="4400" dirty="0">
+                <a:solidFill>
+                  <a:schemeClr val="tx1"/>
+                </a:solidFill>
+                <a:latin typeface="Helvetica" panose="020B0604020202020204" pitchFamily="34" charset="0"/>
+                <a:cs typeface="Helvetica" panose="020B0604020202020204" pitchFamily="34" charset="0"/>
+              </a:rPr>
+              <a:t>   …</a:t>
+            </a:r>
+          </a:p>
+          <a:p>
+            <a:endParaRPr lang="en-US" sz="2400" dirty="0">
+              <a:solidFill>
+                <a:schemeClr val="tx1"/>
+              </a:solidFill>
+            </a:endParaRPr>
+          </a:p>
+          <a:p>
+            <a:endParaRPr lang="en-US" sz="2400" dirty="0">
+              <a:solidFill>
+                <a:schemeClr val="tx1"/>
+              </a:solidFill>
+            </a:endParaRPr>
+          </a:p>
+          <a:p>
+            <a:endParaRPr lang="en-US" sz="2400" dirty="0">
+              <a:solidFill>
+                <a:schemeClr val="tx1"/>
+              </a:solidFill>
+            </a:endParaRPr>
+          </a:p>
+          <a:p>
+            <a:endParaRPr lang="en-US" sz="2400" dirty="0">
+              <a:solidFill>
+                <a:schemeClr val="tx1"/>
+              </a:solidFill>
+            </a:endParaRPr>
+          </a:p>
+          <a:p>
+            <a:endParaRPr lang="en-US" sz="2400" dirty="0">
+              <a:solidFill>
+                <a:schemeClr val="tx1"/>
+              </a:solidFill>
+            </a:endParaRPr>
+          </a:p>
+          <a:p>
+            <a:endParaRPr lang="en-US" sz="2400" dirty="0">
+              <a:solidFill>
+                <a:schemeClr val="tx1"/>
+              </a:solidFill>
+            </a:endParaRPr>
+          </a:p>
+          <a:p>
+            <a:endParaRPr lang="en-US" sz="2400" dirty="0">
+              <a:solidFill>
+                <a:schemeClr val="tx1"/>
+              </a:solidFill>
+            </a:endParaRPr>
+          </a:p>
+          <a:p>
+            <a:endParaRPr lang="en-US" dirty="0">
+              <a:solidFill>
+                <a:schemeClr val="tx1"/>
+              </a:solidFill>
+            </a:endParaRPr>
+          </a:p>
+        </p:txBody>
+      </p:sp>
+      <p:sp>
+        <p:nvSpPr>
+          <p:cNvPr id="5" name="Rectangle 4"/>
+          <p:cNvSpPr/>
+          <p:nvPr/>
+        </p:nvSpPr>
+        <p:spPr>
+          <a:xfrm>
+            <a:off x="409416" y="1676400"/>
+            <a:ext cx="4584700" cy="533400"/>
+          </a:xfrm>
+          <a:prstGeom prst="rect">
+            <a:avLst/>
+          </a:prstGeom>
+          <a:noFill/>
+          <a:ln w="38100">
+            <a:solidFill>
+              <a:schemeClr val="accent1">
+                <a:lumMod val="75000"/>
+              </a:schemeClr>
+            </a:solidFill>
+          </a:ln>
+        </p:spPr>
+        <p:style>
+          <a:lnRef idx="2">
+            <a:schemeClr val="accent1">
+              <a:shade val="50000"/>
+            </a:schemeClr>
+          </a:lnRef>
+          <a:fillRef idx="1">
+            <a:schemeClr val="accent1"/>
+          </a:fillRef>
+          <a:effectRef idx="0">
+            <a:schemeClr val="accent1"/>
+          </a:effectRef>
+          <a:fontRef idx="minor">
+            <a:schemeClr val="lt1"/>
+          </a:fontRef>
+        </p:style>
+        <p:txBody>
+          <a:bodyPr rot="0" spcFirstLastPara="0" vertOverflow="overflow" horzOverflow="overflow" vert="horz" wrap="square" lIns="91440" tIns="45720" rIns="91440" bIns="45720" numCol="1" spcCol="0" rtlCol="0" fromWordArt="0" anchor="ctr" anchorCtr="0" forceAA="0" compatLnSpc="1">
+            <a:prstTxWarp prst="textNoShape">
+              <a:avLst/>
+            </a:prstTxWarp>
+            <a:noAutofit/>
+          </a:bodyPr>
+          <a:lstStyle/>
+          <a:p>
+            <a:pPr algn="ctr"/>
+            <a:endParaRPr lang="en-US"/>
+          </a:p>
+        </p:txBody>
+      </p:sp>
+      <p:sp>
+        <p:nvSpPr>
+          <p:cNvPr id="6" name="Rectangle 5"/>
+          <p:cNvSpPr/>
+          <p:nvPr/>
+        </p:nvSpPr>
+        <p:spPr>
+          <a:xfrm>
+            <a:off x="406241" y="2794000"/>
+            <a:ext cx="4584700" cy="533400"/>
+          </a:xfrm>
+          <a:prstGeom prst="rect">
+            <a:avLst/>
+          </a:prstGeom>
+          <a:noFill/>
+          <a:ln w="38100">
+            <a:solidFill>
+              <a:schemeClr val="accent2">
+                <a:lumMod val="75000"/>
+              </a:schemeClr>
+            </a:solidFill>
+          </a:ln>
+        </p:spPr>
+        <p:style>
+          <a:lnRef idx="2">
+            <a:schemeClr val="accent1">
+              <a:shade val="50000"/>
+            </a:schemeClr>
+          </a:lnRef>
+          <a:fillRef idx="1">
+            <a:schemeClr val="accent1"/>
+          </a:fillRef>
+          <a:effectRef idx="0">
+            <a:schemeClr val="accent1"/>
+          </a:effectRef>
+          <a:fontRef idx="minor">
+            <a:schemeClr val="lt1"/>
+          </a:fontRef>
+        </p:style>
+        <p:txBody>
+          <a:bodyPr rot="0" spcFirstLastPara="0" vertOverflow="overflow" horzOverflow="overflow" vert="horz" wrap="square" lIns="91440" tIns="45720" rIns="91440" bIns="45720" numCol="1" spcCol="0" rtlCol="0" fromWordArt="0" anchor="ctr" anchorCtr="0" forceAA="0" compatLnSpc="1">
+            <a:prstTxWarp prst="textNoShape">
+              <a:avLst/>
+            </a:prstTxWarp>
+            <a:noAutofit/>
+          </a:bodyPr>
+          <a:lstStyle/>
+          <a:p>
+            <a:pPr algn="ctr"/>
+            <a:endParaRPr lang="en-US"/>
+          </a:p>
+        </p:txBody>
+      </p:sp>
+      <p:cxnSp>
+        <p:nvCxnSpPr>
+          <p:cNvPr id="9" name="Straight Connector 8"/>
+          <p:cNvCxnSpPr/>
+          <p:nvPr/>
+        </p:nvCxnSpPr>
+        <p:spPr>
+          <a:xfrm>
+            <a:off x="4990941" y="1676400"/>
+            <a:ext cx="1784804" cy="394650"/>
+          </a:xfrm>
+          <a:prstGeom prst="line">
+            <a:avLst/>
+          </a:prstGeom>
+          <a:ln w="28575">
+            <a:prstDash val="sysDot"/>
+          </a:ln>
+        </p:spPr>
+        <p:style>
+          <a:lnRef idx="1">
+            <a:schemeClr val="accent1"/>
+          </a:lnRef>
+          <a:fillRef idx="0">
+            <a:schemeClr val="accent1"/>
+          </a:fillRef>
+          <a:effectRef idx="0">
+            <a:schemeClr val="accent1"/>
+          </a:effectRef>
+          <a:fontRef idx="minor">
+            <a:schemeClr val="tx1"/>
+          </a:fontRef>
+        </p:style>
+      </p:cxnSp>
+      <p:cxnSp>
+        <p:nvCxnSpPr>
+          <p:cNvPr id="10" name="Straight Connector 9"/>
+          <p:cNvCxnSpPr/>
+          <p:nvPr/>
+        </p:nvCxnSpPr>
+        <p:spPr>
+          <a:xfrm>
+            <a:off x="4990941" y="2209800"/>
+            <a:ext cx="1784804" cy="4901250"/>
+          </a:xfrm>
+          <a:prstGeom prst="line">
+            <a:avLst/>
+          </a:prstGeom>
+          <a:ln w="28575">
+            <a:prstDash val="sysDot"/>
+          </a:ln>
+        </p:spPr>
+        <p:style>
+          <a:lnRef idx="1">
+            <a:schemeClr val="accent1"/>
+          </a:lnRef>
+          <a:fillRef idx="0">
+            <a:schemeClr val="accent1"/>
+          </a:fillRef>
+          <a:effectRef idx="0">
+            <a:schemeClr val="accent1"/>
+          </a:effectRef>
+          <a:fontRef idx="minor">
+            <a:schemeClr val="tx1"/>
+          </a:fontRef>
+        </p:style>
+      </p:cxnSp>
+      <p:cxnSp>
+        <p:nvCxnSpPr>
+          <p:cNvPr id="16" name="Straight Connector 15"/>
+          <p:cNvCxnSpPr/>
+          <p:nvPr/>
+        </p:nvCxnSpPr>
+        <p:spPr>
+          <a:xfrm flipV="1">
+            <a:off x="4990941" y="1700850"/>
+            <a:ext cx="2397125" cy="1093151"/>
+          </a:xfrm>
+          <a:prstGeom prst="line">
+            <a:avLst/>
+          </a:prstGeom>
+          <a:ln w="28575">
+            <a:solidFill>
+              <a:schemeClr val="accent2"/>
+            </a:solidFill>
+            <a:prstDash val="sysDot"/>
+          </a:ln>
+        </p:spPr>
+        <p:style>
+          <a:lnRef idx="1">
+            <a:schemeClr val="accent1"/>
+          </a:lnRef>
+          <a:fillRef idx="0">
+            <a:schemeClr val="accent1"/>
+          </a:fillRef>
+          <a:effectRef idx="0">
+            <a:schemeClr val="accent1"/>
+          </a:effectRef>
+          <a:fontRef idx="minor">
+            <a:schemeClr val="tx1"/>
+          </a:fontRef>
+        </p:style>
+      </p:cxnSp>
+      <p:cxnSp>
+        <p:nvCxnSpPr>
+          <p:cNvPr id="20" name="Straight Connector 19"/>
+          <p:cNvCxnSpPr/>
+          <p:nvPr/>
+        </p:nvCxnSpPr>
+        <p:spPr>
+          <a:xfrm>
+            <a:off x="4990941" y="3327400"/>
+            <a:ext cx="2378823" cy="3389000"/>
+          </a:xfrm>
+          <a:prstGeom prst="line">
+            <a:avLst/>
+          </a:prstGeom>
+          <a:ln w="28575">
+            <a:solidFill>
+              <a:schemeClr val="accent2"/>
+            </a:solidFill>
+            <a:prstDash val="sysDot"/>
+          </a:ln>
+        </p:spPr>
+        <p:style>
+          <a:lnRef idx="1">
+            <a:schemeClr val="accent1"/>
+          </a:lnRef>
+          <a:fillRef idx="0">
+            <a:schemeClr val="accent1"/>
+          </a:fillRef>
+          <a:effectRef idx="0">
+            <a:schemeClr val="accent1"/>
+          </a:effectRef>
+          <a:fontRef idx="minor">
+            <a:schemeClr val="tx1"/>
+          </a:fontRef>
+        </p:style>
+      </p:cxnSp>
+      <p:graphicFrame>
+        <p:nvGraphicFramePr>
+          <p:cNvPr id="15" name="Table 14"/>
+          <p:cNvGraphicFramePr>
+            <a:graphicFrameLocks noGrp="1"/>
+          </p:cNvGraphicFramePr>
+          <p:nvPr>
+            <p:extLst>
+              <p:ext uri="{D42A27DB-BD31-4B8C-83A1-F6EECF244321}">
+                <p14:modId xmlns:p14="http://schemas.microsoft.com/office/powerpoint/2010/main" val="154036510"/>
+              </p:ext>
+            </p:extLst>
+          </p:nvPr>
+        </p:nvGraphicFramePr>
+        <p:xfrm>
+          <a:off x="7369764" y="1676400"/>
+          <a:ext cx="2160000" cy="5040000"/>
+        </p:xfrm>
+        <a:graphic>
+          <a:graphicData uri="http://schemas.openxmlformats.org/drawingml/2006/table">
+            <a:tbl>
+              <a:tblPr firstRow="1" bandRow="1">
+                <a:tableStyleId>{5940675A-B579-460E-94D1-54222C63F5DA}</a:tableStyleId>
+              </a:tblPr>
+              <a:tblGrid>
+                <a:gridCol w="720000">
+                  <a:extLst>
+                    <a:ext uri="{9D8B030D-6E8A-4147-A177-3AD203B41FA5}">
+                      <a16:colId xmlns:a16="http://schemas.microsoft.com/office/drawing/2014/main" val="2083327617"/>
+                    </a:ext>
+                  </a:extLst>
+                </a:gridCol>
+                <a:gridCol w="720000">
+                  <a:extLst>
+                    <a:ext uri="{9D8B030D-6E8A-4147-A177-3AD203B41FA5}">
+                      <a16:colId xmlns:a16="http://schemas.microsoft.com/office/drawing/2014/main" val="709160023"/>
+                    </a:ext>
+                  </a:extLst>
+                </a:gridCol>
+                <a:gridCol w="720000">
+                  <a:extLst>
+                    <a:ext uri="{9D8B030D-6E8A-4147-A177-3AD203B41FA5}">
+                      <a16:colId xmlns:a16="http://schemas.microsoft.com/office/drawing/2014/main" val="2877577952"/>
+                    </a:ext>
+                  </a:extLst>
+                </a:gridCol>
+              </a:tblGrid>
+              <a:tr h="720000">
+                <a:tc>
+                  <a:txBody>
+                    <a:bodyPr/>
+                    <a:lstStyle/>
+                    <a:p>
+                      <a:endParaRPr lang="en-US" dirty="0"/>
+                    </a:p>
+                  </a:txBody>
+                  <a:tcPr>
+                    <a:lnL w="57150" cap="flat" cmpd="sng" algn="ctr">
+                      <a:solidFill>
+                        <a:schemeClr val="accent2">
+                          <a:lumMod val="75000"/>
+                        </a:schemeClr>
+                      </a:solidFill>
+                      <a:prstDash val="solid"/>
+                      <a:round/>
+                      <a:headEnd type="none" w="med" len="med"/>
+                      <a:tailEnd type="none" w="med" len="med"/>
+                    </a:lnL>
+                    <a:lnR w="6350" cap="flat" cmpd="sng" algn="ctr">
+                      <a:solidFill>
+                        <a:schemeClr val="accent2">
+                          <a:lumMod val="75000"/>
+                        </a:schemeClr>
+                      </a:solidFill>
+                      <a:prstDash val="solid"/>
+                      <a:round/>
+                      <a:headEnd type="none" w="med" len="med"/>
+                      <a:tailEnd type="none" w="med" len="med"/>
+                    </a:lnR>
+                    <a:lnT w="57150" cap="flat" cmpd="sng" algn="ctr">
+                      <a:solidFill>
+                        <a:schemeClr val="accent2">
+                          <a:lumMod val="75000"/>
+                        </a:schemeClr>
+                      </a:solidFill>
+                      <a:prstDash val="solid"/>
+                      <a:round/>
+                      <a:headEnd type="none" w="med" len="med"/>
+                      <a:tailEnd type="none" w="med" len="med"/>
+                    </a:lnT>
+                    <a:lnB w="6350" cap="flat" cmpd="sng" algn="ctr">
+                      <a:solidFill>
+                        <a:schemeClr val="accent2">
+                          <a:lumMod val="75000"/>
+                        </a:schemeClr>
+                      </a:solidFill>
+                      <a:prstDash val="solid"/>
+                      <a:round/>
+                      <a:headEnd type="none" w="med" len="med"/>
+                      <a:tailEnd type="none" w="med" len="med"/>
+                    </a:lnB>
+                    <a:solidFill>
+                      <a:schemeClr val="bg1"/>
+                    </a:solidFill>
+                  </a:tcPr>
+                </a:tc>
+                <a:tc>
+                  <a:txBody>
+                    <a:bodyPr/>
+                    <a:lstStyle/>
+                    <a:p>
+                      <a:endParaRPr lang="en-US" dirty="0"/>
+                    </a:p>
+                  </a:txBody>
+                  <a:tcPr>
+                    <a:lnL w="6350" cap="flat" cmpd="sng" algn="ctr">
+                      <a:solidFill>
+                        <a:schemeClr val="accent2">
+                          <a:lumMod val="75000"/>
+                        </a:schemeClr>
+                      </a:solidFill>
+                      <a:prstDash val="solid"/>
+                      <a:round/>
+                      <a:headEnd type="none" w="med" len="med"/>
+                      <a:tailEnd type="none" w="med" len="med"/>
+                    </a:lnL>
+                    <a:lnR w="6350" cap="flat" cmpd="sng" algn="ctr">
+                      <a:solidFill>
+                        <a:schemeClr val="accent2">
+                          <a:lumMod val="75000"/>
+                        </a:schemeClr>
+                      </a:solidFill>
+                      <a:prstDash val="solid"/>
+                      <a:round/>
+                      <a:headEnd type="none" w="med" len="med"/>
+                      <a:tailEnd type="none" w="med" len="med"/>
+                    </a:lnR>
+                    <a:lnT w="57150" cap="flat" cmpd="sng" algn="ctr">
+                      <a:solidFill>
+                        <a:schemeClr val="accent2">
+                          <a:lumMod val="75000"/>
+                        </a:schemeClr>
+                      </a:solidFill>
+                      <a:prstDash val="solid"/>
+                      <a:round/>
+                      <a:headEnd type="none" w="med" len="med"/>
+                      <a:tailEnd type="none" w="med" len="med"/>
+                    </a:lnT>
+                    <a:lnB w="6350" cap="flat" cmpd="sng" algn="ctr">
+                      <a:solidFill>
+                        <a:schemeClr val="accent2">
+                          <a:lumMod val="75000"/>
+                        </a:schemeClr>
+                      </a:solidFill>
+                      <a:prstDash val="solid"/>
+                      <a:round/>
+                      <a:headEnd type="none" w="med" len="med"/>
+                      <a:tailEnd type="none" w="med" len="med"/>
+                    </a:lnB>
+                    <a:solidFill>
+                      <a:schemeClr val="bg1"/>
+                    </a:solidFill>
+                  </a:tcPr>
+                </a:tc>
+                <a:tc>
+                  <a:txBody>
+                    <a:bodyPr/>
+                    <a:lstStyle/>
+                    <a:p>
+                      <a:endParaRPr lang="en-US"/>
+                    </a:p>
+                  </a:txBody>
+                  <a:tcPr>
+                    <a:lnL w="6350" cap="flat" cmpd="sng" algn="ctr">
+                      <a:solidFill>
+                        <a:schemeClr val="accent2">
+                          <a:lumMod val="75000"/>
+                        </a:schemeClr>
+                      </a:solidFill>
+                      <a:prstDash val="solid"/>
+                      <a:round/>
+                      <a:headEnd type="none" w="med" len="med"/>
+                      <a:tailEnd type="none" w="med" len="med"/>
+                    </a:lnL>
+                    <a:lnR w="57150" cap="flat" cmpd="sng" algn="ctr">
+                      <a:solidFill>
+                        <a:schemeClr val="accent2">
+                          <a:lumMod val="75000"/>
+                        </a:schemeClr>
+                      </a:solidFill>
+                      <a:prstDash val="solid"/>
+                      <a:round/>
+                      <a:headEnd type="none" w="med" len="med"/>
+                      <a:tailEnd type="none" w="med" len="med"/>
+                    </a:lnR>
+                    <a:lnT w="57150" cap="flat" cmpd="sng" algn="ctr">
+                      <a:solidFill>
+                        <a:schemeClr val="accent2">
+                          <a:lumMod val="75000"/>
+                        </a:schemeClr>
+                      </a:solidFill>
+                      <a:prstDash val="solid"/>
+                      <a:round/>
+                      <a:headEnd type="none" w="med" len="med"/>
+                      <a:tailEnd type="none" w="med" len="med"/>
+                    </a:lnT>
+                    <a:lnB w="6350" cap="flat" cmpd="sng" algn="ctr">
+                      <a:solidFill>
+                        <a:schemeClr val="accent2">
+                          <a:lumMod val="75000"/>
+                        </a:schemeClr>
+                      </a:solidFill>
+                      <a:prstDash val="solid"/>
+                      <a:round/>
+                      <a:headEnd type="none" w="med" len="med"/>
+                      <a:tailEnd type="none" w="med" len="med"/>
+                    </a:lnB>
+                    <a:solidFill>
+                      <a:schemeClr val="bg1"/>
+                    </a:solidFill>
+                  </a:tcPr>
+                </a:tc>
+                <a:extLst>
+                  <a:ext uri="{0D108BD9-81ED-4DB2-BD59-A6C34878D82A}">
+                    <a16:rowId xmlns:a16="http://schemas.microsoft.com/office/drawing/2014/main" val="2255459210"/>
+                  </a:ext>
+                </a:extLst>
+              </a:tr>
+              <a:tr h="720000">
+                <a:tc>
+                  <a:txBody>
+                    <a:bodyPr/>
+                    <a:lstStyle/>
+                    <a:p>
+                      <a:endParaRPr lang="en-US" dirty="0"/>
+                    </a:p>
+                  </a:txBody>
+                  <a:tcPr>
+                    <a:lnL w="57150" cap="flat" cmpd="sng" algn="ctr">
+                      <a:solidFill>
+                        <a:schemeClr val="accent2">
+                          <a:lumMod val="75000"/>
+                        </a:schemeClr>
+                      </a:solidFill>
+                      <a:prstDash val="solid"/>
+                      <a:round/>
+                      <a:headEnd type="none" w="med" len="med"/>
+                      <a:tailEnd type="none" w="med" len="med"/>
+                    </a:lnL>
+                    <a:lnR w="6350" cap="flat" cmpd="sng" algn="ctr">
+                      <a:solidFill>
+                        <a:schemeClr val="accent2">
+                          <a:lumMod val="75000"/>
+                        </a:schemeClr>
+                      </a:solidFill>
+                      <a:prstDash val="solid"/>
+                      <a:round/>
+                      <a:headEnd type="none" w="med" len="med"/>
+                      <a:tailEnd type="none" w="med" len="med"/>
+                    </a:lnR>
+                    <a:lnT w="6350" cap="flat" cmpd="sng" algn="ctr">
+                      <a:solidFill>
+                        <a:schemeClr val="accent2">
+                          <a:lumMod val="75000"/>
+                        </a:schemeClr>
+                      </a:solidFill>
+                      <a:prstDash val="solid"/>
+                      <a:round/>
+                      <a:headEnd type="none" w="med" len="med"/>
+                      <a:tailEnd type="none" w="med" len="med"/>
+                    </a:lnT>
+                    <a:lnB w="6350" cap="flat" cmpd="sng" algn="ctr">
+                      <a:solidFill>
+                        <a:schemeClr val="accent2">
+                          <a:lumMod val="75000"/>
+                        </a:schemeClr>
+                      </a:solidFill>
+                      <a:prstDash val="solid"/>
+                      <a:round/>
+                      <a:headEnd type="none" w="med" len="med"/>
+                      <a:tailEnd type="none" w="med" len="med"/>
+                    </a:lnB>
+                    <a:solidFill>
+                      <a:schemeClr val="bg1"/>
+                    </a:solidFill>
+                  </a:tcPr>
+                </a:tc>
+                <a:tc>
+                  <a:txBody>
+                    <a:bodyPr/>
+                    <a:lstStyle/>
+                    <a:p>
+                      <a:endParaRPr lang="en-US" dirty="0"/>
+                    </a:p>
+                  </a:txBody>
+                  <a:tcPr>
+                    <a:lnL w="6350" cap="flat" cmpd="sng" algn="ctr">
+                      <a:solidFill>
+                        <a:schemeClr val="accent2">
+                          <a:lumMod val="75000"/>
+                        </a:schemeClr>
+                      </a:solidFill>
+                      <a:prstDash val="solid"/>
+                      <a:round/>
+                      <a:headEnd type="none" w="med" len="med"/>
+                      <a:tailEnd type="none" w="med" len="med"/>
+                    </a:lnL>
+                    <a:lnR w="6350" cap="flat" cmpd="sng" algn="ctr">
+                      <a:solidFill>
+                        <a:schemeClr val="accent2">
+                          <a:lumMod val="75000"/>
+                        </a:schemeClr>
+                      </a:solidFill>
+                      <a:prstDash val="solid"/>
+                      <a:round/>
+                      <a:headEnd type="none" w="med" len="med"/>
+                      <a:tailEnd type="none" w="med" len="med"/>
+                    </a:lnR>
+                    <a:lnT w="6350" cap="flat" cmpd="sng" algn="ctr">
+                      <a:solidFill>
+                        <a:schemeClr val="accent2">
+                          <a:lumMod val="75000"/>
+                        </a:schemeClr>
+                      </a:solidFill>
+                      <a:prstDash val="solid"/>
+                      <a:round/>
+                      <a:headEnd type="none" w="med" len="med"/>
+                      <a:tailEnd type="none" w="med" len="med"/>
+                    </a:lnT>
+                    <a:lnB w="6350" cap="flat" cmpd="sng" algn="ctr">
+                      <a:solidFill>
+                        <a:schemeClr val="accent2">
+                          <a:lumMod val="75000"/>
+                        </a:schemeClr>
+                      </a:solidFill>
+                      <a:prstDash val="solid"/>
+                      <a:round/>
+                      <a:headEnd type="none" w="med" len="med"/>
+                      <a:tailEnd type="none" w="med" len="med"/>
+                    </a:lnB>
+                    <a:solidFill>
+                      <a:schemeClr val="bg1"/>
+                    </a:solidFill>
+                  </a:tcPr>
+                </a:tc>
+                <a:tc>
+                  <a:txBody>
+                    <a:bodyPr/>
+                    <a:lstStyle/>
+                    <a:p>
+                      <a:endParaRPr lang="en-US" dirty="0"/>
+                    </a:p>
+                  </a:txBody>
+                  <a:tcPr>
+                    <a:lnL w="6350" cap="flat" cmpd="sng" algn="ctr">
+                      <a:solidFill>
+                        <a:schemeClr val="accent2">
+                          <a:lumMod val="75000"/>
+                        </a:schemeClr>
+                      </a:solidFill>
+                      <a:prstDash val="solid"/>
+                      <a:round/>
+                      <a:headEnd type="none" w="med" len="med"/>
+                      <a:tailEnd type="none" w="med" len="med"/>
+                    </a:lnL>
+                    <a:lnR w="57150" cap="flat" cmpd="sng" algn="ctr">
+                      <a:solidFill>
+                        <a:schemeClr val="accent2">
+                          <a:lumMod val="75000"/>
+                        </a:schemeClr>
+                      </a:solidFill>
+                      <a:prstDash val="solid"/>
+                      <a:round/>
+                      <a:headEnd type="none" w="med" len="med"/>
+                      <a:tailEnd type="none" w="med" len="med"/>
+                    </a:lnR>
+                    <a:lnT w="6350" cap="flat" cmpd="sng" algn="ctr">
+                      <a:solidFill>
+                        <a:schemeClr val="accent2">
+                          <a:lumMod val="75000"/>
+                        </a:schemeClr>
+                      </a:solidFill>
+                      <a:prstDash val="solid"/>
+                      <a:round/>
+                      <a:headEnd type="none" w="med" len="med"/>
+                      <a:tailEnd type="none" w="med" len="med"/>
+                    </a:lnT>
+                    <a:lnB w="6350" cap="flat" cmpd="sng" algn="ctr">
+                      <a:solidFill>
+                        <a:schemeClr val="accent2">
+                          <a:lumMod val="75000"/>
+                        </a:schemeClr>
+                      </a:solidFill>
+                      <a:prstDash val="solid"/>
+                      <a:round/>
+                      <a:headEnd type="none" w="med" len="med"/>
+                      <a:tailEnd type="none" w="med" len="med"/>
+                    </a:lnB>
+                    <a:solidFill>
+                      <a:schemeClr val="bg1"/>
+                    </a:solidFill>
+                  </a:tcPr>
+                </a:tc>
+                <a:extLst>
+                  <a:ext uri="{0D108BD9-81ED-4DB2-BD59-A6C34878D82A}">
+                    <a16:rowId xmlns:a16="http://schemas.microsoft.com/office/drawing/2014/main" val="3398140794"/>
+                  </a:ext>
+                </a:extLst>
+              </a:tr>
+              <a:tr h="720000">
+                <a:tc>
+                  <a:txBody>
+                    <a:bodyPr/>
+                    <a:lstStyle/>
+                    <a:p>
+                      <a:endParaRPr lang="en-US" dirty="0"/>
+                    </a:p>
+                  </a:txBody>
+                  <a:tcPr>
+                    <a:lnL w="57150" cap="flat" cmpd="sng" algn="ctr">
+                      <a:solidFill>
+                        <a:schemeClr val="accent2">
+                          <a:lumMod val="75000"/>
+                        </a:schemeClr>
+                      </a:solidFill>
+                      <a:prstDash val="solid"/>
+                      <a:round/>
+                      <a:headEnd type="none" w="med" len="med"/>
+                      <a:tailEnd type="none" w="med" len="med"/>
+                    </a:lnL>
+                    <a:lnR w="6350" cap="flat" cmpd="sng" algn="ctr">
+                      <a:solidFill>
+                        <a:schemeClr val="accent2">
+                          <a:lumMod val="75000"/>
+                        </a:schemeClr>
+                      </a:solidFill>
+                      <a:prstDash val="solid"/>
+                      <a:round/>
+                      <a:headEnd type="none" w="med" len="med"/>
+                      <a:tailEnd type="none" w="med" len="med"/>
+                    </a:lnR>
+                    <a:lnT w="6350" cap="flat" cmpd="sng" algn="ctr">
+                      <a:solidFill>
+                        <a:schemeClr val="accent2">
+                          <a:lumMod val="75000"/>
+                        </a:schemeClr>
+                      </a:solidFill>
+                      <a:prstDash val="solid"/>
+                      <a:round/>
+                      <a:headEnd type="none" w="med" len="med"/>
+                      <a:tailEnd type="none" w="med" len="med"/>
+                    </a:lnT>
+                    <a:lnB w="6350" cap="flat" cmpd="sng" algn="ctr">
+                      <a:solidFill>
+                        <a:schemeClr val="accent2">
+                          <a:lumMod val="75000"/>
+                        </a:schemeClr>
+                      </a:solidFill>
+                      <a:prstDash val="solid"/>
+                      <a:round/>
+                      <a:headEnd type="none" w="med" len="med"/>
+                      <a:tailEnd type="none" w="med" len="med"/>
+                    </a:lnB>
+                    <a:solidFill>
+                      <a:schemeClr val="bg1"/>
+                    </a:solidFill>
+                  </a:tcPr>
+                </a:tc>
+                <a:tc>
+                  <a:txBody>
+                    <a:bodyPr/>
+                    <a:lstStyle/>
+                    <a:p>
+                      <a:endParaRPr lang="en-US" dirty="0"/>
+                    </a:p>
+                  </a:txBody>
+                  <a:tcPr>
+                    <a:lnL w="6350" cap="flat" cmpd="sng" algn="ctr">
+                      <a:solidFill>
+                        <a:schemeClr val="accent2">
+                          <a:lumMod val="75000"/>
+                        </a:schemeClr>
+                      </a:solidFill>
+                      <a:prstDash val="solid"/>
+                      <a:round/>
+                      <a:headEnd type="none" w="med" len="med"/>
+                      <a:tailEnd type="none" w="med" len="med"/>
+                    </a:lnL>
+                    <a:lnR w="6350" cap="flat" cmpd="sng" algn="ctr">
+                      <a:solidFill>
+                        <a:schemeClr val="accent2">
+                          <a:lumMod val="75000"/>
+                        </a:schemeClr>
+                      </a:solidFill>
+                      <a:prstDash val="solid"/>
+                      <a:round/>
+                      <a:headEnd type="none" w="med" len="med"/>
+                      <a:tailEnd type="none" w="med" len="med"/>
+                    </a:lnR>
+                    <a:lnT w="6350" cap="flat" cmpd="sng" algn="ctr">
+                      <a:solidFill>
+                        <a:schemeClr val="accent2">
+                          <a:lumMod val="75000"/>
+                        </a:schemeClr>
+                      </a:solidFill>
+                      <a:prstDash val="solid"/>
+                      <a:round/>
+                      <a:headEnd type="none" w="med" len="med"/>
+                      <a:tailEnd type="none" w="med" len="med"/>
+                    </a:lnT>
+                    <a:lnB w="6350" cap="flat" cmpd="sng" algn="ctr">
+                      <a:solidFill>
+                        <a:schemeClr val="accent2">
+                          <a:lumMod val="75000"/>
+                        </a:schemeClr>
+                      </a:solidFill>
+                      <a:prstDash val="solid"/>
+                      <a:round/>
+                      <a:headEnd type="none" w="med" len="med"/>
+                      <a:tailEnd type="none" w="med" len="med"/>
+                    </a:lnB>
+                    <a:solidFill>
+                      <a:schemeClr val="bg1"/>
+                    </a:solidFill>
+                  </a:tcPr>
+                </a:tc>
+                <a:tc>
+                  <a:txBody>
+                    <a:bodyPr/>
+                    <a:lstStyle/>
+                    <a:p>
+                      <a:endParaRPr lang="en-US" dirty="0"/>
+                    </a:p>
+                  </a:txBody>
+                  <a:tcPr>
+                    <a:lnL w="6350" cap="flat" cmpd="sng" algn="ctr">
+                      <a:solidFill>
+                        <a:schemeClr val="accent2">
+                          <a:lumMod val="75000"/>
+                        </a:schemeClr>
+                      </a:solidFill>
+                      <a:prstDash val="solid"/>
+                      <a:round/>
+                      <a:headEnd type="none" w="med" len="med"/>
+                      <a:tailEnd type="none" w="med" len="med"/>
+                    </a:lnL>
+                    <a:lnR w="57150" cap="flat" cmpd="sng" algn="ctr">
+                      <a:solidFill>
+                        <a:schemeClr val="accent2">
+                          <a:lumMod val="75000"/>
+                        </a:schemeClr>
+                      </a:solidFill>
+                      <a:prstDash val="solid"/>
+                      <a:round/>
+                      <a:headEnd type="none" w="med" len="med"/>
+                      <a:tailEnd type="none" w="med" len="med"/>
+                    </a:lnR>
+                    <a:lnT w="6350" cap="flat" cmpd="sng" algn="ctr">
+                      <a:solidFill>
+                        <a:schemeClr val="accent2">
+                          <a:lumMod val="75000"/>
+                        </a:schemeClr>
+                      </a:solidFill>
+                      <a:prstDash val="solid"/>
+                      <a:round/>
+                      <a:headEnd type="none" w="med" len="med"/>
+                      <a:tailEnd type="none" w="med" len="med"/>
+                    </a:lnT>
+                    <a:lnB w="6350" cap="flat" cmpd="sng" algn="ctr">
+                      <a:solidFill>
+                        <a:schemeClr val="accent2">
+                          <a:lumMod val="75000"/>
+                        </a:schemeClr>
+                      </a:solidFill>
+                      <a:prstDash val="solid"/>
+                      <a:round/>
+                      <a:headEnd type="none" w="med" len="med"/>
+                      <a:tailEnd type="none" w="med" len="med"/>
+                    </a:lnB>
+                    <a:solidFill>
+                      <a:schemeClr val="bg1"/>
+                    </a:solidFill>
+                  </a:tcPr>
+                </a:tc>
+                <a:extLst>
+                  <a:ext uri="{0D108BD9-81ED-4DB2-BD59-A6C34878D82A}">
+                    <a16:rowId xmlns:a16="http://schemas.microsoft.com/office/drawing/2014/main" val="4004784563"/>
+                  </a:ext>
+                </a:extLst>
+              </a:tr>
+              <a:tr h="720000">
+                <a:tc>
+                  <a:txBody>
+                    <a:bodyPr/>
+                    <a:lstStyle/>
+                    <a:p>
+                      <a:endParaRPr lang="en-US"/>
+                    </a:p>
+                  </a:txBody>
+                  <a:tcPr>
+                    <a:lnL w="57150" cap="flat" cmpd="sng" algn="ctr">
+                      <a:solidFill>
+                        <a:schemeClr val="accent2">
+                          <a:lumMod val="75000"/>
+                        </a:schemeClr>
+                      </a:solidFill>
+                      <a:prstDash val="solid"/>
+                      <a:round/>
+                      <a:headEnd type="none" w="med" len="med"/>
+                      <a:tailEnd type="none" w="med" len="med"/>
+                    </a:lnL>
+                    <a:lnR w="6350" cap="flat" cmpd="sng" algn="ctr">
+                      <a:solidFill>
+                        <a:schemeClr val="accent2">
+                          <a:lumMod val="75000"/>
+                        </a:schemeClr>
+                      </a:solidFill>
+                      <a:prstDash val="solid"/>
+                      <a:round/>
+                      <a:headEnd type="none" w="med" len="med"/>
+                      <a:tailEnd type="none" w="med" len="med"/>
+                    </a:lnR>
+                    <a:lnT w="6350" cap="flat" cmpd="sng" algn="ctr">
+                      <a:solidFill>
+                        <a:schemeClr val="accent2">
+                          <a:lumMod val="75000"/>
+                        </a:schemeClr>
+                      </a:solidFill>
+                      <a:prstDash val="solid"/>
+                      <a:round/>
+                      <a:headEnd type="none" w="med" len="med"/>
+                      <a:tailEnd type="none" w="med" len="med"/>
+                    </a:lnT>
+                    <a:lnB w="6350" cap="flat" cmpd="sng" algn="ctr">
+                      <a:solidFill>
+                        <a:schemeClr val="accent2">
+                          <a:lumMod val="75000"/>
+                        </a:schemeClr>
+                      </a:solidFill>
+                      <a:prstDash val="solid"/>
+                      <a:round/>
+                      <a:headEnd type="none" w="med" len="med"/>
+                      <a:tailEnd type="none" w="med" len="med"/>
+                    </a:lnB>
+                    <a:solidFill>
+                      <a:schemeClr val="bg1"/>
+                    </a:solidFill>
+                  </a:tcPr>
+                </a:tc>
+                <a:tc>
+                  <a:txBody>
+                    <a:bodyPr/>
+                    <a:lstStyle/>
+                    <a:p>
+                      <a:endParaRPr lang="en-US" dirty="0"/>
+                    </a:p>
+                  </a:txBody>
+                  <a:tcPr>
+                    <a:lnL w="6350" cap="flat" cmpd="sng" algn="ctr">
+                      <a:solidFill>
+                        <a:schemeClr val="accent2">
+                          <a:lumMod val="75000"/>
+                        </a:schemeClr>
+                      </a:solidFill>
+                      <a:prstDash val="solid"/>
+                      <a:round/>
+                      <a:headEnd type="none" w="med" len="med"/>
+                      <a:tailEnd type="none" w="med" len="med"/>
+                    </a:lnL>
+                    <a:lnR w="6350" cap="flat" cmpd="sng" algn="ctr">
+                      <a:solidFill>
+                        <a:schemeClr val="accent2">
+                          <a:lumMod val="75000"/>
+                        </a:schemeClr>
+                      </a:solidFill>
+                      <a:prstDash val="solid"/>
+                      <a:round/>
+                      <a:headEnd type="none" w="med" len="med"/>
+                      <a:tailEnd type="none" w="med" len="med"/>
+                    </a:lnR>
+                    <a:lnT w="6350" cap="flat" cmpd="sng" algn="ctr">
+                      <a:solidFill>
+                        <a:schemeClr val="accent2">
+                          <a:lumMod val="75000"/>
+                        </a:schemeClr>
+                      </a:solidFill>
+                      <a:prstDash val="solid"/>
+                      <a:round/>
+                      <a:headEnd type="none" w="med" len="med"/>
+                      <a:tailEnd type="none" w="med" len="med"/>
+                    </a:lnT>
+                    <a:lnB w="6350" cap="flat" cmpd="sng" algn="ctr">
+                      <a:solidFill>
+                        <a:schemeClr val="accent2">
+                          <a:lumMod val="75000"/>
+                        </a:schemeClr>
+                      </a:solidFill>
+                      <a:prstDash val="solid"/>
+                      <a:round/>
+                      <a:headEnd type="none" w="med" len="med"/>
+                      <a:tailEnd type="none" w="med" len="med"/>
+                    </a:lnB>
+                    <a:solidFill>
+                      <a:schemeClr val="bg1"/>
+                    </a:solidFill>
+                  </a:tcPr>
+                </a:tc>
+                <a:tc>
+                  <a:txBody>
+                    <a:bodyPr/>
+                    <a:lstStyle/>
+                    <a:p>
+                      <a:endParaRPr lang="en-US" dirty="0"/>
+                    </a:p>
+                  </a:txBody>
+                  <a:tcPr>
+                    <a:lnL w="6350" cap="flat" cmpd="sng" algn="ctr">
+                      <a:solidFill>
+                        <a:schemeClr val="accent2">
+                          <a:lumMod val="75000"/>
+                        </a:schemeClr>
+                      </a:solidFill>
+                      <a:prstDash val="solid"/>
+                      <a:round/>
+                      <a:headEnd type="none" w="med" len="med"/>
+                      <a:tailEnd type="none" w="med" len="med"/>
+                    </a:lnL>
+                    <a:lnR w="57150" cap="flat" cmpd="sng" algn="ctr">
+                      <a:solidFill>
+                        <a:schemeClr val="accent2">
+                          <a:lumMod val="75000"/>
+                        </a:schemeClr>
+                      </a:solidFill>
+                      <a:prstDash val="solid"/>
+                      <a:round/>
+                      <a:headEnd type="none" w="med" len="med"/>
+                      <a:tailEnd type="none" w="med" len="med"/>
+                    </a:lnR>
+                    <a:lnT w="6350" cap="flat" cmpd="sng" algn="ctr">
+                      <a:solidFill>
+                        <a:schemeClr val="accent2">
+                          <a:lumMod val="75000"/>
+                        </a:schemeClr>
+                      </a:solidFill>
+                      <a:prstDash val="solid"/>
+                      <a:round/>
+                      <a:headEnd type="none" w="med" len="med"/>
+                      <a:tailEnd type="none" w="med" len="med"/>
+                    </a:lnT>
+                    <a:lnB w="6350" cap="flat" cmpd="sng" algn="ctr">
+                      <a:solidFill>
+                        <a:schemeClr val="accent2">
+                          <a:lumMod val="75000"/>
+                        </a:schemeClr>
+                      </a:solidFill>
+                      <a:prstDash val="solid"/>
+                      <a:round/>
+                      <a:headEnd type="none" w="med" len="med"/>
+                      <a:tailEnd type="none" w="med" len="med"/>
+                    </a:lnB>
+                    <a:solidFill>
+                      <a:schemeClr val="bg1"/>
+                    </a:solidFill>
+                  </a:tcPr>
+                </a:tc>
+                <a:extLst>
+                  <a:ext uri="{0D108BD9-81ED-4DB2-BD59-A6C34878D82A}">
+                    <a16:rowId xmlns:a16="http://schemas.microsoft.com/office/drawing/2014/main" val="2303633858"/>
+                  </a:ext>
+                </a:extLst>
+              </a:tr>
+              <a:tr h="720000">
+                <a:tc>
+                  <a:txBody>
+                    <a:bodyPr/>
+                    <a:lstStyle/>
+                    <a:p>
+                      <a:endParaRPr lang="en-US"/>
+                    </a:p>
+                  </a:txBody>
+                  <a:tcPr>
+                    <a:lnL w="57150" cap="flat" cmpd="sng" algn="ctr">
+                      <a:solidFill>
+                        <a:schemeClr val="accent2">
+                          <a:lumMod val="75000"/>
+                        </a:schemeClr>
+                      </a:solidFill>
+                      <a:prstDash val="solid"/>
+                      <a:round/>
+                      <a:headEnd type="none" w="med" len="med"/>
+                      <a:tailEnd type="none" w="med" len="med"/>
+                    </a:lnL>
+                    <a:lnR w="6350" cap="flat" cmpd="sng" algn="ctr">
+                      <a:solidFill>
+                        <a:schemeClr val="accent2">
+                          <a:lumMod val="75000"/>
+                        </a:schemeClr>
+                      </a:solidFill>
+                      <a:prstDash val="solid"/>
+                      <a:round/>
+                      <a:headEnd type="none" w="med" len="med"/>
+                      <a:tailEnd type="none" w="med" len="med"/>
+                    </a:lnR>
+                    <a:lnT w="6350" cap="flat" cmpd="sng" algn="ctr">
+                      <a:solidFill>
+                        <a:schemeClr val="accent2">
+                          <a:lumMod val="75000"/>
+                        </a:schemeClr>
+                      </a:solidFill>
+                      <a:prstDash val="solid"/>
+                      <a:round/>
+                      <a:headEnd type="none" w="med" len="med"/>
+                      <a:tailEnd type="none" w="med" len="med"/>
+                    </a:lnT>
+                    <a:lnB w="6350" cap="flat" cmpd="sng" algn="ctr">
+                      <a:solidFill>
+                        <a:schemeClr val="accent2">
+                          <a:lumMod val="75000"/>
+                        </a:schemeClr>
+                      </a:solidFill>
+                      <a:prstDash val="solid"/>
+                      <a:round/>
+                      <a:headEnd type="none" w="med" len="med"/>
+                      <a:tailEnd type="none" w="med" len="med"/>
+                    </a:lnB>
+                    <a:solidFill>
+                      <a:schemeClr val="bg1"/>
+                    </a:solidFill>
+                  </a:tcPr>
+                </a:tc>
+                <a:tc>
+                  <a:txBody>
+                    <a:bodyPr/>
+                    <a:lstStyle/>
+                    <a:p>
+                      <a:endParaRPr lang="en-US"/>
+                    </a:p>
+                  </a:txBody>
+                  <a:tcPr>
+                    <a:lnL w="6350" cap="flat" cmpd="sng" algn="ctr">
+                      <a:solidFill>
+                        <a:schemeClr val="accent2">
+                          <a:lumMod val="75000"/>
+                        </a:schemeClr>
+                      </a:solidFill>
+                      <a:prstDash val="solid"/>
+                      <a:round/>
+                      <a:headEnd type="none" w="med" len="med"/>
+                      <a:tailEnd type="none" w="med" len="med"/>
+                    </a:lnL>
+                    <a:lnR w="6350" cap="flat" cmpd="sng" algn="ctr">
+                      <a:solidFill>
+                        <a:schemeClr val="accent2">
+                          <a:lumMod val="75000"/>
+                        </a:schemeClr>
+                      </a:solidFill>
+                      <a:prstDash val="solid"/>
+                      <a:round/>
+                      <a:headEnd type="none" w="med" len="med"/>
+                      <a:tailEnd type="none" w="med" len="med"/>
+                    </a:lnR>
+                    <a:lnT w="6350" cap="flat" cmpd="sng" algn="ctr">
+                      <a:solidFill>
+                        <a:schemeClr val="accent2">
+                          <a:lumMod val="75000"/>
+                        </a:schemeClr>
+                      </a:solidFill>
+                      <a:prstDash val="solid"/>
+                      <a:round/>
+                      <a:headEnd type="none" w="med" len="med"/>
+                      <a:tailEnd type="none" w="med" len="med"/>
+                    </a:lnT>
+                    <a:lnB w="6350" cap="flat" cmpd="sng" algn="ctr">
+                      <a:solidFill>
+                        <a:schemeClr val="accent2">
+                          <a:lumMod val="75000"/>
+                        </a:schemeClr>
+                      </a:solidFill>
+                      <a:prstDash val="solid"/>
+                      <a:round/>
+                      <a:headEnd type="none" w="med" len="med"/>
+                      <a:tailEnd type="none" w="med" len="med"/>
+                    </a:lnB>
+                    <a:solidFill>
+                      <a:schemeClr val="bg1"/>
+                    </a:solidFill>
+                  </a:tcPr>
+                </a:tc>
+                <a:tc>
+                  <a:txBody>
+                    <a:bodyPr/>
+                    <a:lstStyle/>
+                    <a:p>
+                      <a:endParaRPr lang="en-US" dirty="0"/>
+                    </a:p>
+                  </a:txBody>
+                  <a:tcPr>
+                    <a:lnL w="6350" cap="flat" cmpd="sng" algn="ctr">
+                      <a:solidFill>
+                        <a:schemeClr val="accent2">
+                          <a:lumMod val="75000"/>
+                        </a:schemeClr>
+                      </a:solidFill>
+                      <a:prstDash val="solid"/>
+                      <a:round/>
+                      <a:headEnd type="none" w="med" len="med"/>
+                      <a:tailEnd type="none" w="med" len="med"/>
+                    </a:lnL>
+                    <a:lnR w="57150" cap="flat" cmpd="sng" algn="ctr">
+                      <a:solidFill>
+                        <a:schemeClr val="accent2">
+                          <a:lumMod val="75000"/>
+                        </a:schemeClr>
+                      </a:solidFill>
+                      <a:prstDash val="solid"/>
+                      <a:round/>
+                      <a:headEnd type="none" w="med" len="med"/>
+                      <a:tailEnd type="none" w="med" len="med"/>
+                    </a:lnR>
+                    <a:lnT w="6350" cap="flat" cmpd="sng" algn="ctr">
+                      <a:solidFill>
+                        <a:schemeClr val="accent2">
+                          <a:lumMod val="75000"/>
+                        </a:schemeClr>
+                      </a:solidFill>
+                      <a:prstDash val="solid"/>
+                      <a:round/>
+                      <a:headEnd type="none" w="med" len="med"/>
+                      <a:tailEnd type="none" w="med" len="med"/>
+                    </a:lnT>
+                    <a:lnB w="6350" cap="flat" cmpd="sng" algn="ctr">
+                      <a:solidFill>
+                        <a:schemeClr val="accent2">
+                          <a:lumMod val="75000"/>
+                        </a:schemeClr>
+                      </a:solidFill>
+                      <a:prstDash val="solid"/>
+                      <a:round/>
+                      <a:headEnd type="none" w="med" len="med"/>
+                      <a:tailEnd type="none" w="med" len="med"/>
+                    </a:lnB>
+                    <a:solidFill>
+                      <a:schemeClr val="bg1"/>
+                    </a:solidFill>
+                  </a:tcPr>
+                </a:tc>
+                <a:extLst>
+                  <a:ext uri="{0D108BD9-81ED-4DB2-BD59-A6C34878D82A}">
+                    <a16:rowId xmlns:a16="http://schemas.microsoft.com/office/drawing/2014/main" val="1339616803"/>
+                  </a:ext>
+                </a:extLst>
+              </a:tr>
+              <a:tr h="720000">
+                <a:tc>
+                  <a:txBody>
+                    <a:bodyPr/>
+                    <a:lstStyle/>
+                    <a:p>
+                      <a:endParaRPr lang="en-US"/>
+                    </a:p>
+                  </a:txBody>
+                  <a:tcPr>
+                    <a:lnL w="57150" cap="flat" cmpd="sng" algn="ctr">
+                      <a:solidFill>
+                        <a:schemeClr val="accent2">
+                          <a:lumMod val="75000"/>
+                        </a:schemeClr>
+                      </a:solidFill>
+                      <a:prstDash val="solid"/>
+                      <a:round/>
+                      <a:headEnd type="none" w="med" len="med"/>
+                      <a:tailEnd type="none" w="med" len="med"/>
+                    </a:lnL>
+                    <a:lnR w="6350" cap="flat" cmpd="sng" algn="ctr">
+                      <a:solidFill>
+                        <a:schemeClr val="accent2">
+                          <a:lumMod val="75000"/>
+                        </a:schemeClr>
+                      </a:solidFill>
+                      <a:prstDash val="solid"/>
+                      <a:round/>
+                      <a:headEnd type="none" w="med" len="med"/>
+                      <a:tailEnd type="none" w="med" len="med"/>
+                    </a:lnR>
+                    <a:lnT w="6350" cap="flat" cmpd="sng" algn="ctr">
+                      <a:solidFill>
+                        <a:schemeClr val="accent2">
+                          <a:lumMod val="75000"/>
+                        </a:schemeClr>
+                      </a:solidFill>
+                      <a:prstDash val="solid"/>
+                      <a:round/>
+                      <a:headEnd type="none" w="med" len="med"/>
+                      <a:tailEnd type="none" w="med" len="med"/>
+                    </a:lnT>
+                    <a:lnB w="6350" cap="flat" cmpd="sng" algn="ctr">
+                      <a:solidFill>
+                        <a:schemeClr val="accent2">
+                          <a:lumMod val="75000"/>
+                        </a:schemeClr>
+                      </a:solidFill>
+                      <a:prstDash val="solid"/>
+                      <a:round/>
+                      <a:headEnd type="none" w="med" len="med"/>
+                      <a:tailEnd type="none" w="med" len="med"/>
+                    </a:lnB>
+                    <a:solidFill>
+                      <a:schemeClr val="bg1"/>
+                    </a:solidFill>
+                  </a:tcPr>
+                </a:tc>
+                <a:tc>
+                  <a:txBody>
+                    <a:bodyPr/>
+                    <a:lstStyle/>
+                    <a:p>
+                      <a:endParaRPr lang="en-US"/>
+                    </a:p>
+                  </a:txBody>
+                  <a:tcPr>
+                    <a:lnL w="6350" cap="flat" cmpd="sng" algn="ctr">
+                      <a:solidFill>
+                        <a:schemeClr val="accent2">
+                          <a:lumMod val="75000"/>
+                        </a:schemeClr>
+                      </a:solidFill>
+                      <a:prstDash val="solid"/>
+                      <a:round/>
+                      <a:headEnd type="none" w="med" len="med"/>
+                      <a:tailEnd type="none" w="med" len="med"/>
+                    </a:lnL>
+                    <a:lnR w="6350" cap="flat" cmpd="sng" algn="ctr">
+                      <a:solidFill>
+                        <a:schemeClr val="accent2">
+                          <a:lumMod val="75000"/>
+                        </a:schemeClr>
+                      </a:solidFill>
+                      <a:prstDash val="solid"/>
+                      <a:round/>
+                      <a:headEnd type="none" w="med" len="med"/>
+                      <a:tailEnd type="none" w="med" len="med"/>
+                    </a:lnR>
+                    <a:lnT w="6350" cap="flat" cmpd="sng" algn="ctr">
+                      <a:solidFill>
+                        <a:schemeClr val="accent2">
+                          <a:lumMod val="75000"/>
+                        </a:schemeClr>
+                      </a:solidFill>
+                      <a:prstDash val="solid"/>
+                      <a:round/>
+                      <a:headEnd type="none" w="med" len="med"/>
+                      <a:tailEnd type="none" w="med" len="med"/>
+                    </a:lnT>
+                    <a:lnB w="6350" cap="flat" cmpd="sng" algn="ctr">
+                      <a:solidFill>
+                        <a:schemeClr val="accent2">
+                          <a:lumMod val="75000"/>
+                        </a:schemeClr>
+                      </a:solidFill>
+                      <a:prstDash val="solid"/>
+                      <a:round/>
+                      <a:headEnd type="none" w="med" len="med"/>
+                      <a:tailEnd type="none" w="med" len="med"/>
+                    </a:lnB>
+                    <a:solidFill>
+                      <a:schemeClr val="bg1"/>
+                    </a:solidFill>
+                  </a:tcPr>
+                </a:tc>
+                <a:tc>
+                  <a:txBody>
+                    <a:bodyPr/>
+                    <a:lstStyle/>
+                    <a:p>
+                      <a:endParaRPr lang="en-US" dirty="0"/>
+                    </a:p>
+                  </a:txBody>
+                  <a:tcPr>
+                    <a:lnL w="6350" cap="flat" cmpd="sng" algn="ctr">
+                      <a:solidFill>
+                        <a:schemeClr val="accent2">
+                          <a:lumMod val="75000"/>
+                        </a:schemeClr>
+                      </a:solidFill>
+                      <a:prstDash val="solid"/>
+                      <a:round/>
+                      <a:headEnd type="none" w="med" len="med"/>
+                      <a:tailEnd type="none" w="med" len="med"/>
+                    </a:lnL>
+                    <a:lnR w="57150" cap="flat" cmpd="sng" algn="ctr">
+                      <a:solidFill>
+                        <a:schemeClr val="accent2">
+                          <a:lumMod val="75000"/>
+                        </a:schemeClr>
+                      </a:solidFill>
+                      <a:prstDash val="solid"/>
+                      <a:round/>
+                      <a:headEnd type="none" w="med" len="med"/>
+                      <a:tailEnd type="none" w="med" len="med"/>
+                    </a:lnR>
+                    <a:lnT w="6350" cap="flat" cmpd="sng" algn="ctr">
+                      <a:solidFill>
+                        <a:schemeClr val="accent2">
+                          <a:lumMod val="75000"/>
+                        </a:schemeClr>
+                      </a:solidFill>
+                      <a:prstDash val="solid"/>
+                      <a:round/>
+                      <a:headEnd type="none" w="med" len="med"/>
+                      <a:tailEnd type="none" w="med" len="med"/>
+                    </a:lnT>
+                    <a:lnB w="6350" cap="flat" cmpd="sng" algn="ctr">
+                      <a:solidFill>
+                        <a:schemeClr val="accent2">
+                          <a:lumMod val="75000"/>
+                        </a:schemeClr>
+                      </a:solidFill>
+                      <a:prstDash val="solid"/>
+                      <a:round/>
+                      <a:headEnd type="none" w="med" len="med"/>
+                      <a:tailEnd type="none" w="med" len="med"/>
+                    </a:lnB>
+                    <a:solidFill>
+                      <a:schemeClr val="bg1"/>
+                    </a:solidFill>
+                  </a:tcPr>
+                </a:tc>
+                <a:extLst>
+                  <a:ext uri="{0D108BD9-81ED-4DB2-BD59-A6C34878D82A}">
+                    <a16:rowId xmlns:a16="http://schemas.microsoft.com/office/drawing/2014/main" val="2375821965"/>
+                  </a:ext>
+                </a:extLst>
+              </a:tr>
+              <a:tr h="720000">
+                <a:tc>
+                  <a:txBody>
+                    <a:bodyPr/>
+                    <a:lstStyle/>
+                    <a:p>
+                      <a:endParaRPr lang="en-US" dirty="0"/>
+                    </a:p>
+                  </a:txBody>
+                  <a:tcPr>
+                    <a:lnL w="57150" cap="flat" cmpd="sng" algn="ctr">
+                      <a:solidFill>
+                        <a:schemeClr val="accent2">
+                          <a:lumMod val="75000"/>
+                        </a:schemeClr>
+                      </a:solidFill>
+                      <a:prstDash val="solid"/>
+                      <a:round/>
+                      <a:headEnd type="none" w="med" len="med"/>
+                      <a:tailEnd type="none" w="med" len="med"/>
+                    </a:lnL>
+                    <a:lnR w="6350" cap="flat" cmpd="sng" algn="ctr">
+                      <a:solidFill>
+                        <a:schemeClr val="accent2">
+                          <a:lumMod val="75000"/>
+                        </a:schemeClr>
+                      </a:solidFill>
+                      <a:prstDash val="solid"/>
+                      <a:round/>
+                      <a:headEnd type="none" w="med" len="med"/>
+                      <a:tailEnd type="none" w="med" len="med"/>
+                    </a:lnR>
+                    <a:lnT w="6350" cap="flat" cmpd="sng" algn="ctr">
+                      <a:solidFill>
+                        <a:schemeClr val="accent2">
+                          <a:lumMod val="75000"/>
+                        </a:schemeClr>
+                      </a:solidFill>
+                      <a:prstDash val="solid"/>
+                      <a:round/>
+                      <a:headEnd type="none" w="med" len="med"/>
+                      <a:tailEnd type="none" w="med" len="med"/>
+                    </a:lnT>
+                    <a:lnB w="57150" cap="flat" cmpd="sng" algn="ctr">
+                      <a:solidFill>
+                        <a:schemeClr val="accent2">
+                          <a:lumMod val="75000"/>
+                        </a:schemeClr>
+                      </a:solidFill>
+                      <a:prstDash val="solid"/>
+                      <a:round/>
+                      <a:headEnd type="none" w="med" len="med"/>
+                      <a:tailEnd type="none" w="med" len="med"/>
+                    </a:lnB>
+                    <a:solidFill>
+                      <a:schemeClr val="bg1"/>
+                    </a:solidFill>
+                  </a:tcPr>
+                </a:tc>
+                <a:tc>
+                  <a:txBody>
+                    <a:bodyPr/>
+                    <a:lstStyle/>
+                    <a:p>
+                      <a:endParaRPr lang="en-US" dirty="0"/>
+                    </a:p>
+                  </a:txBody>
+                  <a:tcPr>
+                    <a:lnL w="6350" cap="flat" cmpd="sng" algn="ctr">
+                      <a:solidFill>
+                        <a:schemeClr val="accent2">
+                          <a:lumMod val="75000"/>
+                        </a:schemeClr>
+                      </a:solidFill>
+                      <a:prstDash val="solid"/>
+                      <a:round/>
+                      <a:headEnd type="none" w="med" len="med"/>
+                      <a:tailEnd type="none" w="med" len="med"/>
+                    </a:lnL>
+                    <a:lnR w="6350" cap="flat" cmpd="sng" algn="ctr">
+                      <a:solidFill>
+                        <a:schemeClr val="accent2">
+                          <a:lumMod val="75000"/>
+                        </a:schemeClr>
+                      </a:solidFill>
+                      <a:prstDash val="solid"/>
+                      <a:round/>
+                      <a:headEnd type="none" w="med" len="med"/>
+                      <a:tailEnd type="none" w="med" len="med"/>
+                    </a:lnR>
+                    <a:lnT w="6350" cap="flat" cmpd="sng" algn="ctr">
+                      <a:solidFill>
+                        <a:schemeClr val="accent2">
+                          <a:lumMod val="75000"/>
+                        </a:schemeClr>
+                      </a:solidFill>
+                      <a:prstDash val="solid"/>
+                      <a:round/>
+                      <a:headEnd type="none" w="med" len="med"/>
+                      <a:tailEnd type="none" w="med" len="med"/>
+                    </a:lnT>
+                    <a:lnB w="57150" cap="flat" cmpd="sng" algn="ctr">
+                      <a:solidFill>
+                        <a:schemeClr val="accent2">
+                          <a:lumMod val="75000"/>
+                        </a:schemeClr>
+                      </a:solidFill>
+                      <a:prstDash val="solid"/>
+                      <a:round/>
+                      <a:headEnd type="none" w="med" len="med"/>
+                      <a:tailEnd type="none" w="med" len="med"/>
+                    </a:lnB>
+                    <a:solidFill>
+                      <a:schemeClr val="bg1"/>
+                    </a:solidFill>
+                  </a:tcPr>
+                </a:tc>
+                <a:tc>
+                  <a:txBody>
+                    <a:bodyPr/>
+                    <a:lstStyle/>
+                    <a:p>
+                      <a:endParaRPr lang="en-US" dirty="0"/>
+                    </a:p>
+                  </a:txBody>
+                  <a:tcPr>
+                    <a:lnL w="6350" cap="flat" cmpd="sng" algn="ctr">
+                      <a:solidFill>
+                        <a:schemeClr val="accent2">
+                          <a:lumMod val="75000"/>
+                        </a:schemeClr>
+                      </a:solidFill>
+                      <a:prstDash val="solid"/>
+                      <a:round/>
+                      <a:headEnd type="none" w="med" len="med"/>
+                      <a:tailEnd type="none" w="med" len="med"/>
+                    </a:lnL>
+                    <a:lnR w="57150" cap="flat" cmpd="sng" algn="ctr">
+                      <a:solidFill>
+                        <a:schemeClr val="accent2">
+                          <a:lumMod val="75000"/>
+                        </a:schemeClr>
+                      </a:solidFill>
+                      <a:prstDash val="solid"/>
+                      <a:round/>
+                      <a:headEnd type="none" w="med" len="med"/>
+                      <a:tailEnd type="none" w="med" len="med"/>
+                    </a:lnR>
+                    <a:lnT w="6350" cap="flat" cmpd="sng" algn="ctr">
+                      <a:solidFill>
+                        <a:schemeClr val="accent2">
+                          <a:lumMod val="75000"/>
+                        </a:schemeClr>
+                      </a:solidFill>
+                      <a:prstDash val="solid"/>
+                      <a:round/>
+                      <a:headEnd type="none" w="med" len="med"/>
+                      <a:tailEnd type="none" w="med" len="med"/>
+                    </a:lnT>
+                    <a:lnB w="57150" cap="flat" cmpd="sng" algn="ctr">
+                      <a:solidFill>
+                        <a:schemeClr val="accent2">
+                          <a:lumMod val="75000"/>
+                        </a:schemeClr>
+                      </a:solidFill>
+                      <a:prstDash val="solid"/>
+                      <a:round/>
+                      <a:headEnd type="none" w="med" len="med"/>
+                      <a:tailEnd type="none" w="med" len="med"/>
+                    </a:lnB>
+                    <a:solidFill>
+                      <a:schemeClr val="bg1"/>
+                    </a:solidFill>
+                  </a:tcPr>
+                </a:tc>
+                <a:extLst>
+                  <a:ext uri="{0D108BD9-81ED-4DB2-BD59-A6C34878D82A}">
+                    <a16:rowId xmlns:a16="http://schemas.microsoft.com/office/drawing/2014/main" val="2367066107"/>
+                  </a:ext>
+                </a:extLst>
+              </a:tr>
+            </a:tbl>
+          </a:graphicData>
+        </a:graphic>
+      </p:graphicFrame>
+      <p:graphicFrame>
+        <p:nvGraphicFramePr>
+          <p:cNvPr id="7" name="Table 6"/>
+          <p:cNvGraphicFramePr>
+            <a:graphicFrameLocks noGrp="1"/>
+          </p:cNvGraphicFramePr>
+          <p:nvPr>
+            <p:extLst>
+              <p:ext uri="{D42A27DB-BD31-4B8C-83A1-F6EECF244321}">
+                <p14:modId xmlns:p14="http://schemas.microsoft.com/office/powerpoint/2010/main" val="1209390732"/>
+              </p:ext>
+            </p:extLst>
+          </p:nvPr>
+        </p:nvGraphicFramePr>
+        <p:xfrm>
+          <a:off x="6775745" y="2071050"/>
+          <a:ext cx="2160000" cy="5040000"/>
+        </p:xfrm>
+        <a:graphic>
+          <a:graphicData uri="http://schemas.openxmlformats.org/drawingml/2006/table">
+            <a:tbl>
+              <a:tblPr firstRow="1" bandRow="1">
+                <a:tableStyleId>{5940675A-B579-460E-94D1-54222C63F5DA}</a:tableStyleId>
+              </a:tblPr>
+              <a:tblGrid>
+                <a:gridCol w="720000">
+                  <a:extLst>
+                    <a:ext uri="{9D8B030D-6E8A-4147-A177-3AD203B41FA5}">
+                      <a16:colId xmlns:a16="http://schemas.microsoft.com/office/drawing/2014/main" val="2083327617"/>
+                    </a:ext>
+                  </a:extLst>
+                </a:gridCol>
+                <a:gridCol w="720000">
+                  <a:extLst>
+                    <a:ext uri="{9D8B030D-6E8A-4147-A177-3AD203B41FA5}">
+                      <a16:colId xmlns:a16="http://schemas.microsoft.com/office/drawing/2014/main" val="709160023"/>
+                    </a:ext>
+                  </a:extLst>
+                </a:gridCol>
+                <a:gridCol w="720000">
+                  <a:extLst>
+                    <a:ext uri="{9D8B030D-6E8A-4147-A177-3AD203B41FA5}">
+                      <a16:colId xmlns:a16="http://schemas.microsoft.com/office/drawing/2014/main" val="2877577952"/>
+                    </a:ext>
+                  </a:extLst>
+                </a:gridCol>
+              </a:tblGrid>
+              <a:tr h="720000">
+                <a:tc>
+                  <a:txBody>
+                    <a:bodyPr/>
+                    <a:lstStyle/>
+                    <a:p>
+                      <a:pPr marL="742950" indent="-742950">
+                        <a:buFont typeface="+mj-lt"/>
+                        <a:buAutoNum type="arabicPeriod"/>
+                      </a:pPr>
+                      <a:endParaRPr lang="en-US" dirty="0"/>
+                    </a:p>
+                  </a:txBody>
+                  <a:tcPr>
+                    <a:lnL w="57150" cap="flat" cmpd="sng" algn="ctr">
+                      <a:solidFill>
+                        <a:schemeClr val="accent1">
+                          <a:lumMod val="75000"/>
+                        </a:schemeClr>
+                      </a:solidFill>
+                      <a:prstDash val="solid"/>
+                      <a:round/>
+                      <a:headEnd type="none" w="med" len="med"/>
+                      <a:tailEnd type="none" w="med" len="med"/>
+                    </a:lnL>
+                    <a:lnR w="6350" cap="flat" cmpd="sng" algn="ctr">
+                      <a:solidFill>
+                        <a:schemeClr val="accent1">
+                          <a:lumMod val="75000"/>
+                        </a:schemeClr>
+                      </a:solidFill>
+                      <a:prstDash val="solid"/>
+                      <a:round/>
+                      <a:headEnd type="none" w="med" len="med"/>
+                      <a:tailEnd type="none" w="med" len="med"/>
+                    </a:lnR>
+                    <a:lnT w="57150" cap="flat" cmpd="sng" algn="ctr">
+                      <a:solidFill>
+                        <a:schemeClr val="accent1">
+                          <a:lumMod val="75000"/>
+                        </a:schemeClr>
+                      </a:solidFill>
+                      <a:prstDash val="solid"/>
+                      <a:round/>
+                      <a:headEnd type="none" w="med" len="med"/>
+                      <a:tailEnd type="none" w="med" len="med"/>
+                    </a:lnT>
+                    <a:lnB w="6350" cap="flat" cmpd="sng" algn="ctr">
+                      <a:solidFill>
+                        <a:schemeClr val="accent1">
+                          <a:lumMod val="75000"/>
+                        </a:schemeClr>
+                      </a:solidFill>
+                      <a:prstDash val="solid"/>
+                      <a:round/>
+                      <a:headEnd type="none" w="med" len="med"/>
+                      <a:tailEnd type="none" w="med" len="med"/>
+                    </a:lnB>
+                    <a:solidFill>
+                      <a:srgbClr val="FFFFFF"/>
+                    </a:solidFill>
+                  </a:tcPr>
+                </a:tc>
+                <a:tc>
+                  <a:txBody>
+                    <a:bodyPr/>
+                    <a:lstStyle/>
+                    <a:p>
+                      <a:pPr marL="742950" indent="-742950">
+                        <a:buFont typeface="+mj-lt"/>
+                        <a:buAutoNum type="arabicPeriod"/>
+                      </a:pPr>
+                      <a:endParaRPr lang="en-US" dirty="0"/>
+                    </a:p>
+                  </a:txBody>
+                  <a:tcPr>
+                    <a:lnL w="6350" cap="flat" cmpd="sng" algn="ctr">
+                      <a:solidFill>
+                        <a:schemeClr val="accent1">
+                          <a:lumMod val="75000"/>
+                        </a:schemeClr>
+                      </a:solidFill>
+                      <a:prstDash val="solid"/>
+                      <a:round/>
+                      <a:headEnd type="none" w="med" len="med"/>
+                      <a:tailEnd type="none" w="med" len="med"/>
+                    </a:lnL>
+                    <a:lnR w="6350" cap="flat" cmpd="sng" algn="ctr">
+                      <a:solidFill>
+                        <a:schemeClr val="accent1">
+                          <a:lumMod val="75000"/>
+                        </a:schemeClr>
+                      </a:solidFill>
+                      <a:prstDash val="solid"/>
+                      <a:round/>
+                      <a:headEnd type="none" w="med" len="med"/>
+                      <a:tailEnd type="none" w="med" len="med"/>
+                    </a:lnR>
+                    <a:lnT w="57150" cap="flat" cmpd="sng" algn="ctr">
+                      <a:solidFill>
+                        <a:schemeClr val="accent1">
+                          <a:lumMod val="75000"/>
+                        </a:schemeClr>
+                      </a:solidFill>
+                      <a:prstDash val="solid"/>
+                      <a:round/>
+                      <a:headEnd type="none" w="med" len="med"/>
+                      <a:tailEnd type="none" w="med" len="med"/>
+                    </a:lnT>
+                    <a:lnB w="6350" cap="flat" cmpd="sng" algn="ctr">
+                      <a:solidFill>
+                        <a:schemeClr val="accent1">
+                          <a:lumMod val="75000"/>
+                        </a:schemeClr>
+                      </a:solidFill>
+                      <a:prstDash val="solid"/>
+                      <a:round/>
+                      <a:headEnd type="none" w="med" len="med"/>
+                      <a:tailEnd type="none" w="med" len="med"/>
+                    </a:lnB>
+                    <a:solidFill>
+                      <a:srgbClr val="FFFFFF"/>
+                    </a:solidFill>
+                  </a:tcPr>
+                </a:tc>
+                <a:tc>
+                  <a:txBody>
+                    <a:bodyPr/>
+                    <a:lstStyle/>
+                    <a:p>
+                      <a:pPr marL="742950" indent="-742950">
+                        <a:buFont typeface="+mj-lt"/>
+                        <a:buAutoNum type="arabicPeriod"/>
+                      </a:pPr>
+                      <a:endParaRPr lang="en-US" dirty="0"/>
+                    </a:p>
+                  </a:txBody>
+                  <a:tcPr>
+                    <a:lnL w="6350" cap="flat" cmpd="sng" algn="ctr">
+                      <a:solidFill>
+                        <a:schemeClr val="accent1">
+                          <a:lumMod val="75000"/>
+                        </a:schemeClr>
+                      </a:solidFill>
+                      <a:prstDash val="solid"/>
+                      <a:round/>
+                      <a:headEnd type="none" w="med" len="med"/>
+                      <a:tailEnd type="none" w="med" len="med"/>
+                    </a:lnL>
+                    <a:lnR w="57150" cap="flat" cmpd="sng" algn="ctr">
+                      <a:solidFill>
+                        <a:schemeClr val="accent1">
+                          <a:lumMod val="75000"/>
+                        </a:schemeClr>
+                      </a:solidFill>
+                      <a:prstDash val="solid"/>
+                      <a:round/>
+                      <a:headEnd type="none" w="med" len="med"/>
+                      <a:tailEnd type="none" w="med" len="med"/>
+                    </a:lnR>
+                    <a:lnT w="57150" cap="flat" cmpd="sng" algn="ctr">
+                      <a:solidFill>
+                        <a:schemeClr val="accent1">
+                          <a:lumMod val="75000"/>
+                        </a:schemeClr>
+                      </a:solidFill>
+                      <a:prstDash val="solid"/>
+                      <a:round/>
+                      <a:headEnd type="none" w="med" len="med"/>
+                      <a:tailEnd type="none" w="med" len="med"/>
+                    </a:lnT>
+                    <a:lnB w="6350" cap="flat" cmpd="sng" algn="ctr">
+                      <a:solidFill>
+                        <a:schemeClr val="accent1">
+                          <a:lumMod val="75000"/>
+                        </a:schemeClr>
+                      </a:solidFill>
+                      <a:prstDash val="solid"/>
+                      <a:round/>
+                      <a:headEnd type="none" w="med" len="med"/>
+                      <a:tailEnd type="none" w="med" len="med"/>
+                    </a:lnB>
+                    <a:solidFill>
+                      <a:srgbClr val="FFFFFF"/>
+                    </a:solidFill>
+                  </a:tcPr>
+                </a:tc>
+                <a:extLst>
+                  <a:ext uri="{0D108BD9-81ED-4DB2-BD59-A6C34878D82A}">
+                    <a16:rowId xmlns:a16="http://schemas.microsoft.com/office/drawing/2014/main" val="2255459210"/>
+                  </a:ext>
+                </a:extLst>
+              </a:tr>
+              <a:tr h="720000">
+                <a:tc>
+                  <a:txBody>
+                    <a:bodyPr/>
+                    <a:lstStyle/>
+                    <a:p>
+                      <a:pPr marL="742950" indent="-742950">
+                        <a:buFont typeface="+mj-lt"/>
+                        <a:buAutoNum type="arabicPeriod"/>
+                      </a:pPr>
+                      <a:endParaRPr lang="en-US" dirty="0"/>
+                    </a:p>
+                  </a:txBody>
+                  <a:tcPr>
+                    <a:lnL w="57150" cap="flat" cmpd="sng" algn="ctr">
+                      <a:solidFill>
+                        <a:schemeClr val="accent1">
+                          <a:lumMod val="75000"/>
+                        </a:schemeClr>
+                      </a:solidFill>
+                      <a:prstDash val="solid"/>
+                      <a:round/>
+                      <a:headEnd type="none" w="med" len="med"/>
+                      <a:tailEnd type="none" w="med" len="med"/>
+                    </a:lnL>
+                    <a:lnR w="6350" cap="flat" cmpd="sng" algn="ctr">
+                      <a:solidFill>
+                        <a:schemeClr val="accent1">
+                          <a:lumMod val="75000"/>
+                        </a:schemeClr>
+                      </a:solidFill>
+                      <a:prstDash val="solid"/>
+                      <a:round/>
+                      <a:headEnd type="none" w="med" len="med"/>
+                      <a:tailEnd type="none" w="med" len="med"/>
+                    </a:lnR>
+                    <a:lnT w="6350" cap="flat" cmpd="sng" algn="ctr">
+                      <a:solidFill>
+                        <a:schemeClr val="accent1">
+                          <a:lumMod val="75000"/>
+                        </a:schemeClr>
+                      </a:solidFill>
+                      <a:prstDash val="solid"/>
+                      <a:round/>
+                      <a:headEnd type="none" w="med" len="med"/>
+                      <a:tailEnd type="none" w="med" len="med"/>
+                    </a:lnT>
+                    <a:lnB w="6350" cap="flat" cmpd="sng" algn="ctr">
+                      <a:solidFill>
+                        <a:schemeClr val="accent1">
+                          <a:lumMod val="75000"/>
+                        </a:schemeClr>
+                      </a:solidFill>
+                      <a:prstDash val="solid"/>
+                      <a:round/>
+                      <a:headEnd type="none" w="med" len="med"/>
+                      <a:tailEnd type="none" w="med" len="med"/>
+                    </a:lnB>
+                    <a:solidFill>
+                      <a:srgbClr val="FFFFFF"/>
+                    </a:solidFill>
+                  </a:tcPr>
+                </a:tc>
+                <a:tc>
+                  <a:txBody>
+                    <a:bodyPr/>
+                    <a:lstStyle/>
+                    <a:p>
+                      <a:pPr marL="742950" indent="-742950">
+                        <a:buFont typeface="+mj-lt"/>
+                        <a:buAutoNum type="arabicPeriod"/>
+                      </a:pPr>
+                      <a:endParaRPr lang="en-US" dirty="0"/>
+                    </a:p>
+                  </a:txBody>
+                  <a:tcPr>
+                    <a:lnL w="6350" cap="flat" cmpd="sng" algn="ctr">
+                      <a:solidFill>
+                        <a:schemeClr val="accent1">
+                          <a:lumMod val="75000"/>
+                        </a:schemeClr>
+                      </a:solidFill>
+                      <a:prstDash val="solid"/>
+                      <a:round/>
+                      <a:headEnd type="none" w="med" len="med"/>
+                      <a:tailEnd type="none" w="med" len="med"/>
+                    </a:lnL>
+                    <a:lnR w="6350" cap="flat" cmpd="sng" algn="ctr">
+                      <a:solidFill>
+                        <a:schemeClr val="accent1">
+                          <a:lumMod val="75000"/>
+                        </a:schemeClr>
+                      </a:solidFill>
+                      <a:prstDash val="solid"/>
+                      <a:round/>
+                      <a:headEnd type="none" w="med" len="med"/>
+                      <a:tailEnd type="none" w="med" len="med"/>
+                    </a:lnR>
+                    <a:lnT w="6350" cap="flat" cmpd="sng" algn="ctr">
+                      <a:solidFill>
+                        <a:schemeClr val="accent1">
+                          <a:lumMod val="75000"/>
+                        </a:schemeClr>
+                      </a:solidFill>
+                      <a:prstDash val="solid"/>
+                      <a:round/>
+                      <a:headEnd type="none" w="med" len="med"/>
+                      <a:tailEnd type="none" w="med" len="med"/>
+                    </a:lnT>
+                    <a:lnB w="6350" cap="flat" cmpd="sng" algn="ctr">
+                      <a:solidFill>
+                        <a:schemeClr val="accent1">
+                          <a:lumMod val="75000"/>
+                        </a:schemeClr>
+                      </a:solidFill>
+                      <a:prstDash val="solid"/>
+                      <a:round/>
+                      <a:headEnd type="none" w="med" len="med"/>
+                      <a:tailEnd type="none" w="med" len="med"/>
+                    </a:lnB>
+                    <a:solidFill>
+                      <a:srgbClr val="FFFFFF"/>
+                    </a:solidFill>
+                  </a:tcPr>
+                </a:tc>
+                <a:tc>
+                  <a:txBody>
+                    <a:bodyPr/>
+                    <a:lstStyle/>
+                    <a:p>
+                      <a:pPr marL="742950" indent="-742950">
+                        <a:buFont typeface="+mj-lt"/>
+                        <a:buAutoNum type="arabicPeriod"/>
+                      </a:pPr>
+                      <a:endParaRPr lang="en-US" dirty="0"/>
+                    </a:p>
+                  </a:txBody>
+                  <a:tcPr>
+                    <a:lnL w="6350" cap="flat" cmpd="sng" algn="ctr">
+                      <a:solidFill>
+                        <a:schemeClr val="accent1">
+                          <a:lumMod val="75000"/>
+                        </a:schemeClr>
+                      </a:solidFill>
+                      <a:prstDash val="solid"/>
+                      <a:round/>
+                      <a:headEnd type="none" w="med" len="med"/>
+                      <a:tailEnd type="none" w="med" len="med"/>
+                    </a:lnL>
+                    <a:lnR w="57150" cap="flat" cmpd="sng" algn="ctr">
+                      <a:solidFill>
+                        <a:schemeClr val="accent1">
+                          <a:lumMod val="75000"/>
+                        </a:schemeClr>
+                      </a:solidFill>
+                      <a:prstDash val="solid"/>
+                      <a:round/>
+                      <a:headEnd type="none" w="med" len="med"/>
+                      <a:tailEnd type="none" w="med" len="med"/>
+                    </a:lnR>
+                    <a:lnT w="6350" cap="flat" cmpd="sng" algn="ctr">
+                      <a:solidFill>
+                        <a:schemeClr val="accent1">
+                          <a:lumMod val="75000"/>
+                        </a:schemeClr>
+                      </a:solidFill>
+                      <a:prstDash val="solid"/>
+                      <a:round/>
+                      <a:headEnd type="none" w="med" len="med"/>
+                      <a:tailEnd type="none" w="med" len="med"/>
+                    </a:lnT>
+                    <a:lnB w="6350" cap="flat" cmpd="sng" algn="ctr">
+                      <a:solidFill>
+                        <a:schemeClr val="accent1">
+                          <a:lumMod val="75000"/>
+                        </a:schemeClr>
+                      </a:solidFill>
+                      <a:prstDash val="solid"/>
+                      <a:round/>
+                      <a:headEnd type="none" w="med" len="med"/>
+                      <a:tailEnd type="none" w="med" len="med"/>
+                    </a:lnB>
+                    <a:solidFill>
+                      <a:srgbClr val="FFFFFF"/>
+                    </a:solidFill>
+                  </a:tcPr>
+                </a:tc>
+                <a:extLst>
+                  <a:ext uri="{0D108BD9-81ED-4DB2-BD59-A6C34878D82A}">
+                    <a16:rowId xmlns:a16="http://schemas.microsoft.com/office/drawing/2014/main" val="3398140794"/>
+                  </a:ext>
+                </a:extLst>
+              </a:tr>
+              <a:tr h="720000">
+                <a:tc>
+                  <a:txBody>
+                    <a:bodyPr/>
+                    <a:lstStyle/>
+                    <a:p>
+                      <a:pPr marL="742950" indent="-742950">
+                        <a:buFont typeface="+mj-lt"/>
+                        <a:buAutoNum type="arabicPeriod"/>
+                      </a:pPr>
+                      <a:endParaRPr lang="en-US" dirty="0"/>
+                    </a:p>
+                  </a:txBody>
+                  <a:tcPr>
+                    <a:lnL w="57150" cap="flat" cmpd="sng" algn="ctr">
+                      <a:solidFill>
+                        <a:schemeClr val="accent1">
+                          <a:lumMod val="75000"/>
+                        </a:schemeClr>
+                      </a:solidFill>
+                      <a:prstDash val="solid"/>
+                      <a:round/>
+                      <a:headEnd type="none" w="med" len="med"/>
+                      <a:tailEnd type="none" w="med" len="med"/>
+                    </a:lnL>
+                    <a:lnR w="6350" cap="flat" cmpd="sng" algn="ctr">
+                      <a:solidFill>
+                        <a:schemeClr val="accent1">
+                          <a:lumMod val="75000"/>
+                        </a:schemeClr>
+                      </a:solidFill>
+                      <a:prstDash val="solid"/>
+                      <a:round/>
+                      <a:headEnd type="none" w="med" len="med"/>
+                      <a:tailEnd type="none" w="med" len="med"/>
+                    </a:lnR>
+                    <a:lnT w="6350" cap="flat" cmpd="sng" algn="ctr">
+                      <a:solidFill>
+                        <a:schemeClr val="accent1">
+                          <a:lumMod val="75000"/>
+                        </a:schemeClr>
+                      </a:solidFill>
+                      <a:prstDash val="solid"/>
+                      <a:round/>
+                      <a:headEnd type="none" w="med" len="med"/>
+                      <a:tailEnd type="none" w="med" len="med"/>
+                    </a:lnT>
+                    <a:lnB w="6350" cap="flat" cmpd="sng" algn="ctr">
+                      <a:solidFill>
+                        <a:schemeClr val="accent1">
+                          <a:lumMod val="75000"/>
+                        </a:schemeClr>
+                      </a:solidFill>
+                      <a:prstDash val="solid"/>
+                      <a:round/>
+                      <a:headEnd type="none" w="med" len="med"/>
+                      <a:tailEnd type="none" w="med" len="med"/>
+                    </a:lnB>
+                    <a:solidFill>
+                      <a:srgbClr val="FFFFFF"/>
+                    </a:solidFill>
+                  </a:tcPr>
+                </a:tc>
+                <a:tc>
+                  <a:txBody>
+                    <a:bodyPr/>
+                    <a:lstStyle/>
+                    <a:p>
+                      <a:pPr marL="742950" indent="-742950">
+                        <a:buFont typeface="+mj-lt"/>
+                        <a:buAutoNum type="arabicPeriod"/>
+                      </a:pPr>
+                      <a:endParaRPr lang="en-US" dirty="0"/>
+                    </a:p>
+                  </a:txBody>
+                  <a:tcPr>
+                    <a:lnL w="6350" cap="flat" cmpd="sng" algn="ctr">
+                      <a:solidFill>
+                        <a:schemeClr val="accent1">
+                          <a:lumMod val="75000"/>
+                        </a:schemeClr>
+                      </a:solidFill>
+                      <a:prstDash val="solid"/>
+                      <a:round/>
+                      <a:headEnd type="none" w="med" len="med"/>
+                      <a:tailEnd type="none" w="med" len="med"/>
+                    </a:lnL>
+                    <a:lnR w="6350" cap="flat" cmpd="sng" algn="ctr">
+                      <a:solidFill>
+                        <a:schemeClr val="accent1">
+                          <a:lumMod val="75000"/>
+                        </a:schemeClr>
+                      </a:solidFill>
+                      <a:prstDash val="solid"/>
+                      <a:round/>
+                      <a:headEnd type="none" w="med" len="med"/>
+                      <a:tailEnd type="none" w="med" len="med"/>
+                    </a:lnR>
+                    <a:lnT w="6350" cap="flat" cmpd="sng" algn="ctr">
+                      <a:solidFill>
+                        <a:schemeClr val="accent1">
+                          <a:lumMod val="75000"/>
+                        </a:schemeClr>
+                      </a:solidFill>
+                      <a:prstDash val="solid"/>
+                      <a:round/>
+                      <a:headEnd type="none" w="med" len="med"/>
+                      <a:tailEnd type="none" w="med" len="med"/>
+                    </a:lnT>
+                    <a:lnB w="6350" cap="flat" cmpd="sng" algn="ctr">
+                      <a:solidFill>
+                        <a:schemeClr val="accent1">
+                          <a:lumMod val="75000"/>
+                        </a:schemeClr>
+                      </a:solidFill>
+                      <a:prstDash val="solid"/>
+                      <a:round/>
+                      <a:headEnd type="none" w="med" len="med"/>
+                      <a:tailEnd type="none" w="med" len="med"/>
+                    </a:lnB>
+                    <a:solidFill>
+                      <a:srgbClr val="FFFFFF"/>
+                    </a:solidFill>
+                  </a:tcPr>
+                </a:tc>
+                <a:tc>
+                  <a:txBody>
+                    <a:bodyPr/>
+                    <a:lstStyle/>
+                    <a:p>
+                      <a:pPr marL="742950" indent="-742950">
+                        <a:buFont typeface="+mj-lt"/>
+                        <a:buAutoNum type="arabicPeriod"/>
+                      </a:pPr>
+                      <a:endParaRPr lang="en-US" dirty="0"/>
+                    </a:p>
+                  </a:txBody>
+                  <a:tcPr>
+                    <a:lnL w="6350" cap="flat" cmpd="sng" algn="ctr">
+                      <a:solidFill>
+                        <a:schemeClr val="accent1">
+                          <a:lumMod val="75000"/>
+                        </a:schemeClr>
+                      </a:solidFill>
+                      <a:prstDash val="solid"/>
+                      <a:round/>
+                      <a:headEnd type="none" w="med" len="med"/>
+                      <a:tailEnd type="none" w="med" len="med"/>
+                    </a:lnL>
+                    <a:lnR w="57150" cap="flat" cmpd="sng" algn="ctr">
+                      <a:solidFill>
+                        <a:schemeClr val="accent1">
+                          <a:lumMod val="75000"/>
+                        </a:schemeClr>
+                      </a:solidFill>
+                      <a:prstDash val="solid"/>
+                      <a:round/>
+                      <a:headEnd type="none" w="med" len="med"/>
+                      <a:tailEnd type="none" w="med" len="med"/>
+                    </a:lnR>
+                    <a:lnT w="6350" cap="flat" cmpd="sng" algn="ctr">
+                      <a:solidFill>
+                        <a:schemeClr val="accent1">
+                          <a:lumMod val="75000"/>
+                        </a:schemeClr>
+                      </a:solidFill>
+                      <a:prstDash val="solid"/>
+                      <a:round/>
+                      <a:headEnd type="none" w="med" len="med"/>
+                      <a:tailEnd type="none" w="med" len="med"/>
+                    </a:lnT>
+                    <a:lnB w="6350" cap="flat" cmpd="sng" algn="ctr">
+                      <a:solidFill>
+                        <a:schemeClr val="accent1">
+                          <a:lumMod val="75000"/>
+                        </a:schemeClr>
+                      </a:solidFill>
+                      <a:prstDash val="solid"/>
+                      <a:round/>
+                      <a:headEnd type="none" w="med" len="med"/>
+                      <a:tailEnd type="none" w="med" len="med"/>
+                    </a:lnB>
+                    <a:solidFill>
+                      <a:srgbClr val="FFFFFF"/>
+                    </a:solidFill>
+                  </a:tcPr>
+                </a:tc>
+                <a:extLst>
+                  <a:ext uri="{0D108BD9-81ED-4DB2-BD59-A6C34878D82A}">
+                    <a16:rowId xmlns:a16="http://schemas.microsoft.com/office/drawing/2014/main" val="4004784563"/>
+                  </a:ext>
+                </a:extLst>
+              </a:tr>
+              <a:tr h="720000">
+                <a:tc>
+                  <a:txBody>
+                    <a:bodyPr/>
+                    <a:lstStyle/>
+                    <a:p>
+                      <a:pPr marL="742950" indent="-742950">
+                        <a:buFont typeface="+mj-lt"/>
+                        <a:buAutoNum type="arabicPeriod"/>
+                      </a:pPr>
+                      <a:endParaRPr lang="en-US" dirty="0"/>
+                    </a:p>
+                  </a:txBody>
+                  <a:tcPr>
+                    <a:lnL w="57150" cap="flat" cmpd="sng" algn="ctr">
+                      <a:solidFill>
+                        <a:schemeClr val="accent1">
+                          <a:lumMod val="75000"/>
+                        </a:schemeClr>
+                      </a:solidFill>
+                      <a:prstDash val="solid"/>
+                      <a:round/>
+                      <a:headEnd type="none" w="med" len="med"/>
+                      <a:tailEnd type="none" w="med" len="med"/>
+                    </a:lnL>
+                    <a:lnR w="6350" cap="flat" cmpd="sng" algn="ctr">
+                      <a:solidFill>
+                        <a:schemeClr val="accent1">
+                          <a:lumMod val="75000"/>
+                        </a:schemeClr>
+                      </a:solidFill>
+                      <a:prstDash val="solid"/>
+                      <a:round/>
+                      <a:headEnd type="none" w="med" len="med"/>
+                      <a:tailEnd type="none" w="med" len="med"/>
+                    </a:lnR>
+                    <a:lnT w="6350" cap="flat" cmpd="sng" algn="ctr">
+                      <a:solidFill>
+                        <a:schemeClr val="accent1">
+                          <a:lumMod val="75000"/>
+                        </a:schemeClr>
+                      </a:solidFill>
+                      <a:prstDash val="solid"/>
+                      <a:round/>
+                      <a:headEnd type="none" w="med" len="med"/>
+                      <a:tailEnd type="none" w="med" len="med"/>
+                    </a:lnT>
+                    <a:lnB w="6350" cap="flat" cmpd="sng" algn="ctr">
+                      <a:solidFill>
+                        <a:schemeClr val="accent1">
+                          <a:lumMod val="75000"/>
+                        </a:schemeClr>
+                      </a:solidFill>
+                      <a:prstDash val="solid"/>
+                      <a:round/>
+                      <a:headEnd type="none" w="med" len="med"/>
+                      <a:tailEnd type="none" w="med" len="med"/>
+                    </a:lnB>
+                    <a:solidFill>
+                      <a:srgbClr val="FFFFFF"/>
+                    </a:solidFill>
+                  </a:tcPr>
+                </a:tc>
+                <a:tc>
+                  <a:txBody>
+                    <a:bodyPr/>
+                    <a:lstStyle/>
+                    <a:p>
+                      <a:pPr marL="742950" indent="-742950">
+                        <a:buFont typeface="+mj-lt"/>
+                        <a:buAutoNum type="arabicPeriod"/>
+                      </a:pPr>
+                      <a:endParaRPr lang="en-US" dirty="0"/>
+                    </a:p>
+                  </a:txBody>
+                  <a:tcPr>
+                    <a:lnL w="6350" cap="flat" cmpd="sng" algn="ctr">
+                      <a:solidFill>
+                        <a:schemeClr val="accent1">
+                          <a:lumMod val="75000"/>
+                        </a:schemeClr>
+                      </a:solidFill>
+                      <a:prstDash val="solid"/>
+                      <a:round/>
+                      <a:headEnd type="none" w="med" len="med"/>
+                      <a:tailEnd type="none" w="med" len="med"/>
+                    </a:lnL>
+                    <a:lnR w="6350" cap="flat" cmpd="sng" algn="ctr">
+                      <a:solidFill>
+                        <a:schemeClr val="accent1">
+                          <a:lumMod val="75000"/>
+                        </a:schemeClr>
+                      </a:solidFill>
+                      <a:prstDash val="solid"/>
+                      <a:round/>
+                      <a:headEnd type="none" w="med" len="med"/>
+                      <a:tailEnd type="none" w="med" len="med"/>
+                    </a:lnR>
+                    <a:lnT w="6350" cap="flat" cmpd="sng" algn="ctr">
+                      <a:solidFill>
+                        <a:schemeClr val="accent1">
+                          <a:lumMod val="75000"/>
+                        </a:schemeClr>
+                      </a:solidFill>
+                      <a:prstDash val="solid"/>
+                      <a:round/>
+                      <a:headEnd type="none" w="med" len="med"/>
+                      <a:tailEnd type="none" w="med" len="med"/>
+                    </a:lnT>
+                    <a:lnB w="6350" cap="flat" cmpd="sng" algn="ctr">
+                      <a:solidFill>
+                        <a:schemeClr val="accent1">
+                          <a:lumMod val="75000"/>
+                        </a:schemeClr>
+                      </a:solidFill>
+                      <a:prstDash val="solid"/>
+                      <a:round/>
+                      <a:headEnd type="none" w="med" len="med"/>
+                      <a:tailEnd type="none" w="med" len="med"/>
+                    </a:lnB>
+                    <a:solidFill>
+                      <a:srgbClr val="FFFFFF"/>
+                    </a:solidFill>
+                  </a:tcPr>
+                </a:tc>
+                <a:tc>
+                  <a:txBody>
+                    <a:bodyPr/>
+                    <a:lstStyle/>
+                    <a:p>
+                      <a:pPr marL="742950" indent="-742950">
+                        <a:buFont typeface="+mj-lt"/>
+                        <a:buAutoNum type="arabicPeriod"/>
+                      </a:pPr>
+                      <a:endParaRPr lang="en-US" dirty="0"/>
+                    </a:p>
+                  </a:txBody>
+                  <a:tcPr>
+                    <a:lnL w="6350" cap="flat" cmpd="sng" algn="ctr">
+                      <a:solidFill>
+                        <a:schemeClr val="accent1">
+                          <a:lumMod val="75000"/>
+                        </a:schemeClr>
+                      </a:solidFill>
+                      <a:prstDash val="solid"/>
+                      <a:round/>
+                      <a:headEnd type="none" w="med" len="med"/>
+                      <a:tailEnd type="none" w="med" len="med"/>
+                    </a:lnL>
+                    <a:lnR w="57150" cap="flat" cmpd="sng" algn="ctr">
+                      <a:solidFill>
+                        <a:schemeClr val="accent1">
+                          <a:lumMod val="75000"/>
+                        </a:schemeClr>
+                      </a:solidFill>
+                      <a:prstDash val="solid"/>
+                      <a:round/>
+                      <a:headEnd type="none" w="med" len="med"/>
+                      <a:tailEnd type="none" w="med" len="med"/>
+                    </a:lnR>
+                    <a:lnT w="6350" cap="flat" cmpd="sng" algn="ctr">
+                      <a:solidFill>
+                        <a:schemeClr val="accent1">
+                          <a:lumMod val="75000"/>
+                        </a:schemeClr>
+                      </a:solidFill>
+                      <a:prstDash val="solid"/>
+                      <a:round/>
+                      <a:headEnd type="none" w="med" len="med"/>
+                      <a:tailEnd type="none" w="med" len="med"/>
+                    </a:lnT>
+                    <a:lnB w="6350" cap="flat" cmpd="sng" algn="ctr">
+                      <a:solidFill>
+                        <a:schemeClr val="accent1">
+                          <a:lumMod val="75000"/>
+                        </a:schemeClr>
+                      </a:solidFill>
+                      <a:prstDash val="solid"/>
+                      <a:round/>
+                      <a:headEnd type="none" w="med" len="med"/>
+                      <a:tailEnd type="none" w="med" len="med"/>
+                    </a:lnB>
+                    <a:solidFill>
+                      <a:srgbClr val="FFFFFF"/>
+                    </a:solidFill>
+                  </a:tcPr>
+                </a:tc>
+                <a:extLst>
+                  <a:ext uri="{0D108BD9-81ED-4DB2-BD59-A6C34878D82A}">
+                    <a16:rowId xmlns:a16="http://schemas.microsoft.com/office/drawing/2014/main" val="2303633858"/>
+                  </a:ext>
+                </a:extLst>
+              </a:tr>
+              <a:tr h="720000">
+                <a:tc>
+                  <a:txBody>
+                    <a:bodyPr/>
+                    <a:lstStyle/>
+                    <a:p>
+                      <a:pPr marL="742950" indent="-742950">
+                        <a:buFont typeface="+mj-lt"/>
+                        <a:buAutoNum type="arabicPeriod"/>
+                      </a:pPr>
+                      <a:endParaRPr lang="en-US"/>
+                    </a:p>
+                  </a:txBody>
+                  <a:tcPr>
+                    <a:lnL w="57150" cap="flat" cmpd="sng" algn="ctr">
+                      <a:solidFill>
+                        <a:schemeClr val="accent1">
+                          <a:lumMod val="75000"/>
+                        </a:schemeClr>
+                      </a:solidFill>
+                      <a:prstDash val="solid"/>
+                      <a:round/>
+                      <a:headEnd type="none" w="med" len="med"/>
+                      <a:tailEnd type="none" w="med" len="med"/>
+                    </a:lnL>
+                    <a:lnR w="6350" cap="flat" cmpd="sng" algn="ctr">
+                      <a:solidFill>
+                        <a:schemeClr val="accent1">
+                          <a:lumMod val="75000"/>
+                        </a:schemeClr>
+                      </a:solidFill>
+                      <a:prstDash val="solid"/>
+                      <a:round/>
+                      <a:headEnd type="none" w="med" len="med"/>
+                      <a:tailEnd type="none" w="med" len="med"/>
+                    </a:lnR>
+                    <a:lnT w="6350" cap="flat" cmpd="sng" algn="ctr">
+                      <a:solidFill>
+                        <a:schemeClr val="accent1">
+                          <a:lumMod val="75000"/>
+                        </a:schemeClr>
+                      </a:solidFill>
+                      <a:prstDash val="solid"/>
+                      <a:round/>
+                      <a:headEnd type="none" w="med" len="med"/>
+                      <a:tailEnd type="none" w="med" len="med"/>
+                    </a:lnT>
+                    <a:lnB w="6350" cap="flat" cmpd="sng" algn="ctr">
+                      <a:solidFill>
+                        <a:schemeClr val="accent1">
+                          <a:lumMod val="75000"/>
+                        </a:schemeClr>
+                      </a:solidFill>
+                      <a:prstDash val="solid"/>
+                      <a:round/>
+                      <a:headEnd type="none" w="med" len="med"/>
+                      <a:tailEnd type="none" w="med" len="med"/>
+                    </a:lnB>
+                    <a:solidFill>
+                      <a:srgbClr val="FFFFFF"/>
+                    </a:solidFill>
+                  </a:tcPr>
+                </a:tc>
+                <a:tc>
+                  <a:txBody>
+                    <a:bodyPr/>
+                    <a:lstStyle/>
+                    <a:p>
+                      <a:pPr marL="742950" indent="-742950">
+                        <a:buFont typeface="+mj-lt"/>
+                        <a:buAutoNum type="arabicPeriod"/>
+                      </a:pPr>
+                      <a:endParaRPr lang="en-US" dirty="0"/>
+                    </a:p>
+                  </a:txBody>
+                  <a:tcPr>
+                    <a:lnL w="6350" cap="flat" cmpd="sng" algn="ctr">
+                      <a:solidFill>
+                        <a:schemeClr val="accent1">
+                          <a:lumMod val="75000"/>
+                        </a:schemeClr>
+                      </a:solidFill>
+                      <a:prstDash val="solid"/>
+                      <a:round/>
+                      <a:headEnd type="none" w="med" len="med"/>
+                      <a:tailEnd type="none" w="med" len="med"/>
+                    </a:lnL>
+                    <a:lnR w="6350" cap="flat" cmpd="sng" algn="ctr">
+                      <a:solidFill>
+                        <a:schemeClr val="accent1">
+                          <a:lumMod val="75000"/>
+                        </a:schemeClr>
+                      </a:solidFill>
+                      <a:prstDash val="solid"/>
+                      <a:round/>
+                      <a:headEnd type="none" w="med" len="med"/>
+                      <a:tailEnd type="none" w="med" len="med"/>
+                    </a:lnR>
+                    <a:lnT w="6350" cap="flat" cmpd="sng" algn="ctr">
+                      <a:solidFill>
+                        <a:schemeClr val="accent1">
+                          <a:lumMod val="75000"/>
+                        </a:schemeClr>
+                      </a:solidFill>
+                      <a:prstDash val="solid"/>
+                      <a:round/>
+                      <a:headEnd type="none" w="med" len="med"/>
+                      <a:tailEnd type="none" w="med" len="med"/>
+                    </a:lnT>
+                    <a:lnB w="6350" cap="flat" cmpd="sng" algn="ctr">
+                      <a:solidFill>
+                        <a:schemeClr val="accent1">
+                          <a:lumMod val="75000"/>
+                        </a:schemeClr>
+                      </a:solidFill>
+                      <a:prstDash val="solid"/>
+                      <a:round/>
+                      <a:headEnd type="none" w="med" len="med"/>
+                      <a:tailEnd type="none" w="med" len="med"/>
+                    </a:lnB>
+                    <a:solidFill>
+                      <a:srgbClr val="FFFFFF"/>
+                    </a:solidFill>
+                  </a:tcPr>
+                </a:tc>
+                <a:tc>
+                  <a:txBody>
+                    <a:bodyPr/>
+                    <a:lstStyle/>
+                    <a:p>
+                      <a:pPr marL="742950" indent="-742950">
+                        <a:buFont typeface="+mj-lt"/>
+                        <a:buAutoNum type="arabicPeriod"/>
+                      </a:pPr>
+                      <a:endParaRPr lang="en-US" dirty="0"/>
+                    </a:p>
+                  </a:txBody>
+                  <a:tcPr>
+                    <a:lnL w="6350" cap="flat" cmpd="sng" algn="ctr">
+                      <a:solidFill>
+                        <a:schemeClr val="accent1">
+                          <a:lumMod val="75000"/>
+                        </a:schemeClr>
+                      </a:solidFill>
+                      <a:prstDash val="solid"/>
+                      <a:round/>
+                      <a:headEnd type="none" w="med" len="med"/>
+                      <a:tailEnd type="none" w="med" len="med"/>
+                    </a:lnL>
+                    <a:lnR w="57150" cap="flat" cmpd="sng" algn="ctr">
+                      <a:solidFill>
+                        <a:schemeClr val="accent1">
+                          <a:lumMod val="75000"/>
+                        </a:schemeClr>
+                      </a:solidFill>
+                      <a:prstDash val="solid"/>
+                      <a:round/>
+                      <a:headEnd type="none" w="med" len="med"/>
+                      <a:tailEnd type="none" w="med" len="med"/>
+                    </a:lnR>
+                    <a:lnT w="6350" cap="flat" cmpd="sng" algn="ctr">
+                      <a:solidFill>
+                        <a:schemeClr val="accent1">
+                          <a:lumMod val="75000"/>
+                        </a:schemeClr>
+                      </a:solidFill>
+                      <a:prstDash val="solid"/>
+                      <a:round/>
+                      <a:headEnd type="none" w="med" len="med"/>
+                      <a:tailEnd type="none" w="med" len="med"/>
+                    </a:lnT>
+                    <a:lnB w="6350" cap="flat" cmpd="sng" algn="ctr">
+                      <a:solidFill>
+                        <a:schemeClr val="accent1">
+                          <a:lumMod val="75000"/>
+                        </a:schemeClr>
+                      </a:solidFill>
+                      <a:prstDash val="solid"/>
+                      <a:round/>
+                      <a:headEnd type="none" w="med" len="med"/>
+                      <a:tailEnd type="none" w="med" len="med"/>
+                    </a:lnB>
+                    <a:solidFill>
+                      <a:srgbClr val="FFFFFF"/>
+                    </a:solidFill>
+                  </a:tcPr>
+                </a:tc>
+                <a:extLst>
+                  <a:ext uri="{0D108BD9-81ED-4DB2-BD59-A6C34878D82A}">
+                    <a16:rowId xmlns:a16="http://schemas.microsoft.com/office/drawing/2014/main" val="1339616803"/>
+                  </a:ext>
+                </a:extLst>
+              </a:tr>
+              <a:tr h="720000">
+                <a:tc>
+                  <a:txBody>
+                    <a:bodyPr/>
+                    <a:lstStyle/>
+                    <a:p>
+                      <a:pPr marL="742950" indent="-742950">
+                        <a:buFont typeface="+mj-lt"/>
+                        <a:buAutoNum type="arabicPeriod"/>
+                      </a:pPr>
+                      <a:endParaRPr lang="en-US"/>
+                    </a:p>
+                  </a:txBody>
+                  <a:tcPr>
+                    <a:lnL w="57150" cap="flat" cmpd="sng" algn="ctr">
+                      <a:solidFill>
+                        <a:schemeClr val="accent1">
+                          <a:lumMod val="75000"/>
+                        </a:schemeClr>
+                      </a:solidFill>
+                      <a:prstDash val="solid"/>
+                      <a:round/>
+                      <a:headEnd type="none" w="med" len="med"/>
+                      <a:tailEnd type="none" w="med" len="med"/>
+                    </a:lnL>
+                    <a:lnR w="6350" cap="flat" cmpd="sng" algn="ctr">
+                      <a:solidFill>
+                        <a:schemeClr val="accent1">
+                          <a:lumMod val="75000"/>
+                        </a:schemeClr>
+                      </a:solidFill>
+                      <a:prstDash val="solid"/>
+                      <a:round/>
+                      <a:headEnd type="none" w="med" len="med"/>
+                      <a:tailEnd type="none" w="med" len="med"/>
+                    </a:lnR>
+                    <a:lnT w="6350" cap="flat" cmpd="sng" algn="ctr">
+                      <a:solidFill>
+                        <a:schemeClr val="accent1">
+                          <a:lumMod val="75000"/>
+                        </a:schemeClr>
+                      </a:solidFill>
+                      <a:prstDash val="solid"/>
+                      <a:round/>
+                      <a:headEnd type="none" w="med" len="med"/>
+                      <a:tailEnd type="none" w="med" len="med"/>
+                    </a:lnT>
+                    <a:lnB w="6350" cap="flat" cmpd="sng" algn="ctr">
+                      <a:solidFill>
+                        <a:schemeClr val="accent1">
+                          <a:lumMod val="75000"/>
+                        </a:schemeClr>
+                      </a:solidFill>
+                      <a:prstDash val="solid"/>
+                      <a:round/>
+                      <a:headEnd type="none" w="med" len="med"/>
+                      <a:tailEnd type="none" w="med" len="med"/>
+                    </a:lnB>
+                    <a:solidFill>
+                      <a:srgbClr val="FFFFFF"/>
+                    </a:solidFill>
+                  </a:tcPr>
+                </a:tc>
+                <a:tc>
+                  <a:txBody>
+                    <a:bodyPr/>
+                    <a:lstStyle/>
+                    <a:p>
+                      <a:pPr marL="742950" indent="-742950">
+                        <a:buFont typeface="+mj-lt"/>
+                        <a:buAutoNum type="arabicPeriod"/>
+                      </a:pPr>
+                      <a:endParaRPr lang="en-US" dirty="0"/>
+                    </a:p>
+                  </a:txBody>
+                  <a:tcPr>
+                    <a:lnL w="6350" cap="flat" cmpd="sng" algn="ctr">
+                      <a:solidFill>
+                        <a:schemeClr val="accent1">
+                          <a:lumMod val="75000"/>
+                        </a:schemeClr>
+                      </a:solidFill>
+                      <a:prstDash val="solid"/>
+                      <a:round/>
+                      <a:headEnd type="none" w="med" len="med"/>
+                      <a:tailEnd type="none" w="med" len="med"/>
+                    </a:lnL>
+                    <a:lnR w="6350" cap="flat" cmpd="sng" algn="ctr">
+                      <a:solidFill>
+                        <a:schemeClr val="accent1">
+                          <a:lumMod val="75000"/>
+                        </a:schemeClr>
+                      </a:solidFill>
+                      <a:prstDash val="solid"/>
+                      <a:round/>
+                      <a:headEnd type="none" w="med" len="med"/>
+                      <a:tailEnd type="none" w="med" len="med"/>
+                    </a:lnR>
+                    <a:lnT w="6350" cap="flat" cmpd="sng" algn="ctr">
+                      <a:solidFill>
+                        <a:schemeClr val="accent1">
+                          <a:lumMod val="75000"/>
+                        </a:schemeClr>
+                      </a:solidFill>
+                      <a:prstDash val="solid"/>
+                      <a:round/>
+                      <a:headEnd type="none" w="med" len="med"/>
+                      <a:tailEnd type="none" w="med" len="med"/>
+                    </a:lnT>
+                    <a:lnB w="6350" cap="flat" cmpd="sng" algn="ctr">
+                      <a:solidFill>
+                        <a:schemeClr val="accent1">
+                          <a:lumMod val="75000"/>
+                        </a:schemeClr>
+                      </a:solidFill>
+                      <a:prstDash val="solid"/>
+                      <a:round/>
+                      <a:headEnd type="none" w="med" len="med"/>
+                      <a:tailEnd type="none" w="med" len="med"/>
+                    </a:lnB>
+                    <a:solidFill>
+                      <a:srgbClr val="FFFFFF"/>
+                    </a:solidFill>
+                  </a:tcPr>
+                </a:tc>
+                <a:tc>
+                  <a:txBody>
+                    <a:bodyPr/>
+                    <a:lstStyle/>
+                    <a:p>
+                      <a:pPr marL="742950" indent="-742950">
+                        <a:buFont typeface="+mj-lt"/>
+                        <a:buAutoNum type="arabicPeriod"/>
+                      </a:pPr>
+                      <a:endParaRPr lang="en-US" dirty="0"/>
+                    </a:p>
+                  </a:txBody>
+                  <a:tcPr>
+                    <a:lnL w="6350" cap="flat" cmpd="sng" algn="ctr">
+                      <a:solidFill>
+                        <a:schemeClr val="accent1">
+                          <a:lumMod val="75000"/>
+                        </a:schemeClr>
+                      </a:solidFill>
+                      <a:prstDash val="solid"/>
+                      <a:round/>
+                      <a:headEnd type="none" w="med" len="med"/>
+                      <a:tailEnd type="none" w="med" len="med"/>
+                    </a:lnL>
+                    <a:lnR w="57150" cap="flat" cmpd="sng" algn="ctr">
+                      <a:solidFill>
+                        <a:schemeClr val="accent1">
+                          <a:lumMod val="75000"/>
+                        </a:schemeClr>
+                      </a:solidFill>
+                      <a:prstDash val="solid"/>
+                      <a:round/>
+                      <a:headEnd type="none" w="med" len="med"/>
+                      <a:tailEnd type="none" w="med" len="med"/>
+                    </a:lnR>
+                    <a:lnT w="6350" cap="flat" cmpd="sng" algn="ctr">
+                      <a:solidFill>
+                        <a:schemeClr val="accent1">
+                          <a:lumMod val="75000"/>
+                        </a:schemeClr>
+                      </a:solidFill>
+                      <a:prstDash val="solid"/>
+                      <a:round/>
+                      <a:headEnd type="none" w="med" len="med"/>
+                      <a:tailEnd type="none" w="med" len="med"/>
+                    </a:lnT>
+                    <a:lnB w="6350" cap="flat" cmpd="sng" algn="ctr">
+                      <a:solidFill>
+                        <a:schemeClr val="accent1">
+                          <a:lumMod val="75000"/>
+                        </a:schemeClr>
+                      </a:solidFill>
+                      <a:prstDash val="solid"/>
+                      <a:round/>
+                      <a:headEnd type="none" w="med" len="med"/>
+                      <a:tailEnd type="none" w="med" len="med"/>
+                    </a:lnB>
+                    <a:solidFill>
+                      <a:srgbClr val="FFFFFF"/>
+                    </a:solidFill>
+                  </a:tcPr>
+                </a:tc>
+                <a:extLst>
+                  <a:ext uri="{0D108BD9-81ED-4DB2-BD59-A6C34878D82A}">
+                    <a16:rowId xmlns:a16="http://schemas.microsoft.com/office/drawing/2014/main" val="2375821965"/>
+                  </a:ext>
+                </a:extLst>
+              </a:tr>
+              <a:tr h="720000">
+                <a:tc>
+                  <a:txBody>
+                    <a:bodyPr/>
+                    <a:lstStyle/>
+                    <a:p>
+                      <a:pPr marL="742950" indent="-742950">
+                        <a:buFont typeface="+mj-lt"/>
+                        <a:buAutoNum type="arabicPeriod"/>
+                      </a:pPr>
+                      <a:endParaRPr lang="en-US" dirty="0"/>
+                    </a:p>
+                  </a:txBody>
+                  <a:tcPr>
+                    <a:lnL w="57150" cap="flat" cmpd="sng" algn="ctr">
+                      <a:solidFill>
+                        <a:schemeClr val="accent1">
+                          <a:lumMod val="75000"/>
+                        </a:schemeClr>
+                      </a:solidFill>
+                      <a:prstDash val="solid"/>
+                      <a:round/>
+                      <a:headEnd type="none" w="med" len="med"/>
+                      <a:tailEnd type="none" w="med" len="med"/>
+                    </a:lnL>
+                    <a:lnR w="6350" cap="flat" cmpd="sng" algn="ctr">
+                      <a:solidFill>
+                        <a:schemeClr val="accent1">
+                          <a:lumMod val="75000"/>
+                        </a:schemeClr>
+                      </a:solidFill>
+                      <a:prstDash val="solid"/>
+                      <a:round/>
+                      <a:headEnd type="none" w="med" len="med"/>
+                      <a:tailEnd type="none" w="med" len="med"/>
+                    </a:lnR>
+                    <a:lnT w="6350" cap="flat" cmpd="sng" algn="ctr">
+                      <a:solidFill>
+                        <a:schemeClr val="accent1">
+                          <a:lumMod val="75000"/>
+                        </a:schemeClr>
+                      </a:solidFill>
+                      <a:prstDash val="solid"/>
+                      <a:round/>
+                      <a:headEnd type="none" w="med" len="med"/>
+                      <a:tailEnd type="none" w="med" len="med"/>
+                    </a:lnT>
+                    <a:lnB w="57150" cap="flat" cmpd="sng" algn="ctr">
+                      <a:solidFill>
+                        <a:schemeClr val="accent1">
+                          <a:lumMod val="75000"/>
+                        </a:schemeClr>
+                      </a:solidFill>
+                      <a:prstDash val="solid"/>
+                      <a:round/>
+                      <a:headEnd type="none" w="med" len="med"/>
+                      <a:tailEnd type="none" w="med" len="med"/>
+                    </a:lnB>
+                    <a:solidFill>
+                      <a:srgbClr val="FFFFFF"/>
+                    </a:solidFill>
+                  </a:tcPr>
+                </a:tc>
+                <a:tc>
+                  <a:txBody>
+                    <a:bodyPr/>
+                    <a:lstStyle/>
+                    <a:p>
+                      <a:pPr marL="742950" indent="-742950">
+                        <a:buFont typeface="+mj-lt"/>
+                        <a:buAutoNum type="arabicPeriod"/>
+                      </a:pPr>
+                      <a:endParaRPr lang="en-US" dirty="0"/>
+                    </a:p>
+                  </a:txBody>
+                  <a:tcPr>
+                    <a:lnL w="6350" cap="flat" cmpd="sng" algn="ctr">
+                      <a:solidFill>
+                        <a:schemeClr val="accent1">
+                          <a:lumMod val="75000"/>
+                        </a:schemeClr>
+                      </a:solidFill>
+                      <a:prstDash val="solid"/>
+                      <a:round/>
+                      <a:headEnd type="none" w="med" len="med"/>
+                      <a:tailEnd type="none" w="med" len="med"/>
+                    </a:lnL>
+                    <a:lnR w="6350" cap="flat" cmpd="sng" algn="ctr">
+                      <a:solidFill>
+                        <a:schemeClr val="accent1">
+                          <a:lumMod val="75000"/>
+                        </a:schemeClr>
+                      </a:solidFill>
+                      <a:prstDash val="solid"/>
+                      <a:round/>
+                      <a:headEnd type="none" w="med" len="med"/>
+                      <a:tailEnd type="none" w="med" len="med"/>
+                    </a:lnR>
+                    <a:lnT w="6350" cap="flat" cmpd="sng" algn="ctr">
+                      <a:solidFill>
+                        <a:schemeClr val="accent1">
+                          <a:lumMod val="75000"/>
+                        </a:schemeClr>
+                      </a:solidFill>
+                      <a:prstDash val="solid"/>
+                      <a:round/>
+                      <a:headEnd type="none" w="med" len="med"/>
+                      <a:tailEnd type="none" w="med" len="med"/>
+                    </a:lnT>
+                    <a:lnB w="57150" cap="flat" cmpd="sng" algn="ctr">
+                      <a:solidFill>
+                        <a:schemeClr val="accent1">
+                          <a:lumMod val="75000"/>
+                        </a:schemeClr>
+                      </a:solidFill>
+                      <a:prstDash val="solid"/>
+                      <a:round/>
+                      <a:headEnd type="none" w="med" len="med"/>
+                      <a:tailEnd type="none" w="med" len="med"/>
+                    </a:lnB>
+                    <a:solidFill>
+                      <a:srgbClr val="FFFFFF"/>
+                    </a:solidFill>
+                  </a:tcPr>
+                </a:tc>
+                <a:tc>
+                  <a:txBody>
+                    <a:bodyPr/>
+                    <a:lstStyle/>
+                    <a:p>
+                      <a:pPr marL="742950" indent="-742950">
+                        <a:buFont typeface="+mj-lt"/>
+                        <a:buAutoNum type="arabicPeriod"/>
+                      </a:pPr>
+                      <a:endParaRPr lang="en-US" dirty="0"/>
+                    </a:p>
+                  </a:txBody>
+                  <a:tcPr>
+                    <a:lnL w="6350" cap="flat" cmpd="sng" algn="ctr">
+                      <a:solidFill>
+                        <a:schemeClr val="accent1">
+                          <a:lumMod val="75000"/>
+                        </a:schemeClr>
+                      </a:solidFill>
+                      <a:prstDash val="solid"/>
+                      <a:round/>
+                      <a:headEnd type="none" w="med" len="med"/>
+                      <a:tailEnd type="none" w="med" len="med"/>
+                    </a:lnL>
+                    <a:lnR w="57150" cap="flat" cmpd="sng" algn="ctr">
+                      <a:solidFill>
+                        <a:schemeClr val="accent1">
+                          <a:lumMod val="75000"/>
+                        </a:schemeClr>
+                      </a:solidFill>
+                      <a:prstDash val="solid"/>
+                      <a:round/>
+                      <a:headEnd type="none" w="med" len="med"/>
+                      <a:tailEnd type="none" w="med" len="med"/>
+                    </a:lnR>
+                    <a:lnT w="6350" cap="flat" cmpd="sng" algn="ctr">
+                      <a:solidFill>
+                        <a:schemeClr val="accent1">
+                          <a:lumMod val="75000"/>
+                        </a:schemeClr>
+                      </a:solidFill>
+                      <a:prstDash val="solid"/>
+                      <a:round/>
+                      <a:headEnd type="none" w="med" len="med"/>
+                      <a:tailEnd type="none" w="med" len="med"/>
+                    </a:lnT>
+                    <a:lnB w="57150" cap="flat" cmpd="sng" algn="ctr">
+                      <a:solidFill>
+                        <a:schemeClr val="accent1">
+                          <a:lumMod val="75000"/>
+                        </a:schemeClr>
+                      </a:solidFill>
+                      <a:prstDash val="solid"/>
+                      <a:round/>
+                      <a:headEnd type="none" w="med" len="med"/>
+                      <a:tailEnd type="none" w="med" len="med"/>
+                    </a:lnB>
+                    <a:solidFill>
+                      <a:srgbClr val="FFFFFF"/>
+                    </a:solidFill>
+                  </a:tcPr>
+                </a:tc>
+                <a:extLst>
+                  <a:ext uri="{0D108BD9-81ED-4DB2-BD59-A6C34878D82A}">
+                    <a16:rowId xmlns:a16="http://schemas.microsoft.com/office/drawing/2014/main" val="2367066107"/>
+                  </a:ext>
+                </a:extLst>
+              </a:tr>
+            </a:tbl>
+          </a:graphicData>
+        </a:graphic>
+      </p:graphicFrame>
+      <p:graphicFrame>
+        <p:nvGraphicFramePr>
+          <p:cNvPr id="27" name="Table 26"/>
+          <p:cNvGraphicFramePr>
+            <a:graphicFrameLocks noGrp="1"/>
+          </p:cNvGraphicFramePr>
+          <p:nvPr>
+            <p:extLst>
+              <p:ext uri="{D42A27DB-BD31-4B8C-83A1-F6EECF244321}">
+                <p14:modId xmlns:p14="http://schemas.microsoft.com/office/powerpoint/2010/main" val="996606841"/>
+              </p:ext>
+            </p:extLst>
+          </p:nvPr>
+        </p:nvGraphicFramePr>
+        <p:xfrm>
+          <a:off x="11661551" y="1562100"/>
+          <a:ext cx="2160000" cy="720000"/>
+        </p:xfrm>
+        <a:graphic>
+          <a:graphicData uri="http://schemas.openxmlformats.org/drawingml/2006/table">
+            <a:tbl>
+              <a:tblPr firstRow="1" bandRow="1">
+                <a:tableStyleId>{5940675A-B579-460E-94D1-54222C63F5DA}</a:tableStyleId>
+              </a:tblPr>
+              <a:tblGrid>
+                <a:gridCol w="720000">
+                  <a:extLst>
+                    <a:ext uri="{9D8B030D-6E8A-4147-A177-3AD203B41FA5}">
+                      <a16:colId xmlns:a16="http://schemas.microsoft.com/office/drawing/2014/main" val="928436136"/>
+                    </a:ext>
+                  </a:extLst>
+                </a:gridCol>
+                <a:gridCol w="720000">
+                  <a:extLst>
+                    <a:ext uri="{9D8B030D-6E8A-4147-A177-3AD203B41FA5}">
+                      <a16:colId xmlns:a16="http://schemas.microsoft.com/office/drawing/2014/main" val="662807818"/>
+                    </a:ext>
+                  </a:extLst>
+                </a:gridCol>
+                <a:gridCol w="720000">
+                  <a:extLst>
+                    <a:ext uri="{9D8B030D-6E8A-4147-A177-3AD203B41FA5}">
+                      <a16:colId xmlns:a16="http://schemas.microsoft.com/office/drawing/2014/main" val="912559283"/>
+                    </a:ext>
+                  </a:extLst>
+                </a:gridCol>
+              </a:tblGrid>
+              <a:tr h="720000">
+                <a:tc>
+                  <a:txBody>
+                    <a:bodyPr/>
+                    <a:lstStyle/>
+                    <a:p>
+                      <a:pPr marL="742950" indent="-742950">
+                        <a:buFont typeface="+mj-lt"/>
+                        <a:buAutoNum type="arabicPeriod"/>
+                      </a:pPr>
+                      <a:endParaRPr lang="en-US" dirty="0"/>
+                    </a:p>
+                  </a:txBody>
+                  <a:tcPr>
+                    <a:lnL w="38100" cap="flat" cmpd="sng" algn="ctr">
+                      <a:solidFill>
+                        <a:schemeClr val="accent1">
+                          <a:lumMod val="75000"/>
+                        </a:schemeClr>
+                      </a:solidFill>
+                      <a:prstDash val="solid"/>
+                      <a:round/>
+                      <a:headEnd type="none" w="med" len="med"/>
+                      <a:tailEnd type="none" w="med" len="med"/>
+                    </a:lnL>
+                    <a:lnR w="6350" cap="flat" cmpd="sng" algn="ctr">
+                      <a:solidFill>
+                        <a:schemeClr val="accent1">
+                          <a:lumMod val="75000"/>
+                        </a:schemeClr>
+                      </a:solidFill>
+                      <a:prstDash val="solid"/>
+                      <a:round/>
+                      <a:headEnd type="none" w="med" len="med"/>
+                      <a:tailEnd type="none" w="med" len="med"/>
+                    </a:lnR>
+                    <a:lnT w="38100" cap="flat" cmpd="sng" algn="ctr">
+                      <a:solidFill>
+                        <a:schemeClr val="accent1">
+                          <a:lumMod val="75000"/>
+                        </a:schemeClr>
+                      </a:solidFill>
+                      <a:prstDash val="solid"/>
+                      <a:round/>
+                      <a:headEnd type="none" w="med" len="med"/>
+                      <a:tailEnd type="none" w="med" len="med"/>
+                    </a:lnT>
+                    <a:lnB w="38100" cap="flat" cmpd="sng" algn="ctr">
+                      <a:solidFill>
+                        <a:schemeClr val="accent1">
+                          <a:lumMod val="75000"/>
+                        </a:schemeClr>
+                      </a:solidFill>
+                      <a:prstDash val="solid"/>
+                      <a:round/>
+                      <a:headEnd type="none" w="med" len="med"/>
+                      <a:tailEnd type="none" w="med" len="med"/>
+                    </a:lnB>
+                    <a:solidFill>
+                      <a:srgbClr val="FFFFFF"/>
+                    </a:solidFill>
+                  </a:tcPr>
+                </a:tc>
+                <a:tc>
+                  <a:txBody>
+                    <a:bodyPr/>
+                    <a:lstStyle/>
+                    <a:p>
+                      <a:pPr marL="742950" indent="-742950">
+                        <a:buFont typeface="+mj-lt"/>
+                        <a:buAutoNum type="arabicPeriod"/>
+                      </a:pPr>
+                      <a:endParaRPr lang="en-US" dirty="0"/>
+                    </a:p>
+                  </a:txBody>
+                  <a:tcPr>
+                    <a:lnL w="6350" cap="flat" cmpd="sng" algn="ctr">
+                      <a:solidFill>
+                        <a:schemeClr val="accent1">
+                          <a:lumMod val="75000"/>
+                        </a:schemeClr>
+                      </a:solidFill>
+                      <a:prstDash val="solid"/>
+                      <a:round/>
+                      <a:headEnd type="none" w="med" len="med"/>
+                      <a:tailEnd type="none" w="med" len="med"/>
+                    </a:lnL>
+                    <a:lnR w="6350" cap="flat" cmpd="sng" algn="ctr">
+                      <a:solidFill>
+                        <a:schemeClr val="accent1">
+                          <a:lumMod val="75000"/>
+                        </a:schemeClr>
+                      </a:solidFill>
+                      <a:prstDash val="solid"/>
+                      <a:round/>
+                      <a:headEnd type="none" w="med" len="med"/>
+                      <a:tailEnd type="none" w="med" len="med"/>
+                    </a:lnR>
+                    <a:lnT w="38100" cap="flat" cmpd="sng" algn="ctr">
+                      <a:solidFill>
+                        <a:schemeClr val="accent1">
+                          <a:lumMod val="75000"/>
+                        </a:schemeClr>
+                      </a:solidFill>
+                      <a:prstDash val="solid"/>
+                      <a:round/>
+                      <a:headEnd type="none" w="med" len="med"/>
+                      <a:tailEnd type="none" w="med" len="med"/>
+                    </a:lnT>
+                    <a:lnB w="38100" cap="flat" cmpd="sng" algn="ctr">
+                      <a:solidFill>
+                        <a:schemeClr val="accent1">
+                          <a:lumMod val="75000"/>
+                        </a:schemeClr>
+                      </a:solidFill>
+                      <a:prstDash val="solid"/>
+                      <a:round/>
+                      <a:headEnd type="none" w="med" len="med"/>
+                      <a:tailEnd type="none" w="med" len="med"/>
+                    </a:lnB>
+                    <a:solidFill>
+                      <a:srgbClr val="FFFFFF"/>
+                    </a:solidFill>
+                  </a:tcPr>
+                </a:tc>
+                <a:tc>
+                  <a:txBody>
+                    <a:bodyPr/>
+                    <a:lstStyle/>
+                    <a:p>
+                      <a:pPr marL="742950" indent="-742950">
+                        <a:buFont typeface="+mj-lt"/>
+                        <a:buAutoNum type="arabicPeriod"/>
+                      </a:pPr>
+                      <a:endParaRPr lang="en-US" dirty="0"/>
+                    </a:p>
+                  </a:txBody>
+                  <a:tcPr>
+                    <a:lnL w="6350" cap="flat" cmpd="sng" algn="ctr">
+                      <a:solidFill>
+                        <a:schemeClr val="accent1">
+                          <a:lumMod val="75000"/>
+                        </a:schemeClr>
+                      </a:solidFill>
+                      <a:prstDash val="solid"/>
+                      <a:round/>
+                      <a:headEnd type="none" w="med" len="med"/>
+                      <a:tailEnd type="none" w="med" len="med"/>
+                    </a:lnL>
+                    <a:lnR w="38100" cap="flat" cmpd="sng" algn="ctr">
+                      <a:solidFill>
+                        <a:schemeClr val="accent1">
+                          <a:lumMod val="75000"/>
+                        </a:schemeClr>
+                      </a:solidFill>
+                      <a:prstDash val="solid"/>
+                      <a:round/>
+                      <a:headEnd type="none" w="med" len="med"/>
+                      <a:tailEnd type="none" w="med" len="med"/>
+                    </a:lnR>
+                    <a:lnT w="38100" cap="flat" cmpd="sng" algn="ctr">
+                      <a:solidFill>
+                        <a:schemeClr val="accent1">
+                          <a:lumMod val="75000"/>
+                        </a:schemeClr>
+                      </a:solidFill>
+                      <a:prstDash val="solid"/>
+                      <a:round/>
+                      <a:headEnd type="none" w="med" len="med"/>
+                      <a:tailEnd type="none" w="med" len="med"/>
+                    </a:lnT>
+                    <a:lnB w="38100" cap="flat" cmpd="sng" algn="ctr">
+                      <a:solidFill>
+                        <a:schemeClr val="accent1">
+                          <a:lumMod val="75000"/>
+                        </a:schemeClr>
+                      </a:solidFill>
+                      <a:prstDash val="solid"/>
+                      <a:round/>
+                      <a:headEnd type="none" w="med" len="med"/>
+                      <a:tailEnd type="none" w="med" len="med"/>
+                    </a:lnB>
+                    <a:solidFill>
+                      <a:srgbClr val="FFFFFF"/>
+                    </a:solidFill>
+                  </a:tcPr>
+                </a:tc>
+                <a:extLst>
+                  <a:ext uri="{0D108BD9-81ED-4DB2-BD59-A6C34878D82A}">
+                    <a16:rowId xmlns:a16="http://schemas.microsoft.com/office/drawing/2014/main" val="1123397075"/>
+                  </a:ext>
+                </a:extLst>
+              </a:tr>
+            </a:tbl>
+          </a:graphicData>
+        </a:graphic>
+      </p:graphicFrame>
+    </p:spTree>
+    <p:extLst>
+      <p:ext uri="{BB962C8B-B14F-4D97-AF65-F5344CB8AC3E}">
+        <p14:creationId xmlns:p14="http://schemas.microsoft.com/office/powerpoint/2010/main" val="3151051745"/>
+      </p:ext>
+    </p:extLst>
+  </p:cSld>
+  <p:clrMapOvr>
+    <a:masterClrMapping/>
+  </p:clrMapOvr>
+</p:sld>
+</file>
+
+<file path=ppt/slides/slide4.xml><?xml version="1.0" encoding="utf-8"?>
+<p:sld xmlns:a="http://schemas.openxmlformats.org/drawingml/2006/main" xmlns:r="http://schemas.openxmlformats.org/officeDocument/2006/relationships" xmlns:p="http://schemas.openxmlformats.org/presentationml/2006/main">
+  <p:cSld>
+    <p:spTree>
+      <p:nvGrpSpPr>
+        <p:cNvPr id="1" name=""/>
+        <p:cNvGrpSpPr/>
+        <p:nvPr/>
+      </p:nvGrpSpPr>
+      <p:grpSpPr>
+        <a:xfrm>
+          <a:off x="0" y="0"/>
+          <a:ext cx="0" cy="0"/>
+          <a:chOff x="0" y="0"/>
+          <a:chExt cx="0" cy="0"/>
+        </a:xfrm>
+      </p:grpSpPr>
+      <p:graphicFrame>
+        <p:nvGraphicFramePr>
           <p:cNvPr id="5" name="Table 4"/>
           <p:cNvGraphicFramePr>
             <a:graphicFrameLocks noGrp="1"/>
@@ -4654,7 +9656,7 @@
           </p:nvPr>
         </p:nvGraphicFramePr>
         <p:xfrm>
-          <a:off x="3865363" y="4765585"/>
+          <a:off x="6925269" y="4765585"/>
           <a:ext cx="1800000" cy="2933648"/>
         </p:xfrm>
         <a:graphic>
@@ -6087,7 +11089,7 @@
           </p:nvPr>
         </p:nvGraphicFramePr>
         <p:xfrm>
-          <a:off x="6563131" y="4765585"/>
+          <a:off x="9623037" y="4765585"/>
           <a:ext cx="365760" cy="2933648"/>
         </p:xfrm>
         <a:graphic>
@@ -6562,7 +11564,7 @@
           </p:nvPr>
         </p:nvGraphicFramePr>
         <p:xfrm>
-          <a:off x="6403815" y="4980837"/>
+          <a:off x="9463721" y="4980837"/>
           <a:ext cx="365760" cy="2566942"/>
         </p:xfrm>
         <a:graphic>
@@ -6991,7 +11993,7 @@
         </p:nvSpPr>
         <p:spPr>
           <a:xfrm>
-            <a:off x="5661110" y="7692438"/>
+            <a:off x="8721016" y="7692438"/>
             <a:ext cx="2945322" cy="923330"/>
           </a:xfrm>
           <a:prstGeom prst="rect">
@@ -7041,7 +12043,7 @@
         </p:nvSpPr>
         <p:spPr>
           <a:xfrm>
-            <a:off x="6762763" y="5459631"/>
+            <a:off x="9822670" y="5459632"/>
             <a:ext cx="1851237" cy="584775"/>
           </a:xfrm>
           <a:prstGeom prst="rect">
@@ -7067,8 +12069,8 @@
           </a:p>
         </p:txBody>
       </p:sp>
-      <mc:AlternateContent xmlns:mc="http://schemas.openxmlformats.org/markup-compatibility/2006" xmlns:a14="http://schemas.microsoft.com/office/drawing/2010/main">
-        <mc:Choice Requires="a14">
+      <mc:AlternateContent xmlns:mc="http://schemas.openxmlformats.org/markup-compatibility/2006">
+        <mc:Choice xmlns:a14="http://schemas.microsoft.com/office/drawing/2010/main" Requires="a14">
           <p:sp>
             <p:nvSpPr>
               <p:cNvPr id="11" name="TextBox 10"/>
@@ -7077,7 +12079,7 @@
             </p:nvSpPr>
             <p:spPr>
               <a:xfrm>
-                <a:off x="3422997" y="7701874"/>
+                <a:off x="6482903" y="7701874"/>
                 <a:ext cx="2625142" cy="696344"/>
               </a:xfrm>
               <a:prstGeom prst="rect">
@@ -7227,7 +12229,7 @@
             </p:txBody>
           </p:sp>
         </mc:Choice>
-        <mc:Fallback xmlns="">
+        <mc:Fallback>
           <p:sp>
             <p:nvSpPr>
               <p:cNvPr id="11" name="TextBox 10"/>
@@ -7238,7 +12240,7 @@
             </p:nvSpPr>
             <p:spPr>
               <a:xfrm>
-                <a:off x="3422997" y="7701874"/>
+                <a:off x="6482903" y="7701874"/>
                 <a:ext cx="2625142" cy="696344"/>
               </a:xfrm>
               <a:prstGeom prst="rect">
@@ -7274,7 +12276,7 @@
         </p:nvSpPr>
         <p:spPr>
           <a:xfrm>
-            <a:off x="2807461" y="4757593"/>
+            <a:off x="5867368" y="4757593"/>
             <a:ext cx="1168681" cy="369332"/>
           </a:xfrm>
           <a:prstGeom prst="rect">
@@ -7290,7 +12292,7 @@
           <a:p>
             <a:pPr algn="ctr"/>
             <a:r>
-              <a:rPr lang="en-US" dirty="0" smtClean="0">
+              <a:rPr lang="en-US" dirty="0">
                 <a:latin typeface="Century" panose="02040604050505020304" pitchFamily="18" charset="0"/>
               </a:rPr>
               <a:t>improve</a:t>
@@ -7309,7 +12311,7 @@
         </p:nvSpPr>
         <p:spPr>
           <a:xfrm>
-            <a:off x="2388965" y="5129860"/>
+            <a:off x="5448872" y="5129860"/>
             <a:ext cx="1587177" cy="369332"/>
           </a:xfrm>
           <a:prstGeom prst="rect">
@@ -7325,7 +12327,7 @@
           <a:p>
             <a:pPr algn="ctr"/>
             <a:r>
-              <a:rPr lang="en-US" dirty="0" smtClean="0">
+              <a:rPr lang="en-US" dirty="0">
                 <a:latin typeface="Century" panose="02040604050505020304" pitchFamily="18" charset="0"/>
               </a:rPr>
               <a:t>packer-filter</a:t>
@@ -7344,7 +12346,7 @@
         </p:nvSpPr>
         <p:spPr>
           <a:xfrm>
-            <a:off x="3086026" y="5495582"/>
+            <a:off x="6145932" y="5495582"/>
             <a:ext cx="1012122" cy="369332"/>
           </a:xfrm>
           <a:prstGeom prst="rect">
@@ -7360,7 +12362,7 @@
           <a:p>
             <a:pPr algn="ctr"/>
             <a:r>
-              <a:rPr lang="en-US" dirty="0" smtClean="0">
+              <a:rPr lang="en-US" dirty="0">
                 <a:latin typeface="Century" panose="02040604050505020304" pitchFamily="18" charset="0"/>
               </a:rPr>
               <a:t>test </a:t>
@@ -7379,7 +12381,7 @@
         </p:nvSpPr>
         <p:spPr>
           <a:xfrm>
-            <a:off x="2802775" y="5865675"/>
+            <a:off x="5862681" y="5865675"/>
             <a:ext cx="1227408" cy="369332"/>
           </a:xfrm>
           <a:prstGeom prst="rect">
@@ -7394,7 +12396,7 @@
           <a:lstStyle/>
           <a:p>
             <a:r>
-              <a:rPr lang="en-US" dirty="0" smtClean="0">
+              <a:rPr lang="en-US" dirty="0">
                 <a:latin typeface="Century" panose="02040604050505020304" pitchFamily="18" charset="0"/>
               </a:rPr>
               <a:t>coverage </a:t>
@@ -7413,7 +12415,7 @@
         </p:nvSpPr>
         <p:spPr>
           <a:xfrm>
-            <a:off x="3840247" y="5475287"/>
+            <a:off x="6900154" y="5475288"/>
             <a:ext cx="1850231" cy="1138239"/>
           </a:xfrm>
           <a:prstGeom prst="rect">
@@ -7459,7 +12461,7 @@
         </p:nvSpPr>
         <p:spPr>
           <a:xfrm>
-            <a:off x="3825564" y="6927799"/>
+            <a:off x="6885471" y="6927800"/>
             <a:ext cx="1850231" cy="773623"/>
           </a:xfrm>
           <a:prstGeom prst="rect">
@@ -7505,7 +12507,7 @@
         </p:nvCxnSpPr>
         <p:spPr>
           <a:xfrm flipV="1">
-            <a:off x="5690480" y="7375870"/>
+            <a:off x="8750386" y="7375870"/>
             <a:ext cx="923770" cy="327582"/>
           </a:xfrm>
           <a:prstGeom prst="line">
@@ -7544,7 +12546,7 @@
         </p:nvSpPr>
         <p:spPr>
           <a:xfrm>
-            <a:off x="7037482" y="5975058"/>
+            <a:off x="10097388" y="5975058"/>
             <a:ext cx="1359758" cy="507138"/>
           </a:xfrm>
           <a:prstGeom prst="rightArrow">
@@ -7597,7 +12599,7 @@
           </p:nvPr>
         </p:nvGraphicFramePr>
         <p:xfrm>
-          <a:off x="8467977" y="5659942"/>
+          <a:off x="11527883" y="5659942"/>
           <a:ext cx="365760" cy="1100118"/>
         </p:xfrm>
         <a:graphic>
@@ -7836,7 +12838,7 @@
         </p:nvSpPr>
         <p:spPr>
           <a:xfrm>
-            <a:off x="7825318" y="6751448"/>
+            <a:off x="10885224" y="6751449"/>
             <a:ext cx="1651078" cy="646331"/>
           </a:xfrm>
           <a:prstGeom prst="rect">
@@ -7870,7 +12872,7 @@
         </p:nvGrpSpPr>
         <p:grpSpPr>
           <a:xfrm>
-            <a:off x="3005651" y="5993022"/>
+            <a:off x="6065557" y="5993022"/>
             <a:ext cx="679450" cy="1869554"/>
             <a:chOff x="3247196" y="6102646"/>
             <a:chExt cx="679450" cy="1869554"/>
@@ -8107,7 +13109,7 @@
         </p:nvCxnSpPr>
         <p:spPr>
           <a:xfrm>
-            <a:off x="5687560" y="6952366"/>
+            <a:off x="8747466" y="6952367"/>
             <a:ext cx="926690" cy="423505"/>
           </a:xfrm>
           <a:prstGeom prst="line">
@@ -8153,7 +13155,7 @@
           </p:nvPr>
         </p:nvGraphicFramePr>
         <p:xfrm>
-          <a:off x="6248490" y="5131346"/>
+          <a:off x="9308396" y="5131346"/>
           <a:ext cx="365760" cy="2200236"/>
         </p:xfrm>
         <a:graphic>
@@ -8536,7 +13538,7 @@
         </p:nvCxnSpPr>
         <p:spPr>
           <a:xfrm>
-            <a:off x="5687560" y="5495990"/>
+            <a:off x="8747467" y="5495990"/>
             <a:ext cx="749013" cy="606656"/>
           </a:xfrm>
           <a:prstGeom prst="line">
@@ -8575,7 +13577,7 @@
         </p:nvCxnSpPr>
         <p:spPr>
           <a:xfrm flipV="1">
-            <a:off x="5675795" y="6102646"/>
+            <a:off x="8735701" y="6102646"/>
             <a:ext cx="760778" cy="510882"/>
           </a:xfrm>
           <a:prstGeom prst="line">
@@ -8619,7 +13621,7 @@
 </p:sld>
 </file>
 
-<file path=ppt/slides/slide4.xml><?xml version="1.0" encoding="utf-8"?>
+<file path=ppt/slides/slide5.xml><?xml version="1.0" encoding="utf-8"?>
 <p:sld xmlns:a="http://schemas.openxmlformats.org/drawingml/2006/main" xmlns:r="http://schemas.openxmlformats.org/officeDocument/2006/relationships" xmlns:p="http://schemas.openxmlformats.org/presentationml/2006/main">
   <p:cSld>
     <p:spTree>
@@ -8647,7 +13649,7 @@
           </p:nvPr>
         </p:nvGraphicFramePr>
         <p:xfrm>
-          <a:off x="6037063" y="4956085"/>
+          <a:off x="9096969" y="4956085"/>
           <a:ext cx="1800000" cy="2933648"/>
         </p:xfrm>
         <a:graphic>
@@ -10084,7 +15086,7 @@
           </p:nvPr>
         </p:nvGraphicFramePr>
         <p:xfrm>
-          <a:off x="8734831" y="4956085"/>
+          <a:off x="11794737" y="4956085"/>
           <a:ext cx="365760" cy="2933648"/>
         </p:xfrm>
         <a:graphic>
@@ -10555,7 +15557,7 @@
           </p:nvPr>
         </p:nvGraphicFramePr>
         <p:xfrm>
-          <a:off x="8575515" y="5171337"/>
+          <a:off x="11635421" y="5171337"/>
           <a:ext cx="365760" cy="2566942"/>
         </p:xfrm>
         <a:graphic>
@@ -10987,7 +15989,7 @@
           </p:nvPr>
         </p:nvGraphicFramePr>
         <p:xfrm>
-          <a:off x="8420190" y="5321846"/>
+          <a:off x="11480096" y="5321846"/>
           <a:ext cx="365760" cy="2200236"/>
         </p:xfrm>
         <a:graphic>
@@ -11370,7 +16372,7 @@
         </p:nvSpPr>
         <p:spPr>
           <a:xfrm>
-            <a:off x="7832810" y="7882938"/>
+            <a:off x="10892716" y="7882938"/>
             <a:ext cx="2945322" cy="923330"/>
           </a:xfrm>
           <a:prstGeom prst="rect">
@@ -11420,7 +16422,7 @@
         </p:nvSpPr>
         <p:spPr>
           <a:xfrm>
-            <a:off x="8878635" y="5617444"/>
+            <a:off x="11938542" y="5617445"/>
             <a:ext cx="1851237" cy="584775"/>
           </a:xfrm>
           <a:prstGeom prst="rect">
@@ -11446,8 +16448,8 @@
           </a:p>
         </p:txBody>
       </p:sp>
-      <mc:AlternateContent xmlns:mc="http://schemas.openxmlformats.org/markup-compatibility/2006" xmlns:a14="http://schemas.microsoft.com/office/drawing/2010/main">
-        <mc:Choice Requires="a14">
+      <mc:AlternateContent xmlns:mc="http://schemas.openxmlformats.org/markup-compatibility/2006">
+        <mc:Choice xmlns:a14="http://schemas.microsoft.com/office/drawing/2010/main" Requires="a14">
           <p:sp>
             <p:nvSpPr>
               <p:cNvPr id="11" name="TextBox 10"/>
@@ -11456,7 +16458,7 @@
             </p:nvSpPr>
             <p:spPr>
               <a:xfrm>
-                <a:off x="5594697" y="7892374"/>
+                <a:off x="8654603" y="7892374"/>
                 <a:ext cx="2625142" cy="696344"/>
               </a:xfrm>
               <a:prstGeom prst="rect">
@@ -11606,7 +16608,7 @@
             </p:txBody>
           </p:sp>
         </mc:Choice>
-        <mc:Fallback xmlns="">
+        <mc:Fallback>
           <p:sp>
             <p:nvSpPr>
               <p:cNvPr id="11" name="TextBox 10"/>
@@ -11617,7 +16619,7 @@
             </p:nvSpPr>
             <p:spPr>
               <a:xfrm>
-                <a:off x="5594697" y="7892374"/>
+                <a:off x="8654603" y="7892374"/>
                 <a:ext cx="2625142" cy="696344"/>
               </a:xfrm>
               <a:prstGeom prst="rect">
@@ -11653,7 +16655,7 @@
         </p:nvSpPr>
         <p:spPr>
           <a:xfrm>
-            <a:off x="5132963" y="4954600"/>
+            <a:off x="8192869" y="4954600"/>
             <a:ext cx="1012122" cy="369332"/>
           </a:xfrm>
           <a:prstGeom prst="rect">
@@ -11684,7 +16686,7 @@
         </p:nvSpPr>
         <p:spPr>
           <a:xfrm>
-            <a:off x="5135720" y="5343262"/>
+            <a:off x="8195626" y="5343262"/>
             <a:ext cx="1012122" cy="369332"/>
           </a:xfrm>
           <a:prstGeom prst="rect">
@@ -11715,7 +16717,7 @@
         </p:nvSpPr>
         <p:spPr>
           <a:xfrm>
-            <a:off x="5143792" y="5686490"/>
+            <a:off x="8203698" y="5686490"/>
             <a:ext cx="1012122" cy="369332"/>
           </a:xfrm>
           <a:prstGeom prst="rect">
@@ -11752,7 +16754,7 @@
         </p:nvSpPr>
         <p:spPr>
           <a:xfrm>
-            <a:off x="5194447" y="6050241"/>
+            <a:off x="8254353" y="6050241"/>
             <a:ext cx="1012122" cy="369332"/>
           </a:xfrm>
           <a:prstGeom prst="rect">
@@ -11783,7 +16785,7 @@
         </p:nvSpPr>
         <p:spPr>
           <a:xfrm>
-            <a:off x="6014392" y="4936638"/>
+            <a:off x="9074299" y="4936639"/>
             <a:ext cx="1850231" cy="1138239"/>
           </a:xfrm>
           <a:prstGeom prst="rect">
@@ -11829,7 +16831,7 @@
         </p:nvCxnSpPr>
         <p:spPr>
           <a:xfrm>
-            <a:off x="7859735" y="4956086"/>
+            <a:off x="10919641" y="4956086"/>
             <a:ext cx="748538" cy="550554"/>
           </a:xfrm>
           <a:prstGeom prst="line">
@@ -11868,7 +16870,7 @@
         </p:nvCxnSpPr>
         <p:spPr>
           <a:xfrm flipV="1">
-            <a:off x="7862181" y="5506640"/>
+            <a:off x="10922088" y="5506640"/>
             <a:ext cx="746093" cy="566332"/>
           </a:xfrm>
           <a:prstGeom prst="line">
@@ -11907,7 +16909,7 @@
         </p:nvSpPr>
         <p:spPr>
           <a:xfrm>
-            <a:off x="6011950" y="7129770"/>
+            <a:off x="9071857" y="7129771"/>
             <a:ext cx="1850231" cy="773623"/>
           </a:xfrm>
           <a:prstGeom prst="rect">
@@ -11953,7 +16955,7 @@
         </p:nvCxnSpPr>
         <p:spPr>
           <a:xfrm flipV="1">
-            <a:off x="7862180" y="7566370"/>
+            <a:off x="10922086" y="7566370"/>
             <a:ext cx="923770" cy="327582"/>
           </a:xfrm>
           <a:prstGeom prst="line">
@@ -11992,7 +16994,7 @@
         </p:nvSpPr>
         <p:spPr>
           <a:xfrm>
-            <a:off x="9209182" y="6165558"/>
+            <a:off x="12269088" y="6165558"/>
             <a:ext cx="1225192" cy="507138"/>
           </a:xfrm>
           <a:prstGeom prst="rightArrow">
@@ -12041,7 +17043,7 @@
           </p:nvPr>
         </p:nvGraphicFramePr>
         <p:xfrm>
-          <a:off x="10507914" y="5864734"/>
+          <a:off x="13567820" y="5864734"/>
           <a:ext cx="365760" cy="1100118"/>
         </p:xfrm>
         <a:graphic>
@@ -12280,7 +17282,7 @@
         </p:nvSpPr>
         <p:spPr>
           <a:xfrm>
-            <a:off x="9865255" y="6933070"/>
+            <a:off x="12925161" y="6933071"/>
             <a:ext cx="1651078" cy="646331"/>
           </a:xfrm>
           <a:prstGeom prst="rect">
@@ -12317,7 +17319,7 @@
           </p:nvPr>
         </p:nvGraphicFramePr>
         <p:xfrm>
-          <a:off x="3189615" y="4955374"/>
+          <a:off x="6249521" y="4955374"/>
           <a:ext cx="1800000" cy="2966752"/>
         </p:xfrm>
         <a:graphic>
@@ -13785,7 +18787,7 @@
         </p:nvSpPr>
         <p:spPr>
           <a:xfrm>
-            <a:off x="2336540" y="5281699"/>
+            <a:off x="5396446" y="5281699"/>
             <a:ext cx="1012122" cy="369332"/>
           </a:xfrm>
           <a:prstGeom prst="rect">
@@ -13816,7 +18818,7 @@
         </p:nvSpPr>
         <p:spPr>
           <a:xfrm>
-            <a:off x="2334929" y="6017552"/>
+            <a:off x="5394835" y="6017552"/>
             <a:ext cx="1012122" cy="369332"/>
           </a:xfrm>
           <a:prstGeom prst="rect">
@@ -13847,7 +18849,7 @@
         </p:nvSpPr>
         <p:spPr>
           <a:xfrm>
-            <a:off x="2404549" y="7531390"/>
+            <a:off x="5464455" y="7531390"/>
             <a:ext cx="1012122" cy="369332"/>
           </a:xfrm>
           <a:prstGeom prst="rect">
@@ -13878,7 +18880,7 @@
         </p:nvGrpSpPr>
         <p:grpSpPr>
           <a:xfrm>
-            <a:off x="5418896" y="6293146"/>
+            <a:off x="8478802" y="6293147"/>
             <a:ext cx="679450" cy="963237"/>
             <a:chOff x="4229100" y="4327535"/>
             <a:chExt cx="679450" cy="963237"/>
@@ -13989,7 +18991,7 @@
         </p:nvGrpSpPr>
         <p:grpSpPr>
           <a:xfrm>
-            <a:off x="5418896" y="6767935"/>
+            <a:off x="8478802" y="6767936"/>
             <a:ext cx="679450" cy="963237"/>
             <a:chOff x="4229100" y="4327535"/>
             <a:chExt cx="679450" cy="963237"/>
@@ -14100,7 +19102,7 @@
         </p:nvGrpSpPr>
         <p:grpSpPr>
           <a:xfrm>
-            <a:off x="2690572" y="5461644"/>
+            <a:off x="5750478" y="5461645"/>
             <a:ext cx="679450" cy="963237"/>
             <a:chOff x="4229100" y="4327535"/>
             <a:chExt cx="679450" cy="963237"/>
@@ -14211,7 +19213,7 @@
         </p:nvGrpSpPr>
         <p:grpSpPr>
           <a:xfrm>
-            <a:off x="2690570" y="6292998"/>
+            <a:off x="5750477" y="6292998"/>
             <a:ext cx="679453" cy="1427578"/>
             <a:chOff x="1951429" y="2750280"/>
             <a:chExt cx="679453" cy="1427578"/>
@@ -14448,7 +19450,7 @@
         </p:nvCxnSpPr>
         <p:spPr>
           <a:xfrm flipV="1">
-            <a:off x="4989615" y="4956086"/>
+            <a:off x="8049521" y="4956086"/>
             <a:ext cx="1047444" cy="373528"/>
           </a:xfrm>
           <a:prstGeom prst="line">
@@ -14487,7 +19489,7 @@
         </p:nvCxnSpPr>
         <p:spPr>
           <a:xfrm flipV="1">
-            <a:off x="4985367" y="5329615"/>
+            <a:off x="8045274" y="5329616"/>
             <a:ext cx="1051693" cy="365735"/>
           </a:xfrm>
           <a:prstGeom prst="line">
@@ -14526,7 +19528,7 @@
         </p:nvCxnSpPr>
         <p:spPr>
           <a:xfrm flipV="1">
-            <a:off x="4985367" y="5329615"/>
+            <a:off x="8045274" y="5329616"/>
             <a:ext cx="1058909" cy="748801"/>
           </a:xfrm>
           <a:prstGeom prst="line">
@@ -14567,7 +19569,7 @@
         </p:nvCxnSpPr>
         <p:spPr>
           <a:xfrm flipV="1">
-            <a:off x="4989615" y="5695350"/>
+            <a:off x="8049521" y="5695351"/>
             <a:ext cx="1060004" cy="743401"/>
           </a:xfrm>
           <a:prstGeom prst="line">
@@ -14606,7 +19608,7 @@
         </p:nvCxnSpPr>
         <p:spPr>
           <a:xfrm flipV="1">
-            <a:off x="4985367" y="6043253"/>
+            <a:off x="8045274" y="6043253"/>
             <a:ext cx="1058909" cy="1515976"/>
           </a:xfrm>
           <a:prstGeom prst="line">
@@ -14645,7 +19647,7 @@
         </p:nvCxnSpPr>
         <p:spPr>
           <a:xfrm flipV="1">
-            <a:off x="4985367" y="6424881"/>
+            <a:off x="8045274" y="6424881"/>
             <a:ext cx="1051693" cy="1494620"/>
           </a:xfrm>
           <a:prstGeom prst="line">
@@ -14684,7 +19686,7 @@
         </p:nvCxnSpPr>
         <p:spPr>
           <a:xfrm>
-            <a:off x="4989615" y="6820377"/>
+            <a:off x="8049521" y="6820377"/>
             <a:ext cx="1047448" cy="703328"/>
           </a:xfrm>
           <a:prstGeom prst="line">
@@ -14723,7 +19725,7 @@
         </p:nvCxnSpPr>
         <p:spPr>
           <a:xfrm>
-            <a:off x="5004897" y="7189047"/>
+            <a:off x="8064804" y="7189048"/>
             <a:ext cx="1039379" cy="700687"/>
           </a:xfrm>
           <a:prstGeom prst="line">
@@ -14754,8 +19756,8 @@
           </a:fontRef>
         </p:style>
       </p:cxnSp>
-      <mc:AlternateContent xmlns:mc="http://schemas.openxmlformats.org/markup-compatibility/2006" xmlns:a14="http://schemas.microsoft.com/office/drawing/2010/main">
-        <mc:Choice Requires="a14">
+      <mc:AlternateContent xmlns:mc="http://schemas.openxmlformats.org/markup-compatibility/2006">
+        <mc:Choice xmlns:a14="http://schemas.microsoft.com/office/drawing/2010/main" Requires="a14">
           <p:sp>
             <p:nvSpPr>
               <p:cNvPr id="118" name="TextBox 117"/>
@@ -14764,7 +19766,7 @@
             </p:nvSpPr>
             <p:spPr>
               <a:xfrm>
-                <a:off x="2855750" y="7892815"/>
+                <a:off x="5915657" y="7892815"/>
                 <a:ext cx="2636309" cy="696344"/>
               </a:xfrm>
               <a:prstGeom prst="rect">
@@ -14954,7 +19956,7 @@
             </p:txBody>
           </p:sp>
         </mc:Choice>
-        <mc:Fallback xmlns="">
+        <mc:Fallback>
           <p:sp>
             <p:nvSpPr>
               <p:cNvPr id="118" name="TextBox 117"/>
@@ -14965,7 +19967,7 @@
             </p:nvSpPr>
             <p:spPr>
               <a:xfrm>
-                <a:off x="2855750" y="7892815"/>
+                <a:off x="5915657" y="7892815"/>
                 <a:ext cx="2636309" cy="696344"/>
               </a:xfrm>
               <a:prstGeom prst="rect">
@@ -15001,7 +20003,7 @@
         </p:nvCxnSpPr>
         <p:spPr>
           <a:xfrm>
-            <a:off x="7859260" y="7142866"/>
+            <a:off x="10919166" y="7142867"/>
             <a:ext cx="926690" cy="423505"/>
           </a:xfrm>
           <a:prstGeom prst="line">
@@ -15032,8 +20034,8 @@
           </a:fontRef>
         </p:style>
       </p:cxnSp>
-      <mc:AlternateContent xmlns:mc="http://schemas.openxmlformats.org/markup-compatibility/2006" xmlns:a14="http://schemas.microsoft.com/office/drawing/2010/main">
-        <mc:Choice Requires="a14">
+      <mc:AlternateContent xmlns:mc="http://schemas.openxmlformats.org/markup-compatibility/2006">
+        <mc:Choice xmlns:a14="http://schemas.microsoft.com/office/drawing/2010/main" Requires="a14">
           <p:sp>
             <p:nvSpPr>
               <p:cNvPr id="56" name="TextBox 55"/>
@@ -15042,7 +20044,7 @@
             </p:nvSpPr>
             <p:spPr>
               <a:xfrm>
-                <a:off x="10406677" y="5366989"/>
+                <a:off x="13466583" y="5366990"/>
                 <a:ext cx="506556" cy="461665"/>
               </a:xfrm>
               <a:prstGeom prst="rect">
@@ -15114,7 +20116,7 @@
             </p:txBody>
           </p:sp>
         </mc:Choice>
-        <mc:Fallback xmlns="">
+        <mc:Fallback>
           <p:sp>
             <p:nvSpPr>
               <p:cNvPr id="56" name="TextBox 55"/>
@@ -15125,7 +20127,7 @@
             </p:nvSpPr>
             <p:spPr>
               <a:xfrm>
-                <a:off x="10406677" y="5366989"/>
+                <a:off x="13466583" y="5366990"/>
                 <a:ext cx="506556" cy="461665"/>
               </a:xfrm>
               <a:prstGeom prst="rect">

--- a/figs/figures.pptx
+++ b/figs/figures.pptx
@@ -2,16 +2,18 @@
 <file path=ppt/presentation.xml><?xml version="1.0" encoding="utf-8"?>
 <p:presentation xmlns:a="http://schemas.openxmlformats.org/drawingml/2006/main" xmlns:r="http://schemas.openxmlformats.org/officeDocument/2006/relationships" xmlns:p="http://schemas.openxmlformats.org/presentationml/2006/main" saveSubsetFonts="1">
   <p:sldMasterIdLst>
-    <p:sldMasterId id="2147483672" r:id="rId1"/>
+    <p:sldMasterId id="2147483684" r:id="rId1"/>
   </p:sldMasterIdLst>
   <p:sldIdLst>
     <p:sldId id="256" r:id="rId2"/>
     <p:sldId id="260" r:id="rId3"/>
     <p:sldId id="261" r:id="rId4"/>
-    <p:sldId id="259" r:id="rId5"/>
-    <p:sldId id="258" r:id="rId6"/>
+    <p:sldId id="262" r:id="rId5"/>
+    <p:sldId id="263" r:id="rId6"/>
+    <p:sldId id="259" r:id="rId7"/>
+    <p:sldId id="258" r:id="rId8"/>
   </p:sldIdLst>
-  <p:sldSz cx="18311813" cy="13679488"/>
+  <p:sldSz cx="27311350" cy="13679488"/>
   <p:notesSz cx="6858000" cy="9144000"/>
   <p:defaultTextStyle>
     <a:defPPr>
@@ -145,8 +147,8 @@
         </p:nvSpPr>
         <p:spPr>
           <a:xfrm>
-            <a:off x="1373386" y="2238751"/>
-            <a:ext cx="15565041" cy="4762488"/>
+            <a:off x="3413919" y="2238751"/>
+            <a:ext cx="20483513" cy="4762488"/>
           </a:xfrm>
         </p:spPr>
         <p:txBody>
@@ -177,8 +179,8 @@
         </p:nvSpPr>
         <p:spPr>
           <a:xfrm>
-            <a:off x="2288977" y="7184899"/>
-            <a:ext cx="13733860" cy="3302709"/>
+            <a:off x="3413919" y="7184899"/>
+            <a:ext cx="20483513" cy="3302709"/>
           </a:xfrm>
         </p:spPr>
         <p:txBody>
@@ -247,7 +249,7 @@
           <a:p>
             <a:fld id="{9323A0C5-6B5E-4B9A-9575-FF0D04DA84EC}" type="datetimeFigureOut">
               <a:rPr lang="en-US" smtClean="0"/>
-              <a:t>1/18/2019</a:t>
+              <a:t>1/20/2019</a:t>
             </a:fld>
             <a:endParaRPr lang="en-US"/>
           </a:p>
@@ -298,7 +300,7 @@
     </p:spTree>
     <p:extLst>
       <p:ext uri="{BB962C8B-B14F-4D97-AF65-F5344CB8AC3E}">
-        <p14:creationId xmlns:p14="http://schemas.microsoft.com/office/powerpoint/2010/main" val="2077800099"/>
+        <p14:creationId xmlns:p14="http://schemas.microsoft.com/office/powerpoint/2010/main" val="2564118857"/>
       </p:ext>
     </p:extLst>
   </p:cSld>
@@ -417,7 +419,7 @@
           <a:p>
             <a:fld id="{9323A0C5-6B5E-4B9A-9575-FF0D04DA84EC}" type="datetimeFigureOut">
               <a:rPr lang="en-US" smtClean="0"/>
-              <a:t>1/18/2019</a:t>
+              <a:t>1/20/2019</a:t>
             </a:fld>
             <a:endParaRPr lang="en-US"/>
           </a:p>
@@ -468,7 +470,7 @@
     </p:spTree>
     <p:extLst>
       <p:ext uri="{BB962C8B-B14F-4D97-AF65-F5344CB8AC3E}">
-        <p14:creationId xmlns:p14="http://schemas.microsoft.com/office/powerpoint/2010/main" val="354102553"/>
+        <p14:creationId xmlns:p14="http://schemas.microsoft.com/office/powerpoint/2010/main" val="3461318288"/>
       </p:ext>
     </p:extLst>
   </p:cSld>
@@ -507,8 +509,8 @@
         </p:nvSpPr>
         <p:spPr>
           <a:xfrm>
-            <a:off x="13104392" y="728306"/>
-            <a:ext cx="3948485" cy="11592734"/>
+            <a:off x="19544685" y="728306"/>
+            <a:ext cx="5889010" cy="11592734"/>
           </a:xfrm>
         </p:spPr>
         <p:txBody>
@@ -535,8 +537,8 @@
         </p:nvSpPr>
         <p:spPr>
           <a:xfrm>
-            <a:off x="1258938" y="728306"/>
-            <a:ext cx="11616556" cy="11592734"/>
+            <a:off x="1877655" y="728306"/>
+            <a:ext cx="17325638" cy="11592734"/>
           </a:xfrm>
         </p:spPr>
         <p:txBody>
@@ -597,7 +599,7 @@
           <a:p>
             <a:fld id="{9323A0C5-6B5E-4B9A-9575-FF0D04DA84EC}" type="datetimeFigureOut">
               <a:rPr lang="en-US" smtClean="0"/>
-              <a:t>1/18/2019</a:t>
+              <a:t>1/20/2019</a:t>
             </a:fld>
             <a:endParaRPr lang="en-US"/>
           </a:p>
@@ -648,7 +650,7 @@
     </p:spTree>
     <p:extLst>
       <p:ext uri="{BB962C8B-B14F-4D97-AF65-F5344CB8AC3E}">
-        <p14:creationId xmlns:p14="http://schemas.microsoft.com/office/powerpoint/2010/main" val="205035880"/>
+        <p14:creationId xmlns:p14="http://schemas.microsoft.com/office/powerpoint/2010/main" val="2994660659"/>
       </p:ext>
     </p:extLst>
   </p:cSld>
@@ -767,7 +769,7 @@
           <a:p>
             <a:fld id="{9323A0C5-6B5E-4B9A-9575-FF0D04DA84EC}" type="datetimeFigureOut">
               <a:rPr lang="en-US" smtClean="0"/>
-              <a:t>1/18/2019</a:t>
+              <a:t>1/20/2019</a:t>
             </a:fld>
             <a:endParaRPr lang="en-US"/>
           </a:p>
@@ -818,7 +820,7 @@
     </p:spTree>
     <p:extLst>
       <p:ext uri="{BB962C8B-B14F-4D97-AF65-F5344CB8AC3E}">
-        <p14:creationId xmlns:p14="http://schemas.microsoft.com/office/powerpoint/2010/main" val="1097248006"/>
+        <p14:creationId xmlns:p14="http://schemas.microsoft.com/office/powerpoint/2010/main" val="3888817389"/>
       </p:ext>
     </p:extLst>
   </p:cSld>
@@ -857,8 +859,8 @@
         </p:nvSpPr>
         <p:spPr>
           <a:xfrm>
-            <a:off x="1249401" y="3410376"/>
-            <a:ext cx="15793939" cy="5690286"/>
+            <a:off x="1863431" y="3410374"/>
+            <a:ext cx="23556039" cy="5690286"/>
           </a:xfrm>
         </p:spPr>
         <p:txBody>
@@ -889,8 +891,8 @@
         </p:nvSpPr>
         <p:spPr>
           <a:xfrm>
-            <a:off x="1249401" y="9154495"/>
-            <a:ext cx="15793939" cy="2992387"/>
+            <a:off x="1863431" y="9154493"/>
+            <a:ext cx="23556039" cy="2992387"/>
           </a:xfrm>
         </p:spPr>
         <p:txBody>
@@ -900,7 +902,9 @@
               <a:buNone/>
               <a:defRPr sz="4787">
                 <a:solidFill>
-                  <a:schemeClr val="tx1"/>
+                  <a:schemeClr val="tx1">
+                    <a:tint val="75000"/>
+                  </a:schemeClr>
                 </a:solidFill>
               </a:defRPr>
             </a:lvl1pPr>
@@ -1011,7 +1015,7 @@
           <a:p>
             <a:fld id="{9323A0C5-6B5E-4B9A-9575-FF0D04DA84EC}" type="datetimeFigureOut">
               <a:rPr lang="en-US" smtClean="0"/>
-              <a:t>1/18/2019</a:t>
+              <a:t>1/20/2019</a:t>
             </a:fld>
             <a:endParaRPr lang="en-US"/>
           </a:p>
@@ -1062,7 +1066,7 @@
     </p:spTree>
     <p:extLst>
       <p:ext uri="{BB962C8B-B14F-4D97-AF65-F5344CB8AC3E}">
-        <p14:creationId xmlns:p14="http://schemas.microsoft.com/office/powerpoint/2010/main" val="4268351337"/>
+        <p14:creationId xmlns:p14="http://schemas.microsoft.com/office/powerpoint/2010/main" val="1386379870"/>
       </p:ext>
     </p:extLst>
   </p:cSld>
@@ -1124,8 +1128,8 @@
         </p:nvSpPr>
         <p:spPr>
           <a:xfrm>
-            <a:off x="1258937" y="3641531"/>
-            <a:ext cx="7782521" cy="8679509"/>
+            <a:off x="1877655" y="3641531"/>
+            <a:ext cx="11607324" cy="8679509"/>
           </a:xfrm>
         </p:spPr>
         <p:txBody>
@@ -1181,8 +1185,8 @@
         </p:nvSpPr>
         <p:spPr>
           <a:xfrm>
-            <a:off x="9270355" y="3641531"/>
-            <a:ext cx="7782521" cy="8679509"/>
+            <a:off x="13826371" y="3641531"/>
+            <a:ext cx="11607324" cy="8679509"/>
           </a:xfrm>
         </p:spPr>
         <p:txBody>
@@ -1243,7 +1247,7 @@
           <a:p>
             <a:fld id="{9323A0C5-6B5E-4B9A-9575-FF0D04DA84EC}" type="datetimeFigureOut">
               <a:rPr lang="en-US" smtClean="0"/>
-              <a:t>1/18/2019</a:t>
+              <a:t>1/20/2019</a:t>
             </a:fld>
             <a:endParaRPr lang="en-US"/>
           </a:p>
@@ -1294,7 +1298,7 @@
     </p:spTree>
     <p:extLst>
       <p:ext uri="{BB962C8B-B14F-4D97-AF65-F5344CB8AC3E}">
-        <p14:creationId xmlns:p14="http://schemas.microsoft.com/office/powerpoint/2010/main" val="953734868"/>
+        <p14:creationId xmlns:p14="http://schemas.microsoft.com/office/powerpoint/2010/main" val="2637829338"/>
       </p:ext>
     </p:extLst>
   </p:cSld>
@@ -1333,8 +1337,8 @@
         </p:nvSpPr>
         <p:spPr>
           <a:xfrm>
-            <a:off x="1261322" y="728309"/>
-            <a:ext cx="15793939" cy="2644069"/>
+            <a:off x="1881213" y="728307"/>
+            <a:ext cx="23556039" cy="2644069"/>
           </a:xfrm>
         </p:spPr>
         <p:txBody>
@@ -1361,8 +1365,8 @@
         </p:nvSpPr>
         <p:spPr>
           <a:xfrm>
-            <a:off x="1261324" y="3353376"/>
-            <a:ext cx="7746754" cy="1643437"/>
+            <a:off x="1881214" y="3353376"/>
+            <a:ext cx="11553980" cy="1643437"/>
           </a:xfrm>
         </p:spPr>
         <p:txBody>
@@ -1426,8 +1430,8 @@
         </p:nvSpPr>
         <p:spPr>
           <a:xfrm>
-            <a:off x="1261324" y="4996813"/>
-            <a:ext cx="7746754" cy="7349559"/>
+            <a:off x="1881214" y="4996813"/>
+            <a:ext cx="11553980" cy="7349559"/>
           </a:xfrm>
         </p:spPr>
         <p:txBody>
@@ -1483,8 +1487,8 @@
         </p:nvSpPr>
         <p:spPr>
           <a:xfrm>
-            <a:off x="9270356" y="3353376"/>
-            <a:ext cx="7784906" cy="1643437"/>
+            <a:off x="13826371" y="3353376"/>
+            <a:ext cx="11610881" cy="1643437"/>
           </a:xfrm>
         </p:spPr>
         <p:txBody>
@@ -1548,8 +1552,8 @@
         </p:nvSpPr>
         <p:spPr>
           <a:xfrm>
-            <a:off x="9270356" y="4996813"/>
-            <a:ext cx="7784906" cy="7349559"/>
+            <a:off x="13826371" y="4996813"/>
+            <a:ext cx="11610881" cy="7349559"/>
           </a:xfrm>
         </p:spPr>
         <p:txBody>
@@ -1610,7 +1614,7 @@
           <a:p>
             <a:fld id="{9323A0C5-6B5E-4B9A-9575-FF0D04DA84EC}" type="datetimeFigureOut">
               <a:rPr lang="en-US" smtClean="0"/>
-              <a:t>1/18/2019</a:t>
+              <a:t>1/20/2019</a:t>
             </a:fld>
             <a:endParaRPr lang="en-US"/>
           </a:p>
@@ -1661,7 +1665,7 @@
     </p:spTree>
     <p:extLst>
       <p:ext uri="{BB962C8B-B14F-4D97-AF65-F5344CB8AC3E}">
-        <p14:creationId xmlns:p14="http://schemas.microsoft.com/office/powerpoint/2010/main" val="1996093858"/>
+        <p14:creationId xmlns:p14="http://schemas.microsoft.com/office/powerpoint/2010/main" val="3610179317"/>
       </p:ext>
     </p:extLst>
   </p:cSld>
@@ -1728,7 +1732,7 @@
           <a:p>
             <a:fld id="{9323A0C5-6B5E-4B9A-9575-FF0D04DA84EC}" type="datetimeFigureOut">
               <a:rPr lang="en-US" smtClean="0"/>
-              <a:t>1/18/2019</a:t>
+              <a:t>1/20/2019</a:t>
             </a:fld>
             <a:endParaRPr lang="en-US"/>
           </a:p>
@@ -1779,7 +1783,7 @@
     </p:spTree>
     <p:extLst>
       <p:ext uri="{BB962C8B-B14F-4D97-AF65-F5344CB8AC3E}">
-        <p14:creationId xmlns:p14="http://schemas.microsoft.com/office/powerpoint/2010/main" val="2771265127"/>
+        <p14:creationId xmlns:p14="http://schemas.microsoft.com/office/powerpoint/2010/main" val="2424030478"/>
       </p:ext>
     </p:extLst>
   </p:cSld>
@@ -1823,7 +1827,7 @@
           <a:p>
             <a:fld id="{9323A0C5-6B5E-4B9A-9575-FF0D04DA84EC}" type="datetimeFigureOut">
               <a:rPr lang="en-US" smtClean="0"/>
-              <a:t>1/18/2019</a:t>
+              <a:t>1/20/2019</a:t>
             </a:fld>
             <a:endParaRPr lang="en-US"/>
           </a:p>
@@ -1874,7 +1878,7 @@
     </p:spTree>
     <p:extLst>
       <p:ext uri="{BB962C8B-B14F-4D97-AF65-F5344CB8AC3E}">
-        <p14:creationId xmlns:p14="http://schemas.microsoft.com/office/powerpoint/2010/main" val="3451687558"/>
+        <p14:creationId xmlns:p14="http://schemas.microsoft.com/office/powerpoint/2010/main" val="4061650840"/>
       </p:ext>
     </p:extLst>
   </p:cSld>
@@ -1913,8 +1917,8 @@
         </p:nvSpPr>
         <p:spPr>
           <a:xfrm>
-            <a:off x="1261322" y="911966"/>
-            <a:ext cx="5906036" cy="3191881"/>
+            <a:off x="1881214" y="911966"/>
+            <a:ext cx="8808620" cy="3191881"/>
           </a:xfrm>
         </p:spPr>
         <p:txBody>
@@ -1945,8 +1949,8 @@
         </p:nvSpPr>
         <p:spPr>
           <a:xfrm>
-            <a:off x="7784906" y="1969596"/>
-            <a:ext cx="9270355" cy="9721303"/>
+            <a:off x="11610881" y="1969594"/>
+            <a:ext cx="13826371" cy="9721303"/>
           </a:xfrm>
         </p:spPr>
         <p:txBody>
@@ -2030,8 +2034,8 @@
         </p:nvSpPr>
         <p:spPr>
           <a:xfrm>
-            <a:off x="1261322" y="4103846"/>
-            <a:ext cx="5906036" cy="7602883"/>
+            <a:off x="1881214" y="4103846"/>
+            <a:ext cx="8808620" cy="7602883"/>
           </a:xfrm>
         </p:spPr>
         <p:txBody>
@@ -2100,7 +2104,7 @@
           <a:p>
             <a:fld id="{9323A0C5-6B5E-4B9A-9575-FF0D04DA84EC}" type="datetimeFigureOut">
               <a:rPr lang="en-US" smtClean="0"/>
-              <a:t>1/18/2019</a:t>
+              <a:t>1/20/2019</a:t>
             </a:fld>
             <a:endParaRPr lang="en-US"/>
           </a:p>
@@ -2151,7 +2155,7 @@
     </p:spTree>
     <p:extLst>
       <p:ext uri="{BB962C8B-B14F-4D97-AF65-F5344CB8AC3E}">
-        <p14:creationId xmlns:p14="http://schemas.microsoft.com/office/powerpoint/2010/main" val="1444266666"/>
+        <p14:creationId xmlns:p14="http://schemas.microsoft.com/office/powerpoint/2010/main" val="2094605579"/>
       </p:ext>
     </p:extLst>
   </p:cSld>
@@ -2190,8 +2194,8 @@
         </p:nvSpPr>
         <p:spPr>
           <a:xfrm>
-            <a:off x="1261322" y="911966"/>
-            <a:ext cx="5906036" cy="3191881"/>
+            <a:off x="1881214" y="911966"/>
+            <a:ext cx="8808620" cy="3191881"/>
           </a:xfrm>
         </p:spPr>
         <p:txBody>
@@ -2222,8 +2226,8 @@
         </p:nvSpPr>
         <p:spPr>
           <a:xfrm>
-            <a:off x="7784906" y="1969596"/>
-            <a:ext cx="9270355" cy="9721303"/>
+            <a:off x="11610881" y="1969594"/>
+            <a:ext cx="13826371" cy="9721303"/>
           </a:xfrm>
         </p:spPr>
         <p:txBody>
@@ -2287,8 +2291,8 @@
         </p:nvSpPr>
         <p:spPr>
           <a:xfrm>
-            <a:off x="1261322" y="4103846"/>
-            <a:ext cx="5906036" cy="7602883"/>
+            <a:off x="1881214" y="4103846"/>
+            <a:ext cx="8808620" cy="7602883"/>
           </a:xfrm>
         </p:spPr>
         <p:txBody>
@@ -2357,7 +2361,7 @@
           <a:p>
             <a:fld id="{9323A0C5-6B5E-4B9A-9575-FF0D04DA84EC}" type="datetimeFigureOut">
               <a:rPr lang="en-US" smtClean="0"/>
-              <a:t>1/18/2019</a:t>
+              <a:t>1/20/2019</a:t>
             </a:fld>
             <a:endParaRPr lang="en-US"/>
           </a:p>
@@ -2408,7 +2412,7 @@
     </p:spTree>
     <p:extLst>
       <p:ext uri="{BB962C8B-B14F-4D97-AF65-F5344CB8AC3E}">
-        <p14:creationId xmlns:p14="http://schemas.microsoft.com/office/powerpoint/2010/main" val="1350036023"/>
+        <p14:creationId xmlns:p14="http://schemas.microsoft.com/office/powerpoint/2010/main" val="1006702110"/>
       </p:ext>
     </p:extLst>
   </p:cSld>
@@ -2452,8 +2456,8 @@
         </p:nvSpPr>
         <p:spPr>
           <a:xfrm>
-            <a:off x="1258937" y="728309"/>
-            <a:ext cx="15793939" cy="2644069"/>
+            <a:off x="1877656" y="728307"/>
+            <a:ext cx="23556039" cy="2644069"/>
           </a:xfrm>
           <a:prstGeom prst="rect">
             <a:avLst/>
@@ -2485,8 +2489,8 @@
         </p:nvSpPr>
         <p:spPr>
           <a:xfrm>
-            <a:off x="1258937" y="3641531"/>
-            <a:ext cx="15793939" cy="8679509"/>
+            <a:off x="1877656" y="3641531"/>
+            <a:ext cx="23556039" cy="8679509"/>
           </a:xfrm>
           <a:prstGeom prst="rect">
             <a:avLst/>
@@ -2547,8 +2551,8 @@
         </p:nvSpPr>
         <p:spPr>
           <a:xfrm>
-            <a:off x="1258937" y="12678862"/>
-            <a:ext cx="4120158" cy="728306"/>
+            <a:off x="1877655" y="12678860"/>
+            <a:ext cx="6145054" cy="728306"/>
           </a:xfrm>
           <a:prstGeom prst="rect">
             <a:avLst/>
@@ -2570,7 +2574,7 @@
           <a:p>
             <a:fld id="{9323A0C5-6B5E-4B9A-9575-FF0D04DA84EC}" type="datetimeFigureOut">
               <a:rPr lang="en-US" smtClean="0"/>
-              <a:t>1/18/2019</a:t>
+              <a:t>1/20/2019</a:t>
             </a:fld>
             <a:endParaRPr lang="en-US"/>
           </a:p>
@@ -2588,8 +2592,8 @@
         </p:nvSpPr>
         <p:spPr>
           <a:xfrm>
-            <a:off x="6065788" y="12678862"/>
-            <a:ext cx="6180237" cy="728306"/>
+            <a:off x="9046885" y="12678860"/>
+            <a:ext cx="9217581" cy="728306"/>
           </a:xfrm>
           <a:prstGeom prst="rect">
             <a:avLst/>
@@ -2625,8 +2629,8 @@
         </p:nvSpPr>
         <p:spPr>
           <a:xfrm>
-            <a:off x="12932718" y="12678862"/>
-            <a:ext cx="4120158" cy="728306"/>
+            <a:off x="19288641" y="12678860"/>
+            <a:ext cx="6145054" cy="728306"/>
           </a:xfrm>
           <a:prstGeom prst="rect">
             <a:avLst/>
@@ -2657,23 +2661,23 @@
     </p:spTree>
     <p:extLst>
       <p:ext uri="{BB962C8B-B14F-4D97-AF65-F5344CB8AC3E}">
-        <p14:creationId xmlns:p14="http://schemas.microsoft.com/office/powerpoint/2010/main" val="3474835670"/>
+        <p14:creationId xmlns:p14="http://schemas.microsoft.com/office/powerpoint/2010/main" val="2425062891"/>
       </p:ext>
     </p:extLst>
   </p:cSld>
   <p:clrMap bg1="lt1" tx1="dk1" bg2="lt2" tx2="dk2" accent1="accent1" accent2="accent2" accent3="accent3" accent4="accent4" accent5="accent5" accent6="accent6" hlink="hlink" folHlink="folHlink"/>
   <p:sldLayoutIdLst>
-    <p:sldLayoutId id="2147483673" r:id="rId1"/>
-    <p:sldLayoutId id="2147483674" r:id="rId2"/>
-    <p:sldLayoutId id="2147483675" r:id="rId3"/>
-    <p:sldLayoutId id="2147483676" r:id="rId4"/>
-    <p:sldLayoutId id="2147483677" r:id="rId5"/>
-    <p:sldLayoutId id="2147483678" r:id="rId6"/>
-    <p:sldLayoutId id="2147483679" r:id="rId7"/>
-    <p:sldLayoutId id="2147483680" r:id="rId8"/>
-    <p:sldLayoutId id="2147483681" r:id="rId9"/>
-    <p:sldLayoutId id="2147483682" r:id="rId10"/>
-    <p:sldLayoutId id="2147483683" r:id="rId11"/>
+    <p:sldLayoutId id="2147483685" r:id="rId1"/>
+    <p:sldLayoutId id="2147483686" r:id="rId2"/>
+    <p:sldLayoutId id="2147483687" r:id="rId3"/>
+    <p:sldLayoutId id="2147483688" r:id="rId4"/>
+    <p:sldLayoutId id="2147483689" r:id="rId5"/>
+    <p:sldLayoutId id="2147483690" r:id="rId6"/>
+    <p:sldLayoutId id="2147483691" r:id="rId7"/>
+    <p:sldLayoutId id="2147483692" r:id="rId8"/>
+    <p:sldLayoutId id="2147483693" r:id="rId9"/>
+    <p:sldLayoutId id="2147483694" r:id="rId10"/>
+    <p:sldLayoutId id="2147483695" r:id="rId11"/>
   </p:sldLayoutIdLst>
   <p:txStyles>
     <p:titleStyle>
@@ -2983,7 +2987,7 @@
         </p:nvSpPr>
         <p:spPr>
           <a:xfrm>
-            <a:off x="4759416" y="515144"/>
+            <a:off x="9259186" y="515144"/>
             <a:ext cx="1178351" cy="1117470"/>
           </a:xfrm>
           <a:prstGeom prst="foldedCorner">
@@ -3031,7 +3035,7 @@
         </p:nvSpPr>
         <p:spPr>
           <a:xfrm>
-            <a:off x="7125545" y="515144"/>
+            <a:off x="11625315" y="515144"/>
             <a:ext cx="2092751" cy="1117470"/>
           </a:xfrm>
           <a:prstGeom prst="flowChartMultidocument">
@@ -3077,7 +3081,7 @@
         </p:nvSpPr>
         <p:spPr>
           <a:xfrm>
-            <a:off x="5023366" y="1726882"/>
+            <a:off x="9523136" y="1726883"/>
             <a:ext cx="650449" cy="801279"/>
           </a:xfrm>
           <a:prstGeom prst="downArrow">
@@ -3120,7 +3124,7 @@
         </p:nvSpPr>
         <p:spPr>
           <a:xfrm>
-            <a:off x="7846695" y="1726882"/>
+            <a:off x="12346465" y="1726883"/>
             <a:ext cx="650449" cy="801279"/>
           </a:xfrm>
           <a:prstGeom prst="downArrow">
@@ -3163,7 +3167,7 @@
         </p:nvSpPr>
         <p:spPr>
           <a:xfrm>
-            <a:off x="4608585" y="2613150"/>
+            <a:off x="9108355" y="2613150"/>
             <a:ext cx="1480009" cy="485174"/>
           </a:xfrm>
           <a:prstGeom prst="roundRect">
@@ -3209,7 +3213,7 @@
         </p:nvSpPr>
         <p:spPr>
           <a:xfrm>
-            <a:off x="7431914" y="2613150"/>
+            <a:off x="11931684" y="2613150"/>
             <a:ext cx="1480009" cy="485174"/>
           </a:xfrm>
           <a:prstGeom prst="roundRect">
@@ -3255,7 +3259,7 @@
         </p:nvSpPr>
         <p:spPr>
           <a:xfrm>
-            <a:off x="5023366" y="3183317"/>
+            <a:off x="9523136" y="3183318"/>
             <a:ext cx="650449" cy="801279"/>
           </a:xfrm>
           <a:prstGeom prst="downArrow">
@@ -3298,7 +3302,7 @@
         </p:nvSpPr>
         <p:spPr>
           <a:xfrm>
-            <a:off x="7846695" y="3183317"/>
+            <a:off x="12346465" y="3183318"/>
             <a:ext cx="650449" cy="801279"/>
           </a:xfrm>
           <a:prstGeom prst="downArrow">
@@ -3341,7 +3345,7 @@
         </p:nvSpPr>
         <p:spPr>
           <a:xfrm>
-            <a:off x="4031457" y="4069585"/>
+            <a:off x="8531227" y="4069585"/>
             <a:ext cx="2644937" cy="733868"/>
           </a:xfrm>
           <a:prstGeom prst="rect">
@@ -3387,7 +3391,7 @@
         </p:nvSpPr>
         <p:spPr>
           <a:xfrm>
-            <a:off x="6849449" y="4078860"/>
+            <a:off x="11349219" y="4078860"/>
             <a:ext cx="2644937" cy="733868"/>
           </a:xfrm>
           <a:prstGeom prst="rect">
@@ -3433,7 +3437,7 @@
         </p:nvSpPr>
         <p:spPr>
           <a:xfrm>
-            <a:off x="5023364" y="4888446"/>
+            <a:off x="9523134" y="4888447"/>
             <a:ext cx="650449" cy="801279"/>
           </a:xfrm>
           <a:prstGeom prst="downArrow">
@@ -3476,7 +3480,7 @@
         </p:nvSpPr>
         <p:spPr>
           <a:xfrm>
-            <a:off x="7846695" y="4888446"/>
+            <a:off x="12346465" y="4888447"/>
             <a:ext cx="650449" cy="801279"/>
           </a:xfrm>
           <a:prstGeom prst="downArrow">
@@ -3519,7 +3523,7 @@
         </p:nvSpPr>
         <p:spPr>
           <a:xfrm>
-            <a:off x="4070866" y="5774714"/>
+            <a:off x="8570636" y="5774714"/>
             <a:ext cx="5423519" cy="468130"/>
           </a:xfrm>
           <a:prstGeom prst="rect">
@@ -3565,7 +3569,7 @@
         </p:nvSpPr>
         <p:spPr>
           <a:xfrm>
-            <a:off x="6457401" y="6327837"/>
+            <a:off x="10957171" y="6327838"/>
             <a:ext cx="650449" cy="801279"/>
           </a:xfrm>
           <a:prstGeom prst="downArrow">
@@ -3608,7 +3612,7 @@
         </p:nvSpPr>
         <p:spPr>
           <a:xfrm>
-            <a:off x="6110964" y="7204830"/>
+            <a:off x="10610733" y="7204830"/>
             <a:ext cx="1343320" cy="468130"/>
           </a:xfrm>
           <a:prstGeom prst="rect">
@@ -3643,7 +3647,6 @@
               <a:rPr lang="en-US" sz="2000" dirty="0"/>
               <a:t>Output</a:t>
             </a:r>
-            <a:endParaRPr lang="en-US" sz="2000" dirty="0"/>
           </a:p>
         </p:txBody>
       </p:sp>
@@ -3655,7 +3658,7 @@
         </p:nvSpPr>
         <p:spPr>
           <a:xfrm>
-            <a:off x="3733006" y="3508697"/>
+            <a:off x="8232775" y="3508698"/>
             <a:ext cx="6096000" cy="3158803"/>
           </a:xfrm>
           <a:prstGeom prst="rect">
@@ -3697,7 +3700,7 @@
         </p:nvSpPr>
         <p:spPr>
           <a:xfrm>
-            <a:off x="10044907" y="1447800"/>
+            <a:off x="14544677" y="1447800"/>
             <a:ext cx="192555" cy="2060896"/>
           </a:xfrm>
           <a:prstGeom prst="rightBracket">
@@ -3744,7 +3747,7 @@
         </p:nvSpPr>
         <p:spPr>
           <a:xfrm>
-            <a:off x="10468745" y="4078861"/>
+            <a:off x="14968515" y="4078862"/>
             <a:ext cx="1193853" cy="646331"/>
           </a:xfrm>
           <a:prstGeom prst="rect">
@@ -3762,7 +3765,6 @@
               <a:rPr lang="en-US" dirty="0"/>
               <a:t>Feature extraction</a:t>
             </a:r>
-            <a:endParaRPr lang="en-US" dirty="0"/>
           </a:p>
         </p:txBody>
       </p:sp>
@@ -3774,7 +3776,7 @@
         </p:nvSpPr>
         <p:spPr>
           <a:xfrm>
-            <a:off x="10044907" y="3644900"/>
+            <a:off x="14544677" y="3644901"/>
             <a:ext cx="192555" cy="1382843"/>
           </a:xfrm>
           <a:prstGeom prst="rightBracket">
@@ -3821,7 +3823,7 @@
         </p:nvSpPr>
         <p:spPr>
           <a:xfrm>
-            <a:off x="10468745" y="2343494"/>
+            <a:off x="14968515" y="2343494"/>
             <a:ext cx="1193853" cy="369332"/>
           </a:xfrm>
           <a:prstGeom prst="rect">
@@ -3838,7 +3840,6 @@
               <a:rPr lang="en-US" dirty="0"/>
               <a:t>Input layer</a:t>
             </a:r>
-            <a:endParaRPr lang="en-US" dirty="0"/>
           </a:p>
         </p:txBody>
       </p:sp>
@@ -3850,7 +3851,7 @@
         </p:nvSpPr>
         <p:spPr>
           <a:xfrm>
-            <a:off x="10044907" y="5284657"/>
+            <a:off x="14544677" y="5284658"/>
             <a:ext cx="192555" cy="1382843"/>
           </a:xfrm>
           <a:prstGeom prst="rightBracket">
@@ -3897,7 +3898,7 @@
         </p:nvSpPr>
         <p:spPr>
           <a:xfrm>
-            <a:off x="10350489" y="5652912"/>
+            <a:off x="14850258" y="5652913"/>
             <a:ext cx="1430362" cy="646331"/>
           </a:xfrm>
           <a:prstGeom prst="rect">
@@ -3915,7 +3916,6 @@
               <a:rPr lang="en-US" dirty="0"/>
               <a:t>Feature combination</a:t>
             </a:r>
-            <a:endParaRPr lang="en-US" dirty="0"/>
           </a:p>
         </p:txBody>
       </p:sp>
@@ -3927,7 +3927,7 @@
         </p:nvSpPr>
         <p:spPr>
           <a:xfrm>
-            <a:off x="10044906" y="6924414"/>
+            <a:off x="14544676" y="6924415"/>
             <a:ext cx="192555" cy="886087"/>
           </a:xfrm>
           <a:prstGeom prst="rightBracket">
@@ -3974,7 +3974,7 @@
         </p:nvSpPr>
         <p:spPr>
           <a:xfrm>
-            <a:off x="10382983" y="7204830"/>
+            <a:off x="14882752" y="7204830"/>
             <a:ext cx="1365374" cy="369332"/>
           </a:xfrm>
           <a:prstGeom prst="rect">
@@ -3991,7 +3991,6 @@
               <a:rPr lang="en-US" dirty="0"/>
               <a:t>Output layer</a:t>
             </a:r>
-            <a:endParaRPr lang="en-US" dirty="0"/>
           </a:p>
         </p:txBody>
       </p:sp>
@@ -4040,7 +4039,7 @@
           </p:nvPr>
         </p:nvGraphicFramePr>
         <p:xfrm>
-          <a:off x="4383246" y="5181970"/>
+          <a:off x="8883015" y="5181970"/>
           <a:ext cx="8128000" cy="1185672"/>
         </p:xfrm>
         <a:graphic>
@@ -4449,7 +4448,7 @@
         </p:nvSpPr>
         <p:spPr>
           <a:xfrm>
-            <a:off x="4212432" y="4333875"/>
+            <a:off x="8712202" y="4333876"/>
             <a:ext cx="6753225" cy="1552575"/>
           </a:xfrm>
           <a:prstGeom prst="rect">
@@ -4530,7 +4529,7 @@
         </p:nvSpPr>
         <p:spPr>
           <a:xfrm>
-            <a:off x="9165431" y="4410075"/>
+            <a:off x="13665200" y="4410075"/>
             <a:ext cx="1752600" cy="1395412"/>
           </a:xfrm>
           <a:prstGeom prst="rect">
@@ -4649,13 +4648,13 @@
           <p:nvPr>
             <p:extLst>
               <p:ext uri="{D42A27DB-BD31-4B8C-83A1-F6EECF244321}">
-                <p14:modId xmlns:p14="http://schemas.microsoft.com/office/powerpoint/2010/main" val="2848869914"/>
+                <p14:modId xmlns:p14="http://schemas.microsoft.com/office/powerpoint/2010/main" val="1819024241"/>
               </p:ext>
             </p:extLst>
           </p:nvPr>
         </p:nvGraphicFramePr>
         <p:xfrm>
-          <a:off x="7855745" y="1281750"/>
+          <a:off x="8124150" y="1593116"/>
           <a:ext cx="2160000" cy="5040000"/>
         </p:xfrm>
         <a:graphic>
@@ -4697,7 +4696,7 @@
                     </a:p>
                   </a:txBody>
                   <a:tcPr>
-                    <a:lnL w="38100" cap="flat" cmpd="sng" algn="ctr">
+                    <a:lnL w="57150" cap="flat" cmpd="sng" algn="ctr">
                       <a:solidFill>
                         <a:schemeClr val="accent6">
                           <a:lumMod val="75000"/>
@@ -4719,7 +4718,7 @@
                       <a:headEnd type="none" w="med" len="med"/>
                       <a:tailEnd type="none" w="med" len="med"/>
                     </a:lnR>
-                    <a:lnT w="38100" cap="flat" cmpd="sng" algn="ctr">
+                    <a:lnT w="57150" cap="flat" cmpd="sng" algn="ctr">
                       <a:solidFill>
                         <a:schemeClr val="accent6">
                           <a:lumMod val="75000"/>
@@ -4777,7 +4776,7 @@
                       <a:headEnd type="none" w="med" len="med"/>
                       <a:tailEnd type="none" w="med" len="med"/>
                     </a:lnR>
-                    <a:lnT w="38100" cap="flat" cmpd="sng" algn="ctr">
+                    <a:lnT w="57150" cap="flat" cmpd="sng" algn="ctr">
                       <a:solidFill>
                         <a:schemeClr val="accent6">
                           <a:lumMod val="75000"/>
@@ -4824,7 +4823,7 @@
                       <a:headEnd type="none" w="med" len="med"/>
                       <a:tailEnd type="none" w="med" len="med"/>
                     </a:lnL>
-                    <a:lnR w="38100" cap="flat" cmpd="sng" algn="ctr">
+                    <a:lnR w="57150" cap="flat" cmpd="sng" algn="ctr">
                       <a:solidFill>
                         <a:schemeClr val="accent6">
                           <a:lumMod val="75000"/>
@@ -4835,7 +4834,7 @@
                       <a:headEnd type="none" w="med" len="med"/>
                       <a:tailEnd type="none" w="med" len="med"/>
                     </a:lnR>
-                    <a:lnT w="38100" cap="flat" cmpd="sng" algn="ctr">
+                    <a:lnT w="57150" cap="flat" cmpd="sng" algn="ctr">
                       <a:solidFill>
                         <a:schemeClr val="accent6">
                           <a:lumMod val="75000"/>
@@ -4878,7 +4877,7 @@
                     </a:p>
                   </a:txBody>
                   <a:tcPr>
-                    <a:lnL w="38100" cap="flat" cmpd="sng" algn="ctr">
+                    <a:lnL w="57150" cap="flat" cmpd="sng" algn="ctr">
                       <a:solidFill>
                         <a:schemeClr val="accent6">
                           <a:lumMod val="75000"/>
@@ -5005,7 +5004,7 @@
                       <a:headEnd type="none" w="med" len="med"/>
                       <a:tailEnd type="none" w="med" len="med"/>
                     </a:lnL>
-                    <a:lnR w="38100" cap="flat" cmpd="sng" algn="ctr">
+                    <a:lnR w="57150" cap="flat" cmpd="sng" algn="ctr">
                       <a:solidFill>
                         <a:schemeClr val="accent6">
                           <a:lumMod val="75000"/>
@@ -5059,7 +5058,7 @@
                     </a:p>
                   </a:txBody>
                   <a:tcPr>
-                    <a:lnL w="38100" cap="flat" cmpd="sng" algn="ctr">
+                    <a:lnL w="57150" cap="flat" cmpd="sng" algn="ctr">
                       <a:solidFill>
                         <a:schemeClr val="accent6">
                           <a:lumMod val="75000"/>
@@ -5186,7 +5185,7 @@
                       <a:headEnd type="none" w="med" len="med"/>
                       <a:tailEnd type="none" w="med" len="med"/>
                     </a:lnL>
-                    <a:lnR w="38100" cap="flat" cmpd="sng" algn="ctr">
+                    <a:lnR w="57150" cap="flat" cmpd="sng" algn="ctr">
                       <a:solidFill>
                         <a:schemeClr val="accent6">
                           <a:lumMod val="75000"/>
@@ -5240,7 +5239,7 @@
                     </a:p>
                   </a:txBody>
                   <a:tcPr>
-                    <a:lnL w="38100" cap="flat" cmpd="sng" algn="ctr">
+                    <a:lnL w="57150" cap="flat" cmpd="sng" algn="ctr">
                       <a:solidFill>
                         <a:schemeClr val="accent6">
                           <a:lumMod val="75000"/>
@@ -5367,7 +5366,7 @@
                       <a:headEnd type="none" w="med" len="med"/>
                       <a:tailEnd type="none" w="med" len="med"/>
                     </a:lnL>
-                    <a:lnR w="38100" cap="flat" cmpd="sng" algn="ctr">
+                    <a:lnR w="57150" cap="flat" cmpd="sng" algn="ctr">
                       <a:solidFill>
                         <a:schemeClr val="accent6">
                           <a:lumMod val="75000"/>
@@ -5421,7 +5420,7 @@
                     </a:p>
                   </a:txBody>
                   <a:tcPr>
-                    <a:lnL w="38100" cap="flat" cmpd="sng" algn="ctr">
+                    <a:lnL w="57150" cap="flat" cmpd="sng" algn="ctr">
                       <a:solidFill>
                         <a:schemeClr val="accent6">
                           <a:lumMod val="75000"/>
@@ -5548,7 +5547,7 @@
                       <a:headEnd type="none" w="med" len="med"/>
                       <a:tailEnd type="none" w="med" len="med"/>
                     </a:lnL>
-                    <a:lnR w="38100" cap="flat" cmpd="sng" algn="ctr">
+                    <a:lnR w="57150" cap="flat" cmpd="sng" algn="ctr">
                       <a:solidFill>
                         <a:schemeClr val="accent6">
                           <a:lumMod val="75000"/>
@@ -5602,7 +5601,7 @@
                     </a:p>
                   </a:txBody>
                   <a:tcPr>
-                    <a:lnL w="38100" cap="flat" cmpd="sng" algn="ctr">
+                    <a:lnL w="57150" cap="flat" cmpd="sng" algn="ctr">
                       <a:solidFill>
                         <a:schemeClr val="accent6">
                           <a:lumMod val="75000"/>
@@ -5729,7 +5728,7 @@
                       <a:headEnd type="none" w="med" len="med"/>
                       <a:tailEnd type="none" w="med" len="med"/>
                     </a:lnL>
-                    <a:lnR w="38100" cap="flat" cmpd="sng" algn="ctr">
+                    <a:lnR w="57150" cap="flat" cmpd="sng" algn="ctr">
                       <a:solidFill>
                         <a:schemeClr val="accent6">
                           <a:lumMod val="75000"/>
@@ -5783,7 +5782,7 @@
                     </a:p>
                   </a:txBody>
                   <a:tcPr>
-                    <a:lnL w="38100" cap="flat" cmpd="sng" algn="ctr">
+                    <a:lnL w="57150" cap="flat" cmpd="sng" algn="ctr">
                       <a:solidFill>
                         <a:schemeClr val="accent6">
                           <a:lumMod val="75000"/>
@@ -5816,7 +5815,7 @@
                       <a:headEnd type="none" w="med" len="med"/>
                       <a:tailEnd type="none" w="med" len="med"/>
                     </a:lnT>
-                    <a:lnB w="38100" cap="flat" cmpd="sng" algn="ctr">
+                    <a:lnB w="57150" cap="flat" cmpd="sng" algn="ctr">
                       <a:solidFill>
                         <a:schemeClr val="accent6">
                           <a:lumMod val="75000"/>
@@ -5874,7 +5873,7 @@
                       <a:headEnd type="none" w="med" len="med"/>
                       <a:tailEnd type="none" w="med" len="med"/>
                     </a:lnT>
-                    <a:lnB w="38100" cap="flat" cmpd="sng" algn="ctr">
+                    <a:lnB w="57150" cap="flat" cmpd="sng" algn="ctr">
                       <a:solidFill>
                         <a:schemeClr val="accent6">
                           <a:lumMod val="75000"/>
@@ -5910,7 +5909,7 @@
                       <a:headEnd type="none" w="med" len="med"/>
                       <a:tailEnd type="none" w="med" len="med"/>
                     </a:lnL>
-                    <a:lnR w="38100" cap="flat" cmpd="sng" algn="ctr">
+                    <a:lnR w="57150" cap="flat" cmpd="sng" algn="ctr">
                       <a:solidFill>
                         <a:schemeClr val="accent6">
                           <a:lumMod val="75000"/>
@@ -5932,7 +5931,7 @@
                       <a:headEnd type="none" w="med" len="med"/>
                       <a:tailEnd type="none" w="med" len="med"/>
                     </a:lnT>
-                    <a:lnB w="38100" cap="flat" cmpd="sng" algn="ctr">
+                    <a:lnB w="57150" cap="flat" cmpd="sng" algn="ctr">
                       <a:solidFill>
                         <a:schemeClr val="accent6">
                           <a:lumMod val="75000"/>
@@ -5966,8 +5965,8 @@
         </p:nvSpPr>
         <p:spPr>
           <a:xfrm>
-            <a:off x="301466" y="1562100"/>
-            <a:ext cx="4794250" cy="6057900"/>
+            <a:off x="583197" y="1886564"/>
+            <a:ext cx="4794250" cy="6086929"/>
           </a:xfrm>
           <a:prstGeom prst="rect">
             <a:avLst/>
@@ -6411,7 +6410,7 @@
         </p:nvSpPr>
         <p:spPr>
           <a:xfrm>
-            <a:off x="409416" y="1676400"/>
+            <a:off x="691147" y="2000864"/>
             <a:ext cx="4584700" cy="533400"/>
           </a:xfrm>
           <a:prstGeom prst="rect">
@@ -6420,8 +6419,8 @@
           <a:noFill/>
           <a:ln w="38100">
             <a:solidFill>
-              <a:schemeClr val="accent1">
-                <a:lumMod val="75000"/>
+              <a:schemeClr val="accent5">
+                <a:lumMod val="50000"/>
               </a:schemeClr>
             </a:solidFill>
           </a:ln>
@@ -6464,7 +6463,7 @@
         </p:nvSpPr>
         <p:spPr>
           <a:xfrm>
-            <a:off x="406241" y="2794000"/>
+            <a:off x="687972" y="3118464"/>
             <a:ext cx="4584700" cy="533400"/>
           </a:xfrm>
           <a:prstGeom prst="rect">
@@ -6517,13 +6516,18 @@
         </p:nvCxnSpPr>
         <p:spPr>
           <a:xfrm>
-            <a:off x="4990941" y="1676400"/>
-            <a:ext cx="1784804" cy="394650"/>
+            <a:off x="5272672" y="2000865"/>
+            <a:ext cx="1725710" cy="481111"/>
           </a:xfrm>
           <a:prstGeom prst="line">
             <a:avLst/>
           </a:prstGeom>
-          <a:ln w="28575">
+          <a:ln w="38100">
+            <a:solidFill>
+              <a:schemeClr val="accent5">
+                <a:lumMod val="50000"/>
+              </a:schemeClr>
+            </a:solidFill>
             <a:prstDash val="sysDot"/>
           </a:ln>
         </p:spPr>
@@ -6550,13 +6554,18 @@
         </p:nvCxnSpPr>
         <p:spPr>
           <a:xfrm>
-            <a:off x="4990941" y="2209800"/>
-            <a:ext cx="1784804" cy="4901250"/>
+            <a:off x="5272672" y="2534265"/>
+            <a:ext cx="1706750" cy="4987711"/>
           </a:xfrm>
           <a:prstGeom prst="line">
             <a:avLst/>
           </a:prstGeom>
-          <a:ln w="28575">
+          <a:ln w="38100">
+            <a:solidFill>
+              <a:schemeClr val="accent5">
+                <a:lumMod val="50000"/>
+              </a:schemeClr>
+            </a:solidFill>
             <a:prstDash val="sysDot"/>
           </a:ln>
         </p:spPr>
@@ -6583,13 +6592,13 @@
         </p:nvCxnSpPr>
         <p:spPr>
           <a:xfrm flipV="1">
-            <a:off x="4990941" y="1700850"/>
-            <a:ext cx="2397125" cy="1093151"/>
+            <a:off x="5272672" y="2037547"/>
+            <a:ext cx="2286212" cy="1080921"/>
           </a:xfrm>
           <a:prstGeom prst="line">
             <a:avLst/>
           </a:prstGeom>
-          <a:ln w="28575">
+          <a:ln w="38100">
             <a:solidFill>
               <a:schemeClr val="accent2"/>
             </a:solidFill>
@@ -6619,13 +6628,13 @@
         </p:nvCxnSpPr>
         <p:spPr>
           <a:xfrm>
-            <a:off x="4990941" y="3327400"/>
+            <a:off x="5272673" y="3651864"/>
             <a:ext cx="2378823" cy="3389000"/>
           </a:xfrm>
           <a:prstGeom prst="line">
             <a:avLst/>
           </a:prstGeom>
-          <a:ln w="28575">
+          <a:ln w="38100">
             <a:solidFill>
               <a:schemeClr val="accent2"/>
             </a:solidFill>
@@ -6656,13 +6665,13 @@
           <p:nvPr>
             <p:extLst>
               <p:ext uri="{D42A27DB-BD31-4B8C-83A1-F6EECF244321}">
-                <p14:modId xmlns:p14="http://schemas.microsoft.com/office/powerpoint/2010/main" val="154036510"/>
+                <p14:modId xmlns:p14="http://schemas.microsoft.com/office/powerpoint/2010/main" val="2591575780"/>
               </p:ext>
             </p:extLst>
           </p:nvPr>
         </p:nvGraphicFramePr>
         <p:xfrm>
-          <a:off x="7369764" y="1676400"/>
+          <a:off x="7558884" y="2037546"/>
           <a:ext cx="2160000" cy="5040000"/>
         </p:xfrm>
         <a:graphic>
@@ -6816,7 +6825,7 @@
                     <a:bodyPr/>
                     <a:lstStyle/>
                     <a:p>
-                      <a:endParaRPr lang="en-US"/>
+                      <a:endParaRPr lang="en-US" dirty="0"/>
                     </a:p>
                   </a:txBody>
                   <a:tcPr>
@@ -7974,13 +7983,13 @@
           <p:nvPr>
             <p:extLst>
               <p:ext uri="{D42A27DB-BD31-4B8C-83A1-F6EECF244321}">
-                <p14:modId xmlns:p14="http://schemas.microsoft.com/office/powerpoint/2010/main" val="1209390732"/>
+                <p14:modId xmlns:p14="http://schemas.microsoft.com/office/powerpoint/2010/main" val="2613973523"/>
               </p:ext>
             </p:extLst>
           </p:nvPr>
         </p:nvGraphicFramePr>
         <p:xfrm>
-          <a:off x="6775745" y="2071050"/>
+          <a:off x="6998382" y="2481975"/>
           <a:ext cx="2160000" cy="5040000"/>
         </p:xfrm>
         <a:graphic>
@@ -8028,8 +8037,8 @@
                   <a:tcPr>
                     <a:lnL w="57150" cap="flat" cmpd="sng" algn="ctr">
                       <a:solidFill>
-                        <a:schemeClr val="accent1">
-                          <a:lumMod val="75000"/>
+                        <a:schemeClr val="accent5">
+                          <a:lumMod val="50000"/>
                         </a:schemeClr>
                       </a:solidFill>
                       <a:prstDash val="solid"/>
@@ -8037,10 +8046,10 @@
                       <a:headEnd type="none" w="med" len="med"/>
                       <a:tailEnd type="none" w="med" len="med"/>
                     </a:lnL>
-                    <a:lnR w="6350" cap="flat" cmpd="sng" algn="ctr">
-                      <a:solidFill>
-                        <a:schemeClr val="accent1">
-                          <a:lumMod val="75000"/>
+                    <a:lnR w="12700" cap="flat" cmpd="sng" algn="ctr">
+                      <a:solidFill>
+                        <a:schemeClr val="accent5">
+                          <a:lumMod val="50000"/>
                         </a:schemeClr>
                       </a:solidFill>
                       <a:prstDash val="solid"/>
@@ -8050,8 +8059,8 @@
                     </a:lnR>
                     <a:lnT w="57150" cap="flat" cmpd="sng" algn="ctr">
                       <a:solidFill>
-                        <a:schemeClr val="accent1">
-                          <a:lumMod val="75000"/>
+                        <a:schemeClr val="accent5">
+                          <a:lumMod val="50000"/>
                         </a:schemeClr>
                       </a:solidFill>
                       <a:prstDash val="solid"/>
@@ -8059,10 +8068,10 @@
                       <a:headEnd type="none" w="med" len="med"/>
                       <a:tailEnd type="none" w="med" len="med"/>
                     </a:lnT>
-                    <a:lnB w="6350" cap="flat" cmpd="sng" algn="ctr">
-                      <a:solidFill>
-                        <a:schemeClr val="accent1">
-                          <a:lumMod val="75000"/>
+                    <a:lnB w="12700" cap="flat" cmpd="sng" algn="ctr">
+                      <a:solidFill>
+                        <a:schemeClr val="accent5">
+                          <a:lumMod val="50000"/>
                         </a:schemeClr>
                       </a:solidFill>
                       <a:prstDash val="solid"/>
@@ -8088,10 +8097,10 @@
                     </a:p>
                   </a:txBody>
                   <a:tcPr>
-                    <a:lnL w="6350" cap="flat" cmpd="sng" algn="ctr">
-                      <a:solidFill>
-                        <a:schemeClr val="accent1">
-                          <a:lumMod val="75000"/>
+                    <a:lnL w="12700" cap="flat" cmpd="sng" algn="ctr">
+                      <a:solidFill>
+                        <a:schemeClr val="accent5">
+                          <a:lumMod val="50000"/>
                         </a:schemeClr>
                       </a:solidFill>
                       <a:prstDash val="solid"/>
@@ -8099,10 +8108,10 @@
                       <a:headEnd type="none" w="med" len="med"/>
                       <a:tailEnd type="none" w="med" len="med"/>
                     </a:lnL>
-                    <a:lnR w="6350" cap="flat" cmpd="sng" algn="ctr">
-                      <a:solidFill>
-                        <a:schemeClr val="accent1">
-                          <a:lumMod val="75000"/>
+                    <a:lnR w="12700" cap="flat" cmpd="sng" algn="ctr">
+                      <a:solidFill>
+                        <a:schemeClr val="accent5">
+                          <a:lumMod val="50000"/>
                         </a:schemeClr>
                       </a:solidFill>
                       <a:prstDash val="solid"/>
@@ -8112,8 +8121,8 @@
                     </a:lnR>
                     <a:lnT w="57150" cap="flat" cmpd="sng" algn="ctr">
                       <a:solidFill>
-                        <a:schemeClr val="accent1">
-                          <a:lumMod val="75000"/>
+                        <a:schemeClr val="accent5">
+                          <a:lumMod val="50000"/>
                         </a:schemeClr>
                       </a:solidFill>
                       <a:prstDash val="solid"/>
@@ -8121,10 +8130,10 @@
                       <a:headEnd type="none" w="med" len="med"/>
                       <a:tailEnd type="none" w="med" len="med"/>
                     </a:lnT>
-                    <a:lnB w="6350" cap="flat" cmpd="sng" algn="ctr">
-                      <a:solidFill>
-                        <a:schemeClr val="accent1">
-                          <a:lumMod val="75000"/>
+                    <a:lnB w="12700" cap="flat" cmpd="sng" algn="ctr">
+                      <a:solidFill>
+                        <a:schemeClr val="accent5">
+                          <a:lumMod val="50000"/>
                         </a:schemeClr>
                       </a:solidFill>
                       <a:prstDash val="solid"/>
@@ -8150,10 +8159,10 @@
                     </a:p>
                   </a:txBody>
                   <a:tcPr>
-                    <a:lnL w="6350" cap="flat" cmpd="sng" algn="ctr">
-                      <a:solidFill>
-                        <a:schemeClr val="accent1">
-                          <a:lumMod val="75000"/>
+                    <a:lnL w="12700" cap="flat" cmpd="sng" algn="ctr">
+                      <a:solidFill>
+                        <a:schemeClr val="accent5">
+                          <a:lumMod val="50000"/>
                         </a:schemeClr>
                       </a:solidFill>
                       <a:prstDash val="solid"/>
@@ -8163,8 +8172,8 @@
                     </a:lnL>
                     <a:lnR w="57150" cap="flat" cmpd="sng" algn="ctr">
                       <a:solidFill>
-                        <a:schemeClr val="accent1">
-                          <a:lumMod val="75000"/>
+                        <a:schemeClr val="accent5">
+                          <a:lumMod val="50000"/>
                         </a:schemeClr>
                       </a:solidFill>
                       <a:prstDash val="solid"/>
@@ -8174,8 +8183,8 @@
                     </a:lnR>
                     <a:lnT w="57150" cap="flat" cmpd="sng" algn="ctr">
                       <a:solidFill>
-                        <a:schemeClr val="accent1">
-                          <a:lumMod val="75000"/>
+                        <a:schemeClr val="accent5">
+                          <a:lumMod val="50000"/>
                         </a:schemeClr>
                       </a:solidFill>
                       <a:prstDash val="solid"/>
@@ -8183,10 +8192,10 @@
                       <a:headEnd type="none" w="med" len="med"/>
                       <a:tailEnd type="none" w="med" len="med"/>
                     </a:lnT>
-                    <a:lnB w="6350" cap="flat" cmpd="sng" algn="ctr">
-                      <a:solidFill>
-                        <a:schemeClr val="accent1">
-                          <a:lumMod val="75000"/>
+                    <a:lnB w="12700" cap="flat" cmpd="sng" algn="ctr">
+                      <a:solidFill>
+                        <a:schemeClr val="accent5">
+                          <a:lumMod val="50000"/>
                         </a:schemeClr>
                       </a:solidFill>
                       <a:prstDash val="solid"/>
@@ -8221,8 +8230,8 @@
                   <a:tcPr>
                     <a:lnL w="57150" cap="flat" cmpd="sng" algn="ctr">
                       <a:solidFill>
-                        <a:schemeClr val="accent1">
-                          <a:lumMod val="75000"/>
+                        <a:schemeClr val="accent5">
+                          <a:lumMod val="50000"/>
                         </a:schemeClr>
                       </a:solidFill>
                       <a:prstDash val="solid"/>
@@ -8230,10 +8239,10 @@
                       <a:headEnd type="none" w="med" len="med"/>
                       <a:tailEnd type="none" w="med" len="med"/>
                     </a:lnL>
-                    <a:lnR w="6350" cap="flat" cmpd="sng" algn="ctr">
-                      <a:solidFill>
-                        <a:schemeClr val="accent1">
-                          <a:lumMod val="75000"/>
+                    <a:lnR w="12700" cap="flat" cmpd="sng" algn="ctr">
+                      <a:solidFill>
+                        <a:schemeClr val="accent5">
+                          <a:lumMod val="50000"/>
                         </a:schemeClr>
                       </a:solidFill>
                       <a:prstDash val="solid"/>
@@ -8241,10 +8250,10 @@
                       <a:headEnd type="none" w="med" len="med"/>
                       <a:tailEnd type="none" w="med" len="med"/>
                     </a:lnR>
-                    <a:lnT w="6350" cap="flat" cmpd="sng" algn="ctr">
-                      <a:solidFill>
-                        <a:schemeClr val="accent1">
-                          <a:lumMod val="75000"/>
+                    <a:lnT w="12700" cap="flat" cmpd="sng" algn="ctr">
+                      <a:solidFill>
+                        <a:schemeClr val="accent5">
+                          <a:lumMod val="50000"/>
                         </a:schemeClr>
                       </a:solidFill>
                       <a:prstDash val="solid"/>
@@ -8252,10 +8261,10 @@
                       <a:headEnd type="none" w="med" len="med"/>
                       <a:tailEnd type="none" w="med" len="med"/>
                     </a:lnT>
-                    <a:lnB w="6350" cap="flat" cmpd="sng" algn="ctr">
-                      <a:solidFill>
-                        <a:schemeClr val="accent1">
-                          <a:lumMod val="75000"/>
+                    <a:lnB w="12700" cap="flat" cmpd="sng" algn="ctr">
+                      <a:solidFill>
+                        <a:schemeClr val="accent5">
+                          <a:lumMod val="50000"/>
                         </a:schemeClr>
                       </a:solidFill>
                       <a:prstDash val="solid"/>
@@ -8281,10 +8290,10 @@
                     </a:p>
                   </a:txBody>
                   <a:tcPr>
-                    <a:lnL w="6350" cap="flat" cmpd="sng" algn="ctr">
-                      <a:solidFill>
-                        <a:schemeClr val="accent1">
-                          <a:lumMod val="75000"/>
+                    <a:lnL w="12700" cap="flat" cmpd="sng" algn="ctr">
+                      <a:solidFill>
+                        <a:schemeClr val="accent5">
+                          <a:lumMod val="50000"/>
                         </a:schemeClr>
                       </a:solidFill>
                       <a:prstDash val="solid"/>
@@ -8292,10 +8301,10 @@
                       <a:headEnd type="none" w="med" len="med"/>
                       <a:tailEnd type="none" w="med" len="med"/>
                     </a:lnL>
-                    <a:lnR w="6350" cap="flat" cmpd="sng" algn="ctr">
-                      <a:solidFill>
-                        <a:schemeClr val="accent1">
-                          <a:lumMod val="75000"/>
+                    <a:lnR w="12700" cap="flat" cmpd="sng" algn="ctr">
+                      <a:solidFill>
+                        <a:schemeClr val="accent5">
+                          <a:lumMod val="50000"/>
                         </a:schemeClr>
                       </a:solidFill>
                       <a:prstDash val="solid"/>
@@ -8303,10 +8312,10 @@
                       <a:headEnd type="none" w="med" len="med"/>
                       <a:tailEnd type="none" w="med" len="med"/>
                     </a:lnR>
-                    <a:lnT w="6350" cap="flat" cmpd="sng" algn="ctr">
-                      <a:solidFill>
-                        <a:schemeClr val="accent1">
-                          <a:lumMod val="75000"/>
+                    <a:lnT w="12700" cap="flat" cmpd="sng" algn="ctr">
+                      <a:solidFill>
+                        <a:schemeClr val="accent5">
+                          <a:lumMod val="50000"/>
                         </a:schemeClr>
                       </a:solidFill>
                       <a:prstDash val="solid"/>
@@ -8314,10 +8323,10 @@
                       <a:headEnd type="none" w="med" len="med"/>
                       <a:tailEnd type="none" w="med" len="med"/>
                     </a:lnT>
-                    <a:lnB w="6350" cap="flat" cmpd="sng" algn="ctr">
-                      <a:solidFill>
-                        <a:schemeClr val="accent1">
-                          <a:lumMod val="75000"/>
+                    <a:lnB w="12700" cap="flat" cmpd="sng" algn="ctr">
+                      <a:solidFill>
+                        <a:schemeClr val="accent5">
+                          <a:lumMod val="50000"/>
                         </a:schemeClr>
                       </a:solidFill>
                       <a:prstDash val="solid"/>
@@ -8343,10 +8352,10 @@
                     </a:p>
                   </a:txBody>
                   <a:tcPr>
-                    <a:lnL w="6350" cap="flat" cmpd="sng" algn="ctr">
-                      <a:solidFill>
-                        <a:schemeClr val="accent1">
-                          <a:lumMod val="75000"/>
+                    <a:lnL w="12700" cap="flat" cmpd="sng" algn="ctr">
+                      <a:solidFill>
+                        <a:schemeClr val="accent5">
+                          <a:lumMod val="50000"/>
                         </a:schemeClr>
                       </a:solidFill>
                       <a:prstDash val="solid"/>
@@ -8356,8 +8365,8 @@
                     </a:lnL>
                     <a:lnR w="57150" cap="flat" cmpd="sng" algn="ctr">
                       <a:solidFill>
-                        <a:schemeClr val="accent1">
-                          <a:lumMod val="75000"/>
+                        <a:schemeClr val="accent5">
+                          <a:lumMod val="50000"/>
                         </a:schemeClr>
                       </a:solidFill>
                       <a:prstDash val="solid"/>
@@ -8365,10 +8374,10 @@
                       <a:headEnd type="none" w="med" len="med"/>
                       <a:tailEnd type="none" w="med" len="med"/>
                     </a:lnR>
-                    <a:lnT w="6350" cap="flat" cmpd="sng" algn="ctr">
-                      <a:solidFill>
-                        <a:schemeClr val="accent1">
-                          <a:lumMod val="75000"/>
+                    <a:lnT w="12700" cap="flat" cmpd="sng" algn="ctr">
+                      <a:solidFill>
+                        <a:schemeClr val="accent5">
+                          <a:lumMod val="50000"/>
                         </a:schemeClr>
                       </a:solidFill>
                       <a:prstDash val="solid"/>
@@ -8376,10 +8385,10 @@
                       <a:headEnd type="none" w="med" len="med"/>
                       <a:tailEnd type="none" w="med" len="med"/>
                     </a:lnT>
-                    <a:lnB w="6350" cap="flat" cmpd="sng" algn="ctr">
-                      <a:solidFill>
-                        <a:schemeClr val="accent1">
-                          <a:lumMod val="75000"/>
+                    <a:lnB w="12700" cap="flat" cmpd="sng" algn="ctr">
+                      <a:solidFill>
+                        <a:schemeClr val="accent5">
+                          <a:lumMod val="50000"/>
                         </a:schemeClr>
                       </a:solidFill>
                       <a:prstDash val="solid"/>
@@ -8414,8 +8423,8 @@
                   <a:tcPr>
                     <a:lnL w="57150" cap="flat" cmpd="sng" algn="ctr">
                       <a:solidFill>
-                        <a:schemeClr val="accent1">
-                          <a:lumMod val="75000"/>
+                        <a:schemeClr val="accent5">
+                          <a:lumMod val="50000"/>
                         </a:schemeClr>
                       </a:solidFill>
                       <a:prstDash val="solid"/>
@@ -8423,10 +8432,10 @@
                       <a:headEnd type="none" w="med" len="med"/>
                       <a:tailEnd type="none" w="med" len="med"/>
                     </a:lnL>
-                    <a:lnR w="6350" cap="flat" cmpd="sng" algn="ctr">
-                      <a:solidFill>
-                        <a:schemeClr val="accent1">
-                          <a:lumMod val="75000"/>
+                    <a:lnR w="12700" cap="flat" cmpd="sng" algn="ctr">
+                      <a:solidFill>
+                        <a:schemeClr val="accent5">
+                          <a:lumMod val="50000"/>
                         </a:schemeClr>
                       </a:solidFill>
                       <a:prstDash val="solid"/>
@@ -8434,10 +8443,10 @@
                       <a:headEnd type="none" w="med" len="med"/>
                       <a:tailEnd type="none" w="med" len="med"/>
                     </a:lnR>
-                    <a:lnT w="6350" cap="flat" cmpd="sng" algn="ctr">
-                      <a:solidFill>
-                        <a:schemeClr val="accent1">
-                          <a:lumMod val="75000"/>
+                    <a:lnT w="12700" cap="flat" cmpd="sng" algn="ctr">
+                      <a:solidFill>
+                        <a:schemeClr val="accent5">
+                          <a:lumMod val="50000"/>
                         </a:schemeClr>
                       </a:solidFill>
                       <a:prstDash val="solid"/>
@@ -8445,10 +8454,10 @@
                       <a:headEnd type="none" w="med" len="med"/>
                       <a:tailEnd type="none" w="med" len="med"/>
                     </a:lnT>
-                    <a:lnB w="6350" cap="flat" cmpd="sng" algn="ctr">
-                      <a:solidFill>
-                        <a:schemeClr val="accent1">
-                          <a:lumMod val="75000"/>
+                    <a:lnB w="12700" cap="flat" cmpd="sng" algn="ctr">
+                      <a:solidFill>
+                        <a:schemeClr val="accent5">
+                          <a:lumMod val="50000"/>
                         </a:schemeClr>
                       </a:solidFill>
                       <a:prstDash val="solid"/>
@@ -8474,10 +8483,10 @@
                     </a:p>
                   </a:txBody>
                   <a:tcPr>
-                    <a:lnL w="6350" cap="flat" cmpd="sng" algn="ctr">
-                      <a:solidFill>
-                        <a:schemeClr val="accent1">
-                          <a:lumMod val="75000"/>
+                    <a:lnL w="12700" cap="flat" cmpd="sng" algn="ctr">
+                      <a:solidFill>
+                        <a:schemeClr val="accent5">
+                          <a:lumMod val="50000"/>
                         </a:schemeClr>
                       </a:solidFill>
                       <a:prstDash val="solid"/>
@@ -8485,10 +8494,10 @@
                       <a:headEnd type="none" w="med" len="med"/>
                       <a:tailEnd type="none" w="med" len="med"/>
                     </a:lnL>
-                    <a:lnR w="6350" cap="flat" cmpd="sng" algn="ctr">
-                      <a:solidFill>
-                        <a:schemeClr val="accent1">
-                          <a:lumMod val="75000"/>
+                    <a:lnR w="12700" cap="flat" cmpd="sng" algn="ctr">
+                      <a:solidFill>
+                        <a:schemeClr val="accent5">
+                          <a:lumMod val="50000"/>
                         </a:schemeClr>
                       </a:solidFill>
                       <a:prstDash val="solid"/>
@@ -8496,10 +8505,10 @@
                       <a:headEnd type="none" w="med" len="med"/>
                       <a:tailEnd type="none" w="med" len="med"/>
                     </a:lnR>
-                    <a:lnT w="6350" cap="flat" cmpd="sng" algn="ctr">
-                      <a:solidFill>
-                        <a:schemeClr val="accent1">
-                          <a:lumMod val="75000"/>
+                    <a:lnT w="12700" cap="flat" cmpd="sng" algn="ctr">
+                      <a:solidFill>
+                        <a:schemeClr val="accent5">
+                          <a:lumMod val="50000"/>
                         </a:schemeClr>
                       </a:solidFill>
                       <a:prstDash val="solid"/>
@@ -8507,10 +8516,10 @@
                       <a:headEnd type="none" w="med" len="med"/>
                       <a:tailEnd type="none" w="med" len="med"/>
                     </a:lnT>
-                    <a:lnB w="6350" cap="flat" cmpd="sng" algn="ctr">
-                      <a:solidFill>
-                        <a:schemeClr val="accent1">
-                          <a:lumMod val="75000"/>
+                    <a:lnB w="12700" cap="flat" cmpd="sng" algn="ctr">
+                      <a:solidFill>
+                        <a:schemeClr val="accent5">
+                          <a:lumMod val="50000"/>
                         </a:schemeClr>
                       </a:solidFill>
                       <a:prstDash val="solid"/>
@@ -8536,10 +8545,10 @@
                     </a:p>
                   </a:txBody>
                   <a:tcPr>
-                    <a:lnL w="6350" cap="flat" cmpd="sng" algn="ctr">
-                      <a:solidFill>
-                        <a:schemeClr val="accent1">
-                          <a:lumMod val="75000"/>
+                    <a:lnL w="12700" cap="flat" cmpd="sng" algn="ctr">
+                      <a:solidFill>
+                        <a:schemeClr val="accent5">
+                          <a:lumMod val="50000"/>
                         </a:schemeClr>
                       </a:solidFill>
                       <a:prstDash val="solid"/>
@@ -8549,8 +8558,8 @@
                     </a:lnL>
                     <a:lnR w="57150" cap="flat" cmpd="sng" algn="ctr">
                       <a:solidFill>
-                        <a:schemeClr val="accent1">
-                          <a:lumMod val="75000"/>
+                        <a:schemeClr val="accent5">
+                          <a:lumMod val="50000"/>
                         </a:schemeClr>
                       </a:solidFill>
                       <a:prstDash val="solid"/>
@@ -8558,10 +8567,10 @@
                       <a:headEnd type="none" w="med" len="med"/>
                       <a:tailEnd type="none" w="med" len="med"/>
                     </a:lnR>
-                    <a:lnT w="6350" cap="flat" cmpd="sng" algn="ctr">
-                      <a:solidFill>
-                        <a:schemeClr val="accent1">
-                          <a:lumMod val="75000"/>
+                    <a:lnT w="12700" cap="flat" cmpd="sng" algn="ctr">
+                      <a:solidFill>
+                        <a:schemeClr val="accent5">
+                          <a:lumMod val="50000"/>
                         </a:schemeClr>
                       </a:solidFill>
                       <a:prstDash val="solid"/>
@@ -8569,10 +8578,10 @@
                       <a:headEnd type="none" w="med" len="med"/>
                       <a:tailEnd type="none" w="med" len="med"/>
                     </a:lnT>
-                    <a:lnB w="6350" cap="flat" cmpd="sng" algn="ctr">
-                      <a:solidFill>
-                        <a:schemeClr val="accent1">
-                          <a:lumMod val="75000"/>
+                    <a:lnB w="12700" cap="flat" cmpd="sng" algn="ctr">
+                      <a:solidFill>
+                        <a:schemeClr val="accent5">
+                          <a:lumMod val="50000"/>
                         </a:schemeClr>
                       </a:solidFill>
                       <a:prstDash val="solid"/>
@@ -8607,8 +8616,8 @@
                   <a:tcPr>
                     <a:lnL w="57150" cap="flat" cmpd="sng" algn="ctr">
                       <a:solidFill>
-                        <a:schemeClr val="accent1">
-                          <a:lumMod val="75000"/>
+                        <a:schemeClr val="accent5">
+                          <a:lumMod val="50000"/>
                         </a:schemeClr>
                       </a:solidFill>
                       <a:prstDash val="solid"/>
@@ -8616,10 +8625,10 @@
                       <a:headEnd type="none" w="med" len="med"/>
                       <a:tailEnd type="none" w="med" len="med"/>
                     </a:lnL>
-                    <a:lnR w="6350" cap="flat" cmpd="sng" algn="ctr">
-                      <a:solidFill>
-                        <a:schemeClr val="accent1">
-                          <a:lumMod val="75000"/>
+                    <a:lnR w="12700" cap="flat" cmpd="sng" algn="ctr">
+                      <a:solidFill>
+                        <a:schemeClr val="accent5">
+                          <a:lumMod val="50000"/>
                         </a:schemeClr>
                       </a:solidFill>
                       <a:prstDash val="solid"/>
@@ -8627,10 +8636,10 @@
                       <a:headEnd type="none" w="med" len="med"/>
                       <a:tailEnd type="none" w="med" len="med"/>
                     </a:lnR>
-                    <a:lnT w="6350" cap="flat" cmpd="sng" algn="ctr">
-                      <a:solidFill>
-                        <a:schemeClr val="accent1">
-                          <a:lumMod val="75000"/>
+                    <a:lnT w="12700" cap="flat" cmpd="sng" algn="ctr">
+                      <a:solidFill>
+                        <a:schemeClr val="accent5">
+                          <a:lumMod val="50000"/>
                         </a:schemeClr>
                       </a:solidFill>
                       <a:prstDash val="solid"/>
@@ -8638,10 +8647,10 @@
                       <a:headEnd type="none" w="med" len="med"/>
                       <a:tailEnd type="none" w="med" len="med"/>
                     </a:lnT>
-                    <a:lnB w="6350" cap="flat" cmpd="sng" algn="ctr">
-                      <a:solidFill>
-                        <a:schemeClr val="accent1">
-                          <a:lumMod val="75000"/>
+                    <a:lnB w="12700" cap="flat" cmpd="sng" algn="ctr">
+                      <a:solidFill>
+                        <a:schemeClr val="accent5">
+                          <a:lumMod val="50000"/>
                         </a:schemeClr>
                       </a:solidFill>
                       <a:prstDash val="solid"/>
@@ -8667,10 +8676,10 @@
                     </a:p>
                   </a:txBody>
                   <a:tcPr>
-                    <a:lnL w="6350" cap="flat" cmpd="sng" algn="ctr">
-                      <a:solidFill>
-                        <a:schemeClr val="accent1">
-                          <a:lumMod val="75000"/>
+                    <a:lnL w="12700" cap="flat" cmpd="sng" algn="ctr">
+                      <a:solidFill>
+                        <a:schemeClr val="accent5">
+                          <a:lumMod val="50000"/>
                         </a:schemeClr>
                       </a:solidFill>
                       <a:prstDash val="solid"/>
@@ -8678,10 +8687,10 @@
                       <a:headEnd type="none" w="med" len="med"/>
                       <a:tailEnd type="none" w="med" len="med"/>
                     </a:lnL>
-                    <a:lnR w="6350" cap="flat" cmpd="sng" algn="ctr">
-                      <a:solidFill>
-                        <a:schemeClr val="accent1">
-                          <a:lumMod val="75000"/>
+                    <a:lnR w="12700" cap="flat" cmpd="sng" algn="ctr">
+                      <a:solidFill>
+                        <a:schemeClr val="accent5">
+                          <a:lumMod val="50000"/>
                         </a:schemeClr>
                       </a:solidFill>
                       <a:prstDash val="solid"/>
@@ -8689,10 +8698,10 @@
                       <a:headEnd type="none" w="med" len="med"/>
                       <a:tailEnd type="none" w="med" len="med"/>
                     </a:lnR>
-                    <a:lnT w="6350" cap="flat" cmpd="sng" algn="ctr">
-                      <a:solidFill>
-                        <a:schemeClr val="accent1">
-                          <a:lumMod val="75000"/>
+                    <a:lnT w="12700" cap="flat" cmpd="sng" algn="ctr">
+                      <a:solidFill>
+                        <a:schemeClr val="accent5">
+                          <a:lumMod val="50000"/>
                         </a:schemeClr>
                       </a:solidFill>
                       <a:prstDash val="solid"/>
@@ -8700,10 +8709,10 @@
                       <a:headEnd type="none" w="med" len="med"/>
                       <a:tailEnd type="none" w="med" len="med"/>
                     </a:lnT>
-                    <a:lnB w="6350" cap="flat" cmpd="sng" algn="ctr">
-                      <a:solidFill>
-                        <a:schemeClr val="accent1">
-                          <a:lumMod val="75000"/>
+                    <a:lnB w="12700" cap="flat" cmpd="sng" algn="ctr">
+                      <a:solidFill>
+                        <a:schemeClr val="accent5">
+                          <a:lumMod val="50000"/>
                         </a:schemeClr>
                       </a:solidFill>
                       <a:prstDash val="solid"/>
@@ -8729,10 +8738,10 @@
                     </a:p>
                   </a:txBody>
                   <a:tcPr>
-                    <a:lnL w="6350" cap="flat" cmpd="sng" algn="ctr">
-                      <a:solidFill>
-                        <a:schemeClr val="accent1">
-                          <a:lumMod val="75000"/>
+                    <a:lnL w="12700" cap="flat" cmpd="sng" algn="ctr">
+                      <a:solidFill>
+                        <a:schemeClr val="accent5">
+                          <a:lumMod val="50000"/>
                         </a:schemeClr>
                       </a:solidFill>
                       <a:prstDash val="solid"/>
@@ -8742,8 +8751,8 @@
                     </a:lnL>
                     <a:lnR w="57150" cap="flat" cmpd="sng" algn="ctr">
                       <a:solidFill>
-                        <a:schemeClr val="accent1">
-                          <a:lumMod val="75000"/>
+                        <a:schemeClr val="accent5">
+                          <a:lumMod val="50000"/>
                         </a:schemeClr>
                       </a:solidFill>
                       <a:prstDash val="solid"/>
@@ -8751,10 +8760,10 @@
                       <a:headEnd type="none" w="med" len="med"/>
                       <a:tailEnd type="none" w="med" len="med"/>
                     </a:lnR>
-                    <a:lnT w="6350" cap="flat" cmpd="sng" algn="ctr">
-                      <a:solidFill>
-                        <a:schemeClr val="accent1">
-                          <a:lumMod val="75000"/>
+                    <a:lnT w="12700" cap="flat" cmpd="sng" algn="ctr">
+                      <a:solidFill>
+                        <a:schemeClr val="accent5">
+                          <a:lumMod val="50000"/>
                         </a:schemeClr>
                       </a:solidFill>
                       <a:prstDash val="solid"/>
@@ -8762,10 +8771,10 @@
                       <a:headEnd type="none" w="med" len="med"/>
                       <a:tailEnd type="none" w="med" len="med"/>
                     </a:lnT>
-                    <a:lnB w="6350" cap="flat" cmpd="sng" algn="ctr">
-                      <a:solidFill>
-                        <a:schemeClr val="accent1">
-                          <a:lumMod val="75000"/>
+                    <a:lnB w="12700" cap="flat" cmpd="sng" algn="ctr">
+                      <a:solidFill>
+                        <a:schemeClr val="accent5">
+                          <a:lumMod val="50000"/>
                         </a:schemeClr>
                       </a:solidFill>
                       <a:prstDash val="solid"/>
@@ -8800,8 +8809,8 @@
                   <a:tcPr>
                     <a:lnL w="57150" cap="flat" cmpd="sng" algn="ctr">
                       <a:solidFill>
-                        <a:schemeClr val="accent1">
-                          <a:lumMod val="75000"/>
+                        <a:schemeClr val="accent5">
+                          <a:lumMod val="50000"/>
                         </a:schemeClr>
                       </a:solidFill>
                       <a:prstDash val="solid"/>
@@ -8809,10 +8818,10 @@
                       <a:headEnd type="none" w="med" len="med"/>
                       <a:tailEnd type="none" w="med" len="med"/>
                     </a:lnL>
-                    <a:lnR w="6350" cap="flat" cmpd="sng" algn="ctr">
-                      <a:solidFill>
-                        <a:schemeClr val="accent1">
-                          <a:lumMod val="75000"/>
+                    <a:lnR w="12700" cap="flat" cmpd="sng" algn="ctr">
+                      <a:solidFill>
+                        <a:schemeClr val="accent5">
+                          <a:lumMod val="50000"/>
                         </a:schemeClr>
                       </a:solidFill>
                       <a:prstDash val="solid"/>
@@ -8820,10 +8829,10 @@
                       <a:headEnd type="none" w="med" len="med"/>
                       <a:tailEnd type="none" w="med" len="med"/>
                     </a:lnR>
-                    <a:lnT w="6350" cap="flat" cmpd="sng" algn="ctr">
-                      <a:solidFill>
-                        <a:schemeClr val="accent1">
-                          <a:lumMod val="75000"/>
+                    <a:lnT w="12700" cap="flat" cmpd="sng" algn="ctr">
+                      <a:solidFill>
+                        <a:schemeClr val="accent5">
+                          <a:lumMod val="50000"/>
                         </a:schemeClr>
                       </a:solidFill>
                       <a:prstDash val="solid"/>
@@ -8831,10 +8840,10 @@
                       <a:headEnd type="none" w="med" len="med"/>
                       <a:tailEnd type="none" w="med" len="med"/>
                     </a:lnT>
-                    <a:lnB w="6350" cap="flat" cmpd="sng" algn="ctr">
-                      <a:solidFill>
-                        <a:schemeClr val="accent1">
-                          <a:lumMod val="75000"/>
+                    <a:lnB w="12700" cap="flat" cmpd="sng" algn="ctr">
+                      <a:solidFill>
+                        <a:schemeClr val="accent5">
+                          <a:lumMod val="50000"/>
                         </a:schemeClr>
                       </a:solidFill>
                       <a:prstDash val="solid"/>
@@ -8860,10 +8869,10 @@
                     </a:p>
                   </a:txBody>
                   <a:tcPr>
-                    <a:lnL w="6350" cap="flat" cmpd="sng" algn="ctr">
-                      <a:solidFill>
-                        <a:schemeClr val="accent1">
-                          <a:lumMod val="75000"/>
+                    <a:lnL w="12700" cap="flat" cmpd="sng" algn="ctr">
+                      <a:solidFill>
+                        <a:schemeClr val="accent5">
+                          <a:lumMod val="50000"/>
                         </a:schemeClr>
                       </a:solidFill>
                       <a:prstDash val="solid"/>
@@ -8871,10 +8880,10 @@
                       <a:headEnd type="none" w="med" len="med"/>
                       <a:tailEnd type="none" w="med" len="med"/>
                     </a:lnL>
-                    <a:lnR w="6350" cap="flat" cmpd="sng" algn="ctr">
-                      <a:solidFill>
-                        <a:schemeClr val="accent1">
-                          <a:lumMod val="75000"/>
+                    <a:lnR w="12700" cap="flat" cmpd="sng" algn="ctr">
+                      <a:solidFill>
+                        <a:schemeClr val="accent5">
+                          <a:lumMod val="50000"/>
                         </a:schemeClr>
                       </a:solidFill>
                       <a:prstDash val="solid"/>
@@ -8882,10 +8891,10 @@
                       <a:headEnd type="none" w="med" len="med"/>
                       <a:tailEnd type="none" w="med" len="med"/>
                     </a:lnR>
-                    <a:lnT w="6350" cap="flat" cmpd="sng" algn="ctr">
-                      <a:solidFill>
-                        <a:schemeClr val="accent1">
-                          <a:lumMod val="75000"/>
+                    <a:lnT w="12700" cap="flat" cmpd="sng" algn="ctr">
+                      <a:solidFill>
+                        <a:schemeClr val="accent5">
+                          <a:lumMod val="50000"/>
                         </a:schemeClr>
                       </a:solidFill>
                       <a:prstDash val="solid"/>
@@ -8893,10 +8902,10 @@
                       <a:headEnd type="none" w="med" len="med"/>
                       <a:tailEnd type="none" w="med" len="med"/>
                     </a:lnT>
-                    <a:lnB w="6350" cap="flat" cmpd="sng" algn="ctr">
-                      <a:solidFill>
-                        <a:schemeClr val="accent1">
-                          <a:lumMod val="75000"/>
+                    <a:lnB w="12700" cap="flat" cmpd="sng" algn="ctr">
+                      <a:solidFill>
+                        <a:schemeClr val="accent5">
+                          <a:lumMod val="50000"/>
                         </a:schemeClr>
                       </a:solidFill>
                       <a:prstDash val="solid"/>
@@ -8922,10 +8931,10 @@
                     </a:p>
                   </a:txBody>
                   <a:tcPr>
-                    <a:lnL w="6350" cap="flat" cmpd="sng" algn="ctr">
-                      <a:solidFill>
-                        <a:schemeClr val="accent1">
-                          <a:lumMod val="75000"/>
+                    <a:lnL w="12700" cap="flat" cmpd="sng" algn="ctr">
+                      <a:solidFill>
+                        <a:schemeClr val="accent5">
+                          <a:lumMod val="50000"/>
                         </a:schemeClr>
                       </a:solidFill>
                       <a:prstDash val="solid"/>
@@ -8935,8 +8944,8 @@
                     </a:lnL>
                     <a:lnR w="57150" cap="flat" cmpd="sng" algn="ctr">
                       <a:solidFill>
-                        <a:schemeClr val="accent1">
-                          <a:lumMod val="75000"/>
+                        <a:schemeClr val="accent5">
+                          <a:lumMod val="50000"/>
                         </a:schemeClr>
                       </a:solidFill>
                       <a:prstDash val="solid"/>
@@ -8944,10 +8953,10 @@
                       <a:headEnd type="none" w="med" len="med"/>
                       <a:tailEnd type="none" w="med" len="med"/>
                     </a:lnR>
-                    <a:lnT w="6350" cap="flat" cmpd="sng" algn="ctr">
-                      <a:solidFill>
-                        <a:schemeClr val="accent1">
-                          <a:lumMod val="75000"/>
+                    <a:lnT w="12700" cap="flat" cmpd="sng" algn="ctr">
+                      <a:solidFill>
+                        <a:schemeClr val="accent5">
+                          <a:lumMod val="50000"/>
                         </a:schemeClr>
                       </a:solidFill>
                       <a:prstDash val="solid"/>
@@ -8955,10 +8964,10 @@
                       <a:headEnd type="none" w="med" len="med"/>
                       <a:tailEnd type="none" w="med" len="med"/>
                     </a:lnT>
-                    <a:lnB w="6350" cap="flat" cmpd="sng" algn="ctr">
-                      <a:solidFill>
-                        <a:schemeClr val="accent1">
-                          <a:lumMod val="75000"/>
+                    <a:lnB w="12700" cap="flat" cmpd="sng" algn="ctr">
+                      <a:solidFill>
+                        <a:schemeClr val="accent5">
+                          <a:lumMod val="50000"/>
                         </a:schemeClr>
                       </a:solidFill>
                       <a:prstDash val="solid"/>
@@ -8993,8 +9002,8 @@
                   <a:tcPr>
                     <a:lnL w="57150" cap="flat" cmpd="sng" algn="ctr">
                       <a:solidFill>
-                        <a:schemeClr val="accent1">
-                          <a:lumMod val="75000"/>
+                        <a:schemeClr val="accent5">
+                          <a:lumMod val="50000"/>
                         </a:schemeClr>
                       </a:solidFill>
                       <a:prstDash val="solid"/>
@@ -9002,10 +9011,10 @@
                       <a:headEnd type="none" w="med" len="med"/>
                       <a:tailEnd type="none" w="med" len="med"/>
                     </a:lnL>
-                    <a:lnR w="6350" cap="flat" cmpd="sng" algn="ctr">
-                      <a:solidFill>
-                        <a:schemeClr val="accent1">
-                          <a:lumMod val="75000"/>
+                    <a:lnR w="12700" cap="flat" cmpd="sng" algn="ctr">
+                      <a:solidFill>
+                        <a:schemeClr val="accent5">
+                          <a:lumMod val="50000"/>
                         </a:schemeClr>
                       </a:solidFill>
                       <a:prstDash val="solid"/>
@@ -9013,10 +9022,10 @@
                       <a:headEnd type="none" w="med" len="med"/>
                       <a:tailEnd type="none" w="med" len="med"/>
                     </a:lnR>
-                    <a:lnT w="6350" cap="flat" cmpd="sng" algn="ctr">
-                      <a:solidFill>
-                        <a:schemeClr val="accent1">
-                          <a:lumMod val="75000"/>
+                    <a:lnT w="12700" cap="flat" cmpd="sng" algn="ctr">
+                      <a:solidFill>
+                        <a:schemeClr val="accent5">
+                          <a:lumMod val="50000"/>
                         </a:schemeClr>
                       </a:solidFill>
                       <a:prstDash val="solid"/>
@@ -9024,10 +9033,10 @@
                       <a:headEnd type="none" w="med" len="med"/>
                       <a:tailEnd type="none" w="med" len="med"/>
                     </a:lnT>
-                    <a:lnB w="6350" cap="flat" cmpd="sng" algn="ctr">
-                      <a:solidFill>
-                        <a:schemeClr val="accent1">
-                          <a:lumMod val="75000"/>
+                    <a:lnB w="12700" cap="flat" cmpd="sng" algn="ctr">
+                      <a:solidFill>
+                        <a:schemeClr val="accent5">
+                          <a:lumMod val="50000"/>
                         </a:schemeClr>
                       </a:solidFill>
                       <a:prstDash val="solid"/>
@@ -9053,10 +9062,10 @@
                     </a:p>
                   </a:txBody>
                   <a:tcPr>
-                    <a:lnL w="6350" cap="flat" cmpd="sng" algn="ctr">
-                      <a:solidFill>
-                        <a:schemeClr val="accent1">
-                          <a:lumMod val="75000"/>
+                    <a:lnL w="12700" cap="flat" cmpd="sng" algn="ctr">
+                      <a:solidFill>
+                        <a:schemeClr val="accent5">
+                          <a:lumMod val="50000"/>
                         </a:schemeClr>
                       </a:solidFill>
                       <a:prstDash val="solid"/>
@@ -9064,10 +9073,10 @@
                       <a:headEnd type="none" w="med" len="med"/>
                       <a:tailEnd type="none" w="med" len="med"/>
                     </a:lnL>
-                    <a:lnR w="6350" cap="flat" cmpd="sng" algn="ctr">
-                      <a:solidFill>
-                        <a:schemeClr val="accent1">
-                          <a:lumMod val="75000"/>
+                    <a:lnR w="12700" cap="flat" cmpd="sng" algn="ctr">
+                      <a:solidFill>
+                        <a:schemeClr val="accent5">
+                          <a:lumMod val="50000"/>
                         </a:schemeClr>
                       </a:solidFill>
                       <a:prstDash val="solid"/>
@@ -9075,10 +9084,10 @@
                       <a:headEnd type="none" w="med" len="med"/>
                       <a:tailEnd type="none" w="med" len="med"/>
                     </a:lnR>
-                    <a:lnT w="6350" cap="flat" cmpd="sng" algn="ctr">
-                      <a:solidFill>
-                        <a:schemeClr val="accent1">
-                          <a:lumMod val="75000"/>
+                    <a:lnT w="12700" cap="flat" cmpd="sng" algn="ctr">
+                      <a:solidFill>
+                        <a:schemeClr val="accent5">
+                          <a:lumMod val="50000"/>
                         </a:schemeClr>
                       </a:solidFill>
                       <a:prstDash val="solid"/>
@@ -9086,10 +9095,10 @@
                       <a:headEnd type="none" w="med" len="med"/>
                       <a:tailEnd type="none" w="med" len="med"/>
                     </a:lnT>
-                    <a:lnB w="6350" cap="flat" cmpd="sng" algn="ctr">
-                      <a:solidFill>
-                        <a:schemeClr val="accent1">
-                          <a:lumMod val="75000"/>
+                    <a:lnB w="12700" cap="flat" cmpd="sng" algn="ctr">
+                      <a:solidFill>
+                        <a:schemeClr val="accent5">
+                          <a:lumMod val="50000"/>
                         </a:schemeClr>
                       </a:solidFill>
                       <a:prstDash val="solid"/>
@@ -9115,10 +9124,10 @@
                     </a:p>
                   </a:txBody>
                   <a:tcPr>
-                    <a:lnL w="6350" cap="flat" cmpd="sng" algn="ctr">
-                      <a:solidFill>
-                        <a:schemeClr val="accent1">
-                          <a:lumMod val="75000"/>
+                    <a:lnL w="12700" cap="flat" cmpd="sng" algn="ctr">
+                      <a:solidFill>
+                        <a:schemeClr val="accent5">
+                          <a:lumMod val="50000"/>
                         </a:schemeClr>
                       </a:solidFill>
                       <a:prstDash val="solid"/>
@@ -9128,8 +9137,8 @@
                     </a:lnL>
                     <a:lnR w="57150" cap="flat" cmpd="sng" algn="ctr">
                       <a:solidFill>
-                        <a:schemeClr val="accent1">
-                          <a:lumMod val="75000"/>
+                        <a:schemeClr val="accent5">
+                          <a:lumMod val="50000"/>
                         </a:schemeClr>
                       </a:solidFill>
                       <a:prstDash val="solid"/>
@@ -9137,10 +9146,10 @@
                       <a:headEnd type="none" w="med" len="med"/>
                       <a:tailEnd type="none" w="med" len="med"/>
                     </a:lnR>
-                    <a:lnT w="6350" cap="flat" cmpd="sng" algn="ctr">
-                      <a:solidFill>
-                        <a:schemeClr val="accent1">
-                          <a:lumMod val="75000"/>
+                    <a:lnT w="12700" cap="flat" cmpd="sng" algn="ctr">
+                      <a:solidFill>
+                        <a:schemeClr val="accent5">
+                          <a:lumMod val="50000"/>
                         </a:schemeClr>
                       </a:solidFill>
                       <a:prstDash val="solid"/>
@@ -9148,10 +9157,10 @@
                       <a:headEnd type="none" w="med" len="med"/>
                       <a:tailEnd type="none" w="med" len="med"/>
                     </a:lnT>
-                    <a:lnB w="6350" cap="flat" cmpd="sng" algn="ctr">
-                      <a:solidFill>
-                        <a:schemeClr val="accent1">
-                          <a:lumMod val="75000"/>
+                    <a:lnB w="12700" cap="flat" cmpd="sng" algn="ctr">
+                      <a:solidFill>
+                        <a:schemeClr val="accent5">
+                          <a:lumMod val="50000"/>
                         </a:schemeClr>
                       </a:solidFill>
                       <a:prstDash val="solid"/>
@@ -9186,8 +9195,8 @@
                   <a:tcPr>
                     <a:lnL w="57150" cap="flat" cmpd="sng" algn="ctr">
                       <a:solidFill>
-                        <a:schemeClr val="accent1">
-                          <a:lumMod val="75000"/>
+                        <a:schemeClr val="accent5">
+                          <a:lumMod val="50000"/>
                         </a:schemeClr>
                       </a:solidFill>
                       <a:prstDash val="solid"/>
@@ -9195,10 +9204,10 @@
                       <a:headEnd type="none" w="med" len="med"/>
                       <a:tailEnd type="none" w="med" len="med"/>
                     </a:lnL>
-                    <a:lnR w="6350" cap="flat" cmpd="sng" algn="ctr">
-                      <a:solidFill>
-                        <a:schemeClr val="accent1">
-                          <a:lumMod val="75000"/>
+                    <a:lnR w="12700" cap="flat" cmpd="sng" algn="ctr">
+                      <a:solidFill>
+                        <a:schemeClr val="accent5">
+                          <a:lumMod val="50000"/>
                         </a:schemeClr>
                       </a:solidFill>
                       <a:prstDash val="solid"/>
@@ -9206,10 +9215,10 @@
                       <a:headEnd type="none" w="med" len="med"/>
                       <a:tailEnd type="none" w="med" len="med"/>
                     </a:lnR>
-                    <a:lnT w="6350" cap="flat" cmpd="sng" algn="ctr">
-                      <a:solidFill>
-                        <a:schemeClr val="accent1">
-                          <a:lumMod val="75000"/>
+                    <a:lnT w="12700" cap="flat" cmpd="sng" algn="ctr">
+                      <a:solidFill>
+                        <a:schemeClr val="accent5">
+                          <a:lumMod val="50000"/>
                         </a:schemeClr>
                       </a:solidFill>
                       <a:prstDash val="solid"/>
@@ -9219,8 +9228,8 @@
                     </a:lnT>
                     <a:lnB w="57150" cap="flat" cmpd="sng" algn="ctr">
                       <a:solidFill>
-                        <a:schemeClr val="accent1">
-                          <a:lumMod val="75000"/>
+                        <a:schemeClr val="accent5">
+                          <a:lumMod val="50000"/>
                         </a:schemeClr>
                       </a:solidFill>
                       <a:prstDash val="solid"/>
@@ -9246,10 +9255,10 @@
                     </a:p>
                   </a:txBody>
                   <a:tcPr>
-                    <a:lnL w="6350" cap="flat" cmpd="sng" algn="ctr">
-                      <a:solidFill>
-                        <a:schemeClr val="accent1">
-                          <a:lumMod val="75000"/>
+                    <a:lnL w="12700" cap="flat" cmpd="sng" algn="ctr">
+                      <a:solidFill>
+                        <a:schemeClr val="accent5">
+                          <a:lumMod val="50000"/>
                         </a:schemeClr>
                       </a:solidFill>
                       <a:prstDash val="solid"/>
@@ -9257,10 +9266,10 @@
                       <a:headEnd type="none" w="med" len="med"/>
                       <a:tailEnd type="none" w="med" len="med"/>
                     </a:lnL>
-                    <a:lnR w="6350" cap="flat" cmpd="sng" algn="ctr">
-                      <a:solidFill>
-                        <a:schemeClr val="accent1">
-                          <a:lumMod val="75000"/>
+                    <a:lnR w="12700" cap="flat" cmpd="sng" algn="ctr">
+                      <a:solidFill>
+                        <a:schemeClr val="accent5">
+                          <a:lumMod val="50000"/>
                         </a:schemeClr>
                       </a:solidFill>
                       <a:prstDash val="solid"/>
@@ -9268,10 +9277,10 @@
                       <a:headEnd type="none" w="med" len="med"/>
                       <a:tailEnd type="none" w="med" len="med"/>
                     </a:lnR>
-                    <a:lnT w="6350" cap="flat" cmpd="sng" algn="ctr">
-                      <a:solidFill>
-                        <a:schemeClr val="accent1">
-                          <a:lumMod val="75000"/>
+                    <a:lnT w="12700" cap="flat" cmpd="sng" algn="ctr">
+                      <a:solidFill>
+                        <a:schemeClr val="accent5">
+                          <a:lumMod val="50000"/>
                         </a:schemeClr>
                       </a:solidFill>
                       <a:prstDash val="solid"/>
@@ -9281,8 +9290,8 @@
                     </a:lnT>
                     <a:lnB w="57150" cap="flat" cmpd="sng" algn="ctr">
                       <a:solidFill>
-                        <a:schemeClr val="accent1">
-                          <a:lumMod val="75000"/>
+                        <a:schemeClr val="accent5">
+                          <a:lumMod val="50000"/>
                         </a:schemeClr>
                       </a:solidFill>
                       <a:prstDash val="solid"/>
@@ -9308,10 +9317,10 @@
                     </a:p>
                   </a:txBody>
                   <a:tcPr>
-                    <a:lnL w="6350" cap="flat" cmpd="sng" algn="ctr">
-                      <a:solidFill>
-                        <a:schemeClr val="accent1">
-                          <a:lumMod val="75000"/>
+                    <a:lnL w="12700" cap="flat" cmpd="sng" algn="ctr">
+                      <a:solidFill>
+                        <a:schemeClr val="accent5">
+                          <a:lumMod val="50000"/>
                         </a:schemeClr>
                       </a:solidFill>
                       <a:prstDash val="solid"/>
@@ -9321,8 +9330,8 @@
                     </a:lnL>
                     <a:lnR w="57150" cap="flat" cmpd="sng" algn="ctr">
                       <a:solidFill>
-                        <a:schemeClr val="accent1">
-                          <a:lumMod val="75000"/>
+                        <a:schemeClr val="accent5">
+                          <a:lumMod val="50000"/>
                         </a:schemeClr>
                       </a:solidFill>
                       <a:prstDash val="solid"/>
@@ -9330,10 +9339,10 @@
                       <a:headEnd type="none" w="med" len="med"/>
                       <a:tailEnd type="none" w="med" len="med"/>
                     </a:lnR>
-                    <a:lnT w="6350" cap="flat" cmpd="sng" algn="ctr">
-                      <a:solidFill>
-                        <a:schemeClr val="accent1">
-                          <a:lumMod val="75000"/>
+                    <a:lnT w="12700" cap="flat" cmpd="sng" algn="ctr">
+                      <a:solidFill>
+                        <a:schemeClr val="accent5">
+                          <a:lumMod val="50000"/>
                         </a:schemeClr>
                       </a:solidFill>
                       <a:prstDash val="solid"/>
@@ -9343,8 +9352,8 @@
                     </a:lnT>
                     <a:lnB w="57150" cap="flat" cmpd="sng" algn="ctr">
                       <a:solidFill>
-                        <a:schemeClr val="accent1">
-                          <a:lumMod val="75000"/>
+                        <a:schemeClr val="accent5">
+                          <a:lumMod val="50000"/>
                         </a:schemeClr>
                       </a:solidFill>
                       <a:prstDash val="solid"/>
@@ -9376,14 +9385,14 @@
           <p:nvPr>
             <p:extLst>
               <p:ext uri="{D42A27DB-BD31-4B8C-83A1-F6EECF244321}">
-                <p14:modId xmlns:p14="http://schemas.microsoft.com/office/powerpoint/2010/main" val="996606841"/>
+                <p14:modId xmlns:p14="http://schemas.microsoft.com/office/powerpoint/2010/main" val="2478825803"/>
               </p:ext>
             </p:extLst>
           </p:nvPr>
         </p:nvGraphicFramePr>
         <p:xfrm>
-          <a:off x="11661551" y="1562100"/>
-          <a:ext cx="2160000" cy="720000"/>
+          <a:off x="11620422" y="1985463"/>
+          <a:ext cx="2160000" cy="5040000"/>
         </p:xfrm>
         <a:graphic>
           <a:graphicData uri="http://schemas.openxmlformats.org/drawingml/2006/table">
@@ -9420,6 +9429,642 @@
                     <a:bodyPr/>
                     <a:lstStyle/>
                     <a:p>
+                      <a:pPr marL="0" indent="-742950" algn="l" defTabSz="914400" rtl="0" eaLnBrk="1" latinLnBrk="0" hangingPunct="1">
+                        <a:buFont typeface="+mj-lt"/>
+                        <a:buAutoNum type="arabicPeriod"/>
+                      </a:pPr>
+                      <a:endParaRPr lang="en-US" sz="1800" kern="1200" dirty="0">
+                        <a:solidFill>
+                          <a:schemeClr val="tx1"/>
+                        </a:solidFill>
+                        <a:latin typeface="+mn-lt"/>
+                        <a:ea typeface="+mn-ea"/>
+                        <a:cs typeface="+mn-cs"/>
+                      </a:endParaRPr>
+                    </a:p>
+                  </a:txBody>
+                  <a:tcPr>
+                    <a:lnL w="57150" cap="flat" cmpd="sng" algn="ctr">
+                      <a:solidFill>
+                        <a:schemeClr val="accent5">
+                          <a:lumMod val="50000"/>
+                        </a:schemeClr>
+                      </a:solidFill>
+                      <a:prstDash val="solid"/>
+                      <a:round/>
+                      <a:headEnd type="none" w="med" len="med"/>
+                      <a:tailEnd type="none" w="med" len="med"/>
+                    </a:lnL>
+                    <a:lnR w="12700" cap="flat" cmpd="sng" algn="ctr">
+                      <a:solidFill>
+                        <a:schemeClr val="accent5">
+                          <a:lumMod val="50000"/>
+                        </a:schemeClr>
+                      </a:solidFill>
+                      <a:prstDash val="solid"/>
+                      <a:round/>
+                      <a:headEnd type="none" w="med" len="med"/>
+                      <a:tailEnd type="none" w="med" len="med"/>
+                    </a:lnR>
+                    <a:lnT w="57150" cap="flat" cmpd="sng" algn="ctr">
+                      <a:solidFill>
+                        <a:schemeClr val="accent5">
+                          <a:lumMod val="50000"/>
+                        </a:schemeClr>
+                      </a:solidFill>
+                      <a:prstDash val="solid"/>
+                      <a:round/>
+                      <a:headEnd type="none" w="med" len="med"/>
+                      <a:tailEnd type="none" w="med" len="med"/>
+                    </a:lnT>
+                    <a:lnB w="57150" cap="flat" cmpd="sng" algn="ctr">
+                      <a:solidFill>
+                        <a:schemeClr val="accent5">
+                          <a:lumMod val="50000"/>
+                        </a:schemeClr>
+                      </a:solidFill>
+                      <a:prstDash val="solid"/>
+                      <a:round/>
+                      <a:headEnd type="none" w="med" len="med"/>
+                      <a:tailEnd type="none" w="med" len="med"/>
+                    </a:lnB>
+                    <a:solidFill>
+                      <a:schemeClr val="bg1"/>
+                    </a:solidFill>
+                  </a:tcPr>
+                </a:tc>
+                <a:tc>
+                  <a:txBody>
+                    <a:bodyPr/>
+                    <a:lstStyle/>
+                    <a:p>
+                      <a:pPr marL="0" indent="-742950" algn="l" defTabSz="914400" rtl="0" eaLnBrk="1" latinLnBrk="0" hangingPunct="1">
+                        <a:buFont typeface="+mj-lt"/>
+                        <a:buAutoNum type="arabicPeriod"/>
+                      </a:pPr>
+                      <a:endParaRPr lang="en-US" sz="1800" kern="1200" dirty="0">
+                        <a:solidFill>
+                          <a:schemeClr val="tx1"/>
+                        </a:solidFill>
+                        <a:latin typeface="+mn-lt"/>
+                        <a:ea typeface="+mn-ea"/>
+                        <a:cs typeface="+mn-cs"/>
+                      </a:endParaRPr>
+                    </a:p>
+                  </a:txBody>
+                  <a:tcPr>
+                    <a:lnL w="12700" cap="flat" cmpd="sng" algn="ctr">
+                      <a:solidFill>
+                        <a:schemeClr val="accent5">
+                          <a:lumMod val="50000"/>
+                        </a:schemeClr>
+                      </a:solidFill>
+                      <a:prstDash val="solid"/>
+                      <a:round/>
+                      <a:headEnd type="none" w="med" len="med"/>
+                      <a:tailEnd type="none" w="med" len="med"/>
+                    </a:lnL>
+                    <a:lnR w="12700" cap="flat" cmpd="sng" algn="ctr">
+                      <a:solidFill>
+                        <a:schemeClr val="accent5">
+                          <a:lumMod val="50000"/>
+                        </a:schemeClr>
+                      </a:solidFill>
+                      <a:prstDash val="solid"/>
+                      <a:round/>
+                      <a:headEnd type="none" w="med" len="med"/>
+                      <a:tailEnd type="none" w="med" len="med"/>
+                    </a:lnR>
+                    <a:lnT w="57150" cap="flat" cmpd="sng" algn="ctr">
+                      <a:solidFill>
+                        <a:schemeClr val="accent5">
+                          <a:lumMod val="50000"/>
+                        </a:schemeClr>
+                      </a:solidFill>
+                      <a:prstDash val="solid"/>
+                      <a:round/>
+                      <a:headEnd type="none" w="med" len="med"/>
+                      <a:tailEnd type="none" w="med" len="med"/>
+                    </a:lnT>
+                    <a:lnB w="57150" cap="flat" cmpd="sng" algn="ctr">
+                      <a:solidFill>
+                        <a:schemeClr val="accent5">
+                          <a:lumMod val="50000"/>
+                        </a:schemeClr>
+                      </a:solidFill>
+                      <a:prstDash val="solid"/>
+                      <a:round/>
+                      <a:headEnd type="none" w="med" len="med"/>
+                      <a:tailEnd type="none" w="med" len="med"/>
+                    </a:lnB>
+                    <a:solidFill>
+                      <a:schemeClr val="bg1"/>
+                    </a:solidFill>
+                  </a:tcPr>
+                </a:tc>
+                <a:tc>
+                  <a:txBody>
+                    <a:bodyPr/>
+                    <a:lstStyle/>
+                    <a:p>
+                      <a:pPr marL="0" indent="-742950" algn="l" defTabSz="914400" rtl="0" eaLnBrk="1" latinLnBrk="0" hangingPunct="1">
+                        <a:buFont typeface="+mj-lt"/>
+                        <a:buAutoNum type="arabicPeriod"/>
+                      </a:pPr>
+                      <a:endParaRPr lang="en-US" sz="1800" kern="1200" dirty="0">
+                        <a:solidFill>
+                          <a:schemeClr val="tx1"/>
+                        </a:solidFill>
+                        <a:latin typeface="+mn-lt"/>
+                        <a:ea typeface="+mn-ea"/>
+                        <a:cs typeface="+mn-cs"/>
+                      </a:endParaRPr>
+                    </a:p>
+                  </a:txBody>
+                  <a:tcPr>
+                    <a:lnL w="12700" cap="flat" cmpd="sng" algn="ctr">
+                      <a:solidFill>
+                        <a:schemeClr val="accent5">
+                          <a:lumMod val="50000"/>
+                        </a:schemeClr>
+                      </a:solidFill>
+                      <a:prstDash val="solid"/>
+                      <a:round/>
+                      <a:headEnd type="none" w="med" len="med"/>
+                      <a:tailEnd type="none" w="med" len="med"/>
+                    </a:lnL>
+                    <a:lnR w="57150" cap="flat" cmpd="sng" algn="ctr">
+                      <a:solidFill>
+                        <a:schemeClr val="accent5">
+                          <a:lumMod val="50000"/>
+                        </a:schemeClr>
+                      </a:solidFill>
+                      <a:prstDash val="solid"/>
+                      <a:round/>
+                      <a:headEnd type="none" w="med" len="med"/>
+                      <a:tailEnd type="none" w="med" len="med"/>
+                    </a:lnR>
+                    <a:lnT w="57150" cap="flat" cmpd="sng" algn="ctr">
+                      <a:solidFill>
+                        <a:schemeClr val="accent5">
+                          <a:lumMod val="50000"/>
+                        </a:schemeClr>
+                      </a:solidFill>
+                      <a:prstDash val="solid"/>
+                      <a:round/>
+                      <a:headEnd type="none" w="med" len="med"/>
+                      <a:tailEnd type="none" w="med" len="med"/>
+                    </a:lnT>
+                    <a:lnB w="57150" cap="flat" cmpd="sng" algn="ctr">
+                      <a:solidFill>
+                        <a:schemeClr val="accent5">
+                          <a:lumMod val="50000"/>
+                        </a:schemeClr>
+                      </a:solidFill>
+                      <a:prstDash val="solid"/>
+                      <a:round/>
+                      <a:headEnd type="none" w="med" len="med"/>
+                      <a:tailEnd type="none" w="med" len="med"/>
+                    </a:lnB>
+                    <a:solidFill>
+                      <a:schemeClr val="bg1"/>
+                    </a:solidFill>
+                  </a:tcPr>
+                </a:tc>
+                <a:extLst>
+                  <a:ext uri="{0D108BD9-81ED-4DB2-BD59-A6C34878D82A}">
+                    <a16:rowId xmlns:a16="http://schemas.microsoft.com/office/drawing/2014/main" val="1123397075"/>
+                  </a:ext>
+                </a:extLst>
+              </a:tr>
+              <a:tr h="720000">
+                <a:tc>
+                  <a:txBody>
+                    <a:bodyPr/>
+                    <a:lstStyle/>
+                    <a:p>
+                      <a:pPr marL="0" indent="-742950" algn="l" defTabSz="914400" rtl="0" eaLnBrk="1" latinLnBrk="0" hangingPunct="1">
+                        <a:buFont typeface="+mj-lt"/>
+                        <a:buAutoNum type="arabicPeriod"/>
+                      </a:pPr>
+                      <a:endParaRPr lang="en-US" sz="1800" kern="1200" dirty="0">
+                        <a:solidFill>
+                          <a:schemeClr val="tx1"/>
+                        </a:solidFill>
+                        <a:latin typeface="+mn-lt"/>
+                        <a:ea typeface="+mn-ea"/>
+                        <a:cs typeface="+mn-cs"/>
+                      </a:endParaRPr>
+                    </a:p>
+                  </a:txBody>
+                  <a:tcPr>
+                    <a:lnL w="57150" cap="flat" cmpd="sng" algn="ctr">
+                      <a:solidFill>
+                        <a:schemeClr val="tx1">
+                          <a:lumMod val="50000"/>
+                          <a:lumOff val="50000"/>
+                        </a:schemeClr>
+                      </a:solidFill>
+                      <a:prstDash val="solid"/>
+                      <a:round/>
+                      <a:headEnd type="none" w="med" len="med"/>
+                      <a:tailEnd type="none" w="med" len="med"/>
+                    </a:lnL>
+                    <a:lnR w="12700" cap="flat" cmpd="sng" algn="ctr">
+                      <a:solidFill>
+                        <a:schemeClr val="tx1"/>
+                      </a:solidFill>
+                      <a:prstDash val="solid"/>
+                      <a:round/>
+                      <a:headEnd type="none" w="med" len="med"/>
+                      <a:tailEnd type="none" w="med" len="med"/>
+                    </a:lnR>
+                    <a:lnT w="57150" cap="flat" cmpd="sng" algn="ctr">
+                      <a:solidFill>
+                        <a:schemeClr val="accent5">
+                          <a:lumMod val="50000"/>
+                        </a:schemeClr>
+                      </a:solidFill>
+                      <a:prstDash val="solid"/>
+                      <a:round/>
+                      <a:headEnd type="none" w="med" len="med"/>
+                      <a:tailEnd type="none" w="med" len="med"/>
+                    </a:lnT>
+                    <a:lnB w="57150" cap="flat" cmpd="sng" algn="ctr">
+                      <a:solidFill>
+                        <a:schemeClr val="accent2">
+                          <a:lumMod val="75000"/>
+                        </a:schemeClr>
+                      </a:solidFill>
+                      <a:prstDash val="solid"/>
+                      <a:round/>
+                      <a:headEnd type="none" w="med" len="med"/>
+                      <a:tailEnd type="none" w="med" len="med"/>
+                    </a:lnB>
+                    <a:solidFill>
+                      <a:schemeClr val="bg1"/>
+                    </a:solidFill>
+                  </a:tcPr>
+                </a:tc>
+                <a:tc>
+                  <a:txBody>
+                    <a:bodyPr/>
+                    <a:lstStyle/>
+                    <a:p>
+                      <a:pPr marL="0" indent="-742950" algn="l" defTabSz="914400" rtl="0" eaLnBrk="1" latinLnBrk="0" hangingPunct="1">
+                        <a:buFont typeface="+mj-lt"/>
+                        <a:buAutoNum type="arabicPeriod"/>
+                      </a:pPr>
+                      <a:endParaRPr lang="en-US" sz="1800" kern="1200" dirty="0">
+                        <a:solidFill>
+                          <a:schemeClr val="tx1"/>
+                        </a:solidFill>
+                        <a:latin typeface="+mn-lt"/>
+                        <a:ea typeface="+mn-ea"/>
+                        <a:cs typeface="+mn-cs"/>
+                      </a:endParaRPr>
+                    </a:p>
+                  </a:txBody>
+                  <a:tcPr>
+                    <a:lnL w="12700" cap="flat" cmpd="sng" algn="ctr">
+                      <a:solidFill>
+                        <a:schemeClr val="tx1"/>
+                      </a:solidFill>
+                      <a:prstDash val="solid"/>
+                      <a:round/>
+                      <a:headEnd type="none" w="med" len="med"/>
+                      <a:tailEnd type="none" w="med" len="med"/>
+                    </a:lnL>
+                    <a:lnR w="12700" cap="flat" cmpd="sng" algn="ctr">
+                      <a:solidFill>
+                        <a:schemeClr val="tx1"/>
+                      </a:solidFill>
+                      <a:prstDash val="solid"/>
+                      <a:round/>
+                      <a:headEnd type="none" w="med" len="med"/>
+                      <a:tailEnd type="none" w="med" len="med"/>
+                    </a:lnR>
+                    <a:lnT w="57150" cap="flat" cmpd="sng" algn="ctr">
+                      <a:solidFill>
+                        <a:schemeClr val="accent5">
+                          <a:lumMod val="50000"/>
+                        </a:schemeClr>
+                      </a:solidFill>
+                      <a:prstDash val="solid"/>
+                      <a:round/>
+                      <a:headEnd type="none" w="med" len="med"/>
+                      <a:tailEnd type="none" w="med" len="med"/>
+                    </a:lnT>
+                    <a:lnB w="57150" cap="flat" cmpd="sng" algn="ctr">
+                      <a:solidFill>
+                        <a:schemeClr val="accent2">
+                          <a:lumMod val="75000"/>
+                        </a:schemeClr>
+                      </a:solidFill>
+                      <a:prstDash val="solid"/>
+                      <a:round/>
+                      <a:headEnd type="none" w="med" len="med"/>
+                      <a:tailEnd type="none" w="med" len="med"/>
+                    </a:lnB>
+                    <a:solidFill>
+                      <a:schemeClr val="bg1"/>
+                    </a:solidFill>
+                  </a:tcPr>
+                </a:tc>
+                <a:tc>
+                  <a:txBody>
+                    <a:bodyPr/>
+                    <a:lstStyle/>
+                    <a:p>
+                      <a:pPr marL="0" indent="-742950" algn="l" defTabSz="914400" rtl="0" eaLnBrk="1" latinLnBrk="0" hangingPunct="1">
+                        <a:buFont typeface="+mj-lt"/>
+                        <a:buAutoNum type="arabicPeriod"/>
+                      </a:pPr>
+                      <a:endParaRPr lang="en-US" sz="1800" kern="1200" dirty="0">
+                        <a:solidFill>
+                          <a:schemeClr val="tx1"/>
+                        </a:solidFill>
+                        <a:latin typeface="+mn-lt"/>
+                        <a:ea typeface="+mn-ea"/>
+                        <a:cs typeface="+mn-cs"/>
+                      </a:endParaRPr>
+                    </a:p>
+                  </a:txBody>
+                  <a:tcPr>
+                    <a:lnL w="12700" cap="flat" cmpd="sng" algn="ctr">
+                      <a:solidFill>
+                        <a:schemeClr val="tx1"/>
+                      </a:solidFill>
+                      <a:prstDash val="solid"/>
+                      <a:round/>
+                      <a:headEnd type="none" w="med" len="med"/>
+                      <a:tailEnd type="none" w="med" len="med"/>
+                    </a:lnL>
+                    <a:lnR w="57150" cap="flat" cmpd="sng" algn="ctr">
+                      <a:solidFill>
+                        <a:schemeClr val="tx1">
+                          <a:lumMod val="50000"/>
+                          <a:lumOff val="50000"/>
+                        </a:schemeClr>
+                      </a:solidFill>
+                      <a:prstDash val="solid"/>
+                      <a:round/>
+                      <a:headEnd type="none" w="med" len="med"/>
+                      <a:tailEnd type="none" w="med" len="med"/>
+                    </a:lnR>
+                    <a:lnT w="57150" cap="flat" cmpd="sng" algn="ctr">
+                      <a:solidFill>
+                        <a:schemeClr val="accent5">
+                          <a:lumMod val="50000"/>
+                        </a:schemeClr>
+                      </a:solidFill>
+                      <a:prstDash val="solid"/>
+                      <a:round/>
+                      <a:headEnd type="none" w="med" len="med"/>
+                      <a:tailEnd type="none" w="med" len="med"/>
+                    </a:lnT>
+                    <a:lnB w="57150" cap="flat" cmpd="sng" algn="ctr">
+                      <a:solidFill>
+                        <a:schemeClr val="accent2">
+                          <a:lumMod val="75000"/>
+                        </a:schemeClr>
+                      </a:solidFill>
+                      <a:prstDash val="solid"/>
+                      <a:round/>
+                      <a:headEnd type="none" w="med" len="med"/>
+                      <a:tailEnd type="none" w="med" len="med"/>
+                    </a:lnB>
+                    <a:solidFill>
+                      <a:schemeClr val="bg1"/>
+                    </a:solidFill>
+                  </a:tcPr>
+                </a:tc>
+                <a:extLst>
+                  <a:ext uri="{0D108BD9-81ED-4DB2-BD59-A6C34878D82A}">
+                    <a16:rowId xmlns:a16="http://schemas.microsoft.com/office/drawing/2014/main" val="158705197"/>
+                  </a:ext>
+                </a:extLst>
+              </a:tr>
+              <a:tr h="720000">
+                <a:tc>
+                  <a:txBody>
+                    <a:bodyPr/>
+                    <a:lstStyle/>
+                    <a:p>
+                      <a:pPr marL="0" indent="-742950" algn="l" defTabSz="914400" rtl="0" eaLnBrk="1" latinLnBrk="0" hangingPunct="1">
+                        <a:buFont typeface="+mj-lt"/>
+                        <a:buAutoNum type="arabicPeriod"/>
+                      </a:pPr>
+                      <a:endParaRPr lang="en-US" sz="1800" kern="1200" dirty="0">
+                        <a:solidFill>
+                          <a:schemeClr val="tx1"/>
+                        </a:solidFill>
+                        <a:latin typeface="+mn-lt"/>
+                        <a:ea typeface="+mn-ea"/>
+                        <a:cs typeface="+mn-cs"/>
+                      </a:endParaRPr>
+                    </a:p>
+                  </a:txBody>
+                  <a:tcPr>
+                    <a:lnL w="57150" cap="flat" cmpd="sng" algn="ctr">
+                      <a:solidFill>
+                        <a:schemeClr val="accent2">
+                          <a:lumMod val="75000"/>
+                        </a:schemeClr>
+                      </a:solidFill>
+                      <a:prstDash val="solid"/>
+                      <a:round/>
+                      <a:headEnd type="none" w="med" len="med"/>
+                      <a:tailEnd type="none" w="med" len="med"/>
+                    </a:lnL>
+                    <a:lnR w="12700" cap="flat" cmpd="sng" algn="ctr">
+                      <a:solidFill>
+                        <a:schemeClr val="accent2">
+                          <a:lumMod val="75000"/>
+                        </a:schemeClr>
+                      </a:solidFill>
+                      <a:prstDash val="solid"/>
+                      <a:round/>
+                      <a:headEnd type="none" w="med" len="med"/>
+                      <a:tailEnd type="none" w="med" len="med"/>
+                    </a:lnR>
+                    <a:lnT w="57150" cap="flat" cmpd="sng" algn="ctr">
+                      <a:solidFill>
+                        <a:schemeClr val="accent2">
+                          <a:lumMod val="75000"/>
+                        </a:schemeClr>
+                      </a:solidFill>
+                      <a:prstDash val="solid"/>
+                      <a:round/>
+                      <a:headEnd type="none" w="med" len="med"/>
+                      <a:tailEnd type="none" w="med" len="med"/>
+                    </a:lnT>
+                    <a:lnB w="57150" cap="flat" cmpd="sng" algn="ctr">
+                      <a:solidFill>
+                        <a:schemeClr val="accent2">
+                          <a:lumMod val="75000"/>
+                        </a:schemeClr>
+                      </a:solidFill>
+                      <a:prstDash val="solid"/>
+                      <a:round/>
+                      <a:headEnd type="none" w="med" len="med"/>
+                      <a:tailEnd type="none" w="med" len="med"/>
+                    </a:lnB>
+                    <a:solidFill>
+                      <a:schemeClr val="bg1"/>
+                    </a:solidFill>
+                  </a:tcPr>
+                </a:tc>
+                <a:tc>
+                  <a:txBody>
+                    <a:bodyPr/>
+                    <a:lstStyle/>
+                    <a:p>
+                      <a:pPr marL="0" indent="-742950" algn="l" defTabSz="914400" rtl="0" eaLnBrk="1" latinLnBrk="0" hangingPunct="1">
+                        <a:buFont typeface="+mj-lt"/>
+                        <a:buAutoNum type="arabicPeriod"/>
+                      </a:pPr>
+                      <a:endParaRPr lang="en-US" sz="1800" kern="1200" dirty="0">
+                        <a:solidFill>
+                          <a:schemeClr val="tx1"/>
+                        </a:solidFill>
+                        <a:latin typeface="+mn-lt"/>
+                        <a:ea typeface="+mn-ea"/>
+                        <a:cs typeface="+mn-cs"/>
+                      </a:endParaRPr>
+                    </a:p>
+                  </a:txBody>
+                  <a:tcPr>
+                    <a:lnL w="12700" cap="flat" cmpd="sng" algn="ctr">
+                      <a:solidFill>
+                        <a:schemeClr val="accent2">
+                          <a:lumMod val="75000"/>
+                        </a:schemeClr>
+                      </a:solidFill>
+                      <a:prstDash val="solid"/>
+                      <a:round/>
+                      <a:headEnd type="none" w="med" len="med"/>
+                      <a:tailEnd type="none" w="med" len="med"/>
+                    </a:lnL>
+                    <a:lnR w="12700" cap="flat" cmpd="sng" algn="ctr">
+                      <a:solidFill>
+                        <a:schemeClr val="accent2">
+                          <a:lumMod val="75000"/>
+                        </a:schemeClr>
+                      </a:solidFill>
+                      <a:prstDash val="solid"/>
+                      <a:round/>
+                      <a:headEnd type="none" w="med" len="med"/>
+                      <a:tailEnd type="none" w="med" len="med"/>
+                    </a:lnR>
+                    <a:lnT w="57150" cap="flat" cmpd="sng" algn="ctr">
+                      <a:solidFill>
+                        <a:schemeClr val="accent2">
+                          <a:lumMod val="75000"/>
+                        </a:schemeClr>
+                      </a:solidFill>
+                      <a:prstDash val="solid"/>
+                      <a:round/>
+                      <a:headEnd type="none" w="med" len="med"/>
+                      <a:tailEnd type="none" w="med" len="med"/>
+                    </a:lnT>
+                    <a:lnB w="57150" cap="flat" cmpd="sng" algn="ctr">
+                      <a:solidFill>
+                        <a:schemeClr val="accent2">
+                          <a:lumMod val="75000"/>
+                        </a:schemeClr>
+                      </a:solidFill>
+                      <a:prstDash val="solid"/>
+                      <a:round/>
+                      <a:headEnd type="none" w="med" len="med"/>
+                      <a:tailEnd type="none" w="med" len="med"/>
+                    </a:lnB>
+                    <a:solidFill>
+                      <a:schemeClr val="bg1"/>
+                    </a:solidFill>
+                  </a:tcPr>
+                </a:tc>
+                <a:tc>
+                  <a:txBody>
+                    <a:bodyPr/>
+                    <a:lstStyle/>
+                    <a:p>
+                      <a:pPr marL="0" indent="-742950" algn="l" defTabSz="914400" rtl="0" eaLnBrk="1" latinLnBrk="0" hangingPunct="1">
+                        <a:buFont typeface="+mj-lt"/>
+                        <a:buAutoNum type="arabicPeriod"/>
+                      </a:pPr>
+                      <a:endParaRPr lang="en-US" sz="1800" kern="1200" dirty="0">
+                        <a:solidFill>
+                          <a:schemeClr val="tx1"/>
+                        </a:solidFill>
+                        <a:latin typeface="+mn-lt"/>
+                        <a:ea typeface="+mn-ea"/>
+                        <a:cs typeface="+mn-cs"/>
+                      </a:endParaRPr>
+                    </a:p>
+                  </a:txBody>
+                  <a:tcPr>
+                    <a:lnL w="12700" cap="flat" cmpd="sng" algn="ctr">
+                      <a:solidFill>
+                        <a:schemeClr val="accent2">
+                          <a:lumMod val="75000"/>
+                        </a:schemeClr>
+                      </a:solidFill>
+                      <a:prstDash val="solid"/>
+                      <a:round/>
+                      <a:headEnd type="none" w="med" len="med"/>
+                      <a:tailEnd type="none" w="med" len="med"/>
+                    </a:lnL>
+                    <a:lnR w="57150" cap="flat" cmpd="sng" algn="ctr">
+                      <a:solidFill>
+                        <a:schemeClr val="accent2">
+                          <a:lumMod val="75000"/>
+                        </a:schemeClr>
+                      </a:solidFill>
+                      <a:prstDash val="solid"/>
+                      <a:round/>
+                      <a:headEnd type="none" w="med" len="med"/>
+                      <a:tailEnd type="none" w="med" len="med"/>
+                    </a:lnR>
+                    <a:lnT w="57150" cap="flat" cmpd="sng" algn="ctr">
+                      <a:solidFill>
+                        <a:schemeClr val="accent2">
+                          <a:lumMod val="75000"/>
+                        </a:schemeClr>
+                      </a:solidFill>
+                      <a:prstDash val="solid"/>
+                      <a:round/>
+                      <a:headEnd type="none" w="med" len="med"/>
+                      <a:tailEnd type="none" w="med" len="med"/>
+                    </a:lnT>
+                    <a:lnB w="57150" cap="flat" cmpd="sng" algn="ctr">
+                      <a:solidFill>
+                        <a:schemeClr val="accent2">
+                          <a:lumMod val="75000"/>
+                        </a:schemeClr>
+                      </a:solidFill>
+                      <a:prstDash val="solid"/>
+                      <a:round/>
+                      <a:headEnd type="none" w="med" len="med"/>
+                      <a:tailEnd type="none" w="med" len="med"/>
+                    </a:lnB>
+                    <a:solidFill>
+                      <a:schemeClr val="bg1"/>
+                    </a:solidFill>
+                  </a:tcPr>
+                </a:tc>
+                <a:extLst>
+                  <a:ext uri="{0D108BD9-81ED-4DB2-BD59-A6C34878D82A}">
+                    <a16:rowId xmlns:a16="http://schemas.microsoft.com/office/drawing/2014/main" val="937194857"/>
+                  </a:ext>
+                </a:extLst>
+              </a:tr>
+              <a:tr h="720000">
+                <a:tc>
+                  <a:txBody>
+                    <a:bodyPr/>
+                    <a:lstStyle/>
+                    <a:p>
                       <a:pPr marL="742950" indent="-742950">
                         <a:buFont typeface="+mj-lt"/>
                         <a:buAutoNum type="arabicPeriod"/>
@@ -9428,9 +10073,30 @@
                     </a:p>
                   </a:txBody>
                   <a:tcPr>
-                    <a:lnL w="38100" cap="flat" cmpd="sng" algn="ctr">
-                      <a:solidFill>
-                        <a:schemeClr val="accent1">
+                    <a:lnL w="57150" cap="flat" cmpd="sng" algn="ctr">
+                      <a:solidFill>
+                        <a:schemeClr val="tx1">
+                          <a:lumMod val="50000"/>
+                          <a:lumOff val="50000"/>
+                        </a:schemeClr>
+                      </a:solidFill>
+                      <a:prstDash val="solid"/>
+                      <a:round/>
+                      <a:headEnd type="none" w="med" len="med"/>
+                      <a:tailEnd type="none" w="med" len="med"/>
+                    </a:lnL>
+                    <a:lnR w="12700" cap="flat" cmpd="sng" algn="ctr">
+                      <a:solidFill>
+                        <a:schemeClr val="tx1"/>
+                      </a:solidFill>
+                      <a:prstDash val="solid"/>
+                      <a:round/>
+                      <a:headEnd type="none" w="med" len="med"/>
+                      <a:tailEnd type="none" w="med" len="med"/>
+                    </a:lnR>
+                    <a:lnT w="57150" cap="flat" cmpd="sng" algn="ctr">
+                      <a:solidFill>
+                        <a:schemeClr val="accent2">
                           <a:lumMod val="75000"/>
                         </a:schemeClr>
                       </a:solidFill>
@@ -9438,34 +10104,10 @@
                       <a:round/>
                       <a:headEnd type="none" w="med" len="med"/>
                       <a:tailEnd type="none" w="med" len="med"/>
-                    </a:lnL>
-                    <a:lnR w="6350" cap="flat" cmpd="sng" algn="ctr">
-                      <a:solidFill>
-                        <a:schemeClr val="accent1">
-                          <a:lumMod val="75000"/>
-                        </a:schemeClr>
-                      </a:solidFill>
-                      <a:prstDash val="solid"/>
-                      <a:round/>
-                      <a:headEnd type="none" w="med" len="med"/>
-                      <a:tailEnd type="none" w="med" len="med"/>
-                    </a:lnR>
-                    <a:lnT w="38100" cap="flat" cmpd="sng" algn="ctr">
-                      <a:solidFill>
-                        <a:schemeClr val="accent1">
-                          <a:lumMod val="75000"/>
-                        </a:schemeClr>
-                      </a:solidFill>
-                      <a:prstDash val="solid"/>
-                      <a:round/>
-                      <a:headEnd type="none" w="med" len="med"/>
-                      <a:tailEnd type="none" w="med" len="med"/>
                     </a:lnT>
-                    <a:lnB w="38100" cap="flat" cmpd="sng" algn="ctr">
-                      <a:solidFill>
-                        <a:schemeClr val="accent1">
-                          <a:lumMod val="75000"/>
-                        </a:schemeClr>
+                    <a:lnB w="12700" cap="flat" cmpd="sng" algn="ctr">
+                      <a:solidFill>
+                        <a:schemeClr val="tx1"/>
                       </a:solidFill>
                       <a:prstDash val="solid"/>
                       <a:round/>
@@ -9490,9 +10132,27 @@
                     </a:p>
                   </a:txBody>
                   <a:tcPr>
-                    <a:lnL w="6350" cap="flat" cmpd="sng" algn="ctr">
-                      <a:solidFill>
-                        <a:schemeClr val="accent1">
+                    <a:lnL w="12700" cap="flat" cmpd="sng" algn="ctr">
+                      <a:solidFill>
+                        <a:schemeClr val="tx1"/>
+                      </a:solidFill>
+                      <a:prstDash val="solid"/>
+                      <a:round/>
+                      <a:headEnd type="none" w="med" len="med"/>
+                      <a:tailEnd type="none" w="med" len="med"/>
+                    </a:lnL>
+                    <a:lnR w="12700" cap="flat" cmpd="sng" algn="ctr">
+                      <a:solidFill>
+                        <a:schemeClr val="tx1"/>
+                      </a:solidFill>
+                      <a:prstDash val="solid"/>
+                      <a:round/>
+                      <a:headEnd type="none" w="med" len="med"/>
+                      <a:tailEnd type="none" w="med" len="med"/>
+                    </a:lnR>
+                    <a:lnT w="57150" cap="flat" cmpd="sng" algn="ctr">
+                      <a:solidFill>
+                        <a:schemeClr val="accent2">
                           <a:lumMod val="75000"/>
                         </a:schemeClr>
                       </a:solidFill>
@@ -9500,34 +10160,10 @@
                       <a:round/>
                       <a:headEnd type="none" w="med" len="med"/>
                       <a:tailEnd type="none" w="med" len="med"/>
-                    </a:lnL>
-                    <a:lnR w="6350" cap="flat" cmpd="sng" algn="ctr">
-                      <a:solidFill>
-                        <a:schemeClr val="accent1">
-                          <a:lumMod val="75000"/>
-                        </a:schemeClr>
-                      </a:solidFill>
-                      <a:prstDash val="solid"/>
-                      <a:round/>
-                      <a:headEnd type="none" w="med" len="med"/>
-                      <a:tailEnd type="none" w="med" len="med"/>
-                    </a:lnR>
-                    <a:lnT w="38100" cap="flat" cmpd="sng" algn="ctr">
-                      <a:solidFill>
-                        <a:schemeClr val="accent1">
-                          <a:lumMod val="75000"/>
-                        </a:schemeClr>
-                      </a:solidFill>
-                      <a:prstDash val="solid"/>
-                      <a:round/>
-                      <a:headEnd type="none" w="med" len="med"/>
-                      <a:tailEnd type="none" w="med" len="med"/>
                     </a:lnT>
-                    <a:lnB w="38100" cap="flat" cmpd="sng" algn="ctr">
-                      <a:solidFill>
-                        <a:schemeClr val="accent1">
-                          <a:lumMod val="75000"/>
-                        </a:schemeClr>
+                    <a:lnB w="12700" cap="flat" cmpd="sng" algn="ctr">
+                      <a:solidFill>
+                        <a:schemeClr val="tx1"/>
                       </a:solidFill>
                       <a:prstDash val="solid"/>
                       <a:round/>
@@ -9552,9 +10188,30 @@
                     </a:p>
                   </a:txBody>
                   <a:tcPr>
-                    <a:lnL w="6350" cap="flat" cmpd="sng" algn="ctr">
-                      <a:solidFill>
-                        <a:schemeClr val="accent1">
+                    <a:lnL w="12700" cap="flat" cmpd="sng" algn="ctr">
+                      <a:solidFill>
+                        <a:schemeClr val="tx1"/>
+                      </a:solidFill>
+                      <a:prstDash val="solid"/>
+                      <a:round/>
+                      <a:headEnd type="none" w="med" len="med"/>
+                      <a:tailEnd type="none" w="med" len="med"/>
+                    </a:lnL>
+                    <a:lnR w="57150" cap="flat" cmpd="sng" algn="ctr">
+                      <a:solidFill>
+                        <a:schemeClr val="tx1">
+                          <a:lumMod val="50000"/>
+                          <a:lumOff val="50000"/>
+                        </a:schemeClr>
+                      </a:solidFill>
+                      <a:prstDash val="solid"/>
+                      <a:round/>
+                      <a:headEnd type="none" w="med" len="med"/>
+                      <a:tailEnd type="none" w="med" len="med"/>
+                    </a:lnR>
+                    <a:lnT w="57150" cap="flat" cmpd="sng" algn="ctr">
+                      <a:solidFill>
+                        <a:schemeClr val="accent2">
                           <a:lumMod val="75000"/>
                         </a:schemeClr>
                       </a:solidFill>
@@ -9562,34 +10219,10 @@
                       <a:round/>
                       <a:headEnd type="none" w="med" len="med"/>
                       <a:tailEnd type="none" w="med" len="med"/>
-                    </a:lnL>
-                    <a:lnR w="38100" cap="flat" cmpd="sng" algn="ctr">
-                      <a:solidFill>
-                        <a:schemeClr val="accent1">
-                          <a:lumMod val="75000"/>
-                        </a:schemeClr>
-                      </a:solidFill>
-                      <a:prstDash val="solid"/>
-                      <a:round/>
-                      <a:headEnd type="none" w="med" len="med"/>
-                      <a:tailEnd type="none" w="med" len="med"/>
-                    </a:lnR>
-                    <a:lnT w="38100" cap="flat" cmpd="sng" algn="ctr">
-                      <a:solidFill>
-                        <a:schemeClr val="accent1">
-                          <a:lumMod val="75000"/>
-                        </a:schemeClr>
-                      </a:solidFill>
-                      <a:prstDash val="solid"/>
-                      <a:round/>
-                      <a:headEnd type="none" w="med" len="med"/>
-                      <a:tailEnd type="none" w="med" len="med"/>
                     </a:lnT>
-                    <a:lnB w="38100" cap="flat" cmpd="sng" algn="ctr">
-                      <a:solidFill>
-                        <a:schemeClr val="accent1">
-                          <a:lumMod val="75000"/>
-                        </a:schemeClr>
+                    <a:lnB w="12700" cap="flat" cmpd="sng" algn="ctr">
+                      <a:solidFill>
+                        <a:schemeClr val="tx1"/>
                       </a:solidFill>
                       <a:prstDash val="solid"/>
                       <a:round/>
@@ -9603,7 +10236,541 @@
                 </a:tc>
                 <a:extLst>
                   <a:ext uri="{0D108BD9-81ED-4DB2-BD59-A6C34878D82A}">
-                    <a16:rowId xmlns:a16="http://schemas.microsoft.com/office/drawing/2014/main" val="1123397075"/>
+                    <a16:rowId xmlns:a16="http://schemas.microsoft.com/office/drawing/2014/main" val="1606763458"/>
+                  </a:ext>
+                </a:extLst>
+              </a:tr>
+              <a:tr h="720000">
+                <a:tc>
+                  <a:txBody>
+                    <a:bodyPr/>
+                    <a:lstStyle/>
+                    <a:p>
+                      <a:pPr marL="742950" indent="-742950">
+                        <a:buFont typeface="+mj-lt"/>
+                        <a:buAutoNum type="arabicPeriod"/>
+                      </a:pPr>
+                      <a:endParaRPr lang="en-US" dirty="0"/>
+                    </a:p>
+                  </a:txBody>
+                  <a:tcPr>
+                    <a:lnL w="57150" cap="flat" cmpd="sng" algn="ctr">
+                      <a:solidFill>
+                        <a:schemeClr val="tx1">
+                          <a:lumMod val="50000"/>
+                          <a:lumOff val="50000"/>
+                        </a:schemeClr>
+                      </a:solidFill>
+                      <a:prstDash val="solid"/>
+                      <a:round/>
+                      <a:headEnd type="none" w="med" len="med"/>
+                      <a:tailEnd type="none" w="med" len="med"/>
+                    </a:lnL>
+                    <a:lnR w="12700" cap="flat" cmpd="sng" algn="ctr">
+                      <a:solidFill>
+                        <a:schemeClr val="tx1"/>
+                      </a:solidFill>
+                      <a:prstDash val="solid"/>
+                      <a:round/>
+                      <a:headEnd type="none" w="med" len="med"/>
+                      <a:tailEnd type="none" w="med" len="med"/>
+                    </a:lnR>
+                    <a:lnT w="12700" cap="flat" cmpd="sng" algn="ctr">
+                      <a:solidFill>
+                        <a:schemeClr val="tx1"/>
+                      </a:solidFill>
+                      <a:prstDash val="solid"/>
+                      <a:round/>
+                      <a:headEnd type="none" w="med" len="med"/>
+                      <a:tailEnd type="none" w="med" len="med"/>
+                    </a:lnT>
+                    <a:lnB w="12700" cap="flat" cmpd="sng" algn="ctr">
+                      <a:solidFill>
+                        <a:schemeClr val="tx1"/>
+                      </a:solidFill>
+                      <a:prstDash val="solid"/>
+                      <a:round/>
+                      <a:headEnd type="none" w="med" len="med"/>
+                      <a:tailEnd type="none" w="med" len="med"/>
+                    </a:lnB>
+                    <a:solidFill>
+                      <a:srgbClr val="FFFFFF"/>
+                    </a:solidFill>
+                  </a:tcPr>
+                </a:tc>
+                <a:tc>
+                  <a:txBody>
+                    <a:bodyPr/>
+                    <a:lstStyle/>
+                    <a:p>
+                      <a:pPr marL="742950" indent="-742950">
+                        <a:buFont typeface="+mj-lt"/>
+                        <a:buAutoNum type="arabicPeriod"/>
+                      </a:pPr>
+                      <a:endParaRPr lang="en-US" dirty="0"/>
+                    </a:p>
+                  </a:txBody>
+                  <a:tcPr>
+                    <a:lnL w="12700" cap="flat" cmpd="sng" algn="ctr">
+                      <a:solidFill>
+                        <a:schemeClr val="tx1"/>
+                      </a:solidFill>
+                      <a:prstDash val="solid"/>
+                      <a:round/>
+                      <a:headEnd type="none" w="med" len="med"/>
+                      <a:tailEnd type="none" w="med" len="med"/>
+                    </a:lnL>
+                    <a:lnR w="12700" cap="flat" cmpd="sng" algn="ctr">
+                      <a:solidFill>
+                        <a:schemeClr val="tx1"/>
+                      </a:solidFill>
+                      <a:prstDash val="solid"/>
+                      <a:round/>
+                      <a:headEnd type="none" w="med" len="med"/>
+                      <a:tailEnd type="none" w="med" len="med"/>
+                    </a:lnR>
+                    <a:lnT w="12700" cap="flat" cmpd="sng" algn="ctr">
+                      <a:solidFill>
+                        <a:schemeClr val="tx1"/>
+                      </a:solidFill>
+                      <a:prstDash val="solid"/>
+                      <a:round/>
+                      <a:headEnd type="none" w="med" len="med"/>
+                      <a:tailEnd type="none" w="med" len="med"/>
+                    </a:lnT>
+                    <a:lnB w="12700" cap="flat" cmpd="sng" algn="ctr">
+                      <a:solidFill>
+                        <a:schemeClr val="tx1"/>
+                      </a:solidFill>
+                      <a:prstDash val="solid"/>
+                      <a:round/>
+                      <a:headEnd type="none" w="med" len="med"/>
+                      <a:tailEnd type="none" w="med" len="med"/>
+                    </a:lnB>
+                    <a:solidFill>
+                      <a:srgbClr val="FFFFFF"/>
+                    </a:solidFill>
+                  </a:tcPr>
+                </a:tc>
+                <a:tc>
+                  <a:txBody>
+                    <a:bodyPr/>
+                    <a:lstStyle/>
+                    <a:p>
+                      <a:pPr marL="742950" indent="-742950">
+                        <a:buFont typeface="+mj-lt"/>
+                        <a:buAutoNum type="arabicPeriod"/>
+                      </a:pPr>
+                      <a:endParaRPr lang="en-US" dirty="0"/>
+                    </a:p>
+                  </a:txBody>
+                  <a:tcPr>
+                    <a:lnL w="12700" cap="flat" cmpd="sng" algn="ctr">
+                      <a:solidFill>
+                        <a:schemeClr val="tx1"/>
+                      </a:solidFill>
+                      <a:prstDash val="solid"/>
+                      <a:round/>
+                      <a:headEnd type="none" w="med" len="med"/>
+                      <a:tailEnd type="none" w="med" len="med"/>
+                    </a:lnL>
+                    <a:lnR w="57150" cap="flat" cmpd="sng" algn="ctr">
+                      <a:solidFill>
+                        <a:schemeClr val="tx1">
+                          <a:lumMod val="50000"/>
+                          <a:lumOff val="50000"/>
+                        </a:schemeClr>
+                      </a:solidFill>
+                      <a:prstDash val="solid"/>
+                      <a:round/>
+                      <a:headEnd type="none" w="med" len="med"/>
+                      <a:tailEnd type="none" w="med" len="med"/>
+                    </a:lnR>
+                    <a:lnT w="12700" cap="flat" cmpd="sng" algn="ctr">
+                      <a:solidFill>
+                        <a:schemeClr val="tx1"/>
+                      </a:solidFill>
+                      <a:prstDash val="solid"/>
+                      <a:round/>
+                      <a:headEnd type="none" w="med" len="med"/>
+                      <a:tailEnd type="none" w="med" len="med"/>
+                    </a:lnT>
+                    <a:lnB w="12700" cap="flat" cmpd="sng" algn="ctr">
+                      <a:solidFill>
+                        <a:schemeClr val="tx1"/>
+                      </a:solidFill>
+                      <a:prstDash val="solid"/>
+                      <a:round/>
+                      <a:headEnd type="none" w="med" len="med"/>
+                      <a:tailEnd type="none" w="med" len="med"/>
+                    </a:lnB>
+                    <a:solidFill>
+                      <a:srgbClr val="FFFFFF"/>
+                    </a:solidFill>
+                  </a:tcPr>
+                </a:tc>
+                <a:extLst>
+                  <a:ext uri="{0D108BD9-81ED-4DB2-BD59-A6C34878D82A}">
+                    <a16:rowId xmlns:a16="http://schemas.microsoft.com/office/drawing/2014/main" val="579744955"/>
+                  </a:ext>
+                </a:extLst>
+              </a:tr>
+              <a:tr h="720000">
+                <a:tc>
+                  <a:txBody>
+                    <a:bodyPr/>
+                    <a:lstStyle/>
+                    <a:p>
+                      <a:pPr marL="742950" indent="-742950">
+                        <a:buFont typeface="+mj-lt"/>
+                        <a:buAutoNum type="arabicPeriod"/>
+                      </a:pPr>
+                      <a:endParaRPr lang="en-US" dirty="0"/>
+                    </a:p>
+                  </a:txBody>
+                  <a:tcPr>
+                    <a:lnL w="57150" cap="flat" cmpd="sng" algn="ctr">
+                      <a:solidFill>
+                        <a:schemeClr val="tx1">
+                          <a:lumMod val="50000"/>
+                          <a:lumOff val="50000"/>
+                        </a:schemeClr>
+                      </a:solidFill>
+                      <a:prstDash val="solid"/>
+                      <a:round/>
+                      <a:headEnd type="none" w="med" len="med"/>
+                      <a:tailEnd type="none" w="med" len="med"/>
+                    </a:lnL>
+                    <a:lnR w="12700" cap="flat" cmpd="sng" algn="ctr">
+                      <a:solidFill>
+                        <a:schemeClr val="tx1"/>
+                      </a:solidFill>
+                      <a:prstDash val="solid"/>
+                      <a:round/>
+                      <a:headEnd type="none" w="med" len="med"/>
+                      <a:tailEnd type="none" w="med" len="med"/>
+                    </a:lnR>
+                    <a:lnT w="12700" cap="flat" cmpd="sng" algn="ctr">
+                      <a:solidFill>
+                        <a:schemeClr val="tx1"/>
+                      </a:solidFill>
+                      <a:prstDash val="solid"/>
+                      <a:round/>
+                      <a:headEnd type="none" w="med" len="med"/>
+                      <a:tailEnd type="none" w="med" len="med"/>
+                    </a:lnT>
+                    <a:lnB w="12700" cap="flat" cmpd="sng" algn="ctr">
+                      <a:solidFill>
+                        <a:schemeClr val="tx1"/>
+                      </a:solidFill>
+                      <a:prstDash val="solid"/>
+                      <a:round/>
+                      <a:headEnd type="none" w="med" len="med"/>
+                      <a:tailEnd type="none" w="med" len="med"/>
+                    </a:lnB>
+                    <a:solidFill>
+                      <a:srgbClr val="FFFFFF"/>
+                    </a:solidFill>
+                  </a:tcPr>
+                </a:tc>
+                <a:tc>
+                  <a:txBody>
+                    <a:bodyPr/>
+                    <a:lstStyle/>
+                    <a:p>
+                      <a:pPr marL="742950" indent="-742950">
+                        <a:buFont typeface="+mj-lt"/>
+                        <a:buAutoNum type="arabicPeriod"/>
+                      </a:pPr>
+                      <a:endParaRPr lang="en-US" dirty="0"/>
+                    </a:p>
+                  </a:txBody>
+                  <a:tcPr>
+                    <a:lnL w="12700" cap="flat" cmpd="sng" algn="ctr">
+                      <a:solidFill>
+                        <a:schemeClr val="tx1"/>
+                      </a:solidFill>
+                      <a:prstDash val="solid"/>
+                      <a:round/>
+                      <a:headEnd type="none" w="med" len="med"/>
+                      <a:tailEnd type="none" w="med" len="med"/>
+                    </a:lnL>
+                    <a:lnR w="12700" cap="flat" cmpd="sng" algn="ctr">
+                      <a:solidFill>
+                        <a:schemeClr val="tx1"/>
+                      </a:solidFill>
+                      <a:prstDash val="solid"/>
+                      <a:round/>
+                      <a:headEnd type="none" w="med" len="med"/>
+                      <a:tailEnd type="none" w="med" len="med"/>
+                    </a:lnR>
+                    <a:lnT w="12700" cap="flat" cmpd="sng" algn="ctr">
+                      <a:solidFill>
+                        <a:schemeClr val="tx1"/>
+                      </a:solidFill>
+                      <a:prstDash val="solid"/>
+                      <a:round/>
+                      <a:headEnd type="none" w="med" len="med"/>
+                      <a:tailEnd type="none" w="med" len="med"/>
+                    </a:lnT>
+                    <a:lnB w="12700" cap="flat" cmpd="sng" algn="ctr">
+                      <a:solidFill>
+                        <a:schemeClr val="tx1"/>
+                      </a:solidFill>
+                      <a:prstDash val="solid"/>
+                      <a:round/>
+                      <a:headEnd type="none" w="med" len="med"/>
+                      <a:tailEnd type="none" w="med" len="med"/>
+                    </a:lnB>
+                    <a:solidFill>
+                      <a:srgbClr val="FFFFFF"/>
+                    </a:solidFill>
+                  </a:tcPr>
+                </a:tc>
+                <a:tc>
+                  <a:txBody>
+                    <a:bodyPr/>
+                    <a:lstStyle/>
+                    <a:p>
+                      <a:pPr marL="742950" indent="-742950">
+                        <a:buFont typeface="+mj-lt"/>
+                        <a:buAutoNum type="arabicPeriod"/>
+                      </a:pPr>
+                      <a:endParaRPr lang="en-US" dirty="0"/>
+                    </a:p>
+                  </a:txBody>
+                  <a:tcPr>
+                    <a:lnL w="12700" cap="flat" cmpd="sng" algn="ctr">
+                      <a:solidFill>
+                        <a:schemeClr val="tx1"/>
+                      </a:solidFill>
+                      <a:prstDash val="solid"/>
+                      <a:round/>
+                      <a:headEnd type="none" w="med" len="med"/>
+                      <a:tailEnd type="none" w="med" len="med"/>
+                    </a:lnL>
+                    <a:lnR w="57150" cap="flat" cmpd="sng" algn="ctr">
+                      <a:solidFill>
+                        <a:schemeClr val="tx1">
+                          <a:lumMod val="50000"/>
+                          <a:lumOff val="50000"/>
+                        </a:schemeClr>
+                      </a:solidFill>
+                      <a:prstDash val="solid"/>
+                      <a:round/>
+                      <a:headEnd type="none" w="med" len="med"/>
+                      <a:tailEnd type="none" w="med" len="med"/>
+                    </a:lnR>
+                    <a:lnT w="12700" cap="flat" cmpd="sng" algn="ctr">
+                      <a:solidFill>
+                        <a:schemeClr val="tx1"/>
+                      </a:solidFill>
+                      <a:prstDash val="solid"/>
+                      <a:round/>
+                      <a:headEnd type="none" w="med" len="med"/>
+                      <a:tailEnd type="none" w="med" len="med"/>
+                    </a:lnT>
+                    <a:lnB w="12700" cap="flat" cmpd="sng" algn="ctr">
+                      <a:solidFill>
+                        <a:schemeClr val="tx1"/>
+                      </a:solidFill>
+                      <a:prstDash val="solid"/>
+                      <a:round/>
+                      <a:headEnd type="none" w="med" len="med"/>
+                      <a:tailEnd type="none" w="med" len="med"/>
+                    </a:lnB>
+                    <a:solidFill>
+                      <a:srgbClr val="FFFFFF"/>
+                    </a:solidFill>
+                  </a:tcPr>
+                </a:tc>
+                <a:extLst>
+                  <a:ext uri="{0D108BD9-81ED-4DB2-BD59-A6C34878D82A}">
+                    <a16:rowId xmlns:a16="http://schemas.microsoft.com/office/drawing/2014/main" val="2982934356"/>
+                  </a:ext>
+                </a:extLst>
+              </a:tr>
+              <a:tr h="720000">
+                <a:tc>
+                  <a:txBody>
+                    <a:bodyPr/>
+                    <a:lstStyle/>
+                    <a:p>
+                      <a:pPr marL="742950" indent="-742950">
+                        <a:buFont typeface="+mj-lt"/>
+                        <a:buAutoNum type="arabicPeriod"/>
+                      </a:pPr>
+                      <a:endParaRPr lang="en-US" dirty="0"/>
+                    </a:p>
+                  </a:txBody>
+                  <a:tcPr>
+                    <a:lnL w="57150" cap="flat" cmpd="sng" algn="ctr">
+                      <a:solidFill>
+                        <a:schemeClr val="tx1">
+                          <a:lumMod val="50000"/>
+                          <a:lumOff val="50000"/>
+                        </a:schemeClr>
+                      </a:solidFill>
+                      <a:prstDash val="solid"/>
+                      <a:round/>
+                      <a:headEnd type="none" w="med" len="med"/>
+                      <a:tailEnd type="none" w="med" len="med"/>
+                    </a:lnL>
+                    <a:lnR w="12700" cap="flat" cmpd="sng" algn="ctr">
+                      <a:solidFill>
+                        <a:schemeClr val="tx1"/>
+                      </a:solidFill>
+                      <a:prstDash val="solid"/>
+                      <a:round/>
+                      <a:headEnd type="none" w="med" len="med"/>
+                      <a:tailEnd type="none" w="med" len="med"/>
+                    </a:lnR>
+                    <a:lnT w="12700" cap="flat" cmpd="sng" algn="ctr">
+                      <a:solidFill>
+                        <a:schemeClr val="tx1"/>
+                      </a:solidFill>
+                      <a:prstDash val="solid"/>
+                      <a:round/>
+                      <a:headEnd type="none" w="med" len="med"/>
+                      <a:tailEnd type="none" w="med" len="med"/>
+                    </a:lnT>
+                    <a:lnB w="57150" cap="flat" cmpd="sng" algn="ctr">
+                      <a:solidFill>
+                        <a:schemeClr val="tx1">
+                          <a:lumMod val="50000"/>
+                          <a:lumOff val="50000"/>
+                        </a:schemeClr>
+                      </a:solidFill>
+                      <a:prstDash val="solid"/>
+                      <a:round/>
+                      <a:headEnd type="none" w="med" len="med"/>
+                      <a:tailEnd type="none" w="med" len="med"/>
+                    </a:lnB>
+                    <a:solidFill>
+                      <a:srgbClr val="FFFFFF"/>
+                    </a:solidFill>
+                  </a:tcPr>
+                </a:tc>
+                <a:tc>
+                  <a:txBody>
+                    <a:bodyPr/>
+                    <a:lstStyle/>
+                    <a:p>
+                      <a:pPr marL="742950" indent="-742950">
+                        <a:buFont typeface="+mj-lt"/>
+                        <a:buAutoNum type="arabicPeriod"/>
+                      </a:pPr>
+                      <a:endParaRPr lang="en-US" dirty="0"/>
+                    </a:p>
+                  </a:txBody>
+                  <a:tcPr>
+                    <a:lnL w="12700" cap="flat" cmpd="sng" algn="ctr">
+                      <a:solidFill>
+                        <a:schemeClr val="tx1"/>
+                      </a:solidFill>
+                      <a:prstDash val="solid"/>
+                      <a:round/>
+                      <a:headEnd type="none" w="med" len="med"/>
+                      <a:tailEnd type="none" w="med" len="med"/>
+                    </a:lnL>
+                    <a:lnR w="12700" cap="flat" cmpd="sng" algn="ctr">
+                      <a:solidFill>
+                        <a:schemeClr val="tx1"/>
+                      </a:solidFill>
+                      <a:prstDash val="solid"/>
+                      <a:round/>
+                      <a:headEnd type="none" w="med" len="med"/>
+                      <a:tailEnd type="none" w="med" len="med"/>
+                    </a:lnR>
+                    <a:lnT w="12700" cap="flat" cmpd="sng" algn="ctr">
+                      <a:solidFill>
+                        <a:schemeClr val="tx1"/>
+                      </a:solidFill>
+                      <a:prstDash val="solid"/>
+                      <a:round/>
+                      <a:headEnd type="none" w="med" len="med"/>
+                      <a:tailEnd type="none" w="med" len="med"/>
+                    </a:lnT>
+                    <a:lnB w="57150" cap="flat" cmpd="sng" algn="ctr">
+                      <a:solidFill>
+                        <a:schemeClr val="tx1">
+                          <a:lumMod val="50000"/>
+                          <a:lumOff val="50000"/>
+                        </a:schemeClr>
+                      </a:solidFill>
+                      <a:prstDash val="solid"/>
+                      <a:round/>
+                      <a:headEnd type="none" w="med" len="med"/>
+                      <a:tailEnd type="none" w="med" len="med"/>
+                    </a:lnB>
+                    <a:solidFill>
+                      <a:srgbClr val="FFFFFF"/>
+                    </a:solidFill>
+                  </a:tcPr>
+                </a:tc>
+                <a:tc>
+                  <a:txBody>
+                    <a:bodyPr/>
+                    <a:lstStyle/>
+                    <a:p>
+                      <a:pPr marL="742950" indent="-742950">
+                        <a:buFont typeface="+mj-lt"/>
+                        <a:buAutoNum type="arabicPeriod"/>
+                      </a:pPr>
+                      <a:endParaRPr lang="en-US" dirty="0"/>
+                    </a:p>
+                  </a:txBody>
+                  <a:tcPr>
+                    <a:lnL w="12700" cap="flat" cmpd="sng" algn="ctr">
+                      <a:solidFill>
+                        <a:schemeClr val="tx1"/>
+                      </a:solidFill>
+                      <a:prstDash val="solid"/>
+                      <a:round/>
+                      <a:headEnd type="none" w="med" len="med"/>
+                      <a:tailEnd type="none" w="med" len="med"/>
+                    </a:lnL>
+                    <a:lnR w="57150" cap="flat" cmpd="sng" algn="ctr">
+                      <a:solidFill>
+                        <a:schemeClr val="tx1">
+                          <a:lumMod val="50000"/>
+                          <a:lumOff val="50000"/>
+                        </a:schemeClr>
+                      </a:solidFill>
+                      <a:prstDash val="solid"/>
+                      <a:round/>
+                      <a:headEnd type="none" w="med" len="med"/>
+                      <a:tailEnd type="none" w="med" len="med"/>
+                    </a:lnR>
+                    <a:lnT w="12700" cap="flat" cmpd="sng" algn="ctr">
+                      <a:solidFill>
+                        <a:schemeClr val="tx1"/>
+                      </a:solidFill>
+                      <a:prstDash val="solid"/>
+                      <a:round/>
+                      <a:headEnd type="none" w="med" len="med"/>
+                      <a:tailEnd type="none" w="med" len="med"/>
+                    </a:lnT>
+                    <a:lnB w="57150" cap="flat" cmpd="sng" algn="ctr">
+                      <a:solidFill>
+                        <a:schemeClr val="tx1">
+                          <a:lumMod val="50000"/>
+                          <a:lumOff val="50000"/>
+                        </a:schemeClr>
+                      </a:solidFill>
+                      <a:prstDash val="solid"/>
+                      <a:round/>
+                      <a:headEnd type="none" w="med" len="med"/>
+                      <a:tailEnd type="none" w="med" len="med"/>
+                    </a:lnB>
+                    <a:solidFill>
+                      <a:srgbClr val="FFFFFF"/>
+                    </a:solidFill>
+                  </a:tcPr>
+                </a:tc>
+                <a:extLst>
+                  <a:ext uri="{0D108BD9-81ED-4DB2-BD59-A6C34878D82A}">
+                    <a16:rowId xmlns:a16="http://schemas.microsoft.com/office/drawing/2014/main" val="781554081"/>
                   </a:ext>
                 </a:extLst>
               </a:tr>
@@ -9611,6 +10778,1107 @@
           </a:graphicData>
         </a:graphic>
       </p:graphicFrame>
+      <p:cxnSp>
+        <p:nvCxnSpPr>
+          <p:cNvPr id="19" name="Straight Connector 18"/>
+          <p:cNvCxnSpPr/>
+          <p:nvPr/>
+        </p:nvCxnSpPr>
+        <p:spPr>
+          <a:xfrm flipV="1">
+            <a:off x="9139422" y="2000865"/>
+            <a:ext cx="2481000" cy="481111"/>
+          </a:xfrm>
+          <a:prstGeom prst="line">
+            <a:avLst/>
+          </a:prstGeom>
+          <a:ln w="38100">
+            <a:solidFill>
+              <a:schemeClr val="accent5">
+                <a:lumMod val="50000"/>
+              </a:schemeClr>
+            </a:solidFill>
+            <a:prstDash val="sysDot"/>
+          </a:ln>
+        </p:spPr>
+        <p:style>
+          <a:lnRef idx="1">
+            <a:schemeClr val="accent1"/>
+          </a:lnRef>
+          <a:fillRef idx="0">
+            <a:schemeClr val="accent1"/>
+          </a:fillRef>
+          <a:effectRef idx="0">
+            <a:schemeClr val="accent1"/>
+          </a:effectRef>
+          <a:fontRef idx="minor">
+            <a:schemeClr val="tx1"/>
+          </a:fontRef>
+        </p:style>
+      </p:cxnSp>
+      <p:cxnSp>
+        <p:nvCxnSpPr>
+          <p:cNvPr id="22" name="Straight Connector 21"/>
+          <p:cNvCxnSpPr/>
+          <p:nvPr/>
+        </p:nvCxnSpPr>
+        <p:spPr>
+          <a:xfrm flipV="1">
+            <a:off x="9139422" y="2699365"/>
+            <a:ext cx="2481000" cy="4822610"/>
+          </a:xfrm>
+          <a:prstGeom prst="line">
+            <a:avLst/>
+          </a:prstGeom>
+          <a:ln w="38100">
+            <a:solidFill>
+              <a:schemeClr val="accent5">
+                <a:lumMod val="50000"/>
+              </a:schemeClr>
+            </a:solidFill>
+            <a:prstDash val="sysDot"/>
+          </a:ln>
+        </p:spPr>
+        <p:style>
+          <a:lnRef idx="1">
+            <a:schemeClr val="accent1"/>
+          </a:lnRef>
+          <a:fillRef idx="0">
+            <a:schemeClr val="accent1"/>
+          </a:fillRef>
+          <a:effectRef idx="0">
+            <a:schemeClr val="accent1"/>
+          </a:effectRef>
+          <a:fontRef idx="minor">
+            <a:schemeClr val="tx1"/>
+          </a:fontRef>
+        </p:style>
+      </p:cxnSp>
+      <p:cxnSp>
+        <p:nvCxnSpPr>
+          <p:cNvPr id="28" name="Straight Connector 27"/>
+          <p:cNvCxnSpPr/>
+          <p:nvPr/>
+        </p:nvCxnSpPr>
+        <p:spPr>
+          <a:xfrm>
+            <a:off x="9718884" y="2037547"/>
+            <a:ext cx="1901538" cy="1387917"/>
+          </a:xfrm>
+          <a:prstGeom prst="line">
+            <a:avLst/>
+          </a:prstGeom>
+          <a:ln w="38100">
+            <a:solidFill>
+              <a:schemeClr val="accent2"/>
+            </a:solidFill>
+            <a:prstDash val="sysDot"/>
+          </a:ln>
+        </p:spPr>
+        <p:style>
+          <a:lnRef idx="1">
+            <a:schemeClr val="accent1"/>
+          </a:lnRef>
+          <a:fillRef idx="0">
+            <a:schemeClr val="accent1"/>
+          </a:fillRef>
+          <a:effectRef idx="0">
+            <a:schemeClr val="accent1"/>
+          </a:effectRef>
+          <a:fontRef idx="minor">
+            <a:schemeClr val="tx1"/>
+          </a:fontRef>
+        </p:style>
+      </p:cxnSp>
+      <p:cxnSp>
+        <p:nvCxnSpPr>
+          <p:cNvPr id="33" name="Straight Connector 32"/>
+          <p:cNvCxnSpPr/>
+          <p:nvPr/>
+        </p:nvCxnSpPr>
+        <p:spPr>
+          <a:xfrm flipV="1">
+            <a:off x="9718884" y="4083664"/>
+            <a:ext cx="1901538" cy="2993882"/>
+          </a:xfrm>
+          <a:prstGeom prst="line">
+            <a:avLst/>
+          </a:prstGeom>
+          <a:ln w="38100">
+            <a:solidFill>
+              <a:schemeClr val="accent2"/>
+            </a:solidFill>
+            <a:prstDash val="sysDot"/>
+          </a:ln>
+        </p:spPr>
+        <p:style>
+          <a:lnRef idx="1">
+            <a:schemeClr val="accent1"/>
+          </a:lnRef>
+          <a:fillRef idx="0">
+            <a:schemeClr val="accent1"/>
+          </a:fillRef>
+          <a:effectRef idx="0">
+            <a:schemeClr val="accent1"/>
+          </a:effectRef>
+          <a:fontRef idx="minor">
+            <a:schemeClr val="tx1"/>
+          </a:fontRef>
+        </p:style>
+      </p:cxnSp>
+      <p:graphicFrame>
+        <p:nvGraphicFramePr>
+          <p:cNvPr id="52" name="Table 51"/>
+          <p:cNvGraphicFramePr>
+            <a:graphicFrameLocks noGrp="1"/>
+          </p:cNvGraphicFramePr>
+          <p:nvPr>
+            <p:extLst>
+              <p:ext uri="{D42A27DB-BD31-4B8C-83A1-F6EECF244321}">
+                <p14:modId xmlns:p14="http://schemas.microsoft.com/office/powerpoint/2010/main" val="2517716176"/>
+              </p:ext>
+            </p:extLst>
+          </p:nvPr>
+        </p:nvGraphicFramePr>
+        <p:xfrm>
+          <a:off x="15478614" y="3425463"/>
+          <a:ext cx="720000" cy="2160000"/>
+        </p:xfrm>
+        <a:graphic>
+          <a:graphicData uri="http://schemas.openxmlformats.org/drawingml/2006/table">
+            <a:tbl>
+              <a:tblPr firstRow="1" bandRow="1">
+                <a:tableStyleId>{5940675A-B579-460E-94D1-54222C63F5DA}</a:tableStyleId>
+              </a:tblPr>
+              <a:tblGrid>
+                <a:gridCol w="720000">
+                  <a:extLst>
+                    <a:ext uri="{9D8B030D-6E8A-4147-A177-3AD203B41FA5}">
+                      <a16:colId xmlns:a16="http://schemas.microsoft.com/office/drawing/2014/main" val="20000"/>
+                    </a:ext>
+                  </a:extLst>
+                </a:gridCol>
+              </a:tblGrid>
+              <a:tr h="720000">
+                <a:tc>
+                  <a:txBody>
+                    <a:bodyPr/>
+                    <a:lstStyle/>
+                    <a:p>
+                      <a:pPr marL="0" algn="l" defTabSz="914400" rtl="0" eaLnBrk="1" latinLnBrk="0" hangingPunct="1"/>
+                      <a:endParaRPr lang="en-US" sz="1800" kern="1200" dirty="0">
+                        <a:solidFill>
+                          <a:schemeClr val="tx1"/>
+                        </a:solidFill>
+                        <a:latin typeface="+mn-lt"/>
+                        <a:ea typeface="+mn-ea"/>
+                        <a:cs typeface="+mn-cs"/>
+                      </a:endParaRPr>
+                    </a:p>
+                  </a:txBody>
+                  <a:tcPr>
+                    <a:lnL w="57150" cap="flat" cmpd="sng" algn="ctr">
+                      <a:solidFill>
+                        <a:schemeClr val="tx1">
+                          <a:lumMod val="50000"/>
+                          <a:lumOff val="50000"/>
+                        </a:schemeClr>
+                      </a:solidFill>
+                      <a:prstDash val="solid"/>
+                      <a:round/>
+                      <a:headEnd type="none" w="med" len="med"/>
+                      <a:tailEnd type="none" w="med" len="med"/>
+                    </a:lnL>
+                    <a:lnR w="57150" cap="flat" cmpd="sng" algn="ctr">
+                      <a:solidFill>
+                        <a:schemeClr val="tx1">
+                          <a:lumMod val="50000"/>
+                          <a:lumOff val="50000"/>
+                        </a:schemeClr>
+                      </a:solidFill>
+                      <a:prstDash val="solid"/>
+                      <a:round/>
+                      <a:headEnd type="none" w="med" len="med"/>
+                      <a:tailEnd type="none" w="med" len="med"/>
+                    </a:lnR>
+                    <a:lnT w="57150" cap="flat" cmpd="sng" algn="ctr">
+                      <a:solidFill>
+                        <a:schemeClr val="tx1">
+                          <a:lumMod val="50000"/>
+                          <a:lumOff val="50000"/>
+                        </a:schemeClr>
+                      </a:solidFill>
+                      <a:prstDash val="solid"/>
+                      <a:round/>
+                      <a:headEnd type="none" w="med" len="med"/>
+                      <a:tailEnd type="none" w="med" len="med"/>
+                    </a:lnT>
+                    <a:lnB w="12700" cap="flat" cmpd="sng" algn="ctr">
+                      <a:solidFill>
+                        <a:schemeClr val="tx1"/>
+                      </a:solidFill>
+                      <a:prstDash val="solid"/>
+                      <a:round/>
+                      <a:headEnd type="none" w="med" len="med"/>
+                      <a:tailEnd type="none" w="med" len="med"/>
+                    </a:lnB>
+                    <a:noFill/>
+                  </a:tcPr>
+                </a:tc>
+                <a:extLst>
+                  <a:ext uri="{0D108BD9-81ED-4DB2-BD59-A6C34878D82A}">
+                    <a16:rowId xmlns:a16="http://schemas.microsoft.com/office/drawing/2014/main" val="10000"/>
+                  </a:ext>
+                </a:extLst>
+              </a:tr>
+              <a:tr h="720000">
+                <a:tc>
+                  <a:txBody>
+                    <a:bodyPr/>
+                    <a:lstStyle/>
+                    <a:p>
+                      <a:endParaRPr lang="en-US" sz="1800" dirty="0"/>
+                    </a:p>
+                  </a:txBody>
+                  <a:tcPr>
+                    <a:lnL w="57150" cap="flat" cmpd="sng" algn="ctr">
+                      <a:solidFill>
+                        <a:schemeClr val="tx1">
+                          <a:lumMod val="50000"/>
+                          <a:lumOff val="50000"/>
+                        </a:schemeClr>
+                      </a:solidFill>
+                      <a:prstDash val="solid"/>
+                      <a:round/>
+                      <a:headEnd type="none" w="med" len="med"/>
+                      <a:tailEnd type="none" w="med" len="med"/>
+                    </a:lnL>
+                    <a:lnR w="57150" cap="flat" cmpd="sng" algn="ctr">
+                      <a:solidFill>
+                        <a:schemeClr val="tx1">
+                          <a:lumMod val="50000"/>
+                          <a:lumOff val="50000"/>
+                        </a:schemeClr>
+                      </a:solidFill>
+                      <a:prstDash val="solid"/>
+                      <a:round/>
+                      <a:headEnd type="none" w="med" len="med"/>
+                      <a:tailEnd type="none" w="med" len="med"/>
+                    </a:lnR>
+                    <a:lnT w="12700" cap="flat" cmpd="sng" algn="ctr">
+                      <a:solidFill>
+                        <a:schemeClr val="tx1"/>
+                      </a:solidFill>
+                      <a:prstDash val="solid"/>
+                      <a:round/>
+                      <a:headEnd type="none" w="med" len="med"/>
+                      <a:tailEnd type="none" w="med" len="med"/>
+                    </a:lnT>
+                    <a:lnB w="12700" cap="flat" cmpd="sng" algn="ctr">
+                      <a:solidFill>
+                        <a:schemeClr val="tx1"/>
+                      </a:solidFill>
+                      <a:prstDash val="solid"/>
+                      <a:round/>
+                      <a:headEnd type="none" w="med" len="med"/>
+                      <a:tailEnd type="none" w="med" len="med"/>
+                    </a:lnB>
+                    <a:noFill/>
+                  </a:tcPr>
+                </a:tc>
+                <a:extLst>
+                  <a:ext uri="{0D108BD9-81ED-4DB2-BD59-A6C34878D82A}">
+                    <a16:rowId xmlns:a16="http://schemas.microsoft.com/office/drawing/2014/main" val="10001"/>
+                  </a:ext>
+                </a:extLst>
+              </a:tr>
+              <a:tr h="720000">
+                <a:tc>
+                  <a:txBody>
+                    <a:bodyPr/>
+                    <a:lstStyle/>
+                    <a:p>
+                      <a:endParaRPr lang="en-US" sz="1800" dirty="0"/>
+                    </a:p>
+                  </a:txBody>
+                  <a:tcPr>
+                    <a:lnL w="57150" cap="flat" cmpd="sng" algn="ctr">
+                      <a:solidFill>
+                        <a:schemeClr val="tx1">
+                          <a:lumMod val="50000"/>
+                          <a:lumOff val="50000"/>
+                        </a:schemeClr>
+                      </a:solidFill>
+                      <a:prstDash val="solid"/>
+                      <a:round/>
+                      <a:headEnd type="none" w="med" len="med"/>
+                      <a:tailEnd type="none" w="med" len="med"/>
+                    </a:lnL>
+                    <a:lnR w="57150" cap="flat" cmpd="sng" algn="ctr">
+                      <a:solidFill>
+                        <a:schemeClr val="tx1">
+                          <a:lumMod val="50000"/>
+                          <a:lumOff val="50000"/>
+                        </a:schemeClr>
+                      </a:solidFill>
+                      <a:prstDash val="solid"/>
+                      <a:round/>
+                      <a:headEnd type="none" w="med" len="med"/>
+                      <a:tailEnd type="none" w="med" len="med"/>
+                    </a:lnR>
+                    <a:lnT w="12700" cap="flat" cmpd="sng" algn="ctr">
+                      <a:solidFill>
+                        <a:schemeClr val="tx1"/>
+                      </a:solidFill>
+                      <a:prstDash val="solid"/>
+                      <a:round/>
+                      <a:headEnd type="none" w="med" len="med"/>
+                      <a:tailEnd type="none" w="med" len="med"/>
+                    </a:lnT>
+                    <a:lnB w="57150" cap="flat" cmpd="sng" algn="ctr">
+                      <a:solidFill>
+                        <a:schemeClr val="tx1">
+                          <a:lumMod val="50000"/>
+                          <a:lumOff val="50000"/>
+                        </a:schemeClr>
+                      </a:solidFill>
+                      <a:prstDash val="solid"/>
+                      <a:round/>
+                      <a:headEnd type="none" w="med" len="med"/>
+                      <a:tailEnd type="none" w="med" len="med"/>
+                    </a:lnB>
+                    <a:noFill/>
+                  </a:tcPr>
+                </a:tc>
+                <a:extLst>
+                  <a:ext uri="{0D108BD9-81ED-4DB2-BD59-A6C34878D82A}">
+                    <a16:rowId xmlns:a16="http://schemas.microsoft.com/office/drawing/2014/main" val="10002"/>
+                  </a:ext>
+                </a:extLst>
+              </a:tr>
+            </a:tbl>
+          </a:graphicData>
+        </a:graphic>
+      </p:graphicFrame>
+      <p:cxnSp>
+        <p:nvCxnSpPr>
+          <p:cNvPr id="53" name="Straight Connector 52"/>
+          <p:cNvCxnSpPr/>
+          <p:nvPr/>
+        </p:nvCxnSpPr>
+        <p:spPr>
+          <a:xfrm>
+            <a:off x="13780422" y="1985463"/>
+            <a:ext cx="1698192" cy="1440000"/>
+          </a:xfrm>
+          <a:prstGeom prst="line">
+            <a:avLst/>
+          </a:prstGeom>
+          <a:ln w="38100">
+            <a:solidFill>
+              <a:schemeClr val="accent3">
+                <a:lumMod val="50000"/>
+              </a:schemeClr>
+            </a:solidFill>
+            <a:prstDash val="sysDot"/>
+          </a:ln>
+        </p:spPr>
+        <p:style>
+          <a:lnRef idx="1">
+            <a:schemeClr val="accent1"/>
+          </a:lnRef>
+          <a:fillRef idx="0">
+            <a:schemeClr val="accent1"/>
+          </a:fillRef>
+          <a:effectRef idx="0">
+            <a:schemeClr val="accent1"/>
+          </a:effectRef>
+          <a:fontRef idx="minor">
+            <a:schemeClr val="tx1"/>
+          </a:fontRef>
+        </p:style>
+      </p:cxnSp>
+      <p:cxnSp>
+        <p:nvCxnSpPr>
+          <p:cNvPr id="56" name="Straight Connector 55"/>
+          <p:cNvCxnSpPr/>
+          <p:nvPr/>
+        </p:nvCxnSpPr>
+        <p:spPr>
+          <a:xfrm flipV="1">
+            <a:off x="13780422" y="5536701"/>
+            <a:ext cx="1698192" cy="1488763"/>
+          </a:xfrm>
+          <a:prstGeom prst="line">
+            <a:avLst/>
+          </a:prstGeom>
+          <a:ln w="38100">
+            <a:solidFill>
+              <a:schemeClr val="accent3">
+                <a:lumMod val="50000"/>
+              </a:schemeClr>
+            </a:solidFill>
+            <a:prstDash val="sysDot"/>
+          </a:ln>
+        </p:spPr>
+        <p:style>
+          <a:lnRef idx="1">
+            <a:schemeClr val="accent1"/>
+          </a:lnRef>
+          <a:fillRef idx="0">
+            <a:schemeClr val="accent1"/>
+          </a:fillRef>
+          <a:effectRef idx="0">
+            <a:schemeClr val="accent1"/>
+          </a:effectRef>
+          <a:fontRef idx="minor">
+            <a:schemeClr val="tx1"/>
+          </a:fontRef>
+        </p:style>
+      </p:cxnSp>
+      <p:sp>
+        <p:nvSpPr>
+          <p:cNvPr id="73" name="Right Bracket 72"/>
+          <p:cNvSpPr/>
+          <p:nvPr/>
+        </p:nvSpPr>
+        <p:spPr>
+          <a:xfrm rot="5400000">
+            <a:off x="10579679" y="6830940"/>
+            <a:ext cx="232104" cy="4136572"/>
+          </a:xfrm>
+          <a:prstGeom prst="rightBracket">
+            <a:avLst/>
+          </a:prstGeom>
+          <a:solidFill>
+            <a:schemeClr val="bg1"/>
+          </a:solidFill>
+          <a:ln w="57150">
+            <a:solidFill>
+              <a:schemeClr val="tx1">
+                <a:lumMod val="65000"/>
+                <a:lumOff val="35000"/>
+              </a:schemeClr>
+            </a:solidFill>
+            <a:prstDash val="sysDash"/>
+          </a:ln>
+        </p:spPr>
+        <p:style>
+          <a:lnRef idx="1">
+            <a:schemeClr val="accent1"/>
+          </a:lnRef>
+          <a:fillRef idx="0">
+            <a:schemeClr val="accent1"/>
+          </a:fillRef>
+          <a:effectRef idx="0">
+            <a:schemeClr val="accent1"/>
+          </a:effectRef>
+          <a:fontRef idx="minor">
+            <a:schemeClr val="tx1"/>
+          </a:fontRef>
+        </p:style>
+        <p:txBody>
+          <a:bodyPr rtlCol="0" anchor="ctr"/>
+          <a:lstStyle/>
+          <a:p>
+            <a:pPr algn="ctr"/>
+            <a:endParaRPr lang="en-US"/>
+          </a:p>
+        </p:txBody>
+      </p:sp>
+      <p:sp>
+        <p:nvSpPr>
+          <p:cNvPr id="74" name="TextBox 73"/>
+          <p:cNvSpPr txBox="1"/>
+          <p:nvPr/>
+        </p:nvSpPr>
+        <p:spPr>
+          <a:xfrm>
+            <a:off x="8470251" y="7999616"/>
+            <a:ext cx="4398805" cy="1015663"/>
+          </a:xfrm>
+          <a:prstGeom prst="rect">
+            <a:avLst/>
+          </a:prstGeom>
+          <a:noFill/>
+        </p:spPr>
+        <p:txBody>
+          <a:bodyPr wrap="square" rtlCol="0">
+            <a:spAutoFit/>
+          </a:bodyPr>
+          <a:lstStyle/>
+          <a:p>
+            <a:pPr algn="ctr"/>
+            <a:r>
+              <a:rPr lang="en-US" sz="2000" dirty="0">
+                <a:latin typeface="Helvetica" panose="020B0604020202020204" pitchFamily="34" charset="0"/>
+                <a:cs typeface="Helvetica" panose="020B0604020202020204" pitchFamily="34" charset="0"/>
+              </a:rPr>
+              <a:t>Convolutional layer + max pooling layer to out put the new representation of the code change</a:t>
+            </a:r>
+          </a:p>
+        </p:txBody>
+      </p:sp>
+      <mc:AlternateContent xmlns:mc="http://schemas.openxmlformats.org/markup-compatibility/2006" xmlns:a14="http://schemas.microsoft.com/office/drawing/2010/main">
+        <mc:Choice Requires="a14">
+          <p:sp>
+            <p:nvSpPr>
+              <p:cNvPr id="76" name="Rectangle 75"/>
+              <p:cNvSpPr/>
+              <p:nvPr/>
+            </p:nvSpPr>
+            <p:spPr>
+              <a:xfrm>
+                <a:off x="7223433" y="7527941"/>
+                <a:ext cx="2830903" cy="603435"/>
+              </a:xfrm>
+              <a:prstGeom prst="rect">
+                <a:avLst/>
+              </a:prstGeom>
+            </p:spPr>
+            <p:txBody>
+              <a:bodyPr wrap="none">
+                <a:spAutoFit/>
+              </a:bodyPr>
+              <a:lstStyle/>
+              <a:p>
+                <a:pPr/>
+                <a14:m>
+                  <m:oMathPara xmlns:m="http://schemas.openxmlformats.org/officeDocument/2006/math">
+                    <m:oMathParaPr>
+                      <m:jc m:val="centerGroup"/>
+                    </m:oMathParaPr>
+                    <m:oMath xmlns:m="http://schemas.openxmlformats.org/officeDocument/2006/math">
+                      <m:sSub>
+                        <m:sSubPr>
+                          <m:ctrlPr>
+                            <a:rPr lang="en-US" sz="3200" b="1" i="1">
+                              <a:latin typeface="Cambria Math" panose="02040503050406030204" pitchFamily="18" charset="0"/>
+                              <a:cs typeface="Arial" panose="020B0604020202020204" pitchFamily="34" charset="0"/>
+                            </a:rPr>
+                          </m:ctrlPr>
+                        </m:sSubPr>
+                        <m:e>
+                          <m:r>
+                            <a:rPr lang="en-US" sz="3200" b="1">
+                              <a:latin typeface="Cambria Math" panose="02040503050406030204" pitchFamily="18" charset="0"/>
+                              <a:cs typeface="Arial" panose="020B0604020202020204" pitchFamily="34" charset="0"/>
+                            </a:rPr>
+                            <m:t>𝐅</m:t>
+                          </m:r>
+                        </m:e>
+                        <m:sub>
+                          <m:r>
+                            <a:rPr lang="en-US" sz="3200" b="1" i="1">
+                              <a:latin typeface="Cambria Math" panose="02040503050406030204" pitchFamily="18" charset="0"/>
+                              <a:cs typeface="Arial" panose="020B0604020202020204" pitchFamily="34" charset="0"/>
+                            </a:rPr>
+                            <m:t>𝒊</m:t>
+                          </m:r>
+                        </m:sub>
+                      </m:sSub>
+                      <m:r>
+                        <a:rPr lang="en-US" sz="3200" b="1" i="1">
+                          <a:latin typeface="Cambria Math" panose="02040503050406030204" pitchFamily="18" charset="0"/>
+                          <a:ea typeface="Helvetica" charset="0"/>
+                          <a:cs typeface="Arial" panose="020B0604020202020204" pitchFamily="34" charset="0"/>
+                        </a:rPr>
+                        <m:t>∈</m:t>
+                      </m:r>
+                      <m:sSup>
+                        <m:sSupPr>
+                          <m:ctrlPr>
+                            <a:rPr lang="en-US" sz="3200" b="1" i="1">
+                              <a:latin typeface="Cambria Math" panose="02040503050406030204" pitchFamily="18" charset="0"/>
+                              <a:cs typeface="Arial" panose="020B0604020202020204" pitchFamily="34" charset="0"/>
+                            </a:rPr>
+                          </m:ctrlPr>
+                        </m:sSupPr>
+                        <m:e>
+                          <m:r>
+                            <a:rPr lang="en-US" sz="3200" b="1" i="1">
+                              <a:latin typeface="Cambria Math" panose="02040503050406030204" pitchFamily="18" charset="0"/>
+                              <a:ea typeface="Cambria Math" panose="02040503050406030204" pitchFamily="18" charset="0"/>
+                              <a:cs typeface="Arial" panose="020B0604020202020204" pitchFamily="34" charset="0"/>
+                            </a:rPr>
+                            <m:t>ℝ</m:t>
+                          </m:r>
+                        </m:e>
+                        <m:sup>
+                          <m:sSub>
+                            <m:sSubPr>
+                              <m:ctrlPr>
+                                <a:rPr lang="en-US" sz="3200" b="1" i="1">
+                                  <a:latin typeface="Cambria Math" panose="02040503050406030204" pitchFamily="18" charset="0"/>
+                                  <a:ea typeface="Helvetica" charset="0"/>
+                                  <a:cs typeface="Arial" panose="020B0604020202020204" pitchFamily="34" charset="0"/>
+                                </a:rPr>
+                              </m:ctrlPr>
+                            </m:sSubPr>
+                            <m:e>
+                              <m:r>
+                                <a:rPr lang="en-US" sz="3200" b="1" i="1">
+                                  <a:latin typeface="Cambria Math" panose="02040503050406030204" pitchFamily="18" charset="0"/>
+                                  <a:ea typeface="Helvetica" charset="0"/>
+                                  <a:cs typeface="Arial" panose="020B0604020202020204" pitchFamily="34" charset="0"/>
+                                </a:rPr>
+                                <m:t> </m:t>
+                              </m:r>
+                              <m:r>
+                                <a:rPr lang="en-US" sz="3200" b="1" i="1">
+                                  <a:latin typeface="Cambria Math" panose="02040503050406030204" pitchFamily="18" charset="0"/>
+                                  <a:ea typeface="Cambria Math" panose="02040503050406030204" pitchFamily="18" charset="0"/>
+                                  <a:cs typeface="Arial" panose="020B0604020202020204" pitchFamily="34" charset="0"/>
+                                </a:rPr>
+                                <m:t>𝓝</m:t>
+                              </m:r>
+                              <m:r>
+                                <a:rPr lang="en-US" sz="3200" b="1" i="1">
+                                  <a:latin typeface="Cambria Math" panose="02040503050406030204" pitchFamily="18" charset="0"/>
+                                  <a:ea typeface="Helvetica" charset="0"/>
+                                  <a:cs typeface="Arial" panose="020B0604020202020204" pitchFamily="34" charset="0"/>
+                                </a:rPr>
+                                <m:t>×</m:t>
+                              </m:r>
+                              <m:r>
+                                <a:rPr lang="en-US" sz="3200" b="1" i="1">
+                                  <a:latin typeface="Cambria Math" panose="02040503050406030204" pitchFamily="18" charset="0"/>
+                                  <a:ea typeface="Cambria Math" panose="02040503050406030204" pitchFamily="18" charset="0"/>
+                                  <a:cs typeface="Arial" panose="020B0604020202020204" pitchFamily="34" charset="0"/>
+                                </a:rPr>
+                                <m:t>𝓛</m:t>
+                              </m:r>
+                              <m:r>
+                                <a:rPr lang="en-US" sz="3200" b="1" i="1">
+                                  <a:latin typeface="Cambria Math" panose="02040503050406030204" pitchFamily="18" charset="0"/>
+                                  <a:ea typeface="Helvetica" charset="0"/>
+                                  <a:cs typeface="Arial" panose="020B0604020202020204" pitchFamily="34" charset="0"/>
+                                </a:rPr>
+                                <m:t>×</m:t>
+                              </m:r>
+                              <m:r>
+                                <a:rPr lang="en-US" sz="3200" b="1" i="1">
+                                  <a:latin typeface="Cambria Math" panose="02040503050406030204" pitchFamily="18" charset="0"/>
+                                  <a:ea typeface="Helvetica" charset="0"/>
+                                  <a:cs typeface="Arial" panose="020B0604020202020204" pitchFamily="34" charset="0"/>
+                                </a:rPr>
+                                <m:t>𝒅</m:t>
+                              </m:r>
+                            </m:e>
+                            <m:sub>
+                              <m:r>
+                                <a:rPr lang="en-US" sz="3200" b="1" i="1">
+                                  <a:latin typeface="Cambria Math" panose="02040503050406030204" pitchFamily="18" charset="0"/>
+                                  <a:ea typeface="Helvetica" charset="0"/>
+                                  <a:cs typeface="Arial" panose="020B0604020202020204" pitchFamily="34" charset="0"/>
+                                </a:rPr>
+                                <m:t>𝒄</m:t>
+                              </m:r>
+                            </m:sub>
+                          </m:sSub>
+                        </m:sup>
+                      </m:sSup>
+                    </m:oMath>
+                  </m:oMathPara>
+                </a14:m>
+                <a:endParaRPr lang="en-US" sz="3200" dirty="0"/>
+              </a:p>
+            </p:txBody>
+          </p:sp>
+        </mc:Choice>
+        <mc:Fallback xmlns="">
+          <p:sp>
+            <p:nvSpPr>
+              <p:cNvPr id="76" name="Rectangle 75"/>
+              <p:cNvSpPr>
+                <a:spLocks noRot="1" noChangeAspect="1" noMove="1" noResize="1" noEditPoints="1" noAdjustHandles="1" noChangeArrowheads="1" noChangeShapeType="1" noTextEdit="1"/>
+              </p:cNvSpPr>
+              <p:nvPr/>
+            </p:nvSpPr>
+            <p:spPr>
+              <a:xfrm>
+                <a:off x="7223433" y="7527941"/>
+                <a:ext cx="2830903" cy="603435"/>
+              </a:xfrm>
+              <a:prstGeom prst="rect">
+                <a:avLst/>
+              </a:prstGeom>
+              <a:blipFill>
+                <a:blip r:embed="rId2"/>
+                <a:stretch>
+                  <a:fillRect/>
+                </a:stretch>
+              </a:blipFill>
+            </p:spPr>
+            <p:txBody>
+              <a:bodyPr/>
+              <a:lstStyle/>
+              <a:p>
+                <a:r>
+                  <a:rPr lang="en-US">
+                    <a:noFill/>
+                  </a:rPr>
+                  <a:t> </a:t>
+                </a:r>
+              </a:p>
+            </p:txBody>
+          </p:sp>
+        </mc:Fallback>
+      </mc:AlternateContent>
+      <mc:AlternateContent xmlns:mc="http://schemas.openxmlformats.org/markup-compatibility/2006" xmlns:a14="http://schemas.microsoft.com/office/drawing/2010/main">
+        <mc:Choice Requires="a14">
+          <p:sp>
+            <p:nvSpPr>
+              <p:cNvPr id="24" name="Rectangle 23"/>
+              <p:cNvSpPr/>
+              <p:nvPr/>
+            </p:nvSpPr>
+            <p:spPr>
+              <a:xfrm>
+                <a:off x="12397968" y="7050646"/>
+                <a:ext cx="604909" cy="584775"/>
+              </a:xfrm>
+              <a:prstGeom prst="rect">
+                <a:avLst/>
+              </a:prstGeom>
+            </p:spPr>
+            <p:txBody>
+              <a:bodyPr wrap="none">
+                <a:spAutoFit/>
+              </a:bodyPr>
+              <a:lstStyle/>
+              <a:p>
+                <a:pPr/>
+                <a14:m>
+                  <m:oMathPara xmlns:m="http://schemas.openxmlformats.org/officeDocument/2006/math">
+                    <m:oMathParaPr>
+                      <m:jc m:val="centerGroup"/>
+                    </m:oMathParaPr>
+                    <m:oMath xmlns:m="http://schemas.openxmlformats.org/officeDocument/2006/math">
+                      <m:acc>
+                        <m:accPr>
+                          <m:chr m:val="̅"/>
+                          <m:ctrlPr>
+                            <a:rPr lang="en-US" sz="3200" i="1">
+                              <a:latin typeface="Cambria Math" panose="02040503050406030204" pitchFamily="18" charset="0"/>
+                            </a:rPr>
+                          </m:ctrlPr>
+                        </m:accPr>
+                        <m:e>
+                          <m:sSub>
+                            <m:sSubPr>
+                              <m:ctrlPr>
+                                <a:rPr lang="en-US" sz="3200" b="1" i="1">
+                                  <a:latin typeface="Cambria Math" panose="02040503050406030204" pitchFamily="18" charset="0"/>
+                                  <a:cs typeface="Arial" panose="020B0604020202020204" pitchFamily="34" charset="0"/>
+                                </a:rPr>
+                              </m:ctrlPr>
+                            </m:sSubPr>
+                            <m:e>
+                              <m:r>
+                                <a:rPr lang="en-US" sz="3200" b="1">
+                                  <a:latin typeface="Cambria Math" panose="02040503050406030204" pitchFamily="18" charset="0"/>
+                                  <a:cs typeface="Arial" panose="020B0604020202020204" pitchFamily="34" charset="0"/>
+                                </a:rPr>
+                                <m:t>𝐅</m:t>
+                              </m:r>
+                            </m:e>
+                            <m:sub>
+                              <m:r>
+                                <a:rPr lang="en-US" sz="3200" b="1" i="1">
+                                  <a:latin typeface="Cambria Math" panose="02040503050406030204" pitchFamily="18" charset="0"/>
+                                  <a:cs typeface="Arial" panose="020B0604020202020204" pitchFamily="34" charset="0"/>
+                                </a:rPr>
+                                <m:t>𝒊</m:t>
+                              </m:r>
+                            </m:sub>
+                          </m:sSub>
+                        </m:e>
+                      </m:acc>
+                    </m:oMath>
+                  </m:oMathPara>
+                </a14:m>
+                <a:endParaRPr lang="en-US" sz="3200" dirty="0"/>
+              </a:p>
+            </p:txBody>
+          </p:sp>
+        </mc:Choice>
+        <mc:Fallback xmlns="">
+          <p:sp>
+            <p:nvSpPr>
+              <p:cNvPr id="24" name="Rectangle 23"/>
+              <p:cNvSpPr>
+                <a:spLocks noRot="1" noChangeAspect="1" noMove="1" noResize="1" noEditPoints="1" noAdjustHandles="1" noChangeArrowheads="1" noChangeShapeType="1" noTextEdit="1"/>
+              </p:cNvSpPr>
+              <p:nvPr/>
+            </p:nvSpPr>
+            <p:spPr>
+              <a:xfrm>
+                <a:off x="12397968" y="7050646"/>
+                <a:ext cx="604909" cy="584775"/>
+              </a:xfrm>
+              <a:prstGeom prst="rect">
+                <a:avLst/>
+              </a:prstGeom>
+              <a:blipFill>
+                <a:blip r:embed="rId3"/>
+                <a:stretch>
+                  <a:fillRect/>
+                </a:stretch>
+              </a:blipFill>
+            </p:spPr>
+            <p:txBody>
+              <a:bodyPr/>
+              <a:lstStyle/>
+              <a:p>
+                <a:r>
+                  <a:rPr lang="en-US">
+                    <a:noFill/>
+                  </a:rPr>
+                  <a:t> </a:t>
+                </a:r>
+              </a:p>
+            </p:txBody>
+          </p:sp>
+        </mc:Fallback>
+      </mc:AlternateContent>
+      <mc:AlternateContent xmlns:mc="http://schemas.openxmlformats.org/markup-compatibility/2006" xmlns:a14="http://schemas.microsoft.com/office/drawing/2010/main">
+        <mc:Choice Requires="a14">
+          <p:sp>
+            <p:nvSpPr>
+              <p:cNvPr id="25" name="Rectangle 24"/>
+              <p:cNvSpPr/>
+              <p:nvPr/>
+            </p:nvSpPr>
+            <p:spPr>
+              <a:xfrm>
+                <a:off x="15471428" y="5471541"/>
+                <a:ext cx="727187" cy="640496"/>
+              </a:xfrm>
+              <a:prstGeom prst="rect">
+                <a:avLst/>
+              </a:prstGeom>
+            </p:spPr>
+            <p:txBody>
+              <a:bodyPr wrap="none">
+                <a:spAutoFit/>
+              </a:bodyPr>
+              <a:lstStyle/>
+              <a:p>
+                <a:pPr/>
+                <a14:m>
+                  <m:oMathPara xmlns:m="http://schemas.openxmlformats.org/officeDocument/2006/math">
+                    <m:oMathParaPr>
+                      <m:jc m:val="centerGroup"/>
+                    </m:oMathParaPr>
+                    <m:oMath xmlns:m="http://schemas.openxmlformats.org/officeDocument/2006/math">
+                      <m:sSub>
+                        <m:sSubPr>
+                          <m:ctrlPr>
+                            <a:rPr lang="en-US" sz="3200" i="1">
+                              <a:latin typeface="Cambria Math" panose="02040503050406030204" pitchFamily="18" charset="0"/>
+                            </a:rPr>
+                          </m:ctrlPr>
+                        </m:sSubPr>
+                        <m:e>
+                          <m:r>
+                            <m:rPr>
+                              <m:nor/>
+                            </m:rPr>
+                            <a:rPr lang="en-US" sz="3200" b="1">
+                              <a:latin typeface="Cambria Math" panose="02040503050406030204" pitchFamily="18" charset="0"/>
+                            </a:rPr>
+                            <m:t>z</m:t>
+                          </m:r>
+                        </m:e>
+                        <m:sub>
+                          <m:acc>
+                            <m:accPr>
+                              <m:chr m:val="̅"/>
+                              <m:ctrlPr>
+                                <a:rPr lang="en-US" sz="3200" i="1">
+                                  <a:latin typeface="Cambria Math" panose="02040503050406030204" pitchFamily="18" charset="0"/>
+                                </a:rPr>
+                              </m:ctrlPr>
+                            </m:accPr>
+                            <m:e>
+                              <m:sSub>
+                                <m:sSubPr>
+                                  <m:ctrlPr>
+                                    <a:rPr lang="en-US" sz="3200" b="1" i="1">
+                                      <a:latin typeface="Cambria Math" panose="02040503050406030204" pitchFamily="18" charset="0"/>
+                                      <a:cs typeface="Arial" panose="020B0604020202020204" pitchFamily="34" charset="0"/>
+                                    </a:rPr>
+                                  </m:ctrlPr>
+                                </m:sSubPr>
+                                <m:e>
+                                  <m:r>
+                                    <a:rPr lang="en-US" sz="3200" b="1">
+                                      <a:latin typeface="Cambria Math" panose="02040503050406030204" pitchFamily="18" charset="0"/>
+                                      <a:cs typeface="Arial" panose="020B0604020202020204" pitchFamily="34" charset="0"/>
+                                    </a:rPr>
+                                    <m:t>𝐅</m:t>
+                                  </m:r>
+                                </m:e>
+                                <m:sub>
+                                  <m:r>
+                                    <a:rPr lang="en-US" sz="3200" b="1" i="1">
+                                      <a:latin typeface="Cambria Math" panose="02040503050406030204" pitchFamily="18" charset="0"/>
+                                      <a:cs typeface="Arial" panose="020B0604020202020204" pitchFamily="34" charset="0"/>
+                                    </a:rPr>
+                                    <m:t>𝒊</m:t>
+                                  </m:r>
+                                </m:sub>
+                              </m:sSub>
+                            </m:e>
+                          </m:acc>
+                        </m:sub>
+                      </m:sSub>
+                    </m:oMath>
+                  </m:oMathPara>
+                </a14:m>
+                <a:endParaRPr lang="en-US" sz="3200" dirty="0"/>
+              </a:p>
+            </p:txBody>
+          </p:sp>
+        </mc:Choice>
+        <mc:Fallback xmlns="">
+          <p:sp>
+            <p:nvSpPr>
+              <p:cNvPr id="25" name="Rectangle 24"/>
+              <p:cNvSpPr>
+                <a:spLocks noRot="1" noChangeAspect="1" noMove="1" noResize="1" noEditPoints="1" noAdjustHandles="1" noChangeArrowheads="1" noChangeShapeType="1" noTextEdit="1"/>
+              </p:cNvSpPr>
+              <p:nvPr/>
+            </p:nvSpPr>
+            <p:spPr>
+              <a:xfrm>
+                <a:off x="15471428" y="5471541"/>
+                <a:ext cx="727187" cy="640496"/>
+              </a:xfrm>
+              <a:prstGeom prst="rect">
+                <a:avLst/>
+              </a:prstGeom>
+              <a:blipFill>
+                <a:blip r:embed="rId4"/>
+                <a:stretch>
+                  <a:fillRect/>
+                </a:stretch>
+              </a:blipFill>
+            </p:spPr>
+            <p:txBody>
+              <a:bodyPr/>
+              <a:lstStyle/>
+              <a:p>
+                <a:r>
+                  <a:rPr lang="en-US">
+                    <a:noFill/>
+                  </a:rPr>
+                  <a:t> </a:t>
+                </a:r>
+              </a:p>
+            </p:txBody>
+          </p:sp>
+        </mc:Fallback>
+      </mc:AlternateContent>
+      <p:grpSp>
+        <p:nvGrpSpPr>
+          <p:cNvPr id="2" name="Group 1"/>
+          <p:cNvGrpSpPr/>
+          <p:nvPr/>
+        </p:nvGrpSpPr>
+        <p:grpSpPr>
+          <a:xfrm>
+            <a:off x="13107169" y="7202258"/>
+            <a:ext cx="4424016" cy="1015663"/>
+            <a:chOff x="13456117" y="6795253"/>
+            <a:chExt cx="4424016" cy="1015663"/>
+          </a:xfrm>
+        </p:grpSpPr>
+        <p:sp>
+          <p:nvSpPr>
+            <p:cNvPr id="30" name="Right Bracket 29"/>
+            <p:cNvSpPr/>
+            <p:nvPr/>
+          </p:nvSpPr>
+          <p:spPr>
+            <a:xfrm rot="5400000">
+              <a:off x="15582261" y="5509041"/>
+              <a:ext cx="214302" cy="4381443"/>
+            </a:xfrm>
+            <a:prstGeom prst="rightBracket">
+              <a:avLst/>
+            </a:prstGeom>
+            <a:solidFill>
+              <a:schemeClr val="bg1"/>
+            </a:solidFill>
+            <a:ln w="57150">
+              <a:solidFill>
+                <a:schemeClr val="tx1">
+                  <a:lumMod val="65000"/>
+                  <a:lumOff val="35000"/>
+                </a:schemeClr>
+              </a:solidFill>
+              <a:prstDash val="sysDash"/>
+            </a:ln>
+          </p:spPr>
+          <p:style>
+            <a:lnRef idx="1">
+              <a:schemeClr val="accent1"/>
+            </a:lnRef>
+            <a:fillRef idx="0">
+              <a:schemeClr val="accent1"/>
+            </a:fillRef>
+            <a:effectRef idx="0">
+              <a:schemeClr val="accent1"/>
+            </a:effectRef>
+            <a:fontRef idx="minor">
+              <a:schemeClr val="tx1"/>
+            </a:fontRef>
+          </p:style>
+          <p:txBody>
+            <a:bodyPr rtlCol="0" anchor="ctr"/>
+            <a:lstStyle/>
+            <a:p>
+              <a:pPr algn="ctr"/>
+              <a:endParaRPr lang="en-US"/>
+            </a:p>
+          </p:txBody>
+        </p:sp>
+        <p:sp>
+          <p:nvSpPr>
+            <p:cNvPr id="31" name="TextBox 30"/>
+            <p:cNvSpPr txBox="1"/>
+            <p:nvPr/>
+          </p:nvSpPr>
+          <p:spPr>
+            <a:xfrm>
+              <a:off x="13456117" y="6795253"/>
+              <a:ext cx="4424016" cy="1015663"/>
+            </a:xfrm>
+            <a:prstGeom prst="rect">
+              <a:avLst/>
+            </a:prstGeom>
+            <a:noFill/>
+          </p:spPr>
+          <p:txBody>
+            <a:bodyPr wrap="square" rtlCol="0">
+              <a:spAutoFit/>
+            </a:bodyPr>
+            <a:lstStyle/>
+            <a:p>
+              <a:pPr algn="ctr"/>
+              <a:r>
+                <a:rPr lang="en-US" sz="2000" dirty="0">
+                  <a:latin typeface="Helvetica" panose="020B0604020202020204" pitchFamily="34" charset="0"/>
+                  <a:cs typeface="Helvetica" panose="020B0604020202020204" pitchFamily="34" charset="0"/>
+                </a:rPr>
+                <a:t>Convolutional layer + max pooling layer to out put the embedding vector of the code change </a:t>
+              </a:r>
+            </a:p>
+          </p:txBody>
+        </p:sp>
+      </p:grpSp>
     </p:spTree>
     <p:extLst>
       <p:ext uri="{BB962C8B-B14F-4D97-AF65-F5344CB8AC3E}">
@@ -9643,6 +11911,3225 @@
       </p:grpSpPr>
       <p:graphicFrame>
         <p:nvGraphicFramePr>
+          <p:cNvPr id="4" name="Table 3"/>
+          <p:cNvGraphicFramePr>
+            <a:graphicFrameLocks noGrp="1"/>
+          </p:cNvGraphicFramePr>
+          <p:nvPr>
+            <p:extLst>
+              <p:ext uri="{D42A27DB-BD31-4B8C-83A1-F6EECF244321}">
+                <p14:modId xmlns:p14="http://schemas.microsoft.com/office/powerpoint/2010/main" val="1340393499"/>
+              </p:ext>
+            </p:extLst>
+          </p:nvPr>
+        </p:nvGraphicFramePr>
+        <p:xfrm>
+          <a:off x="1889971" y="3249595"/>
+          <a:ext cx="10080000" cy="638556"/>
+        </p:xfrm>
+        <a:graphic>
+          <a:graphicData uri="http://schemas.openxmlformats.org/drawingml/2006/table">
+            <a:tbl>
+              <a:tblPr firstRow="1" bandRow="1">
+                <a:tableStyleId>{5940675A-B579-460E-94D1-54222C63F5DA}</a:tableStyleId>
+              </a:tblPr>
+              <a:tblGrid>
+                <a:gridCol w="1260000">
+                  <a:extLst>
+                    <a:ext uri="{9D8B030D-6E8A-4147-A177-3AD203B41FA5}">
+                      <a16:colId xmlns:a16="http://schemas.microsoft.com/office/drawing/2014/main" val="3220101158"/>
+                    </a:ext>
+                  </a:extLst>
+                </a:gridCol>
+                <a:gridCol w="1260000">
+                  <a:extLst>
+                    <a:ext uri="{9D8B030D-6E8A-4147-A177-3AD203B41FA5}">
+                      <a16:colId xmlns:a16="http://schemas.microsoft.com/office/drawing/2014/main" val="2509955964"/>
+                    </a:ext>
+                  </a:extLst>
+                </a:gridCol>
+                <a:gridCol w="1260000">
+                  <a:extLst>
+                    <a:ext uri="{9D8B030D-6E8A-4147-A177-3AD203B41FA5}">
+                      <a16:colId xmlns:a16="http://schemas.microsoft.com/office/drawing/2014/main" val="4106719055"/>
+                    </a:ext>
+                  </a:extLst>
+                </a:gridCol>
+                <a:gridCol w="1260000">
+                  <a:extLst>
+                    <a:ext uri="{9D8B030D-6E8A-4147-A177-3AD203B41FA5}">
+                      <a16:colId xmlns:a16="http://schemas.microsoft.com/office/drawing/2014/main" val="2495566464"/>
+                    </a:ext>
+                  </a:extLst>
+                </a:gridCol>
+                <a:gridCol w="1260000">
+                  <a:extLst>
+                    <a:ext uri="{9D8B030D-6E8A-4147-A177-3AD203B41FA5}">
+                      <a16:colId xmlns:a16="http://schemas.microsoft.com/office/drawing/2014/main" val="3779250370"/>
+                    </a:ext>
+                  </a:extLst>
+                </a:gridCol>
+                <a:gridCol w="1260000">
+                  <a:extLst>
+                    <a:ext uri="{9D8B030D-6E8A-4147-A177-3AD203B41FA5}">
+                      <a16:colId xmlns:a16="http://schemas.microsoft.com/office/drawing/2014/main" val="3166512729"/>
+                    </a:ext>
+                  </a:extLst>
+                </a:gridCol>
+                <a:gridCol w="1260000">
+                  <a:extLst>
+                    <a:ext uri="{9D8B030D-6E8A-4147-A177-3AD203B41FA5}">
+                      <a16:colId xmlns:a16="http://schemas.microsoft.com/office/drawing/2014/main" val="1342564807"/>
+                    </a:ext>
+                  </a:extLst>
+                </a:gridCol>
+                <a:gridCol w="1260000">
+                  <a:extLst>
+                    <a:ext uri="{9D8B030D-6E8A-4147-A177-3AD203B41FA5}">
+                      <a16:colId xmlns:a16="http://schemas.microsoft.com/office/drawing/2014/main" val="662634334"/>
+                    </a:ext>
+                  </a:extLst>
+                </a:gridCol>
+              </a:tblGrid>
+              <a:tr h="540000">
+                <a:tc>
+                  <a:txBody>
+                    <a:bodyPr/>
+                    <a:lstStyle/>
+                    <a:p>
+                      <a:endParaRPr lang="en-US" dirty="0"/>
+                    </a:p>
+                  </a:txBody>
+                  <a:tcPr>
+                    <a:lnL w="12700" cap="flat" cmpd="sng" algn="ctr">
+                      <a:solidFill>
+                        <a:schemeClr val="tx1"/>
+                      </a:solidFill>
+                      <a:prstDash val="solid"/>
+                      <a:round/>
+                      <a:headEnd type="none" w="med" len="med"/>
+                      <a:tailEnd type="none" w="med" len="med"/>
+                    </a:lnL>
+                    <a:lnR w="12700" cap="flat" cmpd="sng" algn="ctr">
+                      <a:solidFill>
+                        <a:schemeClr val="tx1"/>
+                      </a:solidFill>
+                      <a:prstDash val="solid"/>
+                      <a:round/>
+                      <a:headEnd type="none" w="med" len="med"/>
+                      <a:tailEnd type="none" w="med" len="med"/>
+                    </a:lnR>
+                    <a:lnT w="12700" cap="flat" cmpd="sng" algn="ctr">
+                      <a:solidFill>
+                        <a:schemeClr val="tx1"/>
+                      </a:solidFill>
+                      <a:prstDash val="solid"/>
+                      <a:round/>
+                      <a:headEnd type="none" w="med" len="med"/>
+                      <a:tailEnd type="none" w="med" len="med"/>
+                    </a:lnT>
+                    <a:lnB w="12700" cap="flat" cmpd="sng" algn="ctr">
+                      <a:solidFill>
+                        <a:schemeClr val="tx1"/>
+                      </a:solidFill>
+                      <a:prstDash val="solid"/>
+                      <a:round/>
+                      <a:headEnd type="none" w="med" len="med"/>
+                      <a:tailEnd type="none" w="med" len="med"/>
+                    </a:lnB>
+                    <a:solidFill>
+                      <a:schemeClr val="accent6">
+                        <a:lumMod val="20000"/>
+                        <a:lumOff val="80000"/>
+                      </a:schemeClr>
+                    </a:solidFill>
+                  </a:tcPr>
+                </a:tc>
+                <a:tc>
+                  <a:txBody>
+                    <a:bodyPr/>
+                    <a:lstStyle/>
+                    <a:p>
+                      <a:endParaRPr lang="en-US" dirty="0"/>
+                    </a:p>
+                  </a:txBody>
+                  <a:tcPr>
+                    <a:lnL w="12700" cap="flat" cmpd="sng" algn="ctr">
+                      <a:solidFill>
+                        <a:schemeClr val="tx1"/>
+                      </a:solidFill>
+                      <a:prstDash val="solid"/>
+                      <a:round/>
+                      <a:headEnd type="none" w="med" len="med"/>
+                      <a:tailEnd type="none" w="med" len="med"/>
+                    </a:lnL>
+                    <a:lnR w="12700" cap="flat" cmpd="sng" algn="ctr">
+                      <a:solidFill>
+                        <a:schemeClr val="tx1"/>
+                      </a:solidFill>
+                      <a:prstDash val="solid"/>
+                      <a:round/>
+                      <a:headEnd type="none" w="med" len="med"/>
+                      <a:tailEnd type="none" w="med" len="med"/>
+                    </a:lnR>
+                    <a:lnT w="12700" cap="flat" cmpd="sng" algn="ctr">
+                      <a:solidFill>
+                        <a:schemeClr val="tx1"/>
+                      </a:solidFill>
+                      <a:prstDash val="solid"/>
+                      <a:round/>
+                      <a:headEnd type="none" w="med" len="med"/>
+                      <a:tailEnd type="none" w="med" len="med"/>
+                    </a:lnT>
+                    <a:lnB w="12700" cap="flat" cmpd="sng" algn="ctr">
+                      <a:solidFill>
+                        <a:schemeClr val="tx1"/>
+                      </a:solidFill>
+                      <a:prstDash val="solid"/>
+                      <a:round/>
+                      <a:headEnd type="none" w="med" len="med"/>
+                      <a:tailEnd type="none" w="med" len="med"/>
+                    </a:lnB>
+                    <a:solidFill>
+                      <a:schemeClr val="accent6">
+                        <a:lumMod val="20000"/>
+                        <a:lumOff val="80000"/>
+                      </a:schemeClr>
+                    </a:solidFill>
+                  </a:tcPr>
+                </a:tc>
+                <a:tc>
+                  <a:txBody>
+                    <a:bodyPr/>
+                    <a:lstStyle/>
+                    <a:p>
+                      <a:endParaRPr lang="en-US" dirty="0"/>
+                    </a:p>
+                  </a:txBody>
+                  <a:tcPr>
+                    <a:lnL w="12700" cap="flat" cmpd="sng" algn="ctr">
+                      <a:solidFill>
+                        <a:schemeClr val="tx1"/>
+                      </a:solidFill>
+                      <a:prstDash val="solid"/>
+                      <a:round/>
+                      <a:headEnd type="none" w="med" len="med"/>
+                      <a:tailEnd type="none" w="med" len="med"/>
+                    </a:lnL>
+                    <a:lnR w="12700" cap="flat" cmpd="sng" algn="ctr">
+                      <a:solidFill>
+                        <a:schemeClr val="tx1"/>
+                      </a:solidFill>
+                      <a:prstDash val="solid"/>
+                      <a:round/>
+                      <a:headEnd type="none" w="med" len="med"/>
+                      <a:tailEnd type="none" w="med" len="med"/>
+                    </a:lnR>
+                    <a:lnT w="12700" cap="flat" cmpd="sng" algn="ctr">
+                      <a:solidFill>
+                        <a:schemeClr val="tx1"/>
+                      </a:solidFill>
+                      <a:prstDash val="solid"/>
+                      <a:round/>
+                      <a:headEnd type="none" w="med" len="med"/>
+                      <a:tailEnd type="none" w="med" len="med"/>
+                    </a:lnT>
+                    <a:lnB w="12700" cap="flat" cmpd="sng" algn="ctr">
+                      <a:solidFill>
+                        <a:schemeClr val="tx1"/>
+                      </a:solidFill>
+                      <a:prstDash val="solid"/>
+                      <a:round/>
+                      <a:headEnd type="none" w="med" len="med"/>
+                      <a:tailEnd type="none" w="med" len="med"/>
+                    </a:lnB>
+                    <a:solidFill>
+                      <a:schemeClr val="accent6">
+                        <a:lumMod val="20000"/>
+                        <a:lumOff val="80000"/>
+                      </a:schemeClr>
+                    </a:solidFill>
+                  </a:tcPr>
+                </a:tc>
+                <a:tc>
+                  <a:txBody>
+                    <a:bodyPr/>
+                    <a:lstStyle/>
+                    <a:p>
+                      <a:endParaRPr lang="en-US" dirty="0"/>
+                    </a:p>
+                  </a:txBody>
+                  <a:tcPr>
+                    <a:lnL w="12700" cap="flat" cmpd="sng" algn="ctr">
+                      <a:solidFill>
+                        <a:schemeClr val="tx1"/>
+                      </a:solidFill>
+                      <a:prstDash val="solid"/>
+                      <a:round/>
+                      <a:headEnd type="none" w="med" len="med"/>
+                      <a:tailEnd type="none" w="med" len="med"/>
+                    </a:lnL>
+                    <a:lnR w="12700" cap="flat" cmpd="sng" algn="ctr">
+                      <a:solidFill>
+                        <a:schemeClr val="tx1"/>
+                      </a:solidFill>
+                      <a:prstDash val="solid"/>
+                      <a:round/>
+                      <a:headEnd type="none" w="med" len="med"/>
+                      <a:tailEnd type="none" w="med" len="med"/>
+                    </a:lnR>
+                    <a:lnT w="12700" cap="flat" cmpd="sng" algn="ctr">
+                      <a:solidFill>
+                        <a:schemeClr val="tx1"/>
+                      </a:solidFill>
+                      <a:prstDash val="solid"/>
+                      <a:round/>
+                      <a:headEnd type="none" w="med" len="med"/>
+                      <a:tailEnd type="none" w="med" len="med"/>
+                    </a:lnT>
+                    <a:lnB w="12700" cap="flat" cmpd="sng" algn="ctr">
+                      <a:solidFill>
+                        <a:schemeClr val="tx1"/>
+                      </a:solidFill>
+                      <a:prstDash val="solid"/>
+                      <a:round/>
+                      <a:headEnd type="none" w="med" len="med"/>
+                      <a:tailEnd type="none" w="med" len="med"/>
+                    </a:lnB>
+                    <a:solidFill>
+                      <a:schemeClr val="accent6">
+                        <a:lumMod val="20000"/>
+                        <a:lumOff val="80000"/>
+                      </a:schemeClr>
+                    </a:solidFill>
+                  </a:tcPr>
+                </a:tc>
+                <a:tc>
+                  <a:txBody>
+                    <a:bodyPr/>
+                    <a:lstStyle/>
+                    <a:p>
+                      <a:endParaRPr lang="en-US" dirty="0"/>
+                    </a:p>
+                  </a:txBody>
+                  <a:tcPr>
+                    <a:lnL w="12700" cap="flat" cmpd="sng" algn="ctr">
+                      <a:solidFill>
+                        <a:schemeClr val="tx1"/>
+                      </a:solidFill>
+                      <a:prstDash val="solid"/>
+                      <a:round/>
+                      <a:headEnd type="none" w="med" len="med"/>
+                      <a:tailEnd type="none" w="med" len="med"/>
+                    </a:lnL>
+                    <a:lnR w="12700" cap="flat" cmpd="sng" algn="ctr">
+                      <a:solidFill>
+                        <a:schemeClr val="tx1"/>
+                      </a:solidFill>
+                      <a:prstDash val="solid"/>
+                      <a:round/>
+                      <a:headEnd type="none" w="med" len="med"/>
+                      <a:tailEnd type="none" w="med" len="med"/>
+                    </a:lnR>
+                    <a:lnT w="12700" cap="flat" cmpd="sng" algn="ctr">
+                      <a:solidFill>
+                        <a:schemeClr val="tx1"/>
+                      </a:solidFill>
+                      <a:prstDash val="solid"/>
+                      <a:round/>
+                      <a:headEnd type="none" w="med" len="med"/>
+                      <a:tailEnd type="none" w="med" len="med"/>
+                    </a:lnT>
+                    <a:lnB w="12700" cap="flat" cmpd="sng" algn="ctr">
+                      <a:solidFill>
+                        <a:schemeClr val="tx1"/>
+                      </a:solidFill>
+                      <a:prstDash val="solid"/>
+                      <a:round/>
+                      <a:headEnd type="none" w="med" len="med"/>
+                      <a:tailEnd type="none" w="med" len="med"/>
+                    </a:lnB>
+                    <a:solidFill>
+                      <a:schemeClr val="accent6">
+                        <a:lumMod val="20000"/>
+                        <a:lumOff val="80000"/>
+                      </a:schemeClr>
+                    </a:solidFill>
+                  </a:tcPr>
+                </a:tc>
+                <a:tc>
+                  <a:txBody>
+                    <a:bodyPr/>
+                    <a:lstStyle/>
+                    <a:p>
+                      <a:endParaRPr lang="en-US" dirty="0"/>
+                    </a:p>
+                  </a:txBody>
+                  <a:tcPr>
+                    <a:lnL w="12700" cap="flat" cmpd="sng" algn="ctr">
+                      <a:solidFill>
+                        <a:schemeClr val="tx1"/>
+                      </a:solidFill>
+                      <a:prstDash val="solid"/>
+                      <a:round/>
+                      <a:headEnd type="none" w="med" len="med"/>
+                      <a:tailEnd type="none" w="med" len="med"/>
+                    </a:lnL>
+                    <a:lnR w="12700" cap="flat" cmpd="sng" algn="ctr">
+                      <a:solidFill>
+                        <a:schemeClr val="tx1"/>
+                      </a:solidFill>
+                      <a:prstDash val="solid"/>
+                      <a:round/>
+                      <a:headEnd type="none" w="med" len="med"/>
+                      <a:tailEnd type="none" w="med" len="med"/>
+                    </a:lnR>
+                    <a:lnT w="12700" cap="flat" cmpd="sng" algn="ctr">
+                      <a:solidFill>
+                        <a:schemeClr val="tx1"/>
+                      </a:solidFill>
+                      <a:prstDash val="solid"/>
+                      <a:round/>
+                      <a:headEnd type="none" w="med" len="med"/>
+                      <a:tailEnd type="none" w="med" len="med"/>
+                    </a:lnT>
+                    <a:lnB w="12700" cap="flat" cmpd="sng" algn="ctr">
+                      <a:solidFill>
+                        <a:schemeClr val="tx1"/>
+                      </a:solidFill>
+                      <a:prstDash val="solid"/>
+                      <a:round/>
+                      <a:headEnd type="none" w="med" len="med"/>
+                      <a:tailEnd type="none" w="med" len="med"/>
+                    </a:lnB>
+                    <a:solidFill>
+                      <a:schemeClr val="accent6">
+                        <a:lumMod val="20000"/>
+                        <a:lumOff val="80000"/>
+                      </a:schemeClr>
+                    </a:solidFill>
+                  </a:tcPr>
+                </a:tc>
+                <a:tc>
+                  <a:txBody>
+                    <a:bodyPr/>
+                    <a:lstStyle/>
+                    <a:p>
+                      <a:endParaRPr lang="en-US" dirty="0"/>
+                    </a:p>
+                  </a:txBody>
+                  <a:tcPr>
+                    <a:lnL w="12700" cap="flat" cmpd="sng" algn="ctr">
+                      <a:solidFill>
+                        <a:schemeClr val="tx1"/>
+                      </a:solidFill>
+                      <a:prstDash val="solid"/>
+                      <a:round/>
+                      <a:headEnd type="none" w="med" len="med"/>
+                      <a:tailEnd type="none" w="med" len="med"/>
+                    </a:lnL>
+                    <a:lnR w="12700" cap="flat" cmpd="sng" algn="ctr">
+                      <a:solidFill>
+                        <a:schemeClr val="tx1"/>
+                      </a:solidFill>
+                      <a:prstDash val="solid"/>
+                      <a:round/>
+                      <a:headEnd type="none" w="med" len="med"/>
+                      <a:tailEnd type="none" w="med" len="med"/>
+                    </a:lnR>
+                    <a:lnT w="12700" cap="flat" cmpd="sng" algn="ctr">
+                      <a:solidFill>
+                        <a:schemeClr val="tx1"/>
+                      </a:solidFill>
+                      <a:prstDash val="solid"/>
+                      <a:round/>
+                      <a:headEnd type="none" w="med" len="med"/>
+                      <a:tailEnd type="none" w="med" len="med"/>
+                    </a:lnT>
+                    <a:lnB w="12700" cap="flat" cmpd="sng" algn="ctr">
+                      <a:solidFill>
+                        <a:schemeClr val="tx1"/>
+                      </a:solidFill>
+                      <a:prstDash val="solid"/>
+                      <a:round/>
+                      <a:headEnd type="none" w="med" len="med"/>
+                      <a:tailEnd type="none" w="med" len="med"/>
+                    </a:lnB>
+                    <a:solidFill>
+                      <a:schemeClr val="accent6">
+                        <a:lumMod val="20000"/>
+                        <a:lumOff val="80000"/>
+                      </a:schemeClr>
+                    </a:solidFill>
+                  </a:tcPr>
+                </a:tc>
+                <a:tc>
+                  <a:txBody>
+                    <a:bodyPr/>
+                    <a:lstStyle/>
+                    <a:p>
+                      <a:endParaRPr lang="en-US" dirty="0"/>
+                    </a:p>
+                  </a:txBody>
+                  <a:tcPr>
+                    <a:lnL w="12700" cap="flat" cmpd="sng" algn="ctr">
+                      <a:solidFill>
+                        <a:schemeClr val="tx1"/>
+                      </a:solidFill>
+                      <a:prstDash val="solid"/>
+                      <a:round/>
+                      <a:headEnd type="none" w="med" len="med"/>
+                      <a:tailEnd type="none" w="med" len="med"/>
+                    </a:lnL>
+                    <a:lnR w="12700" cap="flat" cmpd="sng" algn="ctr">
+                      <a:solidFill>
+                        <a:schemeClr val="tx1"/>
+                      </a:solidFill>
+                      <a:prstDash val="solid"/>
+                      <a:round/>
+                      <a:headEnd type="none" w="med" len="med"/>
+                      <a:tailEnd type="none" w="med" len="med"/>
+                    </a:lnR>
+                    <a:lnT w="12700" cap="flat" cmpd="sng" algn="ctr">
+                      <a:solidFill>
+                        <a:schemeClr val="tx1"/>
+                      </a:solidFill>
+                      <a:prstDash val="solid"/>
+                      <a:round/>
+                      <a:headEnd type="none" w="med" len="med"/>
+                      <a:tailEnd type="none" w="med" len="med"/>
+                    </a:lnT>
+                    <a:lnB w="12700" cap="flat" cmpd="sng" algn="ctr">
+                      <a:solidFill>
+                        <a:schemeClr val="tx1"/>
+                      </a:solidFill>
+                      <a:prstDash val="solid"/>
+                      <a:round/>
+                      <a:headEnd type="none" w="med" len="med"/>
+                      <a:tailEnd type="none" w="med" len="med"/>
+                    </a:lnB>
+                    <a:solidFill>
+                      <a:schemeClr val="accent6">
+                        <a:lumMod val="20000"/>
+                        <a:lumOff val="80000"/>
+                      </a:schemeClr>
+                    </a:solidFill>
+                  </a:tcPr>
+                </a:tc>
+                <a:extLst>
+                  <a:ext uri="{0D108BD9-81ED-4DB2-BD59-A6C34878D82A}">
+                    <a16:rowId xmlns:a16="http://schemas.microsoft.com/office/drawing/2014/main" val="2947193755"/>
+                  </a:ext>
+                </a:extLst>
+              </a:tr>
+            </a:tbl>
+          </a:graphicData>
+        </a:graphic>
+      </p:graphicFrame>
+      <p:graphicFrame>
+        <p:nvGraphicFramePr>
+          <p:cNvPr id="5" name="Table 4"/>
+          <p:cNvGraphicFramePr>
+            <a:graphicFrameLocks noGrp="1"/>
+          </p:cNvGraphicFramePr>
+          <p:nvPr>
+            <p:extLst>
+              <p:ext uri="{D42A27DB-BD31-4B8C-83A1-F6EECF244321}">
+                <p14:modId xmlns:p14="http://schemas.microsoft.com/office/powerpoint/2010/main" val="3179653928"/>
+              </p:ext>
+            </p:extLst>
+          </p:nvPr>
+        </p:nvGraphicFramePr>
+        <p:xfrm>
+          <a:off x="12263331" y="3249595"/>
+          <a:ext cx="10080000" cy="638556"/>
+        </p:xfrm>
+        <a:graphic>
+          <a:graphicData uri="http://schemas.openxmlformats.org/drawingml/2006/table">
+            <a:tbl>
+              <a:tblPr firstRow="1" bandRow="1">
+                <a:tableStyleId>{5940675A-B579-460E-94D1-54222C63F5DA}</a:tableStyleId>
+              </a:tblPr>
+              <a:tblGrid>
+                <a:gridCol w="1260000">
+                  <a:extLst>
+                    <a:ext uri="{9D8B030D-6E8A-4147-A177-3AD203B41FA5}">
+                      <a16:colId xmlns:a16="http://schemas.microsoft.com/office/drawing/2014/main" val="3220101158"/>
+                    </a:ext>
+                  </a:extLst>
+                </a:gridCol>
+                <a:gridCol w="1260000">
+                  <a:extLst>
+                    <a:ext uri="{9D8B030D-6E8A-4147-A177-3AD203B41FA5}">
+                      <a16:colId xmlns:a16="http://schemas.microsoft.com/office/drawing/2014/main" val="2509955964"/>
+                    </a:ext>
+                  </a:extLst>
+                </a:gridCol>
+                <a:gridCol w="1260000">
+                  <a:extLst>
+                    <a:ext uri="{9D8B030D-6E8A-4147-A177-3AD203B41FA5}">
+                      <a16:colId xmlns:a16="http://schemas.microsoft.com/office/drawing/2014/main" val="4106719055"/>
+                    </a:ext>
+                  </a:extLst>
+                </a:gridCol>
+                <a:gridCol w="1260000">
+                  <a:extLst>
+                    <a:ext uri="{9D8B030D-6E8A-4147-A177-3AD203B41FA5}">
+                      <a16:colId xmlns:a16="http://schemas.microsoft.com/office/drawing/2014/main" val="2495566464"/>
+                    </a:ext>
+                  </a:extLst>
+                </a:gridCol>
+                <a:gridCol w="1260000">
+                  <a:extLst>
+                    <a:ext uri="{9D8B030D-6E8A-4147-A177-3AD203B41FA5}">
+                      <a16:colId xmlns:a16="http://schemas.microsoft.com/office/drawing/2014/main" val="3779250370"/>
+                    </a:ext>
+                  </a:extLst>
+                </a:gridCol>
+                <a:gridCol w="1260000">
+                  <a:extLst>
+                    <a:ext uri="{9D8B030D-6E8A-4147-A177-3AD203B41FA5}">
+                      <a16:colId xmlns:a16="http://schemas.microsoft.com/office/drawing/2014/main" val="3166512729"/>
+                    </a:ext>
+                  </a:extLst>
+                </a:gridCol>
+                <a:gridCol w="1260000">
+                  <a:extLst>
+                    <a:ext uri="{9D8B030D-6E8A-4147-A177-3AD203B41FA5}">
+                      <a16:colId xmlns:a16="http://schemas.microsoft.com/office/drawing/2014/main" val="1342564807"/>
+                    </a:ext>
+                  </a:extLst>
+                </a:gridCol>
+                <a:gridCol w="1260000">
+                  <a:extLst>
+                    <a:ext uri="{9D8B030D-6E8A-4147-A177-3AD203B41FA5}">
+                      <a16:colId xmlns:a16="http://schemas.microsoft.com/office/drawing/2014/main" val="662634334"/>
+                    </a:ext>
+                  </a:extLst>
+                </a:gridCol>
+              </a:tblGrid>
+              <a:tr h="540000">
+                <a:tc>
+                  <a:txBody>
+                    <a:bodyPr/>
+                    <a:lstStyle/>
+                    <a:p>
+                      <a:endParaRPr lang="en-US" dirty="0"/>
+                    </a:p>
+                  </a:txBody>
+                  <a:tcPr>
+                    <a:solidFill>
+                      <a:schemeClr val="accent2">
+                        <a:lumMod val="20000"/>
+                        <a:lumOff val="80000"/>
+                      </a:schemeClr>
+                    </a:solidFill>
+                  </a:tcPr>
+                </a:tc>
+                <a:tc>
+                  <a:txBody>
+                    <a:bodyPr/>
+                    <a:lstStyle/>
+                    <a:p>
+                      <a:endParaRPr lang="en-US" dirty="0"/>
+                    </a:p>
+                  </a:txBody>
+                  <a:tcPr>
+                    <a:solidFill>
+                      <a:schemeClr val="accent2">
+                        <a:lumMod val="20000"/>
+                        <a:lumOff val="80000"/>
+                      </a:schemeClr>
+                    </a:solidFill>
+                  </a:tcPr>
+                </a:tc>
+                <a:tc>
+                  <a:txBody>
+                    <a:bodyPr/>
+                    <a:lstStyle/>
+                    <a:p>
+                      <a:endParaRPr lang="en-US" dirty="0"/>
+                    </a:p>
+                  </a:txBody>
+                  <a:tcPr>
+                    <a:solidFill>
+                      <a:schemeClr val="accent2">
+                        <a:lumMod val="20000"/>
+                        <a:lumOff val="80000"/>
+                      </a:schemeClr>
+                    </a:solidFill>
+                  </a:tcPr>
+                </a:tc>
+                <a:tc>
+                  <a:txBody>
+                    <a:bodyPr/>
+                    <a:lstStyle/>
+                    <a:p>
+                      <a:endParaRPr lang="en-US" dirty="0"/>
+                    </a:p>
+                  </a:txBody>
+                  <a:tcPr>
+                    <a:solidFill>
+                      <a:schemeClr val="accent2">
+                        <a:lumMod val="20000"/>
+                        <a:lumOff val="80000"/>
+                      </a:schemeClr>
+                    </a:solidFill>
+                  </a:tcPr>
+                </a:tc>
+                <a:tc>
+                  <a:txBody>
+                    <a:bodyPr/>
+                    <a:lstStyle/>
+                    <a:p>
+                      <a:endParaRPr lang="en-US" dirty="0"/>
+                    </a:p>
+                  </a:txBody>
+                  <a:tcPr>
+                    <a:solidFill>
+                      <a:schemeClr val="accent2">
+                        <a:lumMod val="20000"/>
+                        <a:lumOff val="80000"/>
+                      </a:schemeClr>
+                    </a:solidFill>
+                  </a:tcPr>
+                </a:tc>
+                <a:tc>
+                  <a:txBody>
+                    <a:bodyPr/>
+                    <a:lstStyle/>
+                    <a:p>
+                      <a:endParaRPr lang="en-US" dirty="0"/>
+                    </a:p>
+                  </a:txBody>
+                  <a:tcPr>
+                    <a:solidFill>
+                      <a:schemeClr val="accent2">
+                        <a:lumMod val="20000"/>
+                        <a:lumOff val="80000"/>
+                      </a:schemeClr>
+                    </a:solidFill>
+                  </a:tcPr>
+                </a:tc>
+                <a:tc>
+                  <a:txBody>
+                    <a:bodyPr/>
+                    <a:lstStyle/>
+                    <a:p>
+                      <a:endParaRPr lang="en-US" dirty="0"/>
+                    </a:p>
+                  </a:txBody>
+                  <a:tcPr>
+                    <a:solidFill>
+                      <a:schemeClr val="accent2">
+                        <a:lumMod val="20000"/>
+                        <a:lumOff val="80000"/>
+                      </a:schemeClr>
+                    </a:solidFill>
+                  </a:tcPr>
+                </a:tc>
+                <a:tc>
+                  <a:txBody>
+                    <a:bodyPr/>
+                    <a:lstStyle/>
+                    <a:p>
+                      <a:endParaRPr lang="en-US" dirty="0"/>
+                    </a:p>
+                  </a:txBody>
+                  <a:tcPr>
+                    <a:solidFill>
+                      <a:schemeClr val="accent2">
+                        <a:lumMod val="20000"/>
+                        <a:lumOff val="80000"/>
+                      </a:schemeClr>
+                    </a:solidFill>
+                  </a:tcPr>
+                </a:tc>
+                <a:extLst>
+                  <a:ext uri="{0D108BD9-81ED-4DB2-BD59-A6C34878D82A}">
+                    <a16:rowId xmlns:a16="http://schemas.microsoft.com/office/drawing/2014/main" val="2947193755"/>
+                  </a:ext>
+                </a:extLst>
+              </a:tr>
+            </a:tbl>
+          </a:graphicData>
+        </a:graphic>
+      </p:graphicFrame>
+      <p:sp>
+        <p:nvSpPr>
+          <p:cNvPr id="7" name="Down Arrow 6"/>
+          <p:cNvSpPr/>
+          <p:nvPr/>
+        </p:nvSpPr>
+        <p:spPr>
+          <a:xfrm>
+            <a:off x="6431705" y="4043680"/>
+            <a:ext cx="996531" cy="1137920"/>
+          </a:xfrm>
+          <a:prstGeom prst="downArrow">
+            <a:avLst/>
+          </a:prstGeom>
+        </p:spPr>
+        <p:style>
+          <a:lnRef idx="2">
+            <a:schemeClr val="dk1"/>
+          </a:lnRef>
+          <a:fillRef idx="1">
+            <a:schemeClr val="lt1"/>
+          </a:fillRef>
+          <a:effectRef idx="0">
+            <a:schemeClr val="dk1"/>
+          </a:effectRef>
+          <a:fontRef idx="minor">
+            <a:schemeClr val="dk1"/>
+          </a:fontRef>
+        </p:style>
+        <p:txBody>
+          <a:bodyPr rtlCol="0" anchor="ctr"/>
+          <a:lstStyle/>
+          <a:p>
+            <a:pPr algn="ctr"/>
+            <a:endParaRPr lang="en-US"/>
+          </a:p>
+        </p:txBody>
+      </p:sp>
+      <p:sp>
+        <p:nvSpPr>
+          <p:cNvPr id="8" name="Down Arrow 7"/>
+          <p:cNvSpPr/>
+          <p:nvPr/>
+        </p:nvSpPr>
+        <p:spPr>
+          <a:xfrm>
+            <a:off x="16805065" y="4043680"/>
+            <a:ext cx="996531" cy="1137920"/>
+          </a:xfrm>
+          <a:prstGeom prst="downArrow">
+            <a:avLst/>
+          </a:prstGeom>
+        </p:spPr>
+        <p:style>
+          <a:lnRef idx="2">
+            <a:schemeClr val="dk1"/>
+          </a:lnRef>
+          <a:fillRef idx="1">
+            <a:schemeClr val="lt1"/>
+          </a:fillRef>
+          <a:effectRef idx="0">
+            <a:schemeClr val="dk1"/>
+          </a:effectRef>
+          <a:fontRef idx="minor">
+            <a:schemeClr val="dk1"/>
+          </a:fontRef>
+        </p:style>
+        <p:txBody>
+          <a:bodyPr rtlCol="0" anchor="ctr"/>
+          <a:lstStyle/>
+          <a:p>
+            <a:pPr algn="ctr"/>
+            <a:endParaRPr lang="en-US"/>
+          </a:p>
+        </p:txBody>
+      </p:sp>
+      <p:graphicFrame>
+        <p:nvGraphicFramePr>
+          <p:cNvPr id="9" name="Table 8"/>
+          <p:cNvGraphicFramePr>
+            <a:graphicFrameLocks noGrp="1"/>
+          </p:cNvGraphicFramePr>
+          <p:nvPr>
+            <p:extLst>
+              <p:ext uri="{D42A27DB-BD31-4B8C-83A1-F6EECF244321}">
+                <p14:modId xmlns:p14="http://schemas.microsoft.com/office/powerpoint/2010/main" val="1176592270"/>
+              </p:ext>
+            </p:extLst>
+          </p:nvPr>
+        </p:nvGraphicFramePr>
+        <p:xfrm>
+          <a:off x="2004269" y="5320237"/>
+          <a:ext cx="20160000" cy="638556"/>
+        </p:xfrm>
+        <a:graphic>
+          <a:graphicData uri="http://schemas.openxmlformats.org/drawingml/2006/table">
+            <a:tbl>
+              <a:tblPr firstRow="1" bandRow="1">
+                <a:tableStyleId>{5940675A-B579-460E-94D1-54222C63F5DA}</a:tableStyleId>
+              </a:tblPr>
+              <a:tblGrid>
+                <a:gridCol w="1260000">
+                  <a:extLst>
+                    <a:ext uri="{9D8B030D-6E8A-4147-A177-3AD203B41FA5}">
+                      <a16:colId xmlns:a16="http://schemas.microsoft.com/office/drawing/2014/main" val="3220101158"/>
+                    </a:ext>
+                  </a:extLst>
+                </a:gridCol>
+                <a:gridCol w="1260000">
+                  <a:extLst>
+                    <a:ext uri="{9D8B030D-6E8A-4147-A177-3AD203B41FA5}">
+                      <a16:colId xmlns:a16="http://schemas.microsoft.com/office/drawing/2014/main" val="2509955964"/>
+                    </a:ext>
+                  </a:extLst>
+                </a:gridCol>
+                <a:gridCol w="1260000">
+                  <a:extLst>
+                    <a:ext uri="{9D8B030D-6E8A-4147-A177-3AD203B41FA5}">
+                      <a16:colId xmlns:a16="http://schemas.microsoft.com/office/drawing/2014/main" val="4106719055"/>
+                    </a:ext>
+                  </a:extLst>
+                </a:gridCol>
+                <a:gridCol w="1260000">
+                  <a:extLst>
+                    <a:ext uri="{9D8B030D-6E8A-4147-A177-3AD203B41FA5}">
+                      <a16:colId xmlns:a16="http://schemas.microsoft.com/office/drawing/2014/main" val="2495566464"/>
+                    </a:ext>
+                  </a:extLst>
+                </a:gridCol>
+                <a:gridCol w="1260000">
+                  <a:extLst>
+                    <a:ext uri="{9D8B030D-6E8A-4147-A177-3AD203B41FA5}">
+                      <a16:colId xmlns:a16="http://schemas.microsoft.com/office/drawing/2014/main" val="3779250370"/>
+                    </a:ext>
+                  </a:extLst>
+                </a:gridCol>
+                <a:gridCol w="1260000">
+                  <a:extLst>
+                    <a:ext uri="{9D8B030D-6E8A-4147-A177-3AD203B41FA5}">
+                      <a16:colId xmlns:a16="http://schemas.microsoft.com/office/drawing/2014/main" val="295694569"/>
+                    </a:ext>
+                  </a:extLst>
+                </a:gridCol>
+                <a:gridCol w="1260000">
+                  <a:extLst>
+                    <a:ext uri="{9D8B030D-6E8A-4147-A177-3AD203B41FA5}">
+                      <a16:colId xmlns:a16="http://schemas.microsoft.com/office/drawing/2014/main" val="1651969150"/>
+                    </a:ext>
+                  </a:extLst>
+                </a:gridCol>
+                <a:gridCol w="1260000">
+                  <a:extLst>
+                    <a:ext uri="{9D8B030D-6E8A-4147-A177-3AD203B41FA5}">
+                      <a16:colId xmlns:a16="http://schemas.microsoft.com/office/drawing/2014/main" val="3818543492"/>
+                    </a:ext>
+                  </a:extLst>
+                </a:gridCol>
+                <a:gridCol w="1260000">
+                  <a:extLst>
+                    <a:ext uri="{9D8B030D-6E8A-4147-A177-3AD203B41FA5}">
+                      <a16:colId xmlns:a16="http://schemas.microsoft.com/office/drawing/2014/main" val="2617671612"/>
+                    </a:ext>
+                  </a:extLst>
+                </a:gridCol>
+                <a:gridCol w="1260000">
+                  <a:extLst>
+                    <a:ext uri="{9D8B030D-6E8A-4147-A177-3AD203B41FA5}">
+                      <a16:colId xmlns:a16="http://schemas.microsoft.com/office/drawing/2014/main" val="3166512729"/>
+                    </a:ext>
+                  </a:extLst>
+                </a:gridCol>
+                <a:gridCol w="1260000">
+                  <a:extLst>
+                    <a:ext uri="{9D8B030D-6E8A-4147-A177-3AD203B41FA5}">
+                      <a16:colId xmlns:a16="http://schemas.microsoft.com/office/drawing/2014/main" val="1491983626"/>
+                    </a:ext>
+                  </a:extLst>
+                </a:gridCol>
+                <a:gridCol w="1260000">
+                  <a:extLst>
+                    <a:ext uri="{9D8B030D-6E8A-4147-A177-3AD203B41FA5}">
+                      <a16:colId xmlns:a16="http://schemas.microsoft.com/office/drawing/2014/main" val="1817125408"/>
+                    </a:ext>
+                  </a:extLst>
+                </a:gridCol>
+                <a:gridCol w="1260000">
+                  <a:extLst>
+                    <a:ext uri="{9D8B030D-6E8A-4147-A177-3AD203B41FA5}">
+                      <a16:colId xmlns:a16="http://schemas.microsoft.com/office/drawing/2014/main" val="1342564807"/>
+                    </a:ext>
+                  </a:extLst>
+                </a:gridCol>
+                <a:gridCol w="1260000">
+                  <a:extLst>
+                    <a:ext uri="{9D8B030D-6E8A-4147-A177-3AD203B41FA5}">
+                      <a16:colId xmlns:a16="http://schemas.microsoft.com/office/drawing/2014/main" val="3172371477"/>
+                    </a:ext>
+                  </a:extLst>
+                </a:gridCol>
+                <a:gridCol w="1260000">
+                  <a:extLst>
+                    <a:ext uri="{9D8B030D-6E8A-4147-A177-3AD203B41FA5}">
+                      <a16:colId xmlns:a16="http://schemas.microsoft.com/office/drawing/2014/main" val="2148214639"/>
+                    </a:ext>
+                  </a:extLst>
+                </a:gridCol>
+                <a:gridCol w="1260000">
+                  <a:extLst>
+                    <a:ext uri="{9D8B030D-6E8A-4147-A177-3AD203B41FA5}">
+                      <a16:colId xmlns:a16="http://schemas.microsoft.com/office/drawing/2014/main" val="662634334"/>
+                    </a:ext>
+                  </a:extLst>
+                </a:gridCol>
+              </a:tblGrid>
+              <a:tr h="540000">
+                <a:tc>
+                  <a:txBody>
+                    <a:bodyPr/>
+                    <a:lstStyle/>
+                    <a:p>
+                      <a:endParaRPr lang="en-US" dirty="0"/>
+                    </a:p>
+                  </a:txBody>
+                  <a:tcPr>
+                    <a:lnL w="12700" cap="flat" cmpd="sng" algn="ctr">
+                      <a:solidFill>
+                        <a:schemeClr val="tx1"/>
+                      </a:solidFill>
+                      <a:prstDash val="solid"/>
+                      <a:round/>
+                      <a:headEnd type="none" w="med" len="med"/>
+                      <a:tailEnd type="none" w="med" len="med"/>
+                    </a:lnL>
+                    <a:lnR w="12700" cap="flat" cmpd="sng" algn="ctr">
+                      <a:solidFill>
+                        <a:schemeClr val="tx1"/>
+                      </a:solidFill>
+                      <a:prstDash val="solid"/>
+                      <a:round/>
+                      <a:headEnd type="none" w="med" len="med"/>
+                      <a:tailEnd type="none" w="med" len="med"/>
+                    </a:lnR>
+                    <a:lnT w="12700" cap="flat" cmpd="sng" algn="ctr">
+                      <a:solidFill>
+                        <a:schemeClr val="tx1"/>
+                      </a:solidFill>
+                      <a:prstDash val="solid"/>
+                      <a:round/>
+                      <a:headEnd type="none" w="med" len="med"/>
+                      <a:tailEnd type="none" w="med" len="med"/>
+                    </a:lnT>
+                    <a:lnB w="12700" cap="flat" cmpd="sng" algn="ctr">
+                      <a:solidFill>
+                        <a:schemeClr val="tx1"/>
+                      </a:solidFill>
+                      <a:prstDash val="solid"/>
+                      <a:round/>
+                      <a:headEnd type="none" w="med" len="med"/>
+                      <a:tailEnd type="none" w="med" len="med"/>
+                    </a:lnB>
+                    <a:solidFill>
+                      <a:schemeClr val="bg1">
+                        <a:lumMod val="65000"/>
+                      </a:schemeClr>
+                    </a:solidFill>
+                  </a:tcPr>
+                </a:tc>
+                <a:tc>
+                  <a:txBody>
+                    <a:bodyPr/>
+                    <a:lstStyle/>
+                    <a:p>
+                      <a:endParaRPr lang="en-US" dirty="0"/>
+                    </a:p>
+                  </a:txBody>
+                  <a:tcPr>
+                    <a:lnL w="12700" cap="flat" cmpd="sng" algn="ctr">
+                      <a:solidFill>
+                        <a:schemeClr val="tx1"/>
+                      </a:solidFill>
+                      <a:prstDash val="solid"/>
+                      <a:round/>
+                      <a:headEnd type="none" w="med" len="med"/>
+                      <a:tailEnd type="none" w="med" len="med"/>
+                    </a:lnL>
+                    <a:lnR w="12700" cap="flat" cmpd="sng" algn="ctr">
+                      <a:solidFill>
+                        <a:schemeClr val="tx1"/>
+                      </a:solidFill>
+                      <a:prstDash val="solid"/>
+                      <a:round/>
+                      <a:headEnd type="none" w="med" len="med"/>
+                      <a:tailEnd type="none" w="med" len="med"/>
+                    </a:lnR>
+                    <a:lnT w="12700" cap="flat" cmpd="sng" algn="ctr">
+                      <a:solidFill>
+                        <a:schemeClr val="tx1"/>
+                      </a:solidFill>
+                      <a:prstDash val="solid"/>
+                      <a:round/>
+                      <a:headEnd type="none" w="med" len="med"/>
+                      <a:tailEnd type="none" w="med" len="med"/>
+                    </a:lnT>
+                    <a:lnB w="12700" cap="flat" cmpd="sng" algn="ctr">
+                      <a:solidFill>
+                        <a:schemeClr val="tx1"/>
+                      </a:solidFill>
+                      <a:prstDash val="solid"/>
+                      <a:round/>
+                      <a:headEnd type="none" w="med" len="med"/>
+                      <a:tailEnd type="none" w="med" len="med"/>
+                    </a:lnB>
+                    <a:solidFill>
+                      <a:schemeClr val="bg1">
+                        <a:lumMod val="65000"/>
+                      </a:schemeClr>
+                    </a:solidFill>
+                  </a:tcPr>
+                </a:tc>
+                <a:tc>
+                  <a:txBody>
+                    <a:bodyPr/>
+                    <a:lstStyle/>
+                    <a:p>
+                      <a:endParaRPr lang="en-US" dirty="0"/>
+                    </a:p>
+                  </a:txBody>
+                  <a:tcPr>
+                    <a:lnL w="12700" cap="flat" cmpd="sng" algn="ctr">
+                      <a:solidFill>
+                        <a:schemeClr val="tx1"/>
+                      </a:solidFill>
+                      <a:prstDash val="solid"/>
+                      <a:round/>
+                      <a:headEnd type="none" w="med" len="med"/>
+                      <a:tailEnd type="none" w="med" len="med"/>
+                    </a:lnL>
+                    <a:lnR w="12700" cap="flat" cmpd="sng" algn="ctr">
+                      <a:solidFill>
+                        <a:schemeClr val="tx1"/>
+                      </a:solidFill>
+                      <a:prstDash val="solid"/>
+                      <a:round/>
+                      <a:headEnd type="none" w="med" len="med"/>
+                      <a:tailEnd type="none" w="med" len="med"/>
+                    </a:lnR>
+                    <a:lnT w="12700" cap="flat" cmpd="sng" algn="ctr">
+                      <a:solidFill>
+                        <a:schemeClr val="tx1"/>
+                      </a:solidFill>
+                      <a:prstDash val="solid"/>
+                      <a:round/>
+                      <a:headEnd type="none" w="med" len="med"/>
+                      <a:tailEnd type="none" w="med" len="med"/>
+                    </a:lnT>
+                    <a:lnB w="12700" cap="flat" cmpd="sng" algn="ctr">
+                      <a:solidFill>
+                        <a:schemeClr val="tx1"/>
+                      </a:solidFill>
+                      <a:prstDash val="solid"/>
+                      <a:round/>
+                      <a:headEnd type="none" w="med" len="med"/>
+                      <a:tailEnd type="none" w="med" len="med"/>
+                    </a:lnB>
+                    <a:solidFill>
+                      <a:schemeClr val="bg1">
+                        <a:lumMod val="65000"/>
+                      </a:schemeClr>
+                    </a:solidFill>
+                  </a:tcPr>
+                </a:tc>
+                <a:tc>
+                  <a:txBody>
+                    <a:bodyPr/>
+                    <a:lstStyle/>
+                    <a:p>
+                      <a:endParaRPr lang="en-US" dirty="0"/>
+                    </a:p>
+                  </a:txBody>
+                  <a:tcPr>
+                    <a:lnL w="12700" cap="flat" cmpd="sng" algn="ctr">
+                      <a:solidFill>
+                        <a:schemeClr val="tx1"/>
+                      </a:solidFill>
+                      <a:prstDash val="solid"/>
+                      <a:round/>
+                      <a:headEnd type="none" w="med" len="med"/>
+                      <a:tailEnd type="none" w="med" len="med"/>
+                    </a:lnL>
+                    <a:lnR w="12700" cap="flat" cmpd="sng" algn="ctr">
+                      <a:solidFill>
+                        <a:schemeClr val="tx1"/>
+                      </a:solidFill>
+                      <a:prstDash val="solid"/>
+                      <a:round/>
+                      <a:headEnd type="none" w="med" len="med"/>
+                      <a:tailEnd type="none" w="med" len="med"/>
+                    </a:lnR>
+                    <a:lnT w="12700" cap="flat" cmpd="sng" algn="ctr">
+                      <a:solidFill>
+                        <a:schemeClr val="tx1"/>
+                      </a:solidFill>
+                      <a:prstDash val="solid"/>
+                      <a:round/>
+                      <a:headEnd type="none" w="med" len="med"/>
+                      <a:tailEnd type="none" w="med" len="med"/>
+                    </a:lnT>
+                    <a:lnB w="12700" cap="flat" cmpd="sng" algn="ctr">
+                      <a:solidFill>
+                        <a:schemeClr val="tx1"/>
+                      </a:solidFill>
+                      <a:prstDash val="solid"/>
+                      <a:round/>
+                      <a:headEnd type="none" w="med" len="med"/>
+                      <a:tailEnd type="none" w="med" len="med"/>
+                    </a:lnB>
+                    <a:solidFill>
+                      <a:schemeClr val="bg1">
+                        <a:lumMod val="65000"/>
+                      </a:schemeClr>
+                    </a:solidFill>
+                  </a:tcPr>
+                </a:tc>
+                <a:tc>
+                  <a:txBody>
+                    <a:bodyPr/>
+                    <a:lstStyle/>
+                    <a:p>
+                      <a:endParaRPr lang="en-US" dirty="0"/>
+                    </a:p>
+                  </a:txBody>
+                  <a:tcPr>
+                    <a:lnL w="12700" cap="flat" cmpd="sng" algn="ctr">
+                      <a:solidFill>
+                        <a:schemeClr val="tx1"/>
+                      </a:solidFill>
+                      <a:prstDash val="solid"/>
+                      <a:round/>
+                      <a:headEnd type="none" w="med" len="med"/>
+                      <a:tailEnd type="none" w="med" len="med"/>
+                    </a:lnL>
+                    <a:lnR w="12700" cap="flat" cmpd="sng" algn="ctr">
+                      <a:solidFill>
+                        <a:schemeClr val="tx1"/>
+                      </a:solidFill>
+                      <a:prstDash val="solid"/>
+                      <a:round/>
+                      <a:headEnd type="none" w="med" len="med"/>
+                      <a:tailEnd type="none" w="med" len="med"/>
+                    </a:lnR>
+                    <a:lnT w="12700" cap="flat" cmpd="sng" algn="ctr">
+                      <a:solidFill>
+                        <a:schemeClr val="tx1"/>
+                      </a:solidFill>
+                      <a:prstDash val="solid"/>
+                      <a:round/>
+                      <a:headEnd type="none" w="med" len="med"/>
+                      <a:tailEnd type="none" w="med" len="med"/>
+                    </a:lnT>
+                    <a:lnB w="12700" cap="flat" cmpd="sng" algn="ctr">
+                      <a:solidFill>
+                        <a:schemeClr val="tx1"/>
+                      </a:solidFill>
+                      <a:prstDash val="solid"/>
+                      <a:round/>
+                      <a:headEnd type="none" w="med" len="med"/>
+                      <a:tailEnd type="none" w="med" len="med"/>
+                    </a:lnB>
+                    <a:solidFill>
+                      <a:schemeClr val="bg1">
+                        <a:lumMod val="65000"/>
+                      </a:schemeClr>
+                    </a:solidFill>
+                  </a:tcPr>
+                </a:tc>
+                <a:tc>
+                  <a:txBody>
+                    <a:bodyPr/>
+                    <a:lstStyle/>
+                    <a:p>
+                      <a:endParaRPr lang="en-US" dirty="0"/>
+                    </a:p>
+                  </a:txBody>
+                  <a:tcPr>
+                    <a:lnL w="12700" cap="flat" cmpd="sng" algn="ctr">
+                      <a:solidFill>
+                        <a:schemeClr val="tx1"/>
+                      </a:solidFill>
+                      <a:prstDash val="solid"/>
+                      <a:round/>
+                      <a:headEnd type="none" w="med" len="med"/>
+                      <a:tailEnd type="none" w="med" len="med"/>
+                    </a:lnL>
+                    <a:lnR w="12700" cap="flat" cmpd="sng" algn="ctr">
+                      <a:solidFill>
+                        <a:schemeClr val="tx1"/>
+                      </a:solidFill>
+                      <a:prstDash val="solid"/>
+                      <a:round/>
+                      <a:headEnd type="none" w="med" len="med"/>
+                      <a:tailEnd type="none" w="med" len="med"/>
+                    </a:lnR>
+                    <a:lnT w="12700" cap="flat" cmpd="sng" algn="ctr">
+                      <a:solidFill>
+                        <a:schemeClr val="tx1"/>
+                      </a:solidFill>
+                      <a:prstDash val="solid"/>
+                      <a:round/>
+                      <a:headEnd type="none" w="med" len="med"/>
+                      <a:tailEnd type="none" w="med" len="med"/>
+                    </a:lnT>
+                    <a:lnB w="12700" cap="flat" cmpd="sng" algn="ctr">
+                      <a:solidFill>
+                        <a:schemeClr val="tx1"/>
+                      </a:solidFill>
+                      <a:prstDash val="solid"/>
+                      <a:round/>
+                      <a:headEnd type="none" w="med" len="med"/>
+                      <a:tailEnd type="none" w="med" len="med"/>
+                    </a:lnB>
+                    <a:solidFill>
+                      <a:schemeClr val="bg1">
+                        <a:lumMod val="65000"/>
+                      </a:schemeClr>
+                    </a:solidFill>
+                  </a:tcPr>
+                </a:tc>
+                <a:tc>
+                  <a:txBody>
+                    <a:bodyPr/>
+                    <a:lstStyle/>
+                    <a:p>
+                      <a:endParaRPr lang="en-US" dirty="0"/>
+                    </a:p>
+                  </a:txBody>
+                  <a:tcPr>
+                    <a:lnL w="12700" cap="flat" cmpd="sng" algn="ctr">
+                      <a:solidFill>
+                        <a:schemeClr val="tx1"/>
+                      </a:solidFill>
+                      <a:prstDash val="solid"/>
+                      <a:round/>
+                      <a:headEnd type="none" w="med" len="med"/>
+                      <a:tailEnd type="none" w="med" len="med"/>
+                    </a:lnL>
+                    <a:lnR w="12700" cap="flat" cmpd="sng" algn="ctr">
+                      <a:solidFill>
+                        <a:schemeClr val="tx1"/>
+                      </a:solidFill>
+                      <a:prstDash val="solid"/>
+                      <a:round/>
+                      <a:headEnd type="none" w="med" len="med"/>
+                      <a:tailEnd type="none" w="med" len="med"/>
+                    </a:lnR>
+                    <a:lnT w="12700" cap="flat" cmpd="sng" algn="ctr">
+                      <a:solidFill>
+                        <a:schemeClr val="tx1"/>
+                      </a:solidFill>
+                      <a:prstDash val="solid"/>
+                      <a:round/>
+                      <a:headEnd type="none" w="med" len="med"/>
+                      <a:tailEnd type="none" w="med" len="med"/>
+                    </a:lnT>
+                    <a:lnB w="12700" cap="flat" cmpd="sng" algn="ctr">
+                      <a:solidFill>
+                        <a:schemeClr val="tx1"/>
+                      </a:solidFill>
+                      <a:prstDash val="solid"/>
+                      <a:round/>
+                      <a:headEnd type="none" w="med" len="med"/>
+                      <a:tailEnd type="none" w="med" len="med"/>
+                    </a:lnB>
+                    <a:solidFill>
+                      <a:schemeClr val="bg1">
+                        <a:lumMod val="65000"/>
+                      </a:schemeClr>
+                    </a:solidFill>
+                  </a:tcPr>
+                </a:tc>
+                <a:tc>
+                  <a:txBody>
+                    <a:bodyPr/>
+                    <a:lstStyle/>
+                    <a:p>
+                      <a:endParaRPr lang="en-US" dirty="0"/>
+                    </a:p>
+                  </a:txBody>
+                  <a:tcPr>
+                    <a:lnL w="12700" cap="flat" cmpd="sng" algn="ctr">
+                      <a:solidFill>
+                        <a:schemeClr val="tx1"/>
+                      </a:solidFill>
+                      <a:prstDash val="solid"/>
+                      <a:round/>
+                      <a:headEnd type="none" w="med" len="med"/>
+                      <a:tailEnd type="none" w="med" len="med"/>
+                    </a:lnL>
+                    <a:lnR w="12700" cap="flat" cmpd="sng" algn="ctr">
+                      <a:solidFill>
+                        <a:schemeClr val="tx1"/>
+                      </a:solidFill>
+                      <a:prstDash val="solid"/>
+                      <a:round/>
+                      <a:headEnd type="none" w="med" len="med"/>
+                      <a:tailEnd type="none" w="med" len="med"/>
+                    </a:lnR>
+                    <a:lnT w="12700" cap="flat" cmpd="sng" algn="ctr">
+                      <a:solidFill>
+                        <a:schemeClr val="tx1"/>
+                      </a:solidFill>
+                      <a:prstDash val="solid"/>
+                      <a:round/>
+                      <a:headEnd type="none" w="med" len="med"/>
+                      <a:tailEnd type="none" w="med" len="med"/>
+                    </a:lnT>
+                    <a:lnB w="12700" cap="flat" cmpd="sng" algn="ctr">
+                      <a:solidFill>
+                        <a:schemeClr val="tx1"/>
+                      </a:solidFill>
+                      <a:prstDash val="solid"/>
+                      <a:round/>
+                      <a:headEnd type="none" w="med" len="med"/>
+                      <a:tailEnd type="none" w="med" len="med"/>
+                    </a:lnB>
+                    <a:solidFill>
+                      <a:schemeClr val="bg1">
+                        <a:lumMod val="65000"/>
+                      </a:schemeClr>
+                    </a:solidFill>
+                  </a:tcPr>
+                </a:tc>
+                <a:tc>
+                  <a:txBody>
+                    <a:bodyPr/>
+                    <a:lstStyle/>
+                    <a:p>
+                      <a:endParaRPr lang="en-US" dirty="0"/>
+                    </a:p>
+                  </a:txBody>
+                  <a:tcPr>
+                    <a:lnL w="12700" cap="flat" cmpd="sng" algn="ctr">
+                      <a:solidFill>
+                        <a:schemeClr val="tx1"/>
+                      </a:solidFill>
+                      <a:prstDash val="solid"/>
+                      <a:round/>
+                      <a:headEnd type="none" w="med" len="med"/>
+                      <a:tailEnd type="none" w="med" len="med"/>
+                    </a:lnL>
+                    <a:lnR w="12700" cap="flat" cmpd="sng" algn="ctr">
+                      <a:solidFill>
+                        <a:schemeClr val="tx1"/>
+                      </a:solidFill>
+                      <a:prstDash val="solid"/>
+                      <a:round/>
+                      <a:headEnd type="none" w="med" len="med"/>
+                      <a:tailEnd type="none" w="med" len="med"/>
+                    </a:lnR>
+                    <a:lnT w="12700" cap="flat" cmpd="sng" algn="ctr">
+                      <a:solidFill>
+                        <a:schemeClr val="tx1"/>
+                      </a:solidFill>
+                      <a:prstDash val="solid"/>
+                      <a:round/>
+                      <a:headEnd type="none" w="med" len="med"/>
+                      <a:tailEnd type="none" w="med" len="med"/>
+                    </a:lnT>
+                    <a:lnB w="12700" cap="flat" cmpd="sng" algn="ctr">
+                      <a:solidFill>
+                        <a:schemeClr val="tx1"/>
+                      </a:solidFill>
+                      <a:prstDash val="solid"/>
+                      <a:round/>
+                      <a:headEnd type="none" w="med" len="med"/>
+                      <a:tailEnd type="none" w="med" len="med"/>
+                    </a:lnB>
+                    <a:solidFill>
+                      <a:schemeClr val="bg1">
+                        <a:lumMod val="65000"/>
+                      </a:schemeClr>
+                    </a:solidFill>
+                  </a:tcPr>
+                </a:tc>
+                <a:tc>
+                  <a:txBody>
+                    <a:bodyPr/>
+                    <a:lstStyle/>
+                    <a:p>
+                      <a:endParaRPr lang="en-US" dirty="0"/>
+                    </a:p>
+                  </a:txBody>
+                  <a:tcPr>
+                    <a:lnL w="12700" cap="flat" cmpd="sng" algn="ctr">
+                      <a:solidFill>
+                        <a:schemeClr val="tx1"/>
+                      </a:solidFill>
+                      <a:prstDash val="solid"/>
+                      <a:round/>
+                      <a:headEnd type="none" w="med" len="med"/>
+                      <a:tailEnd type="none" w="med" len="med"/>
+                    </a:lnL>
+                    <a:lnR w="12700" cap="flat" cmpd="sng" algn="ctr">
+                      <a:solidFill>
+                        <a:schemeClr val="tx1"/>
+                      </a:solidFill>
+                      <a:prstDash val="solid"/>
+                      <a:round/>
+                      <a:headEnd type="none" w="med" len="med"/>
+                      <a:tailEnd type="none" w="med" len="med"/>
+                    </a:lnR>
+                    <a:lnT w="12700" cap="flat" cmpd="sng" algn="ctr">
+                      <a:solidFill>
+                        <a:schemeClr val="tx1"/>
+                      </a:solidFill>
+                      <a:prstDash val="solid"/>
+                      <a:round/>
+                      <a:headEnd type="none" w="med" len="med"/>
+                      <a:tailEnd type="none" w="med" len="med"/>
+                    </a:lnT>
+                    <a:lnB w="12700" cap="flat" cmpd="sng" algn="ctr">
+                      <a:solidFill>
+                        <a:schemeClr val="tx1"/>
+                      </a:solidFill>
+                      <a:prstDash val="solid"/>
+                      <a:round/>
+                      <a:headEnd type="none" w="med" len="med"/>
+                      <a:tailEnd type="none" w="med" len="med"/>
+                    </a:lnB>
+                    <a:solidFill>
+                      <a:schemeClr val="bg1">
+                        <a:lumMod val="65000"/>
+                      </a:schemeClr>
+                    </a:solidFill>
+                  </a:tcPr>
+                </a:tc>
+                <a:tc>
+                  <a:txBody>
+                    <a:bodyPr/>
+                    <a:lstStyle/>
+                    <a:p>
+                      <a:endParaRPr lang="en-US" dirty="0"/>
+                    </a:p>
+                  </a:txBody>
+                  <a:tcPr>
+                    <a:lnL w="12700" cap="flat" cmpd="sng" algn="ctr">
+                      <a:solidFill>
+                        <a:schemeClr val="tx1"/>
+                      </a:solidFill>
+                      <a:prstDash val="solid"/>
+                      <a:round/>
+                      <a:headEnd type="none" w="med" len="med"/>
+                      <a:tailEnd type="none" w="med" len="med"/>
+                    </a:lnL>
+                    <a:lnR w="12700" cap="flat" cmpd="sng" algn="ctr">
+                      <a:solidFill>
+                        <a:schemeClr val="tx1"/>
+                      </a:solidFill>
+                      <a:prstDash val="solid"/>
+                      <a:round/>
+                      <a:headEnd type="none" w="med" len="med"/>
+                      <a:tailEnd type="none" w="med" len="med"/>
+                    </a:lnR>
+                    <a:lnT w="12700" cap="flat" cmpd="sng" algn="ctr">
+                      <a:solidFill>
+                        <a:schemeClr val="tx1"/>
+                      </a:solidFill>
+                      <a:prstDash val="solid"/>
+                      <a:round/>
+                      <a:headEnd type="none" w="med" len="med"/>
+                      <a:tailEnd type="none" w="med" len="med"/>
+                    </a:lnT>
+                    <a:lnB w="12700" cap="flat" cmpd="sng" algn="ctr">
+                      <a:solidFill>
+                        <a:schemeClr val="tx1"/>
+                      </a:solidFill>
+                      <a:prstDash val="solid"/>
+                      <a:round/>
+                      <a:headEnd type="none" w="med" len="med"/>
+                      <a:tailEnd type="none" w="med" len="med"/>
+                    </a:lnB>
+                    <a:solidFill>
+                      <a:schemeClr val="bg1">
+                        <a:lumMod val="65000"/>
+                      </a:schemeClr>
+                    </a:solidFill>
+                  </a:tcPr>
+                </a:tc>
+                <a:tc>
+                  <a:txBody>
+                    <a:bodyPr/>
+                    <a:lstStyle/>
+                    <a:p>
+                      <a:endParaRPr lang="en-US" dirty="0"/>
+                    </a:p>
+                  </a:txBody>
+                  <a:tcPr>
+                    <a:lnL w="12700" cap="flat" cmpd="sng" algn="ctr">
+                      <a:solidFill>
+                        <a:schemeClr val="tx1"/>
+                      </a:solidFill>
+                      <a:prstDash val="solid"/>
+                      <a:round/>
+                      <a:headEnd type="none" w="med" len="med"/>
+                      <a:tailEnd type="none" w="med" len="med"/>
+                    </a:lnL>
+                    <a:lnR w="12700" cap="flat" cmpd="sng" algn="ctr">
+                      <a:solidFill>
+                        <a:schemeClr val="tx1"/>
+                      </a:solidFill>
+                      <a:prstDash val="solid"/>
+                      <a:round/>
+                      <a:headEnd type="none" w="med" len="med"/>
+                      <a:tailEnd type="none" w="med" len="med"/>
+                    </a:lnR>
+                    <a:lnT w="12700" cap="flat" cmpd="sng" algn="ctr">
+                      <a:solidFill>
+                        <a:schemeClr val="tx1"/>
+                      </a:solidFill>
+                      <a:prstDash val="solid"/>
+                      <a:round/>
+                      <a:headEnd type="none" w="med" len="med"/>
+                      <a:tailEnd type="none" w="med" len="med"/>
+                    </a:lnT>
+                    <a:lnB w="12700" cap="flat" cmpd="sng" algn="ctr">
+                      <a:solidFill>
+                        <a:schemeClr val="tx1"/>
+                      </a:solidFill>
+                      <a:prstDash val="solid"/>
+                      <a:round/>
+                      <a:headEnd type="none" w="med" len="med"/>
+                      <a:tailEnd type="none" w="med" len="med"/>
+                    </a:lnB>
+                    <a:solidFill>
+                      <a:schemeClr val="bg1">
+                        <a:lumMod val="65000"/>
+                      </a:schemeClr>
+                    </a:solidFill>
+                  </a:tcPr>
+                </a:tc>
+                <a:tc>
+                  <a:txBody>
+                    <a:bodyPr/>
+                    <a:lstStyle/>
+                    <a:p>
+                      <a:endParaRPr lang="en-US" dirty="0"/>
+                    </a:p>
+                  </a:txBody>
+                  <a:tcPr>
+                    <a:lnL w="12700" cap="flat" cmpd="sng" algn="ctr">
+                      <a:solidFill>
+                        <a:schemeClr val="tx1"/>
+                      </a:solidFill>
+                      <a:prstDash val="solid"/>
+                      <a:round/>
+                      <a:headEnd type="none" w="med" len="med"/>
+                      <a:tailEnd type="none" w="med" len="med"/>
+                    </a:lnL>
+                    <a:lnR w="12700" cap="flat" cmpd="sng" algn="ctr">
+                      <a:solidFill>
+                        <a:schemeClr val="tx1"/>
+                      </a:solidFill>
+                      <a:prstDash val="solid"/>
+                      <a:round/>
+                      <a:headEnd type="none" w="med" len="med"/>
+                      <a:tailEnd type="none" w="med" len="med"/>
+                    </a:lnR>
+                    <a:lnT w="12700" cap="flat" cmpd="sng" algn="ctr">
+                      <a:solidFill>
+                        <a:schemeClr val="tx1"/>
+                      </a:solidFill>
+                      <a:prstDash val="solid"/>
+                      <a:round/>
+                      <a:headEnd type="none" w="med" len="med"/>
+                      <a:tailEnd type="none" w="med" len="med"/>
+                    </a:lnT>
+                    <a:lnB w="12700" cap="flat" cmpd="sng" algn="ctr">
+                      <a:solidFill>
+                        <a:schemeClr val="tx1"/>
+                      </a:solidFill>
+                      <a:prstDash val="solid"/>
+                      <a:round/>
+                      <a:headEnd type="none" w="med" len="med"/>
+                      <a:tailEnd type="none" w="med" len="med"/>
+                    </a:lnB>
+                    <a:solidFill>
+                      <a:schemeClr val="bg1">
+                        <a:lumMod val="65000"/>
+                      </a:schemeClr>
+                    </a:solidFill>
+                  </a:tcPr>
+                </a:tc>
+                <a:tc>
+                  <a:txBody>
+                    <a:bodyPr/>
+                    <a:lstStyle/>
+                    <a:p>
+                      <a:endParaRPr lang="en-US" dirty="0"/>
+                    </a:p>
+                  </a:txBody>
+                  <a:tcPr>
+                    <a:lnL w="12700" cap="flat" cmpd="sng" algn="ctr">
+                      <a:solidFill>
+                        <a:schemeClr val="tx1"/>
+                      </a:solidFill>
+                      <a:prstDash val="solid"/>
+                      <a:round/>
+                      <a:headEnd type="none" w="med" len="med"/>
+                      <a:tailEnd type="none" w="med" len="med"/>
+                    </a:lnL>
+                    <a:lnR w="12700" cap="flat" cmpd="sng" algn="ctr">
+                      <a:solidFill>
+                        <a:schemeClr val="tx1"/>
+                      </a:solidFill>
+                      <a:prstDash val="solid"/>
+                      <a:round/>
+                      <a:headEnd type="none" w="med" len="med"/>
+                      <a:tailEnd type="none" w="med" len="med"/>
+                    </a:lnR>
+                    <a:lnT w="12700" cap="flat" cmpd="sng" algn="ctr">
+                      <a:solidFill>
+                        <a:schemeClr val="tx1"/>
+                      </a:solidFill>
+                      <a:prstDash val="solid"/>
+                      <a:round/>
+                      <a:headEnd type="none" w="med" len="med"/>
+                      <a:tailEnd type="none" w="med" len="med"/>
+                    </a:lnT>
+                    <a:lnB w="12700" cap="flat" cmpd="sng" algn="ctr">
+                      <a:solidFill>
+                        <a:schemeClr val="tx1"/>
+                      </a:solidFill>
+                      <a:prstDash val="solid"/>
+                      <a:round/>
+                      <a:headEnd type="none" w="med" len="med"/>
+                      <a:tailEnd type="none" w="med" len="med"/>
+                    </a:lnB>
+                    <a:solidFill>
+                      <a:schemeClr val="bg1">
+                        <a:lumMod val="65000"/>
+                      </a:schemeClr>
+                    </a:solidFill>
+                  </a:tcPr>
+                </a:tc>
+                <a:tc>
+                  <a:txBody>
+                    <a:bodyPr/>
+                    <a:lstStyle/>
+                    <a:p>
+                      <a:endParaRPr lang="en-US" dirty="0"/>
+                    </a:p>
+                  </a:txBody>
+                  <a:tcPr>
+                    <a:lnL w="12700" cap="flat" cmpd="sng" algn="ctr">
+                      <a:solidFill>
+                        <a:schemeClr val="tx1"/>
+                      </a:solidFill>
+                      <a:prstDash val="solid"/>
+                      <a:round/>
+                      <a:headEnd type="none" w="med" len="med"/>
+                      <a:tailEnd type="none" w="med" len="med"/>
+                    </a:lnL>
+                    <a:lnR w="12700" cap="flat" cmpd="sng" algn="ctr">
+                      <a:solidFill>
+                        <a:schemeClr val="tx1"/>
+                      </a:solidFill>
+                      <a:prstDash val="solid"/>
+                      <a:round/>
+                      <a:headEnd type="none" w="med" len="med"/>
+                      <a:tailEnd type="none" w="med" len="med"/>
+                    </a:lnR>
+                    <a:lnT w="12700" cap="flat" cmpd="sng" algn="ctr">
+                      <a:solidFill>
+                        <a:schemeClr val="tx1"/>
+                      </a:solidFill>
+                      <a:prstDash val="solid"/>
+                      <a:round/>
+                      <a:headEnd type="none" w="med" len="med"/>
+                      <a:tailEnd type="none" w="med" len="med"/>
+                    </a:lnT>
+                    <a:lnB w="12700" cap="flat" cmpd="sng" algn="ctr">
+                      <a:solidFill>
+                        <a:schemeClr val="tx1"/>
+                      </a:solidFill>
+                      <a:prstDash val="solid"/>
+                      <a:round/>
+                      <a:headEnd type="none" w="med" len="med"/>
+                      <a:tailEnd type="none" w="med" len="med"/>
+                    </a:lnB>
+                    <a:solidFill>
+                      <a:schemeClr val="bg1">
+                        <a:lumMod val="65000"/>
+                      </a:schemeClr>
+                    </a:solidFill>
+                  </a:tcPr>
+                </a:tc>
+                <a:tc>
+                  <a:txBody>
+                    <a:bodyPr/>
+                    <a:lstStyle/>
+                    <a:p>
+                      <a:endParaRPr lang="en-US" dirty="0"/>
+                    </a:p>
+                  </a:txBody>
+                  <a:tcPr>
+                    <a:lnL w="12700" cap="flat" cmpd="sng" algn="ctr">
+                      <a:solidFill>
+                        <a:schemeClr val="tx1"/>
+                      </a:solidFill>
+                      <a:prstDash val="solid"/>
+                      <a:round/>
+                      <a:headEnd type="none" w="med" len="med"/>
+                      <a:tailEnd type="none" w="med" len="med"/>
+                    </a:lnL>
+                    <a:lnR w="12700" cap="flat" cmpd="sng" algn="ctr">
+                      <a:solidFill>
+                        <a:schemeClr val="tx1"/>
+                      </a:solidFill>
+                      <a:prstDash val="solid"/>
+                      <a:round/>
+                      <a:headEnd type="none" w="med" len="med"/>
+                      <a:tailEnd type="none" w="med" len="med"/>
+                    </a:lnR>
+                    <a:lnT w="12700" cap="flat" cmpd="sng" algn="ctr">
+                      <a:solidFill>
+                        <a:schemeClr val="tx1"/>
+                      </a:solidFill>
+                      <a:prstDash val="solid"/>
+                      <a:round/>
+                      <a:headEnd type="none" w="med" len="med"/>
+                      <a:tailEnd type="none" w="med" len="med"/>
+                    </a:lnT>
+                    <a:lnB w="12700" cap="flat" cmpd="sng" algn="ctr">
+                      <a:solidFill>
+                        <a:schemeClr val="tx1"/>
+                      </a:solidFill>
+                      <a:prstDash val="solid"/>
+                      <a:round/>
+                      <a:headEnd type="none" w="med" len="med"/>
+                      <a:tailEnd type="none" w="med" len="med"/>
+                    </a:lnB>
+                    <a:solidFill>
+                      <a:schemeClr val="bg1">
+                        <a:lumMod val="65000"/>
+                      </a:schemeClr>
+                    </a:solidFill>
+                  </a:tcPr>
+                </a:tc>
+                <a:extLst>
+                  <a:ext uri="{0D108BD9-81ED-4DB2-BD59-A6C34878D82A}">
+                    <a16:rowId xmlns:a16="http://schemas.microsoft.com/office/drawing/2014/main" val="2947193755"/>
+                  </a:ext>
+                </a:extLst>
+              </a:tr>
+            </a:tbl>
+          </a:graphicData>
+        </a:graphic>
+      </p:graphicFrame>
+      <p:sp>
+        <p:nvSpPr>
+          <p:cNvPr id="11" name="Rounded Rectangle 10"/>
+          <p:cNvSpPr/>
+          <p:nvPr/>
+        </p:nvSpPr>
+        <p:spPr>
+          <a:xfrm>
+            <a:off x="3264267" y="7356388"/>
+            <a:ext cx="17640000" cy="894080"/>
+          </a:xfrm>
+          <a:prstGeom prst="roundRect">
+            <a:avLst/>
+          </a:prstGeom>
+          <a:solidFill>
+            <a:schemeClr val="accent5">
+              <a:lumMod val="50000"/>
+            </a:schemeClr>
+          </a:solidFill>
+          <a:ln>
+            <a:noFill/>
+          </a:ln>
+        </p:spPr>
+        <p:style>
+          <a:lnRef idx="2">
+            <a:schemeClr val="accent1">
+              <a:shade val="50000"/>
+            </a:schemeClr>
+          </a:lnRef>
+          <a:fillRef idx="1">
+            <a:schemeClr val="accent1"/>
+          </a:fillRef>
+          <a:effectRef idx="0">
+            <a:schemeClr val="accent1"/>
+          </a:effectRef>
+          <a:fontRef idx="minor">
+            <a:schemeClr val="lt1"/>
+          </a:fontRef>
+        </p:style>
+        <p:txBody>
+          <a:bodyPr rtlCol="0" anchor="ctr"/>
+          <a:lstStyle/>
+          <a:p>
+            <a:pPr algn="ctr"/>
+            <a:r>
+              <a:rPr lang="en-US" sz="5400" b="1" dirty="0" smtClean="0">
+                <a:latin typeface="Helvetica" panose="020B0604020202020204" pitchFamily="34" charset="0"/>
+                <a:cs typeface="Helvetica" panose="020B0604020202020204" pitchFamily="34" charset="0"/>
+              </a:rPr>
+              <a:t>FC</a:t>
+            </a:r>
+            <a:endParaRPr lang="en-US" sz="5400" b="1" dirty="0">
+              <a:latin typeface="Helvetica" panose="020B0604020202020204" pitchFamily="34" charset="0"/>
+              <a:cs typeface="Helvetica" panose="020B0604020202020204" pitchFamily="34" charset="0"/>
+            </a:endParaRPr>
+          </a:p>
+        </p:txBody>
+      </p:sp>
+      <p:sp>
+        <p:nvSpPr>
+          <p:cNvPr id="12" name="Down Arrow 11"/>
+          <p:cNvSpPr/>
+          <p:nvPr/>
+        </p:nvSpPr>
+        <p:spPr>
+          <a:xfrm>
+            <a:off x="11586002" y="6114322"/>
+            <a:ext cx="996531" cy="1137920"/>
+          </a:xfrm>
+          <a:prstGeom prst="downArrow">
+            <a:avLst/>
+          </a:prstGeom>
+        </p:spPr>
+        <p:style>
+          <a:lnRef idx="2">
+            <a:schemeClr val="dk1"/>
+          </a:lnRef>
+          <a:fillRef idx="1">
+            <a:schemeClr val="lt1"/>
+          </a:fillRef>
+          <a:effectRef idx="0">
+            <a:schemeClr val="dk1"/>
+          </a:effectRef>
+          <a:fontRef idx="minor">
+            <a:schemeClr val="dk1"/>
+          </a:fontRef>
+        </p:style>
+        <p:txBody>
+          <a:bodyPr rtlCol="0" anchor="ctr"/>
+          <a:lstStyle/>
+          <a:p>
+            <a:pPr algn="ctr"/>
+            <a:endParaRPr lang="en-US"/>
+          </a:p>
+        </p:txBody>
+      </p:sp>
+      <p:sp>
+        <p:nvSpPr>
+          <p:cNvPr id="13" name="Rectangle 12"/>
+          <p:cNvSpPr/>
+          <p:nvPr/>
+        </p:nvSpPr>
+        <p:spPr>
+          <a:xfrm>
+            <a:off x="10519820" y="9648063"/>
+            <a:ext cx="3128892" cy="1037926"/>
+          </a:xfrm>
+          <a:prstGeom prst="rect">
+            <a:avLst/>
+          </a:prstGeom>
+        </p:spPr>
+        <p:style>
+          <a:lnRef idx="2">
+            <a:schemeClr val="dk1"/>
+          </a:lnRef>
+          <a:fillRef idx="1">
+            <a:schemeClr val="lt1"/>
+          </a:fillRef>
+          <a:effectRef idx="0">
+            <a:schemeClr val="dk1"/>
+          </a:effectRef>
+          <a:fontRef idx="minor">
+            <a:schemeClr val="dk1"/>
+          </a:fontRef>
+        </p:style>
+        <p:txBody>
+          <a:bodyPr rot="0" spcFirstLastPara="0" vertOverflow="overflow" horzOverflow="overflow" vert="horz" wrap="square" lIns="91440" tIns="45720" rIns="91440" bIns="45720" numCol="1" spcCol="0" rtlCol="0" fromWordArt="0" anchor="ctr" anchorCtr="0" forceAA="0" compatLnSpc="1">
+            <a:prstTxWarp prst="textNoShape">
+              <a:avLst/>
+            </a:prstTxWarp>
+            <a:noAutofit/>
+          </a:bodyPr>
+          <a:lstStyle/>
+          <a:p>
+            <a:pPr algn="ctr"/>
+            <a:r>
+              <a:rPr lang="en-US" sz="6600" dirty="0"/>
+              <a:t>Output</a:t>
+            </a:r>
+            <a:endParaRPr lang="en-US" sz="6600" dirty="0">
+              <a:latin typeface="Helvetica" panose="020B0604020202020204" pitchFamily="34" charset="0"/>
+              <a:cs typeface="Helvetica" panose="020B0604020202020204" pitchFamily="34" charset="0"/>
+            </a:endParaRPr>
+          </a:p>
+        </p:txBody>
+      </p:sp>
+      <p:sp>
+        <p:nvSpPr>
+          <p:cNvPr id="15" name="Down Arrow 14"/>
+          <p:cNvSpPr/>
+          <p:nvPr/>
+        </p:nvSpPr>
+        <p:spPr>
+          <a:xfrm>
+            <a:off x="11586001" y="8354614"/>
+            <a:ext cx="996531" cy="1137920"/>
+          </a:xfrm>
+          <a:prstGeom prst="downArrow">
+            <a:avLst/>
+          </a:prstGeom>
+        </p:spPr>
+        <p:style>
+          <a:lnRef idx="2">
+            <a:schemeClr val="dk1"/>
+          </a:lnRef>
+          <a:fillRef idx="1">
+            <a:schemeClr val="lt1"/>
+          </a:fillRef>
+          <a:effectRef idx="0">
+            <a:schemeClr val="dk1"/>
+          </a:effectRef>
+          <a:fontRef idx="minor">
+            <a:schemeClr val="dk1"/>
+          </a:fontRef>
+        </p:style>
+        <p:txBody>
+          <a:bodyPr rtlCol="0" anchor="ctr"/>
+          <a:lstStyle/>
+          <a:p>
+            <a:pPr algn="ctr"/>
+            <a:endParaRPr lang="en-US"/>
+          </a:p>
+        </p:txBody>
+      </p:sp>
+      <mc:AlternateContent xmlns:mc="http://schemas.openxmlformats.org/markup-compatibility/2006">
+        <mc:Choice xmlns:a14="http://schemas.microsoft.com/office/drawing/2010/main" Requires="a14">
+          <p:sp>
+            <p:nvSpPr>
+              <p:cNvPr id="16" name="Rectangle 15"/>
+              <p:cNvSpPr/>
+              <p:nvPr/>
+            </p:nvSpPr>
+            <p:spPr>
+              <a:xfrm>
+                <a:off x="11785148" y="4523024"/>
+                <a:ext cx="598241" cy="830997"/>
+              </a:xfrm>
+              <a:prstGeom prst="rect">
+                <a:avLst/>
+              </a:prstGeom>
+            </p:spPr>
+            <p:txBody>
+              <a:bodyPr wrap="none">
+                <a:spAutoFit/>
+              </a:bodyPr>
+              <a:lstStyle/>
+              <a:p>
+                <a:pPr/>
+                <a14:m>
+                  <m:oMathPara xmlns:m="http://schemas.openxmlformats.org/officeDocument/2006/math">
+                    <m:oMathParaPr>
+                      <m:jc m:val="centerGroup"/>
+                    </m:oMathParaPr>
+                    <m:oMath xmlns:m="http://schemas.openxmlformats.org/officeDocument/2006/math">
+                      <m:r>
+                        <m:rPr>
+                          <m:nor/>
+                        </m:rPr>
+                        <a:rPr lang="en-US" sz="4800" b="1">
+                          <a:latin typeface="Cambria Math" panose="02040503050406030204" pitchFamily="18" charset="0"/>
+                        </a:rPr>
+                        <m:t>z</m:t>
+                      </m:r>
+                    </m:oMath>
+                  </m:oMathPara>
+                </a14:m>
+                <a:endParaRPr lang="en-US" sz="4800" dirty="0"/>
+              </a:p>
+            </p:txBody>
+          </p:sp>
+        </mc:Choice>
+        <mc:Fallback>
+          <p:sp>
+            <p:nvSpPr>
+              <p:cNvPr id="16" name="Rectangle 15"/>
+              <p:cNvSpPr>
+                <a:spLocks noRot="1" noChangeAspect="1" noMove="1" noResize="1" noEditPoints="1" noAdjustHandles="1" noChangeArrowheads="1" noChangeShapeType="1" noTextEdit="1"/>
+              </p:cNvSpPr>
+              <p:nvPr/>
+            </p:nvSpPr>
+            <p:spPr>
+              <a:xfrm>
+                <a:off x="11785148" y="4523024"/>
+                <a:ext cx="598241" cy="830997"/>
+              </a:xfrm>
+              <a:prstGeom prst="rect">
+                <a:avLst/>
+              </a:prstGeom>
+              <a:blipFill>
+                <a:blip r:embed="rId2"/>
+                <a:stretch>
+                  <a:fillRect/>
+                </a:stretch>
+              </a:blipFill>
+            </p:spPr>
+            <p:txBody>
+              <a:bodyPr/>
+              <a:lstStyle/>
+              <a:p>
+                <a:r>
+                  <a:rPr lang="en-US">
+                    <a:noFill/>
+                  </a:rPr>
+                  <a:t> </a:t>
+                </a:r>
+              </a:p>
+            </p:txBody>
+          </p:sp>
+        </mc:Fallback>
+      </mc:AlternateContent>
+      <mc:AlternateContent xmlns:mc="http://schemas.openxmlformats.org/markup-compatibility/2006">
+        <mc:Choice xmlns:a14="http://schemas.microsoft.com/office/drawing/2010/main" Requires="a14">
+          <p:sp>
+            <p:nvSpPr>
+              <p:cNvPr id="17" name="Rectangle 16"/>
+              <p:cNvSpPr/>
+              <p:nvPr/>
+            </p:nvSpPr>
+            <p:spPr>
+              <a:xfrm>
+                <a:off x="6431705" y="2340833"/>
+                <a:ext cx="1127103" cy="830997"/>
+              </a:xfrm>
+              <a:prstGeom prst="rect">
+                <a:avLst/>
+              </a:prstGeom>
+            </p:spPr>
+            <p:txBody>
+              <a:bodyPr wrap="none">
+                <a:spAutoFit/>
+              </a:bodyPr>
+              <a:lstStyle/>
+              <a:p>
+                <a:pPr/>
+                <a14:m>
+                  <m:oMathPara xmlns:m="http://schemas.openxmlformats.org/officeDocument/2006/math">
+                    <m:oMathParaPr>
+                      <m:jc m:val="centerGroup"/>
+                    </m:oMathParaPr>
+                    <m:oMath xmlns:m="http://schemas.openxmlformats.org/officeDocument/2006/math">
+                      <m:sSub>
+                        <m:sSubPr>
+                          <m:ctrlPr>
+                            <a:rPr lang="en-US" sz="4800" i="1" smtClean="0">
+                              <a:latin typeface="Cambria Math" panose="02040503050406030204" pitchFamily="18" charset="0"/>
+                            </a:rPr>
+                          </m:ctrlPr>
+                        </m:sSubPr>
+                        <m:e>
+                          <m:r>
+                            <m:rPr>
+                              <m:nor/>
+                            </m:rPr>
+                            <a:rPr lang="en-US" sz="4800" b="1">
+                              <a:latin typeface="Cambria Math" panose="02040503050406030204" pitchFamily="18" charset="0"/>
+                            </a:rPr>
+                            <m:t>z</m:t>
+                          </m:r>
+                        </m:e>
+                        <m:sub>
+                          <m:r>
+                            <m:rPr>
+                              <m:nor/>
+                            </m:rPr>
+                            <a:rPr lang="en-US" sz="4800" b="1" i="0" smtClean="0">
+                              <a:latin typeface="Cambria Math" panose="02040503050406030204" pitchFamily="18" charset="0"/>
+                            </a:rPr>
+                            <m:t>m</m:t>
+                          </m:r>
+                        </m:sub>
+                      </m:sSub>
+                    </m:oMath>
+                  </m:oMathPara>
+                </a14:m>
+                <a:endParaRPr lang="en-US" sz="4800" dirty="0"/>
+              </a:p>
+            </p:txBody>
+          </p:sp>
+        </mc:Choice>
+        <mc:Fallback>
+          <p:sp>
+            <p:nvSpPr>
+              <p:cNvPr id="17" name="Rectangle 16"/>
+              <p:cNvSpPr>
+                <a:spLocks noRot="1" noChangeAspect="1" noMove="1" noResize="1" noEditPoints="1" noAdjustHandles="1" noChangeArrowheads="1" noChangeShapeType="1" noTextEdit="1"/>
+              </p:cNvSpPr>
+              <p:nvPr/>
+            </p:nvSpPr>
+            <p:spPr>
+              <a:xfrm>
+                <a:off x="6431705" y="2340833"/>
+                <a:ext cx="1127103" cy="830997"/>
+              </a:xfrm>
+              <a:prstGeom prst="rect">
+                <a:avLst/>
+              </a:prstGeom>
+              <a:blipFill>
+                <a:blip r:embed="rId3"/>
+                <a:stretch>
+                  <a:fillRect/>
+                </a:stretch>
+              </a:blipFill>
+            </p:spPr>
+            <p:txBody>
+              <a:bodyPr/>
+              <a:lstStyle/>
+              <a:p>
+                <a:r>
+                  <a:rPr lang="en-US">
+                    <a:noFill/>
+                  </a:rPr>
+                  <a:t> </a:t>
+                </a:r>
+              </a:p>
+            </p:txBody>
+          </p:sp>
+        </mc:Fallback>
+      </mc:AlternateContent>
+      <mc:AlternateContent xmlns:mc="http://schemas.openxmlformats.org/markup-compatibility/2006">
+        <mc:Choice xmlns:a14="http://schemas.microsoft.com/office/drawing/2010/main" Requires="a14">
+          <p:sp>
+            <p:nvSpPr>
+              <p:cNvPr id="20" name="Rectangle 19"/>
+              <p:cNvSpPr/>
+              <p:nvPr/>
+            </p:nvSpPr>
+            <p:spPr>
+              <a:xfrm>
+                <a:off x="16895707" y="2381991"/>
+                <a:ext cx="905889" cy="830997"/>
+              </a:xfrm>
+              <a:prstGeom prst="rect">
+                <a:avLst/>
+              </a:prstGeom>
+            </p:spPr>
+            <p:txBody>
+              <a:bodyPr wrap="none">
+                <a:spAutoFit/>
+              </a:bodyPr>
+              <a:lstStyle/>
+              <a:p>
+                <a:pPr/>
+                <a14:m>
+                  <m:oMathPara xmlns:m="http://schemas.openxmlformats.org/officeDocument/2006/math">
+                    <m:oMathParaPr>
+                      <m:jc m:val="centerGroup"/>
+                    </m:oMathParaPr>
+                    <m:oMath xmlns:m="http://schemas.openxmlformats.org/officeDocument/2006/math">
+                      <m:sSub>
+                        <m:sSubPr>
+                          <m:ctrlPr>
+                            <a:rPr lang="en-US" sz="4800" i="1" smtClean="0">
+                              <a:latin typeface="Cambria Math" panose="02040503050406030204" pitchFamily="18" charset="0"/>
+                            </a:rPr>
+                          </m:ctrlPr>
+                        </m:sSubPr>
+                        <m:e>
+                          <m:r>
+                            <m:rPr>
+                              <m:nor/>
+                            </m:rPr>
+                            <a:rPr lang="en-US" sz="4800" b="1">
+                              <a:latin typeface="Cambria Math" panose="02040503050406030204" pitchFamily="18" charset="0"/>
+                            </a:rPr>
+                            <m:t>z</m:t>
+                          </m:r>
+                        </m:e>
+                        <m:sub>
+                          <m:r>
+                            <a:rPr lang="en-US" sz="4800" b="1" i="1" smtClean="0">
+                              <a:latin typeface="Cambria Math" panose="02040503050406030204" pitchFamily="18" charset="0"/>
+                            </a:rPr>
+                            <m:t>𝑪</m:t>
+                          </m:r>
+                        </m:sub>
+                      </m:sSub>
+                    </m:oMath>
+                  </m:oMathPara>
+                </a14:m>
+                <a:endParaRPr lang="en-US" sz="4800" dirty="0"/>
+              </a:p>
+            </p:txBody>
+          </p:sp>
+        </mc:Choice>
+        <mc:Fallback>
+          <p:sp>
+            <p:nvSpPr>
+              <p:cNvPr id="20" name="Rectangle 19"/>
+              <p:cNvSpPr>
+                <a:spLocks noRot="1" noChangeAspect="1" noMove="1" noResize="1" noEditPoints="1" noAdjustHandles="1" noChangeArrowheads="1" noChangeShapeType="1" noTextEdit="1"/>
+              </p:cNvSpPr>
+              <p:nvPr/>
+            </p:nvSpPr>
+            <p:spPr>
+              <a:xfrm>
+                <a:off x="16895707" y="2381991"/>
+                <a:ext cx="905889" cy="830997"/>
+              </a:xfrm>
+              <a:prstGeom prst="rect">
+                <a:avLst/>
+              </a:prstGeom>
+              <a:blipFill>
+                <a:blip r:embed="rId4"/>
+                <a:stretch>
+                  <a:fillRect/>
+                </a:stretch>
+              </a:blipFill>
+            </p:spPr>
+            <p:txBody>
+              <a:bodyPr/>
+              <a:lstStyle/>
+              <a:p>
+                <a:r>
+                  <a:rPr lang="en-US">
+                    <a:noFill/>
+                  </a:rPr>
+                  <a:t> </a:t>
+                </a:r>
+              </a:p>
+            </p:txBody>
+          </p:sp>
+        </mc:Fallback>
+      </mc:AlternateContent>
+    </p:spTree>
+    <p:extLst>
+      <p:ext uri="{BB962C8B-B14F-4D97-AF65-F5344CB8AC3E}">
+        <p14:creationId xmlns:p14="http://schemas.microsoft.com/office/powerpoint/2010/main" val="3299532473"/>
+      </p:ext>
+    </p:extLst>
+  </p:cSld>
+  <p:clrMapOvr>
+    <a:masterClrMapping/>
+  </p:clrMapOvr>
+</p:sld>
+</file>
+
+<file path=ppt/slides/slide5.xml><?xml version="1.0" encoding="utf-8"?>
+<p:sld xmlns:a="http://schemas.openxmlformats.org/drawingml/2006/main" xmlns:r="http://schemas.openxmlformats.org/officeDocument/2006/relationships" xmlns:p="http://schemas.openxmlformats.org/presentationml/2006/main">
+  <p:cSld>
+    <p:spTree>
+      <p:nvGrpSpPr>
+        <p:cNvPr id="1" name=""/>
+        <p:cNvGrpSpPr/>
+        <p:nvPr/>
+      </p:nvGrpSpPr>
+      <p:grpSpPr>
+        <a:xfrm>
+          <a:off x="0" y="0"/>
+          <a:ext cx="0" cy="0"/>
+          <a:chOff x="0" y="0"/>
+          <a:chExt cx="0" cy="0"/>
+        </a:xfrm>
+      </p:grpSpPr>
+      <p:sp>
+        <p:nvSpPr>
+          <p:cNvPr id="9" name="Rounded Rectangle 8"/>
+          <p:cNvSpPr/>
+          <p:nvPr/>
+        </p:nvSpPr>
+        <p:spPr>
+          <a:xfrm>
+            <a:off x="10728610" y="3051247"/>
+            <a:ext cx="6526041" cy="8362166"/>
+          </a:xfrm>
+          <a:prstGeom prst="roundRect">
+            <a:avLst>
+              <a:gd name="adj" fmla="val 5412"/>
+            </a:avLst>
+          </a:prstGeom>
+          <a:solidFill>
+            <a:schemeClr val="tx2">
+              <a:lumMod val="20000"/>
+              <a:lumOff val="80000"/>
+            </a:schemeClr>
+          </a:solidFill>
+          <a:ln w="28575" cmpd="sng">
+            <a:solidFill>
+              <a:schemeClr val="tx1"/>
+            </a:solidFill>
+            <a:prstDash val="sysDot"/>
+          </a:ln>
+        </p:spPr>
+        <p:style>
+          <a:lnRef idx="2">
+            <a:schemeClr val="accent1">
+              <a:shade val="50000"/>
+            </a:schemeClr>
+          </a:lnRef>
+          <a:fillRef idx="1">
+            <a:schemeClr val="accent1"/>
+          </a:fillRef>
+          <a:effectRef idx="0">
+            <a:schemeClr val="accent1"/>
+          </a:effectRef>
+          <a:fontRef idx="minor">
+            <a:schemeClr val="lt1"/>
+          </a:fontRef>
+        </p:style>
+        <p:txBody>
+          <a:bodyPr rtlCol="0" anchor="ctr"/>
+          <a:lstStyle/>
+          <a:p>
+            <a:pPr algn="ctr"/>
+            <a:endParaRPr lang="en-US" sz="3590" dirty="0">
+              <a:solidFill>
+                <a:schemeClr val="tx1"/>
+              </a:solidFill>
+              <a:latin typeface="Helvetica" panose="020B0604020202020204" pitchFamily="34" charset="0"/>
+              <a:cs typeface="Helvetica" panose="020B0604020202020204" pitchFamily="34" charset="0"/>
+            </a:endParaRPr>
+          </a:p>
+        </p:txBody>
+      </p:sp>
+      <p:pic>
+        <p:nvPicPr>
+          <p:cNvPr id="10" name="Picture 9"/>
+          <p:cNvPicPr>
+            <a:picLocks noChangeAspect="1"/>
+          </p:cNvPicPr>
+          <p:nvPr/>
+        </p:nvPicPr>
+        <p:blipFill>
+          <a:blip r:embed="rId2"/>
+          <a:stretch>
+            <a:fillRect/>
+          </a:stretch>
+        </p:blipFill>
+        <p:spPr>
+          <a:xfrm>
+            <a:off x="8363309" y="3426745"/>
+            <a:ext cx="1054884" cy="3108816"/>
+          </a:xfrm>
+          <a:prstGeom prst="rect">
+            <a:avLst/>
+          </a:prstGeom>
+        </p:spPr>
+      </p:pic>
+      <p:pic>
+        <p:nvPicPr>
+          <p:cNvPr id="11" name="Picture 10"/>
+          <p:cNvPicPr>
+            <a:picLocks noChangeAspect="1"/>
+          </p:cNvPicPr>
+          <p:nvPr/>
+        </p:nvPicPr>
+        <p:blipFill>
+          <a:blip r:embed="rId3"/>
+          <a:stretch>
+            <a:fillRect/>
+          </a:stretch>
+        </p:blipFill>
+        <p:spPr>
+          <a:xfrm>
+            <a:off x="8358522" y="6535560"/>
+            <a:ext cx="1066465" cy="3344577"/>
+          </a:xfrm>
+          <a:prstGeom prst="rect">
+            <a:avLst/>
+          </a:prstGeom>
+        </p:spPr>
+      </p:pic>
+      <p:grpSp>
+        <p:nvGrpSpPr>
+          <p:cNvPr id="12" name="Group 11"/>
+          <p:cNvGrpSpPr/>
+          <p:nvPr/>
+        </p:nvGrpSpPr>
+        <p:grpSpPr>
+          <a:xfrm>
+            <a:off x="10939724" y="3454841"/>
+            <a:ext cx="1054834" cy="6183384"/>
+            <a:chOff x="7823594" y="1674626"/>
+            <a:chExt cx="528825" cy="3099944"/>
+          </a:xfrm>
+        </p:grpSpPr>
+        <p:pic>
+          <p:nvPicPr>
+            <p:cNvPr id="13" name="Picture 12"/>
+            <p:cNvPicPr>
+              <a:picLocks noChangeAspect="1"/>
+            </p:cNvPicPr>
+            <p:nvPr/>
+          </p:nvPicPr>
+          <p:blipFill>
+            <a:blip r:embed="rId4"/>
+            <a:stretch>
+              <a:fillRect/>
+            </a:stretch>
+          </p:blipFill>
+          <p:spPr>
+            <a:xfrm>
+              <a:off x="7823594" y="1674626"/>
+              <a:ext cx="528825" cy="1552353"/>
+            </a:xfrm>
+            <a:prstGeom prst="rect">
+              <a:avLst/>
+            </a:prstGeom>
+          </p:spPr>
+        </p:pic>
+        <p:pic>
+          <p:nvPicPr>
+            <p:cNvPr id="14" name="Picture 13"/>
+            <p:cNvPicPr>
+              <a:picLocks noChangeAspect="1"/>
+            </p:cNvPicPr>
+            <p:nvPr/>
+          </p:nvPicPr>
+          <p:blipFill>
+            <a:blip r:embed="rId4"/>
+            <a:stretch>
+              <a:fillRect/>
+            </a:stretch>
+          </p:blipFill>
+          <p:spPr>
+            <a:xfrm>
+              <a:off x="7823594" y="3222217"/>
+              <a:ext cx="528825" cy="1552353"/>
+            </a:xfrm>
+            <a:prstGeom prst="rect">
+              <a:avLst/>
+            </a:prstGeom>
+          </p:spPr>
+        </p:pic>
+      </p:grpSp>
+      <p:sp>
+        <p:nvSpPr>
+          <p:cNvPr id="17" name="Rounded Rectangle 16"/>
+          <p:cNvSpPr/>
+          <p:nvPr/>
+        </p:nvSpPr>
+        <p:spPr>
+          <a:xfrm>
+            <a:off x="13215560" y="3459590"/>
+            <a:ext cx="1042118" cy="6183384"/>
+          </a:xfrm>
+          <a:prstGeom prst="roundRect">
+            <a:avLst/>
+          </a:prstGeom>
+          <a:solidFill>
+            <a:schemeClr val="tx2">
+              <a:lumMod val="75000"/>
+            </a:schemeClr>
+          </a:solidFill>
+          <a:ln>
+            <a:noFill/>
+          </a:ln>
+        </p:spPr>
+        <p:style>
+          <a:lnRef idx="2">
+            <a:schemeClr val="accent1">
+              <a:shade val="50000"/>
+            </a:schemeClr>
+          </a:lnRef>
+          <a:fillRef idx="1">
+            <a:schemeClr val="accent1"/>
+          </a:fillRef>
+          <a:effectRef idx="0">
+            <a:schemeClr val="accent1"/>
+          </a:effectRef>
+          <a:fontRef idx="minor">
+            <a:schemeClr val="lt1"/>
+          </a:fontRef>
+        </p:style>
+        <p:txBody>
+          <a:bodyPr rtlCol="0" anchor="ctr"/>
+          <a:lstStyle/>
+          <a:p>
+            <a:pPr algn="ctr"/>
+            <a:endParaRPr lang="en-US" sz="3989" b="1" dirty="0"/>
+          </a:p>
+        </p:txBody>
+      </p:sp>
+      <p:sp>
+        <p:nvSpPr>
+          <p:cNvPr id="20" name="Rounded Rectangle 19"/>
+          <p:cNvSpPr/>
+          <p:nvPr/>
+        </p:nvSpPr>
+        <p:spPr>
+          <a:xfrm>
+            <a:off x="15475494" y="5654342"/>
+            <a:ext cx="1042118" cy="1741025"/>
+          </a:xfrm>
+          <a:prstGeom prst="roundRect">
+            <a:avLst/>
+          </a:prstGeom>
+          <a:solidFill>
+            <a:schemeClr val="tx2">
+              <a:lumMod val="75000"/>
+            </a:schemeClr>
+          </a:solidFill>
+          <a:ln>
+            <a:noFill/>
+          </a:ln>
+        </p:spPr>
+        <p:style>
+          <a:lnRef idx="2">
+            <a:schemeClr val="accent1">
+              <a:shade val="50000"/>
+            </a:schemeClr>
+          </a:lnRef>
+          <a:fillRef idx="1">
+            <a:schemeClr val="accent1"/>
+          </a:fillRef>
+          <a:effectRef idx="0">
+            <a:schemeClr val="accent1"/>
+          </a:effectRef>
+          <a:fontRef idx="minor">
+            <a:schemeClr val="lt1"/>
+          </a:fontRef>
+        </p:style>
+        <p:txBody>
+          <a:bodyPr rtlCol="0" anchor="ctr"/>
+          <a:lstStyle/>
+          <a:p>
+            <a:pPr algn="ctr"/>
+            <a:endParaRPr lang="en-US" sz="3590" dirty="0"/>
+          </a:p>
+        </p:txBody>
+      </p:sp>
+      <mc:AlternateContent xmlns:mc="http://schemas.openxmlformats.org/markup-compatibility/2006">
+        <mc:Choice xmlns:a14="http://schemas.microsoft.com/office/drawing/2010/main" Requires="a14">
+          <p:sp>
+            <p:nvSpPr>
+              <p:cNvPr id="23" name="TextBox 22"/>
+              <p:cNvSpPr txBox="1"/>
+              <p:nvPr/>
+            </p:nvSpPr>
+            <p:spPr>
+              <a:xfrm>
+                <a:off x="10961931" y="9388336"/>
+                <a:ext cx="1010415" cy="829010"/>
+              </a:xfrm>
+              <a:prstGeom prst="rect">
+                <a:avLst/>
+              </a:prstGeom>
+              <a:noFill/>
+            </p:spPr>
+            <p:txBody>
+              <a:bodyPr wrap="square" rtlCol="0">
+                <a:spAutoFit/>
+              </a:bodyPr>
+              <a:lstStyle/>
+              <a:p>
+                <a:pPr/>
+                <a14:m>
+                  <m:oMathPara xmlns:m="http://schemas.openxmlformats.org/officeDocument/2006/math">
+                    <m:oMathParaPr>
+                      <m:jc m:val="centerGroup"/>
+                    </m:oMathParaPr>
+                    <m:oMath xmlns:m="http://schemas.openxmlformats.org/officeDocument/2006/math">
+                      <m:r>
+                        <m:rPr>
+                          <m:nor/>
+                        </m:rPr>
+                        <a:rPr lang="en-US" sz="4787" b="1">
+                          <a:latin typeface="Cambria Math" panose="02040503050406030204" pitchFamily="18" charset="0"/>
+                        </a:rPr>
+                        <m:t>e</m:t>
+                      </m:r>
+                    </m:oMath>
+                  </m:oMathPara>
+                </a14:m>
+                <a:endParaRPr lang="en-US" sz="4787" b="1" dirty="0"/>
+              </a:p>
+            </p:txBody>
+          </p:sp>
+        </mc:Choice>
+        <mc:Fallback>
+          <p:sp>
+            <p:nvSpPr>
+              <p:cNvPr id="23" name="TextBox 22"/>
+              <p:cNvSpPr txBox="1">
+                <a:spLocks noRot="1" noChangeAspect="1" noMove="1" noResize="1" noEditPoints="1" noAdjustHandles="1" noChangeArrowheads="1" noChangeShapeType="1" noTextEdit="1"/>
+              </p:cNvSpPr>
+              <p:nvPr/>
+            </p:nvSpPr>
+            <p:spPr>
+              <a:xfrm>
+                <a:off x="10961931" y="9388336"/>
+                <a:ext cx="1010415" cy="829010"/>
+              </a:xfrm>
+              <a:prstGeom prst="rect">
+                <a:avLst/>
+              </a:prstGeom>
+              <a:blipFill>
+                <a:blip r:embed="rId5"/>
+                <a:stretch>
+                  <a:fillRect/>
+                </a:stretch>
+              </a:blipFill>
+            </p:spPr>
+            <p:txBody>
+              <a:bodyPr/>
+              <a:lstStyle/>
+              <a:p>
+                <a:r>
+                  <a:rPr lang="en-US">
+                    <a:noFill/>
+                  </a:rPr>
+                  <a:t> </a:t>
+                </a:r>
+              </a:p>
+            </p:txBody>
+          </p:sp>
+        </mc:Fallback>
+      </mc:AlternateContent>
+      <p:sp>
+        <p:nvSpPr>
+          <p:cNvPr id="25" name="TextBox 24"/>
+          <p:cNvSpPr txBox="1"/>
+          <p:nvPr/>
+        </p:nvSpPr>
+        <p:spPr>
+          <a:xfrm>
+            <a:off x="14409171" y="7274847"/>
+            <a:ext cx="3218990" cy="614142"/>
+          </a:xfrm>
+          <a:prstGeom prst="rect">
+            <a:avLst/>
+          </a:prstGeom>
+          <a:noFill/>
+        </p:spPr>
+        <p:txBody>
+          <a:bodyPr wrap="square" rtlCol="0">
+            <a:spAutoFit/>
+          </a:bodyPr>
+          <a:lstStyle/>
+          <a:p>
+            <a:pPr algn="ctr"/>
+            <a:r>
+              <a:rPr lang="en-US" sz="3391" dirty="0">
+                <a:latin typeface="Helvetica" panose="020B0604020202020204" pitchFamily="34" charset="0"/>
+                <a:cs typeface="Helvetica" panose="020B0604020202020204" pitchFamily="34" charset="0"/>
+              </a:rPr>
+              <a:t>output layer</a:t>
+            </a:r>
+            <a:endParaRPr lang="en-US" sz="3391" dirty="0">
+              <a:latin typeface="Helvetica" panose="020B0604020202020204" pitchFamily="34" charset="0"/>
+              <a:cs typeface="Helvetica" panose="020B0604020202020204" pitchFamily="34" charset="0"/>
+            </a:endParaRPr>
+          </a:p>
+        </p:txBody>
+      </p:sp>
+      <p:sp>
+        <p:nvSpPr>
+          <p:cNvPr id="26" name="Rectangle 25"/>
+          <p:cNvSpPr/>
+          <p:nvPr/>
+        </p:nvSpPr>
+        <p:spPr>
+          <a:xfrm>
+            <a:off x="10802701" y="10553932"/>
+            <a:ext cx="6000361" cy="767582"/>
+          </a:xfrm>
+          <a:prstGeom prst="rect">
+            <a:avLst/>
+          </a:prstGeom>
+        </p:spPr>
+        <p:txBody>
+          <a:bodyPr wrap="none">
+            <a:spAutoFit/>
+          </a:bodyPr>
+          <a:lstStyle/>
+          <a:p>
+            <a:pPr algn="ctr"/>
+            <a:r>
+              <a:rPr lang="en-US" sz="4388" b="1" dirty="0">
+                <a:latin typeface="Helvetica" panose="020B0604020202020204" pitchFamily="34" charset="0"/>
+                <a:cs typeface="Helvetica" panose="020B0604020202020204" pitchFamily="34" charset="0"/>
+              </a:rPr>
+              <a:t>Classification module</a:t>
+            </a:r>
+            <a:endParaRPr lang="en-US" sz="4388" b="1" dirty="0">
+              <a:latin typeface="Helvetica" panose="020B0604020202020204" pitchFamily="34" charset="0"/>
+              <a:cs typeface="Helvetica" panose="020B0604020202020204" pitchFamily="34" charset="0"/>
+            </a:endParaRPr>
+          </a:p>
+        </p:txBody>
+      </p:sp>
+      <p:sp>
+        <p:nvSpPr>
+          <p:cNvPr id="28" name="Right Arrow 27"/>
+          <p:cNvSpPr/>
+          <p:nvPr/>
+        </p:nvSpPr>
+        <p:spPr>
+          <a:xfrm>
+            <a:off x="9658507" y="4757226"/>
+            <a:ext cx="914832" cy="911966"/>
+          </a:xfrm>
+          <a:prstGeom prst="rightArrow">
+            <a:avLst/>
+          </a:prstGeom>
+          <a:solidFill>
+            <a:srgbClr val="A5A5A5"/>
+          </a:solidFill>
+          <a:ln w="12700" cap="flat" cmpd="sng" algn="ctr">
+            <a:noFill/>
+            <a:prstDash val="solid"/>
+            <a:miter lim="800000"/>
+          </a:ln>
+          <a:effectLst/>
+        </p:spPr>
+        <p:txBody>
+          <a:bodyPr rtlCol="0" anchor="ctr"/>
+          <a:lstStyle/>
+          <a:p>
+            <a:pPr algn="ctr" defTabSz="1823224">
+              <a:defRPr/>
+            </a:pPr>
+            <a:endParaRPr lang="en-US" sz="3586" kern="0">
+              <a:solidFill>
+                <a:prstClr val="white"/>
+              </a:solidFill>
+              <a:latin typeface="Calibri" panose="020F0502020204030204"/>
+            </a:endParaRPr>
+          </a:p>
+        </p:txBody>
+      </p:sp>
+      <p:sp>
+        <p:nvSpPr>
+          <p:cNvPr id="29" name="Right Arrow 28"/>
+          <p:cNvSpPr/>
+          <p:nvPr/>
+        </p:nvSpPr>
+        <p:spPr>
+          <a:xfrm>
+            <a:off x="9622461" y="7797464"/>
+            <a:ext cx="914832" cy="911966"/>
+          </a:xfrm>
+          <a:prstGeom prst="rightArrow">
+            <a:avLst/>
+          </a:prstGeom>
+          <a:solidFill>
+            <a:srgbClr val="A5A5A5"/>
+          </a:solidFill>
+          <a:ln w="12700" cap="flat" cmpd="sng" algn="ctr">
+            <a:noFill/>
+            <a:prstDash val="solid"/>
+            <a:miter lim="800000"/>
+          </a:ln>
+          <a:effectLst/>
+        </p:spPr>
+        <p:txBody>
+          <a:bodyPr rtlCol="0" anchor="ctr"/>
+          <a:lstStyle/>
+          <a:p>
+            <a:pPr algn="ctr" defTabSz="1823224">
+              <a:defRPr/>
+            </a:pPr>
+            <a:endParaRPr lang="en-US" sz="3586" kern="0">
+              <a:solidFill>
+                <a:prstClr val="white"/>
+              </a:solidFill>
+              <a:latin typeface="Calibri" panose="020F0502020204030204"/>
+            </a:endParaRPr>
+          </a:p>
+        </p:txBody>
+      </p:sp>
+      <p:sp>
+        <p:nvSpPr>
+          <p:cNvPr id="30" name="Right Arrow 29"/>
+          <p:cNvSpPr/>
+          <p:nvPr/>
+        </p:nvSpPr>
+        <p:spPr>
+          <a:xfrm>
+            <a:off x="12149237" y="6104028"/>
+            <a:ext cx="914832" cy="911966"/>
+          </a:xfrm>
+          <a:prstGeom prst="rightArrow">
+            <a:avLst/>
+          </a:prstGeom>
+          <a:solidFill>
+            <a:srgbClr val="A5A5A5"/>
+          </a:solidFill>
+          <a:ln w="12700" cap="flat" cmpd="sng" algn="ctr">
+            <a:noFill/>
+            <a:prstDash val="solid"/>
+            <a:miter lim="800000"/>
+          </a:ln>
+          <a:effectLst/>
+        </p:spPr>
+        <p:txBody>
+          <a:bodyPr rtlCol="0" anchor="ctr"/>
+          <a:lstStyle/>
+          <a:p>
+            <a:pPr algn="ctr" defTabSz="1823224">
+              <a:defRPr/>
+            </a:pPr>
+            <a:endParaRPr lang="en-US" sz="3586" kern="0">
+              <a:solidFill>
+                <a:prstClr val="white"/>
+              </a:solidFill>
+              <a:latin typeface="Calibri" panose="020F0502020204030204"/>
+            </a:endParaRPr>
+          </a:p>
+        </p:txBody>
+      </p:sp>
+      <p:sp>
+        <p:nvSpPr>
+          <p:cNvPr id="31" name="Right Arrow 30"/>
+          <p:cNvSpPr/>
+          <p:nvPr/>
+        </p:nvSpPr>
+        <p:spPr>
+          <a:xfrm>
+            <a:off x="14409171" y="6160062"/>
+            <a:ext cx="914832" cy="911966"/>
+          </a:xfrm>
+          <a:prstGeom prst="rightArrow">
+            <a:avLst/>
+          </a:prstGeom>
+          <a:solidFill>
+            <a:srgbClr val="A5A5A5"/>
+          </a:solidFill>
+          <a:ln w="12700" cap="flat" cmpd="sng" algn="ctr">
+            <a:noFill/>
+            <a:prstDash val="solid"/>
+            <a:miter lim="800000"/>
+          </a:ln>
+          <a:effectLst/>
+        </p:spPr>
+        <p:txBody>
+          <a:bodyPr rtlCol="0" anchor="ctr"/>
+          <a:lstStyle/>
+          <a:p>
+            <a:pPr algn="ctr" defTabSz="1823224">
+              <a:defRPr/>
+            </a:pPr>
+            <a:endParaRPr lang="en-US" sz="3586" kern="0">
+              <a:solidFill>
+                <a:prstClr val="white"/>
+              </a:solidFill>
+              <a:latin typeface="Calibri" panose="020F0502020204030204"/>
+            </a:endParaRPr>
+          </a:p>
+        </p:txBody>
+      </p:sp>
+      <p:sp>
+        <p:nvSpPr>
+          <p:cNvPr id="24" name="TextBox 23"/>
+          <p:cNvSpPr txBox="1"/>
+          <p:nvPr/>
+        </p:nvSpPr>
+        <p:spPr>
+          <a:xfrm>
+            <a:off x="11815923" y="9497936"/>
+            <a:ext cx="4032820" cy="1657762"/>
+          </a:xfrm>
+          <a:prstGeom prst="rect">
+            <a:avLst/>
+          </a:prstGeom>
+          <a:noFill/>
+        </p:spPr>
+        <p:txBody>
+          <a:bodyPr wrap="square" rtlCol="0">
+            <a:spAutoFit/>
+          </a:bodyPr>
+          <a:lstStyle/>
+          <a:p>
+            <a:pPr algn="ctr"/>
+            <a:r>
+              <a:rPr lang="en-US" sz="3391" dirty="0">
+                <a:latin typeface="Helvetica" panose="020B0604020202020204" pitchFamily="34" charset="0"/>
+                <a:cs typeface="Helvetica" panose="020B0604020202020204" pitchFamily="34" charset="0"/>
+              </a:rPr>
+              <a:t>a fully-connected layer</a:t>
+            </a:r>
+            <a:endParaRPr lang="en-US" sz="3391" b="1" dirty="0"/>
+          </a:p>
+          <a:p>
+            <a:pPr algn="ctr"/>
+            <a:endParaRPr lang="en-US" sz="3391" b="1" dirty="0"/>
+          </a:p>
+        </p:txBody>
+      </p:sp>
+      <p:sp>
+        <p:nvSpPr>
+          <p:cNvPr id="4" name="Rectangle 3"/>
+          <p:cNvSpPr/>
+          <p:nvPr/>
+        </p:nvSpPr>
+        <p:spPr>
+          <a:xfrm>
+            <a:off x="13234719" y="6115302"/>
+            <a:ext cx="1003800" cy="829010"/>
+          </a:xfrm>
+          <a:prstGeom prst="rect">
+            <a:avLst/>
+          </a:prstGeom>
+        </p:spPr>
+        <p:txBody>
+          <a:bodyPr wrap="none">
+            <a:spAutoFit/>
+          </a:bodyPr>
+          <a:lstStyle/>
+          <a:p>
+            <a:pPr algn="ctr"/>
+            <a:r>
+              <a:rPr lang="en-US" sz="4787" b="1" dirty="0">
+                <a:solidFill>
+                  <a:schemeClr val="bg1"/>
+                </a:solidFill>
+                <a:latin typeface="Helvetica" panose="020B0604020202020204" pitchFamily="34" charset="0"/>
+                <a:cs typeface="Helvetica" panose="020B0604020202020204" pitchFamily="34" charset="0"/>
+              </a:rPr>
+              <a:t>FC</a:t>
+            </a:r>
+          </a:p>
+        </p:txBody>
+      </p:sp>
+      <mc:AlternateContent xmlns:mc="http://schemas.openxmlformats.org/markup-compatibility/2006">
+        <mc:Choice xmlns:a14="http://schemas.microsoft.com/office/drawing/2010/main" Requires="a14">
+          <p:sp>
+            <p:nvSpPr>
+              <p:cNvPr id="27" name="Rectangle 26"/>
+              <p:cNvSpPr/>
+              <p:nvPr/>
+            </p:nvSpPr>
+            <p:spPr>
+              <a:xfrm>
+                <a:off x="8325035" y="2595747"/>
+                <a:ext cx="1127103" cy="830997"/>
+              </a:xfrm>
+              <a:prstGeom prst="rect">
+                <a:avLst/>
+              </a:prstGeom>
+            </p:spPr>
+            <p:txBody>
+              <a:bodyPr wrap="none">
+                <a:spAutoFit/>
+              </a:bodyPr>
+              <a:lstStyle/>
+              <a:p>
+                <a:pPr/>
+                <a14:m>
+                  <m:oMathPara xmlns:m="http://schemas.openxmlformats.org/officeDocument/2006/math">
+                    <m:oMathParaPr>
+                      <m:jc m:val="centerGroup"/>
+                    </m:oMathParaPr>
+                    <m:oMath xmlns:m="http://schemas.openxmlformats.org/officeDocument/2006/math">
+                      <m:sSub>
+                        <m:sSubPr>
+                          <m:ctrlPr>
+                            <a:rPr lang="en-US" sz="4800" i="1" smtClean="0">
+                              <a:latin typeface="Cambria Math" panose="02040503050406030204" pitchFamily="18" charset="0"/>
+                            </a:rPr>
+                          </m:ctrlPr>
+                        </m:sSubPr>
+                        <m:e>
+                          <m:r>
+                            <m:rPr>
+                              <m:nor/>
+                            </m:rPr>
+                            <a:rPr lang="en-US" sz="4800" b="1">
+                              <a:latin typeface="Cambria Math" panose="02040503050406030204" pitchFamily="18" charset="0"/>
+                            </a:rPr>
+                            <m:t>z</m:t>
+                          </m:r>
+                        </m:e>
+                        <m:sub>
+                          <m:r>
+                            <m:rPr>
+                              <m:nor/>
+                            </m:rPr>
+                            <a:rPr lang="en-US" sz="4800" b="1" i="0" smtClean="0">
+                              <a:latin typeface="Cambria Math" panose="02040503050406030204" pitchFamily="18" charset="0"/>
+                            </a:rPr>
+                            <m:t>m</m:t>
+                          </m:r>
+                        </m:sub>
+                      </m:sSub>
+                    </m:oMath>
+                  </m:oMathPara>
+                </a14:m>
+                <a:endParaRPr lang="en-US" sz="4800" dirty="0"/>
+              </a:p>
+            </p:txBody>
+          </p:sp>
+        </mc:Choice>
+        <mc:Fallback>
+          <p:sp>
+            <p:nvSpPr>
+              <p:cNvPr id="27" name="Rectangle 26"/>
+              <p:cNvSpPr>
+                <a:spLocks noRot="1" noChangeAspect="1" noMove="1" noResize="1" noEditPoints="1" noAdjustHandles="1" noChangeArrowheads="1" noChangeShapeType="1" noTextEdit="1"/>
+              </p:cNvSpPr>
+              <p:nvPr/>
+            </p:nvSpPr>
+            <p:spPr>
+              <a:xfrm>
+                <a:off x="8325035" y="2595747"/>
+                <a:ext cx="1127103" cy="830997"/>
+              </a:xfrm>
+              <a:prstGeom prst="rect">
+                <a:avLst/>
+              </a:prstGeom>
+              <a:blipFill>
+                <a:blip r:embed="rId6"/>
+                <a:stretch>
+                  <a:fillRect/>
+                </a:stretch>
+              </a:blipFill>
+            </p:spPr>
+            <p:txBody>
+              <a:bodyPr/>
+              <a:lstStyle/>
+              <a:p>
+                <a:r>
+                  <a:rPr lang="en-US">
+                    <a:noFill/>
+                  </a:rPr>
+                  <a:t> </a:t>
+                </a:r>
+              </a:p>
+            </p:txBody>
+          </p:sp>
+        </mc:Fallback>
+      </mc:AlternateContent>
+      <mc:AlternateContent xmlns:mc="http://schemas.openxmlformats.org/markup-compatibility/2006">
+        <mc:Choice xmlns:a14="http://schemas.microsoft.com/office/drawing/2010/main" Requires="a14">
+          <p:sp>
+            <p:nvSpPr>
+              <p:cNvPr id="33" name="Rectangle 32"/>
+              <p:cNvSpPr/>
+              <p:nvPr/>
+            </p:nvSpPr>
+            <p:spPr>
+              <a:xfrm>
+                <a:off x="8453736" y="9722935"/>
+                <a:ext cx="905889" cy="830997"/>
+              </a:xfrm>
+              <a:prstGeom prst="rect">
+                <a:avLst/>
+              </a:prstGeom>
+            </p:spPr>
+            <p:txBody>
+              <a:bodyPr wrap="none">
+                <a:spAutoFit/>
+              </a:bodyPr>
+              <a:lstStyle/>
+              <a:p>
+                <a:pPr/>
+                <a14:m>
+                  <m:oMathPara xmlns:m="http://schemas.openxmlformats.org/officeDocument/2006/math">
+                    <m:oMathParaPr>
+                      <m:jc m:val="centerGroup"/>
+                    </m:oMathParaPr>
+                    <m:oMath xmlns:m="http://schemas.openxmlformats.org/officeDocument/2006/math">
+                      <m:sSub>
+                        <m:sSubPr>
+                          <m:ctrlPr>
+                            <a:rPr lang="en-US" sz="4800" i="1" smtClean="0">
+                              <a:latin typeface="Cambria Math" panose="02040503050406030204" pitchFamily="18" charset="0"/>
+                            </a:rPr>
+                          </m:ctrlPr>
+                        </m:sSubPr>
+                        <m:e>
+                          <m:r>
+                            <m:rPr>
+                              <m:nor/>
+                            </m:rPr>
+                            <a:rPr lang="en-US" sz="4800" b="1">
+                              <a:latin typeface="Cambria Math" panose="02040503050406030204" pitchFamily="18" charset="0"/>
+                            </a:rPr>
+                            <m:t>z</m:t>
+                          </m:r>
+                        </m:e>
+                        <m:sub>
+                          <m:r>
+                            <a:rPr lang="en-US" sz="4800" b="1" i="1" smtClean="0">
+                              <a:latin typeface="Cambria Math" panose="02040503050406030204" pitchFamily="18" charset="0"/>
+                            </a:rPr>
+                            <m:t>𝑪</m:t>
+                          </m:r>
+                        </m:sub>
+                      </m:sSub>
+                    </m:oMath>
+                  </m:oMathPara>
+                </a14:m>
+                <a:endParaRPr lang="en-US" sz="4800" dirty="0"/>
+              </a:p>
+            </p:txBody>
+          </p:sp>
+        </mc:Choice>
+        <mc:Fallback>
+          <p:sp>
+            <p:nvSpPr>
+              <p:cNvPr id="33" name="Rectangle 32"/>
+              <p:cNvSpPr>
+                <a:spLocks noRot="1" noChangeAspect="1" noMove="1" noResize="1" noEditPoints="1" noAdjustHandles="1" noChangeArrowheads="1" noChangeShapeType="1" noTextEdit="1"/>
+              </p:cNvSpPr>
+              <p:nvPr/>
+            </p:nvSpPr>
+            <p:spPr>
+              <a:xfrm>
+                <a:off x="8453736" y="9722935"/>
+                <a:ext cx="905889" cy="830997"/>
+              </a:xfrm>
+              <a:prstGeom prst="rect">
+                <a:avLst/>
+              </a:prstGeom>
+              <a:blipFill>
+                <a:blip r:embed="rId7"/>
+                <a:stretch>
+                  <a:fillRect/>
+                </a:stretch>
+              </a:blipFill>
+            </p:spPr>
+            <p:txBody>
+              <a:bodyPr/>
+              <a:lstStyle/>
+              <a:p>
+                <a:r>
+                  <a:rPr lang="en-US">
+                    <a:noFill/>
+                  </a:rPr>
+                  <a:t> </a:t>
+                </a:r>
+              </a:p>
+            </p:txBody>
+          </p:sp>
+        </mc:Fallback>
+      </mc:AlternateContent>
+    </p:spTree>
+    <p:extLst>
+      <p:ext uri="{BB962C8B-B14F-4D97-AF65-F5344CB8AC3E}">
+        <p14:creationId xmlns:p14="http://schemas.microsoft.com/office/powerpoint/2010/main" val="888266738"/>
+      </p:ext>
+    </p:extLst>
+  </p:cSld>
+  <p:clrMapOvr>
+    <a:masterClrMapping/>
+  </p:clrMapOvr>
+</p:sld>
+</file>
+
+<file path=ppt/slides/slide6.xml><?xml version="1.0" encoding="utf-8"?>
+<p:sld xmlns:a="http://schemas.openxmlformats.org/drawingml/2006/main" xmlns:r="http://schemas.openxmlformats.org/officeDocument/2006/relationships" xmlns:p="http://schemas.openxmlformats.org/presentationml/2006/main">
+  <p:cSld>
+    <p:spTree>
+      <p:nvGrpSpPr>
+        <p:cNvPr id="1" name=""/>
+        <p:cNvGrpSpPr/>
+        <p:nvPr/>
+      </p:nvGrpSpPr>
+      <p:grpSpPr>
+        <a:xfrm>
+          <a:off x="0" y="0"/>
+          <a:ext cx="0" cy="0"/>
+          <a:chOff x="0" y="0"/>
+          <a:chExt cx="0" cy="0"/>
+        </a:xfrm>
+      </p:grpSpPr>
+      <p:graphicFrame>
+        <p:nvGraphicFramePr>
           <p:cNvPr id="5" name="Table 4"/>
           <p:cNvGraphicFramePr>
             <a:graphicFrameLocks noGrp="1"/>
@@ -9656,7 +15143,7 @@
           </p:nvPr>
         </p:nvGraphicFramePr>
         <p:xfrm>
-          <a:off x="6925269" y="4765585"/>
+          <a:off x="11425038" y="4765585"/>
           <a:ext cx="1800000" cy="2933648"/>
         </p:xfrm>
         <a:graphic>
@@ -11089,7 +16576,7 @@
           </p:nvPr>
         </p:nvGraphicFramePr>
         <p:xfrm>
-          <a:off x="9623037" y="4765585"/>
+          <a:off x="14122806" y="4765585"/>
           <a:ext cx="365760" cy="2933648"/>
         </p:xfrm>
         <a:graphic>
@@ -11564,7 +17051,7 @@
           </p:nvPr>
         </p:nvGraphicFramePr>
         <p:xfrm>
-          <a:off x="9463721" y="4980837"/>
+          <a:off x="13963490" y="4980837"/>
           <a:ext cx="365760" cy="2566942"/>
         </p:xfrm>
         <a:graphic>
@@ -11993,7 +17480,7 @@
         </p:nvSpPr>
         <p:spPr>
           <a:xfrm>
-            <a:off x="8721016" y="7692438"/>
+            <a:off x="13220785" y="7692438"/>
             <a:ext cx="2945322" cy="923330"/>
           </a:xfrm>
           <a:prstGeom prst="rect">
@@ -12043,7 +17530,7 @@
         </p:nvSpPr>
         <p:spPr>
           <a:xfrm>
-            <a:off x="9822670" y="5459632"/>
+            <a:off x="14322440" y="5459633"/>
             <a:ext cx="1851237" cy="584775"/>
           </a:xfrm>
           <a:prstGeom prst="rect">
@@ -12069,8 +17556,8 @@
           </a:p>
         </p:txBody>
       </p:sp>
-      <mc:AlternateContent xmlns:mc="http://schemas.openxmlformats.org/markup-compatibility/2006">
-        <mc:Choice xmlns:a14="http://schemas.microsoft.com/office/drawing/2010/main" Requires="a14">
+      <mc:AlternateContent xmlns:mc="http://schemas.openxmlformats.org/markup-compatibility/2006" xmlns:a14="http://schemas.microsoft.com/office/drawing/2010/main">
+        <mc:Choice Requires="a14">
           <p:sp>
             <p:nvSpPr>
               <p:cNvPr id="11" name="TextBox 10"/>
@@ -12079,7 +17566,7 @@
             </p:nvSpPr>
             <p:spPr>
               <a:xfrm>
-                <a:off x="6482903" y="7701874"/>
+                <a:off x="10982672" y="7701874"/>
                 <a:ext cx="2625142" cy="696344"/>
               </a:xfrm>
               <a:prstGeom prst="rect">
@@ -12229,7 +17716,7 @@
             </p:txBody>
           </p:sp>
         </mc:Choice>
-        <mc:Fallback>
+        <mc:Fallback xmlns="">
           <p:sp>
             <p:nvSpPr>
               <p:cNvPr id="11" name="TextBox 10"/>
@@ -12240,7 +17727,7 @@
             </p:nvSpPr>
             <p:spPr>
               <a:xfrm>
-                <a:off x="6482903" y="7701874"/>
+                <a:off x="10982672" y="7701874"/>
                 <a:ext cx="2625142" cy="696344"/>
               </a:xfrm>
               <a:prstGeom prst="rect">
@@ -12276,7 +17763,7 @@
         </p:nvSpPr>
         <p:spPr>
           <a:xfrm>
-            <a:off x="5867368" y="4757593"/>
+            <a:off x="10367138" y="4757593"/>
             <a:ext cx="1168681" cy="369332"/>
           </a:xfrm>
           <a:prstGeom prst="rect">
@@ -12297,9 +17784,6 @@
               </a:rPr>
               <a:t>improve</a:t>
             </a:r>
-            <a:endParaRPr lang="en-US" dirty="0">
-              <a:latin typeface="Century" panose="02040604050505020304" pitchFamily="18" charset="0"/>
-            </a:endParaRPr>
           </a:p>
         </p:txBody>
       </p:sp>
@@ -12311,7 +17795,7 @@
         </p:nvSpPr>
         <p:spPr>
           <a:xfrm>
-            <a:off x="5448872" y="5129860"/>
+            <a:off x="9948642" y="5129860"/>
             <a:ext cx="1587177" cy="369332"/>
           </a:xfrm>
           <a:prstGeom prst="rect">
@@ -12332,9 +17816,6 @@
               </a:rPr>
               <a:t>packer-filter</a:t>
             </a:r>
-            <a:endParaRPr lang="en-US" dirty="0">
-              <a:latin typeface="Century" panose="02040604050505020304" pitchFamily="18" charset="0"/>
-            </a:endParaRPr>
           </a:p>
         </p:txBody>
       </p:sp>
@@ -12346,7 +17827,7 @@
         </p:nvSpPr>
         <p:spPr>
           <a:xfrm>
-            <a:off x="6145932" y="5495582"/>
+            <a:off x="10645701" y="5495582"/>
             <a:ext cx="1012122" cy="369332"/>
           </a:xfrm>
           <a:prstGeom prst="rect">
@@ -12367,9 +17848,6 @@
               </a:rPr>
               <a:t>test </a:t>
             </a:r>
-            <a:endParaRPr lang="en-US" dirty="0">
-              <a:latin typeface="Century" panose="02040604050505020304" pitchFamily="18" charset="0"/>
-            </a:endParaRPr>
           </a:p>
         </p:txBody>
       </p:sp>
@@ -12381,7 +17859,7 @@
         </p:nvSpPr>
         <p:spPr>
           <a:xfrm>
-            <a:off x="5862681" y="5865675"/>
+            <a:off x="10362450" y="5865675"/>
             <a:ext cx="1227408" cy="369332"/>
           </a:xfrm>
           <a:prstGeom prst="rect">
@@ -12401,9 +17879,6 @@
               </a:rPr>
               <a:t>coverage </a:t>
             </a:r>
-            <a:endParaRPr lang="en-US" dirty="0">
-              <a:latin typeface="Century" panose="02040604050505020304" pitchFamily="18" charset="0"/>
-            </a:endParaRPr>
           </a:p>
         </p:txBody>
       </p:sp>
@@ -12415,7 +17890,7 @@
         </p:nvSpPr>
         <p:spPr>
           <a:xfrm>
-            <a:off x="6900154" y="5475288"/>
+            <a:off x="11399924" y="5475289"/>
             <a:ext cx="1850231" cy="1138239"/>
           </a:xfrm>
           <a:prstGeom prst="rect">
@@ -12461,7 +17936,7 @@
         </p:nvSpPr>
         <p:spPr>
           <a:xfrm>
-            <a:off x="6885471" y="6927800"/>
+            <a:off x="11385241" y="6927801"/>
             <a:ext cx="1850231" cy="773623"/>
           </a:xfrm>
           <a:prstGeom prst="rect">
@@ -12507,7 +17982,7 @@
         </p:nvCxnSpPr>
         <p:spPr>
           <a:xfrm flipV="1">
-            <a:off x="8750386" y="7375870"/>
+            <a:off x="13250155" y="7375870"/>
             <a:ext cx="923770" cy="327582"/>
           </a:xfrm>
           <a:prstGeom prst="line">
@@ -12546,7 +18021,7 @@
         </p:nvSpPr>
         <p:spPr>
           <a:xfrm>
-            <a:off x="10097388" y="5975058"/>
+            <a:off x="14597157" y="5975058"/>
             <a:ext cx="1359758" cy="507138"/>
           </a:xfrm>
           <a:prstGeom prst="rightArrow">
@@ -12599,7 +18074,7 @@
           </p:nvPr>
         </p:nvGraphicFramePr>
         <p:xfrm>
-          <a:off x="11527883" y="5659942"/>
+          <a:off x="16027652" y="5659942"/>
           <a:ext cx="365760" cy="1100118"/>
         </p:xfrm>
         <a:graphic>
@@ -12838,7 +18313,7 @@
         </p:nvSpPr>
         <p:spPr>
           <a:xfrm>
-            <a:off x="10885224" y="6751449"/>
+            <a:off x="15384993" y="6751450"/>
             <a:ext cx="1651078" cy="646331"/>
           </a:xfrm>
           <a:prstGeom prst="rect">
@@ -12872,7 +18347,7 @@
         </p:nvGrpSpPr>
         <p:grpSpPr>
           <a:xfrm>
-            <a:off x="6065557" y="5993022"/>
+            <a:off x="10565326" y="5993022"/>
             <a:ext cx="679450" cy="1869554"/>
             <a:chOff x="3247196" y="6102646"/>
             <a:chExt cx="679450" cy="1869554"/>
@@ -13109,7 +18584,7 @@
         </p:nvCxnSpPr>
         <p:spPr>
           <a:xfrm>
-            <a:off x="8747466" y="6952367"/>
+            <a:off x="13247235" y="6952368"/>
             <a:ext cx="926690" cy="423505"/>
           </a:xfrm>
           <a:prstGeom prst="line">
@@ -13155,7 +18630,7 @@
           </p:nvPr>
         </p:nvGraphicFramePr>
         <p:xfrm>
-          <a:off x="9308396" y="5131346"/>
+          <a:off x="13808165" y="5131346"/>
           <a:ext cx="365760" cy="2200236"/>
         </p:xfrm>
         <a:graphic>
@@ -13538,7 +19013,7 @@
         </p:nvCxnSpPr>
         <p:spPr>
           <a:xfrm>
-            <a:off x="8747467" y="5495990"/>
+            <a:off x="13247237" y="5495990"/>
             <a:ext cx="749013" cy="606656"/>
           </a:xfrm>
           <a:prstGeom prst="line">
@@ -13577,7 +19052,7 @@
         </p:nvCxnSpPr>
         <p:spPr>
           <a:xfrm flipV="1">
-            <a:off x="8735701" y="6102646"/>
+            <a:off x="13235470" y="6102646"/>
             <a:ext cx="760778" cy="510882"/>
           </a:xfrm>
           <a:prstGeom prst="line">
@@ -13621,7 +19096,7 @@
 </p:sld>
 </file>
 
-<file path=ppt/slides/slide5.xml><?xml version="1.0" encoding="utf-8"?>
+<file path=ppt/slides/slide7.xml><?xml version="1.0" encoding="utf-8"?>
 <p:sld xmlns:a="http://schemas.openxmlformats.org/drawingml/2006/main" xmlns:r="http://schemas.openxmlformats.org/officeDocument/2006/relationships" xmlns:p="http://schemas.openxmlformats.org/presentationml/2006/main">
   <p:cSld>
     <p:spTree>
@@ -13649,7 +19124,7 @@
           </p:nvPr>
         </p:nvGraphicFramePr>
         <p:xfrm>
-          <a:off x="9096969" y="4956085"/>
+          <a:off x="13596738" y="4956085"/>
           <a:ext cx="1800000" cy="2933648"/>
         </p:xfrm>
         <a:graphic>
@@ -15086,7 +20561,7 @@
           </p:nvPr>
         </p:nvGraphicFramePr>
         <p:xfrm>
-          <a:off x="11794737" y="4956085"/>
+          <a:off x="16294506" y="4956085"/>
           <a:ext cx="365760" cy="2933648"/>
         </p:xfrm>
         <a:graphic>
@@ -15557,7 +21032,7 @@
           </p:nvPr>
         </p:nvGraphicFramePr>
         <p:xfrm>
-          <a:off x="11635421" y="5171337"/>
+          <a:off x="16135190" y="5171337"/>
           <a:ext cx="365760" cy="2566942"/>
         </p:xfrm>
         <a:graphic>
@@ -15989,7 +21464,7 @@
           </p:nvPr>
         </p:nvGraphicFramePr>
         <p:xfrm>
-          <a:off x="11480096" y="5321846"/>
+          <a:off x="15979865" y="5321846"/>
           <a:ext cx="365760" cy="2200236"/>
         </p:xfrm>
         <a:graphic>
@@ -16372,7 +21847,7 @@
         </p:nvSpPr>
         <p:spPr>
           <a:xfrm>
-            <a:off x="10892716" y="7882938"/>
+            <a:off x="15392485" y="7882938"/>
             <a:ext cx="2945322" cy="923330"/>
           </a:xfrm>
           <a:prstGeom prst="rect">
@@ -16422,7 +21897,7 @@
         </p:nvSpPr>
         <p:spPr>
           <a:xfrm>
-            <a:off x="11938542" y="5617445"/>
+            <a:off x="16438312" y="5617446"/>
             <a:ext cx="1851237" cy="584775"/>
           </a:xfrm>
           <a:prstGeom prst="rect">
@@ -16448,8 +21923,8 @@
           </a:p>
         </p:txBody>
       </p:sp>
-      <mc:AlternateContent xmlns:mc="http://schemas.openxmlformats.org/markup-compatibility/2006">
-        <mc:Choice xmlns:a14="http://schemas.microsoft.com/office/drawing/2010/main" Requires="a14">
+      <mc:AlternateContent xmlns:mc="http://schemas.openxmlformats.org/markup-compatibility/2006" xmlns:a14="http://schemas.microsoft.com/office/drawing/2010/main">
+        <mc:Choice Requires="a14">
           <p:sp>
             <p:nvSpPr>
               <p:cNvPr id="11" name="TextBox 10"/>
@@ -16458,7 +21933,7 @@
             </p:nvSpPr>
             <p:spPr>
               <a:xfrm>
-                <a:off x="8654603" y="7892374"/>
+                <a:off x="13154372" y="7892374"/>
                 <a:ext cx="2625142" cy="696344"/>
               </a:xfrm>
               <a:prstGeom prst="rect">
@@ -16608,7 +22083,7 @@
             </p:txBody>
           </p:sp>
         </mc:Choice>
-        <mc:Fallback>
+        <mc:Fallback xmlns="">
           <p:sp>
             <p:nvSpPr>
               <p:cNvPr id="11" name="TextBox 10"/>
@@ -16619,7 +22094,7 @@
             </p:nvSpPr>
             <p:spPr>
               <a:xfrm>
-                <a:off x="8654603" y="7892374"/>
+                <a:off x="13154372" y="7892374"/>
                 <a:ext cx="2625142" cy="696344"/>
               </a:xfrm>
               <a:prstGeom prst="rect">
@@ -16655,7 +22130,7 @@
         </p:nvSpPr>
         <p:spPr>
           <a:xfrm>
-            <a:off x="8192869" y="4954600"/>
+            <a:off x="12692638" y="4954600"/>
             <a:ext cx="1012122" cy="369332"/>
           </a:xfrm>
           <a:prstGeom prst="rect">
@@ -16686,7 +22161,7 @@
         </p:nvSpPr>
         <p:spPr>
           <a:xfrm>
-            <a:off x="8195626" y="5343262"/>
+            <a:off x="12695395" y="5343262"/>
             <a:ext cx="1012122" cy="369332"/>
           </a:xfrm>
           <a:prstGeom prst="rect">
@@ -16717,7 +22192,7 @@
         </p:nvSpPr>
         <p:spPr>
           <a:xfrm>
-            <a:off x="8203698" y="5686490"/>
+            <a:off x="12703467" y="5686490"/>
             <a:ext cx="1012122" cy="369332"/>
           </a:xfrm>
           <a:prstGeom prst="rect">
@@ -16754,7 +22229,7 @@
         </p:nvSpPr>
         <p:spPr>
           <a:xfrm>
-            <a:off x="8254353" y="6050241"/>
+            <a:off x="12754122" y="6050241"/>
             <a:ext cx="1012122" cy="369332"/>
           </a:xfrm>
           <a:prstGeom prst="rect">
@@ -16785,7 +22260,7 @@
         </p:nvSpPr>
         <p:spPr>
           <a:xfrm>
-            <a:off x="9074299" y="4936639"/>
+            <a:off x="13574069" y="4936640"/>
             <a:ext cx="1850231" cy="1138239"/>
           </a:xfrm>
           <a:prstGeom prst="rect">
@@ -16831,7 +22306,7 @@
         </p:nvCxnSpPr>
         <p:spPr>
           <a:xfrm>
-            <a:off x="10919641" y="4956086"/>
+            <a:off x="15419410" y="4956086"/>
             <a:ext cx="748538" cy="550554"/>
           </a:xfrm>
           <a:prstGeom prst="line">
@@ -16870,7 +22345,7 @@
         </p:nvCxnSpPr>
         <p:spPr>
           <a:xfrm flipV="1">
-            <a:off x="10922088" y="5506640"/>
+            <a:off x="15421858" y="5506640"/>
             <a:ext cx="746093" cy="566332"/>
           </a:xfrm>
           <a:prstGeom prst="line">
@@ -16909,7 +22384,7 @@
         </p:nvSpPr>
         <p:spPr>
           <a:xfrm>
-            <a:off x="9071857" y="7129771"/>
+            <a:off x="13571627" y="7129772"/>
             <a:ext cx="1850231" cy="773623"/>
           </a:xfrm>
           <a:prstGeom prst="rect">
@@ -16955,7 +22430,7 @@
         </p:nvCxnSpPr>
         <p:spPr>
           <a:xfrm flipV="1">
-            <a:off x="10922086" y="7566370"/>
+            <a:off x="15421855" y="7566370"/>
             <a:ext cx="923770" cy="327582"/>
           </a:xfrm>
           <a:prstGeom prst="line">
@@ -16994,7 +22469,7 @@
         </p:nvSpPr>
         <p:spPr>
           <a:xfrm>
-            <a:off x="12269088" y="6165558"/>
+            <a:off x="16768857" y="6165558"/>
             <a:ext cx="1225192" cy="507138"/>
           </a:xfrm>
           <a:prstGeom prst="rightArrow">
@@ -17043,7 +22518,7 @@
           </p:nvPr>
         </p:nvGraphicFramePr>
         <p:xfrm>
-          <a:off x="13567820" y="5864734"/>
+          <a:off x="18067589" y="5864734"/>
           <a:ext cx="365760" cy="1100118"/>
         </p:xfrm>
         <a:graphic>
@@ -17282,7 +22757,7 @@
         </p:nvSpPr>
         <p:spPr>
           <a:xfrm>
-            <a:off x="12925161" y="6933071"/>
+            <a:off x="17424930" y="6933072"/>
             <a:ext cx="1651078" cy="646331"/>
           </a:xfrm>
           <a:prstGeom prst="rect">
@@ -17319,7 +22794,7 @@
           </p:nvPr>
         </p:nvGraphicFramePr>
         <p:xfrm>
-          <a:off x="6249521" y="4955374"/>
+          <a:off x="10749290" y="4955374"/>
           <a:ext cx="1800000" cy="2966752"/>
         </p:xfrm>
         <a:graphic>
@@ -18787,7 +24262,7 @@
         </p:nvSpPr>
         <p:spPr>
           <a:xfrm>
-            <a:off x="5396446" y="5281699"/>
+            <a:off x="9896215" y="5281699"/>
             <a:ext cx="1012122" cy="369332"/>
           </a:xfrm>
           <a:prstGeom prst="rect">
@@ -18818,7 +24293,7 @@
         </p:nvSpPr>
         <p:spPr>
           <a:xfrm>
-            <a:off x="5394835" y="6017552"/>
+            <a:off x="9894604" y="6017552"/>
             <a:ext cx="1012122" cy="369332"/>
           </a:xfrm>
           <a:prstGeom prst="rect">
@@ -18849,7 +24324,7 @@
         </p:nvSpPr>
         <p:spPr>
           <a:xfrm>
-            <a:off x="5464455" y="7531390"/>
+            <a:off x="9964224" y="7531390"/>
             <a:ext cx="1012122" cy="369332"/>
           </a:xfrm>
           <a:prstGeom prst="rect">
@@ -18880,7 +24355,7 @@
         </p:nvGrpSpPr>
         <p:grpSpPr>
           <a:xfrm>
-            <a:off x="8478802" y="6293147"/>
+            <a:off x="12978571" y="6293148"/>
             <a:ext cx="679450" cy="963237"/>
             <a:chOff x="4229100" y="4327535"/>
             <a:chExt cx="679450" cy="963237"/>
@@ -18991,7 +24466,7 @@
         </p:nvGrpSpPr>
         <p:grpSpPr>
           <a:xfrm>
-            <a:off x="8478802" y="6767936"/>
+            <a:off x="12978571" y="6767937"/>
             <a:ext cx="679450" cy="963237"/>
             <a:chOff x="4229100" y="4327535"/>
             <a:chExt cx="679450" cy="963237"/>
@@ -19102,7 +24577,7 @@
         </p:nvGrpSpPr>
         <p:grpSpPr>
           <a:xfrm>
-            <a:off x="5750478" y="5461645"/>
+            <a:off x="10250247" y="5461646"/>
             <a:ext cx="679450" cy="963237"/>
             <a:chOff x="4229100" y="4327535"/>
             <a:chExt cx="679450" cy="963237"/>
@@ -19213,7 +24688,7 @@
         </p:nvGrpSpPr>
         <p:grpSpPr>
           <a:xfrm>
-            <a:off x="5750477" y="6292998"/>
+            <a:off x="10250247" y="6292998"/>
             <a:ext cx="679453" cy="1427578"/>
             <a:chOff x="1951429" y="2750280"/>
             <a:chExt cx="679453" cy="1427578"/>
@@ -19450,7 +24925,7 @@
         </p:nvCxnSpPr>
         <p:spPr>
           <a:xfrm flipV="1">
-            <a:off x="8049521" y="4956086"/>
+            <a:off x="12549290" y="4956086"/>
             <a:ext cx="1047444" cy="373528"/>
           </a:xfrm>
           <a:prstGeom prst="line">
@@ -19489,7 +24964,7 @@
         </p:nvCxnSpPr>
         <p:spPr>
           <a:xfrm flipV="1">
-            <a:off x="8045274" y="5329616"/>
+            <a:off x="12545044" y="5329617"/>
             <a:ext cx="1051693" cy="365735"/>
           </a:xfrm>
           <a:prstGeom prst="line">
@@ -19528,7 +25003,7 @@
         </p:nvCxnSpPr>
         <p:spPr>
           <a:xfrm flipV="1">
-            <a:off x="8045274" y="5329616"/>
+            <a:off x="12545044" y="5329617"/>
             <a:ext cx="1058909" cy="748801"/>
           </a:xfrm>
           <a:prstGeom prst="line">
@@ -19569,7 +25044,7 @@
         </p:nvCxnSpPr>
         <p:spPr>
           <a:xfrm flipV="1">
-            <a:off x="8049521" y="5695351"/>
+            <a:off x="12549290" y="5695352"/>
             <a:ext cx="1060004" cy="743401"/>
           </a:xfrm>
           <a:prstGeom prst="line">
@@ -19608,7 +25083,7 @@
         </p:nvCxnSpPr>
         <p:spPr>
           <a:xfrm flipV="1">
-            <a:off x="8045274" y="6043253"/>
+            <a:off x="12545044" y="6043253"/>
             <a:ext cx="1058909" cy="1515976"/>
           </a:xfrm>
           <a:prstGeom prst="line">
@@ -19647,7 +25122,7 @@
         </p:nvCxnSpPr>
         <p:spPr>
           <a:xfrm flipV="1">
-            <a:off x="8045274" y="6424881"/>
+            <a:off x="12545044" y="6424881"/>
             <a:ext cx="1051693" cy="1494620"/>
           </a:xfrm>
           <a:prstGeom prst="line">
@@ -19686,7 +25161,7 @@
         </p:nvCxnSpPr>
         <p:spPr>
           <a:xfrm>
-            <a:off x="8049521" y="6820377"/>
+            <a:off x="12549290" y="6820377"/>
             <a:ext cx="1047448" cy="703328"/>
           </a:xfrm>
           <a:prstGeom prst="line">
@@ -19725,7 +25200,7 @@
         </p:nvCxnSpPr>
         <p:spPr>
           <a:xfrm>
-            <a:off x="8064804" y="7189048"/>
+            <a:off x="12564574" y="7189049"/>
             <a:ext cx="1039379" cy="700687"/>
           </a:xfrm>
           <a:prstGeom prst="line">
@@ -19756,8 +25231,8 @@
           </a:fontRef>
         </p:style>
       </p:cxnSp>
-      <mc:AlternateContent xmlns:mc="http://schemas.openxmlformats.org/markup-compatibility/2006">
-        <mc:Choice xmlns:a14="http://schemas.microsoft.com/office/drawing/2010/main" Requires="a14">
+      <mc:AlternateContent xmlns:mc="http://schemas.openxmlformats.org/markup-compatibility/2006" xmlns:a14="http://schemas.microsoft.com/office/drawing/2010/main">
+        <mc:Choice Requires="a14">
           <p:sp>
             <p:nvSpPr>
               <p:cNvPr id="118" name="TextBox 117"/>
@@ -19766,7 +25241,7 @@
             </p:nvSpPr>
             <p:spPr>
               <a:xfrm>
-                <a:off x="5915657" y="7892815"/>
+                <a:off x="10415427" y="7892815"/>
                 <a:ext cx="2636309" cy="696344"/>
               </a:xfrm>
               <a:prstGeom prst="rect">
@@ -19956,7 +25431,7 @@
             </p:txBody>
           </p:sp>
         </mc:Choice>
-        <mc:Fallback>
+        <mc:Fallback xmlns="">
           <p:sp>
             <p:nvSpPr>
               <p:cNvPr id="118" name="TextBox 117"/>
@@ -19967,7 +25442,7 @@
             </p:nvSpPr>
             <p:spPr>
               <a:xfrm>
-                <a:off x="5915657" y="7892815"/>
+                <a:off x="10415427" y="7892815"/>
                 <a:ext cx="2636309" cy="696344"/>
               </a:xfrm>
               <a:prstGeom prst="rect">
@@ -19976,7 +25451,7 @@
               <a:blipFill>
                 <a:blip r:embed="rId3"/>
                 <a:stretch>
-                  <a:fillRect l="-693" t="-5263" r="-2540"/>
+                  <a:fillRect l="-926" t="-5263" r="-2546"/>
                 </a:stretch>
               </a:blipFill>
             </p:spPr>
@@ -20003,7 +25478,7 @@
         </p:nvCxnSpPr>
         <p:spPr>
           <a:xfrm>
-            <a:off x="10919166" y="7142867"/>
+            <a:off x="15418935" y="7142868"/>
             <a:ext cx="926690" cy="423505"/>
           </a:xfrm>
           <a:prstGeom prst="line">
@@ -20034,8 +25509,8 @@
           </a:fontRef>
         </p:style>
       </p:cxnSp>
-      <mc:AlternateContent xmlns:mc="http://schemas.openxmlformats.org/markup-compatibility/2006">
-        <mc:Choice xmlns:a14="http://schemas.microsoft.com/office/drawing/2010/main" Requires="a14">
+      <mc:AlternateContent xmlns:mc="http://schemas.openxmlformats.org/markup-compatibility/2006" xmlns:a14="http://schemas.microsoft.com/office/drawing/2010/main">
+        <mc:Choice Requires="a14">
           <p:sp>
             <p:nvSpPr>
               <p:cNvPr id="56" name="TextBox 55"/>
@@ -20044,7 +25519,7 @@
             </p:nvSpPr>
             <p:spPr>
               <a:xfrm>
-                <a:off x="13466583" y="5366990"/>
+                <a:off x="17966352" y="5366991"/>
                 <a:ext cx="506556" cy="461665"/>
               </a:xfrm>
               <a:prstGeom prst="rect">
@@ -20116,7 +25591,7 @@
             </p:txBody>
           </p:sp>
         </mc:Choice>
-        <mc:Fallback>
+        <mc:Fallback xmlns="">
           <p:sp>
             <p:nvSpPr>
               <p:cNvPr id="56" name="TextBox 55"/>
@@ -20127,7 +25602,7 @@
             </p:nvSpPr>
             <p:spPr>
               <a:xfrm>
-                <a:off x="13466583" y="5366990"/>
+                <a:off x="17966352" y="5366991"/>
                 <a:ext cx="506556" cy="461665"/>
               </a:xfrm>
               <a:prstGeom prst="rect">

--- a/figs/figures.pptx
+++ b/figs/figures.pptx
@@ -12,6 +12,7 @@
     <p:sldId id="263" r:id="rId6"/>
     <p:sldId id="259" r:id="rId7"/>
     <p:sldId id="258" r:id="rId8"/>
+    <p:sldId id="264" r:id="rId9"/>
   </p:sldIdLst>
   <p:sldSz cx="27311350" cy="13679488"/>
   <p:notesSz cx="6858000" cy="9144000"/>
@@ -249,7 +250,7 @@
           <a:p>
             <a:fld id="{9323A0C5-6B5E-4B9A-9575-FF0D04DA84EC}" type="datetimeFigureOut">
               <a:rPr lang="en-US" smtClean="0"/>
-              <a:t>1/20/2019</a:t>
+              <a:t>1/22/2019</a:t>
             </a:fld>
             <a:endParaRPr lang="en-US"/>
           </a:p>
@@ -419,7 +420,7 @@
           <a:p>
             <a:fld id="{9323A0C5-6B5E-4B9A-9575-FF0D04DA84EC}" type="datetimeFigureOut">
               <a:rPr lang="en-US" smtClean="0"/>
-              <a:t>1/20/2019</a:t>
+              <a:t>1/22/2019</a:t>
             </a:fld>
             <a:endParaRPr lang="en-US"/>
           </a:p>
@@ -599,7 +600,7 @@
           <a:p>
             <a:fld id="{9323A0C5-6B5E-4B9A-9575-FF0D04DA84EC}" type="datetimeFigureOut">
               <a:rPr lang="en-US" smtClean="0"/>
-              <a:t>1/20/2019</a:t>
+              <a:t>1/22/2019</a:t>
             </a:fld>
             <a:endParaRPr lang="en-US"/>
           </a:p>
@@ -769,7 +770,7 @@
           <a:p>
             <a:fld id="{9323A0C5-6B5E-4B9A-9575-FF0D04DA84EC}" type="datetimeFigureOut">
               <a:rPr lang="en-US" smtClean="0"/>
-              <a:t>1/20/2019</a:t>
+              <a:t>1/22/2019</a:t>
             </a:fld>
             <a:endParaRPr lang="en-US"/>
           </a:p>
@@ -1015,7 +1016,7 @@
           <a:p>
             <a:fld id="{9323A0C5-6B5E-4B9A-9575-FF0D04DA84EC}" type="datetimeFigureOut">
               <a:rPr lang="en-US" smtClean="0"/>
-              <a:t>1/20/2019</a:t>
+              <a:t>1/22/2019</a:t>
             </a:fld>
             <a:endParaRPr lang="en-US"/>
           </a:p>
@@ -1247,7 +1248,7 @@
           <a:p>
             <a:fld id="{9323A0C5-6B5E-4B9A-9575-FF0D04DA84EC}" type="datetimeFigureOut">
               <a:rPr lang="en-US" smtClean="0"/>
-              <a:t>1/20/2019</a:t>
+              <a:t>1/22/2019</a:t>
             </a:fld>
             <a:endParaRPr lang="en-US"/>
           </a:p>
@@ -1614,7 +1615,7 @@
           <a:p>
             <a:fld id="{9323A0C5-6B5E-4B9A-9575-FF0D04DA84EC}" type="datetimeFigureOut">
               <a:rPr lang="en-US" smtClean="0"/>
-              <a:t>1/20/2019</a:t>
+              <a:t>1/22/2019</a:t>
             </a:fld>
             <a:endParaRPr lang="en-US"/>
           </a:p>
@@ -1732,7 +1733,7 @@
           <a:p>
             <a:fld id="{9323A0C5-6B5E-4B9A-9575-FF0D04DA84EC}" type="datetimeFigureOut">
               <a:rPr lang="en-US" smtClean="0"/>
-              <a:t>1/20/2019</a:t>
+              <a:t>1/22/2019</a:t>
             </a:fld>
             <a:endParaRPr lang="en-US"/>
           </a:p>
@@ -1827,7 +1828,7 @@
           <a:p>
             <a:fld id="{9323A0C5-6B5E-4B9A-9575-FF0D04DA84EC}" type="datetimeFigureOut">
               <a:rPr lang="en-US" smtClean="0"/>
-              <a:t>1/20/2019</a:t>
+              <a:t>1/22/2019</a:t>
             </a:fld>
             <a:endParaRPr lang="en-US"/>
           </a:p>
@@ -2104,7 +2105,7 @@
           <a:p>
             <a:fld id="{9323A0C5-6B5E-4B9A-9575-FF0D04DA84EC}" type="datetimeFigureOut">
               <a:rPr lang="en-US" smtClean="0"/>
-              <a:t>1/20/2019</a:t>
+              <a:t>1/22/2019</a:t>
             </a:fld>
             <a:endParaRPr lang="en-US"/>
           </a:p>
@@ -2361,7 +2362,7 @@
           <a:p>
             <a:fld id="{9323A0C5-6B5E-4B9A-9575-FF0D04DA84EC}" type="datetimeFigureOut">
               <a:rPr lang="en-US" smtClean="0"/>
-              <a:t>1/20/2019</a:t>
+              <a:t>1/22/2019</a:t>
             </a:fld>
             <a:endParaRPr lang="en-US"/>
           </a:p>
@@ -2574,7 +2575,7 @@
           <a:p>
             <a:fld id="{9323A0C5-6B5E-4B9A-9575-FF0D04DA84EC}" type="datetimeFigureOut">
               <a:rPr lang="en-US" smtClean="0"/>
-              <a:t>1/20/2019</a:t>
+              <a:t>1/22/2019</a:t>
             </a:fld>
             <a:endParaRPr lang="en-US"/>
           </a:p>
@@ -11909,752 +11910,6 @@
           <a:chExt cx="0" cy="0"/>
         </a:xfrm>
       </p:grpSpPr>
-      <p:graphicFrame>
-        <p:nvGraphicFramePr>
-          <p:cNvPr id="4" name="Table 3"/>
-          <p:cNvGraphicFramePr>
-            <a:graphicFrameLocks noGrp="1"/>
-          </p:cNvGraphicFramePr>
-          <p:nvPr>
-            <p:extLst>
-              <p:ext uri="{D42A27DB-BD31-4B8C-83A1-F6EECF244321}">
-                <p14:modId xmlns:p14="http://schemas.microsoft.com/office/powerpoint/2010/main" val="1340393499"/>
-              </p:ext>
-            </p:extLst>
-          </p:nvPr>
-        </p:nvGraphicFramePr>
-        <p:xfrm>
-          <a:off x="1889971" y="3249595"/>
-          <a:ext cx="10080000" cy="638556"/>
-        </p:xfrm>
-        <a:graphic>
-          <a:graphicData uri="http://schemas.openxmlformats.org/drawingml/2006/table">
-            <a:tbl>
-              <a:tblPr firstRow="1" bandRow="1">
-                <a:tableStyleId>{5940675A-B579-460E-94D1-54222C63F5DA}</a:tableStyleId>
-              </a:tblPr>
-              <a:tblGrid>
-                <a:gridCol w="1260000">
-                  <a:extLst>
-                    <a:ext uri="{9D8B030D-6E8A-4147-A177-3AD203B41FA5}">
-                      <a16:colId xmlns:a16="http://schemas.microsoft.com/office/drawing/2014/main" val="3220101158"/>
-                    </a:ext>
-                  </a:extLst>
-                </a:gridCol>
-                <a:gridCol w="1260000">
-                  <a:extLst>
-                    <a:ext uri="{9D8B030D-6E8A-4147-A177-3AD203B41FA5}">
-                      <a16:colId xmlns:a16="http://schemas.microsoft.com/office/drawing/2014/main" val="2509955964"/>
-                    </a:ext>
-                  </a:extLst>
-                </a:gridCol>
-                <a:gridCol w="1260000">
-                  <a:extLst>
-                    <a:ext uri="{9D8B030D-6E8A-4147-A177-3AD203B41FA5}">
-                      <a16:colId xmlns:a16="http://schemas.microsoft.com/office/drawing/2014/main" val="4106719055"/>
-                    </a:ext>
-                  </a:extLst>
-                </a:gridCol>
-                <a:gridCol w="1260000">
-                  <a:extLst>
-                    <a:ext uri="{9D8B030D-6E8A-4147-A177-3AD203B41FA5}">
-                      <a16:colId xmlns:a16="http://schemas.microsoft.com/office/drawing/2014/main" val="2495566464"/>
-                    </a:ext>
-                  </a:extLst>
-                </a:gridCol>
-                <a:gridCol w="1260000">
-                  <a:extLst>
-                    <a:ext uri="{9D8B030D-6E8A-4147-A177-3AD203B41FA5}">
-                      <a16:colId xmlns:a16="http://schemas.microsoft.com/office/drawing/2014/main" val="3779250370"/>
-                    </a:ext>
-                  </a:extLst>
-                </a:gridCol>
-                <a:gridCol w="1260000">
-                  <a:extLst>
-                    <a:ext uri="{9D8B030D-6E8A-4147-A177-3AD203B41FA5}">
-                      <a16:colId xmlns:a16="http://schemas.microsoft.com/office/drawing/2014/main" val="3166512729"/>
-                    </a:ext>
-                  </a:extLst>
-                </a:gridCol>
-                <a:gridCol w="1260000">
-                  <a:extLst>
-                    <a:ext uri="{9D8B030D-6E8A-4147-A177-3AD203B41FA5}">
-                      <a16:colId xmlns:a16="http://schemas.microsoft.com/office/drawing/2014/main" val="1342564807"/>
-                    </a:ext>
-                  </a:extLst>
-                </a:gridCol>
-                <a:gridCol w="1260000">
-                  <a:extLst>
-                    <a:ext uri="{9D8B030D-6E8A-4147-A177-3AD203B41FA5}">
-                      <a16:colId xmlns:a16="http://schemas.microsoft.com/office/drawing/2014/main" val="662634334"/>
-                    </a:ext>
-                  </a:extLst>
-                </a:gridCol>
-              </a:tblGrid>
-              <a:tr h="540000">
-                <a:tc>
-                  <a:txBody>
-                    <a:bodyPr/>
-                    <a:lstStyle/>
-                    <a:p>
-                      <a:endParaRPr lang="en-US" dirty="0"/>
-                    </a:p>
-                  </a:txBody>
-                  <a:tcPr>
-                    <a:lnL w="12700" cap="flat" cmpd="sng" algn="ctr">
-                      <a:solidFill>
-                        <a:schemeClr val="tx1"/>
-                      </a:solidFill>
-                      <a:prstDash val="solid"/>
-                      <a:round/>
-                      <a:headEnd type="none" w="med" len="med"/>
-                      <a:tailEnd type="none" w="med" len="med"/>
-                    </a:lnL>
-                    <a:lnR w="12700" cap="flat" cmpd="sng" algn="ctr">
-                      <a:solidFill>
-                        <a:schemeClr val="tx1"/>
-                      </a:solidFill>
-                      <a:prstDash val="solid"/>
-                      <a:round/>
-                      <a:headEnd type="none" w="med" len="med"/>
-                      <a:tailEnd type="none" w="med" len="med"/>
-                    </a:lnR>
-                    <a:lnT w="12700" cap="flat" cmpd="sng" algn="ctr">
-                      <a:solidFill>
-                        <a:schemeClr val="tx1"/>
-                      </a:solidFill>
-                      <a:prstDash val="solid"/>
-                      <a:round/>
-                      <a:headEnd type="none" w="med" len="med"/>
-                      <a:tailEnd type="none" w="med" len="med"/>
-                    </a:lnT>
-                    <a:lnB w="12700" cap="flat" cmpd="sng" algn="ctr">
-                      <a:solidFill>
-                        <a:schemeClr val="tx1"/>
-                      </a:solidFill>
-                      <a:prstDash val="solid"/>
-                      <a:round/>
-                      <a:headEnd type="none" w="med" len="med"/>
-                      <a:tailEnd type="none" w="med" len="med"/>
-                    </a:lnB>
-                    <a:solidFill>
-                      <a:schemeClr val="accent6">
-                        <a:lumMod val="20000"/>
-                        <a:lumOff val="80000"/>
-                      </a:schemeClr>
-                    </a:solidFill>
-                  </a:tcPr>
-                </a:tc>
-                <a:tc>
-                  <a:txBody>
-                    <a:bodyPr/>
-                    <a:lstStyle/>
-                    <a:p>
-                      <a:endParaRPr lang="en-US" dirty="0"/>
-                    </a:p>
-                  </a:txBody>
-                  <a:tcPr>
-                    <a:lnL w="12700" cap="flat" cmpd="sng" algn="ctr">
-                      <a:solidFill>
-                        <a:schemeClr val="tx1"/>
-                      </a:solidFill>
-                      <a:prstDash val="solid"/>
-                      <a:round/>
-                      <a:headEnd type="none" w="med" len="med"/>
-                      <a:tailEnd type="none" w="med" len="med"/>
-                    </a:lnL>
-                    <a:lnR w="12700" cap="flat" cmpd="sng" algn="ctr">
-                      <a:solidFill>
-                        <a:schemeClr val="tx1"/>
-                      </a:solidFill>
-                      <a:prstDash val="solid"/>
-                      <a:round/>
-                      <a:headEnd type="none" w="med" len="med"/>
-                      <a:tailEnd type="none" w="med" len="med"/>
-                    </a:lnR>
-                    <a:lnT w="12700" cap="flat" cmpd="sng" algn="ctr">
-                      <a:solidFill>
-                        <a:schemeClr val="tx1"/>
-                      </a:solidFill>
-                      <a:prstDash val="solid"/>
-                      <a:round/>
-                      <a:headEnd type="none" w="med" len="med"/>
-                      <a:tailEnd type="none" w="med" len="med"/>
-                    </a:lnT>
-                    <a:lnB w="12700" cap="flat" cmpd="sng" algn="ctr">
-                      <a:solidFill>
-                        <a:schemeClr val="tx1"/>
-                      </a:solidFill>
-                      <a:prstDash val="solid"/>
-                      <a:round/>
-                      <a:headEnd type="none" w="med" len="med"/>
-                      <a:tailEnd type="none" w="med" len="med"/>
-                    </a:lnB>
-                    <a:solidFill>
-                      <a:schemeClr val="accent6">
-                        <a:lumMod val="20000"/>
-                        <a:lumOff val="80000"/>
-                      </a:schemeClr>
-                    </a:solidFill>
-                  </a:tcPr>
-                </a:tc>
-                <a:tc>
-                  <a:txBody>
-                    <a:bodyPr/>
-                    <a:lstStyle/>
-                    <a:p>
-                      <a:endParaRPr lang="en-US" dirty="0"/>
-                    </a:p>
-                  </a:txBody>
-                  <a:tcPr>
-                    <a:lnL w="12700" cap="flat" cmpd="sng" algn="ctr">
-                      <a:solidFill>
-                        <a:schemeClr val="tx1"/>
-                      </a:solidFill>
-                      <a:prstDash val="solid"/>
-                      <a:round/>
-                      <a:headEnd type="none" w="med" len="med"/>
-                      <a:tailEnd type="none" w="med" len="med"/>
-                    </a:lnL>
-                    <a:lnR w="12700" cap="flat" cmpd="sng" algn="ctr">
-                      <a:solidFill>
-                        <a:schemeClr val="tx1"/>
-                      </a:solidFill>
-                      <a:prstDash val="solid"/>
-                      <a:round/>
-                      <a:headEnd type="none" w="med" len="med"/>
-                      <a:tailEnd type="none" w="med" len="med"/>
-                    </a:lnR>
-                    <a:lnT w="12700" cap="flat" cmpd="sng" algn="ctr">
-                      <a:solidFill>
-                        <a:schemeClr val="tx1"/>
-                      </a:solidFill>
-                      <a:prstDash val="solid"/>
-                      <a:round/>
-                      <a:headEnd type="none" w="med" len="med"/>
-                      <a:tailEnd type="none" w="med" len="med"/>
-                    </a:lnT>
-                    <a:lnB w="12700" cap="flat" cmpd="sng" algn="ctr">
-                      <a:solidFill>
-                        <a:schemeClr val="tx1"/>
-                      </a:solidFill>
-                      <a:prstDash val="solid"/>
-                      <a:round/>
-                      <a:headEnd type="none" w="med" len="med"/>
-                      <a:tailEnd type="none" w="med" len="med"/>
-                    </a:lnB>
-                    <a:solidFill>
-                      <a:schemeClr val="accent6">
-                        <a:lumMod val="20000"/>
-                        <a:lumOff val="80000"/>
-                      </a:schemeClr>
-                    </a:solidFill>
-                  </a:tcPr>
-                </a:tc>
-                <a:tc>
-                  <a:txBody>
-                    <a:bodyPr/>
-                    <a:lstStyle/>
-                    <a:p>
-                      <a:endParaRPr lang="en-US" dirty="0"/>
-                    </a:p>
-                  </a:txBody>
-                  <a:tcPr>
-                    <a:lnL w="12700" cap="flat" cmpd="sng" algn="ctr">
-                      <a:solidFill>
-                        <a:schemeClr val="tx1"/>
-                      </a:solidFill>
-                      <a:prstDash val="solid"/>
-                      <a:round/>
-                      <a:headEnd type="none" w="med" len="med"/>
-                      <a:tailEnd type="none" w="med" len="med"/>
-                    </a:lnL>
-                    <a:lnR w="12700" cap="flat" cmpd="sng" algn="ctr">
-                      <a:solidFill>
-                        <a:schemeClr val="tx1"/>
-                      </a:solidFill>
-                      <a:prstDash val="solid"/>
-                      <a:round/>
-                      <a:headEnd type="none" w="med" len="med"/>
-                      <a:tailEnd type="none" w="med" len="med"/>
-                    </a:lnR>
-                    <a:lnT w="12700" cap="flat" cmpd="sng" algn="ctr">
-                      <a:solidFill>
-                        <a:schemeClr val="tx1"/>
-                      </a:solidFill>
-                      <a:prstDash val="solid"/>
-                      <a:round/>
-                      <a:headEnd type="none" w="med" len="med"/>
-                      <a:tailEnd type="none" w="med" len="med"/>
-                    </a:lnT>
-                    <a:lnB w="12700" cap="flat" cmpd="sng" algn="ctr">
-                      <a:solidFill>
-                        <a:schemeClr val="tx1"/>
-                      </a:solidFill>
-                      <a:prstDash val="solid"/>
-                      <a:round/>
-                      <a:headEnd type="none" w="med" len="med"/>
-                      <a:tailEnd type="none" w="med" len="med"/>
-                    </a:lnB>
-                    <a:solidFill>
-                      <a:schemeClr val="accent6">
-                        <a:lumMod val="20000"/>
-                        <a:lumOff val="80000"/>
-                      </a:schemeClr>
-                    </a:solidFill>
-                  </a:tcPr>
-                </a:tc>
-                <a:tc>
-                  <a:txBody>
-                    <a:bodyPr/>
-                    <a:lstStyle/>
-                    <a:p>
-                      <a:endParaRPr lang="en-US" dirty="0"/>
-                    </a:p>
-                  </a:txBody>
-                  <a:tcPr>
-                    <a:lnL w="12700" cap="flat" cmpd="sng" algn="ctr">
-                      <a:solidFill>
-                        <a:schemeClr val="tx1"/>
-                      </a:solidFill>
-                      <a:prstDash val="solid"/>
-                      <a:round/>
-                      <a:headEnd type="none" w="med" len="med"/>
-                      <a:tailEnd type="none" w="med" len="med"/>
-                    </a:lnL>
-                    <a:lnR w="12700" cap="flat" cmpd="sng" algn="ctr">
-                      <a:solidFill>
-                        <a:schemeClr val="tx1"/>
-                      </a:solidFill>
-                      <a:prstDash val="solid"/>
-                      <a:round/>
-                      <a:headEnd type="none" w="med" len="med"/>
-                      <a:tailEnd type="none" w="med" len="med"/>
-                    </a:lnR>
-                    <a:lnT w="12700" cap="flat" cmpd="sng" algn="ctr">
-                      <a:solidFill>
-                        <a:schemeClr val="tx1"/>
-                      </a:solidFill>
-                      <a:prstDash val="solid"/>
-                      <a:round/>
-                      <a:headEnd type="none" w="med" len="med"/>
-                      <a:tailEnd type="none" w="med" len="med"/>
-                    </a:lnT>
-                    <a:lnB w="12700" cap="flat" cmpd="sng" algn="ctr">
-                      <a:solidFill>
-                        <a:schemeClr val="tx1"/>
-                      </a:solidFill>
-                      <a:prstDash val="solid"/>
-                      <a:round/>
-                      <a:headEnd type="none" w="med" len="med"/>
-                      <a:tailEnd type="none" w="med" len="med"/>
-                    </a:lnB>
-                    <a:solidFill>
-                      <a:schemeClr val="accent6">
-                        <a:lumMod val="20000"/>
-                        <a:lumOff val="80000"/>
-                      </a:schemeClr>
-                    </a:solidFill>
-                  </a:tcPr>
-                </a:tc>
-                <a:tc>
-                  <a:txBody>
-                    <a:bodyPr/>
-                    <a:lstStyle/>
-                    <a:p>
-                      <a:endParaRPr lang="en-US" dirty="0"/>
-                    </a:p>
-                  </a:txBody>
-                  <a:tcPr>
-                    <a:lnL w="12700" cap="flat" cmpd="sng" algn="ctr">
-                      <a:solidFill>
-                        <a:schemeClr val="tx1"/>
-                      </a:solidFill>
-                      <a:prstDash val="solid"/>
-                      <a:round/>
-                      <a:headEnd type="none" w="med" len="med"/>
-                      <a:tailEnd type="none" w="med" len="med"/>
-                    </a:lnL>
-                    <a:lnR w="12700" cap="flat" cmpd="sng" algn="ctr">
-                      <a:solidFill>
-                        <a:schemeClr val="tx1"/>
-                      </a:solidFill>
-                      <a:prstDash val="solid"/>
-                      <a:round/>
-                      <a:headEnd type="none" w="med" len="med"/>
-                      <a:tailEnd type="none" w="med" len="med"/>
-                    </a:lnR>
-                    <a:lnT w="12700" cap="flat" cmpd="sng" algn="ctr">
-                      <a:solidFill>
-                        <a:schemeClr val="tx1"/>
-                      </a:solidFill>
-                      <a:prstDash val="solid"/>
-                      <a:round/>
-                      <a:headEnd type="none" w="med" len="med"/>
-                      <a:tailEnd type="none" w="med" len="med"/>
-                    </a:lnT>
-                    <a:lnB w="12700" cap="flat" cmpd="sng" algn="ctr">
-                      <a:solidFill>
-                        <a:schemeClr val="tx1"/>
-                      </a:solidFill>
-                      <a:prstDash val="solid"/>
-                      <a:round/>
-                      <a:headEnd type="none" w="med" len="med"/>
-                      <a:tailEnd type="none" w="med" len="med"/>
-                    </a:lnB>
-                    <a:solidFill>
-                      <a:schemeClr val="accent6">
-                        <a:lumMod val="20000"/>
-                        <a:lumOff val="80000"/>
-                      </a:schemeClr>
-                    </a:solidFill>
-                  </a:tcPr>
-                </a:tc>
-                <a:tc>
-                  <a:txBody>
-                    <a:bodyPr/>
-                    <a:lstStyle/>
-                    <a:p>
-                      <a:endParaRPr lang="en-US" dirty="0"/>
-                    </a:p>
-                  </a:txBody>
-                  <a:tcPr>
-                    <a:lnL w="12700" cap="flat" cmpd="sng" algn="ctr">
-                      <a:solidFill>
-                        <a:schemeClr val="tx1"/>
-                      </a:solidFill>
-                      <a:prstDash val="solid"/>
-                      <a:round/>
-                      <a:headEnd type="none" w="med" len="med"/>
-                      <a:tailEnd type="none" w="med" len="med"/>
-                    </a:lnL>
-                    <a:lnR w="12700" cap="flat" cmpd="sng" algn="ctr">
-                      <a:solidFill>
-                        <a:schemeClr val="tx1"/>
-                      </a:solidFill>
-                      <a:prstDash val="solid"/>
-                      <a:round/>
-                      <a:headEnd type="none" w="med" len="med"/>
-                      <a:tailEnd type="none" w="med" len="med"/>
-                    </a:lnR>
-                    <a:lnT w="12700" cap="flat" cmpd="sng" algn="ctr">
-                      <a:solidFill>
-                        <a:schemeClr val="tx1"/>
-                      </a:solidFill>
-                      <a:prstDash val="solid"/>
-                      <a:round/>
-                      <a:headEnd type="none" w="med" len="med"/>
-                      <a:tailEnd type="none" w="med" len="med"/>
-                    </a:lnT>
-                    <a:lnB w="12700" cap="flat" cmpd="sng" algn="ctr">
-                      <a:solidFill>
-                        <a:schemeClr val="tx1"/>
-                      </a:solidFill>
-                      <a:prstDash val="solid"/>
-                      <a:round/>
-                      <a:headEnd type="none" w="med" len="med"/>
-                      <a:tailEnd type="none" w="med" len="med"/>
-                    </a:lnB>
-                    <a:solidFill>
-                      <a:schemeClr val="accent6">
-                        <a:lumMod val="20000"/>
-                        <a:lumOff val="80000"/>
-                      </a:schemeClr>
-                    </a:solidFill>
-                  </a:tcPr>
-                </a:tc>
-                <a:tc>
-                  <a:txBody>
-                    <a:bodyPr/>
-                    <a:lstStyle/>
-                    <a:p>
-                      <a:endParaRPr lang="en-US" dirty="0"/>
-                    </a:p>
-                  </a:txBody>
-                  <a:tcPr>
-                    <a:lnL w="12700" cap="flat" cmpd="sng" algn="ctr">
-                      <a:solidFill>
-                        <a:schemeClr val="tx1"/>
-                      </a:solidFill>
-                      <a:prstDash val="solid"/>
-                      <a:round/>
-                      <a:headEnd type="none" w="med" len="med"/>
-                      <a:tailEnd type="none" w="med" len="med"/>
-                    </a:lnL>
-                    <a:lnR w="12700" cap="flat" cmpd="sng" algn="ctr">
-                      <a:solidFill>
-                        <a:schemeClr val="tx1"/>
-                      </a:solidFill>
-                      <a:prstDash val="solid"/>
-                      <a:round/>
-                      <a:headEnd type="none" w="med" len="med"/>
-                      <a:tailEnd type="none" w="med" len="med"/>
-                    </a:lnR>
-                    <a:lnT w="12700" cap="flat" cmpd="sng" algn="ctr">
-                      <a:solidFill>
-                        <a:schemeClr val="tx1"/>
-                      </a:solidFill>
-                      <a:prstDash val="solid"/>
-                      <a:round/>
-                      <a:headEnd type="none" w="med" len="med"/>
-                      <a:tailEnd type="none" w="med" len="med"/>
-                    </a:lnT>
-                    <a:lnB w="12700" cap="flat" cmpd="sng" algn="ctr">
-                      <a:solidFill>
-                        <a:schemeClr val="tx1"/>
-                      </a:solidFill>
-                      <a:prstDash val="solid"/>
-                      <a:round/>
-                      <a:headEnd type="none" w="med" len="med"/>
-                      <a:tailEnd type="none" w="med" len="med"/>
-                    </a:lnB>
-                    <a:solidFill>
-                      <a:schemeClr val="accent6">
-                        <a:lumMod val="20000"/>
-                        <a:lumOff val="80000"/>
-                      </a:schemeClr>
-                    </a:solidFill>
-                  </a:tcPr>
-                </a:tc>
-                <a:extLst>
-                  <a:ext uri="{0D108BD9-81ED-4DB2-BD59-A6C34878D82A}">
-                    <a16:rowId xmlns:a16="http://schemas.microsoft.com/office/drawing/2014/main" val="2947193755"/>
-                  </a:ext>
-                </a:extLst>
-              </a:tr>
-            </a:tbl>
-          </a:graphicData>
-        </a:graphic>
-      </p:graphicFrame>
-      <p:graphicFrame>
-        <p:nvGraphicFramePr>
-          <p:cNvPr id="5" name="Table 4"/>
-          <p:cNvGraphicFramePr>
-            <a:graphicFrameLocks noGrp="1"/>
-          </p:cNvGraphicFramePr>
-          <p:nvPr>
-            <p:extLst>
-              <p:ext uri="{D42A27DB-BD31-4B8C-83A1-F6EECF244321}">
-                <p14:modId xmlns:p14="http://schemas.microsoft.com/office/powerpoint/2010/main" val="3179653928"/>
-              </p:ext>
-            </p:extLst>
-          </p:nvPr>
-        </p:nvGraphicFramePr>
-        <p:xfrm>
-          <a:off x="12263331" y="3249595"/>
-          <a:ext cx="10080000" cy="638556"/>
-        </p:xfrm>
-        <a:graphic>
-          <a:graphicData uri="http://schemas.openxmlformats.org/drawingml/2006/table">
-            <a:tbl>
-              <a:tblPr firstRow="1" bandRow="1">
-                <a:tableStyleId>{5940675A-B579-460E-94D1-54222C63F5DA}</a:tableStyleId>
-              </a:tblPr>
-              <a:tblGrid>
-                <a:gridCol w="1260000">
-                  <a:extLst>
-                    <a:ext uri="{9D8B030D-6E8A-4147-A177-3AD203B41FA5}">
-                      <a16:colId xmlns:a16="http://schemas.microsoft.com/office/drawing/2014/main" val="3220101158"/>
-                    </a:ext>
-                  </a:extLst>
-                </a:gridCol>
-                <a:gridCol w="1260000">
-                  <a:extLst>
-                    <a:ext uri="{9D8B030D-6E8A-4147-A177-3AD203B41FA5}">
-                      <a16:colId xmlns:a16="http://schemas.microsoft.com/office/drawing/2014/main" val="2509955964"/>
-                    </a:ext>
-                  </a:extLst>
-                </a:gridCol>
-                <a:gridCol w="1260000">
-                  <a:extLst>
-                    <a:ext uri="{9D8B030D-6E8A-4147-A177-3AD203B41FA5}">
-                      <a16:colId xmlns:a16="http://schemas.microsoft.com/office/drawing/2014/main" val="4106719055"/>
-                    </a:ext>
-                  </a:extLst>
-                </a:gridCol>
-                <a:gridCol w="1260000">
-                  <a:extLst>
-                    <a:ext uri="{9D8B030D-6E8A-4147-A177-3AD203B41FA5}">
-                      <a16:colId xmlns:a16="http://schemas.microsoft.com/office/drawing/2014/main" val="2495566464"/>
-                    </a:ext>
-                  </a:extLst>
-                </a:gridCol>
-                <a:gridCol w="1260000">
-                  <a:extLst>
-                    <a:ext uri="{9D8B030D-6E8A-4147-A177-3AD203B41FA5}">
-                      <a16:colId xmlns:a16="http://schemas.microsoft.com/office/drawing/2014/main" val="3779250370"/>
-                    </a:ext>
-                  </a:extLst>
-                </a:gridCol>
-                <a:gridCol w="1260000">
-                  <a:extLst>
-                    <a:ext uri="{9D8B030D-6E8A-4147-A177-3AD203B41FA5}">
-                      <a16:colId xmlns:a16="http://schemas.microsoft.com/office/drawing/2014/main" val="3166512729"/>
-                    </a:ext>
-                  </a:extLst>
-                </a:gridCol>
-                <a:gridCol w="1260000">
-                  <a:extLst>
-                    <a:ext uri="{9D8B030D-6E8A-4147-A177-3AD203B41FA5}">
-                      <a16:colId xmlns:a16="http://schemas.microsoft.com/office/drawing/2014/main" val="1342564807"/>
-                    </a:ext>
-                  </a:extLst>
-                </a:gridCol>
-                <a:gridCol w="1260000">
-                  <a:extLst>
-                    <a:ext uri="{9D8B030D-6E8A-4147-A177-3AD203B41FA5}">
-                      <a16:colId xmlns:a16="http://schemas.microsoft.com/office/drawing/2014/main" val="662634334"/>
-                    </a:ext>
-                  </a:extLst>
-                </a:gridCol>
-              </a:tblGrid>
-              <a:tr h="540000">
-                <a:tc>
-                  <a:txBody>
-                    <a:bodyPr/>
-                    <a:lstStyle/>
-                    <a:p>
-                      <a:endParaRPr lang="en-US" dirty="0"/>
-                    </a:p>
-                  </a:txBody>
-                  <a:tcPr>
-                    <a:solidFill>
-                      <a:schemeClr val="accent2">
-                        <a:lumMod val="20000"/>
-                        <a:lumOff val="80000"/>
-                      </a:schemeClr>
-                    </a:solidFill>
-                  </a:tcPr>
-                </a:tc>
-                <a:tc>
-                  <a:txBody>
-                    <a:bodyPr/>
-                    <a:lstStyle/>
-                    <a:p>
-                      <a:endParaRPr lang="en-US" dirty="0"/>
-                    </a:p>
-                  </a:txBody>
-                  <a:tcPr>
-                    <a:solidFill>
-                      <a:schemeClr val="accent2">
-                        <a:lumMod val="20000"/>
-                        <a:lumOff val="80000"/>
-                      </a:schemeClr>
-                    </a:solidFill>
-                  </a:tcPr>
-                </a:tc>
-                <a:tc>
-                  <a:txBody>
-                    <a:bodyPr/>
-                    <a:lstStyle/>
-                    <a:p>
-                      <a:endParaRPr lang="en-US" dirty="0"/>
-                    </a:p>
-                  </a:txBody>
-                  <a:tcPr>
-                    <a:solidFill>
-                      <a:schemeClr val="accent2">
-                        <a:lumMod val="20000"/>
-                        <a:lumOff val="80000"/>
-                      </a:schemeClr>
-                    </a:solidFill>
-                  </a:tcPr>
-                </a:tc>
-                <a:tc>
-                  <a:txBody>
-                    <a:bodyPr/>
-                    <a:lstStyle/>
-                    <a:p>
-                      <a:endParaRPr lang="en-US" dirty="0"/>
-                    </a:p>
-                  </a:txBody>
-                  <a:tcPr>
-                    <a:solidFill>
-                      <a:schemeClr val="accent2">
-                        <a:lumMod val="20000"/>
-                        <a:lumOff val="80000"/>
-                      </a:schemeClr>
-                    </a:solidFill>
-                  </a:tcPr>
-                </a:tc>
-                <a:tc>
-                  <a:txBody>
-                    <a:bodyPr/>
-                    <a:lstStyle/>
-                    <a:p>
-                      <a:endParaRPr lang="en-US" dirty="0"/>
-                    </a:p>
-                  </a:txBody>
-                  <a:tcPr>
-                    <a:solidFill>
-                      <a:schemeClr val="accent2">
-                        <a:lumMod val="20000"/>
-                        <a:lumOff val="80000"/>
-                      </a:schemeClr>
-                    </a:solidFill>
-                  </a:tcPr>
-                </a:tc>
-                <a:tc>
-                  <a:txBody>
-                    <a:bodyPr/>
-                    <a:lstStyle/>
-                    <a:p>
-                      <a:endParaRPr lang="en-US" dirty="0"/>
-                    </a:p>
-                  </a:txBody>
-                  <a:tcPr>
-                    <a:solidFill>
-                      <a:schemeClr val="accent2">
-                        <a:lumMod val="20000"/>
-                        <a:lumOff val="80000"/>
-                      </a:schemeClr>
-                    </a:solidFill>
-                  </a:tcPr>
-                </a:tc>
-                <a:tc>
-                  <a:txBody>
-                    <a:bodyPr/>
-                    <a:lstStyle/>
-                    <a:p>
-                      <a:endParaRPr lang="en-US" dirty="0"/>
-                    </a:p>
-                  </a:txBody>
-                  <a:tcPr>
-                    <a:solidFill>
-                      <a:schemeClr val="accent2">
-                        <a:lumMod val="20000"/>
-                        <a:lumOff val="80000"/>
-                      </a:schemeClr>
-                    </a:solidFill>
-                  </a:tcPr>
-                </a:tc>
-                <a:tc>
-                  <a:txBody>
-                    <a:bodyPr/>
-                    <a:lstStyle/>
-                    <a:p>
-                      <a:endParaRPr lang="en-US" dirty="0"/>
-                    </a:p>
-                  </a:txBody>
-                  <a:tcPr>
-                    <a:solidFill>
-                      <a:schemeClr val="accent2">
-                        <a:lumMod val="20000"/>
-                        <a:lumOff val="80000"/>
-                      </a:schemeClr>
-                    </a:solidFill>
-                  </a:tcPr>
-                </a:tc>
-                <a:extLst>
-                  <a:ext uri="{0D108BD9-81ED-4DB2-BD59-A6C34878D82A}">
-                    <a16:rowId xmlns:a16="http://schemas.microsoft.com/office/drawing/2014/main" val="2947193755"/>
-                  </a:ext>
-                </a:extLst>
-              </a:tr>
-            </a:tbl>
-          </a:graphicData>
-        </a:graphic>
-      </p:graphicFrame>
       <p:sp>
         <p:nvSpPr>
           <p:cNvPr id="7" name="Down Arrow 6"/>
@@ -12663,7 +11918,7 @@
         </p:nvSpPr>
         <p:spPr>
           <a:xfrm>
-            <a:off x="6431705" y="4043680"/>
+            <a:off x="6490614" y="3986648"/>
             <a:ext cx="996531" cy="1137920"/>
           </a:xfrm>
           <a:prstGeom prst="downArrow">
@@ -12701,7 +11956,7 @@
         </p:nvSpPr>
         <p:spPr>
           <a:xfrm>
-            <a:off x="16805065" y="4043680"/>
+            <a:off x="16713733" y="3986647"/>
             <a:ext cx="996531" cy="1137920"/>
           </a:xfrm>
           <a:prstGeom prst="downArrow">
@@ -12731,987 +11986,6 @@
           </a:p>
         </p:txBody>
       </p:sp>
-      <p:graphicFrame>
-        <p:nvGraphicFramePr>
-          <p:cNvPr id="9" name="Table 8"/>
-          <p:cNvGraphicFramePr>
-            <a:graphicFrameLocks noGrp="1"/>
-          </p:cNvGraphicFramePr>
-          <p:nvPr>
-            <p:extLst>
-              <p:ext uri="{D42A27DB-BD31-4B8C-83A1-F6EECF244321}">
-                <p14:modId xmlns:p14="http://schemas.microsoft.com/office/powerpoint/2010/main" val="1176592270"/>
-              </p:ext>
-            </p:extLst>
-          </p:nvPr>
-        </p:nvGraphicFramePr>
-        <p:xfrm>
-          <a:off x="2004269" y="5320237"/>
-          <a:ext cx="20160000" cy="638556"/>
-        </p:xfrm>
-        <a:graphic>
-          <a:graphicData uri="http://schemas.openxmlformats.org/drawingml/2006/table">
-            <a:tbl>
-              <a:tblPr firstRow="1" bandRow="1">
-                <a:tableStyleId>{5940675A-B579-460E-94D1-54222C63F5DA}</a:tableStyleId>
-              </a:tblPr>
-              <a:tblGrid>
-                <a:gridCol w="1260000">
-                  <a:extLst>
-                    <a:ext uri="{9D8B030D-6E8A-4147-A177-3AD203B41FA5}">
-                      <a16:colId xmlns:a16="http://schemas.microsoft.com/office/drawing/2014/main" val="3220101158"/>
-                    </a:ext>
-                  </a:extLst>
-                </a:gridCol>
-                <a:gridCol w="1260000">
-                  <a:extLst>
-                    <a:ext uri="{9D8B030D-6E8A-4147-A177-3AD203B41FA5}">
-                      <a16:colId xmlns:a16="http://schemas.microsoft.com/office/drawing/2014/main" val="2509955964"/>
-                    </a:ext>
-                  </a:extLst>
-                </a:gridCol>
-                <a:gridCol w="1260000">
-                  <a:extLst>
-                    <a:ext uri="{9D8B030D-6E8A-4147-A177-3AD203B41FA5}">
-                      <a16:colId xmlns:a16="http://schemas.microsoft.com/office/drawing/2014/main" val="4106719055"/>
-                    </a:ext>
-                  </a:extLst>
-                </a:gridCol>
-                <a:gridCol w="1260000">
-                  <a:extLst>
-                    <a:ext uri="{9D8B030D-6E8A-4147-A177-3AD203B41FA5}">
-                      <a16:colId xmlns:a16="http://schemas.microsoft.com/office/drawing/2014/main" val="2495566464"/>
-                    </a:ext>
-                  </a:extLst>
-                </a:gridCol>
-                <a:gridCol w="1260000">
-                  <a:extLst>
-                    <a:ext uri="{9D8B030D-6E8A-4147-A177-3AD203B41FA5}">
-                      <a16:colId xmlns:a16="http://schemas.microsoft.com/office/drawing/2014/main" val="3779250370"/>
-                    </a:ext>
-                  </a:extLst>
-                </a:gridCol>
-                <a:gridCol w="1260000">
-                  <a:extLst>
-                    <a:ext uri="{9D8B030D-6E8A-4147-A177-3AD203B41FA5}">
-                      <a16:colId xmlns:a16="http://schemas.microsoft.com/office/drawing/2014/main" val="295694569"/>
-                    </a:ext>
-                  </a:extLst>
-                </a:gridCol>
-                <a:gridCol w="1260000">
-                  <a:extLst>
-                    <a:ext uri="{9D8B030D-6E8A-4147-A177-3AD203B41FA5}">
-                      <a16:colId xmlns:a16="http://schemas.microsoft.com/office/drawing/2014/main" val="1651969150"/>
-                    </a:ext>
-                  </a:extLst>
-                </a:gridCol>
-                <a:gridCol w="1260000">
-                  <a:extLst>
-                    <a:ext uri="{9D8B030D-6E8A-4147-A177-3AD203B41FA5}">
-                      <a16:colId xmlns:a16="http://schemas.microsoft.com/office/drawing/2014/main" val="3818543492"/>
-                    </a:ext>
-                  </a:extLst>
-                </a:gridCol>
-                <a:gridCol w="1260000">
-                  <a:extLst>
-                    <a:ext uri="{9D8B030D-6E8A-4147-A177-3AD203B41FA5}">
-                      <a16:colId xmlns:a16="http://schemas.microsoft.com/office/drawing/2014/main" val="2617671612"/>
-                    </a:ext>
-                  </a:extLst>
-                </a:gridCol>
-                <a:gridCol w="1260000">
-                  <a:extLst>
-                    <a:ext uri="{9D8B030D-6E8A-4147-A177-3AD203B41FA5}">
-                      <a16:colId xmlns:a16="http://schemas.microsoft.com/office/drawing/2014/main" val="3166512729"/>
-                    </a:ext>
-                  </a:extLst>
-                </a:gridCol>
-                <a:gridCol w="1260000">
-                  <a:extLst>
-                    <a:ext uri="{9D8B030D-6E8A-4147-A177-3AD203B41FA5}">
-                      <a16:colId xmlns:a16="http://schemas.microsoft.com/office/drawing/2014/main" val="1491983626"/>
-                    </a:ext>
-                  </a:extLst>
-                </a:gridCol>
-                <a:gridCol w="1260000">
-                  <a:extLst>
-                    <a:ext uri="{9D8B030D-6E8A-4147-A177-3AD203B41FA5}">
-                      <a16:colId xmlns:a16="http://schemas.microsoft.com/office/drawing/2014/main" val="1817125408"/>
-                    </a:ext>
-                  </a:extLst>
-                </a:gridCol>
-                <a:gridCol w="1260000">
-                  <a:extLst>
-                    <a:ext uri="{9D8B030D-6E8A-4147-A177-3AD203B41FA5}">
-                      <a16:colId xmlns:a16="http://schemas.microsoft.com/office/drawing/2014/main" val="1342564807"/>
-                    </a:ext>
-                  </a:extLst>
-                </a:gridCol>
-                <a:gridCol w="1260000">
-                  <a:extLst>
-                    <a:ext uri="{9D8B030D-6E8A-4147-A177-3AD203B41FA5}">
-                      <a16:colId xmlns:a16="http://schemas.microsoft.com/office/drawing/2014/main" val="3172371477"/>
-                    </a:ext>
-                  </a:extLst>
-                </a:gridCol>
-                <a:gridCol w="1260000">
-                  <a:extLst>
-                    <a:ext uri="{9D8B030D-6E8A-4147-A177-3AD203B41FA5}">
-                      <a16:colId xmlns:a16="http://schemas.microsoft.com/office/drawing/2014/main" val="2148214639"/>
-                    </a:ext>
-                  </a:extLst>
-                </a:gridCol>
-                <a:gridCol w="1260000">
-                  <a:extLst>
-                    <a:ext uri="{9D8B030D-6E8A-4147-A177-3AD203B41FA5}">
-                      <a16:colId xmlns:a16="http://schemas.microsoft.com/office/drawing/2014/main" val="662634334"/>
-                    </a:ext>
-                  </a:extLst>
-                </a:gridCol>
-              </a:tblGrid>
-              <a:tr h="540000">
-                <a:tc>
-                  <a:txBody>
-                    <a:bodyPr/>
-                    <a:lstStyle/>
-                    <a:p>
-                      <a:endParaRPr lang="en-US" dirty="0"/>
-                    </a:p>
-                  </a:txBody>
-                  <a:tcPr>
-                    <a:lnL w="12700" cap="flat" cmpd="sng" algn="ctr">
-                      <a:solidFill>
-                        <a:schemeClr val="tx1"/>
-                      </a:solidFill>
-                      <a:prstDash val="solid"/>
-                      <a:round/>
-                      <a:headEnd type="none" w="med" len="med"/>
-                      <a:tailEnd type="none" w="med" len="med"/>
-                    </a:lnL>
-                    <a:lnR w="12700" cap="flat" cmpd="sng" algn="ctr">
-                      <a:solidFill>
-                        <a:schemeClr val="tx1"/>
-                      </a:solidFill>
-                      <a:prstDash val="solid"/>
-                      <a:round/>
-                      <a:headEnd type="none" w="med" len="med"/>
-                      <a:tailEnd type="none" w="med" len="med"/>
-                    </a:lnR>
-                    <a:lnT w="12700" cap="flat" cmpd="sng" algn="ctr">
-                      <a:solidFill>
-                        <a:schemeClr val="tx1"/>
-                      </a:solidFill>
-                      <a:prstDash val="solid"/>
-                      <a:round/>
-                      <a:headEnd type="none" w="med" len="med"/>
-                      <a:tailEnd type="none" w="med" len="med"/>
-                    </a:lnT>
-                    <a:lnB w="12700" cap="flat" cmpd="sng" algn="ctr">
-                      <a:solidFill>
-                        <a:schemeClr val="tx1"/>
-                      </a:solidFill>
-                      <a:prstDash val="solid"/>
-                      <a:round/>
-                      <a:headEnd type="none" w="med" len="med"/>
-                      <a:tailEnd type="none" w="med" len="med"/>
-                    </a:lnB>
-                    <a:solidFill>
-                      <a:schemeClr val="bg1">
-                        <a:lumMod val="65000"/>
-                      </a:schemeClr>
-                    </a:solidFill>
-                  </a:tcPr>
-                </a:tc>
-                <a:tc>
-                  <a:txBody>
-                    <a:bodyPr/>
-                    <a:lstStyle/>
-                    <a:p>
-                      <a:endParaRPr lang="en-US" dirty="0"/>
-                    </a:p>
-                  </a:txBody>
-                  <a:tcPr>
-                    <a:lnL w="12700" cap="flat" cmpd="sng" algn="ctr">
-                      <a:solidFill>
-                        <a:schemeClr val="tx1"/>
-                      </a:solidFill>
-                      <a:prstDash val="solid"/>
-                      <a:round/>
-                      <a:headEnd type="none" w="med" len="med"/>
-                      <a:tailEnd type="none" w="med" len="med"/>
-                    </a:lnL>
-                    <a:lnR w="12700" cap="flat" cmpd="sng" algn="ctr">
-                      <a:solidFill>
-                        <a:schemeClr val="tx1"/>
-                      </a:solidFill>
-                      <a:prstDash val="solid"/>
-                      <a:round/>
-                      <a:headEnd type="none" w="med" len="med"/>
-                      <a:tailEnd type="none" w="med" len="med"/>
-                    </a:lnR>
-                    <a:lnT w="12700" cap="flat" cmpd="sng" algn="ctr">
-                      <a:solidFill>
-                        <a:schemeClr val="tx1"/>
-                      </a:solidFill>
-                      <a:prstDash val="solid"/>
-                      <a:round/>
-                      <a:headEnd type="none" w="med" len="med"/>
-                      <a:tailEnd type="none" w="med" len="med"/>
-                    </a:lnT>
-                    <a:lnB w="12700" cap="flat" cmpd="sng" algn="ctr">
-                      <a:solidFill>
-                        <a:schemeClr val="tx1"/>
-                      </a:solidFill>
-                      <a:prstDash val="solid"/>
-                      <a:round/>
-                      <a:headEnd type="none" w="med" len="med"/>
-                      <a:tailEnd type="none" w="med" len="med"/>
-                    </a:lnB>
-                    <a:solidFill>
-                      <a:schemeClr val="bg1">
-                        <a:lumMod val="65000"/>
-                      </a:schemeClr>
-                    </a:solidFill>
-                  </a:tcPr>
-                </a:tc>
-                <a:tc>
-                  <a:txBody>
-                    <a:bodyPr/>
-                    <a:lstStyle/>
-                    <a:p>
-                      <a:endParaRPr lang="en-US" dirty="0"/>
-                    </a:p>
-                  </a:txBody>
-                  <a:tcPr>
-                    <a:lnL w="12700" cap="flat" cmpd="sng" algn="ctr">
-                      <a:solidFill>
-                        <a:schemeClr val="tx1"/>
-                      </a:solidFill>
-                      <a:prstDash val="solid"/>
-                      <a:round/>
-                      <a:headEnd type="none" w="med" len="med"/>
-                      <a:tailEnd type="none" w="med" len="med"/>
-                    </a:lnL>
-                    <a:lnR w="12700" cap="flat" cmpd="sng" algn="ctr">
-                      <a:solidFill>
-                        <a:schemeClr val="tx1"/>
-                      </a:solidFill>
-                      <a:prstDash val="solid"/>
-                      <a:round/>
-                      <a:headEnd type="none" w="med" len="med"/>
-                      <a:tailEnd type="none" w="med" len="med"/>
-                    </a:lnR>
-                    <a:lnT w="12700" cap="flat" cmpd="sng" algn="ctr">
-                      <a:solidFill>
-                        <a:schemeClr val="tx1"/>
-                      </a:solidFill>
-                      <a:prstDash val="solid"/>
-                      <a:round/>
-                      <a:headEnd type="none" w="med" len="med"/>
-                      <a:tailEnd type="none" w="med" len="med"/>
-                    </a:lnT>
-                    <a:lnB w="12700" cap="flat" cmpd="sng" algn="ctr">
-                      <a:solidFill>
-                        <a:schemeClr val="tx1"/>
-                      </a:solidFill>
-                      <a:prstDash val="solid"/>
-                      <a:round/>
-                      <a:headEnd type="none" w="med" len="med"/>
-                      <a:tailEnd type="none" w="med" len="med"/>
-                    </a:lnB>
-                    <a:solidFill>
-                      <a:schemeClr val="bg1">
-                        <a:lumMod val="65000"/>
-                      </a:schemeClr>
-                    </a:solidFill>
-                  </a:tcPr>
-                </a:tc>
-                <a:tc>
-                  <a:txBody>
-                    <a:bodyPr/>
-                    <a:lstStyle/>
-                    <a:p>
-                      <a:endParaRPr lang="en-US" dirty="0"/>
-                    </a:p>
-                  </a:txBody>
-                  <a:tcPr>
-                    <a:lnL w="12700" cap="flat" cmpd="sng" algn="ctr">
-                      <a:solidFill>
-                        <a:schemeClr val="tx1"/>
-                      </a:solidFill>
-                      <a:prstDash val="solid"/>
-                      <a:round/>
-                      <a:headEnd type="none" w="med" len="med"/>
-                      <a:tailEnd type="none" w="med" len="med"/>
-                    </a:lnL>
-                    <a:lnR w="12700" cap="flat" cmpd="sng" algn="ctr">
-                      <a:solidFill>
-                        <a:schemeClr val="tx1"/>
-                      </a:solidFill>
-                      <a:prstDash val="solid"/>
-                      <a:round/>
-                      <a:headEnd type="none" w="med" len="med"/>
-                      <a:tailEnd type="none" w="med" len="med"/>
-                    </a:lnR>
-                    <a:lnT w="12700" cap="flat" cmpd="sng" algn="ctr">
-                      <a:solidFill>
-                        <a:schemeClr val="tx1"/>
-                      </a:solidFill>
-                      <a:prstDash val="solid"/>
-                      <a:round/>
-                      <a:headEnd type="none" w="med" len="med"/>
-                      <a:tailEnd type="none" w="med" len="med"/>
-                    </a:lnT>
-                    <a:lnB w="12700" cap="flat" cmpd="sng" algn="ctr">
-                      <a:solidFill>
-                        <a:schemeClr val="tx1"/>
-                      </a:solidFill>
-                      <a:prstDash val="solid"/>
-                      <a:round/>
-                      <a:headEnd type="none" w="med" len="med"/>
-                      <a:tailEnd type="none" w="med" len="med"/>
-                    </a:lnB>
-                    <a:solidFill>
-                      <a:schemeClr val="bg1">
-                        <a:lumMod val="65000"/>
-                      </a:schemeClr>
-                    </a:solidFill>
-                  </a:tcPr>
-                </a:tc>
-                <a:tc>
-                  <a:txBody>
-                    <a:bodyPr/>
-                    <a:lstStyle/>
-                    <a:p>
-                      <a:endParaRPr lang="en-US" dirty="0"/>
-                    </a:p>
-                  </a:txBody>
-                  <a:tcPr>
-                    <a:lnL w="12700" cap="flat" cmpd="sng" algn="ctr">
-                      <a:solidFill>
-                        <a:schemeClr val="tx1"/>
-                      </a:solidFill>
-                      <a:prstDash val="solid"/>
-                      <a:round/>
-                      <a:headEnd type="none" w="med" len="med"/>
-                      <a:tailEnd type="none" w="med" len="med"/>
-                    </a:lnL>
-                    <a:lnR w="12700" cap="flat" cmpd="sng" algn="ctr">
-                      <a:solidFill>
-                        <a:schemeClr val="tx1"/>
-                      </a:solidFill>
-                      <a:prstDash val="solid"/>
-                      <a:round/>
-                      <a:headEnd type="none" w="med" len="med"/>
-                      <a:tailEnd type="none" w="med" len="med"/>
-                    </a:lnR>
-                    <a:lnT w="12700" cap="flat" cmpd="sng" algn="ctr">
-                      <a:solidFill>
-                        <a:schemeClr val="tx1"/>
-                      </a:solidFill>
-                      <a:prstDash val="solid"/>
-                      <a:round/>
-                      <a:headEnd type="none" w="med" len="med"/>
-                      <a:tailEnd type="none" w="med" len="med"/>
-                    </a:lnT>
-                    <a:lnB w="12700" cap="flat" cmpd="sng" algn="ctr">
-                      <a:solidFill>
-                        <a:schemeClr val="tx1"/>
-                      </a:solidFill>
-                      <a:prstDash val="solid"/>
-                      <a:round/>
-                      <a:headEnd type="none" w="med" len="med"/>
-                      <a:tailEnd type="none" w="med" len="med"/>
-                    </a:lnB>
-                    <a:solidFill>
-                      <a:schemeClr val="bg1">
-                        <a:lumMod val="65000"/>
-                      </a:schemeClr>
-                    </a:solidFill>
-                  </a:tcPr>
-                </a:tc>
-                <a:tc>
-                  <a:txBody>
-                    <a:bodyPr/>
-                    <a:lstStyle/>
-                    <a:p>
-                      <a:endParaRPr lang="en-US" dirty="0"/>
-                    </a:p>
-                  </a:txBody>
-                  <a:tcPr>
-                    <a:lnL w="12700" cap="flat" cmpd="sng" algn="ctr">
-                      <a:solidFill>
-                        <a:schemeClr val="tx1"/>
-                      </a:solidFill>
-                      <a:prstDash val="solid"/>
-                      <a:round/>
-                      <a:headEnd type="none" w="med" len="med"/>
-                      <a:tailEnd type="none" w="med" len="med"/>
-                    </a:lnL>
-                    <a:lnR w="12700" cap="flat" cmpd="sng" algn="ctr">
-                      <a:solidFill>
-                        <a:schemeClr val="tx1"/>
-                      </a:solidFill>
-                      <a:prstDash val="solid"/>
-                      <a:round/>
-                      <a:headEnd type="none" w="med" len="med"/>
-                      <a:tailEnd type="none" w="med" len="med"/>
-                    </a:lnR>
-                    <a:lnT w="12700" cap="flat" cmpd="sng" algn="ctr">
-                      <a:solidFill>
-                        <a:schemeClr val="tx1"/>
-                      </a:solidFill>
-                      <a:prstDash val="solid"/>
-                      <a:round/>
-                      <a:headEnd type="none" w="med" len="med"/>
-                      <a:tailEnd type="none" w="med" len="med"/>
-                    </a:lnT>
-                    <a:lnB w="12700" cap="flat" cmpd="sng" algn="ctr">
-                      <a:solidFill>
-                        <a:schemeClr val="tx1"/>
-                      </a:solidFill>
-                      <a:prstDash val="solid"/>
-                      <a:round/>
-                      <a:headEnd type="none" w="med" len="med"/>
-                      <a:tailEnd type="none" w="med" len="med"/>
-                    </a:lnB>
-                    <a:solidFill>
-                      <a:schemeClr val="bg1">
-                        <a:lumMod val="65000"/>
-                      </a:schemeClr>
-                    </a:solidFill>
-                  </a:tcPr>
-                </a:tc>
-                <a:tc>
-                  <a:txBody>
-                    <a:bodyPr/>
-                    <a:lstStyle/>
-                    <a:p>
-                      <a:endParaRPr lang="en-US" dirty="0"/>
-                    </a:p>
-                  </a:txBody>
-                  <a:tcPr>
-                    <a:lnL w="12700" cap="flat" cmpd="sng" algn="ctr">
-                      <a:solidFill>
-                        <a:schemeClr val="tx1"/>
-                      </a:solidFill>
-                      <a:prstDash val="solid"/>
-                      <a:round/>
-                      <a:headEnd type="none" w="med" len="med"/>
-                      <a:tailEnd type="none" w="med" len="med"/>
-                    </a:lnL>
-                    <a:lnR w="12700" cap="flat" cmpd="sng" algn="ctr">
-                      <a:solidFill>
-                        <a:schemeClr val="tx1"/>
-                      </a:solidFill>
-                      <a:prstDash val="solid"/>
-                      <a:round/>
-                      <a:headEnd type="none" w="med" len="med"/>
-                      <a:tailEnd type="none" w="med" len="med"/>
-                    </a:lnR>
-                    <a:lnT w="12700" cap="flat" cmpd="sng" algn="ctr">
-                      <a:solidFill>
-                        <a:schemeClr val="tx1"/>
-                      </a:solidFill>
-                      <a:prstDash val="solid"/>
-                      <a:round/>
-                      <a:headEnd type="none" w="med" len="med"/>
-                      <a:tailEnd type="none" w="med" len="med"/>
-                    </a:lnT>
-                    <a:lnB w="12700" cap="flat" cmpd="sng" algn="ctr">
-                      <a:solidFill>
-                        <a:schemeClr val="tx1"/>
-                      </a:solidFill>
-                      <a:prstDash val="solid"/>
-                      <a:round/>
-                      <a:headEnd type="none" w="med" len="med"/>
-                      <a:tailEnd type="none" w="med" len="med"/>
-                    </a:lnB>
-                    <a:solidFill>
-                      <a:schemeClr val="bg1">
-                        <a:lumMod val="65000"/>
-                      </a:schemeClr>
-                    </a:solidFill>
-                  </a:tcPr>
-                </a:tc>
-                <a:tc>
-                  <a:txBody>
-                    <a:bodyPr/>
-                    <a:lstStyle/>
-                    <a:p>
-                      <a:endParaRPr lang="en-US" dirty="0"/>
-                    </a:p>
-                  </a:txBody>
-                  <a:tcPr>
-                    <a:lnL w="12700" cap="flat" cmpd="sng" algn="ctr">
-                      <a:solidFill>
-                        <a:schemeClr val="tx1"/>
-                      </a:solidFill>
-                      <a:prstDash val="solid"/>
-                      <a:round/>
-                      <a:headEnd type="none" w="med" len="med"/>
-                      <a:tailEnd type="none" w="med" len="med"/>
-                    </a:lnL>
-                    <a:lnR w="12700" cap="flat" cmpd="sng" algn="ctr">
-                      <a:solidFill>
-                        <a:schemeClr val="tx1"/>
-                      </a:solidFill>
-                      <a:prstDash val="solid"/>
-                      <a:round/>
-                      <a:headEnd type="none" w="med" len="med"/>
-                      <a:tailEnd type="none" w="med" len="med"/>
-                    </a:lnR>
-                    <a:lnT w="12700" cap="flat" cmpd="sng" algn="ctr">
-                      <a:solidFill>
-                        <a:schemeClr val="tx1"/>
-                      </a:solidFill>
-                      <a:prstDash val="solid"/>
-                      <a:round/>
-                      <a:headEnd type="none" w="med" len="med"/>
-                      <a:tailEnd type="none" w="med" len="med"/>
-                    </a:lnT>
-                    <a:lnB w="12700" cap="flat" cmpd="sng" algn="ctr">
-                      <a:solidFill>
-                        <a:schemeClr val="tx1"/>
-                      </a:solidFill>
-                      <a:prstDash val="solid"/>
-                      <a:round/>
-                      <a:headEnd type="none" w="med" len="med"/>
-                      <a:tailEnd type="none" w="med" len="med"/>
-                    </a:lnB>
-                    <a:solidFill>
-                      <a:schemeClr val="bg1">
-                        <a:lumMod val="65000"/>
-                      </a:schemeClr>
-                    </a:solidFill>
-                  </a:tcPr>
-                </a:tc>
-                <a:tc>
-                  <a:txBody>
-                    <a:bodyPr/>
-                    <a:lstStyle/>
-                    <a:p>
-                      <a:endParaRPr lang="en-US" dirty="0"/>
-                    </a:p>
-                  </a:txBody>
-                  <a:tcPr>
-                    <a:lnL w="12700" cap="flat" cmpd="sng" algn="ctr">
-                      <a:solidFill>
-                        <a:schemeClr val="tx1"/>
-                      </a:solidFill>
-                      <a:prstDash val="solid"/>
-                      <a:round/>
-                      <a:headEnd type="none" w="med" len="med"/>
-                      <a:tailEnd type="none" w="med" len="med"/>
-                    </a:lnL>
-                    <a:lnR w="12700" cap="flat" cmpd="sng" algn="ctr">
-                      <a:solidFill>
-                        <a:schemeClr val="tx1"/>
-                      </a:solidFill>
-                      <a:prstDash val="solid"/>
-                      <a:round/>
-                      <a:headEnd type="none" w="med" len="med"/>
-                      <a:tailEnd type="none" w="med" len="med"/>
-                    </a:lnR>
-                    <a:lnT w="12700" cap="flat" cmpd="sng" algn="ctr">
-                      <a:solidFill>
-                        <a:schemeClr val="tx1"/>
-                      </a:solidFill>
-                      <a:prstDash val="solid"/>
-                      <a:round/>
-                      <a:headEnd type="none" w="med" len="med"/>
-                      <a:tailEnd type="none" w="med" len="med"/>
-                    </a:lnT>
-                    <a:lnB w="12700" cap="flat" cmpd="sng" algn="ctr">
-                      <a:solidFill>
-                        <a:schemeClr val="tx1"/>
-                      </a:solidFill>
-                      <a:prstDash val="solid"/>
-                      <a:round/>
-                      <a:headEnd type="none" w="med" len="med"/>
-                      <a:tailEnd type="none" w="med" len="med"/>
-                    </a:lnB>
-                    <a:solidFill>
-                      <a:schemeClr val="bg1">
-                        <a:lumMod val="65000"/>
-                      </a:schemeClr>
-                    </a:solidFill>
-                  </a:tcPr>
-                </a:tc>
-                <a:tc>
-                  <a:txBody>
-                    <a:bodyPr/>
-                    <a:lstStyle/>
-                    <a:p>
-                      <a:endParaRPr lang="en-US" dirty="0"/>
-                    </a:p>
-                  </a:txBody>
-                  <a:tcPr>
-                    <a:lnL w="12700" cap="flat" cmpd="sng" algn="ctr">
-                      <a:solidFill>
-                        <a:schemeClr val="tx1"/>
-                      </a:solidFill>
-                      <a:prstDash val="solid"/>
-                      <a:round/>
-                      <a:headEnd type="none" w="med" len="med"/>
-                      <a:tailEnd type="none" w="med" len="med"/>
-                    </a:lnL>
-                    <a:lnR w="12700" cap="flat" cmpd="sng" algn="ctr">
-                      <a:solidFill>
-                        <a:schemeClr val="tx1"/>
-                      </a:solidFill>
-                      <a:prstDash val="solid"/>
-                      <a:round/>
-                      <a:headEnd type="none" w="med" len="med"/>
-                      <a:tailEnd type="none" w="med" len="med"/>
-                    </a:lnR>
-                    <a:lnT w="12700" cap="flat" cmpd="sng" algn="ctr">
-                      <a:solidFill>
-                        <a:schemeClr val="tx1"/>
-                      </a:solidFill>
-                      <a:prstDash val="solid"/>
-                      <a:round/>
-                      <a:headEnd type="none" w="med" len="med"/>
-                      <a:tailEnd type="none" w="med" len="med"/>
-                    </a:lnT>
-                    <a:lnB w="12700" cap="flat" cmpd="sng" algn="ctr">
-                      <a:solidFill>
-                        <a:schemeClr val="tx1"/>
-                      </a:solidFill>
-                      <a:prstDash val="solid"/>
-                      <a:round/>
-                      <a:headEnd type="none" w="med" len="med"/>
-                      <a:tailEnd type="none" w="med" len="med"/>
-                    </a:lnB>
-                    <a:solidFill>
-                      <a:schemeClr val="bg1">
-                        <a:lumMod val="65000"/>
-                      </a:schemeClr>
-                    </a:solidFill>
-                  </a:tcPr>
-                </a:tc>
-                <a:tc>
-                  <a:txBody>
-                    <a:bodyPr/>
-                    <a:lstStyle/>
-                    <a:p>
-                      <a:endParaRPr lang="en-US" dirty="0"/>
-                    </a:p>
-                  </a:txBody>
-                  <a:tcPr>
-                    <a:lnL w="12700" cap="flat" cmpd="sng" algn="ctr">
-                      <a:solidFill>
-                        <a:schemeClr val="tx1"/>
-                      </a:solidFill>
-                      <a:prstDash val="solid"/>
-                      <a:round/>
-                      <a:headEnd type="none" w="med" len="med"/>
-                      <a:tailEnd type="none" w="med" len="med"/>
-                    </a:lnL>
-                    <a:lnR w="12700" cap="flat" cmpd="sng" algn="ctr">
-                      <a:solidFill>
-                        <a:schemeClr val="tx1"/>
-                      </a:solidFill>
-                      <a:prstDash val="solid"/>
-                      <a:round/>
-                      <a:headEnd type="none" w="med" len="med"/>
-                      <a:tailEnd type="none" w="med" len="med"/>
-                    </a:lnR>
-                    <a:lnT w="12700" cap="flat" cmpd="sng" algn="ctr">
-                      <a:solidFill>
-                        <a:schemeClr val="tx1"/>
-                      </a:solidFill>
-                      <a:prstDash val="solid"/>
-                      <a:round/>
-                      <a:headEnd type="none" w="med" len="med"/>
-                      <a:tailEnd type="none" w="med" len="med"/>
-                    </a:lnT>
-                    <a:lnB w="12700" cap="flat" cmpd="sng" algn="ctr">
-                      <a:solidFill>
-                        <a:schemeClr val="tx1"/>
-                      </a:solidFill>
-                      <a:prstDash val="solid"/>
-                      <a:round/>
-                      <a:headEnd type="none" w="med" len="med"/>
-                      <a:tailEnd type="none" w="med" len="med"/>
-                    </a:lnB>
-                    <a:solidFill>
-                      <a:schemeClr val="bg1">
-                        <a:lumMod val="65000"/>
-                      </a:schemeClr>
-                    </a:solidFill>
-                  </a:tcPr>
-                </a:tc>
-                <a:tc>
-                  <a:txBody>
-                    <a:bodyPr/>
-                    <a:lstStyle/>
-                    <a:p>
-                      <a:endParaRPr lang="en-US" dirty="0"/>
-                    </a:p>
-                  </a:txBody>
-                  <a:tcPr>
-                    <a:lnL w="12700" cap="flat" cmpd="sng" algn="ctr">
-                      <a:solidFill>
-                        <a:schemeClr val="tx1"/>
-                      </a:solidFill>
-                      <a:prstDash val="solid"/>
-                      <a:round/>
-                      <a:headEnd type="none" w="med" len="med"/>
-                      <a:tailEnd type="none" w="med" len="med"/>
-                    </a:lnL>
-                    <a:lnR w="12700" cap="flat" cmpd="sng" algn="ctr">
-                      <a:solidFill>
-                        <a:schemeClr val="tx1"/>
-                      </a:solidFill>
-                      <a:prstDash val="solid"/>
-                      <a:round/>
-                      <a:headEnd type="none" w="med" len="med"/>
-                      <a:tailEnd type="none" w="med" len="med"/>
-                    </a:lnR>
-                    <a:lnT w="12700" cap="flat" cmpd="sng" algn="ctr">
-                      <a:solidFill>
-                        <a:schemeClr val="tx1"/>
-                      </a:solidFill>
-                      <a:prstDash val="solid"/>
-                      <a:round/>
-                      <a:headEnd type="none" w="med" len="med"/>
-                      <a:tailEnd type="none" w="med" len="med"/>
-                    </a:lnT>
-                    <a:lnB w="12700" cap="flat" cmpd="sng" algn="ctr">
-                      <a:solidFill>
-                        <a:schemeClr val="tx1"/>
-                      </a:solidFill>
-                      <a:prstDash val="solid"/>
-                      <a:round/>
-                      <a:headEnd type="none" w="med" len="med"/>
-                      <a:tailEnd type="none" w="med" len="med"/>
-                    </a:lnB>
-                    <a:solidFill>
-                      <a:schemeClr val="bg1">
-                        <a:lumMod val="65000"/>
-                      </a:schemeClr>
-                    </a:solidFill>
-                  </a:tcPr>
-                </a:tc>
-                <a:tc>
-                  <a:txBody>
-                    <a:bodyPr/>
-                    <a:lstStyle/>
-                    <a:p>
-                      <a:endParaRPr lang="en-US" dirty="0"/>
-                    </a:p>
-                  </a:txBody>
-                  <a:tcPr>
-                    <a:lnL w="12700" cap="flat" cmpd="sng" algn="ctr">
-                      <a:solidFill>
-                        <a:schemeClr val="tx1"/>
-                      </a:solidFill>
-                      <a:prstDash val="solid"/>
-                      <a:round/>
-                      <a:headEnd type="none" w="med" len="med"/>
-                      <a:tailEnd type="none" w="med" len="med"/>
-                    </a:lnL>
-                    <a:lnR w="12700" cap="flat" cmpd="sng" algn="ctr">
-                      <a:solidFill>
-                        <a:schemeClr val="tx1"/>
-                      </a:solidFill>
-                      <a:prstDash val="solid"/>
-                      <a:round/>
-                      <a:headEnd type="none" w="med" len="med"/>
-                      <a:tailEnd type="none" w="med" len="med"/>
-                    </a:lnR>
-                    <a:lnT w="12700" cap="flat" cmpd="sng" algn="ctr">
-                      <a:solidFill>
-                        <a:schemeClr val="tx1"/>
-                      </a:solidFill>
-                      <a:prstDash val="solid"/>
-                      <a:round/>
-                      <a:headEnd type="none" w="med" len="med"/>
-                      <a:tailEnd type="none" w="med" len="med"/>
-                    </a:lnT>
-                    <a:lnB w="12700" cap="flat" cmpd="sng" algn="ctr">
-                      <a:solidFill>
-                        <a:schemeClr val="tx1"/>
-                      </a:solidFill>
-                      <a:prstDash val="solid"/>
-                      <a:round/>
-                      <a:headEnd type="none" w="med" len="med"/>
-                      <a:tailEnd type="none" w="med" len="med"/>
-                    </a:lnB>
-                    <a:solidFill>
-                      <a:schemeClr val="bg1">
-                        <a:lumMod val="65000"/>
-                      </a:schemeClr>
-                    </a:solidFill>
-                  </a:tcPr>
-                </a:tc>
-                <a:tc>
-                  <a:txBody>
-                    <a:bodyPr/>
-                    <a:lstStyle/>
-                    <a:p>
-                      <a:endParaRPr lang="en-US" dirty="0"/>
-                    </a:p>
-                  </a:txBody>
-                  <a:tcPr>
-                    <a:lnL w="12700" cap="flat" cmpd="sng" algn="ctr">
-                      <a:solidFill>
-                        <a:schemeClr val="tx1"/>
-                      </a:solidFill>
-                      <a:prstDash val="solid"/>
-                      <a:round/>
-                      <a:headEnd type="none" w="med" len="med"/>
-                      <a:tailEnd type="none" w="med" len="med"/>
-                    </a:lnL>
-                    <a:lnR w="12700" cap="flat" cmpd="sng" algn="ctr">
-                      <a:solidFill>
-                        <a:schemeClr val="tx1"/>
-                      </a:solidFill>
-                      <a:prstDash val="solid"/>
-                      <a:round/>
-                      <a:headEnd type="none" w="med" len="med"/>
-                      <a:tailEnd type="none" w="med" len="med"/>
-                    </a:lnR>
-                    <a:lnT w="12700" cap="flat" cmpd="sng" algn="ctr">
-                      <a:solidFill>
-                        <a:schemeClr val="tx1"/>
-                      </a:solidFill>
-                      <a:prstDash val="solid"/>
-                      <a:round/>
-                      <a:headEnd type="none" w="med" len="med"/>
-                      <a:tailEnd type="none" w="med" len="med"/>
-                    </a:lnT>
-                    <a:lnB w="12700" cap="flat" cmpd="sng" algn="ctr">
-                      <a:solidFill>
-                        <a:schemeClr val="tx1"/>
-                      </a:solidFill>
-                      <a:prstDash val="solid"/>
-                      <a:round/>
-                      <a:headEnd type="none" w="med" len="med"/>
-                      <a:tailEnd type="none" w="med" len="med"/>
-                    </a:lnB>
-                    <a:solidFill>
-                      <a:schemeClr val="bg1">
-                        <a:lumMod val="65000"/>
-                      </a:schemeClr>
-                    </a:solidFill>
-                  </a:tcPr>
-                </a:tc>
-                <a:tc>
-                  <a:txBody>
-                    <a:bodyPr/>
-                    <a:lstStyle/>
-                    <a:p>
-                      <a:endParaRPr lang="en-US" dirty="0"/>
-                    </a:p>
-                  </a:txBody>
-                  <a:tcPr>
-                    <a:lnL w="12700" cap="flat" cmpd="sng" algn="ctr">
-                      <a:solidFill>
-                        <a:schemeClr val="tx1"/>
-                      </a:solidFill>
-                      <a:prstDash val="solid"/>
-                      <a:round/>
-                      <a:headEnd type="none" w="med" len="med"/>
-                      <a:tailEnd type="none" w="med" len="med"/>
-                    </a:lnL>
-                    <a:lnR w="12700" cap="flat" cmpd="sng" algn="ctr">
-                      <a:solidFill>
-                        <a:schemeClr val="tx1"/>
-                      </a:solidFill>
-                      <a:prstDash val="solid"/>
-                      <a:round/>
-                      <a:headEnd type="none" w="med" len="med"/>
-                      <a:tailEnd type="none" w="med" len="med"/>
-                    </a:lnR>
-                    <a:lnT w="12700" cap="flat" cmpd="sng" algn="ctr">
-                      <a:solidFill>
-                        <a:schemeClr val="tx1"/>
-                      </a:solidFill>
-                      <a:prstDash val="solid"/>
-                      <a:round/>
-                      <a:headEnd type="none" w="med" len="med"/>
-                      <a:tailEnd type="none" w="med" len="med"/>
-                    </a:lnT>
-                    <a:lnB w="12700" cap="flat" cmpd="sng" algn="ctr">
-                      <a:solidFill>
-                        <a:schemeClr val="tx1"/>
-                      </a:solidFill>
-                      <a:prstDash val="solid"/>
-                      <a:round/>
-                      <a:headEnd type="none" w="med" len="med"/>
-                      <a:tailEnd type="none" w="med" len="med"/>
-                    </a:lnB>
-                    <a:solidFill>
-                      <a:schemeClr val="bg1">
-                        <a:lumMod val="65000"/>
-                      </a:schemeClr>
-                    </a:solidFill>
-                  </a:tcPr>
-                </a:tc>
-                <a:tc>
-                  <a:txBody>
-                    <a:bodyPr/>
-                    <a:lstStyle/>
-                    <a:p>
-                      <a:endParaRPr lang="en-US" dirty="0"/>
-                    </a:p>
-                  </a:txBody>
-                  <a:tcPr>
-                    <a:lnL w="12700" cap="flat" cmpd="sng" algn="ctr">
-                      <a:solidFill>
-                        <a:schemeClr val="tx1"/>
-                      </a:solidFill>
-                      <a:prstDash val="solid"/>
-                      <a:round/>
-                      <a:headEnd type="none" w="med" len="med"/>
-                      <a:tailEnd type="none" w="med" len="med"/>
-                    </a:lnL>
-                    <a:lnR w="12700" cap="flat" cmpd="sng" algn="ctr">
-                      <a:solidFill>
-                        <a:schemeClr val="tx1"/>
-                      </a:solidFill>
-                      <a:prstDash val="solid"/>
-                      <a:round/>
-                      <a:headEnd type="none" w="med" len="med"/>
-                      <a:tailEnd type="none" w="med" len="med"/>
-                    </a:lnR>
-                    <a:lnT w="12700" cap="flat" cmpd="sng" algn="ctr">
-                      <a:solidFill>
-                        <a:schemeClr val="tx1"/>
-                      </a:solidFill>
-                      <a:prstDash val="solid"/>
-                      <a:round/>
-                      <a:headEnd type="none" w="med" len="med"/>
-                      <a:tailEnd type="none" w="med" len="med"/>
-                    </a:lnT>
-                    <a:lnB w="12700" cap="flat" cmpd="sng" algn="ctr">
-                      <a:solidFill>
-                        <a:schemeClr val="tx1"/>
-                      </a:solidFill>
-                      <a:prstDash val="solid"/>
-                      <a:round/>
-                      <a:headEnd type="none" w="med" len="med"/>
-                      <a:tailEnd type="none" w="med" len="med"/>
-                    </a:lnB>
-                    <a:solidFill>
-                      <a:schemeClr val="bg1">
-                        <a:lumMod val="65000"/>
-                      </a:schemeClr>
-                    </a:solidFill>
-                  </a:tcPr>
-                </a:tc>
-                <a:extLst>
-                  <a:ext uri="{0D108BD9-81ED-4DB2-BD59-A6C34878D82A}">
-                    <a16:rowId xmlns:a16="http://schemas.microsoft.com/office/drawing/2014/main" val="2947193755"/>
-                  </a:ext>
-                </a:extLst>
-              </a:tr>
-            </a:tbl>
-          </a:graphicData>
-        </a:graphic>
-      </p:graphicFrame>
       <p:sp>
         <p:nvSpPr>
           <p:cNvPr id="11" name="Rounded Rectangle 10"/>
@@ -13720,8 +11994,8 @@
         </p:nvSpPr>
         <p:spPr>
           <a:xfrm>
-            <a:off x="3264267" y="7356388"/>
-            <a:ext cx="17640000" cy="894080"/>
+            <a:off x="2004269" y="7618397"/>
+            <a:ext cx="20335463" cy="894080"/>
           </a:xfrm>
           <a:prstGeom prst="roundRect">
             <a:avLst/>
@@ -13761,7 +12035,7 @@
                 <a:latin typeface="Helvetica" panose="020B0604020202020204" pitchFamily="34" charset="0"/>
                 <a:cs typeface="Helvetica" panose="020B0604020202020204" pitchFamily="34" charset="0"/>
               </a:rPr>
-              <a:t>FC</a:t>
+              <a:t>FULLY CONNTECTED LAYER</a:t>
             </a:r>
             <a:endParaRPr lang="en-US" sz="5400" b="1" dirty="0">
               <a:latin typeface="Helvetica" panose="020B0604020202020204" pitchFamily="34" charset="0"/>
@@ -13778,7 +12052,7 @@
         </p:nvSpPr>
         <p:spPr>
           <a:xfrm>
-            <a:off x="11586002" y="6114322"/>
+            <a:off x="11673735" y="6293639"/>
             <a:ext cx="996531" cy="1137920"/>
           </a:xfrm>
           <a:prstGeom prst="downArrow">
@@ -13816,7 +12090,7 @@
         </p:nvSpPr>
         <p:spPr>
           <a:xfrm>
-            <a:off x="10519820" y="9648063"/>
+            <a:off x="10607553" y="9985745"/>
             <a:ext cx="3128892" cy="1037926"/>
           </a:xfrm>
           <a:prstGeom prst="rect">
@@ -13848,13 +12122,12 @@
           <a:p>
             <a:pPr algn="ctr"/>
             <a:r>
-              <a:rPr lang="en-US" sz="6600" dirty="0"/>
+              <a:rPr lang="en-US" sz="6600" b="1" dirty="0">
+                <a:latin typeface="Helvetica" panose="020B0604020202020204" pitchFamily="34" charset="0"/>
+                <a:cs typeface="Helvetica" panose="020B0604020202020204" pitchFamily="34" charset="0"/>
+              </a:rPr>
               <a:t>Output</a:t>
             </a:r>
-            <a:endParaRPr lang="en-US" sz="6600" dirty="0">
-              <a:latin typeface="Helvetica" panose="020B0604020202020204" pitchFamily="34" charset="0"/>
-              <a:cs typeface="Helvetica" panose="020B0604020202020204" pitchFamily="34" charset="0"/>
-            </a:endParaRPr>
           </a:p>
         </p:txBody>
       </p:sp>
@@ -13866,7 +12139,7 @@
         </p:nvSpPr>
         <p:spPr>
           <a:xfrm>
-            <a:off x="11586001" y="8354614"/>
+            <a:off x="11673734" y="8680151"/>
             <a:ext cx="996531" cy="1137920"/>
           </a:xfrm>
           <a:prstGeom prst="downArrow">
@@ -13900,41 +12173,75 @@
         <mc:Choice xmlns:a14="http://schemas.microsoft.com/office/drawing/2010/main" Requires="a14">
           <p:sp>
             <p:nvSpPr>
-              <p:cNvPr id="16" name="Rectangle 15"/>
+              <p:cNvPr id="2" name="Rounded Rectangle 1"/>
               <p:cNvSpPr/>
               <p:nvPr/>
             </p:nvSpPr>
             <p:spPr>
               <a:xfrm>
-                <a:off x="11785148" y="4523024"/>
-                <a:ext cx="598241" cy="830997"/>
+                <a:off x="2004269" y="2948460"/>
+                <a:ext cx="9969223" cy="908351"/>
               </a:xfrm>
-              <a:prstGeom prst="rect">
+              <a:prstGeom prst="roundRect">
                 <a:avLst/>
               </a:prstGeom>
             </p:spPr>
+            <p:style>
+              <a:lnRef idx="2">
+                <a:schemeClr val="dk1"/>
+              </a:lnRef>
+              <a:fillRef idx="1">
+                <a:schemeClr val="lt1"/>
+              </a:fillRef>
+              <a:effectRef idx="0">
+                <a:schemeClr val="dk1"/>
+              </a:effectRef>
+              <a:fontRef idx="minor">
+                <a:schemeClr val="dk1"/>
+              </a:fontRef>
+            </p:style>
             <p:txBody>
-              <a:bodyPr wrap="none">
-                <a:spAutoFit/>
-              </a:bodyPr>
+              <a:bodyPr rtlCol="0" anchor="ctr"/>
               <a:lstStyle/>
               <a:p>
-                <a:pPr/>
+                <a:pPr algn="ctr"/>
                 <a14:m>
                   <m:oMathPara xmlns:m="http://schemas.openxmlformats.org/officeDocument/2006/math">
                     <m:oMathParaPr>
-                      <m:jc m:val="centerGroup"/>
+                      <m:jc m:val="center"/>
                     </m:oMathParaPr>
                     <m:oMath xmlns:m="http://schemas.openxmlformats.org/officeDocument/2006/math">
-                      <m:r>
-                        <m:rPr>
-                          <m:nor/>
-                        </m:rPr>
-                        <a:rPr lang="en-US" sz="4800" b="1">
-                          <a:latin typeface="Cambria Math" panose="02040503050406030204" pitchFamily="18" charset="0"/>
-                        </a:rPr>
-                        <m:t>z</m:t>
-                      </m:r>
+                      <m:sSub>
+                        <m:sSubPr>
+                          <m:ctrlPr>
+                            <a:rPr lang="en-US" sz="4800" i="1">
+                              <a:latin typeface="Cambria Math" panose="02040503050406030204" pitchFamily="18" charset="0"/>
+                            </a:rPr>
+                          </m:ctrlPr>
+                        </m:sSubPr>
+                        <m:e>
+                          <m:r>
+                            <m:rPr>
+                              <m:nor/>
+                            </m:rPr>
+                            <a:rPr lang="en-US" sz="4800" b="1">
+                              <a:latin typeface="Cambria Math" panose="02040503050406030204" pitchFamily="18" charset="0"/>
+                            </a:rPr>
+                            <m:t>z</m:t>
+                          </m:r>
+                        </m:e>
+                        <m:sub>
+                          <m:r>
+                            <m:rPr>
+                              <m:nor/>
+                            </m:rPr>
+                            <a:rPr lang="en-US" sz="4800" b="1">
+                              <a:latin typeface="Cambria Math" panose="02040503050406030204" pitchFamily="18" charset="0"/>
+                            </a:rPr>
+                            <m:t>m</m:t>
+                          </m:r>
+                        </m:sub>
+                      </m:sSub>
                     </m:oMath>
                   </m:oMathPara>
                 </a14:m>
@@ -13946,7 +12253,7 @@
         <mc:Fallback>
           <p:sp>
             <p:nvSpPr>
-              <p:cNvPr id="16" name="Rectangle 15"/>
+              <p:cNvPr id="2" name="Rounded Rectangle 1"/>
               <p:cNvSpPr>
                 <a:spLocks noRot="1" noChangeAspect="1" noMove="1" noResize="1" noEditPoints="1" noAdjustHandles="1" noChangeArrowheads="1" noChangeShapeType="1" noTextEdit="1"/>
               </p:cNvSpPr>
@@ -13954,10 +12261,10 @@
             </p:nvSpPr>
             <p:spPr>
               <a:xfrm>
-                <a:off x="11785148" y="4523024"/>
-                <a:ext cx="598241" cy="830997"/>
+                <a:off x="2004269" y="2948460"/>
+                <a:ext cx="9969223" cy="908351"/>
               </a:xfrm>
-              <a:prstGeom prst="rect">
+              <a:prstGeom prst="roundRect">
                 <a:avLst/>
               </a:prstGeom>
               <a:blipFill>
@@ -13986,36 +12293,48 @@
         <mc:Choice xmlns:a14="http://schemas.microsoft.com/office/drawing/2010/main" Requires="a14">
           <p:sp>
             <p:nvSpPr>
-              <p:cNvPr id="17" name="Rectangle 16"/>
+              <p:cNvPr id="18" name="Rounded Rectangle 17"/>
               <p:cNvSpPr/>
               <p:nvPr/>
             </p:nvSpPr>
             <p:spPr>
               <a:xfrm>
-                <a:off x="6431705" y="2340833"/>
-                <a:ext cx="1127103" cy="830997"/>
+                <a:off x="12084266" y="2948460"/>
+                <a:ext cx="10255466" cy="908350"/>
               </a:xfrm>
-              <a:prstGeom prst="rect">
+              <a:prstGeom prst="roundRect">
                 <a:avLst/>
               </a:prstGeom>
             </p:spPr>
+            <p:style>
+              <a:lnRef idx="2">
+                <a:schemeClr val="dk1"/>
+              </a:lnRef>
+              <a:fillRef idx="1">
+                <a:schemeClr val="lt1"/>
+              </a:fillRef>
+              <a:effectRef idx="0">
+                <a:schemeClr val="dk1"/>
+              </a:effectRef>
+              <a:fontRef idx="minor">
+                <a:schemeClr val="dk1"/>
+              </a:fontRef>
+            </p:style>
             <p:txBody>
-              <a:bodyPr wrap="none">
-                <a:spAutoFit/>
-              </a:bodyPr>
+              <a:bodyPr rtlCol="0" anchor="ctr"/>
               <a:lstStyle/>
               <a:p>
-                <a:pPr/>
+                <a:pPr algn="ctr"/>
                 <a14:m>
                   <m:oMathPara xmlns:m="http://schemas.openxmlformats.org/officeDocument/2006/math">
                     <m:oMathParaPr>
-                      <m:jc m:val="centerGroup"/>
+                      <m:jc m:val="center"/>
                     </m:oMathParaPr>
                     <m:oMath xmlns:m="http://schemas.openxmlformats.org/officeDocument/2006/math">
                       <m:sSub>
                         <m:sSubPr>
                           <m:ctrlPr>
-                            <a:rPr lang="en-US" sz="4800" i="1" smtClean="0">
+                            <a:rPr lang="en-US" sz="4800" i="1">
                               <a:latin typeface="Cambria Math" panose="02040503050406030204" pitchFamily="18" charset="0"/>
                             </a:rPr>
                           </m:ctrlPr>
@@ -14033,13 +12352,10 @@
                         </m:e>
                         <m:sub>
                           <m:r>
-                            <m:rPr>
-                              <m:nor/>
-                            </m:rPr>
-                            <a:rPr lang="en-US" sz="4800" b="1" i="0" smtClean="0">
+                            <a:rPr lang="en-US" sz="4800" b="1" i="1">
                               <a:latin typeface="Cambria Math" panose="02040503050406030204" pitchFamily="18" charset="0"/>
                             </a:rPr>
-                            <m:t>m</m:t>
+                            <m:t>𝑪</m:t>
                           </m:r>
                         </m:sub>
                       </m:sSub>
@@ -14054,7 +12370,7 @@
         <mc:Fallback>
           <p:sp>
             <p:nvSpPr>
-              <p:cNvPr id="17" name="Rectangle 16"/>
+              <p:cNvPr id="18" name="Rounded Rectangle 17"/>
               <p:cNvSpPr>
                 <a:spLocks noRot="1" noChangeAspect="1" noMove="1" noResize="1" noEditPoints="1" noAdjustHandles="1" noChangeArrowheads="1" noChangeShapeType="1" noTextEdit="1"/>
               </p:cNvSpPr>
@@ -14062,10 +12378,10 @@
             </p:nvSpPr>
             <p:spPr>
               <a:xfrm>
-                <a:off x="6431705" y="2340833"/>
-                <a:ext cx="1127103" cy="830997"/>
+                <a:off x="12084266" y="2948460"/>
+                <a:ext cx="10255466" cy="908350"/>
               </a:xfrm>
-              <a:prstGeom prst="rect">
+              <a:prstGeom prst="roundRect">
                 <a:avLst/>
               </a:prstGeom>
               <a:blipFill>
@@ -14094,60 +12410,59 @@
         <mc:Choice xmlns:a14="http://schemas.microsoft.com/office/drawing/2010/main" Requires="a14">
           <p:sp>
             <p:nvSpPr>
-              <p:cNvPr id="20" name="Rectangle 19"/>
+              <p:cNvPr id="3" name="Rounded Rectangle 2"/>
               <p:cNvSpPr/>
               <p:nvPr/>
             </p:nvSpPr>
             <p:spPr>
               <a:xfrm>
-                <a:off x="16895707" y="2381991"/>
-                <a:ext cx="905889" cy="830997"/>
+                <a:off x="2004269" y="5245905"/>
+                <a:ext cx="20335463" cy="926397"/>
               </a:xfrm>
-              <a:prstGeom prst="rect">
+              <a:prstGeom prst="roundRect">
                 <a:avLst/>
               </a:prstGeom>
+              <a:noFill/>
+              <a:ln>
+                <a:solidFill>
+                  <a:schemeClr val="tx1"/>
+                </a:solidFill>
+              </a:ln>
             </p:spPr>
+            <p:style>
+              <a:lnRef idx="2">
+                <a:schemeClr val="dk1"/>
+              </a:lnRef>
+              <a:fillRef idx="1">
+                <a:schemeClr val="lt1"/>
+              </a:fillRef>
+              <a:effectRef idx="0">
+                <a:schemeClr val="dk1"/>
+              </a:effectRef>
+              <a:fontRef idx="minor">
+                <a:schemeClr val="dk1"/>
+              </a:fontRef>
+            </p:style>
             <p:txBody>
-              <a:bodyPr wrap="none">
-                <a:spAutoFit/>
-              </a:bodyPr>
+              <a:bodyPr rtlCol="0" anchor="ctr"/>
               <a:lstStyle/>
               <a:p>
-                <a:pPr/>
+                <a:pPr algn="ctr"/>
                 <a14:m>
                   <m:oMathPara xmlns:m="http://schemas.openxmlformats.org/officeDocument/2006/math">
                     <m:oMathParaPr>
                       <m:jc m:val="centerGroup"/>
                     </m:oMathParaPr>
                     <m:oMath xmlns:m="http://schemas.openxmlformats.org/officeDocument/2006/math">
-                      <m:sSub>
-                        <m:sSubPr>
-                          <m:ctrlPr>
-                            <a:rPr lang="en-US" sz="4800" i="1" smtClean="0">
-                              <a:latin typeface="Cambria Math" panose="02040503050406030204" pitchFamily="18" charset="0"/>
-                            </a:rPr>
-                          </m:ctrlPr>
-                        </m:sSubPr>
-                        <m:e>
-                          <m:r>
-                            <m:rPr>
-                              <m:nor/>
-                            </m:rPr>
-                            <a:rPr lang="en-US" sz="4800" b="1">
-                              <a:latin typeface="Cambria Math" panose="02040503050406030204" pitchFamily="18" charset="0"/>
-                            </a:rPr>
-                            <m:t>z</m:t>
-                          </m:r>
-                        </m:e>
-                        <m:sub>
-                          <m:r>
-                            <a:rPr lang="en-US" sz="4800" b="1" i="1" smtClean="0">
-                              <a:latin typeface="Cambria Math" panose="02040503050406030204" pitchFamily="18" charset="0"/>
-                            </a:rPr>
-                            <m:t>𝑪</m:t>
-                          </m:r>
-                        </m:sub>
-                      </m:sSub>
+                      <m:r>
+                        <m:rPr>
+                          <m:nor/>
+                        </m:rPr>
+                        <a:rPr lang="en-US" sz="4800" b="1">
+                          <a:latin typeface="Cambria Math" panose="02040503050406030204" pitchFamily="18" charset="0"/>
+                        </a:rPr>
+                        <m:t>z</m:t>
+                      </m:r>
                     </m:oMath>
                   </m:oMathPara>
                 </a14:m>
@@ -14159,7 +12474,7 @@
         <mc:Fallback>
           <p:sp>
             <p:nvSpPr>
-              <p:cNvPr id="20" name="Rectangle 19"/>
+              <p:cNvPr id="3" name="Rounded Rectangle 2"/>
               <p:cNvSpPr>
                 <a:spLocks noRot="1" noChangeAspect="1" noMove="1" noResize="1" noEditPoints="1" noAdjustHandles="1" noChangeArrowheads="1" noChangeShapeType="1" noTextEdit="1"/>
               </p:cNvSpPr>
@@ -14167,10 +12482,10 @@
             </p:nvSpPr>
             <p:spPr>
               <a:xfrm>
-                <a:off x="16895707" y="2381991"/>
-                <a:ext cx="905889" cy="830997"/>
+                <a:off x="2004269" y="5245905"/>
+                <a:ext cx="20335463" cy="926397"/>
               </a:xfrm>
-              <a:prstGeom prst="rect">
+              <a:prstGeom prst="roundRect">
                 <a:avLst/>
               </a:prstGeom>
               <a:blipFill>
@@ -14179,6 +12494,11 @@
                   <a:fillRect/>
                 </a:stretch>
               </a:blipFill>
+              <a:ln>
+                <a:solidFill>
+                  <a:schemeClr val="tx1"/>
+                </a:solidFill>
+              </a:ln>
             </p:spPr>
             <p:txBody>
               <a:bodyPr/>
@@ -14492,8 +12812,8 @@
           </a:p>
         </p:txBody>
       </p:sp>
-      <mc:AlternateContent xmlns:mc="http://schemas.openxmlformats.org/markup-compatibility/2006">
-        <mc:Choice xmlns:a14="http://schemas.microsoft.com/office/drawing/2010/main" Requires="a14">
+      <mc:AlternateContent xmlns:mc="http://schemas.openxmlformats.org/markup-compatibility/2006" xmlns:a14="http://schemas.microsoft.com/office/drawing/2010/main">
+        <mc:Choice Requires="a14">
           <p:sp>
             <p:nvSpPr>
               <p:cNvPr id="23" name="TextBox 22"/>
@@ -14540,7 +12860,7 @@
             </p:txBody>
           </p:sp>
         </mc:Choice>
-        <mc:Fallback>
+        <mc:Fallback xmlns="">
           <p:sp>
             <p:nvSpPr>
               <p:cNvPr id="23" name="TextBox 22"/>
@@ -14609,10 +12929,6 @@
               </a:rPr>
               <a:t>output layer</a:t>
             </a:r>
-            <a:endParaRPr lang="en-US" sz="3391" dirty="0">
-              <a:latin typeface="Helvetica" panose="020B0604020202020204" pitchFamily="34" charset="0"/>
-              <a:cs typeface="Helvetica" panose="020B0604020202020204" pitchFamily="34" charset="0"/>
-            </a:endParaRPr>
           </a:p>
         </p:txBody>
       </p:sp>
@@ -14645,10 +12961,6 @@
               </a:rPr>
               <a:t>Classification module</a:t>
             </a:r>
-            <a:endParaRPr lang="en-US" sz="4388" b="1" dirty="0">
-              <a:latin typeface="Helvetica" panose="020B0604020202020204" pitchFamily="34" charset="0"/>
-              <a:cs typeface="Helvetica" panose="020B0604020202020204" pitchFamily="34" charset="0"/>
-            </a:endParaRPr>
           </a:p>
         </p:txBody>
       </p:sp>
@@ -14885,8 +13197,8 @@
           </a:p>
         </p:txBody>
       </p:sp>
-      <mc:AlternateContent xmlns:mc="http://schemas.openxmlformats.org/markup-compatibility/2006">
-        <mc:Choice xmlns:a14="http://schemas.microsoft.com/office/drawing/2010/main" Requires="a14">
+      <mc:AlternateContent xmlns:mc="http://schemas.openxmlformats.org/markup-compatibility/2006" xmlns:a14="http://schemas.microsoft.com/office/drawing/2010/main">
+        <mc:Choice Requires="a14">
           <p:sp>
             <p:nvSpPr>
               <p:cNvPr id="27" name="Rectangle 26"/>
@@ -14954,7 +13266,7 @@
             </p:txBody>
           </p:sp>
         </mc:Choice>
-        <mc:Fallback>
+        <mc:Fallback xmlns="">
           <p:sp>
             <p:nvSpPr>
               <p:cNvPr id="27" name="Rectangle 26"/>
@@ -14993,8 +13305,8 @@
           </p:sp>
         </mc:Fallback>
       </mc:AlternateContent>
-      <mc:AlternateContent xmlns:mc="http://schemas.openxmlformats.org/markup-compatibility/2006">
-        <mc:Choice xmlns:a14="http://schemas.microsoft.com/office/drawing/2010/main" Requires="a14">
+      <mc:AlternateContent xmlns:mc="http://schemas.openxmlformats.org/markup-compatibility/2006" xmlns:a14="http://schemas.microsoft.com/office/drawing/2010/main">
+        <mc:Choice Requires="a14">
           <p:sp>
             <p:nvSpPr>
               <p:cNvPr id="33" name="Rectangle 32"/>
@@ -15059,7 +13371,7 @@
             </p:txBody>
           </p:sp>
         </mc:Choice>
-        <mc:Fallback>
+        <mc:Fallback xmlns="">
           <p:sp>
             <p:nvSpPr>
               <p:cNvPr id="33" name="Rectangle 32"/>
@@ -25643,6 +23955,4026 @@
 </p:sld>
 </file>
 
+<file path=ppt/slides/slide8.xml><?xml version="1.0" encoding="utf-8"?>
+<p:sld xmlns:a="http://schemas.openxmlformats.org/drawingml/2006/main" xmlns:r="http://schemas.openxmlformats.org/officeDocument/2006/relationships" xmlns:p="http://schemas.openxmlformats.org/presentationml/2006/main">
+  <p:cSld>
+    <p:spTree>
+      <p:nvGrpSpPr>
+        <p:cNvPr id="1" name=""/>
+        <p:cNvGrpSpPr/>
+        <p:nvPr/>
+      </p:nvGrpSpPr>
+      <p:grpSpPr>
+        <a:xfrm>
+          <a:off x="0" y="0"/>
+          <a:ext cx="0" cy="0"/>
+          <a:chOff x="0" y="0"/>
+          <a:chExt cx="0" cy="0"/>
+        </a:xfrm>
+      </p:grpSpPr>
+      <p:grpSp>
+        <p:nvGrpSpPr>
+          <p:cNvPr id="49" name="Group 48"/>
+          <p:cNvGrpSpPr/>
+          <p:nvPr/>
+        </p:nvGrpSpPr>
+        <p:grpSpPr>
+          <a:xfrm>
+            <a:off x="5018216" y="2738738"/>
+            <a:ext cx="1809750" cy="3796485"/>
+            <a:chOff x="1390650" y="2438400"/>
+            <a:chExt cx="1809750" cy="3796485"/>
+          </a:xfrm>
+        </p:grpSpPr>
+        <p:cxnSp>
+          <p:nvCxnSpPr>
+            <p:cNvPr id="26" name="Straight Connector 25"/>
+            <p:cNvCxnSpPr/>
+            <p:nvPr/>
+          </p:nvCxnSpPr>
+          <p:spPr>
+            <a:xfrm flipH="1">
+              <a:off x="1390650" y="3320235"/>
+              <a:ext cx="19050" cy="2914650"/>
+            </a:xfrm>
+            <a:prstGeom prst="line">
+              <a:avLst/>
+            </a:prstGeom>
+            <a:ln w="28575">
+              <a:solidFill>
+                <a:schemeClr val="accent1">
+                  <a:lumMod val="50000"/>
+                </a:schemeClr>
+              </a:solidFill>
+            </a:ln>
+          </p:spPr>
+          <p:style>
+            <a:lnRef idx="1">
+              <a:schemeClr val="accent1"/>
+            </a:lnRef>
+            <a:fillRef idx="0">
+              <a:schemeClr val="accent1"/>
+            </a:fillRef>
+            <a:effectRef idx="0">
+              <a:schemeClr val="accent1"/>
+            </a:effectRef>
+            <a:fontRef idx="minor">
+              <a:schemeClr val="tx1"/>
+            </a:fontRef>
+          </p:style>
+        </p:cxnSp>
+        <p:cxnSp>
+          <p:nvCxnSpPr>
+            <p:cNvPr id="27" name="Straight Connector 26"/>
+            <p:cNvCxnSpPr/>
+            <p:nvPr/>
+          </p:nvCxnSpPr>
+          <p:spPr>
+            <a:xfrm flipH="1">
+              <a:off x="1409700" y="2438400"/>
+              <a:ext cx="1790700" cy="881836"/>
+            </a:xfrm>
+            <a:prstGeom prst="line">
+              <a:avLst/>
+            </a:prstGeom>
+            <a:ln w="28575">
+              <a:solidFill>
+                <a:schemeClr val="accent1">
+                  <a:lumMod val="50000"/>
+                </a:schemeClr>
+              </a:solidFill>
+            </a:ln>
+          </p:spPr>
+          <p:style>
+            <a:lnRef idx="1">
+              <a:schemeClr val="accent1"/>
+            </a:lnRef>
+            <a:fillRef idx="0">
+              <a:schemeClr val="accent1"/>
+            </a:fillRef>
+            <a:effectRef idx="0">
+              <a:schemeClr val="accent1"/>
+            </a:effectRef>
+            <a:fontRef idx="minor">
+              <a:schemeClr val="tx1"/>
+            </a:fontRef>
+          </p:style>
+        </p:cxnSp>
+        <p:cxnSp>
+          <p:nvCxnSpPr>
+            <p:cNvPr id="31" name="Straight Connector 30"/>
+            <p:cNvCxnSpPr/>
+            <p:nvPr/>
+          </p:nvCxnSpPr>
+          <p:spPr>
+            <a:xfrm flipH="1">
+              <a:off x="3181350" y="2438400"/>
+              <a:ext cx="19050" cy="2914650"/>
+            </a:xfrm>
+            <a:prstGeom prst="line">
+              <a:avLst/>
+            </a:prstGeom>
+            <a:ln w="28575">
+              <a:solidFill>
+                <a:schemeClr val="accent1">
+                  <a:lumMod val="50000"/>
+                </a:schemeClr>
+              </a:solidFill>
+            </a:ln>
+          </p:spPr>
+          <p:style>
+            <a:lnRef idx="1">
+              <a:schemeClr val="accent1"/>
+            </a:lnRef>
+            <a:fillRef idx="0">
+              <a:schemeClr val="accent1"/>
+            </a:fillRef>
+            <a:effectRef idx="0">
+              <a:schemeClr val="accent1"/>
+            </a:effectRef>
+            <a:fontRef idx="minor">
+              <a:schemeClr val="tx1"/>
+            </a:fontRef>
+          </p:style>
+        </p:cxnSp>
+        <p:cxnSp>
+          <p:nvCxnSpPr>
+            <p:cNvPr id="34" name="Straight Connector 33"/>
+            <p:cNvCxnSpPr/>
+            <p:nvPr/>
+          </p:nvCxnSpPr>
+          <p:spPr>
+            <a:xfrm flipH="1">
+              <a:off x="1409700" y="5353049"/>
+              <a:ext cx="1790700" cy="881836"/>
+            </a:xfrm>
+            <a:prstGeom prst="line">
+              <a:avLst/>
+            </a:prstGeom>
+            <a:ln w="28575">
+              <a:solidFill>
+                <a:schemeClr val="accent1">
+                  <a:lumMod val="50000"/>
+                </a:schemeClr>
+              </a:solidFill>
+            </a:ln>
+          </p:spPr>
+          <p:style>
+            <a:lnRef idx="1">
+              <a:schemeClr val="accent1"/>
+            </a:lnRef>
+            <a:fillRef idx="0">
+              <a:schemeClr val="accent1"/>
+            </a:fillRef>
+            <a:effectRef idx="0">
+              <a:schemeClr val="accent1"/>
+            </a:effectRef>
+            <a:fontRef idx="minor">
+              <a:schemeClr val="tx1"/>
+            </a:fontRef>
+          </p:style>
+        </p:cxnSp>
+      </p:grpSp>
+      <p:cxnSp>
+        <p:nvCxnSpPr>
+          <p:cNvPr id="36" name="Straight Connector 35"/>
+          <p:cNvCxnSpPr/>
+          <p:nvPr/>
+        </p:nvCxnSpPr>
+        <p:spPr>
+          <a:xfrm flipH="1">
+            <a:off x="8446530" y="3620573"/>
+            <a:ext cx="19050" cy="2914650"/>
+          </a:xfrm>
+          <a:prstGeom prst="line">
+            <a:avLst/>
+          </a:prstGeom>
+          <a:ln w="28575">
+            <a:solidFill>
+              <a:schemeClr val="accent1">
+                <a:lumMod val="50000"/>
+              </a:schemeClr>
+            </a:solidFill>
+          </a:ln>
+        </p:spPr>
+        <p:style>
+          <a:lnRef idx="1">
+            <a:schemeClr val="accent1"/>
+          </a:lnRef>
+          <a:fillRef idx="0">
+            <a:schemeClr val="accent1"/>
+          </a:fillRef>
+          <a:effectRef idx="0">
+            <a:schemeClr val="accent1"/>
+          </a:effectRef>
+          <a:fontRef idx="minor">
+            <a:schemeClr val="tx1"/>
+          </a:fontRef>
+        </p:style>
+      </p:cxnSp>
+      <p:cxnSp>
+        <p:nvCxnSpPr>
+          <p:cNvPr id="37" name="Straight Connector 36"/>
+          <p:cNvCxnSpPr/>
+          <p:nvPr/>
+        </p:nvCxnSpPr>
+        <p:spPr>
+          <a:xfrm flipH="1">
+            <a:off x="8446530" y="2738737"/>
+            <a:ext cx="1790700" cy="881836"/>
+          </a:xfrm>
+          <a:prstGeom prst="line">
+            <a:avLst/>
+          </a:prstGeom>
+          <a:ln w="28575">
+            <a:solidFill>
+              <a:schemeClr val="accent1">
+                <a:lumMod val="50000"/>
+              </a:schemeClr>
+            </a:solidFill>
+          </a:ln>
+        </p:spPr>
+        <p:style>
+          <a:lnRef idx="1">
+            <a:schemeClr val="accent1"/>
+          </a:lnRef>
+          <a:fillRef idx="0">
+            <a:schemeClr val="accent1"/>
+          </a:fillRef>
+          <a:effectRef idx="0">
+            <a:schemeClr val="accent1"/>
+          </a:effectRef>
+          <a:fontRef idx="minor">
+            <a:schemeClr val="tx1"/>
+          </a:fontRef>
+        </p:style>
+      </p:cxnSp>
+      <p:cxnSp>
+        <p:nvCxnSpPr>
+          <p:cNvPr id="38" name="Straight Connector 37"/>
+          <p:cNvCxnSpPr/>
+          <p:nvPr/>
+        </p:nvCxnSpPr>
+        <p:spPr>
+          <a:xfrm flipH="1">
+            <a:off x="9653030" y="3056238"/>
+            <a:ext cx="1790700" cy="881836"/>
+          </a:xfrm>
+          <a:prstGeom prst="line">
+            <a:avLst/>
+          </a:prstGeom>
+          <a:ln w="28575">
+            <a:solidFill>
+              <a:schemeClr val="accent1">
+                <a:lumMod val="50000"/>
+              </a:schemeClr>
+            </a:solidFill>
+          </a:ln>
+        </p:spPr>
+        <p:style>
+          <a:lnRef idx="1">
+            <a:schemeClr val="accent1"/>
+          </a:lnRef>
+          <a:fillRef idx="0">
+            <a:schemeClr val="accent1"/>
+          </a:fillRef>
+          <a:effectRef idx="0">
+            <a:schemeClr val="accent1"/>
+          </a:effectRef>
+          <a:fontRef idx="minor">
+            <a:schemeClr val="tx1"/>
+          </a:fontRef>
+        </p:style>
+      </p:cxnSp>
+      <p:cxnSp>
+        <p:nvCxnSpPr>
+          <p:cNvPr id="40" name="Straight Connector 39"/>
+          <p:cNvCxnSpPr/>
+          <p:nvPr/>
+        </p:nvCxnSpPr>
+        <p:spPr>
+          <a:xfrm>
+            <a:off x="8465580" y="3620573"/>
+            <a:ext cx="1187450" cy="317500"/>
+          </a:xfrm>
+          <a:prstGeom prst="line">
+            <a:avLst/>
+          </a:prstGeom>
+          <a:ln w="28575">
+            <a:solidFill>
+              <a:schemeClr val="accent1">
+                <a:lumMod val="50000"/>
+              </a:schemeClr>
+            </a:solidFill>
+          </a:ln>
+        </p:spPr>
+        <p:style>
+          <a:lnRef idx="1">
+            <a:schemeClr val="accent1"/>
+          </a:lnRef>
+          <a:fillRef idx="0">
+            <a:schemeClr val="accent1"/>
+          </a:fillRef>
+          <a:effectRef idx="0">
+            <a:schemeClr val="accent1"/>
+          </a:effectRef>
+          <a:fontRef idx="minor">
+            <a:schemeClr val="tx1"/>
+          </a:fontRef>
+        </p:style>
+      </p:cxnSp>
+      <p:cxnSp>
+        <p:nvCxnSpPr>
+          <p:cNvPr id="41" name="Straight Connector 40"/>
+          <p:cNvCxnSpPr/>
+          <p:nvPr/>
+        </p:nvCxnSpPr>
+        <p:spPr>
+          <a:xfrm>
+            <a:off x="10208655" y="2738738"/>
+            <a:ext cx="1187450" cy="317500"/>
+          </a:xfrm>
+          <a:prstGeom prst="line">
+            <a:avLst/>
+          </a:prstGeom>
+          <a:ln w="28575">
+            <a:solidFill>
+              <a:schemeClr val="accent1">
+                <a:lumMod val="50000"/>
+              </a:schemeClr>
+            </a:solidFill>
+          </a:ln>
+        </p:spPr>
+        <p:style>
+          <a:lnRef idx="1">
+            <a:schemeClr val="accent1"/>
+          </a:lnRef>
+          <a:fillRef idx="0">
+            <a:schemeClr val="accent1"/>
+          </a:fillRef>
+          <a:effectRef idx="0">
+            <a:schemeClr val="accent1"/>
+          </a:effectRef>
+          <a:fontRef idx="minor">
+            <a:schemeClr val="tx1"/>
+          </a:fontRef>
+        </p:style>
+      </p:cxnSp>
+      <p:cxnSp>
+        <p:nvCxnSpPr>
+          <p:cNvPr id="42" name="Straight Connector 41"/>
+          <p:cNvCxnSpPr/>
+          <p:nvPr/>
+        </p:nvCxnSpPr>
+        <p:spPr>
+          <a:xfrm flipH="1">
+            <a:off x="9643505" y="3938073"/>
+            <a:ext cx="19050" cy="2914650"/>
+          </a:xfrm>
+          <a:prstGeom prst="line">
+            <a:avLst/>
+          </a:prstGeom>
+          <a:ln w="28575">
+            <a:solidFill>
+              <a:schemeClr val="accent1">
+                <a:lumMod val="50000"/>
+              </a:schemeClr>
+            </a:solidFill>
+          </a:ln>
+        </p:spPr>
+        <p:style>
+          <a:lnRef idx="1">
+            <a:schemeClr val="accent1"/>
+          </a:lnRef>
+          <a:fillRef idx="0">
+            <a:schemeClr val="accent1"/>
+          </a:fillRef>
+          <a:effectRef idx="0">
+            <a:schemeClr val="accent1"/>
+          </a:effectRef>
+          <a:fontRef idx="minor">
+            <a:schemeClr val="tx1"/>
+          </a:fontRef>
+        </p:style>
+      </p:cxnSp>
+      <p:cxnSp>
+        <p:nvCxnSpPr>
+          <p:cNvPr id="43" name="Straight Connector 42"/>
+          <p:cNvCxnSpPr/>
+          <p:nvPr/>
+        </p:nvCxnSpPr>
+        <p:spPr>
+          <a:xfrm>
+            <a:off x="8443355" y="6535223"/>
+            <a:ext cx="1187450" cy="317500"/>
+          </a:xfrm>
+          <a:prstGeom prst="line">
+            <a:avLst/>
+          </a:prstGeom>
+          <a:ln w="28575">
+            <a:solidFill>
+              <a:schemeClr val="accent1">
+                <a:lumMod val="50000"/>
+              </a:schemeClr>
+            </a:solidFill>
+          </a:ln>
+        </p:spPr>
+        <p:style>
+          <a:lnRef idx="1">
+            <a:schemeClr val="accent1"/>
+          </a:lnRef>
+          <a:fillRef idx="0">
+            <a:schemeClr val="accent1"/>
+          </a:fillRef>
+          <a:effectRef idx="0">
+            <a:schemeClr val="accent1"/>
+          </a:effectRef>
+          <a:fontRef idx="minor">
+            <a:schemeClr val="tx1"/>
+          </a:fontRef>
+        </p:style>
+      </p:cxnSp>
+      <p:cxnSp>
+        <p:nvCxnSpPr>
+          <p:cNvPr id="44" name="Straight Connector 43"/>
+          <p:cNvCxnSpPr/>
+          <p:nvPr/>
+        </p:nvCxnSpPr>
+        <p:spPr>
+          <a:xfrm flipH="1">
+            <a:off x="10208655" y="2738737"/>
+            <a:ext cx="19050" cy="2914650"/>
+          </a:xfrm>
+          <a:prstGeom prst="line">
+            <a:avLst/>
+          </a:prstGeom>
+          <a:ln w="28575">
+            <a:solidFill>
+              <a:schemeClr val="accent1">
+                <a:lumMod val="50000"/>
+              </a:schemeClr>
+            </a:solidFill>
+          </a:ln>
+        </p:spPr>
+        <p:style>
+          <a:lnRef idx="1">
+            <a:schemeClr val="accent1"/>
+          </a:lnRef>
+          <a:fillRef idx="0">
+            <a:schemeClr val="accent1"/>
+          </a:fillRef>
+          <a:effectRef idx="0">
+            <a:schemeClr val="accent1"/>
+          </a:effectRef>
+          <a:fontRef idx="minor">
+            <a:schemeClr val="tx1"/>
+          </a:fontRef>
+        </p:style>
+      </p:cxnSp>
+      <p:cxnSp>
+        <p:nvCxnSpPr>
+          <p:cNvPr id="45" name="Straight Connector 44"/>
+          <p:cNvCxnSpPr/>
+          <p:nvPr/>
+        </p:nvCxnSpPr>
+        <p:spPr>
+          <a:xfrm flipH="1">
+            <a:off x="8437005" y="5653388"/>
+            <a:ext cx="1790700" cy="881836"/>
+          </a:xfrm>
+          <a:prstGeom prst="line">
+            <a:avLst/>
+          </a:prstGeom>
+          <a:ln w="28575">
+            <a:solidFill>
+              <a:schemeClr val="accent1">
+                <a:lumMod val="50000"/>
+              </a:schemeClr>
+            </a:solidFill>
+          </a:ln>
+        </p:spPr>
+        <p:style>
+          <a:lnRef idx="1">
+            <a:schemeClr val="accent1"/>
+          </a:lnRef>
+          <a:fillRef idx="0">
+            <a:schemeClr val="accent1"/>
+          </a:fillRef>
+          <a:effectRef idx="0">
+            <a:schemeClr val="accent1"/>
+          </a:effectRef>
+          <a:fontRef idx="minor">
+            <a:schemeClr val="tx1"/>
+          </a:fontRef>
+        </p:style>
+      </p:cxnSp>
+      <p:cxnSp>
+        <p:nvCxnSpPr>
+          <p:cNvPr id="46" name="Straight Connector 45"/>
+          <p:cNvCxnSpPr/>
+          <p:nvPr/>
+        </p:nvCxnSpPr>
+        <p:spPr>
+          <a:xfrm flipH="1">
+            <a:off x="9605405" y="5970887"/>
+            <a:ext cx="1790700" cy="881836"/>
+          </a:xfrm>
+          <a:prstGeom prst="line">
+            <a:avLst/>
+          </a:prstGeom>
+          <a:ln w="28575">
+            <a:solidFill>
+              <a:schemeClr val="accent1">
+                <a:lumMod val="50000"/>
+              </a:schemeClr>
+            </a:solidFill>
+          </a:ln>
+        </p:spPr>
+        <p:style>
+          <a:lnRef idx="1">
+            <a:schemeClr val="accent1"/>
+          </a:lnRef>
+          <a:fillRef idx="0">
+            <a:schemeClr val="accent1"/>
+          </a:fillRef>
+          <a:effectRef idx="0">
+            <a:schemeClr val="accent1"/>
+          </a:effectRef>
+          <a:fontRef idx="minor">
+            <a:schemeClr val="tx1"/>
+          </a:fontRef>
+        </p:style>
+      </p:cxnSp>
+      <p:cxnSp>
+        <p:nvCxnSpPr>
+          <p:cNvPr id="47" name="Straight Connector 46"/>
+          <p:cNvCxnSpPr/>
+          <p:nvPr/>
+        </p:nvCxnSpPr>
+        <p:spPr>
+          <a:xfrm>
+            <a:off x="10203893" y="5653386"/>
+            <a:ext cx="1187450" cy="317500"/>
+          </a:xfrm>
+          <a:prstGeom prst="line">
+            <a:avLst/>
+          </a:prstGeom>
+          <a:ln w="28575">
+            <a:solidFill>
+              <a:schemeClr val="accent1">
+                <a:lumMod val="50000"/>
+              </a:schemeClr>
+            </a:solidFill>
+          </a:ln>
+        </p:spPr>
+        <p:style>
+          <a:lnRef idx="1">
+            <a:schemeClr val="accent1"/>
+          </a:lnRef>
+          <a:fillRef idx="0">
+            <a:schemeClr val="accent1"/>
+          </a:fillRef>
+          <a:effectRef idx="0">
+            <a:schemeClr val="accent1"/>
+          </a:effectRef>
+          <a:fontRef idx="minor">
+            <a:schemeClr val="tx1"/>
+          </a:fontRef>
+        </p:style>
+      </p:cxnSp>
+      <p:cxnSp>
+        <p:nvCxnSpPr>
+          <p:cNvPr id="48" name="Straight Connector 47"/>
+          <p:cNvCxnSpPr/>
+          <p:nvPr/>
+        </p:nvCxnSpPr>
+        <p:spPr>
+          <a:xfrm flipH="1">
+            <a:off x="11396105" y="3056238"/>
+            <a:ext cx="19050" cy="2914650"/>
+          </a:xfrm>
+          <a:prstGeom prst="line">
+            <a:avLst/>
+          </a:prstGeom>
+          <a:ln w="28575">
+            <a:solidFill>
+              <a:schemeClr val="accent1">
+                <a:lumMod val="50000"/>
+              </a:schemeClr>
+            </a:solidFill>
+          </a:ln>
+        </p:spPr>
+        <p:style>
+          <a:lnRef idx="1">
+            <a:schemeClr val="accent1"/>
+          </a:lnRef>
+          <a:fillRef idx="0">
+            <a:schemeClr val="accent1"/>
+          </a:fillRef>
+          <a:effectRef idx="0">
+            <a:schemeClr val="accent1"/>
+          </a:effectRef>
+          <a:fontRef idx="minor">
+            <a:schemeClr val="tx1"/>
+          </a:fontRef>
+        </p:style>
+      </p:cxnSp>
+      <p:grpSp>
+        <p:nvGrpSpPr>
+          <p:cNvPr id="50" name="Group 49"/>
+          <p:cNvGrpSpPr/>
+          <p:nvPr/>
+        </p:nvGrpSpPr>
+        <p:grpSpPr>
+          <a:xfrm>
+            <a:off x="5364849" y="3938073"/>
+            <a:ext cx="476936" cy="927100"/>
+            <a:chOff x="1390650" y="2438400"/>
+            <a:chExt cx="1809750" cy="3796485"/>
+          </a:xfrm>
+        </p:grpSpPr>
+        <p:cxnSp>
+          <p:nvCxnSpPr>
+            <p:cNvPr id="51" name="Straight Connector 50"/>
+            <p:cNvCxnSpPr/>
+            <p:nvPr/>
+          </p:nvCxnSpPr>
+          <p:spPr>
+            <a:xfrm flipH="1">
+              <a:off x="1390650" y="3320235"/>
+              <a:ext cx="19050" cy="2914650"/>
+            </a:xfrm>
+            <a:prstGeom prst="line">
+              <a:avLst/>
+            </a:prstGeom>
+            <a:ln w="28575">
+              <a:solidFill>
+                <a:schemeClr val="accent1">
+                  <a:lumMod val="50000"/>
+                </a:schemeClr>
+              </a:solidFill>
+            </a:ln>
+          </p:spPr>
+          <p:style>
+            <a:lnRef idx="1">
+              <a:schemeClr val="accent1"/>
+            </a:lnRef>
+            <a:fillRef idx="0">
+              <a:schemeClr val="accent1"/>
+            </a:fillRef>
+            <a:effectRef idx="0">
+              <a:schemeClr val="accent1"/>
+            </a:effectRef>
+            <a:fontRef idx="minor">
+              <a:schemeClr val="tx1"/>
+            </a:fontRef>
+          </p:style>
+        </p:cxnSp>
+        <p:cxnSp>
+          <p:nvCxnSpPr>
+            <p:cNvPr id="52" name="Straight Connector 51"/>
+            <p:cNvCxnSpPr/>
+            <p:nvPr/>
+          </p:nvCxnSpPr>
+          <p:spPr>
+            <a:xfrm flipH="1">
+              <a:off x="1409700" y="2438400"/>
+              <a:ext cx="1790700" cy="881836"/>
+            </a:xfrm>
+            <a:prstGeom prst="line">
+              <a:avLst/>
+            </a:prstGeom>
+            <a:ln w="28575">
+              <a:solidFill>
+                <a:schemeClr val="accent1">
+                  <a:lumMod val="50000"/>
+                </a:schemeClr>
+              </a:solidFill>
+            </a:ln>
+          </p:spPr>
+          <p:style>
+            <a:lnRef idx="1">
+              <a:schemeClr val="accent1"/>
+            </a:lnRef>
+            <a:fillRef idx="0">
+              <a:schemeClr val="accent1"/>
+            </a:fillRef>
+            <a:effectRef idx="0">
+              <a:schemeClr val="accent1"/>
+            </a:effectRef>
+            <a:fontRef idx="minor">
+              <a:schemeClr val="tx1"/>
+            </a:fontRef>
+          </p:style>
+        </p:cxnSp>
+        <p:cxnSp>
+          <p:nvCxnSpPr>
+            <p:cNvPr id="53" name="Straight Connector 52"/>
+            <p:cNvCxnSpPr/>
+            <p:nvPr/>
+          </p:nvCxnSpPr>
+          <p:spPr>
+            <a:xfrm flipH="1">
+              <a:off x="3181350" y="2438400"/>
+              <a:ext cx="19050" cy="2914650"/>
+            </a:xfrm>
+            <a:prstGeom prst="line">
+              <a:avLst/>
+            </a:prstGeom>
+            <a:ln w="28575">
+              <a:solidFill>
+                <a:schemeClr val="accent1">
+                  <a:lumMod val="50000"/>
+                </a:schemeClr>
+              </a:solidFill>
+            </a:ln>
+          </p:spPr>
+          <p:style>
+            <a:lnRef idx="1">
+              <a:schemeClr val="accent1"/>
+            </a:lnRef>
+            <a:fillRef idx="0">
+              <a:schemeClr val="accent1"/>
+            </a:fillRef>
+            <a:effectRef idx="0">
+              <a:schemeClr val="accent1"/>
+            </a:effectRef>
+            <a:fontRef idx="minor">
+              <a:schemeClr val="tx1"/>
+            </a:fontRef>
+          </p:style>
+        </p:cxnSp>
+        <p:cxnSp>
+          <p:nvCxnSpPr>
+            <p:cNvPr id="54" name="Straight Connector 53"/>
+            <p:cNvCxnSpPr/>
+            <p:nvPr/>
+          </p:nvCxnSpPr>
+          <p:spPr>
+            <a:xfrm flipH="1">
+              <a:off x="1409700" y="5353049"/>
+              <a:ext cx="1790700" cy="881836"/>
+            </a:xfrm>
+            <a:prstGeom prst="line">
+              <a:avLst/>
+            </a:prstGeom>
+            <a:ln w="28575">
+              <a:solidFill>
+                <a:schemeClr val="accent1">
+                  <a:lumMod val="50000"/>
+                </a:schemeClr>
+              </a:solidFill>
+            </a:ln>
+          </p:spPr>
+          <p:style>
+            <a:lnRef idx="1">
+              <a:schemeClr val="accent1"/>
+            </a:lnRef>
+            <a:fillRef idx="0">
+              <a:schemeClr val="accent1"/>
+            </a:fillRef>
+            <a:effectRef idx="0">
+              <a:schemeClr val="accent1"/>
+            </a:effectRef>
+            <a:fontRef idx="minor">
+              <a:schemeClr val="tx1"/>
+            </a:fontRef>
+          </p:style>
+        </p:cxnSp>
+      </p:grpSp>
+      <p:grpSp>
+        <p:nvGrpSpPr>
+          <p:cNvPr id="55" name="Group 54"/>
+          <p:cNvGrpSpPr/>
+          <p:nvPr/>
+        </p:nvGrpSpPr>
+        <p:grpSpPr>
+          <a:xfrm>
+            <a:off x="8958370" y="4887676"/>
+            <a:ext cx="157420" cy="380443"/>
+            <a:chOff x="1390650" y="2438400"/>
+            <a:chExt cx="1809750" cy="3796485"/>
+          </a:xfrm>
+        </p:grpSpPr>
+        <p:cxnSp>
+          <p:nvCxnSpPr>
+            <p:cNvPr id="56" name="Straight Connector 55"/>
+            <p:cNvCxnSpPr/>
+            <p:nvPr/>
+          </p:nvCxnSpPr>
+          <p:spPr>
+            <a:xfrm flipH="1">
+              <a:off x="1390650" y="3320235"/>
+              <a:ext cx="19050" cy="2914650"/>
+            </a:xfrm>
+            <a:prstGeom prst="line">
+              <a:avLst/>
+            </a:prstGeom>
+            <a:ln w="28575">
+              <a:solidFill>
+                <a:schemeClr val="accent1">
+                  <a:lumMod val="50000"/>
+                </a:schemeClr>
+              </a:solidFill>
+            </a:ln>
+          </p:spPr>
+          <p:style>
+            <a:lnRef idx="1">
+              <a:schemeClr val="accent1"/>
+            </a:lnRef>
+            <a:fillRef idx="0">
+              <a:schemeClr val="accent1"/>
+            </a:fillRef>
+            <a:effectRef idx="0">
+              <a:schemeClr val="accent1"/>
+            </a:effectRef>
+            <a:fontRef idx="minor">
+              <a:schemeClr val="tx1"/>
+            </a:fontRef>
+          </p:style>
+        </p:cxnSp>
+        <p:cxnSp>
+          <p:nvCxnSpPr>
+            <p:cNvPr id="57" name="Straight Connector 56"/>
+            <p:cNvCxnSpPr/>
+            <p:nvPr/>
+          </p:nvCxnSpPr>
+          <p:spPr>
+            <a:xfrm flipH="1">
+              <a:off x="1409700" y="2438400"/>
+              <a:ext cx="1790700" cy="881836"/>
+            </a:xfrm>
+            <a:prstGeom prst="line">
+              <a:avLst/>
+            </a:prstGeom>
+            <a:ln w="28575">
+              <a:solidFill>
+                <a:schemeClr val="accent1">
+                  <a:lumMod val="50000"/>
+                </a:schemeClr>
+              </a:solidFill>
+            </a:ln>
+          </p:spPr>
+          <p:style>
+            <a:lnRef idx="1">
+              <a:schemeClr val="accent1"/>
+            </a:lnRef>
+            <a:fillRef idx="0">
+              <a:schemeClr val="accent1"/>
+            </a:fillRef>
+            <a:effectRef idx="0">
+              <a:schemeClr val="accent1"/>
+            </a:effectRef>
+            <a:fontRef idx="minor">
+              <a:schemeClr val="tx1"/>
+            </a:fontRef>
+          </p:style>
+        </p:cxnSp>
+        <p:cxnSp>
+          <p:nvCxnSpPr>
+            <p:cNvPr id="58" name="Straight Connector 57"/>
+            <p:cNvCxnSpPr/>
+            <p:nvPr/>
+          </p:nvCxnSpPr>
+          <p:spPr>
+            <a:xfrm flipH="1">
+              <a:off x="3181350" y="2438400"/>
+              <a:ext cx="19050" cy="2914650"/>
+            </a:xfrm>
+            <a:prstGeom prst="line">
+              <a:avLst/>
+            </a:prstGeom>
+            <a:ln w="28575">
+              <a:solidFill>
+                <a:schemeClr val="accent1">
+                  <a:lumMod val="50000"/>
+                </a:schemeClr>
+              </a:solidFill>
+            </a:ln>
+          </p:spPr>
+          <p:style>
+            <a:lnRef idx="1">
+              <a:schemeClr val="accent1"/>
+            </a:lnRef>
+            <a:fillRef idx="0">
+              <a:schemeClr val="accent1"/>
+            </a:fillRef>
+            <a:effectRef idx="0">
+              <a:schemeClr val="accent1"/>
+            </a:effectRef>
+            <a:fontRef idx="minor">
+              <a:schemeClr val="tx1"/>
+            </a:fontRef>
+          </p:style>
+        </p:cxnSp>
+        <p:cxnSp>
+          <p:nvCxnSpPr>
+            <p:cNvPr id="59" name="Straight Connector 58"/>
+            <p:cNvCxnSpPr/>
+            <p:nvPr/>
+          </p:nvCxnSpPr>
+          <p:spPr>
+            <a:xfrm flipH="1">
+              <a:off x="1409700" y="5353049"/>
+              <a:ext cx="1790700" cy="881836"/>
+            </a:xfrm>
+            <a:prstGeom prst="line">
+              <a:avLst/>
+            </a:prstGeom>
+            <a:ln w="28575">
+              <a:solidFill>
+                <a:schemeClr val="accent1">
+                  <a:lumMod val="50000"/>
+                </a:schemeClr>
+              </a:solidFill>
+            </a:ln>
+          </p:spPr>
+          <p:style>
+            <a:lnRef idx="1">
+              <a:schemeClr val="accent1"/>
+            </a:lnRef>
+            <a:fillRef idx="0">
+              <a:schemeClr val="accent1"/>
+            </a:fillRef>
+            <a:effectRef idx="0">
+              <a:schemeClr val="accent1"/>
+            </a:effectRef>
+            <a:fontRef idx="minor">
+              <a:schemeClr val="tx1"/>
+            </a:fontRef>
+          </p:style>
+        </p:cxnSp>
+      </p:grpSp>
+      <p:cxnSp>
+        <p:nvCxnSpPr>
+          <p:cNvPr id="61" name="Straight Connector 60"/>
+          <p:cNvCxnSpPr/>
+          <p:nvPr/>
+        </p:nvCxnSpPr>
+        <p:spPr>
+          <a:xfrm>
+            <a:off x="5364849" y="4184908"/>
+            <a:ext cx="3591933" cy="801730"/>
+          </a:xfrm>
+          <a:prstGeom prst="line">
+            <a:avLst/>
+          </a:prstGeom>
+          <a:ln w="3175">
+            <a:solidFill>
+              <a:schemeClr val="accent1">
+                <a:lumMod val="50000"/>
+              </a:schemeClr>
+            </a:solidFill>
+          </a:ln>
+        </p:spPr>
+        <p:style>
+          <a:lnRef idx="1">
+            <a:schemeClr val="accent1"/>
+          </a:lnRef>
+          <a:fillRef idx="0">
+            <a:schemeClr val="accent1"/>
+          </a:fillRef>
+          <a:effectRef idx="0">
+            <a:schemeClr val="accent1"/>
+          </a:effectRef>
+          <a:fontRef idx="minor">
+            <a:schemeClr val="tx1"/>
+          </a:fontRef>
+        </p:style>
+      </p:cxnSp>
+      <p:cxnSp>
+        <p:nvCxnSpPr>
+          <p:cNvPr id="67" name="Straight Connector 66"/>
+          <p:cNvCxnSpPr/>
+          <p:nvPr/>
+        </p:nvCxnSpPr>
+        <p:spPr>
+          <a:xfrm>
+            <a:off x="5836765" y="3967826"/>
+            <a:ext cx="3283787" cy="919849"/>
+          </a:xfrm>
+          <a:prstGeom prst="line">
+            <a:avLst/>
+          </a:prstGeom>
+          <a:ln w="3175">
+            <a:solidFill>
+              <a:schemeClr val="accent1">
+                <a:lumMod val="50000"/>
+              </a:schemeClr>
+            </a:solidFill>
+          </a:ln>
+        </p:spPr>
+        <p:style>
+          <a:lnRef idx="1">
+            <a:schemeClr val="accent1"/>
+          </a:lnRef>
+          <a:fillRef idx="0">
+            <a:schemeClr val="accent1"/>
+          </a:fillRef>
+          <a:effectRef idx="0">
+            <a:schemeClr val="accent1"/>
+          </a:effectRef>
+          <a:fontRef idx="minor">
+            <a:schemeClr val="tx1"/>
+          </a:fontRef>
+        </p:style>
+      </p:cxnSp>
+      <p:cxnSp>
+        <p:nvCxnSpPr>
+          <p:cNvPr id="70" name="Straight Connector 69"/>
+          <p:cNvCxnSpPr/>
+          <p:nvPr/>
+        </p:nvCxnSpPr>
+        <p:spPr>
+          <a:xfrm>
+            <a:off x="5382569" y="4849661"/>
+            <a:ext cx="3586913" cy="400781"/>
+          </a:xfrm>
+          <a:prstGeom prst="line">
+            <a:avLst/>
+          </a:prstGeom>
+          <a:ln w="3175">
+            <a:solidFill>
+              <a:schemeClr val="accent1">
+                <a:lumMod val="50000"/>
+              </a:schemeClr>
+            </a:solidFill>
+          </a:ln>
+        </p:spPr>
+        <p:style>
+          <a:lnRef idx="1">
+            <a:schemeClr val="accent1"/>
+          </a:lnRef>
+          <a:fillRef idx="0">
+            <a:schemeClr val="accent1"/>
+          </a:fillRef>
+          <a:effectRef idx="0">
+            <a:schemeClr val="accent1"/>
+          </a:effectRef>
+          <a:fontRef idx="minor">
+            <a:schemeClr val="tx1"/>
+          </a:fontRef>
+        </p:style>
+      </p:cxnSp>
+      <p:cxnSp>
+        <p:nvCxnSpPr>
+          <p:cNvPr id="73" name="Straight Connector 72"/>
+          <p:cNvCxnSpPr/>
+          <p:nvPr/>
+        </p:nvCxnSpPr>
+        <p:spPr>
+          <a:xfrm>
+            <a:off x="5824065" y="4645560"/>
+            <a:ext cx="3285117" cy="493478"/>
+          </a:xfrm>
+          <a:prstGeom prst="line">
+            <a:avLst/>
+          </a:prstGeom>
+          <a:ln w="3175">
+            <a:solidFill>
+              <a:schemeClr val="accent1">
+                <a:lumMod val="50000"/>
+              </a:schemeClr>
+            </a:solidFill>
+          </a:ln>
+        </p:spPr>
+        <p:style>
+          <a:lnRef idx="1">
+            <a:schemeClr val="accent1"/>
+          </a:lnRef>
+          <a:fillRef idx="0">
+            <a:schemeClr val="accent1"/>
+          </a:fillRef>
+          <a:effectRef idx="0">
+            <a:schemeClr val="accent1"/>
+          </a:effectRef>
+          <a:fontRef idx="minor">
+            <a:schemeClr val="tx1"/>
+          </a:fontRef>
+        </p:style>
+      </p:cxnSp>
+      <p:cxnSp>
+        <p:nvCxnSpPr>
+          <p:cNvPr id="77" name="Straight Connector 76"/>
+          <p:cNvCxnSpPr/>
+          <p:nvPr/>
+        </p:nvCxnSpPr>
+        <p:spPr>
+          <a:xfrm flipH="1">
+            <a:off x="10559301" y="3983160"/>
+            <a:ext cx="6769" cy="673726"/>
+          </a:xfrm>
+          <a:prstGeom prst="line">
+            <a:avLst/>
+          </a:prstGeom>
+          <a:ln w="28575">
+            <a:solidFill>
+              <a:schemeClr val="accent1">
+                <a:lumMod val="50000"/>
+              </a:schemeClr>
+            </a:solidFill>
+          </a:ln>
+        </p:spPr>
+        <p:style>
+          <a:lnRef idx="1">
+            <a:schemeClr val="accent1"/>
+          </a:lnRef>
+          <a:fillRef idx="0">
+            <a:schemeClr val="accent1"/>
+          </a:fillRef>
+          <a:effectRef idx="0">
+            <a:schemeClr val="accent1"/>
+          </a:effectRef>
+          <a:fontRef idx="minor">
+            <a:schemeClr val="tx1"/>
+          </a:fontRef>
+        </p:style>
+      </p:cxnSp>
+      <p:cxnSp>
+        <p:nvCxnSpPr>
+          <p:cNvPr id="78" name="Straight Connector 77"/>
+          <p:cNvCxnSpPr/>
+          <p:nvPr/>
+        </p:nvCxnSpPr>
+        <p:spPr>
+          <a:xfrm flipH="1">
+            <a:off x="10563421" y="3722759"/>
+            <a:ext cx="576450" cy="276340"/>
+          </a:xfrm>
+          <a:prstGeom prst="line">
+            <a:avLst/>
+          </a:prstGeom>
+          <a:ln w="28575">
+            <a:solidFill>
+              <a:schemeClr val="accent1">
+                <a:lumMod val="50000"/>
+              </a:schemeClr>
+            </a:solidFill>
+          </a:ln>
+        </p:spPr>
+        <p:style>
+          <a:lnRef idx="1">
+            <a:schemeClr val="accent1"/>
+          </a:lnRef>
+          <a:fillRef idx="0">
+            <a:schemeClr val="accent1"/>
+          </a:fillRef>
+          <a:effectRef idx="0">
+            <a:schemeClr val="accent1"/>
+          </a:effectRef>
+          <a:fontRef idx="minor">
+            <a:schemeClr val="tx1"/>
+          </a:fontRef>
+        </p:style>
+      </p:cxnSp>
+      <p:cxnSp>
+        <p:nvCxnSpPr>
+          <p:cNvPr id="79" name="Straight Connector 78"/>
+          <p:cNvCxnSpPr/>
+          <p:nvPr/>
+        </p:nvCxnSpPr>
+        <p:spPr>
+          <a:xfrm flipH="1">
+            <a:off x="11118344" y="3727809"/>
+            <a:ext cx="6769" cy="673726"/>
+          </a:xfrm>
+          <a:prstGeom prst="line">
+            <a:avLst/>
+          </a:prstGeom>
+          <a:ln w="28575">
+            <a:solidFill>
+              <a:schemeClr val="accent1">
+                <a:lumMod val="50000"/>
+              </a:schemeClr>
+            </a:solidFill>
+          </a:ln>
+        </p:spPr>
+        <p:style>
+          <a:lnRef idx="1">
+            <a:schemeClr val="accent1"/>
+          </a:lnRef>
+          <a:fillRef idx="0">
+            <a:schemeClr val="accent1"/>
+          </a:fillRef>
+          <a:effectRef idx="0">
+            <a:schemeClr val="accent1"/>
+          </a:effectRef>
+          <a:fontRef idx="minor">
+            <a:schemeClr val="tx1"/>
+          </a:fontRef>
+        </p:style>
+      </p:cxnSp>
+      <p:cxnSp>
+        <p:nvCxnSpPr>
+          <p:cNvPr id="80" name="Straight Connector 79"/>
+          <p:cNvCxnSpPr/>
+          <p:nvPr/>
+        </p:nvCxnSpPr>
+        <p:spPr>
+          <a:xfrm flipH="1">
+            <a:off x="10566071" y="4385918"/>
+            <a:ext cx="573800" cy="270968"/>
+          </a:xfrm>
+          <a:prstGeom prst="line">
+            <a:avLst/>
+          </a:prstGeom>
+          <a:ln w="28575">
+            <a:solidFill>
+              <a:schemeClr val="accent1">
+                <a:lumMod val="50000"/>
+              </a:schemeClr>
+            </a:solidFill>
+          </a:ln>
+        </p:spPr>
+        <p:style>
+          <a:lnRef idx="1">
+            <a:schemeClr val="accent1"/>
+          </a:lnRef>
+          <a:fillRef idx="0">
+            <a:schemeClr val="accent1"/>
+          </a:fillRef>
+          <a:effectRef idx="0">
+            <a:schemeClr val="accent1"/>
+          </a:effectRef>
+          <a:fontRef idx="minor">
+            <a:schemeClr val="tx1"/>
+          </a:fontRef>
+        </p:style>
+      </p:cxnSp>
+      <p:cxnSp>
+        <p:nvCxnSpPr>
+          <p:cNvPr id="84" name="Straight Connector 83"/>
+          <p:cNvCxnSpPr/>
+          <p:nvPr/>
+        </p:nvCxnSpPr>
+        <p:spPr>
+          <a:xfrm>
+            <a:off x="13169317" y="3732421"/>
+            <a:ext cx="1877352" cy="475858"/>
+          </a:xfrm>
+          <a:prstGeom prst="line">
+            <a:avLst/>
+          </a:prstGeom>
+          <a:ln w="28575">
+            <a:solidFill>
+              <a:schemeClr val="accent1">
+                <a:lumMod val="50000"/>
+              </a:schemeClr>
+            </a:solidFill>
+          </a:ln>
+        </p:spPr>
+        <p:style>
+          <a:lnRef idx="1">
+            <a:schemeClr val="accent1"/>
+          </a:lnRef>
+          <a:fillRef idx="0">
+            <a:schemeClr val="accent1"/>
+          </a:fillRef>
+          <a:effectRef idx="0">
+            <a:schemeClr val="accent1"/>
+          </a:effectRef>
+          <a:fontRef idx="minor">
+            <a:schemeClr val="tx1"/>
+          </a:fontRef>
+        </p:style>
+      </p:cxnSp>
+      <p:cxnSp>
+        <p:nvCxnSpPr>
+          <p:cNvPr id="107" name="Straight Connector 106"/>
+          <p:cNvCxnSpPr/>
+          <p:nvPr/>
+        </p:nvCxnSpPr>
+        <p:spPr>
+          <a:xfrm flipH="1">
+            <a:off x="13134418" y="3711144"/>
+            <a:ext cx="19050" cy="2160000"/>
+          </a:xfrm>
+          <a:prstGeom prst="line">
+            <a:avLst/>
+          </a:prstGeom>
+          <a:ln w="28575">
+            <a:solidFill>
+              <a:schemeClr val="accent1">
+                <a:lumMod val="50000"/>
+              </a:schemeClr>
+            </a:solidFill>
+          </a:ln>
+        </p:spPr>
+        <p:style>
+          <a:lnRef idx="1">
+            <a:schemeClr val="accent1"/>
+          </a:lnRef>
+          <a:fillRef idx="0">
+            <a:schemeClr val="accent1"/>
+          </a:fillRef>
+          <a:effectRef idx="0">
+            <a:schemeClr val="accent1"/>
+          </a:effectRef>
+          <a:fontRef idx="minor">
+            <a:schemeClr val="tx1"/>
+          </a:fontRef>
+        </p:style>
+      </p:cxnSp>
+      <p:cxnSp>
+        <p:nvCxnSpPr>
+          <p:cNvPr id="110" name="Straight Connector 109"/>
+          <p:cNvCxnSpPr/>
+          <p:nvPr/>
+        </p:nvCxnSpPr>
+        <p:spPr>
+          <a:xfrm flipH="1">
+            <a:off x="15037145" y="4219958"/>
+            <a:ext cx="19049" cy="2096322"/>
+          </a:xfrm>
+          <a:prstGeom prst="line">
+            <a:avLst/>
+          </a:prstGeom>
+          <a:ln w="28575">
+            <a:solidFill>
+              <a:schemeClr val="accent1">
+                <a:lumMod val="50000"/>
+              </a:schemeClr>
+            </a:solidFill>
+          </a:ln>
+        </p:spPr>
+        <p:style>
+          <a:lnRef idx="1">
+            <a:schemeClr val="accent1"/>
+          </a:lnRef>
+          <a:fillRef idx="0">
+            <a:schemeClr val="accent1"/>
+          </a:fillRef>
+          <a:effectRef idx="0">
+            <a:schemeClr val="accent1"/>
+          </a:effectRef>
+          <a:fontRef idx="minor">
+            <a:schemeClr val="tx1"/>
+          </a:fontRef>
+        </p:style>
+      </p:cxnSp>
+      <p:cxnSp>
+        <p:nvCxnSpPr>
+          <p:cNvPr id="111" name="Straight Connector 110"/>
+          <p:cNvCxnSpPr/>
+          <p:nvPr/>
+        </p:nvCxnSpPr>
+        <p:spPr>
+          <a:xfrm>
+            <a:off x="13124893" y="5840305"/>
+            <a:ext cx="1926539" cy="491859"/>
+          </a:xfrm>
+          <a:prstGeom prst="line">
+            <a:avLst/>
+          </a:prstGeom>
+          <a:ln w="28575">
+            <a:solidFill>
+              <a:schemeClr val="accent1">
+                <a:lumMod val="50000"/>
+              </a:schemeClr>
+            </a:solidFill>
+          </a:ln>
+        </p:spPr>
+        <p:style>
+          <a:lnRef idx="1">
+            <a:schemeClr val="accent1"/>
+          </a:lnRef>
+          <a:fillRef idx="0">
+            <a:schemeClr val="accent1"/>
+          </a:fillRef>
+          <a:effectRef idx="0">
+            <a:schemeClr val="accent1"/>
+          </a:effectRef>
+          <a:fontRef idx="minor">
+            <a:schemeClr val="tx1"/>
+          </a:fontRef>
+        </p:style>
+      </p:cxnSp>
+      <p:cxnSp>
+        <p:nvCxnSpPr>
+          <p:cNvPr id="112" name="Straight Connector 111"/>
+          <p:cNvCxnSpPr/>
+          <p:nvPr/>
+        </p:nvCxnSpPr>
+        <p:spPr>
+          <a:xfrm flipH="1">
+            <a:off x="13162993" y="3061357"/>
+            <a:ext cx="1413782" cy="661402"/>
+          </a:xfrm>
+          <a:prstGeom prst="line">
+            <a:avLst/>
+          </a:prstGeom>
+          <a:ln w="28575">
+            <a:solidFill>
+              <a:schemeClr val="accent1">
+                <a:lumMod val="50000"/>
+              </a:schemeClr>
+            </a:solidFill>
+          </a:ln>
+        </p:spPr>
+        <p:style>
+          <a:lnRef idx="1">
+            <a:schemeClr val="accent1"/>
+          </a:lnRef>
+          <a:fillRef idx="0">
+            <a:schemeClr val="accent1"/>
+          </a:fillRef>
+          <a:effectRef idx="0">
+            <a:schemeClr val="accent1"/>
+          </a:effectRef>
+          <a:fontRef idx="minor">
+            <a:schemeClr val="tx1"/>
+          </a:fontRef>
+        </p:style>
+      </p:cxnSp>
+      <p:cxnSp>
+        <p:nvCxnSpPr>
+          <p:cNvPr id="114" name="Straight Connector 113"/>
+          <p:cNvCxnSpPr/>
+          <p:nvPr/>
+        </p:nvCxnSpPr>
+        <p:spPr>
+          <a:xfrm flipH="1">
+            <a:off x="15037145" y="3548894"/>
+            <a:ext cx="1413782" cy="661402"/>
+          </a:xfrm>
+          <a:prstGeom prst="line">
+            <a:avLst/>
+          </a:prstGeom>
+          <a:ln w="28575">
+            <a:solidFill>
+              <a:schemeClr val="accent1">
+                <a:lumMod val="50000"/>
+              </a:schemeClr>
+            </a:solidFill>
+          </a:ln>
+        </p:spPr>
+        <p:style>
+          <a:lnRef idx="1">
+            <a:schemeClr val="accent1"/>
+          </a:lnRef>
+          <a:fillRef idx="0">
+            <a:schemeClr val="accent1"/>
+          </a:fillRef>
+          <a:effectRef idx="0">
+            <a:schemeClr val="accent1"/>
+          </a:effectRef>
+          <a:fontRef idx="minor">
+            <a:schemeClr val="tx1"/>
+          </a:fontRef>
+        </p:style>
+      </p:cxnSp>
+      <p:cxnSp>
+        <p:nvCxnSpPr>
+          <p:cNvPr id="115" name="Straight Connector 114"/>
+          <p:cNvCxnSpPr/>
+          <p:nvPr/>
+        </p:nvCxnSpPr>
+        <p:spPr>
+          <a:xfrm flipH="1">
+            <a:off x="14550581" y="3051695"/>
+            <a:ext cx="19050" cy="2160000"/>
+          </a:xfrm>
+          <a:prstGeom prst="line">
+            <a:avLst/>
+          </a:prstGeom>
+          <a:ln w="28575">
+            <a:solidFill>
+              <a:schemeClr val="accent1">
+                <a:lumMod val="50000"/>
+              </a:schemeClr>
+            </a:solidFill>
+          </a:ln>
+        </p:spPr>
+        <p:style>
+          <a:lnRef idx="1">
+            <a:schemeClr val="accent1"/>
+          </a:lnRef>
+          <a:fillRef idx="0">
+            <a:schemeClr val="accent1"/>
+          </a:fillRef>
+          <a:effectRef idx="0">
+            <a:schemeClr val="accent1"/>
+          </a:effectRef>
+          <a:fontRef idx="minor">
+            <a:schemeClr val="tx1"/>
+          </a:fontRef>
+        </p:style>
+      </p:cxnSp>
+      <p:cxnSp>
+        <p:nvCxnSpPr>
+          <p:cNvPr id="116" name="Straight Connector 115"/>
+          <p:cNvCxnSpPr/>
+          <p:nvPr/>
+        </p:nvCxnSpPr>
+        <p:spPr>
+          <a:xfrm flipH="1">
+            <a:off x="13143943" y="5182937"/>
+            <a:ext cx="1413782" cy="661402"/>
+          </a:xfrm>
+          <a:prstGeom prst="line">
+            <a:avLst/>
+          </a:prstGeom>
+          <a:ln w="28575">
+            <a:solidFill>
+              <a:schemeClr val="accent1">
+                <a:lumMod val="50000"/>
+              </a:schemeClr>
+            </a:solidFill>
+          </a:ln>
+        </p:spPr>
+        <p:style>
+          <a:lnRef idx="1">
+            <a:schemeClr val="accent1"/>
+          </a:lnRef>
+          <a:fillRef idx="0">
+            <a:schemeClr val="accent1"/>
+          </a:fillRef>
+          <a:effectRef idx="0">
+            <a:schemeClr val="accent1"/>
+          </a:effectRef>
+          <a:fontRef idx="minor">
+            <a:schemeClr val="tx1"/>
+          </a:fontRef>
+        </p:style>
+      </p:cxnSp>
+      <p:cxnSp>
+        <p:nvCxnSpPr>
+          <p:cNvPr id="119" name="Straight Connector 118"/>
+          <p:cNvCxnSpPr/>
+          <p:nvPr/>
+        </p:nvCxnSpPr>
+        <p:spPr>
+          <a:xfrm flipH="1">
+            <a:off x="16418408" y="3562862"/>
+            <a:ext cx="19049" cy="2096322"/>
+          </a:xfrm>
+          <a:prstGeom prst="line">
+            <a:avLst/>
+          </a:prstGeom>
+          <a:ln w="28575">
+            <a:solidFill>
+              <a:schemeClr val="accent1">
+                <a:lumMod val="50000"/>
+              </a:schemeClr>
+            </a:solidFill>
+          </a:ln>
+        </p:spPr>
+        <p:style>
+          <a:lnRef idx="1">
+            <a:schemeClr val="accent1"/>
+          </a:lnRef>
+          <a:fillRef idx="0">
+            <a:schemeClr val="accent1"/>
+          </a:fillRef>
+          <a:effectRef idx="0">
+            <a:schemeClr val="accent1"/>
+          </a:effectRef>
+          <a:fontRef idx="minor">
+            <a:schemeClr val="tx1"/>
+          </a:fontRef>
+        </p:style>
+      </p:cxnSp>
+      <p:cxnSp>
+        <p:nvCxnSpPr>
+          <p:cNvPr id="120" name="Straight Connector 119"/>
+          <p:cNvCxnSpPr/>
+          <p:nvPr/>
+        </p:nvCxnSpPr>
+        <p:spPr>
+          <a:xfrm flipH="1">
+            <a:off x="15026990" y="5668846"/>
+            <a:ext cx="1413782" cy="661402"/>
+          </a:xfrm>
+          <a:prstGeom prst="line">
+            <a:avLst/>
+          </a:prstGeom>
+          <a:ln w="28575">
+            <a:solidFill>
+              <a:schemeClr val="accent1">
+                <a:lumMod val="50000"/>
+              </a:schemeClr>
+            </a:solidFill>
+          </a:ln>
+        </p:spPr>
+        <p:style>
+          <a:lnRef idx="1">
+            <a:schemeClr val="accent1"/>
+          </a:lnRef>
+          <a:fillRef idx="0">
+            <a:schemeClr val="accent1"/>
+          </a:fillRef>
+          <a:effectRef idx="0">
+            <a:schemeClr val="accent1"/>
+          </a:effectRef>
+          <a:fontRef idx="minor">
+            <a:schemeClr val="tx1"/>
+          </a:fontRef>
+        </p:style>
+      </p:cxnSp>
+      <p:grpSp>
+        <p:nvGrpSpPr>
+          <p:cNvPr id="121" name="Group 120"/>
+          <p:cNvGrpSpPr/>
+          <p:nvPr/>
+        </p:nvGrpSpPr>
+        <p:grpSpPr>
+          <a:xfrm>
+            <a:off x="15545553" y="4475828"/>
+            <a:ext cx="266977" cy="373833"/>
+            <a:chOff x="1390650" y="2438400"/>
+            <a:chExt cx="1809750" cy="3796485"/>
+          </a:xfrm>
+        </p:grpSpPr>
+        <p:cxnSp>
+          <p:nvCxnSpPr>
+            <p:cNvPr id="122" name="Straight Connector 121"/>
+            <p:cNvCxnSpPr/>
+            <p:nvPr/>
+          </p:nvCxnSpPr>
+          <p:spPr>
+            <a:xfrm flipH="1">
+              <a:off x="1390650" y="3320235"/>
+              <a:ext cx="19050" cy="2914650"/>
+            </a:xfrm>
+            <a:prstGeom prst="line">
+              <a:avLst/>
+            </a:prstGeom>
+            <a:ln w="28575">
+              <a:solidFill>
+                <a:schemeClr val="accent1">
+                  <a:lumMod val="50000"/>
+                </a:schemeClr>
+              </a:solidFill>
+            </a:ln>
+          </p:spPr>
+          <p:style>
+            <a:lnRef idx="1">
+              <a:schemeClr val="accent1"/>
+            </a:lnRef>
+            <a:fillRef idx="0">
+              <a:schemeClr val="accent1"/>
+            </a:fillRef>
+            <a:effectRef idx="0">
+              <a:schemeClr val="accent1"/>
+            </a:effectRef>
+            <a:fontRef idx="minor">
+              <a:schemeClr val="tx1"/>
+            </a:fontRef>
+          </p:style>
+        </p:cxnSp>
+        <p:cxnSp>
+          <p:nvCxnSpPr>
+            <p:cNvPr id="123" name="Straight Connector 122"/>
+            <p:cNvCxnSpPr/>
+            <p:nvPr/>
+          </p:nvCxnSpPr>
+          <p:spPr>
+            <a:xfrm flipH="1">
+              <a:off x="1409700" y="2438400"/>
+              <a:ext cx="1790700" cy="881836"/>
+            </a:xfrm>
+            <a:prstGeom prst="line">
+              <a:avLst/>
+            </a:prstGeom>
+            <a:ln w="28575">
+              <a:solidFill>
+                <a:schemeClr val="accent1">
+                  <a:lumMod val="50000"/>
+                </a:schemeClr>
+              </a:solidFill>
+            </a:ln>
+          </p:spPr>
+          <p:style>
+            <a:lnRef idx="1">
+              <a:schemeClr val="accent1"/>
+            </a:lnRef>
+            <a:fillRef idx="0">
+              <a:schemeClr val="accent1"/>
+            </a:fillRef>
+            <a:effectRef idx="0">
+              <a:schemeClr val="accent1"/>
+            </a:effectRef>
+            <a:fontRef idx="minor">
+              <a:schemeClr val="tx1"/>
+            </a:fontRef>
+          </p:style>
+        </p:cxnSp>
+        <p:cxnSp>
+          <p:nvCxnSpPr>
+            <p:cNvPr id="124" name="Straight Connector 123"/>
+            <p:cNvCxnSpPr/>
+            <p:nvPr/>
+          </p:nvCxnSpPr>
+          <p:spPr>
+            <a:xfrm flipH="1">
+              <a:off x="3181350" y="2438400"/>
+              <a:ext cx="19050" cy="2914650"/>
+            </a:xfrm>
+            <a:prstGeom prst="line">
+              <a:avLst/>
+            </a:prstGeom>
+            <a:ln w="28575">
+              <a:solidFill>
+                <a:schemeClr val="accent1">
+                  <a:lumMod val="50000"/>
+                </a:schemeClr>
+              </a:solidFill>
+            </a:ln>
+          </p:spPr>
+          <p:style>
+            <a:lnRef idx="1">
+              <a:schemeClr val="accent1"/>
+            </a:lnRef>
+            <a:fillRef idx="0">
+              <a:schemeClr val="accent1"/>
+            </a:fillRef>
+            <a:effectRef idx="0">
+              <a:schemeClr val="accent1"/>
+            </a:effectRef>
+            <a:fontRef idx="minor">
+              <a:schemeClr val="tx1"/>
+            </a:fontRef>
+          </p:style>
+        </p:cxnSp>
+        <p:cxnSp>
+          <p:nvCxnSpPr>
+            <p:cNvPr id="125" name="Straight Connector 124"/>
+            <p:cNvCxnSpPr/>
+            <p:nvPr/>
+          </p:nvCxnSpPr>
+          <p:spPr>
+            <a:xfrm flipH="1">
+              <a:off x="1409700" y="5353049"/>
+              <a:ext cx="1790700" cy="881836"/>
+            </a:xfrm>
+            <a:prstGeom prst="line">
+              <a:avLst/>
+            </a:prstGeom>
+            <a:ln w="28575">
+              <a:solidFill>
+                <a:schemeClr val="accent1">
+                  <a:lumMod val="50000"/>
+                </a:schemeClr>
+              </a:solidFill>
+            </a:ln>
+          </p:spPr>
+          <p:style>
+            <a:lnRef idx="1">
+              <a:schemeClr val="accent1"/>
+            </a:lnRef>
+            <a:fillRef idx="0">
+              <a:schemeClr val="accent1"/>
+            </a:fillRef>
+            <a:effectRef idx="0">
+              <a:schemeClr val="accent1"/>
+            </a:effectRef>
+            <a:fontRef idx="minor">
+              <a:schemeClr val="tx1"/>
+            </a:fontRef>
+          </p:style>
+        </p:cxnSp>
+      </p:grpSp>
+      <p:cxnSp>
+        <p:nvCxnSpPr>
+          <p:cNvPr id="126" name="Straight Connector 125"/>
+          <p:cNvCxnSpPr/>
+          <p:nvPr/>
+        </p:nvCxnSpPr>
+        <p:spPr>
+          <a:xfrm>
+            <a:off x="14540427" y="5192046"/>
+            <a:ext cx="1877981" cy="476800"/>
+          </a:xfrm>
+          <a:prstGeom prst="line">
+            <a:avLst/>
+          </a:prstGeom>
+          <a:ln w="28575">
+            <a:solidFill>
+              <a:schemeClr val="accent1">
+                <a:lumMod val="50000"/>
+              </a:schemeClr>
+            </a:solidFill>
+          </a:ln>
+        </p:spPr>
+        <p:style>
+          <a:lnRef idx="1">
+            <a:schemeClr val="accent1"/>
+          </a:lnRef>
+          <a:fillRef idx="0">
+            <a:schemeClr val="accent1"/>
+          </a:fillRef>
+          <a:effectRef idx="0">
+            <a:schemeClr val="accent1"/>
+          </a:effectRef>
+          <a:fontRef idx="minor">
+            <a:schemeClr val="tx1"/>
+          </a:fontRef>
+        </p:style>
+      </p:cxnSp>
+      <p:cxnSp>
+        <p:nvCxnSpPr>
+          <p:cNvPr id="127" name="Straight Connector 126"/>
+          <p:cNvCxnSpPr/>
+          <p:nvPr/>
+        </p:nvCxnSpPr>
+        <p:spPr>
+          <a:xfrm>
+            <a:off x="14540426" y="3060971"/>
+            <a:ext cx="1926539" cy="491859"/>
+          </a:xfrm>
+          <a:prstGeom prst="line">
+            <a:avLst/>
+          </a:prstGeom>
+          <a:ln w="28575">
+            <a:solidFill>
+              <a:schemeClr val="accent1">
+                <a:lumMod val="50000"/>
+              </a:schemeClr>
+            </a:solidFill>
+          </a:ln>
+        </p:spPr>
+        <p:style>
+          <a:lnRef idx="1">
+            <a:schemeClr val="accent1"/>
+          </a:lnRef>
+          <a:fillRef idx="0">
+            <a:schemeClr val="accent1"/>
+          </a:fillRef>
+          <a:effectRef idx="0">
+            <a:schemeClr val="accent1"/>
+          </a:effectRef>
+          <a:fontRef idx="minor">
+            <a:schemeClr val="tx1"/>
+          </a:fontRef>
+        </p:style>
+      </p:cxnSp>
+      <p:cxnSp>
+        <p:nvCxnSpPr>
+          <p:cNvPr id="128" name="Straight Connector 127"/>
+          <p:cNvCxnSpPr/>
+          <p:nvPr/>
+        </p:nvCxnSpPr>
+        <p:spPr>
+          <a:xfrm>
+            <a:off x="11117987" y="3724964"/>
+            <a:ext cx="4691733" cy="769592"/>
+          </a:xfrm>
+          <a:prstGeom prst="line">
+            <a:avLst/>
+          </a:prstGeom>
+          <a:ln w="3175">
+            <a:solidFill>
+              <a:schemeClr val="accent1">
+                <a:lumMod val="50000"/>
+              </a:schemeClr>
+            </a:solidFill>
+          </a:ln>
+        </p:spPr>
+        <p:style>
+          <a:lnRef idx="1">
+            <a:schemeClr val="accent1"/>
+          </a:lnRef>
+          <a:fillRef idx="0">
+            <a:schemeClr val="accent1"/>
+          </a:fillRef>
+          <a:effectRef idx="0">
+            <a:schemeClr val="accent1"/>
+          </a:effectRef>
+          <a:fontRef idx="minor">
+            <a:schemeClr val="tx1"/>
+          </a:fontRef>
+        </p:style>
+      </p:cxnSp>
+      <p:cxnSp>
+        <p:nvCxnSpPr>
+          <p:cNvPr id="134" name="Straight Connector 133"/>
+          <p:cNvCxnSpPr/>
+          <p:nvPr/>
+        </p:nvCxnSpPr>
+        <p:spPr>
+          <a:xfrm>
+            <a:off x="11125113" y="4379825"/>
+            <a:ext cx="4684607" cy="377676"/>
+          </a:xfrm>
+          <a:prstGeom prst="line">
+            <a:avLst/>
+          </a:prstGeom>
+          <a:ln w="3175">
+            <a:solidFill>
+              <a:schemeClr val="accent1">
+                <a:lumMod val="50000"/>
+              </a:schemeClr>
+            </a:solidFill>
+          </a:ln>
+        </p:spPr>
+        <p:style>
+          <a:lnRef idx="1">
+            <a:schemeClr val="accent1"/>
+          </a:lnRef>
+          <a:fillRef idx="0">
+            <a:schemeClr val="accent1"/>
+          </a:fillRef>
+          <a:effectRef idx="0">
+            <a:schemeClr val="accent1"/>
+          </a:effectRef>
+          <a:fontRef idx="minor">
+            <a:schemeClr val="tx1"/>
+          </a:fontRef>
+        </p:style>
+      </p:cxnSp>
+      <p:cxnSp>
+        <p:nvCxnSpPr>
+          <p:cNvPr id="137" name="Straight Connector 136"/>
+          <p:cNvCxnSpPr/>
+          <p:nvPr/>
+        </p:nvCxnSpPr>
+        <p:spPr>
+          <a:xfrm>
+            <a:off x="10570190" y="4012832"/>
+            <a:ext cx="4975363" cy="554627"/>
+          </a:xfrm>
+          <a:prstGeom prst="line">
+            <a:avLst/>
+          </a:prstGeom>
+          <a:ln w="3175">
+            <a:solidFill>
+              <a:schemeClr val="accent1">
+                <a:lumMod val="50000"/>
+              </a:schemeClr>
+            </a:solidFill>
+          </a:ln>
+        </p:spPr>
+        <p:style>
+          <a:lnRef idx="1">
+            <a:schemeClr val="accent1"/>
+          </a:lnRef>
+          <a:fillRef idx="0">
+            <a:schemeClr val="accent1"/>
+          </a:fillRef>
+          <a:effectRef idx="0">
+            <a:schemeClr val="accent1"/>
+          </a:effectRef>
+          <a:fontRef idx="minor">
+            <a:schemeClr val="tx1"/>
+          </a:fontRef>
+        </p:style>
+      </p:cxnSp>
+      <p:cxnSp>
+        <p:nvCxnSpPr>
+          <p:cNvPr id="140" name="Straight Connector 139"/>
+          <p:cNvCxnSpPr/>
+          <p:nvPr/>
+        </p:nvCxnSpPr>
+        <p:spPr>
+          <a:xfrm>
+            <a:off x="10572839" y="4649829"/>
+            <a:ext cx="4972714" cy="187835"/>
+          </a:xfrm>
+          <a:prstGeom prst="line">
+            <a:avLst/>
+          </a:prstGeom>
+          <a:ln w="3175">
+            <a:solidFill>
+              <a:schemeClr val="accent1">
+                <a:lumMod val="50000"/>
+              </a:schemeClr>
+            </a:solidFill>
+          </a:ln>
+        </p:spPr>
+        <p:style>
+          <a:lnRef idx="1">
+            <a:schemeClr val="accent1"/>
+          </a:lnRef>
+          <a:fillRef idx="0">
+            <a:schemeClr val="accent1"/>
+          </a:fillRef>
+          <a:effectRef idx="0">
+            <a:schemeClr val="accent1"/>
+          </a:effectRef>
+          <a:fontRef idx="minor">
+            <a:schemeClr val="tx1"/>
+          </a:fontRef>
+        </p:style>
+      </p:cxnSp>
+      <p:sp>
+        <p:nvSpPr>
+          <p:cNvPr id="143" name="Rectangle 142"/>
+          <p:cNvSpPr/>
+          <p:nvPr/>
+        </p:nvSpPr>
+        <p:spPr>
+          <a:xfrm>
+            <a:off x="17810094" y="3095767"/>
+            <a:ext cx="330200" cy="282167"/>
+          </a:xfrm>
+          <a:prstGeom prst="rect">
+            <a:avLst/>
+          </a:prstGeom>
+          <a:solidFill>
+            <a:schemeClr val="accent5">
+              <a:lumMod val="50000"/>
+            </a:schemeClr>
+          </a:solidFill>
+          <a:ln>
+            <a:solidFill>
+              <a:schemeClr val="accent5">
+                <a:lumMod val="50000"/>
+              </a:schemeClr>
+            </a:solidFill>
+          </a:ln>
+        </p:spPr>
+        <p:style>
+          <a:lnRef idx="2">
+            <a:schemeClr val="accent1">
+              <a:shade val="50000"/>
+            </a:schemeClr>
+          </a:lnRef>
+          <a:fillRef idx="1">
+            <a:schemeClr val="accent1"/>
+          </a:fillRef>
+          <a:effectRef idx="0">
+            <a:schemeClr val="accent1"/>
+          </a:effectRef>
+          <a:fontRef idx="minor">
+            <a:schemeClr val="lt1"/>
+          </a:fontRef>
+        </p:style>
+        <p:txBody>
+          <a:bodyPr rtlCol="0" anchor="ctr"/>
+          <a:lstStyle/>
+          <a:p>
+            <a:pPr algn="ctr"/>
+            <a:endParaRPr lang="en-US"/>
+          </a:p>
+        </p:txBody>
+      </p:sp>
+      <p:sp>
+        <p:nvSpPr>
+          <p:cNvPr id="146" name="Rectangle 145"/>
+          <p:cNvSpPr/>
+          <p:nvPr/>
+        </p:nvSpPr>
+        <p:spPr>
+          <a:xfrm>
+            <a:off x="17810094" y="3400748"/>
+            <a:ext cx="330200" cy="282167"/>
+          </a:xfrm>
+          <a:prstGeom prst="rect">
+            <a:avLst/>
+          </a:prstGeom>
+          <a:solidFill>
+            <a:schemeClr val="accent5">
+              <a:lumMod val="50000"/>
+            </a:schemeClr>
+          </a:solidFill>
+          <a:ln>
+            <a:solidFill>
+              <a:schemeClr val="accent5">
+                <a:lumMod val="50000"/>
+              </a:schemeClr>
+            </a:solidFill>
+          </a:ln>
+        </p:spPr>
+        <p:style>
+          <a:lnRef idx="2">
+            <a:schemeClr val="accent1">
+              <a:shade val="50000"/>
+            </a:schemeClr>
+          </a:lnRef>
+          <a:fillRef idx="1">
+            <a:schemeClr val="accent1"/>
+          </a:fillRef>
+          <a:effectRef idx="0">
+            <a:schemeClr val="accent1"/>
+          </a:effectRef>
+          <a:fontRef idx="minor">
+            <a:schemeClr val="lt1"/>
+          </a:fontRef>
+        </p:style>
+        <p:txBody>
+          <a:bodyPr rtlCol="0" anchor="ctr"/>
+          <a:lstStyle/>
+          <a:p>
+            <a:pPr algn="ctr"/>
+            <a:endParaRPr lang="en-US"/>
+          </a:p>
+        </p:txBody>
+      </p:sp>
+      <p:sp>
+        <p:nvSpPr>
+          <p:cNvPr id="147" name="Rectangle 146"/>
+          <p:cNvSpPr/>
+          <p:nvPr/>
+        </p:nvSpPr>
+        <p:spPr>
+          <a:xfrm>
+            <a:off x="17810094" y="3705729"/>
+            <a:ext cx="330200" cy="282167"/>
+          </a:xfrm>
+          <a:prstGeom prst="rect">
+            <a:avLst/>
+          </a:prstGeom>
+          <a:solidFill>
+            <a:schemeClr val="accent5">
+              <a:lumMod val="50000"/>
+            </a:schemeClr>
+          </a:solidFill>
+          <a:ln>
+            <a:solidFill>
+              <a:schemeClr val="accent5">
+                <a:lumMod val="50000"/>
+              </a:schemeClr>
+            </a:solidFill>
+          </a:ln>
+        </p:spPr>
+        <p:style>
+          <a:lnRef idx="2">
+            <a:schemeClr val="accent1">
+              <a:shade val="50000"/>
+            </a:schemeClr>
+          </a:lnRef>
+          <a:fillRef idx="1">
+            <a:schemeClr val="accent1"/>
+          </a:fillRef>
+          <a:effectRef idx="0">
+            <a:schemeClr val="accent1"/>
+          </a:effectRef>
+          <a:fontRef idx="minor">
+            <a:schemeClr val="lt1"/>
+          </a:fontRef>
+        </p:style>
+        <p:txBody>
+          <a:bodyPr rtlCol="0" anchor="ctr"/>
+          <a:lstStyle/>
+          <a:p>
+            <a:pPr algn="ctr"/>
+            <a:endParaRPr lang="en-US"/>
+          </a:p>
+        </p:txBody>
+      </p:sp>
+      <p:sp>
+        <p:nvSpPr>
+          <p:cNvPr id="148" name="Rectangle 147"/>
+          <p:cNvSpPr/>
+          <p:nvPr/>
+        </p:nvSpPr>
+        <p:spPr>
+          <a:xfrm>
+            <a:off x="17810094" y="4010894"/>
+            <a:ext cx="330200" cy="282167"/>
+          </a:xfrm>
+          <a:prstGeom prst="rect">
+            <a:avLst/>
+          </a:prstGeom>
+          <a:solidFill>
+            <a:schemeClr val="accent5">
+              <a:lumMod val="50000"/>
+            </a:schemeClr>
+          </a:solidFill>
+          <a:ln>
+            <a:solidFill>
+              <a:schemeClr val="accent5">
+                <a:lumMod val="50000"/>
+              </a:schemeClr>
+            </a:solidFill>
+          </a:ln>
+        </p:spPr>
+        <p:style>
+          <a:lnRef idx="2">
+            <a:schemeClr val="accent1">
+              <a:shade val="50000"/>
+            </a:schemeClr>
+          </a:lnRef>
+          <a:fillRef idx="1">
+            <a:schemeClr val="accent1"/>
+          </a:fillRef>
+          <a:effectRef idx="0">
+            <a:schemeClr val="accent1"/>
+          </a:effectRef>
+          <a:fontRef idx="minor">
+            <a:schemeClr val="lt1"/>
+          </a:fontRef>
+        </p:style>
+        <p:txBody>
+          <a:bodyPr rtlCol="0" anchor="ctr"/>
+          <a:lstStyle/>
+          <a:p>
+            <a:pPr algn="ctr"/>
+            <a:endParaRPr lang="en-US"/>
+          </a:p>
+        </p:txBody>
+      </p:sp>
+      <p:sp>
+        <p:nvSpPr>
+          <p:cNvPr id="152" name="Rectangle 151"/>
+          <p:cNvSpPr/>
+          <p:nvPr/>
+        </p:nvSpPr>
+        <p:spPr>
+          <a:xfrm>
+            <a:off x="17810094" y="4314088"/>
+            <a:ext cx="330200" cy="282167"/>
+          </a:xfrm>
+          <a:prstGeom prst="rect">
+            <a:avLst/>
+          </a:prstGeom>
+          <a:solidFill>
+            <a:schemeClr val="accent5">
+              <a:lumMod val="50000"/>
+            </a:schemeClr>
+          </a:solidFill>
+          <a:ln>
+            <a:solidFill>
+              <a:schemeClr val="accent5">
+                <a:lumMod val="50000"/>
+              </a:schemeClr>
+            </a:solidFill>
+          </a:ln>
+        </p:spPr>
+        <p:style>
+          <a:lnRef idx="2">
+            <a:schemeClr val="accent1">
+              <a:shade val="50000"/>
+            </a:schemeClr>
+          </a:lnRef>
+          <a:fillRef idx="1">
+            <a:schemeClr val="accent1"/>
+          </a:fillRef>
+          <a:effectRef idx="0">
+            <a:schemeClr val="accent1"/>
+          </a:effectRef>
+          <a:fontRef idx="minor">
+            <a:schemeClr val="lt1"/>
+          </a:fontRef>
+        </p:style>
+        <p:txBody>
+          <a:bodyPr rtlCol="0" anchor="ctr"/>
+          <a:lstStyle/>
+          <a:p>
+            <a:pPr algn="ctr"/>
+            <a:endParaRPr lang="en-US"/>
+          </a:p>
+        </p:txBody>
+      </p:sp>
+      <p:sp>
+        <p:nvSpPr>
+          <p:cNvPr id="153" name="Rectangle 152"/>
+          <p:cNvSpPr/>
+          <p:nvPr/>
+        </p:nvSpPr>
+        <p:spPr>
+          <a:xfrm>
+            <a:off x="17810094" y="4614756"/>
+            <a:ext cx="330200" cy="282167"/>
+          </a:xfrm>
+          <a:prstGeom prst="rect">
+            <a:avLst/>
+          </a:prstGeom>
+          <a:solidFill>
+            <a:schemeClr val="accent5">
+              <a:lumMod val="50000"/>
+            </a:schemeClr>
+          </a:solidFill>
+          <a:ln>
+            <a:solidFill>
+              <a:schemeClr val="accent5">
+                <a:lumMod val="50000"/>
+              </a:schemeClr>
+            </a:solidFill>
+          </a:ln>
+        </p:spPr>
+        <p:style>
+          <a:lnRef idx="2">
+            <a:schemeClr val="accent1">
+              <a:shade val="50000"/>
+            </a:schemeClr>
+          </a:lnRef>
+          <a:fillRef idx="1">
+            <a:schemeClr val="accent1"/>
+          </a:fillRef>
+          <a:effectRef idx="0">
+            <a:schemeClr val="accent1"/>
+          </a:effectRef>
+          <a:fontRef idx="minor">
+            <a:schemeClr val="lt1"/>
+          </a:fontRef>
+        </p:style>
+        <p:txBody>
+          <a:bodyPr rtlCol="0" anchor="ctr"/>
+          <a:lstStyle/>
+          <a:p>
+            <a:pPr algn="ctr"/>
+            <a:endParaRPr lang="en-US"/>
+          </a:p>
+        </p:txBody>
+      </p:sp>
+      <p:sp>
+        <p:nvSpPr>
+          <p:cNvPr id="154" name="Rectangle 153"/>
+          <p:cNvSpPr/>
+          <p:nvPr/>
+        </p:nvSpPr>
+        <p:spPr>
+          <a:xfrm>
+            <a:off x="17810094" y="5588977"/>
+            <a:ext cx="330200" cy="282167"/>
+          </a:xfrm>
+          <a:prstGeom prst="rect">
+            <a:avLst/>
+          </a:prstGeom>
+          <a:solidFill>
+            <a:schemeClr val="accent5">
+              <a:lumMod val="50000"/>
+            </a:schemeClr>
+          </a:solidFill>
+          <a:ln>
+            <a:solidFill>
+              <a:schemeClr val="accent5">
+                <a:lumMod val="50000"/>
+              </a:schemeClr>
+            </a:solidFill>
+          </a:ln>
+        </p:spPr>
+        <p:style>
+          <a:lnRef idx="2">
+            <a:schemeClr val="accent1">
+              <a:shade val="50000"/>
+            </a:schemeClr>
+          </a:lnRef>
+          <a:fillRef idx="1">
+            <a:schemeClr val="accent1"/>
+          </a:fillRef>
+          <a:effectRef idx="0">
+            <a:schemeClr val="accent1"/>
+          </a:effectRef>
+          <a:fontRef idx="minor">
+            <a:schemeClr val="lt1"/>
+          </a:fontRef>
+        </p:style>
+        <p:txBody>
+          <a:bodyPr rtlCol="0" anchor="ctr"/>
+          <a:lstStyle/>
+          <a:p>
+            <a:pPr algn="ctr"/>
+            <a:endParaRPr lang="en-US"/>
+          </a:p>
+        </p:txBody>
+      </p:sp>
+      <p:pic>
+        <p:nvPicPr>
+          <p:cNvPr id="165" name="Picture 164"/>
+          <p:cNvPicPr>
+            <a:picLocks noChangeAspect="1"/>
+          </p:cNvPicPr>
+          <p:nvPr/>
+        </p:nvPicPr>
+        <p:blipFill>
+          <a:blip r:embed="rId2"/>
+          <a:stretch>
+            <a:fillRect/>
+          </a:stretch>
+        </p:blipFill>
+        <p:spPr>
+          <a:xfrm>
+            <a:off x="16243441" y="3670565"/>
+            <a:ext cx="158929" cy="212965"/>
+          </a:xfrm>
+          <a:prstGeom prst="rect">
+            <a:avLst/>
+          </a:prstGeom>
+        </p:spPr>
+      </p:pic>
+      <p:pic>
+        <p:nvPicPr>
+          <p:cNvPr id="171" name="Picture 170"/>
+          <p:cNvPicPr>
+            <a:picLocks noChangeAspect="1"/>
+          </p:cNvPicPr>
+          <p:nvPr/>
+        </p:nvPicPr>
+        <p:blipFill>
+          <a:blip r:embed="rId2"/>
+          <a:stretch>
+            <a:fillRect/>
+          </a:stretch>
+        </p:blipFill>
+        <p:spPr>
+          <a:xfrm>
+            <a:off x="14360094" y="4976044"/>
+            <a:ext cx="155588" cy="208488"/>
+          </a:xfrm>
+          <a:prstGeom prst="rect">
+            <a:avLst/>
+          </a:prstGeom>
+        </p:spPr>
+      </p:pic>
+      <p:cxnSp>
+        <p:nvCxnSpPr>
+          <p:cNvPr id="172" name="Straight Connector 171"/>
+          <p:cNvCxnSpPr/>
+          <p:nvPr/>
+        </p:nvCxnSpPr>
+        <p:spPr>
+          <a:xfrm flipV="1">
+            <a:off x="16324877" y="3253186"/>
+            <a:ext cx="1637806" cy="523862"/>
+          </a:xfrm>
+          <a:prstGeom prst="line">
+            <a:avLst/>
+          </a:prstGeom>
+          <a:ln w="3175">
+            <a:solidFill>
+              <a:schemeClr val="accent1">
+                <a:lumMod val="50000"/>
+              </a:schemeClr>
+            </a:solidFill>
+          </a:ln>
+        </p:spPr>
+        <p:style>
+          <a:lnRef idx="1">
+            <a:schemeClr val="accent1"/>
+          </a:lnRef>
+          <a:fillRef idx="0">
+            <a:schemeClr val="accent1"/>
+          </a:fillRef>
+          <a:effectRef idx="0">
+            <a:schemeClr val="accent1"/>
+          </a:effectRef>
+          <a:fontRef idx="minor">
+            <a:schemeClr val="tx1"/>
+          </a:fontRef>
+        </p:style>
+      </p:cxnSp>
+      <p:cxnSp>
+        <p:nvCxnSpPr>
+          <p:cNvPr id="177" name="Straight Connector 176"/>
+          <p:cNvCxnSpPr/>
+          <p:nvPr/>
+        </p:nvCxnSpPr>
+        <p:spPr>
+          <a:xfrm>
+            <a:off x="14437888" y="5087423"/>
+            <a:ext cx="3537306" cy="646519"/>
+          </a:xfrm>
+          <a:prstGeom prst="line">
+            <a:avLst/>
+          </a:prstGeom>
+          <a:ln w="3175">
+            <a:solidFill>
+              <a:schemeClr val="accent1">
+                <a:lumMod val="50000"/>
+              </a:schemeClr>
+            </a:solidFill>
+          </a:ln>
+        </p:spPr>
+        <p:style>
+          <a:lnRef idx="1">
+            <a:schemeClr val="accent1"/>
+          </a:lnRef>
+          <a:fillRef idx="0">
+            <a:schemeClr val="accent1"/>
+          </a:fillRef>
+          <a:effectRef idx="0">
+            <a:schemeClr val="accent1"/>
+          </a:effectRef>
+          <a:fontRef idx="minor">
+            <a:schemeClr val="tx1"/>
+          </a:fontRef>
+        </p:style>
+      </p:cxnSp>
+      <p:sp>
+        <p:nvSpPr>
+          <p:cNvPr id="180" name="Rectangle 179"/>
+          <p:cNvSpPr/>
+          <p:nvPr/>
+        </p:nvSpPr>
+        <p:spPr>
+          <a:xfrm>
+            <a:off x="17944080" y="5070079"/>
+            <a:ext cx="69373" cy="52772"/>
+          </a:xfrm>
+          <a:prstGeom prst="rect">
+            <a:avLst/>
+          </a:prstGeom>
+          <a:solidFill>
+            <a:schemeClr val="accent5">
+              <a:lumMod val="50000"/>
+            </a:schemeClr>
+          </a:solidFill>
+          <a:ln>
+            <a:solidFill>
+              <a:schemeClr val="accent5">
+                <a:lumMod val="50000"/>
+              </a:schemeClr>
+            </a:solidFill>
+          </a:ln>
+        </p:spPr>
+        <p:style>
+          <a:lnRef idx="2">
+            <a:schemeClr val="accent1">
+              <a:shade val="50000"/>
+            </a:schemeClr>
+          </a:lnRef>
+          <a:fillRef idx="1">
+            <a:schemeClr val="accent1"/>
+          </a:fillRef>
+          <a:effectRef idx="0">
+            <a:schemeClr val="accent1"/>
+          </a:effectRef>
+          <a:fontRef idx="minor">
+            <a:schemeClr val="lt1"/>
+          </a:fontRef>
+        </p:style>
+        <p:txBody>
+          <a:bodyPr rtlCol="0" anchor="ctr"/>
+          <a:lstStyle/>
+          <a:p>
+            <a:pPr algn="ctr"/>
+            <a:endParaRPr lang="en-US"/>
+          </a:p>
+        </p:txBody>
+      </p:sp>
+      <p:sp>
+        <p:nvSpPr>
+          <p:cNvPr id="182" name="Rectangle 181"/>
+          <p:cNvSpPr/>
+          <p:nvPr/>
+        </p:nvSpPr>
+        <p:spPr>
+          <a:xfrm>
+            <a:off x="17944080" y="5221518"/>
+            <a:ext cx="69373" cy="52772"/>
+          </a:xfrm>
+          <a:prstGeom prst="rect">
+            <a:avLst/>
+          </a:prstGeom>
+          <a:solidFill>
+            <a:schemeClr val="accent5">
+              <a:lumMod val="50000"/>
+            </a:schemeClr>
+          </a:solidFill>
+          <a:ln>
+            <a:solidFill>
+              <a:schemeClr val="accent5">
+                <a:lumMod val="50000"/>
+              </a:schemeClr>
+            </a:solidFill>
+          </a:ln>
+        </p:spPr>
+        <p:style>
+          <a:lnRef idx="2">
+            <a:schemeClr val="accent1">
+              <a:shade val="50000"/>
+            </a:schemeClr>
+          </a:lnRef>
+          <a:fillRef idx="1">
+            <a:schemeClr val="accent1"/>
+          </a:fillRef>
+          <a:effectRef idx="0">
+            <a:schemeClr val="accent1"/>
+          </a:effectRef>
+          <a:fontRef idx="minor">
+            <a:schemeClr val="lt1"/>
+          </a:fontRef>
+        </p:style>
+        <p:txBody>
+          <a:bodyPr rtlCol="0" anchor="ctr"/>
+          <a:lstStyle/>
+          <a:p>
+            <a:pPr algn="ctr"/>
+            <a:endParaRPr lang="en-US"/>
+          </a:p>
+        </p:txBody>
+      </p:sp>
+      <p:sp>
+        <p:nvSpPr>
+          <p:cNvPr id="183" name="Rectangle 182"/>
+          <p:cNvSpPr/>
+          <p:nvPr/>
+        </p:nvSpPr>
+        <p:spPr>
+          <a:xfrm>
+            <a:off x="17944080" y="5365577"/>
+            <a:ext cx="69373" cy="52772"/>
+          </a:xfrm>
+          <a:prstGeom prst="rect">
+            <a:avLst/>
+          </a:prstGeom>
+          <a:solidFill>
+            <a:schemeClr val="accent5">
+              <a:lumMod val="50000"/>
+            </a:schemeClr>
+          </a:solidFill>
+          <a:ln>
+            <a:solidFill>
+              <a:schemeClr val="accent5">
+                <a:lumMod val="50000"/>
+              </a:schemeClr>
+            </a:solidFill>
+          </a:ln>
+        </p:spPr>
+        <p:style>
+          <a:lnRef idx="2">
+            <a:schemeClr val="accent1">
+              <a:shade val="50000"/>
+            </a:schemeClr>
+          </a:lnRef>
+          <a:fillRef idx="1">
+            <a:schemeClr val="accent1"/>
+          </a:fillRef>
+          <a:effectRef idx="0">
+            <a:schemeClr val="accent1"/>
+          </a:effectRef>
+          <a:fontRef idx="minor">
+            <a:schemeClr val="lt1"/>
+          </a:fontRef>
+        </p:style>
+        <p:txBody>
+          <a:bodyPr rtlCol="0" anchor="ctr"/>
+          <a:lstStyle/>
+          <a:p>
+            <a:pPr algn="ctr"/>
+            <a:endParaRPr lang="en-US"/>
+          </a:p>
+        </p:txBody>
+      </p:sp>
+      <p:sp>
+        <p:nvSpPr>
+          <p:cNvPr id="184" name="TextBox 183"/>
+          <p:cNvSpPr txBox="1"/>
+          <p:nvPr/>
+        </p:nvSpPr>
+        <p:spPr>
+          <a:xfrm>
+            <a:off x="5223046" y="6938168"/>
+            <a:ext cx="1419140" cy="523220"/>
+          </a:xfrm>
+          <a:prstGeom prst="rect">
+            <a:avLst/>
+          </a:prstGeom>
+          <a:noFill/>
+        </p:spPr>
+        <p:txBody>
+          <a:bodyPr wrap="square" rtlCol="0">
+            <a:spAutoFit/>
+          </a:bodyPr>
+          <a:lstStyle/>
+          <a:p>
+            <a:r>
+              <a:rPr lang="en-US" sz="2800" b="1" dirty="0" smtClean="0">
+                <a:solidFill>
+                  <a:schemeClr val="accent5">
+                    <a:lumMod val="50000"/>
+                  </a:schemeClr>
+                </a:solidFill>
+                <a:latin typeface="Helvetica" panose="020B0604020202020204" pitchFamily="34" charset="0"/>
+                <a:cs typeface="Helvetica" panose="020B0604020202020204" pitchFamily="34" charset="0"/>
+              </a:rPr>
+              <a:t>INPUT</a:t>
+            </a:r>
+            <a:endParaRPr lang="en-US" sz="2800" b="1" dirty="0">
+              <a:solidFill>
+                <a:schemeClr val="accent5">
+                  <a:lumMod val="50000"/>
+                </a:schemeClr>
+              </a:solidFill>
+              <a:latin typeface="Helvetica" panose="020B0604020202020204" pitchFamily="34" charset="0"/>
+              <a:cs typeface="Helvetica" panose="020B0604020202020204" pitchFamily="34" charset="0"/>
+            </a:endParaRPr>
+          </a:p>
+        </p:txBody>
+      </p:sp>
+      <p:sp>
+        <p:nvSpPr>
+          <p:cNvPr id="185" name="TextBox 184"/>
+          <p:cNvSpPr txBox="1"/>
+          <p:nvPr/>
+        </p:nvSpPr>
+        <p:spPr>
+          <a:xfrm>
+            <a:off x="7449527" y="6976382"/>
+            <a:ext cx="5508731" cy="523220"/>
+          </a:xfrm>
+          <a:prstGeom prst="rect">
+            <a:avLst/>
+          </a:prstGeom>
+          <a:noFill/>
+        </p:spPr>
+        <p:txBody>
+          <a:bodyPr wrap="square" rtlCol="0">
+            <a:spAutoFit/>
+          </a:bodyPr>
+          <a:lstStyle/>
+          <a:p>
+            <a:pPr algn="ctr"/>
+            <a:r>
+              <a:rPr lang="en-US" sz="2800" b="1" dirty="0" smtClean="0">
+                <a:solidFill>
+                  <a:schemeClr val="accent5">
+                    <a:lumMod val="50000"/>
+                  </a:schemeClr>
+                </a:solidFill>
+                <a:latin typeface="Helvetica" panose="020B0604020202020204" pitchFamily="34" charset="0"/>
+                <a:cs typeface="Helvetica" panose="020B0604020202020204" pitchFamily="34" charset="0"/>
+              </a:rPr>
+              <a:t>CONVOLUTIONAL + RELU</a:t>
+            </a:r>
+            <a:endParaRPr lang="en-US" sz="2800" b="1" dirty="0">
+              <a:solidFill>
+                <a:schemeClr val="accent5">
+                  <a:lumMod val="50000"/>
+                </a:schemeClr>
+              </a:solidFill>
+              <a:latin typeface="Helvetica" panose="020B0604020202020204" pitchFamily="34" charset="0"/>
+              <a:cs typeface="Helvetica" panose="020B0604020202020204" pitchFamily="34" charset="0"/>
+            </a:endParaRPr>
+          </a:p>
+        </p:txBody>
+      </p:sp>
+      <p:sp>
+        <p:nvSpPr>
+          <p:cNvPr id="186" name="TextBox 185"/>
+          <p:cNvSpPr txBox="1"/>
+          <p:nvPr/>
+        </p:nvSpPr>
+        <p:spPr>
+          <a:xfrm>
+            <a:off x="13463853" y="6980350"/>
+            <a:ext cx="2688229" cy="523220"/>
+          </a:xfrm>
+          <a:prstGeom prst="rect">
+            <a:avLst/>
+          </a:prstGeom>
+          <a:noFill/>
+        </p:spPr>
+        <p:txBody>
+          <a:bodyPr wrap="square" rtlCol="0">
+            <a:spAutoFit/>
+          </a:bodyPr>
+          <a:lstStyle/>
+          <a:p>
+            <a:pPr algn="ctr"/>
+            <a:r>
+              <a:rPr lang="en-US" sz="2800" b="1" dirty="0" smtClean="0">
+                <a:solidFill>
+                  <a:schemeClr val="accent5">
+                    <a:lumMod val="50000"/>
+                  </a:schemeClr>
+                </a:solidFill>
+                <a:latin typeface="Helvetica" panose="020B0604020202020204" pitchFamily="34" charset="0"/>
+                <a:cs typeface="Helvetica" panose="020B0604020202020204" pitchFamily="34" charset="0"/>
+              </a:rPr>
+              <a:t>POOLING</a:t>
+            </a:r>
+            <a:endParaRPr lang="en-US" sz="2800" b="1" dirty="0">
+              <a:solidFill>
+                <a:schemeClr val="accent5">
+                  <a:lumMod val="50000"/>
+                </a:schemeClr>
+              </a:solidFill>
+              <a:latin typeface="Helvetica" panose="020B0604020202020204" pitchFamily="34" charset="0"/>
+              <a:cs typeface="Helvetica" panose="020B0604020202020204" pitchFamily="34" charset="0"/>
+            </a:endParaRPr>
+          </a:p>
+        </p:txBody>
+      </p:sp>
+      <p:sp>
+        <p:nvSpPr>
+          <p:cNvPr id="188" name="TextBox 187"/>
+          <p:cNvSpPr txBox="1"/>
+          <p:nvPr/>
+        </p:nvSpPr>
+        <p:spPr>
+          <a:xfrm>
+            <a:off x="16289174" y="6921196"/>
+            <a:ext cx="2688229" cy="523220"/>
+          </a:xfrm>
+          <a:prstGeom prst="rect">
+            <a:avLst/>
+          </a:prstGeom>
+          <a:noFill/>
+        </p:spPr>
+        <p:txBody>
+          <a:bodyPr wrap="square" rtlCol="0">
+            <a:spAutoFit/>
+          </a:bodyPr>
+          <a:lstStyle/>
+          <a:p>
+            <a:pPr algn="ctr"/>
+            <a:r>
+              <a:rPr lang="en-US" sz="2800" b="1" dirty="0" smtClean="0">
+                <a:solidFill>
+                  <a:schemeClr val="accent5">
+                    <a:lumMod val="50000"/>
+                  </a:schemeClr>
+                </a:solidFill>
+                <a:latin typeface="Helvetica" panose="020B0604020202020204" pitchFamily="34" charset="0"/>
+                <a:cs typeface="Helvetica" panose="020B0604020202020204" pitchFamily="34" charset="0"/>
+              </a:rPr>
+              <a:t>FLATTEN</a:t>
+            </a:r>
+            <a:endParaRPr lang="en-US" sz="2800" b="1" dirty="0">
+              <a:solidFill>
+                <a:schemeClr val="accent5">
+                  <a:lumMod val="50000"/>
+                </a:schemeClr>
+              </a:solidFill>
+              <a:latin typeface="Helvetica" panose="020B0604020202020204" pitchFamily="34" charset="0"/>
+              <a:cs typeface="Helvetica" panose="020B0604020202020204" pitchFamily="34" charset="0"/>
+            </a:endParaRPr>
+          </a:p>
+        </p:txBody>
+      </p:sp>
+      <p:sp>
+        <p:nvSpPr>
+          <p:cNvPr id="189" name="Rectangle 188"/>
+          <p:cNvSpPr/>
+          <p:nvPr/>
+        </p:nvSpPr>
+        <p:spPr>
+          <a:xfrm>
+            <a:off x="19518516" y="3095767"/>
+            <a:ext cx="330200" cy="282167"/>
+          </a:xfrm>
+          <a:prstGeom prst="rect">
+            <a:avLst/>
+          </a:prstGeom>
+          <a:solidFill>
+            <a:schemeClr val="accent5">
+              <a:lumMod val="50000"/>
+            </a:schemeClr>
+          </a:solidFill>
+          <a:ln>
+            <a:solidFill>
+              <a:schemeClr val="accent5">
+                <a:lumMod val="50000"/>
+              </a:schemeClr>
+            </a:solidFill>
+          </a:ln>
+        </p:spPr>
+        <p:style>
+          <a:lnRef idx="2">
+            <a:schemeClr val="accent1">
+              <a:shade val="50000"/>
+            </a:schemeClr>
+          </a:lnRef>
+          <a:fillRef idx="1">
+            <a:schemeClr val="accent1"/>
+          </a:fillRef>
+          <a:effectRef idx="0">
+            <a:schemeClr val="accent1"/>
+          </a:effectRef>
+          <a:fontRef idx="minor">
+            <a:schemeClr val="lt1"/>
+          </a:fontRef>
+        </p:style>
+        <p:txBody>
+          <a:bodyPr rtlCol="0" anchor="ctr"/>
+          <a:lstStyle/>
+          <a:p>
+            <a:pPr algn="ctr"/>
+            <a:endParaRPr lang="en-US"/>
+          </a:p>
+        </p:txBody>
+      </p:sp>
+      <p:sp>
+        <p:nvSpPr>
+          <p:cNvPr id="190" name="Rectangle 189"/>
+          <p:cNvSpPr/>
+          <p:nvPr/>
+        </p:nvSpPr>
+        <p:spPr>
+          <a:xfrm>
+            <a:off x="19518516" y="3400748"/>
+            <a:ext cx="330200" cy="282167"/>
+          </a:xfrm>
+          <a:prstGeom prst="rect">
+            <a:avLst/>
+          </a:prstGeom>
+          <a:solidFill>
+            <a:schemeClr val="accent5">
+              <a:lumMod val="50000"/>
+            </a:schemeClr>
+          </a:solidFill>
+          <a:ln>
+            <a:solidFill>
+              <a:schemeClr val="accent5">
+                <a:lumMod val="50000"/>
+              </a:schemeClr>
+            </a:solidFill>
+          </a:ln>
+        </p:spPr>
+        <p:style>
+          <a:lnRef idx="2">
+            <a:schemeClr val="accent1">
+              <a:shade val="50000"/>
+            </a:schemeClr>
+          </a:lnRef>
+          <a:fillRef idx="1">
+            <a:schemeClr val="accent1"/>
+          </a:fillRef>
+          <a:effectRef idx="0">
+            <a:schemeClr val="accent1"/>
+          </a:effectRef>
+          <a:fontRef idx="minor">
+            <a:schemeClr val="lt1"/>
+          </a:fontRef>
+        </p:style>
+        <p:txBody>
+          <a:bodyPr rtlCol="0" anchor="ctr"/>
+          <a:lstStyle/>
+          <a:p>
+            <a:pPr algn="ctr"/>
+            <a:endParaRPr lang="en-US"/>
+          </a:p>
+        </p:txBody>
+      </p:sp>
+      <p:sp>
+        <p:nvSpPr>
+          <p:cNvPr id="191" name="Rectangle 190"/>
+          <p:cNvSpPr/>
+          <p:nvPr/>
+        </p:nvSpPr>
+        <p:spPr>
+          <a:xfrm>
+            <a:off x="19518516" y="3705729"/>
+            <a:ext cx="330200" cy="282167"/>
+          </a:xfrm>
+          <a:prstGeom prst="rect">
+            <a:avLst/>
+          </a:prstGeom>
+          <a:solidFill>
+            <a:schemeClr val="accent5">
+              <a:lumMod val="50000"/>
+            </a:schemeClr>
+          </a:solidFill>
+          <a:ln>
+            <a:solidFill>
+              <a:schemeClr val="accent5">
+                <a:lumMod val="50000"/>
+              </a:schemeClr>
+            </a:solidFill>
+          </a:ln>
+        </p:spPr>
+        <p:style>
+          <a:lnRef idx="2">
+            <a:schemeClr val="accent1">
+              <a:shade val="50000"/>
+            </a:schemeClr>
+          </a:lnRef>
+          <a:fillRef idx="1">
+            <a:schemeClr val="accent1"/>
+          </a:fillRef>
+          <a:effectRef idx="0">
+            <a:schemeClr val="accent1"/>
+          </a:effectRef>
+          <a:fontRef idx="minor">
+            <a:schemeClr val="lt1"/>
+          </a:fontRef>
+        </p:style>
+        <p:txBody>
+          <a:bodyPr rtlCol="0" anchor="ctr"/>
+          <a:lstStyle/>
+          <a:p>
+            <a:pPr algn="ctr"/>
+            <a:endParaRPr lang="en-US"/>
+          </a:p>
+        </p:txBody>
+      </p:sp>
+      <p:sp>
+        <p:nvSpPr>
+          <p:cNvPr id="192" name="Rectangle 191"/>
+          <p:cNvSpPr/>
+          <p:nvPr/>
+        </p:nvSpPr>
+        <p:spPr>
+          <a:xfrm>
+            <a:off x="19518516" y="4010894"/>
+            <a:ext cx="330200" cy="282167"/>
+          </a:xfrm>
+          <a:prstGeom prst="rect">
+            <a:avLst/>
+          </a:prstGeom>
+          <a:solidFill>
+            <a:schemeClr val="accent5">
+              <a:lumMod val="50000"/>
+            </a:schemeClr>
+          </a:solidFill>
+          <a:ln>
+            <a:solidFill>
+              <a:schemeClr val="accent5">
+                <a:lumMod val="50000"/>
+              </a:schemeClr>
+            </a:solidFill>
+          </a:ln>
+        </p:spPr>
+        <p:style>
+          <a:lnRef idx="2">
+            <a:schemeClr val="accent1">
+              <a:shade val="50000"/>
+            </a:schemeClr>
+          </a:lnRef>
+          <a:fillRef idx="1">
+            <a:schemeClr val="accent1"/>
+          </a:fillRef>
+          <a:effectRef idx="0">
+            <a:schemeClr val="accent1"/>
+          </a:effectRef>
+          <a:fontRef idx="minor">
+            <a:schemeClr val="lt1"/>
+          </a:fontRef>
+        </p:style>
+        <p:txBody>
+          <a:bodyPr rtlCol="0" anchor="ctr"/>
+          <a:lstStyle/>
+          <a:p>
+            <a:pPr algn="ctr"/>
+            <a:endParaRPr lang="en-US"/>
+          </a:p>
+        </p:txBody>
+      </p:sp>
+      <p:sp>
+        <p:nvSpPr>
+          <p:cNvPr id="193" name="Rectangle 192"/>
+          <p:cNvSpPr/>
+          <p:nvPr/>
+        </p:nvSpPr>
+        <p:spPr>
+          <a:xfrm>
+            <a:off x="19518516" y="4314088"/>
+            <a:ext cx="330200" cy="282167"/>
+          </a:xfrm>
+          <a:prstGeom prst="rect">
+            <a:avLst/>
+          </a:prstGeom>
+          <a:solidFill>
+            <a:schemeClr val="accent5">
+              <a:lumMod val="50000"/>
+            </a:schemeClr>
+          </a:solidFill>
+          <a:ln>
+            <a:solidFill>
+              <a:schemeClr val="accent5">
+                <a:lumMod val="50000"/>
+              </a:schemeClr>
+            </a:solidFill>
+          </a:ln>
+        </p:spPr>
+        <p:style>
+          <a:lnRef idx="2">
+            <a:schemeClr val="accent1">
+              <a:shade val="50000"/>
+            </a:schemeClr>
+          </a:lnRef>
+          <a:fillRef idx="1">
+            <a:schemeClr val="accent1"/>
+          </a:fillRef>
+          <a:effectRef idx="0">
+            <a:schemeClr val="accent1"/>
+          </a:effectRef>
+          <a:fontRef idx="minor">
+            <a:schemeClr val="lt1"/>
+          </a:fontRef>
+        </p:style>
+        <p:txBody>
+          <a:bodyPr rtlCol="0" anchor="ctr"/>
+          <a:lstStyle/>
+          <a:p>
+            <a:pPr algn="ctr"/>
+            <a:endParaRPr lang="en-US"/>
+          </a:p>
+        </p:txBody>
+      </p:sp>
+      <p:sp>
+        <p:nvSpPr>
+          <p:cNvPr id="194" name="Rectangle 193"/>
+          <p:cNvSpPr/>
+          <p:nvPr/>
+        </p:nvSpPr>
+        <p:spPr>
+          <a:xfrm>
+            <a:off x="19518516" y="4614756"/>
+            <a:ext cx="330200" cy="282167"/>
+          </a:xfrm>
+          <a:prstGeom prst="rect">
+            <a:avLst/>
+          </a:prstGeom>
+          <a:solidFill>
+            <a:schemeClr val="accent5">
+              <a:lumMod val="50000"/>
+            </a:schemeClr>
+          </a:solidFill>
+          <a:ln>
+            <a:solidFill>
+              <a:schemeClr val="accent5">
+                <a:lumMod val="50000"/>
+              </a:schemeClr>
+            </a:solidFill>
+          </a:ln>
+        </p:spPr>
+        <p:style>
+          <a:lnRef idx="2">
+            <a:schemeClr val="accent1">
+              <a:shade val="50000"/>
+            </a:schemeClr>
+          </a:lnRef>
+          <a:fillRef idx="1">
+            <a:schemeClr val="accent1"/>
+          </a:fillRef>
+          <a:effectRef idx="0">
+            <a:schemeClr val="accent1"/>
+          </a:effectRef>
+          <a:fontRef idx="minor">
+            <a:schemeClr val="lt1"/>
+          </a:fontRef>
+        </p:style>
+        <p:txBody>
+          <a:bodyPr rtlCol="0" anchor="ctr"/>
+          <a:lstStyle/>
+          <a:p>
+            <a:pPr algn="ctr"/>
+            <a:endParaRPr lang="en-US"/>
+          </a:p>
+        </p:txBody>
+      </p:sp>
+      <p:sp>
+        <p:nvSpPr>
+          <p:cNvPr id="195" name="Rectangle 194"/>
+          <p:cNvSpPr/>
+          <p:nvPr/>
+        </p:nvSpPr>
+        <p:spPr>
+          <a:xfrm>
+            <a:off x="19518516" y="5588977"/>
+            <a:ext cx="330200" cy="282167"/>
+          </a:xfrm>
+          <a:prstGeom prst="rect">
+            <a:avLst/>
+          </a:prstGeom>
+          <a:solidFill>
+            <a:schemeClr val="accent5">
+              <a:lumMod val="50000"/>
+            </a:schemeClr>
+          </a:solidFill>
+          <a:ln>
+            <a:solidFill>
+              <a:schemeClr val="accent5">
+                <a:lumMod val="50000"/>
+              </a:schemeClr>
+            </a:solidFill>
+          </a:ln>
+        </p:spPr>
+        <p:style>
+          <a:lnRef idx="2">
+            <a:schemeClr val="accent1">
+              <a:shade val="50000"/>
+            </a:schemeClr>
+          </a:lnRef>
+          <a:fillRef idx="1">
+            <a:schemeClr val="accent1"/>
+          </a:fillRef>
+          <a:effectRef idx="0">
+            <a:schemeClr val="accent1"/>
+          </a:effectRef>
+          <a:fontRef idx="minor">
+            <a:schemeClr val="lt1"/>
+          </a:fontRef>
+        </p:style>
+        <p:txBody>
+          <a:bodyPr rtlCol="0" anchor="ctr"/>
+          <a:lstStyle/>
+          <a:p>
+            <a:pPr algn="ctr"/>
+            <a:endParaRPr lang="en-US"/>
+          </a:p>
+        </p:txBody>
+      </p:sp>
+      <p:sp>
+        <p:nvSpPr>
+          <p:cNvPr id="196" name="Rectangle 195"/>
+          <p:cNvSpPr/>
+          <p:nvPr/>
+        </p:nvSpPr>
+        <p:spPr>
+          <a:xfrm>
+            <a:off x="19652502" y="5070079"/>
+            <a:ext cx="69373" cy="52772"/>
+          </a:xfrm>
+          <a:prstGeom prst="rect">
+            <a:avLst/>
+          </a:prstGeom>
+          <a:solidFill>
+            <a:schemeClr val="accent5">
+              <a:lumMod val="50000"/>
+            </a:schemeClr>
+          </a:solidFill>
+          <a:ln>
+            <a:solidFill>
+              <a:schemeClr val="accent5">
+                <a:lumMod val="50000"/>
+              </a:schemeClr>
+            </a:solidFill>
+          </a:ln>
+        </p:spPr>
+        <p:style>
+          <a:lnRef idx="2">
+            <a:schemeClr val="accent1">
+              <a:shade val="50000"/>
+            </a:schemeClr>
+          </a:lnRef>
+          <a:fillRef idx="1">
+            <a:schemeClr val="accent1"/>
+          </a:fillRef>
+          <a:effectRef idx="0">
+            <a:schemeClr val="accent1"/>
+          </a:effectRef>
+          <a:fontRef idx="minor">
+            <a:schemeClr val="lt1"/>
+          </a:fontRef>
+        </p:style>
+        <p:txBody>
+          <a:bodyPr rtlCol="0" anchor="ctr"/>
+          <a:lstStyle/>
+          <a:p>
+            <a:pPr algn="ctr"/>
+            <a:endParaRPr lang="en-US"/>
+          </a:p>
+        </p:txBody>
+      </p:sp>
+      <p:sp>
+        <p:nvSpPr>
+          <p:cNvPr id="197" name="Rectangle 196"/>
+          <p:cNvSpPr/>
+          <p:nvPr/>
+        </p:nvSpPr>
+        <p:spPr>
+          <a:xfrm>
+            <a:off x="19652502" y="5221518"/>
+            <a:ext cx="69373" cy="52772"/>
+          </a:xfrm>
+          <a:prstGeom prst="rect">
+            <a:avLst/>
+          </a:prstGeom>
+          <a:solidFill>
+            <a:schemeClr val="accent5">
+              <a:lumMod val="50000"/>
+            </a:schemeClr>
+          </a:solidFill>
+          <a:ln>
+            <a:solidFill>
+              <a:schemeClr val="accent5">
+                <a:lumMod val="50000"/>
+              </a:schemeClr>
+            </a:solidFill>
+          </a:ln>
+        </p:spPr>
+        <p:style>
+          <a:lnRef idx="2">
+            <a:schemeClr val="accent1">
+              <a:shade val="50000"/>
+            </a:schemeClr>
+          </a:lnRef>
+          <a:fillRef idx="1">
+            <a:schemeClr val="accent1"/>
+          </a:fillRef>
+          <a:effectRef idx="0">
+            <a:schemeClr val="accent1"/>
+          </a:effectRef>
+          <a:fontRef idx="minor">
+            <a:schemeClr val="lt1"/>
+          </a:fontRef>
+        </p:style>
+        <p:txBody>
+          <a:bodyPr rtlCol="0" anchor="ctr"/>
+          <a:lstStyle/>
+          <a:p>
+            <a:pPr algn="ctr"/>
+            <a:endParaRPr lang="en-US"/>
+          </a:p>
+        </p:txBody>
+      </p:sp>
+      <p:sp>
+        <p:nvSpPr>
+          <p:cNvPr id="198" name="Rectangle 197"/>
+          <p:cNvSpPr/>
+          <p:nvPr/>
+        </p:nvSpPr>
+        <p:spPr>
+          <a:xfrm>
+            <a:off x="19652502" y="5365577"/>
+            <a:ext cx="69373" cy="52772"/>
+          </a:xfrm>
+          <a:prstGeom prst="rect">
+            <a:avLst/>
+          </a:prstGeom>
+          <a:solidFill>
+            <a:schemeClr val="accent5">
+              <a:lumMod val="50000"/>
+            </a:schemeClr>
+          </a:solidFill>
+          <a:ln>
+            <a:solidFill>
+              <a:schemeClr val="accent5">
+                <a:lumMod val="50000"/>
+              </a:schemeClr>
+            </a:solidFill>
+          </a:ln>
+        </p:spPr>
+        <p:style>
+          <a:lnRef idx="2">
+            <a:schemeClr val="accent1">
+              <a:shade val="50000"/>
+            </a:schemeClr>
+          </a:lnRef>
+          <a:fillRef idx="1">
+            <a:schemeClr val="accent1"/>
+          </a:fillRef>
+          <a:effectRef idx="0">
+            <a:schemeClr val="accent1"/>
+          </a:effectRef>
+          <a:fontRef idx="minor">
+            <a:schemeClr val="lt1"/>
+          </a:fontRef>
+        </p:style>
+        <p:txBody>
+          <a:bodyPr rtlCol="0" anchor="ctr"/>
+          <a:lstStyle/>
+          <a:p>
+            <a:pPr algn="ctr"/>
+            <a:endParaRPr lang="en-US"/>
+          </a:p>
+        </p:txBody>
+      </p:sp>
+      <p:sp>
+        <p:nvSpPr>
+          <p:cNvPr id="200" name="Rectangle 199"/>
+          <p:cNvSpPr/>
+          <p:nvPr/>
+        </p:nvSpPr>
+        <p:spPr>
+          <a:xfrm>
+            <a:off x="21100097" y="4097658"/>
+            <a:ext cx="330200" cy="282167"/>
+          </a:xfrm>
+          <a:prstGeom prst="rect">
+            <a:avLst/>
+          </a:prstGeom>
+          <a:solidFill>
+            <a:schemeClr val="accent5">
+              <a:lumMod val="50000"/>
+            </a:schemeClr>
+          </a:solidFill>
+          <a:ln>
+            <a:solidFill>
+              <a:schemeClr val="accent5">
+                <a:lumMod val="50000"/>
+              </a:schemeClr>
+            </a:solidFill>
+          </a:ln>
+        </p:spPr>
+        <p:style>
+          <a:lnRef idx="2">
+            <a:schemeClr val="accent1">
+              <a:shade val="50000"/>
+            </a:schemeClr>
+          </a:lnRef>
+          <a:fillRef idx="1">
+            <a:schemeClr val="accent1"/>
+          </a:fillRef>
+          <a:effectRef idx="0">
+            <a:schemeClr val="accent1"/>
+          </a:effectRef>
+          <a:fontRef idx="minor">
+            <a:schemeClr val="lt1"/>
+          </a:fontRef>
+        </p:style>
+        <p:txBody>
+          <a:bodyPr rtlCol="0" anchor="ctr"/>
+          <a:lstStyle/>
+          <a:p>
+            <a:pPr algn="ctr"/>
+            <a:endParaRPr lang="en-US"/>
+          </a:p>
+        </p:txBody>
+      </p:sp>
+      <p:cxnSp>
+        <p:nvCxnSpPr>
+          <p:cNvPr id="201" name="Straight Connector 200"/>
+          <p:cNvCxnSpPr/>
+          <p:nvPr/>
+        </p:nvCxnSpPr>
+        <p:spPr>
+          <a:xfrm>
+            <a:off x="17944079" y="3236850"/>
+            <a:ext cx="1708423" cy="326012"/>
+          </a:xfrm>
+          <a:prstGeom prst="line">
+            <a:avLst/>
+          </a:prstGeom>
+          <a:ln w="3175">
+            <a:solidFill>
+              <a:schemeClr val="accent1">
+                <a:lumMod val="50000"/>
+              </a:schemeClr>
+            </a:solidFill>
+          </a:ln>
+        </p:spPr>
+        <p:style>
+          <a:lnRef idx="1">
+            <a:schemeClr val="accent1"/>
+          </a:lnRef>
+          <a:fillRef idx="0">
+            <a:schemeClr val="accent1"/>
+          </a:fillRef>
+          <a:effectRef idx="0">
+            <a:schemeClr val="accent1"/>
+          </a:effectRef>
+          <a:fontRef idx="minor">
+            <a:schemeClr val="tx1"/>
+          </a:fontRef>
+        </p:style>
+      </p:cxnSp>
+      <p:cxnSp>
+        <p:nvCxnSpPr>
+          <p:cNvPr id="204" name="Straight Connector 203"/>
+          <p:cNvCxnSpPr/>
+          <p:nvPr/>
+        </p:nvCxnSpPr>
+        <p:spPr>
+          <a:xfrm flipV="1">
+            <a:off x="17946645" y="3224759"/>
+            <a:ext cx="1775230" cy="954229"/>
+          </a:xfrm>
+          <a:prstGeom prst="line">
+            <a:avLst/>
+          </a:prstGeom>
+          <a:ln w="3175">
+            <a:solidFill>
+              <a:schemeClr val="accent1">
+                <a:lumMod val="50000"/>
+              </a:schemeClr>
+            </a:solidFill>
+          </a:ln>
+        </p:spPr>
+        <p:style>
+          <a:lnRef idx="1">
+            <a:schemeClr val="accent1"/>
+          </a:lnRef>
+          <a:fillRef idx="0">
+            <a:schemeClr val="accent1"/>
+          </a:fillRef>
+          <a:effectRef idx="0">
+            <a:schemeClr val="accent1"/>
+          </a:effectRef>
+          <a:fontRef idx="minor">
+            <a:schemeClr val="tx1"/>
+          </a:fontRef>
+        </p:style>
+      </p:cxnSp>
+      <p:cxnSp>
+        <p:nvCxnSpPr>
+          <p:cNvPr id="206" name="Straight Connector 205"/>
+          <p:cNvCxnSpPr/>
+          <p:nvPr/>
+        </p:nvCxnSpPr>
+        <p:spPr>
+          <a:xfrm flipV="1">
+            <a:off x="17975194" y="4454329"/>
+            <a:ext cx="1733902" cy="307875"/>
+          </a:xfrm>
+          <a:prstGeom prst="line">
+            <a:avLst/>
+          </a:prstGeom>
+          <a:ln w="3175">
+            <a:solidFill>
+              <a:schemeClr val="accent1">
+                <a:lumMod val="50000"/>
+              </a:schemeClr>
+            </a:solidFill>
+          </a:ln>
+        </p:spPr>
+        <p:style>
+          <a:lnRef idx="1">
+            <a:schemeClr val="accent1"/>
+          </a:lnRef>
+          <a:fillRef idx="0">
+            <a:schemeClr val="accent1"/>
+          </a:fillRef>
+          <a:effectRef idx="0">
+            <a:schemeClr val="accent1"/>
+          </a:effectRef>
+          <a:fontRef idx="minor">
+            <a:schemeClr val="tx1"/>
+          </a:fontRef>
+        </p:style>
+      </p:cxnSp>
+      <p:cxnSp>
+        <p:nvCxnSpPr>
+          <p:cNvPr id="210" name="Straight Connector 209"/>
+          <p:cNvCxnSpPr/>
+          <p:nvPr/>
+        </p:nvCxnSpPr>
+        <p:spPr>
+          <a:xfrm>
+            <a:off x="17944079" y="3844183"/>
+            <a:ext cx="1739537" cy="1882169"/>
+          </a:xfrm>
+          <a:prstGeom prst="line">
+            <a:avLst/>
+          </a:prstGeom>
+          <a:ln w="3175">
+            <a:solidFill>
+              <a:schemeClr val="accent1">
+                <a:lumMod val="50000"/>
+              </a:schemeClr>
+            </a:solidFill>
+          </a:ln>
+        </p:spPr>
+        <p:style>
+          <a:lnRef idx="1">
+            <a:schemeClr val="accent1"/>
+          </a:lnRef>
+          <a:fillRef idx="0">
+            <a:schemeClr val="accent1"/>
+          </a:fillRef>
+          <a:effectRef idx="0">
+            <a:schemeClr val="accent1"/>
+          </a:effectRef>
+          <a:fontRef idx="minor">
+            <a:schemeClr val="tx1"/>
+          </a:fontRef>
+        </p:style>
+      </p:cxnSp>
+      <p:cxnSp>
+        <p:nvCxnSpPr>
+          <p:cNvPr id="212" name="Straight Connector 211"/>
+          <p:cNvCxnSpPr/>
+          <p:nvPr/>
+        </p:nvCxnSpPr>
+        <p:spPr>
+          <a:xfrm>
+            <a:off x="19670863" y="3261257"/>
+            <a:ext cx="1594334" cy="961544"/>
+          </a:xfrm>
+          <a:prstGeom prst="line">
+            <a:avLst/>
+          </a:prstGeom>
+          <a:ln w="3175">
+            <a:solidFill>
+              <a:schemeClr val="accent1">
+                <a:lumMod val="50000"/>
+              </a:schemeClr>
+            </a:solidFill>
+          </a:ln>
+        </p:spPr>
+        <p:style>
+          <a:lnRef idx="1">
+            <a:schemeClr val="accent1"/>
+          </a:lnRef>
+          <a:fillRef idx="0">
+            <a:schemeClr val="accent1"/>
+          </a:fillRef>
+          <a:effectRef idx="0">
+            <a:schemeClr val="accent1"/>
+          </a:effectRef>
+          <a:fontRef idx="minor">
+            <a:schemeClr val="tx1"/>
+          </a:fontRef>
+        </p:style>
+      </p:cxnSp>
+      <p:cxnSp>
+        <p:nvCxnSpPr>
+          <p:cNvPr id="214" name="Straight Connector 213"/>
+          <p:cNvCxnSpPr/>
+          <p:nvPr/>
+        </p:nvCxnSpPr>
+        <p:spPr>
+          <a:xfrm flipH="1" flipV="1">
+            <a:off x="19721875" y="3562862"/>
+            <a:ext cx="1530569" cy="652624"/>
+          </a:xfrm>
+          <a:prstGeom prst="line">
+            <a:avLst/>
+          </a:prstGeom>
+          <a:ln w="3175">
+            <a:solidFill>
+              <a:schemeClr val="accent1">
+                <a:lumMod val="50000"/>
+              </a:schemeClr>
+            </a:solidFill>
+          </a:ln>
+        </p:spPr>
+        <p:style>
+          <a:lnRef idx="1">
+            <a:schemeClr val="accent1"/>
+          </a:lnRef>
+          <a:fillRef idx="0">
+            <a:schemeClr val="accent1"/>
+          </a:fillRef>
+          <a:effectRef idx="0">
+            <a:schemeClr val="accent1"/>
+          </a:effectRef>
+          <a:fontRef idx="minor">
+            <a:schemeClr val="tx1"/>
+          </a:fontRef>
+        </p:style>
+      </p:cxnSp>
+      <p:cxnSp>
+        <p:nvCxnSpPr>
+          <p:cNvPr id="218" name="Straight Connector 217"/>
+          <p:cNvCxnSpPr/>
+          <p:nvPr/>
+        </p:nvCxnSpPr>
+        <p:spPr>
+          <a:xfrm>
+            <a:off x="19709096" y="3832519"/>
+            <a:ext cx="1530569" cy="405781"/>
+          </a:xfrm>
+          <a:prstGeom prst="line">
+            <a:avLst/>
+          </a:prstGeom>
+          <a:ln w="3175">
+            <a:solidFill>
+              <a:schemeClr val="accent1">
+                <a:lumMod val="50000"/>
+              </a:schemeClr>
+            </a:solidFill>
+          </a:ln>
+        </p:spPr>
+        <p:style>
+          <a:lnRef idx="1">
+            <a:schemeClr val="accent1"/>
+          </a:lnRef>
+          <a:fillRef idx="0">
+            <a:schemeClr val="accent1"/>
+          </a:fillRef>
+          <a:effectRef idx="0">
+            <a:schemeClr val="accent1"/>
+          </a:effectRef>
+          <a:fontRef idx="minor">
+            <a:schemeClr val="tx1"/>
+          </a:fontRef>
+        </p:style>
+      </p:cxnSp>
+      <p:cxnSp>
+        <p:nvCxnSpPr>
+          <p:cNvPr id="221" name="Straight Connector 220"/>
+          <p:cNvCxnSpPr/>
+          <p:nvPr/>
+        </p:nvCxnSpPr>
+        <p:spPr>
+          <a:xfrm>
+            <a:off x="19670863" y="4178988"/>
+            <a:ext cx="1556075" cy="59753"/>
+          </a:xfrm>
+          <a:prstGeom prst="line">
+            <a:avLst/>
+          </a:prstGeom>
+          <a:ln w="3175">
+            <a:solidFill>
+              <a:schemeClr val="accent1">
+                <a:lumMod val="50000"/>
+              </a:schemeClr>
+            </a:solidFill>
+          </a:ln>
+        </p:spPr>
+        <p:style>
+          <a:lnRef idx="1">
+            <a:schemeClr val="accent1"/>
+          </a:lnRef>
+          <a:fillRef idx="0">
+            <a:schemeClr val="accent1"/>
+          </a:fillRef>
+          <a:effectRef idx="0">
+            <a:schemeClr val="accent1"/>
+          </a:effectRef>
+          <a:fontRef idx="minor">
+            <a:schemeClr val="tx1"/>
+          </a:fontRef>
+        </p:style>
+      </p:cxnSp>
+      <p:cxnSp>
+        <p:nvCxnSpPr>
+          <p:cNvPr id="224" name="Straight Connector 223"/>
+          <p:cNvCxnSpPr/>
+          <p:nvPr/>
+        </p:nvCxnSpPr>
+        <p:spPr>
+          <a:xfrm flipV="1">
+            <a:off x="19664500" y="4215422"/>
+            <a:ext cx="1600697" cy="254080"/>
+          </a:xfrm>
+          <a:prstGeom prst="line">
+            <a:avLst/>
+          </a:prstGeom>
+          <a:ln w="3175">
+            <a:solidFill>
+              <a:schemeClr val="accent1">
+                <a:lumMod val="50000"/>
+              </a:schemeClr>
+            </a:solidFill>
+          </a:ln>
+        </p:spPr>
+        <p:style>
+          <a:lnRef idx="1">
+            <a:schemeClr val="accent1"/>
+          </a:lnRef>
+          <a:fillRef idx="0">
+            <a:schemeClr val="accent1"/>
+          </a:fillRef>
+          <a:effectRef idx="0">
+            <a:schemeClr val="accent1"/>
+          </a:effectRef>
+          <a:fontRef idx="minor">
+            <a:schemeClr val="tx1"/>
+          </a:fontRef>
+        </p:style>
+      </p:cxnSp>
+      <p:cxnSp>
+        <p:nvCxnSpPr>
+          <p:cNvPr id="227" name="Straight Connector 226"/>
+          <p:cNvCxnSpPr/>
+          <p:nvPr/>
+        </p:nvCxnSpPr>
+        <p:spPr>
+          <a:xfrm flipV="1">
+            <a:off x="19670863" y="4214335"/>
+            <a:ext cx="1594334" cy="543166"/>
+          </a:xfrm>
+          <a:prstGeom prst="line">
+            <a:avLst/>
+          </a:prstGeom>
+          <a:ln w="3175">
+            <a:solidFill>
+              <a:schemeClr val="accent1">
+                <a:lumMod val="50000"/>
+              </a:schemeClr>
+            </a:solidFill>
+          </a:ln>
+        </p:spPr>
+        <p:style>
+          <a:lnRef idx="1">
+            <a:schemeClr val="accent1"/>
+          </a:lnRef>
+          <a:fillRef idx="0">
+            <a:schemeClr val="accent1"/>
+          </a:fillRef>
+          <a:effectRef idx="0">
+            <a:schemeClr val="accent1"/>
+          </a:effectRef>
+          <a:fontRef idx="minor">
+            <a:schemeClr val="tx1"/>
+          </a:fontRef>
+        </p:style>
+      </p:cxnSp>
+      <p:cxnSp>
+        <p:nvCxnSpPr>
+          <p:cNvPr id="229" name="Straight Connector 228"/>
+          <p:cNvCxnSpPr/>
+          <p:nvPr/>
+        </p:nvCxnSpPr>
+        <p:spPr>
+          <a:xfrm flipV="1">
+            <a:off x="19709096" y="4222801"/>
+            <a:ext cx="1556101" cy="1514446"/>
+          </a:xfrm>
+          <a:prstGeom prst="line">
+            <a:avLst/>
+          </a:prstGeom>
+          <a:ln w="3175">
+            <a:solidFill>
+              <a:schemeClr val="accent1">
+                <a:lumMod val="50000"/>
+              </a:schemeClr>
+            </a:solidFill>
+          </a:ln>
+        </p:spPr>
+        <p:style>
+          <a:lnRef idx="1">
+            <a:schemeClr val="accent1"/>
+          </a:lnRef>
+          <a:fillRef idx="0">
+            <a:schemeClr val="accent1"/>
+          </a:fillRef>
+          <a:effectRef idx="0">
+            <a:schemeClr val="accent1"/>
+          </a:effectRef>
+          <a:fontRef idx="minor">
+            <a:schemeClr val="tx1"/>
+          </a:fontRef>
+        </p:style>
+      </p:cxnSp>
+      <p:sp>
+        <p:nvSpPr>
+          <p:cNvPr id="235" name="Rectangle 234"/>
+          <p:cNvSpPr/>
+          <p:nvPr/>
+        </p:nvSpPr>
+        <p:spPr>
+          <a:xfrm>
+            <a:off x="20429742" y="4597639"/>
+            <a:ext cx="69373" cy="52772"/>
+          </a:xfrm>
+          <a:prstGeom prst="rect">
+            <a:avLst/>
+          </a:prstGeom>
+          <a:solidFill>
+            <a:schemeClr val="accent5">
+              <a:lumMod val="50000"/>
+            </a:schemeClr>
+          </a:solidFill>
+          <a:ln>
+            <a:solidFill>
+              <a:schemeClr val="accent5">
+                <a:lumMod val="50000"/>
+              </a:schemeClr>
+            </a:solidFill>
+          </a:ln>
+        </p:spPr>
+        <p:style>
+          <a:lnRef idx="2">
+            <a:schemeClr val="accent1">
+              <a:shade val="50000"/>
+            </a:schemeClr>
+          </a:lnRef>
+          <a:fillRef idx="1">
+            <a:schemeClr val="accent1"/>
+          </a:fillRef>
+          <a:effectRef idx="0">
+            <a:schemeClr val="accent1"/>
+          </a:effectRef>
+          <a:fontRef idx="minor">
+            <a:schemeClr val="lt1"/>
+          </a:fontRef>
+        </p:style>
+        <p:txBody>
+          <a:bodyPr rtlCol="0" anchor="ctr"/>
+          <a:lstStyle/>
+          <a:p>
+            <a:pPr algn="ctr"/>
+            <a:endParaRPr lang="en-US"/>
+          </a:p>
+        </p:txBody>
+      </p:sp>
+      <p:sp>
+        <p:nvSpPr>
+          <p:cNvPr id="236" name="Rectangle 235"/>
+          <p:cNvSpPr/>
+          <p:nvPr/>
+        </p:nvSpPr>
+        <p:spPr>
+          <a:xfrm>
+            <a:off x="20437362" y="4779558"/>
+            <a:ext cx="69373" cy="52772"/>
+          </a:xfrm>
+          <a:prstGeom prst="rect">
+            <a:avLst/>
+          </a:prstGeom>
+          <a:solidFill>
+            <a:schemeClr val="accent5">
+              <a:lumMod val="50000"/>
+            </a:schemeClr>
+          </a:solidFill>
+          <a:ln>
+            <a:solidFill>
+              <a:schemeClr val="accent5">
+                <a:lumMod val="50000"/>
+              </a:schemeClr>
+            </a:solidFill>
+          </a:ln>
+        </p:spPr>
+        <p:style>
+          <a:lnRef idx="2">
+            <a:schemeClr val="accent1">
+              <a:shade val="50000"/>
+            </a:schemeClr>
+          </a:lnRef>
+          <a:fillRef idx="1">
+            <a:schemeClr val="accent1"/>
+          </a:fillRef>
+          <a:effectRef idx="0">
+            <a:schemeClr val="accent1"/>
+          </a:effectRef>
+          <a:fontRef idx="minor">
+            <a:schemeClr val="lt1"/>
+          </a:fontRef>
+        </p:style>
+        <p:txBody>
+          <a:bodyPr rtlCol="0" anchor="ctr"/>
+          <a:lstStyle/>
+          <a:p>
+            <a:pPr algn="ctr"/>
+            <a:endParaRPr lang="en-US"/>
+          </a:p>
+        </p:txBody>
+      </p:sp>
+      <p:sp>
+        <p:nvSpPr>
+          <p:cNvPr id="237" name="TextBox 236"/>
+          <p:cNvSpPr txBox="1"/>
+          <p:nvPr/>
+        </p:nvSpPr>
+        <p:spPr>
+          <a:xfrm>
+            <a:off x="18377760" y="6783039"/>
+            <a:ext cx="2688229" cy="954107"/>
+          </a:xfrm>
+          <a:prstGeom prst="rect">
+            <a:avLst/>
+          </a:prstGeom>
+          <a:noFill/>
+        </p:spPr>
+        <p:txBody>
+          <a:bodyPr wrap="square" rtlCol="0">
+            <a:spAutoFit/>
+          </a:bodyPr>
+          <a:lstStyle/>
+          <a:p>
+            <a:pPr algn="ctr"/>
+            <a:r>
+              <a:rPr lang="en-US" sz="2800" b="1" dirty="0" smtClean="0">
+                <a:solidFill>
+                  <a:schemeClr val="accent5">
+                    <a:lumMod val="50000"/>
+                  </a:schemeClr>
+                </a:solidFill>
+                <a:latin typeface="Helvetica" panose="020B0604020202020204" pitchFamily="34" charset="0"/>
+                <a:cs typeface="Helvetica" panose="020B0604020202020204" pitchFamily="34" charset="0"/>
+              </a:rPr>
+              <a:t>FULLY CONNECTED</a:t>
+            </a:r>
+            <a:endParaRPr lang="en-US" sz="2800" b="1" dirty="0">
+              <a:solidFill>
+                <a:schemeClr val="accent5">
+                  <a:lumMod val="50000"/>
+                </a:schemeClr>
+              </a:solidFill>
+              <a:latin typeface="Helvetica" panose="020B0604020202020204" pitchFamily="34" charset="0"/>
+              <a:cs typeface="Helvetica" panose="020B0604020202020204" pitchFamily="34" charset="0"/>
+            </a:endParaRPr>
+          </a:p>
+        </p:txBody>
+      </p:sp>
+      <p:sp>
+        <p:nvSpPr>
+          <p:cNvPr id="240" name="TextBox 239"/>
+          <p:cNvSpPr txBox="1"/>
+          <p:nvPr/>
+        </p:nvSpPr>
+        <p:spPr>
+          <a:xfrm>
+            <a:off x="20227469" y="6793934"/>
+            <a:ext cx="2688229" cy="523220"/>
+          </a:xfrm>
+          <a:prstGeom prst="rect">
+            <a:avLst/>
+          </a:prstGeom>
+          <a:noFill/>
+        </p:spPr>
+        <p:txBody>
+          <a:bodyPr wrap="square" rtlCol="0">
+            <a:spAutoFit/>
+          </a:bodyPr>
+          <a:lstStyle/>
+          <a:p>
+            <a:pPr algn="ctr"/>
+            <a:r>
+              <a:rPr lang="en-US" sz="2800" b="1" dirty="0" smtClean="0">
+                <a:solidFill>
+                  <a:schemeClr val="accent5">
+                    <a:lumMod val="50000"/>
+                  </a:schemeClr>
+                </a:solidFill>
+                <a:latin typeface="Helvetica" panose="020B0604020202020204" pitchFamily="34" charset="0"/>
+                <a:cs typeface="Helvetica" panose="020B0604020202020204" pitchFamily="34" charset="0"/>
+              </a:rPr>
+              <a:t>OUTPUT</a:t>
+            </a:r>
+            <a:endParaRPr lang="en-US" sz="2800" b="1" dirty="0">
+              <a:solidFill>
+                <a:schemeClr val="accent5">
+                  <a:lumMod val="50000"/>
+                </a:schemeClr>
+              </a:solidFill>
+              <a:latin typeface="Helvetica" panose="020B0604020202020204" pitchFamily="34" charset="0"/>
+              <a:cs typeface="Helvetica" panose="020B0604020202020204" pitchFamily="34" charset="0"/>
+            </a:endParaRPr>
+          </a:p>
+        </p:txBody>
+      </p:sp>
+    </p:spTree>
+    <p:extLst>
+      <p:ext uri="{BB962C8B-B14F-4D97-AF65-F5344CB8AC3E}">
+        <p14:creationId xmlns:p14="http://schemas.microsoft.com/office/powerpoint/2010/main" val="2586167048"/>
+      </p:ext>
+    </p:extLst>
+  </p:cSld>
+  <p:clrMapOvr>
+    <a:masterClrMapping/>
+  </p:clrMapOvr>
+</p:sld>
+</file>
+
 <file path=ppt/theme/theme1.xml><?xml version="1.0" encoding="utf-8"?>
 <a:theme xmlns:a="http://schemas.openxmlformats.org/drawingml/2006/main" name="Office Theme">
   <a:themeElements>

--- a/figs/figures.pptx
+++ b/figs/figures.pptx
@@ -12169,8 +12169,8 @@
           </a:p>
         </p:txBody>
       </p:sp>
-      <mc:AlternateContent xmlns:mc="http://schemas.openxmlformats.org/markup-compatibility/2006">
-        <mc:Choice xmlns:a14="http://schemas.microsoft.com/office/drawing/2010/main" Requires="a14">
+      <mc:AlternateContent xmlns:mc="http://schemas.openxmlformats.org/markup-compatibility/2006" xmlns:a14="http://schemas.microsoft.com/office/drawing/2010/main">
+        <mc:Choice Requires="a14">
           <p:sp>
             <p:nvSpPr>
               <p:cNvPr id="2" name="Rounded Rectangle 1"/>
@@ -12250,7 +12250,7 @@
             </p:txBody>
           </p:sp>
         </mc:Choice>
-        <mc:Fallback>
+        <mc:Fallback xmlns="">
           <p:sp>
             <p:nvSpPr>
               <p:cNvPr id="2" name="Rounded Rectangle 1"/>
@@ -12289,8 +12289,8 @@
           </p:sp>
         </mc:Fallback>
       </mc:AlternateContent>
-      <mc:AlternateContent xmlns:mc="http://schemas.openxmlformats.org/markup-compatibility/2006">
-        <mc:Choice xmlns:a14="http://schemas.microsoft.com/office/drawing/2010/main" Requires="a14">
+      <mc:AlternateContent xmlns:mc="http://schemas.openxmlformats.org/markup-compatibility/2006" xmlns:a14="http://schemas.microsoft.com/office/drawing/2010/main">
+        <mc:Choice Requires="a14">
           <p:sp>
             <p:nvSpPr>
               <p:cNvPr id="18" name="Rounded Rectangle 17"/>
@@ -12367,7 +12367,7 @@
             </p:txBody>
           </p:sp>
         </mc:Choice>
-        <mc:Fallback>
+        <mc:Fallback xmlns="">
           <p:sp>
             <p:nvSpPr>
               <p:cNvPr id="18" name="Rounded Rectangle 17"/>
@@ -12406,8 +12406,8 @@
           </p:sp>
         </mc:Fallback>
       </mc:AlternateContent>
-      <mc:AlternateContent xmlns:mc="http://schemas.openxmlformats.org/markup-compatibility/2006">
-        <mc:Choice xmlns:a14="http://schemas.microsoft.com/office/drawing/2010/main" Requires="a14">
+      <mc:AlternateContent xmlns:mc="http://schemas.openxmlformats.org/markup-compatibility/2006" xmlns:a14="http://schemas.microsoft.com/office/drawing/2010/main">
+        <mc:Choice Requires="a14">
           <p:sp>
             <p:nvSpPr>
               <p:cNvPr id="3" name="Rounded Rectangle 2"/>
@@ -12471,7 +12471,7 @@
             </p:txBody>
           </p:sp>
         </mc:Choice>
-        <mc:Fallback>
+        <mc:Fallback xmlns="">
           <p:sp>
             <p:nvSpPr>
               <p:cNvPr id="3" name="Rounded Rectangle 2"/>
@@ -27962,6 +27962,658 @@
           </a:p>
         </p:txBody>
       </p:sp>
+      <p:grpSp>
+        <p:nvGrpSpPr>
+          <p:cNvPr id="102" name="Group 101"/>
+          <p:cNvGrpSpPr/>
+          <p:nvPr/>
+        </p:nvGrpSpPr>
+        <p:grpSpPr>
+          <a:xfrm>
+            <a:off x="4947096" y="2708258"/>
+            <a:ext cx="1809750" cy="3796485"/>
+            <a:chOff x="1390650" y="2438400"/>
+            <a:chExt cx="1809750" cy="3796485"/>
+          </a:xfrm>
+        </p:grpSpPr>
+        <p:cxnSp>
+          <p:nvCxnSpPr>
+            <p:cNvPr id="103" name="Straight Connector 102"/>
+            <p:cNvCxnSpPr/>
+            <p:nvPr/>
+          </p:nvCxnSpPr>
+          <p:spPr>
+            <a:xfrm flipH="1">
+              <a:off x="1390650" y="3320235"/>
+              <a:ext cx="19050" cy="2914650"/>
+            </a:xfrm>
+            <a:prstGeom prst="line">
+              <a:avLst/>
+            </a:prstGeom>
+            <a:ln w="28575">
+              <a:solidFill>
+                <a:schemeClr val="accent1">
+                  <a:lumMod val="50000"/>
+                </a:schemeClr>
+              </a:solidFill>
+            </a:ln>
+          </p:spPr>
+          <p:style>
+            <a:lnRef idx="1">
+              <a:schemeClr val="accent1"/>
+            </a:lnRef>
+            <a:fillRef idx="0">
+              <a:schemeClr val="accent1"/>
+            </a:fillRef>
+            <a:effectRef idx="0">
+              <a:schemeClr val="accent1"/>
+            </a:effectRef>
+            <a:fontRef idx="minor">
+              <a:schemeClr val="tx1"/>
+            </a:fontRef>
+          </p:style>
+        </p:cxnSp>
+        <p:cxnSp>
+          <p:nvCxnSpPr>
+            <p:cNvPr id="104" name="Straight Connector 103"/>
+            <p:cNvCxnSpPr/>
+            <p:nvPr/>
+          </p:nvCxnSpPr>
+          <p:spPr>
+            <a:xfrm flipH="1">
+              <a:off x="1409700" y="2438400"/>
+              <a:ext cx="1790700" cy="881836"/>
+            </a:xfrm>
+            <a:prstGeom prst="line">
+              <a:avLst/>
+            </a:prstGeom>
+            <a:ln w="28575">
+              <a:solidFill>
+                <a:schemeClr val="accent1">
+                  <a:lumMod val="50000"/>
+                </a:schemeClr>
+              </a:solidFill>
+            </a:ln>
+          </p:spPr>
+          <p:style>
+            <a:lnRef idx="1">
+              <a:schemeClr val="accent1"/>
+            </a:lnRef>
+            <a:fillRef idx="0">
+              <a:schemeClr val="accent1"/>
+            </a:fillRef>
+            <a:effectRef idx="0">
+              <a:schemeClr val="accent1"/>
+            </a:effectRef>
+            <a:fontRef idx="minor">
+              <a:schemeClr val="tx1"/>
+            </a:fontRef>
+          </p:style>
+        </p:cxnSp>
+        <p:cxnSp>
+          <p:nvCxnSpPr>
+            <p:cNvPr id="105" name="Straight Connector 104"/>
+            <p:cNvCxnSpPr/>
+            <p:nvPr/>
+          </p:nvCxnSpPr>
+          <p:spPr>
+            <a:xfrm flipH="1">
+              <a:off x="3181350" y="2438400"/>
+              <a:ext cx="19050" cy="2914650"/>
+            </a:xfrm>
+            <a:prstGeom prst="line">
+              <a:avLst/>
+            </a:prstGeom>
+            <a:ln w="28575">
+              <a:solidFill>
+                <a:schemeClr val="accent1">
+                  <a:lumMod val="50000"/>
+                </a:schemeClr>
+              </a:solidFill>
+            </a:ln>
+          </p:spPr>
+          <p:style>
+            <a:lnRef idx="1">
+              <a:schemeClr val="accent1"/>
+            </a:lnRef>
+            <a:fillRef idx="0">
+              <a:schemeClr val="accent1"/>
+            </a:fillRef>
+            <a:effectRef idx="0">
+              <a:schemeClr val="accent1"/>
+            </a:effectRef>
+            <a:fontRef idx="minor">
+              <a:schemeClr val="tx1"/>
+            </a:fontRef>
+          </p:style>
+        </p:cxnSp>
+        <p:cxnSp>
+          <p:nvCxnSpPr>
+            <p:cNvPr id="106" name="Straight Connector 105"/>
+            <p:cNvCxnSpPr/>
+            <p:nvPr/>
+          </p:nvCxnSpPr>
+          <p:spPr>
+            <a:xfrm flipH="1">
+              <a:off x="1409700" y="5353049"/>
+              <a:ext cx="1790700" cy="881836"/>
+            </a:xfrm>
+            <a:prstGeom prst="line">
+              <a:avLst/>
+            </a:prstGeom>
+            <a:ln w="28575">
+              <a:solidFill>
+                <a:schemeClr val="accent1">
+                  <a:lumMod val="50000"/>
+                </a:schemeClr>
+              </a:solidFill>
+            </a:ln>
+          </p:spPr>
+          <p:style>
+            <a:lnRef idx="1">
+              <a:schemeClr val="accent1"/>
+            </a:lnRef>
+            <a:fillRef idx="0">
+              <a:schemeClr val="accent1"/>
+            </a:fillRef>
+            <a:effectRef idx="0">
+              <a:schemeClr val="accent1"/>
+            </a:effectRef>
+            <a:fontRef idx="minor">
+              <a:schemeClr val="tx1"/>
+            </a:fontRef>
+          </p:style>
+        </p:cxnSp>
+      </p:grpSp>
+      <p:grpSp>
+        <p:nvGrpSpPr>
+          <p:cNvPr id="108" name="Group 107"/>
+          <p:cNvGrpSpPr/>
+          <p:nvPr/>
+        </p:nvGrpSpPr>
+        <p:grpSpPr>
+          <a:xfrm>
+            <a:off x="4874071" y="2670158"/>
+            <a:ext cx="1809750" cy="3796485"/>
+            <a:chOff x="1390650" y="2438400"/>
+            <a:chExt cx="1809750" cy="3796485"/>
+          </a:xfrm>
+        </p:grpSpPr>
+        <p:cxnSp>
+          <p:nvCxnSpPr>
+            <p:cNvPr id="109" name="Straight Connector 108"/>
+            <p:cNvCxnSpPr/>
+            <p:nvPr/>
+          </p:nvCxnSpPr>
+          <p:spPr>
+            <a:xfrm flipH="1">
+              <a:off x="1390650" y="3320235"/>
+              <a:ext cx="19050" cy="2914650"/>
+            </a:xfrm>
+            <a:prstGeom prst="line">
+              <a:avLst/>
+            </a:prstGeom>
+            <a:ln w="28575">
+              <a:solidFill>
+                <a:schemeClr val="accent1">
+                  <a:lumMod val="50000"/>
+                </a:schemeClr>
+              </a:solidFill>
+            </a:ln>
+          </p:spPr>
+          <p:style>
+            <a:lnRef idx="1">
+              <a:schemeClr val="accent1"/>
+            </a:lnRef>
+            <a:fillRef idx="0">
+              <a:schemeClr val="accent1"/>
+            </a:fillRef>
+            <a:effectRef idx="0">
+              <a:schemeClr val="accent1"/>
+            </a:effectRef>
+            <a:fontRef idx="minor">
+              <a:schemeClr val="tx1"/>
+            </a:fontRef>
+          </p:style>
+        </p:cxnSp>
+        <p:cxnSp>
+          <p:nvCxnSpPr>
+            <p:cNvPr id="113" name="Straight Connector 112"/>
+            <p:cNvCxnSpPr/>
+            <p:nvPr/>
+          </p:nvCxnSpPr>
+          <p:spPr>
+            <a:xfrm flipH="1">
+              <a:off x="1409700" y="2438400"/>
+              <a:ext cx="1790700" cy="881836"/>
+            </a:xfrm>
+            <a:prstGeom prst="line">
+              <a:avLst/>
+            </a:prstGeom>
+            <a:ln w="28575">
+              <a:solidFill>
+                <a:schemeClr val="accent1">
+                  <a:lumMod val="50000"/>
+                </a:schemeClr>
+              </a:solidFill>
+            </a:ln>
+          </p:spPr>
+          <p:style>
+            <a:lnRef idx="1">
+              <a:schemeClr val="accent1"/>
+            </a:lnRef>
+            <a:fillRef idx="0">
+              <a:schemeClr val="accent1"/>
+            </a:fillRef>
+            <a:effectRef idx="0">
+              <a:schemeClr val="accent1"/>
+            </a:effectRef>
+            <a:fontRef idx="minor">
+              <a:schemeClr val="tx1"/>
+            </a:fontRef>
+          </p:style>
+        </p:cxnSp>
+        <p:cxnSp>
+          <p:nvCxnSpPr>
+            <p:cNvPr id="117" name="Straight Connector 116"/>
+            <p:cNvCxnSpPr/>
+            <p:nvPr/>
+          </p:nvCxnSpPr>
+          <p:spPr>
+            <a:xfrm flipH="1">
+              <a:off x="3181350" y="2438400"/>
+              <a:ext cx="19050" cy="2914650"/>
+            </a:xfrm>
+            <a:prstGeom prst="line">
+              <a:avLst/>
+            </a:prstGeom>
+            <a:ln w="28575">
+              <a:solidFill>
+                <a:schemeClr val="accent1">
+                  <a:lumMod val="50000"/>
+                </a:schemeClr>
+              </a:solidFill>
+            </a:ln>
+          </p:spPr>
+          <p:style>
+            <a:lnRef idx="1">
+              <a:schemeClr val="accent1"/>
+            </a:lnRef>
+            <a:fillRef idx="0">
+              <a:schemeClr val="accent1"/>
+            </a:fillRef>
+            <a:effectRef idx="0">
+              <a:schemeClr val="accent1"/>
+            </a:effectRef>
+            <a:fontRef idx="minor">
+              <a:schemeClr val="tx1"/>
+            </a:fontRef>
+          </p:style>
+        </p:cxnSp>
+        <p:cxnSp>
+          <p:nvCxnSpPr>
+            <p:cNvPr id="118" name="Straight Connector 117"/>
+            <p:cNvCxnSpPr/>
+            <p:nvPr/>
+          </p:nvCxnSpPr>
+          <p:spPr>
+            <a:xfrm flipH="1">
+              <a:off x="1409700" y="5353049"/>
+              <a:ext cx="1790700" cy="881836"/>
+            </a:xfrm>
+            <a:prstGeom prst="line">
+              <a:avLst/>
+            </a:prstGeom>
+            <a:ln w="28575">
+              <a:solidFill>
+                <a:schemeClr val="accent1">
+                  <a:lumMod val="50000"/>
+                </a:schemeClr>
+              </a:solidFill>
+            </a:ln>
+          </p:spPr>
+          <p:style>
+            <a:lnRef idx="1">
+              <a:schemeClr val="accent1"/>
+            </a:lnRef>
+            <a:fillRef idx="0">
+              <a:schemeClr val="accent1"/>
+            </a:fillRef>
+            <a:effectRef idx="0">
+              <a:schemeClr val="accent1"/>
+            </a:effectRef>
+            <a:fontRef idx="minor">
+              <a:schemeClr val="tx1"/>
+            </a:fontRef>
+          </p:style>
+        </p:cxnSp>
+      </p:grpSp>
+      <p:grpSp>
+        <p:nvGrpSpPr>
+          <p:cNvPr id="129" name="Group 128"/>
+          <p:cNvGrpSpPr/>
+          <p:nvPr/>
+        </p:nvGrpSpPr>
+        <p:grpSpPr>
+          <a:xfrm>
+            <a:off x="5314049" y="3912673"/>
+            <a:ext cx="476936" cy="927100"/>
+            <a:chOff x="1390650" y="2438400"/>
+            <a:chExt cx="1809750" cy="3796485"/>
+          </a:xfrm>
+        </p:grpSpPr>
+        <p:cxnSp>
+          <p:nvCxnSpPr>
+            <p:cNvPr id="130" name="Straight Connector 129"/>
+            <p:cNvCxnSpPr/>
+            <p:nvPr/>
+          </p:nvCxnSpPr>
+          <p:spPr>
+            <a:xfrm flipH="1">
+              <a:off x="1390650" y="3320235"/>
+              <a:ext cx="19050" cy="2914650"/>
+            </a:xfrm>
+            <a:prstGeom prst="line">
+              <a:avLst/>
+            </a:prstGeom>
+            <a:ln w="28575">
+              <a:solidFill>
+                <a:schemeClr val="accent1">
+                  <a:lumMod val="50000"/>
+                </a:schemeClr>
+              </a:solidFill>
+            </a:ln>
+          </p:spPr>
+          <p:style>
+            <a:lnRef idx="1">
+              <a:schemeClr val="accent1"/>
+            </a:lnRef>
+            <a:fillRef idx="0">
+              <a:schemeClr val="accent1"/>
+            </a:fillRef>
+            <a:effectRef idx="0">
+              <a:schemeClr val="accent1"/>
+            </a:effectRef>
+            <a:fontRef idx="minor">
+              <a:schemeClr val="tx1"/>
+            </a:fontRef>
+          </p:style>
+        </p:cxnSp>
+        <p:cxnSp>
+          <p:nvCxnSpPr>
+            <p:cNvPr id="131" name="Straight Connector 130"/>
+            <p:cNvCxnSpPr/>
+            <p:nvPr/>
+          </p:nvCxnSpPr>
+          <p:spPr>
+            <a:xfrm flipH="1">
+              <a:off x="1409700" y="2438400"/>
+              <a:ext cx="1790700" cy="881836"/>
+            </a:xfrm>
+            <a:prstGeom prst="line">
+              <a:avLst/>
+            </a:prstGeom>
+            <a:ln w="28575">
+              <a:solidFill>
+                <a:schemeClr val="accent1">
+                  <a:lumMod val="50000"/>
+                </a:schemeClr>
+              </a:solidFill>
+            </a:ln>
+          </p:spPr>
+          <p:style>
+            <a:lnRef idx="1">
+              <a:schemeClr val="accent1"/>
+            </a:lnRef>
+            <a:fillRef idx="0">
+              <a:schemeClr val="accent1"/>
+            </a:fillRef>
+            <a:effectRef idx="0">
+              <a:schemeClr val="accent1"/>
+            </a:effectRef>
+            <a:fontRef idx="minor">
+              <a:schemeClr val="tx1"/>
+            </a:fontRef>
+          </p:style>
+        </p:cxnSp>
+        <p:cxnSp>
+          <p:nvCxnSpPr>
+            <p:cNvPr id="132" name="Straight Connector 131"/>
+            <p:cNvCxnSpPr/>
+            <p:nvPr/>
+          </p:nvCxnSpPr>
+          <p:spPr>
+            <a:xfrm flipH="1">
+              <a:off x="3181350" y="2438400"/>
+              <a:ext cx="19050" cy="2914650"/>
+            </a:xfrm>
+            <a:prstGeom prst="line">
+              <a:avLst/>
+            </a:prstGeom>
+            <a:ln w="28575">
+              <a:solidFill>
+                <a:schemeClr val="accent1">
+                  <a:lumMod val="50000"/>
+                </a:schemeClr>
+              </a:solidFill>
+            </a:ln>
+          </p:spPr>
+          <p:style>
+            <a:lnRef idx="1">
+              <a:schemeClr val="accent1"/>
+            </a:lnRef>
+            <a:fillRef idx="0">
+              <a:schemeClr val="accent1"/>
+            </a:fillRef>
+            <a:effectRef idx="0">
+              <a:schemeClr val="accent1"/>
+            </a:effectRef>
+            <a:fontRef idx="minor">
+              <a:schemeClr val="tx1"/>
+            </a:fontRef>
+          </p:style>
+        </p:cxnSp>
+        <p:cxnSp>
+          <p:nvCxnSpPr>
+            <p:cNvPr id="133" name="Straight Connector 132"/>
+            <p:cNvCxnSpPr/>
+            <p:nvPr/>
+          </p:nvCxnSpPr>
+          <p:spPr>
+            <a:xfrm flipH="1">
+              <a:off x="1409700" y="5353049"/>
+              <a:ext cx="1790700" cy="881836"/>
+            </a:xfrm>
+            <a:prstGeom prst="line">
+              <a:avLst/>
+            </a:prstGeom>
+            <a:ln w="28575">
+              <a:solidFill>
+                <a:schemeClr val="accent1">
+                  <a:lumMod val="50000"/>
+                </a:schemeClr>
+              </a:solidFill>
+            </a:ln>
+          </p:spPr>
+          <p:style>
+            <a:lnRef idx="1">
+              <a:schemeClr val="accent1"/>
+            </a:lnRef>
+            <a:fillRef idx="0">
+              <a:schemeClr val="accent1"/>
+            </a:fillRef>
+            <a:effectRef idx="0">
+              <a:schemeClr val="accent1"/>
+            </a:effectRef>
+            <a:fontRef idx="minor">
+              <a:schemeClr val="tx1"/>
+            </a:fontRef>
+          </p:style>
+        </p:cxnSp>
+      </p:grpSp>
+      <p:grpSp>
+        <p:nvGrpSpPr>
+          <p:cNvPr id="135" name="Group 134"/>
+          <p:cNvGrpSpPr/>
+          <p:nvPr/>
+        </p:nvGrpSpPr>
+        <p:grpSpPr>
+          <a:xfrm>
+            <a:off x="5263249" y="3887273"/>
+            <a:ext cx="476936" cy="927100"/>
+            <a:chOff x="1390650" y="2438400"/>
+            <a:chExt cx="1809750" cy="3796485"/>
+          </a:xfrm>
+        </p:grpSpPr>
+        <p:cxnSp>
+          <p:nvCxnSpPr>
+            <p:cNvPr id="136" name="Straight Connector 135"/>
+            <p:cNvCxnSpPr/>
+            <p:nvPr/>
+          </p:nvCxnSpPr>
+          <p:spPr>
+            <a:xfrm flipH="1">
+              <a:off x="1390650" y="3320235"/>
+              <a:ext cx="19050" cy="2914650"/>
+            </a:xfrm>
+            <a:prstGeom prst="line">
+              <a:avLst/>
+            </a:prstGeom>
+            <a:ln w="28575">
+              <a:solidFill>
+                <a:schemeClr val="accent1">
+                  <a:lumMod val="50000"/>
+                </a:schemeClr>
+              </a:solidFill>
+            </a:ln>
+          </p:spPr>
+          <p:style>
+            <a:lnRef idx="1">
+              <a:schemeClr val="accent1"/>
+            </a:lnRef>
+            <a:fillRef idx="0">
+              <a:schemeClr val="accent1"/>
+            </a:fillRef>
+            <a:effectRef idx="0">
+              <a:schemeClr val="accent1"/>
+            </a:effectRef>
+            <a:fontRef idx="minor">
+              <a:schemeClr val="tx1"/>
+            </a:fontRef>
+          </p:style>
+        </p:cxnSp>
+        <p:cxnSp>
+          <p:nvCxnSpPr>
+            <p:cNvPr id="138" name="Straight Connector 137"/>
+            <p:cNvCxnSpPr/>
+            <p:nvPr/>
+          </p:nvCxnSpPr>
+          <p:spPr>
+            <a:xfrm flipH="1">
+              <a:off x="1409700" y="2438400"/>
+              <a:ext cx="1790700" cy="881836"/>
+            </a:xfrm>
+            <a:prstGeom prst="line">
+              <a:avLst/>
+            </a:prstGeom>
+            <a:ln w="28575">
+              <a:solidFill>
+                <a:schemeClr val="accent1">
+                  <a:lumMod val="50000"/>
+                </a:schemeClr>
+              </a:solidFill>
+            </a:ln>
+          </p:spPr>
+          <p:style>
+            <a:lnRef idx="1">
+              <a:schemeClr val="accent1"/>
+            </a:lnRef>
+            <a:fillRef idx="0">
+              <a:schemeClr val="accent1"/>
+            </a:fillRef>
+            <a:effectRef idx="0">
+              <a:schemeClr val="accent1"/>
+            </a:effectRef>
+            <a:fontRef idx="minor">
+              <a:schemeClr val="tx1"/>
+            </a:fontRef>
+          </p:style>
+        </p:cxnSp>
+        <p:cxnSp>
+          <p:nvCxnSpPr>
+            <p:cNvPr id="139" name="Straight Connector 138"/>
+            <p:cNvCxnSpPr/>
+            <p:nvPr/>
+          </p:nvCxnSpPr>
+          <p:spPr>
+            <a:xfrm flipH="1">
+              <a:off x="3181350" y="2438400"/>
+              <a:ext cx="19050" cy="2914650"/>
+            </a:xfrm>
+            <a:prstGeom prst="line">
+              <a:avLst/>
+            </a:prstGeom>
+            <a:ln w="28575">
+              <a:solidFill>
+                <a:schemeClr val="accent1">
+                  <a:lumMod val="50000"/>
+                </a:schemeClr>
+              </a:solidFill>
+            </a:ln>
+          </p:spPr>
+          <p:style>
+            <a:lnRef idx="1">
+              <a:schemeClr val="accent1"/>
+            </a:lnRef>
+            <a:fillRef idx="0">
+              <a:schemeClr val="accent1"/>
+            </a:fillRef>
+            <a:effectRef idx="0">
+              <a:schemeClr val="accent1"/>
+            </a:effectRef>
+            <a:fontRef idx="minor">
+              <a:schemeClr val="tx1"/>
+            </a:fontRef>
+          </p:style>
+        </p:cxnSp>
+        <p:cxnSp>
+          <p:nvCxnSpPr>
+            <p:cNvPr id="141" name="Straight Connector 140"/>
+            <p:cNvCxnSpPr/>
+            <p:nvPr/>
+          </p:nvCxnSpPr>
+          <p:spPr>
+            <a:xfrm flipH="1">
+              <a:off x="1409700" y="5353049"/>
+              <a:ext cx="1790700" cy="881836"/>
+            </a:xfrm>
+            <a:prstGeom prst="line">
+              <a:avLst/>
+            </a:prstGeom>
+            <a:ln w="28575">
+              <a:solidFill>
+                <a:schemeClr val="accent1">
+                  <a:lumMod val="50000"/>
+                </a:schemeClr>
+              </a:solidFill>
+            </a:ln>
+          </p:spPr>
+          <p:style>
+            <a:lnRef idx="1">
+              <a:schemeClr val="accent1"/>
+            </a:lnRef>
+            <a:fillRef idx="0">
+              <a:schemeClr val="accent1"/>
+            </a:fillRef>
+            <a:effectRef idx="0">
+              <a:schemeClr val="accent1"/>
+            </a:effectRef>
+            <a:fontRef idx="minor">
+              <a:schemeClr val="tx1"/>
+            </a:fontRef>
+          </p:style>
+        </p:cxnSp>
+      </p:grpSp>
     </p:spTree>
     <p:extLst>
       <p:ext uri="{BB962C8B-B14F-4D97-AF65-F5344CB8AC3E}">

--- a/figs/figures.pptx
+++ b/figs/figures.pptx
@@ -13,6 +13,7 @@
     <p:sldId id="259" r:id="rId7"/>
     <p:sldId id="258" r:id="rId8"/>
     <p:sldId id="264" r:id="rId9"/>
+    <p:sldId id="265" r:id="rId10"/>
   </p:sldIdLst>
   <p:sldSz cx="27311350" cy="13679488"/>
   <p:notesSz cx="6858000" cy="9144000"/>
@@ -250,7 +251,7 @@
           <a:p>
             <a:fld id="{9323A0C5-6B5E-4B9A-9575-FF0D04DA84EC}" type="datetimeFigureOut">
               <a:rPr lang="en-US" smtClean="0"/>
-              <a:t>1/22/2019</a:t>
+              <a:t>1/23/2019</a:t>
             </a:fld>
             <a:endParaRPr lang="en-US"/>
           </a:p>
@@ -420,7 +421,7 @@
           <a:p>
             <a:fld id="{9323A0C5-6B5E-4B9A-9575-FF0D04DA84EC}" type="datetimeFigureOut">
               <a:rPr lang="en-US" smtClean="0"/>
-              <a:t>1/22/2019</a:t>
+              <a:t>1/23/2019</a:t>
             </a:fld>
             <a:endParaRPr lang="en-US"/>
           </a:p>
@@ -600,7 +601,7 @@
           <a:p>
             <a:fld id="{9323A0C5-6B5E-4B9A-9575-FF0D04DA84EC}" type="datetimeFigureOut">
               <a:rPr lang="en-US" smtClean="0"/>
-              <a:t>1/22/2019</a:t>
+              <a:t>1/23/2019</a:t>
             </a:fld>
             <a:endParaRPr lang="en-US"/>
           </a:p>
@@ -770,7 +771,7 @@
           <a:p>
             <a:fld id="{9323A0C5-6B5E-4B9A-9575-FF0D04DA84EC}" type="datetimeFigureOut">
               <a:rPr lang="en-US" smtClean="0"/>
-              <a:t>1/22/2019</a:t>
+              <a:t>1/23/2019</a:t>
             </a:fld>
             <a:endParaRPr lang="en-US"/>
           </a:p>
@@ -1016,7 +1017,7 @@
           <a:p>
             <a:fld id="{9323A0C5-6B5E-4B9A-9575-FF0D04DA84EC}" type="datetimeFigureOut">
               <a:rPr lang="en-US" smtClean="0"/>
-              <a:t>1/22/2019</a:t>
+              <a:t>1/23/2019</a:t>
             </a:fld>
             <a:endParaRPr lang="en-US"/>
           </a:p>
@@ -1248,7 +1249,7 @@
           <a:p>
             <a:fld id="{9323A0C5-6B5E-4B9A-9575-FF0D04DA84EC}" type="datetimeFigureOut">
               <a:rPr lang="en-US" smtClean="0"/>
-              <a:t>1/22/2019</a:t>
+              <a:t>1/23/2019</a:t>
             </a:fld>
             <a:endParaRPr lang="en-US"/>
           </a:p>
@@ -1615,7 +1616,7 @@
           <a:p>
             <a:fld id="{9323A0C5-6B5E-4B9A-9575-FF0D04DA84EC}" type="datetimeFigureOut">
               <a:rPr lang="en-US" smtClean="0"/>
-              <a:t>1/22/2019</a:t>
+              <a:t>1/23/2019</a:t>
             </a:fld>
             <a:endParaRPr lang="en-US"/>
           </a:p>
@@ -1733,7 +1734,7 @@
           <a:p>
             <a:fld id="{9323A0C5-6B5E-4B9A-9575-FF0D04DA84EC}" type="datetimeFigureOut">
               <a:rPr lang="en-US" smtClean="0"/>
-              <a:t>1/22/2019</a:t>
+              <a:t>1/23/2019</a:t>
             </a:fld>
             <a:endParaRPr lang="en-US"/>
           </a:p>
@@ -1828,7 +1829,7 @@
           <a:p>
             <a:fld id="{9323A0C5-6B5E-4B9A-9575-FF0D04DA84EC}" type="datetimeFigureOut">
               <a:rPr lang="en-US" smtClean="0"/>
-              <a:t>1/22/2019</a:t>
+              <a:t>1/23/2019</a:t>
             </a:fld>
             <a:endParaRPr lang="en-US"/>
           </a:p>
@@ -2105,7 +2106,7 @@
           <a:p>
             <a:fld id="{9323A0C5-6B5E-4B9A-9575-FF0D04DA84EC}" type="datetimeFigureOut">
               <a:rPr lang="en-US" smtClean="0"/>
-              <a:t>1/22/2019</a:t>
+              <a:t>1/23/2019</a:t>
             </a:fld>
             <a:endParaRPr lang="en-US"/>
           </a:p>
@@ -2362,7 +2363,7 @@
           <a:p>
             <a:fld id="{9323A0C5-6B5E-4B9A-9575-FF0D04DA84EC}" type="datetimeFigureOut">
               <a:rPr lang="en-US" smtClean="0"/>
-              <a:t>1/22/2019</a:t>
+              <a:t>1/23/2019</a:t>
             </a:fld>
             <a:endParaRPr lang="en-US"/>
           </a:p>
@@ -2575,7 +2576,7 @@
           <a:p>
             <a:fld id="{9323A0C5-6B5E-4B9A-9575-FF0D04DA84EC}" type="datetimeFigureOut">
               <a:rPr lang="en-US" smtClean="0"/>
-              <a:t>1/22/2019</a:t>
+              <a:t>1/23/2019</a:t>
             </a:fld>
             <a:endParaRPr lang="en-US"/>
           </a:p>
@@ -28627,6 +28628,3451 @@
 </p:sld>
 </file>
 
+<file path=ppt/slides/slide9.xml><?xml version="1.0" encoding="utf-8"?>
+<p:sld xmlns:a="http://schemas.openxmlformats.org/drawingml/2006/main" xmlns:r="http://schemas.openxmlformats.org/officeDocument/2006/relationships" xmlns:p="http://schemas.openxmlformats.org/presentationml/2006/main">
+  <p:cSld>
+    <p:spTree>
+      <p:nvGrpSpPr>
+        <p:cNvPr id="1" name=""/>
+        <p:cNvGrpSpPr/>
+        <p:nvPr/>
+      </p:nvGrpSpPr>
+      <p:grpSpPr>
+        <a:xfrm>
+          <a:off x="0" y="0"/>
+          <a:ext cx="0" cy="0"/>
+          <a:chOff x="0" y="0"/>
+          <a:chExt cx="0" cy="0"/>
+        </a:xfrm>
+      </p:grpSpPr>
+      <p:graphicFrame>
+        <p:nvGraphicFramePr>
+          <p:cNvPr id="4" name="Table 3"/>
+          <p:cNvGraphicFramePr>
+            <a:graphicFrameLocks noGrp="1"/>
+          </p:cNvGraphicFramePr>
+          <p:nvPr>
+            <p:extLst>
+              <p:ext uri="{D42A27DB-BD31-4B8C-83A1-F6EECF244321}">
+                <p14:modId xmlns:p14="http://schemas.microsoft.com/office/powerpoint/2010/main" val="1256332216"/>
+              </p:ext>
+            </p:extLst>
+          </p:nvPr>
+        </p:nvGraphicFramePr>
+        <p:xfrm>
+          <a:off x="2467639" y="4044978"/>
+          <a:ext cx="3600000" cy="3600000"/>
+        </p:xfrm>
+        <a:graphic>
+          <a:graphicData uri="http://schemas.openxmlformats.org/drawingml/2006/table">
+            <a:tbl>
+              <a:tblPr firstRow="1" bandRow="1">
+                <a:tableStyleId>{5940675A-B579-460E-94D1-54222C63F5DA}</a:tableStyleId>
+              </a:tblPr>
+              <a:tblGrid>
+                <a:gridCol w="720000">
+                  <a:extLst>
+                    <a:ext uri="{9D8B030D-6E8A-4147-A177-3AD203B41FA5}">
+                      <a16:colId xmlns:a16="http://schemas.microsoft.com/office/drawing/2014/main" val="2412693604"/>
+                    </a:ext>
+                  </a:extLst>
+                </a:gridCol>
+                <a:gridCol w="720000">
+                  <a:extLst>
+                    <a:ext uri="{9D8B030D-6E8A-4147-A177-3AD203B41FA5}">
+                      <a16:colId xmlns:a16="http://schemas.microsoft.com/office/drawing/2014/main" val="177101513"/>
+                    </a:ext>
+                  </a:extLst>
+                </a:gridCol>
+                <a:gridCol w="720000">
+                  <a:extLst>
+                    <a:ext uri="{9D8B030D-6E8A-4147-A177-3AD203B41FA5}">
+                      <a16:colId xmlns:a16="http://schemas.microsoft.com/office/drawing/2014/main" val="2839434252"/>
+                    </a:ext>
+                  </a:extLst>
+                </a:gridCol>
+                <a:gridCol w="720000">
+                  <a:extLst>
+                    <a:ext uri="{9D8B030D-6E8A-4147-A177-3AD203B41FA5}">
+                      <a16:colId xmlns:a16="http://schemas.microsoft.com/office/drawing/2014/main" val="195322656"/>
+                    </a:ext>
+                  </a:extLst>
+                </a:gridCol>
+                <a:gridCol w="720000">
+                  <a:extLst>
+                    <a:ext uri="{9D8B030D-6E8A-4147-A177-3AD203B41FA5}">
+                      <a16:colId xmlns:a16="http://schemas.microsoft.com/office/drawing/2014/main" val="53469301"/>
+                    </a:ext>
+                  </a:extLst>
+                </a:gridCol>
+              </a:tblGrid>
+              <a:tr h="720000">
+                <a:tc>
+                  <a:txBody>
+                    <a:bodyPr/>
+                    <a:lstStyle/>
+                    <a:p>
+                      <a:pPr algn="ctr"/>
+                      <a:r>
+                        <a:rPr lang="en-US" sz="3200" b="0" dirty="0" smtClean="0">
+                          <a:latin typeface="Helvetica" panose="020B0604020202020204" pitchFamily="34" charset="0"/>
+                          <a:cs typeface="Helvetica" panose="020B0604020202020204" pitchFamily="34" charset="0"/>
+                        </a:rPr>
+                        <a:t>1</a:t>
+                      </a:r>
+                      <a:endParaRPr lang="en-US" sz="3200" b="0" dirty="0">
+                        <a:latin typeface="Helvetica" panose="020B0604020202020204" pitchFamily="34" charset="0"/>
+                        <a:cs typeface="Helvetica" panose="020B0604020202020204" pitchFamily="34" charset="0"/>
+                      </a:endParaRPr>
+                    </a:p>
+                  </a:txBody>
+                  <a:tcPr anchor="ctr">
+                    <a:lnL w="28575" cap="flat" cmpd="sng" algn="ctr">
+                      <a:solidFill>
+                        <a:schemeClr val="accent5">
+                          <a:lumMod val="50000"/>
+                        </a:schemeClr>
+                      </a:solidFill>
+                      <a:prstDash val="solid"/>
+                      <a:round/>
+                      <a:headEnd type="none" w="med" len="med"/>
+                      <a:tailEnd type="none" w="med" len="med"/>
+                    </a:lnL>
+                    <a:lnR w="28575" cap="flat" cmpd="sng" algn="ctr">
+                      <a:solidFill>
+                        <a:schemeClr val="accent5">
+                          <a:lumMod val="50000"/>
+                        </a:schemeClr>
+                      </a:solidFill>
+                      <a:prstDash val="solid"/>
+                      <a:round/>
+                      <a:headEnd type="none" w="med" len="med"/>
+                      <a:tailEnd type="none" w="med" len="med"/>
+                    </a:lnR>
+                    <a:lnT w="28575" cap="flat" cmpd="sng" algn="ctr">
+                      <a:solidFill>
+                        <a:schemeClr val="accent5">
+                          <a:lumMod val="50000"/>
+                        </a:schemeClr>
+                      </a:solidFill>
+                      <a:prstDash val="solid"/>
+                      <a:round/>
+                      <a:headEnd type="none" w="med" len="med"/>
+                      <a:tailEnd type="none" w="med" len="med"/>
+                    </a:lnT>
+                    <a:lnB w="28575" cap="flat" cmpd="sng" algn="ctr">
+                      <a:solidFill>
+                        <a:schemeClr val="accent5">
+                          <a:lumMod val="50000"/>
+                        </a:schemeClr>
+                      </a:solidFill>
+                      <a:prstDash val="solid"/>
+                      <a:round/>
+                      <a:headEnd type="none" w="med" len="med"/>
+                      <a:tailEnd type="none" w="med" len="med"/>
+                    </a:lnB>
+                  </a:tcPr>
+                </a:tc>
+                <a:tc>
+                  <a:txBody>
+                    <a:bodyPr/>
+                    <a:lstStyle/>
+                    <a:p>
+                      <a:pPr algn="ctr"/>
+                      <a:r>
+                        <a:rPr lang="en-US" sz="3200" b="0" dirty="0" smtClean="0">
+                          <a:latin typeface="Helvetica" panose="020B0604020202020204" pitchFamily="34" charset="0"/>
+                          <a:cs typeface="Helvetica" panose="020B0604020202020204" pitchFamily="34" charset="0"/>
+                        </a:rPr>
+                        <a:t>1</a:t>
+                      </a:r>
+                      <a:endParaRPr lang="en-US" sz="3200" b="0" dirty="0">
+                        <a:latin typeface="Helvetica" panose="020B0604020202020204" pitchFamily="34" charset="0"/>
+                        <a:cs typeface="Helvetica" panose="020B0604020202020204" pitchFamily="34" charset="0"/>
+                      </a:endParaRPr>
+                    </a:p>
+                  </a:txBody>
+                  <a:tcPr anchor="ctr">
+                    <a:lnL w="28575" cap="flat" cmpd="sng" algn="ctr">
+                      <a:solidFill>
+                        <a:schemeClr val="accent5">
+                          <a:lumMod val="50000"/>
+                        </a:schemeClr>
+                      </a:solidFill>
+                      <a:prstDash val="solid"/>
+                      <a:round/>
+                      <a:headEnd type="none" w="med" len="med"/>
+                      <a:tailEnd type="none" w="med" len="med"/>
+                    </a:lnL>
+                    <a:lnR w="28575" cap="flat" cmpd="sng" algn="ctr">
+                      <a:solidFill>
+                        <a:schemeClr val="accent5">
+                          <a:lumMod val="50000"/>
+                        </a:schemeClr>
+                      </a:solidFill>
+                      <a:prstDash val="solid"/>
+                      <a:round/>
+                      <a:headEnd type="none" w="med" len="med"/>
+                      <a:tailEnd type="none" w="med" len="med"/>
+                    </a:lnR>
+                    <a:lnT w="28575" cap="flat" cmpd="sng" algn="ctr">
+                      <a:solidFill>
+                        <a:schemeClr val="accent5">
+                          <a:lumMod val="50000"/>
+                        </a:schemeClr>
+                      </a:solidFill>
+                      <a:prstDash val="solid"/>
+                      <a:round/>
+                      <a:headEnd type="none" w="med" len="med"/>
+                      <a:tailEnd type="none" w="med" len="med"/>
+                    </a:lnT>
+                    <a:lnB w="28575" cap="flat" cmpd="sng" algn="ctr">
+                      <a:solidFill>
+                        <a:schemeClr val="accent5">
+                          <a:lumMod val="50000"/>
+                        </a:schemeClr>
+                      </a:solidFill>
+                      <a:prstDash val="solid"/>
+                      <a:round/>
+                      <a:headEnd type="none" w="med" len="med"/>
+                      <a:tailEnd type="none" w="med" len="med"/>
+                    </a:lnB>
+                  </a:tcPr>
+                </a:tc>
+                <a:tc>
+                  <a:txBody>
+                    <a:bodyPr/>
+                    <a:lstStyle/>
+                    <a:p>
+                      <a:pPr algn="ctr"/>
+                      <a:r>
+                        <a:rPr lang="en-US" sz="3200" b="0" dirty="0" smtClean="0">
+                          <a:latin typeface="Helvetica" panose="020B0604020202020204" pitchFamily="34" charset="0"/>
+                          <a:cs typeface="Helvetica" panose="020B0604020202020204" pitchFamily="34" charset="0"/>
+                        </a:rPr>
+                        <a:t>1</a:t>
+                      </a:r>
+                      <a:endParaRPr lang="en-US" sz="3200" b="0" dirty="0">
+                        <a:latin typeface="Helvetica" panose="020B0604020202020204" pitchFamily="34" charset="0"/>
+                        <a:cs typeface="Helvetica" panose="020B0604020202020204" pitchFamily="34" charset="0"/>
+                      </a:endParaRPr>
+                    </a:p>
+                  </a:txBody>
+                  <a:tcPr anchor="ctr">
+                    <a:lnL w="28575" cap="flat" cmpd="sng" algn="ctr">
+                      <a:solidFill>
+                        <a:schemeClr val="accent5">
+                          <a:lumMod val="50000"/>
+                        </a:schemeClr>
+                      </a:solidFill>
+                      <a:prstDash val="solid"/>
+                      <a:round/>
+                      <a:headEnd type="none" w="med" len="med"/>
+                      <a:tailEnd type="none" w="med" len="med"/>
+                    </a:lnL>
+                    <a:lnR w="28575" cap="flat" cmpd="sng" algn="ctr">
+                      <a:solidFill>
+                        <a:schemeClr val="accent5">
+                          <a:lumMod val="50000"/>
+                        </a:schemeClr>
+                      </a:solidFill>
+                      <a:prstDash val="solid"/>
+                      <a:round/>
+                      <a:headEnd type="none" w="med" len="med"/>
+                      <a:tailEnd type="none" w="med" len="med"/>
+                    </a:lnR>
+                    <a:lnT w="28575" cap="flat" cmpd="sng" algn="ctr">
+                      <a:solidFill>
+                        <a:schemeClr val="accent5">
+                          <a:lumMod val="50000"/>
+                        </a:schemeClr>
+                      </a:solidFill>
+                      <a:prstDash val="solid"/>
+                      <a:round/>
+                      <a:headEnd type="none" w="med" len="med"/>
+                      <a:tailEnd type="none" w="med" len="med"/>
+                    </a:lnT>
+                    <a:lnB w="28575" cap="flat" cmpd="sng" algn="ctr">
+                      <a:solidFill>
+                        <a:schemeClr val="accent5">
+                          <a:lumMod val="50000"/>
+                        </a:schemeClr>
+                      </a:solidFill>
+                      <a:prstDash val="solid"/>
+                      <a:round/>
+                      <a:headEnd type="none" w="med" len="med"/>
+                      <a:tailEnd type="none" w="med" len="med"/>
+                    </a:lnB>
+                  </a:tcPr>
+                </a:tc>
+                <a:tc>
+                  <a:txBody>
+                    <a:bodyPr/>
+                    <a:lstStyle/>
+                    <a:p>
+                      <a:pPr algn="ctr"/>
+                      <a:r>
+                        <a:rPr lang="en-US" sz="3200" b="0" dirty="0" smtClean="0">
+                          <a:latin typeface="Helvetica" panose="020B0604020202020204" pitchFamily="34" charset="0"/>
+                          <a:cs typeface="Helvetica" panose="020B0604020202020204" pitchFamily="34" charset="0"/>
+                        </a:rPr>
+                        <a:t>0</a:t>
+                      </a:r>
+                      <a:endParaRPr lang="en-US" sz="3200" b="0" dirty="0">
+                        <a:latin typeface="Helvetica" panose="020B0604020202020204" pitchFamily="34" charset="0"/>
+                        <a:cs typeface="Helvetica" panose="020B0604020202020204" pitchFamily="34" charset="0"/>
+                      </a:endParaRPr>
+                    </a:p>
+                  </a:txBody>
+                  <a:tcPr anchor="ctr">
+                    <a:lnL w="28575" cap="flat" cmpd="sng" algn="ctr">
+                      <a:solidFill>
+                        <a:schemeClr val="accent5">
+                          <a:lumMod val="50000"/>
+                        </a:schemeClr>
+                      </a:solidFill>
+                      <a:prstDash val="solid"/>
+                      <a:round/>
+                      <a:headEnd type="none" w="med" len="med"/>
+                      <a:tailEnd type="none" w="med" len="med"/>
+                    </a:lnL>
+                    <a:lnR w="28575" cap="flat" cmpd="sng" algn="ctr">
+                      <a:solidFill>
+                        <a:schemeClr val="accent5">
+                          <a:lumMod val="50000"/>
+                        </a:schemeClr>
+                      </a:solidFill>
+                      <a:prstDash val="solid"/>
+                      <a:round/>
+                      <a:headEnd type="none" w="med" len="med"/>
+                      <a:tailEnd type="none" w="med" len="med"/>
+                    </a:lnR>
+                    <a:lnT w="28575" cap="flat" cmpd="sng" algn="ctr">
+                      <a:solidFill>
+                        <a:schemeClr val="accent5">
+                          <a:lumMod val="50000"/>
+                        </a:schemeClr>
+                      </a:solidFill>
+                      <a:prstDash val="solid"/>
+                      <a:round/>
+                      <a:headEnd type="none" w="med" len="med"/>
+                      <a:tailEnd type="none" w="med" len="med"/>
+                    </a:lnT>
+                    <a:lnB w="28575" cap="flat" cmpd="sng" algn="ctr">
+                      <a:solidFill>
+                        <a:schemeClr val="accent5">
+                          <a:lumMod val="50000"/>
+                        </a:schemeClr>
+                      </a:solidFill>
+                      <a:prstDash val="solid"/>
+                      <a:round/>
+                      <a:headEnd type="none" w="med" len="med"/>
+                      <a:tailEnd type="none" w="med" len="med"/>
+                    </a:lnB>
+                  </a:tcPr>
+                </a:tc>
+                <a:tc>
+                  <a:txBody>
+                    <a:bodyPr/>
+                    <a:lstStyle/>
+                    <a:p>
+                      <a:pPr algn="ctr"/>
+                      <a:r>
+                        <a:rPr lang="en-US" sz="3200" b="0" dirty="0" smtClean="0">
+                          <a:latin typeface="Helvetica" panose="020B0604020202020204" pitchFamily="34" charset="0"/>
+                          <a:cs typeface="Helvetica" panose="020B0604020202020204" pitchFamily="34" charset="0"/>
+                        </a:rPr>
+                        <a:t>0</a:t>
+                      </a:r>
+                      <a:endParaRPr lang="en-US" sz="3200" b="0" dirty="0">
+                        <a:latin typeface="Helvetica" panose="020B0604020202020204" pitchFamily="34" charset="0"/>
+                        <a:cs typeface="Helvetica" panose="020B0604020202020204" pitchFamily="34" charset="0"/>
+                      </a:endParaRPr>
+                    </a:p>
+                  </a:txBody>
+                  <a:tcPr anchor="ctr">
+                    <a:lnL w="28575" cap="flat" cmpd="sng" algn="ctr">
+                      <a:solidFill>
+                        <a:schemeClr val="accent5">
+                          <a:lumMod val="50000"/>
+                        </a:schemeClr>
+                      </a:solidFill>
+                      <a:prstDash val="solid"/>
+                      <a:round/>
+                      <a:headEnd type="none" w="med" len="med"/>
+                      <a:tailEnd type="none" w="med" len="med"/>
+                    </a:lnL>
+                    <a:lnR w="28575" cap="flat" cmpd="sng" algn="ctr">
+                      <a:solidFill>
+                        <a:schemeClr val="accent5">
+                          <a:lumMod val="50000"/>
+                        </a:schemeClr>
+                      </a:solidFill>
+                      <a:prstDash val="solid"/>
+                      <a:round/>
+                      <a:headEnd type="none" w="med" len="med"/>
+                      <a:tailEnd type="none" w="med" len="med"/>
+                    </a:lnR>
+                    <a:lnT w="28575" cap="flat" cmpd="sng" algn="ctr">
+                      <a:solidFill>
+                        <a:schemeClr val="accent5">
+                          <a:lumMod val="50000"/>
+                        </a:schemeClr>
+                      </a:solidFill>
+                      <a:prstDash val="solid"/>
+                      <a:round/>
+                      <a:headEnd type="none" w="med" len="med"/>
+                      <a:tailEnd type="none" w="med" len="med"/>
+                    </a:lnT>
+                    <a:lnB w="28575" cap="flat" cmpd="sng" algn="ctr">
+                      <a:solidFill>
+                        <a:schemeClr val="accent5">
+                          <a:lumMod val="50000"/>
+                        </a:schemeClr>
+                      </a:solidFill>
+                      <a:prstDash val="solid"/>
+                      <a:round/>
+                      <a:headEnd type="none" w="med" len="med"/>
+                      <a:tailEnd type="none" w="med" len="med"/>
+                    </a:lnB>
+                  </a:tcPr>
+                </a:tc>
+                <a:extLst>
+                  <a:ext uri="{0D108BD9-81ED-4DB2-BD59-A6C34878D82A}">
+                    <a16:rowId xmlns:a16="http://schemas.microsoft.com/office/drawing/2014/main" val="1496882062"/>
+                  </a:ext>
+                </a:extLst>
+              </a:tr>
+              <a:tr h="720000">
+                <a:tc>
+                  <a:txBody>
+                    <a:bodyPr/>
+                    <a:lstStyle/>
+                    <a:p>
+                      <a:pPr algn="ctr"/>
+                      <a:r>
+                        <a:rPr lang="en-US" sz="3200" b="0" dirty="0" smtClean="0">
+                          <a:latin typeface="Helvetica" panose="020B0604020202020204" pitchFamily="34" charset="0"/>
+                          <a:cs typeface="Helvetica" panose="020B0604020202020204" pitchFamily="34" charset="0"/>
+                        </a:rPr>
+                        <a:t>0</a:t>
+                      </a:r>
+                      <a:endParaRPr lang="en-US" sz="3200" b="0" dirty="0">
+                        <a:latin typeface="Helvetica" panose="020B0604020202020204" pitchFamily="34" charset="0"/>
+                        <a:cs typeface="Helvetica" panose="020B0604020202020204" pitchFamily="34" charset="0"/>
+                      </a:endParaRPr>
+                    </a:p>
+                  </a:txBody>
+                  <a:tcPr anchor="ctr">
+                    <a:lnL w="28575" cap="flat" cmpd="sng" algn="ctr">
+                      <a:solidFill>
+                        <a:schemeClr val="accent5">
+                          <a:lumMod val="50000"/>
+                        </a:schemeClr>
+                      </a:solidFill>
+                      <a:prstDash val="solid"/>
+                      <a:round/>
+                      <a:headEnd type="none" w="med" len="med"/>
+                      <a:tailEnd type="none" w="med" len="med"/>
+                    </a:lnL>
+                    <a:lnR w="28575" cap="flat" cmpd="sng" algn="ctr">
+                      <a:solidFill>
+                        <a:schemeClr val="accent5">
+                          <a:lumMod val="50000"/>
+                        </a:schemeClr>
+                      </a:solidFill>
+                      <a:prstDash val="solid"/>
+                      <a:round/>
+                      <a:headEnd type="none" w="med" len="med"/>
+                      <a:tailEnd type="none" w="med" len="med"/>
+                    </a:lnR>
+                    <a:lnT w="28575" cap="flat" cmpd="sng" algn="ctr">
+                      <a:solidFill>
+                        <a:schemeClr val="accent5">
+                          <a:lumMod val="50000"/>
+                        </a:schemeClr>
+                      </a:solidFill>
+                      <a:prstDash val="solid"/>
+                      <a:round/>
+                      <a:headEnd type="none" w="med" len="med"/>
+                      <a:tailEnd type="none" w="med" len="med"/>
+                    </a:lnT>
+                    <a:lnB w="28575" cap="flat" cmpd="sng" algn="ctr">
+                      <a:solidFill>
+                        <a:schemeClr val="accent5">
+                          <a:lumMod val="50000"/>
+                        </a:schemeClr>
+                      </a:solidFill>
+                      <a:prstDash val="solid"/>
+                      <a:round/>
+                      <a:headEnd type="none" w="med" len="med"/>
+                      <a:tailEnd type="none" w="med" len="med"/>
+                    </a:lnB>
+                  </a:tcPr>
+                </a:tc>
+                <a:tc>
+                  <a:txBody>
+                    <a:bodyPr/>
+                    <a:lstStyle/>
+                    <a:p>
+                      <a:pPr algn="ctr"/>
+                      <a:r>
+                        <a:rPr lang="en-US" sz="3200" b="0" dirty="0" smtClean="0">
+                          <a:latin typeface="Helvetica" panose="020B0604020202020204" pitchFamily="34" charset="0"/>
+                          <a:cs typeface="Helvetica" panose="020B0604020202020204" pitchFamily="34" charset="0"/>
+                        </a:rPr>
+                        <a:t>1</a:t>
+                      </a:r>
+                      <a:endParaRPr lang="en-US" sz="3200" b="0" dirty="0">
+                        <a:latin typeface="Helvetica" panose="020B0604020202020204" pitchFamily="34" charset="0"/>
+                        <a:cs typeface="Helvetica" panose="020B0604020202020204" pitchFamily="34" charset="0"/>
+                      </a:endParaRPr>
+                    </a:p>
+                  </a:txBody>
+                  <a:tcPr anchor="ctr">
+                    <a:lnL w="28575" cap="flat" cmpd="sng" algn="ctr">
+                      <a:solidFill>
+                        <a:schemeClr val="accent5">
+                          <a:lumMod val="50000"/>
+                        </a:schemeClr>
+                      </a:solidFill>
+                      <a:prstDash val="solid"/>
+                      <a:round/>
+                      <a:headEnd type="none" w="med" len="med"/>
+                      <a:tailEnd type="none" w="med" len="med"/>
+                    </a:lnL>
+                    <a:lnR w="28575" cap="flat" cmpd="sng" algn="ctr">
+                      <a:solidFill>
+                        <a:schemeClr val="accent5">
+                          <a:lumMod val="50000"/>
+                        </a:schemeClr>
+                      </a:solidFill>
+                      <a:prstDash val="solid"/>
+                      <a:round/>
+                      <a:headEnd type="none" w="med" len="med"/>
+                      <a:tailEnd type="none" w="med" len="med"/>
+                    </a:lnR>
+                    <a:lnT w="28575" cap="flat" cmpd="sng" algn="ctr">
+                      <a:solidFill>
+                        <a:schemeClr val="accent5">
+                          <a:lumMod val="50000"/>
+                        </a:schemeClr>
+                      </a:solidFill>
+                      <a:prstDash val="solid"/>
+                      <a:round/>
+                      <a:headEnd type="none" w="med" len="med"/>
+                      <a:tailEnd type="none" w="med" len="med"/>
+                    </a:lnT>
+                    <a:lnB w="28575" cap="flat" cmpd="sng" algn="ctr">
+                      <a:solidFill>
+                        <a:schemeClr val="accent5">
+                          <a:lumMod val="50000"/>
+                        </a:schemeClr>
+                      </a:solidFill>
+                      <a:prstDash val="solid"/>
+                      <a:round/>
+                      <a:headEnd type="none" w="med" len="med"/>
+                      <a:tailEnd type="none" w="med" len="med"/>
+                    </a:lnB>
+                  </a:tcPr>
+                </a:tc>
+                <a:tc>
+                  <a:txBody>
+                    <a:bodyPr/>
+                    <a:lstStyle/>
+                    <a:p>
+                      <a:pPr algn="ctr"/>
+                      <a:r>
+                        <a:rPr lang="en-US" sz="3200" b="0" dirty="0" smtClean="0">
+                          <a:latin typeface="Helvetica" panose="020B0604020202020204" pitchFamily="34" charset="0"/>
+                          <a:cs typeface="Helvetica" panose="020B0604020202020204" pitchFamily="34" charset="0"/>
+                        </a:rPr>
+                        <a:t>1</a:t>
+                      </a:r>
+                      <a:endParaRPr lang="en-US" sz="3200" b="0" dirty="0">
+                        <a:latin typeface="Helvetica" panose="020B0604020202020204" pitchFamily="34" charset="0"/>
+                        <a:cs typeface="Helvetica" panose="020B0604020202020204" pitchFamily="34" charset="0"/>
+                      </a:endParaRPr>
+                    </a:p>
+                  </a:txBody>
+                  <a:tcPr anchor="ctr">
+                    <a:lnL w="28575" cap="flat" cmpd="sng" algn="ctr">
+                      <a:solidFill>
+                        <a:schemeClr val="accent5">
+                          <a:lumMod val="50000"/>
+                        </a:schemeClr>
+                      </a:solidFill>
+                      <a:prstDash val="solid"/>
+                      <a:round/>
+                      <a:headEnd type="none" w="med" len="med"/>
+                      <a:tailEnd type="none" w="med" len="med"/>
+                    </a:lnL>
+                    <a:lnR w="28575" cap="flat" cmpd="sng" algn="ctr">
+                      <a:solidFill>
+                        <a:schemeClr val="accent5">
+                          <a:lumMod val="50000"/>
+                        </a:schemeClr>
+                      </a:solidFill>
+                      <a:prstDash val="solid"/>
+                      <a:round/>
+                      <a:headEnd type="none" w="med" len="med"/>
+                      <a:tailEnd type="none" w="med" len="med"/>
+                    </a:lnR>
+                    <a:lnT w="28575" cap="flat" cmpd="sng" algn="ctr">
+                      <a:solidFill>
+                        <a:schemeClr val="accent5">
+                          <a:lumMod val="50000"/>
+                        </a:schemeClr>
+                      </a:solidFill>
+                      <a:prstDash val="solid"/>
+                      <a:round/>
+                      <a:headEnd type="none" w="med" len="med"/>
+                      <a:tailEnd type="none" w="med" len="med"/>
+                    </a:lnT>
+                    <a:lnB w="28575" cap="flat" cmpd="sng" algn="ctr">
+                      <a:solidFill>
+                        <a:schemeClr val="accent5">
+                          <a:lumMod val="50000"/>
+                        </a:schemeClr>
+                      </a:solidFill>
+                      <a:prstDash val="solid"/>
+                      <a:round/>
+                      <a:headEnd type="none" w="med" len="med"/>
+                      <a:tailEnd type="none" w="med" len="med"/>
+                    </a:lnB>
+                  </a:tcPr>
+                </a:tc>
+                <a:tc>
+                  <a:txBody>
+                    <a:bodyPr/>
+                    <a:lstStyle/>
+                    <a:p>
+                      <a:pPr algn="ctr"/>
+                      <a:r>
+                        <a:rPr lang="en-US" sz="3200" b="0" dirty="0" smtClean="0">
+                          <a:latin typeface="Helvetica" panose="020B0604020202020204" pitchFamily="34" charset="0"/>
+                          <a:cs typeface="Helvetica" panose="020B0604020202020204" pitchFamily="34" charset="0"/>
+                        </a:rPr>
+                        <a:t>1</a:t>
+                      </a:r>
+                      <a:endParaRPr lang="en-US" sz="3200" b="0" dirty="0">
+                        <a:latin typeface="Helvetica" panose="020B0604020202020204" pitchFamily="34" charset="0"/>
+                        <a:cs typeface="Helvetica" panose="020B0604020202020204" pitchFamily="34" charset="0"/>
+                      </a:endParaRPr>
+                    </a:p>
+                  </a:txBody>
+                  <a:tcPr anchor="ctr">
+                    <a:lnL w="28575" cap="flat" cmpd="sng" algn="ctr">
+                      <a:solidFill>
+                        <a:schemeClr val="accent5">
+                          <a:lumMod val="50000"/>
+                        </a:schemeClr>
+                      </a:solidFill>
+                      <a:prstDash val="solid"/>
+                      <a:round/>
+                      <a:headEnd type="none" w="med" len="med"/>
+                      <a:tailEnd type="none" w="med" len="med"/>
+                    </a:lnL>
+                    <a:lnR w="28575" cap="flat" cmpd="sng" algn="ctr">
+                      <a:solidFill>
+                        <a:schemeClr val="accent5">
+                          <a:lumMod val="50000"/>
+                        </a:schemeClr>
+                      </a:solidFill>
+                      <a:prstDash val="solid"/>
+                      <a:round/>
+                      <a:headEnd type="none" w="med" len="med"/>
+                      <a:tailEnd type="none" w="med" len="med"/>
+                    </a:lnR>
+                    <a:lnT w="28575" cap="flat" cmpd="sng" algn="ctr">
+                      <a:solidFill>
+                        <a:schemeClr val="accent5">
+                          <a:lumMod val="50000"/>
+                        </a:schemeClr>
+                      </a:solidFill>
+                      <a:prstDash val="solid"/>
+                      <a:round/>
+                      <a:headEnd type="none" w="med" len="med"/>
+                      <a:tailEnd type="none" w="med" len="med"/>
+                    </a:lnT>
+                    <a:lnB w="28575" cap="flat" cmpd="sng" algn="ctr">
+                      <a:solidFill>
+                        <a:schemeClr val="accent5">
+                          <a:lumMod val="50000"/>
+                        </a:schemeClr>
+                      </a:solidFill>
+                      <a:prstDash val="solid"/>
+                      <a:round/>
+                      <a:headEnd type="none" w="med" len="med"/>
+                      <a:tailEnd type="none" w="med" len="med"/>
+                    </a:lnB>
+                  </a:tcPr>
+                </a:tc>
+                <a:tc>
+                  <a:txBody>
+                    <a:bodyPr/>
+                    <a:lstStyle/>
+                    <a:p>
+                      <a:pPr algn="ctr"/>
+                      <a:r>
+                        <a:rPr lang="en-US" sz="3200" b="0" dirty="0" smtClean="0">
+                          <a:latin typeface="Helvetica" panose="020B0604020202020204" pitchFamily="34" charset="0"/>
+                          <a:cs typeface="Helvetica" panose="020B0604020202020204" pitchFamily="34" charset="0"/>
+                        </a:rPr>
+                        <a:t>0</a:t>
+                      </a:r>
+                      <a:endParaRPr lang="en-US" sz="3200" b="0" dirty="0">
+                        <a:latin typeface="Helvetica" panose="020B0604020202020204" pitchFamily="34" charset="0"/>
+                        <a:cs typeface="Helvetica" panose="020B0604020202020204" pitchFamily="34" charset="0"/>
+                      </a:endParaRPr>
+                    </a:p>
+                  </a:txBody>
+                  <a:tcPr anchor="ctr">
+                    <a:lnL w="28575" cap="flat" cmpd="sng" algn="ctr">
+                      <a:solidFill>
+                        <a:schemeClr val="accent5">
+                          <a:lumMod val="50000"/>
+                        </a:schemeClr>
+                      </a:solidFill>
+                      <a:prstDash val="solid"/>
+                      <a:round/>
+                      <a:headEnd type="none" w="med" len="med"/>
+                      <a:tailEnd type="none" w="med" len="med"/>
+                    </a:lnL>
+                    <a:lnR w="28575" cap="flat" cmpd="sng" algn="ctr">
+                      <a:solidFill>
+                        <a:schemeClr val="accent5">
+                          <a:lumMod val="50000"/>
+                        </a:schemeClr>
+                      </a:solidFill>
+                      <a:prstDash val="solid"/>
+                      <a:round/>
+                      <a:headEnd type="none" w="med" len="med"/>
+                      <a:tailEnd type="none" w="med" len="med"/>
+                    </a:lnR>
+                    <a:lnT w="28575" cap="flat" cmpd="sng" algn="ctr">
+                      <a:solidFill>
+                        <a:schemeClr val="accent5">
+                          <a:lumMod val="50000"/>
+                        </a:schemeClr>
+                      </a:solidFill>
+                      <a:prstDash val="solid"/>
+                      <a:round/>
+                      <a:headEnd type="none" w="med" len="med"/>
+                      <a:tailEnd type="none" w="med" len="med"/>
+                    </a:lnT>
+                    <a:lnB w="28575" cap="flat" cmpd="sng" algn="ctr">
+                      <a:solidFill>
+                        <a:schemeClr val="accent5">
+                          <a:lumMod val="50000"/>
+                        </a:schemeClr>
+                      </a:solidFill>
+                      <a:prstDash val="solid"/>
+                      <a:round/>
+                      <a:headEnd type="none" w="med" len="med"/>
+                      <a:tailEnd type="none" w="med" len="med"/>
+                    </a:lnB>
+                  </a:tcPr>
+                </a:tc>
+                <a:extLst>
+                  <a:ext uri="{0D108BD9-81ED-4DB2-BD59-A6C34878D82A}">
+                    <a16:rowId xmlns:a16="http://schemas.microsoft.com/office/drawing/2014/main" val="3522117632"/>
+                  </a:ext>
+                </a:extLst>
+              </a:tr>
+              <a:tr h="720000">
+                <a:tc>
+                  <a:txBody>
+                    <a:bodyPr/>
+                    <a:lstStyle/>
+                    <a:p>
+                      <a:pPr algn="ctr"/>
+                      <a:r>
+                        <a:rPr lang="en-US" sz="3200" b="0" dirty="0" smtClean="0">
+                          <a:latin typeface="Helvetica" panose="020B0604020202020204" pitchFamily="34" charset="0"/>
+                          <a:cs typeface="Helvetica" panose="020B0604020202020204" pitchFamily="34" charset="0"/>
+                        </a:rPr>
+                        <a:t>0</a:t>
+                      </a:r>
+                      <a:endParaRPr lang="en-US" sz="3200" b="0" dirty="0">
+                        <a:latin typeface="Helvetica" panose="020B0604020202020204" pitchFamily="34" charset="0"/>
+                        <a:cs typeface="Helvetica" panose="020B0604020202020204" pitchFamily="34" charset="0"/>
+                      </a:endParaRPr>
+                    </a:p>
+                  </a:txBody>
+                  <a:tcPr anchor="ctr">
+                    <a:lnL w="28575" cap="flat" cmpd="sng" algn="ctr">
+                      <a:solidFill>
+                        <a:schemeClr val="accent5">
+                          <a:lumMod val="50000"/>
+                        </a:schemeClr>
+                      </a:solidFill>
+                      <a:prstDash val="solid"/>
+                      <a:round/>
+                      <a:headEnd type="none" w="med" len="med"/>
+                      <a:tailEnd type="none" w="med" len="med"/>
+                    </a:lnL>
+                    <a:lnR w="28575" cap="flat" cmpd="sng" algn="ctr">
+                      <a:solidFill>
+                        <a:schemeClr val="accent5">
+                          <a:lumMod val="50000"/>
+                        </a:schemeClr>
+                      </a:solidFill>
+                      <a:prstDash val="solid"/>
+                      <a:round/>
+                      <a:headEnd type="none" w="med" len="med"/>
+                      <a:tailEnd type="none" w="med" len="med"/>
+                    </a:lnR>
+                    <a:lnT w="28575" cap="flat" cmpd="sng" algn="ctr">
+                      <a:solidFill>
+                        <a:schemeClr val="accent5">
+                          <a:lumMod val="50000"/>
+                        </a:schemeClr>
+                      </a:solidFill>
+                      <a:prstDash val="solid"/>
+                      <a:round/>
+                      <a:headEnd type="none" w="med" len="med"/>
+                      <a:tailEnd type="none" w="med" len="med"/>
+                    </a:lnT>
+                    <a:lnB w="28575" cap="flat" cmpd="sng" algn="ctr">
+                      <a:solidFill>
+                        <a:schemeClr val="accent5">
+                          <a:lumMod val="50000"/>
+                        </a:schemeClr>
+                      </a:solidFill>
+                      <a:prstDash val="solid"/>
+                      <a:round/>
+                      <a:headEnd type="none" w="med" len="med"/>
+                      <a:tailEnd type="none" w="med" len="med"/>
+                    </a:lnB>
+                  </a:tcPr>
+                </a:tc>
+                <a:tc>
+                  <a:txBody>
+                    <a:bodyPr/>
+                    <a:lstStyle/>
+                    <a:p>
+                      <a:pPr algn="ctr"/>
+                      <a:r>
+                        <a:rPr lang="en-US" sz="3200" b="0" dirty="0" smtClean="0">
+                          <a:latin typeface="Helvetica" panose="020B0604020202020204" pitchFamily="34" charset="0"/>
+                          <a:cs typeface="Helvetica" panose="020B0604020202020204" pitchFamily="34" charset="0"/>
+                        </a:rPr>
+                        <a:t>0</a:t>
+                      </a:r>
+                      <a:endParaRPr lang="en-US" sz="3200" b="0" dirty="0">
+                        <a:latin typeface="Helvetica" panose="020B0604020202020204" pitchFamily="34" charset="0"/>
+                        <a:cs typeface="Helvetica" panose="020B0604020202020204" pitchFamily="34" charset="0"/>
+                      </a:endParaRPr>
+                    </a:p>
+                  </a:txBody>
+                  <a:tcPr anchor="ctr">
+                    <a:lnL w="28575" cap="flat" cmpd="sng" algn="ctr">
+                      <a:solidFill>
+                        <a:schemeClr val="accent5">
+                          <a:lumMod val="50000"/>
+                        </a:schemeClr>
+                      </a:solidFill>
+                      <a:prstDash val="solid"/>
+                      <a:round/>
+                      <a:headEnd type="none" w="med" len="med"/>
+                      <a:tailEnd type="none" w="med" len="med"/>
+                    </a:lnL>
+                    <a:lnR w="28575" cap="flat" cmpd="sng" algn="ctr">
+                      <a:solidFill>
+                        <a:schemeClr val="accent5">
+                          <a:lumMod val="50000"/>
+                        </a:schemeClr>
+                      </a:solidFill>
+                      <a:prstDash val="solid"/>
+                      <a:round/>
+                      <a:headEnd type="none" w="med" len="med"/>
+                      <a:tailEnd type="none" w="med" len="med"/>
+                    </a:lnR>
+                    <a:lnT w="28575" cap="flat" cmpd="sng" algn="ctr">
+                      <a:solidFill>
+                        <a:schemeClr val="accent5">
+                          <a:lumMod val="50000"/>
+                        </a:schemeClr>
+                      </a:solidFill>
+                      <a:prstDash val="solid"/>
+                      <a:round/>
+                      <a:headEnd type="none" w="med" len="med"/>
+                      <a:tailEnd type="none" w="med" len="med"/>
+                    </a:lnT>
+                    <a:lnB w="28575" cap="flat" cmpd="sng" algn="ctr">
+                      <a:solidFill>
+                        <a:schemeClr val="accent5">
+                          <a:lumMod val="50000"/>
+                        </a:schemeClr>
+                      </a:solidFill>
+                      <a:prstDash val="solid"/>
+                      <a:round/>
+                      <a:headEnd type="none" w="med" len="med"/>
+                      <a:tailEnd type="none" w="med" len="med"/>
+                    </a:lnB>
+                  </a:tcPr>
+                </a:tc>
+                <a:tc>
+                  <a:txBody>
+                    <a:bodyPr/>
+                    <a:lstStyle/>
+                    <a:p>
+                      <a:pPr algn="ctr"/>
+                      <a:r>
+                        <a:rPr lang="en-US" sz="3200" b="0" dirty="0" smtClean="0">
+                          <a:latin typeface="Helvetica" panose="020B0604020202020204" pitchFamily="34" charset="0"/>
+                          <a:cs typeface="Helvetica" panose="020B0604020202020204" pitchFamily="34" charset="0"/>
+                        </a:rPr>
+                        <a:t>1</a:t>
+                      </a:r>
+                      <a:endParaRPr lang="en-US" sz="3200" b="0" dirty="0">
+                        <a:latin typeface="Helvetica" panose="020B0604020202020204" pitchFamily="34" charset="0"/>
+                        <a:cs typeface="Helvetica" panose="020B0604020202020204" pitchFamily="34" charset="0"/>
+                      </a:endParaRPr>
+                    </a:p>
+                  </a:txBody>
+                  <a:tcPr anchor="ctr">
+                    <a:lnL w="28575" cap="flat" cmpd="sng" algn="ctr">
+                      <a:solidFill>
+                        <a:schemeClr val="accent5">
+                          <a:lumMod val="50000"/>
+                        </a:schemeClr>
+                      </a:solidFill>
+                      <a:prstDash val="solid"/>
+                      <a:round/>
+                      <a:headEnd type="none" w="med" len="med"/>
+                      <a:tailEnd type="none" w="med" len="med"/>
+                    </a:lnL>
+                    <a:lnR w="28575" cap="flat" cmpd="sng" algn="ctr">
+                      <a:solidFill>
+                        <a:schemeClr val="accent5">
+                          <a:lumMod val="50000"/>
+                        </a:schemeClr>
+                      </a:solidFill>
+                      <a:prstDash val="solid"/>
+                      <a:round/>
+                      <a:headEnd type="none" w="med" len="med"/>
+                      <a:tailEnd type="none" w="med" len="med"/>
+                    </a:lnR>
+                    <a:lnT w="28575" cap="flat" cmpd="sng" algn="ctr">
+                      <a:solidFill>
+                        <a:schemeClr val="accent5">
+                          <a:lumMod val="50000"/>
+                        </a:schemeClr>
+                      </a:solidFill>
+                      <a:prstDash val="solid"/>
+                      <a:round/>
+                      <a:headEnd type="none" w="med" len="med"/>
+                      <a:tailEnd type="none" w="med" len="med"/>
+                    </a:lnT>
+                    <a:lnB w="28575" cap="flat" cmpd="sng" algn="ctr">
+                      <a:solidFill>
+                        <a:schemeClr val="accent5">
+                          <a:lumMod val="50000"/>
+                        </a:schemeClr>
+                      </a:solidFill>
+                      <a:prstDash val="solid"/>
+                      <a:round/>
+                      <a:headEnd type="none" w="med" len="med"/>
+                      <a:tailEnd type="none" w="med" len="med"/>
+                    </a:lnB>
+                  </a:tcPr>
+                </a:tc>
+                <a:tc>
+                  <a:txBody>
+                    <a:bodyPr/>
+                    <a:lstStyle/>
+                    <a:p>
+                      <a:pPr algn="ctr"/>
+                      <a:r>
+                        <a:rPr lang="en-US" sz="3200" b="0" dirty="0" smtClean="0">
+                          <a:latin typeface="Helvetica" panose="020B0604020202020204" pitchFamily="34" charset="0"/>
+                          <a:cs typeface="Helvetica" panose="020B0604020202020204" pitchFamily="34" charset="0"/>
+                        </a:rPr>
+                        <a:t>1</a:t>
+                      </a:r>
+                      <a:endParaRPr lang="en-US" sz="3200" b="0" dirty="0">
+                        <a:latin typeface="Helvetica" panose="020B0604020202020204" pitchFamily="34" charset="0"/>
+                        <a:cs typeface="Helvetica" panose="020B0604020202020204" pitchFamily="34" charset="0"/>
+                      </a:endParaRPr>
+                    </a:p>
+                  </a:txBody>
+                  <a:tcPr anchor="ctr">
+                    <a:lnL w="28575" cap="flat" cmpd="sng" algn="ctr">
+                      <a:solidFill>
+                        <a:schemeClr val="accent5">
+                          <a:lumMod val="50000"/>
+                        </a:schemeClr>
+                      </a:solidFill>
+                      <a:prstDash val="solid"/>
+                      <a:round/>
+                      <a:headEnd type="none" w="med" len="med"/>
+                      <a:tailEnd type="none" w="med" len="med"/>
+                    </a:lnL>
+                    <a:lnR w="28575" cap="flat" cmpd="sng" algn="ctr">
+                      <a:solidFill>
+                        <a:schemeClr val="accent5">
+                          <a:lumMod val="50000"/>
+                        </a:schemeClr>
+                      </a:solidFill>
+                      <a:prstDash val="solid"/>
+                      <a:round/>
+                      <a:headEnd type="none" w="med" len="med"/>
+                      <a:tailEnd type="none" w="med" len="med"/>
+                    </a:lnR>
+                    <a:lnT w="28575" cap="flat" cmpd="sng" algn="ctr">
+                      <a:solidFill>
+                        <a:schemeClr val="accent5">
+                          <a:lumMod val="50000"/>
+                        </a:schemeClr>
+                      </a:solidFill>
+                      <a:prstDash val="solid"/>
+                      <a:round/>
+                      <a:headEnd type="none" w="med" len="med"/>
+                      <a:tailEnd type="none" w="med" len="med"/>
+                    </a:lnT>
+                    <a:lnB w="28575" cap="flat" cmpd="sng" algn="ctr">
+                      <a:solidFill>
+                        <a:schemeClr val="accent5">
+                          <a:lumMod val="50000"/>
+                        </a:schemeClr>
+                      </a:solidFill>
+                      <a:prstDash val="solid"/>
+                      <a:round/>
+                      <a:headEnd type="none" w="med" len="med"/>
+                      <a:tailEnd type="none" w="med" len="med"/>
+                    </a:lnB>
+                  </a:tcPr>
+                </a:tc>
+                <a:tc>
+                  <a:txBody>
+                    <a:bodyPr/>
+                    <a:lstStyle/>
+                    <a:p>
+                      <a:pPr algn="ctr"/>
+                      <a:r>
+                        <a:rPr lang="en-US" sz="3200" b="0" dirty="0" smtClean="0">
+                          <a:latin typeface="Helvetica" panose="020B0604020202020204" pitchFamily="34" charset="0"/>
+                          <a:cs typeface="Helvetica" panose="020B0604020202020204" pitchFamily="34" charset="0"/>
+                        </a:rPr>
+                        <a:t>1</a:t>
+                      </a:r>
+                      <a:endParaRPr lang="en-US" sz="3200" b="0" dirty="0">
+                        <a:latin typeface="Helvetica" panose="020B0604020202020204" pitchFamily="34" charset="0"/>
+                        <a:cs typeface="Helvetica" panose="020B0604020202020204" pitchFamily="34" charset="0"/>
+                      </a:endParaRPr>
+                    </a:p>
+                  </a:txBody>
+                  <a:tcPr anchor="ctr">
+                    <a:lnL w="28575" cap="flat" cmpd="sng" algn="ctr">
+                      <a:solidFill>
+                        <a:schemeClr val="accent5">
+                          <a:lumMod val="50000"/>
+                        </a:schemeClr>
+                      </a:solidFill>
+                      <a:prstDash val="solid"/>
+                      <a:round/>
+                      <a:headEnd type="none" w="med" len="med"/>
+                      <a:tailEnd type="none" w="med" len="med"/>
+                    </a:lnL>
+                    <a:lnR w="28575" cap="flat" cmpd="sng" algn="ctr">
+                      <a:solidFill>
+                        <a:schemeClr val="accent5">
+                          <a:lumMod val="50000"/>
+                        </a:schemeClr>
+                      </a:solidFill>
+                      <a:prstDash val="solid"/>
+                      <a:round/>
+                      <a:headEnd type="none" w="med" len="med"/>
+                      <a:tailEnd type="none" w="med" len="med"/>
+                    </a:lnR>
+                    <a:lnT w="28575" cap="flat" cmpd="sng" algn="ctr">
+                      <a:solidFill>
+                        <a:schemeClr val="accent5">
+                          <a:lumMod val="50000"/>
+                        </a:schemeClr>
+                      </a:solidFill>
+                      <a:prstDash val="solid"/>
+                      <a:round/>
+                      <a:headEnd type="none" w="med" len="med"/>
+                      <a:tailEnd type="none" w="med" len="med"/>
+                    </a:lnT>
+                    <a:lnB w="28575" cap="flat" cmpd="sng" algn="ctr">
+                      <a:solidFill>
+                        <a:schemeClr val="accent5">
+                          <a:lumMod val="50000"/>
+                        </a:schemeClr>
+                      </a:solidFill>
+                      <a:prstDash val="solid"/>
+                      <a:round/>
+                      <a:headEnd type="none" w="med" len="med"/>
+                      <a:tailEnd type="none" w="med" len="med"/>
+                    </a:lnB>
+                  </a:tcPr>
+                </a:tc>
+                <a:extLst>
+                  <a:ext uri="{0D108BD9-81ED-4DB2-BD59-A6C34878D82A}">
+                    <a16:rowId xmlns:a16="http://schemas.microsoft.com/office/drawing/2014/main" val="3687730640"/>
+                  </a:ext>
+                </a:extLst>
+              </a:tr>
+              <a:tr h="720000">
+                <a:tc>
+                  <a:txBody>
+                    <a:bodyPr/>
+                    <a:lstStyle/>
+                    <a:p>
+                      <a:pPr algn="ctr"/>
+                      <a:r>
+                        <a:rPr lang="en-US" sz="3200" b="0" dirty="0" smtClean="0">
+                          <a:latin typeface="Helvetica" panose="020B0604020202020204" pitchFamily="34" charset="0"/>
+                          <a:cs typeface="Helvetica" panose="020B0604020202020204" pitchFamily="34" charset="0"/>
+                        </a:rPr>
+                        <a:t>0</a:t>
+                      </a:r>
+                      <a:endParaRPr lang="en-US" sz="3200" b="0" dirty="0">
+                        <a:latin typeface="Helvetica" panose="020B0604020202020204" pitchFamily="34" charset="0"/>
+                        <a:cs typeface="Helvetica" panose="020B0604020202020204" pitchFamily="34" charset="0"/>
+                      </a:endParaRPr>
+                    </a:p>
+                  </a:txBody>
+                  <a:tcPr anchor="ctr">
+                    <a:lnL w="28575" cap="flat" cmpd="sng" algn="ctr">
+                      <a:solidFill>
+                        <a:schemeClr val="accent5">
+                          <a:lumMod val="50000"/>
+                        </a:schemeClr>
+                      </a:solidFill>
+                      <a:prstDash val="solid"/>
+                      <a:round/>
+                      <a:headEnd type="none" w="med" len="med"/>
+                      <a:tailEnd type="none" w="med" len="med"/>
+                    </a:lnL>
+                    <a:lnR w="28575" cap="flat" cmpd="sng" algn="ctr">
+                      <a:solidFill>
+                        <a:schemeClr val="accent5">
+                          <a:lumMod val="50000"/>
+                        </a:schemeClr>
+                      </a:solidFill>
+                      <a:prstDash val="solid"/>
+                      <a:round/>
+                      <a:headEnd type="none" w="med" len="med"/>
+                      <a:tailEnd type="none" w="med" len="med"/>
+                    </a:lnR>
+                    <a:lnT w="28575" cap="flat" cmpd="sng" algn="ctr">
+                      <a:solidFill>
+                        <a:schemeClr val="accent5">
+                          <a:lumMod val="50000"/>
+                        </a:schemeClr>
+                      </a:solidFill>
+                      <a:prstDash val="solid"/>
+                      <a:round/>
+                      <a:headEnd type="none" w="med" len="med"/>
+                      <a:tailEnd type="none" w="med" len="med"/>
+                    </a:lnT>
+                    <a:lnB w="28575" cap="flat" cmpd="sng" algn="ctr">
+                      <a:solidFill>
+                        <a:schemeClr val="accent5">
+                          <a:lumMod val="50000"/>
+                        </a:schemeClr>
+                      </a:solidFill>
+                      <a:prstDash val="solid"/>
+                      <a:round/>
+                      <a:headEnd type="none" w="med" len="med"/>
+                      <a:tailEnd type="none" w="med" len="med"/>
+                    </a:lnB>
+                  </a:tcPr>
+                </a:tc>
+                <a:tc>
+                  <a:txBody>
+                    <a:bodyPr/>
+                    <a:lstStyle/>
+                    <a:p>
+                      <a:pPr algn="ctr"/>
+                      <a:r>
+                        <a:rPr lang="en-US" sz="3200" b="0" dirty="0" smtClean="0">
+                          <a:latin typeface="Helvetica" panose="020B0604020202020204" pitchFamily="34" charset="0"/>
+                          <a:cs typeface="Helvetica" panose="020B0604020202020204" pitchFamily="34" charset="0"/>
+                        </a:rPr>
+                        <a:t>0</a:t>
+                      </a:r>
+                      <a:endParaRPr lang="en-US" sz="3200" b="0" dirty="0">
+                        <a:latin typeface="Helvetica" panose="020B0604020202020204" pitchFamily="34" charset="0"/>
+                        <a:cs typeface="Helvetica" panose="020B0604020202020204" pitchFamily="34" charset="0"/>
+                      </a:endParaRPr>
+                    </a:p>
+                  </a:txBody>
+                  <a:tcPr anchor="ctr">
+                    <a:lnL w="28575" cap="flat" cmpd="sng" algn="ctr">
+                      <a:solidFill>
+                        <a:schemeClr val="accent5">
+                          <a:lumMod val="50000"/>
+                        </a:schemeClr>
+                      </a:solidFill>
+                      <a:prstDash val="solid"/>
+                      <a:round/>
+                      <a:headEnd type="none" w="med" len="med"/>
+                      <a:tailEnd type="none" w="med" len="med"/>
+                    </a:lnL>
+                    <a:lnR w="28575" cap="flat" cmpd="sng" algn="ctr">
+                      <a:solidFill>
+                        <a:schemeClr val="accent5">
+                          <a:lumMod val="50000"/>
+                        </a:schemeClr>
+                      </a:solidFill>
+                      <a:prstDash val="solid"/>
+                      <a:round/>
+                      <a:headEnd type="none" w="med" len="med"/>
+                      <a:tailEnd type="none" w="med" len="med"/>
+                    </a:lnR>
+                    <a:lnT w="28575" cap="flat" cmpd="sng" algn="ctr">
+                      <a:solidFill>
+                        <a:schemeClr val="accent5">
+                          <a:lumMod val="50000"/>
+                        </a:schemeClr>
+                      </a:solidFill>
+                      <a:prstDash val="solid"/>
+                      <a:round/>
+                      <a:headEnd type="none" w="med" len="med"/>
+                      <a:tailEnd type="none" w="med" len="med"/>
+                    </a:lnT>
+                    <a:lnB w="28575" cap="flat" cmpd="sng" algn="ctr">
+                      <a:solidFill>
+                        <a:schemeClr val="accent5">
+                          <a:lumMod val="50000"/>
+                        </a:schemeClr>
+                      </a:solidFill>
+                      <a:prstDash val="solid"/>
+                      <a:round/>
+                      <a:headEnd type="none" w="med" len="med"/>
+                      <a:tailEnd type="none" w="med" len="med"/>
+                    </a:lnB>
+                  </a:tcPr>
+                </a:tc>
+                <a:tc>
+                  <a:txBody>
+                    <a:bodyPr/>
+                    <a:lstStyle/>
+                    <a:p>
+                      <a:pPr algn="ctr"/>
+                      <a:r>
+                        <a:rPr lang="en-US" sz="3200" b="0" dirty="0" smtClean="0">
+                          <a:latin typeface="Helvetica" panose="020B0604020202020204" pitchFamily="34" charset="0"/>
+                          <a:cs typeface="Helvetica" panose="020B0604020202020204" pitchFamily="34" charset="0"/>
+                        </a:rPr>
+                        <a:t>1</a:t>
+                      </a:r>
+                      <a:endParaRPr lang="en-US" sz="3200" b="0" dirty="0">
+                        <a:latin typeface="Helvetica" panose="020B0604020202020204" pitchFamily="34" charset="0"/>
+                        <a:cs typeface="Helvetica" panose="020B0604020202020204" pitchFamily="34" charset="0"/>
+                      </a:endParaRPr>
+                    </a:p>
+                  </a:txBody>
+                  <a:tcPr anchor="ctr">
+                    <a:lnL w="28575" cap="flat" cmpd="sng" algn="ctr">
+                      <a:solidFill>
+                        <a:schemeClr val="accent5">
+                          <a:lumMod val="50000"/>
+                        </a:schemeClr>
+                      </a:solidFill>
+                      <a:prstDash val="solid"/>
+                      <a:round/>
+                      <a:headEnd type="none" w="med" len="med"/>
+                      <a:tailEnd type="none" w="med" len="med"/>
+                    </a:lnL>
+                    <a:lnR w="28575" cap="flat" cmpd="sng" algn="ctr">
+                      <a:solidFill>
+                        <a:schemeClr val="accent5">
+                          <a:lumMod val="50000"/>
+                        </a:schemeClr>
+                      </a:solidFill>
+                      <a:prstDash val="solid"/>
+                      <a:round/>
+                      <a:headEnd type="none" w="med" len="med"/>
+                      <a:tailEnd type="none" w="med" len="med"/>
+                    </a:lnR>
+                    <a:lnT w="28575" cap="flat" cmpd="sng" algn="ctr">
+                      <a:solidFill>
+                        <a:schemeClr val="accent5">
+                          <a:lumMod val="50000"/>
+                        </a:schemeClr>
+                      </a:solidFill>
+                      <a:prstDash val="solid"/>
+                      <a:round/>
+                      <a:headEnd type="none" w="med" len="med"/>
+                      <a:tailEnd type="none" w="med" len="med"/>
+                    </a:lnT>
+                    <a:lnB w="28575" cap="flat" cmpd="sng" algn="ctr">
+                      <a:solidFill>
+                        <a:schemeClr val="accent5">
+                          <a:lumMod val="50000"/>
+                        </a:schemeClr>
+                      </a:solidFill>
+                      <a:prstDash val="solid"/>
+                      <a:round/>
+                      <a:headEnd type="none" w="med" len="med"/>
+                      <a:tailEnd type="none" w="med" len="med"/>
+                    </a:lnB>
+                  </a:tcPr>
+                </a:tc>
+                <a:tc>
+                  <a:txBody>
+                    <a:bodyPr/>
+                    <a:lstStyle/>
+                    <a:p>
+                      <a:pPr algn="ctr"/>
+                      <a:r>
+                        <a:rPr lang="en-US" sz="3200" b="0" dirty="0" smtClean="0">
+                          <a:latin typeface="Helvetica" panose="020B0604020202020204" pitchFamily="34" charset="0"/>
+                          <a:cs typeface="Helvetica" panose="020B0604020202020204" pitchFamily="34" charset="0"/>
+                        </a:rPr>
+                        <a:t>1</a:t>
+                      </a:r>
+                      <a:endParaRPr lang="en-US" sz="3200" b="0" dirty="0">
+                        <a:latin typeface="Helvetica" panose="020B0604020202020204" pitchFamily="34" charset="0"/>
+                        <a:cs typeface="Helvetica" panose="020B0604020202020204" pitchFamily="34" charset="0"/>
+                      </a:endParaRPr>
+                    </a:p>
+                  </a:txBody>
+                  <a:tcPr anchor="ctr">
+                    <a:lnL w="28575" cap="flat" cmpd="sng" algn="ctr">
+                      <a:solidFill>
+                        <a:schemeClr val="accent5">
+                          <a:lumMod val="50000"/>
+                        </a:schemeClr>
+                      </a:solidFill>
+                      <a:prstDash val="solid"/>
+                      <a:round/>
+                      <a:headEnd type="none" w="med" len="med"/>
+                      <a:tailEnd type="none" w="med" len="med"/>
+                    </a:lnL>
+                    <a:lnR w="28575" cap="flat" cmpd="sng" algn="ctr">
+                      <a:solidFill>
+                        <a:schemeClr val="accent5">
+                          <a:lumMod val="50000"/>
+                        </a:schemeClr>
+                      </a:solidFill>
+                      <a:prstDash val="solid"/>
+                      <a:round/>
+                      <a:headEnd type="none" w="med" len="med"/>
+                      <a:tailEnd type="none" w="med" len="med"/>
+                    </a:lnR>
+                    <a:lnT w="28575" cap="flat" cmpd="sng" algn="ctr">
+                      <a:solidFill>
+                        <a:schemeClr val="accent5">
+                          <a:lumMod val="50000"/>
+                        </a:schemeClr>
+                      </a:solidFill>
+                      <a:prstDash val="solid"/>
+                      <a:round/>
+                      <a:headEnd type="none" w="med" len="med"/>
+                      <a:tailEnd type="none" w="med" len="med"/>
+                    </a:lnT>
+                    <a:lnB w="28575" cap="flat" cmpd="sng" algn="ctr">
+                      <a:solidFill>
+                        <a:schemeClr val="accent5">
+                          <a:lumMod val="50000"/>
+                        </a:schemeClr>
+                      </a:solidFill>
+                      <a:prstDash val="solid"/>
+                      <a:round/>
+                      <a:headEnd type="none" w="med" len="med"/>
+                      <a:tailEnd type="none" w="med" len="med"/>
+                    </a:lnB>
+                  </a:tcPr>
+                </a:tc>
+                <a:tc>
+                  <a:txBody>
+                    <a:bodyPr/>
+                    <a:lstStyle/>
+                    <a:p>
+                      <a:pPr algn="ctr"/>
+                      <a:r>
+                        <a:rPr lang="en-US" sz="3200" b="0" dirty="0" smtClean="0">
+                          <a:latin typeface="Helvetica" panose="020B0604020202020204" pitchFamily="34" charset="0"/>
+                          <a:cs typeface="Helvetica" panose="020B0604020202020204" pitchFamily="34" charset="0"/>
+                        </a:rPr>
+                        <a:t>0</a:t>
+                      </a:r>
+                      <a:endParaRPr lang="en-US" sz="3200" b="0" dirty="0">
+                        <a:latin typeface="Helvetica" panose="020B0604020202020204" pitchFamily="34" charset="0"/>
+                        <a:cs typeface="Helvetica" panose="020B0604020202020204" pitchFamily="34" charset="0"/>
+                      </a:endParaRPr>
+                    </a:p>
+                  </a:txBody>
+                  <a:tcPr anchor="ctr">
+                    <a:lnL w="28575" cap="flat" cmpd="sng" algn="ctr">
+                      <a:solidFill>
+                        <a:schemeClr val="accent5">
+                          <a:lumMod val="50000"/>
+                        </a:schemeClr>
+                      </a:solidFill>
+                      <a:prstDash val="solid"/>
+                      <a:round/>
+                      <a:headEnd type="none" w="med" len="med"/>
+                      <a:tailEnd type="none" w="med" len="med"/>
+                    </a:lnL>
+                    <a:lnR w="28575" cap="flat" cmpd="sng" algn="ctr">
+                      <a:solidFill>
+                        <a:schemeClr val="accent5">
+                          <a:lumMod val="50000"/>
+                        </a:schemeClr>
+                      </a:solidFill>
+                      <a:prstDash val="solid"/>
+                      <a:round/>
+                      <a:headEnd type="none" w="med" len="med"/>
+                      <a:tailEnd type="none" w="med" len="med"/>
+                    </a:lnR>
+                    <a:lnT w="28575" cap="flat" cmpd="sng" algn="ctr">
+                      <a:solidFill>
+                        <a:schemeClr val="accent5">
+                          <a:lumMod val="50000"/>
+                        </a:schemeClr>
+                      </a:solidFill>
+                      <a:prstDash val="solid"/>
+                      <a:round/>
+                      <a:headEnd type="none" w="med" len="med"/>
+                      <a:tailEnd type="none" w="med" len="med"/>
+                    </a:lnT>
+                    <a:lnB w="28575" cap="flat" cmpd="sng" algn="ctr">
+                      <a:solidFill>
+                        <a:schemeClr val="accent5">
+                          <a:lumMod val="50000"/>
+                        </a:schemeClr>
+                      </a:solidFill>
+                      <a:prstDash val="solid"/>
+                      <a:round/>
+                      <a:headEnd type="none" w="med" len="med"/>
+                      <a:tailEnd type="none" w="med" len="med"/>
+                    </a:lnB>
+                  </a:tcPr>
+                </a:tc>
+                <a:extLst>
+                  <a:ext uri="{0D108BD9-81ED-4DB2-BD59-A6C34878D82A}">
+                    <a16:rowId xmlns:a16="http://schemas.microsoft.com/office/drawing/2014/main" val="78690977"/>
+                  </a:ext>
+                </a:extLst>
+              </a:tr>
+              <a:tr h="720000">
+                <a:tc>
+                  <a:txBody>
+                    <a:bodyPr/>
+                    <a:lstStyle/>
+                    <a:p>
+                      <a:pPr algn="ctr"/>
+                      <a:r>
+                        <a:rPr lang="en-US" sz="3200" b="0" dirty="0" smtClean="0">
+                          <a:latin typeface="Helvetica" panose="020B0604020202020204" pitchFamily="34" charset="0"/>
+                          <a:cs typeface="Helvetica" panose="020B0604020202020204" pitchFamily="34" charset="0"/>
+                        </a:rPr>
+                        <a:t>0</a:t>
+                      </a:r>
+                      <a:endParaRPr lang="en-US" sz="3200" b="0" dirty="0">
+                        <a:latin typeface="Helvetica" panose="020B0604020202020204" pitchFamily="34" charset="0"/>
+                        <a:cs typeface="Helvetica" panose="020B0604020202020204" pitchFamily="34" charset="0"/>
+                      </a:endParaRPr>
+                    </a:p>
+                  </a:txBody>
+                  <a:tcPr anchor="ctr">
+                    <a:lnL w="28575" cap="flat" cmpd="sng" algn="ctr">
+                      <a:solidFill>
+                        <a:schemeClr val="accent5">
+                          <a:lumMod val="50000"/>
+                        </a:schemeClr>
+                      </a:solidFill>
+                      <a:prstDash val="solid"/>
+                      <a:round/>
+                      <a:headEnd type="none" w="med" len="med"/>
+                      <a:tailEnd type="none" w="med" len="med"/>
+                    </a:lnL>
+                    <a:lnR w="28575" cap="flat" cmpd="sng" algn="ctr">
+                      <a:solidFill>
+                        <a:schemeClr val="accent5">
+                          <a:lumMod val="50000"/>
+                        </a:schemeClr>
+                      </a:solidFill>
+                      <a:prstDash val="solid"/>
+                      <a:round/>
+                      <a:headEnd type="none" w="med" len="med"/>
+                      <a:tailEnd type="none" w="med" len="med"/>
+                    </a:lnR>
+                    <a:lnT w="28575" cap="flat" cmpd="sng" algn="ctr">
+                      <a:solidFill>
+                        <a:schemeClr val="accent5">
+                          <a:lumMod val="50000"/>
+                        </a:schemeClr>
+                      </a:solidFill>
+                      <a:prstDash val="solid"/>
+                      <a:round/>
+                      <a:headEnd type="none" w="med" len="med"/>
+                      <a:tailEnd type="none" w="med" len="med"/>
+                    </a:lnT>
+                    <a:lnB w="28575" cap="flat" cmpd="sng" algn="ctr">
+                      <a:solidFill>
+                        <a:schemeClr val="accent5">
+                          <a:lumMod val="50000"/>
+                        </a:schemeClr>
+                      </a:solidFill>
+                      <a:prstDash val="solid"/>
+                      <a:round/>
+                      <a:headEnd type="none" w="med" len="med"/>
+                      <a:tailEnd type="none" w="med" len="med"/>
+                    </a:lnB>
+                  </a:tcPr>
+                </a:tc>
+                <a:tc>
+                  <a:txBody>
+                    <a:bodyPr/>
+                    <a:lstStyle/>
+                    <a:p>
+                      <a:pPr algn="ctr"/>
+                      <a:r>
+                        <a:rPr lang="en-US" sz="3200" b="0" dirty="0" smtClean="0">
+                          <a:latin typeface="Helvetica" panose="020B0604020202020204" pitchFamily="34" charset="0"/>
+                          <a:cs typeface="Helvetica" panose="020B0604020202020204" pitchFamily="34" charset="0"/>
+                        </a:rPr>
+                        <a:t>1</a:t>
+                      </a:r>
+                      <a:endParaRPr lang="en-US" sz="3200" b="0" dirty="0">
+                        <a:latin typeface="Helvetica" panose="020B0604020202020204" pitchFamily="34" charset="0"/>
+                        <a:cs typeface="Helvetica" panose="020B0604020202020204" pitchFamily="34" charset="0"/>
+                      </a:endParaRPr>
+                    </a:p>
+                  </a:txBody>
+                  <a:tcPr anchor="ctr">
+                    <a:lnL w="28575" cap="flat" cmpd="sng" algn="ctr">
+                      <a:solidFill>
+                        <a:schemeClr val="accent5">
+                          <a:lumMod val="50000"/>
+                        </a:schemeClr>
+                      </a:solidFill>
+                      <a:prstDash val="solid"/>
+                      <a:round/>
+                      <a:headEnd type="none" w="med" len="med"/>
+                      <a:tailEnd type="none" w="med" len="med"/>
+                    </a:lnL>
+                    <a:lnR w="28575" cap="flat" cmpd="sng" algn="ctr">
+                      <a:solidFill>
+                        <a:schemeClr val="accent5">
+                          <a:lumMod val="50000"/>
+                        </a:schemeClr>
+                      </a:solidFill>
+                      <a:prstDash val="solid"/>
+                      <a:round/>
+                      <a:headEnd type="none" w="med" len="med"/>
+                      <a:tailEnd type="none" w="med" len="med"/>
+                    </a:lnR>
+                    <a:lnT w="28575" cap="flat" cmpd="sng" algn="ctr">
+                      <a:solidFill>
+                        <a:schemeClr val="accent5">
+                          <a:lumMod val="50000"/>
+                        </a:schemeClr>
+                      </a:solidFill>
+                      <a:prstDash val="solid"/>
+                      <a:round/>
+                      <a:headEnd type="none" w="med" len="med"/>
+                      <a:tailEnd type="none" w="med" len="med"/>
+                    </a:lnT>
+                    <a:lnB w="28575" cap="flat" cmpd="sng" algn="ctr">
+                      <a:solidFill>
+                        <a:schemeClr val="accent5">
+                          <a:lumMod val="50000"/>
+                        </a:schemeClr>
+                      </a:solidFill>
+                      <a:prstDash val="solid"/>
+                      <a:round/>
+                      <a:headEnd type="none" w="med" len="med"/>
+                      <a:tailEnd type="none" w="med" len="med"/>
+                    </a:lnB>
+                  </a:tcPr>
+                </a:tc>
+                <a:tc>
+                  <a:txBody>
+                    <a:bodyPr/>
+                    <a:lstStyle/>
+                    <a:p>
+                      <a:pPr algn="ctr"/>
+                      <a:r>
+                        <a:rPr lang="en-US" sz="3200" b="0" dirty="0" smtClean="0">
+                          <a:latin typeface="Helvetica" panose="020B0604020202020204" pitchFamily="34" charset="0"/>
+                          <a:cs typeface="Helvetica" panose="020B0604020202020204" pitchFamily="34" charset="0"/>
+                        </a:rPr>
+                        <a:t>1</a:t>
+                      </a:r>
+                      <a:endParaRPr lang="en-US" sz="3200" b="0" dirty="0">
+                        <a:latin typeface="Helvetica" panose="020B0604020202020204" pitchFamily="34" charset="0"/>
+                        <a:cs typeface="Helvetica" panose="020B0604020202020204" pitchFamily="34" charset="0"/>
+                      </a:endParaRPr>
+                    </a:p>
+                  </a:txBody>
+                  <a:tcPr anchor="ctr">
+                    <a:lnL w="28575" cap="flat" cmpd="sng" algn="ctr">
+                      <a:solidFill>
+                        <a:schemeClr val="accent5">
+                          <a:lumMod val="50000"/>
+                        </a:schemeClr>
+                      </a:solidFill>
+                      <a:prstDash val="solid"/>
+                      <a:round/>
+                      <a:headEnd type="none" w="med" len="med"/>
+                      <a:tailEnd type="none" w="med" len="med"/>
+                    </a:lnL>
+                    <a:lnR w="28575" cap="flat" cmpd="sng" algn="ctr">
+                      <a:solidFill>
+                        <a:schemeClr val="accent5">
+                          <a:lumMod val="50000"/>
+                        </a:schemeClr>
+                      </a:solidFill>
+                      <a:prstDash val="solid"/>
+                      <a:round/>
+                      <a:headEnd type="none" w="med" len="med"/>
+                      <a:tailEnd type="none" w="med" len="med"/>
+                    </a:lnR>
+                    <a:lnT w="28575" cap="flat" cmpd="sng" algn="ctr">
+                      <a:solidFill>
+                        <a:schemeClr val="accent5">
+                          <a:lumMod val="50000"/>
+                        </a:schemeClr>
+                      </a:solidFill>
+                      <a:prstDash val="solid"/>
+                      <a:round/>
+                      <a:headEnd type="none" w="med" len="med"/>
+                      <a:tailEnd type="none" w="med" len="med"/>
+                    </a:lnT>
+                    <a:lnB w="28575" cap="flat" cmpd="sng" algn="ctr">
+                      <a:solidFill>
+                        <a:schemeClr val="accent5">
+                          <a:lumMod val="50000"/>
+                        </a:schemeClr>
+                      </a:solidFill>
+                      <a:prstDash val="solid"/>
+                      <a:round/>
+                      <a:headEnd type="none" w="med" len="med"/>
+                      <a:tailEnd type="none" w="med" len="med"/>
+                    </a:lnB>
+                  </a:tcPr>
+                </a:tc>
+                <a:tc>
+                  <a:txBody>
+                    <a:bodyPr/>
+                    <a:lstStyle/>
+                    <a:p>
+                      <a:pPr algn="ctr"/>
+                      <a:r>
+                        <a:rPr lang="en-US" sz="3200" b="0" dirty="0" smtClean="0">
+                          <a:latin typeface="Helvetica" panose="020B0604020202020204" pitchFamily="34" charset="0"/>
+                          <a:cs typeface="Helvetica" panose="020B0604020202020204" pitchFamily="34" charset="0"/>
+                        </a:rPr>
+                        <a:t>0</a:t>
+                      </a:r>
+                      <a:endParaRPr lang="en-US" sz="3200" b="0" dirty="0">
+                        <a:latin typeface="Helvetica" panose="020B0604020202020204" pitchFamily="34" charset="0"/>
+                        <a:cs typeface="Helvetica" panose="020B0604020202020204" pitchFamily="34" charset="0"/>
+                      </a:endParaRPr>
+                    </a:p>
+                  </a:txBody>
+                  <a:tcPr anchor="ctr">
+                    <a:lnL w="28575" cap="flat" cmpd="sng" algn="ctr">
+                      <a:solidFill>
+                        <a:schemeClr val="accent5">
+                          <a:lumMod val="50000"/>
+                        </a:schemeClr>
+                      </a:solidFill>
+                      <a:prstDash val="solid"/>
+                      <a:round/>
+                      <a:headEnd type="none" w="med" len="med"/>
+                      <a:tailEnd type="none" w="med" len="med"/>
+                    </a:lnL>
+                    <a:lnR w="28575" cap="flat" cmpd="sng" algn="ctr">
+                      <a:solidFill>
+                        <a:schemeClr val="accent5">
+                          <a:lumMod val="50000"/>
+                        </a:schemeClr>
+                      </a:solidFill>
+                      <a:prstDash val="solid"/>
+                      <a:round/>
+                      <a:headEnd type="none" w="med" len="med"/>
+                      <a:tailEnd type="none" w="med" len="med"/>
+                    </a:lnR>
+                    <a:lnT w="28575" cap="flat" cmpd="sng" algn="ctr">
+                      <a:solidFill>
+                        <a:schemeClr val="accent5">
+                          <a:lumMod val="50000"/>
+                        </a:schemeClr>
+                      </a:solidFill>
+                      <a:prstDash val="solid"/>
+                      <a:round/>
+                      <a:headEnd type="none" w="med" len="med"/>
+                      <a:tailEnd type="none" w="med" len="med"/>
+                    </a:lnT>
+                    <a:lnB w="28575" cap="flat" cmpd="sng" algn="ctr">
+                      <a:solidFill>
+                        <a:schemeClr val="accent5">
+                          <a:lumMod val="50000"/>
+                        </a:schemeClr>
+                      </a:solidFill>
+                      <a:prstDash val="solid"/>
+                      <a:round/>
+                      <a:headEnd type="none" w="med" len="med"/>
+                      <a:tailEnd type="none" w="med" len="med"/>
+                    </a:lnB>
+                  </a:tcPr>
+                </a:tc>
+                <a:tc>
+                  <a:txBody>
+                    <a:bodyPr/>
+                    <a:lstStyle/>
+                    <a:p>
+                      <a:pPr algn="ctr"/>
+                      <a:r>
+                        <a:rPr lang="en-US" sz="3200" b="0" dirty="0" smtClean="0">
+                          <a:latin typeface="Helvetica" panose="020B0604020202020204" pitchFamily="34" charset="0"/>
+                          <a:cs typeface="Helvetica" panose="020B0604020202020204" pitchFamily="34" charset="0"/>
+                        </a:rPr>
+                        <a:t>0</a:t>
+                      </a:r>
+                      <a:endParaRPr lang="en-US" sz="3200" b="0" dirty="0">
+                        <a:latin typeface="Helvetica" panose="020B0604020202020204" pitchFamily="34" charset="0"/>
+                        <a:cs typeface="Helvetica" panose="020B0604020202020204" pitchFamily="34" charset="0"/>
+                      </a:endParaRPr>
+                    </a:p>
+                  </a:txBody>
+                  <a:tcPr anchor="ctr">
+                    <a:lnL w="28575" cap="flat" cmpd="sng" algn="ctr">
+                      <a:solidFill>
+                        <a:schemeClr val="accent5">
+                          <a:lumMod val="50000"/>
+                        </a:schemeClr>
+                      </a:solidFill>
+                      <a:prstDash val="solid"/>
+                      <a:round/>
+                      <a:headEnd type="none" w="med" len="med"/>
+                      <a:tailEnd type="none" w="med" len="med"/>
+                    </a:lnL>
+                    <a:lnR w="28575" cap="flat" cmpd="sng" algn="ctr">
+                      <a:solidFill>
+                        <a:schemeClr val="accent5">
+                          <a:lumMod val="50000"/>
+                        </a:schemeClr>
+                      </a:solidFill>
+                      <a:prstDash val="solid"/>
+                      <a:round/>
+                      <a:headEnd type="none" w="med" len="med"/>
+                      <a:tailEnd type="none" w="med" len="med"/>
+                    </a:lnR>
+                    <a:lnT w="28575" cap="flat" cmpd="sng" algn="ctr">
+                      <a:solidFill>
+                        <a:schemeClr val="accent5">
+                          <a:lumMod val="50000"/>
+                        </a:schemeClr>
+                      </a:solidFill>
+                      <a:prstDash val="solid"/>
+                      <a:round/>
+                      <a:headEnd type="none" w="med" len="med"/>
+                      <a:tailEnd type="none" w="med" len="med"/>
+                    </a:lnT>
+                    <a:lnB w="28575" cap="flat" cmpd="sng" algn="ctr">
+                      <a:solidFill>
+                        <a:schemeClr val="accent5">
+                          <a:lumMod val="50000"/>
+                        </a:schemeClr>
+                      </a:solidFill>
+                      <a:prstDash val="solid"/>
+                      <a:round/>
+                      <a:headEnd type="none" w="med" len="med"/>
+                      <a:tailEnd type="none" w="med" len="med"/>
+                    </a:lnB>
+                  </a:tcPr>
+                </a:tc>
+                <a:extLst>
+                  <a:ext uri="{0D108BD9-81ED-4DB2-BD59-A6C34878D82A}">
+                    <a16:rowId xmlns:a16="http://schemas.microsoft.com/office/drawing/2014/main" val="2668283428"/>
+                  </a:ext>
+                </a:extLst>
+              </a:tr>
+            </a:tbl>
+          </a:graphicData>
+        </a:graphic>
+      </p:graphicFrame>
+      <mc:AlternateContent xmlns:mc="http://schemas.openxmlformats.org/markup-compatibility/2006">
+        <mc:Choice xmlns:a14="http://schemas.microsoft.com/office/drawing/2010/main" Requires="a14">
+          <p:sp>
+            <p:nvSpPr>
+              <p:cNvPr id="5" name="TextBox 4"/>
+              <p:cNvSpPr txBox="1"/>
+              <p:nvPr/>
+            </p:nvSpPr>
+            <p:spPr>
+              <a:xfrm>
+                <a:off x="6202377" y="5337146"/>
+                <a:ext cx="599523" cy="1015663"/>
+              </a:xfrm>
+              <a:prstGeom prst="rect">
+                <a:avLst/>
+              </a:prstGeom>
+              <a:noFill/>
+            </p:spPr>
+            <p:txBody>
+              <a:bodyPr wrap="none" lIns="0" tIns="0" rIns="0" bIns="0" rtlCol="0">
+                <a:spAutoFit/>
+              </a:bodyPr>
+              <a:lstStyle/>
+              <a:p>
+                <a14:m>
+                  <m:oMathPara xmlns:m="http://schemas.openxmlformats.org/officeDocument/2006/math">
+                    <m:oMathParaPr>
+                      <m:jc m:val="centerGroup"/>
+                    </m:oMathParaPr>
+                    <m:oMath xmlns:m="http://schemas.openxmlformats.org/officeDocument/2006/math">
+                      <m:r>
+                        <a:rPr lang="en-US" sz="6600" b="0" i="1" smtClean="0">
+                          <a:latin typeface="Cambria Math" panose="02040503050406030204" pitchFamily="18" charset="0"/>
+                        </a:rPr>
+                        <m:t>∗</m:t>
+                      </m:r>
+                    </m:oMath>
+                  </m:oMathPara>
+                </a14:m>
+                <a:endParaRPr lang="en-US" sz="6600" dirty="0"/>
+              </a:p>
+            </p:txBody>
+          </p:sp>
+        </mc:Choice>
+        <mc:Fallback>
+          <p:sp>
+            <p:nvSpPr>
+              <p:cNvPr id="5" name="TextBox 4"/>
+              <p:cNvSpPr txBox="1">
+                <a:spLocks noRot="1" noChangeAspect="1" noMove="1" noResize="1" noEditPoints="1" noAdjustHandles="1" noChangeArrowheads="1" noChangeShapeType="1" noTextEdit="1"/>
+              </p:cNvSpPr>
+              <p:nvPr/>
+            </p:nvSpPr>
+            <p:spPr>
+              <a:xfrm>
+                <a:off x="6202377" y="5337146"/>
+                <a:ext cx="599523" cy="1015663"/>
+              </a:xfrm>
+              <a:prstGeom prst="rect">
+                <a:avLst/>
+              </a:prstGeom>
+              <a:blipFill>
+                <a:blip r:embed="rId2"/>
+                <a:stretch>
+                  <a:fillRect/>
+                </a:stretch>
+              </a:blipFill>
+            </p:spPr>
+            <p:txBody>
+              <a:bodyPr/>
+              <a:lstStyle/>
+              <a:p>
+                <a:r>
+                  <a:rPr lang="en-US">
+                    <a:noFill/>
+                  </a:rPr>
+                  <a:t> </a:t>
+                </a:r>
+              </a:p>
+            </p:txBody>
+          </p:sp>
+        </mc:Fallback>
+      </mc:AlternateContent>
+      <p:graphicFrame>
+        <p:nvGraphicFramePr>
+          <p:cNvPr id="7" name="Table 6"/>
+          <p:cNvGraphicFramePr>
+            <a:graphicFrameLocks noGrp="1"/>
+          </p:cNvGraphicFramePr>
+          <p:nvPr>
+            <p:extLst>
+              <p:ext uri="{D42A27DB-BD31-4B8C-83A1-F6EECF244321}">
+                <p14:modId xmlns:p14="http://schemas.microsoft.com/office/powerpoint/2010/main" val="722582648"/>
+              </p:ext>
+            </p:extLst>
+          </p:nvPr>
+        </p:nvGraphicFramePr>
+        <p:xfrm>
+          <a:off x="6936638" y="4764977"/>
+          <a:ext cx="2160000" cy="2160000"/>
+        </p:xfrm>
+        <a:graphic>
+          <a:graphicData uri="http://schemas.openxmlformats.org/drawingml/2006/table">
+            <a:tbl>
+              <a:tblPr firstRow="1" bandRow="1">
+                <a:tableStyleId>{5940675A-B579-460E-94D1-54222C63F5DA}</a:tableStyleId>
+              </a:tblPr>
+              <a:tblGrid>
+                <a:gridCol w="720000">
+                  <a:extLst>
+                    <a:ext uri="{9D8B030D-6E8A-4147-A177-3AD203B41FA5}">
+                      <a16:colId xmlns:a16="http://schemas.microsoft.com/office/drawing/2014/main" val="4114053830"/>
+                    </a:ext>
+                  </a:extLst>
+                </a:gridCol>
+                <a:gridCol w="720000">
+                  <a:extLst>
+                    <a:ext uri="{9D8B030D-6E8A-4147-A177-3AD203B41FA5}">
+                      <a16:colId xmlns:a16="http://schemas.microsoft.com/office/drawing/2014/main" val="1095245153"/>
+                    </a:ext>
+                  </a:extLst>
+                </a:gridCol>
+                <a:gridCol w="720000">
+                  <a:extLst>
+                    <a:ext uri="{9D8B030D-6E8A-4147-A177-3AD203B41FA5}">
+                      <a16:colId xmlns:a16="http://schemas.microsoft.com/office/drawing/2014/main" val="3706941923"/>
+                    </a:ext>
+                  </a:extLst>
+                </a:gridCol>
+              </a:tblGrid>
+              <a:tr h="720000">
+                <a:tc>
+                  <a:txBody>
+                    <a:bodyPr/>
+                    <a:lstStyle/>
+                    <a:p>
+                      <a:pPr algn="ctr"/>
+                      <a:r>
+                        <a:rPr lang="en-US" sz="3200" b="1" dirty="0" smtClean="0">
+                          <a:latin typeface="Helvetica" panose="020B0604020202020204" pitchFamily="34" charset="0"/>
+                          <a:cs typeface="Helvetica" panose="020B0604020202020204" pitchFamily="34" charset="0"/>
+                        </a:rPr>
+                        <a:t>1</a:t>
+                      </a:r>
+                      <a:endParaRPr lang="en-US" sz="3200" b="1" dirty="0">
+                        <a:latin typeface="Helvetica" panose="020B0604020202020204" pitchFamily="34" charset="0"/>
+                        <a:cs typeface="Helvetica" panose="020B0604020202020204" pitchFamily="34" charset="0"/>
+                      </a:endParaRPr>
+                    </a:p>
+                  </a:txBody>
+                  <a:tcPr anchor="ctr">
+                    <a:lnL w="28575" cap="flat" cmpd="sng" algn="ctr">
+                      <a:solidFill>
+                        <a:schemeClr val="accent2">
+                          <a:lumMod val="50000"/>
+                        </a:schemeClr>
+                      </a:solidFill>
+                      <a:prstDash val="solid"/>
+                      <a:round/>
+                      <a:headEnd type="none" w="med" len="med"/>
+                      <a:tailEnd type="none" w="med" len="med"/>
+                    </a:lnL>
+                    <a:lnR w="28575" cap="flat" cmpd="sng" algn="ctr">
+                      <a:solidFill>
+                        <a:schemeClr val="accent2">
+                          <a:lumMod val="50000"/>
+                        </a:schemeClr>
+                      </a:solidFill>
+                      <a:prstDash val="solid"/>
+                      <a:round/>
+                      <a:headEnd type="none" w="med" len="med"/>
+                      <a:tailEnd type="none" w="med" len="med"/>
+                    </a:lnR>
+                    <a:lnT w="28575" cap="flat" cmpd="sng" algn="ctr">
+                      <a:solidFill>
+                        <a:schemeClr val="accent2">
+                          <a:lumMod val="50000"/>
+                        </a:schemeClr>
+                      </a:solidFill>
+                      <a:prstDash val="solid"/>
+                      <a:round/>
+                      <a:headEnd type="none" w="med" len="med"/>
+                      <a:tailEnd type="none" w="med" len="med"/>
+                    </a:lnT>
+                    <a:lnB w="28575" cap="flat" cmpd="sng" algn="ctr">
+                      <a:solidFill>
+                        <a:schemeClr val="accent2">
+                          <a:lumMod val="50000"/>
+                        </a:schemeClr>
+                      </a:solidFill>
+                      <a:prstDash val="solid"/>
+                      <a:round/>
+                      <a:headEnd type="none" w="med" len="med"/>
+                      <a:tailEnd type="none" w="med" len="med"/>
+                    </a:lnB>
+                    <a:solidFill>
+                      <a:schemeClr val="accent2">
+                        <a:lumMod val="20000"/>
+                        <a:lumOff val="80000"/>
+                      </a:schemeClr>
+                    </a:solidFill>
+                  </a:tcPr>
+                </a:tc>
+                <a:tc>
+                  <a:txBody>
+                    <a:bodyPr/>
+                    <a:lstStyle/>
+                    <a:p>
+                      <a:pPr algn="ctr"/>
+                      <a:r>
+                        <a:rPr lang="en-US" sz="3200" b="1" dirty="0" smtClean="0">
+                          <a:latin typeface="Helvetica" panose="020B0604020202020204" pitchFamily="34" charset="0"/>
+                          <a:cs typeface="Helvetica" panose="020B0604020202020204" pitchFamily="34" charset="0"/>
+                        </a:rPr>
+                        <a:t>0</a:t>
+                      </a:r>
+                      <a:endParaRPr lang="en-US" sz="3200" b="1" dirty="0">
+                        <a:latin typeface="Helvetica" panose="020B0604020202020204" pitchFamily="34" charset="0"/>
+                        <a:cs typeface="Helvetica" panose="020B0604020202020204" pitchFamily="34" charset="0"/>
+                      </a:endParaRPr>
+                    </a:p>
+                  </a:txBody>
+                  <a:tcPr anchor="ctr">
+                    <a:lnL w="28575" cap="flat" cmpd="sng" algn="ctr">
+                      <a:solidFill>
+                        <a:schemeClr val="accent2">
+                          <a:lumMod val="50000"/>
+                        </a:schemeClr>
+                      </a:solidFill>
+                      <a:prstDash val="solid"/>
+                      <a:round/>
+                      <a:headEnd type="none" w="med" len="med"/>
+                      <a:tailEnd type="none" w="med" len="med"/>
+                    </a:lnL>
+                    <a:lnR w="28575" cap="flat" cmpd="sng" algn="ctr">
+                      <a:solidFill>
+                        <a:schemeClr val="accent2">
+                          <a:lumMod val="50000"/>
+                        </a:schemeClr>
+                      </a:solidFill>
+                      <a:prstDash val="solid"/>
+                      <a:round/>
+                      <a:headEnd type="none" w="med" len="med"/>
+                      <a:tailEnd type="none" w="med" len="med"/>
+                    </a:lnR>
+                    <a:lnT w="28575" cap="flat" cmpd="sng" algn="ctr">
+                      <a:solidFill>
+                        <a:schemeClr val="accent2">
+                          <a:lumMod val="50000"/>
+                        </a:schemeClr>
+                      </a:solidFill>
+                      <a:prstDash val="solid"/>
+                      <a:round/>
+                      <a:headEnd type="none" w="med" len="med"/>
+                      <a:tailEnd type="none" w="med" len="med"/>
+                    </a:lnT>
+                    <a:lnB w="28575" cap="flat" cmpd="sng" algn="ctr">
+                      <a:solidFill>
+                        <a:schemeClr val="accent2">
+                          <a:lumMod val="50000"/>
+                        </a:schemeClr>
+                      </a:solidFill>
+                      <a:prstDash val="solid"/>
+                      <a:round/>
+                      <a:headEnd type="none" w="med" len="med"/>
+                      <a:tailEnd type="none" w="med" len="med"/>
+                    </a:lnB>
+                    <a:solidFill>
+                      <a:schemeClr val="accent2">
+                        <a:lumMod val="20000"/>
+                        <a:lumOff val="80000"/>
+                      </a:schemeClr>
+                    </a:solidFill>
+                  </a:tcPr>
+                </a:tc>
+                <a:tc>
+                  <a:txBody>
+                    <a:bodyPr/>
+                    <a:lstStyle/>
+                    <a:p>
+                      <a:pPr algn="ctr"/>
+                      <a:r>
+                        <a:rPr lang="en-US" sz="3200" b="1" dirty="0" smtClean="0">
+                          <a:latin typeface="Helvetica" panose="020B0604020202020204" pitchFamily="34" charset="0"/>
+                          <a:cs typeface="Helvetica" panose="020B0604020202020204" pitchFamily="34" charset="0"/>
+                        </a:rPr>
+                        <a:t>1</a:t>
+                      </a:r>
+                      <a:endParaRPr lang="en-US" sz="3200" b="1" dirty="0">
+                        <a:latin typeface="Helvetica" panose="020B0604020202020204" pitchFamily="34" charset="0"/>
+                        <a:cs typeface="Helvetica" panose="020B0604020202020204" pitchFamily="34" charset="0"/>
+                      </a:endParaRPr>
+                    </a:p>
+                  </a:txBody>
+                  <a:tcPr anchor="ctr">
+                    <a:lnL w="28575" cap="flat" cmpd="sng" algn="ctr">
+                      <a:solidFill>
+                        <a:schemeClr val="accent2">
+                          <a:lumMod val="50000"/>
+                        </a:schemeClr>
+                      </a:solidFill>
+                      <a:prstDash val="solid"/>
+                      <a:round/>
+                      <a:headEnd type="none" w="med" len="med"/>
+                      <a:tailEnd type="none" w="med" len="med"/>
+                    </a:lnL>
+                    <a:lnR w="28575" cap="flat" cmpd="sng" algn="ctr">
+                      <a:solidFill>
+                        <a:schemeClr val="accent2">
+                          <a:lumMod val="50000"/>
+                        </a:schemeClr>
+                      </a:solidFill>
+                      <a:prstDash val="solid"/>
+                      <a:round/>
+                      <a:headEnd type="none" w="med" len="med"/>
+                      <a:tailEnd type="none" w="med" len="med"/>
+                    </a:lnR>
+                    <a:lnT w="28575" cap="flat" cmpd="sng" algn="ctr">
+                      <a:solidFill>
+                        <a:schemeClr val="accent2">
+                          <a:lumMod val="50000"/>
+                        </a:schemeClr>
+                      </a:solidFill>
+                      <a:prstDash val="solid"/>
+                      <a:round/>
+                      <a:headEnd type="none" w="med" len="med"/>
+                      <a:tailEnd type="none" w="med" len="med"/>
+                    </a:lnT>
+                    <a:lnB w="28575" cap="flat" cmpd="sng" algn="ctr">
+                      <a:solidFill>
+                        <a:schemeClr val="accent2">
+                          <a:lumMod val="50000"/>
+                        </a:schemeClr>
+                      </a:solidFill>
+                      <a:prstDash val="solid"/>
+                      <a:round/>
+                      <a:headEnd type="none" w="med" len="med"/>
+                      <a:tailEnd type="none" w="med" len="med"/>
+                    </a:lnB>
+                    <a:solidFill>
+                      <a:schemeClr val="accent2">
+                        <a:lumMod val="20000"/>
+                        <a:lumOff val="80000"/>
+                      </a:schemeClr>
+                    </a:solidFill>
+                  </a:tcPr>
+                </a:tc>
+                <a:extLst>
+                  <a:ext uri="{0D108BD9-81ED-4DB2-BD59-A6C34878D82A}">
+                    <a16:rowId xmlns:a16="http://schemas.microsoft.com/office/drawing/2014/main" val="3588482904"/>
+                  </a:ext>
+                </a:extLst>
+              </a:tr>
+              <a:tr h="720000">
+                <a:tc>
+                  <a:txBody>
+                    <a:bodyPr/>
+                    <a:lstStyle/>
+                    <a:p>
+                      <a:pPr algn="ctr"/>
+                      <a:r>
+                        <a:rPr lang="en-US" sz="3200" b="1" dirty="0" smtClean="0">
+                          <a:latin typeface="Helvetica" panose="020B0604020202020204" pitchFamily="34" charset="0"/>
+                          <a:cs typeface="Helvetica" panose="020B0604020202020204" pitchFamily="34" charset="0"/>
+                        </a:rPr>
+                        <a:t>0</a:t>
+                      </a:r>
+                      <a:endParaRPr lang="en-US" sz="3200" b="1" dirty="0">
+                        <a:latin typeface="Helvetica" panose="020B0604020202020204" pitchFamily="34" charset="0"/>
+                        <a:cs typeface="Helvetica" panose="020B0604020202020204" pitchFamily="34" charset="0"/>
+                      </a:endParaRPr>
+                    </a:p>
+                  </a:txBody>
+                  <a:tcPr anchor="ctr">
+                    <a:lnL w="28575" cap="flat" cmpd="sng" algn="ctr">
+                      <a:solidFill>
+                        <a:schemeClr val="accent2">
+                          <a:lumMod val="50000"/>
+                        </a:schemeClr>
+                      </a:solidFill>
+                      <a:prstDash val="solid"/>
+                      <a:round/>
+                      <a:headEnd type="none" w="med" len="med"/>
+                      <a:tailEnd type="none" w="med" len="med"/>
+                    </a:lnL>
+                    <a:lnR w="28575" cap="flat" cmpd="sng" algn="ctr">
+                      <a:solidFill>
+                        <a:schemeClr val="accent2">
+                          <a:lumMod val="50000"/>
+                        </a:schemeClr>
+                      </a:solidFill>
+                      <a:prstDash val="solid"/>
+                      <a:round/>
+                      <a:headEnd type="none" w="med" len="med"/>
+                      <a:tailEnd type="none" w="med" len="med"/>
+                    </a:lnR>
+                    <a:lnT w="28575" cap="flat" cmpd="sng" algn="ctr">
+                      <a:solidFill>
+                        <a:schemeClr val="accent2">
+                          <a:lumMod val="50000"/>
+                        </a:schemeClr>
+                      </a:solidFill>
+                      <a:prstDash val="solid"/>
+                      <a:round/>
+                      <a:headEnd type="none" w="med" len="med"/>
+                      <a:tailEnd type="none" w="med" len="med"/>
+                    </a:lnT>
+                    <a:lnB w="28575" cap="flat" cmpd="sng" algn="ctr">
+                      <a:solidFill>
+                        <a:schemeClr val="accent2">
+                          <a:lumMod val="50000"/>
+                        </a:schemeClr>
+                      </a:solidFill>
+                      <a:prstDash val="solid"/>
+                      <a:round/>
+                      <a:headEnd type="none" w="med" len="med"/>
+                      <a:tailEnd type="none" w="med" len="med"/>
+                    </a:lnB>
+                    <a:solidFill>
+                      <a:schemeClr val="accent2">
+                        <a:lumMod val="20000"/>
+                        <a:lumOff val="80000"/>
+                      </a:schemeClr>
+                    </a:solidFill>
+                  </a:tcPr>
+                </a:tc>
+                <a:tc>
+                  <a:txBody>
+                    <a:bodyPr/>
+                    <a:lstStyle/>
+                    <a:p>
+                      <a:pPr algn="ctr"/>
+                      <a:r>
+                        <a:rPr lang="en-US" sz="3200" b="1" dirty="0" smtClean="0">
+                          <a:latin typeface="Helvetica" panose="020B0604020202020204" pitchFamily="34" charset="0"/>
+                          <a:cs typeface="Helvetica" panose="020B0604020202020204" pitchFamily="34" charset="0"/>
+                        </a:rPr>
+                        <a:t>1</a:t>
+                      </a:r>
+                      <a:endParaRPr lang="en-US" sz="3200" b="1" dirty="0">
+                        <a:latin typeface="Helvetica" panose="020B0604020202020204" pitchFamily="34" charset="0"/>
+                        <a:cs typeface="Helvetica" panose="020B0604020202020204" pitchFamily="34" charset="0"/>
+                      </a:endParaRPr>
+                    </a:p>
+                  </a:txBody>
+                  <a:tcPr anchor="ctr">
+                    <a:lnL w="28575" cap="flat" cmpd="sng" algn="ctr">
+                      <a:solidFill>
+                        <a:schemeClr val="accent2">
+                          <a:lumMod val="50000"/>
+                        </a:schemeClr>
+                      </a:solidFill>
+                      <a:prstDash val="solid"/>
+                      <a:round/>
+                      <a:headEnd type="none" w="med" len="med"/>
+                      <a:tailEnd type="none" w="med" len="med"/>
+                    </a:lnL>
+                    <a:lnR w="28575" cap="flat" cmpd="sng" algn="ctr">
+                      <a:solidFill>
+                        <a:schemeClr val="accent2">
+                          <a:lumMod val="50000"/>
+                        </a:schemeClr>
+                      </a:solidFill>
+                      <a:prstDash val="solid"/>
+                      <a:round/>
+                      <a:headEnd type="none" w="med" len="med"/>
+                      <a:tailEnd type="none" w="med" len="med"/>
+                    </a:lnR>
+                    <a:lnT w="28575" cap="flat" cmpd="sng" algn="ctr">
+                      <a:solidFill>
+                        <a:schemeClr val="accent2">
+                          <a:lumMod val="50000"/>
+                        </a:schemeClr>
+                      </a:solidFill>
+                      <a:prstDash val="solid"/>
+                      <a:round/>
+                      <a:headEnd type="none" w="med" len="med"/>
+                      <a:tailEnd type="none" w="med" len="med"/>
+                    </a:lnT>
+                    <a:lnB w="28575" cap="flat" cmpd="sng" algn="ctr">
+                      <a:solidFill>
+                        <a:schemeClr val="accent2">
+                          <a:lumMod val="50000"/>
+                        </a:schemeClr>
+                      </a:solidFill>
+                      <a:prstDash val="solid"/>
+                      <a:round/>
+                      <a:headEnd type="none" w="med" len="med"/>
+                      <a:tailEnd type="none" w="med" len="med"/>
+                    </a:lnB>
+                    <a:solidFill>
+                      <a:schemeClr val="accent2">
+                        <a:lumMod val="20000"/>
+                        <a:lumOff val="80000"/>
+                      </a:schemeClr>
+                    </a:solidFill>
+                  </a:tcPr>
+                </a:tc>
+                <a:tc>
+                  <a:txBody>
+                    <a:bodyPr/>
+                    <a:lstStyle/>
+                    <a:p>
+                      <a:pPr algn="ctr"/>
+                      <a:r>
+                        <a:rPr lang="en-US" sz="3200" b="1" dirty="0" smtClean="0">
+                          <a:latin typeface="Helvetica" panose="020B0604020202020204" pitchFamily="34" charset="0"/>
+                          <a:cs typeface="Helvetica" panose="020B0604020202020204" pitchFamily="34" charset="0"/>
+                        </a:rPr>
+                        <a:t>0</a:t>
+                      </a:r>
+                      <a:endParaRPr lang="en-US" sz="3200" b="1" dirty="0">
+                        <a:latin typeface="Helvetica" panose="020B0604020202020204" pitchFamily="34" charset="0"/>
+                        <a:cs typeface="Helvetica" panose="020B0604020202020204" pitchFamily="34" charset="0"/>
+                      </a:endParaRPr>
+                    </a:p>
+                  </a:txBody>
+                  <a:tcPr anchor="ctr">
+                    <a:lnL w="28575" cap="flat" cmpd="sng" algn="ctr">
+                      <a:solidFill>
+                        <a:schemeClr val="accent2">
+                          <a:lumMod val="50000"/>
+                        </a:schemeClr>
+                      </a:solidFill>
+                      <a:prstDash val="solid"/>
+                      <a:round/>
+                      <a:headEnd type="none" w="med" len="med"/>
+                      <a:tailEnd type="none" w="med" len="med"/>
+                    </a:lnL>
+                    <a:lnR w="28575" cap="flat" cmpd="sng" algn="ctr">
+                      <a:solidFill>
+                        <a:schemeClr val="accent2">
+                          <a:lumMod val="50000"/>
+                        </a:schemeClr>
+                      </a:solidFill>
+                      <a:prstDash val="solid"/>
+                      <a:round/>
+                      <a:headEnd type="none" w="med" len="med"/>
+                      <a:tailEnd type="none" w="med" len="med"/>
+                    </a:lnR>
+                    <a:lnT w="28575" cap="flat" cmpd="sng" algn="ctr">
+                      <a:solidFill>
+                        <a:schemeClr val="accent2">
+                          <a:lumMod val="50000"/>
+                        </a:schemeClr>
+                      </a:solidFill>
+                      <a:prstDash val="solid"/>
+                      <a:round/>
+                      <a:headEnd type="none" w="med" len="med"/>
+                      <a:tailEnd type="none" w="med" len="med"/>
+                    </a:lnT>
+                    <a:lnB w="28575" cap="flat" cmpd="sng" algn="ctr">
+                      <a:solidFill>
+                        <a:schemeClr val="accent2">
+                          <a:lumMod val="50000"/>
+                        </a:schemeClr>
+                      </a:solidFill>
+                      <a:prstDash val="solid"/>
+                      <a:round/>
+                      <a:headEnd type="none" w="med" len="med"/>
+                      <a:tailEnd type="none" w="med" len="med"/>
+                    </a:lnB>
+                    <a:solidFill>
+                      <a:schemeClr val="accent2">
+                        <a:lumMod val="20000"/>
+                        <a:lumOff val="80000"/>
+                      </a:schemeClr>
+                    </a:solidFill>
+                  </a:tcPr>
+                </a:tc>
+                <a:extLst>
+                  <a:ext uri="{0D108BD9-81ED-4DB2-BD59-A6C34878D82A}">
+                    <a16:rowId xmlns:a16="http://schemas.microsoft.com/office/drawing/2014/main" val="3875415838"/>
+                  </a:ext>
+                </a:extLst>
+              </a:tr>
+              <a:tr h="720000">
+                <a:tc>
+                  <a:txBody>
+                    <a:bodyPr/>
+                    <a:lstStyle/>
+                    <a:p>
+                      <a:pPr algn="ctr"/>
+                      <a:r>
+                        <a:rPr lang="en-US" sz="3200" b="1" dirty="0" smtClean="0">
+                          <a:latin typeface="Helvetica" panose="020B0604020202020204" pitchFamily="34" charset="0"/>
+                          <a:cs typeface="Helvetica" panose="020B0604020202020204" pitchFamily="34" charset="0"/>
+                        </a:rPr>
+                        <a:t>1</a:t>
+                      </a:r>
+                      <a:endParaRPr lang="en-US" sz="3200" b="1" dirty="0">
+                        <a:latin typeface="Helvetica" panose="020B0604020202020204" pitchFamily="34" charset="0"/>
+                        <a:cs typeface="Helvetica" panose="020B0604020202020204" pitchFamily="34" charset="0"/>
+                      </a:endParaRPr>
+                    </a:p>
+                  </a:txBody>
+                  <a:tcPr anchor="ctr">
+                    <a:lnL w="28575" cap="flat" cmpd="sng" algn="ctr">
+                      <a:solidFill>
+                        <a:schemeClr val="accent2">
+                          <a:lumMod val="50000"/>
+                        </a:schemeClr>
+                      </a:solidFill>
+                      <a:prstDash val="solid"/>
+                      <a:round/>
+                      <a:headEnd type="none" w="med" len="med"/>
+                      <a:tailEnd type="none" w="med" len="med"/>
+                    </a:lnL>
+                    <a:lnR w="28575" cap="flat" cmpd="sng" algn="ctr">
+                      <a:solidFill>
+                        <a:schemeClr val="accent2">
+                          <a:lumMod val="50000"/>
+                        </a:schemeClr>
+                      </a:solidFill>
+                      <a:prstDash val="solid"/>
+                      <a:round/>
+                      <a:headEnd type="none" w="med" len="med"/>
+                      <a:tailEnd type="none" w="med" len="med"/>
+                    </a:lnR>
+                    <a:lnT w="28575" cap="flat" cmpd="sng" algn="ctr">
+                      <a:solidFill>
+                        <a:schemeClr val="accent2">
+                          <a:lumMod val="50000"/>
+                        </a:schemeClr>
+                      </a:solidFill>
+                      <a:prstDash val="solid"/>
+                      <a:round/>
+                      <a:headEnd type="none" w="med" len="med"/>
+                      <a:tailEnd type="none" w="med" len="med"/>
+                    </a:lnT>
+                    <a:lnB w="28575" cap="flat" cmpd="sng" algn="ctr">
+                      <a:solidFill>
+                        <a:schemeClr val="accent2">
+                          <a:lumMod val="50000"/>
+                        </a:schemeClr>
+                      </a:solidFill>
+                      <a:prstDash val="solid"/>
+                      <a:round/>
+                      <a:headEnd type="none" w="med" len="med"/>
+                      <a:tailEnd type="none" w="med" len="med"/>
+                    </a:lnB>
+                    <a:solidFill>
+                      <a:schemeClr val="accent2">
+                        <a:lumMod val="20000"/>
+                        <a:lumOff val="80000"/>
+                      </a:schemeClr>
+                    </a:solidFill>
+                  </a:tcPr>
+                </a:tc>
+                <a:tc>
+                  <a:txBody>
+                    <a:bodyPr/>
+                    <a:lstStyle/>
+                    <a:p>
+                      <a:pPr algn="ctr"/>
+                      <a:r>
+                        <a:rPr lang="en-US" sz="3200" b="1" dirty="0" smtClean="0">
+                          <a:latin typeface="Helvetica" panose="020B0604020202020204" pitchFamily="34" charset="0"/>
+                          <a:cs typeface="Helvetica" panose="020B0604020202020204" pitchFamily="34" charset="0"/>
+                        </a:rPr>
+                        <a:t>0</a:t>
+                      </a:r>
+                      <a:endParaRPr lang="en-US" sz="3200" b="1" dirty="0">
+                        <a:latin typeface="Helvetica" panose="020B0604020202020204" pitchFamily="34" charset="0"/>
+                        <a:cs typeface="Helvetica" panose="020B0604020202020204" pitchFamily="34" charset="0"/>
+                      </a:endParaRPr>
+                    </a:p>
+                  </a:txBody>
+                  <a:tcPr anchor="ctr">
+                    <a:lnL w="28575" cap="flat" cmpd="sng" algn="ctr">
+                      <a:solidFill>
+                        <a:schemeClr val="accent2">
+                          <a:lumMod val="50000"/>
+                        </a:schemeClr>
+                      </a:solidFill>
+                      <a:prstDash val="solid"/>
+                      <a:round/>
+                      <a:headEnd type="none" w="med" len="med"/>
+                      <a:tailEnd type="none" w="med" len="med"/>
+                    </a:lnL>
+                    <a:lnR w="28575" cap="flat" cmpd="sng" algn="ctr">
+                      <a:solidFill>
+                        <a:schemeClr val="accent2">
+                          <a:lumMod val="50000"/>
+                        </a:schemeClr>
+                      </a:solidFill>
+                      <a:prstDash val="solid"/>
+                      <a:round/>
+                      <a:headEnd type="none" w="med" len="med"/>
+                      <a:tailEnd type="none" w="med" len="med"/>
+                    </a:lnR>
+                    <a:lnT w="28575" cap="flat" cmpd="sng" algn="ctr">
+                      <a:solidFill>
+                        <a:schemeClr val="accent2">
+                          <a:lumMod val="50000"/>
+                        </a:schemeClr>
+                      </a:solidFill>
+                      <a:prstDash val="solid"/>
+                      <a:round/>
+                      <a:headEnd type="none" w="med" len="med"/>
+                      <a:tailEnd type="none" w="med" len="med"/>
+                    </a:lnT>
+                    <a:lnB w="28575" cap="flat" cmpd="sng" algn="ctr">
+                      <a:solidFill>
+                        <a:schemeClr val="accent2">
+                          <a:lumMod val="50000"/>
+                        </a:schemeClr>
+                      </a:solidFill>
+                      <a:prstDash val="solid"/>
+                      <a:round/>
+                      <a:headEnd type="none" w="med" len="med"/>
+                      <a:tailEnd type="none" w="med" len="med"/>
+                    </a:lnB>
+                    <a:solidFill>
+                      <a:schemeClr val="accent2">
+                        <a:lumMod val="20000"/>
+                        <a:lumOff val="80000"/>
+                      </a:schemeClr>
+                    </a:solidFill>
+                  </a:tcPr>
+                </a:tc>
+                <a:tc>
+                  <a:txBody>
+                    <a:bodyPr/>
+                    <a:lstStyle/>
+                    <a:p>
+                      <a:pPr algn="ctr"/>
+                      <a:r>
+                        <a:rPr lang="en-US" sz="3200" b="1" dirty="0" smtClean="0">
+                          <a:latin typeface="Helvetica" panose="020B0604020202020204" pitchFamily="34" charset="0"/>
+                          <a:cs typeface="Helvetica" panose="020B0604020202020204" pitchFamily="34" charset="0"/>
+                        </a:rPr>
+                        <a:t>1</a:t>
+                      </a:r>
+                      <a:endParaRPr lang="en-US" sz="3200" b="1" dirty="0">
+                        <a:latin typeface="Helvetica" panose="020B0604020202020204" pitchFamily="34" charset="0"/>
+                        <a:cs typeface="Helvetica" panose="020B0604020202020204" pitchFamily="34" charset="0"/>
+                      </a:endParaRPr>
+                    </a:p>
+                  </a:txBody>
+                  <a:tcPr anchor="ctr">
+                    <a:lnL w="28575" cap="flat" cmpd="sng" algn="ctr">
+                      <a:solidFill>
+                        <a:schemeClr val="accent2">
+                          <a:lumMod val="50000"/>
+                        </a:schemeClr>
+                      </a:solidFill>
+                      <a:prstDash val="solid"/>
+                      <a:round/>
+                      <a:headEnd type="none" w="med" len="med"/>
+                      <a:tailEnd type="none" w="med" len="med"/>
+                    </a:lnL>
+                    <a:lnR w="28575" cap="flat" cmpd="sng" algn="ctr">
+                      <a:solidFill>
+                        <a:schemeClr val="accent2">
+                          <a:lumMod val="50000"/>
+                        </a:schemeClr>
+                      </a:solidFill>
+                      <a:prstDash val="solid"/>
+                      <a:round/>
+                      <a:headEnd type="none" w="med" len="med"/>
+                      <a:tailEnd type="none" w="med" len="med"/>
+                    </a:lnR>
+                    <a:lnT w="28575" cap="flat" cmpd="sng" algn="ctr">
+                      <a:solidFill>
+                        <a:schemeClr val="accent2">
+                          <a:lumMod val="50000"/>
+                        </a:schemeClr>
+                      </a:solidFill>
+                      <a:prstDash val="solid"/>
+                      <a:round/>
+                      <a:headEnd type="none" w="med" len="med"/>
+                      <a:tailEnd type="none" w="med" len="med"/>
+                    </a:lnT>
+                    <a:lnB w="28575" cap="flat" cmpd="sng" algn="ctr">
+                      <a:solidFill>
+                        <a:schemeClr val="accent2">
+                          <a:lumMod val="50000"/>
+                        </a:schemeClr>
+                      </a:solidFill>
+                      <a:prstDash val="solid"/>
+                      <a:round/>
+                      <a:headEnd type="none" w="med" len="med"/>
+                      <a:tailEnd type="none" w="med" len="med"/>
+                    </a:lnB>
+                    <a:solidFill>
+                      <a:schemeClr val="accent2">
+                        <a:lumMod val="20000"/>
+                        <a:lumOff val="80000"/>
+                      </a:schemeClr>
+                    </a:solidFill>
+                  </a:tcPr>
+                </a:tc>
+                <a:extLst>
+                  <a:ext uri="{0D108BD9-81ED-4DB2-BD59-A6C34878D82A}">
+                    <a16:rowId xmlns:a16="http://schemas.microsoft.com/office/drawing/2014/main" val="3524706640"/>
+                  </a:ext>
+                </a:extLst>
+              </a:tr>
+            </a:tbl>
+          </a:graphicData>
+        </a:graphic>
+      </p:graphicFrame>
+      <mc:AlternateContent xmlns:mc="http://schemas.openxmlformats.org/markup-compatibility/2006">
+        <mc:Choice xmlns:a14="http://schemas.microsoft.com/office/drawing/2010/main" Requires="a14">
+          <p:sp>
+            <p:nvSpPr>
+              <p:cNvPr id="8" name="TextBox 7"/>
+              <p:cNvSpPr txBox="1"/>
+              <p:nvPr/>
+            </p:nvSpPr>
+            <p:spPr>
+              <a:xfrm>
+                <a:off x="9231376" y="5337145"/>
+                <a:ext cx="822341" cy="1015663"/>
+              </a:xfrm>
+              <a:prstGeom prst="rect">
+                <a:avLst/>
+              </a:prstGeom>
+              <a:noFill/>
+            </p:spPr>
+            <p:txBody>
+              <a:bodyPr wrap="none" lIns="0" tIns="0" rIns="0" bIns="0" rtlCol="0">
+                <a:spAutoFit/>
+              </a:bodyPr>
+              <a:lstStyle/>
+              <a:p>
+                <a14:m>
+                  <m:oMathPara xmlns:m="http://schemas.openxmlformats.org/officeDocument/2006/math">
+                    <m:oMathParaPr>
+                      <m:jc m:val="centerGroup"/>
+                    </m:oMathParaPr>
+                    <m:oMath xmlns:m="http://schemas.openxmlformats.org/officeDocument/2006/math">
+                      <m:r>
+                        <a:rPr lang="en-US" sz="6600" b="0" i="1" smtClean="0">
+                          <a:latin typeface="Cambria Math" panose="02040503050406030204" pitchFamily="18" charset="0"/>
+                        </a:rPr>
+                        <m:t>=</m:t>
+                      </m:r>
+                    </m:oMath>
+                  </m:oMathPara>
+                </a14:m>
+                <a:endParaRPr lang="en-US" sz="6600" dirty="0"/>
+              </a:p>
+            </p:txBody>
+          </p:sp>
+        </mc:Choice>
+        <mc:Fallback>
+          <p:sp>
+            <p:nvSpPr>
+              <p:cNvPr id="8" name="TextBox 7"/>
+              <p:cNvSpPr txBox="1">
+                <a:spLocks noRot="1" noChangeAspect="1" noMove="1" noResize="1" noEditPoints="1" noAdjustHandles="1" noChangeArrowheads="1" noChangeShapeType="1" noTextEdit="1"/>
+              </p:cNvSpPr>
+              <p:nvPr/>
+            </p:nvSpPr>
+            <p:spPr>
+              <a:xfrm>
+                <a:off x="9231376" y="5337145"/>
+                <a:ext cx="822341" cy="1015663"/>
+              </a:xfrm>
+              <a:prstGeom prst="rect">
+                <a:avLst/>
+              </a:prstGeom>
+              <a:blipFill>
+                <a:blip r:embed="rId3"/>
+                <a:stretch>
+                  <a:fillRect/>
+                </a:stretch>
+              </a:blipFill>
+            </p:spPr>
+            <p:txBody>
+              <a:bodyPr/>
+              <a:lstStyle/>
+              <a:p>
+                <a:r>
+                  <a:rPr lang="en-US">
+                    <a:noFill/>
+                  </a:rPr>
+                  <a:t> </a:t>
+                </a:r>
+              </a:p>
+            </p:txBody>
+          </p:sp>
+        </mc:Fallback>
+      </mc:AlternateContent>
+      <p:graphicFrame>
+        <p:nvGraphicFramePr>
+          <p:cNvPr id="9" name="Table 8"/>
+          <p:cNvGraphicFramePr>
+            <a:graphicFrameLocks noGrp="1"/>
+          </p:cNvGraphicFramePr>
+          <p:nvPr>
+            <p:extLst>
+              <p:ext uri="{D42A27DB-BD31-4B8C-83A1-F6EECF244321}">
+                <p14:modId xmlns:p14="http://schemas.microsoft.com/office/powerpoint/2010/main" val="1566281551"/>
+              </p:ext>
+            </p:extLst>
+          </p:nvPr>
+        </p:nvGraphicFramePr>
+        <p:xfrm>
+          <a:off x="10188455" y="4764977"/>
+          <a:ext cx="2160000" cy="2160000"/>
+        </p:xfrm>
+        <a:graphic>
+          <a:graphicData uri="http://schemas.openxmlformats.org/drawingml/2006/table">
+            <a:tbl>
+              <a:tblPr firstRow="1" bandRow="1">
+                <a:solidFill>
+                  <a:schemeClr val="bg1"/>
+                </a:solidFill>
+                <a:tableStyleId>{5940675A-B579-460E-94D1-54222C63F5DA}</a:tableStyleId>
+              </a:tblPr>
+              <a:tblGrid>
+                <a:gridCol w="720000">
+                  <a:extLst>
+                    <a:ext uri="{9D8B030D-6E8A-4147-A177-3AD203B41FA5}">
+                      <a16:colId xmlns:a16="http://schemas.microsoft.com/office/drawing/2014/main" val="4114053830"/>
+                    </a:ext>
+                  </a:extLst>
+                </a:gridCol>
+                <a:gridCol w="720000">
+                  <a:extLst>
+                    <a:ext uri="{9D8B030D-6E8A-4147-A177-3AD203B41FA5}">
+                      <a16:colId xmlns:a16="http://schemas.microsoft.com/office/drawing/2014/main" val="1095245153"/>
+                    </a:ext>
+                  </a:extLst>
+                </a:gridCol>
+                <a:gridCol w="720000">
+                  <a:extLst>
+                    <a:ext uri="{9D8B030D-6E8A-4147-A177-3AD203B41FA5}">
+                      <a16:colId xmlns:a16="http://schemas.microsoft.com/office/drawing/2014/main" val="3706941923"/>
+                    </a:ext>
+                  </a:extLst>
+                </a:gridCol>
+              </a:tblGrid>
+              <a:tr h="720000">
+                <a:tc>
+                  <a:txBody>
+                    <a:bodyPr/>
+                    <a:lstStyle/>
+                    <a:p>
+                      <a:pPr algn="ctr"/>
+                      <a:r>
+                        <a:rPr lang="en-US" sz="3200" b="1" dirty="0" smtClean="0">
+                          <a:latin typeface="Helvetica" panose="020B0604020202020204" pitchFamily="34" charset="0"/>
+                          <a:cs typeface="Helvetica" panose="020B0604020202020204" pitchFamily="34" charset="0"/>
+                        </a:rPr>
+                        <a:t>4</a:t>
+                      </a:r>
+                      <a:endParaRPr lang="en-US" sz="3200" b="1" dirty="0">
+                        <a:latin typeface="Helvetica" panose="020B0604020202020204" pitchFamily="34" charset="0"/>
+                        <a:cs typeface="Helvetica" panose="020B0604020202020204" pitchFamily="34" charset="0"/>
+                      </a:endParaRPr>
+                    </a:p>
+                  </a:txBody>
+                  <a:tcPr anchor="ctr">
+                    <a:lnL w="28575" cap="flat" cmpd="sng" algn="ctr">
+                      <a:solidFill>
+                        <a:srgbClr val="C00000"/>
+                      </a:solidFill>
+                      <a:prstDash val="solid"/>
+                      <a:round/>
+                      <a:headEnd type="none" w="med" len="med"/>
+                      <a:tailEnd type="none" w="med" len="med"/>
+                    </a:lnL>
+                    <a:lnR w="28575" cap="flat" cmpd="sng" algn="ctr">
+                      <a:solidFill>
+                        <a:srgbClr val="C00000"/>
+                      </a:solidFill>
+                      <a:prstDash val="solid"/>
+                      <a:round/>
+                      <a:headEnd type="none" w="med" len="med"/>
+                      <a:tailEnd type="none" w="med" len="med"/>
+                    </a:lnR>
+                    <a:lnT w="28575" cap="flat" cmpd="sng" algn="ctr">
+                      <a:solidFill>
+                        <a:srgbClr val="C00000"/>
+                      </a:solidFill>
+                      <a:prstDash val="solid"/>
+                      <a:round/>
+                      <a:headEnd type="none" w="med" len="med"/>
+                      <a:tailEnd type="none" w="med" len="med"/>
+                    </a:lnT>
+                    <a:lnB w="28575" cap="flat" cmpd="sng" algn="ctr">
+                      <a:solidFill>
+                        <a:srgbClr val="C00000"/>
+                      </a:solidFill>
+                      <a:prstDash val="solid"/>
+                      <a:round/>
+                      <a:headEnd type="none" w="med" len="med"/>
+                      <a:tailEnd type="none" w="med" len="med"/>
+                    </a:lnB>
+                    <a:solidFill>
+                      <a:schemeClr val="bg1">
+                        <a:lumMod val="95000"/>
+                      </a:schemeClr>
+                    </a:solidFill>
+                  </a:tcPr>
+                </a:tc>
+                <a:tc>
+                  <a:txBody>
+                    <a:bodyPr/>
+                    <a:lstStyle/>
+                    <a:p>
+                      <a:pPr algn="ctr"/>
+                      <a:r>
+                        <a:rPr lang="en-US" sz="3200" b="1" dirty="0" smtClean="0">
+                          <a:latin typeface="Helvetica" panose="020B0604020202020204" pitchFamily="34" charset="0"/>
+                          <a:cs typeface="Helvetica" panose="020B0604020202020204" pitchFamily="34" charset="0"/>
+                        </a:rPr>
+                        <a:t>3</a:t>
+                      </a:r>
+                      <a:endParaRPr lang="en-US" sz="3200" b="1" dirty="0">
+                        <a:latin typeface="Helvetica" panose="020B0604020202020204" pitchFamily="34" charset="0"/>
+                        <a:cs typeface="Helvetica" panose="020B0604020202020204" pitchFamily="34" charset="0"/>
+                      </a:endParaRPr>
+                    </a:p>
+                  </a:txBody>
+                  <a:tcPr anchor="ctr">
+                    <a:lnL w="28575" cap="flat" cmpd="sng" algn="ctr">
+                      <a:solidFill>
+                        <a:srgbClr val="C00000"/>
+                      </a:solidFill>
+                      <a:prstDash val="solid"/>
+                      <a:round/>
+                      <a:headEnd type="none" w="med" len="med"/>
+                      <a:tailEnd type="none" w="med" len="med"/>
+                    </a:lnL>
+                    <a:lnR w="28575" cap="flat" cmpd="sng" algn="ctr">
+                      <a:solidFill>
+                        <a:srgbClr val="C00000"/>
+                      </a:solidFill>
+                      <a:prstDash val="solid"/>
+                      <a:round/>
+                      <a:headEnd type="none" w="med" len="med"/>
+                      <a:tailEnd type="none" w="med" len="med"/>
+                    </a:lnR>
+                    <a:lnT w="28575" cap="flat" cmpd="sng" algn="ctr">
+                      <a:solidFill>
+                        <a:srgbClr val="C00000"/>
+                      </a:solidFill>
+                      <a:prstDash val="solid"/>
+                      <a:round/>
+                      <a:headEnd type="none" w="med" len="med"/>
+                      <a:tailEnd type="none" w="med" len="med"/>
+                    </a:lnT>
+                    <a:lnB w="28575" cap="flat" cmpd="sng" algn="ctr">
+                      <a:solidFill>
+                        <a:srgbClr val="C00000"/>
+                      </a:solidFill>
+                      <a:prstDash val="solid"/>
+                      <a:round/>
+                      <a:headEnd type="none" w="med" len="med"/>
+                      <a:tailEnd type="none" w="med" len="med"/>
+                    </a:lnB>
+                    <a:solidFill>
+                      <a:schemeClr val="bg1">
+                        <a:lumMod val="95000"/>
+                      </a:schemeClr>
+                    </a:solidFill>
+                  </a:tcPr>
+                </a:tc>
+                <a:tc>
+                  <a:txBody>
+                    <a:bodyPr/>
+                    <a:lstStyle/>
+                    <a:p>
+                      <a:pPr algn="ctr"/>
+                      <a:r>
+                        <a:rPr lang="en-US" sz="3200" b="1" dirty="0" smtClean="0">
+                          <a:latin typeface="Helvetica" panose="020B0604020202020204" pitchFamily="34" charset="0"/>
+                          <a:cs typeface="Helvetica" panose="020B0604020202020204" pitchFamily="34" charset="0"/>
+                        </a:rPr>
+                        <a:t>4</a:t>
+                      </a:r>
+                      <a:endParaRPr lang="en-US" sz="3200" b="1" dirty="0">
+                        <a:latin typeface="Helvetica" panose="020B0604020202020204" pitchFamily="34" charset="0"/>
+                        <a:cs typeface="Helvetica" panose="020B0604020202020204" pitchFamily="34" charset="0"/>
+                      </a:endParaRPr>
+                    </a:p>
+                  </a:txBody>
+                  <a:tcPr anchor="ctr">
+                    <a:lnL w="28575" cap="flat" cmpd="sng" algn="ctr">
+                      <a:solidFill>
+                        <a:srgbClr val="C00000"/>
+                      </a:solidFill>
+                      <a:prstDash val="solid"/>
+                      <a:round/>
+                      <a:headEnd type="none" w="med" len="med"/>
+                      <a:tailEnd type="none" w="med" len="med"/>
+                    </a:lnL>
+                    <a:lnR w="28575" cap="flat" cmpd="sng" algn="ctr">
+                      <a:solidFill>
+                        <a:srgbClr val="C00000"/>
+                      </a:solidFill>
+                      <a:prstDash val="solid"/>
+                      <a:round/>
+                      <a:headEnd type="none" w="med" len="med"/>
+                      <a:tailEnd type="none" w="med" len="med"/>
+                    </a:lnR>
+                    <a:lnT w="28575" cap="flat" cmpd="sng" algn="ctr">
+                      <a:solidFill>
+                        <a:srgbClr val="C00000"/>
+                      </a:solidFill>
+                      <a:prstDash val="solid"/>
+                      <a:round/>
+                      <a:headEnd type="none" w="med" len="med"/>
+                      <a:tailEnd type="none" w="med" len="med"/>
+                    </a:lnT>
+                    <a:lnB w="28575" cap="flat" cmpd="sng" algn="ctr">
+                      <a:solidFill>
+                        <a:srgbClr val="C00000"/>
+                      </a:solidFill>
+                      <a:prstDash val="solid"/>
+                      <a:round/>
+                      <a:headEnd type="none" w="med" len="med"/>
+                      <a:tailEnd type="none" w="med" len="med"/>
+                    </a:lnB>
+                    <a:solidFill>
+                      <a:schemeClr val="bg1">
+                        <a:lumMod val="95000"/>
+                      </a:schemeClr>
+                    </a:solidFill>
+                  </a:tcPr>
+                </a:tc>
+                <a:extLst>
+                  <a:ext uri="{0D108BD9-81ED-4DB2-BD59-A6C34878D82A}">
+                    <a16:rowId xmlns:a16="http://schemas.microsoft.com/office/drawing/2014/main" val="3588482904"/>
+                  </a:ext>
+                </a:extLst>
+              </a:tr>
+              <a:tr h="720000">
+                <a:tc>
+                  <a:txBody>
+                    <a:bodyPr/>
+                    <a:lstStyle/>
+                    <a:p>
+                      <a:pPr algn="ctr"/>
+                      <a:r>
+                        <a:rPr lang="en-US" sz="3200" b="1" dirty="0" smtClean="0">
+                          <a:latin typeface="Helvetica" panose="020B0604020202020204" pitchFamily="34" charset="0"/>
+                          <a:cs typeface="Helvetica" panose="020B0604020202020204" pitchFamily="34" charset="0"/>
+                        </a:rPr>
+                        <a:t>2</a:t>
+                      </a:r>
+                      <a:endParaRPr lang="en-US" sz="3200" b="1" dirty="0">
+                        <a:latin typeface="Helvetica" panose="020B0604020202020204" pitchFamily="34" charset="0"/>
+                        <a:cs typeface="Helvetica" panose="020B0604020202020204" pitchFamily="34" charset="0"/>
+                      </a:endParaRPr>
+                    </a:p>
+                  </a:txBody>
+                  <a:tcPr anchor="ctr">
+                    <a:lnL w="28575" cap="flat" cmpd="sng" algn="ctr">
+                      <a:solidFill>
+                        <a:srgbClr val="C00000"/>
+                      </a:solidFill>
+                      <a:prstDash val="solid"/>
+                      <a:round/>
+                      <a:headEnd type="none" w="med" len="med"/>
+                      <a:tailEnd type="none" w="med" len="med"/>
+                    </a:lnL>
+                    <a:lnR w="28575" cap="flat" cmpd="sng" algn="ctr">
+                      <a:solidFill>
+                        <a:srgbClr val="C00000"/>
+                      </a:solidFill>
+                      <a:prstDash val="solid"/>
+                      <a:round/>
+                      <a:headEnd type="none" w="med" len="med"/>
+                      <a:tailEnd type="none" w="med" len="med"/>
+                    </a:lnR>
+                    <a:lnT w="28575" cap="flat" cmpd="sng" algn="ctr">
+                      <a:solidFill>
+                        <a:srgbClr val="C00000"/>
+                      </a:solidFill>
+                      <a:prstDash val="solid"/>
+                      <a:round/>
+                      <a:headEnd type="none" w="med" len="med"/>
+                      <a:tailEnd type="none" w="med" len="med"/>
+                    </a:lnT>
+                    <a:lnB w="28575" cap="flat" cmpd="sng" algn="ctr">
+                      <a:solidFill>
+                        <a:srgbClr val="C00000"/>
+                      </a:solidFill>
+                      <a:prstDash val="solid"/>
+                      <a:round/>
+                      <a:headEnd type="none" w="med" len="med"/>
+                      <a:tailEnd type="none" w="med" len="med"/>
+                    </a:lnB>
+                    <a:solidFill>
+                      <a:schemeClr val="bg1">
+                        <a:lumMod val="95000"/>
+                      </a:schemeClr>
+                    </a:solidFill>
+                  </a:tcPr>
+                </a:tc>
+                <a:tc>
+                  <a:txBody>
+                    <a:bodyPr/>
+                    <a:lstStyle/>
+                    <a:p>
+                      <a:pPr algn="ctr"/>
+                      <a:r>
+                        <a:rPr lang="en-US" sz="3200" b="1" dirty="0" smtClean="0">
+                          <a:latin typeface="Helvetica" panose="020B0604020202020204" pitchFamily="34" charset="0"/>
+                          <a:cs typeface="Helvetica" panose="020B0604020202020204" pitchFamily="34" charset="0"/>
+                        </a:rPr>
+                        <a:t>4</a:t>
+                      </a:r>
+                      <a:endParaRPr lang="en-US" sz="3200" b="1" dirty="0">
+                        <a:latin typeface="Helvetica" panose="020B0604020202020204" pitchFamily="34" charset="0"/>
+                        <a:cs typeface="Helvetica" panose="020B0604020202020204" pitchFamily="34" charset="0"/>
+                      </a:endParaRPr>
+                    </a:p>
+                  </a:txBody>
+                  <a:tcPr anchor="ctr">
+                    <a:lnL w="28575" cap="flat" cmpd="sng" algn="ctr">
+                      <a:solidFill>
+                        <a:srgbClr val="C00000"/>
+                      </a:solidFill>
+                      <a:prstDash val="solid"/>
+                      <a:round/>
+                      <a:headEnd type="none" w="med" len="med"/>
+                      <a:tailEnd type="none" w="med" len="med"/>
+                    </a:lnL>
+                    <a:lnR w="28575" cap="flat" cmpd="sng" algn="ctr">
+                      <a:solidFill>
+                        <a:srgbClr val="C00000"/>
+                      </a:solidFill>
+                      <a:prstDash val="solid"/>
+                      <a:round/>
+                      <a:headEnd type="none" w="med" len="med"/>
+                      <a:tailEnd type="none" w="med" len="med"/>
+                    </a:lnR>
+                    <a:lnT w="28575" cap="flat" cmpd="sng" algn="ctr">
+                      <a:solidFill>
+                        <a:srgbClr val="C00000"/>
+                      </a:solidFill>
+                      <a:prstDash val="solid"/>
+                      <a:round/>
+                      <a:headEnd type="none" w="med" len="med"/>
+                      <a:tailEnd type="none" w="med" len="med"/>
+                    </a:lnT>
+                    <a:lnB w="28575" cap="flat" cmpd="sng" algn="ctr">
+                      <a:solidFill>
+                        <a:srgbClr val="C00000"/>
+                      </a:solidFill>
+                      <a:prstDash val="solid"/>
+                      <a:round/>
+                      <a:headEnd type="none" w="med" len="med"/>
+                      <a:tailEnd type="none" w="med" len="med"/>
+                    </a:lnB>
+                    <a:solidFill>
+                      <a:schemeClr val="bg1">
+                        <a:lumMod val="95000"/>
+                      </a:schemeClr>
+                    </a:solidFill>
+                  </a:tcPr>
+                </a:tc>
+                <a:tc>
+                  <a:txBody>
+                    <a:bodyPr/>
+                    <a:lstStyle/>
+                    <a:p>
+                      <a:pPr algn="ctr"/>
+                      <a:r>
+                        <a:rPr lang="en-US" sz="3200" b="1" dirty="0" smtClean="0">
+                          <a:latin typeface="Helvetica" panose="020B0604020202020204" pitchFamily="34" charset="0"/>
+                          <a:cs typeface="Helvetica" panose="020B0604020202020204" pitchFamily="34" charset="0"/>
+                        </a:rPr>
+                        <a:t>3</a:t>
+                      </a:r>
+                      <a:endParaRPr lang="en-US" sz="3200" b="1" dirty="0">
+                        <a:latin typeface="Helvetica" panose="020B0604020202020204" pitchFamily="34" charset="0"/>
+                        <a:cs typeface="Helvetica" panose="020B0604020202020204" pitchFamily="34" charset="0"/>
+                      </a:endParaRPr>
+                    </a:p>
+                  </a:txBody>
+                  <a:tcPr anchor="ctr">
+                    <a:lnL w="28575" cap="flat" cmpd="sng" algn="ctr">
+                      <a:solidFill>
+                        <a:srgbClr val="C00000"/>
+                      </a:solidFill>
+                      <a:prstDash val="solid"/>
+                      <a:round/>
+                      <a:headEnd type="none" w="med" len="med"/>
+                      <a:tailEnd type="none" w="med" len="med"/>
+                    </a:lnL>
+                    <a:lnR w="28575" cap="flat" cmpd="sng" algn="ctr">
+                      <a:solidFill>
+                        <a:srgbClr val="C00000"/>
+                      </a:solidFill>
+                      <a:prstDash val="solid"/>
+                      <a:round/>
+                      <a:headEnd type="none" w="med" len="med"/>
+                      <a:tailEnd type="none" w="med" len="med"/>
+                    </a:lnR>
+                    <a:lnT w="28575" cap="flat" cmpd="sng" algn="ctr">
+                      <a:solidFill>
+                        <a:srgbClr val="C00000"/>
+                      </a:solidFill>
+                      <a:prstDash val="solid"/>
+                      <a:round/>
+                      <a:headEnd type="none" w="med" len="med"/>
+                      <a:tailEnd type="none" w="med" len="med"/>
+                    </a:lnT>
+                    <a:lnB w="28575" cap="flat" cmpd="sng" algn="ctr">
+                      <a:solidFill>
+                        <a:srgbClr val="C00000"/>
+                      </a:solidFill>
+                      <a:prstDash val="solid"/>
+                      <a:round/>
+                      <a:headEnd type="none" w="med" len="med"/>
+                      <a:tailEnd type="none" w="med" len="med"/>
+                    </a:lnB>
+                    <a:solidFill>
+                      <a:schemeClr val="bg1">
+                        <a:lumMod val="95000"/>
+                      </a:schemeClr>
+                    </a:solidFill>
+                  </a:tcPr>
+                </a:tc>
+                <a:extLst>
+                  <a:ext uri="{0D108BD9-81ED-4DB2-BD59-A6C34878D82A}">
+                    <a16:rowId xmlns:a16="http://schemas.microsoft.com/office/drawing/2014/main" val="3875415838"/>
+                  </a:ext>
+                </a:extLst>
+              </a:tr>
+              <a:tr h="720000">
+                <a:tc>
+                  <a:txBody>
+                    <a:bodyPr/>
+                    <a:lstStyle/>
+                    <a:p>
+                      <a:pPr algn="ctr"/>
+                      <a:r>
+                        <a:rPr lang="en-US" sz="3200" b="1" dirty="0" smtClean="0">
+                          <a:latin typeface="Helvetica" panose="020B0604020202020204" pitchFamily="34" charset="0"/>
+                          <a:cs typeface="Helvetica" panose="020B0604020202020204" pitchFamily="34" charset="0"/>
+                        </a:rPr>
+                        <a:t>2</a:t>
+                      </a:r>
+                      <a:endParaRPr lang="en-US" sz="3200" b="1" dirty="0">
+                        <a:latin typeface="Helvetica" panose="020B0604020202020204" pitchFamily="34" charset="0"/>
+                        <a:cs typeface="Helvetica" panose="020B0604020202020204" pitchFamily="34" charset="0"/>
+                      </a:endParaRPr>
+                    </a:p>
+                  </a:txBody>
+                  <a:tcPr anchor="ctr">
+                    <a:lnL w="28575" cap="flat" cmpd="sng" algn="ctr">
+                      <a:solidFill>
+                        <a:srgbClr val="C00000"/>
+                      </a:solidFill>
+                      <a:prstDash val="solid"/>
+                      <a:round/>
+                      <a:headEnd type="none" w="med" len="med"/>
+                      <a:tailEnd type="none" w="med" len="med"/>
+                    </a:lnL>
+                    <a:lnR w="28575" cap="flat" cmpd="sng" algn="ctr">
+                      <a:solidFill>
+                        <a:srgbClr val="C00000"/>
+                      </a:solidFill>
+                      <a:prstDash val="solid"/>
+                      <a:round/>
+                      <a:headEnd type="none" w="med" len="med"/>
+                      <a:tailEnd type="none" w="med" len="med"/>
+                    </a:lnR>
+                    <a:lnT w="28575" cap="flat" cmpd="sng" algn="ctr">
+                      <a:solidFill>
+                        <a:srgbClr val="C00000"/>
+                      </a:solidFill>
+                      <a:prstDash val="solid"/>
+                      <a:round/>
+                      <a:headEnd type="none" w="med" len="med"/>
+                      <a:tailEnd type="none" w="med" len="med"/>
+                    </a:lnT>
+                    <a:lnB w="28575" cap="flat" cmpd="sng" algn="ctr">
+                      <a:solidFill>
+                        <a:srgbClr val="C00000"/>
+                      </a:solidFill>
+                      <a:prstDash val="solid"/>
+                      <a:round/>
+                      <a:headEnd type="none" w="med" len="med"/>
+                      <a:tailEnd type="none" w="med" len="med"/>
+                    </a:lnB>
+                    <a:solidFill>
+                      <a:schemeClr val="bg1">
+                        <a:lumMod val="95000"/>
+                      </a:schemeClr>
+                    </a:solidFill>
+                  </a:tcPr>
+                </a:tc>
+                <a:tc>
+                  <a:txBody>
+                    <a:bodyPr/>
+                    <a:lstStyle/>
+                    <a:p>
+                      <a:pPr algn="ctr"/>
+                      <a:r>
+                        <a:rPr lang="en-US" sz="3200" b="1" dirty="0" smtClean="0">
+                          <a:latin typeface="Helvetica" panose="020B0604020202020204" pitchFamily="34" charset="0"/>
+                          <a:cs typeface="Helvetica" panose="020B0604020202020204" pitchFamily="34" charset="0"/>
+                        </a:rPr>
+                        <a:t>3</a:t>
+                      </a:r>
+                      <a:endParaRPr lang="en-US" sz="3200" b="1" dirty="0">
+                        <a:latin typeface="Helvetica" panose="020B0604020202020204" pitchFamily="34" charset="0"/>
+                        <a:cs typeface="Helvetica" panose="020B0604020202020204" pitchFamily="34" charset="0"/>
+                      </a:endParaRPr>
+                    </a:p>
+                  </a:txBody>
+                  <a:tcPr anchor="ctr">
+                    <a:lnL w="28575" cap="flat" cmpd="sng" algn="ctr">
+                      <a:solidFill>
+                        <a:srgbClr val="C00000"/>
+                      </a:solidFill>
+                      <a:prstDash val="solid"/>
+                      <a:round/>
+                      <a:headEnd type="none" w="med" len="med"/>
+                      <a:tailEnd type="none" w="med" len="med"/>
+                    </a:lnL>
+                    <a:lnR w="28575" cap="flat" cmpd="sng" algn="ctr">
+                      <a:solidFill>
+                        <a:srgbClr val="C00000"/>
+                      </a:solidFill>
+                      <a:prstDash val="solid"/>
+                      <a:round/>
+                      <a:headEnd type="none" w="med" len="med"/>
+                      <a:tailEnd type="none" w="med" len="med"/>
+                    </a:lnR>
+                    <a:lnT w="28575" cap="flat" cmpd="sng" algn="ctr">
+                      <a:solidFill>
+                        <a:srgbClr val="C00000"/>
+                      </a:solidFill>
+                      <a:prstDash val="solid"/>
+                      <a:round/>
+                      <a:headEnd type="none" w="med" len="med"/>
+                      <a:tailEnd type="none" w="med" len="med"/>
+                    </a:lnT>
+                    <a:lnB w="28575" cap="flat" cmpd="sng" algn="ctr">
+                      <a:solidFill>
+                        <a:srgbClr val="C00000"/>
+                      </a:solidFill>
+                      <a:prstDash val="solid"/>
+                      <a:round/>
+                      <a:headEnd type="none" w="med" len="med"/>
+                      <a:tailEnd type="none" w="med" len="med"/>
+                    </a:lnB>
+                    <a:solidFill>
+                      <a:schemeClr val="bg1">
+                        <a:lumMod val="95000"/>
+                      </a:schemeClr>
+                    </a:solidFill>
+                  </a:tcPr>
+                </a:tc>
+                <a:tc>
+                  <a:txBody>
+                    <a:bodyPr/>
+                    <a:lstStyle/>
+                    <a:p>
+                      <a:pPr algn="ctr"/>
+                      <a:r>
+                        <a:rPr lang="en-US" sz="3200" b="1" dirty="0" smtClean="0">
+                          <a:latin typeface="Helvetica" panose="020B0604020202020204" pitchFamily="34" charset="0"/>
+                          <a:cs typeface="Helvetica" panose="020B0604020202020204" pitchFamily="34" charset="0"/>
+                        </a:rPr>
+                        <a:t>4</a:t>
+                      </a:r>
+                      <a:endParaRPr lang="en-US" sz="3200" b="1" dirty="0">
+                        <a:latin typeface="Helvetica" panose="020B0604020202020204" pitchFamily="34" charset="0"/>
+                        <a:cs typeface="Helvetica" panose="020B0604020202020204" pitchFamily="34" charset="0"/>
+                      </a:endParaRPr>
+                    </a:p>
+                  </a:txBody>
+                  <a:tcPr anchor="ctr">
+                    <a:lnL w="28575" cap="flat" cmpd="sng" algn="ctr">
+                      <a:solidFill>
+                        <a:srgbClr val="C00000"/>
+                      </a:solidFill>
+                      <a:prstDash val="solid"/>
+                      <a:round/>
+                      <a:headEnd type="none" w="med" len="med"/>
+                      <a:tailEnd type="none" w="med" len="med"/>
+                    </a:lnL>
+                    <a:lnR w="28575" cap="flat" cmpd="sng" algn="ctr">
+                      <a:solidFill>
+                        <a:srgbClr val="C00000"/>
+                      </a:solidFill>
+                      <a:prstDash val="solid"/>
+                      <a:round/>
+                      <a:headEnd type="none" w="med" len="med"/>
+                      <a:tailEnd type="none" w="med" len="med"/>
+                    </a:lnR>
+                    <a:lnT w="28575" cap="flat" cmpd="sng" algn="ctr">
+                      <a:solidFill>
+                        <a:srgbClr val="C00000"/>
+                      </a:solidFill>
+                      <a:prstDash val="solid"/>
+                      <a:round/>
+                      <a:headEnd type="none" w="med" len="med"/>
+                      <a:tailEnd type="none" w="med" len="med"/>
+                    </a:lnT>
+                    <a:lnB w="28575" cap="flat" cmpd="sng" algn="ctr">
+                      <a:solidFill>
+                        <a:srgbClr val="C00000"/>
+                      </a:solidFill>
+                      <a:prstDash val="solid"/>
+                      <a:round/>
+                      <a:headEnd type="none" w="med" len="med"/>
+                      <a:tailEnd type="none" w="med" len="med"/>
+                    </a:lnB>
+                    <a:solidFill>
+                      <a:schemeClr val="bg1">
+                        <a:lumMod val="95000"/>
+                      </a:schemeClr>
+                    </a:solidFill>
+                  </a:tcPr>
+                </a:tc>
+                <a:extLst>
+                  <a:ext uri="{0D108BD9-81ED-4DB2-BD59-A6C34878D82A}">
+                    <a16:rowId xmlns:a16="http://schemas.microsoft.com/office/drawing/2014/main" val="3524706640"/>
+                  </a:ext>
+                </a:extLst>
+              </a:tr>
+            </a:tbl>
+          </a:graphicData>
+        </a:graphic>
+      </p:graphicFrame>
+      <p:sp>
+        <p:nvSpPr>
+          <p:cNvPr id="10" name="TextBox 9"/>
+          <p:cNvSpPr txBox="1"/>
+          <p:nvPr/>
+        </p:nvSpPr>
+        <p:spPr>
+          <a:xfrm>
+            <a:off x="3558069" y="7750968"/>
+            <a:ext cx="1419140" cy="523220"/>
+          </a:xfrm>
+          <a:prstGeom prst="rect">
+            <a:avLst/>
+          </a:prstGeom>
+          <a:noFill/>
+        </p:spPr>
+        <p:txBody>
+          <a:bodyPr wrap="square" rtlCol="0" anchor="ctr">
+            <a:spAutoFit/>
+          </a:bodyPr>
+          <a:lstStyle/>
+          <a:p>
+            <a:pPr algn="ctr"/>
+            <a:r>
+              <a:rPr lang="en-US" sz="2800" b="1" dirty="0" smtClean="0">
+                <a:solidFill>
+                  <a:schemeClr val="accent5">
+                    <a:lumMod val="50000"/>
+                  </a:schemeClr>
+                </a:solidFill>
+                <a:latin typeface="Helvetica" panose="020B0604020202020204" pitchFamily="34" charset="0"/>
+                <a:cs typeface="Helvetica" panose="020B0604020202020204" pitchFamily="34" charset="0"/>
+              </a:rPr>
+              <a:t>INPUT</a:t>
+            </a:r>
+            <a:endParaRPr lang="en-US" sz="2800" b="1" dirty="0">
+              <a:solidFill>
+                <a:schemeClr val="accent5">
+                  <a:lumMod val="50000"/>
+                </a:schemeClr>
+              </a:solidFill>
+              <a:latin typeface="Helvetica" panose="020B0604020202020204" pitchFamily="34" charset="0"/>
+              <a:cs typeface="Helvetica" panose="020B0604020202020204" pitchFamily="34" charset="0"/>
+            </a:endParaRPr>
+          </a:p>
+        </p:txBody>
+      </p:sp>
+      <p:sp>
+        <p:nvSpPr>
+          <p:cNvPr id="11" name="TextBox 10"/>
+          <p:cNvSpPr txBox="1"/>
+          <p:nvPr/>
+        </p:nvSpPr>
+        <p:spPr>
+          <a:xfrm>
+            <a:off x="7307068" y="7765822"/>
+            <a:ext cx="1419140" cy="523220"/>
+          </a:xfrm>
+          <a:prstGeom prst="rect">
+            <a:avLst/>
+          </a:prstGeom>
+          <a:noFill/>
+        </p:spPr>
+        <p:txBody>
+          <a:bodyPr wrap="square" rtlCol="0" anchor="ctr">
+            <a:spAutoFit/>
+          </a:bodyPr>
+          <a:lstStyle/>
+          <a:p>
+            <a:pPr algn="ctr"/>
+            <a:r>
+              <a:rPr lang="en-US" sz="2800" b="1" dirty="0" smtClean="0">
+                <a:solidFill>
+                  <a:schemeClr val="accent2">
+                    <a:lumMod val="50000"/>
+                  </a:schemeClr>
+                </a:solidFill>
+                <a:latin typeface="Helvetica" panose="020B0604020202020204" pitchFamily="34" charset="0"/>
+                <a:cs typeface="Helvetica" panose="020B0604020202020204" pitchFamily="34" charset="0"/>
+              </a:rPr>
+              <a:t>FILTER</a:t>
+            </a:r>
+            <a:endParaRPr lang="en-US" sz="2800" b="1" dirty="0">
+              <a:solidFill>
+                <a:schemeClr val="accent2">
+                  <a:lumMod val="50000"/>
+                </a:schemeClr>
+              </a:solidFill>
+              <a:latin typeface="Helvetica" panose="020B0604020202020204" pitchFamily="34" charset="0"/>
+              <a:cs typeface="Helvetica" panose="020B0604020202020204" pitchFamily="34" charset="0"/>
+            </a:endParaRPr>
+          </a:p>
+        </p:txBody>
+      </p:sp>
+      <p:sp>
+        <p:nvSpPr>
+          <p:cNvPr id="12" name="TextBox 11"/>
+          <p:cNvSpPr txBox="1"/>
+          <p:nvPr/>
+        </p:nvSpPr>
+        <p:spPr>
+          <a:xfrm>
+            <a:off x="9642546" y="7765822"/>
+            <a:ext cx="3505458" cy="523220"/>
+          </a:xfrm>
+          <a:prstGeom prst="rect">
+            <a:avLst/>
+          </a:prstGeom>
+          <a:noFill/>
+        </p:spPr>
+        <p:txBody>
+          <a:bodyPr wrap="square" rtlCol="0" anchor="ctr">
+            <a:spAutoFit/>
+          </a:bodyPr>
+          <a:lstStyle/>
+          <a:p>
+            <a:pPr algn="ctr"/>
+            <a:r>
+              <a:rPr lang="en-US" sz="2800" b="1" dirty="0" smtClean="0">
+                <a:solidFill>
+                  <a:srgbClr val="C00000"/>
+                </a:solidFill>
+                <a:latin typeface="Helvetica" panose="020B0604020202020204" pitchFamily="34" charset="0"/>
+                <a:cs typeface="Helvetica" panose="020B0604020202020204" pitchFamily="34" charset="0"/>
+              </a:rPr>
+              <a:t>ACTIVATION MAP</a:t>
+            </a:r>
+            <a:endParaRPr lang="en-US" sz="2800" b="1" dirty="0">
+              <a:solidFill>
+                <a:srgbClr val="C00000"/>
+              </a:solidFill>
+              <a:latin typeface="Helvetica" panose="020B0604020202020204" pitchFamily="34" charset="0"/>
+              <a:cs typeface="Helvetica" panose="020B0604020202020204" pitchFamily="34" charset="0"/>
+            </a:endParaRPr>
+          </a:p>
+        </p:txBody>
+      </p:sp>
+    </p:spTree>
+    <p:extLst>
+      <p:ext uri="{BB962C8B-B14F-4D97-AF65-F5344CB8AC3E}">
+        <p14:creationId xmlns:p14="http://schemas.microsoft.com/office/powerpoint/2010/main" val="3188634325"/>
+      </p:ext>
+    </p:extLst>
+  </p:cSld>
+  <p:clrMapOvr>
+    <a:masterClrMapping/>
+  </p:clrMapOvr>
+</p:sld>
+</file>
+
 <file path=ppt/theme/theme1.xml><?xml version="1.0" encoding="utf-8"?>
 <a:theme xmlns:a="http://schemas.openxmlformats.org/drawingml/2006/main" name="Office Theme">
   <a:themeElements>

--- a/figs/figures.pptx
+++ b/figs/figures.pptx
@@ -2989,8 +2989,8 @@
         </p:nvSpPr>
         <p:spPr>
           <a:xfrm>
-            <a:off x="9259186" y="515144"/>
-            <a:ext cx="1178351" cy="1117470"/>
+            <a:off x="9183769" y="515144"/>
+            <a:ext cx="1329178" cy="1117470"/>
           </a:xfrm>
           <a:prstGeom prst="foldedCorner">
             <a:avLst/>
@@ -3022,7 +3022,8 @@
             <a:pPr algn="ctr"/>
             <a:r>
               <a:rPr lang="en-US" sz="2000" dirty="0">
-                <a:cs typeface="Times New Roman" panose="02020603050405020304" pitchFamily="18" charset="0"/>
+                <a:latin typeface="Helvetica" panose="020B0604020202020204" pitchFamily="34" charset="0"/>
+                <a:cs typeface="Helvetica" panose="020B0604020202020204" pitchFamily="34" charset="0"/>
               </a:rPr>
               <a:t>Commit message</a:t>
             </a:r>
@@ -3069,7 +3070,10 @@
           <a:p>
             <a:pPr algn="ctr"/>
             <a:r>
-              <a:rPr lang="en-US" sz="2000" dirty="0"/>
+              <a:rPr lang="en-US" sz="2000" dirty="0">
+                <a:latin typeface="Helvetica" panose="020B0604020202020204" pitchFamily="34" charset="0"/>
+                <a:cs typeface="Helvetica" panose="020B0604020202020204" pitchFamily="34" charset="0"/>
+              </a:rPr>
               <a:t>Code changes</a:t>
             </a:r>
           </a:p>
@@ -3201,7 +3205,10 @@
           <a:p>
             <a:pPr algn="ctr"/>
             <a:r>
-              <a:rPr lang="en-US" sz="2000" dirty="0"/>
+              <a:rPr lang="en-US" sz="2000" dirty="0">
+                <a:latin typeface="Helvetica" panose="020B0604020202020204" pitchFamily="34" charset="0"/>
+                <a:cs typeface="Helvetica" panose="020B0604020202020204" pitchFamily="34" charset="0"/>
+              </a:rPr>
               <a:t>Encoding</a:t>
             </a:r>
           </a:p>
@@ -3247,7 +3254,10 @@
           <a:p>
             <a:pPr algn="ctr"/>
             <a:r>
-              <a:rPr lang="en-US" sz="2000" dirty="0"/>
+              <a:rPr lang="en-US" sz="2000" dirty="0">
+                <a:latin typeface="Helvetica" panose="020B0604020202020204" pitchFamily="34" charset="0"/>
+                <a:cs typeface="Helvetica" panose="020B0604020202020204" pitchFamily="34" charset="0"/>
+              </a:rPr>
               <a:t>Encoding</a:t>
             </a:r>
           </a:p>
@@ -3347,8 +3357,8 @@
         </p:nvSpPr>
         <p:spPr>
           <a:xfrm>
-            <a:off x="8531227" y="4069585"/>
-            <a:ext cx="2644937" cy="733868"/>
+            <a:off x="8403771" y="4069585"/>
+            <a:ext cx="2772393" cy="733868"/>
           </a:xfrm>
           <a:prstGeom prst="rect">
             <a:avLst/>
@@ -3379,7 +3389,10 @@
           <a:p>
             <a:pPr algn="ctr"/>
             <a:r>
-              <a:rPr lang="en-US" sz="2000" dirty="0"/>
+              <a:rPr lang="en-US" sz="2000" dirty="0">
+                <a:latin typeface="Helvetica" panose="020B0604020202020204" pitchFamily="34" charset="0"/>
+                <a:cs typeface="Helvetica" panose="020B0604020202020204" pitchFamily="34" charset="0"/>
+              </a:rPr>
               <a:t>Convolutional network for natural language </a:t>
             </a:r>
           </a:p>
@@ -3393,8 +3406,8 @@
         </p:nvSpPr>
         <p:spPr>
           <a:xfrm>
-            <a:off x="11349219" y="4078860"/>
-            <a:ext cx="2644937" cy="733868"/>
+            <a:off x="11347160" y="4078860"/>
+            <a:ext cx="2758667" cy="733868"/>
           </a:xfrm>
           <a:prstGeom prst="rect">
             <a:avLst/>
@@ -3425,7 +3438,10 @@
           <a:p>
             <a:pPr algn="ctr"/>
             <a:r>
-              <a:rPr lang="en-US" sz="2000" dirty="0"/>
+              <a:rPr lang="en-US" sz="2000" dirty="0">
+                <a:latin typeface="Helvetica" panose="020B0604020202020204" pitchFamily="34" charset="0"/>
+                <a:cs typeface="Helvetica" panose="020B0604020202020204" pitchFamily="34" charset="0"/>
+              </a:rPr>
               <a:t>Convolutional network for code changes</a:t>
             </a:r>
           </a:p>
@@ -3525,8 +3541,8 @@
         </p:nvSpPr>
         <p:spPr>
           <a:xfrm>
-            <a:off x="8570636" y="5774714"/>
-            <a:ext cx="5423519" cy="468130"/>
+            <a:off x="8403771" y="5774714"/>
+            <a:ext cx="5702055" cy="468130"/>
           </a:xfrm>
           <a:prstGeom prst="rect">
             <a:avLst/>
@@ -3557,7 +3573,10 @@
           <a:p>
             <a:pPr algn="ctr"/>
             <a:r>
-              <a:rPr lang="en-US" sz="2000" dirty="0"/>
+              <a:rPr lang="en-US" sz="2000" dirty="0">
+                <a:latin typeface="Helvetica" panose="020B0604020202020204" pitchFamily="34" charset="0"/>
+                <a:cs typeface="Helvetica" panose="020B0604020202020204" pitchFamily="34" charset="0"/>
+              </a:rPr>
               <a:t>Fully connected network for feature fusion</a:t>
             </a:r>
           </a:p>
@@ -3646,7 +3665,10 @@
           <a:p>
             <a:pPr algn="ctr"/>
             <a:r>
-              <a:rPr lang="en-US" sz="2000" dirty="0"/>
+              <a:rPr lang="en-US" sz="2000" dirty="0">
+                <a:latin typeface="Helvetica" panose="020B0604020202020204" pitchFamily="34" charset="0"/>
+                <a:cs typeface="Helvetica" panose="020B0604020202020204" pitchFamily="34" charset="0"/>
+              </a:rPr>
               <a:t>Output</a:t>
             </a:r>
           </a:p>
@@ -3764,7 +3786,10 @@
           <a:p>
             <a:pPr algn="ctr"/>
             <a:r>
-              <a:rPr lang="en-US" dirty="0"/>
+              <a:rPr lang="en-US" dirty="0">
+                <a:latin typeface="Helvetica" panose="020B0604020202020204" pitchFamily="34" charset="0"/>
+                <a:cs typeface="Helvetica" panose="020B0604020202020204" pitchFamily="34" charset="0"/>
+              </a:rPr>
               <a:t>Feature extraction</a:t>
             </a:r>
           </a:p>
@@ -3826,7 +3851,7 @@
         <p:spPr>
           <a:xfrm>
             <a:off x="14968515" y="2343494"/>
-            <a:ext cx="1193853" cy="369332"/>
+            <a:ext cx="1261884" cy="369332"/>
           </a:xfrm>
           <a:prstGeom prst="rect">
             <a:avLst/>
@@ -3839,7 +3864,10 @@
           <a:lstStyle/>
           <a:p>
             <a:r>
-              <a:rPr lang="en-US" dirty="0"/>
+              <a:rPr lang="en-US" dirty="0">
+                <a:latin typeface="Helvetica" panose="020B0604020202020204" pitchFamily="34" charset="0"/>
+                <a:cs typeface="Helvetica" panose="020B0604020202020204" pitchFamily="34" charset="0"/>
+              </a:rPr>
               <a:t>Input layer</a:t>
             </a:r>
           </a:p>
@@ -3915,7 +3943,10 @@
           <a:p>
             <a:pPr algn="ctr"/>
             <a:r>
-              <a:rPr lang="en-US" dirty="0"/>
+              <a:rPr lang="en-US" dirty="0">
+                <a:latin typeface="Helvetica" panose="020B0604020202020204" pitchFamily="34" charset="0"/>
+                <a:cs typeface="Helvetica" panose="020B0604020202020204" pitchFamily="34" charset="0"/>
+              </a:rPr>
               <a:t>Feature combination</a:t>
             </a:r>
           </a:p>
@@ -3977,7 +4008,7 @@
         <p:spPr>
           <a:xfrm>
             <a:off x="14882752" y="7204830"/>
-            <a:ext cx="1365374" cy="369332"/>
+            <a:ext cx="1441420" cy="369332"/>
           </a:xfrm>
           <a:prstGeom prst="rect">
             <a:avLst/>
@@ -3990,7 +4021,10 @@
           <a:lstStyle/>
           <a:p>
             <a:r>
-              <a:rPr lang="en-US" dirty="0"/>
+              <a:rPr lang="en-US" dirty="0">
+                <a:latin typeface="Helvetica" panose="020B0604020202020204" pitchFamily="34" charset="0"/>
+                <a:cs typeface="Helvetica" panose="020B0604020202020204" pitchFamily="34" charset="0"/>
+              </a:rPr>
               <a:t>Output layer</a:t>
             </a:r>
           </a:p>
@@ -30395,8 +30429,8 @@
           </a:graphicData>
         </a:graphic>
       </p:graphicFrame>
-      <mc:AlternateContent xmlns:mc="http://schemas.openxmlformats.org/markup-compatibility/2006">
-        <mc:Choice xmlns:a14="http://schemas.microsoft.com/office/drawing/2010/main" Requires="a14">
+      <mc:AlternateContent xmlns:mc="http://schemas.openxmlformats.org/markup-compatibility/2006" xmlns:a14="http://schemas.microsoft.com/office/drawing/2010/main">
+        <mc:Choice Requires="a14">
           <p:sp>
             <p:nvSpPr>
               <p:cNvPr id="5" name="TextBox 4"/>
@@ -30419,6 +30453,7 @@
               </a:bodyPr>
               <a:lstStyle/>
               <a:p>
+                <a:pPr/>
                 <a14:m>
                   <m:oMathPara xmlns:m="http://schemas.openxmlformats.org/officeDocument/2006/math">
                     <m:oMathParaPr>
@@ -30439,7 +30474,7 @@
             </p:txBody>
           </p:sp>
         </mc:Choice>
-        <mc:Fallback>
+        <mc:Fallback xmlns="">
           <p:sp>
             <p:nvSpPr>
               <p:cNvPr id="5" name="TextBox 4"/>
@@ -31198,8 +31233,8 @@
           </a:graphicData>
         </a:graphic>
       </p:graphicFrame>
-      <mc:AlternateContent xmlns:mc="http://schemas.openxmlformats.org/markup-compatibility/2006">
-        <mc:Choice xmlns:a14="http://schemas.microsoft.com/office/drawing/2010/main" Requires="a14">
+      <mc:AlternateContent xmlns:mc="http://schemas.openxmlformats.org/markup-compatibility/2006" xmlns:a14="http://schemas.microsoft.com/office/drawing/2010/main">
+        <mc:Choice Requires="a14">
           <p:sp>
             <p:nvSpPr>
               <p:cNvPr id="8" name="TextBox 7"/>
@@ -31222,6 +31257,7 @@
               </a:bodyPr>
               <a:lstStyle/>
               <a:p>
+                <a:pPr/>
                 <a14:m>
                   <m:oMathPara xmlns:m="http://schemas.openxmlformats.org/officeDocument/2006/math">
                     <m:oMathParaPr>
@@ -31242,7 +31278,7 @@
             </p:txBody>
           </p:sp>
         </mc:Choice>
-        <mc:Fallback>
+        <mc:Fallback xmlns="">
           <p:sp>
             <p:nvSpPr>
               <p:cNvPr id="8" name="TextBox 7"/>

--- a/figs/figures.pptx
+++ b/figs/figures.pptx
@@ -15898,8 +15898,21 @@
                 <a:ea typeface="Helvetica" charset="0"/>
                 <a:cs typeface="Helvetica" charset="0"/>
               </a:rPr>
-              <a:t>a max pooling operation</a:t>
+              <a:t>a max pooling </a:t>
             </a:r>
+            <a:r>
+              <a:rPr lang="en-US" sz="1600" dirty="0" smtClean="0">
+                <a:latin typeface="Helvetica" charset="0"/>
+                <a:ea typeface="Helvetica" charset="0"/>
+                <a:cs typeface="Helvetica" charset="0"/>
+              </a:rPr>
+              <a:t>layer</a:t>
+            </a:r>
+            <a:endParaRPr lang="en-US" sz="1600" dirty="0">
+              <a:latin typeface="Helvetica" charset="0"/>
+              <a:ea typeface="Helvetica" charset="0"/>
+              <a:cs typeface="Helvetica" charset="0"/>
+            </a:endParaRPr>
           </a:p>
         </p:txBody>
       </p:sp>
@@ -16374,27 +16387,20 @@
           <a:prstGeom prst="rightArrow">
             <a:avLst/>
           </a:prstGeom>
-          <a:solidFill>
-            <a:schemeClr val="accent5">
-              <a:lumMod val="50000"/>
-            </a:schemeClr>
-          </a:solidFill>
-          <a:ln>
-            <a:noFill/>
-          </a:ln>
+          <a:ln/>
         </p:spPr>
         <p:style>
-          <a:lnRef idx="1">
-            <a:schemeClr val="accent5"/>
+          <a:lnRef idx="2">
+            <a:schemeClr val="dk1"/>
           </a:lnRef>
-          <a:fillRef idx="3">
-            <a:schemeClr val="accent5"/>
+          <a:fillRef idx="1">
+            <a:schemeClr val="lt1"/>
           </a:fillRef>
-          <a:effectRef idx="2">
-            <a:schemeClr val="accent5"/>
+          <a:effectRef idx="0">
+            <a:schemeClr val="dk1"/>
           </a:effectRef>
           <a:fontRef idx="minor">
-            <a:schemeClr val="lt1"/>
+            <a:schemeClr val="dk1"/>
           </a:fontRef>
         </p:style>
         <p:txBody>
@@ -16652,78 +16658,18 @@
           </a:graphicData>
         </a:graphic>
       </p:graphicFrame>
-      <p:sp>
-        <p:nvSpPr>
-          <p:cNvPr id="24" name="TextBox 23"/>
-          <p:cNvSpPr txBox="1"/>
-          <p:nvPr/>
-        </p:nvSpPr>
-        <p:spPr>
-          <a:xfrm>
-            <a:off x="15384993" y="6751450"/>
-            <a:ext cx="1651078" cy="646331"/>
-          </a:xfrm>
-          <a:prstGeom prst="rect">
-            <a:avLst/>
-          </a:prstGeom>
-          <a:noFill/>
-        </p:spPr>
-        <p:txBody>
-          <a:bodyPr wrap="square" rtlCol="0">
-            <a:spAutoFit/>
-          </a:bodyPr>
-          <a:lstStyle/>
-          <a:p>
-            <a:pPr algn="ctr"/>
-            <a:r>
-              <a:rPr lang="en-US" dirty="0">
-                <a:latin typeface="Helvetica" charset="0"/>
-                <a:ea typeface="Helvetica" charset="0"/>
-                <a:cs typeface="Helvetica" charset="0"/>
-              </a:rPr>
-              <a:t>an embedding vector</a:t>
-            </a:r>
-          </a:p>
-        </p:txBody>
-      </p:sp>
-      <p:grpSp>
-        <p:nvGrpSpPr>
-          <p:cNvPr id="27" name="Group 26"/>
-          <p:cNvGrpSpPr/>
-          <p:nvPr/>
-        </p:nvGrpSpPr>
-        <p:grpSpPr>
-          <a:xfrm>
-            <a:off x="10565326" y="5993022"/>
-            <a:ext cx="679450" cy="1869554"/>
-            <a:chOff x="3247196" y="6102646"/>
-            <a:chExt cx="679450" cy="1869554"/>
-          </a:xfrm>
-        </p:grpSpPr>
-        <p:grpSp>
-          <p:nvGrpSpPr>
-            <p:cNvPr id="67" name="Group 66"/>
-            <p:cNvGrpSpPr/>
-            <p:nvPr/>
-          </p:nvGrpSpPr>
-          <p:grpSpPr>
-            <a:xfrm>
-              <a:off x="3247196" y="6102646"/>
-              <a:ext cx="679450" cy="1394765"/>
-              <a:chOff x="4229100" y="4327535"/>
-              <a:chExt cx="679450" cy="1394765"/>
-            </a:xfrm>
-          </p:grpSpPr>
+      <mc:AlternateContent xmlns:mc="http://schemas.openxmlformats.org/markup-compatibility/2006">
+        <mc:Choice xmlns:a14="http://schemas.microsoft.com/office/drawing/2010/main" Requires="a14">
           <p:sp>
             <p:nvSpPr>
-              <p:cNvPr id="64" name="TextBox 63"/>
+              <p:cNvPr id="24" name="TextBox 23"/>
               <p:cNvSpPr txBox="1"/>
               <p:nvPr/>
             </p:nvSpPr>
             <p:spPr>
               <a:xfrm>
-                <a:off x="4229100" y="4327535"/>
-                <a:ext cx="679450" cy="1077218"/>
+                <a:off x="15384993" y="6751450"/>
+                <a:ext cx="1651078" cy="677108"/>
               </a:xfrm>
               <a:prstGeom prst="rect">
                 <a:avLst/>
@@ -16736,193 +16682,106 @@
               </a:bodyPr>
               <a:lstStyle/>
               <a:p>
+                <a:pPr algn="ctr"/>
                 <a:r>
-                  <a:rPr lang="en-US" sz="3200" dirty="0"/>
-                  <a:t>.</a:t>
+                  <a:rPr lang="en-US" dirty="0">
+                    <a:latin typeface="Helvetica" charset="0"/>
+                    <a:ea typeface="Helvetica" charset="0"/>
+                    <a:cs typeface="Helvetica" charset="0"/>
+                  </a:rPr>
+                  <a:t>an embedding </a:t>
                 </a:r>
-              </a:p>
-              <a:p>
-                <a:endParaRPr lang="en-US" sz="3200" dirty="0"/>
+                <a:r>
+                  <a:rPr lang="en-US" dirty="0" smtClean="0">
+                    <a:latin typeface="Helvetica" charset="0"/>
+                    <a:ea typeface="Helvetica" charset="0"/>
+                    <a:cs typeface="Helvetica" charset="0"/>
+                  </a:rPr>
+                  <a:t>vector </a:t>
+                </a:r>
+                <a14:m>
+                  <m:oMath xmlns:m="http://schemas.openxmlformats.org/officeDocument/2006/math">
+                    <m:sSub>
+                      <m:sSubPr>
+                        <m:ctrlPr>
+                          <a:rPr lang="en-US" sz="2000" i="1">
+                            <a:latin typeface="Cambria Math" panose="02040503050406030204" pitchFamily="18" charset="0"/>
+                          </a:rPr>
+                        </m:ctrlPr>
+                      </m:sSubPr>
+                      <m:e>
+                        <m:r>
+                          <m:rPr>
+                            <m:nor/>
+                          </m:rPr>
+                          <a:rPr lang="en-US" sz="2000" b="1">
+                            <a:latin typeface="Cambria Math" panose="02040503050406030204" pitchFamily="18" charset="0"/>
+                          </a:rPr>
+                          <m:t>z</m:t>
+                        </m:r>
+                      </m:e>
+                      <m:sub>
+                        <m:r>
+                          <m:rPr>
+                            <m:nor/>
+                          </m:rPr>
+                          <a:rPr lang="en-US" sz="2000" b="1">
+                            <a:latin typeface="Cambria Math" panose="02040503050406030204" pitchFamily="18" charset="0"/>
+                          </a:rPr>
+                          <m:t>m</m:t>
+                        </m:r>
+                      </m:sub>
+                    </m:sSub>
+                  </m:oMath>
+                </a14:m>
+                <a:endParaRPr lang="en-US" sz="2000" dirty="0">
+                  <a:latin typeface="Helvetica" charset="0"/>
+                  <a:ea typeface="Helvetica" charset="0"/>
+                  <a:cs typeface="Helvetica" charset="0"/>
+                </a:endParaRPr>
               </a:p>
             </p:txBody>
           </p:sp>
+        </mc:Choice>
+        <mc:Fallback>
           <p:sp>
             <p:nvSpPr>
-              <p:cNvPr id="65" name="TextBox 64"/>
-              <p:cNvSpPr txBox="1"/>
+              <p:cNvPr id="24" name="TextBox 23"/>
+              <p:cNvSpPr txBox="1">
+                <a:spLocks noRot="1" noChangeAspect="1" noMove="1" noResize="1" noEditPoints="1" noAdjustHandles="1" noChangeArrowheads="1" noChangeShapeType="1" noTextEdit="1"/>
+              </p:cNvSpPr>
               <p:nvPr/>
             </p:nvSpPr>
             <p:spPr>
               <a:xfrm>
-                <a:off x="4229100" y="4473140"/>
-                <a:ext cx="679450" cy="1077218"/>
+                <a:off x="15384993" y="6751450"/>
+                <a:ext cx="1651078" cy="677108"/>
               </a:xfrm>
               <a:prstGeom prst="rect">
                 <a:avLst/>
               </a:prstGeom>
-              <a:noFill/>
+              <a:blipFill>
+                <a:blip r:embed="rId3"/>
+                <a:stretch>
+                  <a:fillRect l="-2952" t="-5405" r="-5904" b="-13514"/>
+                </a:stretch>
+              </a:blipFill>
             </p:spPr>
             <p:txBody>
-              <a:bodyPr wrap="square" rtlCol="0">
-                <a:spAutoFit/>
-              </a:bodyPr>
+              <a:bodyPr/>
               <a:lstStyle/>
               <a:p>
                 <a:r>
-                  <a:rPr lang="en-US" sz="3200" dirty="0"/>
-                  <a:t>.</a:t>
+                  <a:rPr lang="en-US">
+                    <a:noFill/>
+                  </a:rPr>
+                  <a:t> </a:t>
                 </a:r>
-              </a:p>
-              <a:p>
-                <a:endParaRPr lang="en-US" sz="3200" dirty="0"/>
               </a:p>
             </p:txBody>
           </p:sp>
-          <p:sp>
-            <p:nvSpPr>
-              <p:cNvPr id="66" name="TextBox 65"/>
-              <p:cNvSpPr txBox="1"/>
-              <p:nvPr/>
-            </p:nvSpPr>
-            <p:spPr>
-              <a:xfrm>
-                <a:off x="4229100" y="4645082"/>
-                <a:ext cx="679450" cy="1077218"/>
-              </a:xfrm>
-              <a:prstGeom prst="rect">
-                <a:avLst/>
-              </a:prstGeom>
-              <a:noFill/>
-            </p:spPr>
-            <p:txBody>
-              <a:bodyPr wrap="square" rtlCol="0">
-                <a:spAutoFit/>
-              </a:bodyPr>
-              <a:lstStyle/>
-              <a:p>
-                <a:r>
-                  <a:rPr lang="en-US" sz="3200" dirty="0"/>
-                  <a:t>.</a:t>
-                </a:r>
-              </a:p>
-              <a:p>
-                <a:endParaRPr lang="en-US" sz="3200" dirty="0"/>
-              </a:p>
-            </p:txBody>
-          </p:sp>
-        </p:grpSp>
-        <p:grpSp>
-          <p:nvGrpSpPr>
-            <p:cNvPr id="69" name="Group 68"/>
-            <p:cNvGrpSpPr/>
-            <p:nvPr/>
-          </p:nvGrpSpPr>
-          <p:grpSpPr>
-            <a:xfrm>
-              <a:off x="3247196" y="6577435"/>
-              <a:ext cx="679450" cy="1394765"/>
-              <a:chOff x="4229100" y="4327535"/>
-              <a:chExt cx="679450" cy="1394765"/>
-            </a:xfrm>
-          </p:grpSpPr>
-          <p:sp>
-            <p:nvSpPr>
-              <p:cNvPr id="70" name="TextBox 69"/>
-              <p:cNvSpPr txBox="1"/>
-              <p:nvPr/>
-            </p:nvSpPr>
-            <p:spPr>
-              <a:xfrm>
-                <a:off x="4229100" y="4327535"/>
-                <a:ext cx="679450" cy="1077218"/>
-              </a:xfrm>
-              <a:prstGeom prst="rect">
-                <a:avLst/>
-              </a:prstGeom>
-              <a:noFill/>
-            </p:spPr>
-            <p:txBody>
-              <a:bodyPr wrap="square" rtlCol="0">
-                <a:spAutoFit/>
-              </a:bodyPr>
-              <a:lstStyle/>
-              <a:p>
-                <a:r>
-                  <a:rPr lang="en-US" sz="3200" dirty="0"/>
-                  <a:t>.</a:t>
-                </a:r>
-              </a:p>
-              <a:p>
-                <a:endParaRPr lang="en-US" sz="3200" dirty="0"/>
-              </a:p>
-            </p:txBody>
-          </p:sp>
-          <p:sp>
-            <p:nvSpPr>
-              <p:cNvPr id="71" name="TextBox 70"/>
-              <p:cNvSpPr txBox="1"/>
-              <p:nvPr/>
-            </p:nvSpPr>
-            <p:spPr>
-              <a:xfrm>
-                <a:off x="4229100" y="4473140"/>
-                <a:ext cx="679450" cy="1077218"/>
-              </a:xfrm>
-              <a:prstGeom prst="rect">
-                <a:avLst/>
-              </a:prstGeom>
-              <a:noFill/>
-            </p:spPr>
-            <p:txBody>
-              <a:bodyPr wrap="square" rtlCol="0">
-                <a:spAutoFit/>
-              </a:bodyPr>
-              <a:lstStyle/>
-              <a:p>
-                <a:r>
-                  <a:rPr lang="en-US" sz="3200" dirty="0"/>
-                  <a:t>.</a:t>
-                </a:r>
-              </a:p>
-              <a:p>
-                <a:endParaRPr lang="en-US" sz="3200" dirty="0"/>
-              </a:p>
-            </p:txBody>
-          </p:sp>
-          <p:sp>
-            <p:nvSpPr>
-              <p:cNvPr id="72" name="TextBox 71"/>
-              <p:cNvSpPr txBox="1"/>
-              <p:nvPr/>
-            </p:nvSpPr>
-            <p:spPr>
-              <a:xfrm>
-                <a:off x="4229100" y="4645082"/>
-                <a:ext cx="679450" cy="1077218"/>
-              </a:xfrm>
-              <a:prstGeom prst="rect">
-                <a:avLst/>
-              </a:prstGeom>
-              <a:noFill/>
-            </p:spPr>
-            <p:txBody>
-              <a:bodyPr wrap="square" rtlCol="0">
-                <a:spAutoFit/>
-              </a:bodyPr>
-              <a:lstStyle/>
-              <a:p>
-                <a:r>
-                  <a:rPr lang="en-US" sz="3200" dirty="0"/>
-                  <a:t>.</a:t>
-                </a:r>
-              </a:p>
-              <a:p>
-                <a:endParaRPr lang="en-US" sz="3200" dirty="0"/>
-              </a:p>
-            </p:txBody>
-          </p:sp>
-        </p:grpSp>
-      </p:grpSp>
+        </mc:Fallback>
+      </mc:AlternateContent>
       <p:cxnSp>
         <p:nvCxnSpPr>
           <p:cNvPr id="4" name="Straight Connector 3"/>
@@ -17430,6 +17289,153 @@
           </a:fontRef>
         </p:style>
       </p:cxnSp>
+      <p:sp>
+        <p:nvSpPr>
+          <p:cNvPr id="32" name="Rectangle 31"/>
+          <p:cNvSpPr/>
+          <p:nvPr/>
+        </p:nvSpPr>
+        <p:spPr>
+          <a:xfrm>
+            <a:off x="10982672" y="6337478"/>
+            <a:ext cx="123175" cy="144718"/>
+          </a:xfrm>
+          <a:prstGeom prst="rect">
+            <a:avLst/>
+          </a:prstGeom>
+          <a:solidFill>
+            <a:schemeClr val="tx1">
+              <a:lumMod val="50000"/>
+              <a:lumOff val="50000"/>
+            </a:schemeClr>
+          </a:solidFill>
+          <a:ln>
+            <a:noFill/>
+          </a:ln>
+        </p:spPr>
+        <p:style>
+          <a:lnRef idx="2">
+            <a:schemeClr val="accent1">
+              <a:shade val="50000"/>
+            </a:schemeClr>
+          </a:lnRef>
+          <a:fillRef idx="1">
+            <a:schemeClr val="accent1"/>
+          </a:fillRef>
+          <a:effectRef idx="0">
+            <a:schemeClr val="accent1"/>
+          </a:effectRef>
+          <a:fontRef idx="minor">
+            <a:schemeClr val="lt1"/>
+          </a:fontRef>
+        </p:style>
+        <p:txBody>
+          <a:bodyPr rtlCol="0" anchor="ctr"/>
+          <a:lstStyle/>
+          <a:p>
+            <a:pPr algn="ctr"/>
+            <a:endParaRPr lang="en-US"/>
+          </a:p>
+        </p:txBody>
+      </p:sp>
+      <p:sp>
+        <p:nvSpPr>
+          <p:cNvPr id="34" name="Rectangle 33"/>
+          <p:cNvSpPr/>
+          <p:nvPr/>
+        </p:nvSpPr>
+        <p:spPr>
+          <a:xfrm>
+            <a:off x="10982672" y="6679091"/>
+            <a:ext cx="123175" cy="144718"/>
+          </a:xfrm>
+          <a:prstGeom prst="rect">
+            <a:avLst/>
+          </a:prstGeom>
+          <a:solidFill>
+            <a:schemeClr val="tx1">
+              <a:lumMod val="50000"/>
+              <a:lumOff val="50000"/>
+            </a:schemeClr>
+          </a:solidFill>
+          <a:ln>
+            <a:noFill/>
+          </a:ln>
+        </p:spPr>
+        <p:style>
+          <a:lnRef idx="2">
+            <a:schemeClr val="accent1">
+              <a:shade val="50000"/>
+            </a:schemeClr>
+          </a:lnRef>
+          <a:fillRef idx="1">
+            <a:schemeClr val="accent1"/>
+          </a:fillRef>
+          <a:effectRef idx="0">
+            <a:schemeClr val="accent1"/>
+          </a:effectRef>
+          <a:fontRef idx="minor">
+            <a:schemeClr val="lt1"/>
+          </a:fontRef>
+        </p:style>
+        <p:txBody>
+          <a:bodyPr rtlCol="0" anchor="ctr"/>
+          <a:lstStyle/>
+          <a:p>
+            <a:pPr algn="ctr"/>
+            <a:endParaRPr lang="en-US"/>
+          </a:p>
+        </p:txBody>
+      </p:sp>
+      <p:sp>
+        <p:nvSpPr>
+          <p:cNvPr id="35" name="Rectangle 34"/>
+          <p:cNvSpPr/>
+          <p:nvPr/>
+        </p:nvSpPr>
+        <p:spPr>
+          <a:xfrm>
+            <a:off x="10982672" y="7001326"/>
+            <a:ext cx="123175" cy="144718"/>
+          </a:xfrm>
+          <a:prstGeom prst="rect">
+            <a:avLst/>
+          </a:prstGeom>
+          <a:solidFill>
+            <a:schemeClr val="tx1">
+              <a:lumMod val="50000"/>
+              <a:lumOff val="50000"/>
+            </a:schemeClr>
+          </a:solidFill>
+          <a:ln>
+            <a:noFill/>
+          </a:ln>
+        </p:spPr>
+        <p:style>
+          <a:lnRef idx="2">
+            <a:schemeClr val="accent1">
+              <a:shade val="50000"/>
+            </a:schemeClr>
+          </a:lnRef>
+          <a:fillRef idx="1">
+            <a:schemeClr val="accent1"/>
+          </a:fillRef>
+          <a:effectRef idx="0">
+            <a:schemeClr val="accent1"/>
+          </a:effectRef>
+          <a:fontRef idx="minor">
+            <a:schemeClr val="lt1"/>
+          </a:fontRef>
+        </p:style>
+        <p:txBody>
+          <a:bodyPr rtlCol="0" anchor="ctr"/>
+          <a:lstStyle/>
+          <a:p>
+            <a:pPr algn="ctr"/>
+            <a:endParaRPr lang="en-US"/>
+          </a:p>
+        </p:txBody>
+      </p:sp>
     </p:spTree>
     <p:extLst>
       <p:ext uri="{BB962C8B-B14F-4D97-AF65-F5344CB8AC3E}">
@@ -31326,7 +31332,7 @@
           <p:nvPr>
             <p:extLst>
               <p:ext uri="{D42A27DB-BD31-4B8C-83A1-F6EECF244321}">
-                <p14:modId xmlns:p14="http://schemas.microsoft.com/office/powerpoint/2010/main" val="1566281551"/>
+                <p14:modId xmlns:p14="http://schemas.microsoft.com/office/powerpoint/2010/main" val="677481432"/>
               </p:ext>
             </p:extLst>
           </p:nvPr>
@@ -31425,9 +31431,7 @@
                       <a:tailEnd type="none" w="med" len="med"/>
                     </a:lnB>
                     <a:solidFill>
-                      <a:schemeClr val="bg1">
-                        <a:lumMod val="95000"/>
-                      </a:schemeClr>
+                      <a:schemeClr val="bg1"/>
                     </a:solidFill>
                   </a:tcPr>
                 </a:tc>
@@ -31488,9 +31492,7 @@
                       <a:tailEnd type="none" w="med" len="med"/>
                     </a:lnB>
                     <a:solidFill>
-                      <a:schemeClr val="bg1">
-                        <a:lumMod val="95000"/>
-                      </a:schemeClr>
+                      <a:schemeClr val="bg1"/>
                     </a:solidFill>
                   </a:tcPr>
                 </a:tc>
@@ -31551,9 +31553,7 @@
                       <a:tailEnd type="none" w="med" len="med"/>
                     </a:lnB>
                     <a:solidFill>
-                      <a:schemeClr val="bg1">
-                        <a:lumMod val="95000"/>
-                      </a:schemeClr>
+                      <a:schemeClr val="bg1"/>
                     </a:solidFill>
                   </a:tcPr>
                 </a:tc>
@@ -31621,9 +31621,7 @@
                       <a:tailEnd type="none" w="med" len="med"/>
                     </a:lnB>
                     <a:solidFill>
-                      <a:schemeClr val="bg1">
-                        <a:lumMod val="95000"/>
-                      </a:schemeClr>
+                      <a:schemeClr val="bg1"/>
                     </a:solidFill>
                   </a:tcPr>
                 </a:tc>
@@ -31684,9 +31682,7 @@
                       <a:tailEnd type="none" w="med" len="med"/>
                     </a:lnB>
                     <a:solidFill>
-                      <a:schemeClr val="bg1">
-                        <a:lumMod val="95000"/>
-                      </a:schemeClr>
+                      <a:schemeClr val="bg1"/>
                     </a:solidFill>
                   </a:tcPr>
                 </a:tc>
@@ -31747,9 +31743,7 @@
                       <a:tailEnd type="none" w="med" len="med"/>
                     </a:lnB>
                     <a:solidFill>
-                      <a:schemeClr val="bg1">
-                        <a:lumMod val="95000"/>
-                      </a:schemeClr>
+                      <a:schemeClr val="bg1"/>
                     </a:solidFill>
                   </a:tcPr>
                 </a:tc>
@@ -31817,9 +31811,7 @@
                       <a:tailEnd type="none" w="med" len="med"/>
                     </a:lnB>
                     <a:solidFill>
-                      <a:schemeClr val="bg1">
-                        <a:lumMod val="95000"/>
-                      </a:schemeClr>
+                      <a:schemeClr val="bg1"/>
                     </a:solidFill>
                   </a:tcPr>
                 </a:tc>
@@ -31880,9 +31872,7 @@
                       <a:tailEnd type="none" w="med" len="med"/>
                     </a:lnB>
                     <a:solidFill>
-                      <a:schemeClr val="bg1">
-                        <a:lumMod val="95000"/>
-                      </a:schemeClr>
+                      <a:schemeClr val="bg1"/>
                     </a:solidFill>
                   </a:tcPr>
                 </a:tc>
@@ -31943,9 +31933,7 @@
                       <a:tailEnd type="none" w="med" len="med"/>
                     </a:lnB>
                     <a:solidFill>
-                      <a:schemeClr val="bg1">
-                        <a:lumMod val="95000"/>
-                      </a:schemeClr>
+                      <a:schemeClr val="bg1"/>
                     </a:solidFill>
                   </a:tcPr>
                 </a:tc>
@@ -32096,6 +32084,503 @@
           </a:p>
         </p:txBody>
       </p:sp>
+      <p:sp>
+        <p:nvSpPr>
+          <p:cNvPr id="13" name="Down Arrow 12"/>
+          <p:cNvSpPr/>
+          <p:nvPr/>
+        </p:nvSpPr>
+        <p:spPr>
+          <a:xfrm rot="16200000">
+            <a:off x="13389134" y="4528018"/>
+            <a:ext cx="996531" cy="2614785"/>
+          </a:xfrm>
+          <a:prstGeom prst="downArrow">
+            <a:avLst/>
+          </a:prstGeom>
+        </p:spPr>
+        <p:style>
+          <a:lnRef idx="2">
+            <a:schemeClr val="dk1"/>
+          </a:lnRef>
+          <a:fillRef idx="1">
+            <a:schemeClr val="lt1"/>
+          </a:fillRef>
+          <a:effectRef idx="0">
+            <a:schemeClr val="dk1"/>
+          </a:effectRef>
+          <a:fontRef idx="minor">
+            <a:schemeClr val="dk1"/>
+          </a:fontRef>
+        </p:style>
+        <p:txBody>
+          <a:bodyPr rtlCol="0" anchor="ctr"/>
+          <a:lstStyle/>
+          <a:p>
+            <a:pPr algn="ctr"/>
+            <a:endParaRPr lang="en-US"/>
+          </a:p>
+        </p:txBody>
+      </p:sp>
+      <mc:AlternateContent xmlns:mc="http://schemas.openxmlformats.org/markup-compatibility/2006" xmlns:a14="http://schemas.microsoft.com/office/drawing/2010/main">
+        <mc:Choice Requires="a14">
+          <p:sp>
+            <p:nvSpPr>
+              <p:cNvPr id="14" name="TextBox 13"/>
+              <p:cNvSpPr txBox="1"/>
+              <p:nvPr/>
+            </p:nvSpPr>
+            <p:spPr>
+              <a:xfrm>
+                <a:off x="12488675" y="4638356"/>
+                <a:ext cx="2797447" cy="954107"/>
+              </a:xfrm>
+              <a:prstGeom prst="rect">
+                <a:avLst/>
+              </a:prstGeom>
+              <a:noFill/>
+            </p:spPr>
+            <p:txBody>
+              <a:bodyPr wrap="square" rtlCol="0" anchor="ctr">
+                <a:spAutoFit/>
+              </a:bodyPr>
+              <a:lstStyle/>
+              <a:p>
+                <a:pPr algn="ctr"/>
+                <a:r>
+                  <a:rPr lang="en-US" sz="2800" dirty="0" smtClean="0">
+                    <a:solidFill>
+                      <a:schemeClr val="tx1"/>
+                    </a:solidFill>
+                    <a:latin typeface="Helvetica" panose="020B0604020202020204" pitchFamily="34" charset="0"/>
+                    <a:cs typeface="Helvetica" panose="020B0604020202020204" pitchFamily="34" charset="0"/>
+                  </a:rPr>
+                  <a:t>max pool with 2</a:t>
+                </a:r>
+                <a14:m>
+                  <m:oMath xmlns:m="http://schemas.openxmlformats.org/officeDocument/2006/math">
+                    <m:r>
+                      <a:rPr lang="en-US" sz="2800" i="1" smtClean="0">
+                        <a:solidFill>
+                          <a:schemeClr val="tx1"/>
+                        </a:solidFill>
+                        <a:latin typeface="Cambria Math" panose="02040503050406030204" pitchFamily="18" charset="0"/>
+                        <a:ea typeface="Cambria Math" panose="02040503050406030204" pitchFamily="18" charset="0"/>
+                        <a:cs typeface="Helvetica" panose="020B0604020202020204" pitchFamily="34" charset="0"/>
+                      </a:rPr>
+                      <m:t>×</m:t>
+                    </m:r>
+                  </m:oMath>
+                </a14:m>
+                <a:r>
+                  <a:rPr lang="en-US" sz="2800" dirty="0" smtClean="0">
+                    <a:solidFill>
+                      <a:schemeClr val="tx1"/>
+                    </a:solidFill>
+                    <a:latin typeface="Helvetica" panose="020B0604020202020204" pitchFamily="34" charset="0"/>
+                    <a:cs typeface="Helvetica" panose="020B0604020202020204" pitchFamily="34" charset="0"/>
+                  </a:rPr>
+                  <a:t>2 filter</a:t>
+                </a:r>
+                <a:endParaRPr lang="en-US" sz="2800" dirty="0">
+                  <a:solidFill>
+                    <a:schemeClr val="tx1"/>
+                  </a:solidFill>
+                  <a:latin typeface="Helvetica" panose="020B0604020202020204" pitchFamily="34" charset="0"/>
+                  <a:cs typeface="Helvetica" panose="020B0604020202020204" pitchFamily="34" charset="0"/>
+                </a:endParaRPr>
+              </a:p>
+            </p:txBody>
+          </p:sp>
+        </mc:Choice>
+        <mc:Fallback xmlns="">
+          <p:sp>
+            <p:nvSpPr>
+              <p:cNvPr id="14" name="TextBox 13"/>
+              <p:cNvSpPr txBox="1">
+                <a:spLocks noRot="1" noChangeAspect="1" noMove="1" noResize="1" noEditPoints="1" noAdjustHandles="1" noChangeArrowheads="1" noChangeShapeType="1" noTextEdit="1"/>
+              </p:cNvSpPr>
+              <p:nvPr/>
+            </p:nvSpPr>
+            <p:spPr>
+              <a:xfrm>
+                <a:off x="12488675" y="4638356"/>
+                <a:ext cx="2797447" cy="954107"/>
+              </a:xfrm>
+              <a:prstGeom prst="rect">
+                <a:avLst/>
+              </a:prstGeom>
+              <a:blipFill>
+                <a:blip r:embed="rId4"/>
+                <a:stretch>
+                  <a:fillRect t="-6410" r="-218" b="-17949"/>
+                </a:stretch>
+              </a:blipFill>
+            </p:spPr>
+            <p:txBody>
+              <a:bodyPr/>
+              <a:lstStyle/>
+              <a:p>
+                <a:r>
+                  <a:rPr lang="en-US">
+                    <a:noFill/>
+                  </a:rPr>
+                  <a:t> </a:t>
+                </a:r>
+              </a:p>
+            </p:txBody>
+          </p:sp>
+        </mc:Fallback>
+      </mc:AlternateContent>
+      <p:graphicFrame>
+        <p:nvGraphicFramePr>
+          <p:cNvPr id="15" name="Table 14"/>
+          <p:cNvGraphicFramePr>
+            <a:graphicFrameLocks noGrp="1"/>
+          </p:cNvGraphicFramePr>
+          <p:nvPr>
+            <p:extLst>
+              <p:ext uri="{D42A27DB-BD31-4B8C-83A1-F6EECF244321}">
+                <p14:modId xmlns:p14="http://schemas.microsoft.com/office/powerpoint/2010/main" val="272917487"/>
+              </p:ext>
+            </p:extLst>
+          </p:nvPr>
+        </p:nvGraphicFramePr>
+        <p:xfrm>
+          <a:off x="15377454" y="5115410"/>
+          <a:ext cx="1440000" cy="1440000"/>
+        </p:xfrm>
+        <a:graphic>
+          <a:graphicData uri="http://schemas.openxmlformats.org/drawingml/2006/table">
+            <a:tbl>
+              <a:tblPr firstRow="1" bandRow="1">
+                <a:solidFill>
+                  <a:schemeClr val="bg1"/>
+                </a:solidFill>
+                <a:tableStyleId>{5940675A-B579-460E-94D1-54222C63F5DA}</a:tableStyleId>
+              </a:tblPr>
+              <a:tblGrid>
+                <a:gridCol w="720000">
+                  <a:extLst>
+                    <a:ext uri="{9D8B030D-6E8A-4147-A177-3AD203B41FA5}">
+                      <a16:colId xmlns:a16="http://schemas.microsoft.com/office/drawing/2014/main" val="4114053830"/>
+                    </a:ext>
+                  </a:extLst>
+                </a:gridCol>
+                <a:gridCol w="720000">
+                  <a:extLst>
+                    <a:ext uri="{9D8B030D-6E8A-4147-A177-3AD203B41FA5}">
+                      <a16:colId xmlns:a16="http://schemas.microsoft.com/office/drawing/2014/main" val="1095245153"/>
+                    </a:ext>
+                  </a:extLst>
+                </a:gridCol>
+              </a:tblGrid>
+              <a:tr h="720000">
+                <a:tc>
+                  <a:txBody>
+                    <a:bodyPr/>
+                    <a:lstStyle/>
+                    <a:p>
+                      <a:pPr algn="ctr"/>
+                      <a:r>
+                        <a:rPr lang="en-US" sz="3200" b="1" dirty="0" smtClean="0">
+                          <a:latin typeface="Helvetica" panose="020B0604020202020204" pitchFamily="34" charset="0"/>
+                          <a:cs typeface="Helvetica" panose="020B0604020202020204" pitchFamily="34" charset="0"/>
+                        </a:rPr>
+                        <a:t>4</a:t>
+                      </a:r>
+                      <a:endParaRPr lang="en-US" sz="3200" b="1" dirty="0">
+                        <a:latin typeface="Helvetica" panose="020B0604020202020204" pitchFamily="34" charset="0"/>
+                        <a:cs typeface="Helvetica" panose="020B0604020202020204" pitchFamily="34" charset="0"/>
+                      </a:endParaRPr>
+                    </a:p>
+                  </a:txBody>
+                  <a:tcPr anchor="ctr">
+                    <a:lnL w="12700" cap="flat" cmpd="sng" algn="ctr">
+                      <a:solidFill>
+                        <a:schemeClr val="accent6">
+                          <a:lumMod val="50000"/>
+                        </a:schemeClr>
+                      </a:solidFill>
+                      <a:prstDash val="solid"/>
+                      <a:round/>
+                      <a:headEnd type="none" w="med" len="med"/>
+                      <a:tailEnd type="none" w="med" len="med"/>
+                    </a:lnL>
+                    <a:lnR w="12700" cap="flat" cmpd="sng" algn="ctr">
+                      <a:solidFill>
+                        <a:schemeClr val="accent6">
+                          <a:lumMod val="50000"/>
+                        </a:schemeClr>
+                      </a:solidFill>
+                      <a:prstDash val="solid"/>
+                      <a:round/>
+                      <a:headEnd type="none" w="med" len="med"/>
+                      <a:tailEnd type="none" w="med" len="med"/>
+                    </a:lnR>
+                    <a:lnT w="12700" cap="flat" cmpd="sng" algn="ctr">
+                      <a:solidFill>
+                        <a:schemeClr val="accent6">
+                          <a:lumMod val="50000"/>
+                        </a:schemeClr>
+                      </a:solidFill>
+                      <a:prstDash val="solid"/>
+                      <a:round/>
+                      <a:headEnd type="none" w="med" len="med"/>
+                      <a:tailEnd type="none" w="med" len="med"/>
+                    </a:lnT>
+                    <a:lnB w="12700" cap="flat" cmpd="sng" algn="ctr">
+                      <a:solidFill>
+                        <a:schemeClr val="accent6">
+                          <a:lumMod val="50000"/>
+                        </a:schemeClr>
+                      </a:solidFill>
+                      <a:prstDash val="solid"/>
+                      <a:round/>
+                      <a:headEnd type="none" w="med" len="med"/>
+                      <a:tailEnd type="none" w="med" len="med"/>
+                    </a:lnB>
+                    <a:solidFill>
+                      <a:schemeClr val="accent6">
+                        <a:lumMod val="20000"/>
+                        <a:lumOff val="80000"/>
+                      </a:schemeClr>
+                    </a:solidFill>
+                  </a:tcPr>
+                </a:tc>
+                <a:tc>
+                  <a:txBody>
+                    <a:bodyPr/>
+                    <a:lstStyle/>
+                    <a:p>
+                      <a:pPr algn="ctr"/>
+                      <a:r>
+                        <a:rPr lang="en-US" sz="3200" b="1" dirty="0" smtClean="0">
+                          <a:latin typeface="Helvetica" panose="020B0604020202020204" pitchFamily="34" charset="0"/>
+                          <a:cs typeface="Helvetica" panose="020B0604020202020204" pitchFamily="34" charset="0"/>
+                        </a:rPr>
+                        <a:t>4</a:t>
+                      </a:r>
+                      <a:endParaRPr lang="en-US" sz="3200" b="1" dirty="0">
+                        <a:latin typeface="Helvetica" panose="020B0604020202020204" pitchFamily="34" charset="0"/>
+                        <a:cs typeface="Helvetica" panose="020B0604020202020204" pitchFamily="34" charset="0"/>
+                      </a:endParaRPr>
+                    </a:p>
+                  </a:txBody>
+                  <a:tcPr anchor="ctr">
+                    <a:lnL w="12700" cap="flat" cmpd="sng" algn="ctr">
+                      <a:solidFill>
+                        <a:schemeClr val="accent6">
+                          <a:lumMod val="50000"/>
+                        </a:schemeClr>
+                      </a:solidFill>
+                      <a:prstDash val="solid"/>
+                      <a:round/>
+                      <a:headEnd type="none" w="med" len="med"/>
+                      <a:tailEnd type="none" w="med" len="med"/>
+                    </a:lnL>
+                    <a:lnR w="12700" cap="flat" cmpd="sng" algn="ctr">
+                      <a:solidFill>
+                        <a:schemeClr val="accent6">
+                          <a:lumMod val="50000"/>
+                        </a:schemeClr>
+                      </a:solidFill>
+                      <a:prstDash val="solid"/>
+                      <a:round/>
+                      <a:headEnd type="none" w="med" len="med"/>
+                      <a:tailEnd type="none" w="med" len="med"/>
+                    </a:lnR>
+                    <a:lnT w="12700" cap="flat" cmpd="sng" algn="ctr">
+                      <a:solidFill>
+                        <a:schemeClr val="accent6">
+                          <a:lumMod val="50000"/>
+                        </a:schemeClr>
+                      </a:solidFill>
+                      <a:prstDash val="solid"/>
+                      <a:round/>
+                      <a:headEnd type="none" w="med" len="med"/>
+                      <a:tailEnd type="none" w="med" len="med"/>
+                    </a:lnT>
+                    <a:lnB w="12700" cap="flat" cmpd="sng" algn="ctr">
+                      <a:solidFill>
+                        <a:schemeClr val="accent6">
+                          <a:lumMod val="50000"/>
+                        </a:schemeClr>
+                      </a:solidFill>
+                      <a:prstDash val="solid"/>
+                      <a:round/>
+                      <a:headEnd type="none" w="med" len="med"/>
+                      <a:tailEnd type="none" w="med" len="med"/>
+                    </a:lnB>
+                    <a:solidFill>
+                      <a:schemeClr val="accent6">
+                        <a:lumMod val="20000"/>
+                        <a:lumOff val="80000"/>
+                      </a:schemeClr>
+                    </a:solidFill>
+                  </a:tcPr>
+                </a:tc>
+                <a:extLst>
+                  <a:ext uri="{0D108BD9-81ED-4DB2-BD59-A6C34878D82A}">
+                    <a16:rowId xmlns:a16="http://schemas.microsoft.com/office/drawing/2014/main" val="3588482904"/>
+                  </a:ext>
+                </a:extLst>
+              </a:tr>
+              <a:tr h="720000">
+                <a:tc>
+                  <a:txBody>
+                    <a:bodyPr/>
+                    <a:lstStyle/>
+                    <a:p>
+                      <a:pPr algn="ctr"/>
+                      <a:r>
+                        <a:rPr lang="en-US" sz="3200" b="1" dirty="0" smtClean="0">
+                          <a:latin typeface="Helvetica" panose="020B0604020202020204" pitchFamily="34" charset="0"/>
+                          <a:cs typeface="Helvetica" panose="020B0604020202020204" pitchFamily="34" charset="0"/>
+                        </a:rPr>
+                        <a:t>4</a:t>
+                      </a:r>
+                      <a:endParaRPr lang="en-US" sz="3200" b="1" dirty="0">
+                        <a:latin typeface="Helvetica" panose="020B0604020202020204" pitchFamily="34" charset="0"/>
+                        <a:cs typeface="Helvetica" panose="020B0604020202020204" pitchFamily="34" charset="0"/>
+                      </a:endParaRPr>
+                    </a:p>
+                  </a:txBody>
+                  <a:tcPr anchor="ctr">
+                    <a:lnL w="12700" cap="flat" cmpd="sng" algn="ctr">
+                      <a:solidFill>
+                        <a:schemeClr val="accent6">
+                          <a:lumMod val="50000"/>
+                        </a:schemeClr>
+                      </a:solidFill>
+                      <a:prstDash val="solid"/>
+                      <a:round/>
+                      <a:headEnd type="none" w="med" len="med"/>
+                      <a:tailEnd type="none" w="med" len="med"/>
+                    </a:lnL>
+                    <a:lnR w="12700" cap="flat" cmpd="sng" algn="ctr">
+                      <a:solidFill>
+                        <a:schemeClr val="accent6">
+                          <a:lumMod val="50000"/>
+                        </a:schemeClr>
+                      </a:solidFill>
+                      <a:prstDash val="solid"/>
+                      <a:round/>
+                      <a:headEnd type="none" w="med" len="med"/>
+                      <a:tailEnd type="none" w="med" len="med"/>
+                    </a:lnR>
+                    <a:lnT w="12700" cap="flat" cmpd="sng" algn="ctr">
+                      <a:solidFill>
+                        <a:schemeClr val="accent6">
+                          <a:lumMod val="50000"/>
+                        </a:schemeClr>
+                      </a:solidFill>
+                      <a:prstDash val="solid"/>
+                      <a:round/>
+                      <a:headEnd type="none" w="med" len="med"/>
+                      <a:tailEnd type="none" w="med" len="med"/>
+                    </a:lnT>
+                    <a:lnB w="12700" cap="flat" cmpd="sng" algn="ctr">
+                      <a:solidFill>
+                        <a:schemeClr val="accent6">
+                          <a:lumMod val="50000"/>
+                        </a:schemeClr>
+                      </a:solidFill>
+                      <a:prstDash val="solid"/>
+                      <a:round/>
+                      <a:headEnd type="none" w="med" len="med"/>
+                      <a:tailEnd type="none" w="med" len="med"/>
+                    </a:lnB>
+                    <a:solidFill>
+                      <a:schemeClr val="accent6">
+                        <a:lumMod val="20000"/>
+                        <a:lumOff val="80000"/>
+                      </a:schemeClr>
+                    </a:solidFill>
+                  </a:tcPr>
+                </a:tc>
+                <a:tc>
+                  <a:txBody>
+                    <a:bodyPr/>
+                    <a:lstStyle/>
+                    <a:p>
+                      <a:pPr algn="ctr"/>
+                      <a:r>
+                        <a:rPr lang="en-US" sz="3200" b="1" dirty="0" smtClean="0">
+                          <a:latin typeface="Helvetica" panose="020B0604020202020204" pitchFamily="34" charset="0"/>
+                          <a:cs typeface="Helvetica" panose="020B0604020202020204" pitchFamily="34" charset="0"/>
+                        </a:rPr>
+                        <a:t>4</a:t>
+                      </a:r>
+                      <a:endParaRPr lang="en-US" sz="3200" b="1" dirty="0">
+                        <a:latin typeface="Helvetica" panose="020B0604020202020204" pitchFamily="34" charset="0"/>
+                        <a:cs typeface="Helvetica" panose="020B0604020202020204" pitchFamily="34" charset="0"/>
+                      </a:endParaRPr>
+                    </a:p>
+                  </a:txBody>
+                  <a:tcPr anchor="ctr">
+                    <a:lnL w="12700" cap="flat" cmpd="sng" algn="ctr">
+                      <a:solidFill>
+                        <a:schemeClr val="accent6">
+                          <a:lumMod val="50000"/>
+                        </a:schemeClr>
+                      </a:solidFill>
+                      <a:prstDash val="solid"/>
+                      <a:round/>
+                      <a:headEnd type="none" w="med" len="med"/>
+                      <a:tailEnd type="none" w="med" len="med"/>
+                    </a:lnL>
+                    <a:lnR w="12700" cap="flat" cmpd="sng" algn="ctr">
+                      <a:solidFill>
+                        <a:schemeClr val="accent6">
+                          <a:lumMod val="50000"/>
+                        </a:schemeClr>
+                      </a:solidFill>
+                      <a:prstDash val="solid"/>
+                      <a:round/>
+                      <a:headEnd type="none" w="med" len="med"/>
+                      <a:tailEnd type="none" w="med" len="med"/>
+                    </a:lnR>
+                    <a:lnT w="12700" cap="flat" cmpd="sng" algn="ctr">
+                      <a:solidFill>
+                        <a:schemeClr val="accent6">
+                          <a:lumMod val="50000"/>
+                        </a:schemeClr>
+                      </a:solidFill>
+                      <a:prstDash val="solid"/>
+                      <a:round/>
+                      <a:headEnd type="none" w="med" len="med"/>
+                      <a:tailEnd type="none" w="med" len="med"/>
+                    </a:lnT>
+                    <a:lnB w="12700" cap="flat" cmpd="sng" algn="ctr">
+                      <a:solidFill>
+                        <a:schemeClr val="accent6">
+                          <a:lumMod val="50000"/>
+                        </a:schemeClr>
+                      </a:solidFill>
+                      <a:prstDash val="solid"/>
+                      <a:round/>
+                      <a:headEnd type="none" w="med" len="med"/>
+                      <a:tailEnd type="none" w="med" len="med"/>
+                    </a:lnB>
+                    <a:solidFill>
+                      <a:schemeClr val="accent6">
+                        <a:lumMod val="20000"/>
+                        <a:lumOff val="80000"/>
+                      </a:schemeClr>
+                    </a:solidFill>
+                  </a:tcPr>
+                </a:tc>
+                <a:extLst>
+                  <a:ext uri="{0D108BD9-81ED-4DB2-BD59-A6C34878D82A}">
+                    <a16:rowId xmlns:a16="http://schemas.microsoft.com/office/drawing/2014/main" val="3875415838"/>
+                  </a:ext>
+                </a:extLst>
+              </a:tr>
+            </a:tbl>
+          </a:graphicData>
+        </a:graphic>
+      </p:graphicFrame>
     </p:spTree>
     <p:extLst>
       <p:ext uri="{BB962C8B-B14F-4D97-AF65-F5344CB8AC3E}">

--- a/figs/figures.pptx
+++ b/figs/figures.pptx
@@ -12029,8 +12029,8 @@
         </p:nvSpPr>
         <p:spPr>
           <a:xfrm>
-            <a:off x="2004269" y="7618397"/>
-            <a:ext cx="20335463" cy="894080"/>
+            <a:off x="2004269" y="7549153"/>
+            <a:ext cx="20335463" cy="959581"/>
           </a:xfrm>
           <a:prstGeom prst="roundRect">
             <a:avLst/>
@@ -12087,7 +12087,7 @@
         </p:nvSpPr>
         <p:spPr>
           <a:xfrm>
-            <a:off x="11673735" y="6293639"/>
+            <a:off x="11673733" y="6291767"/>
             <a:ext cx="996531" cy="1137920"/>
           </a:xfrm>
           <a:prstGeom prst="downArrow">
@@ -12204,8 +12204,8 @@
           </a:p>
         </p:txBody>
       </p:sp>
-      <mc:AlternateContent xmlns:mc="http://schemas.openxmlformats.org/markup-compatibility/2006" xmlns:a14="http://schemas.microsoft.com/office/drawing/2010/main">
-        <mc:Choice Requires="a14">
+      <mc:AlternateContent xmlns:mc="http://schemas.openxmlformats.org/markup-compatibility/2006">
+        <mc:Choice xmlns:a14="http://schemas.microsoft.com/office/drawing/2010/main" Requires="a14">
           <p:sp>
             <p:nvSpPr>
               <p:cNvPr id="2" name="Rounded Rectangle 1"/>
@@ -12240,52 +12240,55 @@
               <a:lstStyle/>
               <a:p>
                 <a:pPr algn="ctr"/>
+                <a:r>
+                  <a:rPr lang="en-US" sz="4800" dirty="0" smtClean="0"/>
+                  <a:t>Commit message (</a:t>
+                </a:r>
                 <a14:m>
-                  <m:oMathPara xmlns:m="http://schemas.openxmlformats.org/officeDocument/2006/math">
-                    <m:oMathParaPr>
-                      <m:jc m:val="center"/>
-                    </m:oMathParaPr>
-                    <m:oMath xmlns:m="http://schemas.openxmlformats.org/officeDocument/2006/math">
-                      <m:sSub>
-                        <m:sSubPr>
-                          <m:ctrlPr>
-                            <a:rPr lang="en-US" sz="4800" i="1">
-                              <a:latin typeface="Cambria Math" panose="02040503050406030204" pitchFamily="18" charset="0"/>
-                            </a:rPr>
-                          </m:ctrlPr>
-                        </m:sSubPr>
-                        <m:e>
-                          <m:r>
-                            <m:rPr>
-                              <m:nor/>
-                            </m:rPr>
-                            <a:rPr lang="en-US" sz="4800" b="1">
-                              <a:latin typeface="Cambria Math" panose="02040503050406030204" pitchFamily="18" charset="0"/>
-                            </a:rPr>
-                            <m:t>z</m:t>
-                          </m:r>
-                        </m:e>
-                        <m:sub>
-                          <m:r>
-                            <m:rPr>
-                              <m:nor/>
-                            </m:rPr>
-                            <a:rPr lang="en-US" sz="4800" b="1">
-                              <a:latin typeface="Cambria Math" panose="02040503050406030204" pitchFamily="18" charset="0"/>
-                            </a:rPr>
-                            <m:t>m</m:t>
-                          </m:r>
-                        </m:sub>
-                      </m:sSub>
-                    </m:oMath>
-                  </m:oMathPara>
+                  <m:oMath xmlns:m="http://schemas.openxmlformats.org/officeDocument/2006/math">
+                    <m:sSub>
+                      <m:sSubPr>
+                        <m:ctrlPr>
+                          <a:rPr lang="en-US" sz="4800" i="1">
+                            <a:latin typeface="Cambria Math" panose="02040503050406030204" pitchFamily="18" charset="0"/>
+                          </a:rPr>
+                        </m:ctrlPr>
+                      </m:sSubPr>
+                      <m:e>
+                        <m:r>
+                          <m:rPr>
+                            <m:nor/>
+                          </m:rPr>
+                          <a:rPr lang="en-US" sz="4800" b="1">
+                            <a:latin typeface="Cambria Math" panose="02040503050406030204" pitchFamily="18" charset="0"/>
+                          </a:rPr>
+                          <m:t>z</m:t>
+                        </m:r>
+                      </m:e>
+                      <m:sub>
+                        <m:r>
+                          <m:rPr>
+                            <m:nor/>
+                          </m:rPr>
+                          <a:rPr lang="en-US" sz="4800" b="1">
+                            <a:latin typeface="Cambria Math" panose="02040503050406030204" pitchFamily="18" charset="0"/>
+                          </a:rPr>
+                          <m:t>m</m:t>
+                        </m:r>
+                      </m:sub>
+                    </m:sSub>
+                  </m:oMath>
                 </a14:m>
+                <a:r>
+                  <a:rPr lang="en-US" sz="4800" dirty="0" smtClean="0"/>
+                  <a:t>)</a:t>
+                </a:r>
                 <a:endParaRPr lang="en-US" sz="4800" dirty="0"/>
               </a:p>
             </p:txBody>
           </p:sp>
         </mc:Choice>
-        <mc:Fallback xmlns="">
+        <mc:Fallback>
           <p:sp>
             <p:nvSpPr>
               <p:cNvPr id="2" name="Rounded Rectangle 1"/>
@@ -12305,7 +12308,7 @@
               <a:blipFill>
                 <a:blip r:embed="rId2"/>
                 <a:stretch>
-                  <a:fillRect/>
+                  <a:fillRect t="-9272" b="-30464"/>
                 </a:stretch>
               </a:blipFill>
             </p:spPr>
@@ -12324,8 +12327,8 @@
           </p:sp>
         </mc:Fallback>
       </mc:AlternateContent>
-      <mc:AlternateContent xmlns:mc="http://schemas.openxmlformats.org/markup-compatibility/2006" xmlns:a14="http://schemas.microsoft.com/office/drawing/2010/main">
-        <mc:Choice Requires="a14">
+      <mc:AlternateContent xmlns:mc="http://schemas.openxmlformats.org/markup-compatibility/2006">
+        <mc:Choice xmlns:a14="http://schemas.microsoft.com/office/drawing/2010/main" Requires="a14">
           <p:sp>
             <p:nvSpPr>
               <p:cNvPr id="18" name="Rounded Rectangle 17"/>
@@ -12360,49 +12363,52 @@
               <a:lstStyle/>
               <a:p>
                 <a:pPr algn="ctr"/>
+                <a:r>
+                  <a:rPr lang="en-US" sz="4800" dirty="0" smtClean="0"/>
+                  <a:t>Code changes (</a:t>
+                </a:r>
                 <a14:m>
-                  <m:oMathPara xmlns:m="http://schemas.openxmlformats.org/officeDocument/2006/math">
-                    <m:oMathParaPr>
-                      <m:jc m:val="center"/>
-                    </m:oMathParaPr>
-                    <m:oMath xmlns:m="http://schemas.openxmlformats.org/officeDocument/2006/math">
-                      <m:sSub>
-                        <m:sSubPr>
-                          <m:ctrlPr>
-                            <a:rPr lang="en-US" sz="4800" i="1">
-                              <a:latin typeface="Cambria Math" panose="02040503050406030204" pitchFamily="18" charset="0"/>
-                            </a:rPr>
-                          </m:ctrlPr>
-                        </m:sSubPr>
-                        <m:e>
-                          <m:r>
-                            <m:rPr>
-                              <m:nor/>
-                            </m:rPr>
-                            <a:rPr lang="en-US" sz="4800" b="1">
-                              <a:latin typeface="Cambria Math" panose="02040503050406030204" pitchFamily="18" charset="0"/>
-                            </a:rPr>
-                            <m:t>z</m:t>
-                          </m:r>
-                        </m:e>
-                        <m:sub>
-                          <m:r>
-                            <a:rPr lang="en-US" sz="4800" b="1" i="1">
-                              <a:latin typeface="Cambria Math" panose="02040503050406030204" pitchFamily="18" charset="0"/>
-                            </a:rPr>
-                            <m:t>𝑪</m:t>
-                          </m:r>
-                        </m:sub>
-                      </m:sSub>
-                    </m:oMath>
-                  </m:oMathPara>
+                  <m:oMath xmlns:m="http://schemas.openxmlformats.org/officeDocument/2006/math">
+                    <m:sSub>
+                      <m:sSubPr>
+                        <m:ctrlPr>
+                          <a:rPr lang="en-US" sz="4800" i="1">
+                            <a:latin typeface="Cambria Math" panose="02040503050406030204" pitchFamily="18" charset="0"/>
+                          </a:rPr>
+                        </m:ctrlPr>
+                      </m:sSubPr>
+                      <m:e>
+                        <m:r>
+                          <m:rPr>
+                            <m:nor/>
+                          </m:rPr>
+                          <a:rPr lang="en-US" sz="4800" b="1">
+                            <a:latin typeface="Cambria Math" panose="02040503050406030204" pitchFamily="18" charset="0"/>
+                          </a:rPr>
+                          <m:t>z</m:t>
+                        </m:r>
+                      </m:e>
+                      <m:sub>
+                        <m:r>
+                          <a:rPr lang="en-US" sz="4800" b="1" i="1">
+                            <a:latin typeface="Cambria Math" panose="02040503050406030204" pitchFamily="18" charset="0"/>
+                          </a:rPr>
+                          <m:t>𝑪</m:t>
+                        </m:r>
+                      </m:sub>
+                    </m:sSub>
+                  </m:oMath>
                 </a14:m>
+                <a:r>
+                  <a:rPr lang="en-US" sz="4800" dirty="0" smtClean="0"/>
+                  <a:t>)</a:t>
+                </a:r>
                 <a:endParaRPr lang="en-US" sz="4800" dirty="0"/>
               </a:p>
             </p:txBody>
           </p:sp>
         </mc:Choice>
-        <mc:Fallback xmlns="">
+        <mc:Fallback>
           <p:sp>
             <p:nvSpPr>
               <p:cNvPr id="18" name="Rounded Rectangle 17"/>
@@ -12422,7 +12428,7 @@
               <a:blipFill>
                 <a:blip r:embed="rId3"/>
                 <a:stretch>
-                  <a:fillRect/>
+                  <a:fillRect t="-9272" b="-30464"/>
                 </a:stretch>
               </a:blipFill>
             </p:spPr>
@@ -12441,8 +12447,8 @@
           </p:sp>
         </mc:Fallback>
       </mc:AlternateContent>
-      <mc:AlternateContent xmlns:mc="http://schemas.openxmlformats.org/markup-compatibility/2006" xmlns:a14="http://schemas.microsoft.com/office/drawing/2010/main">
-        <mc:Choice Requires="a14">
+      <mc:AlternateContent xmlns:mc="http://schemas.openxmlformats.org/markup-compatibility/2006">
+        <mc:Choice xmlns:a14="http://schemas.microsoft.com/office/drawing/2010/main" Requires="a14">
           <p:sp>
             <p:nvSpPr>
               <p:cNvPr id="3" name="Rounded Rectangle 2"/>
@@ -12483,30 +12489,36 @@
               <a:lstStyle/>
               <a:p>
                 <a:pPr algn="ctr"/>
+                <a:r>
+                  <a:rPr lang="en-US" sz="4800" dirty="0" smtClean="0">
+                    <a:latin typeface="Helvetica" panose="020B0604020202020204" pitchFamily="34" charset="0"/>
+                    <a:cs typeface="Helvetica" panose="020B0604020202020204" pitchFamily="34" charset="0"/>
+                  </a:rPr>
+                  <a:t>Feature fusion (</a:t>
+                </a:r>
                 <a14:m>
-                  <m:oMathPara xmlns:m="http://schemas.openxmlformats.org/officeDocument/2006/math">
-                    <m:oMathParaPr>
-                      <m:jc m:val="centerGroup"/>
-                    </m:oMathParaPr>
-                    <m:oMath xmlns:m="http://schemas.openxmlformats.org/officeDocument/2006/math">
-                      <m:r>
-                        <m:rPr>
-                          <m:nor/>
-                        </m:rPr>
-                        <a:rPr lang="en-US" sz="4800" b="1">
-                          <a:latin typeface="Cambria Math" panose="02040503050406030204" pitchFamily="18" charset="0"/>
-                        </a:rPr>
-                        <m:t>z</m:t>
-                      </m:r>
-                    </m:oMath>
-                  </m:oMathPara>
+                  <m:oMath xmlns:m="http://schemas.openxmlformats.org/officeDocument/2006/math">
+                    <m:r>
+                      <m:rPr>
+                        <m:nor/>
+                      </m:rPr>
+                      <a:rPr lang="en-US" sz="4800" b="1">
+                        <a:latin typeface="Cambria Math" panose="02040503050406030204" pitchFamily="18" charset="0"/>
+                      </a:rPr>
+                      <m:t>z</m:t>
+                    </m:r>
+                  </m:oMath>
                 </a14:m>
+                <a:r>
+                  <a:rPr lang="en-US" sz="4800" dirty="0" smtClean="0"/>
+                  <a:t>)</a:t>
+                </a:r>
                 <a:endParaRPr lang="en-US" sz="4800" dirty="0"/>
               </a:p>
             </p:txBody>
           </p:sp>
         </mc:Choice>
-        <mc:Fallback xmlns="">
+        <mc:Fallback>
           <p:sp>
             <p:nvSpPr>
               <p:cNvPr id="3" name="Rounded Rectangle 2"/>
@@ -12526,7 +12538,7 @@
               <a:blipFill>
                 <a:blip r:embed="rId4"/>
                 <a:stretch>
-                  <a:fillRect/>
+                  <a:fillRect t="-11688" b="-28571"/>
                 </a:stretch>
               </a:blipFill>
               <a:ln>
@@ -16658,8 +16670,8 @@
           </a:graphicData>
         </a:graphic>
       </p:graphicFrame>
-      <mc:AlternateContent xmlns:mc="http://schemas.openxmlformats.org/markup-compatibility/2006">
-        <mc:Choice xmlns:a14="http://schemas.microsoft.com/office/drawing/2010/main" Requires="a14">
+      <mc:AlternateContent xmlns:mc="http://schemas.openxmlformats.org/markup-compatibility/2006" xmlns:a14="http://schemas.microsoft.com/office/drawing/2010/main">
+        <mc:Choice Requires="a14">
           <p:sp>
             <p:nvSpPr>
               <p:cNvPr id="24" name="TextBox 23"/>
@@ -16743,7 +16755,7 @@
             </p:txBody>
           </p:sp>
         </mc:Choice>
-        <mc:Fallback>
+        <mc:Fallback xmlns="">
           <p:sp>
             <p:nvSpPr>
               <p:cNvPr id="24" name="TextBox 23"/>

--- a/figs/figures.pptx
+++ b/figs/figures.pptx
@@ -12204,8 +12204,8 @@
           </a:p>
         </p:txBody>
       </p:sp>
-      <mc:AlternateContent xmlns:mc="http://schemas.openxmlformats.org/markup-compatibility/2006">
-        <mc:Choice xmlns:a14="http://schemas.microsoft.com/office/drawing/2010/main" Requires="a14">
+      <mc:AlternateContent xmlns:mc="http://schemas.openxmlformats.org/markup-compatibility/2006" xmlns:a14="http://schemas.microsoft.com/office/drawing/2010/main">
+        <mc:Choice Requires="a14">
           <p:sp>
             <p:nvSpPr>
               <p:cNvPr id="2" name="Rounded Rectangle 1"/>
@@ -12288,7 +12288,7 @@
             </p:txBody>
           </p:sp>
         </mc:Choice>
-        <mc:Fallback>
+        <mc:Fallback xmlns="">
           <p:sp>
             <p:nvSpPr>
               <p:cNvPr id="2" name="Rounded Rectangle 1"/>
@@ -12327,8 +12327,8 @@
           </p:sp>
         </mc:Fallback>
       </mc:AlternateContent>
-      <mc:AlternateContent xmlns:mc="http://schemas.openxmlformats.org/markup-compatibility/2006">
-        <mc:Choice xmlns:a14="http://schemas.microsoft.com/office/drawing/2010/main" Requires="a14">
+      <mc:AlternateContent xmlns:mc="http://schemas.openxmlformats.org/markup-compatibility/2006" xmlns:a14="http://schemas.microsoft.com/office/drawing/2010/main">
+        <mc:Choice Requires="a14">
           <p:sp>
             <p:nvSpPr>
               <p:cNvPr id="18" name="Rounded Rectangle 17"/>
@@ -12408,7 +12408,7 @@
             </p:txBody>
           </p:sp>
         </mc:Choice>
-        <mc:Fallback>
+        <mc:Fallback xmlns="">
           <p:sp>
             <p:nvSpPr>
               <p:cNvPr id="18" name="Rounded Rectangle 17"/>
@@ -12447,8 +12447,8 @@
           </p:sp>
         </mc:Fallback>
       </mc:AlternateContent>
-      <mc:AlternateContent xmlns:mc="http://schemas.openxmlformats.org/markup-compatibility/2006">
-        <mc:Choice xmlns:a14="http://schemas.microsoft.com/office/drawing/2010/main" Requires="a14">
+      <mc:AlternateContent xmlns:mc="http://schemas.openxmlformats.org/markup-compatibility/2006" xmlns:a14="http://schemas.microsoft.com/office/drawing/2010/main">
+        <mc:Choice Requires="a14">
           <p:sp>
             <p:nvSpPr>
               <p:cNvPr id="3" name="Rounded Rectangle 2"/>
@@ -12518,7 +12518,7 @@
             </p:txBody>
           </p:sp>
         </mc:Choice>
-        <mc:Fallback>
+        <mc:Fallback xmlns="">
           <p:sp>
             <p:nvSpPr>
               <p:cNvPr id="3" name="Rounded Rectangle 2"/>
@@ -14929,7 +14929,7 @@
           <p:nvPr>
             <p:extLst>
               <p:ext uri="{D42A27DB-BD31-4B8C-83A1-F6EECF244321}">
-                <p14:modId xmlns:p14="http://schemas.microsoft.com/office/powerpoint/2010/main" val="4230840799"/>
+                <p14:modId xmlns:p14="http://schemas.microsoft.com/office/powerpoint/2010/main" val="1672259640"/>
               </p:ext>
             </p:extLst>
           </p:nvPr>
@@ -14963,36 +14963,36 @@
                     </a:p>
                   </a:txBody>
                   <a:tcPr>
-                    <a:lnL w="19050" cap="flat" cmpd="sng" algn="ctr">
-                      <a:solidFill>
-                        <a:srgbClr val="080CB8"/>
+                    <a:lnL w="12700" cap="flat" cmpd="sng" algn="ctr">
+                      <a:solidFill>
+                        <a:srgbClr val="7030A0"/>
                       </a:solidFill>
                       <a:prstDash val="solid"/>
                       <a:round/>
                       <a:headEnd type="none" w="med" len="med"/>
                       <a:tailEnd type="none" w="med" len="med"/>
                     </a:lnL>
-                    <a:lnR w="19050" cap="flat" cmpd="sng" algn="ctr">
-                      <a:solidFill>
-                        <a:srgbClr val="080CB8"/>
+                    <a:lnR w="12700" cap="flat" cmpd="sng" algn="ctr">
+                      <a:solidFill>
+                        <a:srgbClr val="7030A0"/>
                       </a:solidFill>
                       <a:prstDash val="solid"/>
                       <a:round/>
                       <a:headEnd type="none" w="med" len="med"/>
                       <a:tailEnd type="none" w="med" len="med"/>
                     </a:lnR>
-                    <a:lnT w="19050" cap="flat" cmpd="sng" algn="ctr">
-                      <a:solidFill>
-                        <a:srgbClr val="080CB8"/>
+                    <a:lnT w="12700" cap="flat" cmpd="sng" algn="ctr">
+                      <a:solidFill>
+                        <a:srgbClr val="7030A0"/>
                       </a:solidFill>
                       <a:prstDash val="solid"/>
                       <a:round/>
                       <a:headEnd type="none" w="med" len="med"/>
                       <a:tailEnd type="none" w="med" len="med"/>
                     </a:lnT>
-                    <a:lnB w="19050" cap="flat" cmpd="sng" algn="ctr">
-                      <a:solidFill>
-                        <a:srgbClr val="080CB8"/>
+                    <a:lnB w="12700" cap="flat" cmpd="sng" algn="ctr">
+                      <a:solidFill>
+                        <a:srgbClr val="7030A0"/>
                       </a:solidFill>
                       <a:prstDash val="solid"/>
                       <a:round/>
@@ -15017,36 +15017,36 @@
                     </a:p>
                   </a:txBody>
                   <a:tcPr>
-                    <a:lnL w="19050" cap="flat" cmpd="sng" algn="ctr">
-                      <a:solidFill>
-                        <a:srgbClr val="080CB8"/>
+                    <a:lnL w="12700" cap="flat" cmpd="sng" algn="ctr">
+                      <a:solidFill>
+                        <a:srgbClr val="7030A0"/>
                       </a:solidFill>
                       <a:prstDash val="solid"/>
                       <a:round/>
                       <a:headEnd type="none" w="med" len="med"/>
                       <a:tailEnd type="none" w="med" len="med"/>
                     </a:lnL>
-                    <a:lnR w="19050" cap="flat" cmpd="sng" algn="ctr">
-                      <a:solidFill>
-                        <a:srgbClr val="080CB8"/>
+                    <a:lnR w="12700" cap="flat" cmpd="sng" algn="ctr">
+                      <a:solidFill>
+                        <a:srgbClr val="7030A0"/>
                       </a:solidFill>
                       <a:prstDash val="solid"/>
                       <a:round/>
                       <a:headEnd type="none" w="med" len="med"/>
                       <a:tailEnd type="none" w="med" len="med"/>
                     </a:lnR>
-                    <a:lnT w="19050" cap="flat" cmpd="sng" algn="ctr">
-                      <a:solidFill>
-                        <a:srgbClr val="080CB8"/>
+                    <a:lnT w="12700" cap="flat" cmpd="sng" algn="ctr">
+                      <a:solidFill>
+                        <a:srgbClr val="7030A0"/>
                       </a:solidFill>
                       <a:prstDash val="solid"/>
                       <a:round/>
                       <a:headEnd type="none" w="med" len="med"/>
                       <a:tailEnd type="none" w="med" len="med"/>
                     </a:lnT>
-                    <a:lnB w="19050" cap="flat" cmpd="sng" algn="ctr">
-                      <a:solidFill>
-                        <a:srgbClr val="080CB8"/>
+                    <a:lnB w="12700" cap="flat" cmpd="sng" algn="ctr">
+                      <a:solidFill>
+                        <a:srgbClr val="7030A0"/>
                       </a:solidFill>
                       <a:prstDash val="solid"/>
                       <a:round/>
@@ -15074,36 +15074,36 @@
                     </a:p>
                   </a:txBody>
                   <a:tcPr>
-                    <a:lnL w="19050" cap="flat" cmpd="sng" algn="ctr">
-                      <a:solidFill>
-                        <a:srgbClr val="080CB8"/>
+                    <a:lnL w="12700" cap="flat" cmpd="sng" algn="ctr">
+                      <a:solidFill>
+                        <a:srgbClr val="7030A0"/>
                       </a:solidFill>
                       <a:prstDash val="solid"/>
                       <a:round/>
                       <a:headEnd type="none" w="med" len="med"/>
                       <a:tailEnd type="none" w="med" len="med"/>
                     </a:lnL>
-                    <a:lnR w="19050" cap="flat" cmpd="sng" algn="ctr">
-                      <a:solidFill>
-                        <a:srgbClr val="080CB8"/>
+                    <a:lnR w="12700" cap="flat" cmpd="sng" algn="ctr">
+                      <a:solidFill>
+                        <a:srgbClr val="7030A0"/>
                       </a:solidFill>
                       <a:prstDash val="solid"/>
                       <a:round/>
                       <a:headEnd type="none" w="med" len="med"/>
                       <a:tailEnd type="none" w="med" len="med"/>
                     </a:lnR>
-                    <a:lnT w="19050" cap="flat" cmpd="sng" algn="ctr">
-                      <a:solidFill>
-                        <a:srgbClr val="080CB8"/>
+                    <a:lnT w="12700" cap="flat" cmpd="sng" algn="ctr">
+                      <a:solidFill>
+                        <a:srgbClr val="7030A0"/>
                       </a:solidFill>
                       <a:prstDash val="solid"/>
                       <a:round/>
                       <a:headEnd type="none" w="med" len="med"/>
                       <a:tailEnd type="none" w="med" len="med"/>
                     </a:lnT>
-                    <a:lnB w="19050" cap="flat" cmpd="sng" algn="ctr">
-                      <a:solidFill>
-                        <a:srgbClr val="080CB8"/>
+                    <a:lnB w="12700" cap="flat" cmpd="sng" algn="ctr">
+                      <a:solidFill>
+                        <a:srgbClr val="7030A0"/>
                       </a:solidFill>
                       <a:prstDash val="solid"/>
                       <a:round/>
@@ -15128,36 +15128,36 @@
                     </a:p>
                   </a:txBody>
                   <a:tcPr>
-                    <a:lnL w="19050" cap="flat" cmpd="sng" algn="ctr">
-                      <a:solidFill>
-                        <a:srgbClr val="080CB8"/>
+                    <a:lnL w="12700" cap="flat" cmpd="sng" algn="ctr">
+                      <a:solidFill>
+                        <a:srgbClr val="7030A0"/>
                       </a:solidFill>
                       <a:prstDash val="solid"/>
                       <a:round/>
                       <a:headEnd type="none" w="med" len="med"/>
                       <a:tailEnd type="none" w="med" len="med"/>
                     </a:lnL>
-                    <a:lnR w="19050" cap="flat" cmpd="sng" algn="ctr">
-                      <a:solidFill>
-                        <a:srgbClr val="080CB8"/>
+                    <a:lnR w="12700" cap="flat" cmpd="sng" algn="ctr">
+                      <a:solidFill>
+                        <a:srgbClr val="7030A0"/>
                       </a:solidFill>
                       <a:prstDash val="solid"/>
                       <a:round/>
                       <a:headEnd type="none" w="med" len="med"/>
                       <a:tailEnd type="none" w="med" len="med"/>
                     </a:lnR>
-                    <a:lnT w="19050" cap="flat" cmpd="sng" algn="ctr">
-                      <a:solidFill>
-                        <a:srgbClr val="080CB8"/>
+                    <a:lnT w="12700" cap="flat" cmpd="sng" algn="ctr">
+                      <a:solidFill>
+                        <a:srgbClr val="7030A0"/>
                       </a:solidFill>
                       <a:prstDash val="solid"/>
                       <a:round/>
                       <a:headEnd type="none" w="med" len="med"/>
                       <a:tailEnd type="none" w="med" len="med"/>
                     </a:lnT>
-                    <a:lnB w="19050" cap="flat" cmpd="sng" algn="ctr">
-                      <a:solidFill>
-                        <a:srgbClr val="080CB8"/>
+                    <a:lnB w="12700" cap="flat" cmpd="sng" algn="ctr">
+                      <a:solidFill>
+                        <a:srgbClr val="7030A0"/>
                       </a:solidFill>
                       <a:prstDash val="solid"/>
                       <a:round/>
@@ -15185,36 +15185,36 @@
                     </a:p>
                   </a:txBody>
                   <a:tcPr>
-                    <a:lnL w="19050" cap="flat" cmpd="sng" algn="ctr">
-                      <a:solidFill>
-                        <a:srgbClr val="080CB8"/>
+                    <a:lnL w="12700" cap="flat" cmpd="sng" algn="ctr">
+                      <a:solidFill>
+                        <a:srgbClr val="7030A0"/>
                       </a:solidFill>
                       <a:prstDash val="solid"/>
                       <a:round/>
                       <a:headEnd type="none" w="med" len="med"/>
                       <a:tailEnd type="none" w="med" len="med"/>
                     </a:lnL>
-                    <a:lnR w="19050" cap="flat" cmpd="sng" algn="ctr">
-                      <a:solidFill>
-                        <a:srgbClr val="080CB8"/>
+                    <a:lnR w="12700" cap="flat" cmpd="sng" algn="ctr">
+                      <a:solidFill>
+                        <a:srgbClr val="7030A0"/>
                       </a:solidFill>
                       <a:prstDash val="solid"/>
                       <a:round/>
                       <a:headEnd type="none" w="med" len="med"/>
                       <a:tailEnd type="none" w="med" len="med"/>
                     </a:lnR>
-                    <a:lnT w="19050" cap="flat" cmpd="sng" algn="ctr">
-                      <a:solidFill>
-                        <a:srgbClr val="080CB8"/>
+                    <a:lnT w="12700" cap="flat" cmpd="sng" algn="ctr">
+                      <a:solidFill>
+                        <a:srgbClr val="7030A0"/>
                       </a:solidFill>
                       <a:prstDash val="solid"/>
                       <a:round/>
                       <a:headEnd type="none" w="med" len="med"/>
                       <a:tailEnd type="none" w="med" len="med"/>
                     </a:lnT>
-                    <a:lnB w="19050" cap="flat" cmpd="sng" algn="ctr">
-                      <a:solidFill>
-                        <a:srgbClr val="080CB8"/>
+                    <a:lnB w="12700" cap="flat" cmpd="sng" algn="ctr">
+                      <a:solidFill>
+                        <a:srgbClr val="7030A0"/>
                       </a:solidFill>
                       <a:prstDash val="solid"/>
                       <a:round/>
@@ -15239,36 +15239,36 @@
                     </a:p>
                   </a:txBody>
                   <a:tcPr>
-                    <a:lnL w="19050" cap="flat" cmpd="sng" algn="ctr">
-                      <a:solidFill>
-                        <a:srgbClr val="080CB8"/>
+                    <a:lnL w="12700" cap="flat" cmpd="sng" algn="ctr">
+                      <a:solidFill>
+                        <a:srgbClr val="7030A0"/>
                       </a:solidFill>
                       <a:prstDash val="solid"/>
                       <a:round/>
                       <a:headEnd type="none" w="med" len="med"/>
                       <a:tailEnd type="none" w="med" len="med"/>
                     </a:lnL>
-                    <a:lnR w="19050" cap="flat" cmpd="sng" algn="ctr">
-                      <a:solidFill>
-                        <a:srgbClr val="080CB8"/>
+                    <a:lnR w="12700" cap="flat" cmpd="sng" algn="ctr">
+                      <a:solidFill>
+                        <a:srgbClr val="7030A0"/>
                       </a:solidFill>
                       <a:prstDash val="solid"/>
                       <a:round/>
                       <a:headEnd type="none" w="med" len="med"/>
                       <a:tailEnd type="none" w="med" len="med"/>
                     </a:lnR>
-                    <a:lnT w="19050" cap="flat" cmpd="sng" algn="ctr">
-                      <a:solidFill>
-                        <a:srgbClr val="080CB8"/>
+                    <a:lnT w="12700" cap="flat" cmpd="sng" algn="ctr">
+                      <a:solidFill>
+                        <a:srgbClr val="7030A0"/>
                       </a:solidFill>
                       <a:prstDash val="solid"/>
                       <a:round/>
                       <a:headEnd type="none" w="med" len="med"/>
                       <a:tailEnd type="none" w="med" len="med"/>
                     </a:lnT>
-                    <a:lnB w="19050" cap="flat" cmpd="sng" algn="ctr">
-                      <a:solidFill>
-                        <a:srgbClr val="080CB8"/>
+                    <a:lnB w="12700" cap="flat" cmpd="sng" algn="ctr">
+                      <a:solidFill>
+                        <a:srgbClr val="7030A0"/>
                       </a:solidFill>
                       <a:prstDash val="solid"/>
                       <a:round/>
@@ -15293,36 +15293,36 @@
                     </a:p>
                   </a:txBody>
                   <a:tcPr>
-                    <a:lnL w="19050" cap="flat" cmpd="sng" algn="ctr">
-                      <a:solidFill>
-                        <a:srgbClr val="080CB8"/>
+                    <a:lnL w="12700" cap="flat" cmpd="sng" algn="ctr">
+                      <a:solidFill>
+                        <a:srgbClr val="7030A0"/>
                       </a:solidFill>
                       <a:prstDash val="solid"/>
                       <a:round/>
                       <a:headEnd type="none" w="med" len="med"/>
                       <a:tailEnd type="none" w="med" len="med"/>
                     </a:lnL>
-                    <a:lnR w="19050" cap="flat" cmpd="sng" algn="ctr">
-                      <a:solidFill>
-                        <a:srgbClr val="080CB8"/>
+                    <a:lnR w="12700" cap="flat" cmpd="sng" algn="ctr">
+                      <a:solidFill>
+                        <a:srgbClr val="7030A0"/>
                       </a:solidFill>
                       <a:prstDash val="solid"/>
                       <a:round/>
                       <a:headEnd type="none" w="med" len="med"/>
                       <a:tailEnd type="none" w="med" len="med"/>
                     </a:lnR>
-                    <a:lnT w="19050" cap="flat" cmpd="sng" algn="ctr">
-                      <a:solidFill>
-                        <a:srgbClr val="080CB8"/>
+                    <a:lnT w="12700" cap="flat" cmpd="sng" algn="ctr">
+                      <a:solidFill>
+                        <a:srgbClr val="7030A0"/>
                       </a:solidFill>
                       <a:prstDash val="solid"/>
                       <a:round/>
                       <a:headEnd type="none" w="med" len="med"/>
                       <a:tailEnd type="none" w="med" len="med"/>
                     </a:lnT>
-                    <a:lnB w="19050" cap="flat" cmpd="sng" algn="ctr">
-                      <a:solidFill>
-                        <a:srgbClr val="080CB8"/>
+                    <a:lnB w="12700" cap="flat" cmpd="sng" algn="ctr">
+                      <a:solidFill>
+                        <a:srgbClr val="7030A0"/>
                       </a:solidFill>
                       <a:prstDash val="solid"/>
                       <a:round/>
@@ -15347,36 +15347,36 @@
                     </a:p>
                   </a:txBody>
                   <a:tcPr>
-                    <a:lnL w="19050" cap="flat" cmpd="sng" algn="ctr">
-                      <a:solidFill>
-                        <a:srgbClr val="080CB8"/>
+                    <a:lnL w="12700" cap="flat" cmpd="sng" algn="ctr">
+                      <a:solidFill>
+                        <a:srgbClr val="7030A0"/>
                       </a:solidFill>
                       <a:prstDash val="solid"/>
                       <a:round/>
                       <a:headEnd type="none" w="med" len="med"/>
                       <a:tailEnd type="none" w="med" len="med"/>
                     </a:lnL>
-                    <a:lnR w="19050" cap="flat" cmpd="sng" algn="ctr">
-                      <a:solidFill>
-                        <a:srgbClr val="080CB8"/>
+                    <a:lnR w="12700" cap="flat" cmpd="sng" algn="ctr">
+                      <a:solidFill>
+                        <a:srgbClr val="7030A0"/>
                       </a:solidFill>
                       <a:prstDash val="solid"/>
                       <a:round/>
                       <a:headEnd type="none" w="med" len="med"/>
                       <a:tailEnd type="none" w="med" len="med"/>
                     </a:lnR>
-                    <a:lnT w="19050" cap="flat" cmpd="sng" algn="ctr">
-                      <a:solidFill>
-                        <a:srgbClr val="080CB8"/>
+                    <a:lnT w="12700" cap="flat" cmpd="sng" algn="ctr">
+                      <a:solidFill>
+                        <a:srgbClr val="7030A0"/>
                       </a:solidFill>
                       <a:prstDash val="solid"/>
                       <a:round/>
                       <a:headEnd type="none" w="med" len="med"/>
                       <a:tailEnd type="none" w="med" len="med"/>
                     </a:lnT>
-                    <a:lnB w="19050" cap="flat" cmpd="sng" algn="ctr">
-                      <a:solidFill>
-                        <a:srgbClr val="080CB8"/>
+                    <a:lnB w="12700" cap="flat" cmpd="sng" algn="ctr">
+                      <a:solidFill>
+                        <a:srgbClr val="7030A0"/>
                       </a:solidFill>
                       <a:prstDash val="solid"/>
                       <a:round/>
@@ -15404,7 +15404,7 @@
           <p:nvPr>
             <p:extLst>
               <p:ext uri="{D42A27DB-BD31-4B8C-83A1-F6EECF244321}">
-                <p14:modId xmlns:p14="http://schemas.microsoft.com/office/powerpoint/2010/main" val="734272577"/>
+                <p14:modId xmlns:p14="http://schemas.microsoft.com/office/powerpoint/2010/main" val="541434608"/>
               </p:ext>
             </p:extLst>
           </p:nvPr>
@@ -15438,36 +15438,44 @@
                     </a:p>
                   </a:txBody>
                   <a:tcPr>
-                    <a:lnL w="19050" cap="flat" cmpd="sng" algn="ctr">
-                      <a:solidFill>
-                        <a:srgbClr val="FF0000"/>
+                    <a:lnL w="12700" cap="flat" cmpd="sng" algn="ctr">
+                      <a:solidFill>
+                        <a:schemeClr val="accent4">
+                          <a:lumMod val="50000"/>
+                        </a:schemeClr>
                       </a:solidFill>
                       <a:prstDash val="solid"/>
                       <a:round/>
                       <a:headEnd type="none" w="med" len="med"/>
                       <a:tailEnd type="none" w="med" len="med"/>
                     </a:lnL>
-                    <a:lnR w="19050" cap="flat" cmpd="sng" algn="ctr">
-                      <a:solidFill>
-                        <a:srgbClr val="FF0000"/>
+                    <a:lnR w="12700" cap="flat" cmpd="sng" algn="ctr">
+                      <a:solidFill>
+                        <a:schemeClr val="accent4">
+                          <a:lumMod val="50000"/>
+                        </a:schemeClr>
                       </a:solidFill>
                       <a:prstDash val="solid"/>
                       <a:round/>
                       <a:headEnd type="none" w="med" len="med"/>
                       <a:tailEnd type="none" w="med" len="med"/>
                     </a:lnR>
-                    <a:lnT w="19050" cap="flat" cmpd="sng" algn="ctr">
-                      <a:solidFill>
-                        <a:srgbClr val="FF0000"/>
+                    <a:lnT w="12700" cap="flat" cmpd="sng" algn="ctr">
+                      <a:solidFill>
+                        <a:schemeClr val="accent4">
+                          <a:lumMod val="50000"/>
+                        </a:schemeClr>
                       </a:solidFill>
                       <a:prstDash val="solid"/>
                       <a:round/>
                       <a:headEnd type="none" w="med" len="med"/>
                       <a:tailEnd type="none" w="med" len="med"/>
                     </a:lnT>
-                    <a:lnB w="19050" cap="flat" cmpd="sng" algn="ctr">
-                      <a:solidFill>
-                        <a:srgbClr val="FF0000"/>
+                    <a:lnB w="12700" cap="flat" cmpd="sng" algn="ctr">
+                      <a:solidFill>
+                        <a:schemeClr val="accent4">
+                          <a:lumMod val="50000"/>
+                        </a:schemeClr>
                       </a:solidFill>
                       <a:prstDash val="solid"/>
                       <a:round/>
@@ -15475,7 +15483,10 @@
                       <a:tailEnd type="none" w="med" len="med"/>
                     </a:lnB>
                     <a:solidFill>
-                      <a:schemeClr val="bg1"/>
+                      <a:schemeClr val="accent4">
+                        <a:lumMod val="20000"/>
+                        <a:lumOff val="80000"/>
+                      </a:schemeClr>
                     </a:solidFill>
                   </a:tcPr>
                 </a:tc>
@@ -15495,36 +15506,44 @@
                     </a:p>
                   </a:txBody>
                   <a:tcPr>
-                    <a:lnL w="19050" cap="flat" cmpd="sng" algn="ctr">
-                      <a:solidFill>
-                        <a:srgbClr val="FF0000"/>
+                    <a:lnL w="12700" cap="flat" cmpd="sng" algn="ctr">
+                      <a:solidFill>
+                        <a:schemeClr val="accent4">
+                          <a:lumMod val="50000"/>
+                        </a:schemeClr>
                       </a:solidFill>
                       <a:prstDash val="solid"/>
                       <a:round/>
                       <a:headEnd type="none" w="med" len="med"/>
                       <a:tailEnd type="none" w="med" len="med"/>
                     </a:lnL>
-                    <a:lnR w="19050" cap="flat" cmpd="sng" algn="ctr">
-                      <a:solidFill>
-                        <a:srgbClr val="FF0000"/>
+                    <a:lnR w="12700" cap="flat" cmpd="sng" algn="ctr">
+                      <a:solidFill>
+                        <a:schemeClr val="accent4">
+                          <a:lumMod val="50000"/>
+                        </a:schemeClr>
                       </a:solidFill>
                       <a:prstDash val="solid"/>
                       <a:round/>
                       <a:headEnd type="none" w="med" len="med"/>
                       <a:tailEnd type="none" w="med" len="med"/>
                     </a:lnR>
-                    <a:lnT w="19050" cap="flat" cmpd="sng" algn="ctr">
-                      <a:solidFill>
-                        <a:srgbClr val="FF0000"/>
+                    <a:lnT w="12700" cap="flat" cmpd="sng" algn="ctr">
+                      <a:solidFill>
+                        <a:schemeClr val="accent4">
+                          <a:lumMod val="50000"/>
+                        </a:schemeClr>
                       </a:solidFill>
                       <a:prstDash val="solid"/>
                       <a:round/>
                       <a:headEnd type="none" w="med" len="med"/>
                       <a:tailEnd type="none" w="med" len="med"/>
                     </a:lnT>
-                    <a:lnB w="19050" cap="flat" cmpd="sng" algn="ctr">
-                      <a:solidFill>
-                        <a:srgbClr val="FF0000"/>
+                    <a:lnB w="12700" cap="flat" cmpd="sng" algn="ctr">
+                      <a:solidFill>
+                        <a:schemeClr val="accent4">
+                          <a:lumMod val="50000"/>
+                        </a:schemeClr>
                       </a:solidFill>
                       <a:prstDash val="solid"/>
                       <a:round/>
@@ -15532,7 +15551,10 @@
                       <a:tailEnd type="none" w="med" len="med"/>
                     </a:lnB>
                     <a:solidFill>
-                      <a:schemeClr val="bg1"/>
+                      <a:schemeClr val="accent4">
+                        <a:lumMod val="20000"/>
+                        <a:lumOff val="80000"/>
+                      </a:schemeClr>
                     </a:solidFill>
                   </a:tcPr>
                 </a:tc>
@@ -15552,36 +15574,44 @@
                     </a:p>
                   </a:txBody>
                   <a:tcPr>
-                    <a:lnL w="19050" cap="flat" cmpd="sng" algn="ctr">
-                      <a:solidFill>
-                        <a:srgbClr val="FF0000"/>
+                    <a:lnL w="12700" cap="flat" cmpd="sng" algn="ctr">
+                      <a:solidFill>
+                        <a:schemeClr val="accent4">
+                          <a:lumMod val="50000"/>
+                        </a:schemeClr>
                       </a:solidFill>
                       <a:prstDash val="solid"/>
                       <a:round/>
                       <a:headEnd type="none" w="med" len="med"/>
                       <a:tailEnd type="none" w="med" len="med"/>
                     </a:lnL>
-                    <a:lnR w="19050" cap="flat" cmpd="sng" algn="ctr">
-                      <a:solidFill>
-                        <a:srgbClr val="FF0000"/>
+                    <a:lnR w="12700" cap="flat" cmpd="sng" algn="ctr">
+                      <a:solidFill>
+                        <a:schemeClr val="accent4">
+                          <a:lumMod val="50000"/>
+                        </a:schemeClr>
                       </a:solidFill>
                       <a:prstDash val="solid"/>
                       <a:round/>
                       <a:headEnd type="none" w="med" len="med"/>
                       <a:tailEnd type="none" w="med" len="med"/>
                     </a:lnR>
-                    <a:lnT w="19050" cap="flat" cmpd="sng" algn="ctr">
-                      <a:solidFill>
-                        <a:srgbClr val="FF0000"/>
+                    <a:lnT w="12700" cap="flat" cmpd="sng" algn="ctr">
+                      <a:solidFill>
+                        <a:schemeClr val="accent4">
+                          <a:lumMod val="50000"/>
+                        </a:schemeClr>
                       </a:solidFill>
                       <a:prstDash val="solid"/>
                       <a:round/>
                       <a:headEnd type="none" w="med" len="med"/>
                       <a:tailEnd type="none" w="med" len="med"/>
                     </a:lnT>
-                    <a:lnB w="19050" cap="flat" cmpd="sng" algn="ctr">
-                      <a:solidFill>
-                        <a:srgbClr val="FF0000"/>
+                    <a:lnB w="12700" cap="flat" cmpd="sng" algn="ctr">
+                      <a:solidFill>
+                        <a:schemeClr val="accent4">
+                          <a:lumMod val="50000"/>
+                        </a:schemeClr>
                       </a:solidFill>
                       <a:prstDash val="solid"/>
                       <a:round/>
@@ -15589,7 +15619,10 @@
                       <a:tailEnd type="none" w="med" len="med"/>
                     </a:lnB>
                     <a:solidFill>
-                      <a:schemeClr val="bg1"/>
+                      <a:schemeClr val="accent4">
+                        <a:lumMod val="20000"/>
+                        <a:lumOff val="80000"/>
+                      </a:schemeClr>
                     </a:solidFill>
                   </a:tcPr>
                 </a:tc>
@@ -15609,36 +15642,44 @@
                     </a:p>
                   </a:txBody>
                   <a:tcPr>
-                    <a:lnL w="19050" cap="flat" cmpd="sng" algn="ctr">
-                      <a:solidFill>
-                        <a:srgbClr val="FF0000"/>
+                    <a:lnL w="12700" cap="flat" cmpd="sng" algn="ctr">
+                      <a:solidFill>
+                        <a:schemeClr val="accent4">
+                          <a:lumMod val="50000"/>
+                        </a:schemeClr>
                       </a:solidFill>
                       <a:prstDash val="solid"/>
                       <a:round/>
                       <a:headEnd type="none" w="med" len="med"/>
                       <a:tailEnd type="none" w="med" len="med"/>
                     </a:lnL>
-                    <a:lnR w="19050" cap="flat" cmpd="sng" algn="ctr">
-                      <a:solidFill>
-                        <a:srgbClr val="FF0000"/>
+                    <a:lnR w="12700" cap="flat" cmpd="sng" algn="ctr">
+                      <a:solidFill>
+                        <a:schemeClr val="accent4">
+                          <a:lumMod val="50000"/>
+                        </a:schemeClr>
                       </a:solidFill>
                       <a:prstDash val="solid"/>
                       <a:round/>
                       <a:headEnd type="none" w="med" len="med"/>
                       <a:tailEnd type="none" w="med" len="med"/>
                     </a:lnR>
-                    <a:lnT w="19050" cap="flat" cmpd="sng" algn="ctr">
-                      <a:solidFill>
-                        <a:srgbClr val="FF0000"/>
+                    <a:lnT w="12700" cap="flat" cmpd="sng" algn="ctr">
+                      <a:solidFill>
+                        <a:schemeClr val="accent4">
+                          <a:lumMod val="50000"/>
+                        </a:schemeClr>
                       </a:solidFill>
                       <a:prstDash val="solid"/>
                       <a:round/>
                       <a:headEnd type="none" w="med" len="med"/>
                       <a:tailEnd type="none" w="med" len="med"/>
                     </a:lnT>
-                    <a:lnB w="19050" cap="flat" cmpd="sng" algn="ctr">
-                      <a:solidFill>
-                        <a:srgbClr val="FF0000"/>
+                    <a:lnB w="12700" cap="flat" cmpd="sng" algn="ctr">
+                      <a:solidFill>
+                        <a:schemeClr val="accent4">
+                          <a:lumMod val="50000"/>
+                        </a:schemeClr>
                       </a:solidFill>
                       <a:prstDash val="solid"/>
                       <a:round/>
@@ -15646,7 +15687,10 @@
                       <a:tailEnd type="none" w="med" len="med"/>
                     </a:lnB>
                     <a:solidFill>
-                      <a:schemeClr val="bg1"/>
+                      <a:schemeClr val="accent4">
+                        <a:lumMod val="20000"/>
+                        <a:lumOff val="80000"/>
+                      </a:schemeClr>
                     </a:solidFill>
                   </a:tcPr>
                 </a:tc>
@@ -15666,36 +15710,44 @@
                     </a:p>
                   </a:txBody>
                   <a:tcPr>
-                    <a:lnL w="19050" cap="flat" cmpd="sng" algn="ctr">
-                      <a:solidFill>
-                        <a:srgbClr val="FF0000"/>
+                    <a:lnL w="12700" cap="flat" cmpd="sng" algn="ctr">
+                      <a:solidFill>
+                        <a:schemeClr val="accent4">
+                          <a:lumMod val="50000"/>
+                        </a:schemeClr>
                       </a:solidFill>
                       <a:prstDash val="solid"/>
                       <a:round/>
                       <a:headEnd type="none" w="med" len="med"/>
                       <a:tailEnd type="none" w="med" len="med"/>
                     </a:lnL>
-                    <a:lnR w="19050" cap="flat" cmpd="sng" algn="ctr">
-                      <a:solidFill>
-                        <a:srgbClr val="FF0000"/>
+                    <a:lnR w="12700" cap="flat" cmpd="sng" algn="ctr">
+                      <a:solidFill>
+                        <a:schemeClr val="accent4">
+                          <a:lumMod val="50000"/>
+                        </a:schemeClr>
                       </a:solidFill>
                       <a:prstDash val="solid"/>
                       <a:round/>
                       <a:headEnd type="none" w="med" len="med"/>
                       <a:tailEnd type="none" w="med" len="med"/>
                     </a:lnR>
-                    <a:lnT w="19050" cap="flat" cmpd="sng" algn="ctr">
-                      <a:solidFill>
-                        <a:srgbClr val="FF0000"/>
+                    <a:lnT w="12700" cap="flat" cmpd="sng" algn="ctr">
+                      <a:solidFill>
+                        <a:schemeClr val="accent4">
+                          <a:lumMod val="50000"/>
+                        </a:schemeClr>
                       </a:solidFill>
                       <a:prstDash val="solid"/>
                       <a:round/>
                       <a:headEnd type="none" w="med" len="med"/>
                       <a:tailEnd type="none" w="med" len="med"/>
                     </a:lnT>
-                    <a:lnB w="19050" cap="flat" cmpd="sng" algn="ctr">
-                      <a:solidFill>
-                        <a:srgbClr val="FF0000"/>
+                    <a:lnB w="12700" cap="flat" cmpd="sng" algn="ctr">
+                      <a:solidFill>
+                        <a:schemeClr val="accent4">
+                          <a:lumMod val="50000"/>
+                        </a:schemeClr>
                       </a:solidFill>
                       <a:prstDash val="solid"/>
                       <a:round/>
@@ -15703,7 +15755,10 @@
                       <a:tailEnd type="none" w="med" len="med"/>
                     </a:lnB>
                     <a:solidFill>
-                      <a:schemeClr val="bg1"/>
+                      <a:schemeClr val="accent4">
+                        <a:lumMod val="20000"/>
+                        <a:lumOff val="80000"/>
+                      </a:schemeClr>
                     </a:solidFill>
                   </a:tcPr>
                 </a:tc>
@@ -15723,36 +15778,44 @@
                     </a:p>
                   </a:txBody>
                   <a:tcPr>
-                    <a:lnL w="19050" cap="flat" cmpd="sng" algn="ctr">
-                      <a:solidFill>
-                        <a:srgbClr val="FF0000"/>
+                    <a:lnL w="12700" cap="flat" cmpd="sng" algn="ctr">
+                      <a:solidFill>
+                        <a:schemeClr val="accent4">
+                          <a:lumMod val="50000"/>
+                        </a:schemeClr>
                       </a:solidFill>
                       <a:prstDash val="solid"/>
                       <a:round/>
                       <a:headEnd type="none" w="med" len="med"/>
                       <a:tailEnd type="none" w="med" len="med"/>
                     </a:lnL>
-                    <a:lnR w="19050" cap="flat" cmpd="sng" algn="ctr">
-                      <a:solidFill>
-                        <a:srgbClr val="FF0000"/>
+                    <a:lnR w="12700" cap="flat" cmpd="sng" algn="ctr">
+                      <a:solidFill>
+                        <a:schemeClr val="accent4">
+                          <a:lumMod val="50000"/>
+                        </a:schemeClr>
                       </a:solidFill>
                       <a:prstDash val="solid"/>
                       <a:round/>
                       <a:headEnd type="none" w="med" len="med"/>
                       <a:tailEnd type="none" w="med" len="med"/>
                     </a:lnR>
-                    <a:lnT w="19050" cap="flat" cmpd="sng" algn="ctr">
-                      <a:solidFill>
-                        <a:srgbClr val="FF0000"/>
+                    <a:lnT w="12700" cap="flat" cmpd="sng" algn="ctr">
+                      <a:solidFill>
+                        <a:schemeClr val="accent4">
+                          <a:lumMod val="50000"/>
+                        </a:schemeClr>
                       </a:solidFill>
                       <a:prstDash val="solid"/>
                       <a:round/>
                       <a:headEnd type="none" w="med" len="med"/>
                       <a:tailEnd type="none" w="med" len="med"/>
                     </a:lnT>
-                    <a:lnB w="19050" cap="flat" cmpd="sng" algn="ctr">
-                      <a:solidFill>
-                        <a:srgbClr val="FF0000"/>
+                    <a:lnB w="12700" cap="flat" cmpd="sng" algn="ctr">
+                      <a:solidFill>
+                        <a:schemeClr val="accent4">
+                          <a:lumMod val="50000"/>
+                        </a:schemeClr>
                       </a:solidFill>
                       <a:prstDash val="solid"/>
                       <a:round/>
@@ -15760,7 +15823,10 @@
                       <a:tailEnd type="none" w="med" len="med"/>
                     </a:lnB>
                     <a:solidFill>
-                      <a:schemeClr val="bg1"/>
+                      <a:schemeClr val="accent4">
+                        <a:lumMod val="20000"/>
+                        <a:lumOff val="80000"/>
+                      </a:schemeClr>
                     </a:solidFill>
                   </a:tcPr>
                 </a:tc>
@@ -15780,36 +15846,44 @@
                     </a:p>
                   </a:txBody>
                   <a:tcPr>
-                    <a:lnL w="19050" cap="flat" cmpd="sng" algn="ctr">
-                      <a:solidFill>
-                        <a:srgbClr val="FF0000"/>
+                    <a:lnL w="12700" cap="flat" cmpd="sng" algn="ctr">
+                      <a:solidFill>
+                        <a:schemeClr val="accent4">
+                          <a:lumMod val="50000"/>
+                        </a:schemeClr>
                       </a:solidFill>
                       <a:prstDash val="solid"/>
                       <a:round/>
                       <a:headEnd type="none" w="med" len="med"/>
                       <a:tailEnd type="none" w="med" len="med"/>
                     </a:lnL>
-                    <a:lnR w="19050" cap="flat" cmpd="sng" algn="ctr">
-                      <a:solidFill>
-                        <a:srgbClr val="FF0000"/>
+                    <a:lnR w="12700" cap="flat" cmpd="sng" algn="ctr">
+                      <a:solidFill>
+                        <a:schemeClr val="accent4">
+                          <a:lumMod val="50000"/>
+                        </a:schemeClr>
                       </a:solidFill>
                       <a:prstDash val="solid"/>
                       <a:round/>
                       <a:headEnd type="none" w="med" len="med"/>
                       <a:tailEnd type="none" w="med" len="med"/>
                     </a:lnR>
-                    <a:lnT w="19050" cap="flat" cmpd="sng" algn="ctr">
-                      <a:solidFill>
-                        <a:srgbClr val="FF0000"/>
+                    <a:lnT w="12700" cap="flat" cmpd="sng" algn="ctr">
+                      <a:solidFill>
+                        <a:schemeClr val="accent4">
+                          <a:lumMod val="50000"/>
+                        </a:schemeClr>
                       </a:solidFill>
                       <a:prstDash val="solid"/>
                       <a:round/>
                       <a:headEnd type="none" w="med" len="med"/>
                       <a:tailEnd type="none" w="med" len="med"/>
                     </a:lnT>
-                    <a:lnB w="19050" cap="flat" cmpd="sng" algn="ctr">
-                      <a:solidFill>
-                        <a:srgbClr val="FF0000"/>
+                    <a:lnB w="12700" cap="flat" cmpd="sng" algn="ctr">
+                      <a:solidFill>
+                        <a:schemeClr val="accent4">
+                          <a:lumMod val="50000"/>
+                        </a:schemeClr>
                       </a:solidFill>
                       <a:prstDash val="solid"/>
                       <a:round/>
@@ -15817,7 +15891,10 @@
                       <a:tailEnd type="none" w="med" len="med"/>
                     </a:lnB>
                     <a:solidFill>
-                      <a:srgbClr val="FF7C80"/>
+                      <a:schemeClr val="accent4">
+                        <a:lumMod val="20000"/>
+                        <a:lumOff val="80000"/>
+                      </a:schemeClr>
                     </a:solidFill>
                   </a:tcPr>
                 </a:tc>
@@ -16317,7 +16394,9 @@
           <a:noFill/>
           <a:ln w="19050">
             <a:solidFill>
-              <a:srgbClr val="FF0000"/>
+              <a:schemeClr val="accent4">
+                <a:lumMod val="50000"/>
+              </a:schemeClr>
             </a:solidFill>
           </a:ln>
         </p:spPr>
@@ -16362,7 +16441,9 @@
           </a:prstGeom>
           <a:ln w="9525" cap="flat" cmpd="sng" algn="ctr">
             <a:solidFill>
-              <a:srgbClr val="FF0000"/>
+              <a:schemeClr val="accent4">
+                <a:lumMod val="50000"/>
+              </a:schemeClr>
             </a:solidFill>
             <a:prstDash val="dash"/>
             <a:round/>
@@ -16810,7 +16891,9 @@
           </a:prstGeom>
           <a:ln w="9525" cap="flat" cmpd="sng" algn="ctr">
             <a:solidFill>
-              <a:srgbClr val="FF0000"/>
+              <a:schemeClr val="accent4">
+                <a:lumMod val="50000"/>
+              </a:schemeClr>
             </a:solidFill>
             <a:prstDash val="dash"/>
             <a:round/>

--- a/figs/figures.pptx
+++ b/figs/figures.pptx
@@ -14,6 +14,7 @@
     <p:sldId id="258" r:id="rId8"/>
     <p:sldId id="264" r:id="rId9"/>
     <p:sldId id="265" r:id="rId10"/>
+    <p:sldId id="266" r:id="rId11"/>
   </p:sldIdLst>
   <p:sldSz cx="27311350" cy="13679488"/>
   <p:notesSz cx="6858000" cy="9144000"/>
@@ -251,7 +252,7 @@
           <a:p>
             <a:fld id="{9323A0C5-6B5E-4B9A-9575-FF0D04DA84EC}" type="datetimeFigureOut">
               <a:rPr lang="en-US" smtClean="0"/>
-              <a:t>1/23/2019</a:t>
+              <a:t>1/24/2019</a:t>
             </a:fld>
             <a:endParaRPr lang="en-US"/>
           </a:p>
@@ -421,7 +422,7 @@
           <a:p>
             <a:fld id="{9323A0C5-6B5E-4B9A-9575-FF0D04DA84EC}" type="datetimeFigureOut">
               <a:rPr lang="en-US" smtClean="0"/>
-              <a:t>1/23/2019</a:t>
+              <a:t>1/24/2019</a:t>
             </a:fld>
             <a:endParaRPr lang="en-US"/>
           </a:p>
@@ -601,7 +602,7 @@
           <a:p>
             <a:fld id="{9323A0C5-6B5E-4B9A-9575-FF0D04DA84EC}" type="datetimeFigureOut">
               <a:rPr lang="en-US" smtClean="0"/>
-              <a:t>1/23/2019</a:t>
+              <a:t>1/24/2019</a:t>
             </a:fld>
             <a:endParaRPr lang="en-US"/>
           </a:p>
@@ -771,7 +772,7 @@
           <a:p>
             <a:fld id="{9323A0C5-6B5E-4B9A-9575-FF0D04DA84EC}" type="datetimeFigureOut">
               <a:rPr lang="en-US" smtClean="0"/>
-              <a:t>1/23/2019</a:t>
+              <a:t>1/24/2019</a:t>
             </a:fld>
             <a:endParaRPr lang="en-US"/>
           </a:p>
@@ -1017,7 +1018,7 @@
           <a:p>
             <a:fld id="{9323A0C5-6B5E-4B9A-9575-FF0D04DA84EC}" type="datetimeFigureOut">
               <a:rPr lang="en-US" smtClean="0"/>
-              <a:t>1/23/2019</a:t>
+              <a:t>1/24/2019</a:t>
             </a:fld>
             <a:endParaRPr lang="en-US"/>
           </a:p>
@@ -1249,7 +1250,7 @@
           <a:p>
             <a:fld id="{9323A0C5-6B5E-4B9A-9575-FF0D04DA84EC}" type="datetimeFigureOut">
               <a:rPr lang="en-US" smtClean="0"/>
-              <a:t>1/23/2019</a:t>
+              <a:t>1/24/2019</a:t>
             </a:fld>
             <a:endParaRPr lang="en-US"/>
           </a:p>
@@ -1616,7 +1617,7 @@
           <a:p>
             <a:fld id="{9323A0C5-6B5E-4B9A-9575-FF0D04DA84EC}" type="datetimeFigureOut">
               <a:rPr lang="en-US" smtClean="0"/>
-              <a:t>1/23/2019</a:t>
+              <a:t>1/24/2019</a:t>
             </a:fld>
             <a:endParaRPr lang="en-US"/>
           </a:p>
@@ -1734,7 +1735,7 @@
           <a:p>
             <a:fld id="{9323A0C5-6B5E-4B9A-9575-FF0D04DA84EC}" type="datetimeFigureOut">
               <a:rPr lang="en-US" smtClean="0"/>
-              <a:t>1/23/2019</a:t>
+              <a:t>1/24/2019</a:t>
             </a:fld>
             <a:endParaRPr lang="en-US"/>
           </a:p>
@@ -1829,7 +1830,7 @@
           <a:p>
             <a:fld id="{9323A0C5-6B5E-4B9A-9575-FF0D04DA84EC}" type="datetimeFigureOut">
               <a:rPr lang="en-US" smtClean="0"/>
-              <a:t>1/23/2019</a:t>
+              <a:t>1/24/2019</a:t>
             </a:fld>
             <a:endParaRPr lang="en-US"/>
           </a:p>
@@ -2106,7 +2107,7 @@
           <a:p>
             <a:fld id="{9323A0C5-6B5E-4B9A-9575-FF0D04DA84EC}" type="datetimeFigureOut">
               <a:rPr lang="en-US" smtClean="0"/>
-              <a:t>1/23/2019</a:t>
+              <a:t>1/24/2019</a:t>
             </a:fld>
             <a:endParaRPr lang="en-US"/>
           </a:p>
@@ -2363,7 +2364,7 @@
           <a:p>
             <a:fld id="{9323A0C5-6B5E-4B9A-9575-FF0D04DA84EC}" type="datetimeFigureOut">
               <a:rPr lang="en-US" smtClean="0"/>
-              <a:t>1/23/2019</a:t>
+              <a:t>1/24/2019</a:t>
             </a:fld>
             <a:endParaRPr lang="en-US"/>
           </a:p>
@@ -2576,7 +2577,7 @@
           <a:p>
             <a:fld id="{9323A0C5-6B5E-4B9A-9575-FF0D04DA84EC}" type="datetimeFigureOut">
               <a:rPr lang="en-US" smtClean="0"/>
-              <a:t>1/23/2019</a:t>
+              <a:t>1/24/2019</a:t>
             </a:fld>
             <a:endParaRPr lang="en-US"/>
           </a:p>
@@ -4034,6 +4035,1803 @@
     <p:extLst>
       <p:ext uri="{BB962C8B-B14F-4D97-AF65-F5344CB8AC3E}">
         <p14:creationId xmlns:p14="http://schemas.microsoft.com/office/powerpoint/2010/main" val="848582794"/>
+      </p:ext>
+    </p:extLst>
+  </p:cSld>
+  <p:clrMapOvr>
+    <a:masterClrMapping/>
+  </p:clrMapOvr>
+</p:sld>
+</file>
+
+<file path=ppt/slides/slide10.xml><?xml version="1.0" encoding="utf-8"?>
+<p:sld xmlns:a="http://schemas.openxmlformats.org/drawingml/2006/main" xmlns:r="http://schemas.openxmlformats.org/officeDocument/2006/relationships" xmlns:p="http://schemas.openxmlformats.org/presentationml/2006/main">
+  <p:cSld>
+    <p:spTree>
+      <p:nvGrpSpPr>
+        <p:cNvPr id="1" name=""/>
+        <p:cNvGrpSpPr/>
+        <p:nvPr/>
+      </p:nvGrpSpPr>
+      <p:grpSpPr>
+        <a:xfrm>
+          <a:off x="0" y="0"/>
+          <a:ext cx="0" cy="0"/>
+          <a:chOff x="0" y="0"/>
+          <a:chExt cx="0" cy="0"/>
+        </a:xfrm>
+      </p:grpSpPr>
+      <p:sp>
+        <p:nvSpPr>
+          <p:cNvPr id="5" name="Rectangle 1"/>
+          <p:cNvSpPr>
+            <a:spLocks noChangeArrowheads="1"/>
+          </p:cNvSpPr>
+          <p:nvPr/>
+        </p:nvSpPr>
+        <p:spPr bwMode="auto">
+          <a:xfrm>
+            <a:off x="1524000" y="651029"/>
+            <a:ext cx="19283680" cy="10433625"/>
+          </a:xfrm>
+          <a:prstGeom prst="rect">
+            <a:avLst/>
+          </a:prstGeom>
+          <a:noFill/>
+          <a:ln>
+            <a:noFill/>
+          </a:ln>
+          <a:effectLst/>
+          <a:extLst>
+            <a:ext uri="{909E8E84-426E-40DD-AFC4-6F175D3DCCD1}">
+              <a14:hiddenFill xmlns:a14="http://schemas.microsoft.com/office/drawing/2010/main">
+                <a:solidFill>
+                  <a:schemeClr val="accent1"/>
+                </a:solidFill>
+              </a14:hiddenFill>
+            </a:ext>
+            <a:ext uri="{91240B29-F687-4F45-9708-019B960494DF}">
+              <a14:hiddenLine xmlns:a14="http://schemas.microsoft.com/office/drawing/2010/main" w="9525">
+                <a:solidFill>
+                  <a:schemeClr val="tx1"/>
+                </a:solidFill>
+                <a:miter lim="800000"/>
+                <a:headEnd/>
+                <a:tailEnd/>
+              </a14:hiddenLine>
+            </a:ext>
+            <a:ext uri="{AF507438-7753-43E0-B8FC-AC1667EBCBE1}">
+              <a14:hiddenEffects xmlns:a14="http://schemas.microsoft.com/office/drawing/2010/main">
+                <a:effectLst>
+                  <a:outerShdw dist="35921" dir="2700000" algn="ctr" rotWithShape="0">
+                    <a:schemeClr val="bg2"/>
+                  </a:outerShdw>
+                </a:effectLst>
+              </a14:hiddenEffects>
+            </a:ext>
+          </a:extLst>
+        </p:spPr>
+        <p:txBody>
+          <a:bodyPr vert="horz" wrap="square" lIns="91440" tIns="45720" rIns="91440" bIns="45720" numCol="1" anchor="ctr" anchorCtr="0" compatLnSpc="1">
+            <a:prstTxWarp prst="textNoShape">
+              <a:avLst/>
+            </a:prstTxWarp>
+            <a:spAutoFit/>
+          </a:bodyPr>
+          <a:lstStyle>
+            <a:lvl1pPr eaLnBrk="0" fontAlgn="base" hangingPunct="0">
+              <a:spcBef>
+                <a:spcPct val="0"/>
+              </a:spcBef>
+              <a:spcAft>
+                <a:spcPct val="0"/>
+              </a:spcAft>
+              <a:defRPr>
+                <a:solidFill>
+                  <a:schemeClr val="tx1"/>
+                </a:solidFill>
+                <a:latin typeface="Arial" panose="020B0604020202020204" pitchFamily="34" charset="0"/>
+              </a:defRPr>
+            </a:lvl1pPr>
+            <a:lvl2pPr eaLnBrk="0" fontAlgn="base" hangingPunct="0">
+              <a:spcBef>
+                <a:spcPct val="0"/>
+              </a:spcBef>
+              <a:spcAft>
+                <a:spcPct val="0"/>
+              </a:spcAft>
+              <a:defRPr>
+                <a:solidFill>
+                  <a:schemeClr val="tx1"/>
+                </a:solidFill>
+                <a:latin typeface="Arial" panose="020B0604020202020204" pitchFamily="34" charset="0"/>
+              </a:defRPr>
+            </a:lvl2pPr>
+            <a:lvl3pPr eaLnBrk="0" fontAlgn="base" hangingPunct="0">
+              <a:spcBef>
+                <a:spcPct val="0"/>
+              </a:spcBef>
+              <a:spcAft>
+                <a:spcPct val="0"/>
+              </a:spcAft>
+              <a:defRPr>
+                <a:solidFill>
+                  <a:schemeClr val="tx1"/>
+                </a:solidFill>
+                <a:latin typeface="Arial" panose="020B0604020202020204" pitchFamily="34" charset="0"/>
+              </a:defRPr>
+            </a:lvl3pPr>
+            <a:lvl4pPr eaLnBrk="0" fontAlgn="base" hangingPunct="0">
+              <a:spcBef>
+                <a:spcPct val="0"/>
+              </a:spcBef>
+              <a:spcAft>
+                <a:spcPct val="0"/>
+              </a:spcAft>
+              <a:defRPr>
+                <a:solidFill>
+                  <a:schemeClr val="tx1"/>
+                </a:solidFill>
+                <a:latin typeface="Arial" panose="020B0604020202020204" pitchFamily="34" charset="0"/>
+              </a:defRPr>
+            </a:lvl4pPr>
+            <a:lvl5pPr eaLnBrk="0" fontAlgn="base" hangingPunct="0">
+              <a:spcBef>
+                <a:spcPct val="0"/>
+              </a:spcBef>
+              <a:spcAft>
+                <a:spcPct val="0"/>
+              </a:spcAft>
+              <a:defRPr>
+                <a:solidFill>
+                  <a:schemeClr val="tx1"/>
+                </a:solidFill>
+                <a:latin typeface="Arial" panose="020B0604020202020204" pitchFamily="34" charset="0"/>
+              </a:defRPr>
+            </a:lvl5pPr>
+            <a:lvl6pPr eaLnBrk="0" fontAlgn="base" hangingPunct="0">
+              <a:spcBef>
+                <a:spcPct val="0"/>
+              </a:spcBef>
+              <a:spcAft>
+                <a:spcPct val="0"/>
+              </a:spcAft>
+              <a:defRPr>
+                <a:solidFill>
+                  <a:schemeClr val="tx1"/>
+                </a:solidFill>
+                <a:latin typeface="Arial" panose="020B0604020202020204" pitchFamily="34" charset="0"/>
+              </a:defRPr>
+            </a:lvl6pPr>
+            <a:lvl7pPr eaLnBrk="0" fontAlgn="base" hangingPunct="0">
+              <a:spcBef>
+                <a:spcPct val="0"/>
+              </a:spcBef>
+              <a:spcAft>
+                <a:spcPct val="0"/>
+              </a:spcAft>
+              <a:defRPr>
+                <a:solidFill>
+                  <a:schemeClr val="tx1"/>
+                </a:solidFill>
+                <a:latin typeface="Arial" panose="020B0604020202020204" pitchFamily="34" charset="0"/>
+              </a:defRPr>
+            </a:lvl7pPr>
+            <a:lvl8pPr eaLnBrk="0" fontAlgn="base" hangingPunct="0">
+              <a:spcBef>
+                <a:spcPct val="0"/>
+              </a:spcBef>
+              <a:spcAft>
+                <a:spcPct val="0"/>
+              </a:spcAft>
+              <a:defRPr>
+                <a:solidFill>
+                  <a:schemeClr val="tx1"/>
+                </a:solidFill>
+                <a:latin typeface="Arial" panose="020B0604020202020204" pitchFamily="34" charset="0"/>
+              </a:defRPr>
+            </a:lvl8pPr>
+            <a:lvl9pPr eaLnBrk="0" fontAlgn="base" hangingPunct="0">
+              <a:spcBef>
+                <a:spcPct val="0"/>
+              </a:spcBef>
+              <a:spcAft>
+                <a:spcPct val="0"/>
+              </a:spcAft>
+              <a:defRPr>
+                <a:solidFill>
+                  <a:schemeClr val="tx1"/>
+                </a:solidFill>
+                <a:latin typeface="Arial" panose="020B0604020202020204" pitchFamily="34" charset="0"/>
+              </a:defRPr>
+            </a:lvl9pPr>
+          </a:lstStyle>
+          <a:p>
+            <a:pPr marL="514350" marR="0" indent="-514350" defTabSz="914400">
+              <a:lnSpc>
+                <a:spcPct val="100000"/>
+              </a:lnSpc>
+              <a:buClrTx/>
+              <a:buSzTx/>
+              <a:buFont typeface="+mj-lt"/>
+              <a:buAutoNum type="arabicPeriod"/>
+              <a:tabLst/>
+            </a:pPr>
+            <a:r>
+              <a:rPr lang="en-US" altLang="en-US" sz="2400" dirty="0">
+                <a:solidFill>
+                  <a:srgbClr val="333333"/>
+                </a:solidFill>
+                <a:latin typeface="Courier New" panose="02070309020205020404" pitchFamily="49" charset="0"/>
+                <a:cs typeface="Courier New" panose="02070309020205020404" pitchFamily="49" charset="0"/>
+              </a:rPr>
+              <a:t> </a:t>
+            </a:r>
+            <a:r>
+              <a:rPr lang="en-US" altLang="en-US" sz="2400" dirty="0" smtClean="0">
+                <a:solidFill>
+                  <a:srgbClr val="333333"/>
+                </a:solidFill>
+                <a:latin typeface="Courier New" panose="02070309020205020404" pitchFamily="49" charset="0"/>
+                <a:cs typeface="Courier New" panose="02070309020205020404" pitchFamily="49" charset="0"/>
+              </a:rPr>
+              <a:t>		commit </a:t>
+            </a:r>
+            <a:r>
+              <a:rPr lang="en-US" altLang="en-US" sz="2400" dirty="0">
+                <a:solidFill>
+                  <a:srgbClr val="333333"/>
+                </a:solidFill>
+                <a:latin typeface="Courier New" panose="02070309020205020404" pitchFamily="49" charset="0"/>
+                <a:cs typeface="Courier New" panose="02070309020205020404" pitchFamily="49" charset="0"/>
+              </a:rPr>
+              <a:t>d60f6efd7f70efba1ccd007d55b1fa740fb98c76</a:t>
+            </a:r>
+          </a:p>
+          <a:p>
+            <a:pPr marL="514350" indent="-514350" defTabSz="914400">
+              <a:buFont typeface="+mj-lt"/>
+              <a:buAutoNum type="arabicPeriod"/>
+            </a:pPr>
+            <a:r>
+              <a:rPr lang="en-SG" sz="2400" dirty="0">
+                <a:solidFill>
+                  <a:srgbClr val="333333"/>
+                </a:solidFill>
+                <a:latin typeface="Courier New" panose="02070309020205020404" pitchFamily="49" charset="0"/>
+                <a:cs typeface="Courier New" panose="02070309020205020404" pitchFamily="49" charset="0"/>
+              </a:rPr>
+              <a:t> </a:t>
+            </a:r>
+            <a:r>
+              <a:rPr lang="en-SG" sz="2400" dirty="0" smtClean="0">
+                <a:solidFill>
+                  <a:srgbClr val="333333"/>
+                </a:solidFill>
+                <a:latin typeface="Courier New" panose="02070309020205020404" pitchFamily="49" charset="0"/>
+                <a:cs typeface="Courier New" panose="02070309020205020404" pitchFamily="49" charset="0"/>
+              </a:rPr>
+              <a:t>		Author</a:t>
+            </a:r>
+            <a:r>
+              <a:rPr lang="en-SG" sz="2400" dirty="0">
+                <a:solidFill>
+                  <a:srgbClr val="333333"/>
+                </a:solidFill>
+                <a:latin typeface="Courier New" panose="02070309020205020404" pitchFamily="49" charset="0"/>
+                <a:cs typeface="Courier New" panose="02070309020205020404" pitchFamily="49" charset="0"/>
+              </a:rPr>
+              <a:t>: Dan Prince &lt;email address hidden</a:t>
+            </a:r>
+            <a:r>
+              <a:rPr lang="en-SG" sz="2400" dirty="0">
+                <a:solidFill>
+                  <a:srgbClr val="333333"/>
+                </a:solidFill>
+                <a:latin typeface="Courier New" panose="02070309020205020404" pitchFamily="49" charset="0"/>
+                <a:cs typeface="Courier New" panose="02070309020205020404" pitchFamily="49" charset="0"/>
+              </a:rPr>
+              <a:t>&gt;</a:t>
+            </a:r>
+          </a:p>
+          <a:p>
+            <a:pPr marL="514350" indent="-514350" defTabSz="914400">
+              <a:buFont typeface="+mj-lt"/>
+              <a:buAutoNum type="arabicPeriod"/>
+            </a:pPr>
+            <a:r>
+              <a:rPr lang="en-SG" sz="2400" dirty="0">
+                <a:solidFill>
+                  <a:srgbClr val="333333"/>
+                </a:solidFill>
+                <a:latin typeface="Courier New" panose="02070309020205020404" pitchFamily="49" charset="0"/>
+                <a:cs typeface="Courier New" panose="02070309020205020404" pitchFamily="49" charset="0"/>
+              </a:rPr>
+              <a:t> </a:t>
+            </a:r>
+            <a:r>
+              <a:rPr lang="en-SG" sz="2400" dirty="0">
+                <a:solidFill>
+                  <a:srgbClr val="333333"/>
+                </a:solidFill>
+                <a:latin typeface="Courier New" panose="02070309020205020404" pitchFamily="49" charset="0"/>
+                <a:cs typeface="Courier New" panose="02070309020205020404" pitchFamily="49" charset="0"/>
+              </a:rPr>
+              <a:t>	</a:t>
+            </a:r>
+            <a:r>
+              <a:rPr lang="en-SG" sz="2400" dirty="0" smtClean="0">
+                <a:solidFill>
+                  <a:srgbClr val="333333"/>
+                </a:solidFill>
+                <a:latin typeface="Courier New" panose="02070309020205020404" pitchFamily="49" charset="0"/>
+                <a:cs typeface="Courier New" panose="02070309020205020404" pitchFamily="49" charset="0"/>
+              </a:rPr>
+              <a:t>	</a:t>
+            </a:r>
+            <a:r>
+              <a:rPr lang="en-US" sz="2400" dirty="0" smtClean="0">
+                <a:solidFill>
+                  <a:srgbClr val="333333"/>
+                </a:solidFill>
+                <a:latin typeface="Courier New" panose="02070309020205020404" pitchFamily="49" charset="0"/>
+                <a:cs typeface="Courier New" panose="02070309020205020404" pitchFamily="49" charset="0"/>
+              </a:rPr>
+              <a:t>Date</a:t>
+            </a:r>
+            <a:r>
+              <a:rPr lang="en-US" sz="2400" dirty="0">
+                <a:solidFill>
+                  <a:srgbClr val="333333"/>
+                </a:solidFill>
+                <a:latin typeface="Courier New" panose="02070309020205020404" pitchFamily="49" charset="0"/>
+                <a:cs typeface="Courier New" panose="02070309020205020404" pitchFamily="49" charset="0"/>
+              </a:rPr>
+              <a:t>: Mon Jan 14 12:26:36 2013 -</a:t>
+            </a:r>
+            <a:r>
+              <a:rPr lang="en-US" sz="2400" dirty="0">
+                <a:solidFill>
+                  <a:srgbClr val="333333"/>
+                </a:solidFill>
+                <a:latin typeface="Courier New" panose="02070309020205020404" pitchFamily="49" charset="0"/>
+                <a:cs typeface="Courier New" panose="02070309020205020404" pitchFamily="49" charset="0"/>
+              </a:rPr>
+              <a:t>0500</a:t>
+            </a:r>
+          </a:p>
+          <a:p>
+            <a:pPr marL="514350" indent="-514350" defTabSz="914400">
+              <a:buFont typeface="+mj-lt"/>
+              <a:buAutoNum type="arabicPeriod"/>
+            </a:pPr>
+            <a:r>
+              <a:rPr lang="en-US" sz="2400" dirty="0">
+                <a:solidFill>
+                  <a:srgbClr val="333333"/>
+                </a:solidFill>
+                <a:latin typeface="Courier New" panose="02070309020205020404" pitchFamily="49" charset="0"/>
+                <a:cs typeface="Courier New" panose="02070309020205020404" pitchFamily="49" charset="0"/>
+              </a:rPr>
+              <a:t> 		</a:t>
+            </a:r>
+            <a:r>
+              <a:rPr lang="en-US" sz="2400" dirty="0" smtClean="0">
+                <a:solidFill>
+                  <a:srgbClr val="333333"/>
+                </a:solidFill>
+                <a:latin typeface="Courier New" panose="02070309020205020404" pitchFamily="49" charset="0"/>
+                <a:cs typeface="Courier New" panose="02070309020205020404" pitchFamily="49" charset="0"/>
+              </a:rPr>
+              <a:t>	</a:t>
+            </a:r>
+            <a:r>
+              <a:rPr lang="en-US" altLang="en-US" sz="2400" dirty="0" smtClean="0">
+                <a:solidFill>
+                  <a:srgbClr val="333333"/>
+                </a:solidFill>
+                <a:latin typeface="Courier New" panose="02070309020205020404" pitchFamily="49" charset="0"/>
+                <a:cs typeface="Courier New" panose="02070309020205020404" pitchFamily="49" charset="0"/>
+              </a:rPr>
+              <a:t>Name </a:t>
+            </a:r>
+            <a:r>
+              <a:rPr lang="en-US" altLang="en-US" sz="2400" dirty="0">
+                <a:solidFill>
+                  <a:srgbClr val="333333"/>
+                </a:solidFill>
+                <a:latin typeface="Courier New" panose="02070309020205020404" pitchFamily="49" charset="0"/>
+                <a:cs typeface="Courier New" panose="02070309020205020404" pitchFamily="49" charset="0"/>
+              </a:rPr>
+              <a:t>the </a:t>
+            </a:r>
+            <a:r>
+              <a:rPr lang="en-US" altLang="en-US" sz="2400" dirty="0">
+                <a:solidFill>
+                  <a:srgbClr val="333333"/>
+                </a:solidFill>
+                <a:latin typeface="Courier New" panose="02070309020205020404" pitchFamily="49" charset="0"/>
+                <a:cs typeface="Courier New" panose="02070309020205020404" pitchFamily="49" charset="0"/>
+              </a:rPr>
+              <a:t>securitygrouprules.direction enum. </a:t>
+            </a:r>
+          </a:p>
+          <a:p>
+            <a:pPr marL="514350" indent="-514350" defTabSz="914400">
+              <a:buFont typeface="+mj-lt"/>
+              <a:buAutoNum type="arabicPeriod"/>
+            </a:pPr>
+            <a:r>
+              <a:rPr lang="en-US" sz="2400" dirty="0">
+                <a:solidFill>
+                  <a:srgbClr val="333333"/>
+                </a:solidFill>
+                <a:latin typeface="Courier New" panose="02070309020205020404" pitchFamily="49" charset="0"/>
+                <a:cs typeface="Courier New" panose="02070309020205020404" pitchFamily="49" charset="0"/>
+              </a:rPr>
+              <a:t>		</a:t>
+            </a:r>
+            <a:r>
+              <a:rPr lang="en-US" sz="2400" dirty="0">
+                <a:solidFill>
+                  <a:srgbClr val="333333"/>
+                </a:solidFill>
+                <a:latin typeface="Courier New" panose="02070309020205020404" pitchFamily="49" charset="0"/>
+                <a:cs typeface="Courier New" panose="02070309020205020404" pitchFamily="49" charset="0"/>
+              </a:rPr>
+              <a:t>	</a:t>
+            </a:r>
+            <a:r>
+              <a:rPr lang="en-SG" sz="2400" dirty="0">
+                <a:solidFill>
+                  <a:srgbClr val="333333"/>
+                </a:solidFill>
+                <a:latin typeface="Courier New" panose="02070309020205020404" pitchFamily="49" charset="0"/>
+                <a:cs typeface="Courier New" panose="02070309020205020404" pitchFamily="49" charset="0"/>
+              </a:rPr>
+              <a:t>Updates </a:t>
+            </a:r>
+            <a:r>
+              <a:rPr lang="en-SG" sz="2400" dirty="0">
+                <a:solidFill>
+                  <a:srgbClr val="333333"/>
+                </a:solidFill>
+                <a:latin typeface="Courier New" panose="02070309020205020404" pitchFamily="49" charset="0"/>
+                <a:cs typeface="Courier New" panose="02070309020205020404" pitchFamily="49" charset="0"/>
+              </a:rPr>
+              <a:t>to the SecurityGroupRule model and migration so that we</a:t>
+            </a:r>
+          </a:p>
+          <a:p>
+            <a:pPr marL="514350" indent="-514350" defTabSz="914400">
+              <a:buFont typeface="+mj-lt"/>
+              <a:buAutoNum type="arabicPeriod"/>
+            </a:pPr>
+            <a:r>
+              <a:rPr lang="en-US" altLang="en-US" sz="2400" dirty="0">
+                <a:solidFill>
+                  <a:srgbClr val="333333"/>
+                </a:solidFill>
+                <a:latin typeface="Courier New" panose="02070309020205020404" pitchFamily="49" charset="0"/>
+                <a:cs typeface="Courier New" panose="02070309020205020404" pitchFamily="49" charset="0"/>
+              </a:rPr>
+              <a:t> 		</a:t>
+            </a:r>
+            <a:r>
+              <a:rPr lang="en-US" altLang="en-US" sz="2400" dirty="0">
+                <a:solidFill>
+                  <a:srgbClr val="333333"/>
+                </a:solidFill>
+                <a:latin typeface="Courier New" panose="02070309020205020404" pitchFamily="49" charset="0"/>
+                <a:cs typeface="Courier New" panose="02070309020205020404" pitchFamily="49" charset="0"/>
+              </a:rPr>
+              <a:t>	explicitly </a:t>
+            </a:r>
+            <a:r>
+              <a:rPr lang="en-US" altLang="en-US" sz="2400" dirty="0">
+                <a:solidFill>
+                  <a:srgbClr val="333333"/>
+                </a:solidFill>
+                <a:latin typeface="Courier New" panose="02070309020205020404" pitchFamily="49" charset="0"/>
+                <a:cs typeface="Courier New" panose="02070309020205020404" pitchFamily="49" charset="0"/>
+              </a:rPr>
+              <a:t>name the </a:t>
+            </a:r>
+            <a:r>
+              <a:rPr lang="en-US" altLang="en-US" sz="2400" dirty="0">
+                <a:solidFill>
+                  <a:srgbClr val="333333"/>
+                </a:solidFill>
+                <a:latin typeface="Courier New" panose="02070309020205020404" pitchFamily="49" charset="0"/>
+                <a:cs typeface="Courier New" panose="02070309020205020404" pitchFamily="49" charset="0"/>
+              </a:rPr>
+              <a:t>securitygrouprules.direction </a:t>
+            </a:r>
+            <a:r>
+              <a:rPr lang="en-US" altLang="en-US" sz="2400" dirty="0" smtClean="0">
+                <a:solidFill>
+                  <a:srgbClr val="333333"/>
+                </a:solidFill>
+                <a:latin typeface="Courier New" panose="02070309020205020404" pitchFamily="49" charset="0"/>
+                <a:cs typeface="Courier New" panose="02070309020205020404" pitchFamily="49" charset="0"/>
+              </a:rPr>
+              <a:t>enum</a:t>
+            </a:r>
+            <a:r>
+              <a:rPr lang="en-US" altLang="en-US" sz="2400" dirty="0">
+                <a:solidFill>
+                  <a:srgbClr val="333333"/>
+                </a:solidFill>
+                <a:latin typeface="Courier New" panose="02070309020205020404" pitchFamily="49" charset="0"/>
+                <a:cs typeface="Courier New" panose="02070309020205020404" pitchFamily="49" charset="0"/>
+              </a:rPr>
+              <a:t>. </a:t>
+            </a:r>
+            <a:r>
+              <a:rPr lang="en-US" altLang="en-US" sz="2400" dirty="0">
+                <a:solidFill>
+                  <a:srgbClr val="333333"/>
+                </a:solidFill>
+                <a:latin typeface="Courier New" panose="02070309020205020404" pitchFamily="49" charset="0"/>
+                <a:cs typeface="Courier New" panose="02070309020205020404" pitchFamily="49" charset="0"/>
+              </a:rPr>
+              <a:t>This fixes </a:t>
+            </a:r>
+            <a:endParaRPr lang="en-US" altLang="en-US" sz="2400" dirty="0">
+              <a:solidFill>
+                <a:srgbClr val="333333"/>
+              </a:solidFill>
+              <a:latin typeface="Courier New" panose="02070309020205020404" pitchFamily="49" charset="0"/>
+              <a:cs typeface="Courier New" panose="02070309020205020404" pitchFamily="49" charset="0"/>
+            </a:endParaRPr>
+          </a:p>
+          <a:p>
+            <a:pPr marL="514350" indent="-514350" defTabSz="914400">
+              <a:buFont typeface="+mj-lt"/>
+              <a:buAutoNum type="arabicPeriod"/>
+            </a:pPr>
+            <a:r>
+              <a:rPr lang="en-SG" sz="2400" dirty="0" smtClean="0">
+                <a:solidFill>
+                  <a:srgbClr val="333333"/>
+                </a:solidFill>
+                <a:latin typeface="Courier New" panose="02070309020205020404" pitchFamily="49" charset="0"/>
+                <a:cs typeface="Courier New" panose="02070309020205020404" pitchFamily="49" charset="0"/>
+              </a:rPr>
+              <a:t>   		'</a:t>
+            </a:r>
+            <a:r>
+              <a:rPr lang="en-SG" sz="2400" dirty="0" err="1" smtClean="0">
+                <a:solidFill>
+                  <a:srgbClr val="333333"/>
+                </a:solidFill>
+                <a:latin typeface="Courier New" panose="02070309020205020404" pitchFamily="49" charset="0"/>
+                <a:cs typeface="Courier New" panose="02070309020205020404" pitchFamily="49" charset="0"/>
+              </a:rPr>
+              <a:t>Postgresql</a:t>
+            </a:r>
+            <a:r>
+              <a:rPr lang="en-SG" sz="2400" dirty="0" smtClean="0">
+                <a:solidFill>
+                  <a:srgbClr val="333333"/>
+                </a:solidFill>
+                <a:latin typeface="Courier New" panose="02070309020205020404" pitchFamily="49" charset="0"/>
+                <a:cs typeface="Courier New" panose="02070309020205020404" pitchFamily="49" charset="0"/>
+              </a:rPr>
+              <a:t> </a:t>
+            </a:r>
+            <a:r>
+              <a:rPr lang="en-SG" sz="2400" dirty="0">
+                <a:solidFill>
+                  <a:srgbClr val="333333"/>
+                </a:solidFill>
+                <a:latin typeface="Courier New" panose="02070309020205020404" pitchFamily="49" charset="0"/>
+                <a:cs typeface="Courier New" panose="02070309020205020404" pitchFamily="49" charset="0"/>
+              </a:rPr>
+              <a:t>ENUM type </a:t>
+            </a:r>
+            <a:r>
+              <a:rPr lang="en-SG" sz="2400" dirty="0" smtClean="0">
+                <a:solidFill>
+                  <a:srgbClr val="333333"/>
+                </a:solidFill>
+                <a:latin typeface="Courier New" panose="02070309020205020404" pitchFamily="49" charset="0"/>
+                <a:cs typeface="Courier New" panose="02070309020205020404" pitchFamily="49" charset="0"/>
+              </a:rPr>
+              <a:t>requires </a:t>
+            </a:r>
+            <a:r>
+              <a:rPr lang="en-SG" sz="2400" dirty="0">
+                <a:solidFill>
+                  <a:srgbClr val="333333"/>
+                </a:solidFill>
+                <a:latin typeface="Courier New" panose="02070309020205020404" pitchFamily="49" charset="0"/>
+                <a:cs typeface="Courier New" panose="02070309020205020404" pitchFamily="49" charset="0"/>
+              </a:rPr>
+              <a:t>a name.' errors</a:t>
+            </a:r>
+            <a:r>
+              <a:rPr lang="en-SG" sz="2400" dirty="0">
+                <a:solidFill>
+                  <a:srgbClr val="333333"/>
+                </a:solidFill>
+                <a:latin typeface="Courier New" panose="02070309020205020404" pitchFamily="49" charset="0"/>
+                <a:cs typeface="Courier New" panose="02070309020205020404" pitchFamily="49" charset="0"/>
+              </a:rPr>
+              <a:t>.</a:t>
+            </a:r>
+          </a:p>
+          <a:p>
+            <a:pPr marL="514350" indent="-514350" defTabSz="914400">
+              <a:buFont typeface="+mj-lt"/>
+              <a:buAutoNum type="arabicPeriod"/>
+            </a:pPr>
+            <a:r>
+              <a:rPr lang="en-US" altLang="en-US" sz="2400" dirty="0">
+                <a:solidFill>
+                  <a:srgbClr val="333333"/>
+                </a:solidFill>
+                <a:latin typeface="Courier New" panose="02070309020205020404" pitchFamily="49" charset="0"/>
+                <a:cs typeface="Courier New" panose="02070309020205020404" pitchFamily="49" charset="0"/>
+              </a:rPr>
+              <a:t>  	</a:t>
+            </a:r>
+            <a:endParaRPr lang="en-US" altLang="en-US" sz="2400" dirty="0" smtClean="0">
+              <a:solidFill>
+                <a:srgbClr val="333333"/>
+              </a:solidFill>
+              <a:latin typeface="Courier New" panose="02070309020205020404" pitchFamily="49" charset="0"/>
+              <a:cs typeface="Courier New" panose="02070309020205020404" pitchFamily="49" charset="0"/>
+            </a:endParaRPr>
+          </a:p>
+          <a:p>
+            <a:pPr marL="514350" indent="-514350" defTabSz="914400">
+              <a:buFont typeface="+mj-lt"/>
+              <a:buAutoNum type="arabicPeriod"/>
+            </a:pPr>
+            <a:r>
+              <a:rPr lang="en-US" altLang="en-US" sz="2400" dirty="0" smtClean="0">
+                <a:solidFill>
+                  <a:srgbClr val="333333"/>
+                </a:solidFill>
+                <a:latin typeface="Courier New" panose="02070309020205020404" pitchFamily="49" charset="0"/>
+                <a:cs typeface="Courier New" panose="02070309020205020404" pitchFamily="49" charset="0"/>
+              </a:rPr>
+              <a:t> 			</a:t>
+            </a:r>
+            <a:r>
+              <a:rPr lang="en-US" sz="2400" dirty="0" smtClean="0">
+                <a:solidFill>
+                  <a:srgbClr val="333333"/>
+                </a:solidFill>
+                <a:latin typeface="Courier New" panose="02070309020205020404" pitchFamily="49" charset="0"/>
+                <a:cs typeface="Courier New" panose="02070309020205020404" pitchFamily="49" charset="0"/>
+              </a:rPr>
+              <a:t>Fixes LP Bug #1099267.</a:t>
+            </a:r>
+            <a:r>
+              <a:rPr lang="en-US" sz="2400" dirty="0" smtClean="0">
+                <a:latin typeface="Courier New" panose="02070309020205020404" pitchFamily="49" charset="0"/>
+                <a:cs typeface="Courier New" panose="02070309020205020404" pitchFamily="49" charset="0"/>
+              </a:rPr>
+              <a:t>	</a:t>
+            </a:r>
+          </a:p>
+          <a:p>
+            <a:pPr marL="514350" indent="-514350" defTabSz="914400">
+              <a:buFont typeface="+mj-lt"/>
+              <a:buAutoNum type="arabicPeriod"/>
+            </a:pPr>
+            <a:r>
+              <a:rPr lang="en-US" altLang="en-US" sz="2400" dirty="0" smtClean="0">
+                <a:latin typeface="Courier New" panose="02070309020205020404" pitchFamily="49" charset="0"/>
+                <a:cs typeface="Courier New" panose="02070309020205020404" pitchFamily="49" charset="0"/>
+              </a:rPr>
+              <a:t>  		</a:t>
+            </a:r>
+            <a:r>
+              <a:rPr lang="en-US" altLang="en-US" sz="2400" dirty="0" smtClean="0">
+                <a:solidFill>
+                  <a:srgbClr val="333333"/>
+                </a:solidFill>
+                <a:latin typeface="Courier New" panose="02070309020205020404" pitchFamily="49" charset="0"/>
+                <a:cs typeface="Courier New" panose="02070309020205020404" pitchFamily="49" charset="0"/>
+              </a:rPr>
+              <a:t>Change-Id</a:t>
+            </a:r>
+            <a:r>
+              <a:rPr lang="en-US" altLang="en-US" sz="2400" dirty="0">
+                <a:solidFill>
+                  <a:srgbClr val="333333"/>
+                </a:solidFill>
+                <a:latin typeface="Courier New" panose="02070309020205020404" pitchFamily="49" charset="0"/>
+                <a:cs typeface="Courier New" panose="02070309020205020404" pitchFamily="49" charset="0"/>
+              </a:rPr>
+              <a:t>: Ia46fe8d4b0793caaabbfc71b7fa5f0cbb8c6d24b</a:t>
+            </a:r>
+            <a:r>
+              <a:rPr lang="en-US" altLang="en-US" sz="2400" dirty="0">
+                <a:latin typeface="Courier New" panose="02070309020205020404" pitchFamily="49" charset="0"/>
+                <a:cs typeface="Courier New" panose="02070309020205020404" pitchFamily="49" charset="0"/>
+              </a:rPr>
+              <a:t> </a:t>
+            </a:r>
+            <a:endParaRPr lang="en-US" altLang="en-US" sz="2400" dirty="0" smtClean="0">
+              <a:latin typeface="Courier New" panose="02070309020205020404" pitchFamily="49" charset="0"/>
+              <a:cs typeface="Courier New" panose="02070309020205020404" pitchFamily="49" charset="0"/>
+            </a:endParaRPr>
+          </a:p>
+          <a:p>
+            <a:pPr marL="514350" indent="-514350" defTabSz="914400">
+              <a:buFont typeface="+mj-lt"/>
+              <a:buAutoNum type="arabicPeriod"/>
+            </a:pPr>
+            <a:r>
+              <a:rPr lang="en-US" altLang="en-US" sz="2400" dirty="0" smtClean="0">
+                <a:latin typeface="Courier New" panose="02070309020205020404" pitchFamily="49" charset="0"/>
+                <a:cs typeface="Courier New" panose="02070309020205020404" pitchFamily="49" charset="0"/>
+              </a:rPr>
+              <a:t> 	 	</a:t>
+            </a:r>
+            <a:r>
+              <a:rPr lang="en-US" altLang="en-US" sz="2400" b="1" dirty="0" smtClean="0">
+                <a:solidFill>
+                  <a:schemeClr val="accent5"/>
+                </a:solidFill>
+                <a:latin typeface="Courier New" panose="02070309020205020404" pitchFamily="49" charset="0"/>
+                <a:cs typeface="Courier New" panose="02070309020205020404" pitchFamily="49" charset="0"/>
+              </a:rPr>
+              <a:t>diff </a:t>
+            </a:r>
+            <a:r>
+              <a:rPr lang="en-US" altLang="en-US" sz="2400" b="1" dirty="0">
+                <a:solidFill>
+                  <a:schemeClr val="accent5"/>
+                </a:solidFill>
+                <a:latin typeface="Courier New" panose="02070309020205020404" pitchFamily="49" charset="0"/>
+                <a:cs typeface="Courier New" panose="02070309020205020404" pitchFamily="49" charset="0"/>
+              </a:rPr>
+              <a:t>--</a:t>
+            </a:r>
+            <a:r>
+              <a:rPr lang="en-US" altLang="en-US" sz="2400" b="1" dirty="0" err="1">
+                <a:solidFill>
+                  <a:schemeClr val="accent5"/>
+                </a:solidFill>
+                <a:latin typeface="Courier New" panose="02070309020205020404" pitchFamily="49" charset="0"/>
+                <a:cs typeface="Courier New" panose="02070309020205020404" pitchFamily="49" charset="0"/>
+              </a:rPr>
+              <a:t>git</a:t>
+            </a:r>
+            <a:r>
+              <a:rPr lang="en-US" altLang="en-US" sz="2400" b="1" dirty="0">
+                <a:solidFill>
+                  <a:schemeClr val="accent5"/>
+                </a:solidFill>
+                <a:latin typeface="Courier New" panose="02070309020205020404" pitchFamily="49" charset="0"/>
+                <a:cs typeface="Courier New" panose="02070309020205020404" pitchFamily="49" charset="0"/>
+              </a:rPr>
+              <a:t> </a:t>
+            </a:r>
+            <a:r>
+              <a:rPr lang="en-US" altLang="en-US" sz="2400" b="1" dirty="0">
+                <a:solidFill>
+                  <a:schemeClr val="accent5"/>
+                </a:solidFill>
+                <a:latin typeface="Courier New" panose="02070309020205020404" pitchFamily="49" charset="0"/>
+                <a:cs typeface="Courier New" panose="02070309020205020404" pitchFamily="49" charset="0"/>
+              </a:rPr>
+              <a:t>a/quantum/db/migration/alembic_migrations/versions/3cb5d900c5de_security_groups.py</a:t>
+            </a:r>
+            <a:r>
+              <a:rPr lang="en-US" altLang="en-US" sz="2400" dirty="0">
+                <a:solidFill>
+                  <a:srgbClr val="333333"/>
+                </a:solidFill>
+                <a:latin typeface="Courier New" panose="02070309020205020404" pitchFamily="49" charset="0"/>
+                <a:cs typeface="Courier New" panose="02070309020205020404" pitchFamily="49" charset="0"/>
+              </a:rPr>
+              <a:t> </a:t>
+            </a:r>
+            <a:endParaRPr lang="en-US" altLang="en-US" sz="2400" dirty="0" smtClean="0">
+              <a:solidFill>
+                <a:srgbClr val="333333"/>
+              </a:solidFill>
+              <a:latin typeface="Courier New" panose="02070309020205020404" pitchFamily="49" charset="0"/>
+              <a:cs typeface="Courier New" panose="02070309020205020404" pitchFamily="49" charset="0"/>
+            </a:endParaRPr>
+          </a:p>
+          <a:p>
+            <a:pPr marL="514350" indent="-514350" defTabSz="914400">
+              <a:buFont typeface="+mj-lt"/>
+              <a:buAutoNum type="arabicPeriod"/>
+            </a:pPr>
+            <a:r>
+              <a:rPr lang="en-US" altLang="en-US" sz="2400" dirty="0">
+                <a:solidFill>
+                  <a:srgbClr val="333333"/>
+                </a:solidFill>
+                <a:latin typeface="Courier New" panose="02070309020205020404" pitchFamily="49" charset="0"/>
+                <a:cs typeface="Courier New" panose="02070309020205020404" pitchFamily="49" charset="0"/>
+              </a:rPr>
+              <a:t> </a:t>
+            </a:r>
+            <a:r>
+              <a:rPr lang="en-US" altLang="en-US" sz="2400" dirty="0" smtClean="0">
+                <a:solidFill>
+                  <a:srgbClr val="333333"/>
+                </a:solidFill>
+                <a:latin typeface="Courier New" panose="02070309020205020404" pitchFamily="49" charset="0"/>
+                <a:cs typeface="Courier New" panose="02070309020205020404" pitchFamily="49" charset="0"/>
+              </a:rPr>
+              <a:t>	 	</a:t>
+            </a:r>
+            <a:r>
+              <a:rPr lang="en-US" altLang="en-US" sz="2400" dirty="0" smtClean="0">
+                <a:solidFill>
+                  <a:schemeClr val="accent6"/>
+                </a:solidFill>
+                <a:latin typeface="Courier New" panose="02070309020205020404" pitchFamily="49" charset="0"/>
+                <a:cs typeface="Courier New" panose="02070309020205020404" pitchFamily="49" charset="0"/>
+              </a:rPr>
+              <a:t>index </a:t>
+            </a:r>
+            <a:r>
+              <a:rPr lang="en-US" altLang="en-US" sz="2400" dirty="0">
+                <a:solidFill>
+                  <a:schemeClr val="accent6"/>
+                </a:solidFill>
+                <a:latin typeface="Courier New" panose="02070309020205020404" pitchFamily="49" charset="0"/>
+                <a:cs typeface="Courier New" panose="02070309020205020404" pitchFamily="49" charset="0"/>
+              </a:rPr>
+              <a:t>ff39de84a..cf565af0f </a:t>
+            </a:r>
+            <a:r>
+              <a:rPr lang="en-US" altLang="en-US" sz="2400" dirty="0" smtClean="0">
+                <a:solidFill>
+                  <a:schemeClr val="accent6"/>
+                </a:solidFill>
+                <a:latin typeface="Courier New" panose="02070309020205020404" pitchFamily="49" charset="0"/>
+                <a:cs typeface="Courier New" panose="02070309020205020404" pitchFamily="49" charset="0"/>
+              </a:rPr>
+              <a:t>100644</a:t>
+            </a:r>
+          </a:p>
+          <a:p>
+            <a:pPr marL="514350" indent="-514350" defTabSz="914400">
+              <a:buFont typeface="+mj-lt"/>
+              <a:buAutoNum type="arabicPeriod"/>
+            </a:pPr>
+            <a:r>
+              <a:rPr lang="en-US" altLang="en-US" sz="2400" dirty="0" smtClean="0">
+                <a:latin typeface="Courier New" panose="02070309020205020404" pitchFamily="49" charset="0"/>
+                <a:cs typeface="Courier New" panose="02070309020205020404" pitchFamily="49" charset="0"/>
+              </a:rPr>
+              <a:t> 	 	</a:t>
+            </a:r>
+            <a:r>
+              <a:rPr lang="en-US" altLang="en-US" sz="2400" dirty="0" smtClean="0">
+                <a:solidFill>
+                  <a:srgbClr val="7030A0"/>
+                </a:solidFill>
+                <a:latin typeface="Courier New" panose="02070309020205020404" pitchFamily="49" charset="0"/>
+                <a:cs typeface="Courier New" panose="02070309020205020404" pitchFamily="49" charset="0"/>
+              </a:rPr>
+              <a:t>--- a/quantum/db/migration/alembic_migrations/versions/3cb5d900c5de_security_groups.py</a:t>
+            </a:r>
+          </a:p>
+          <a:p>
+            <a:pPr marL="514350" indent="-514350" defTabSz="914400">
+              <a:buFont typeface="+mj-lt"/>
+              <a:buAutoNum type="arabicPeriod"/>
+            </a:pPr>
+            <a:r>
+              <a:rPr lang="en-US" altLang="en-US" sz="2400" dirty="0" smtClean="0">
+                <a:latin typeface="Courier New" panose="02070309020205020404" pitchFamily="49" charset="0"/>
+                <a:cs typeface="Courier New" panose="02070309020205020404" pitchFamily="49" charset="0"/>
+              </a:rPr>
+              <a:t>  	 	</a:t>
+            </a:r>
+            <a:r>
+              <a:rPr lang="en-US" altLang="en-US" sz="2400" dirty="0" smtClean="0">
+                <a:solidFill>
+                  <a:srgbClr val="7030A0"/>
+                </a:solidFill>
+                <a:latin typeface="Courier New" panose="02070309020205020404" pitchFamily="49" charset="0"/>
+                <a:cs typeface="Courier New" panose="02070309020205020404" pitchFamily="49" charset="0"/>
+              </a:rPr>
+              <a:t>+++ b/quantum/db/migration/alembic_migrations/versions/3cb5d900c5de_security_groups.py</a:t>
+            </a:r>
+          </a:p>
+          <a:p>
+            <a:pPr marL="514350" indent="-514350" defTabSz="914400">
+              <a:buFont typeface="+mj-lt"/>
+              <a:buAutoNum type="arabicPeriod"/>
+            </a:pPr>
+            <a:r>
+              <a:rPr lang="en-US" altLang="en-US" sz="2400" dirty="0" smtClean="0">
+                <a:latin typeface="Courier New" panose="02070309020205020404" pitchFamily="49" charset="0"/>
+                <a:cs typeface="Courier New" panose="02070309020205020404" pitchFamily="49" charset="0"/>
+              </a:rPr>
+              <a:t>  	 	</a:t>
+            </a:r>
+            <a:r>
+              <a:rPr lang="en-US" altLang="en-US" sz="2400" dirty="0" smtClean="0">
+                <a:solidFill>
+                  <a:schemeClr val="accent2"/>
+                </a:solidFill>
+                <a:latin typeface="Courier New" panose="02070309020205020404" pitchFamily="49" charset="0"/>
+                <a:cs typeface="Courier New" panose="02070309020205020404" pitchFamily="49" charset="0"/>
+              </a:rPr>
+              <a:t>@@ </a:t>
+            </a:r>
+            <a:r>
+              <a:rPr lang="en-US" altLang="en-US" sz="2400" dirty="0">
+                <a:solidFill>
+                  <a:schemeClr val="accent2"/>
+                </a:solidFill>
+                <a:latin typeface="Courier New" panose="02070309020205020404" pitchFamily="49" charset="0"/>
+                <a:cs typeface="Courier New" panose="02070309020205020404" pitchFamily="49" charset="0"/>
+              </a:rPr>
+              <a:t>-62,7 +62,10 @@ </a:t>
+            </a:r>
+            <a:r>
+              <a:rPr lang="en-US" altLang="en-US" sz="2400" dirty="0" err="1">
+                <a:solidFill>
+                  <a:schemeClr val="accent2"/>
+                </a:solidFill>
+                <a:latin typeface="Courier New" panose="02070309020205020404" pitchFamily="49" charset="0"/>
+                <a:cs typeface="Courier New" panose="02070309020205020404" pitchFamily="49" charset="0"/>
+              </a:rPr>
+              <a:t>def</a:t>
+            </a:r>
+            <a:r>
+              <a:rPr lang="en-US" altLang="en-US" sz="2400" dirty="0">
+                <a:solidFill>
+                  <a:schemeClr val="accent2"/>
+                </a:solidFill>
+                <a:latin typeface="Courier New" panose="02070309020205020404" pitchFamily="49" charset="0"/>
+                <a:cs typeface="Courier New" panose="02070309020205020404" pitchFamily="49" charset="0"/>
+              </a:rPr>
+              <a:t> upgrade(</a:t>
+            </a:r>
+            <a:r>
+              <a:rPr lang="en-US" altLang="en-US" sz="2400" dirty="0" err="1">
+                <a:solidFill>
+                  <a:schemeClr val="accent2"/>
+                </a:solidFill>
+                <a:latin typeface="Courier New" panose="02070309020205020404" pitchFamily="49" charset="0"/>
+                <a:cs typeface="Courier New" panose="02070309020205020404" pitchFamily="49" charset="0"/>
+              </a:rPr>
+              <a:t>active_plugin</a:t>
+            </a:r>
+            <a:r>
+              <a:rPr lang="en-US" altLang="en-US" sz="2400" dirty="0">
+                <a:solidFill>
+                  <a:schemeClr val="accent2"/>
+                </a:solidFill>
+                <a:latin typeface="Courier New" panose="02070309020205020404" pitchFamily="49" charset="0"/>
+                <a:cs typeface="Courier New" panose="02070309020205020404" pitchFamily="49" charset="0"/>
+              </a:rPr>
+              <a:t>=None, options=None):</a:t>
+            </a:r>
+            <a:r>
+              <a:rPr lang="en-US" altLang="en-US" sz="2400" dirty="0">
+                <a:latin typeface="Courier New" panose="02070309020205020404" pitchFamily="49" charset="0"/>
+                <a:cs typeface="Courier New" panose="02070309020205020404" pitchFamily="49" charset="0"/>
+              </a:rPr>
+              <a:t>  </a:t>
+            </a:r>
+            <a:endParaRPr lang="en-US" altLang="en-US" sz="2400" dirty="0" smtClean="0">
+              <a:latin typeface="Courier New" panose="02070309020205020404" pitchFamily="49" charset="0"/>
+              <a:cs typeface="Courier New" panose="02070309020205020404" pitchFamily="49" charset="0"/>
+            </a:endParaRPr>
+          </a:p>
+          <a:p>
+            <a:pPr marL="514350" indent="-514350" defTabSz="914400">
+              <a:buFont typeface="+mj-lt"/>
+              <a:buAutoNum type="arabicPeriod"/>
+            </a:pPr>
+            <a:r>
+              <a:rPr lang="en-US" altLang="en-US" sz="2400" dirty="0" smtClean="0">
+                <a:latin typeface="Courier New" panose="02070309020205020404" pitchFamily="49" charset="0"/>
+                <a:cs typeface="Courier New" panose="02070309020205020404" pitchFamily="49" charset="0"/>
+              </a:rPr>
+              <a:t> 	 	</a:t>
+            </a:r>
+            <a:r>
+              <a:rPr lang="en-US" altLang="en-US" sz="2400" dirty="0" smtClean="0">
+                <a:solidFill>
+                  <a:srgbClr val="996600"/>
+                </a:solidFill>
+                <a:latin typeface="Courier New" panose="02070309020205020404" pitchFamily="49" charset="0"/>
+                <a:cs typeface="Courier New" panose="02070309020205020404" pitchFamily="49" charset="0"/>
+              </a:rPr>
+              <a:t>-        </a:t>
+            </a:r>
+            <a:r>
+              <a:rPr lang="en-US" altLang="en-US" sz="2400" dirty="0">
+                <a:solidFill>
+                  <a:srgbClr val="996600"/>
+                </a:solidFill>
+                <a:latin typeface="Courier New" panose="02070309020205020404" pitchFamily="49" charset="0"/>
+                <a:cs typeface="Courier New" panose="02070309020205020404" pitchFamily="49" charset="0"/>
+              </a:rPr>
+              <a:t>sa.Column('direction', </a:t>
+            </a:r>
+            <a:r>
+              <a:rPr lang="en-US" altLang="en-US" sz="2400" dirty="0" err="1">
+                <a:solidFill>
+                  <a:srgbClr val="996600"/>
+                </a:solidFill>
+                <a:latin typeface="Courier New" panose="02070309020205020404" pitchFamily="49" charset="0"/>
+                <a:cs typeface="Courier New" panose="02070309020205020404" pitchFamily="49" charset="0"/>
+              </a:rPr>
+              <a:t>sa.Enum</a:t>
+            </a:r>
+            <a:r>
+              <a:rPr lang="en-US" altLang="en-US" sz="2400" dirty="0">
+                <a:solidFill>
+                  <a:srgbClr val="996600"/>
+                </a:solidFill>
+                <a:latin typeface="Courier New" panose="02070309020205020404" pitchFamily="49" charset="0"/>
+                <a:cs typeface="Courier New" panose="02070309020205020404" pitchFamily="49" charset="0"/>
+              </a:rPr>
+              <a:t>('ingress', 'egress'), </a:t>
+            </a:r>
+            <a:r>
+              <a:rPr lang="en-US" altLang="en-US" sz="2400" dirty="0" err="1">
+                <a:solidFill>
+                  <a:srgbClr val="996600"/>
+                </a:solidFill>
+                <a:latin typeface="Courier New" panose="02070309020205020404" pitchFamily="49" charset="0"/>
+                <a:cs typeface="Courier New" panose="02070309020205020404" pitchFamily="49" charset="0"/>
+              </a:rPr>
+              <a:t>nullable</a:t>
+            </a:r>
+            <a:r>
+              <a:rPr lang="en-US" altLang="en-US" sz="2400" dirty="0">
+                <a:solidFill>
+                  <a:srgbClr val="996600"/>
+                </a:solidFill>
+                <a:latin typeface="Courier New" panose="02070309020205020404" pitchFamily="49" charset="0"/>
+                <a:cs typeface="Courier New" panose="02070309020205020404" pitchFamily="49" charset="0"/>
+              </a:rPr>
+              <a:t>=True</a:t>
+            </a:r>
+            <a:r>
+              <a:rPr lang="en-US" altLang="en-US" sz="2400" dirty="0" smtClean="0">
+                <a:solidFill>
+                  <a:srgbClr val="996600"/>
+                </a:solidFill>
+                <a:latin typeface="Courier New" panose="02070309020205020404" pitchFamily="49" charset="0"/>
+                <a:cs typeface="Courier New" panose="02070309020205020404" pitchFamily="49" charset="0"/>
+              </a:rPr>
+              <a:t>),</a:t>
+            </a:r>
+          </a:p>
+          <a:p>
+            <a:pPr marL="514350" indent="-514350" defTabSz="914400">
+              <a:buFont typeface="+mj-lt"/>
+              <a:buAutoNum type="arabicPeriod"/>
+            </a:pPr>
+            <a:r>
+              <a:rPr lang="en-US" altLang="en-US" sz="2400" dirty="0" smtClean="0">
+                <a:latin typeface="Courier New" panose="02070309020205020404" pitchFamily="49" charset="0"/>
+                <a:cs typeface="Courier New" panose="02070309020205020404" pitchFamily="49" charset="0"/>
+              </a:rPr>
+              <a:t> 	 	</a:t>
+            </a:r>
+            <a:r>
+              <a:rPr lang="en-US" altLang="en-US" sz="2400" dirty="0" smtClean="0">
+                <a:solidFill>
+                  <a:schemeClr val="accent5"/>
+                </a:solidFill>
+                <a:latin typeface="Courier New" panose="02070309020205020404" pitchFamily="49" charset="0"/>
+                <a:cs typeface="Courier New" panose="02070309020205020404" pitchFamily="49" charset="0"/>
+              </a:rPr>
+              <a:t>+        </a:t>
+            </a:r>
+            <a:r>
+              <a:rPr lang="en-US" altLang="en-US" sz="2400" dirty="0">
+                <a:solidFill>
+                  <a:schemeClr val="accent5"/>
+                </a:solidFill>
+                <a:latin typeface="Courier New" panose="02070309020205020404" pitchFamily="49" charset="0"/>
+                <a:cs typeface="Courier New" panose="02070309020205020404" pitchFamily="49" charset="0"/>
+              </a:rPr>
+              <a:t>sa.Column('direction</a:t>
+            </a:r>
+            <a:r>
+              <a:rPr lang="en-US" altLang="en-US" sz="2400" dirty="0" smtClean="0">
+                <a:solidFill>
+                  <a:schemeClr val="accent5"/>
+                </a:solidFill>
+                <a:latin typeface="Courier New" panose="02070309020205020404" pitchFamily="49" charset="0"/>
+                <a:cs typeface="Courier New" panose="02070309020205020404" pitchFamily="49" charset="0"/>
+              </a:rPr>
+              <a:t>',</a:t>
+            </a:r>
+          </a:p>
+          <a:p>
+            <a:pPr marL="514350" indent="-514350" defTabSz="914400">
+              <a:buFont typeface="+mj-lt"/>
+              <a:buAutoNum type="arabicPeriod"/>
+            </a:pPr>
+            <a:r>
+              <a:rPr lang="en-US" altLang="en-US" sz="2400" dirty="0">
+                <a:latin typeface="Courier New" panose="02070309020205020404" pitchFamily="49" charset="0"/>
+                <a:cs typeface="Courier New" panose="02070309020205020404" pitchFamily="49" charset="0"/>
+              </a:rPr>
+              <a:t> </a:t>
+            </a:r>
+            <a:r>
+              <a:rPr lang="en-US" altLang="en-US" sz="2400" dirty="0" smtClean="0">
+                <a:latin typeface="Courier New" panose="02070309020205020404" pitchFamily="49" charset="0"/>
+                <a:cs typeface="Courier New" panose="02070309020205020404" pitchFamily="49" charset="0"/>
+              </a:rPr>
+              <a:t>	 	</a:t>
+            </a:r>
+            <a:r>
+              <a:rPr lang="en-US" altLang="en-US" sz="2400" dirty="0" smtClean="0">
+                <a:solidFill>
+                  <a:schemeClr val="accent5"/>
+                </a:solidFill>
+                <a:latin typeface="Courier New" panose="02070309020205020404" pitchFamily="49" charset="0"/>
+                <a:cs typeface="Courier New" panose="02070309020205020404" pitchFamily="49" charset="0"/>
+              </a:rPr>
+              <a:t>+                  </a:t>
+            </a:r>
+            <a:r>
+              <a:rPr lang="en-US" altLang="en-US" sz="2400" dirty="0" err="1">
+                <a:solidFill>
+                  <a:schemeClr val="accent5"/>
+                </a:solidFill>
+                <a:latin typeface="Courier New" panose="02070309020205020404" pitchFamily="49" charset="0"/>
+                <a:cs typeface="Courier New" panose="02070309020205020404" pitchFamily="49" charset="0"/>
+              </a:rPr>
+              <a:t>sa.Enum</a:t>
+            </a:r>
+            <a:r>
+              <a:rPr lang="en-US" altLang="en-US" sz="2400" dirty="0">
+                <a:solidFill>
+                  <a:schemeClr val="accent5"/>
+                </a:solidFill>
+                <a:latin typeface="Courier New" panose="02070309020205020404" pitchFamily="49" charset="0"/>
+                <a:cs typeface="Courier New" panose="02070309020205020404" pitchFamily="49" charset="0"/>
+              </a:rPr>
+              <a:t>('ingress', 'egress</a:t>
+            </a:r>
+            <a:r>
+              <a:rPr lang="en-US" altLang="en-US" sz="2400" dirty="0" smtClean="0">
+                <a:solidFill>
+                  <a:schemeClr val="accent5"/>
+                </a:solidFill>
+                <a:latin typeface="Courier New" panose="02070309020205020404" pitchFamily="49" charset="0"/>
+                <a:cs typeface="Courier New" panose="02070309020205020404" pitchFamily="49" charset="0"/>
+              </a:rPr>
+              <a:t>',</a:t>
+            </a:r>
+          </a:p>
+          <a:p>
+            <a:pPr marL="514350" indent="-514350" defTabSz="914400">
+              <a:buFont typeface="+mj-lt"/>
+              <a:buAutoNum type="arabicPeriod"/>
+            </a:pPr>
+            <a:r>
+              <a:rPr lang="en-US" altLang="en-US" sz="2400" dirty="0">
+                <a:latin typeface="Courier New" panose="02070309020205020404" pitchFamily="49" charset="0"/>
+                <a:cs typeface="Courier New" panose="02070309020205020404" pitchFamily="49" charset="0"/>
+              </a:rPr>
+              <a:t> </a:t>
+            </a:r>
+            <a:r>
+              <a:rPr lang="en-US" altLang="en-US" sz="2400" dirty="0" smtClean="0">
+                <a:latin typeface="Courier New" panose="02070309020205020404" pitchFamily="49" charset="0"/>
+                <a:cs typeface="Courier New" panose="02070309020205020404" pitchFamily="49" charset="0"/>
+              </a:rPr>
+              <a:t>	  	</a:t>
+            </a:r>
+            <a:r>
+              <a:rPr lang="en-US" altLang="en-US" sz="2400" dirty="0" smtClean="0">
+                <a:solidFill>
+                  <a:schemeClr val="accent5"/>
+                </a:solidFill>
+                <a:latin typeface="Courier New" panose="02070309020205020404" pitchFamily="49" charset="0"/>
+                <a:cs typeface="Courier New" panose="02070309020205020404" pitchFamily="49" charset="0"/>
+              </a:rPr>
+              <a:t>+                          </a:t>
+            </a:r>
+            <a:r>
+              <a:rPr lang="en-US" altLang="en-US" sz="2400" dirty="0">
+                <a:solidFill>
+                  <a:schemeClr val="accent5"/>
+                </a:solidFill>
+                <a:latin typeface="Courier New" panose="02070309020205020404" pitchFamily="49" charset="0"/>
+                <a:cs typeface="Courier New" panose="02070309020205020404" pitchFamily="49" charset="0"/>
+              </a:rPr>
+              <a:t>name='</a:t>
+            </a:r>
+            <a:r>
+              <a:rPr lang="en-US" altLang="en-US" sz="2400" dirty="0" err="1">
+                <a:solidFill>
+                  <a:schemeClr val="accent5"/>
+                </a:solidFill>
+                <a:latin typeface="Courier New" panose="02070309020205020404" pitchFamily="49" charset="0"/>
+                <a:cs typeface="Courier New" panose="02070309020205020404" pitchFamily="49" charset="0"/>
+              </a:rPr>
+              <a:t>securitygrouprules_direction</a:t>
+            </a:r>
+            <a:r>
+              <a:rPr lang="en-US" altLang="en-US" sz="2400" dirty="0" smtClean="0">
+                <a:solidFill>
+                  <a:schemeClr val="accent5"/>
+                </a:solidFill>
+                <a:latin typeface="Courier New" panose="02070309020205020404" pitchFamily="49" charset="0"/>
+                <a:cs typeface="Courier New" panose="02070309020205020404" pitchFamily="49" charset="0"/>
+              </a:rPr>
+              <a:t>'),</a:t>
+            </a:r>
+          </a:p>
+          <a:p>
+            <a:pPr marL="514350" indent="-514350" defTabSz="914400">
+              <a:buFont typeface="+mj-lt"/>
+              <a:buAutoNum type="arabicPeriod"/>
+            </a:pPr>
+            <a:r>
+              <a:rPr lang="en-US" altLang="en-US" sz="2400" dirty="0">
+                <a:latin typeface="Courier New" panose="02070309020205020404" pitchFamily="49" charset="0"/>
+                <a:cs typeface="Courier New" panose="02070309020205020404" pitchFamily="49" charset="0"/>
+              </a:rPr>
+              <a:t> </a:t>
+            </a:r>
+            <a:r>
+              <a:rPr lang="en-US" altLang="en-US" sz="2400" dirty="0" smtClean="0">
+                <a:latin typeface="Courier New" panose="02070309020205020404" pitchFamily="49" charset="0"/>
+                <a:cs typeface="Courier New" panose="02070309020205020404" pitchFamily="49" charset="0"/>
+              </a:rPr>
+              <a:t> 	  	</a:t>
+            </a:r>
+            <a:r>
+              <a:rPr lang="en-US" altLang="en-US" sz="2400" dirty="0" smtClean="0">
+                <a:solidFill>
+                  <a:schemeClr val="accent5"/>
+                </a:solidFill>
+                <a:latin typeface="Courier New" panose="02070309020205020404" pitchFamily="49" charset="0"/>
+                <a:cs typeface="Courier New" panose="02070309020205020404" pitchFamily="49" charset="0"/>
+              </a:rPr>
+              <a:t>+                  </a:t>
+            </a:r>
+            <a:r>
+              <a:rPr lang="en-US" altLang="en-US" sz="2400" dirty="0" err="1">
+                <a:solidFill>
+                  <a:schemeClr val="accent5"/>
+                </a:solidFill>
+                <a:latin typeface="Courier New" panose="02070309020205020404" pitchFamily="49" charset="0"/>
+                <a:cs typeface="Courier New" panose="02070309020205020404" pitchFamily="49" charset="0"/>
+              </a:rPr>
+              <a:t>nullable</a:t>
+            </a:r>
+            <a:r>
+              <a:rPr lang="en-US" altLang="en-US" sz="2400" dirty="0">
+                <a:solidFill>
+                  <a:schemeClr val="accent5"/>
+                </a:solidFill>
+                <a:latin typeface="Courier New" panose="02070309020205020404" pitchFamily="49" charset="0"/>
+                <a:cs typeface="Courier New" panose="02070309020205020404" pitchFamily="49" charset="0"/>
+              </a:rPr>
+              <a:t>=True),</a:t>
+            </a:r>
+            <a:r>
+              <a:rPr lang="en-US" altLang="en-US" sz="2400" dirty="0">
+                <a:latin typeface="Courier New" panose="02070309020205020404" pitchFamily="49" charset="0"/>
+                <a:cs typeface="Courier New" panose="02070309020205020404" pitchFamily="49" charset="0"/>
+              </a:rPr>
+              <a:t> </a:t>
+            </a:r>
+            <a:endParaRPr lang="en-US" altLang="en-US" sz="2400" dirty="0" smtClean="0">
+              <a:latin typeface="Courier New" panose="02070309020205020404" pitchFamily="49" charset="0"/>
+              <a:cs typeface="Courier New" panose="02070309020205020404" pitchFamily="49" charset="0"/>
+            </a:endParaRPr>
+          </a:p>
+          <a:p>
+            <a:pPr marL="514350" indent="-514350" defTabSz="914400">
+              <a:buFont typeface="+mj-lt"/>
+              <a:buAutoNum type="arabicPeriod"/>
+            </a:pPr>
+            <a:r>
+              <a:rPr lang="en-US" altLang="en-US" sz="2400" dirty="0">
+                <a:latin typeface="Courier New" panose="02070309020205020404" pitchFamily="49" charset="0"/>
+                <a:cs typeface="Courier New" panose="02070309020205020404" pitchFamily="49" charset="0"/>
+              </a:rPr>
+              <a:t> </a:t>
+            </a:r>
+            <a:r>
+              <a:rPr lang="en-US" altLang="en-US" sz="2400" dirty="0" smtClean="0">
+                <a:latin typeface="Courier New" panose="02070309020205020404" pitchFamily="49" charset="0"/>
+                <a:cs typeface="Courier New" panose="02070309020205020404" pitchFamily="49" charset="0"/>
+              </a:rPr>
+              <a:t> 	 	</a:t>
+            </a:r>
+            <a:r>
+              <a:rPr lang="en-US" altLang="en-US" sz="2400" b="1" dirty="0" smtClean="0">
+                <a:solidFill>
+                  <a:schemeClr val="accent5"/>
+                </a:solidFill>
+                <a:latin typeface="Courier New" panose="02070309020205020404" pitchFamily="49" charset="0"/>
+                <a:cs typeface="Courier New" panose="02070309020205020404" pitchFamily="49" charset="0"/>
+              </a:rPr>
+              <a:t>diff </a:t>
+            </a:r>
+            <a:r>
+              <a:rPr lang="en-US" altLang="en-US" sz="2400" b="1" dirty="0">
+                <a:solidFill>
+                  <a:schemeClr val="accent5"/>
+                </a:solidFill>
+                <a:latin typeface="Courier New" panose="02070309020205020404" pitchFamily="49" charset="0"/>
+                <a:cs typeface="Courier New" panose="02070309020205020404" pitchFamily="49" charset="0"/>
+              </a:rPr>
+              <a:t>--</a:t>
+            </a:r>
+            <a:r>
+              <a:rPr lang="en-US" altLang="en-US" sz="2400" b="1" dirty="0" err="1">
+                <a:solidFill>
+                  <a:schemeClr val="accent5"/>
+                </a:solidFill>
+                <a:latin typeface="Courier New" panose="02070309020205020404" pitchFamily="49" charset="0"/>
+                <a:cs typeface="Courier New" panose="02070309020205020404" pitchFamily="49" charset="0"/>
+              </a:rPr>
+              <a:t>git</a:t>
+            </a:r>
+            <a:r>
+              <a:rPr lang="en-US" altLang="en-US" sz="2400" b="1" dirty="0">
+                <a:solidFill>
+                  <a:schemeClr val="accent5"/>
+                </a:solidFill>
+                <a:latin typeface="Courier New" panose="02070309020205020404" pitchFamily="49" charset="0"/>
+                <a:cs typeface="Courier New" panose="02070309020205020404" pitchFamily="49" charset="0"/>
+              </a:rPr>
+              <a:t> a/quantum/db/securitygroups_db.py </a:t>
+            </a:r>
+            <a:r>
+              <a:rPr lang="en-US" altLang="en-US" sz="2400" b="1" dirty="0" smtClean="0">
+                <a:solidFill>
+                  <a:schemeClr val="accent5"/>
+                </a:solidFill>
+                <a:latin typeface="Courier New" panose="02070309020205020404" pitchFamily="49" charset="0"/>
+                <a:cs typeface="Courier New" panose="02070309020205020404" pitchFamily="49" charset="0"/>
+              </a:rPr>
+              <a:t>b/quantum/db/securitygroups_db.py</a:t>
+            </a:r>
+          </a:p>
+          <a:p>
+            <a:pPr marL="514350" indent="-514350" defTabSz="914400">
+              <a:buFont typeface="+mj-lt"/>
+              <a:buAutoNum type="arabicPeriod"/>
+            </a:pPr>
+            <a:r>
+              <a:rPr lang="en-US" altLang="en-US" sz="2400" dirty="0">
+                <a:latin typeface="Courier New" panose="02070309020205020404" pitchFamily="49" charset="0"/>
+                <a:cs typeface="Courier New" panose="02070309020205020404" pitchFamily="49" charset="0"/>
+              </a:rPr>
+              <a:t> </a:t>
+            </a:r>
+            <a:r>
+              <a:rPr lang="en-US" altLang="en-US" sz="2400" dirty="0" smtClean="0">
+                <a:latin typeface="Courier New" panose="02070309020205020404" pitchFamily="49" charset="0"/>
+                <a:cs typeface="Courier New" panose="02070309020205020404" pitchFamily="49" charset="0"/>
+              </a:rPr>
+              <a:t> 	 	</a:t>
+            </a:r>
+            <a:r>
+              <a:rPr lang="en-US" altLang="en-US" sz="2400" dirty="0" smtClean="0">
+                <a:solidFill>
+                  <a:schemeClr val="accent6"/>
+                </a:solidFill>
+                <a:latin typeface="Courier New" panose="02070309020205020404" pitchFamily="49" charset="0"/>
+                <a:cs typeface="Courier New" panose="02070309020205020404" pitchFamily="49" charset="0"/>
+              </a:rPr>
+              <a:t>index </a:t>
+            </a:r>
+            <a:r>
+              <a:rPr lang="en-US" altLang="en-US" sz="2400" dirty="0">
+                <a:solidFill>
+                  <a:schemeClr val="accent6"/>
+                </a:solidFill>
+                <a:latin typeface="Courier New" panose="02070309020205020404" pitchFamily="49" charset="0"/>
+                <a:cs typeface="Courier New" panose="02070309020205020404" pitchFamily="49" charset="0"/>
+              </a:rPr>
+              <a:t>9903a6493..5bd890bbe </a:t>
+            </a:r>
+            <a:r>
+              <a:rPr lang="en-US" altLang="en-US" sz="2400" dirty="0" smtClean="0">
+                <a:solidFill>
+                  <a:schemeClr val="accent6"/>
+                </a:solidFill>
+                <a:latin typeface="Courier New" panose="02070309020205020404" pitchFamily="49" charset="0"/>
+                <a:cs typeface="Courier New" panose="02070309020205020404" pitchFamily="49" charset="0"/>
+              </a:rPr>
+              <a:t>100644</a:t>
+            </a:r>
+          </a:p>
+          <a:p>
+            <a:pPr marL="514350" indent="-514350" defTabSz="914400">
+              <a:buFont typeface="+mj-lt"/>
+              <a:buAutoNum type="arabicPeriod"/>
+            </a:pPr>
+            <a:r>
+              <a:rPr lang="en-US" altLang="en-US" sz="2400" dirty="0">
+                <a:latin typeface="Courier New" panose="02070309020205020404" pitchFamily="49" charset="0"/>
+                <a:cs typeface="Courier New" panose="02070309020205020404" pitchFamily="49" charset="0"/>
+              </a:rPr>
+              <a:t> </a:t>
+            </a:r>
+            <a:r>
+              <a:rPr lang="en-US" altLang="en-US" sz="2400" dirty="0" smtClean="0">
+                <a:latin typeface="Courier New" panose="02070309020205020404" pitchFamily="49" charset="0"/>
+                <a:cs typeface="Courier New" panose="02070309020205020404" pitchFamily="49" charset="0"/>
+              </a:rPr>
+              <a:t> 	 	</a:t>
+            </a:r>
+            <a:r>
+              <a:rPr lang="en-US" altLang="en-US" sz="2400" dirty="0" smtClean="0">
+                <a:solidFill>
+                  <a:srgbClr val="7030A0"/>
+                </a:solidFill>
+                <a:latin typeface="Courier New" panose="02070309020205020404" pitchFamily="49" charset="0"/>
+                <a:cs typeface="Courier New" panose="02070309020205020404" pitchFamily="49" charset="0"/>
+              </a:rPr>
+              <a:t>--- a/quantum/db/securitygroups_db.py</a:t>
+            </a:r>
+            <a:r>
+              <a:rPr lang="en-US" altLang="en-US" sz="2400" dirty="0" smtClean="0">
+                <a:latin typeface="Courier New" panose="02070309020205020404" pitchFamily="49" charset="0"/>
+                <a:cs typeface="Courier New" panose="02070309020205020404" pitchFamily="49" charset="0"/>
+              </a:rPr>
+              <a:t> </a:t>
+            </a:r>
+          </a:p>
+          <a:p>
+            <a:pPr marL="514350" indent="-514350" defTabSz="914400">
+              <a:buFont typeface="+mj-lt"/>
+              <a:buAutoNum type="arabicPeriod"/>
+            </a:pPr>
+            <a:r>
+              <a:rPr lang="en-US" altLang="en-US" sz="2400" dirty="0">
+                <a:latin typeface="Courier New" panose="02070309020205020404" pitchFamily="49" charset="0"/>
+                <a:cs typeface="Courier New" panose="02070309020205020404" pitchFamily="49" charset="0"/>
+              </a:rPr>
+              <a:t> </a:t>
+            </a:r>
+            <a:r>
+              <a:rPr lang="en-US" altLang="en-US" sz="2400" dirty="0" smtClean="0">
+                <a:latin typeface="Courier New" panose="02070309020205020404" pitchFamily="49" charset="0"/>
+                <a:cs typeface="Courier New" panose="02070309020205020404" pitchFamily="49" charset="0"/>
+              </a:rPr>
+              <a:t> 	 	</a:t>
+            </a:r>
+            <a:r>
+              <a:rPr lang="en-US" altLang="en-US" sz="2400" dirty="0" smtClean="0">
+                <a:solidFill>
+                  <a:srgbClr val="7030A0"/>
+                </a:solidFill>
+                <a:latin typeface="Courier New" panose="02070309020205020404" pitchFamily="49" charset="0"/>
+                <a:cs typeface="Courier New" panose="02070309020205020404" pitchFamily="49" charset="0"/>
+              </a:rPr>
+              <a:t>+++ b/quantum/db/securitygroups_db.py</a:t>
+            </a:r>
+            <a:r>
+              <a:rPr lang="en-US" altLang="en-US" sz="2400" dirty="0" smtClean="0">
+                <a:latin typeface="Courier New" panose="02070309020205020404" pitchFamily="49" charset="0"/>
+                <a:cs typeface="Courier New" panose="02070309020205020404" pitchFamily="49" charset="0"/>
+              </a:rPr>
+              <a:t>  </a:t>
+            </a:r>
+          </a:p>
+          <a:p>
+            <a:pPr marL="514350" indent="-514350" defTabSz="914400">
+              <a:buFont typeface="+mj-lt"/>
+              <a:buAutoNum type="arabicPeriod"/>
+            </a:pPr>
+            <a:r>
+              <a:rPr lang="en-US" altLang="en-US" sz="2400" dirty="0">
+                <a:latin typeface="Courier New" panose="02070309020205020404" pitchFamily="49" charset="0"/>
+                <a:cs typeface="Courier New" panose="02070309020205020404" pitchFamily="49" charset="0"/>
+              </a:rPr>
+              <a:t> </a:t>
+            </a:r>
+            <a:r>
+              <a:rPr lang="en-US" altLang="en-US" sz="2400" dirty="0" smtClean="0">
+                <a:latin typeface="Courier New" panose="02070309020205020404" pitchFamily="49" charset="0"/>
+                <a:cs typeface="Courier New" panose="02070309020205020404" pitchFamily="49" charset="0"/>
+              </a:rPr>
+              <a:t> 	 	</a:t>
+            </a:r>
+            <a:r>
+              <a:rPr lang="en-US" altLang="en-US" sz="2400" dirty="0" smtClean="0">
+                <a:solidFill>
+                  <a:schemeClr val="accent2"/>
+                </a:solidFill>
+                <a:latin typeface="Courier New" panose="02070309020205020404" pitchFamily="49" charset="0"/>
+                <a:cs typeface="Courier New" panose="02070309020205020404" pitchFamily="49" charset="0"/>
+              </a:rPr>
+              <a:t>@@ </a:t>
+            </a:r>
+            <a:r>
+              <a:rPr lang="en-US" altLang="en-US" sz="2400" dirty="0">
+                <a:solidFill>
+                  <a:schemeClr val="accent2"/>
+                </a:solidFill>
+                <a:latin typeface="Courier New" panose="02070309020205020404" pitchFamily="49" charset="0"/>
+                <a:cs typeface="Courier New" panose="02070309020205020404" pitchFamily="49" charset="0"/>
+              </a:rPr>
+              <a:t>-62,7 +62,8 @@ class </a:t>
+            </a:r>
+            <a:r>
+              <a:rPr lang="en-US" altLang="en-US" sz="2400" dirty="0" err="1">
+                <a:solidFill>
+                  <a:schemeClr val="accent2"/>
+                </a:solidFill>
+                <a:latin typeface="Courier New" panose="02070309020205020404" pitchFamily="49" charset="0"/>
+                <a:cs typeface="Courier New" panose="02070309020205020404" pitchFamily="49" charset="0"/>
+              </a:rPr>
+              <a:t>SecurityGroupRule</a:t>
+            </a:r>
+            <a:r>
+              <a:rPr lang="en-US" altLang="en-US" sz="2400" dirty="0">
+                <a:solidFill>
+                  <a:schemeClr val="accent2"/>
+                </a:solidFill>
+                <a:latin typeface="Courier New" panose="02070309020205020404" pitchFamily="49" charset="0"/>
+                <a:cs typeface="Courier New" panose="02070309020205020404" pitchFamily="49" charset="0"/>
+              </a:rPr>
+              <a:t>(model_base.BASEV2, models_v2.HasId,</a:t>
+            </a:r>
+            <a:r>
+              <a:rPr lang="en-US" altLang="en-US" sz="2400" dirty="0">
+                <a:latin typeface="Courier New" panose="02070309020205020404" pitchFamily="49" charset="0"/>
+                <a:cs typeface="Courier New" panose="02070309020205020404" pitchFamily="49" charset="0"/>
+              </a:rPr>
+              <a:t> </a:t>
+            </a:r>
+            <a:endParaRPr lang="en-US" altLang="en-US" sz="2400" dirty="0" smtClean="0">
+              <a:latin typeface="Courier New" panose="02070309020205020404" pitchFamily="49" charset="0"/>
+              <a:cs typeface="Courier New" panose="02070309020205020404" pitchFamily="49" charset="0"/>
+            </a:endParaRPr>
+          </a:p>
+          <a:p>
+            <a:pPr marL="514350" indent="-514350" defTabSz="914400">
+              <a:buFont typeface="+mj-lt"/>
+              <a:buAutoNum type="arabicPeriod"/>
+            </a:pPr>
+            <a:r>
+              <a:rPr lang="en-US" altLang="en-US" sz="2400" dirty="0">
+                <a:latin typeface="Courier New" panose="02070309020205020404" pitchFamily="49" charset="0"/>
+                <a:cs typeface="Courier New" panose="02070309020205020404" pitchFamily="49" charset="0"/>
+              </a:rPr>
+              <a:t> </a:t>
+            </a:r>
+            <a:r>
+              <a:rPr lang="en-US" altLang="en-US" sz="2400" dirty="0" smtClean="0">
+                <a:latin typeface="Courier New" panose="02070309020205020404" pitchFamily="49" charset="0"/>
+                <a:cs typeface="Courier New" panose="02070309020205020404" pitchFamily="49" charset="0"/>
+              </a:rPr>
+              <a:t> 	 	</a:t>
+            </a:r>
+            <a:r>
+              <a:rPr lang="en-US" altLang="en-US" sz="2400" dirty="0" smtClean="0">
+                <a:solidFill>
+                  <a:srgbClr val="996600"/>
+                </a:solidFill>
+                <a:latin typeface="Courier New" panose="02070309020205020404" pitchFamily="49" charset="0"/>
+                <a:cs typeface="Courier New" panose="02070309020205020404" pitchFamily="49" charset="0"/>
+              </a:rPr>
+              <a:t>-    </a:t>
+            </a:r>
+            <a:r>
+              <a:rPr lang="en-US" altLang="en-US" sz="2400" dirty="0">
+                <a:solidFill>
+                  <a:srgbClr val="996600"/>
+                </a:solidFill>
+                <a:latin typeface="Courier New" panose="02070309020205020404" pitchFamily="49" charset="0"/>
+                <a:cs typeface="Courier New" panose="02070309020205020404" pitchFamily="49" charset="0"/>
+              </a:rPr>
+              <a:t>direction = </a:t>
+            </a:r>
+            <a:r>
+              <a:rPr lang="en-US" altLang="en-US" sz="2400" dirty="0" err="1">
+                <a:solidFill>
+                  <a:srgbClr val="996600"/>
+                </a:solidFill>
+                <a:latin typeface="Courier New" panose="02070309020205020404" pitchFamily="49" charset="0"/>
+                <a:cs typeface="Courier New" panose="02070309020205020404" pitchFamily="49" charset="0"/>
+              </a:rPr>
+              <a:t>sa.Column</a:t>
+            </a:r>
+            <a:r>
+              <a:rPr lang="en-US" altLang="en-US" sz="2400" dirty="0">
+                <a:solidFill>
+                  <a:srgbClr val="996600"/>
+                </a:solidFill>
+                <a:latin typeface="Courier New" panose="02070309020205020404" pitchFamily="49" charset="0"/>
+                <a:cs typeface="Courier New" panose="02070309020205020404" pitchFamily="49" charset="0"/>
+              </a:rPr>
+              <a:t>(</a:t>
+            </a:r>
+            <a:r>
+              <a:rPr lang="en-US" altLang="en-US" sz="2400" dirty="0" err="1">
+                <a:solidFill>
+                  <a:srgbClr val="996600"/>
+                </a:solidFill>
+                <a:latin typeface="Courier New" panose="02070309020205020404" pitchFamily="49" charset="0"/>
+                <a:cs typeface="Courier New" panose="02070309020205020404" pitchFamily="49" charset="0"/>
+              </a:rPr>
+              <a:t>sa.Enum</a:t>
+            </a:r>
+            <a:r>
+              <a:rPr lang="en-US" altLang="en-US" sz="2400" dirty="0">
+                <a:solidFill>
+                  <a:srgbClr val="996600"/>
+                </a:solidFill>
+                <a:latin typeface="Courier New" panose="02070309020205020404" pitchFamily="49" charset="0"/>
+                <a:cs typeface="Courier New" panose="02070309020205020404" pitchFamily="49" charset="0"/>
+              </a:rPr>
+              <a:t>('ingress', 'egress</a:t>
+            </a:r>
+            <a:r>
+              <a:rPr lang="en-US" altLang="en-US" sz="2400" dirty="0" smtClean="0">
+                <a:solidFill>
+                  <a:srgbClr val="996600"/>
+                </a:solidFill>
+                <a:latin typeface="Courier New" panose="02070309020205020404" pitchFamily="49" charset="0"/>
+                <a:cs typeface="Courier New" panose="02070309020205020404" pitchFamily="49" charset="0"/>
+              </a:rPr>
+              <a:t>'))</a:t>
+            </a:r>
+          </a:p>
+          <a:p>
+            <a:pPr marL="514350" indent="-514350" defTabSz="914400">
+              <a:buFont typeface="+mj-lt"/>
+              <a:buAutoNum type="arabicPeriod"/>
+            </a:pPr>
+            <a:r>
+              <a:rPr lang="en-US" altLang="en-US" sz="2400" dirty="0">
+                <a:latin typeface="Courier New" panose="02070309020205020404" pitchFamily="49" charset="0"/>
+                <a:cs typeface="Courier New" panose="02070309020205020404" pitchFamily="49" charset="0"/>
+              </a:rPr>
+              <a:t> </a:t>
+            </a:r>
+            <a:r>
+              <a:rPr lang="en-US" altLang="en-US" sz="2400" dirty="0" smtClean="0">
+                <a:latin typeface="Courier New" panose="02070309020205020404" pitchFamily="49" charset="0"/>
+                <a:cs typeface="Courier New" panose="02070309020205020404" pitchFamily="49" charset="0"/>
+              </a:rPr>
+              <a:t>	 	</a:t>
+            </a:r>
+            <a:r>
+              <a:rPr lang="en-US" altLang="en-US" sz="2400" dirty="0" smtClean="0">
+                <a:solidFill>
+                  <a:schemeClr val="accent5"/>
+                </a:solidFill>
+                <a:latin typeface="Courier New" panose="02070309020205020404" pitchFamily="49" charset="0"/>
+                <a:cs typeface="Courier New" panose="02070309020205020404" pitchFamily="49" charset="0"/>
+              </a:rPr>
+              <a:t>+    </a:t>
+            </a:r>
+            <a:r>
+              <a:rPr lang="en-US" altLang="en-US" sz="2400" dirty="0">
+                <a:solidFill>
+                  <a:schemeClr val="accent5"/>
+                </a:solidFill>
+                <a:latin typeface="Courier New" panose="02070309020205020404" pitchFamily="49" charset="0"/>
+                <a:cs typeface="Courier New" panose="02070309020205020404" pitchFamily="49" charset="0"/>
+              </a:rPr>
+              <a:t>direction = sa.Column(</a:t>
+            </a:r>
+            <a:r>
+              <a:rPr lang="en-US" altLang="en-US" sz="2400" dirty="0" err="1">
+                <a:solidFill>
+                  <a:schemeClr val="accent5"/>
+                </a:solidFill>
+                <a:latin typeface="Courier New" panose="02070309020205020404" pitchFamily="49" charset="0"/>
+                <a:cs typeface="Courier New" panose="02070309020205020404" pitchFamily="49" charset="0"/>
+              </a:rPr>
+              <a:t>sa.Enum</a:t>
+            </a:r>
+            <a:r>
+              <a:rPr lang="en-US" altLang="en-US" sz="2400" dirty="0">
+                <a:solidFill>
+                  <a:schemeClr val="accent5"/>
+                </a:solidFill>
+                <a:latin typeface="Courier New" panose="02070309020205020404" pitchFamily="49" charset="0"/>
+                <a:cs typeface="Courier New" panose="02070309020205020404" pitchFamily="49" charset="0"/>
+              </a:rPr>
+              <a:t>('ingress', 'egress</a:t>
+            </a:r>
+            <a:r>
+              <a:rPr lang="en-US" altLang="en-US" sz="2400" dirty="0" smtClean="0">
+                <a:solidFill>
+                  <a:schemeClr val="accent5"/>
+                </a:solidFill>
+                <a:latin typeface="Courier New" panose="02070309020205020404" pitchFamily="49" charset="0"/>
+                <a:cs typeface="Courier New" panose="02070309020205020404" pitchFamily="49" charset="0"/>
+              </a:rPr>
+              <a:t>',</a:t>
+            </a:r>
+            <a:r>
+              <a:rPr lang="en-US" altLang="en-US" sz="2400" dirty="0" smtClean="0">
+                <a:latin typeface="Courier New" panose="02070309020205020404" pitchFamily="49" charset="0"/>
+                <a:cs typeface="Courier New" panose="02070309020205020404" pitchFamily="49" charset="0"/>
+              </a:rPr>
+              <a:t>  </a:t>
+            </a:r>
+          </a:p>
+          <a:p>
+            <a:pPr marL="514350" indent="-514350" defTabSz="914400">
+              <a:buFont typeface="+mj-lt"/>
+              <a:buAutoNum type="arabicPeriod"/>
+            </a:pPr>
+            <a:r>
+              <a:rPr lang="en-US" altLang="en-US" sz="2400" dirty="0" smtClean="0">
+                <a:latin typeface="Courier New" panose="02070309020205020404" pitchFamily="49" charset="0"/>
+                <a:cs typeface="Courier New" panose="02070309020205020404" pitchFamily="49" charset="0"/>
+              </a:rPr>
+              <a:t> 	 	</a:t>
+            </a:r>
+            <a:r>
+              <a:rPr lang="en-US" altLang="en-US" sz="2400" dirty="0" smtClean="0">
+                <a:solidFill>
+                  <a:schemeClr val="accent5"/>
+                </a:solidFill>
+                <a:latin typeface="Courier New" panose="02070309020205020404" pitchFamily="49" charset="0"/>
+                <a:cs typeface="Courier New" panose="02070309020205020404" pitchFamily="49" charset="0"/>
+              </a:rPr>
+              <a:t>+                                  </a:t>
+            </a:r>
+            <a:r>
+              <a:rPr lang="en-US" altLang="en-US" sz="2400" dirty="0">
+                <a:solidFill>
+                  <a:schemeClr val="accent5"/>
+                </a:solidFill>
+                <a:latin typeface="Courier New" panose="02070309020205020404" pitchFamily="49" charset="0"/>
+                <a:cs typeface="Courier New" panose="02070309020205020404" pitchFamily="49" charset="0"/>
+              </a:rPr>
+              <a:t>name='</a:t>
+            </a:r>
+            <a:r>
+              <a:rPr lang="en-US" altLang="en-US" sz="2400" dirty="0" err="1">
+                <a:solidFill>
+                  <a:schemeClr val="accent5"/>
+                </a:solidFill>
+                <a:latin typeface="Courier New" panose="02070309020205020404" pitchFamily="49" charset="0"/>
+                <a:cs typeface="Courier New" panose="02070309020205020404" pitchFamily="49" charset="0"/>
+              </a:rPr>
+              <a:t>securitygrouprules_direction</a:t>
+            </a:r>
+            <a:r>
+              <a:rPr lang="en-US" altLang="en-US" sz="2400" dirty="0" smtClean="0">
+                <a:solidFill>
+                  <a:schemeClr val="accent5"/>
+                </a:solidFill>
+                <a:latin typeface="Courier New" panose="02070309020205020404" pitchFamily="49" charset="0"/>
+                <a:cs typeface="Courier New" panose="02070309020205020404" pitchFamily="49" charset="0"/>
+              </a:rPr>
+              <a:t>'))</a:t>
+            </a:r>
+            <a:endParaRPr lang="en-SG" sz="2400" dirty="0" smtClean="0">
+              <a:solidFill>
+                <a:schemeClr val="accent5"/>
+              </a:solidFill>
+              <a:latin typeface="Courier New" panose="02070309020205020404" pitchFamily="49" charset="0"/>
+              <a:cs typeface="Courier New" panose="02070309020205020404" pitchFamily="49" charset="0"/>
+            </a:endParaRPr>
+          </a:p>
+        </p:txBody>
+      </p:sp>
+    </p:spTree>
+    <p:extLst>
+      <p:ext uri="{BB962C8B-B14F-4D97-AF65-F5344CB8AC3E}">
+        <p14:creationId xmlns:p14="http://schemas.microsoft.com/office/powerpoint/2010/main" val="2779279859"/>
       </p:ext>
     </p:extLst>
   </p:cSld>

--- a/figs/figures.pptx
+++ b/figs/figures.pptx
@@ -16,6 +16,7 @@
     <p:sldId id="264" r:id="rId10"/>
     <p:sldId id="265" r:id="rId11"/>
     <p:sldId id="266" r:id="rId12"/>
+    <p:sldId id="268" r:id="rId13"/>
   </p:sldIdLst>
   <p:sldSz cx="27311350" cy="13679488"/>
   <p:notesSz cx="6858000" cy="9144000"/>
@@ -8537,14 +8538,7 @@
                 <a:latin typeface="Courier New" panose="02070309020205020404" pitchFamily="49" charset="0"/>
                 <a:cs typeface="Courier New" panose="02070309020205020404" pitchFamily="49" charset="0"/>
               </a:rPr>
-              <a:t>  		</a:t>
-            </a:r>
-            <a:r>
-              <a:rPr lang="en-US" altLang="en-US" sz="2400" dirty="0" smtClean="0">
-                <a:latin typeface="Courier New" panose="02070309020205020404" pitchFamily="49" charset="0"/>
-                <a:cs typeface="Courier New" panose="02070309020205020404" pitchFamily="49" charset="0"/>
-              </a:rPr>
-              <a:t>	</a:t>
+              <a:t>  			</a:t>
             </a:r>
             <a:r>
               <a:rPr lang="en-US" altLang="en-US" sz="2400" dirty="0" smtClean="0">
@@ -9639,6 +9633,1926 @@
     <p:extLst>
       <p:ext uri="{BB962C8B-B14F-4D97-AF65-F5344CB8AC3E}">
         <p14:creationId xmlns:p14="http://schemas.microsoft.com/office/powerpoint/2010/main" val="2779279859"/>
+      </p:ext>
+    </p:extLst>
+  </p:cSld>
+  <p:clrMapOvr>
+    <a:masterClrMapping/>
+  </p:clrMapOvr>
+</p:sld>
+</file>
+
+<file path=ppt/slides/slide12.xml><?xml version="1.0" encoding="utf-8"?>
+<p:sld xmlns:a="http://schemas.openxmlformats.org/drawingml/2006/main" xmlns:r="http://schemas.openxmlformats.org/officeDocument/2006/relationships" xmlns:p="http://schemas.openxmlformats.org/presentationml/2006/main">
+  <p:cSld>
+    <p:spTree>
+      <p:nvGrpSpPr>
+        <p:cNvPr id="1" name=""/>
+        <p:cNvGrpSpPr/>
+        <p:nvPr/>
+      </p:nvGrpSpPr>
+      <p:grpSpPr>
+        <a:xfrm>
+          <a:off x="0" y="0"/>
+          <a:ext cx="0" cy="0"/>
+          <a:chOff x="0" y="0"/>
+          <a:chExt cx="0" cy="0"/>
+        </a:xfrm>
+      </p:grpSpPr>
+      <p:sp>
+        <p:nvSpPr>
+          <p:cNvPr id="5" name="Rectangle 1"/>
+          <p:cNvSpPr>
+            <a:spLocks noChangeArrowheads="1"/>
+          </p:cNvSpPr>
+          <p:nvPr/>
+        </p:nvSpPr>
+        <p:spPr bwMode="auto">
+          <a:xfrm>
+            <a:off x="1524000" y="97031"/>
+            <a:ext cx="16725900" cy="11541621"/>
+          </a:xfrm>
+          <a:prstGeom prst="rect">
+            <a:avLst/>
+          </a:prstGeom>
+          <a:noFill/>
+          <a:ln>
+            <a:noFill/>
+          </a:ln>
+          <a:effectLst/>
+          <a:extLst>
+            <a:ext uri="{909E8E84-426E-40DD-AFC4-6F175D3DCCD1}">
+              <a14:hiddenFill xmlns:a14="http://schemas.microsoft.com/office/drawing/2010/main">
+                <a:solidFill>
+                  <a:schemeClr val="accent1"/>
+                </a:solidFill>
+              </a14:hiddenFill>
+            </a:ext>
+            <a:ext uri="{91240B29-F687-4F45-9708-019B960494DF}">
+              <a14:hiddenLine xmlns:a14="http://schemas.microsoft.com/office/drawing/2010/main" w="9525">
+                <a:solidFill>
+                  <a:schemeClr val="tx1"/>
+                </a:solidFill>
+                <a:miter lim="800000"/>
+                <a:headEnd/>
+                <a:tailEnd/>
+              </a14:hiddenLine>
+            </a:ext>
+            <a:ext uri="{AF507438-7753-43E0-B8FC-AC1667EBCBE1}">
+              <a14:hiddenEffects xmlns:a14="http://schemas.microsoft.com/office/drawing/2010/main">
+                <a:effectLst>
+                  <a:outerShdw dist="35921" dir="2700000" algn="ctr" rotWithShape="0">
+                    <a:schemeClr val="bg2"/>
+                  </a:outerShdw>
+                </a:effectLst>
+              </a14:hiddenEffects>
+            </a:ext>
+          </a:extLst>
+        </p:spPr>
+        <p:txBody>
+          <a:bodyPr vert="horz" wrap="square" lIns="91440" tIns="45720" rIns="91440" bIns="45720" numCol="1" anchor="ctr" anchorCtr="0" compatLnSpc="1">
+            <a:prstTxWarp prst="textNoShape">
+              <a:avLst/>
+            </a:prstTxWarp>
+            <a:spAutoFit/>
+          </a:bodyPr>
+          <a:lstStyle>
+            <a:lvl1pPr eaLnBrk="0" fontAlgn="base" hangingPunct="0">
+              <a:spcBef>
+                <a:spcPct val="0"/>
+              </a:spcBef>
+              <a:spcAft>
+                <a:spcPct val="0"/>
+              </a:spcAft>
+              <a:defRPr>
+                <a:solidFill>
+                  <a:schemeClr val="tx1"/>
+                </a:solidFill>
+                <a:latin typeface="Arial" panose="020B0604020202020204" pitchFamily="34" charset="0"/>
+              </a:defRPr>
+            </a:lvl1pPr>
+            <a:lvl2pPr eaLnBrk="0" fontAlgn="base" hangingPunct="0">
+              <a:spcBef>
+                <a:spcPct val="0"/>
+              </a:spcBef>
+              <a:spcAft>
+                <a:spcPct val="0"/>
+              </a:spcAft>
+              <a:defRPr>
+                <a:solidFill>
+                  <a:schemeClr val="tx1"/>
+                </a:solidFill>
+                <a:latin typeface="Arial" panose="020B0604020202020204" pitchFamily="34" charset="0"/>
+              </a:defRPr>
+            </a:lvl2pPr>
+            <a:lvl3pPr eaLnBrk="0" fontAlgn="base" hangingPunct="0">
+              <a:spcBef>
+                <a:spcPct val="0"/>
+              </a:spcBef>
+              <a:spcAft>
+                <a:spcPct val="0"/>
+              </a:spcAft>
+              <a:defRPr>
+                <a:solidFill>
+                  <a:schemeClr val="tx1"/>
+                </a:solidFill>
+                <a:latin typeface="Arial" panose="020B0604020202020204" pitchFamily="34" charset="0"/>
+              </a:defRPr>
+            </a:lvl3pPr>
+            <a:lvl4pPr eaLnBrk="0" fontAlgn="base" hangingPunct="0">
+              <a:spcBef>
+                <a:spcPct val="0"/>
+              </a:spcBef>
+              <a:spcAft>
+                <a:spcPct val="0"/>
+              </a:spcAft>
+              <a:defRPr>
+                <a:solidFill>
+                  <a:schemeClr val="tx1"/>
+                </a:solidFill>
+                <a:latin typeface="Arial" panose="020B0604020202020204" pitchFamily="34" charset="0"/>
+              </a:defRPr>
+            </a:lvl4pPr>
+            <a:lvl5pPr eaLnBrk="0" fontAlgn="base" hangingPunct="0">
+              <a:spcBef>
+                <a:spcPct val="0"/>
+              </a:spcBef>
+              <a:spcAft>
+                <a:spcPct val="0"/>
+              </a:spcAft>
+              <a:defRPr>
+                <a:solidFill>
+                  <a:schemeClr val="tx1"/>
+                </a:solidFill>
+                <a:latin typeface="Arial" panose="020B0604020202020204" pitchFamily="34" charset="0"/>
+              </a:defRPr>
+            </a:lvl5pPr>
+            <a:lvl6pPr eaLnBrk="0" fontAlgn="base" hangingPunct="0">
+              <a:spcBef>
+                <a:spcPct val="0"/>
+              </a:spcBef>
+              <a:spcAft>
+                <a:spcPct val="0"/>
+              </a:spcAft>
+              <a:defRPr>
+                <a:solidFill>
+                  <a:schemeClr val="tx1"/>
+                </a:solidFill>
+                <a:latin typeface="Arial" panose="020B0604020202020204" pitchFamily="34" charset="0"/>
+              </a:defRPr>
+            </a:lvl6pPr>
+            <a:lvl7pPr eaLnBrk="0" fontAlgn="base" hangingPunct="0">
+              <a:spcBef>
+                <a:spcPct val="0"/>
+              </a:spcBef>
+              <a:spcAft>
+                <a:spcPct val="0"/>
+              </a:spcAft>
+              <a:defRPr>
+                <a:solidFill>
+                  <a:schemeClr val="tx1"/>
+                </a:solidFill>
+                <a:latin typeface="Arial" panose="020B0604020202020204" pitchFamily="34" charset="0"/>
+              </a:defRPr>
+            </a:lvl7pPr>
+            <a:lvl8pPr eaLnBrk="0" fontAlgn="base" hangingPunct="0">
+              <a:spcBef>
+                <a:spcPct val="0"/>
+              </a:spcBef>
+              <a:spcAft>
+                <a:spcPct val="0"/>
+              </a:spcAft>
+              <a:defRPr>
+                <a:solidFill>
+                  <a:schemeClr val="tx1"/>
+                </a:solidFill>
+                <a:latin typeface="Arial" panose="020B0604020202020204" pitchFamily="34" charset="0"/>
+              </a:defRPr>
+            </a:lvl8pPr>
+            <a:lvl9pPr eaLnBrk="0" fontAlgn="base" hangingPunct="0">
+              <a:spcBef>
+                <a:spcPct val="0"/>
+              </a:spcBef>
+              <a:spcAft>
+                <a:spcPct val="0"/>
+              </a:spcAft>
+              <a:defRPr>
+                <a:solidFill>
+                  <a:schemeClr val="tx1"/>
+                </a:solidFill>
+                <a:latin typeface="Arial" panose="020B0604020202020204" pitchFamily="34" charset="0"/>
+              </a:defRPr>
+            </a:lvl9pPr>
+          </a:lstStyle>
+          <a:p>
+            <a:pPr marL="514350" marR="0" indent="-514350" defTabSz="914400">
+              <a:lnSpc>
+                <a:spcPct val="100000"/>
+              </a:lnSpc>
+              <a:buClrTx/>
+              <a:buSzTx/>
+              <a:buFont typeface="+mj-lt"/>
+              <a:buAutoNum type="arabicPeriod"/>
+              <a:tabLst/>
+            </a:pPr>
+            <a:r>
+              <a:rPr lang="en-US" altLang="en-US" sz="2400" dirty="0">
+                <a:solidFill>
+                  <a:srgbClr val="333333"/>
+                </a:solidFill>
+                <a:latin typeface="Courier New" panose="02070309020205020404" pitchFamily="49" charset="0"/>
+                <a:cs typeface="Courier New" panose="02070309020205020404" pitchFamily="49" charset="0"/>
+              </a:rPr>
+              <a:t> </a:t>
+            </a:r>
+            <a:r>
+              <a:rPr lang="en-US" altLang="en-US" sz="2400" dirty="0" smtClean="0">
+                <a:solidFill>
+                  <a:srgbClr val="333333"/>
+                </a:solidFill>
+                <a:latin typeface="Courier New" panose="02070309020205020404" pitchFamily="49" charset="0"/>
+                <a:cs typeface="Courier New" panose="02070309020205020404" pitchFamily="49" charset="0"/>
+              </a:rPr>
+              <a:t>		commit </a:t>
+            </a:r>
+            <a:r>
+              <a:rPr lang="en-US" altLang="en-US" sz="2400" dirty="0">
+                <a:solidFill>
+                  <a:srgbClr val="333333"/>
+                </a:solidFill>
+                <a:latin typeface="Courier New" panose="02070309020205020404" pitchFamily="49" charset="0"/>
+                <a:cs typeface="Courier New" panose="02070309020205020404" pitchFamily="49" charset="0"/>
+              </a:rPr>
+              <a:t>d60f6efd7f70efba1ccd007d55b1fa740fb98c76</a:t>
+            </a:r>
+          </a:p>
+          <a:p>
+            <a:pPr marL="514350" indent="-514350" defTabSz="914400">
+              <a:buFont typeface="+mj-lt"/>
+              <a:buAutoNum type="arabicPeriod"/>
+            </a:pPr>
+            <a:r>
+              <a:rPr lang="en-SG" sz="2400" dirty="0">
+                <a:solidFill>
+                  <a:srgbClr val="333333"/>
+                </a:solidFill>
+                <a:latin typeface="Courier New" panose="02070309020205020404" pitchFamily="49" charset="0"/>
+                <a:cs typeface="Courier New" panose="02070309020205020404" pitchFamily="49" charset="0"/>
+              </a:rPr>
+              <a:t> </a:t>
+            </a:r>
+            <a:r>
+              <a:rPr lang="en-SG" sz="2400" dirty="0" smtClean="0">
+                <a:solidFill>
+                  <a:srgbClr val="333333"/>
+                </a:solidFill>
+                <a:latin typeface="Courier New" panose="02070309020205020404" pitchFamily="49" charset="0"/>
+                <a:cs typeface="Courier New" panose="02070309020205020404" pitchFamily="49" charset="0"/>
+              </a:rPr>
+              <a:t>		Author</a:t>
+            </a:r>
+            <a:r>
+              <a:rPr lang="en-SG" sz="2400" dirty="0">
+                <a:solidFill>
+                  <a:srgbClr val="333333"/>
+                </a:solidFill>
+                <a:latin typeface="Courier New" panose="02070309020205020404" pitchFamily="49" charset="0"/>
+                <a:cs typeface="Courier New" panose="02070309020205020404" pitchFamily="49" charset="0"/>
+              </a:rPr>
+              <a:t>: Dan Prince &lt;email address hidden&gt;</a:t>
+            </a:r>
+          </a:p>
+          <a:p>
+            <a:pPr marL="514350" indent="-514350" defTabSz="914400">
+              <a:buFont typeface="+mj-lt"/>
+              <a:buAutoNum type="arabicPeriod"/>
+            </a:pPr>
+            <a:r>
+              <a:rPr lang="en-SG" sz="2400" dirty="0">
+                <a:solidFill>
+                  <a:srgbClr val="333333"/>
+                </a:solidFill>
+                <a:latin typeface="Courier New" panose="02070309020205020404" pitchFamily="49" charset="0"/>
+                <a:cs typeface="Courier New" panose="02070309020205020404" pitchFamily="49" charset="0"/>
+              </a:rPr>
+              <a:t> 	</a:t>
+            </a:r>
+            <a:r>
+              <a:rPr lang="en-SG" sz="2400" dirty="0" smtClean="0">
+                <a:solidFill>
+                  <a:srgbClr val="333333"/>
+                </a:solidFill>
+                <a:latin typeface="Courier New" panose="02070309020205020404" pitchFamily="49" charset="0"/>
+                <a:cs typeface="Courier New" panose="02070309020205020404" pitchFamily="49" charset="0"/>
+              </a:rPr>
+              <a:t>	</a:t>
+            </a:r>
+            <a:r>
+              <a:rPr lang="en-US" sz="2400" dirty="0" smtClean="0">
+                <a:solidFill>
+                  <a:srgbClr val="333333"/>
+                </a:solidFill>
+                <a:latin typeface="Courier New" panose="02070309020205020404" pitchFamily="49" charset="0"/>
+                <a:cs typeface="Courier New" panose="02070309020205020404" pitchFamily="49" charset="0"/>
+              </a:rPr>
+              <a:t>Date</a:t>
+            </a:r>
+            <a:r>
+              <a:rPr lang="en-US" sz="2400" dirty="0">
+                <a:solidFill>
+                  <a:srgbClr val="333333"/>
+                </a:solidFill>
+                <a:latin typeface="Courier New" panose="02070309020205020404" pitchFamily="49" charset="0"/>
+                <a:cs typeface="Courier New" panose="02070309020205020404" pitchFamily="49" charset="0"/>
+              </a:rPr>
+              <a:t>: Mon Jan 14 12:26:36 2013 -0500</a:t>
+            </a:r>
+          </a:p>
+          <a:p>
+            <a:pPr marL="514350" indent="-514350" defTabSz="914400">
+              <a:buFont typeface="+mj-lt"/>
+              <a:buAutoNum type="arabicPeriod"/>
+            </a:pPr>
+            <a:r>
+              <a:rPr lang="en-US" sz="2400" dirty="0">
+                <a:solidFill>
+                  <a:srgbClr val="333333"/>
+                </a:solidFill>
+                <a:latin typeface="Courier New" panose="02070309020205020404" pitchFamily="49" charset="0"/>
+                <a:cs typeface="Courier New" panose="02070309020205020404" pitchFamily="49" charset="0"/>
+              </a:rPr>
+              <a:t> 		</a:t>
+            </a:r>
+            <a:r>
+              <a:rPr lang="en-US" sz="2400" dirty="0" smtClean="0">
+                <a:solidFill>
+                  <a:srgbClr val="333333"/>
+                </a:solidFill>
+                <a:latin typeface="Courier New" panose="02070309020205020404" pitchFamily="49" charset="0"/>
+                <a:cs typeface="Courier New" panose="02070309020205020404" pitchFamily="49" charset="0"/>
+              </a:rPr>
+              <a:t>	</a:t>
+            </a:r>
+            <a:r>
+              <a:rPr lang="en-US" altLang="en-US" sz="2400" dirty="0" smtClean="0">
+                <a:solidFill>
+                  <a:srgbClr val="333333"/>
+                </a:solidFill>
+                <a:latin typeface="Courier New" panose="02070309020205020404" pitchFamily="49" charset="0"/>
+                <a:cs typeface="Courier New" panose="02070309020205020404" pitchFamily="49" charset="0"/>
+              </a:rPr>
+              <a:t>Name </a:t>
+            </a:r>
+            <a:r>
+              <a:rPr lang="en-US" altLang="en-US" sz="2400" dirty="0">
+                <a:solidFill>
+                  <a:srgbClr val="333333"/>
+                </a:solidFill>
+                <a:latin typeface="Courier New" panose="02070309020205020404" pitchFamily="49" charset="0"/>
+                <a:cs typeface="Courier New" panose="02070309020205020404" pitchFamily="49" charset="0"/>
+              </a:rPr>
+              <a:t>the securitygrouprules.direction enum. </a:t>
+            </a:r>
+          </a:p>
+          <a:p>
+            <a:pPr marL="514350" indent="-514350" defTabSz="914400">
+              <a:buFont typeface="+mj-lt"/>
+              <a:buAutoNum type="arabicPeriod"/>
+            </a:pPr>
+            <a:r>
+              <a:rPr lang="en-US" sz="2400" dirty="0">
+                <a:solidFill>
+                  <a:srgbClr val="333333"/>
+                </a:solidFill>
+                <a:latin typeface="Courier New" panose="02070309020205020404" pitchFamily="49" charset="0"/>
+                <a:cs typeface="Courier New" panose="02070309020205020404" pitchFamily="49" charset="0"/>
+              </a:rPr>
+              <a:t>			</a:t>
+            </a:r>
+            <a:r>
+              <a:rPr lang="en-SG" sz="2400" dirty="0">
+                <a:solidFill>
+                  <a:srgbClr val="333333"/>
+                </a:solidFill>
+                <a:latin typeface="Courier New" panose="02070309020205020404" pitchFamily="49" charset="0"/>
+                <a:cs typeface="Courier New" panose="02070309020205020404" pitchFamily="49" charset="0"/>
+              </a:rPr>
+              <a:t>Updates to the SecurityGroupRule model and migration so that we</a:t>
+            </a:r>
+          </a:p>
+          <a:p>
+            <a:pPr marL="514350" indent="-514350" defTabSz="914400">
+              <a:buFont typeface="+mj-lt"/>
+              <a:buAutoNum type="arabicPeriod"/>
+            </a:pPr>
+            <a:r>
+              <a:rPr lang="en-US" altLang="en-US" sz="2400" dirty="0">
+                <a:solidFill>
+                  <a:srgbClr val="333333"/>
+                </a:solidFill>
+                <a:latin typeface="Courier New" panose="02070309020205020404" pitchFamily="49" charset="0"/>
+                <a:cs typeface="Courier New" panose="02070309020205020404" pitchFamily="49" charset="0"/>
+              </a:rPr>
+              <a:t> 			explicitly name the securitygrouprules.direction </a:t>
+            </a:r>
+            <a:r>
+              <a:rPr lang="en-US" altLang="en-US" sz="2400" dirty="0" smtClean="0">
+                <a:solidFill>
+                  <a:srgbClr val="333333"/>
+                </a:solidFill>
+                <a:latin typeface="Courier New" panose="02070309020205020404" pitchFamily="49" charset="0"/>
+                <a:cs typeface="Courier New" panose="02070309020205020404" pitchFamily="49" charset="0"/>
+              </a:rPr>
+              <a:t>enum</a:t>
+            </a:r>
+            <a:r>
+              <a:rPr lang="en-US" altLang="en-US" sz="2400" dirty="0">
+                <a:solidFill>
+                  <a:srgbClr val="333333"/>
+                </a:solidFill>
+                <a:latin typeface="Courier New" panose="02070309020205020404" pitchFamily="49" charset="0"/>
+                <a:cs typeface="Courier New" panose="02070309020205020404" pitchFamily="49" charset="0"/>
+              </a:rPr>
+              <a:t>. This fixes </a:t>
+            </a:r>
+          </a:p>
+          <a:p>
+            <a:pPr marL="514350" indent="-514350" defTabSz="914400">
+              <a:buFont typeface="+mj-lt"/>
+              <a:buAutoNum type="arabicPeriod"/>
+            </a:pPr>
+            <a:r>
+              <a:rPr lang="en-SG" sz="2400" dirty="0" smtClean="0">
+                <a:solidFill>
+                  <a:srgbClr val="333333"/>
+                </a:solidFill>
+                <a:latin typeface="Courier New" panose="02070309020205020404" pitchFamily="49" charset="0"/>
+                <a:cs typeface="Courier New" panose="02070309020205020404" pitchFamily="49" charset="0"/>
+              </a:rPr>
+              <a:t>   		'</a:t>
+            </a:r>
+            <a:r>
+              <a:rPr lang="en-SG" sz="2400" dirty="0" err="1" smtClean="0">
+                <a:solidFill>
+                  <a:srgbClr val="333333"/>
+                </a:solidFill>
+                <a:latin typeface="Courier New" panose="02070309020205020404" pitchFamily="49" charset="0"/>
+                <a:cs typeface="Courier New" panose="02070309020205020404" pitchFamily="49" charset="0"/>
+              </a:rPr>
+              <a:t>Postgresql</a:t>
+            </a:r>
+            <a:r>
+              <a:rPr lang="en-SG" sz="2400" dirty="0" smtClean="0">
+                <a:solidFill>
+                  <a:srgbClr val="333333"/>
+                </a:solidFill>
+                <a:latin typeface="Courier New" panose="02070309020205020404" pitchFamily="49" charset="0"/>
+                <a:cs typeface="Courier New" panose="02070309020205020404" pitchFamily="49" charset="0"/>
+              </a:rPr>
+              <a:t> </a:t>
+            </a:r>
+            <a:r>
+              <a:rPr lang="en-SG" sz="2400" dirty="0">
+                <a:solidFill>
+                  <a:srgbClr val="333333"/>
+                </a:solidFill>
+                <a:latin typeface="Courier New" panose="02070309020205020404" pitchFamily="49" charset="0"/>
+                <a:cs typeface="Courier New" panose="02070309020205020404" pitchFamily="49" charset="0"/>
+              </a:rPr>
+              <a:t>ENUM type </a:t>
+            </a:r>
+            <a:r>
+              <a:rPr lang="en-SG" sz="2400" dirty="0" smtClean="0">
+                <a:solidFill>
+                  <a:srgbClr val="333333"/>
+                </a:solidFill>
+                <a:latin typeface="Courier New" panose="02070309020205020404" pitchFamily="49" charset="0"/>
+                <a:cs typeface="Courier New" panose="02070309020205020404" pitchFamily="49" charset="0"/>
+              </a:rPr>
+              <a:t>requires </a:t>
+            </a:r>
+            <a:r>
+              <a:rPr lang="en-SG" sz="2400" dirty="0">
+                <a:solidFill>
+                  <a:srgbClr val="333333"/>
+                </a:solidFill>
+                <a:latin typeface="Courier New" panose="02070309020205020404" pitchFamily="49" charset="0"/>
+                <a:cs typeface="Courier New" panose="02070309020205020404" pitchFamily="49" charset="0"/>
+              </a:rPr>
+              <a:t>a name.' errors.</a:t>
+            </a:r>
+          </a:p>
+          <a:p>
+            <a:pPr marL="514350" indent="-514350" defTabSz="914400">
+              <a:buFont typeface="+mj-lt"/>
+              <a:buAutoNum type="arabicPeriod"/>
+            </a:pPr>
+            <a:r>
+              <a:rPr lang="en-US" altLang="en-US" sz="2400" dirty="0">
+                <a:solidFill>
+                  <a:srgbClr val="333333"/>
+                </a:solidFill>
+                <a:latin typeface="Courier New" panose="02070309020205020404" pitchFamily="49" charset="0"/>
+                <a:cs typeface="Courier New" panose="02070309020205020404" pitchFamily="49" charset="0"/>
+              </a:rPr>
+              <a:t>  	</a:t>
+            </a:r>
+            <a:endParaRPr lang="en-US" altLang="en-US" sz="2400" dirty="0" smtClean="0">
+              <a:solidFill>
+                <a:srgbClr val="333333"/>
+              </a:solidFill>
+              <a:latin typeface="Courier New" panose="02070309020205020404" pitchFamily="49" charset="0"/>
+              <a:cs typeface="Courier New" panose="02070309020205020404" pitchFamily="49" charset="0"/>
+            </a:endParaRPr>
+          </a:p>
+          <a:p>
+            <a:pPr marL="514350" indent="-514350" defTabSz="914400">
+              <a:buFont typeface="+mj-lt"/>
+              <a:buAutoNum type="arabicPeriod"/>
+            </a:pPr>
+            <a:r>
+              <a:rPr lang="en-US" altLang="en-US" sz="2400" dirty="0" smtClean="0">
+                <a:solidFill>
+                  <a:srgbClr val="333333"/>
+                </a:solidFill>
+                <a:latin typeface="Courier New" panose="02070309020205020404" pitchFamily="49" charset="0"/>
+                <a:cs typeface="Courier New" panose="02070309020205020404" pitchFamily="49" charset="0"/>
+              </a:rPr>
+              <a:t> 			</a:t>
+            </a:r>
+            <a:r>
+              <a:rPr lang="en-US" sz="2400" dirty="0" smtClean="0">
+                <a:solidFill>
+                  <a:srgbClr val="333333"/>
+                </a:solidFill>
+                <a:latin typeface="Courier New" panose="02070309020205020404" pitchFamily="49" charset="0"/>
+                <a:cs typeface="Courier New" panose="02070309020205020404" pitchFamily="49" charset="0"/>
+              </a:rPr>
+              <a:t>Fixes LP Bug #1099267.</a:t>
+            </a:r>
+            <a:r>
+              <a:rPr lang="en-US" sz="2400" dirty="0" smtClean="0">
+                <a:latin typeface="Courier New" panose="02070309020205020404" pitchFamily="49" charset="0"/>
+                <a:cs typeface="Courier New" panose="02070309020205020404" pitchFamily="49" charset="0"/>
+              </a:rPr>
+              <a:t>	</a:t>
+            </a:r>
+          </a:p>
+          <a:p>
+            <a:pPr marL="514350" indent="-514350" defTabSz="914400">
+              <a:buFont typeface="+mj-lt"/>
+              <a:buAutoNum type="arabicPeriod"/>
+            </a:pPr>
+            <a:r>
+              <a:rPr lang="en-US" altLang="en-US" sz="2400" dirty="0" smtClean="0">
+                <a:latin typeface="Courier New" panose="02070309020205020404" pitchFamily="49" charset="0"/>
+                <a:cs typeface="Courier New" panose="02070309020205020404" pitchFamily="49" charset="0"/>
+              </a:rPr>
+              <a:t>  			</a:t>
+            </a:r>
+            <a:r>
+              <a:rPr lang="en-US" altLang="en-US" sz="2400" dirty="0" smtClean="0">
+                <a:solidFill>
+                  <a:srgbClr val="333333"/>
+                </a:solidFill>
+                <a:latin typeface="Courier New" panose="02070309020205020404" pitchFamily="49" charset="0"/>
+                <a:cs typeface="Courier New" panose="02070309020205020404" pitchFamily="49" charset="0"/>
+              </a:rPr>
+              <a:t>Change-Id</a:t>
+            </a:r>
+            <a:r>
+              <a:rPr lang="en-US" altLang="en-US" sz="2400" dirty="0">
+                <a:solidFill>
+                  <a:srgbClr val="333333"/>
+                </a:solidFill>
+                <a:latin typeface="Courier New" panose="02070309020205020404" pitchFamily="49" charset="0"/>
+                <a:cs typeface="Courier New" panose="02070309020205020404" pitchFamily="49" charset="0"/>
+              </a:rPr>
+              <a:t>: Ia46fe8d4b0793caaabbfc71b7fa5f0cbb8c6d24b</a:t>
+            </a:r>
+            <a:r>
+              <a:rPr lang="en-US" altLang="en-US" sz="2400" dirty="0">
+                <a:latin typeface="Courier New" panose="02070309020205020404" pitchFamily="49" charset="0"/>
+                <a:cs typeface="Courier New" panose="02070309020205020404" pitchFamily="49" charset="0"/>
+              </a:rPr>
+              <a:t> </a:t>
+            </a:r>
+            <a:endParaRPr lang="en-US" altLang="en-US" sz="2400" dirty="0" smtClean="0">
+              <a:latin typeface="Courier New" panose="02070309020205020404" pitchFamily="49" charset="0"/>
+              <a:cs typeface="Courier New" panose="02070309020205020404" pitchFamily="49" charset="0"/>
+            </a:endParaRPr>
+          </a:p>
+          <a:p>
+            <a:pPr marL="514350" indent="-514350" defTabSz="914400">
+              <a:buFont typeface="+mj-lt"/>
+              <a:buAutoNum type="arabicPeriod"/>
+            </a:pPr>
+            <a:r>
+              <a:rPr lang="en-US" altLang="en-US" sz="2400" dirty="0" smtClean="0">
+                <a:latin typeface="Courier New" panose="02070309020205020404" pitchFamily="49" charset="0"/>
+                <a:cs typeface="Courier New" panose="02070309020205020404" pitchFamily="49" charset="0"/>
+              </a:rPr>
+              <a:t> 	 	</a:t>
+            </a:r>
+            <a:r>
+              <a:rPr lang="en-US" altLang="en-US" sz="2400" b="1" dirty="0" smtClean="0">
+                <a:solidFill>
+                  <a:schemeClr val="accent5"/>
+                </a:solidFill>
+                <a:latin typeface="Courier New" panose="02070309020205020404" pitchFamily="49" charset="0"/>
+                <a:cs typeface="Courier New" panose="02070309020205020404" pitchFamily="49" charset="0"/>
+              </a:rPr>
+              <a:t>diff </a:t>
+            </a:r>
+            <a:r>
+              <a:rPr lang="en-US" altLang="en-US" sz="2400" b="1" dirty="0">
+                <a:solidFill>
+                  <a:schemeClr val="accent5"/>
+                </a:solidFill>
+                <a:latin typeface="Courier New" panose="02070309020205020404" pitchFamily="49" charset="0"/>
+                <a:cs typeface="Courier New" panose="02070309020205020404" pitchFamily="49" charset="0"/>
+              </a:rPr>
+              <a:t>--</a:t>
+            </a:r>
+            <a:r>
+              <a:rPr lang="en-US" altLang="en-US" sz="2400" b="1" dirty="0" err="1">
+                <a:solidFill>
+                  <a:schemeClr val="accent5"/>
+                </a:solidFill>
+                <a:latin typeface="Courier New" panose="02070309020205020404" pitchFamily="49" charset="0"/>
+                <a:cs typeface="Courier New" panose="02070309020205020404" pitchFamily="49" charset="0"/>
+              </a:rPr>
+              <a:t>git</a:t>
+            </a:r>
+            <a:r>
+              <a:rPr lang="en-US" altLang="en-US" sz="2400" b="1" dirty="0">
+                <a:solidFill>
+                  <a:schemeClr val="accent5"/>
+                </a:solidFill>
+                <a:latin typeface="Courier New" panose="02070309020205020404" pitchFamily="49" charset="0"/>
+                <a:cs typeface="Courier New" panose="02070309020205020404" pitchFamily="49" charset="0"/>
+              </a:rPr>
+              <a:t> </a:t>
+            </a:r>
+            <a:r>
+              <a:rPr lang="en-US" altLang="en-US" sz="2400" b="1" dirty="0">
+                <a:solidFill>
+                  <a:schemeClr val="accent5"/>
+                </a:solidFill>
+                <a:latin typeface="Courier New" panose="02070309020205020404" pitchFamily="49" charset="0"/>
+                <a:cs typeface="Courier New" panose="02070309020205020404" pitchFamily="49" charset="0"/>
+              </a:rPr>
+              <a:t>a/quantum/</a:t>
+            </a:r>
+            <a:r>
+              <a:rPr lang="en-US" altLang="en-US" sz="2400" b="1" dirty="0" err="1">
+                <a:solidFill>
+                  <a:schemeClr val="accent5"/>
+                </a:solidFill>
+                <a:latin typeface="Courier New" panose="02070309020205020404" pitchFamily="49" charset="0"/>
+                <a:cs typeface="Courier New" panose="02070309020205020404" pitchFamily="49" charset="0"/>
+              </a:rPr>
+              <a:t>db</a:t>
+            </a:r>
+            <a:r>
+              <a:rPr lang="en-US" altLang="en-US" sz="2400" b="1" dirty="0">
+                <a:solidFill>
+                  <a:schemeClr val="accent5"/>
+                </a:solidFill>
+                <a:latin typeface="Courier New" panose="02070309020205020404" pitchFamily="49" charset="0"/>
+                <a:cs typeface="Courier New" panose="02070309020205020404" pitchFamily="49" charset="0"/>
+              </a:rPr>
+              <a:t>/migration/</a:t>
+            </a:r>
+            <a:r>
+              <a:rPr lang="en-US" altLang="en-US" sz="2400" b="1" dirty="0" err="1">
+                <a:solidFill>
+                  <a:schemeClr val="accent5"/>
+                </a:solidFill>
+                <a:latin typeface="Courier New" panose="02070309020205020404" pitchFamily="49" charset="0"/>
+                <a:cs typeface="Courier New" panose="02070309020205020404" pitchFamily="49" charset="0"/>
+              </a:rPr>
+              <a:t>alembic_migrations</a:t>
+            </a:r>
+            <a:r>
+              <a:rPr lang="en-US" altLang="en-US" sz="2400" b="1" dirty="0">
+                <a:solidFill>
+                  <a:schemeClr val="accent5"/>
+                </a:solidFill>
+                <a:latin typeface="Courier New" panose="02070309020205020404" pitchFamily="49" charset="0"/>
+                <a:cs typeface="Courier New" panose="02070309020205020404" pitchFamily="49" charset="0"/>
+              </a:rPr>
+              <a:t>/versions/3cb5d900c5de</a:t>
+            </a:r>
+            <a:endParaRPr lang="en-US" altLang="en-US" sz="2400" b="1" dirty="0" smtClean="0">
+              <a:solidFill>
+                <a:schemeClr val="accent5"/>
+              </a:solidFill>
+              <a:latin typeface="Courier New" panose="02070309020205020404" pitchFamily="49" charset="0"/>
+              <a:cs typeface="Courier New" panose="02070309020205020404" pitchFamily="49" charset="0"/>
+            </a:endParaRPr>
+          </a:p>
+          <a:p>
+            <a:pPr lvl="1" defTabSz="914400"/>
+            <a:r>
+              <a:rPr lang="en-US" altLang="en-US" sz="2400" b="1" dirty="0" smtClean="0">
+                <a:solidFill>
+                  <a:schemeClr val="accent5"/>
+                </a:solidFill>
+                <a:latin typeface="Courier New" panose="02070309020205020404" pitchFamily="49" charset="0"/>
+                <a:cs typeface="Courier New" panose="02070309020205020404" pitchFamily="49" charset="0"/>
+              </a:rPr>
+              <a:t>	     </a:t>
+            </a:r>
+            <a:r>
+              <a:rPr lang="en-US" altLang="en-US" sz="2400" b="1" dirty="0" smtClean="0">
+                <a:solidFill>
+                  <a:schemeClr val="accent5"/>
+                </a:solidFill>
+                <a:latin typeface="Courier New" panose="02070309020205020404" pitchFamily="49" charset="0"/>
+                <a:cs typeface="Courier New" panose="02070309020205020404" pitchFamily="49" charset="0"/>
+              </a:rPr>
+              <a:t>_security_groups.py</a:t>
+            </a:r>
+            <a:r>
+              <a:rPr lang="en-US" altLang="en-US" sz="2400" dirty="0" smtClean="0">
+                <a:solidFill>
+                  <a:srgbClr val="333333"/>
+                </a:solidFill>
+                <a:latin typeface="Courier New" panose="02070309020205020404" pitchFamily="49" charset="0"/>
+                <a:cs typeface="Courier New" panose="02070309020205020404" pitchFamily="49" charset="0"/>
+              </a:rPr>
+              <a:t> </a:t>
+            </a:r>
+            <a:endParaRPr lang="en-US" altLang="en-US" sz="2400" dirty="0" smtClean="0">
+              <a:solidFill>
+                <a:srgbClr val="333333"/>
+              </a:solidFill>
+              <a:latin typeface="Courier New" panose="02070309020205020404" pitchFamily="49" charset="0"/>
+              <a:cs typeface="Courier New" panose="02070309020205020404" pitchFamily="49" charset="0"/>
+            </a:endParaRPr>
+          </a:p>
+          <a:p>
+            <a:pPr marL="514350" indent="-514350" defTabSz="914400">
+              <a:buFont typeface="+mj-lt"/>
+              <a:buAutoNum type="arabicPeriod"/>
+            </a:pPr>
+            <a:r>
+              <a:rPr lang="en-US" altLang="en-US" sz="2400" dirty="0">
+                <a:solidFill>
+                  <a:srgbClr val="333333"/>
+                </a:solidFill>
+                <a:latin typeface="Courier New" panose="02070309020205020404" pitchFamily="49" charset="0"/>
+                <a:cs typeface="Courier New" panose="02070309020205020404" pitchFamily="49" charset="0"/>
+              </a:rPr>
+              <a:t> </a:t>
+            </a:r>
+            <a:r>
+              <a:rPr lang="en-US" altLang="en-US" sz="2400" dirty="0" smtClean="0">
+                <a:solidFill>
+                  <a:srgbClr val="333333"/>
+                </a:solidFill>
+                <a:latin typeface="Courier New" panose="02070309020205020404" pitchFamily="49" charset="0"/>
+                <a:cs typeface="Courier New" panose="02070309020205020404" pitchFamily="49" charset="0"/>
+              </a:rPr>
+              <a:t>	 	</a:t>
+            </a:r>
+            <a:r>
+              <a:rPr lang="en-US" altLang="en-US" sz="2400" dirty="0" smtClean="0">
+                <a:solidFill>
+                  <a:schemeClr val="accent6"/>
+                </a:solidFill>
+                <a:latin typeface="Courier New" panose="02070309020205020404" pitchFamily="49" charset="0"/>
+                <a:cs typeface="Courier New" panose="02070309020205020404" pitchFamily="49" charset="0"/>
+              </a:rPr>
+              <a:t>index </a:t>
+            </a:r>
+            <a:r>
+              <a:rPr lang="en-US" altLang="en-US" sz="2400" dirty="0">
+                <a:solidFill>
+                  <a:schemeClr val="accent6"/>
+                </a:solidFill>
+                <a:latin typeface="Courier New" panose="02070309020205020404" pitchFamily="49" charset="0"/>
+                <a:cs typeface="Courier New" panose="02070309020205020404" pitchFamily="49" charset="0"/>
+              </a:rPr>
+              <a:t>ff39de84a..cf565af0f </a:t>
+            </a:r>
+            <a:r>
+              <a:rPr lang="en-US" altLang="en-US" sz="2400" dirty="0" smtClean="0">
+                <a:solidFill>
+                  <a:schemeClr val="accent6"/>
+                </a:solidFill>
+                <a:latin typeface="Courier New" panose="02070309020205020404" pitchFamily="49" charset="0"/>
+                <a:cs typeface="Courier New" panose="02070309020205020404" pitchFamily="49" charset="0"/>
+              </a:rPr>
+              <a:t>100644</a:t>
+            </a:r>
+          </a:p>
+          <a:p>
+            <a:pPr marL="514350" indent="-514350" defTabSz="914400">
+              <a:buFont typeface="+mj-lt"/>
+              <a:buAutoNum type="arabicPeriod"/>
+            </a:pPr>
+            <a:r>
+              <a:rPr lang="en-US" altLang="en-US" sz="2400" dirty="0" smtClean="0">
+                <a:latin typeface="Courier New" panose="02070309020205020404" pitchFamily="49" charset="0"/>
+                <a:cs typeface="Courier New" panose="02070309020205020404" pitchFamily="49" charset="0"/>
+              </a:rPr>
+              <a:t> 	 	</a:t>
+            </a:r>
+            <a:r>
+              <a:rPr lang="en-US" altLang="en-US" sz="2400" dirty="0" smtClean="0">
+                <a:solidFill>
+                  <a:srgbClr val="7030A0"/>
+                </a:solidFill>
+                <a:latin typeface="Courier New" panose="02070309020205020404" pitchFamily="49" charset="0"/>
+                <a:cs typeface="Courier New" panose="02070309020205020404" pitchFamily="49" charset="0"/>
+              </a:rPr>
+              <a:t>--- </a:t>
+            </a:r>
+            <a:r>
+              <a:rPr lang="en-US" altLang="en-US" sz="2400" dirty="0" smtClean="0">
+                <a:solidFill>
+                  <a:srgbClr val="7030A0"/>
+                </a:solidFill>
+                <a:latin typeface="Courier New" panose="02070309020205020404" pitchFamily="49" charset="0"/>
+                <a:cs typeface="Courier New" panose="02070309020205020404" pitchFamily="49" charset="0"/>
+              </a:rPr>
+              <a:t>a/quantum/</a:t>
+            </a:r>
+            <a:r>
+              <a:rPr lang="en-US" altLang="en-US" sz="2400" dirty="0" err="1" smtClean="0">
+                <a:solidFill>
+                  <a:srgbClr val="7030A0"/>
+                </a:solidFill>
+                <a:latin typeface="Courier New" panose="02070309020205020404" pitchFamily="49" charset="0"/>
+                <a:cs typeface="Courier New" panose="02070309020205020404" pitchFamily="49" charset="0"/>
+              </a:rPr>
+              <a:t>db</a:t>
+            </a:r>
+            <a:r>
+              <a:rPr lang="en-US" altLang="en-US" sz="2400" dirty="0" smtClean="0">
+                <a:solidFill>
+                  <a:srgbClr val="7030A0"/>
+                </a:solidFill>
+                <a:latin typeface="Courier New" panose="02070309020205020404" pitchFamily="49" charset="0"/>
+                <a:cs typeface="Courier New" panose="02070309020205020404" pitchFamily="49" charset="0"/>
+              </a:rPr>
+              <a:t>/migration/</a:t>
+            </a:r>
+            <a:r>
+              <a:rPr lang="en-US" altLang="en-US" sz="2400" dirty="0" err="1" smtClean="0">
+                <a:solidFill>
+                  <a:srgbClr val="7030A0"/>
+                </a:solidFill>
+                <a:latin typeface="Courier New" panose="02070309020205020404" pitchFamily="49" charset="0"/>
+                <a:cs typeface="Courier New" panose="02070309020205020404" pitchFamily="49" charset="0"/>
+              </a:rPr>
+              <a:t>alembic_migrations</a:t>
+            </a:r>
+            <a:r>
+              <a:rPr lang="en-US" altLang="en-US" sz="2400" dirty="0" smtClean="0">
+                <a:solidFill>
+                  <a:srgbClr val="7030A0"/>
+                </a:solidFill>
+                <a:latin typeface="Courier New" panose="02070309020205020404" pitchFamily="49" charset="0"/>
+                <a:cs typeface="Courier New" panose="02070309020205020404" pitchFamily="49" charset="0"/>
+              </a:rPr>
+              <a:t>/versions/3cb5d900c5de_</a:t>
+            </a:r>
+          </a:p>
+          <a:p>
+            <a:pPr lvl="3" defTabSz="914400"/>
+            <a:r>
+              <a:rPr lang="en-US" altLang="en-US" sz="2400" dirty="0">
+                <a:solidFill>
+                  <a:srgbClr val="7030A0"/>
+                </a:solidFill>
+                <a:latin typeface="Courier New" panose="02070309020205020404" pitchFamily="49" charset="0"/>
+                <a:cs typeface="Courier New" panose="02070309020205020404" pitchFamily="49" charset="0"/>
+              </a:rPr>
+              <a:t>	</a:t>
+            </a:r>
+            <a:r>
+              <a:rPr lang="en-US" altLang="en-US" sz="2400" dirty="0" smtClean="0">
+                <a:solidFill>
+                  <a:srgbClr val="7030A0"/>
+                </a:solidFill>
+                <a:latin typeface="Courier New" panose="02070309020205020404" pitchFamily="49" charset="0"/>
+                <a:cs typeface="Courier New" panose="02070309020205020404" pitchFamily="49" charset="0"/>
+              </a:rPr>
+              <a:t>security_groups.py</a:t>
+            </a:r>
+            <a:endParaRPr lang="en-US" altLang="en-US" sz="2400" dirty="0" smtClean="0">
+              <a:solidFill>
+                <a:srgbClr val="7030A0"/>
+              </a:solidFill>
+              <a:latin typeface="Courier New" panose="02070309020205020404" pitchFamily="49" charset="0"/>
+              <a:cs typeface="Courier New" panose="02070309020205020404" pitchFamily="49" charset="0"/>
+            </a:endParaRPr>
+          </a:p>
+          <a:p>
+            <a:pPr marL="514350" indent="-514350" defTabSz="914400">
+              <a:buFont typeface="+mj-lt"/>
+              <a:buAutoNum type="arabicPeriod"/>
+            </a:pPr>
+            <a:r>
+              <a:rPr lang="en-US" altLang="en-US" sz="2400" dirty="0" smtClean="0">
+                <a:latin typeface="Courier New" panose="02070309020205020404" pitchFamily="49" charset="0"/>
+                <a:cs typeface="Courier New" panose="02070309020205020404" pitchFamily="49" charset="0"/>
+              </a:rPr>
+              <a:t>  	 	</a:t>
+            </a:r>
+            <a:r>
+              <a:rPr lang="en-US" altLang="en-US" sz="2400" dirty="0" smtClean="0">
+                <a:solidFill>
+                  <a:srgbClr val="7030A0"/>
+                </a:solidFill>
+                <a:latin typeface="Courier New" panose="02070309020205020404" pitchFamily="49" charset="0"/>
+                <a:cs typeface="Courier New" panose="02070309020205020404" pitchFamily="49" charset="0"/>
+              </a:rPr>
+              <a:t>+++ b/quantum/</a:t>
+            </a:r>
+            <a:r>
+              <a:rPr lang="en-US" altLang="en-US" sz="2400" dirty="0" err="1" smtClean="0">
+                <a:solidFill>
+                  <a:srgbClr val="7030A0"/>
+                </a:solidFill>
+                <a:latin typeface="Courier New" panose="02070309020205020404" pitchFamily="49" charset="0"/>
+                <a:cs typeface="Courier New" panose="02070309020205020404" pitchFamily="49" charset="0"/>
+              </a:rPr>
+              <a:t>db</a:t>
+            </a:r>
+            <a:r>
+              <a:rPr lang="en-US" altLang="en-US" sz="2400" dirty="0" smtClean="0">
+                <a:solidFill>
+                  <a:srgbClr val="7030A0"/>
+                </a:solidFill>
+                <a:latin typeface="Courier New" panose="02070309020205020404" pitchFamily="49" charset="0"/>
+                <a:cs typeface="Courier New" panose="02070309020205020404" pitchFamily="49" charset="0"/>
+              </a:rPr>
+              <a:t>/migration/</a:t>
+            </a:r>
+            <a:r>
+              <a:rPr lang="en-US" altLang="en-US" sz="2400" dirty="0" err="1" smtClean="0">
+                <a:solidFill>
+                  <a:srgbClr val="7030A0"/>
+                </a:solidFill>
+                <a:latin typeface="Courier New" panose="02070309020205020404" pitchFamily="49" charset="0"/>
+                <a:cs typeface="Courier New" panose="02070309020205020404" pitchFamily="49" charset="0"/>
+              </a:rPr>
+              <a:t>alembic_migrations</a:t>
+            </a:r>
+            <a:r>
+              <a:rPr lang="en-US" altLang="en-US" sz="2400" dirty="0" smtClean="0">
+                <a:solidFill>
+                  <a:srgbClr val="7030A0"/>
+                </a:solidFill>
+                <a:latin typeface="Courier New" panose="02070309020205020404" pitchFamily="49" charset="0"/>
+                <a:cs typeface="Courier New" panose="02070309020205020404" pitchFamily="49" charset="0"/>
+              </a:rPr>
+              <a:t>/versions/3cb5d900c5de</a:t>
+            </a:r>
+            <a:r>
+              <a:rPr lang="en-US" altLang="en-US" sz="2400" dirty="0" smtClean="0">
+                <a:solidFill>
+                  <a:srgbClr val="7030A0"/>
+                </a:solidFill>
+                <a:latin typeface="Courier New" panose="02070309020205020404" pitchFamily="49" charset="0"/>
+                <a:cs typeface="Courier New" panose="02070309020205020404" pitchFamily="49" charset="0"/>
+              </a:rPr>
+              <a:t>_</a:t>
+            </a:r>
+          </a:p>
+          <a:p>
+            <a:pPr lvl="1" defTabSz="914400"/>
+            <a:r>
+              <a:rPr lang="en-US" altLang="en-US" sz="2400" dirty="0">
+                <a:solidFill>
+                  <a:srgbClr val="7030A0"/>
+                </a:solidFill>
+                <a:latin typeface="Courier New" panose="02070309020205020404" pitchFamily="49" charset="0"/>
+                <a:cs typeface="Courier New" panose="02070309020205020404" pitchFamily="49" charset="0"/>
+              </a:rPr>
+              <a:t>	</a:t>
+            </a:r>
+            <a:r>
+              <a:rPr lang="en-US" altLang="en-US" sz="2400" dirty="0" smtClean="0">
+                <a:solidFill>
+                  <a:srgbClr val="7030A0"/>
+                </a:solidFill>
+                <a:latin typeface="Courier New" panose="02070309020205020404" pitchFamily="49" charset="0"/>
+                <a:cs typeface="Courier New" panose="02070309020205020404" pitchFamily="49" charset="0"/>
+              </a:rPr>
+              <a:t>	</a:t>
+            </a:r>
+            <a:r>
+              <a:rPr lang="en-US" altLang="en-US" sz="2400" dirty="0" smtClean="0">
+                <a:solidFill>
+                  <a:srgbClr val="7030A0"/>
+                </a:solidFill>
+                <a:latin typeface="Courier New" panose="02070309020205020404" pitchFamily="49" charset="0"/>
+                <a:cs typeface="Courier New" panose="02070309020205020404" pitchFamily="49" charset="0"/>
+              </a:rPr>
+              <a:t>security_groups.py</a:t>
+            </a:r>
+            <a:endParaRPr lang="en-US" altLang="en-US" sz="2400" dirty="0" smtClean="0">
+              <a:solidFill>
+                <a:srgbClr val="7030A0"/>
+              </a:solidFill>
+              <a:latin typeface="Courier New" panose="02070309020205020404" pitchFamily="49" charset="0"/>
+              <a:cs typeface="Courier New" panose="02070309020205020404" pitchFamily="49" charset="0"/>
+            </a:endParaRPr>
+          </a:p>
+          <a:p>
+            <a:pPr marL="514350" indent="-514350" defTabSz="914400">
+              <a:buFont typeface="+mj-lt"/>
+              <a:buAutoNum type="arabicPeriod"/>
+            </a:pPr>
+            <a:r>
+              <a:rPr lang="en-US" altLang="en-US" sz="2400" dirty="0" smtClean="0">
+                <a:latin typeface="Courier New" panose="02070309020205020404" pitchFamily="49" charset="0"/>
+                <a:cs typeface="Courier New" panose="02070309020205020404" pitchFamily="49" charset="0"/>
+              </a:rPr>
+              <a:t>  	 	</a:t>
+            </a:r>
+            <a:r>
+              <a:rPr lang="en-US" altLang="en-US" sz="2400" dirty="0" smtClean="0">
+                <a:solidFill>
+                  <a:schemeClr val="accent2"/>
+                </a:solidFill>
+                <a:latin typeface="Courier New" panose="02070309020205020404" pitchFamily="49" charset="0"/>
+                <a:cs typeface="Courier New" panose="02070309020205020404" pitchFamily="49" charset="0"/>
+              </a:rPr>
+              <a:t>@@ </a:t>
+            </a:r>
+            <a:r>
+              <a:rPr lang="en-US" altLang="en-US" sz="2400" dirty="0">
+                <a:solidFill>
+                  <a:schemeClr val="accent2"/>
+                </a:solidFill>
+                <a:latin typeface="Courier New" panose="02070309020205020404" pitchFamily="49" charset="0"/>
+                <a:cs typeface="Courier New" panose="02070309020205020404" pitchFamily="49" charset="0"/>
+              </a:rPr>
+              <a:t>-62,7 +62,10 @@ </a:t>
+            </a:r>
+            <a:r>
+              <a:rPr lang="en-US" altLang="en-US" sz="2400" dirty="0" err="1">
+                <a:solidFill>
+                  <a:schemeClr val="accent2"/>
+                </a:solidFill>
+                <a:latin typeface="Courier New" panose="02070309020205020404" pitchFamily="49" charset="0"/>
+                <a:cs typeface="Courier New" panose="02070309020205020404" pitchFamily="49" charset="0"/>
+              </a:rPr>
+              <a:t>def</a:t>
+            </a:r>
+            <a:r>
+              <a:rPr lang="en-US" altLang="en-US" sz="2400" dirty="0">
+                <a:solidFill>
+                  <a:schemeClr val="accent2"/>
+                </a:solidFill>
+                <a:latin typeface="Courier New" panose="02070309020205020404" pitchFamily="49" charset="0"/>
+                <a:cs typeface="Courier New" panose="02070309020205020404" pitchFamily="49" charset="0"/>
+              </a:rPr>
+              <a:t> upgrade(</a:t>
+            </a:r>
+            <a:r>
+              <a:rPr lang="en-US" altLang="en-US" sz="2400" dirty="0" err="1">
+                <a:solidFill>
+                  <a:schemeClr val="accent2"/>
+                </a:solidFill>
+                <a:latin typeface="Courier New" panose="02070309020205020404" pitchFamily="49" charset="0"/>
+                <a:cs typeface="Courier New" panose="02070309020205020404" pitchFamily="49" charset="0"/>
+              </a:rPr>
+              <a:t>active_plugin</a:t>
+            </a:r>
+            <a:r>
+              <a:rPr lang="en-US" altLang="en-US" sz="2400" dirty="0">
+                <a:solidFill>
+                  <a:schemeClr val="accent2"/>
+                </a:solidFill>
+                <a:latin typeface="Courier New" panose="02070309020205020404" pitchFamily="49" charset="0"/>
+                <a:cs typeface="Courier New" panose="02070309020205020404" pitchFamily="49" charset="0"/>
+              </a:rPr>
+              <a:t>=None, options=None):</a:t>
+            </a:r>
+            <a:r>
+              <a:rPr lang="en-US" altLang="en-US" sz="2400" dirty="0">
+                <a:latin typeface="Courier New" panose="02070309020205020404" pitchFamily="49" charset="0"/>
+                <a:cs typeface="Courier New" panose="02070309020205020404" pitchFamily="49" charset="0"/>
+              </a:rPr>
+              <a:t>  </a:t>
+            </a:r>
+            <a:endParaRPr lang="en-US" altLang="en-US" sz="2400" dirty="0" smtClean="0">
+              <a:latin typeface="Courier New" panose="02070309020205020404" pitchFamily="49" charset="0"/>
+              <a:cs typeface="Courier New" panose="02070309020205020404" pitchFamily="49" charset="0"/>
+            </a:endParaRPr>
+          </a:p>
+          <a:p>
+            <a:pPr marL="514350" indent="-514350" defTabSz="914400">
+              <a:buFont typeface="+mj-lt"/>
+              <a:buAutoNum type="arabicPeriod"/>
+            </a:pPr>
+            <a:r>
+              <a:rPr lang="en-US" altLang="en-US" sz="2400" dirty="0" smtClean="0">
+                <a:latin typeface="Courier New" panose="02070309020205020404" pitchFamily="49" charset="0"/>
+                <a:cs typeface="Courier New" panose="02070309020205020404" pitchFamily="49" charset="0"/>
+              </a:rPr>
+              <a:t> 	 	</a:t>
+            </a:r>
+            <a:r>
+              <a:rPr lang="en-US" altLang="en-US" sz="2400" dirty="0" smtClean="0">
+                <a:solidFill>
+                  <a:srgbClr val="996600"/>
+                </a:solidFill>
+                <a:latin typeface="Courier New" panose="02070309020205020404" pitchFamily="49" charset="0"/>
+                <a:cs typeface="Courier New" panose="02070309020205020404" pitchFamily="49" charset="0"/>
+              </a:rPr>
+              <a:t>-        </a:t>
+            </a:r>
+            <a:r>
+              <a:rPr lang="en-US" altLang="en-US" sz="2400" dirty="0">
+                <a:solidFill>
+                  <a:srgbClr val="996600"/>
+                </a:solidFill>
+                <a:latin typeface="Courier New" panose="02070309020205020404" pitchFamily="49" charset="0"/>
+                <a:cs typeface="Courier New" panose="02070309020205020404" pitchFamily="49" charset="0"/>
+              </a:rPr>
+              <a:t>sa.Column('direction', </a:t>
+            </a:r>
+            <a:r>
+              <a:rPr lang="en-US" altLang="en-US" sz="2400" dirty="0" err="1">
+                <a:solidFill>
+                  <a:srgbClr val="996600"/>
+                </a:solidFill>
+                <a:latin typeface="Courier New" panose="02070309020205020404" pitchFamily="49" charset="0"/>
+                <a:cs typeface="Courier New" panose="02070309020205020404" pitchFamily="49" charset="0"/>
+              </a:rPr>
+              <a:t>sa.Enum</a:t>
+            </a:r>
+            <a:r>
+              <a:rPr lang="en-US" altLang="en-US" sz="2400" dirty="0">
+                <a:solidFill>
+                  <a:srgbClr val="996600"/>
+                </a:solidFill>
+                <a:latin typeface="Courier New" panose="02070309020205020404" pitchFamily="49" charset="0"/>
+                <a:cs typeface="Courier New" panose="02070309020205020404" pitchFamily="49" charset="0"/>
+              </a:rPr>
+              <a:t>('ingress', 'egress'), </a:t>
+            </a:r>
+            <a:r>
+              <a:rPr lang="en-US" altLang="en-US" sz="2400" dirty="0" err="1">
+                <a:solidFill>
+                  <a:srgbClr val="996600"/>
+                </a:solidFill>
+                <a:latin typeface="Courier New" panose="02070309020205020404" pitchFamily="49" charset="0"/>
+                <a:cs typeface="Courier New" panose="02070309020205020404" pitchFamily="49" charset="0"/>
+              </a:rPr>
+              <a:t>nullable</a:t>
+            </a:r>
+            <a:r>
+              <a:rPr lang="en-US" altLang="en-US" sz="2400" dirty="0">
+                <a:solidFill>
+                  <a:srgbClr val="996600"/>
+                </a:solidFill>
+                <a:latin typeface="Courier New" panose="02070309020205020404" pitchFamily="49" charset="0"/>
+                <a:cs typeface="Courier New" panose="02070309020205020404" pitchFamily="49" charset="0"/>
+              </a:rPr>
+              <a:t>=True</a:t>
+            </a:r>
+            <a:r>
+              <a:rPr lang="en-US" altLang="en-US" sz="2400" dirty="0" smtClean="0">
+                <a:solidFill>
+                  <a:srgbClr val="996600"/>
+                </a:solidFill>
+                <a:latin typeface="Courier New" panose="02070309020205020404" pitchFamily="49" charset="0"/>
+                <a:cs typeface="Courier New" panose="02070309020205020404" pitchFamily="49" charset="0"/>
+              </a:rPr>
+              <a:t>),</a:t>
+            </a:r>
+          </a:p>
+          <a:p>
+            <a:pPr marL="514350" indent="-514350" defTabSz="914400">
+              <a:buFont typeface="+mj-lt"/>
+              <a:buAutoNum type="arabicPeriod"/>
+            </a:pPr>
+            <a:r>
+              <a:rPr lang="en-US" altLang="en-US" sz="2400" dirty="0" smtClean="0">
+                <a:latin typeface="Courier New" panose="02070309020205020404" pitchFamily="49" charset="0"/>
+                <a:cs typeface="Courier New" panose="02070309020205020404" pitchFamily="49" charset="0"/>
+              </a:rPr>
+              <a:t> 	 	</a:t>
+            </a:r>
+            <a:r>
+              <a:rPr lang="en-US" altLang="en-US" sz="2400" dirty="0" smtClean="0">
+                <a:solidFill>
+                  <a:schemeClr val="accent5"/>
+                </a:solidFill>
+                <a:latin typeface="Courier New" panose="02070309020205020404" pitchFamily="49" charset="0"/>
+                <a:cs typeface="Courier New" panose="02070309020205020404" pitchFamily="49" charset="0"/>
+              </a:rPr>
+              <a:t>+        </a:t>
+            </a:r>
+            <a:r>
+              <a:rPr lang="en-US" altLang="en-US" sz="2400" dirty="0">
+                <a:solidFill>
+                  <a:schemeClr val="accent5"/>
+                </a:solidFill>
+                <a:latin typeface="Courier New" panose="02070309020205020404" pitchFamily="49" charset="0"/>
+                <a:cs typeface="Courier New" panose="02070309020205020404" pitchFamily="49" charset="0"/>
+              </a:rPr>
+              <a:t>sa.Column('direction</a:t>
+            </a:r>
+            <a:r>
+              <a:rPr lang="en-US" altLang="en-US" sz="2400" dirty="0" smtClean="0">
+                <a:solidFill>
+                  <a:schemeClr val="accent5"/>
+                </a:solidFill>
+                <a:latin typeface="Courier New" panose="02070309020205020404" pitchFamily="49" charset="0"/>
+                <a:cs typeface="Courier New" panose="02070309020205020404" pitchFamily="49" charset="0"/>
+              </a:rPr>
+              <a:t>',</a:t>
+            </a:r>
+          </a:p>
+          <a:p>
+            <a:pPr marL="514350" indent="-514350" defTabSz="914400">
+              <a:buFont typeface="+mj-lt"/>
+              <a:buAutoNum type="arabicPeriod"/>
+            </a:pPr>
+            <a:r>
+              <a:rPr lang="en-US" altLang="en-US" sz="2400" dirty="0">
+                <a:latin typeface="Courier New" panose="02070309020205020404" pitchFamily="49" charset="0"/>
+                <a:cs typeface="Courier New" panose="02070309020205020404" pitchFamily="49" charset="0"/>
+              </a:rPr>
+              <a:t> </a:t>
+            </a:r>
+            <a:r>
+              <a:rPr lang="en-US" altLang="en-US" sz="2400" dirty="0" smtClean="0">
+                <a:latin typeface="Courier New" panose="02070309020205020404" pitchFamily="49" charset="0"/>
+                <a:cs typeface="Courier New" panose="02070309020205020404" pitchFamily="49" charset="0"/>
+              </a:rPr>
+              <a:t>	 	</a:t>
+            </a:r>
+            <a:r>
+              <a:rPr lang="en-US" altLang="en-US" sz="2400" dirty="0" smtClean="0">
+                <a:solidFill>
+                  <a:schemeClr val="accent5"/>
+                </a:solidFill>
+                <a:latin typeface="Courier New" panose="02070309020205020404" pitchFamily="49" charset="0"/>
+                <a:cs typeface="Courier New" panose="02070309020205020404" pitchFamily="49" charset="0"/>
+              </a:rPr>
+              <a:t>+                  </a:t>
+            </a:r>
+            <a:r>
+              <a:rPr lang="en-US" altLang="en-US" sz="2400" dirty="0" err="1">
+                <a:solidFill>
+                  <a:schemeClr val="accent5"/>
+                </a:solidFill>
+                <a:latin typeface="Courier New" panose="02070309020205020404" pitchFamily="49" charset="0"/>
+                <a:cs typeface="Courier New" panose="02070309020205020404" pitchFamily="49" charset="0"/>
+              </a:rPr>
+              <a:t>sa.Enum</a:t>
+            </a:r>
+            <a:r>
+              <a:rPr lang="en-US" altLang="en-US" sz="2400" dirty="0">
+                <a:solidFill>
+                  <a:schemeClr val="accent5"/>
+                </a:solidFill>
+                <a:latin typeface="Courier New" panose="02070309020205020404" pitchFamily="49" charset="0"/>
+                <a:cs typeface="Courier New" panose="02070309020205020404" pitchFamily="49" charset="0"/>
+              </a:rPr>
+              <a:t>('ingress', 'egress</a:t>
+            </a:r>
+            <a:r>
+              <a:rPr lang="en-US" altLang="en-US" sz="2400" dirty="0" smtClean="0">
+                <a:solidFill>
+                  <a:schemeClr val="accent5"/>
+                </a:solidFill>
+                <a:latin typeface="Courier New" panose="02070309020205020404" pitchFamily="49" charset="0"/>
+                <a:cs typeface="Courier New" panose="02070309020205020404" pitchFamily="49" charset="0"/>
+              </a:rPr>
+              <a:t>',</a:t>
+            </a:r>
+          </a:p>
+          <a:p>
+            <a:pPr marL="514350" indent="-514350" defTabSz="914400">
+              <a:buFont typeface="+mj-lt"/>
+              <a:buAutoNum type="arabicPeriod"/>
+            </a:pPr>
+            <a:r>
+              <a:rPr lang="en-US" altLang="en-US" sz="2400" dirty="0">
+                <a:latin typeface="Courier New" panose="02070309020205020404" pitchFamily="49" charset="0"/>
+                <a:cs typeface="Courier New" panose="02070309020205020404" pitchFamily="49" charset="0"/>
+              </a:rPr>
+              <a:t> </a:t>
+            </a:r>
+            <a:r>
+              <a:rPr lang="en-US" altLang="en-US" sz="2400" dirty="0" smtClean="0">
+                <a:latin typeface="Courier New" panose="02070309020205020404" pitchFamily="49" charset="0"/>
+                <a:cs typeface="Courier New" panose="02070309020205020404" pitchFamily="49" charset="0"/>
+              </a:rPr>
+              <a:t>	  	</a:t>
+            </a:r>
+            <a:r>
+              <a:rPr lang="en-US" altLang="en-US" sz="2400" dirty="0" smtClean="0">
+                <a:solidFill>
+                  <a:schemeClr val="accent5"/>
+                </a:solidFill>
+                <a:latin typeface="Courier New" panose="02070309020205020404" pitchFamily="49" charset="0"/>
+                <a:cs typeface="Courier New" panose="02070309020205020404" pitchFamily="49" charset="0"/>
+              </a:rPr>
+              <a:t>+                          </a:t>
+            </a:r>
+            <a:r>
+              <a:rPr lang="en-US" altLang="en-US" sz="2400" dirty="0">
+                <a:solidFill>
+                  <a:schemeClr val="accent5"/>
+                </a:solidFill>
+                <a:latin typeface="Courier New" panose="02070309020205020404" pitchFamily="49" charset="0"/>
+                <a:cs typeface="Courier New" panose="02070309020205020404" pitchFamily="49" charset="0"/>
+              </a:rPr>
+              <a:t>name='</a:t>
+            </a:r>
+            <a:r>
+              <a:rPr lang="en-US" altLang="en-US" sz="2400" dirty="0" err="1">
+                <a:solidFill>
+                  <a:schemeClr val="accent5"/>
+                </a:solidFill>
+                <a:latin typeface="Courier New" panose="02070309020205020404" pitchFamily="49" charset="0"/>
+                <a:cs typeface="Courier New" panose="02070309020205020404" pitchFamily="49" charset="0"/>
+              </a:rPr>
+              <a:t>securitygrouprules_direction</a:t>
+            </a:r>
+            <a:r>
+              <a:rPr lang="en-US" altLang="en-US" sz="2400" dirty="0" smtClean="0">
+                <a:solidFill>
+                  <a:schemeClr val="accent5"/>
+                </a:solidFill>
+                <a:latin typeface="Courier New" panose="02070309020205020404" pitchFamily="49" charset="0"/>
+                <a:cs typeface="Courier New" panose="02070309020205020404" pitchFamily="49" charset="0"/>
+              </a:rPr>
+              <a:t>'),</a:t>
+            </a:r>
+          </a:p>
+          <a:p>
+            <a:pPr marL="514350" indent="-514350" defTabSz="914400">
+              <a:buFont typeface="+mj-lt"/>
+              <a:buAutoNum type="arabicPeriod"/>
+            </a:pPr>
+            <a:r>
+              <a:rPr lang="en-US" altLang="en-US" sz="2400" dirty="0">
+                <a:latin typeface="Courier New" panose="02070309020205020404" pitchFamily="49" charset="0"/>
+                <a:cs typeface="Courier New" panose="02070309020205020404" pitchFamily="49" charset="0"/>
+              </a:rPr>
+              <a:t> </a:t>
+            </a:r>
+            <a:r>
+              <a:rPr lang="en-US" altLang="en-US" sz="2400" dirty="0" smtClean="0">
+                <a:latin typeface="Courier New" panose="02070309020205020404" pitchFamily="49" charset="0"/>
+                <a:cs typeface="Courier New" panose="02070309020205020404" pitchFamily="49" charset="0"/>
+              </a:rPr>
+              <a:t> 	  	</a:t>
+            </a:r>
+            <a:r>
+              <a:rPr lang="en-US" altLang="en-US" sz="2400" dirty="0" smtClean="0">
+                <a:solidFill>
+                  <a:schemeClr val="accent5"/>
+                </a:solidFill>
+                <a:latin typeface="Courier New" panose="02070309020205020404" pitchFamily="49" charset="0"/>
+                <a:cs typeface="Courier New" panose="02070309020205020404" pitchFamily="49" charset="0"/>
+              </a:rPr>
+              <a:t>+                  </a:t>
+            </a:r>
+            <a:r>
+              <a:rPr lang="en-US" altLang="en-US" sz="2400" dirty="0" err="1">
+                <a:solidFill>
+                  <a:schemeClr val="accent5"/>
+                </a:solidFill>
+                <a:latin typeface="Courier New" panose="02070309020205020404" pitchFamily="49" charset="0"/>
+                <a:cs typeface="Courier New" panose="02070309020205020404" pitchFamily="49" charset="0"/>
+              </a:rPr>
+              <a:t>nullable</a:t>
+            </a:r>
+            <a:r>
+              <a:rPr lang="en-US" altLang="en-US" sz="2400" dirty="0">
+                <a:solidFill>
+                  <a:schemeClr val="accent5"/>
+                </a:solidFill>
+                <a:latin typeface="Courier New" panose="02070309020205020404" pitchFamily="49" charset="0"/>
+                <a:cs typeface="Courier New" panose="02070309020205020404" pitchFamily="49" charset="0"/>
+              </a:rPr>
+              <a:t>=True),</a:t>
+            </a:r>
+            <a:r>
+              <a:rPr lang="en-US" altLang="en-US" sz="2400" dirty="0">
+                <a:latin typeface="Courier New" panose="02070309020205020404" pitchFamily="49" charset="0"/>
+                <a:cs typeface="Courier New" panose="02070309020205020404" pitchFamily="49" charset="0"/>
+              </a:rPr>
+              <a:t> </a:t>
+            </a:r>
+            <a:endParaRPr lang="en-US" altLang="en-US" sz="2400" dirty="0" smtClean="0">
+              <a:latin typeface="Courier New" panose="02070309020205020404" pitchFamily="49" charset="0"/>
+              <a:cs typeface="Courier New" panose="02070309020205020404" pitchFamily="49" charset="0"/>
+            </a:endParaRPr>
+          </a:p>
+          <a:p>
+            <a:pPr marL="514350" indent="-514350" defTabSz="914400">
+              <a:buFont typeface="+mj-lt"/>
+              <a:buAutoNum type="arabicPeriod"/>
+            </a:pPr>
+            <a:r>
+              <a:rPr lang="en-US" altLang="en-US" sz="2400" dirty="0">
+                <a:latin typeface="Courier New" panose="02070309020205020404" pitchFamily="49" charset="0"/>
+                <a:cs typeface="Courier New" panose="02070309020205020404" pitchFamily="49" charset="0"/>
+              </a:rPr>
+              <a:t> </a:t>
+            </a:r>
+            <a:r>
+              <a:rPr lang="en-US" altLang="en-US" sz="2400" dirty="0" smtClean="0">
+                <a:latin typeface="Courier New" panose="02070309020205020404" pitchFamily="49" charset="0"/>
+                <a:cs typeface="Courier New" panose="02070309020205020404" pitchFamily="49" charset="0"/>
+              </a:rPr>
+              <a:t> 	 	</a:t>
+            </a:r>
+            <a:r>
+              <a:rPr lang="en-US" altLang="en-US" sz="2400" b="1" dirty="0" smtClean="0">
+                <a:solidFill>
+                  <a:schemeClr val="accent5"/>
+                </a:solidFill>
+                <a:latin typeface="Courier New" panose="02070309020205020404" pitchFamily="49" charset="0"/>
+                <a:cs typeface="Courier New" panose="02070309020205020404" pitchFamily="49" charset="0"/>
+              </a:rPr>
+              <a:t>diff </a:t>
+            </a:r>
+            <a:r>
+              <a:rPr lang="en-US" altLang="en-US" sz="2400" b="1" dirty="0">
+                <a:solidFill>
+                  <a:schemeClr val="accent5"/>
+                </a:solidFill>
+                <a:latin typeface="Courier New" panose="02070309020205020404" pitchFamily="49" charset="0"/>
+                <a:cs typeface="Courier New" panose="02070309020205020404" pitchFamily="49" charset="0"/>
+              </a:rPr>
+              <a:t>--</a:t>
+            </a:r>
+            <a:r>
+              <a:rPr lang="en-US" altLang="en-US" sz="2400" b="1" dirty="0" err="1">
+                <a:solidFill>
+                  <a:schemeClr val="accent5"/>
+                </a:solidFill>
+                <a:latin typeface="Courier New" panose="02070309020205020404" pitchFamily="49" charset="0"/>
+                <a:cs typeface="Courier New" panose="02070309020205020404" pitchFamily="49" charset="0"/>
+              </a:rPr>
+              <a:t>git</a:t>
+            </a:r>
+            <a:r>
+              <a:rPr lang="en-US" altLang="en-US" sz="2400" b="1" dirty="0">
+                <a:solidFill>
+                  <a:schemeClr val="accent5"/>
+                </a:solidFill>
+                <a:latin typeface="Courier New" panose="02070309020205020404" pitchFamily="49" charset="0"/>
+                <a:cs typeface="Courier New" panose="02070309020205020404" pitchFamily="49" charset="0"/>
+              </a:rPr>
+              <a:t> a/quantum/db/securitygroups_db.py </a:t>
+            </a:r>
+            <a:r>
+              <a:rPr lang="en-US" altLang="en-US" sz="2400" b="1" dirty="0" smtClean="0">
+                <a:solidFill>
+                  <a:schemeClr val="accent5"/>
+                </a:solidFill>
+                <a:latin typeface="Courier New" panose="02070309020205020404" pitchFamily="49" charset="0"/>
+                <a:cs typeface="Courier New" panose="02070309020205020404" pitchFamily="49" charset="0"/>
+              </a:rPr>
+              <a:t>b/quantum/db/securitygroups_db.py</a:t>
+            </a:r>
+          </a:p>
+          <a:p>
+            <a:pPr marL="514350" indent="-514350" defTabSz="914400">
+              <a:buFont typeface="+mj-lt"/>
+              <a:buAutoNum type="arabicPeriod"/>
+            </a:pPr>
+            <a:r>
+              <a:rPr lang="en-US" altLang="en-US" sz="2400" dirty="0">
+                <a:latin typeface="Courier New" panose="02070309020205020404" pitchFamily="49" charset="0"/>
+                <a:cs typeface="Courier New" panose="02070309020205020404" pitchFamily="49" charset="0"/>
+              </a:rPr>
+              <a:t> </a:t>
+            </a:r>
+            <a:r>
+              <a:rPr lang="en-US" altLang="en-US" sz="2400" dirty="0" smtClean="0">
+                <a:latin typeface="Courier New" panose="02070309020205020404" pitchFamily="49" charset="0"/>
+                <a:cs typeface="Courier New" panose="02070309020205020404" pitchFamily="49" charset="0"/>
+              </a:rPr>
+              <a:t> 	 	</a:t>
+            </a:r>
+            <a:r>
+              <a:rPr lang="en-US" altLang="en-US" sz="2400" dirty="0" smtClean="0">
+                <a:solidFill>
+                  <a:schemeClr val="accent6"/>
+                </a:solidFill>
+                <a:latin typeface="Courier New" panose="02070309020205020404" pitchFamily="49" charset="0"/>
+                <a:cs typeface="Courier New" panose="02070309020205020404" pitchFamily="49" charset="0"/>
+              </a:rPr>
+              <a:t>index </a:t>
+            </a:r>
+            <a:r>
+              <a:rPr lang="en-US" altLang="en-US" sz="2400" dirty="0">
+                <a:solidFill>
+                  <a:schemeClr val="accent6"/>
+                </a:solidFill>
+                <a:latin typeface="Courier New" panose="02070309020205020404" pitchFamily="49" charset="0"/>
+                <a:cs typeface="Courier New" panose="02070309020205020404" pitchFamily="49" charset="0"/>
+              </a:rPr>
+              <a:t>9903a6493..5bd890bbe </a:t>
+            </a:r>
+            <a:r>
+              <a:rPr lang="en-US" altLang="en-US" sz="2400" dirty="0" smtClean="0">
+                <a:solidFill>
+                  <a:schemeClr val="accent6"/>
+                </a:solidFill>
+                <a:latin typeface="Courier New" panose="02070309020205020404" pitchFamily="49" charset="0"/>
+                <a:cs typeface="Courier New" panose="02070309020205020404" pitchFamily="49" charset="0"/>
+              </a:rPr>
+              <a:t>100644</a:t>
+            </a:r>
+          </a:p>
+          <a:p>
+            <a:pPr marL="514350" indent="-514350" defTabSz="914400">
+              <a:buFont typeface="+mj-lt"/>
+              <a:buAutoNum type="arabicPeriod"/>
+            </a:pPr>
+            <a:r>
+              <a:rPr lang="en-US" altLang="en-US" sz="2400" dirty="0">
+                <a:latin typeface="Courier New" panose="02070309020205020404" pitchFamily="49" charset="0"/>
+                <a:cs typeface="Courier New" panose="02070309020205020404" pitchFamily="49" charset="0"/>
+              </a:rPr>
+              <a:t> </a:t>
+            </a:r>
+            <a:r>
+              <a:rPr lang="en-US" altLang="en-US" sz="2400" dirty="0" smtClean="0">
+                <a:latin typeface="Courier New" panose="02070309020205020404" pitchFamily="49" charset="0"/>
+                <a:cs typeface="Courier New" panose="02070309020205020404" pitchFamily="49" charset="0"/>
+              </a:rPr>
+              <a:t> 	 	</a:t>
+            </a:r>
+            <a:r>
+              <a:rPr lang="en-US" altLang="en-US" sz="2400" dirty="0" smtClean="0">
+                <a:solidFill>
+                  <a:srgbClr val="7030A0"/>
+                </a:solidFill>
+                <a:latin typeface="Courier New" panose="02070309020205020404" pitchFamily="49" charset="0"/>
+                <a:cs typeface="Courier New" panose="02070309020205020404" pitchFamily="49" charset="0"/>
+              </a:rPr>
+              <a:t>--- a/quantum/db/securitygroups_db.py</a:t>
+            </a:r>
+            <a:r>
+              <a:rPr lang="en-US" altLang="en-US" sz="2400" dirty="0" smtClean="0">
+                <a:latin typeface="Courier New" panose="02070309020205020404" pitchFamily="49" charset="0"/>
+                <a:cs typeface="Courier New" panose="02070309020205020404" pitchFamily="49" charset="0"/>
+              </a:rPr>
+              <a:t> </a:t>
+            </a:r>
+          </a:p>
+          <a:p>
+            <a:pPr marL="514350" indent="-514350" defTabSz="914400">
+              <a:buFont typeface="+mj-lt"/>
+              <a:buAutoNum type="arabicPeriod"/>
+            </a:pPr>
+            <a:r>
+              <a:rPr lang="en-US" altLang="en-US" sz="2400" dirty="0">
+                <a:latin typeface="Courier New" panose="02070309020205020404" pitchFamily="49" charset="0"/>
+                <a:cs typeface="Courier New" panose="02070309020205020404" pitchFamily="49" charset="0"/>
+              </a:rPr>
+              <a:t> </a:t>
+            </a:r>
+            <a:r>
+              <a:rPr lang="en-US" altLang="en-US" sz="2400" dirty="0" smtClean="0">
+                <a:latin typeface="Courier New" panose="02070309020205020404" pitchFamily="49" charset="0"/>
+                <a:cs typeface="Courier New" panose="02070309020205020404" pitchFamily="49" charset="0"/>
+              </a:rPr>
+              <a:t> 	 	</a:t>
+            </a:r>
+            <a:r>
+              <a:rPr lang="en-US" altLang="en-US" sz="2400" dirty="0" smtClean="0">
+                <a:solidFill>
+                  <a:srgbClr val="7030A0"/>
+                </a:solidFill>
+                <a:latin typeface="Courier New" panose="02070309020205020404" pitchFamily="49" charset="0"/>
+                <a:cs typeface="Courier New" panose="02070309020205020404" pitchFamily="49" charset="0"/>
+              </a:rPr>
+              <a:t>+++ b/quantum/db/securitygroups_db.py</a:t>
+            </a:r>
+            <a:r>
+              <a:rPr lang="en-US" altLang="en-US" sz="2400" dirty="0" smtClean="0">
+                <a:latin typeface="Courier New" panose="02070309020205020404" pitchFamily="49" charset="0"/>
+                <a:cs typeface="Courier New" panose="02070309020205020404" pitchFamily="49" charset="0"/>
+              </a:rPr>
+              <a:t>  </a:t>
+            </a:r>
+          </a:p>
+          <a:p>
+            <a:pPr marL="514350" indent="-514350" defTabSz="914400">
+              <a:buFont typeface="+mj-lt"/>
+              <a:buAutoNum type="arabicPeriod"/>
+            </a:pPr>
+            <a:r>
+              <a:rPr lang="en-US" altLang="en-US" sz="2400" dirty="0">
+                <a:latin typeface="Courier New" panose="02070309020205020404" pitchFamily="49" charset="0"/>
+                <a:cs typeface="Courier New" panose="02070309020205020404" pitchFamily="49" charset="0"/>
+              </a:rPr>
+              <a:t> </a:t>
+            </a:r>
+            <a:r>
+              <a:rPr lang="en-US" altLang="en-US" sz="2400" dirty="0" smtClean="0">
+                <a:latin typeface="Courier New" panose="02070309020205020404" pitchFamily="49" charset="0"/>
+                <a:cs typeface="Courier New" panose="02070309020205020404" pitchFamily="49" charset="0"/>
+              </a:rPr>
+              <a:t> 	 	</a:t>
+            </a:r>
+            <a:r>
+              <a:rPr lang="en-US" altLang="en-US" sz="2400" dirty="0" smtClean="0">
+                <a:solidFill>
+                  <a:schemeClr val="accent2"/>
+                </a:solidFill>
+                <a:latin typeface="Courier New" panose="02070309020205020404" pitchFamily="49" charset="0"/>
+                <a:cs typeface="Courier New" panose="02070309020205020404" pitchFamily="49" charset="0"/>
+              </a:rPr>
+              <a:t>@@ </a:t>
+            </a:r>
+            <a:r>
+              <a:rPr lang="en-US" altLang="en-US" sz="2400" dirty="0">
+                <a:solidFill>
+                  <a:schemeClr val="accent2"/>
+                </a:solidFill>
+                <a:latin typeface="Courier New" panose="02070309020205020404" pitchFamily="49" charset="0"/>
+                <a:cs typeface="Courier New" panose="02070309020205020404" pitchFamily="49" charset="0"/>
+              </a:rPr>
+              <a:t>-62,7 +62,8 @@ class </a:t>
+            </a:r>
+            <a:r>
+              <a:rPr lang="en-US" altLang="en-US" sz="2400" dirty="0" err="1">
+                <a:solidFill>
+                  <a:schemeClr val="accent2"/>
+                </a:solidFill>
+                <a:latin typeface="Courier New" panose="02070309020205020404" pitchFamily="49" charset="0"/>
+                <a:cs typeface="Courier New" panose="02070309020205020404" pitchFamily="49" charset="0"/>
+              </a:rPr>
+              <a:t>SecurityGroupRule</a:t>
+            </a:r>
+            <a:r>
+              <a:rPr lang="en-US" altLang="en-US" sz="2400" dirty="0">
+                <a:solidFill>
+                  <a:schemeClr val="accent2"/>
+                </a:solidFill>
+                <a:latin typeface="Courier New" panose="02070309020205020404" pitchFamily="49" charset="0"/>
+                <a:cs typeface="Courier New" panose="02070309020205020404" pitchFamily="49" charset="0"/>
+              </a:rPr>
+              <a:t>(model_base.BASEV2, models_v2.HasId,</a:t>
+            </a:r>
+            <a:r>
+              <a:rPr lang="en-US" altLang="en-US" sz="2400" dirty="0">
+                <a:latin typeface="Courier New" panose="02070309020205020404" pitchFamily="49" charset="0"/>
+                <a:cs typeface="Courier New" panose="02070309020205020404" pitchFamily="49" charset="0"/>
+              </a:rPr>
+              <a:t> </a:t>
+            </a:r>
+            <a:endParaRPr lang="en-US" altLang="en-US" sz="2400" dirty="0" smtClean="0">
+              <a:latin typeface="Courier New" panose="02070309020205020404" pitchFamily="49" charset="0"/>
+              <a:cs typeface="Courier New" panose="02070309020205020404" pitchFamily="49" charset="0"/>
+            </a:endParaRPr>
+          </a:p>
+          <a:p>
+            <a:pPr marL="514350" indent="-514350" defTabSz="914400">
+              <a:buFont typeface="+mj-lt"/>
+              <a:buAutoNum type="arabicPeriod"/>
+            </a:pPr>
+            <a:r>
+              <a:rPr lang="en-US" altLang="en-US" sz="2400" dirty="0">
+                <a:latin typeface="Courier New" panose="02070309020205020404" pitchFamily="49" charset="0"/>
+                <a:cs typeface="Courier New" panose="02070309020205020404" pitchFamily="49" charset="0"/>
+              </a:rPr>
+              <a:t> </a:t>
+            </a:r>
+            <a:r>
+              <a:rPr lang="en-US" altLang="en-US" sz="2400" dirty="0" smtClean="0">
+                <a:latin typeface="Courier New" panose="02070309020205020404" pitchFamily="49" charset="0"/>
+                <a:cs typeface="Courier New" panose="02070309020205020404" pitchFamily="49" charset="0"/>
+              </a:rPr>
+              <a:t> 	 	</a:t>
+            </a:r>
+            <a:r>
+              <a:rPr lang="en-US" altLang="en-US" sz="2400" dirty="0" smtClean="0">
+                <a:solidFill>
+                  <a:srgbClr val="996600"/>
+                </a:solidFill>
+                <a:latin typeface="Courier New" panose="02070309020205020404" pitchFamily="49" charset="0"/>
+                <a:cs typeface="Courier New" panose="02070309020205020404" pitchFamily="49" charset="0"/>
+              </a:rPr>
+              <a:t>-    </a:t>
+            </a:r>
+            <a:r>
+              <a:rPr lang="en-US" altLang="en-US" sz="2400" dirty="0">
+                <a:solidFill>
+                  <a:srgbClr val="996600"/>
+                </a:solidFill>
+                <a:latin typeface="Courier New" panose="02070309020205020404" pitchFamily="49" charset="0"/>
+                <a:cs typeface="Courier New" panose="02070309020205020404" pitchFamily="49" charset="0"/>
+              </a:rPr>
+              <a:t>direction = </a:t>
+            </a:r>
+            <a:r>
+              <a:rPr lang="en-US" altLang="en-US" sz="2400" dirty="0" err="1">
+                <a:solidFill>
+                  <a:srgbClr val="996600"/>
+                </a:solidFill>
+                <a:latin typeface="Courier New" panose="02070309020205020404" pitchFamily="49" charset="0"/>
+                <a:cs typeface="Courier New" panose="02070309020205020404" pitchFamily="49" charset="0"/>
+              </a:rPr>
+              <a:t>sa.Column</a:t>
+            </a:r>
+            <a:r>
+              <a:rPr lang="en-US" altLang="en-US" sz="2400" dirty="0">
+                <a:solidFill>
+                  <a:srgbClr val="996600"/>
+                </a:solidFill>
+                <a:latin typeface="Courier New" panose="02070309020205020404" pitchFamily="49" charset="0"/>
+                <a:cs typeface="Courier New" panose="02070309020205020404" pitchFamily="49" charset="0"/>
+              </a:rPr>
+              <a:t>(</a:t>
+            </a:r>
+            <a:r>
+              <a:rPr lang="en-US" altLang="en-US" sz="2400" dirty="0" err="1">
+                <a:solidFill>
+                  <a:srgbClr val="996600"/>
+                </a:solidFill>
+                <a:latin typeface="Courier New" panose="02070309020205020404" pitchFamily="49" charset="0"/>
+                <a:cs typeface="Courier New" panose="02070309020205020404" pitchFamily="49" charset="0"/>
+              </a:rPr>
+              <a:t>sa.Enum</a:t>
+            </a:r>
+            <a:r>
+              <a:rPr lang="en-US" altLang="en-US" sz="2400" dirty="0">
+                <a:solidFill>
+                  <a:srgbClr val="996600"/>
+                </a:solidFill>
+                <a:latin typeface="Courier New" panose="02070309020205020404" pitchFamily="49" charset="0"/>
+                <a:cs typeface="Courier New" panose="02070309020205020404" pitchFamily="49" charset="0"/>
+              </a:rPr>
+              <a:t>('ingress', 'egress</a:t>
+            </a:r>
+            <a:r>
+              <a:rPr lang="en-US" altLang="en-US" sz="2400" dirty="0" smtClean="0">
+                <a:solidFill>
+                  <a:srgbClr val="996600"/>
+                </a:solidFill>
+                <a:latin typeface="Courier New" panose="02070309020205020404" pitchFamily="49" charset="0"/>
+                <a:cs typeface="Courier New" panose="02070309020205020404" pitchFamily="49" charset="0"/>
+              </a:rPr>
+              <a:t>'))</a:t>
+            </a:r>
+          </a:p>
+          <a:p>
+            <a:pPr marL="514350" indent="-514350" defTabSz="914400">
+              <a:buFont typeface="+mj-lt"/>
+              <a:buAutoNum type="arabicPeriod"/>
+            </a:pPr>
+            <a:r>
+              <a:rPr lang="en-US" altLang="en-US" sz="2400" dirty="0">
+                <a:latin typeface="Courier New" panose="02070309020205020404" pitchFamily="49" charset="0"/>
+                <a:cs typeface="Courier New" panose="02070309020205020404" pitchFamily="49" charset="0"/>
+              </a:rPr>
+              <a:t> </a:t>
+            </a:r>
+            <a:r>
+              <a:rPr lang="en-US" altLang="en-US" sz="2400" dirty="0" smtClean="0">
+                <a:latin typeface="Courier New" panose="02070309020205020404" pitchFamily="49" charset="0"/>
+                <a:cs typeface="Courier New" panose="02070309020205020404" pitchFamily="49" charset="0"/>
+              </a:rPr>
+              <a:t>	 	</a:t>
+            </a:r>
+            <a:r>
+              <a:rPr lang="en-US" altLang="en-US" sz="2400" dirty="0" smtClean="0">
+                <a:solidFill>
+                  <a:schemeClr val="accent5"/>
+                </a:solidFill>
+                <a:latin typeface="Courier New" panose="02070309020205020404" pitchFamily="49" charset="0"/>
+                <a:cs typeface="Courier New" panose="02070309020205020404" pitchFamily="49" charset="0"/>
+              </a:rPr>
+              <a:t>+    </a:t>
+            </a:r>
+            <a:r>
+              <a:rPr lang="en-US" altLang="en-US" sz="2400" dirty="0">
+                <a:solidFill>
+                  <a:schemeClr val="accent5"/>
+                </a:solidFill>
+                <a:latin typeface="Courier New" panose="02070309020205020404" pitchFamily="49" charset="0"/>
+                <a:cs typeface="Courier New" panose="02070309020205020404" pitchFamily="49" charset="0"/>
+              </a:rPr>
+              <a:t>direction = sa.Column(</a:t>
+            </a:r>
+            <a:r>
+              <a:rPr lang="en-US" altLang="en-US" sz="2400" dirty="0" err="1">
+                <a:solidFill>
+                  <a:schemeClr val="accent5"/>
+                </a:solidFill>
+                <a:latin typeface="Courier New" panose="02070309020205020404" pitchFamily="49" charset="0"/>
+                <a:cs typeface="Courier New" panose="02070309020205020404" pitchFamily="49" charset="0"/>
+              </a:rPr>
+              <a:t>sa.Enum</a:t>
+            </a:r>
+            <a:r>
+              <a:rPr lang="en-US" altLang="en-US" sz="2400" dirty="0">
+                <a:solidFill>
+                  <a:schemeClr val="accent5"/>
+                </a:solidFill>
+                <a:latin typeface="Courier New" panose="02070309020205020404" pitchFamily="49" charset="0"/>
+                <a:cs typeface="Courier New" panose="02070309020205020404" pitchFamily="49" charset="0"/>
+              </a:rPr>
+              <a:t>('ingress', 'egress</a:t>
+            </a:r>
+            <a:r>
+              <a:rPr lang="en-US" altLang="en-US" sz="2400" dirty="0" smtClean="0">
+                <a:solidFill>
+                  <a:schemeClr val="accent5"/>
+                </a:solidFill>
+                <a:latin typeface="Courier New" panose="02070309020205020404" pitchFamily="49" charset="0"/>
+                <a:cs typeface="Courier New" panose="02070309020205020404" pitchFamily="49" charset="0"/>
+              </a:rPr>
+              <a:t>',</a:t>
+            </a:r>
+            <a:r>
+              <a:rPr lang="en-US" altLang="en-US" sz="2400" dirty="0" smtClean="0">
+                <a:latin typeface="Courier New" panose="02070309020205020404" pitchFamily="49" charset="0"/>
+                <a:cs typeface="Courier New" panose="02070309020205020404" pitchFamily="49" charset="0"/>
+              </a:rPr>
+              <a:t>  </a:t>
+            </a:r>
+          </a:p>
+          <a:p>
+            <a:pPr marL="514350" indent="-514350" defTabSz="914400">
+              <a:buFont typeface="+mj-lt"/>
+              <a:buAutoNum type="arabicPeriod"/>
+            </a:pPr>
+            <a:r>
+              <a:rPr lang="en-US" altLang="en-US" sz="2400" dirty="0" smtClean="0">
+                <a:latin typeface="Courier New" panose="02070309020205020404" pitchFamily="49" charset="0"/>
+                <a:cs typeface="Courier New" panose="02070309020205020404" pitchFamily="49" charset="0"/>
+              </a:rPr>
+              <a:t> 	 	</a:t>
+            </a:r>
+            <a:r>
+              <a:rPr lang="en-US" altLang="en-US" sz="2400" dirty="0" smtClean="0">
+                <a:solidFill>
+                  <a:schemeClr val="accent5"/>
+                </a:solidFill>
+                <a:latin typeface="Courier New" panose="02070309020205020404" pitchFamily="49" charset="0"/>
+                <a:cs typeface="Courier New" panose="02070309020205020404" pitchFamily="49" charset="0"/>
+              </a:rPr>
+              <a:t>+                                  </a:t>
+            </a:r>
+            <a:r>
+              <a:rPr lang="en-US" altLang="en-US" sz="2400" dirty="0">
+                <a:solidFill>
+                  <a:schemeClr val="accent5"/>
+                </a:solidFill>
+                <a:latin typeface="Courier New" panose="02070309020205020404" pitchFamily="49" charset="0"/>
+                <a:cs typeface="Courier New" panose="02070309020205020404" pitchFamily="49" charset="0"/>
+              </a:rPr>
+              <a:t>name='</a:t>
+            </a:r>
+            <a:r>
+              <a:rPr lang="en-US" altLang="en-US" sz="2400" dirty="0" err="1">
+                <a:solidFill>
+                  <a:schemeClr val="accent5"/>
+                </a:solidFill>
+                <a:latin typeface="Courier New" panose="02070309020205020404" pitchFamily="49" charset="0"/>
+                <a:cs typeface="Courier New" panose="02070309020205020404" pitchFamily="49" charset="0"/>
+              </a:rPr>
+              <a:t>securitygrouprules_direction</a:t>
+            </a:r>
+            <a:r>
+              <a:rPr lang="en-US" altLang="en-US" sz="2400" dirty="0" smtClean="0">
+                <a:solidFill>
+                  <a:schemeClr val="accent5"/>
+                </a:solidFill>
+                <a:latin typeface="Courier New" panose="02070309020205020404" pitchFamily="49" charset="0"/>
+                <a:cs typeface="Courier New" panose="02070309020205020404" pitchFamily="49" charset="0"/>
+              </a:rPr>
+              <a:t>'))</a:t>
+            </a:r>
+            <a:endParaRPr lang="en-SG" sz="2400" dirty="0" smtClean="0">
+              <a:solidFill>
+                <a:schemeClr val="accent5"/>
+              </a:solidFill>
+              <a:latin typeface="Courier New" panose="02070309020205020404" pitchFamily="49" charset="0"/>
+              <a:cs typeface="Courier New" panose="02070309020205020404" pitchFamily="49" charset="0"/>
+            </a:endParaRPr>
+          </a:p>
+        </p:txBody>
+      </p:sp>
+    </p:spTree>
+    <p:extLst>
+      <p:ext uri="{BB962C8B-B14F-4D97-AF65-F5344CB8AC3E}">
+        <p14:creationId xmlns:p14="http://schemas.microsoft.com/office/powerpoint/2010/main" val="4004010575"/>
       </p:ext>
     </p:extLst>
   </p:cSld>

--- a/figs/figures.pptx
+++ b/figs/figures.pptx
@@ -10292,17 +10292,7 @@
                 <a:latin typeface="Courier New" panose="02070309020205020404" pitchFamily="49" charset="0"/>
                 <a:cs typeface="Courier New" panose="02070309020205020404" pitchFamily="49" charset="0"/>
               </a:rPr>
-              <a:t> </a:t>
-            </a:r>
-            <a:r>
-              <a:rPr lang="en-US" altLang="en-US" sz="2400" b="1" dirty="0">
-                <a:solidFill>
-                  <a:schemeClr val="accent5"/>
-                </a:solidFill>
-                <a:latin typeface="Courier New" panose="02070309020205020404" pitchFamily="49" charset="0"/>
-                <a:cs typeface="Courier New" panose="02070309020205020404" pitchFamily="49" charset="0"/>
-              </a:rPr>
-              <a:t>a/quantum/</a:t>
+              <a:t> a/quantum/</a:t>
             </a:r>
             <a:r>
               <a:rPr lang="en-US" altLang="en-US" sz="2400" b="1" dirty="0" err="1">
@@ -10362,17 +10352,7 @@
                 <a:latin typeface="Courier New" panose="02070309020205020404" pitchFamily="49" charset="0"/>
                 <a:cs typeface="Courier New" panose="02070309020205020404" pitchFamily="49" charset="0"/>
               </a:rPr>
-              <a:t>	     </a:t>
-            </a:r>
-            <a:r>
-              <a:rPr lang="en-US" altLang="en-US" sz="2400" b="1" dirty="0" smtClean="0">
-                <a:solidFill>
-                  <a:schemeClr val="accent5"/>
-                </a:solidFill>
-                <a:latin typeface="Courier New" panose="02070309020205020404" pitchFamily="49" charset="0"/>
-                <a:cs typeface="Courier New" panose="02070309020205020404" pitchFamily="49" charset="0"/>
-              </a:rPr>
-              <a:t>_security_groups.py</a:t>
+              <a:t>	     _security_groups.py</a:t>
             </a:r>
             <a:r>
               <a:rPr lang="en-US" altLang="en-US" sz="2400" dirty="0" smtClean="0">
@@ -10384,13 +10364,6 @@
               </a:rPr>
               <a:t> </a:t>
             </a:r>
-            <a:endParaRPr lang="en-US" altLang="en-US" sz="2400" dirty="0" smtClean="0">
-              <a:solidFill>
-                <a:srgbClr val="333333"/>
-              </a:solidFill>
-              <a:latin typeface="Courier New" panose="02070309020205020404" pitchFamily="49" charset="0"/>
-              <a:cs typeface="Courier New" panose="02070309020205020404" pitchFamily="49" charset="0"/>
-            </a:endParaRPr>
           </a:p>
           <a:p>
             <a:pPr marL="514350" indent="-514350" defTabSz="914400">
@@ -10468,17 +10441,7 @@
                 <a:latin typeface="Courier New" panose="02070309020205020404" pitchFamily="49" charset="0"/>
                 <a:cs typeface="Courier New" panose="02070309020205020404" pitchFamily="49" charset="0"/>
               </a:rPr>
-              <a:t>--- </a:t>
-            </a:r>
-            <a:r>
-              <a:rPr lang="en-US" altLang="en-US" sz="2400" dirty="0" smtClean="0">
-                <a:solidFill>
-                  <a:srgbClr val="7030A0"/>
-                </a:solidFill>
-                <a:latin typeface="Courier New" panose="02070309020205020404" pitchFamily="49" charset="0"/>
-                <a:cs typeface="Courier New" panose="02070309020205020404" pitchFamily="49" charset="0"/>
-              </a:rPr>
-              <a:t>a/quantum/</a:t>
+              <a:t>--- a/quantum/</a:t>
             </a:r>
             <a:r>
               <a:rPr lang="en-US" altLang="en-US" sz="2400" dirty="0" err="1" smtClean="0">
@@ -10543,13 +10506,6 @@
               </a:rPr>
               <a:t>security_groups.py</a:t>
             </a:r>
-            <a:endParaRPr lang="en-US" altLang="en-US" sz="2400" dirty="0" smtClean="0">
-              <a:solidFill>
-                <a:srgbClr val="7030A0"/>
-              </a:solidFill>
-              <a:latin typeface="Courier New" panose="02070309020205020404" pitchFamily="49" charset="0"/>
-              <a:cs typeface="Courier New" panose="02070309020205020404" pitchFamily="49" charset="0"/>
-            </a:endParaRPr>
           </a:p>
           <a:p>
             <a:pPr marL="514350" indent="-514350" defTabSz="914400">
@@ -10611,17 +10567,7 @@
                 <a:latin typeface="Courier New" panose="02070309020205020404" pitchFamily="49" charset="0"/>
                 <a:cs typeface="Courier New" panose="02070309020205020404" pitchFamily="49" charset="0"/>
               </a:rPr>
-              <a:t>/versions/3cb5d900c5de</a:t>
-            </a:r>
-            <a:r>
-              <a:rPr lang="en-US" altLang="en-US" sz="2400" dirty="0" smtClean="0">
-                <a:solidFill>
-                  <a:srgbClr val="7030A0"/>
-                </a:solidFill>
-                <a:latin typeface="Courier New" panose="02070309020205020404" pitchFamily="49" charset="0"/>
-                <a:cs typeface="Courier New" panose="02070309020205020404" pitchFamily="49" charset="0"/>
-              </a:rPr>
-              <a:t>_</a:t>
+              <a:t>/versions/3cb5d900c5de_</a:t>
             </a:r>
           </a:p>
           <a:p>
@@ -10644,25 +10590,8 @@
                 <a:latin typeface="Courier New" panose="02070309020205020404" pitchFamily="49" charset="0"/>
                 <a:cs typeface="Courier New" panose="02070309020205020404" pitchFamily="49" charset="0"/>
               </a:rPr>
-              <a:t>	</a:t>
-            </a:r>
-            <a:r>
-              <a:rPr lang="en-US" altLang="en-US" sz="2400" dirty="0" smtClean="0">
-                <a:solidFill>
-                  <a:srgbClr val="7030A0"/>
-                </a:solidFill>
-                <a:latin typeface="Courier New" panose="02070309020205020404" pitchFamily="49" charset="0"/>
-                <a:cs typeface="Courier New" panose="02070309020205020404" pitchFamily="49" charset="0"/>
-              </a:rPr>
-              <a:t>security_groups.py</a:t>
-            </a:r>
-            <a:endParaRPr lang="en-US" altLang="en-US" sz="2400" dirty="0" smtClean="0">
-              <a:solidFill>
-                <a:srgbClr val="7030A0"/>
-              </a:solidFill>
-              <a:latin typeface="Courier New" panose="02070309020205020404" pitchFamily="49" charset="0"/>
-              <a:cs typeface="Courier New" panose="02070309020205020404" pitchFamily="49" charset="0"/>
-            </a:endParaRPr>
+              <a:t>	security_groups.py</a:t>
+            </a:r>
           </a:p>
           <a:p>
             <a:pPr marL="514350" indent="-514350" defTabSz="914400">
@@ -31387,7 +31316,7 @@
         </p:nvSpPr>
         <p:spPr>
           <a:xfrm>
-            <a:off x="11385241" y="6927801"/>
+            <a:off x="11404291" y="6946851"/>
             <a:ext cx="1850231" cy="773623"/>
           </a:xfrm>
           <a:prstGeom prst="rect">

--- a/figs/figures.pptx
+++ b/figs/figures.pptx
@@ -15,8 +15,9 @@
     <p:sldId id="258" r:id="rId9"/>
     <p:sldId id="264" r:id="rId10"/>
     <p:sldId id="265" r:id="rId11"/>
-    <p:sldId id="266" r:id="rId12"/>
-    <p:sldId id="268" r:id="rId13"/>
+    <p:sldId id="269" r:id="rId12"/>
+    <p:sldId id="266" r:id="rId13"/>
+    <p:sldId id="268" r:id="rId14"/>
   </p:sldIdLst>
   <p:sldSz cx="27311350" cy="13679488"/>
   <p:notesSz cx="6858000" cy="9144000"/>
@@ -254,7 +255,7 @@
           <a:p>
             <a:fld id="{9323A0C5-6B5E-4B9A-9575-FF0D04DA84EC}" type="datetimeFigureOut">
               <a:rPr lang="en-US" smtClean="0"/>
-              <a:t>1/24/2019</a:t>
+              <a:t>3/13/2019</a:t>
             </a:fld>
             <a:endParaRPr lang="en-US"/>
           </a:p>
@@ -424,7 +425,7 @@
           <a:p>
             <a:fld id="{9323A0C5-6B5E-4B9A-9575-FF0D04DA84EC}" type="datetimeFigureOut">
               <a:rPr lang="en-US" smtClean="0"/>
-              <a:t>1/24/2019</a:t>
+              <a:t>3/13/2019</a:t>
             </a:fld>
             <a:endParaRPr lang="en-US"/>
           </a:p>
@@ -604,7 +605,7 @@
           <a:p>
             <a:fld id="{9323A0C5-6B5E-4B9A-9575-FF0D04DA84EC}" type="datetimeFigureOut">
               <a:rPr lang="en-US" smtClean="0"/>
-              <a:t>1/24/2019</a:t>
+              <a:t>3/13/2019</a:t>
             </a:fld>
             <a:endParaRPr lang="en-US"/>
           </a:p>
@@ -774,7 +775,7 @@
           <a:p>
             <a:fld id="{9323A0C5-6B5E-4B9A-9575-FF0D04DA84EC}" type="datetimeFigureOut">
               <a:rPr lang="en-US" smtClean="0"/>
-              <a:t>1/24/2019</a:t>
+              <a:t>3/13/2019</a:t>
             </a:fld>
             <a:endParaRPr lang="en-US"/>
           </a:p>
@@ -1020,7 +1021,7 @@
           <a:p>
             <a:fld id="{9323A0C5-6B5E-4B9A-9575-FF0D04DA84EC}" type="datetimeFigureOut">
               <a:rPr lang="en-US" smtClean="0"/>
-              <a:t>1/24/2019</a:t>
+              <a:t>3/13/2019</a:t>
             </a:fld>
             <a:endParaRPr lang="en-US"/>
           </a:p>
@@ -1252,7 +1253,7 @@
           <a:p>
             <a:fld id="{9323A0C5-6B5E-4B9A-9575-FF0D04DA84EC}" type="datetimeFigureOut">
               <a:rPr lang="en-US" smtClean="0"/>
-              <a:t>1/24/2019</a:t>
+              <a:t>3/13/2019</a:t>
             </a:fld>
             <a:endParaRPr lang="en-US"/>
           </a:p>
@@ -1619,7 +1620,7 @@
           <a:p>
             <a:fld id="{9323A0C5-6B5E-4B9A-9575-FF0D04DA84EC}" type="datetimeFigureOut">
               <a:rPr lang="en-US" smtClean="0"/>
-              <a:t>1/24/2019</a:t>
+              <a:t>3/13/2019</a:t>
             </a:fld>
             <a:endParaRPr lang="en-US"/>
           </a:p>
@@ -1737,7 +1738,7 @@
           <a:p>
             <a:fld id="{9323A0C5-6B5E-4B9A-9575-FF0D04DA84EC}" type="datetimeFigureOut">
               <a:rPr lang="en-US" smtClean="0"/>
-              <a:t>1/24/2019</a:t>
+              <a:t>3/13/2019</a:t>
             </a:fld>
             <a:endParaRPr lang="en-US"/>
           </a:p>
@@ -1832,7 +1833,7 @@
           <a:p>
             <a:fld id="{9323A0C5-6B5E-4B9A-9575-FF0D04DA84EC}" type="datetimeFigureOut">
               <a:rPr lang="en-US" smtClean="0"/>
-              <a:t>1/24/2019</a:t>
+              <a:t>3/13/2019</a:t>
             </a:fld>
             <a:endParaRPr lang="en-US"/>
           </a:p>
@@ -2109,7 +2110,7 @@
           <a:p>
             <a:fld id="{9323A0C5-6B5E-4B9A-9575-FF0D04DA84EC}" type="datetimeFigureOut">
               <a:rPr lang="en-US" smtClean="0"/>
-              <a:t>1/24/2019</a:t>
+              <a:t>3/13/2019</a:t>
             </a:fld>
             <a:endParaRPr lang="en-US"/>
           </a:p>
@@ -2366,7 +2367,7 @@
           <a:p>
             <a:fld id="{9323A0C5-6B5E-4B9A-9575-FF0D04DA84EC}" type="datetimeFigureOut">
               <a:rPr lang="en-US" smtClean="0"/>
-              <a:t>1/24/2019</a:t>
+              <a:t>3/13/2019</a:t>
             </a:fld>
             <a:endParaRPr lang="en-US"/>
           </a:p>
@@ -2579,7 +2580,7 @@
           <a:p>
             <a:fld id="{9323A0C5-6B5E-4B9A-9575-FF0D04DA84EC}" type="datetimeFigureOut">
               <a:rPr lang="en-US" smtClean="0"/>
-              <a:t>1/24/2019</a:t>
+              <a:t>3/13/2019</a:t>
             </a:fld>
             <a:endParaRPr lang="en-US"/>
           </a:p>
@@ -7973,6 +7974,3928 @@
 </file>
 
 <file path=ppt/slides/slide11.xml><?xml version="1.0" encoding="utf-8"?>
+<p:sld xmlns:a="http://schemas.openxmlformats.org/drawingml/2006/main" xmlns:r="http://schemas.openxmlformats.org/officeDocument/2006/relationships" xmlns:p="http://schemas.openxmlformats.org/presentationml/2006/main">
+  <p:cSld>
+    <p:spTree>
+      <p:nvGrpSpPr>
+        <p:cNvPr id="1" name=""/>
+        <p:cNvGrpSpPr/>
+        <p:nvPr/>
+      </p:nvGrpSpPr>
+      <p:grpSpPr>
+        <a:xfrm>
+          <a:off x="0" y="0"/>
+          <a:ext cx="0" cy="0"/>
+          <a:chOff x="0" y="0"/>
+          <a:chExt cx="0" cy="0"/>
+        </a:xfrm>
+      </p:grpSpPr>
+      <p:graphicFrame>
+        <p:nvGraphicFramePr>
+          <p:cNvPr id="4" name="Table 3"/>
+          <p:cNvGraphicFramePr>
+            <a:graphicFrameLocks noGrp="1"/>
+          </p:cNvGraphicFramePr>
+          <p:nvPr>
+            <p:extLst>
+              <p:ext uri="{D42A27DB-BD31-4B8C-83A1-F6EECF244321}">
+                <p14:modId xmlns:p14="http://schemas.microsoft.com/office/powerpoint/2010/main" val="2137690053"/>
+              </p:ext>
+            </p:extLst>
+          </p:nvPr>
+        </p:nvGraphicFramePr>
+        <p:xfrm>
+          <a:off x="2467639" y="4044978"/>
+          <a:ext cx="3600000" cy="3600000"/>
+        </p:xfrm>
+        <a:graphic>
+          <a:graphicData uri="http://schemas.openxmlformats.org/drawingml/2006/table">
+            <a:tbl>
+              <a:tblPr firstRow="1" bandRow="1">
+                <a:tableStyleId>{5940675A-B579-460E-94D1-54222C63F5DA}</a:tableStyleId>
+              </a:tblPr>
+              <a:tblGrid>
+                <a:gridCol w="720000">
+                  <a:extLst>
+                    <a:ext uri="{9D8B030D-6E8A-4147-A177-3AD203B41FA5}">
+                      <a16:colId xmlns:a16="http://schemas.microsoft.com/office/drawing/2014/main" val="2412693604"/>
+                    </a:ext>
+                  </a:extLst>
+                </a:gridCol>
+                <a:gridCol w="720000">
+                  <a:extLst>
+                    <a:ext uri="{9D8B030D-6E8A-4147-A177-3AD203B41FA5}">
+                      <a16:colId xmlns:a16="http://schemas.microsoft.com/office/drawing/2014/main" val="177101513"/>
+                    </a:ext>
+                  </a:extLst>
+                </a:gridCol>
+                <a:gridCol w="720000">
+                  <a:extLst>
+                    <a:ext uri="{9D8B030D-6E8A-4147-A177-3AD203B41FA5}">
+                      <a16:colId xmlns:a16="http://schemas.microsoft.com/office/drawing/2014/main" val="2839434252"/>
+                    </a:ext>
+                  </a:extLst>
+                </a:gridCol>
+                <a:gridCol w="720000">
+                  <a:extLst>
+                    <a:ext uri="{9D8B030D-6E8A-4147-A177-3AD203B41FA5}">
+                      <a16:colId xmlns:a16="http://schemas.microsoft.com/office/drawing/2014/main" val="195322656"/>
+                    </a:ext>
+                  </a:extLst>
+                </a:gridCol>
+                <a:gridCol w="720000">
+                  <a:extLst>
+                    <a:ext uri="{9D8B030D-6E8A-4147-A177-3AD203B41FA5}">
+                      <a16:colId xmlns:a16="http://schemas.microsoft.com/office/drawing/2014/main" val="53469301"/>
+                    </a:ext>
+                  </a:extLst>
+                </a:gridCol>
+              </a:tblGrid>
+              <a:tr h="720000">
+                <a:tc>
+                  <a:txBody>
+                    <a:bodyPr/>
+                    <a:lstStyle/>
+                    <a:p>
+                      <a:pPr algn="ctr"/>
+                      <a:r>
+                        <a:rPr lang="en-US" sz="3200" b="0" dirty="0" smtClean="0">
+                          <a:latin typeface="Helvetica" panose="020B0604020202020204" pitchFamily="34" charset="0"/>
+                          <a:cs typeface="Helvetica" panose="020B0604020202020204" pitchFamily="34" charset="0"/>
+                        </a:rPr>
+                        <a:t>1</a:t>
+                      </a:r>
+                      <a:endParaRPr lang="en-US" sz="3200" b="0" dirty="0">
+                        <a:latin typeface="Helvetica" panose="020B0604020202020204" pitchFamily="34" charset="0"/>
+                        <a:cs typeface="Helvetica" panose="020B0604020202020204" pitchFamily="34" charset="0"/>
+                      </a:endParaRPr>
+                    </a:p>
+                  </a:txBody>
+                  <a:tcPr anchor="ctr">
+                    <a:lnL w="28575" cap="flat" cmpd="sng" algn="ctr">
+                      <a:solidFill>
+                        <a:schemeClr val="accent5">
+                          <a:lumMod val="50000"/>
+                        </a:schemeClr>
+                      </a:solidFill>
+                      <a:prstDash val="solid"/>
+                      <a:round/>
+                      <a:headEnd type="none" w="med" len="med"/>
+                      <a:tailEnd type="none" w="med" len="med"/>
+                    </a:lnL>
+                    <a:lnR w="28575" cap="flat" cmpd="sng" algn="ctr">
+                      <a:solidFill>
+                        <a:schemeClr val="accent5">
+                          <a:lumMod val="50000"/>
+                        </a:schemeClr>
+                      </a:solidFill>
+                      <a:prstDash val="solid"/>
+                      <a:round/>
+                      <a:headEnd type="none" w="med" len="med"/>
+                      <a:tailEnd type="none" w="med" len="med"/>
+                    </a:lnR>
+                    <a:lnT w="28575" cap="flat" cmpd="sng" algn="ctr">
+                      <a:solidFill>
+                        <a:schemeClr val="accent5">
+                          <a:lumMod val="50000"/>
+                        </a:schemeClr>
+                      </a:solidFill>
+                      <a:prstDash val="solid"/>
+                      <a:round/>
+                      <a:headEnd type="none" w="med" len="med"/>
+                      <a:tailEnd type="none" w="med" len="med"/>
+                    </a:lnT>
+                    <a:lnB w="28575" cap="flat" cmpd="sng" algn="ctr">
+                      <a:solidFill>
+                        <a:schemeClr val="accent5">
+                          <a:lumMod val="50000"/>
+                        </a:schemeClr>
+                      </a:solidFill>
+                      <a:prstDash val="solid"/>
+                      <a:round/>
+                      <a:headEnd type="none" w="med" len="med"/>
+                      <a:tailEnd type="none" w="med" len="med"/>
+                    </a:lnB>
+                  </a:tcPr>
+                </a:tc>
+                <a:tc>
+                  <a:txBody>
+                    <a:bodyPr/>
+                    <a:lstStyle/>
+                    <a:p>
+                      <a:pPr algn="ctr"/>
+                      <a:r>
+                        <a:rPr lang="en-US" sz="3200" b="0" dirty="0" smtClean="0">
+                          <a:latin typeface="Helvetica" panose="020B0604020202020204" pitchFamily="34" charset="0"/>
+                          <a:cs typeface="Helvetica" panose="020B0604020202020204" pitchFamily="34" charset="0"/>
+                        </a:rPr>
+                        <a:t>1</a:t>
+                      </a:r>
+                      <a:endParaRPr lang="en-US" sz="3200" b="0" dirty="0">
+                        <a:latin typeface="Helvetica" panose="020B0604020202020204" pitchFamily="34" charset="0"/>
+                        <a:cs typeface="Helvetica" panose="020B0604020202020204" pitchFamily="34" charset="0"/>
+                      </a:endParaRPr>
+                    </a:p>
+                  </a:txBody>
+                  <a:tcPr anchor="ctr">
+                    <a:lnL w="28575" cap="flat" cmpd="sng" algn="ctr">
+                      <a:solidFill>
+                        <a:schemeClr val="accent5">
+                          <a:lumMod val="50000"/>
+                        </a:schemeClr>
+                      </a:solidFill>
+                      <a:prstDash val="solid"/>
+                      <a:round/>
+                      <a:headEnd type="none" w="med" len="med"/>
+                      <a:tailEnd type="none" w="med" len="med"/>
+                    </a:lnL>
+                    <a:lnR w="28575" cap="flat" cmpd="sng" algn="ctr">
+                      <a:solidFill>
+                        <a:schemeClr val="accent5">
+                          <a:lumMod val="50000"/>
+                        </a:schemeClr>
+                      </a:solidFill>
+                      <a:prstDash val="solid"/>
+                      <a:round/>
+                      <a:headEnd type="none" w="med" len="med"/>
+                      <a:tailEnd type="none" w="med" len="med"/>
+                    </a:lnR>
+                    <a:lnT w="28575" cap="flat" cmpd="sng" algn="ctr">
+                      <a:solidFill>
+                        <a:schemeClr val="accent5">
+                          <a:lumMod val="50000"/>
+                        </a:schemeClr>
+                      </a:solidFill>
+                      <a:prstDash val="solid"/>
+                      <a:round/>
+                      <a:headEnd type="none" w="med" len="med"/>
+                      <a:tailEnd type="none" w="med" len="med"/>
+                    </a:lnT>
+                    <a:lnB w="28575" cap="flat" cmpd="sng" algn="ctr">
+                      <a:solidFill>
+                        <a:schemeClr val="accent5">
+                          <a:lumMod val="50000"/>
+                        </a:schemeClr>
+                      </a:solidFill>
+                      <a:prstDash val="solid"/>
+                      <a:round/>
+                      <a:headEnd type="none" w="med" len="med"/>
+                      <a:tailEnd type="none" w="med" len="med"/>
+                    </a:lnB>
+                  </a:tcPr>
+                </a:tc>
+                <a:tc>
+                  <a:txBody>
+                    <a:bodyPr/>
+                    <a:lstStyle/>
+                    <a:p>
+                      <a:pPr algn="ctr"/>
+                      <a:r>
+                        <a:rPr lang="en-US" sz="3200" b="0" dirty="0" smtClean="0">
+                          <a:latin typeface="Helvetica" panose="020B0604020202020204" pitchFamily="34" charset="0"/>
+                          <a:cs typeface="Helvetica" panose="020B0604020202020204" pitchFamily="34" charset="0"/>
+                        </a:rPr>
+                        <a:t>1</a:t>
+                      </a:r>
+                      <a:endParaRPr lang="en-US" sz="3200" b="0" dirty="0">
+                        <a:latin typeface="Helvetica" panose="020B0604020202020204" pitchFamily="34" charset="0"/>
+                        <a:cs typeface="Helvetica" panose="020B0604020202020204" pitchFamily="34" charset="0"/>
+                      </a:endParaRPr>
+                    </a:p>
+                  </a:txBody>
+                  <a:tcPr anchor="ctr">
+                    <a:lnL w="28575" cap="flat" cmpd="sng" algn="ctr">
+                      <a:solidFill>
+                        <a:schemeClr val="accent5">
+                          <a:lumMod val="50000"/>
+                        </a:schemeClr>
+                      </a:solidFill>
+                      <a:prstDash val="solid"/>
+                      <a:round/>
+                      <a:headEnd type="none" w="med" len="med"/>
+                      <a:tailEnd type="none" w="med" len="med"/>
+                    </a:lnL>
+                    <a:lnR w="28575" cap="flat" cmpd="sng" algn="ctr">
+                      <a:solidFill>
+                        <a:schemeClr val="accent5">
+                          <a:lumMod val="50000"/>
+                        </a:schemeClr>
+                      </a:solidFill>
+                      <a:prstDash val="solid"/>
+                      <a:round/>
+                      <a:headEnd type="none" w="med" len="med"/>
+                      <a:tailEnd type="none" w="med" len="med"/>
+                    </a:lnR>
+                    <a:lnT w="28575" cap="flat" cmpd="sng" algn="ctr">
+                      <a:solidFill>
+                        <a:schemeClr val="accent5">
+                          <a:lumMod val="50000"/>
+                        </a:schemeClr>
+                      </a:solidFill>
+                      <a:prstDash val="solid"/>
+                      <a:round/>
+                      <a:headEnd type="none" w="med" len="med"/>
+                      <a:tailEnd type="none" w="med" len="med"/>
+                    </a:lnT>
+                    <a:lnB w="28575" cap="flat" cmpd="sng" algn="ctr">
+                      <a:solidFill>
+                        <a:schemeClr val="accent5">
+                          <a:lumMod val="50000"/>
+                        </a:schemeClr>
+                      </a:solidFill>
+                      <a:prstDash val="solid"/>
+                      <a:round/>
+                      <a:headEnd type="none" w="med" len="med"/>
+                      <a:tailEnd type="none" w="med" len="med"/>
+                    </a:lnB>
+                  </a:tcPr>
+                </a:tc>
+                <a:tc>
+                  <a:txBody>
+                    <a:bodyPr/>
+                    <a:lstStyle/>
+                    <a:p>
+                      <a:pPr algn="ctr"/>
+                      <a:r>
+                        <a:rPr lang="en-US" sz="3200" b="0" dirty="0" smtClean="0">
+                          <a:latin typeface="Helvetica" panose="020B0604020202020204" pitchFamily="34" charset="0"/>
+                          <a:cs typeface="Helvetica" panose="020B0604020202020204" pitchFamily="34" charset="0"/>
+                        </a:rPr>
+                        <a:t>0</a:t>
+                      </a:r>
+                      <a:endParaRPr lang="en-US" sz="3200" b="0" dirty="0">
+                        <a:latin typeface="Helvetica" panose="020B0604020202020204" pitchFamily="34" charset="0"/>
+                        <a:cs typeface="Helvetica" panose="020B0604020202020204" pitchFamily="34" charset="0"/>
+                      </a:endParaRPr>
+                    </a:p>
+                  </a:txBody>
+                  <a:tcPr anchor="ctr">
+                    <a:lnL w="28575" cap="flat" cmpd="sng" algn="ctr">
+                      <a:solidFill>
+                        <a:schemeClr val="accent5">
+                          <a:lumMod val="50000"/>
+                        </a:schemeClr>
+                      </a:solidFill>
+                      <a:prstDash val="solid"/>
+                      <a:round/>
+                      <a:headEnd type="none" w="med" len="med"/>
+                      <a:tailEnd type="none" w="med" len="med"/>
+                    </a:lnL>
+                    <a:lnR w="28575" cap="flat" cmpd="sng" algn="ctr">
+                      <a:solidFill>
+                        <a:schemeClr val="accent5">
+                          <a:lumMod val="50000"/>
+                        </a:schemeClr>
+                      </a:solidFill>
+                      <a:prstDash val="solid"/>
+                      <a:round/>
+                      <a:headEnd type="none" w="med" len="med"/>
+                      <a:tailEnd type="none" w="med" len="med"/>
+                    </a:lnR>
+                    <a:lnT w="28575" cap="flat" cmpd="sng" algn="ctr">
+                      <a:solidFill>
+                        <a:schemeClr val="accent5">
+                          <a:lumMod val="50000"/>
+                        </a:schemeClr>
+                      </a:solidFill>
+                      <a:prstDash val="solid"/>
+                      <a:round/>
+                      <a:headEnd type="none" w="med" len="med"/>
+                      <a:tailEnd type="none" w="med" len="med"/>
+                    </a:lnT>
+                    <a:lnB w="28575" cap="flat" cmpd="sng" algn="ctr">
+                      <a:solidFill>
+                        <a:schemeClr val="accent5">
+                          <a:lumMod val="50000"/>
+                        </a:schemeClr>
+                      </a:solidFill>
+                      <a:prstDash val="solid"/>
+                      <a:round/>
+                      <a:headEnd type="none" w="med" len="med"/>
+                      <a:tailEnd type="none" w="med" len="med"/>
+                    </a:lnB>
+                  </a:tcPr>
+                </a:tc>
+                <a:tc>
+                  <a:txBody>
+                    <a:bodyPr/>
+                    <a:lstStyle/>
+                    <a:p>
+                      <a:pPr algn="ctr"/>
+                      <a:r>
+                        <a:rPr lang="en-US" sz="3200" b="0" dirty="0" smtClean="0">
+                          <a:latin typeface="Helvetica" panose="020B0604020202020204" pitchFamily="34" charset="0"/>
+                          <a:cs typeface="Helvetica" panose="020B0604020202020204" pitchFamily="34" charset="0"/>
+                        </a:rPr>
+                        <a:t>0</a:t>
+                      </a:r>
+                      <a:endParaRPr lang="en-US" sz="3200" b="0" dirty="0">
+                        <a:latin typeface="Helvetica" panose="020B0604020202020204" pitchFamily="34" charset="0"/>
+                        <a:cs typeface="Helvetica" panose="020B0604020202020204" pitchFamily="34" charset="0"/>
+                      </a:endParaRPr>
+                    </a:p>
+                  </a:txBody>
+                  <a:tcPr anchor="ctr">
+                    <a:lnL w="28575" cap="flat" cmpd="sng" algn="ctr">
+                      <a:solidFill>
+                        <a:schemeClr val="accent5">
+                          <a:lumMod val="50000"/>
+                        </a:schemeClr>
+                      </a:solidFill>
+                      <a:prstDash val="solid"/>
+                      <a:round/>
+                      <a:headEnd type="none" w="med" len="med"/>
+                      <a:tailEnd type="none" w="med" len="med"/>
+                    </a:lnL>
+                    <a:lnR w="28575" cap="flat" cmpd="sng" algn="ctr">
+                      <a:solidFill>
+                        <a:schemeClr val="accent5">
+                          <a:lumMod val="50000"/>
+                        </a:schemeClr>
+                      </a:solidFill>
+                      <a:prstDash val="solid"/>
+                      <a:round/>
+                      <a:headEnd type="none" w="med" len="med"/>
+                      <a:tailEnd type="none" w="med" len="med"/>
+                    </a:lnR>
+                    <a:lnT w="28575" cap="flat" cmpd="sng" algn="ctr">
+                      <a:solidFill>
+                        <a:schemeClr val="accent5">
+                          <a:lumMod val="50000"/>
+                        </a:schemeClr>
+                      </a:solidFill>
+                      <a:prstDash val="solid"/>
+                      <a:round/>
+                      <a:headEnd type="none" w="med" len="med"/>
+                      <a:tailEnd type="none" w="med" len="med"/>
+                    </a:lnT>
+                    <a:lnB w="28575" cap="flat" cmpd="sng" algn="ctr">
+                      <a:solidFill>
+                        <a:schemeClr val="accent5">
+                          <a:lumMod val="50000"/>
+                        </a:schemeClr>
+                      </a:solidFill>
+                      <a:prstDash val="solid"/>
+                      <a:round/>
+                      <a:headEnd type="none" w="med" len="med"/>
+                      <a:tailEnd type="none" w="med" len="med"/>
+                    </a:lnB>
+                  </a:tcPr>
+                </a:tc>
+                <a:extLst>
+                  <a:ext uri="{0D108BD9-81ED-4DB2-BD59-A6C34878D82A}">
+                    <a16:rowId xmlns:a16="http://schemas.microsoft.com/office/drawing/2014/main" val="1496882062"/>
+                  </a:ext>
+                </a:extLst>
+              </a:tr>
+              <a:tr h="720000">
+                <a:tc>
+                  <a:txBody>
+                    <a:bodyPr/>
+                    <a:lstStyle/>
+                    <a:p>
+                      <a:pPr algn="ctr"/>
+                      <a:r>
+                        <a:rPr lang="en-US" sz="3200" b="0" dirty="0" smtClean="0">
+                          <a:latin typeface="Helvetica" panose="020B0604020202020204" pitchFamily="34" charset="0"/>
+                          <a:cs typeface="Helvetica" panose="020B0604020202020204" pitchFamily="34" charset="0"/>
+                        </a:rPr>
+                        <a:t>0</a:t>
+                      </a:r>
+                      <a:endParaRPr lang="en-US" sz="3200" b="0" dirty="0">
+                        <a:latin typeface="Helvetica" panose="020B0604020202020204" pitchFamily="34" charset="0"/>
+                        <a:cs typeface="Helvetica" panose="020B0604020202020204" pitchFamily="34" charset="0"/>
+                      </a:endParaRPr>
+                    </a:p>
+                  </a:txBody>
+                  <a:tcPr anchor="ctr">
+                    <a:lnL w="28575" cap="flat" cmpd="sng" algn="ctr">
+                      <a:solidFill>
+                        <a:schemeClr val="accent5">
+                          <a:lumMod val="50000"/>
+                        </a:schemeClr>
+                      </a:solidFill>
+                      <a:prstDash val="solid"/>
+                      <a:round/>
+                      <a:headEnd type="none" w="med" len="med"/>
+                      <a:tailEnd type="none" w="med" len="med"/>
+                    </a:lnL>
+                    <a:lnR w="28575" cap="flat" cmpd="sng" algn="ctr">
+                      <a:solidFill>
+                        <a:schemeClr val="accent5">
+                          <a:lumMod val="50000"/>
+                        </a:schemeClr>
+                      </a:solidFill>
+                      <a:prstDash val="solid"/>
+                      <a:round/>
+                      <a:headEnd type="none" w="med" len="med"/>
+                      <a:tailEnd type="none" w="med" len="med"/>
+                    </a:lnR>
+                    <a:lnT w="28575" cap="flat" cmpd="sng" algn="ctr">
+                      <a:solidFill>
+                        <a:schemeClr val="accent5">
+                          <a:lumMod val="50000"/>
+                        </a:schemeClr>
+                      </a:solidFill>
+                      <a:prstDash val="solid"/>
+                      <a:round/>
+                      <a:headEnd type="none" w="med" len="med"/>
+                      <a:tailEnd type="none" w="med" len="med"/>
+                    </a:lnT>
+                    <a:lnB w="28575" cap="flat" cmpd="sng" algn="ctr">
+                      <a:solidFill>
+                        <a:schemeClr val="accent5">
+                          <a:lumMod val="50000"/>
+                        </a:schemeClr>
+                      </a:solidFill>
+                      <a:prstDash val="solid"/>
+                      <a:round/>
+                      <a:headEnd type="none" w="med" len="med"/>
+                      <a:tailEnd type="none" w="med" len="med"/>
+                    </a:lnB>
+                  </a:tcPr>
+                </a:tc>
+                <a:tc>
+                  <a:txBody>
+                    <a:bodyPr/>
+                    <a:lstStyle/>
+                    <a:p>
+                      <a:pPr algn="ctr"/>
+                      <a:r>
+                        <a:rPr lang="en-US" sz="3200" b="0" dirty="0" smtClean="0">
+                          <a:latin typeface="Helvetica" panose="020B0604020202020204" pitchFamily="34" charset="0"/>
+                          <a:cs typeface="Helvetica" panose="020B0604020202020204" pitchFamily="34" charset="0"/>
+                        </a:rPr>
+                        <a:t>1</a:t>
+                      </a:r>
+                      <a:endParaRPr lang="en-US" sz="3200" b="0" dirty="0">
+                        <a:latin typeface="Helvetica" panose="020B0604020202020204" pitchFamily="34" charset="0"/>
+                        <a:cs typeface="Helvetica" panose="020B0604020202020204" pitchFamily="34" charset="0"/>
+                      </a:endParaRPr>
+                    </a:p>
+                  </a:txBody>
+                  <a:tcPr anchor="ctr">
+                    <a:lnL w="28575" cap="flat" cmpd="sng" algn="ctr">
+                      <a:solidFill>
+                        <a:schemeClr val="accent5">
+                          <a:lumMod val="50000"/>
+                        </a:schemeClr>
+                      </a:solidFill>
+                      <a:prstDash val="solid"/>
+                      <a:round/>
+                      <a:headEnd type="none" w="med" len="med"/>
+                      <a:tailEnd type="none" w="med" len="med"/>
+                    </a:lnL>
+                    <a:lnR w="28575" cap="flat" cmpd="sng" algn="ctr">
+                      <a:solidFill>
+                        <a:schemeClr val="accent5">
+                          <a:lumMod val="50000"/>
+                        </a:schemeClr>
+                      </a:solidFill>
+                      <a:prstDash val="solid"/>
+                      <a:round/>
+                      <a:headEnd type="none" w="med" len="med"/>
+                      <a:tailEnd type="none" w="med" len="med"/>
+                    </a:lnR>
+                    <a:lnT w="28575" cap="flat" cmpd="sng" algn="ctr">
+                      <a:solidFill>
+                        <a:schemeClr val="accent5">
+                          <a:lumMod val="50000"/>
+                        </a:schemeClr>
+                      </a:solidFill>
+                      <a:prstDash val="solid"/>
+                      <a:round/>
+                      <a:headEnd type="none" w="med" len="med"/>
+                      <a:tailEnd type="none" w="med" len="med"/>
+                    </a:lnT>
+                    <a:lnB w="28575" cap="flat" cmpd="sng" algn="ctr">
+                      <a:solidFill>
+                        <a:schemeClr val="accent5">
+                          <a:lumMod val="50000"/>
+                        </a:schemeClr>
+                      </a:solidFill>
+                      <a:prstDash val="solid"/>
+                      <a:round/>
+                      <a:headEnd type="none" w="med" len="med"/>
+                      <a:tailEnd type="none" w="med" len="med"/>
+                    </a:lnB>
+                  </a:tcPr>
+                </a:tc>
+                <a:tc>
+                  <a:txBody>
+                    <a:bodyPr/>
+                    <a:lstStyle/>
+                    <a:p>
+                      <a:pPr algn="ctr"/>
+                      <a:r>
+                        <a:rPr lang="en-US" sz="3200" b="0" dirty="0" smtClean="0">
+                          <a:latin typeface="Helvetica" panose="020B0604020202020204" pitchFamily="34" charset="0"/>
+                          <a:cs typeface="Helvetica" panose="020B0604020202020204" pitchFamily="34" charset="0"/>
+                        </a:rPr>
+                        <a:t>1</a:t>
+                      </a:r>
+                      <a:endParaRPr lang="en-US" sz="3200" b="0" dirty="0">
+                        <a:latin typeface="Helvetica" panose="020B0604020202020204" pitchFamily="34" charset="0"/>
+                        <a:cs typeface="Helvetica" panose="020B0604020202020204" pitchFamily="34" charset="0"/>
+                      </a:endParaRPr>
+                    </a:p>
+                  </a:txBody>
+                  <a:tcPr anchor="ctr">
+                    <a:lnL w="28575" cap="flat" cmpd="sng" algn="ctr">
+                      <a:solidFill>
+                        <a:schemeClr val="accent5">
+                          <a:lumMod val="50000"/>
+                        </a:schemeClr>
+                      </a:solidFill>
+                      <a:prstDash val="solid"/>
+                      <a:round/>
+                      <a:headEnd type="none" w="med" len="med"/>
+                      <a:tailEnd type="none" w="med" len="med"/>
+                    </a:lnL>
+                    <a:lnR w="28575" cap="flat" cmpd="sng" algn="ctr">
+                      <a:solidFill>
+                        <a:schemeClr val="accent5">
+                          <a:lumMod val="50000"/>
+                        </a:schemeClr>
+                      </a:solidFill>
+                      <a:prstDash val="solid"/>
+                      <a:round/>
+                      <a:headEnd type="none" w="med" len="med"/>
+                      <a:tailEnd type="none" w="med" len="med"/>
+                    </a:lnR>
+                    <a:lnT w="28575" cap="flat" cmpd="sng" algn="ctr">
+                      <a:solidFill>
+                        <a:schemeClr val="accent5">
+                          <a:lumMod val="50000"/>
+                        </a:schemeClr>
+                      </a:solidFill>
+                      <a:prstDash val="solid"/>
+                      <a:round/>
+                      <a:headEnd type="none" w="med" len="med"/>
+                      <a:tailEnd type="none" w="med" len="med"/>
+                    </a:lnT>
+                    <a:lnB w="28575" cap="flat" cmpd="sng" algn="ctr">
+                      <a:solidFill>
+                        <a:schemeClr val="accent5">
+                          <a:lumMod val="50000"/>
+                        </a:schemeClr>
+                      </a:solidFill>
+                      <a:prstDash val="solid"/>
+                      <a:round/>
+                      <a:headEnd type="none" w="med" len="med"/>
+                      <a:tailEnd type="none" w="med" len="med"/>
+                    </a:lnB>
+                  </a:tcPr>
+                </a:tc>
+                <a:tc>
+                  <a:txBody>
+                    <a:bodyPr/>
+                    <a:lstStyle/>
+                    <a:p>
+                      <a:pPr algn="ctr"/>
+                      <a:r>
+                        <a:rPr lang="en-US" sz="3200" b="0" dirty="0" smtClean="0">
+                          <a:latin typeface="Helvetica" panose="020B0604020202020204" pitchFamily="34" charset="0"/>
+                          <a:cs typeface="Helvetica" panose="020B0604020202020204" pitchFamily="34" charset="0"/>
+                        </a:rPr>
+                        <a:t>1</a:t>
+                      </a:r>
+                      <a:endParaRPr lang="en-US" sz="3200" b="0" dirty="0">
+                        <a:latin typeface="Helvetica" panose="020B0604020202020204" pitchFamily="34" charset="0"/>
+                        <a:cs typeface="Helvetica" panose="020B0604020202020204" pitchFamily="34" charset="0"/>
+                      </a:endParaRPr>
+                    </a:p>
+                  </a:txBody>
+                  <a:tcPr anchor="ctr">
+                    <a:lnL w="28575" cap="flat" cmpd="sng" algn="ctr">
+                      <a:solidFill>
+                        <a:schemeClr val="accent5">
+                          <a:lumMod val="50000"/>
+                        </a:schemeClr>
+                      </a:solidFill>
+                      <a:prstDash val="solid"/>
+                      <a:round/>
+                      <a:headEnd type="none" w="med" len="med"/>
+                      <a:tailEnd type="none" w="med" len="med"/>
+                    </a:lnL>
+                    <a:lnR w="28575" cap="flat" cmpd="sng" algn="ctr">
+                      <a:solidFill>
+                        <a:schemeClr val="accent5">
+                          <a:lumMod val="50000"/>
+                        </a:schemeClr>
+                      </a:solidFill>
+                      <a:prstDash val="solid"/>
+                      <a:round/>
+                      <a:headEnd type="none" w="med" len="med"/>
+                      <a:tailEnd type="none" w="med" len="med"/>
+                    </a:lnR>
+                    <a:lnT w="28575" cap="flat" cmpd="sng" algn="ctr">
+                      <a:solidFill>
+                        <a:schemeClr val="accent5">
+                          <a:lumMod val="50000"/>
+                        </a:schemeClr>
+                      </a:solidFill>
+                      <a:prstDash val="solid"/>
+                      <a:round/>
+                      <a:headEnd type="none" w="med" len="med"/>
+                      <a:tailEnd type="none" w="med" len="med"/>
+                    </a:lnT>
+                    <a:lnB w="28575" cap="flat" cmpd="sng" algn="ctr">
+                      <a:solidFill>
+                        <a:schemeClr val="accent5">
+                          <a:lumMod val="50000"/>
+                        </a:schemeClr>
+                      </a:solidFill>
+                      <a:prstDash val="solid"/>
+                      <a:round/>
+                      <a:headEnd type="none" w="med" len="med"/>
+                      <a:tailEnd type="none" w="med" len="med"/>
+                    </a:lnB>
+                  </a:tcPr>
+                </a:tc>
+                <a:tc>
+                  <a:txBody>
+                    <a:bodyPr/>
+                    <a:lstStyle/>
+                    <a:p>
+                      <a:pPr algn="ctr"/>
+                      <a:r>
+                        <a:rPr lang="en-US" sz="3200" b="0" dirty="0" smtClean="0">
+                          <a:latin typeface="Helvetica" panose="020B0604020202020204" pitchFamily="34" charset="0"/>
+                          <a:cs typeface="Helvetica" panose="020B0604020202020204" pitchFamily="34" charset="0"/>
+                        </a:rPr>
+                        <a:t>0</a:t>
+                      </a:r>
+                      <a:endParaRPr lang="en-US" sz="3200" b="0" dirty="0">
+                        <a:latin typeface="Helvetica" panose="020B0604020202020204" pitchFamily="34" charset="0"/>
+                        <a:cs typeface="Helvetica" panose="020B0604020202020204" pitchFamily="34" charset="0"/>
+                      </a:endParaRPr>
+                    </a:p>
+                  </a:txBody>
+                  <a:tcPr anchor="ctr">
+                    <a:lnL w="28575" cap="flat" cmpd="sng" algn="ctr">
+                      <a:solidFill>
+                        <a:schemeClr val="accent5">
+                          <a:lumMod val="50000"/>
+                        </a:schemeClr>
+                      </a:solidFill>
+                      <a:prstDash val="solid"/>
+                      <a:round/>
+                      <a:headEnd type="none" w="med" len="med"/>
+                      <a:tailEnd type="none" w="med" len="med"/>
+                    </a:lnL>
+                    <a:lnR w="28575" cap="flat" cmpd="sng" algn="ctr">
+                      <a:solidFill>
+                        <a:schemeClr val="accent5">
+                          <a:lumMod val="50000"/>
+                        </a:schemeClr>
+                      </a:solidFill>
+                      <a:prstDash val="solid"/>
+                      <a:round/>
+                      <a:headEnd type="none" w="med" len="med"/>
+                      <a:tailEnd type="none" w="med" len="med"/>
+                    </a:lnR>
+                    <a:lnT w="28575" cap="flat" cmpd="sng" algn="ctr">
+                      <a:solidFill>
+                        <a:schemeClr val="accent5">
+                          <a:lumMod val="50000"/>
+                        </a:schemeClr>
+                      </a:solidFill>
+                      <a:prstDash val="solid"/>
+                      <a:round/>
+                      <a:headEnd type="none" w="med" len="med"/>
+                      <a:tailEnd type="none" w="med" len="med"/>
+                    </a:lnT>
+                    <a:lnB w="28575" cap="flat" cmpd="sng" algn="ctr">
+                      <a:solidFill>
+                        <a:schemeClr val="accent5">
+                          <a:lumMod val="50000"/>
+                        </a:schemeClr>
+                      </a:solidFill>
+                      <a:prstDash val="solid"/>
+                      <a:round/>
+                      <a:headEnd type="none" w="med" len="med"/>
+                      <a:tailEnd type="none" w="med" len="med"/>
+                    </a:lnB>
+                  </a:tcPr>
+                </a:tc>
+                <a:extLst>
+                  <a:ext uri="{0D108BD9-81ED-4DB2-BD59-A6C34878D82A}">
+                    <a16:rowId xmlns:a16="http://schemas.microsoft.com/office/drawing/2014/main" val="3522117632"/>
+                  </a:ext>
+                </a:extLst>
+              </a:tr>
+              <a:tr h="720000">
+                <a:tc>
+                  <a:txBody>
+                    <a:bodyPr/>
+                    <a:lstStyle/>
+                    <a:p>
+                      <a:pPr algn="ctr"/>
+                      <a:r>
+                        <a:rPr lang="en-US" sz="3200" b="0" dirty="0" smtClean="0">
+                          <a:latin typeface="Helvetica" panose="020B0604020202020204" pitchFamily="34" charset="0"/>
+                          <a:cs typeface="Helvetica" panose="020B0604020202020204" pitchFamily="34" charset="0"/>
+                        </a:rPr>
+                        <a:t>0</a:t>
+                      </a:r>
+                      <a:endParaRPr lang="en-US" sz="3200" b="0" dirty="0">
+                        <a:latin typeface="Helvetica" panose="020B0604020202020204" pitchFamily="34" charset="0"/>
+                        <a:cs typeface="Helvetica" panose="020B0604020202020204" pitchFamily="34" charset="0"/>
+                      </a:endParaRPr>
+                    </a:p>
+                  </a:txBody>
+                  <a:tcPr anchor="ctr">
+                    <a:lnL w="28575" cap="flat" cmpd="sng" algn="ctr">
+                      <a:solidFill>
+                        <a:schemeClr val="accent5">
+                          <a:lumMod val="50000"/>
+                        </a:schemeClr>
+                      </a:solidFill>
+                      <a:prstDash val="solid"/>
+                      <a:round/>
+                      <a:headEnd type="none" w="med" len="med"/>
+                      <a:tailEnd type="none" w="med" len="med"/>
+                    </a:lnL>
+                    <a:lnR w="28575" cap="flat" cmpd="sng" algn="ctr">
+                      <a:solidFill>
+                        <a:schemeClr val="accent5">
+                          <a:lumMod val="50000"/>
+                        </a:schemeClr>
+                      </a:solidFill>
+                      <a:prstDash val="solid"/>
+                      <a:round/>
+                      <a:headEnd type="none" w="med" len="med"/>
+                      <a:tailEnd type="none" w="med" len="med"/>
+                    </a:lnR>
+                    <a:lnT w="28575" cap="flat" cmpd="sng" algn="ctr">
+                      <a:solidFill>
+                        <a:schemeClr val="accent5">
+                          <a:lumMod val="50000"/>
+                        </a:schemeClr>
+                      </a:solidFill>
+                      <a:prstDash val="solid"/>
+                      <a:round/>
+                      <a:headEnd type="none" w="med" len="med"/>
+                      <a:tailEnd type="none" w="med" len="med"/>
+                    </a:lnT>
+                    <a:lnB w="28575" cap="flat" cmpd="sng" algn="ctr">
+                      <a:solidFill>
+                        <a:schemeClr val="accent5">
+                          <a:lumMod val="50000"/>
+                        </a:schemeClr>
+                      </a:solidFill>
+                      <a:prstDash val="solid"/>
+                      <a:round/>
+                      <a:headEnd type="none" w="med" len="med"/>
+                      <a:tailEnd type="none" w="med" len="med"/>
+                    </a:lnB>
+                  </a:tcPr>
+                </a:tc>
+                <a:tc>
+                  <a:txBody>
+                    <a:bodyPr/>
+                    <a:lstStyle/>
+                    <a:p>
+                      <a:pPr algn="ctr"/>
+                      <a:r>
+                        <a:rPr lang="en-US" sz="3200" b="0" dirty="0" smtClean="0">
+                          <a:latin typeface="Helvetica" panose="020B0604020202020204" pitchFamily="34" charset="0"/>
+                          <a:cs typeface="Helvetica" panose="020B0604020202020204" pitchFamily="34" charset="0"/>
+                        </a:rPr>
+                        <a:t>0</a:t>
+                      </a:r>
+                      <a:endParaRPr lang="en-US" sz="3200" b="0" dirty="0">
+                        <a:latin typeface="Helvetica" panose="020B0604020202020204" pitchFamily="34" charset="0"/>
+                        <a:cs typeface="Helvetica" panose="020B0604020202020204" pitchFamily="34" charset="0"/>
+                      </a:endParaRPr>
+                    </a:p>
+                  </a:txBody>
+                  <a:tcPr anchor="ctr">
+                    <a:lnL w="28575" cap="flat" cmpd="sng" algn="ctr">
+                      <a:solidFill>
+                        <a:schemeClr val="accent5">
+                          <a:lumMod val="50000"/>
+                        </a:schemeClr>
+                      </a:solidFill>
+                      <a:prstDash val="solid"/>
+                      <a:round/>
+                      <a:headEnd type="none" w="med" len="med"/>
+                      <a:tailEnd type="none" w="med" len="med"/>
+                    </a:lnL>
+                    <a:lnR w="28575" cap="flat" cmpd="sng" algn="ctr">
+                      <a:solidFill>
+                        <a:schemeClr val="accent5">
+                          <a:lumMod val="50000"/>
+                        </a:schemeClr>
+                      </a:solidFill>
+                      <a:prstDash val="solid"/>
+                      <a:round/>
+                      <a:headEnd type="none" w="med" len="med"/>
+                      <a:tailEnd type="none" w="med" len="med"/>
+                    </a:lnR>
+                    <a:lnT w="28575" cap="flat" cmpd="sng" algn="ctr">
+                      <a:solidFill>
+                        <a:schemeClr val="accent5">
+                          <a:lumMod val="50000"/>
+                        </a:schemeClr>
+                      </a:solidFill>
+                      <a:prstDash val="solid"/>
+                      <a:round/>
+                      <a:headEnd type="none" w="med" len="med"/>
+                      <a:tailEnd type="none" w="med" len="med"/>
+                    </a:lnT>
+                    <a:lnB w="28575" cap="flat" cmpd="sng" algn="ctr">
+                      <a:solidFill>
+                        <a:schemeClr val="accent5">
+                          <a:lumMod val="50000"/>
+                        </a:schemeClr>
+                      </a:solidFill>
+                      <a:prstDash val="solid"/>
+                      <a:round/>
+                      <a:headEnd type="none" w="med" len="med"/>
+                      <a:tailEnd type="none" w="med" len="med"/>
+                    </a:lnB>
+                  </a:tcPr>
+                </a:tc>
+                <a:tc>
+                  <a:txBody>
+                    <a:bodyPr/>
+                    <a:lstStyle/>
+                    <a:p>
+                      <a:pPr algn="ctr"/>
+                      <a:r>
+                        <a:rPr lang="en-US" sz="3200" b="0" dirty="0" smtClean="0">
+                          <a:latin typeface="Helvetica" panose="020B0604020202020204" pitchFamily="34" charset="0"/>
+                          <a:cs typeface="Helvetica" panose="020B0604020202020204" pitchFamily="34" charset="0"/>
+                        </a:rPr>
+                        <a:t>1</a:t>
+                      </a:r>
+                      <a:endParaRPr lang="en-US" sz="3200" b="0" dirty="0">
+                        <a:latin typeface="Helvetica" panose="020B0604020202020204" pitchFamily="34" charset="0"/>
+                        <a:cs typeface="Helvetica" panose="020B0604020202020204" pitchFamily="34" charset="0"/>
+                      </a:endParaRPr>
+                    </a:p>
+                  </a:txBody>
+                  <a:tcPr anchor="ctr">
+                    <a:lnL w="28575" cap="flat" cmpd="sng" algn="ctr">
+                      <a:solidFill>
+                        <a:schemeClr val="accent5">
+                          <a:lumMod val="50000"/>
+                        </a:schemeClr>
+                      </a:solidFill>
+                      <a:prstDash val="solid"/>
+                      <a:round/>
+                      <a:headEnd type="none" w="med" len="med"/>
+                      <a:tailEnd type="none" w="med" len="med"/>
+                    </a:lnL>
+                    <a:lnR w="28575" cap="flat" cmpd="sng" algn="ctr">
+                      <a:solidFill>
+                        <a:schemeClr val="accent5">
+                          <a:lumMod val="50000"/>
+                        </a:schemeClr>
+                      </a:solidFill>
+                      <a:prstDash val="solid"/>
+                      <a:round/>
+                      <a:headEnd type="none" w="med" len="med"/>
+                      <a:tailEnd type="none" w="med" len="med"/>
+                    </a:lnR>
+                    <a:lnT w="28575" cap="flat" cmpd="sng" algn="ctr">
+                      <a:solidFill>
+                        <a:schemeClr val="accent5">
+                          <a:lumMod val="50000"/>
+                        </a:schemeClr>
+                      </a:solidFill>
+                      <a:prstDash val="solid"/>
+                      <a:round/>
+                      <a:headEnd type="none" w="med" len="med"/>
+                      <a:tailEnd type="none" w="med" len="med"/>
+                    </a:lnT>
+                    <a:lnB w="28575" cap="flat" cmpd="sng" algn="ctr">
+                      <a:solidFill>
+                        <a:schemeClr val="accent5">
+                          <a:lumMod val="50000"/>
+                        </a:schemeClr>
+                      </a:solidFill>
+                      <a:prstDash val="solid"/>
+                      <a:round/>
+                      <a:headEnd type="none" w="med" len="med"/>
+                      <a:tailEnd type="none" w="med" len="med"/>
+                    </a:lnB>
+                  </a:tcPr>
+                </a:tc>
+                <a:tc>
+                  <a:txBody>
+                    <a:bodyPr/>
+                    <a:lstStyle/>
+                    <a:p>
+                      <a:pPr algn="ctr"/>
+                      <a:r>
+                        <a:rPr lang="en-US" sz="3200" b="0" dirty="0" smtClean="0">
+                          <a:latin typeface="Helvetica" panose="020B0604020202020204" pitchFamily="34" charset="0"/>
+                          <a:cs typeface="Helvetica" panose="020B0604020202020204" pitchFamily="34" charset="0"/>
+                        </a:rPr>
+                        <a:t>1</a:t>
+                      </a:r>
+                      <a:endParaRPr lang="en-US" sz="3200" b="0" dirty="0">
+                        <a:latin typeface="Helvetica" panose="020B0604020202020204" pitchFamily="34" charset="0"/>
+                        <a:cs typeface="Helvetica" panose="020B0604020202020204" pitchFamily="34" charset="0"/>
+                      </a:endParaRPr>
+                    </a:p>
+                  </a:txBody>
+                  <a:tcPr anchor="ctr">
+                    <a:lnL w="28575" cap="flat" cmpd="sng" algn="ctr">
+                      <a:solidFill>
+                        <a:schemeClr val="accent5">
+                          <a:lumMod val="50000"/>
+                        </a:schemeClr>
+                      </a:solidFill>
+                      <a:prstDash val="solid"/>
+                      <a:round/>
+                      <a:headEnd type="none" w="med" len="med"/>
+                      <a:tailEnd type="none" w="med" len="med"/>
+                    </a:lnL>
+                    <a:lnR w="28575" cap="flat" cmpd="sng" algn="ctr">
+                      <a:solidFill>
+                        <a:schemeClr val="accent5">
+                          <a:lumMod val="50000"/>
+                        </a:schemeClr>
+                      </a:solidFill>
+                      <a:prstDash val="solid"/>
+                      <a:round/>
+                      <a:headEnd type="none" w="med" len="med"/>
+                      <a:tailEnd type="none" w="med" len="med"/>
+                    </a:lnR>
+                    <a:lnT w="28575" cap="flat" cmpd="sng" algn="ctr">
+                      <a:solidFill>
+                        <a:schemeClr val="accent5">
+                          <a:lumMod val="50000"/>
+                        </a:schemeClr>
+                      </a:solidFill>
+                      <a:prstDash val="solid"/>
+                      <a:round/>
+                      <a:headEnd type="none" w="med" len="med"/>
+                      <a:tailEnd type="none" w="med" len="med"/>
+                    </a:lnT>
+                    <a:lnB w="28575" cap="flat" cmpd="sng" algn="ctr">
+                      <a:solidFill>
+                        <a:schemeClr val="accent5">
+                          <a:lumMod val="50000"/>
+                        </a:schemeClr>
+                      </a:solidFill>
+                      <a:prstDash val="solid"/>
+                      <a:round/>
+                      <a:headEnd type="none" w="med" len="med"/>
+                      <a:tailEnd type="none" w="med" len="med"/>
+                    </a:lnB>
+                  </a:tcPr>
+                </a:tc>
+                <a:tc>
+                  <a:txBody>
+                    <a:bodyPr/>
+                    <a:lstStyle/>
+                    <a:p>
+                      <a:pPr algn="ctr"/>
+                      <a:r>
+                        <a:rPr lang="en-US" sz="3200" b="0" dirty="0" smtClean="0">
+                          <a:latin typeface="Helvetica" panose="020B0604020202020204" pitchFamily="34" charset="0"/>
+                          <a:cs typeface="Helvetica" panose="020B0604020202020204" pitchFamily="34" charset="0"/>
+                        </a:rPr>
+                        <a:t>1</a:t>
+                      </a:r>
+                      <a:endParaRPr lang="en-US" sz="3200" b="0" dirty="0">
+                        <a:latin typeface="Helvetica" panose="020B0604020202020204" pitchFamily="34" charset="0"/>
+                        <a:cs typeface="Helvetica" panose="020B0604020202020204" pitchFamily="34" charset="0"/>
+                      </a:endParaRPr>
+                    </a:p>
+                  </a:txBody>
+                  <a:tcPr anchor="ctr">
+                    <a:lnL w="28575" cap="flat" cmpd="sng" algn="ctr">
+                      <a:solidFill>
+                        <a:schemeClr val="accent5">
+                          <a:lumMod val="50000"/>
+                        </a:schemeClr>
+                      </a:solidFill>
+                      <a:prstDash val="solid"/>
+                      <a:round/>
+                      <a:headEnd type="none" w="med" len="med"/>
+                      <a:tailEnd type="none" w="med" len="med"/>
+                    </a:lnL>
+                    <a:lnR w="28575" cap="flat" cmpd="sng" algn="ctr">
+                      <a:solidFill>
+                        <a:schemeClr val="accent5">
+                          <a:lumMod val="50000"/>
+                        </a:schemeClr>
+                      </a:solidFill>
+                      <a:prstDash val="solid"/>
+                      <a:round/>
+                      <a:headEnd type="none" w="med" len="med"/>
+                      <a:tailEnd type="none" w="med" len="med"/>
+                    </a:lnR>
+                    <a:lnT w="28575" cap="flat" cmpd="sng" algn="ctr">
+                      <a:solidFill>
+                        <a:schemeClr val="accent5">
+                          <a:lumMod val="50000"/>
+                        </a:schemeClr>
+                      </a:solidFill>
+                      <a:prstDash val="solid"/>
+                      <a:round/>
+                      <a:headEnd type="none" w="med" len="med"/>
+                      <a:tailEnd type="none" w="med" len="med"/>
+                    </a:lnT>
+                    <a:lnB w="28575" cap="flat" cmpd="sng" algn="ctr">
+                      <a:solidFill>
+                        <a:schemeClr val="accent5">
+                          <a:lumMod val="50000"/>
+                        </a:schemeClr>
+                      </a:solidFill>
+                      <a:prstDash val="solid"/>
+                      <a:round/>
+                      <a:headEnd type="none" w="med" len="med"/>
+                      <a:tailEnd type="none" w="med" len="med"/>
+                    </a:lnB>
+                  </a:tcPr>
+                </a:tc>
+                <a:extLst>
+                  <a:ext uri="{0D108BD9-81ED-4DB2-BD59-A6C34878D82A}">
+                    <a16:rowId xmlns:a16="http://schemas.microsoft.com/office/drawing/2014/main" val="3687730640"/>
+                  </a:ext>
+                </a:extLst>
+              </a:tr>
+              <a:tr h="720000">
+                <a:tc>
+                  <a:txBody>
+                    <a:bodyPr/>
+                    <a:lstStyle/>
+                    <a:p>
+                      <a:pPr algn="ctr"/>
+                      <a:r>
+                        <a:rPr lang="en-US" sz="3200" b="0" dirty="0" smtClean="0">
+                          <a:latin typeface="Helvetica" panose="020B0604020202020204" pitchFamily="34" charset="0"/>
+                          <a:cs typeface="Helvetica" panose="020B0604020202020204" pitchFamily="34" charset="0"/>
+                        </a:rPr>
+                        <a:t>0</a:t>
+                      </a:r>
+                      <a:endParaRPr lang="en-US" sz="3200" b="0" dirty="0">
+                        <a:latin typeface="Helvetica" panose="020B0604020202020204" pitchFamily="34" charset="0"/>
+                        <a:cs typeface="Helvetica" panose="020B0604020202020204" pitchFamily="34" charset="0"/>
+                      </a:endParaRPr>
+                    </a:p>
+                  </a:txBody>
+                  <a:tcPr anchor="ctr">
+                    <a:lnL w="28575" cap="flat" cmpd="sng" algn="ctr">
+                      <a:solidFill>
+                        <a:schemeClr val="accent5">
+                          <a:lumMod val="50000"/>
+                        </a:schemeClr>
+                      </a:solidFill>
+                      <a:prstDash val="solid"/>
+                      <a:round/>
+                      <a:headEnd type="none" w="med" len="med"/>
+                      <a:tailEnd type="none" w="med" len="med"/>
+                    </a:lnL>
+                    <a:lnR w="28575" cap="flat" cmpd="sng" algn="ctr">
+                      <a:solidFill>
+                        <a:schemeClr val="accent5">
+                          <a:lumMod val="50000"/>
+                        </a:schemeClr>
+                      </a:solidFill>
+                      <a:prstDash val="solid"/>
+                      <a:round/>
+                      <a:headEnd type="none" w="med" len="med"/>
+                      <a:tailEnd type="none" w="med" len="med"/>
+                    </a:lnR>
+                    <a:lnT w="28575" cap="flat" cmpd="sng" algn="ctr">
+                      <a:solidFill>
+                        <a:schemeClr val="accent5">
+                          <a:lumMod val="50000"/>
+                        </a:schemeClr>
+                      </a:solidFill>
+                      <a:prstDash val="solid"/>
+                      <a:round/>
+                      <a:headEnd type="none" w="med" len="med"/>
+                      <a:tailEnd type="none" w="med" len="med"/>
+                    </a:lnT>
+                    <a:lnB w="28575" cap="flat" cmpd="sng" algn="ctr">
+                      <a:solidFill>
+                        <a:schemeClr val="accent5">
+                          <a:lumMod val="50000"/>
+                        </a:schemeClr>
+                      </a:solidFill>
+                      <a:prstDash val="solid"/>
+                      <a:round/>
+                      <a:headEnd type="none" w="med" len="med"/>
+                      <a:tailEnd type="none" w="med" len="med"/>
+                    </a:lnB>
+                  </a:tcPr>
+                </a:tc>
+                <a:tc>
+                  <a:txBody>
+                    <a:bodyPr/>
+                    <a:lstStyle/>
+                    <a:p>
+                      <a:pPr algn="ctr"/>
+                      <a:r>
+                        <a:rPr lang="en-US" sz="3200" b="0" dirty="0" smtClean="0">
+                          <a:latin typeface="Helvetica" panose="020B0604020202020204" pitchFamily="34" charset="0"/>
+                          <a:cs typeface="Helvetica" panose="020B0604020202020204" pitchFamily="34" charset="0"/>
+                        </a:rPr>
+                        <a:t>0</a:t>
+                      </a:r>
+                      <a:endParaRPr lang="en-US" sz="3200" b="0" dirty="0">
+                        <a:latin typeface="Helvetica" panose="020B0604020202020204" pitchFamily="34" charset="0"/>
+                        <a:cs typeface="Helvetica" panose="020B0604020202020204" pitchFamily="34" charset="0"/>
+                      </a:endParaRPr>
+                    </a:p>
+                  </a:txBody>
+                  <a:tcPr anchor="ctr">
+                    <a:lnL w="28575" cap="flat" cmpd="sng" algn="ctr">
+                      <a:solidFill>
+                        <a:schemeClr val="accent5">
+                          <a:lumMod val="50000"/>
+                        </a:schemeClr>
+                      </a:solidFill>
+                      <a:prstDash val="solid"/>
+                      <a:round/>
+                      <a:headEnd type="none" w="med" len="med"/>
+                      <a:tailEnd type="none" w="med" len="med"/>
+                    </a:lnL>
+                    <a:lnR w="28575" cap="flat" cmpd="sng" algn="ctr">
+                      <a:solidFill>
+                        <a:schemeClr val="accent5">
+                          <a:lumMod val="50000"/>
+                        </a:schemeClr>
+                      </a:solidFill>
+                      <a:prstDash val="solid"/>
+                      <a:round/>
+                      <a:headEnd type="none" w="med" len="med"/>
+                      <a:tailEnd type="none" w="med" len="med"/>
+                    </a:lnR>
+                    <a:lnT w="28575" cap="flat" cmpd="sng" algn="ctr">
+                      <a:solidFill>
+                        <a:schemeClr val="accent5">
+                          <a:lumMod val="50000"/>
+                        </a:schemeClr>
+                      </a:solidFill>
+                      <a:prstDash val="solid"/>
+                      <a:round/>
+                      <a:headEnd type="none" w="med" len="med"/>
+                      <a:tailEnd type="none" w="med" len="med"/>
+                    </a:lnT>
+                    <a:lnB w="28575" cap="flat" cmpd="sng" algn="ctr">
+                      <a:solidFill>
+                        <a:schemeClr val="accent5">
+                          <a:lumMod val="50000"/>
+                        </a:schemeClr>
+                      </a:solidFill>
+                      <a:prstDash val="solid"/>
+                      <a:round/>
+                      <a:headEnd type="none" w="med" len="med"/>
+                      <a:tailEnd type="none" w="med" len="med"/>
+                    </a:lnB>
+                  </a:tcPr>
+                </a:tc>
+                <a:tc>
+                  <a:txBody>
+                    <a:bodyPr/>
+                    <a:lstStyle/>
+                    <a:p>
+                      <a:pPr algn="ctr"/>
+                      <a:r>
+                        <a:rPr lang="en-US" sz="3200" b="0" dirty="0" smtClean="0">
+                          <a:latin typeface="Helvetica" panose="020B0604020202020204" pitchFamily="34" charset="0"/>
+                          <a:cs typeface="Helvetica" panose="020B0604020202020204" pitchFamily="34" charset="0"/>
+                        </a:rPr>
+                        <a:t>0</a:t>
+                      </a:r>
+                      <a:endParaRPr lang="en-US" sz="3200" b="0" dirty="0">
+                        <a:latin typeface="Helvetica" panose="020B0604020202020204" pitchFamily="34" charset="0"/>
+                        <a:cs typeface="Helvetica" panose="020B0604020202020204" pitchFamily="34" charset="0"/>
+                      </a:endParaRPr>
+                    </a:p>
+                  </a:txBody>
+                  <a:tcPr anchor="ctr">
+                    <a:lnL w="28575" cap="flat" cmpd="sng" algn="ctr">
+                      <a:solidFill>
+                        <a:schemeClr val="accent5">
+                          <a:lumMod val="50000"/>
+                        </a:schemeClr>
+                      </a:solidFill>
+                      <a:prstDash val="solid"/>
+                      <a:round/>
+                      <a:headEnd type="none" w="med" len="med"/>
+                      <a:tailEnd type="none" w="med" len="med"/>
+                    </a:lnL>
+                    <a:lnR w="28575" cap="flat" cmpd="sng" algn="ctr">
+                      <a:solidFill>
+                        <a:schemeClr val="accent5">
+                          <a:lumMod val="50000"/>
+                        </a:schemeClr>
+                      </a:solidFill>
+                      <a:prstDash val="solid"/>
+                      <a:round/>
+                      <a:headEnd type="none" w="med" len="med"/>
+                      <a:tailEnd type="none" w="med" len="med"/>
+                    </a:lnR>
+                    <a:lnT w="28575" cap="flat" cmpd="sng" algn="ctr">
+                      <a:solidFill>
+                        <a:schemeClr val="accent5">
+                          <a:lumMod val="50000"/>
+                        </a:schemeClr>
+                      </a:solidFill>
+                      <a:prstDash val="solid"/>
+                      <a:round/>
+                      <a:headEnd type="none" w="med" len="med"/>
+                      <a:tailEnd type="none" w="med" len="med"/>
+                    </a:lnT>
+                    <a:lnB w="28575" cap="flat" cmpd="sng" algn="ctr">
+                      <a:solidFill>
+                        <a:schemeClr val="accent5">
+                          <a:lumMod val="50000"/>
+                        </a:schemeClr>
+                      </a:solidFill>
+                      <a:prstDash val="solid"/>
+                      <a:round/>
+                      <a:headEnd type="none" w="med" len="med"/>
+                      <a:tailEnd type="none" w="med" len="med"/>
+                    </a:lnB>
+                  </a:tcPr>
+                </a:tc>
+                <a:tc>
+                  <a:txBody>
+                    <a:bodyPr/>
+                    <a:lstStyle/>
+                    <a:p>
+                      <a:pPr algn="ctr"/>
+                      <a:r>
+                        <a:rPr lang="en-US" sz="3200" b="0" dirty="0" smtClean="0">
+                          <a:latin typeface="Helvetica" panose="020B0604020202020204" pitchFamily="34" charset="0"/>
+                          <a:cs typeface="Helvetica" panose="020B0604020202020204" pitchFamily="34" charset="0"/>
+                        </a:rPr>
+                        <a:t>0</a:t>
+                      </a:r>
+                      <a:endParaRPr lang="en-US" sz="3200" b="0" dirty="0">
+                        <a:latin typeface="Helvetica" panose="020B0604020202020204" pitchFamily="34" charset="0"/>
+                        <a:cs typeface="Helvetica" panose="020B0604020202020204" pitchFamily="34" charset="0"/>
+                      </a:endParaRPr>
+                    </a:p>
+                  </a:txBody>
+                  <a:tcPr anchor="ctr">
+                    <a:lnL w="28575" cap="flat" cmpd="sng" algn="ctr">
+                      <a:solidFill>
+                        <a:schemeClr val="accent5">
+                          <a:lumMod val="50000"/>
+                        </a:schemeClr>
+                      </a:solidFill>
+                      <a:prstDash val="solid"/>
+                      <a:round/>
+                      <a:headEnd type="none" w="med" len="med"/>
+                      <a:tailEnd type="none" w="med" len="med"/>
+                    </a:lnL>
+                    <a:lnR w="28575" cap="flat" cmpd="sng" algn="ctr">
+                      <a:solidFill>
+                        <a:schemeClr val="accent5">
+                          <a:lumMod val="50000"/>
+                        </a:schemeClr>
+                      </a:solidFill>
+                      <a:prstDash val="solid"/>
+                      <a:round/>
+                      <a:headEnd type="none" w="med" len="med"/>
+                      <a:tailEnd type="none" w="med" len="med"/>
+                    </a:lnR>
+                    <a:lnT w="28575" cap="flat" cmpd="sng" algn="ctr">
+                      <a:solidFill>
+                        <a:schemeClr val="accent5">
+                          <a:lumMod val="50000"/>
+                        </a:schemeClr>
+                      </a:solidFill>
+                      <a:prstDash val="solid"/>
+                      <a:round/>
+                      <a:headEnd type="none" w="med" len="med"/>
+                      <a:tailEnd type="none" w="med" len="med"/>
+                    </a:lnT>
+                    <a:lnB w="28575" cap="flat" cmpd="sng" algn="ctr">
+                      <a:solidFill>
+                        <a:schemeClr val="accent5">
+                          <a:lumMod val="50000"/>
+                        </a:schemeClr>
+                      </a:solidFill>
+                      <a:prstDash val="solid"/>
+                      <a:round/>
+                      <a:headEnd type="none" w="med" len="med"/>
+                      <a:tailEnd type="none" w="med" len="med"/>
+                    </a:lnB>
+                  </a:tcPr>
+                </a:tc>
+                <a:tc>
+                  <a:txBody>
+                    <a:bodyPr/>
+                    <a:lstStyle/>
+                    <a:p>
+                      <a:pPr algn="ctr"/>
+                      <a:r>
+                        <a:rPr lang="en-US" sz="3200" b="0" dirty="0" smtClean="0">
+                          <a:latin typeface="Helvetica" panose="020B0604020202020204" pitchFamily="34" charset="0"/>
+                          <a:cs typeface="Helvetica" panose="020B0604020202020204" pitchFamily="34" charset="0"/>
+                        </a:rPr>
+                        <a:t>0</a:t>
+                      </a:r>
+                      <a:endParaRPr lang="en-US" sz="3200" b="0" dirty="0">
+                        <a:latin typeface="Helvetica" panose="020B0604020202020204" pitchFamily="34" charset="0"/>
+                        <a:cs typeface="Helvetica" panose="020B0604020202020204" pitchFamily="34" charset="0"/>
+                      </a:endParaRPr>
+                    </a:p>
+                  </a:txBody>
+                  <a:tcPr anchor="ctr">
+                    <a:lnL w="28575" cap="flat" cmpd="sng" algn="ctr">
+                      <a:solidFill>
+                        <a:schemeClr val="accent5">
+                          <a:lumMod val="50000"/>
+                        </a:schemeClr>
+                      </a:solidFill>
+                      <a:prstDash val="solid"/>
+                      <a:round/>
+                      <a:headEnd type="none" w="med" len="med"/>
+                      <a:tailEnd type="none" w="med" len="med"/>
+                    </a:lnL>
+                    <a:lnR w="28575" cap="flat" cmpd="sng" algn="ctr">
+                      <a:solidFill>
+                        <a:schemeClr val="accent5">
+                          <a:lumMod val="50000"/>
+                        </a:schemeClr>
+                      </a:solidFill>
+                      <a:prstDash val="solid"/>
+                      <a:round/>
+                      <a:headEnd type="none" w="med" len="med"/>
+                      <a:tailEnd type="none" w="med" len="med"/>
+                    </a:lnR>
+                    <a:lnT w="28575" cap="flat" cmpd="sng" algn="ctr">
+                      <a:solidFill>
+                        <a:schemeClr val="accent5">
+                          <a:lumMod val="50000"/>
+                        </a:schemeClr>
+                      </a:solidFill>
+                      <a:prstDash val="solid"/>
+                      <a:round/>
+                      <a:headEnd type="none" w="med" len="med"/>
+                      <a:tailEnd type="none" w="med" len="med"/>
+                    </a:lnT>
+                    <a:lnB w="28575" cap="flat" cmpd="sng" algn="ctr">
+                      <a:solidFill>
+                        <a:schemeClr val="accent5">
+                          <a:lumMod val="50000"/>
+                        </a:schemeClr>
+                      </a:solidFill>
+                      <a:prstDash val="solid"/>
+                      <a:round/>
+                      <a:headEnd type="none" w="med" len="med"/>
+                      <a:tailEnd type="none" w="med" len="med"/>
+                    </a:lnB>
+                  </a:tcPr>
+                </a:tc>
+                <a:extLst>
+                  <a:ext uri="{0D108BD9-81ED-4DB2-BD59-A6C34878D82A}">
+                    <a16:rowId xmlns:a16="http://schemas.microsoft.com/office/drawing/2014/main" val="78690977"/>
+                  </a:ext>
+                </a:extLst>
+              </a:tr>
+              <a:tr h="720000">
+                <a:tc>
+                  <a:txBody>
+                    <a:bodyPr/>
+                    <a:lstStyle/>
+                    <a:p>
+                      <a:pPr algn="ctr"/>
+                      <a:r>
+                        <a:rPr lang="en-US" sz="3200" b="0" dirty="0" smtClean="0">
+                          <a:latin typeface="Helvetica" panose="020B0604020202020204" pitchFamily="34" charset="0"/>
+                          <a:cs typeface="Helvetica" panose="020B0604020202020204" pitchFamily="34" charset="0"/>
+                        </a:rPr>
+                        <a:t>0</a:t>
+                      </a:r>
+                      <a:endParaRPr lang="en-US" sz="3200" b="0" dirty="0">
+                        <a:latin typeface="Helvetica" panose="020B0604020202020204" pitchFamily="34" charset="0"/>
+                        <a:cs typeface="Helvetica" panose="020B0604020202020204" pitchFamily="34" charset="0"/>
+                      </a:endParaRPr>
+                    </a:p>
+                  </a:txBody>
+                  <a:tcPr anchor="ctr">
+                    <a:lnL w="28575" cap="flat" cmpd="sng" algn="ctr">
+                      <a:solidFill>
+                        <a:schemeClr val="accent5">
+                          <a:lumMod val="50000"/>
+                        </a:schemeClr>
+                      </a:solidFill>
+                      <a:prstDash val="solid"/>
+                      <a:round/>
+                      <a:headEnd type="none" w="med" len="med"/>
+                      <a:tailEnd type="none" w="med" len="med"/>
+                    </a:lnL>
+                    <a:lnR w="28575" cap="flat" cmpd="sng" algn="ctr">
+                      <a:solidFill>
+                        <a:schemeClr val="accent5">
+                          <a:lumMod val="50000"/>
+                        </a:schemeClr>
+                      </a:solidFill>
+                      <a:prstDash val="solid"/>
+                      <a:round/>
+                      <a:headEnd type="none" w="med" len="med"/>
+                      <a:tailEnd type="none" w="med" len="med"/>
+                    </a:lnR>
+                    <a:lnT w="28575" cap="flat" cmpd="sng" algn="ctr">
+                      <a:solidFill>
+                        <a:schemeClr val="accent5">
+                          <a:lumMod val="50000"/>
+                        </a:schemeClr>
+                      </a:solidFill>
+                      <a:prstDash val="solid"/>
+                      <a:round/>
+                      <a:headEnd type="none" w="med" len="med"/>
+                      <a:tailEnd type="none" w="med" len="med"/>
+                    </a:lnT>
+                    <a:lnB w="28575" cap="flat" cmpd="sng" algn="ctr">
+                      <a:solidFill>
+                        <a:schemeClr val="accent5">
+                          <a:lumMod val="50000"/>
+                        </a:schemeClr>
+                      </a:solidFill>
+                      <a:prstDash val="solid"/>
+                      <a:round/>
+                      <a:headEnd type="none" w="med" len="med"/>
+                      <a:tailEnd type="none" w="med" len="med"/>
+                    </a:lnB>
+                  </a:tcPr>
+                </a:tc>
+                <a:tc>
+                  <a:txBody>
+                    <a:bodyPr/>
+                    <a:lstStyle/>
+                    <a:p>
+                      <a:pPr algn="ctr"/>
+                      <a:r>
+                        <a:rPr lang="en-US" sz="3200" b="0" dirty="0" smtClean="0">
+                          <a:latin typeface="Helvetica" panose="020B0604020202020204" pitchFamily="34" charset="0"/>
+                          <a:cs typeface="Helvetica" panose="020B0604020202020204" pitchFamily="34" charset="0"/>
+                        </a:rPr>
+                        <a:t>1</a:t>
+                      </a:r>
+                      <a:endParaRPr lang="en-US" sz="3200" b="0" dirty="0">
+                        <a:latin typeface="Helvetica" panose="020B0604020202020204" pitchFamily="34" charset="0"/>
+                        <a:cs typeface="Helvetica" panose="020B0604020202020204" pitchFamily="34" charset="0"/>
+                      </a:endParaRPr>
+                    </a:p>
+                  </a:txBody>
+                  <a:tcPr anchor="ctr">
+                    <a:lnL w="28575" cap="flat" cmpd="sng" algn="ctr">
+                      <a:solidFill>
+                        <a:schemeClr val="accent5">
+                          <a:lumMod val="50000"/>
+                        </a:schemeClr>
+                      </a:solidFill>
+                      <a:prstDash val="solid"/>
+                      <a:round/>
+                      <a:headEnd type="none" w="med" len="med"/>
+                      <a:tailEnd type="none" w="med" len="med"/>
+                    </a:lnL>
+                    <a:lnR w="28575" cap="flat" cmpd="sng" algn="ctr">
+                      <a:solidFill>
+                        <a:schemeClr val="accent5">
+                          <a:lumMod val="50000"/>
+                        </a:schemeClr>
+                      </a:solidFill>
+                      <a:prstDash val="solid"/>
+                      <a:round/>
+                      <a:headEnd type="none" w="med" len="med"/>
+                      <a:tailEnd type="none" w="med" len="med"/>
+                    </a:lnR>
+                    <a:lnT w="28575" cap="flat" cmpd="sng" algn="ctr">
+                      <a:solidFill>
+                        <a:schemeClr val="accent5">
+                          <a:lumMod val="50000"/>
+                        </a:schemeClr>
+                      </a:solidFill>
+                      <a:prstDash val="solid"/>
+                      <a:round/>
+                      <a:headEnd type="none" w="med" len="med"/>
+                      <a:tailEnd type="none" w="med" len="med"/>
+                    </a:lnT>
+                    <a:lnB w="28575" cap="flat" cmpd="sng" algn="ctr">
+                      <a:solidFill>
+                        <a:schemeClr val="accent5">
+                          <a:lumMod val="50000"/>
+                        </a:schemeClr>
+                      </a:solidFill>
+                      <a:prstDash val="solid"/>
+                      <a:round/>
+                      <a:headEnd type="none" w="med" len="med"/>
+                      <a:tailEnd type="none" w="med" len="med"/>
+                    </a:lnB>
+                  </a:tcPr>
+                </a:tc>
+                <a:tc>
+                  <a:txBody>
+                    <a:bodyPr/>
+                    <a:lstStyle/>
+                    <a:p>
+                      <a:pPr algn="ctr"/>
+                      <a:r>
+                        <a:rPr lang="en-US" sz="3200" b="0" dirty="0" smtClean="0">
+                          <a:latin typeface="Helvetica" panose="020B0604020202020204" pitchFamily="34" charset="0"/>
+                          <a:cs typeface="Helvetica" panose="020B0604020202020204" pitchFamily="34" charset="0"/>
+                        </a:rPr>
+                        <a:t>1</a:t>
+                      </a:r>
+                      <a:endParaRPr lang="en-US" sz="3200" b="0" dirty="0">
+                        <a:latin typeface="Helvetica" panose="020B0604020202020204" pitchFamily="34" charset="0"/>
+                        <a:cs typeface="Helvetica" panose="020B0604020202020204" pitchFamily="34" charset="0"/>
+                      </a:endParaRPr>
+                    </a:p>
+                  </a:txBody>
+                  <a:tcPr anchor="ctr">
+                    <a:lnL w="28575" cap="flat" cmpd="sng" algn="ctr">
+                      <a:solidFill>
+                        <a:schemeClr val="accent5">
+                          <a:lumMod val="50000"/>
+                        </a:schemeClr>
+                      </a:solidFill>
+                      <a:prstDash val="solid"/>
+                      <a:round/>
+                      <a:headEnd type="none" w="med" len="med"/>
+                      <a:tailEnd type="none" w="med" len="med"/>
+                    </a:lnL>
+                    <a:lnR w="28575" cap="flat" cmpd="sng" algn="ctr">
+                      <a:solidFill>
+                        <a:schemeClr val="accent5">
+                          <a:lumMod val="50000"/>
+                        </a:schemeClr>
+                      </a:solidFill>
+                      <a:prstDash val="solid"/>
+                      <a:round/>
+                      <a:headEnd type="none" w="med" len="med"/>
+                      <a:tailEnd type="none" w="med" len="med"/>
+                    </a:lnR>
+                    <a:lnT w="28575" cap="flat" cmpd="sng" algn="ctr">
+                      <a:solidFill>
+                        <a:schemeClr val="accent5">
+                          <a:lumMod val="50000"/>
+                        </a:schemeClr>
+                      </a:solidFill>
+                      <a:prstDash val="solid"/>
+                      <a:round/>
+                      <a:headEnd type="none" w="med" len="med"/>
+                      <a:tailEnd type="none" w="med" len="med"/>
+                    </a:lnT>
+                    <a:lnB w="28575" cap="flat" cmpd="sng" algn="ctr">
+                      <a:solidFill>
+                        <a:schemeClr val="accent5">
+                          <a:lumMod val="50000"/>
+                        </a:schemeClr>
+                      </a:solidFill>
+                      <a:prstDash val="solid"/>
+                      <a:round/>
+                      <a:headEnd type="none" w="med" len="med"/>
+                      <a:tailEnd type="none" w="med" len="med"/>
+                    </a:lnB>
+                  </a:tcPr>
+                </a:tc>
+                <a:tc>
+                  <a:txBody>
+                    <a:bodyPr/>
+                    <a:lstStyle/>
+                    <a:p>
+                      <a:pPr algn="ctr"/>
+                      <a:r>
+                        <a:rPr lang="en-US" sz="3200" b="0" dirty="0" smtClean="0">
+                          <a:latin typeface="Helvetica" panose="020B0604020202020204" pitchFamily="34" charset="0"/>
+                          <a:cs typeface="Helvetica" panose="020B0604020202020204" pitchFamily="34" charset="0"/>
+                        </a:rPr>
+                        <a:t>1</a:t>
+                      </a:r>
+                      <a:endParaRPr lang="en-US" sz="3200" b="0" dirty="0">
+                        <a:latin typeface="Helvetica" panose="020B0604020202020204" pitchFamily="34" charset="0"/>
+                        <a:cs typeface="Helvetica" panose="020B0604020202020204" pitchFamily="34" charset="0"/>
+                      </a:endParaRPr>
+                    </a:p>
+                  </a:txBody>
+                  <a:tcPr anchor="ctr">
+                    <a:lnL w="28575" cap="flat" cmpd="sng" algn="ctr">
+                      <a:solidFill>
+                        <a:schemeClr val="accent5">
+                          <a:lumMod val="50000"/>
+                        </a:schemeClr>
+                      </a:solidFill>
+                      <a:prstDash val="solid"/>
+                      <a:round/>
+                      <a:headEnd type="none" w="med" len="med"/>
+                      <a:tailEnd type="none" w="med" len="med"/>
+                    </a:lnL>
+                    <a:lnR w="28575" cap="flat" cmpd="sng" algn="ctr">
+                      <a:solidFill>
+                        <a:schemeClr val="accent5">
+                          <a:lumMod val="50000"/>
+                        </a:schemeClr>
+                      </a:solidFill>
+                      <a:prstDash val="solid"/>
+                      <a:round/>
+                      <a:headEnd type="none" w="med" len="med"/>
+                      <a:tailEnd type="none" w="med" len="med"/>
+                    </a:lnR>
+                    <a:lnT w="28575" cap="flat" cmpd="sng" algn="ctr">
+                      <a:solidFill>
+                        <a:schemeClr val="accent5">
+                          <a:lumMod val="50000"/>
+                        </a:schemeClr>
+                      </a:solidFill>
+                      <a:prstDash val="solid"/>
+                      <a:round/>
+                      <a:headEnd type="none" w="med" len="med"/>
+                      <a:tailEnd type="none" w="med" len="med"/>
+                    </a:lnT>
+                    <a:lnB w="28575" cap="flat" cmpd="sng" algn="ctr">
+                      <a:solidFill>
+                        <a:schemeClr val="accent5">
+                          <a:lumMod val="50000"/>
+                        </a:schemeClr>
+                      </a:solidFill>
+                      <a:prstDash val="solid"/>
+                      <a:round/>
+                      <a:headEnd type="none" w="med" len="med"/>
+                      <a:tailEnd type="none" w="med" len="med"/>
+                    </a:lnB>
+                  </a:tcPr>
+                </a:tc>
+                <a:tc>
+                  <a:txBody>
+                    <a:bodyPr/>
+                    <a:lstStyle/>
+                    <a:p>
+                      <a:pPr algn="ctr"/>
+                      <a:r>
+                        <a:rPr lang="en-US" sz="3200" b="0" dirty="0" smtClean="0">
+                          <a:latin typeface="Helvetica" panose="020B0604020202020204" pitchFamily="34" charset="0"/>
+                          <a:cs typeface="Helvetica" panose="020B0604020202020204" pitchFamily="34" charset="0"/>
+                        </a:rPr>
+                        <a:t>0</a:t>
+                      </a:r>
+                      <a:endParaRPr lang="en-US" sz="3200" b="0" dirty="0">
+                        <a:latin typeface="Helvetica" panose="020B0604020202020204" pitchFamily="34" charset="0"/>
+                        <a:cs typeface="Helvetica" panose="020B0604020202020204" pitchFamily="34" charset="0"/>
+                      </a:endParaRPr>
+                    </a:p>
+                  </a:txBody>
+                  <a:tcPr anchor="ctr">
+                    <a:lnL w="28575" cap="flat" cmpd="sng" algn="ctr">
+                      <a:solidFill>
+                        <a:schemeClr val="accent5">
+                          <a:lumMod val="50000"/>
+                        </a:schemeClr>
+                      </a:solidFill>
+                      <a:prstDash val="solid"/>
+                      <a:round/>
+                      <a:headEnd type="none" w="med" len="med"/>
+                      <a:tailEnd type="none" w="med" len="med"/>
+                    </a:lnL>
+                    <a:lnR w="28575" cap="flat" cmpd="sng" algn="ctr">
+                      <a:solidFill>
+                        <a:schemeClr val="accent5">
+                          <a:lumMod val="50000"/>
+                        </a:schemeClr>
+                      </a:solidFill>
+                      <a:prstDash val="solid"/>
+                      <a:round/>
+                      <a:headEnd type="none" w="med" len="med"/>
+                      <a:tailEnd type="none" w="med" len="med"/>
+                    </a:lnR>
+                    <a:lnT w="28575" cap="flat" cmpd="sng" algn="ctr">
+                      <a:solidFill>
+                        <a:schemeClr val="accent5">
+                          <a:lumMod val="50000"/>
+                        </a:schemeClr>
+                      </a:solidFill>
+                      <a:prstDash val="solid"/>
+                      <a:round/>
+                      <a:headEnd type="none" w="med" len="med"/>
+                      <a:tailEnd type="none" w="med" len="med"/>
+                    </a:lnT>
+                    <a:lnB w="28575" cap="flat" cmpd="sng" algn="ctr">
+                      <a:solidFill>
+                        <a:schemeClr val="accent5">
+                          <a:lumMod val="50000"/>
+                        </a:schemeClr>
+                      </a:solidFill>
+                      <a:prstDash val="solid"/>
+                      <a:round/>
+                      <a:headEnd type="none" w="med" len="med"/>
+                      <a:tailEnd type="none" w="med" len="med"/>
+                    </a:lnB>
+                  </a:tcPr>
+                </a:tc>
+                <a:extLst>
+                  <a:ext uri="{0D108BD9-81ED-4DB2-BD59-A6C34878D82A}">
+                    <a16:rowId xmlns:a16="http://schemas.microsoft.com/office/drawing/2014/main" val="2668283428"/>
+                  </a:ext>
+                </a:extLst>
+              </a:tr>
+            </a:tbl>
+          </a:graphicData>
+        </a:graphic>
+      </p:graphicFrame>
+      <mc:AlternateContent xmlns:mc="http://schemas.openxmlformats.org/markup-compatibility/2006" xmlns:a14="http://schemas.microsoft.com/office/drawing/2010/main">
+        <mc:Choice Requires="a14">
+          <p:sp>
+            <p:nvSpPr>
+              <p:cNvPr id="5" name="TextBox 4"/>
+              <p:cNvSpPr txBox="1"/>
+              <p:nvPr/>
+            </p:nvSpPr>
+            <p:spPr>
+              <a:xfrm>
+                <a:off x="6202377" y="5337146"/>
+                <a:ext cx="599523" cy="1015663"/>
+              </a:xfrm>
+              <a:prstGeom prst="rect">
+                <a:avLst/>
+              </a:prstGeom>
+              <a:noFill/>
+            </p:spPr>
+            <p:txBody>
+              <a:bodyPr wrap="none" lIns="0" tIns="0" rIns="0" bIns="0" rtlCol="0">
+                <a:spAutoFit/>
+              </a:bodyPr>
+              <a:lstStyle/>
+              <a:p>
+                <a:pPr/>
+                <a14:m>
+                  <m:oMathPara xmlns:m="http://schemas.openxmlformats.org/officeDocument/2006/math">
+                    <m:oMathParaPr>
+                      <m:jc m:val="centerGroup"/>
+                    </m:oMathParaPr>
+                    <m:oMath xmlns:m="http://schemas.openxmlformats.org/officeDocument/2006/math">
+                      <m:r>
+                        <a:rPr lang="en-US" sz="6600" b="0" i="1" smtClean="0">
+                          <a:latin typeface="Cambria Math" panose="02040503050406030204" pitchFamily="18" charset="0"/>
+                        </a:rPr>
+                        <m:t>∗</m:t>
+                      </m:r>
+                    </m:oMath>
+                  </m:oMathPara>
+                </a14:m>
+                <a:endParaRPr lang="en-US" sz="6600" dirty="0"/>
+              </a:p>
+            </p:txBody>
+          </p:sp>
+        </mc:Choice>
+        <mc:Fallback xmlns="">
+          <p:sp>
+            <p:nvSpPr>
+              <p:cNvPr id="5" name="TextBox 4"/>
+              <p:cNvSpPr txBox="1">
+                <a:spLocks noRot="1" noChangeAspect="1" noMove="1" noResize="1" noEditPoints="1" noAdjustHandles="1" noChangeArrowheads="1" noChangeShapeType="1" noTextEdit="1"/>
+              </p:cNvSpPr>
+              <p:nvPr/>
+            </p:nvSpPr>
+            <p:spPr>
+              <a:xfrm>
+                <a:off x="6202377" y="5337146"/>
+                <a:ext cx="599523" cy="1015663"/>
+              </a:xfrm>
+              <a:prstGeom prst="rect">
+                <a:avLst/>
+              </a:prstGeom>
+              <a:blipFill>
+                <a:blip r:embed="rId2"/>
+                <a:stretch>
+                  <a:fillRect/>
+                </a:stretch>
+              </a:blipFill>
+            </p:spPr>
+            <p:txBody>
+              <a:bodyPr/>
+              <a:lstStyle/>
+              <a:p>
+                <a:r>
+                  <a:rPr lang="en-US">
+                    <a:noFill/>
+                  </a:rPr>
+                  <a:t> </a:t>
+                </a:r>
+              </a:p>
+            </p:txBody>
+          </p:sp>
+        </mc:Fallback>
+      </mc:AlternateContent>
+      <p:graphicFrame>
+        <p:nvGraphicFramePr>
+          <p:cNvPr id="7" name="Table 6"/>
+          <p:cNvGraphicFramePr>
+            <a:graphicFrameLocks noGrp="1"/>
+          </p:cNvGraphicFramePr>
+          <p:nvPr>
+            <p:extLst/>
+          </p:nvPr>
+        </p:nvGraphicFramePr>
+        <p:xfrm>
+          <a:off x="6936638" y="4764977"/>
+          <a:ext cx="2160000" cy="2160000"/>
+        </p:xfrm>
+        <a:graphic>
+          <a:graphicData uri="http://schemas.openxmlformats.org/drawingml/2006/table">
+            <a:tbl>
+              <a:tblPr firstRow="1" bandRow="1">
+                <a:tableStyleId>{5940675A-B579-460E-94D1-54222C63F5DA}</a:tableStyleId>
+              </a:tblPr>
+              <a:tblGrid>
+                <a:gridCol w="720000">
+                  <a:extLst>
+                    <a:ext uri="{9D8B030D-6E8A-4147-A177-3AD203B41FA5}">
+                      <a16:colId xmlns:a16="http://schemas.microsoft.com/office/drawing/2014/main" val="4114053830"/>
+                    </a:ext>
+                  </a:extLst>
+                </a:gridCol>
+                <a:gridCol w="720000">
+                  <a:extLst>
+                    <a:ext uri="{9D8B030D-6E8A-4147-A177-3AD203B41FA5}">
+                      <a16:colId xmlns:a16="http://schemas.microsoft.com/office/drawing/2014/main" val="1095245153"/>
+                    </a:ext>
+                  </a:extLst>
+                </a:gridCol>
+                <a:gridCol w="720000">
+                  <a:extLst>
+                    <a:ext uri="{9D8B030D-6E8A-4147-A177-3AD203B41FA5}">
+                      <a16:colId xmlns:a16="http://schemas.microsoft.com/office/drawing/2014/main" val="3706941923"/>
+                    </a:ext>
+                  </a:extLst>
+                </a:gridCol>
+              </a:tblGrid>
+              <a:tr h="720000">
+                <a:tc>
+                  <a:txBody>
+                    <a:bodyPr/>
+                    <a:lstStyle/>
+                    <a:p>
+                      <a:pPr algn="ctr"/>
+                      <a:r>
+                        <a:rPr lang="en-US" sz="3200" b="1" dirty="0" smtClean="0">
+                          <a:latin typeface="Helvetica" panose="020B0604020202020204" pitchFamily="34" charset="0"/>
+                          <a:cs typeface="Helvetica" panose="020B0604020202020204" pitchFamily="34" charset="0"/>
+                        </a:rPr>
+                        <a:t>1</a:t>
+                      </a:r>
+                      <a:endParaRPr lang="en-US" sz="3200" b="1" dirty="0">
+                        <a:latin typeface="Helvetica" panose="020B0604020202020204" pitchFamily="34" charset="0"/>
+                        <a:cs typeface="Helvetica" panose="020B0604020202020204" pitchFamily="34" charset="0"/>
+                      </a:endParaRPr>
+                    </a:p>
+                  </a:txBody>
+                  <a:tcPr anchor="ctr">
+                    <a:lnL w="28575" cap="flat" cmpd="sng" algn="ctr">
+                      <a:solidFill>
+                        <a:schemeClr val="accent2">
+                          <a:lumMod val="50000"/>
+                        </a:schemeClr>
+                      </a:solidFill>
+                      <a:prstDash val="solid"/>
+                      <a:round/>
+                      <a:headEnd type="none" w="med" len="med"/>
+                      <a:tailEnd type="none" w="med" len="med"/>
+                    </a:lnL>
+                    <a:lnR w="28575" cap="flat" cmpd="sng" algn="ctr">
+                      <a:solidFill>
+                        <a:schemeClr val="accent2">
+                          <a:lumMod val="50000"/>
+                        </a:schemeClr>
+                      </a:solidFill>
+                      <a:prstDash val="solid"/>
+                      <a:round/>
+                      <a:headEnd type="none" w="med" len="med"/>
+                      <a:tailEnd type="none" w="med" len="med"/>
+                    </a:lnR>
+                    <a:lnT w="28575" cap="flat" cmpd="sng" algn="ctr">
+                      <a:solidFill>
+                        <a:schemeClr val="accent2">
+                          <a:lumMod val="50000"/>
+                        </a:schemeClr>
+                      </a:solidFill>
+                      <a:prstDash val="solid"/>
+                      <a:round/>
+                      <a:headEnd type="none" w="med" len="med"/>
+                      <a:tailEnd type="none" w="med" len="med"/>
+                    </a:lnT>
+                    <a:lnB w="28575" cap="flat" cmpd="sng" algn="ctr">
+                      <a:solidFill>
+                        <a:schemeClr val="accent2">
+                          <a:lumMod val="50000"/>
+                        </a:schemeClr>
+                      </a:solidFill>
+                      <a:prstDash val="solid"/>
+                      <a:round/>
+                      <a:headEnd type="none" w="med" len="med"/>
+                      <a:tailEnd type="none" w="med" len="med"/>
+                    </a:lnB>
+                    <a:solidFill>
+                      <a:schemeClr val="accent2">
+                        <a:lumMod val="20000"/>
+                        <a:lumOff val="80000"/>
+                      </a:schemeClr>
+                    </a:solidFill>
+                  </a:tcPr>
+                </a:tc>
+                <a:tc>
+                  <a:txBody>
+                    <a:bodyPr/>
+                    <a:lstStyle/>
+                    <a:p>
+                      <a:pPr algn="ctr"/>
+                      <a:r>
+                        <a:rPr lang="en-US" sz="3200" b="1" dirty="0" smtClean="0">
+                          <a:latin typeface="Helvetica" panose="020B0604020202020204" pitchFamily="34" charset="0"/>
+                          <a:cs typeface="Helvetica" panose="020B0604020202020204" pitchFamily="34" charset="0"/>
+                        </a:rPr>
+                        <a:t>0</a:t>
+                      </a:r>
+                      <a:endParaRPr lang="en-US" sz="3200" b="1" dirty="0">
+                        <a:latin typeface="Helvetica" panose="020B0604020202020204" pitchFamily="34" charset="0"/>
+                        <a:cs typeface="Helvetica" panose="020B0604020202020204" pitchFamily="34" charset="0"/>
+                      </a:endParaRPr>
+                    </a:p>
+                  </a:txBody>
+                  <a:tcPr anchor="ctr">
+                    <a:lnL w="28575" cap="flat" cmpd="sng" algn="ctr">
+                      <a:solidFill>
+                        <a:schemeClr val="accent2">
+                          <a:lumMod val="50000"/>
+                        </a:schemeClr>
+                      </a:solidFill>
+                      <a:prstDash val="solid"/>
+                      <a:round/>
+                      <a:headEnd type="none" w="med" len="med"/>
+                      <a:tailEnd type="none" w="med" len="med"/>
+                    </a:lnL>
+                    <a:lnR w="28575" cap="flat" cmpd="sng" algn="ctr">
+                      <a:solidFill>
+                        <a:schemeClr val="accent2">
+                          <a:lumMod val="50000"/>
+                        </a:schemeClr>
+                      </a:solidFill>
+                      <a:prstDash val="solid"/>
+                      <a:round/>
+                      <a:headEnd type="none" w="med" len="med"/>
+                      <a:tailEnd type="none" w="med" len="med"/>
+                    </a:lnR>
+                    <a:lnT w="28575" cap="flat" cmpd="sng" algn="ctr">
+                      <a:solidFill>
+                        <a:schemeClr val="accent2">
+                          <a:lumMod val="50000"/>
+                        </a:schemeClr>
+                      </a:solidFill>
+                      <a:prstDash val="solid"/>
+                      <a:round/>
+                      <a:headEnd type="none" w="med" len="med"/>
+                      <a:tailEnd type="none" w="med" len="med"/>
+                    </a:lnT>
+                    <a:lnB w="28575" cap="flat" cmpd="sng" algn="ctr">
+                      <a:solidFill>
+                        <a:schemeClr val="accent2">
+                          <a:lumMod val="50000"/>
+                        </a:schemeClr>
+                      </a:solidFill>
+                      <a:prstDash val="solid"/>
+                      <a:round/>
+                      <a:headEnd type="none" w="med" len="med"/>
+                      <a:tailEnd type="none" w="med" len="med"/>
+                    </a:lnB>
+                    <a:solidFill>
+                      <a:schemeClr val="accent2">
+                        <a:lumMod val="20000"/>
+                        <a:lumOff val="80000"/>
+                      </a:schemeClr>
+                    </a:solidFill>
+                  </a:tcPr>
+                </a:tc>
+                <a:tc>
+                  <a:txBody>
+                    <a:bodyPr/>
+                    <a:lstStyle/>
+                    <a:p>
+                      <a:pPr algn="ctr"/>
+                      <a:r>
+                        <a:rPr lang="en-US" sz="3200" b="1" dirty="0" smtClean="0">
+                          <a:latin typeface="Helvetica" panose="020B0604020202020204" pitchFamily="34" charset="0"/>
+                          <a:cs typeface="Helvetica" panose="020B0604020202020204" pitchFamily="34" charset="0"/>
+                        </a:rPr>
+                        <a:t>1</a:t>
+                      </a:r>
+                      <a:endParaRPr lang="en-US" sz="3200" b="1" dirty="0">
+                        <a:latin typeface="Helvetica" panose="020B0604020202020204" pitchFamily="34" charset="0"/>
+                        <a:cs typeface="Helvetica" panose="020B0604020202020204" pitchFamily="34" charset="0"/>
+                      </a:endParaRPr>
+                    </a:p>
+                  </a:txBody>
+                  <a:tcPr anchor="ctr">
+                    <a:lnL w="28575" cap="flat" cmpd="sng" algn="ctr">
+                      <a:solidFill>
+                        <a:schemeClr val="accent2">
+                          <a:lumMod val="50000"/>
+                        </a:schemeClr>
+                      </a:solidFill>
+                      <a:prstDash val="solid"/>
+                      <a:round/>
+                      <a:headEnd type="none" w="med" len="med"/>
+                      <a:tailEnd type="none" w="med" len="med"/>
+                    </a:lnL>
+                    <a:lnR w="28575" cap="flat" cmpd="sng" algn="ctr">
+                      <a:solidFill>
+                        <a:schemeClr val="accent2">
+                          <a:lumMod val="50000"/>
+                        </a:schemeClr>
+                      </a:solidFill>
+                      <a:prstDash val="solid"/>
+                      <a:round/>
+                      <a:headEnd type="none" w="med" len="med"/>
+                      <a:tailEnd type="none" w="med" len="med"/>
+                    </a:lnR>
+                    <a:lnT w="28575" cap="flat" cmpd="sng" algn="ctr">
+                      <a:solidFill>
+                        <a:schemeClr val="accent2">
+                          <a:lumMod val="50000"/>
+                        </a:schemeClr>
+                      </a:solidFill>
+                      <a:prstDash val="solid"/>
+                      <a:round/>
+                      <a:headEnd type="none" w="med" len="med"/>
+                      <a:tailEnd type="none" w="med" len="med"/>
+                    </a:lnT>
+                    <a:lnB w="28575" cap="flat" cmpd="sng" algn="ctr">
+                      <a:solidFill>
+                        <a:schemeClr val="accent2">
+                          <a:lumMod val="50000"/>
+                        </a:schemeClr>
+                      </a:solidFill>
+                      <a:prstDash val="solid"/>
+                      <a:round/>
+                      <a:headEnd type="none" w="med" len="med"/>
+                      <a:tailEnd type="none" w="med" len="med"/>
+                    </a:lnB>
+                    <a:solidFill>
+                      <a:schemeClr val="accent2">
+                        <a:lumMod val="20000"/>
+                        <a:lumOff val="80000"/>
+                      </a:schemeClr>
+                    </a:solidFill>
+                  </a:tcPr>
+                </a:tc>
+                <a:extLst>
+                  <a:ext uri="{0D108BD9-81ED-4DB2-BD59-A6C34878D82A}">
+                    <a16:rowId xmlns:a16="http://schemas.microsoft.com/office/drawing/2014/main" val="3588482904"/>
+                  </a:ext>
+                </a:extLst>
+              </a:tr>
+              <a:tr h="720000">
+                <a:tc>
+                  <a:txBody>
+                    <a:bodyPr/>
+                    <a:lstStyle/>
+                    <a:p>
+                      <a:pPr algn="ctr"/>
+                      <a:r>
+                        <a:rPr lang="en-US" sz="3200" b="1" dirty="0" smtClean="0">
+                          <a:latin typeface="Helvetica" panose="020B0604020202020204" pitchFamily="34" charset="0"/>
+                          <a:cs typeface="Helvetica" panose="020B0604020202020204" pitchFamily="34" charset="0"/>
+                        </a:rPr>
+                        <a:t>0</a:t>
+                      </a:r>
+                      <a:endParaRPr lang="en-US" sz="3200" b="1" dirty="0">
+                        <a:latin typeface="Helvetica" panose="020B0604020202020204" pitchFamily="34" charset="0"/>
+                        <a:cs typeface="Helvetica" panose="020B0604020202020204" pitchFamily="34" charset="0"/>
+                      </a:endParaRPr>
+                    </a:p>
+                  </a:txBody>
+                  <a:tcPr anchor="ctr">
+                    <a:lnL w="28575" cap="flat" cmpd="sng" algn="ctr">
+                      <a:solidFill>
+                        <a:schemeClr val="accent2">
+                          <a:lumMod val="50000"/>
+                        </a:schemeClr>
+                      </a:solidFill>
+                      <a:prstDash val="solid"/>
+                      <a:round/>
+                      <a:headEnd type="none" w="med" len="med"/>
+                      <a:tailEnd type="none" w="med" len="med"/>
+                    </a:lnL>
+                    <a:lnR w="28575" cap="flat" cmpd="sng" algn="ctr">
+                      <a:solidFill>
+                        <a:schemeClr val="accent2">
+                          <a:lumMod val="50000"/>
+                        </a:schemeClr>
+                      </a:solidFill>
+                      <a:prstDash val="solid"/>
+                      <a:round/>
+                      <a:headEnd type="none" w="med" len="med"/>
+                      <a:tailEnd type="none" w="med" len="med"/>
+                    </a:lnR>
+                    <a:lnT w="28575" cap="flat" cmpd="sng" algn="ctr">
+                      <a:solidFill>
+                        <a:schemeClr val="accent2">
+                          <a:lumMod val="50000"/>
+                        </a:schemeClr>
+                      </a:solidFill>
+                      <a:prstDash val="solid"/>
+                      <a:round/>
+                      <a:headEnd type="none" w="med" len="med"/>
+                      <a:tailEnd type="none" w="med" len="med"/>
+                    </a:lnT>
+                    <a:lnB w="28575" cap="flat" cmpd="sng" algn="ctr">
+                      <a:solidFill>
+                        <a:schemeClr val="accent2">
+                          <a:lumMod val="50000"/>
+                        </a:schemeClr>
+                      </a:solidFill>
+                      <a:prstDash val="solid"/>
+                      <a:round/>
+                      <a:headEnd type="none" w="med" len="med"/>
+                      <a:tailEnd type="none" w="med" len="med"/>
+                    </a:lnB>
+                    <a:solidFill>
+                      <a:schemeClr val="accent2">
+                        <a:lumMod val="20000"/>
+                        <a:lumOff val="80000"/>
+                      </a:schemeClr>
+                    </a:solidFill>
+                  </a:tcPr>
+                </a:tc>
+                <a:tc>
+                  <a:txBody>
+                    <a:bodyPr/>
+                    <a:lstStyle/>
+                    <a:p>
+                      <a:pPr algn="ctr"/>
+                      <a:r>
+                        <a:rPr lang="en-US" sz="3200" b="1" dirty="0" smtClean="0">
+                          <a:latin typeface="Helvetica" panose="020B0604020202020204" pitchFamily="34" charset="0"/>
+                          <a:cs typeface="Helvetica" panose="020B0604020202020204" pitchFamily="34" charset="0"/>
+                        </a:rPr>
+                        <a:t>1</a:t>
+                      </a:r>
+                      <a:endParaRPr lang="en-US" sz="3200" b="1" dirty="0">
+                        <a:latin typeface="Helvetica" panose="020B0604020202020204" pitchFamily="34" charset="0"/>
+                        <a:cs typeface="Helvetica" panose="020B0604020202020204" pitchFamily="34" charset="0"/>
+                      </a:endParaRPr>
+                    </a:p>
+                  </a:txBody>
+                  <a:tcPr anchor="ctr">
+                    <a:lnL w="28575" cap="flat" cmpd="sng" algn="ctr">
+                      <a:solidFill>
+                        <a:schemeClr val="accent2">
+                          <a:lumMod val="50000"/>
+                        </a:schemeClr>
+                      </a:solidFill>
+                      <a:prstDash val="solid"/>
+                      <a:round/>
+                      <a:headEnd type="none" w="med" len="med"/>
+                      <a:tailEnd type="none" w="med" len="med"/>
+                    </a:lnL>
+                    <a:lnR w="28575" cap="flat" cmpd="sng" algn="ctr">
+                      <a:solidFill>
+                        <a:schemeClr val="accent2">
+                          <a:lumMod val="50000"/>
+                        </a:schemeClr>
+                      </a:solidFill>
+                      <a:prstDash val="solid"/>
+                      <a:round/>
+                      <a:headEnd type="none" w="med" len="med"/>
+                      <a:tailEnd type="none" w="med" len="med"/>
+                    </a:lnR>
+                    <a:lnT w="28575" cap="flat" cmpd="sng" algn="ctr">
+                      <a:solidFill>
+                        <a:schemeClr val="accent2">
+                          <a:lumMod val="50000"/>
+                        </a:schemeClr>
+                      </a:solidFill>
+                      <a:prstDash val="solid"/>
+                      <a:round/>
+                      <a:headEnd type="none" w="med" len="med"/>
+                      <a:tailEnd type="none" w="med" len="med"/>
+                    </a:lnT>
+                    <a:lnB w="28575" cap="flat" cmpd="sng" algn="ctr">
+                      <a:solidFill>
+                        <a:schemeClr val="accent2">
+                          <a:lumMod val="50000"/>
+                        </a:schemeClr>
+                      </a:solidFill>
+                      <a:prstDash val="solid"/>
+                      <a:round/>
+                      <a:headEnd type="none" w="med" len="med"/>
+                      <a:tailEnd type="none" w="med" len="med"/>
+                    </a:lnB>
+                    <a:solidFill>
+                      <a:schemeClr val="accent2">
+                        <a:lumMod val="20000"/>
+                        <a:lumOff val="80000"/>
+                      </a:schemeClr>
+                    </a:solidFill>
+                  </a:tcPr>
+                </a:tc>
+                <a:tc>
+                  <a:txBody>
+                    <a:bodyPr/>
+                    <a:lstStyle/>
+                    <a:p>
+                      <a:pPr algn="ctr"/>
+                      <a:r>
+                        <a:rPr lang="en-US" sz="3200" b="1" dirty="0" smtClean="0">
+                          <a:latin typeface="Helvetica" panose="020B0604020202020204" pitchFamily="34" charset="0"/>
+                          <a:cs typeface="Helvetica" panose="020B0604020202020204" pitchFamily="34" charset="0"/>
+                        </a:rPr>
+                        <a:t>0</a:t>
+                      </a:r>
+                      <a:endParaRPr lang="en-US" sz="3200" b="1" dirty="0">
+                        <a:latin typeface="Helvetica" panose="020B0604020202020204" pitchFamily="34" charset="0"/>
+                        <a:cs typeface="Helvetica" panose="020B0604020202020204" pitchFamily="34" charset="0"/>
+                      </a:endParaRPr>
+                    </a:p>
+                  </a:txBody>
+                  <a:tcPr anchor="ctr">
+                    <a:lnL w="28575" cap="flat" cmpd="sng" algn="ctr">
+                      <a:solidFill>
+                        <a:schemeClr val="accent2">
+                          <a:lumMod val="50000"/>
+                        </a:schemeClr>
+                      </a:solidFill>
+                      <a:prstDash val="solid"/>
+                      <a:round/>
+                      <a:headEnd type="none" w="med" len="med"/>
+                      <a:tailEnd type="none" w="med" len="med"/>
+                    </a:lnL>
+                    <a:lnR w="28575" cap="flat" cmpd="sng" algn="ctr">
+                      <a:solidFill>
+                        <a:schemeClr val="accent2">
+                          <a:lumMod val="50000"/>
+                        </a:schemeClr>
+                      </a:solidFill>
+                      <a:prstDash val="solid"/>
+                      <a:round/>
+                      <a:headEnd type="none" w="med" len="med"/>
+                      <a:tailEnd type="none" w="med" len="med"/>
+                    </a:lnR>
+                    <a:lnT w="28575" cap="flat" cmpd="sng" algn="ctr">
+                      <a:solidFill>
+                        <a:schemeClr val="accent2">
+                          <a:lumMod val="50000"/>
+                        </a:schemeClr>
+                      </a:solidFill>
+                      <a:prstDash val="solid"/>
+                      <a:round/>
+                      <a:headEnd type="none" w="med" len="med"/>
+                      <a:tailEnd type="none" w="med" len="med"/>
+                    </a:lnT>
+                    <a:lnB w="28575" cap="flat" cmpd="sng" algn="ctr">
+                      <a:solidFill>
+                        <a:schemeClr val="accent2">
+                          <a:lumMod val="50000"/>
+                        </a:schemeClr>
+                      </a:solidFill>
+                      <a:prstDash val="solid"/>
+                      <a:round/>
+                      <a:headEnd type="none" w="med" len="med"/>
+                      <a:tailEnd type="none" w="med" len="med"/>
+                    </a:lnB>
+                    <a:solidFill>
+                      <a:schemeClr val="accent2">
+                        <a:lumMod val="20000"/>
+                        <a:lumOff val="80000"/>
+                      </a:schemeClr>
+                    </a:solidFill>
+                  </a:tcPr>
+                </a:tc>
+                <a:extLst>
+                  <a:ext uri="{0D108BD9-81ED-4DB2-BD59-A6C34878D82A}">
+                    <a16:rowId xmlns:a16="http://schemas.microsoft.com/office/drawing/2014/main" val="3875415838"/>
+                  </a:ext>
+                </a:extLst>
+              </a:tr>
+              <a:tr h="720000">
+                <a:tc>
+                  <a:txBody>
+                    <a:bodyPr/>
+                    <a:lstStyle/>
+                    <a:p>
+                      <a:pPr algn="ctr"/>
+                      <a:r>
+                        <a:rPr lang="en-US" sz="3200" b="1" dirty="0" smtClean="0">
+                          <a:latin typeface="Helvetica" panose="020B0604020202020204" pitchFamily="34" charset="0"/>
+                          <a:cs typeface="Helvetica" panose="020B0604020202020204" pitchFamily="34" charset="0"/>
+                        </a:rPr>
+                        <a:t>1</a:t>
+                      </a:r>
+                      <a:endParaRPr lang="en-US" sz="3200" b="1" dirty="0">
+                        <a:latin typeface="Helvetica" panose="020B0604020202020204" pitchFamily="34" charset="0"/>
+                        <a:cs typeface="Helvetica" panose="020B0604020202020204" pitchFamily="34" charset="0"/>
+                      </a:endParaRPr>
+                    </a:p>
+                  </a:txBody>
+                  <a:tcPr anchor="ctr">
+                    <a:lnL w="28575" cap="flat" cmpd="sng" algn="ctr">
+                      <a:solidFill>
+                        <a:schemeClr val="accent2">
+                          <a:lumMod val="50000"/>
+                        </a:schemeClr>
+                      </a:solidFill>
+                      <a:prstDash val="solid"/>
+                      <a:round/>
+                      <a:headEnd type="none" w="med" len="med"/>
+                      <a:tailEnd type="none" w="med" len="med"/>
+                    </a:lnL>
+                    <a:lnR w="28575" cap="flat" cmpd="sng" algn="ctr">
+                      <a:solidFill>
+                        <a:schemeClr val="accent2">
+                          <a:lumMod val="50000"/>
+                        </a:schemeClr>
+                      </a:solidFill>
+                      <a:prstDash val="solid"/>
+                      <a:round/>
+                      <a:headEnd type="none" w="med" len="med"/>
+                      <a:tailEnd type="none" w="med" len="med"/>
+                    </a:lnR>
+                    <a:lnT w="28575" cap="flat" cmpd="sng" algn="ctr">
+                      <a:solidFill>
+                        <a:schemeClr val="accent2">
+                          <a:lumMod val="50000"/>
+                        </a:schemeClr>
+                      </a:solidFill>
+                      <a:prstDash val="solid"/>
+                      <a:round/>
+                      <a:headEnd type="none" w="med" len="med"/>
+                      <a:tailEnd type="none" w="med" len="med"/>
+                    </a:lnT>
+                    <a:lnB w="28575" cap="flat" cmpd="sng" algn="ctr">
+                      <a:solidFill>
+                        <a:schemeClr val="accent2">
+                          <a:lumMod val="50000"/>
+                        </a:schemeClr>
+                      </a:solidFill>
+                      <a:prstDash val="solid"/>
+                      <a:round/>
+                      <a:headEnd type="none" w="med" len="med"/>
+                      <a:tailEnd type="none" w="med" len="med"/>
+                    </a:lnB>
+                    <a:solidFill>
+                      <a:schemeClr val="accent2">
+                        <a:lumMod val="20000"/>
+                        <a:lumOff val="80000"/>
+                      </a:schemeClr>
+                    </a:solidFill>
+                  </a:tcPr>
+                </a:tc>
+                <a:tc>
+                  <a:txBody>
+                    <a:bodyPr/>
+                    <a:lstStyle/>
+                    <a:p>
+                      <a:pPr algn="ctr"/>
+                      <a:r>
+                        <a:rPr lang="en-US" sz="3200" b="1" dirty="0" smtClean="0">
+                          <a:latin typeface="Helvetica" panose="020B0604020202020204" pitchFamily="34" charset="0"/>
+                          <a:cs typeface="Helvetica" panose="020B0604020202020204" pitchFamily="34" charset="0"/>
+                        </a:rPr>
+                        <a:t>0</a:t>
+                      </a:r>
+                      <a:endParaRPr lang="en-US" sz="3200" b="1" dirty="0">
+                        <a:latin typeface="Helvetica" panose="020B0604020202020204" pitchFamily="34" charset="0"/>
+                        <a:cs typeface="Helvetica" panose="020B0604020202020204" pitchFamily="34" charset="0"/>
+                      </a:endParaRPr>
+                    </a:p>
+                  </a:txBody>
+                  <a:tcPr anchor="ctr">
+                    <a:lnL w="28575" cap="flat" cmpd="sng" algn="ctr">
+                      <a:solidFill>
+                        <a:schemeClr val="accent2">
+                          <a:lumMod val="50000"/>
+                        </a:schemeClr>
+                      </a:solidFill>
+                      <a:prstDash val="solid"/>
+                      <a:round/>
+                      <a:headEnd type="none" w="med" len="med"/>
+                      <a:tailEnd type="none" w="med" len="med"/>
+                    </a:lnL>
+                    <a:lnR w="28575" cap="flat" cmpd="sng" algn="ctr">
+                      <a:solidFill>
+                        <a:schemeClr val="accent2">
+                          <a:lumMod val="50000"/>
+                        </a:schemeClr>
+                      </a:solidFill>
+                      <a:prstDash val="solid"/>
+                      <a:round/>
+                      <a:headEnd type="none" w="med" len="med"/>
+                      <a:tailEnd type="none" w="med" len="med"/>
+                    </a:lnR>
+                    <a:lnT w="28575" cap="flat" cmpd="sng" algn="ctr">
+                      <a:solidFill>
+                        <a:schemeClr val="accent2">
+                          <a:lumMod val="50000"/>
+                        </a:schemeClr>
+                      </a:solidFill>
+                      <a:prstDash val="solid"/>
+                      <a:round/>
+                      <a:headEnd type="none" w="med" len="med"/>
+                      <a:tailEnd type="none" w="med" len="med"/>
+                    </a:lnT>
+                    <a:lnB w="28575" cap="flat" cmpd="sng" algn="ctr">
+                      <a:solidFill>
+                        <a:schemeClr val="accent2">
+                          <a:lumMod val="50000"/>
+                        </a:schemeClr>
+                      </a:solidFill>
+                      <a:prstDash val="solid"/>
+                      <a:round/>
+                      <a:headEnd type="none" w="med" len="med"/>
+                      <a:tailEnd type="none" w="med" len="med"/>
+                    </a:lnB>
+                    <a:solidFill>
+                      <a:schemeClr val="accent2">
+                        <a:lumMod val="20000"/>
+                        <a:lumOff val="80000"/>
+                      </a:schemeClr>
+                    </a:solidFill>
+                  </a:tcPr>
+                </a:tc>
+                <a:tc>
+                  <a:txBody>
+                    <a:bodyPr/>
+                    <a:lstStyle/>
+                    <a:p>
+                      <a:pPr algn="ctr"/>
+                      <a:r>
+                        <a:rPr lang="en-US" sz="3200" b="1" dirty="0" smtClean="0">
+                          <a:latin typeface="Helvetica" panose="020B0604020202020204" pitchFamily="34" charset="0"/>
+                          <a:cs typeface="Helvetica" panose="020B0604020202020204" pitchFamily="34" charset="0"/>
+                        </a:rPr>
+                        <a:t>1</a:t>
+                      </a:r>
+                      <a:endParaRPr lang="en-US" sz="3200" b="1" dirty="0">
+                        <a:latin typeface="Helvetica" panose="020B0604020202020204" pitchFamily="34" charset="0"/>
+                        <a:cs typeface="Helvetica" panose="020B0604020202020204" pitchFamily="34" charset="0"/>
+                      </a:endParaRPr>
+                    </a:p>
+                  </a:txBody>
+                  <a:tcPr anchor="ctr">
+                    <a:lnL w="28575" cap="flat" cmpd="sng" algn="ctr">
+                      <a:solidFill>
+                        <a:schemeClr val="accent2">
+                          <a:lumMod val="50000"/>
+                        </a:schemeClr>
+                      </a:solidFill>
+                      <a:prstDash val="solid"/>
+                      <a:round/>
+                      <a:headEnd type="none" w="med" len="med"/>
+                      <a:tailEnd type="none" w="med" len="med"/>
+                    </a:lnL>
+                    <a:lnR w="28575" cap="flat" cmpd="sng" algn="ctr">
+                      <a:solidFill>
+                        <a:schemeClr val="accent2">
+                          <a:lumMod val="50000"/>
+                        </a:schemeClr>
+                      </a:solidFill>
+                      <a:prstDash val="solid"/>
+                      <a:round/>
+                      <a:headEnd type="none" w="med" len="med"/>
+                      <a:tailEnd type="none" w="med" len="med"/>
+                    </a:lnR>
+                    <a:lnT w="28575" cap="flat" cmpd="sng" algn="ctr">
+                      <a:solidFill>
+                        <a:schemeClr val="accent2">
+                          <a:lumMod val="50000"/>
+                        </a:schemeClr>
+                      </a:solidFill>
+                      <a:prstDash val="solid"/>
+                      <a:round/>
+                      <a:headEnd type="none" w="med" len="med"/>
+                      <a:tailEnd type="none" w="med" len="med"/>
+                    </a:lnT>
+                    <a:lnB w="28575" cap="flat" cmpd="sng" algn="ctr">
+                      <a:solidFill>
+                        <a:schemeClr val="accent2">
+                          <a:lumMod val="50000"/>
+                        </a:schemeClr>
+                      </a:solidFill>
+                      <a:prstDash val="solid"/>
+                      <a:round/>
+                      <a:headEnd type="none" w="med" len="med"/>
+                      <a:tailEnd type="none" w="med" len="med"/>
+                    </a:lnB>
+                    <a:solidFill>
+                      <a:schemeClr val="accent2">
+                        <a:lumMod val="20000"/>
+                        <a:lumOff val="80000"/>
+                      </a:schemeClr>
+                    </a:solidFill>
+                  </a:tcPr>
+                </a:tc>
+                <a:extLst>
+                  <a:ext uri="{0D108BD9-81ED-4DB2-BD59-A6C34878D82A}">
+                    <a16:rowId xmlns:a16="http://schemas.microsoft.com/office/drawing/2014/main" val="3524706640"/>
+                  </a:ext>
+                </a:extLst>
+              </a:tr>
+            </a:tbl>
+          </a:graphicData>
+        </a:graphic>
+      </p:graphicFrame>
+      <mc:AlternateContent xmlns:mc="http://schemas.openxmlformats.org/markup-compatibility/2006" xmlns:a14="http://schemas.microsoft.com/office/drawing/2010/main">
+        <mc:Choice Requires="a14">
+          <p:sp>
+            <p:nvSpPr>
+              <p:cNvPr id="8" name="TextBox 7"/>
+              <p:cNvSpPr txBox="1"/>
+              <p:nvPr/>
+            </p:nvSpPr>
+            <p:spPr>
+              <a:xfrm>
+                <a:off x="9231376" y="5337145"/>
+                <a:ext cx="822341" cy="1015663"/>
+              </a:xfrm>
+              <a:prstGeom prst="rect">
+                <a:avLst/>
+              </a:prstGeom>
+              <a:noFill/>
+            </p:spPr>
+            <p:txBody>
+              <a:bodyPr wrap="none" lIns="0" tIns="0" rIns="0" bIns="0" rtlCol="0">
+                <a:spAutoFit/>
+              </a:bodyPr>
+              <a:lstStyle/>
+              <a:p>
+                <a:pPr/>
+                <a14:m>
+                  <m:oMathPara xmlns:m="http://schemas.openxmlformats.org/officeDocument/2006/math">
+                    <m:oMathParaPr>
+                      <m:jc m:val="centerGroup"/>
+                    </m:oMathParaPr>
+                    <m:oMath xmlns:m="http://schemas.openxmlformats.org/officeDocument/2006/math">
+                      <m:r>
+                        <a:rPr lang="en-US" sz="6600" b="0" i="1" smtClean="0">
+                          <a:latin typeface="Cambria Math" panose="02040503050406030204" pitchFamily="18" charset="0"/>
+                        </a:rPr>
+                        <m:t>=</m:t>
+                      </m:r>
+                    </m:oMath>
+                  </m:oMathPara>
+                </a14:m>
+                <a:endParaRPr lang="en-US" sz="6600" dirty="0"/>
+              </a:p>
+            </p:txBody>
+          </p:sp>
+        </mc:Choice>
+        <mc:Fallback xmlns="">
+          <p:sp>
+            <p:nvSpPr>
+              <p:cNvPr id="8" name="TextBox 7"/>
+              <p:cNvSpPr txBox="1">
+                <a:spLocks noRot="1" noChangeAspect="1" noMove="1" noResize="1" noEditPoints="1" noAdjustHandles="1" noChangeArrowheads="1" noChangeShapeType="1" noTextEdit="1"/>
+              </p:cNvSpPr>
+              <p:nvPr/>
+            </p:nvSpPr>
+            <p:spPr>
+              <a:xfrm>
+                <a:off x="9231376" y="5337145"/>
+                <a:ext cx="822341" cy="1015663"/>
+              </a:xfrm>
+              <a:prstGeom prst="rect">
+                <a:avLst/>
+              </a:prstGeom>
+              <a:blipFill>
+                <a:blip r:embed="rId3"/>
+                <a:stretch>
+                  <a:fillRect/>
+                </a:stretch>
+              </a:blipFill>
+            </p:spPr>
+            <p:txBody>
+              <a:bodyPr/>
+              <a:lstStyle/>
+              <a:p>
+                <a:r>
+                  <a:rPr lang="en-US">
+                    <a:noFill/>
+                  </a:rPr>
+                  <a:t> </a:t>
+                </a:r>
+              </a:p>
+            </p:txBody>
+          </p:sp>
+        </mc:Fallback>
+      </mc:AlternateContent>
+      <p:graphicFrame>
+        <p:nvGraphicFramePr>
+          <p:cNvPr id="9" name="Table 8"/>
+          <p:cNvGraphicFramePr>
+            <a:graphicFrameLocks noGrp="1"/>
+          </p:cNvGraphicFramePr>
+          <p:nvPr>
+            <p:extLst>
+              <p:ext uri="{D42A27DB-BD31-4B8C-83A1-F6EECF244321}">
+                <p14:modId xmlns:p14="http://schemas.microsoft.com/office/powerpoint/2010/main" val="1904068867"/>
+              </p:ext>
+            </p:extLst>
+          </p:nvPr>
+        </p:nvGraphicFramePr>
+        <p:xfrm>
+          <a:off x="10188455" y="4764977"/>
+          <a:ext cx="2160000" cy="2160000"/>
+        </p:xfrm>
+        <a:graphic>
+          <a:graphicData uri="http://schemas.openxmlformats.org/drawingml/2006/table">
+            <a:tbl>
+              <a:tblPr firstRow="1" bandRow="1">
+                <a:solidFill>
+                  <a:schemeClr val="bg1"/>
+                </a:solidFill>
+                <a:tableStyleId>{5940675A-B579-460E-94D1-54222C63F5DA}</a:tableStyleId>
+              </a:tblPr>
+              <a:tblGrid>
+                <a:gridCol w="720000">
+                  <a:extLst>
+                    <a:ext uri="{9D8B030D-6E8A-4147-A177-3AD203B41FA5}">
+                      <a16:colId xmlns:a16="http://schemas.microsoft.com/office/drawing/2014/main" val="4114053830"/>
+                    </a:ext>
+                  </a:extLst>
+                </a:gridCol>
+                <a:gridCol w="720000">
+                  <a:extLst>
+                    <a:ext uri="{9D8B030D-6E8A-4147-A177-3AD203B41FA5}">
+                      <a16:colId xmlns:a16="http://schemas.microsoft.com/office/drawing/2014/main" val="1095245153"/>
+                    </a:ext>
+                  </a:extLst>
+                </a:gridCol>
+                <a:gridCol w="720000">
+                  <a:extLst>
+                    <a:ext uri="{9D8B030D-6E8A-4147-A177-3AD203B41FA5}">
+                      <a16:colId xmlns:a16="http://schemas.microsoft.com/office/drawing/2014/main" val="3706941923"/>
+                    </a:ext>
+                  </a:extLst>
+                </a:gridCol>
+              </a:tblGrid>
+              <a:tr h="720000">
+                <a:tc>
+                  <a:txBody>
+                    <a:bodyPr/>
+                    <a:lstStyle/>
+                    <a:p>
+                      <a:pPr algn="ctr"/>
+                      <a:r>
+                        <a:rPr lang="en-US" sz="3200" b="1" dirty="0" smtClean="0">
+                          <a:latin typeface="Helvetica" panose="020B0604020202020204" pitchFamily="34" charset="0"/>
+                          <a:cs typeface="Helvetica" panose="020B0604020202020204" pitchFamily="34" charset="0"/>
+                        </a:rPr>
+                        <a:t>4</a:t>
+                      </a:r>
+                      <a:endParaRPr lang="en-US" sz="3200" b="1" dirty="0">
+                        <a:latin typeface="Helvetica" panose="020B0604020202020204" pitchFamily="34" charset="0"/>
+                        <a:cs typeface="Helvetica" panose="020B0604020202020204" pitchFamily="34" charset="0"/>
+                      </a:endParaRPr>
+                    </a:p>
+                  </a:txBody>
+                  <a:tcPr anchor="ctr">
+                    <a:lnL w="28575" cap="flat" cmpd="sng" algn="ctr">
+                      <a:solidFill>
+                        <a:srgbClr val="C00000"/>
+                      </a:solidFill>
+                      <a:prstDash val="solid"/>
+                      <a:round/>
+                      <a:headEnd type="none" w="med" len="med"/>
+                      <a:tailEnd type="none" w="med" len="med"/>
+                    </a:lnL>
+                    <a:lnR w="28575" cap="flat" cmpd="sng" algn="ctr">
+                      <a:solidFill>
+                        <a:srgbClr val="C00000"/>
+                      </a:solidFill>
+                      <a:prstDash val="solid"/>
+                      <a:round/>
+                      <a:headEnd type="none" w="med" len="med"/>
+                      <a:tailEnd type="none" w="med" len="med"/>
+                    </a:lnR>
+                    <a:lnT w="28575" cap="flat" cmpd="sng" algn="ctr">
+                      <a:solidFill>
+                        <a:srgbClr val="C00000"/>
+                      </a:solidFill>
+                      <a:prstDash val="solid"/>
+                      <a:round/>
+                      <a:headEnd type="none" w="med" len="med"/>
+                      <a:tailEnd type="none" w="med" len="med"/>
+                    </a:lnT>
+                    <a:lnB w="28575" cap="flat" cmpd="sng" algn="ctr">
+                      <a:solidFill>
+                        <a:srgbClr val="C00000"/>
+                      </a:solidFill>
+                      <a:prstDash val="solid"/>
+                      <a:round/>
+                      <a:headEnd type="none" w="med" len="med"/>
+                      <a:tailEnd type="none" w="med" len="med"/>
+                    </a:lnB>
+                    <a:solidFill>
+                      <a:schemeClr val="bg1"/>
+                    </a:solidFill>
+                  </a:tcPr>
+                </a:tc>
+                <a:tc>
+                  <a:txBody>
+                    <a:bodyPr/>
+                    <a:lstStyle/>
+                    <a:p>
+                      <a:pPr algn="ctr"/>
+                      <a:r>
+                        <a:rPr lang="en-US" sz="3200" b="1" dirty="0" smtClean="0">
+                          <a:latin typeface="Helvetica" panose="020B0604020202020204" pitchFamily="34" charset="0"/>
+                          <a:cs typeface="Helvetica" panose="020B0604020202020204" pitchFamily="34" charset="0"/>
+                        </a:rPr>
+                        <a:t>3</a:t>
+                      </a:r>
+                      <a:endParaRPr lang="en-US" sz="3200" b="1" dirty="0">
+                        <a:latin typeface="Helvetica" panose="020B0604020202020204" pitchFamily="34" charset="0"/>
+                        <a:cs typeface="Helvetica" panose="020B0604020202020204" pitchFamily="34" charset="0"/>
+                      </a:endParaRPr>
+                    </a:p>
+                  </a:txBody>
+                  <a:tcPr anchor="ctr">
+                    <a:lnL w="28575" cap="flat" cmpd="sng" algn="ctr">
+                      <a:solidFill>
+                        <a:srgbClr val="C00000"/>
+                      </a:solidFill>
+                      <a:prstDash val="solid"/>
+                      <a:round/>
+                      <a:headEnd type="none" w="med" len="med"/>
+                      <a:tailEnd type="none" w="med" len="med"/>
+                    </a:lnL>
+                    <a:lnR w="28575" cap="flat" cmpd="sng" algn="ctr">
+                      <a:solidFill>
+                        <a:srgbClr val="C00000"/>
+                      </a:solidFill>
+                      <a:prstDash val="solid"/>
+                      <a:round/>
+                      <a:headEnd type="none" w="med" len="med"/>
+                      <a:tailEnd type="none" w="med" len="med"/>
+                    </a:lnR>
+                    <a:lnT w="28575" cap="flat" cmpd="sng" algn="ctr">
+                      <a:solidFill>
+                        <a:srgbClr val="C00000"/>
+                      </a:solidFill>
+                      <a:prstDash val="solid"/>
+                      <a:round/>
+                      <a:headEnd type="none" w="med" len="med"/>
+                      <a:tailEnd type="none" w="med" len="med"/>
+                    </a:lnT>
+                    <a:lnB w="28575" cap="flat" cmpd="sng" algn="ctr">
+                      <a:solidFill>
+                        <a:srgbClr val="C00000"/>
+                      </a:solidFill>
+                      <a:prstDash val="solid"/>
+                      <a:round/>
+                      <a:headEnd type="none" w="med" len="med"/>
+                      <a:tailEnd type="none" w="med" len="med"/>
+                    </a:lnB>
+                    <a:solidFill>
+                      <a:schemeClr val="bg1"/>
+                    </a:solidFill>
+                  </a:tcPr>
+                </a:tc>
+                <a:tc>
+                  <a:txBody>
+                    <a:bodyPr/>
+                    <a:lstStyle/>
+                    <a:p>
+                      <a:pPr algn="ctr"/>
+                      <a:r>
+                        <a:rPr lang="en-US" sz="3200" b="1" dirty="0" smtClean="0">
+                          <a:latin typeface="Helvetica" panose="020B0604020202020204" pitchFamily="34" charset="0"/>
+                          <a:cs typeface="Helvetica" panose="020B0604020202020204" pitchFamily="34" charset="0"/>
+                        </a:rPr>
+                        <a:t>4</a:t>
+                      </a:r>
+                      <a:endParaRPr lang="en-US" sz="3200" b="1" dirty="0">
+                        <a:latin typeface="Helvetica" panose="020B0604020202020204" pitchFamily="34" charset="0"/>
+                        <a:cs typeface="Helvetica" panose="020B0604020202020204" pitchFamily="34" charset="0"/>
+                      </a:endParaRPr>
+                    </a:p>
+                  </a:txBody>
+                  <a:tcPr anchor="ctr">
+                    <a:lnL w="28575" cap="flat" cmpd="sng" algn="ctr">
+                      <a:solidFill>
+                        <a:srgbClr val="C00000"/>
+                      </a:solidFill>
+                      <a:prstDash val="solid"/>
+                      <a:round/>
+                      <a:headEnd type="none" w="med" len="med"/>
+                      <a:tailEnd type="none" w="med" len="med"/>
+                    </a:lnL>
+                    <a:lnR w="28575" cap="flat" cmpd="sng" algn="ctr">
+                      <a:solidFill>
+                        <a:srgbClr val="C00000"/>
+                      </a:solidFill>
+                      <a:prstDash val="solid"/>
+                      <a:round/>
+                      <a:headEnd type="none" w="med" len="med"/>
+                      <a:tailEnd type="none" w="med" len="med"/>
+                    </a:lnR>
+                    <a:lnT w="28575" cap="flat" cmpd="sng" algn="ctr">
+                      <a:solidFill>
+                        <a:srgbClr val="C00000"/>
+                      </a:solidFill>
+                      <a:prstDash val="solid"/>
+                      <a:round/>
+                      <a:headEnd type="none" w="med" len="med"/>
+                      <a:tailEnd type="none" w="med" len="med"/>
+                    </a:lnT>
+                    <a:lnB w="28575" cap="flat" cmpd="sng" algn="ctr">
+                      <a:solidFill>
+                        <a:srgbClr val="C00000"/>
+                      </a:solidFill>
+                      <a:prstDash val="solid"/>
+                      <a:round/>
+                      <a:headEnd type="none" w="med" len="med"/>
+                      <a:tailEnd type="none" w="med" len="med"/>
+                    </a:lnB>
+                    <a:solidFill>
+                      <a:schemeClr val="bg1"/>
+                    </a:solidFill>
+                  </a:tcPr>
+                </a:tc>
+                <a:extLst>
+                  <a:ext uri="{0D108BD9-81ED-4DB2-BD59-A6C34878D82A}">
+                    <a16:rowId xmlns:a16="http://schemas.microsoft.com/office/drawing/2014/main" val="3588482904"/>
+                  </a:ext>
+                </a:extLst>
+              </a:tr>
+              <a:tr h="720000">
+                <a:tc>
+                  <a:txBody>
+                    <a:bodyPr/>
+                    <a:lstStyle/>
+                    <a:p>
+                      <a:pPr algn="ctr"/>
+                      <a:r>
+                        <a:rPr lang="en-US" sz="3200" b="1" dirty="0" smtClean="0">
+                          <a:latin typeface="Helvetica" panose="020B0604020202020204" pitchFamily="34" charset="0"/>
+                          <a:cs typeface="Helvetica" panose="020B0604020202020204" pitchFamily="34" charset="0"/>
+                        </a:rPr>
+                        <a:t>1</a:t>
+                      </a:r>
+                      <a:endParaRPr lang="en-US" sz="3200" b="1" dirty="0">
+                        <a:latin typeface="Helvetica" panose="020B0604020202020204" pitchFamily="34" charset="0"/>
+                        <a:cs typeface="Helvetica" panose="020B0604020202020204" pitchFamily="34" charset="0"/>
+                      </a:endParaRPr>
+                    </a:p>
+                  </a:txBody>
+                  <a:tcPr anchor="ctr">
+                    <a:lnL w="28575" cap="flat" cmpd="sng" algn="ctr">
+                      <a:solidFill>
+                        <a:srgbClr val="C00000"/>
+                      </a:solidFill>
+                      <a:prstDash val="solid"/>
+                      <a:round/>
+                      <a:headEnd type="none" w="med" len="med"/>
+                      <a:tailEnd type="none" w="med" len="med"/>
+                    </a:lnL>
+                    <a:lnR w="28575" cap="flat" cmpd="sng" algn="ctr">
+                      <a:solidFill>
+                        <a:srgbClr val="C00000"/>
+                      </a:solidFill>
+                      <a:prstDash val="solid"/>
+                      <a:round/>
+                      <a:headEnd type="none" w="med" len="med"/>
+                      <a:tailEnd type="none" w="med" len="med"/>
+                    </a:lnR>
+                    <a:lnT w="28575" cap="flat" cmpd="sng" algn="ctr">
+                      <a:solidFill>
+                        <a:srgbClr val="C00000"/>
+                      </a:solidFill>
+                      <a:prstDash val="solid"/>
+                      <a:round/>
+                      <a:headEnd type="none" w="med" len="med"/>
+                      <a:tailEnd type="none" w="med" len="med"/>
+                    </a:lnT>
+                    <a:lnB w="28575" cap="flat" cmpd="sng" algn="ctr">
+                      <a:solidFill>
+                        <a:srgbClr val="C00000"/>
+                      </a:solidFill>
+                      <a:prstDash val="solid"/>
+                      <a:round/>
+                      <a:headEnd type="none" w="med" len="med"/>
+                      <a:tailEnd type="none" w="med" len="med"/>
+                    </a:lnB>
+                    <a:solidFill>
+                      <a:schemeClr val="bg1"/>
+                    </a:solidFill>
+                  </a:tcPr>
+                </a:tc>
+                <a:tc>
+                  <a:txBody>
+                    <a:bodyPr/>
+                    <a:lstStyle/>
+                    <a:p>
+                      <a:pPr algn="ctr"/>
+                      <a:r>
+                        <a:rPr lang="en-US" sz="3200" b="1" dirty="0" smtClean="0">
+                          <a:latin typeface="Helvetica" panose="020B0604020202020204" pitchFamily="34" charset="0"/>
+                          <a:cs typeface="Helvetica" panose="020B0604020202020204" pitchFamily="34" charset="0"/>
+                        </a:rPr>
+                        <a:t>2</a:t>
+                      </a:r>
+                      <a:endParaRPr lang="en-US" sz="3200" b="1" dirty="0">
+                        <a:latin typeface="Helvetica" panose="020B0604020202020204" pitchFamily="34" charset="0"/>
+                        <a:cs typeface="Helvetica" panose="020B0604020202020204" pitchFamily="34" charset="0"/>
+                      </a:endParaRPr>
+                    </a:p>
+                  </a:txBody>
+                  <a:tcPr anchor="ctr">
+                    <a:lnL w="28575" cap="flat" cmpd="sng" algn="ctr">
+                      <a:solidFill>
+                        <a:srgbClr val="C00000"/>
+                      </a:solidFill>
+                      <a:prstDash val="solid"/>
+                      <a:round/>
+                      <a:headEnd type="none" w="med" len="med"/>
+                      <a:tailEnd type="none" w="med" len="med"/>
+                    </a:lnL>
+                    <a:lnR w="28575" cap="flat" cmpd="sng" algn="ctr">
+                      <a:solidFill>
+                        <a:srgbClr val="C00000"/>
+                      </a:solidFill>
+                      <a:prstDash val="solid"/>
+                      <a:round/>
+                      <a:headEnd type="none" w="med" len="med"/>
+                      <a:tailEnd type="none" w="med" len="med"/>
+                    </a:lnR>
+                    <a:lnT w="28575" cap="flat" cmpd="sng" algn="ctr">
+                      <a:solidFill>
+                        <a:srgbClr val="C00000"/>
+                      </a:solidFill>
+                      <a:prstDash val="solid"/>
+                      <a:round/>
+                      <a:headEnd type="none" w="med" len="med"/>
+                      <a:tailEnd type="none" w="med" len="med"/>
+                    </a:lnT>
+                    <a:lnB w="28575" cap="flat" cmpd="sng" algn="ctr">
+                      <a:solidFill>
+                        <a:srgbClr val="C00000"/>
+                      </a:solidFill>
+                      <a:prstDash val="solid"/>
+                      <a:round/>
+                      <a:headEnd type="none" w="med" len="med"/>
+                      <a:tailEnd type="none" w="med" len="med"/>
+                    </a:lnB>
+                    <a:solidFill>
+                      <a:schemeClr val="bg1"/>
+                    </a:solidFill>
+                  </a:tcPr>
+                </a:tc>
+                <a:tc>
+                  <a:txBody>
+                    <a:bodyPr/>
+                    <a:lstStyle/>
+                    <a:p>
+                      <a:pPr algn="ctr"/>
+                      <a:r>
+                        <a:rPr lang="en-US" sz="3200" b="1" dirty="0" smtClean="0">
+                          <a:latin typeface="Helvetica" panose="020B0604020202020204" pitchFamily="34" charset="0"/>
+                          <a:cs typeface="Helvetica" panose="020B0604020202020204" pitchFamily="34" charset="0"/>
+                        </a:rPr>
+                        <a:t>2</a:t>
+                      </a:r>
+                      <a:endParaRPr lang="en-US" sz="3200" b="1" dirty="0">
+                        <a:latin typeface="Helvetica" panose="020B0604020202020204" pitchFamily="34" charset="0"/>
+                        <a:cs typeface="Helvetica" panose="020B0604020202020204" pitchFamily="34" charset="0"/>
+                      </a:endParaRPr>
+                    </a:p>
+                  </a:txBody>
+                  <a:tcPr anchor="ctr">
+                    <a:lnL w="28575" cap="flat" cmpd="sng" algn="ctr">
+                      <a:solidFill>
+                        <a:srgbClr val="C00000"/>
+                      </a:solidFill>
+                      <a:prstDash val="solid"/>
+                      <a:round/>
+                      <a:headEnd type="none" w="med" len="med"/>
+                      <a:tailEnd type="none" w="med" len="med"/>
+                    </a:lnL>
+                    <a:lnR w="28575" cap="flat" cmpd="sng" algn="ctr">
+                      <a:solidFill>
+                        <a:srgbClr val="C00000"/>
+                      </a:solidFill>
+                      <a:prstDash val="solid"/>
+                      <a:round/>
+                      <a:headEnd type="none" w="med" len="med"/>
+                      <a:tailEnd type="none" w="med" len="med"/>
+                    </a:lnR>
+                    <a:lnT w="28575" cap="flat" cmpd="sng" algn="ctr">
+                      <a:solidFill>
+                        <a:srgbClr val="C00000"/>
+                      </a:solidFill>
+                      <a:prstDash val="solid"/>
+                      <a:round/>
+                      <a:headEnd type="none" w="med" len="med"/>
+                      <a:tailEnd type="none" w="med" len="med"/>
+                    </a:lnT>
+                    <a:lnB w="28575" cap="flat" cmpd="sng" algn="ctr">
+                      <a:solidFill>
+                        <a:srgbClr val="C00000"/>
+                      </a:solidFill>
+                      <a:prstDash val="solid"/>
+                      <a:round/>
+                      <a:headEnd type="none" w="med" len="med"/>
+                      <a:tailEnd type="none" w="med" len="med"/>
+                    </a:lnB>
+                    <a:solidFill>
+                      <a:schemeClr val="bg1"/>
+                    </a:solidFill>
+                  </a:tcPr>
+                </a:tc>
+                <a:extLst>
+                  <a:ext uri="{0D108BD9-81ED-4DB2-BD59-A6C34878D82A}">
+                    <a16:rowId xmlns:a16="http://schemas.microsoft.com/office/drawing/2014/main" val="3875415838"/>
+                  </a:ext>
+                </a:extLst>
+              </a:tr>
+              <a:tr h="720000">
+                <a:tc>
+                  <a:txBody>
+                    <a:bodyPr/>
+                    <a:lstStyle/>
+                    <a:p>
+                      <a:pPr algn="ctr"/>
+                      <a:r>
+                        <a:rPr lang="en-US" sz="3200" b="1" dirty="0" smtClean="0">
+                          <a:latin typeface="Helvetica" panose="020B0604020202020204" pitchFamily="34" charset="0"/>
+                          <a:cs typeface="Helvetica" panose="020B0604020202020204" pitchFamily="34" charset="0"/>
+                        </a:rPr>
+                        <a:t>2</a:t>
+                      </a:r>
+                      <a:endParaRPr lang="en-US" sz="3200" b="1" dirty="0">
+                        <a:latin typeface="Helvetica" panose="020B0604020202020204" pitchFamily="34" charset="0"/>
+                        <a:cs typeface="Helvetica" panose="020B0604020202020204" pitchFamily="34" charset="0"/>
+                      </a:endParaRPr>
+                    </a:p>
+                  </a:txBody>
+                  <a:tcPr anchor="ctr">
+                    <a:lnL w="28575" cap="flat" cmpd="sng" algn="ctr">
+                      <a:solidFill>
+                        <a:srgbClr val="C00000"/>
+                      </a:solidFill>
+                      <a:prstDash val="solid"/>
+                      <a:round/>
+                      <a:headEnd type="none" w="med" len="med"/>
+                      <a:tailEnd type="none" w="med" len="med"/>
+                    </a:lnL>
+                    <a:lnR w="28575" cap="flat" cmpd="sng" algn="ctr">
+                      <a:solidFill>
+                        <a:srgbClr val="C00000"/>
+                      </a:solidFill>
+                      <a:prstDash val="solid"/>
+                      <a:round/>
+                      <a:headEnd type="none" w="med" len="med"/>
+                      <a:tailEnd type="none" w="med" len="med"/>
+                    </a:lnR>
+                    <a:lnT w="28575" cap="flat" cmpd="sng" algn="ctr">
+                      <a:solidFill>
+                        <a:srgbClr val="C00000"/>
+                      </a:solidFill>
+                      <a:prstDash val="solid"/>
+                      <a:round/>
+                      <a:headEnd type="none" w="med" len="med"/>
+                      <a:tailEnd type="none" w="med" len="med"/>
+                    </a:lnT>
+                    <a:lnB w="28575" cap="flat" cmpd="sng" algn="ctr">
+                      <a:solidFill>
+                        <a:srgbClr val="C00000"/>
+                      </a:solidFill>
+                      <a:prstDash val="solid"/>
+                      <a:round/>
+                      <a:headEnd type="none" w="med" len="med"/>
+                      <a:tailEnd type="none" w="med" len="med"/>
+                    </a:lnB>
+                    <a:solidFill>
+                      <a:schemeClr val="bg1"/>
+                    </a:solidFill>
+                  </a:tcPr>
+                </a:tc>
+                <a:tc>
+                  <a:txBody>
+                    <a:bodyPr/>
+                    <a:lstStyle/>
+                    <a:p>
+                      <a:pPr algn="ctr"/>
+                      <a:r>
+                        <a:rPr lang="en-US" sz="3200" b="1" dirty="0" smtClean="0">
+                          <a:latin typeface="Helvetica" panose="020B0604020202020204" pitchFamily="34" charset="0"/>
+                          <a:cs typeface="Helvetica" panose="020B0604020202020204" pitchFamily="34" charset="0"/>
+                        </a:rPr>
+                        <a:t>3</a:t>
+                      </a:r>
+                      <a:endParaRPr lang="en-US" sz="3200" b="1" dirty="0">
+                        <a:latin typeface="Helvetica" panose="020B0604020202020204" pitchFamily="34" charset="0"/>
+                        <a:cs typeface="Helvetica" panose="020B0604020202020204" pitchFamily="34" charset="0"/>
+                      </a:endParaRPr>
+                    </a:p>
+                  </a:txBody>
+                  <a:tcPr anchor="ctr">
+                    <a:lnL w="28575" cap="flat" cmpd="sng" algn="ctr">
+                      <a:solidFill>
+                        <a:srgbClr val="C00000"/>
+                      </a:solidFill>
+                      <a:prstDash val="solid"/>
+                      <a:round/>
+                      <a:headEnd type="none" w="med" len="med"/>
+                      <a:tailEnd type="none" w="med" len="med"/>
+                    </a:lnL>
+                    <a:lnR w="28575" cap="flat" cmpd="sng" algn="ctr">
+                      <a:solidFill>
+                        <a:srgbClr val="C00000"/>
+                      </a:solidFill>
+                      <a:prstDash val="solid"/>
+                      <a:round/>
+                      <a:headEnd type="none" w="med" len="med"/>
+                      <a:tailEnd type="none" w="med" len="med"/>
+                    </a:lnR>
+                    <a:lnT w="28575" cap="flat" cmpd="sng" algn="ctr">
+                      <a:solidFill>
+                        <a:srgbClr val="C00000"/>
+                      </a:solidFill>
+                      <a:prstDash val="solid"/>
+                      <a:round/>
+                      <a:headEnd type="none" w="med" len="med"/>
+                      <a:tailEnd type="none" w="med" len="med"/>
+                    </a:lnT>
+                    <a:lnB w="28575" cap="flat" cmpd="sng" algn="ctr">
+                      <a:solidFill>
+                        <a:srgbClr val="C00000"/>
+                      </a:solidFill>
+                      <a:prstDash val="solid"/>
+                      <a:round/>
+                      <a:headEnd type="none" w="med" len="med"/>
+                      <a:tailEnd type="none" w="med" len="med"/>
+                    </a:lnB>
+                    <a:solidFill>
+                      <a:schemeClr val="bg1"/>
+                    </a:solidFill>
+                  </a:tcPr>
+                </a:tc>
+                <a:tc>
+                  <a:txBody>
+                    <a:bodyPr/>
+                    <a:lstStyle/>
+                    <a:p>
+                      <a:pPr algn="ctr"/>
+                      <a:r>
+                        <a:rPr lang="en-US" sz="3200" b="1" dirty="0" smtClean="0">
+                          <a:latin typeface="Helvetica" panose="020B0604020202020204" pitchFamily="34" charset="0"/>
+                          <a:cs typeface="Helvetica" panose="020B0604020202020204" pitchFamily="34" charset="0"/>
+                        </a:rPr>
+                        <a:t>3</a:t>
+                      </a:r>
+                      <a:endParaRPr lang="en-US" sz="3200" b="1" dirty="0">
+                        <a:latin typeface="Helvetica" panose="020B0604020202020204" pitchFamily="34" charset="0"/>
+                        <a:cs typeface="Helvetica" panose="020B0604020202020204" pitchFamily="34" charset="0"/>
+                      </a:endParaRPr>
+                    </a:p>
+                  </a:txBody>
+                  <a:tcPr anchor="ctr">
+                    <a:lnL w="28575" cap="flat" cmpd="sng" algn="ctr">
+                      <a:solidFill>
+                        <a:srgbClr val="C00000"/>
+                      </a:solidFill>
+                      <a:prstDash val="solid"/>
+                      <a:round/>
+                      <a:headEnd type="none" w="med" len="med"/>
+                      <a:tailEnd type="none" w="med" len="med"/>
+                    </a:lnL>
+                    <a:lnR w="28575" cap="flat" cmpd="sng" algn="ctr">
+                      <a:solidFill>
+                        <a:srgbClr val="C00000"/>
+                      </a:solidFill>
+                      <a:prstDash val="solid"/>
+                      <a:round/>
+                      <a:headEnd type="none" w="med" len="med"/>
+                      <a:tailEnd type="none" w="med" len="med"/>
+                    </a:lnR>
+                    <a:lnT w="28575" cap="flat" cmpd="sng" algn="ctr">
+                      <a:solidFill>
+                        <a:srgbClr val="C00000"/>
+                      </a:solidFill>
+                      <a:prstDash val="solid"/>
+                      <a:round/>
+                      <a:headEnd type="none" w="med" len="med"/>
+                      <a:tailEnd type="none" w="med" len="med"/>
+                    </a:lnT>
+                    <a:lnB w="28575" cap="flat" cmpd="sng" algn="ctr">
+                      <a:solidFill>
+                        <a:srgbClr val="C00000"/>
+                      </a:solidFill>
+                      <a:prstDash val="solid"/>
+                      <a:round/>
+                      <a:headEnd type="none" w="med" len="med"/>
+                      <a:tailEnd type="none" w="med" len="med"/>
+                    </a:lnB>
+                    <a:solidFill>
+                      <a:schemeClr val="bg1"/>
+                    </a:solidFill>
+                  </a:tcPr>
+                </a:tc>
+                <a:extLst>
+                  <a:ext uri="{0D108BD9-81ED-4DB2-BD59-A6C34878D82A}">
+                    <a16:rowId xmlns:a16="http://schemas.microsoft.com/office/drawing/2014/main" val="3524706640"/>
+                  </a:ext>
+                </a:extLst>
+              </a:tr>
+            </a:tbl>
+          </a:graphicData>
+        </a:graphic>
+      </p:graphicFrame>
+      <p:sp>
+        <p:nvSpPr>
+          <p:cNvPr id="10" name="TextBox 9"/>
+          <p:cNvSpPr txBox="1"/>
+          <p:nvPr/>
+        </p:nvSpPr>
+        <p:spPr>
+          <a:xfrm>
+            <a:off x="3558069" y="7750968"/>
+            <a:ext cx="1419140" cy="523220"/>
+          </a:xfrm>
+          <a:prstGeom prst="rect">
+            <a:avLst/>
+          </a:prstGeom>
+          <a:noFill/>
+        </p:spPr>
+        <p:txBody>
+          <a:bodyPr wrap="square" rtlCol="0" anchor="ctr">
+            <a:spAutoFit/>
+          </a:bodyPr>
+          <a:lstStyle/>
+          <a:p>
+            <a:pPr algn="ctr"/>
+            <a:r>
+              <a:rPr lang="en-US" sz="2800" b="1" dirty="0" smtClean="0">
+                <a:solidFill>
+                  <a:schemeClr val="accent5">
+                    <a:lumMod val="50000"/>
+                  </a:schemeClr>
+                </a:solidFill>
+                <a:latin typeface="Helvetica" panose="020B0604020202020204" pitchFamily="34" charset="0"/>
+                <a:cs typeface="Helvetica" panose="020B0604020202020204" pitchFamily="34" charset="0"/>
+              </a:rPr>
+              <a:t>INPUT</a:t>
+            </a:r>
+            <a:endParaRPr lang="en-US" sz="2800" b="1" dirty="0">
+              <a:solidFill>
+                <a:schemeClr val="accent5">
+                  <a:lumMod val="50000"/>
+                </a:schemeClr>
+              </a:solidFill>
+              <a:latin typeface="Helvetica" panose="020B0604020202020204" pitchFamily="34" charset="0"/>
+              <a:cs typeface="Helvetica" panose="020B0604020202020204" pitchFamily="34" charset="0"/>
+            </a:endParaRPr>
+          </a:p>
+        </p:txBody>
+      </p:sp>
+      <p:sp>
+        <p:nvSpPr>
+          <p:cNvPr id="11" name="TextBox 10"/>
+          <p:cNvSpPr txBox="1"/>
+          <p:nvPr/>
+        </p:nvSpPr>
+        <p:spPr>
+          <a:xfrm>
+            <a:off x="7307068" y="7765822"/>
+            <a:ext cx="1419140" cy="523220"/>
+          </a:xfrm>
+          <a:prstGeom prst="rect">
+            <a:avLst/>
+          </a:prstGeom>
+          <a:noFill/>
+        </p:spPr>
+        <p:txBody>
+          <a:bodyPr wrap="square" rtlCol="0" anchor="ctr">
+            <a:spAutoFit/>
+          </a:bodyPr>
+          <a:lstStyle/>
+          <a:p>
+            <a:pPr algn="ctr"/>
+            <a:r>
+              <a:rPr lang="en-US" sz="2800" b="1" dirty="0" smtClean="0">
+                <a:solidFill>
+                  <a:schemeClr val="accent2">
+                    <a:lumMod val="50000"/>
+                  </a:schemeClr>
+                </a:solidFill>
+                <a:latin typeface="Helvetica" panose="020B0604020202020204" pitchFamily="34" charset="0"/>
+                <a:cs typeface="Helvetica" panose="020B0604020202020204" pitchFamily="34" charset="0"/>
+              </a:rPr>
+              <a:t>FILTER</a:t>
+            </a:r>
+            <a:endParaRPr lang="en-US" sz="2800" b="1" dirty="0">
+              <a:solidFill>
+                <a:schemeClr val="accent2">
+                  <a:lumMod val="50000"/>
+                </a:schemeClr>
+              </a:solidFill>
+              <a:latin typeface="Helvetica" panose="020B0604020202020204" pitchFamily="34" charset="0"/>
+              <a:cs typeface="Helvetica" panose="020B0604020202020204" pitchFamily="34" charset="0"/>
+            </a:endParaRPr>
+          </a:p>
+        </p:txBody>
+      </p:sp>
+      <p:sp>
+        <p:nvSpPr>
+          <p:cNvPr id="12" name="TextBox 11"/>
+          <p:cNvSpPr txBox="1"/>
+          <p:nvPr/>
+        </p:nvSpPr>
+        <p:spPr>
+          <a:xfrm>
+            <a:off x="9642546" y="7765822"/>
+            <a:ext cx="3505458" cy="523220"/>
+          </a:xfrm>
+          <a:prstGeom prst="rect">
+            <a:avLst/>
+          </a:prstGeom>
+          <a:noFill/>
+        </p:spPr>
+        <p:txBody>
+          <a:bodyPr wrap="square" rtlCol="0" anchor="ctr">
+            <a:spAutoFit/>
+          </a:bodyPr>
+          <a:lstStyle/>
+          <a:p>
+            <a:pPr algn="ctr"/>
+            <a:r>
+              <a:rPr lang="en-US" sz="2800" b="1" dirty="0" smtClean="0">
+                <a:solidFill>
+                  <a:srgbClr val="C00000"/>
+                </a:solidFill>
+                <a:latin typeface="Helvetica" panose="020B0604020202020204" pitchFamily="34" charset="0"/>
+                <a:cs typeface="Helvetica" panose="020B0604020202020204" pitchFamily="34" charset="0"/>
+              </a:rPr>
+              <a:t>ACTIVATION MAP</a:t>
+            </a:r>
+            <a:endParaRPr lang="en-US" sz="2800" b="1" dirty="0">
+              <a:solidFill>
+                <a:srgbClr val="C00000"/>
+              </a:solidFill>
+              <a:latin typeface="Helvetica" panose="020B0604020202020204" pitchFamily="34" charset="0"/>
+              <a:cs typeface="Helvetica" panose="020B0604020202020204" pitchFamily="34" charset="0"/>
+            </a:endParaRPr>
+          </a:p>
+        </p:txBody>
+      </p:sp>
+      <p:sp>
+        <p:nvSpPr>
+          <p:cNvPr id="13" name="Down Arrow 12"/>
+          <p:cNvSpPr/>
+          <p:nvPr/>
+        </p:nvSpPr>
+        <p:spPr>
+          <a:xfrm rot="16200000">
+            <a:off x="13389134" y="4528018"/>
+            <a:ext cx="996531" cy="2614785"/>
+          </a:xfrm>
+          <a:prstGeom prst="downArrow">
+            <a:avLst/>
+          </a:prstGeom>
+        </p:spPr>
+        <p:style>
+          <a:lnRef idx="2">
+            <a:schemeClr val="dk1"/>
+          </a:lnRef>
+          <a:fillRef idx="1">
+            <a:schemeClr val="lt1"/>
+          </a:fillRef>
+          <a:effectRef idx="0">
+            <a:schemeClr val="dk1"/>
+          </a:effectRef>
+          <a:fontRef idx="minor">
+            <a:schemeClr val="dk1"/>
+          </a:fontRef>
+        </p:style>
+        <p:txBody>
+          <a:bodyPr rtlCol="0" anchor="ctr"/>
+          <a:lstStyle/>
+          <a:p>
+            <a:pPr algn="ctr"/>
+            <a:endParaRPr lang="en-US"/>
+          </a:p>
+        </p:txBody>
+      </p:sp>
+      <mc:AlternateContent xmlns:mc="http://schemas.openxmlformats.org/markup-compatibility/2006" xmlns:a14="http://schemas.microsoft.com/office/drawing/2010/main">
+        <mc:Choice Requires="a14">
+          <p:sp>
+            <p:nvSpPr>
+              <p:cNvPr id="14" name="TextBox 13"/>
+              <p:cNvSpPr txBox="1"/>
+              <p:nvPr/>
+            </p:nvSpPr>
+            <p:spPr>
+              <a:xfrm>
+                <a:off x="12488675" y="4638356"/>
+                <a:ext cx="2797447" cy="954107"/>
+              </a:xfrm>
+              <a:prstGeom prst="rect">
+                <a:avLst/>
+              </a:prstGeom>
+              <a:noFill/>
+            </p:spPr>
+            <p:txBody>
+              <a:bodyPr wrap="square" rtlCol="0" anchor="ctr">
+                <a:spAutoFit/>
+              </a:bodyPr>
+              <a:lstStyle/>
+              <a:p>
+                <a:pPr algn="ctr"/>
+                <a:r>
+                  <a:rPr lang="en-US" sz="2800" dirty="0" smtClean="0">
+                    <a:solidFill>
+                      <a:schemeClr val="tx1"/>
+                    </a:solidFill>
+                    <a:latin typeface="Helvetica" panose="020B0604020202020204" pitchFamily="34" charset="0"/>
+                    <a:cs typeface="Helvetica" panose="020B0604020202020204" pitchFamily="34" charset="0"/>
+                  </a:rPr>
+                  <a:t>max pool with 2</a:t>
+                </a:r>
+                <a14:m>
+                  <m:oMath xmlns:m="http://schemas.openxmlformats.org/officeDocument/2006/math">
+                    <m:r>
+                      <a:rPr lang="en-US" sz="2800" i="1" smtClean="0">
+                        <a:solidFill>
+                          <a:schemeClr val="tx1"/>
+                        </a:solidFill>
+                        <a:latin typeface="Cambria Math" panose="02040503050406030204" pitchFamily="18" charset="0"/>
+                        <a:ea typeface="Cambria Math" panose="02040503050406030204" pitchFamily="18" charset="0"/>
+                        <a:cs typeface="Helvetica" panose="020B0604020202020204" pitchFamily="34" charset="0"/>
+                      </a:rPr>
+                      <m:t>×</m:t>
+                    </m:r>
+                  </m:oMath>
+                </a14:m>
+                <a:r>
+                  <a:rPr lang="en-US" sz="2800" dirty="0" smtClean="0">
+                    <a:solidFill>
+                      <a:schemeClr val="tx1"/>
+                    </a:solidFill>
+                    <a:latin typeface="Helvetica" panose="020B0604020202020204" pitchFamily="34" charset="0"/>
+                    <a:cs typeface="Helvetica" panose="020B0604020202020204" pitchFamily="34" charset="0"/>
+                  </a:rPr>
+                  <a:t>2 filter</a:t>
+                </a:r>
+                <a:endParaRPr lang="en-US" sz="2800" dirty="0">
+                  <a:solidFill>
+                    <a:schemeClr val="tx1"/>
+                  </a:solidFill>
+                  <a:latin typeface="Helvetica" panose="020B0604020202020204" pitchFamily="34" charset="0"/>
+                  <a:cs typeface="Helvetica" panose="020B0604020202020204" pitchFamily="34" charset="0"/>
+                </a:endParaRPr>
+              </a:p>
+            </p:txBody>
+          </p:sp>
+        </mc:Choice>
+        <mc:Fallback xmlns="">
+          <p:sp>
+            <p:nvSpPr>
+              <p:cNvPr id="14" name="TextBox 13"/>
+              <p:cNvSpPr txBox="1">
+                <a:spLocks noRot="1" noChangeAspect="1" noMove="1" noResize="1" noEditPoints="1" noAdjustHandles="1" noChangeArrowheads="1" noChangeShapeType="1" noTextEdit="1"/>
+              </p:cNvSpPr>
+              <p:nvPr/>
+            </p:nvSpPr>
+            <p:spPr>
+              <a:xfrm>
+                <a:off x="12488675" y="4638356"/>
+                <a:ext cx="2797447" cy="954107"/>
+              </a:xfrm>
+              <a:prstGeom prst="rect">
+                <a:avLst/>
+              </a:prstGeom>
+              <a:blipFill>
+                <a:blip r:embed="rId4"/>
+                <a:stretch>
+                  <a:fillRect t="-6410" r="-218" b="-17949"/>
+                </a:stretch>
+              </a:blipFill>
+            </p:spPr>
+            <p:txBody>
+              <a:bodyPr/>
+              <a:lstStyle/>
+              <a:p>
+                <a:r>
+                  <a:rPr lang="en-US">
+                    <a:noFill/>
+                  </a:rPr>
+                  <a:t> </a:t>
+                </a:r>
+              </a:p>
+            </p:txBody>
+          </p:sp>
+        </mc:Fallback>
+      </mc:AlternateContent>
+      <p:graphicFrame>
+        <p:nvGraphicFramePr>
+          <p:cNvPr id="15" name="Table 14"/>
+          <p:cNvGraphicFramePr>
+            <a:graphicFrameLocks noGrp="1"/>
+          </p:cNvGraphicFramePr>
+          <p:nvPr>
+            <p:extLst>
+              <p:ext uri="{D42A27DB-BD31-4B8C-83A1-F6EECF244321}">
+                <p14:modId xmlns:p14="http://schemas.microsoft.com/office/powerpoint/2010/main" val="1607797558"/>
+              </p:ext>
+            </p:extLst>
+          </p:nvPr>
+        </p:nvGraphicFramePr>
+        <p:xfrm>
+          <a:off x="15377454" y="5115410"/>
+          <a:ext cx="1440000" cy="1440000"/>
+        </p:xfrm>
+        <a:graphic>
+          <a:graphicData uri="http://schemas.openxmlformats.org/drawingml/2006/table">
+            <a:tbl>
+              <a:tblPr firstRow="1" bandRow="1">
+                <a:solidFill>
+                  <a:schemeClr val="bg1"/>
+                </a:solidFill>
+                <a:tableStyleId>{5940675A-B579-460E-94D1-54222C63F5DA}</a:tableStyleId>
+              </a:tblPr>
+              <a:tblGrid>
+                <a:gridCol w="720000">
+                  <a:extLst>
+                    <a:ext uri="{9D8B030D-6E8A-4147-A177-3AD203B41FA5}">
+                      <a16:colId xmlns:a16="http://schemas.microsoft.com/office/drawing/2014/main" val="4114053830"/>
+                    </a:ext>
+                  </a:extLst>
+                </a:gridCol>
+                <a:gridCol w="720000">
+                  <a:extLst>
+                    <a:ext uri="{9D8B030D-6E8A-4147-A177-3AD203B41FA5}">
+                      <a16:colId xmlns:a16="http://schemas.microsoft.com/office/drawing/2014/main" val="1095245153"/>
+                    </a:ext>
+                  </a:extLst>
+                </a:gridCol>
+              </a:tblGrid>
+              <a:tr h="720000">
+                <a:tc>
+                  <a:txBody>
+                    <a:bodyPr/>
+                    <a:lstStyle/>
+                    <a:p>
+                      <a:pPr algn="ctr"/>
+                      <a:r>
+                        <a:rPr lang="en-US" sz="3200" b="1" dirty="0" smtClean="0">
+                          <a:latin typeface="Helvetica" panose="020B0604020202020204" pitchFamily="34" charset="0"/>
+                          <a:cs typeface="Helvetica" panose="020B0604020202020204" pitchFamily="34" charset="0"/>
+                        </a:rPr>
+                        <a:t>4</a:t>
+                      </a:r>
+                      <a:endParaRPr lang="en-US" sz="3200" b="1" dirty="0">
+                        <a:latin typeface="Helvetica" panose="020B0604020202020204" pitchFamily="34" charset="0"/>
+                        <a:cs typeface="Helvetica" panose="020B0604020202020204" pitchFamily="34" charset="0"/>
+                      </a:endParaRPr>
+                    </a:p>
+                  </a:txBody>
+                  <a:tcPr anchor="ctr">
+                    <a:lnL w="12700" cap="flat" cmpd="sng" algn="ctr">
+                      <a:solidFill>
+                        <a:schemeClr val="accent6">
+                          <a:lumMod val="50000"/>
+                        </a:schemeClr>
+                      </a:solidFill>
+                      <a:prstDash val="solid"/>
+                      <a:round/>
+                      <a:headEnd type="none" w="med" len="med"/>
+                      <a:tailEnd type="none" w="med" len="med"/>
+                    </a:lnL>
+                    <a:lnR w="12700" cap="flat" cmpd="sng" algn="ctr">
+                      <a:solidFill>
+                        <a:schemeClr val="accent6">
+                          <a:lumMod val="50000"/>
+                        </a:schemeClr>
+                      </a:solidFill>
+                      <a:prstDash val="solid"/>
+                      <a:round/>
+                      <a:headEnd type="none" w="med" len="med"/>
+                      <a:tailEnd type="none" w="med" len="med"/>
+                    </a:lnR>
+                    <a:lnT w="12700" cap="flat" cmpd="sng" algn="ctr">
+                      <a:solidFill>
+                        <a:schemeClr val="accent6">
+                          <a:lumMod val="50000"/>
+                        </a:schemeClr>
+                      </a:solidFill>
+                      <a:prstDash val="solid"/>
+                      <a:round/>
+                      <a:headEnd type="none" w="med" len="med"/>
+                      <a:tailEnd type="none" w="med" len="med"/>
+                    </a:lnT>
+                    <a:lnB w="12700" cap="flat" cmpd="sng" algn="ctr">
+                      <a:solidFill>
+                        <a:schemeClr val="accent6">
+                          <a:lumMod val="50000"/>
+                        </a:schemeClr>
+                      </a:solidFill>
+                      <a:prstDash val="solid"/>
+                      <a:round/>
+                      <a:headEnd type="none" w="med" len="med"/>
+                      <a:tailEnd type="none" w="med" len="med"/>
+                    </a:lnB>
+                    <a:solidFill>
+                      <a:schemeClr val="accent6">
+                        <a:lumMod val="20000"/>
+                        <a:lumOff val="80000"/>
+                      </a:schemeClr>
+                    </a:solidFill>
+                  </a:tcPr>
+                </a:tc>
+                <a:tc>
+                  <a:txBody>
+                    <a:bodyPr/>
+                    <a:lstStyle/>
+                    <a:p>
+                      <a:pPr algn="ctr"/>
+                      <a:r>
+                        <a:rPr lang="en-US" sz="3200" b="1" dirty="0" smtClean="0">
+                          <a:latin typeface="Helvetica" panose="020B0604020202020204" pitchFamily="34" charset="0"/>
+                          <a:cs typeface="Helvetica" panose="020B0604020202020204" pitchFamily="34" charset="0"/>
+                        </a:rPr>
+                        <a:t>4</a:t>
+                      </a:r>
+                      <a:endParaRPr lang="en-US" sz="3200" b="1" dirty="0">
+                        <a:latin typeface="Helvetica" panose="020B0604020202020204" pitchFamily="34" charset="0"/>
+                        <a:cs typeface="Helvetica" panose="020B0604020202020204" pitchFamily="34" charset="0"/>
+                      </a:endParaRPr>
+                    </a:p>
+                  </a:txBody>
+                  <a:tcPr anchor="ctr">
+                    <a:lnL w="12700" cap="flat" cmpd="sng" algn="ctr">
+                      <a:solidFill>
+                        <a:schemeClr val="accent6">
+                          <a:lumMod val="50000"/>
+                        </a:schemeClr>
+                      </a:solidFill>
+                      <a:prstDash val="solid"/>
+                      <a:round/>
+                      <a:headEnd type="none" w="med" len="med"/>
+                      <a:tailEnd type="none" w="med" len="med"/>
+                    </a:lnL>
+                    <a:lnR w="12700" cap="flat" cmpd="sng" algn="ctr">
+                      <a:solidFill>
+                        <a:schemeClr val="accent6">
+                          <a:lumMod val="50000"/>
+                        </a:schemeClr>
+                      </a:solidFill>
+                      <a:prstDash val="solid"/>
+                      <a:round/>
+                      <a:headEnd type="none" w="med" len="med"/>
+                      <a:tailEnd type="none" w="med" len="med"/>
+                    </a:lnR>
+                    <a:lnT w="12700" cap="flat" cmpd="sng" algn="ctr">
+                      <a:solidFill>
+                        <a:schemeClr val="accent6">
+                          <a:lumMod val="50000"/>
+                        </a:schemeClr>
+                      </a:solidFill>
+                      <a:prstDash val="solid"/>
+                      <a:round/>
+                      <a:headEnd type="none" w="med" len="med"/>
+                      <a:tailEnd type="none" w="med" len="med"/>
+                    </a:lnT>
+                    <a:lnB w="12700" cap="flat" cmpd="sng" algn="ctr">
+                      <a:solidFill>
+                        <a:schemeClr val="accent6">
+                          <a:lumMod val="50000"/>
+                        </a:schemeClr>
+                      </a:solidFill>
+                      <a:prstDash val="solid"/>
+                      <a:round/>
+                      <a:headEnd type="none" w="med" len="med"/>
+                      <a:tailEnd type="none" w="med" len="med"/>
+                    </a:lnB>
+                    <a:solidFill>
+                      <a:schemeClr val="accent6">
+                        <a:lumMod val="20000"/>
+                        <a:lumOff val="80000"/>
+                      </a:schemeClr>
+                    </a:solidFill>
+                  </a:tcPr>
+                </a:tc>
+                <a:extLst>
+                  <a:ext uri="{0D108BD9-81ED-4DB2-BD59-A6C34878D82A}">
+                    <a16:rowId xmlns:a16="http://schemas.microsoft.com/office/drawing/2014/main" val="3588482904"/>
+                  </a:ext>
+                </a:extLst>
+              </a:tr>
+              <a:tr h="720000">
+                <a:tc>
+                  <a:txBody>
+                    <a:bodyPr/>
+                    <a:lstStyle/>
+                    <a:p>
+                      <a:pPr algn="ctr"/>
+                      <a:r>
+                        <a:rPr lang="en-US" sz="3200" b="1" dirty="0" smtClean="0">
+                          <a:latin typeface="Helvetica" panose="020B0604020202020204" pitchFamily="34" charset="0"/>
+                          <a:cs typeface="Helvetica" panose="020B0604020202020204" pitchFamily="34" charset="0"/>
+                        </a:rPr>
+                        <a:t>3</a:t>
+                      </a:r>
+                      <a:endParaRPr lang="en-US" sz="3200" b="1" dirty="0">
+                        <a:latin typeface="Helvetica" panose="020B0604020202020204" pitchFamily="34" charset="0"/>
+                        <a:cs typeface="Helvetica" panose="020B0604020202020204" pitchFamily="34" charset="0"/>
+                      </a:endParaRPr>
+                    </a:p>
+                  </a:txBody>
+                  <a:tcPr anchor="ctr">
+                    <a:lnL w="12700" cap="flat" cmpd="sng" algn="ctr">
+                      <a:solidFill>
+                        <a:schemeClr val="accent6">
+                          <a:lumMod val="50000"/>
+                        </a:schemeClr>
+                      </a:solidFill>
+                      <a:prstDash val="solid"/>
+                      <a:round/>
+                      <a:headEnd type="none" w="med" len="med"/>
+                      <a:tailEnd type="none" w="med" len="med"/>
+                    </a:lnL>
+                    <a:lnR w="12700" cap="flat" cmpd="sng" algn="ctr">
+                      <a:solidFill>
+                        <a:schemeClr val="accent6">
+                          <a:lumMod val="50000"/>
+                        </a:schemeClr>
+                      </a:solidFill>
+                      <a:prstDash val="solid"/>
+                      <a:round/>
+                      <a:headEnd type="none" w="med" len="med"/>
+                      <a:tailEnd type="none" w="med" len="med"/>
+                    </a:lnR>
+                    <a:lnT w="12700" cap="flat" cmpd="sng" algn="ctr">
+                      <a:solidFill>
+                        <a:schemeClr val="accent6">
+                          <a:lumMod val="50000"/>
+                        </a:schemeClr>
+                      </a:solidFill>
+                      <a:prstDash val="solid"/>
+                      <a:round/>
+                      <a:headEnd type="none" w="med" len="med"/>
+                      <a:tailEnd type="none" w="med" len="med"/>
+                    </a:lnT>
+                    <a:lnB w="12700" cap="flat" cmpd="sng" algn="ctr">
+                      <a:solidFill>
+                        <a:schemeClr val="accent6">
+                          <a:lumMod val="50000"/>
+                        </a:schemeClr>
+                      </a:solidFill>
+                      <a:prstDash val="solid"/>
+                      <a:round/>
+                      <a:headEnd type="none" w="med" len="med"/>
+                      <a:tailEnd type="none" w="med" len="med"/>
+                    </a:lnB>
+                    <a:solidFill>
+                      <a:schemeClr val="accent6">
+                        <a:lumMod val="20000"/>
+                        <a:lumOff val="80000"/>
+                      </a:schemeClr>
+                    </a:solidFill>
+                  </a:tcPr>
+                </a:tc>
+                <a:tc>
+                  <a:txBody>
+                    <a:bodyPr/>
+                    <a:lstStyle/>
+                    <a:p>
+                      <a:pPr algn="ctr"/>
+                      <a:r>
+                        <a:rPr lang="en-US" sz="3200" b="1" dirty="0" smtClean="0">
+                          <a:latin typeface="Helvetica" panose="020B0604020202020204" pitchFamily="34" charset="0"/>
+                          <a:cs typeface="Helvetica" panose="020B0604020202020204" pitchFamily="34" charset="0"/>
+                        </a:rPr>
+                        <a:t>3</a:t>
+                      </a:r>
+                      <a:endParaRPr lang="en-US" sz="3200" b="1" dirty="0">
+                        <a:latin typeface="Helvetica" panose="020B0604020202020204" pitchFamily="34" charset="0"/>
+                        <a:cs typeface="Helvetica" panose="020B0604020202020204" pitchFamily="34" charset="0"/>
+                      </a:endParaRPr>
+                    </a:p>
+                  </a:txBody>
+                  <a:tcPr anchor="ctr">
+                    <a:lnL w="12700" cap="flat" cmpd="sng" algn="ctr">
+                      <a:solidFill>
+                        <a:schemeClr val="accent6">
+                          <a:lumMod val="50000"/>
+                        </a:schemeClr>
+                      </a:solidFill>
+                      <a:prstDash val="solid"/>
+                      <a:round/>
+                      <a:headEnd type="none" w="med" len="med"/>
+                      <a:tailEnd type="none" w="med" len="med"/>
+                    </a:lnL>
+                    <a:lnR w="12700" cap="flat" cmpd="sng" algn="ctr">
+                      <a:solidFill>
+                        <a:schemeClr val="accent6">
+                          <a:lumMod val="50000"/>
+                        </a:schemeClr>
+                      </a:solidFill>
+                      <a:prstDash val="solid"/>
+                      <a:round/>
+                      <a:headEnd type="none" w="med" len="med"/>
+                      <a:tailEnd type="none" w="med" len="med"/>
+                    </a:lnR>
+                    <a:lnT w="12700" cap="flat" cmpd="sng" algn="ctr">
+                      <a:solidFill>
+                        <a:schemeClr val="accent6">
+                          <a:lumMod val="50000"/>
+                        </a:schemeClr>
+                      </a:solidFill>
+                      <a:prstDash val="solid"/>
+                      <a:round/>
+                      <a:headEnd type="none" w="med" len="med"/>
+                      <a:tailEnd type="none" w="med" len="med"/>
+                    </a:lnT>
+                    <a:lnB w="12700" cap="flat" cmpd="sng" algn="ctr">
+                      <a:solidFill>
+                        <a:schemeClr val="accent6">
+                          <a:lumMod val="50000"/>
+                        </a:schemeClr>
+                      </a:solidFill>
+                      <a:prstDash val="solid"/>
+                      <a:round/>
+                      <a:headEnd type="none" w="med" len="med"/>
+                      <a:tailEnd type="none" w="med" len="med"/>
+                    </a:lnB>
+                    <a:solidFill>
+                      <a:schemeClr val="accent6">
+                        <a:lumMod val="20000"/>
+                        <a:lumOff val="80000"/>
+                      </a:schemeClr>
+                    </a:solidFill>
+                  </a:tcPr>
+                </a:tc>
+                <a:extLst>
+                  <a:ext uri="{0D108BD9-81ED-4DB2-BD59-A6C34878D82A}">
+                    <a16:rowId xmlns:a16="http://schemas.microsoft.com/office/drawing/2014/main" val="3875415838"/>
+                  </a:ext>
+                </a:extLst>
+              </a:tr>
+            </a:tbl>
+          </a:graphicData>
+        </a:graphic>
+      </p:graphicFrame>
+    </p:spTree>
+    <p:extLst>
+      <p:ext uri="{BB962C8B-B14F-4D97-AF65-F5344CB8AC3E}">
+        <p14:creationId xmlns:p14="http://schemas.microsoft.com/office/powerpoint/2010/main" val="1652164927"/>
+      </p:ext>
+    </p:extLst>
+  </p:cSld>
+  <p:clrMapOvr>
+    <a:masterClrMapping/>
+  </p:clrMapOvr>
+</p:sld>
+</file>
+
+<file path=ppt/slides/slide12.xml><?xml version="1.0" encoding="utf-8"?>
 <p:sld xmlns:a="http://schemas.openxmlformats.org/drawingml/2006/main" xmlns:r="http://schemas.openxmlformats.org/officeDocument/2006/relationships" xmlns:p="http://schemas.openxmlformats.org/presentationml/2006/main">
   <p:cSld>
     <p:spTree>
@@ -9642,7 +13565,7 @@
 </p:sld>
 </file>
 
-<file path=ppt/slides/slide12.xml><?xml version="1.0" encoding="utf-8"?>
+<file path=ppt/slides/slide13.xml><?xml version="1.0" encoding="utf-8"?>
 <p:sld xmlns:a="http://schemas.openxmlformats.org/drawingml/2006/main" xmlns:r="http://schemas.openxmlformats.org/officeDocument/2006/relationships" xmlns:p="http://schemas.openxmlformats.org/presentationml/2006/main">
   <p:cSld>
     <p:spTree>
@@ -19606,11 +23529,15 @@
             <a:graphicFrameLocks noGrp="1"/>
           </p:cNvGraphicFramePr>
           <p:nvPr>
-            <p:extLst/>
+            <p:extLst>
+              <p:ext uri="{D42A27DB-BD31-4B8C-83A1-F6EECF244321}">
+                <p14:modId xmlns:p14="http://schemas.microsoft.com/office/powerpoint/2010/main" val="3737124924"/>
+              </p:ext>
+            </p:extLst>
           </p:nvPr>
         </p:nvGraphicFramePr>
         <p:xfrm>
-          <a:off x="8124150" y="1593116"/>
+          <a:off x="13915350" y="2031266"/>
           <a:ext cx="2160000" cy="5040000"/>
         </p:xfrm>
         <a:graphic>
@@ -20913,112 +24840,6 @@
           </a:graphicData>
         </a:graphic>
       </p:graphicFrame>
-      <p:sp>
-        <p:nvSpPr>
-          <p:cNvPr id="5" name="Rectangle 4"/>
-          <p:cNvSpPr/>
-          <p:nvPr/>
-        </p:nvSpPr>
-        <p:spPr>
-          <a:xfrm>
-            <a:off x="791690" y="2242169"/>
-            <a:ext cx="4122892" cy="533400"/>
-          </a:xfrm>
-          <a:prstGeom prst="rect">
-            <a:avLst/>
-          </a:prstGeom>
-          <a:noFill/>
-          <a:ln w="38100">
-            <a:solidFill>
-              <a:schemeClr val="accent5">
-                <a:lumMod val="50000"/>
-              </a:schemeClr>
-            </a:solidFill>
-          </a:ln>
-        </p:spPr>
-        <p:style>
-          <a:lnRef idx="2">
-            <a:schemeClr val="accent1">
-              <a:shade val="50000"/>
-            </a:schemeClr>
-          </a:lnRef>
-          <a:fillRef idx="1">
-            <a:schemeClr val="accent1"/>
-          </a:fillRef>
-          <a:effectRef idx="0">
-            <a:schemeClr val="accent1"/>
-          </a:effectRef>
-          <a:fontRef idx="minor">
-            <a:schemeClr val="lt1"/>
-          </a:fontRef>
-        </p:style>
-        <p:txBody>
-          <a:bodyPr rot="0" spcFirstLastPara="0" vertOverflow="overflow" horzOverflow="overflow" vert="horz" wrap="square" lIns="91440" tIns="45720" rIns="91440" bIns="45720" numCol="1" spcCol="0" rtlCol="0" fromWordArt="0" anchor="ctr" anchorCtr="0" forceAA="0" compatLnSpc="1">
-            <a:prstTxWarp prst="textNoShape">
-              <a:avLst/>
-            </a:prstTxWarp>
-            <a:noAutofit/>
-          </a:bodyPr>
-          <a:lstStyle/>
-          <a:p>
-            <a:pPr algn="ctr"/>
-            <a:endParaRPr lang="en-US"/>
-          </a:p>
-        </p:txBody>
-      </p:sp>
-      <p:sp>
-        <p:nvSpPr>
-          <p:cNvPr id="6" name="Rectangle 5"/>
-          <p:cNvSpPr/>
-          <p:nvPr/>
-        </p:nvSpPr>
-        <p:spPr>
-          <a:xfrm>
-            <a:off x="791690" y="3323158"/>
-            <a:ext cx="4122892" cy="533400"/>
-          </a:xfrm>
-          <a:prstGeom prst="rect">
-            <a:avLst/>
-          </a:prstGeom>
-          <a:noFill/>
-          <a:ln w="38100">
-            <a:solidFill>
-              <a:schemeClr val="accent2">
-                <a:lumMod val="75000"/>
-              </a:schemeClr>
-            </a:solidFill>
-          </a:ln>
-        </p:spPr>
-        <p:style>
-          <a:lnRef idx="2">
-            <a:schemeClr val="accent1">
-              <a:shade val="50000"/>
-            </a:schemeClr>
-          </a:lnRef>
-          <a:fillRef idx="1">
-            <a:schemeClr val="accent1"/>
-          </a:fillRef>
-          <a:effectRef idx="0">
-            <a:schemeClr val="accent1"/>
-          </a:effectRef>
-          <a:fontRef idx="minor">
-            <a:schemeClr val="lt1"/>
-          </a:fontRef>
-        </p:style>
-        <p:txBody>
-          <a:bodyPr rot="0" spcFirstLastPara="0" vertOverflow="overflow" horzOverflow="overflow" vert="horz" wrap="square" lIns="91440" tIns="45720" rIns="91440" bIns="45720" numCol="1" spcCol="0" rtlCol="0" fromWordArt="0" anchor="ctr" anchorCtr="0" forceAA="0" compatLnSpc="1">
-            <a:prstTxWarp prst="textNoShape">
-              <a:avLst/>
-            </a:prstTxWarp>
-            <a:noAutofit/>
-          </a:bodyPr>
-          <a:lstStyle/>
-          <a:p>
-            <a:pPr algn="ctr"/>
-            <a:endParaRPr lang="en-US"/>
-          </a:p>
-        </p:txBody>
-      </p:sp>
       <p:cxnSp>
         <p:nvCxnSpPr>
           <p:cNvPr id="9" name="Straight Connector 8"/>
@@ -21027,8 +24848,8 @@
         </p:nvCxnSpPr>
         <p:spPr>
           <a:xfrm>
-            <a:off x="4901882" y="2242169"/>
-            <a:ext cx="2096500" cy="239807"/>
+            <a:off x="10660499" y="2173032"/>
+            <a:ext cx="2129083" cy="747094"/>
           </a:xfrm>
           <a:prstGeom prst="line">
             <a:avLst/>
@@ -21065,8 +24886,8 @@
         </p:nvCxnSpPr>
         <p:spPr>
           <a:xfrm>
-            <a:off x="4909068" y="2775569"/>
-            <a:ext cx="2070354" cy="4746407"/>
+            <a:off x="10665200" y="2806679"/>
+            <a:ext cx="2105422" cy="5153447"/>
           </a:xfrm>
           <a:prstGeom prst="line">
             <a:avLst/>
@@ -21103,8 +24924,8 @@
         </p:nvCxnSpPr>
         <p:spPr>
           <a:xfrm flipV="1">
-            <a:off x="4882922" y="2037548"/>
-            <a:ext cx="2675962" cy="1285610"/>
+            <a:off x="10636250" y="2475698"/>
+            <a:ext cx="2713834" cy="1455953"/>
           </a:xfrm>
           <a:prstGeom prst="line">
             <a:avLst/>
@@ -21139,8 +24960,8 @@
         </p:nvCxnSpPr>
         <p:spPr>
           <a:xfrm>
-            <a:off x="4951696" y="3856558"/>
-            <a:ext cx="2699800" cy="3184306"/>
+            <a:off x="10646240" y="4565298"/>
+            <a:ext cx="2796456" cy="2913716"/>
           </a:xfrm>
           <a:prstGeom prst="line">
             <a:avLst/>
@@ -21174,11 +24995,15 @@
             <a:graphicFrameLocks noGrp="1"/>
           </p:cNvGraphicFramePr>
           <p:nvPr>
-            <p:extLst/>
+            <p:extLst>
+              <p:ext uri="{D42A27DB-BD31-4B8C-83A1-F6EECF244321}">
+                <p14:modId xmlns:p14="http://schemas.microsoft.com/office/powerpoint/2010/main" val="780780449"/>
+              </p:ext>
+            </p:extLst>
           </p:nvPr>
         </p:nvGraphicFramePr>
         <p:xfrm>
-          <a:off x="7558884" y="2037546"/>
+          <a:off x="13350084" y="2475696"/>
           <a:ext cx="2160000" cy="5040000"/>
         </p:xfrm>
         <a:graphic>
@@ -22488,11 +26313,15 @@
             <a:graphicFrameLocks noGrp="1"/>
           </p:cNvGraphicFramePr>
           <p:nvPr>
-            <p:extLst/>
+            <p:extLst>
+              <p:ext uri="{D42A27DB-BD31-4B8C-83A1-F6EECF244321}">
+                <p14:modId xmlns:p14="http://schemas.microsoft.com/office/powerpoint/2010/main" val="174388479"/>
+              </p:ext>
+            </p:extLst>
           </p:nvPr>
         </p:nvGraphicFramePr>
         <p:xfrm>
-          <a:off x="6998382" y="2481975"/>
+          <a:off x="12789582" y="2920125"/>
           <a:ext cx="2160000" cy="5040000"/>
         </p:xfrm>
         <a:graphic>
@@ -23886,11 +27715,15 @@
             <a:graphicFrameLocks noGrp="1"/>
           </p:cNvGraphicFramePr>
           <p:nvPr>
-            <p:extLst/>
+            <p:extLst>
+              <p:ext uri="{D42A27DB-BD31-4B8C-83A1-F6EECF244321}">
+                <p14:modId xmlns:p14="http://schemas.microsoft.com/office/powerpoint/2010/main" val="830402878"/>
+              </p:ext>
+            </p:extLst>
           </p:nvPr>
         </p:nvGraphicFramePr>
         <p:xfrm>
-          <a:off x="11620422" y="1985463"/>
+          <a:off x="17411622" y="2423613"/>
           <a:ext cx="2160000" cy="5040000"/>
         </p:xfrm>
         <a:graphic>
@@ -25285,7 +29118,7 @@
         </p:nvCxnSpPr>
         <p:spPr>
           <a:xfrm flipV="1">
-            <a:off x="9139422" y="2000865"/>
+            <a:off x="14930622" y="2439015"/>
             <a:ext cx="2481000" cy="481111"/>
           </a:xfrm>
           <a:prstGeom prst="line">
@@ -25323,7 +29156,7 @@
         </p:nvCxnSpPr>
         <p:spPr>
           <a:xfrm flipV="1">
-            <a:off x="9139422" y="2699365"/>
+            <a:off x="14930622" y="3137515"/>
             <a:ext cx="2481000" cy="4822610"/>
           </a:xfrm>
           <a:prstGeom prst="line">
@@ -25361,7 +29194,7 @@
         </p:nvCxnSpPr>
         <p:spPr>
           <a:xfrm>
-            <a:off x="9718884" y="2037547"/>
+            <a:off x="15510084" y="2475697"/>
             <a:ext cx="1901538" cy="1387917"/>
           </a:xfrm>
           <a:prstGeom prst="line">
@@ -25397,7 +29230,7 @@
         </p:nvCxnSpPr>
         <p:spPr>
           <a:xfrm flipV="1">
-            <a:off x="9718884" y="4083664"/>
+            <a:off x="15510084" y="4521814"/>
             <a:ext cx="1901538" cy="2993882"/>
           </a:xfrm>
           <a:prstGeom prst="line">
@@ -25432,11 +29265,15 @@
             <a:graphicFrameLocks noGrp="1"/>
           </p:cNvGraphicFramePr>
           <p:nvPr>
-            <p:extLst/>
+            <p:extLst>
+              <p:ext uri="{D42A27DB-BD31-4B8C-83A1-F6EECF244321}">
+                <p14:modId xmlns:p14="http://schemas.microsoft.com/office/powerpoint/2010/main" val="954999267"/>
+              </p:ext>
+            </p:extLst>
           </p:nvPr>
         </p:nvGraphicFramePr>
         <p:xfrm>
-          <a:off x="15478614" y="3425463"/>
+          <a:off x="21269814" y="3863613"/>
           <a:ext cx="720000" cy="2160000"/>
         </p:xfrm>
         <a:graphic>
@@ -25663,7 +29500,7 @@
         </p:nvCxnSpPr>
         <p:spPr>
           <a:xfrm>
-            <a:off x="13780422" y="1985463"/>
+            <a:off x="19571622" y="2423613"/>
             <a:ext cx="1698192" cy="1440000"/>
           </a:xfrm>
           <a:prstGeom prst="line">
@@ -25701,7 +29538,7 @@
         </p:nvCxnSpPr>
         <p:spPr>
           <a:xfrm flipV="1">
-            <a:off x="13780422" y="5536701"/>
+            <a:off x="19571622" y="5974851"/>
             <a:ext cx="1698192" cy="1488763"/>
           </a:xfrm>
           <a:prstGeom prst="line">
@@ -25739,7 +29576,7 @@
         </p:nvSpPr>
         <p:spPr>
           <a:xfrm rot="5400000">
-            <a:off x="10579679" y="6830940"/>
+            <a:off x="16370879" y="7269090"/>
             <a:ext cx="232104" cy="4136572"/>
           </a:xfrm>
           <a:prstGeom prst="rightBracket">
@@ -25789,7 +29626,7 @@
         </p:nvSpPr>
         <p:spPr>
           <a:xfrm>
-            <a:off x="8470251" y="7999616"/>
+            <a:off x="14261451" y="8437766"/>
             <a:ext cx="4398805" cy="1015663"/>
           </a:xfrm>
           <a:prstGeom prst="rect">
@@ -25824,7 +29661,7 @@
             </p:nvSpPr>
             <p:spPr>
               <a:xfrm>
-                <a:off x="7223433" y="7527941"/>
+                <a:off x="13014633" y="7966091"/>
                 <a:ext cx="2830903" cy="603435"/>
               </a:xfrm>
               <a:prstGeom prst="rect">
@@ -25992,7 +29829,7 @@
             </p:nvSpPr>
             <p:spPr>
               <a:xfrm>
-                <a:off x="7223433" y="7527941"/>
+                <a:off x="13014633" y="7966091"/>
                 <a:ext cx="2830903" cy="603435"/>
               </a:xfrm>
               <a:prstGeom prst="rect">
@@ -26030,7 +29867,7 @@
             </p:nvSpPr>
             <p:spPr>
               <a:xfrm>
-                <a:off x="12397968" y="7050646"/>
+                <a:off x="18189168" y="7488796"/>
                 <a:ext cx="604909" cy="584775"/>
               </a:xfrm>
               <a:prstGeom prst="rect">
@@ -26109,7 +29946,7 @@
             </p:nvSpPr>
             <p:spPr>
               <a:xfrm>
-                <a:off x="12397968" y="7050646"/>
+                <a:off x="18189168" y="7488796"/>
                 <a:ext cx="604909" cy="584775"/>
               </a:xfrm>
               <a:prstGeom prst="rect">
@@ -26147,7 +29984,7 @@
             </p:nvSpPr>
             <p:spPr>
               <a:xfrm>
-                <a:off x="15471428" y="5471541"/>
+                <a:off x="21262628" y="5909691"/>
                 <a:ext cx="727187" cy="640496"/>
               </a:xfrm>
               <a:prstGeom prst="rect">
@@ -26248,7 +30085,7 @@
             </p:nvSpPr>
             <p:spPr>
               <a:xfrm>
-                <a:off x="15471428" y="5471541"/>
+                <a:off x="21262628" y="5909691"/>
                 <a:ext cx="727187" cy="640496"/>
               </a:xfrm>
               <a:prstGeom prst="rect">
@@ -26284,7 +30121,7 @@
         </p:nvGrpSpPr>
         <p:grpSpPr>
           <a:xfrm>
-            <a:off x="13107169" y="7202258"/>
+            <a:off x="18898369" y="7640408"/>
             <a:ext cx="4424016" cy="1015663"/>
             <a:chOff x="13456117" y="6795253"/>
             <a:chExt cx="4424016" cy="1015663"/>
@@ -26374,438 +30211,569 @@
           </p:txBody>
         </p:sp>
       </p:grpSp>
-      <p:sp>
-        <p:nvSpPr>
-          <p:cNvPr id="32" name="Rectangle 31"/>
-          <p:cNvSpPr/>
+      <p:grpSp>
+        <p:nvGrpSpPr>
+          <p:cNvPr id="4" name="Group 3"/>
+          <p:cNvGrpSpPr/>
           <p:nvPr/>
-        </p:nvSpPr>
-        <p:spPr>
+        </p:nvGrpSpPr>
+        <p:grpSpPr>
           <a:xfrm>
-            <a:off x="1594827" y="4171578"/>
-            <a:ext cx="246673" cy="265327"/>
+            <a:off x="6471627" y="4902152"/>
+            <a:ext cx="246673" cy="1594222"/>
+            <a:chOff x="7386027" y="4609728"/>
+            <a:chExt cx="246673" cy="1594222"/>
           </a:xfrm>
-          <a:prstGeom prst="rect">
-            <a:avLst/>
-          </a:prstGeom>
-          <a:solidFill>
-            <a:schemeClr val="tx1">
-              <a:lumMod val="50000"/>
-              <a:lumOff val="50000"/>
-            </a:schemeClr>
-          </a:solidFill>
-          <a:ln>
+        </p:grpSpPr>
+        <p:sp>
+          <p:nvSpPr>
+            <p:cNvPr id="32" name="Rectangle 31"/>
+            <p:cNvSpPr/>
+            <p:nvPr/>
+          </p:nvSpPr>
+          <p:spPr>
+            <a:xfrm>
+              <a:off x="7386027" y="4609728"/>
+              <a:ext cx="246673" cy="265327"/>
+            </a:xfrm>
+            <a:prstGeom prst="rect">
+              <a:avLst/>
+            </a:prstGeom>
+            <a:solidFill>
+              <a:schemeClr val="tx1">
+                <a:lumMod val="50000"/>
+                <a:lumOff val="50000"/>
+              </a:schemeClr>
+            </a:solidFill>
+            <a:ln>
+              <a:noFill/>
+            </a:ln>
+          </p:spPr>
+          <p:style>
+            <a:lnRef idx="2">
+              <a:schemeClr val="accent1">
+                <a:shade val="50000"/>
+              </a:schemeClr>
+            </a:lnRef>
+            <a:fillRef idx="1">
+              <a:schemeClr val="accent1"/>
+            </a:fillRef>
+            <a:effectRef idx="0">
+              <a:schemeClr val="accent1"/>
+            </a:effectRef>
+            <a:fontRef idx="minor">
+              <a:schemeClr val="lt1"/>
+            </a:fontRef>
+          </p:style>
+          <p:txBody>
+            <a:bodyPr rtlCol="0" anchor="ctr"/>
+            <a:lstStyle/>
+            <a:p>
+              <a:pPr algn="ctr"/>
+              <a:endParaRPr lang="en-US"/>
+            </a:p>
+          </p:txBody>
+        </p:sp>
+        <p:sp>
+          <p:nvSpPr>
+            <p:cNvPr id="34" name="Rectangle 33"/>
+            <p:cNvSpPr/>
+            <p:nvPr/>
+          </p:nvSpPr>
+          <p:spPr>
+            <a:xfrm>
+              <a:off x="7386027" y="5258336"/>
+              <a:ext cx="246673" cy="265327"/>
+            </a:xfrm>
+            <a:prstGeom prst="rect">
+              <a:avLst/>
+            </a:prstGeom>
+            <a:solidFill>
+              <a:schemeClr val="tx1">
+                <a:lumMod val="50000"/>
+                <a:lumOff val="50000"/>
+              </a:schemeClr>
+            </a:solidFill>
+            <a:ln>
+              <a:noFill/>
+            </a:ln>
+          </p:spPr>
+          <p:style>
+            <a:lnRef idx="2">
+              <a:schemeClr val="accent1">
+                <a:shade val="50000"/>
+              </a:schemeClr>
+            </a:lnRef>
+            <a:fillRef idx="1">
+              <a:schemeClr val="accent1"/>
+            </a:fillRef>
+            <a:effectRef idx="0">
+              <a:schemeClr val="accent1"/>
+            </a:effectRef>
+            <a:fontRef idx="minor">
+              <a:schemeClr val="lt1"/>
+            </a:fontRef>
+          </p:style>
+          <p:txBody>
+            <a:bodyPr rtlCol="0" anchor="ctr"/>
+            <a:lstStyle/>
+            <a:p>
+              <a:pPr algn="ctr"/>
+              <a:endParaRPr lang="en-US"/>
+            </a:p>
+          </p:txBody>
+        </p:sp>
+        <p:sp>
+          <p:nvSpPr>
+            <p:cNvPr id="35" name="Rectangle 34"/>
+            <p:cNvSpPr/>
+            <p:nvPr/>
+          </p:nvSpPr>
+          <p:spPr>
+            <a:xfrm>
+              <a:off x="7386027" y="5938623"/>
+              <a:ext cx="246673" cy="265327"/>
+            </a:xfrm>
+            <a:prstGeom prst="rect">
+              <a:avLst/>
+            </a:prstGeom>
+            <a:solidFill>
+              <a:schemeClr val="tx1">
+                <a:lumMod val="50000"/>
+                <a:lumOff val="50000"/>
+              </a:schemeClr>
+            </a:solidFill>
+            <a:ln>
+              <a:noFill/>
+            </a:ln>
+          </p:spPr>
+          <p:style>
+            <a:lnRef idx="2">
+              <a:schemeClr val="accent1">
+                <a:shade val="50000"/>
+              </a:schemeClr>
+            </a:lnRef>
+            <a:fillRef idx="1">
+              <a:schemeClr val="accent1"/>
+            </a:fillRef>
+            <a:effectRef idx="0">
+              <a:schemeClr val="accent1"/>
+            </a:effectRef>
+            <a:fontRef idx="minor">
+              <a:schemeClr val="lt1"/>
+            </a:fontRef>
+          </p:style>
+          <p:txBody>
+            <a:bodyPr rtlCol="0" anchor="ctr"/>
+            <a:lstStyle/>
+            <a:p>
+              <a:pPr algn="ctr"/>
+              <a:endParaRPr lang="en-US"/>
+            </a:p>
+          </p:txBody>
+        </p:sp>
+      </p:grpSp>
+      <p:grpSp>
+        <p:nvGrpSpPr>
+          <p:cNvPr id="11" name="Group 10"/>
+          <p:cNvGrpSpPr/>
+          <p:nvPr/>
+        </p:nvGrpSpPr>
+        <p:grpSpPr>
+          <a:xfrm>
+            <a:off x="4065372" y="1835371"/>
+            <a:ext cx="6677839" cy="6124754"/>
+            <a:chOff x="217614" y="1835371"/>
+            <a:chExt cx="6677839" cy="6124754"/>
+          </a:xfrm>
+        </p:grpSpPr>
+        <p:sp>
+          <p:nvSpPr>
+            <p:cNvPr id="6" name="Rectangle 5"/>
+            <p:cNvSpPr/>
+            <p:nvPr/>
+          </p:nvSpPr>
+          <p:spPr>
+            <a:xfrm>
+              <a:off x="288703" y="3931651"/>
+              <a:ext cx="6524038" cy="633647"/>
+            </a:xfrm>
+            <a:prstGeom prst="rect">
+              <a:avLst/>
+            </a:prstGeom>
             <a:noFill/>
-          </a:ln>
-        </p:spPr>
-        <p:style>
-          <a:lnRef idx="2">
-            <a:schemeClr val="accent1">
-              <a:shade val="50000"/>
-            </a:schemeClr>
-          </a:lnRef>
-          <a:fillRef idx="1">
-            <a:schemeClr val="accent1"/>
-          </a:fillRef>
-          <a:effectRef idx="0">
-            <a:schemeClr val="accent1"/>
-          </a:effectRef>
-          <a:fontRef idx="minor">
-            <a:schemeClr val="lt1"/>
-          </a:fontRef>
-        </p:style>
-        <p:txBody>
-          <a:bodyPr rtlCol="0" anchor="ctr"/>
-          <a:lstStyle/>
-          <a:p>
-            <a:pPr algn="ctr"/>
-            <a:endParaRPr lang="en-US"/>
-          </a:p>
-        </p:txBody>
-      </p:sp>
-      <p:sp>
-        <p:nvSpPr>
-          <p:cNvPr id="34" name="Rectangle 33"/>
-          <p:cNvSpPr/>
-          <p:nvPr/>
-        </p:nvSpPr>
-        <p:spPr>
-          <a:xfrm>
-            <a:off x="1594827" y="4820186"/>
-            <a:ext cx="246673" cy="265327"/>
-          </a:xfrm>
-          <a:prstGeom prst="rect">
-            <a:avLst/>
-          </a:prstGeom>
-          <a:solidFill>
-            <a:schemeClr val="tx1">
-              <a:lumMod val="50000"/>
-              <a:lumOff val="50000"/>
-            </a:schemeClr>
-          </a:solidFill>
-          <a:ln>
-            <a:noFill/>
-          </a:ln>
-        </p:spPr>
-        <p:style>
-          <a:lnRef idx="2">
-            <a:schemeClr val="accent1">
-              <a:shade val="50000"/>
-            </a:schemeClr>
-          </a:lnRef>
-          <a:fillRef idx="1">
-            <a:schemeClr val="accent1"/>
-          </a:fillRef>
-          <a:effectRef idx="0">
-            <a:schemeClr val="accent1"/>
-          </a:effectRef>
-          <a:fontRef idx="minor">
-            <a:schemeClr val="lt1"/>
-          </a:fontRef>
-        </p:style>
-        <p:txBody>
-          <a:bodyPr rtlCol="0" anchor="ctr"/>
-          <a:lstStyle/>
-          <a:p>
-            <a:pPr algn="ctr"/>
-            <a:endParaRPr lang="en-US"/>
-          </a:p>
-        </p:txBody>
-      </p:sp>
-      <p:sp>
-        <p:nvSpPr>
-          <p:cNvPr id="35" name="Rectangle 34"/>
-          <p:cNvSpPr/>
-          <p:nvPr/>
-        </p:nvSpPr>
-        <p:spPr>
-          <a:xfrm>
-            <a:off x="1594827" y="5500473"/>
-            <a:ext cx="246673" cy="265327"/>
-          </a:xfrm>
-          <a:prstGeom prst="rect">
-            <a:avLst/>
-          </a:prstGeom>
-          <a:solidFill>
-            <a:schemeClr val="tx1">
-              <a:lumMod val="50000"/>
-              <a:lumOff val="50000"/>
-            </a:schemeClr>
-          </a:solidFill>
-          <a:ln>
-            <a:noFill/>
-          </a:ln>
-        </p:spPr>
-        <p:style>
-          <a:lnRef idx="2">
-            <a:schemeClr val="accent1">
-              <a:shade val="50000"/>
-            </a:schemeClr>
-          </a:lnRef>
-          <a:fillRef idx="1">
-            <a:schemeClr val="accent1"/>
-          </a:fillRef>
-          <a:effectRef idx="0">
-            <a:schemeClr val="accent1"/>
-          </a:effectRef>
-          <a:fontRef idx="minor">
-            <a:schemeClr val="lt1"/>
-          </a:fontRef>
-        </p:style>
-        <p:txBody>
-          <a:bodyPr rtlCol="0" anchor="ctr"/>
-          <a:lstStyle/>
-          <a:p>
-            <a:pPr algn="ctr"/>
-            <a:endParaRPr lang="en-US"/>
-          </a:p>
-        </p:txBody>
-      </p:sp>
-      <p:sp>
-        <p:nvSpPr>
-          <p:cNvPr id="3" name="Rectangle 2"/>
-          <p:cNvSpPr/>
-          <p:nvPr/>
-        </p:nvSpPr>
-        <p:spPr>
-          <a:xfrm>
-            <a:off x="731002" y="2108801"/>
-            <a:ext cx="4323165" cy="4524315"/>
-          </a:xfrm>
-          <a:prstGeom prst="rect">
-            <a:avLst/>
-          </a:prstGeom>
-          <a:ln w="12700">
-            <a:solidFill>
-              <a:schemeClr val="tx1"/>
-            </a:solidFill>
-          </a:ln>
-        </p:spPr>
-        <p:txBody>
-          <a:bodyPr wrap="square">
-            <a:spAutoFit/>
-          </a:bodyPr>
-          <a:lstStyle/>
-          <a:p>
-            <a:pPr marL="285750" indent="-285750" defTabSz="914400">
-              <a:buFontTx/>
-              <a:buChar char="-"/>
-            </a:pPr>
-            <a:endParaRPr lang="en-US" altLang="en-US" dirty="0" smtClean="0">
+            <a:ln w="38100">
               <a:solidFill>
-                <a:srgbClr val="996600"/>
+                <a:schemeClr val="accent2">
+                  <a:lumMod val="75000"/>
+                </a:schemeClr>
               </a:solidFill>
-              <a:latin typeface="Courier New" panose="02070309020205020404" pitchFamily="49" charset="0"/>
-              <a:cs typeface="Courier New" panose="02070309020205020404" pitchFamily="49" charset="0"/>
-            </a:endParaRPr>
-          </a:p>
-          <a:p>
-            <a:pPr marL="285750" indent="-285750" defTabSz="914400">
-              <a:buFontTx/>
-              <a:buChar char="-"/>
-            </a:pPr>
-            <a:r>
-              <a:rPr lang="en-US" altLang="en-US" dirty="0" err="1" smtClean="0">
+            </a:ln>
+          </p:spPr>
+          <p:style>
+            <a:lnRef idx="2">
+              <a:schemeClr val="accent1">
+                <a:shade val="50000"/>
+              </a:schemeClr>
+            </a:lnRef>
+            <a:fillRef idx="1">
+              <a:schemeClr val="accent1"/>
+            </a:fillRef>
+            <a:effectRef idx="0">
+              <a:schemeClr val="accent1"/>
+            </a:effectRef>
+            <a:fontRef idx="minor">
+              <a:schemeClr val="lt1"/>
+            </a:fontRef>
+          </p:style>
+          <p:txBody>
+            <a:bodyPr rot="0" spcFirstLastPara="0" vertOverflow="overflow" horzOverflow="overflow" vert="horz" wrap="square" lIns="91440" tIns="45720" rIns="91440" bIns="45720" numCol="1" spcCol="0" rtlCol="0" fromWordArt="0" anchor="ctr" anchorCtr="0" forceAA="0" compatLnSpc="1">
+              <a:prstTxWarp prst="textNoShape">
+                <a:avLst/>
+              </a:prstTxWarp>
+              <a:noAutofit/>
+            </a:bodyPr>
+            <a:lstStyle/>
+            <a:p>
+              <a:pPr algn="ctr"/>
+              <a:endParaRPr lang="en-US"/>
+            </a:p>
+          </p:txBody>
+        </p:sp>
+        <p:grpSp>
+          <p:nvGrpSpPr>
+            <p:cNvPr id="8" name="Group 7"/>
+            <p:cNvGrpSpPr/>
+            <p:nvPr/>
+          </p:nvGrpSpPr>
+          <p:grpSpPr>
+            <a:xfrm>
+              <a:off x="217614" y="1835371"/>
+              <a:ext cx="6677839" cy="6124754"/>
+              <a:chOff x="3354293" y="1948817"/>
+              <a:chExt cx="6677839" cy="6124754"/>
+            </a:xfrm>
+          </p:grpSpPr>
+          <p:sp>
+            <p:nvSpPr>
+              <p:cNvPr id="5" name="Rectangle 4"/>
+              <p:cNvSpPr/>
+              <p:nvPr/>
+            </p:nvSpPr>
+            <p:spPr>
+              <a:xfrm>
+                <a:off x="3430082" y="2286478"/>
+                <a:ext cx="6524039" cy="633647"/>
+              </a:xfrm>
+              <a:prstGeom prst="rect">
+                <a:avLst/>
+              </a:prstGeom>
+              <a:noFill/>
+              <a:ln w="38100">
                 <a:solidFill>
-                  <a:srgbClr val="996600"/>
+                  <a:schemeClr val="accent5">
+                    <a:lumMod val="50000"/>
+                  </a:schemeClr>
                 </a:solidFill>
-                <a:latin typeface="Courier New" panose="02070309020205020404" pitchFamily="49" charset="0"/>
-                <a:cs typeface="Courier New" panose="02070309020205020404" pitchFamily="49" charset="0"/>
-              </a:rPr>
-              <a:t>sa.Column</a:t>
-            </a:r>
-            <a:r>
-              <a:rPr lang="en-US" altLang="en-US" dirty="0">
+              </a:ln>
+            </p:spPr>
+            <p:style>
+              <a:lnRef idx="2">
+                <a:schemeClr val="accent1">
+                  <a:shade val="50000"/>
+                </a:schemeClr>
+              </a:lnRef>
+              <a:fillRef idx="1">
+                <a:schemeClr val="accent1"/>
+              </a:fillRef>
+              <a:effectRef idx="0">
+                <a:schemeClr val="accent1"/>
+              </a:effectRef>
+              <a:fontRef idx="minor">
+                <a:schemeClr val="lt1"/>
+              </a:fontRef>
+            </p:style>
+            <p:txBody>
+              <a:bodyPr rot="0" spcFirstLastPara="0" vertOverflow="overflow" horzOverflow="overflow" vert="horz" wrap="square" lIns="91440" tIns="45720" rIns="91440" bIns="45720" numCol="1" spcCol="0" rtlCol="0" fromWordArt="0" anchor="ctr" anchorCtr="0" forceAA="0" compatLnSpc="1">
+                <a:prstTxWarp prst="textNoShape">
+                  <a:avLst/>
+                </a:prstTxWarp>
+                <a:noAutofit/>
+              </a:bodyPr>
+              <a:lstStyle/>
+              <a:p>
+                <a:pPr algn="ctr"/>
+                <a:endParaRPr lang="en-US"/>
+              </a:p>
+            </p:txBody>
+          </p:sp>
+          <p:sp>
+            <p:nvSpPr>
+              <p:cNvPr id="3" name="Rectangle 2"/>
+              <p:cNvSpPr/>
+              <p:nvPr/>
+            </p:nvSpPr>
+            <p:spPr>
+              <a:xfrm>
+                <a:off x="3354293" y="1948817"/>
+                <a:ext cx="6677839" cy="6124754"/>
+              </a:xfrm>
+              <a:prstGeom prst="rect">
+                <a:avLst/>
+              </a:prstGeom>
+              <a:ln w="12700">
                 <a:solidFill>
-                  <a:srgbClr val="996600"/>
+                  <a:schemeClr val="tx1"/>
                 </a:solidFill>
-                <a:latin typeface="Courier New" panose="02070309020205020404" pitchFamily="49" charset="0"/>
-                <a:cs typeface="Courier New" panose="02070309020205020404" pitchFamily="49" charset="0"/>
-              </a:rPr>
-              <a:t>('direction', </a:t>
-            </a:r>
-            <a:r>
-              <a:rPr lang="en-US" altLang="en-US" dirty="0" smtClean="0">
-                <a:solidFill>
-                  <a:srgbClr val="996600"/>
-                </a:solidFill>
-                <a:latin typeface="Courier New" panose="02070309020205020404" pitchFamily="49" charset="0"/>
-                <a:cs typeface="Courier New" panose="02070309020205020404" pitchFamily="49" charset="0"/>
-              </a:rPr>
-              <a:t>....</a:t>
-            </a:r>
-          </a:p>
-          <a:p>
-            <a:pPr marL="285750" indent="-285750" defTabSz="914400">
-              <a:buFontTx/>
-              <a:buChar char="-"/>
-            </a:pPr>
-            <a:endParaRPr lang="en-US" altLang="en-US" dirty="0" smtClean="0">
-              <a:solidFill>
-                <a:srgbClr val="996600"/>
-              </a:solidFill>
-              <a:latin typeface="Courier New" panose="02070309020205020404" pitchFamily="49" charset="0"/>
-              <a:cs typeface="Courier New" panose="02070309020205020404" pitchFamily="49" charset="0"/>
-            </a:endParaRPr>
-          </a:p>
-          <a:p>
-            <a:pPr defTabSz="914400"/>
-            <a:r>
-              <a:rPr lang="en-US" altLang="en-US" dirty="0" smtClean="0">
-                <a:solidFill>
-                  <a:schemeClr val="accent5"/>
-                </a:solidFill>
-                <a:latin typeface="Courier New" panose="02070309020205020404" pitchFamily="49" charset="0"/>
-                <a:cs typeface="Courier New" panose="02070309020205020404" pitchFamily="49" charset="0"/>
-              </a:rPr>
-              <a:t>+ </a:t>
-            </a:r>
-            <a:r>
-              <a:rPr lang="en-US" altLang="en-US" dirty="0" err="1" smtClean="0">
-                <a:solidFill>
-                  <a:schemeClr val="accent5"/>
-                </a:solidFill>
-                <a:latin typeface="Courier New" panose="02070309020205020404" pitchFamily="49" charset="0"/>
-                <a:cs typeface="Courier New" panose="02070309020205020404" pitchFamily="49" charset="0"/>
-              </a:rPr>
-              <a:t>sa.Column</a:t>
-            </a:r>
-            <a:r>
-              <a:rPr lang="en-US" altLang="en-US" dirty="0">
-                <a:solidFill>
-                  <a:schemeClr val="accent5"/>
-                </a:solidFill>
-                <a:latin typeface="Courier New" panose="02070309020205020404" pitchFamily="49" charset="0"/>
-                <a:cs typeface="Courier New" panose="02070309020205020404" pitchFamily="49" charset="0"/>
-              </a:rPr>
-              <a:t>('direction</a:t>
-            </a:r>
-            <a:r>
-              <a:rPr lang="en-US" altLang="en-US" dirty="0" smtClean="0">
-                <a:solidFill>
-                  <a:schemeClr val="accent5"/>
-                </a:solidFill>
-                <a:latin typeface="Courier New" panose="02070309020205020404" pitchFamily="49" charset="0"/>
-                <a:cs typeface="Courier New" panose="02070309020205020404" pitchFamily="49" charset="0"/>
-              </a:rPr>
-              <a:t>',</a:t>
-            </a:r>
-          </a:p>
-          <a:p>
-            <a:pPr defTabSz="914400"/>
-            <a:endParaRPr lang="en-US" altLang="en-US" dirty="0">
-              <a:solidFill>
-                <a:schemeClr val="accent5"/>
-              </a:solidFill>
-              <a:latin typeface="Courier New" panose="02070309020205020404" pitchFamily="49" charset="0"/>
-              <a:cs typeface="Courier New" panose="02070309020205020404" pitchFamily="49" charset="0"/>
-            </a:endParaRPr>
-          </a:p>
-          <a:p>
-            <a:pPr defTabSz="914400"/>
-            <a:r>
-              <a:rPr lang="en-US" altLang="en-US" dirty="0" smtClean="0">
-                <a:solidFill>
-                  <a:schemeClr val="accent5"/>
-                </a:solidFill>
-                <a:latin typeface="Courier New" panose="02070309020205020404" pitchFamily="49" charset="0"/>
-                <a:cs typeface="Courier New" panose="02070309020205020404" pitchFamily="49" charset="0"/>
-              </a:rPr>
-              <a:t>+ </a:t>
-            </a:r>
-            <a:r>
-              <a:rPr lang="en-US" altLang="en-US" dirty="0" err="1" smtClean="0">
-                <a:solidFill>
-                  <a:schemeClr val="accent5"/>
-                </a:solidFill>
-                <a:latin typeface="Courier New" panose="02070309020205020404" pitchFamily="49" charset="0"/>
-                <a:cs typeface="Courier New" panose="02070309020205020404" pitchFamily="49" charset="0"/>
-              </a:rPr>
-              <a:t>sa.Enum</a:t>
-            </a:r>
-            <a:r>
-              <a:rPr lang="en-US" altLang="en-US" dirty="0">
-                <a:solidFill>
-                  <a:schemeClr val="accent5"/>
-                </a:solidFill>
-                <a:latin typeface="Courier New" panose="02070309020205020404" pitchFamily="49" charset="0"/>
-                <a:cs typeface="Courier New" panose="02070309020205020404" pitchFamily="49" charset="0"/>
-              </a:rPr>
-              <a:t>('ingress', 'egress</a:t>
-            </a:r>
-            <a:r>
-              <a:rPr lang="en-US" altLang="en-US" dirty="0" smtClean="0">
-                <a:solidFill>
-                  <a:schemeClr val="accent5"/>
-                </a:solidFill>
-                <a:latin typeface="Courier New" panose="02070309020205020404" pitchFamily="49" charset="0"/>
-                <a:cs typeface="Courier New" panose="02070309020205020404" pitchFamily="49" charset="0"/>
-              </a:rPr>
-              <a:t>',</a:t>
-            </a:r>
-          </a:p>
-          <a:p>
-            <a:pPr defTabSz="914400"/>
-            <a:endParaRPr lang="en-US" altLang="en-US" dirty="0">
-              <a:solidFill>
-                <a:schemeClr val="accent5"/>
-              </a:solidFill>
-              <a:latin typeface="Courier New" panose="02070309020205020404" pitchFamily="49" charset="0"/>
-              <a:cs typeface="Courier New" panose="02070309020205020404" pitchFamily="49" charset="0"/>
-            </a:endParaRPr>
-          </a:p>
-          <a:p>
-            <a:pPr defTabSz="914400"/>
-            <a:endParaRPr lang="en-US" altLang="en-US" dirty="0" smtClean="0">
-              <a:solidFill>
-                <a:schemeClr val="accent5"/>
-              </a:solidFill>
-              <a:latin typeface="Courier New" panose="02070309020205020404" pitchFamily="49" charset="0"/>
-              <a:cs typeface="Courier New" panose="02070309020205020404" pitchFamily="49" charset="0"/>
-            </a:endParaRPr>
-          </a:p>
-          <a:p>
-            <a:pPr defTabSz="914400"/>
-            <a:endParaRPr lang="en-US" altLang="en-US" dirty="0">
-              <a:solidFill>
-                <a:schemeClr val="accent5"/>
-              </a:solidFill>
-              <a:latin typeface="Courier New" panose="02070309020205020404" pitchFamily="49" charset="0"/>
-              <a:cs typeface="Courier New" panose="02070309020205020404" pitchFamily="49" charset="0"/>
-            </a:endParaRPr>
-          </a:p>
-          <a:p>
-            <a:pPr defTabSz="914400"/>
-            <a:endParaRPr lang="en-US" altLang="en-US" dirty="0" smtClean="0">
-              <a:solidFill>
-                <a:schemeClr val="accent5"/>
-              </a:solidFill>
-              <a:latin typeface="Courier New" panose="02070309020205020404" pitchFamily="49" charset="0"/>
-              <a:cs typeface="Courier New" panose="02070309020205020404" pitchFamily="49" charset="0"/>
-            </a:endParaRPr>
-          </a:p>
-          <a:p>
-            <a:pPr defTabSz="914400"/>
-            <a:endParaRPr lang="en-US" altLang="en-US" dirty="0">
-              <a:solidFill>
-                <a:schemeClr val="accent5"/>
-              </a:solidFill>
-              <a:latin typeface="Courier New" panose="02070309020205020404" pitchFamily="49" charset="0"/>
-              <a:cs typeface="Courier New" panose="02070309020205020404" pitchFamily="49" charset="0"/>
-            </a:endParaRPr>
-          </a:p>
-          <a:p>
-            <a:pPr defTabSz="914400"/>
-            <a:endParaRPr lang="en-US" altLang="en-US" dirty="0" smtClean="0">
-              <a:solidFill>
-                <a:schemeClr val="accent5"/>
-              </a:solidFill>
-              <a:latin typeface="Courier New" panose="02070309020205020404" pitchFamily="49" charset="0"/>
-              <a:cs typeface="Courier New" panose="02070309020205020404" pitchFamily="49" charset="0"/>
-            </a:endParaRPr>
-          </a:p>
-          <a:p>
-            <a:pPr defTabSz="914400"/>
-            <a:endParaRPr lang="en-US" altLang="en-US" dirty="0">
-              <a:solidFill>
-                <a:schemeClr val="accent5"/>
-              </a:solidFill>
-              <a:latin typeface="Courier New" panose="02070309020205020404" pitchFamily="49" charset="0"/>
-              <a:cs typeface="Courier New" panose="02070309020205020404" pitchFamily="49" charset="0"/>
-            </a:endParaRPr>
-          </a:p>
-          <a:p>
-            <a:pPr defTabSz="914400"/>
-            <a:endParaRPr lang="en-US" altLang="en-US" dirty="0" smtClean="0">
-              <a:solidFill>
-                <a:schemeClr val="accent5"/>
-              </a:solidFill>
-              <a:latin typeface="Courier New" panose="02070309020205020404" pitchFamily="49" charset="0"/>
-              <a:cs typeface="Courier New" panose="02070309020205020404" pitchFamily="49" charset="0"/>
-            </a:endParaRPr>
-          </a:p>
-          <a:p>
-            <a:pPr defTabSz="914400"/>
-            <a:endParaRPr lang="en-US" altLang="en-US" dirty="0">
-              <a:solidFill>
-                <a:schemeClr val="accent5"/>
-              </a:solidFill>
-              <a:latin typeface="Courier New" panose="02070309020205020404" pitchFamily="49" charset="0"/>
-              <a:cs typeface="Courier New" panose="02070309020205020404" pitchFamily="49" charset="0"/>
-            </a:endParaRPr>
-          </a:p>
-          <a:p>
-            <a:pPr defTabSz="914400"/>
-            <a:endParaRPr lang="en-US" altLang="en-US" dirty="0">
-              <a:solidFill>
-                <a:schemeClr val="accent5"/>
-              </a:solidFill>
-              <a:latin typeface="Courier New" panose="02070309020205020404" pitchFamily="49" charset="0"/>
-              <a:cs typeface="Courier New" panose="02070309020205020404" pitchFamily="49" charset="0"/>
-            </a:endParaRPr>
-          </a:p>
-        </p:txBody>
-      </p:sp>
+              </a:ln>
+            </p:spPr>
+            <p:txBody>
+              <a:bodyPr wrap="square">
+                <a:spAutoFit/>
+              </a:bodyPr>
+              <a:lstStyle/>
+              <a:p>
+                <a:pPr marL="285750" indent="-285750" defTabSz="914400">
+                  <a:buFontTx/>
+                  <a:buChar char="-"/>
+                </a:pPr>
+                <a:endParaRPr lang="en-US" altLang="en-US" sz="2800" b="1" dirty="0" smtClean="0">
+                  <a:solidFill>
+                    <a:srgbClr val="996600"/>
+                  </a:solidFill>
+                  <a:latin typeface="Courier New" panose="02070309020205020404" pitchFamily="49" charset="0"/>
+                  <a:cs typeface="Courier New" panose="02070309020205020404" pitchFamily="49" charset="0"/>
+                </a:endParaRPr>
+              </a:p>
+              <a:p>
+                <a:pPr marL="285750" indent="-285750" defTabSz="914400">
+                  <a:buFontTx/>
+                  <a:buChar char="-"/>
+                </a:pPr>
+                <a:r>
+                  <a:rPr lang="en-US" altLang="en-US" sz="2800" b="1" dirty="0" err="1" smtClean="0">
+                    <a:solidFill>
+                      <a:srgbClr val="996600"/>
+                    </a:solidFill>
+                    <a:latin typeface="Courier New" panose="02070309020205020404" pitchFamily="49" charset="0"/>
+                    <a:cs typeface="Courier New" panose="02070309020205020404" pitchFamily="49" charset="0"/>
+                  </a:rPr>
+                  <a:t>sa.Column</a:t>
+                </a:r>
+                <a:r>
+                  <a:rPr lang="en-US" altLang="en-US" sz="2800" b="1" dirty="0">
+                    <a:solidFill>
+                      <a:srgbClr val="996600"/>
+                    </a:solidFill>
+                    <a:latin typeface="Courier New" panose="02070309020205020404" pitchFamily="49" charset="0"/>
+                    <a:cs typeface="Courier New" panose="02070309020205020404" pitchFamily="49" charset="0"/>
+                  </a:rPr>
+                  <a:t>('direction', </a:t>
+                </a:r>
+                <a:r>
+                  <a:rPr lang="en-US" altLang="en-US" sz="2800" b="1" dirty="0" smtClean="0">
+                    <a:solidFill>
+                      <a:srgbClr val="996600"/>
+                    </a:solidFill>
+                    <a:latin typeface="Courier New" panose="02070309020205020404" pitchFamily="49" charset="0"/>
+                    <a:cs typeface="Courier New" panose="02070309020205020404" pitchFamily="49" charset="0"/>
+                  </a:rPr>
+                  <a:t>....</a:t>
+                </a:r>
+              </a:p>
+              <a:p>
+                <a:pPr marL="285750" indent="-285750" defTabSz="914400">
+                  <a:buFontTx/>
+                  <a:buChar char="-"/>
+                </a:pPr>
+                <a:endParaRPr lang="en-US" altLang="en-US" sz="2800" b="1" dirty="0" smtClean="0">
+                  <a:solidFill>
+                    <a:srgbClr val="996600"/>
+                  </a:solidFill>
+                  <a:latin typeface="Courier New" panose="02070309020205020404" pitchFamily="49" charset="0"/>
+                  <a:cs typeface="Courier New" panose="02070309020205020404" pitchFamily="49" charset="0"/>
+                </a:endParaRPr>
+              </a:p>
+              <a:p>
+                <a:pPr defTabSz="914400"/>
+                <a:r>
+                  <a:rPr lang="en-US" altLang="en-US" sz="2800" b="1" dirty="0" smtClean="0">
+                    <a:solidFill>
+                      <a:schemeClr val="accent5"/>
+                    </a:solidFill>
+                    <a:latin typeface="Courier New" panose="02070309020205020404" pitchFamily="49" charset="0"/>
+                    <a:cs typeface="Courier New" panose="02070309020205020404" pitchFamily="49" charset="0"/>
+                  </a:rPr>
+                  <a:t>+ </a:t>
+                </a:r>
+                <a:r>
+                  <a:rPr lang="en-US" altLang="en-US" sz="2800" b="1" dirty="0" err="1" smtClean="0">
+                    <a:solidFill>
+                      <a:schemeClr val="accent5"/>
+                    </a:solidFill>
+                    <a:latin typeface="Courier New" panose="02070309020205020404" pitchFamily="49" charset="0"/>
+                    <a:cs typeface="Courier New" panose="02070309020205020404" pitchFamily="49" charset="0"/>
+                  </a:rPr>
+                  <a:t>sa.Column</a:t>
+                </a:r>
+                <a:r>
+                  <a:rPr lang="en-US" altLang="en-US" sz="2800" b="1" dirty="0">
+                    <a:solidFill>
+                      <a:schemeClr val="accent5"/>
+                    </a:solidFill>
+                    <a:latin typeface="Courier New" panose="02070309020205020404" pitchFamily="49" charset="0"/>
+                    <a:cs typeface="Courier New" panose="02070309020205020404" pitchFamily="49" charset="0"/>
+                  </a:rPr>
+                  <a:t>('direction</a:t>
+                </a:r>
+                <a:r>
+                  <a:rPr lang="en-US" altLang="en-US" sz="2800" b="1" dirty="0" smtClean="0">
+                    <a:solidFill>
+                      <a:schemeClr val="accent5"/>
+                    </a:solidFill>
+                    <a:latin typeface="Courier New" panose="02070309020205020404" pitchFamily="49" charset="0"/>
+                    <a:cs typeface="Courier New" panose="02070309020205020404" pitchFamily="49" charset="0"/>
+                  </a:rPr>
+                  <a:t>',</a:t>
+                </a:r>
+              </a:p>
+              <a:p>
+                <a:pPr defTabSz="914400"/>
+                <a:endParaRPr lang="en-US" altLang="en-US" sz="2800" b="1" dirty="0">
+                  <a:solidFill>
+                    <a:schemeClr val="accent5"/>
+                  </a:solidFill>
+                  <a:latin typeface="Courier New" panose="02070309020205020404" pitchFamily="49" charset="0"/>
+                  <a:cs typeface="Courier New" panose="02070309020205020404" pitchFamily="49" charset="0"/>
+                </a:endParaRPr>
+              </a:p>
+              <a:p>
+                <a:pPr defTabSz="914400"/>
+                <a:r>
+                  <a:rPr lang="en-US" altLang="en-US" sz="2800" b="1" dirty="0" smtClean="0">
+                    <a:solidFill>
+                      <a:schemeClr val="accent5"/>
+                    </a:solidFill>
+                    <a:latin typeface="Courier New" panose="02070309020205020404" pitchFamily="49" charset="0"/>
+                    <a:cs typeface="Courier New" panose="02070309020205020404" pitchFamily="49" charset="0"/>
+                  </a:rPr>
+                  <a:t>+ </a:t>
+                </a:r>
+                <a:r>
+                  <a:rPr lang="en-US" altLang="en-US" sz="2800" b="1" dirty="0" err="1" smtClean="0">
+                    <a:solidFill>
+                      <a:schemeClr val="accent5"/>
+                    </a:solidFill>
+                    <a:latin typeface="Courier New" panose="02070309020205020404" pitchFamily="49" charset="0"/>
+                    <a:cs typeface="Courier New" panose="02070309020205020404" pitchFamily="49" charset="0"/>
+                  </a:rPr>
+                  <a:t>sa.Enum</a:t>
+                </a:r>
+                <a:r>
+                  <a:rPr lang="en-US" altLang="en-US" sz="2800" b="1" dirty="0">
+                    <a:solidFill>
+                      <a:schemeClr val="accent5"/>
+                    </a:solidFill>
+                    <a:latin typeface="Courier New" panose="02070309020205020404" pitchFamily="49" charset="0"/>
+                    <a:cs typeface="Courier New" panose="02070309020205020404" pitchFamily="49" charset="0"/>
+                  </a:rPr>
+                  <a:t>('ingress', 'egress</a:t>
+                </a:r>
+                <a:r>
+                  <a:rPr lang="en-US" altLang="en-US" sz="2800" b="1" dirty="0" smtClean="0">
+                    <a:solidFill>
+                      <a:schemeClr val="accent5"/>
+                    </a:solidFill>
+                    <a:latin typeface="Courier New" panose="02070309020205020404" pitchFamily="49" charset="0"/>
+                    <a:cs typeface="Courier New" panose="02070309020205020404" pitchFamily="49" charset="0"/>
+                  </a:rPr>
+                  <a:t>',</a:t>
+                </a:r>
+              </a:p>
+              <a:p>
+                <a:pPr defTabSz="914400"/>
+                <a:endParaRPr lang="en-US" altLang="en-US" sz="2800" b="1" dirty="0">
+                  <a:solidFill>
+                    <a:schemeClr val="accent5"/>
+                  </a:solidFill>
+                  <a:latin typeface="Courier New" panose="02070309020205020404" pitchFamily="49" charset="0"/>
+                  <a:cs typeface="Courier New" panose="02070309020205020404" pitchFamily="49" charset="0"/>
+                </a:endParaRPr>
+              </a:p>
+              <a:p>
+                <a:pPr defTabSz="914400"/>
+                <a:endParaRPr lang="en-US" altLang="en-US" sz="2800" b="1" dirty="0" smtClean="0">
+                  <a:solidFill>
+                    <a:schemeClr val="accent5"/>
+                  </a:solidFill>
+                  <a:latin typeface="Courier New" panose="02070309020205020404" pitchFamily="49" charset="0"/>
+                  <a:cs typeface="Courier New" panose="02070309020205020404" pitchFamily="49" charset="0"/>
+                </a:endParaRPr>
+              </a:p>
+              <a:p>
+                <a:pPr defTabSz="914400"/>
+                <a:endParaRPr lang="en-US" altLang="en-US" sz="2800" b="1" dirty="0">
+                  <a:solidFill>
+                    <a:schemeClr val="accent5"/>
+                  </a:solidFill>
+                  <a:latin typeface="Courier New" panose="02070309020205020404" pitchFamily="49" charset="0"/>
+                  <a:cs typeface="Courier New" panose="02070309020205020404" pitchFamily="49" charset="0"/>
+                </a:endParaRPr>
+              </a:p>
+              <a:p>
+                <a:pPr defTabSz="914400"/>
+                <a:endParaRPr lang="en-US" altLang="en-US" sz="2800" b="1" dirty="0" smtClean="0">
+                  <a:solidFill>
+                    <a:schemeClr val="accent5"/>
+                  </a:solidFill>
+                  <a:latin typeface="Courier New" panose="02070309020205020404" pitchFamily="49" charset="0"/>
+                  <a:cs typeface="Courier New" panose="02070309020205020404" pitchFamily="49" charset="0"/>
+                </a:endParaRPr>
+              </a:p>
+              <a:p>
+                <a:pPr defTabSz="914400"/>
+                <a:endParaRPr lang="en-US" altLang="en-US" sz="2800" b="1" dirty="0">
+                  <a:solidFill>
+                    <a:schemeClr val="accent5"/>
+                  </a:solidFill>
+                  <a:latin typeface="Courier New" panose="02070309020205020404" pitchFamily="49" charset="0"/>
+                  <a:cs typeface="Courier New" panose="02070309020205020404" pitchFamily="49" charset="0"/>
+                </a:endParaRPr>
+              </a:p>
+              <a:p>
+                <a:pPr defTabSz="914400"/>
+                <a:endParaRPr lang="en-US" altLang="en-US" sz="2800" b="1" dirty="0" smtClean="0">
+                  <a:solidFill>
+                    <a:schemeClr val="accent5"/>
+                  </a:solidFill>
+                  <a:latin typeface="Courier New" panose="02070309020205020404" pitchFamily="49" charset="0"/>
+                  <a:cs typeface="Courier New" panose="02070309020205020404" pitchFamily="49" charset="0"/>
+                </a:endParaRPr>
+              </a:p>
+              <a:p>
+                <a:pPr defTabSz="914400"/>
+                <a:endParaRPr lang="en-US" altLang="en-US" sz="2800" b="1" dirty="0">
+                  <a:solidFill>
+                    <a:schemeClr val="accent5"/>
+                  </a:solidFill>
+                  <a:latin typeface="Courier New" panose="02070309020205020404" pitchFamily="49" charset="0"/>
+                  <a:cs typeface="Courier New" panose="02070309020205020404" pitchFamily="49" charset="0"/>
+                </a:endParaRPr>
+              </a:p>
+              <a:p>
+                <a:pPr defTabSz="914400"/>
+                <a:endParaRPr lang="en-US" altLang="en-US" sz="2800" b="1" dirty="0">
+                  <a:solidFill>
+                    <a:schemeClr val="accent5"/>
+                  </a:solidFill>
+                  <a:latin typeface="Courier New" panose="02070309020205020404" pitchFamily="49" charset="0"/>
+                  <a:cs typeface="Courier New" panose="02070309020205020404" pitchFamily="49" charset="0"/>
+                </a:endParaRPr>
+              </a:p>
+            </p:txBody>
+          </p:sp>
+        </p:grpSp>
+      </p:grpSp>
     </p:spTree>
     <p:extLst>
       <p:ext uri="{BB962C8B-B14F-4D97-AF65-F5344CB8AC3E}">
@@ -26961,7 +30929,21 @@
                 <a:latin typeface="Helvetica" panose="020B0604020202020204" pitchFamily="34" charset="0"/>
                 <a:cs typeface="Helvetica" panose="020B0604020202020204" pitchFamily="34" charset="0"/>
               </a:rPr>
-              <a:t>FULLY CONNTECTED LAYER</a:t>
+              <a:t>FULLY </a:t>
+            </a:r>
+            <a:r>
+              <a:rPr lang="en-US" sz="5400" b="1" dirty="0" smtClean="0">
+                <a:latin typeface="Helvetica" panose="020B0604020202020204" pitchFamily="34" charset="0"/>
+                <a:cs typeface="Helvetica" panose="020B0604020202020204" pitchFamily="34" charset="0"/>
+              </a:rPr>
+              <a:t>CONNECTED </a:t>
+            </a:r>
+            <a:r>
+              <a:rPr lang="en-US" sz="5400" b="1" dirty="0" smtClean="0">
+                <a:latin typeface="Helvetica" panose="020B0604020202020204" pitchFamily="34" charset="0"/>
+                <a:cs typeface="Helvetica" panose="020B0604020202020204" pitchFamily="34" charset="0"/>
+              </a:rPr>
+              <a:t>LAYER</a:t>
             </a:r>
             <a:endParaRPr lang="en-US" sz="5400" b="1" dirty="0">
               <a:latin typeface="Helvetica" panose="020B0604020202020204" pitchFamily="34" charset="0"/>
@@ -43681,6 +47663,210 @@
           </p:style>
         </p:cxnSp>
       </p:grpSp>
+      <p:sp>
+        <p:nvSpPr>
+          <p:cNvPr id="142" name="Right Bracket 141"/>
+          <p:cNvSpPr/>
+          <p:nvPr/>
+        </p:nvSpPr>
+        <p:spPr>
+          <a:xfrm rot="5400000">
+            <a:off x="12175333" y="4213464"/>
+            <a:ext cx="351141" cy="8232123"/>
+          </a:xfrm>
+          <a:prstGeom prst="rightBracket">
+            <a:avLst/>
+          </a:prstGeom>
+          <a:solidFill>
+            <a:schemeClr val="bg1"/>
+          </a:solidFill>
+          <a:ln w="57150">
+            <a:solidFill>
+              <a:schemeClr val="accent3">
+                <a:lumMod val="50000"/>
+              </a:schemeClr>
+            </a:solidFill>
+            <a:prstDash val="sysDash"/>
+          </a:ln>
+        </p:spPr>
+        <p:style>
+          <a:lnRef idx="1">
+            <a:schemeClr val="accent1"/>
+          </a:lnRef>
+          <a:fillRef idx="0">
+            <a:schemeClr val="accent1"/>
+          </a:fillRef>
+          <a:effectRef idx="0">
+            <a:schemeClr val="accent1"/>
+          </a:effectRef>
+          <a:fontRef idx="minor">
+            <a:schemeClr val="tx1"/>
+          </a:fontRef>
+        </p:style>
+        <p:txBody>
+          <a:bodyPr rtlCol="0" anchor="ctr"/>
+          <a:lstStyle/>
+          <a:p>
+            <a:pPr algn="ctr"/>
+            <a:endParaRPr lang="en-US">
+              <a:solidFill>
+                <a:schemeClr val="accent3">
+                  <a:lumMod val="50000"/>
+                </a:schemeClr>
+              </a:solidFill>
+            </a:endParaRPr>
+          </a:p>
+        </p:txBody>
+      </p:sp>
+      <p:sp>
+        <p:nvSpPr>
+          <p:cNvPr id="145" name="TextBox 144"/>
+          <p:cNvSpPr txBox="1"/>
+          <p:nvPr/>
+        </p:nvSpPr>
+        <p:spPr>
+          <a:xfrm>
+            <a:off x="9596537" y="7826311"/>
+            <a:ext cx="5508731" cy="707886"/>
+          </a:xfrm>
+          <a:prstGeom prst="rect">
+            <a:avLst/>
+          </a:prstGeom>
+          <a:noFill/>
+        </p:spPr>
+        <p:txBody>
+          <a:bodyPr wrap="square" rtlCol="0">
+            <a:spAutoFit/>
+          </a:bodyPr>
+          <a:lstStyle/>
+          <a:p>
+            <a:pPr algn="ctr"/>
+            <a:r>
+              <a:rPr lang="en-US" sz="4000" b="1" dirty="0" smtClean="0">
+                <a:solidFill>
+                  <a:schemeClr val="accent3">
+                    <a:lumMod val="50000"/>
+                  </a:schemeClr>
+                </a:solidFill>
+                <a:latin typeface="Helvetica" panose="020B0604020202020204" pitchFamily="34" charset="0"/>
+                <a:cs typeface="Helvetica" panose="020B0604020202020204" pitchFamily="34" charset="0"/>
+              </a:rPr>
+              <a:t>FEATURE LEARNING</a:t>
+            </a:r>
+            <a:endParaRPr lang="en-US" sz="4000" b="1" dirty="0">
+              <a:solidFill>
+                <a:schemeClr val="accent3">
+                  <a:lumMod val="50000"/>
+                </a:schemeClr>
+              </a:solidFill>
+              <a:latin typeface="Helvetica" panose="020B0604020202020204" pitchFamily="34" charset="0"/>
+              <a:cs typeface="Helvetica" panose="020B0604020202020204" pitchFamily="34" charset="0"/>
+            </a:endParaRPr>
+          </a:p>
+        </p:txBody>
+      </p:sp>
+      <p:sp>
+        <p:nvSpPr>
+          <p:cNvPr id="150" name="Right Bracket 149"/>
+          <p:cNvSpPr/>
+          <p:nvPr/>
+        </p:nvSpPr>
+        <p:spPr>
+          <a:xfrm rot="5400000">
+            <a:off x="19486697" y="5513374"/>
+            <a:ext cx="310316" cy="5598090"/>
+          </a:xfrm>
+          <a:prstGeom prst="rightBracket">
+            <a:avLst/>
+          </a:prstGeom>
+          <a:solidFill>
+            <a:schemeClr val="bg1"/>
+          </a:solidFill>
+          <a:ln w="57150">
+            <a:solidFill>
+              <a:schemeClr val="accent3">
+                <a:lumMod val="50000"/>
+              </a:schemeClr>
+            </a:solidFill>
+            <a:prstDash val="sysDash"/>
+          </a:ln>
+        </p:spPr>
+        <p:style>
+          <a:lnRef idx="1">
+            <a:schemeClr val="accent1"/>
+          </a:lnRef>
+          <a:fillRef idx="0">
+            <a:schemeClr val="accent1"/>
+          </a:fillRef>
+          <a:effectRef idx="0">
+            <a:schemeClr val="accent1"/>
+          </a:effectRef>
+          <a:fontRef idx="minor">
+            <a:schemeClr val="tx1"/>
+          </a:fontRef>
+        </p:style>
+        <p:txBody>
+          <a:bodyPr rtlCol="0" anchor="ctr"/>
+          <a:lstStyle/>
+          <a:p>
+            <a:pPr algn="ctr"/>
+            <a:endParaRPr lang="en-US">
+              <a:solidFill>
+                <a:schemeClr val="accent3">
+                  <a:lumMod val="50000"/>
+                </a:schemeClr>
+              </a:solidFill>
+            </a:endParaRPr>
+          </a:p>
+        </p:txBody>
+      </p:sp>
+      <p:sp>
+        <p:nvSpPr>
+          <p:cNvPr id="151" name="TextBox 150"/>
+          <p:cNvSpPr txBox="1"/>
+          <p:nvPr/>
+        </p:nvSpPr>
+        <p:spPr>
+          <a:xfrm>
+            <a:off x="17283321" y="7817295"/>
+            <a:ext cx="4738362" cy="707886"/>
+          </a:xfrm>
+          <a:prstGeom prst="rect">
+            <a:avLst/>
+          </a:prstGeom>
+          <a:noFill/>
+        </p:spPr>
+        <p:txBody>
+          <a:bodyPr wrap="square" rtlCol="0">
+            <a:spAutoFit/>
+          </a:bodyPr>
+          <a:lstStyle/>
+          <a:p>
+            <a:pPr algn="ctr"/>
+            <a:r>
+              <a:rPr lang="en-US" sz="4000" b="1" dirty="0" smtClean="0">
+                <a:solidFill>
+                  <a:schemeClr val="accent3">
+                    <a:lumMod val="50000"/>
+                  </a:schemeClr>
+                </a:solidFill>
+                <a:latin typeface="Helvetica" panose="020B0604020202020204" pitchFamily="34" charset="0"/>
+                <a:cs typeface="Helvetica" panose="020B0604020202020204" pitchFamily="34" charset="0"/>
+              </a:rPr>
+              <a:t>CLASSIFICATION</a:t>
+            </a:r>
+            <a:endParaRPr lang="en-US" sz="4000" b="1" dirty="0">
+              <a:solidFill>
+                <a:schemeClr val="accent3">
+                  <a:lumMod val="50000"/>
+                </a:schemeClr>
+              </a:solidFill>
+              <a:latin typeface="Helvetica" panose="020B0604020202020204" pitchFamily="34" charset="0"/>
+              <a:cs typeface="Helvetica" panose="020B0604020202020204" pitchFamily="34" charset="0"/>
+            </a:endParaRPr>
+          </a:p>
+        </p:txBody>
+      </p:sp>
     </p:spTree>
     <p:extLst>
       <p:ext uri="{BB962C8B-B14F-4D97-AF65-F5344CB8AC3E}">
